--- a/documents/노루막이_김형준_신창섭_홍승필_허지훈.pptx
+++ b/documents/노루막이_김형준_신창섭_홍승필_허지훈.pptx
@@ -19,17 +19,17 @@
     <p:sldId id="412" r:id="rId7"/>
     <p:sldId id="417" r:id="rId8"/>
     <p:sldId id="359" r:id="rId9"/>
-    <p:sldId id="399" r:id="rId10"/>
-    <p:sldId id="401" r:id="rId11"/>
-    <p:sldId id="391" r:id="rId12"/>
-    <p:sldId id="414" r:id="rId13"/>
-    <p:sldId id="273" r:id="rId14"/>
-    <p:sldId id="413" r:id="rId15"/>
-    <p:sldId id="402" r:id="rId16"/>
-    <p:sldId id="403" r:id="rId17"/>
-    <p:sldId id="357" r:id="rId18"/>
-    <p:sldId id="345" r:id="rId19"/>
-    <p:sldId id="407" r:id="rId20"/>
+    <p:sldId id="418" r:id="rId10"/>
+    <p:sldId id="399" r:id="rId11"/>
+    <p:sldId id="401" r:id="rId12"/>
+    <p:sldId id="391" r:id="rId13"/>
+    <p:sldId id="414" r:id="rId14"/>
+    <p:sldId id="273" r:id="rId15"/>
+    <p:sldId id="413" r:id="rId16"/>
+    <p:sldId id="402" r:id="rId17"/>
+    <p:sldId id="403" r:id="rId18"/>
+    <p:sldId id="357" r:id="rId19"/>
+    <p:sldId id="345" r:id="rId20"/>
     <p:sldId id="384" r:id="rId21"/>
     <p:sldId id="405" r:id="rId22"/>
     <p:sldId id="346" r:id="rId23"/>
@@ -234,7 +234,7 @@
           <a:p>
             <a:fld id="{C0784820-E37F-9245-812A-8C2941EBBF6C}" type="datetimeFigureOut">
               <a:rPr kumimoji="1" lang="ko-KR" altLang="en-US" smtClean="0"/>
-              <a:t>2016. 12. 7.</a:t>
+              <a:t>2016. 12. 11.</a:t>
             </a:fld>
             <a:endParaRPr kumimoji="1" lang="ko-KR" altLang="en-US"/>
           </a:p>
@@ -399,7 +399,7 @@
           <a:p>
             <a:fld id="{ABD44343-005F-DA4E-8CE2-D84E76ABEFED}" type="datetimeFigureOut">
               <a:rPr kumimoji="1" lang="ko-KR" altLang="en-US" smtClean="0"/>
-              <a:t>2016. 12. 7.</a:t>
+              <a:t>2016. 12. 11.</a:t>
             </a:fld>
             <a:endParaRPr kumimoji="1" lang="ko-KR" altLang="en-US"/>
           </a:p>
@@ -927,7 +927,7 @@
           <a:p>
             <a:fld id="{D39C498E-0BA9-4748-85A3-59023D192E99}" type="slidenum">
               <a:rPr kumimoji="1" lang="ko-KR" altLang="en-US" smtClean="0"/>
-              <a:t>13</a:t>
+              <a:t>14</a:t>
             </a:fld>
             <a:endParaRPr kumimoji="1" lang="ko-KR" altLang="en-US"/>
           </a:p>
@@ -1075,7 +1075,7 @@
           <a:p>
             <a:fld id="{9A7BEA77-FCFD-E34F-8955-12C1E82451E3}" type="datetimeFigureOut">
               <a:rPr kumimoji="1" lang="ko-KR" altLang="en-US" smtClean="0"/>
-              <a:t>2016. 12. 7.</a:t>
+              <a:t>2016. 12. 11.</a:t>
             </a:fld>
             <a:endParaRPr kumimoji="1" lang="ko-KR" altLang="en-US"/>
           </a:p>
@@ -1243,7 +1243,7 @@
           <a:p>
             <a:fld id="{9A7BEA77-FCFD-E34F-8955-12C1E82451E3}" type="datetimeFigureOut">
               <a:rPr kumimoji="1" lang="ko-KR" altLang="en-US" smtClean="0"/>
-              <a:t>2016. 12. 7.</a:t>
+              <a:t>2016. 12. 11.</a:t>
             </a:fld>
             <a:endParaRPr kumimoji="1" lang="ko-KR" altLang="en-US"/>
           </a:p>
@@ -1421,7 +1421,7 @@
           <a:p>
             <a:fld id="{9A7BEA77-FCFD-E34F-8955-12C1E82451E3}" type="datetimeFigureOut">
               <a:rPr kumimoji="1" lang="ko-KR" altLang="en-US" smtClean="0"/>
-              <a:t>2016. 12. 7.</a:t>
+              <a:t>2016. 12. 11.</a:t>
             </a:fld>
             <a:endParaRPr kumimoji="1" lang="ko-KR" altLang="en-US"/>
           </a:p>
@@ -1589,7 +1589,7 @@
           <a:p>
             <a:fld id="{9A7BEA77-FCFD-E34F-8955-12C1E82451E3}" type="datetimeFigureOut">
               <a:rPr kumimoji="1" lang="ko-KR" altLang="en-US" smtClean="0"/>
-              <a:t>2016. 12. 7.</a:t>
+              <a:t>2016. 12. 11.</a:t>
             </a:fld>
             <a:endParaRPr kumimoji="1" lang="ko-KR" altLang="en-US"/>
           </a:p>
@@ -1834,7 +1834,7 @@
           <a:p>
             <a:fld id="{9A7BEA77-FCFD-E34F-8955-12C1E82451E3}" type="datetimeFigureOut">
               <a:rPr kumimoji="1" lang="ko-KR" altLang="en-US" smtClean="0"/>
-              <a:t>2016. 12. 7.</a:t>
+              <a:t>2016. 12. 11.</a:t>
             </a:fld>
             <a:endParaRPr kumimoji="1" lang="ko-KR" altLang="en-US"/>
           </a:p>
@@ -2063,7 +2063,7 @@
           <a:p>
             <a:fld id="{9A7BEA77-FCFD-E34F-8955-12C1E82451E3}" type="datetimeFigureOut">
               <a:rPr kumimoji="1" lang="ko-KR" altLang="en-US" smtClean="0"/>
-              <a:t>2016. 12. 7.</a:t>
+              <a:t>2016. 12. 11.</a:t>
             </a:fld>
             <a:endParaRPr kumimoji="1" lang="ko-KR" altLang="en-US"/>
           </a:p>
@@ -2427,7 +2427,7 @@
           <a:p>
             <a:fld id="{9A7BEA77-FCFD-E34F-8955-12C1E82451E3}" type="datetimeFigureOut">
               <a:rPr kumimoji="1" lang="ko-KR" altLang="en-US" smtClean="0"/>
-              <a:t>2016. 12. 7.</a:t>
+              <a:t>2016. 12. 11.</a:t>
             </a:fld>
             <a:endParaRPr kumimoji="1" lang="ko-KR" altLang="en-US"/>
           </a:p>
@@ -2544,7 +2544,7 @@
           <a:p>
             <a:fld id="{9A7BEA77-FCFD-E34F-8955-12C1E82451E3}" type="datetimeFigureOut">
               <a:rPr kumimoji="1" lang="ko-KR" altLang="en-US" smtClean="0"/>
-              <a:t>2016. 12. 7.</a:t>
+              <a:t>2016. 12. 11.</a:t>
             </a:fld>
             <a:endParaRPr kumimoji="1" lang="ko-KR" altLang="en-US"/>
           </a:p>
@@ -2639,7 +2639,7 @@
           <a:p>
             <a:fld id="{9A7BEA77-FCFD-E34F-8955-12C1E82451E3}" type="datetimeFigureOut">
               <a:rPr kumimoji="1" lang="ko-KR" altLang="en-US" smtClean="0"/>
-              <a:t>2016. 12. 7.</a:t>
+              <a:t>2016. 12. 11.</a:t>
             </a:fld>
             <a:endParaRPr kumimoji="1" lang="ko-KR" altLang="en-US"/>
           </a:p>
@@ -2914,7 +2914,7 @@
           <a:p>
             <a:fld id="{9A7BEA77-FCFD-E34F-8955-12C1E82451E3}" type="datetimeFigureOut">
               <a:rPr kumimoji="1" lang="ko-KR" altLang="en-US" smtClean="0"/>
-              <a:t>2016. 12. 7.</a:t>
+              <a:t>2016. 12. 11.</a:t>
             </a:fld>
             <a:endParaRPr kumimoji="1" lang="ko-KR" altLang="en-US"/>
           </a:p>
@@ -3166,7 +3166,7 @@
           <a:p>
             <a:fld id="{9A7BEA77-FCFD-E34F-8955-12C1E82451E3}" type="datetimeFigureOut">
               <a:rPr kumimoji="1" lang="ko-KR" altLang="en-US" smtClean="0"/>
-              <a:t>2016. 12. 7.</a:t>
+              <a:t>2016. 12. 11.</a:t>
             </a:fld>
             <a:endParaRPr kumimoji="1" lang="ko-KR" altLang="en-US"/>
           </a:p>
@@ -3377,7 +3377,7 @@
           <a:p>
             <a:fld id="{9A7BEA77-FCFD-E34F-8955-12C1E82451E3}" type="datetimeFigureOut">
               <a:rPr kumimoji="1" lang="ko-KR" altLang="en-US" smtClean="0"/>
-              <a:t>2016. 12. 7.</a:t>
+              <a:t>2016. 12. 11.</a:t>
             </a:fld>
             <a:endParaRPr kumimoji="1" lang="ko-KR" altLang="en-US"/>
           </a:p>
@@ -6423,6 +6423,1270 @@
                   <a:schemeClr val="bg1"/>
                 </a:solidFill>
               </a:rPr>
+              <a:t>차별화 가능한 액션 전투 시스템 기획</a:t>
+            </a:r>
+            <a:endParaRPr kumimoji="1" lang="en-US" altLang="ko-KR" sz="3600" b="1" dirty="0">
+              <a:solidFill>
+                <a:schemeClr val="bg1"/>
+              </a:solidFill>
+            </a:endParaRPr>
+          </a:p>
+          <a:p>
+            <a:pPr algn="ctr"/>
+            <a:r>
+              <a:rPr kumimoji="1" lang="ko-KR" altLang="en-US" sz="3200" b="1" dirty="0">
+                <a:solidFill>
+                  <a:schemeClr val="bg1">
+                    <a:lumMod val="50000"/>
+                  </a:schemeClr>
+                </a:solidFill>
+              </a:rPr>
+              <a:t>발열 시스템을 메인으로 한 액션성을</a:t>
+            </a:r>
+            <a:endParaRPr kumimoji="1" lang="en-US" altLang="ko-KR" sz="3200" b="1" dirty="0">
+              <a:solidFill>
+                <a:schemeClr val="bg1">
+                  <a:lumMod val="50000"/>
+                </a:schemeClr>
+              </a:solidFill>
+            </a:endParaRPr>
+          </a:p>
+          <a:p>
+            <a:pPr algn="ctr"/>
+            <a:r>
+              <a:rPr kumimoji="1" lang="ko-KR" altLang="en-US" sz="3200" b="1" dirty="0">
+                <a:solidFill>
+                  <a:schemeClr val="bg1">
+                    <a:lumMod val="50000"/>
+                  </a:schemeClr>
+                </a:solidFill>
+              </a:rPr>
+              <a:t>살려줄 수 있는 전투시스템 도입</a:t>
+            </a:r>
+          </a:p>
+        </p:txBody>
+      </p:sp>
+      <p:sp>
+        <p:nvSpPr>
+          <p:cNvPr id="12" name="TextBox 3"/>
+          <p:cNvSpPr txBox="1"/>
+          <p:nvPr/>
+        </p:nvSpPr>
+        <p:spPr>
+          <a:xfrm>
+            <a:off x="6852830" y="1149348"/>
+            <a:ext cx="3966150" cy="1938992"/>
+          </a:xfrm>
+          <a:prstGeom prst="rect">
+            <a:avLst/>
+          </a:prstGeom>
+          <a:noFill/>
+        </p:spPr>
+        <p:txBody>
+          <a:bodyPr wrap="none" rtlCol="0">
+            <a:spAutoFit/>
+          </a:bodyPr>
+          <a:lstStyle/>
+          <a:p>
+            <a:pPr algn="ctr"/>
+            <a:r>
+              <a:rPr kumimoji="1" lang="ko-KR" altLang="en-US" sz="4800" b="1" dirty="0" smtClean="0">
+                <a:solidFill>
+                  <a:srgbClr val="FFC000"/>
+                </a:solidFill>
+              </a:rPr>
+              <a:t>기획 </a:t>
+            </a:r>
+            <a:r>
+              <a:rPr kumimoji="1" lang="en-US" altLang="ko-KR" sz="4800" b="1" dirty="0" smtClean="0">
+                <a:solidFill>
+                  <a:srgbClr val="FFC000"/>
+                </a:solidFill>
+              </a:rPr>
+              <a:t>/</a:t>
+            </a:r>
+            <a:r>
+              <a:rPr kumimoji="1" lang="ko-KR" altLang="en-US" sz="4800" b="1" dirty="0" smtClean="0">
+                <a:solidFill>
+                  <a:srgbClr val="FFC000"/>
+                </a:solidFill>
+              </a:rPr>
+              <a:t> 그래픽</a:t>
+            </a:r>
+            <a:endParaRPr kumimoji="1" lang="en-US" altLang="ko-KR" sz="4800" b="1" dirty="0">
+              <a:solidFill>
+                <a:srgbClr val="FFC000"/>
+              </a:solidFill>
+            </a:endParaRPr>
+          </a:p>
+          <a:p>
+            <a:pPr algn="ctr"/>
+            <a:r>
+              <a:rPr kumimoji="1" lang="ko-KR" altLang="en-US" sz="7200" b="1" dirty="0">
+                <a:solidFill>
+                  <a:schemeClr val="bg1"/>
+                </a:solidFill>
+              </a:rPr>
+              <a:t>신창섭</a:t>
+            </a:r>
+            <a:endParaRPr kumimoji="1" lang="en-US" altLang="ko-KR" sz="7200" b="1" dirty="0">
+              <a:solidFill>
+                <a:schemeClr val="bg1"/>
+              </a:solidFill>
+            </a:endParaRPr>
+          </a:p>
+        </p:txBody>
+      </p:sp>
+      <p:sp>
+        <p:nvSpPr>
+          <p:cNvPr id="9" name="TextBox 3"/>
+          <p:cNvSpPr txBox="1"/>
+          <p:nvPr/>
+        </p:nvSpPr>
+        <p:spPr>
+          <a:xfrm>
+            <a:off x="5386511" y="732982"/>
+            <a:ext cx="1418978" cy="2646878"/>
+          </a:xfrm>
+          <a:prstGeom prst="rect">
+            <a:avLst/>
+          </a:prstGeom>
+          <a:noFill/>
+        </p:spPr>
+        <p:txBody>
+          <a:bodyPr wrap="none" rtlCol="0">
+            <a:spAutoFit/>
+          </a:bodyPr>
+          <a:lstStyle/>
+          <a:p>
+            <a:pPr algn="ctr"/>
+            <a:r>
+              <a:rPr kumimoji="1" lang="en-US" altLang="ko-KR" sz="16600" b="1" dirty="0">
+                <a:solidFill>
+                  <a:schemeClr val="bg1"/>
+                </a:solidFill>
+              </a:rPr>
+              <a:t>1</a:t>
+            </a:r>
+          </a:p>
+        </p:txBody>
+      </p:sp>
+    </p:spTree>
+    <p:extLst>
+      <p:ext uri="{BB962C8B-B14F-4D97-AF65-F5344CB8AC3E}">
+        <p14:creationId xmlns:p14="http://schemas.microsoft.com/office/powerpoint/2010/main" val="118443831"/>
+      </p:ext>
+    </p:extLst>
+  </p:cSld>
+  <p:clrMapOvr>
+    <a:masterClrMapping/>
+  </p:clrMapOvr>
+  <p:transition spd="slow">
+    <p:push dir="u"/>
+  </p:transition>
+  <mc:AlternateContent xmlns:mc="http://schemas.openxmlformats.org/markup-compatibility/2006" xmlns:p14="http://schemas.microsoft.com/office/powerpoint/2010/main">
+    <mc:Choice Requires="p14">
+      <p:timing>
+        <p:tnLst>
+          <p:par>
+            <p:cTn id="1" dur="indefinite" restart="never" nodeType="tmRoot">
+              <p:childTnLst>
+                <p:seq concurrent="1" nextAc="seek">
+                  <p:cTn id="2" dur="indefinite" nodeType="mainSeq">
+                    <p:childTnLst>
+                      <p:par>
+                        <p:cTn id="3" fill="hold">
+                          <p:stCondLst>
+                            <p:cond delay="indefinite"/>
+                            <p:cond evt="onBegin" delay="0">
+                              <p:tn val="2"/>
+                            </p:cond>
+                          </p:stCondLst>
+                          <p:childTnLst>
+                            <p:par>
+                              <p:cTn id="4" fill="hold">
+                                <p:stCondLst>
+                                  <p:cond delay="0"/>
+                                </p:stCondLst>
+                                <p:childTnLst>
+                                  <p:par>
+                                    <p:cTn id="5" presetID="41" presetClass="entr" presetSubtype="0" fill="hold" grpId="1" nodeType="withEffect">
+                                      <p:stCondLst>
+                                        <p:cond delay="0"/>
+                                      </p:stCondLst>
+                                      <p:iterate type="lt">
+                                        <p:tmPct val="10000"/>
+                                      </p:iterate>
+                                      <p:childTnLst>
+                                        <p:set>
+                                          <p:cBhvr>
+                                            <p:cTn id="6" dur="1" fill="hold">
+                                              <p:stCondLst>
+                                                <p:cond delay="0"/>
+                                              </p:stCondLst>
+                                            </p:cTn>
+                                            <p:tgtEl>
+                                              <p:spTgt spid="4"/>
+                                            </p:tgtEl>
+                                            <p:attrNameLst>
+                                              <p:attrName>style.visibility</p:attrName>
+                                            </p:attrNameLst>
+                                          </p:cBhvr>
+                                          <p:to>
+                                            <p:strVal val="visible"/>
+                                          </p:to>
+                                        </p:set>
+                                        <p:anim calcmode="lin" valueType="num">
+                                          <p:cBhvr>
+                                            <p:cTn id="7" dur="500" fill="hold"/>
+                                            <p:tgtEl>
+                                              <p:spTgt spid="4"/>
+                                            </p:tgtEl>
+                                            <p:attrNameLst>
+                                              <p:attrName>ppt_x</p:attrName>
+                                            </p:attrNameLst>
+                                          </p:cBhvr>
+                                          <p:tavLst>
+                                            <p:tav tm="0">
+                                              <p:val>
+                                                <p:strVal val="#ppt_x"/>
+                                              </p:val>
+                                            </p:tav>
+                                            <p:tav tm="50000">
+                                              <p:val>
+                                                <p:strVal val="#ppt_x+.1"/>
+                                              </p:val>
+                                            </p:tav>
+                                            <p:tav tm="100000">
+                                              <p:val>
+                                                <p:strVal val="#ppt_x"/>
+                                              </p:val>
+                                            </p:tav>
+                                          </p:tavLst>
+                                        </p:anim>
+                                        <p:anim calcmode="lin" valueType="num">
+                                          <p:cBhvr>
+                                            <p:cTn id="8" dur="500" fill="hold"/>
+                                            <p:tgtEl>
+                                              <p:spTgt spid="4"/>
+                                            </p:tgtEl>
+                                            <p:attrNameLst>
+                                              <p:attrName>ppt_y</p:attrName>
+                                            </p:attrNameLst>
+                                          </p:cBhvr>
+                                          <p:tavLst>
+                                            <p:tav tm="0">
+                                              <p:val>
+                                                <p:strVal val="#ppt_y"/>
+                                              </p:val>
+                                            </p:tav>
+                                            <p:tav tm="100000">
+                                              <p:val>
+                                                <p:strVal val="#ppt_y"/>
+                                              </p:val>
+                                            </p:tav>
+                                          </p:tavLst>
+                                        </p:anim>
+                                        <p:anim calcmode="lin" valueType="num">
+                                          <p:cBhvr>
+                                            <p:cTn id="9" dur="500" fill="hold"/>
+                                            <p:tgtEl>
+                                              <p:spTgt spid="4"/>
+                                            </p:tgtEl>
+                                            <p:attrNameLst>
+                                              <p:attrName>ppt_h</p:attrName>
+                                            </p:attrNameLst>
+                                          </p:cBhvr>
+                                          <p:tavLst>
+                                            <p:tav tm="0">
+                                              <p:val>
+                                                <p:strVal val="#ppt_h/10"/>
+                                              </p:val>
+                                            </p:tav>
+                                            <p:tav tm="50000">
+                                              <p:val>
+                                                <p:strVal val="#ppt_h+.01"/>
+                                              </p:val>
+                                            </p:tav>
+                                            <p:tav tm="100000">
+                                              <p:val>
+                                                <p:strVal val="#ppt_h"/>
+                                              </p:val>
+                                            </p:tav>
+                                          </p:tavLst>
+                                        </p:anim>
+                                        <p:anim calcmode="lin" valueType="num">
+                                          <p:cBhvr>
+                                            <p:cTn id="10" dur="500" fill="hold"/>
+                                            <p:tgtEl>
+                                              <p:spTgt spid="4"/>
+                                            </p:tgtEl>
+                                            <p:attrNameLst>
+                                              <p:attrName>ppt_w</p:attrName>
+                                            </p:attrNameLst>
+                                          </p:cBhvr>
+                                          <p:tavLst>
+                                            <p:tav tm="0">
+                                              <p:val>
+                                                <p:strVal val="#ppt_w/10"/>
+                                              </p:val>
+                                            </p:tav>
+                                            <p:tav tm="50000">
+                                              <p:val>
+                                                <p:strVal val="#ppt_w+.01"/>
+                                              </p:val>
+                                            </p:tav>
+                                            <p:tav tm="100000">
+                                              <p:val>
+                                                <p:strVal val="#ppt_w"/>
+                                              </p:val>
+                                            </p:tav>
+                                          </p:tavLst>
+                                        </p:anim>
+                                        <p:animEffect transition="in" filter="fade">
+                                          <p:cBhvr>
+                                            <p:cTn id="11" dur="500" tmFilter="0,0; .5, 1; 1, 1"/>
+                                            <p:tgtEl>
+                                              <p:spTgt spid="4"/>
+                                            </p:tgtEl>
+                                          </p:cBhvr>
+                                        </p:animEffect>
+                                      </p:childTnLst>
+                                    </p:cTn>
+                                  </p:par>
+                                  <p:par>
+                                    <p:cTn id="12" presetID="41" presetClass="entr" presetSubtype="0" fill="hold" grpId="1" nodeType="withEffect">
+                                      <p:stCondLst>
+                                        <p:cond delay="0"/>
+                                      </p:stCondLst>
+                                      <p:iterate type="lt">
+                                        <p:tmPct val="10000"/>
+                                      </p:iterate>
+                                      <p:childTnLst>
+                                        <p:set>
+                                          <p:cBhvr>
+                                            <p:cTn id="13" dur="1" fill="hold">
+                                              <p:stCondLst>
+                                                <p:cond delay="0"/>
+                                              </p:stCondLst>
+                                            </p:cTn>
+                                            <p:tgtEl>
+                                              <p:spTgt spid="12"/>
+                                            </p:tgtEl>
+                                            <p:attrNameLst>
+                                              <p:attrName>style.visibility</p:attrName>
+                                            </p:attrNameLst>
+                                          </p:cBhvr>
+                                          <p:to>
+                                            <p:strVal val="visible"/>
+                                          </p:to>
+                                        </p:set>
+                                        <p:anim calcmode="lin" valueType="num">
+                                          <p:cBhvr>
+                                            <p:cTn id="14" dur="500" fill="hold"/>
+                                            <p:tgtEl>
+                                              <p:spTgt spid="12"/>
+                                            </p:tgtEl>
+                                            <p:attrNameLst>
+                                              <p:attrName>ppt_x</p:attrName>
+                                            </p:attrNameLst>
+                                          </p:cBhvr>
+                                          <p:tavLst>
+                                            <p:tav tm="0">
+                                              <p:val>
+                                                <p:strVal val="#ppt_x"/>
+                                              </p:val>
+                                            </p:tav>
+                                            <p:tav tm="50000">
+                                              <p:val>
+                                                <p:strVal val="#ppt_x+.1"/>
+                                              </p:val>
+                                            </p:tav>
+                                            <p:tav tm="100000">
+                                              <p:val>
+                                                <p:strVal val="#ppt_x"/>
+                                              </p:val>
+                                            </p:tav>
+                                          </p:tavLst>
+                                        </p:anim>
+                                        <p:anim calcmode="lin" valueType="num">
+                                          <p:cBhvr>
+                                            <p:cTn id="15" dur="500" fill="hold"/>
+                                            <p:tgtEl>
+                                              <p:spTgt spid="12"/>
+                                            </p:tgtEl>
+                                            <p:attrNameLst>
+                                              <p:attrName>ppt_y</p:attrName>
+                                            </p:attrNameLst>
+                                          </p:cBhvr>
+                                          <p:tavLst>
+                                            <p:tav tm="0">
+                                              <p:val>
+                                                <p:strVal val="#ppt_y"/>
+                                              </p:val>
+                                            </p:tav>
+                                            <p:tav tm="100000">
+                                              <p:val>
+                                                <p:strVal val="#ppt_y"/>
+                                              </p:val>
+                                            </p:tav>
+                                          </p:tavLst>
+                                        </p:anim>
+                                        <p:anim calcmode="lin" valueType="num">
+                                          <p:cBhvr>
+                                            <p:cTn id="16" dur="500" fill="hold"/>
+                                            <p:tgtEl>
+                                              <p:spTgt spid="12"/>
+                                            </p:tgtEl>
+                                            <p:attrNameLst>
+                                              <p:attrName>ppt_h</p:attrName>
+                                            </p:attrNameLst>
+                                          </p:cBhvr>
+                                          <p:tavLst>
+                                            <p:tav tm="0">
+                                              <p:val>
+                                                <p:strVal val="#ppt_h/10"/>
+                                              </p:val>
+                                            </p:tav>
+                                            <p:tav tm="50000">
+                                              <p:val>
+                                                <p:strVal val="#ppt_h+.01"/>
+                                              </p:val>
+                                            </p:tav>
+                                            <p:tav tm="100000">
+                                              <p:val>
+                                                <p:strVal val="#ppt_h"/>
+                                              </p:val>
+                                            </p:tav>
+                                          </p:tavLst>
+                                        </p:anim>
+                                        <p:anim calcmode="lin" valueType="num">
+                                          <p:cBhvr>
+                                            <p:cTn id="17" dur="500" fill="hold"/>
+                                            <p:tgtEl>
+                                              <p:spTgt spid="12"/>
+                                            </p:tgtEl>
+                                            <p:attrNameLst>
+                                              <p:attrName>ppt_w</p:attrName>
+                                            </p:attrNameLst>
+                                          </p:cBhvr>
+                                          <p:tavLst>
+                                            <p:tav tm="0">
+                                              <p:val>
+                                                <p:strVal val="#ppt_w/10"/>
+                                              </p:val>
+                                            </p:tav>
+                                            <p:tav tm="50000">
+                                              <p:val>
+                                                <p:strVal val="#ppt_w+.01"/>
+                                              </p:val>
+                                            </p:tav>
+                                            <p:tav tm="100000">
+                                              <p:val>
+                                                <p:strVal val="#ppt_w"/>
+                                              </p:val>
+                                            </p:tav>
+                                          </p:tavLst>
+                                        </p:anim>
+                                        <p:animEffect transition="in" filter="fade">
+                                          <p:cBhvr>
+                                            <p:cTn id="18" dur="500" tmFilter="0,0; .5, 1; 1, 1"/>
+                                            <p:tgtEl>
+                                              <p:spTgt spid="12"/>
+                                            </p:tgtEl>
+                                          </p:cBhvr>
+                                        </p:animEffect>
+                                      </p:childTnLst>
+                                    </p:cTn>
+                                  </p:par>
+                                </p:childTnLst>
+                              </p:cTn>
+                            </p:par>
+                            <p:par>
+                              <p:cTn id="19" fill="hold">
+                                <p:stCondLst>
+                                  <p:cond delay="900"/>
+                                </p:stCondLst>
+                                <p:childTnLst>
+                                  <p:par>
+                                    <p:cTn id="20" presetID="2" presetClass="entr" presetSubtype="1" fill="hold" grpId="1" nodeType="afterEffect" p14:presetBounceEnd="50000">
+                                      <p:stCondLst>
+                                        <p:cond delay="0"/>
+                                      </p:stCondLst>
+                                      <p:childTnLst>
+                                        <p:set>
+                                          <p:cBhvr>
+                                            <p:cTn id="21" dur="1" fill="hold">
+                                              <p:stCondLst>
+                                                <p:cond delay="0"/>
+                                              </p:stCondLst>
+                                            </p:cTn>
+                                            <p:tgtEl>
+                                              <p:spTgt spid="9"/>
+                                            </p:tgtEl>
+                                            <p:attrNameLst>
+                                              <p:attrName>style.visibility</p:attrName>
+                                            </p:attrNameLst>
+                                          </p:cBhvr>
+                                          <p:to>
+                                            <p:strVal val="visible"/>
+                                          </p:to>
+                                        </p:set>
+                                        <p:anim calcmode="lin" valueType="num" p14:bounceEnd="50000">
+                                          <p:cBhvr additive="base">
+                                            <p:cTn id="22" dur="1000" fill="hold"/>
+                                            <p:tgtEl>
+                                              <p:spTgt spid="9"/>
+                                            </p:tgtEl>
+                                            <p:attrNameLst>
+                                              <p:attrName>ppt_x</p:attrName>
+                                            </p:attrNameLst>
+                                          </p:cBhvr>
+                                          <p:tavLst>
+                                            <p:tav tm="0">
+                                              <p:val>
+                                                <p:strVal val="#ppt_x"/>
+                                              </p:val>
+                                            </p:tav>
+                                            <p:tav tm="100000">
+                                              <p:val>
+                                                <p:strVal val="#ppt_x"/>
+                                              </p:val>
+                                            </p:tav>
+                                          </p:tavLst>
+                                        </p:anim>
+                                        <p:anim calcmode="lin" valueType="num" p14:bounceEnd="50000">
+                                          <p:cBhvr additive="base">
+                                            <p:cTn id="23" dur="1000" fill="hold"/>
+                                            <p:tgtEl>
+                                              <p:spTgt spid="9"/>
+                                            </p:tgtEl>
+                                            <p:attrNameLst>
+                                              <p:attrName>ppt_y</p:attrName>
+                                            </p:attrNameLst>
+                                          </p:cBhvr>
+                                          <p:tavLst>
+                                            <p:tav tm="0">
+                                              <p:val>
+                                                <p:strVal val="0-#ppt_h/2"/>
+                                              </p:val>
+                                            </p:tav>
+                                            <p:tav tm="100000">
+                                              <p:val>
+                                                <p:strVal val="#ppt_y"/>
+                                              </p:val>
+                                            </p:tav>
+                                          </p:tavLst>
+                                        </p:anim>
+                                      </p:childTnLst>
+                                    </p:cTn>
+                                  </p:par>
+                                </p:childTnLst>
+                              </p:cTn>
+                            </p:par>
+                          </p:childTnLst>
+                        </p:cTn>
+                      </p:par>
+                      <p:par>
+                        <p:cTn id="24" fill="hold">
+                          <p:stCondLst>
+                            <p:cond delay="indefinite"/>
+                          </p:stCondLst>
+                          <p:childTnLst>
+                            <p:par>
+                              <p:cTn id="25" fill="hold">
+                                <p:stCondLst>
+                                  <p:cond delay="0"/>
+                                </p:stCondLst>
+                                <p:childTnLst>
+                                  <p:par>
+                                    <p:cTn id="26" presetID="1" presetClass="entr" presetSubtype="0" fill="hold" grpId="0" nodeType="clickEffect">
+                                      <p:stCondLst>
+                                        <p:cond delay="0"/>
+                                      </p:stCondLst>
+                                      <p:childTnLst>
+                                        <p:set>
+                                          <p:cBhvr>
+                                            <p:cTn id="27" dur="1" fill="hold">
+                                              <p:stCondLst>
+                                                <p:cond delay="0"/>
+                                              </p:stCondLst>
+                                            </p:cTn>
+                                            <p:tgtEl>
+                                              <p:spTgt spid="10"/>
+                                            </p:tgtEl>
+                                            <p:attrNameLst>
+                                              <p:attrName>style.visibility</p:attrName>
+                                            </p:attrNameLst>
+                                          </p:cBhvr>
+                                          <p:to>
+                                            <p:strVal val="visible"/>
+                                          </p:to>
+                                        </p:set>
+                                      </p:childTnLst>
+                                    </p:cTn>
+                                  </p:par>
+                                </p:childTnLst>
+                              </p:cTn>
+                            </p:par>
+                          </p:childTnLst>
+                        </p:cTn>
+                      </p:par>
+                    </p:childTnLst>
+                  </p:cTn>
+                  <p:prevCondLst>
+                    <p:cond evt="onPrev" delay="0">
+                      <p:tgtEl>
+                        <p:sldTgt/>
+                      </p:tgtEl>
+                    </p:cond>
+                  </p:prevCondLst>
+                  <p:nextCondLst>
+                    <p:cond evt="onNext" delay="0">
+                      <p:tgtEl>
+                        <p:sldTgt/>
+                      </p:tgtEl>
+                    </p:cond>
+                  </p:nextCondLst>
+                </p:seq>
+              </p:childTnLst>
+            </p:cTn>
+          </p:par>
+        </p:tnLst>
+        <p:bldLst>
+          <p:bldP spid="4" grpId="1"/>
+          <p:bldP spid="10" grpId="0"/>
+          <p:bldP spid="12" grpId="1"/>
+          <p:bldP spid="9" grpId="1"/>
+        </p:bldLst>
+      </p:timing>
+    </mc:Choice>
+    <mc:Fallback xmlns="">
+      <p:timing>
+        <p:tnLst>
+          <p:par>
+            <p:cTn id="1" dur="indefinite" restart="never" nodeType="tmRoot">
+              <p:childTnLst>
+                <p:seq concurrent="1" nextAc="seek">
+                  <p:cTn id="2" dur="indefinite" nodeType="mainSeq">
+                    <p:childTnLst>
+                      <p:par>
+                        <p:cTn id="3" fill="hold">
+                          <p:stCondLst>
+                            <p:cond delay="indefinite"/>
+                            <p:cond evt="onBegin" delay="0">
+                              <p:tn val="2"/>
+                            </p:cond>
+                          </p:stCondLst>
+                          <p:childTnLst>
+                            <p:par>
+                              <p:cTn id="4" fill="hold">
+                                <p:stCondLst>
+                                  <p:cond delay="0"/>
+                                </p:stCondLst>
+                                <p:childTnLst>
+                                  <p:par>
+                                    <p:cTn id="5" presetID="41" presetClass="entr" presetSubtype="0" fill="hold" grpId="1" nodeType="withEffect">
+                                      <p:stCondLst>
+                                        <p:cond delay="0"/>
+                                      </p:stCondLst>
+                                      <p:iterate type="lt">
+                                        <p:tmPct val="10000"/>
+                                      </p:iterate>
+                                      <p:childTnLst>
+                                        <p:set>
+                                          <p:cBhvr>
+                                            <p:cTn id="6" dur="1" fill="hold">
+                                              <p:stCondLst>
+                                                <p:cond delay="0"/>
+                                              </p:stCondLst>
+                                            </p:cTn>
+                                            <p:tgtEl>
+                                              <p:spTgt spid="4"/>
+                                            </p:tgtEl>
+                                            <p:attrNameLst>
+                                              <p:attrName>style.visibility</p:attrName>
+                                            </p:attrNameLst>
+                                          </p:cBhvr>
+                                          <p:to>
+                                            <p:strVal val="visible"/>
+                                          </p:to>
+                                        </p:set>
+                                        <p:anim calcmode="lin" valueType="num">
+                                          <p:cBhvr>
+                                            <p:cTn id="7" dur="500" fill="hold"/>
+                                            <p:tgtEl>
+                                              <p:spTgt spid="4"/>
+                                            </p:tgtEl>
+                                            <p:attrNameLst>
+                                              <p:attrName>ppt_x</p:attrName>
+                                            </p:attrNameLst>
+                                          </p:cBhvr>
+                                          <p:tavLst>
+                                            <p:tav tm="0">
+                                              <p:val>
+                                                <p:strVal val="#ppt_x"/>
+                                              </p:val>
+                                            </p:tav>
+                                            <p:tav tm="50000">
+                                              <p:val>
+                                                <p:strVal val="#ppt_x+.1"/>
+                                              </p:val>
+                                            </p:tav>
+                                            <p:tav tm="100000">
+                                              <p:val>
+                                                <p:strVal val="#ppt_x"/>
+                                              </p:val>
+                                            </p:tav>
+                                          </p:tavLst>
+                                        </p:anim>
+                                        <p:anim calcmode="lin" valueType="num">
+                                          <p:cBhvr>
+                                            <p:cTn id="8" dur="500" fill="hold"/>
+                                            <p:tgtEl>
+                                              <p:spTgt spid="4"/>
+                                            </p:tgtEl>
+                                            <p:attrNameLst>
+                                              <p:attrName>ppt_y</p:attrName>
+                                            </p:attrNameLst>
+                                          </p:cBhvr>
+                                          <p:tavLst>
+                                            <p:tav tm="0">
+                                              <p:val>
+                                                <p:strVal val="#ppt_y"/>
+                                              </p:val>
+                                            </p:tav>
+                                            <p:tav tm="100000">
+                                              <p:val>
+                                                <p:strVal val="#ppt_y"/>
+                                              </p:val>
+                                            </p:tav>
+                                          </p:tavLst>
+                                        </p:anim>
+                                        <p:anim calcmode="lin" valueType="num">
+                                          <p:cBhvr>
+                                            <p:cTn id="9" dur="500" fill="hold"/>
+                                            <p:tgtEl>
+                                              <p:spTgt spid="4"/>
+                                            </p:tgtEl>
+                                            <p:attrNameLst>
+                                              <p:attrName>ppt_h</p:attrName>
+                                            </p:attrNameLst>
+                                          </p:cBhvr>
+                                          <p:tavLst>
+                                            <p:tav tm="0">
+                                              <p:val>
+                                                <p:strVal val="#ppt_h/10"/>
+                                              </p:val>
+                                            </p:tav>
+                                            <p:tav tm="50000">
+                                              <p:val>
+                                                <p:strVal val="#ppt_h+.01"/>
+                                              </p:val>
+                                            </p:tav>
+                                            <p:tav tm="100000">
+                                              <p:val>
+                                                <p:strVal val="#ppt_h"/>
+                                              </p:val>
+                                            </p:tav>
+                                          </p:tavLst>
+                                        </p:anim>
+                                        <p:anim calcmode="lin" valueType="num">
+                                          <p:cBhvr>
+                                            <p:cTn id="10" dur="500" fill="hold"/>
+                                            <p:tgtEl>
+                                              <p:spTgt spid="4"/>
+                                            </p:tgtEl>
+                                            <p:attrNameLst>
+                                              <p:attrName>ppt_w</p:attrName>
+                                            </p:attrNameLst>
+                                          </p:cBhvr>
+                                          <p:tavLst>
+                                            <p:tav tm="0">
+                                              <p:val>
+                                                <p:strVal val="#ppt_w/10"/>
+                                              </p:val>
+                                            </p:tav>
+                                            <p:tav tm="50000">
+                                              <p:val>
+                                                <p:strVal val="#ppt_w+.01"/>
+                                              </p:val>
+                                            </p:tav>
+                                            <p:tav tm="100000">
+                                              <p:val>
+                                                <p:strVal val="#ppt_w"/>
+                                              </p:val>
+                                            </p:tav>
+                                          </p:tavLst>
+                                        </p:anim>
+                                        <p:animEffect transition="in" filter="fade">
+                                          <p:cBhvr>
+                                            <p:cTn id="11" dur="500" tmFilter="0,0; .5, 1; 1, 1"/>
+                                            <p:tgtEl>
+                                              <p:spTgt spid="4"/>
+                                            </p:tgtEl>
+                                          </p:cBhvr>
+                                        </p:animEffect>
+                                      </p:childTnLst>
+                                    </p:cTn>
+                                  </p:par>
+                                  <p:par>
+                                    <p:cTn id="12" presetID="41" presetClass="entr" presetSubtype="0" fill="hold" grpId="1" nodeType="withEffect">
+                                      <p:stCondLst>
+                                        <p:cond delay="0"/>
+                                      </p:stCondLst>
+                                      <p:iterate type="lt">
+                                        <p:tmPct val="10000"/>
+                                      </p:iterate>
+                                      <p:childTnLst>
+                                        <p:set>
+                                          <p:cBhvr>
+                                            <p:cTn id="13" dur="1" fill="hold">
+                                              <p:stCondLst>
+                                                <p:cond delay="0"/>
+                                              </p:stCondLst>
+                                            </p:cTn>
+                                            <p:tgtEl>
+                                              <p:spTgt spid="12"/>
+                                            </p:tgtEl>
+                                            <p:attrNameLst>
+                                              <p:attrName>style.visibility</p:attrName>
+                                            </p:attrNameLst>
+                                          </p:cBhvr>
+                                          <p:to>
+                                            <p:strVal val="visible"/>
+                                          </p:to>
+                                        </p:set>
+                                        <p:anim calcmode="lin" valueType="num">
+                                          <p:cBhvr>
+                                            <p:cTn id="14" dur="500" fill="hold"/>
+                                            <p:tgtEl>
+                                              <p:spTgt spid="12"/>
+                                            </p:tgtEl>
+                                            <p:attrNameLst>
+                                              <p:attrName>ppt_x</p:attrName>
+                                            </p:attrNameLst>
+                                          </p:cBhvr>
+                                          <p:tavLst>
+                                            <p:tav tm="0">
+                                              <p:val>
+                                                <p:strVal val="#ppt_x"/>
+                                              </p:val>
+                                            </p:tav>
+                                            <p:tav tm="50000">
+                                              <p:val>
+                                                <p:strVal val="#ppt_x+.1"/>
+                                              </p:val>
+                                            </p:tav>
+                                            <p:tav tm="100000">
+                                              <p:val>
+                                                <p:strVal val="#ppt_x"/>
+                                              </p:val>
+                                            </p:tav>
+                                          </p:tavLst>
+                                        </p:anim>
+                                        <p:anim calcmode="lin" valueType="num">
+                                          <p:cBhvr>
+                                            <p:cTn id="15" dur="500" fill="hold"/>
+                                            <p:tgtEl>
+                                              <p:spTgt spid="12"/>
+                                            </p:tgtEl>
+                                            <p:attrNameLst>
+                                              <p:attrName>ppt_y</p:attrName>
+                                            </p:attrNameLst>
+                                          </p:cBhvr>
+                                          <p:tavLst>
+                                            <p:tav tm="0">
+                                              <p:val>
+                                                <p:strVal val="#ppt_y"/>
+                                              </p:val>
+                                            </p:tav>
+                                            <p:tav tm="100000">
+                                              <p:val>
+                                                <p:strVal val="#ppt_y"/>
+                                              </p:val>
+                                            </p:tav>
+                                          </p:tavLst>
+                                        </p:anim>
+                                        <p:anim calcmode="lin" valueType="num">
+                                          <p:cBhvr>
+                                            <p:cTn id="16" dur="500" fill="hold"/>
+                                            <p:tgtEl>
+                                              <p:spTgt spid="12"/>
+                                            </p:tgtEl>
+                                            <p:attrNameLst>
+                                              <p:attrName>ppt_h</p:attrName>
+                                            </p:attrNameLst>
+                                          </p:cBhvr>
+                                          <p:tavLst>
+                                            <p:tav tm="0">
+                                              <p:val>
+                                                <p:strVal val="#ppt_h/10"/>
+                                              </p:val>
+                                            </p:tav>
+                                            <p:tav tm="50000">
+                                              <p:val>
+                                                <p:strVal val="#ppt_h+.01"/>
+                                              </p:val>
+                                            </p:tav>
+                                            <p:tav tm="100000">
+                                              <p:val>
+                                                <p:strVal val="#ppt_h"/>
+                                              </p:val>
+                                            </p:tav>
+                                          </p:tavLst>
+                                        </p:anim>
+                                        <p:anim calcmode="lin" valueType="num">
+                                          <p:cBhvr>
+                                            <p:cTn id="17" dur="500" fill="hold"/>
+                                            <p:tgtEl>
+                                              <p:spTgt spid="12"/>
+                                            </p:tgtEl>
+                                            <p:attrNameLst>
+                                              <p:attrName>ppt_w</p:attrName>
+                                            </p:attrNameLst>
+                                          </p:cBhvr>
+                                          <p:tavLst>
+                                            <p:tav tm="0">
+                                              <p:val>
+                                                <p:strVal val="#ppt_w/10"/>
+                                              </p:val>
+                                            </p:tav>
+                                            <p:tav tm="50000">
+                                              <p:val>
+                                                <p:strVal val="#ppt_w+.01"/>
+                                              </p:val>
+                                            </p:tav>
+                                            <p:tav tm="100000">
+                                              <p:val>
+                                                <p:strVal val="#ppt_w"/>
+                                              </p:val>
+                                            </p:tav>
+                                          </p:tavLst>
+                                        </p:anim>
+                                        <p:animEffect transition="in" filter="fade">
+                                          <p:cBhvr>
+                                            <p:cTn id="18" dur="500" tmFilter="0,0; .5, 1; 1, 1"/>
+                                            <p:tgtEl>
+                                              <p:spTgt spid="12"/>
+                                            </p:tgtEl>
+                                          </p:cBhvr>
+                                        </p:animEffect>
+                                      </p:childTnLst>
+                                    </p:cTn>
+                                  </p:par>
+                                </p:childTnLst>
+                              </p:cTn>
+                            </p:par>
+                            <p:par>
+                              <p:cTn id="19" fill="hold">
+                                <p:stCondLst>
+                                  <p:cond delay="900"/>
+                                </p:stCondLst>
+                                <p:childTnLst>
+                                  <p:par>
+                                    <p:cTn id="20" presetID="2" presetClass="entr" presetSubtype="1" fill="hold" grpId="1" nodeType="afterEffect">
+                                      <p:stCondLst>
+                                        <p:cond delay="0"/>
+                                      </p:stCondLst>
+                                      <p:childTnLst>
+                                        <p:set>
+                                          <p:cBhvr>
+                                            <p:cTn id="21" dur="1" fill="hold">
+                                              <p:stCondLst>
+                                                <p:cond delay="0"/>
+                                              </p:stCondLst>
+                                            </p:cTn>
+                                            <p:tgtEl>
+                                              <p:spTgt spid="9"/>
+                                            </p:tgtEl>
+                                            <p:attrNameLst>
+                                              <p:attrName>style.visibility</p:attrName>
+                                            </p:attrNameLst>
+                                          </p:cBhvr>
+                                          <p:to>
+                                            <p:strVal val="visible"/>
+                                          </p:to>
+                                        </p:set>
+                                        <p:anim calcmode="lin" valueType="num">
+                                          <p:cBhvr additive="base">
+                                            <p:cTn id="22" dur="1000" fill="hold"/>
+                                            <p:tgtEl>
+                                              <p:spTgt spid="9"/>
+                                            </p:tgtEl>
+                                            <p:attrNameLst>
+                                              <p:attrName>ppt_x</p:attrName>
+                                            </p:attrNameLst>
+                                          </p:cBhvr>
+                                          <p:tavLst>
+                                            <p:tav tm="0">
+                                              <p:val>
+                                                <p:strVal val="#ppt_x"/>
+                                              </p:val>
+                                            </p:tav>
+                                            <p:tav tm="100000">
+                                              <p:val>
+                                                <p:strVal val="#ppt_x"/>
+                                              </p:val>
+                                            </p:tav>
+                                          </p:tavLst>
+                                        </p:anim>
+                                        <p:anim calcmode="lin" valueType="num">
+                                          <p:cBhvr additive="base">
+                                            <p:cTn id="23" dur="1000" fill="hold"/>
+                                            <p:tgtEl>
+                                              <p:spTgt spid="9"/>
+                                            </p:tgtEl>
+                                            <p:attrNameLst>
+                                              <p:attrName>ppt_y</p:attrName>
+                                            </p:attrNameLst>
+                                          </p:cBhvr>
+                                          <p:tavLst>
+                                            <p:tav tm="0">
+                                              <p:val>
+                                                <p:strVal val="0-#ppt_h/2"/>
+                                              </p:val>
+                                            </p:tav>
+                                            <p:tav tm="100000">
+                                              <p:val>
+                                                <p:strVal val="#ppt_y"/>
+                                              </p:val>
+                                            </p:tav>
+                                          </p:tavLst>
+                                        </p:anim>
+                                      </p:childTnLst>
+                                    </p:cTn>
+                                  </p:par>
+                                </p:childTnLst>
+                              </p:cTn>
+                            </p:par>
+                          </p:childTnLst>
+                        </p:cTn>
+                      </p:par>
+                      <p:par>
+                        <p:cTn id="24" fill="hold">
+                          <p:stCondLst>
+                            <p:cond delay="indefinite"/>
+                          </p:stCondLst>
+                          <p:childTnLst>
+                            <p:par>
+                              <p:cTn id="25" fill="hold">
+                                <p:stCondLst>
+                                  <p:cond delay="0"/>
+                                </p:stCondLst>
+                                <p:childTnLst>
+                                  <p:par>
+                                    <p:cTn id="26" presetID="1" presetClass="entr" presetSubtype="0" fill="hold" grpId="0" nodeType="clickEffect">
+                                      <p:stCondLst>
+                                        <p:cond delay="0"/>
+                                      </p:stCondLst>
+                                      <p:childTnLst>
+                                        <p:set>
+                                          <p:cBhvr>
+                                            <p:cTn id="27" dur="1" fill="hold">
+                                              <p:stCondLst>
+                                                <p:cond delay="0"/>
+                                              </p:stCondLst>
+                                            </p:cTn>
+                                            <p:tgtEl>
+                                              <p:spTgt spid="10"/>
+                                            </p:tgtEl>
+                                            <p:attrNameLst>
+                                              <p:attrName>style.visibility</p:attrName>
+                                            </p:attrNameLst>
+                                          </p:cBhvr>
+                                          <p:to>
+                                            <p:strVal val="visible"/>
+                                          </p:to>
+                                        </p:set>
+                                      </p:childTnLst>
+                                    </p:cTn>
+                                  </p:par>
+                                </p:childTnLst>
+                              </p:cTn>
+                            </p:par>
+                          </p:childTnLst>
+                        </p:cTn>
+                      </p:par>
+                    </p:childTnLst>
+                  </p:cTn>
+                  <p:prevCondLst>
+                    <p:cond evt="onPrev" delay="0">
+                      <p:tgtEl>
+                        <p:sldTgt/>
+                      </p:tgtEl>
+                    </p:cond>
+                  </p:prevCondLst>
+                  <p:nextCondLst>
+                    <p:cond evt="onNext" delay="0">
+                      <p:tgtEl>
+                        <p:sldTgt/>
+                      </p:tgtEl>
+                    </p:cond>
+                  </p:nextCondLst>
+                </p:seq>
+              </p:childTnLst>
+            </p:cTn>
+          </p:par>
+        </p:tnLst>
+        <p:bldLst>
+          <p:bldP spid="4" grpId="1"/>
+          <p:bldP spid="10" grpId="0"/>
+          <p:bldP spid="12" grpId="1"/>
+          <p:bldP spid="9" grpId="1"/>
+        </p:bldLst>
+      </p:timing>
+    </mc:Fallback>
+  </mc:AlternateContent>
+</p:sld>
+</file>
+
+<file path=ppt/slides/slide11.xml><?xml version="1.0" encoding="utf-8"?>
+<p:sld xmlns:a="http://schemas.openxmlformats.org/drawingml/2006/main" xmlns:r="http://schemas.openxmlformats.org/officeDocument/2006/relationships" xmlns:p="http://schemas.openxmlformats.org/presentationml/2006/main">
+  <p:cSld>
+    <p:spTree>
+      <p:nvGrpSpPr>
+        <p:cNvPr id="1" name=""/>
+        <p:cNvGrpSpPr/>
+        <p:nvPr/>
+      </p:nvGrpSpPr>
+      <p:grpSpPr>
+        <a:xfrm>
+          <a:off x="0" y="0"/>
+          <a:ext cx="0" cy="0"/>
+          <a:chOff x="0" y="0"/>
+          <a:chExt cx="0" cy="0"/>
+        </a:xfrm>
+      </p:grpSpPr>
+      <p:sp>
+        <p:nvSpPr>
+          <p:cNvPr id="7" name="직사각형 6"/>
+          <p:cNvSpPr/>
+          <p:nvPr/>
+        </p:nvSpPr>
+        <p:spPr>
+          <a:xfrm>
+            <a:off x="0" y="0"/>
+            <a:ext cx="12192000" cy="6868337"/>
+          </a:xfrm>
+          <a:prstGeom prst="rect">
+            <a:avLst/>
+          </a:prstGeom>
+          <a:solidFill>
+            <a:srgbClr val="0070C0"/>
+          </a:solidFill>
+          <a:ln>
+            <a:noFill/>
+          </a:ln>
+        </p:spPr>
+        <p:style>
+          <a:lnRef idx="2">
+            <a:schemeClr val="accent1">
+              <a:shade val="50000"/>
+            </a:schemeClr>
+          </a:lnRef>
+          <a:fillRef idx="1">
+            <a:schemeClr val="accent1"/>
+          </a:fillRef>
+          <a:effectRef idx="0">
+            <a:schemeClr val="accent1"/>
+          </a:effectRef>
+          <a:fontRef idx="minor">
+            <a:schemeClr val="lt1"/>
+          </a:fontRef>
+        </p:style>
+        <p:txBody>
+          <a:bodyPr rtlCol="0" anchor="ctr"/>
+          <a:lstStyle/>
+          <a:p>
+            <a:pPr algn="ctr"/>
+            <a:endParaRPr kumimoji="1" lang="ko-KR" altLang="en-US"/>
+          </a:p>
+        </p:txBody>
+      </p:sp>
+      <p:sp>
+        <p:nvSpPr>
+          <p:cNvPr id="4" name="TextBox 3"/>
+          <p:cNvSpPr txBox="1"/>
+          <p:nvPr/>
+        </p:nvSpPr>
+        <p:spPr>
+          <a:xfrm>
+            <a:off x="2049714" y="1271592"/>
+            <a:ext cx="2954655" cy="1754326"/>
+          </a:xfrm>
+          <a:prstGeom prst="rect">
+            <a:avLst/>
+          </a:prstGeom>
+          <a:noFill/>
+        </p:spPr>
+        <p:txBody>
+          <a:bodyPr wrap="none" rtlCol="0">
+            <a:spAutoFit/>
+          </a:bodyPr>
+          <a:lstStyle/>
+          <a:p>
+            <a:pPr algn="ctr"/>
+            <a:r>
+              <a:rPr kumimoji="1" lang="ko-KR" altLang="en-US" sz="5400" b="1" dirty="0">
+                <a:solidFill>
+                  <a:schemeClr val="bg1"/>
+                </a:solidFill>
+              </a:rPr>
+              <a:t>개발목표</a:t>
+            </a:r>
+            <a:endParaRPr kumimoji="1" lang="en-US" altLang="ko-KR" sz="5400" b="1" dirty="0">
+              <a:solidFill>
+                <a:schemeClr val="bg1"/>
+              </a:solidFill>
+            </a:endParaRPr>
+          </a:p>
+          <a:p>
+            <a:pPr algn="ctr"/>
+            <a:r>
+              <a:rPr kumimoji="1" lang="ko-KR" altLang="en-US" sz="5400" b="1" dirty="0">
+                <a:solidFill>
+                  <a:schemeClr val="bg1"/>
+                </a:solidFill>
+              </a:rPr>
+              <a:t>및 내용</a:t>
+            </a:r>
+            <a:endParaRPr kumimoji="1" lang="en-US" altLang="ko-KR" sz="5400" b="1" dirty="0">
+              <a:solidFill>
+                <a:schemeClr val="bg1"/>
+              </a:solidFill>
+            </a:endParaRPr>
+          </a:p>
+        </p:txBody>
+      </p:sp>
+      <p:sp>
+        <p:nvSpPr>
+          <p:cNvPr id="10" name="직사각형 9"/>
+          <p:cNvSpPr/>
+          <p:nvPr/>
+        </p:nvSpPr>
+        <p:spPr>
+          <a:xfrm>
+            <a:off x="527986" y="4021402"/>
+            <a:ext cx="10993453" cy="1631216"/>
+          </a:xfrm>
+          <a:prstGeom prst="rect">
+            <a:avLst/>
+          </a:prstGeom>
+        </p:spPr>
+        <p:txBody>
+          <a:bodyPr wrap="square">
+            <a:spAutoFit/>
+          </a:bodyPr>
+          <a:lstStyle/>
+          <a:p>
+            <a:pPr algn="ctr"/>
+            <a:r>
+              <a:rPr kumimoji="1" lang="ko-KR" altLang="en-US" sz="3600" b="1" dirty="0">
+                <a:solidFill>
+                  <a:schemeClr val="bg1"/>
+                </a:solidFill>
+              </a:rPr>
               <a:t>게임의 컨셉과 어울리는 모델 및 애니메이션 제작</a:t>
             </a:r>
             <a:endParaRPr kumimoji="1" lang="en-US" altLang="ko-KR" sz="3600" b="1" dirty="0">
@@ -6603,7 +7867,7 @@
 </p:sld>
 </file>
 
-<file path=ppt/slides/slide11.xml><?xml version="1.0" encoding="utf-8"?>
+<file path=ppt/slides/slide12.xml><?xml version="1.0" encoding="utf-8"?>
 <p:sld xmlns:a="http://schemas.openxmlformats.org/drawingml/2006/main" xmlns:r="http://schemas.openxmlformats.org/officeDocument/2006/relationships" xmlns:p="http://schemas.openxmlformats.org/presentationml/2006/main">
   <p:cSld>
     <p:spTree>
@@ -7912,7 +9176,7 @@
 </p:sld>
 </file>
 
-<file path=ppt/slides/slide12.xml><?xml version="1.0" encoding="utf-8"?>
+<file path=ppt/slides/slide13.xml><?xml version="1.0" encoding="utf-8"?>
 <p:sld xmlns:a="http://schemas.openxmlformats.org/drawingml/2006/main" xmlns:r="http://schemas.openxmlformats.org/officeDocument/2006/relationships" xmlns:p="http://schemas.openxmlformats.org/presentationml/2006/main">
   <p:cSld>
     <p:spTree>
@@ -8258,7 +9522,7 @@
 </p:sld>
 </file>
 
-<file path=ppt/slides/slide13.xml><?xml version="1.0" encoding="utf-8"?>
+<file path=ppt/slides/slide14.xml><?xml version="1.0" encoding="utf-8"?>
 <p:sld xmlns:a="http://schemas.openxmlformats.org/drawingml/2006/main" xmlns:r="http://schemas.openxmlformats.org/officeDocument/2006/relationships" xmlns:p="http://schemas.openxmlformats.org/presentationml/2006/main">
   <p:cSld>
     <p:spTree>
@@ -9575,7 +10839,7 @@
 </p:sld>
 </file>
 
-<file path=ppt/slides/slide14.xml><?xml version="1.0" encoding="utf-8"?>
+<file path=ppt/slides/slide15.xml><?xml version="1.0" encoding="utf-8"?>
 <p:sld xmlns:a="http://schemas.openxmlformats.org/drawingml/2006/main" xmlns:r="http://schemas.openxmlformats.org/officeDocument/2006/relationships" xmlns:p="http://schemas.openxmlformats.org/presentationml/2006/main">
   <p:cSld>
     <p:spTree>
@@ -9865,7 +11129,7 @@
 </p:sld>
 </file>
 
-<file path=ppt/slides/slide15.xml><?xml version="1.0" encoding="utf-8"?>
+<file path=ppt/slides/slide16.xml><?xml version="1.0" encoding="utf-8"?>
 <p:sld xmlns:a="http://schemas.openxmlformats.org/drawingml/2006/main" xmlns:r="http://schemas.openxmlformats.org/officeDocument/2006/relationships" xmlns:p="http://schemas.openxmlformats.org/presentationml/2006/main">
   <p:cSld>
     <p:spTree>
@@ -11224,7 +12488,7 @@
 </p:sld>
 </file>
 
-<file path=ppt/slides/slide16.xml><?xml version="1.0" encoding="utf-8"?>
+<file path=ppt/slides/slide17.xml><?xml version="1.0" encoding="utf-8"?>
 <p:sld xmlns:a="http://schemas.openxmlformats.org/drawingml/2006/main" xmlns:r="http://schemas.openxmlformats.org/officeDocument/2006/relationships" xmlns:p="http://schemas.openxmlformats.org/presentationml/2006/main">
   <p:cSld>
     <p:spTree>
@@ -11599,7 +12863,7 @@
 </p:sld>
 </file>
 
-<file path=ppt/slides/slide17.xml><?xml version="1.0" encoding="utf-8"?>
+<file path=ppt/slides/slide18.xml><?xml version="1.0" encoding="utf-8"?>
 <p:sld xmlns:a="http://schemas.openxmlformats.org/drawingml/2006/main" xmlns:r="http://schemas.openxmlformats.org/officeDocument/2006/relationships" xmlns:p="http://schemas.openxmlformats.org/presentationml/2006/main">
   <p:cSld>
     <p:spTree>
@@ -11938,7 +13202,7 @@
 </p:sld>
 </file>
 
-<file path=ppt/slides/slide18.xml><?xml version="1.0" encoding="utf-8"?>
+<file path=ppt/slides/slide19.xml><?xml version="1.0" encoding="utf-8"?>
 <p:sld xmlns:a="http://schemas.openxmlformats.org/drawingml/2006/main" xmlns:r="http://schemas.openxmlformats.org/officeDocument/2006/relationships" xmlns:p="http://schemas.openxmlformats.org/presentationml/2006/main">
   <p:cSld>
     <p:spTree>
@@ -13557,1162 +14821,6 @@
       </p:timing>
     </mc:Fallback>
   </mc:AlternateContent>
-</p:sld>
-</file>
-
-<file path=ppt/slides/slide19.xml><?xml version="1.0" encoding="utf-8"?>
-<p:sld xmlns:a="http://schemas.openxmlformats.org/drawingml/2006/main" xmlns:r="http://schemas.openxmlformats.org/officeDocument/2006/relationships" xmlns:p="http://schemas.openxmlformats.org/presentationml/2006/main">
-  <p:cSld>
-    <p:spTree>
-      <p:nvGrpSpPr>
-        <p:cNvPr id="1" name=""/>
-        <p:cNvGrpSpPr/>
-        <p:nvPr/>
-      </p:nvGrpSpPr>
-      <p:grpSpPr>
-        <a:xfrm>
-          <a:off x="0" y="0"/>
-          <a:ext cx="0" cy="0"/>
-          <a:chOff x="0" y="0"/>
-          <a:chExt cx="0" cy="0"/>
-        </a:xfrm>
-      </p:grpSpPr>
-      <p:cxnSp>
-        <p:nvCxnSpPr>
-          <p:cNvPr id="20" name="직선 화살표 연결선 19"/>
-          <p:cNvCxnSpPr/>
-          <p:nvPr/>
-        </p:nvCxnSpPr>
-        <p:spPr>
-          <a:xfrm>
-            <a:off x="1691114" y="5394891"/>
-            <a:ext cx="7598660" cy="0"/>
-          </a:xfrm>
-          <a:prstGeom prst="straightConnector1">
-            <a:avLst/>
-          </a:prstGeom>
-          <a:ln w="63500">
-            <a:solidFill>
-              <a:schemeClr val="tx1"/>
-            </a:solidFill>
-            <a:tailEnd type="triangle"/>
-          </a:ln>
-        </p:spPr>
-        <p:style>
-          <a:lnRef idx="1">
-            <a:schemeClr val="accent1"/>
-          </a:lnRef>
-          <a:fillRef idx="0">
-            <a:schemeClr val="accent1"/>
-          </a:fillRef>
-          <a:effectRef idx="0">
-            <a:schemeClr val="accent1"/>
-          </a:effectRef>
-          <a:fontRef idx="minor">
-            <a:schemeClr val="tx1"/>
-          </a:fontRef>
-        </p:style>
-      </p:cxnSp>
-      <p:sp>
-        <p:nvSpPr>
-          <p:cNvPr id="4" name="TextBox 3"/>
-          <p:cNvSpPr txBox="1"/>
-          <p:nvPr/>
-        </p:nvSpPr>
-        <p:spPr>
-          <a:xfrm>
-            <a:off x="1466263" y="2675060"/>
-            <a:ext cx="9116598" cy="1631216"/>
-          </a:xfrm>
-          <a:prstGeom prst="rect">
-            <a:avLst/>
-          </a:prstGeom>
-          <a:noFill/>
-        </p:spPr>
-        <p:txBody>
-          <a:bodyPr wrap="none" rtlCol="0">
-            <a:spAutoFit/>
-          </a:bodyPr>
-          <a:lstStyle/>
-          <a:p>
-            <a:pPr algn="ctr"/>
-            <a:r>
-              <a:rPr kumimoji="1" lang="ko-KR" altLang="en-US" sz="4000" smtClean="0"/>
-              <a:t>마을에서 출발해서 특정 던전의 보스를</a:t>
-            </a:r>
-            <a:endParaRPr kumimoji="1" lang="en-US" altLang="ko-KR" sz="4000" smtClean="0"/>
-          </a:p>
-          <a:p>
-            <a:pPr algn="ctr"/>
-            <a:r>
-              <a:rPr kumimoji="1" lang="ko-KR" altLang="en-US" sz="4000" smtClean="0"/>
-              <a:t>잡는 것까지의 제작 과정</a:t>
-            </a:r>
-            <a:endParaRPr kumimoji="1" lang="en-US" altLang="ko-KR" sz="4000" smtClean="0"/>
-          </a:p>
-          <a:p>
-            <a:pPr algn="ctr"/>
-            <a:r>
-              <a:rPr kumimoji="1" lang="ko-KR" altLang="en-US" sz="2000" smtClean="0">
-                <a:solidFill>
-                  <a:schemeClr val="bg1">
-                    <a:lumMod val="75000"/>
-                  </a:schemeClr>
-                </a:solidFill>
-              </a:rPr>
-              <a:t>기획 기간 동안 재미의 검증</a:t>
-            </a:r>
-            <a:r>
-              <a:rPr kumimoji="1" lang="en-US" altLang="ko-KR" sz="2000" smtClean="0">
-                <a:solidFill>
-                  <a:schemeClr val="bg1">
-                    <a:lumMod val="75000"/>
-                  </a:schemeClr>
-                </a:solidFill>
-              </a:rPr>
-              <a:t>,</a:t>
-            </a:r>
-            <a:r>
-              <a:rPr kumimoji="1" lang="ko-KR" altLang="en-US" sz="2000" smtClean="0">
-                <a:solidFill>
-                  <a:schemeClr val="bg1">
-                    <a:lumMod val="75000"/>
-                  </a:schemeClr>
-                </a:solidFill>
-              </a:rPr>
-              <a:t> 기술적 난이도 확인</a:t>
-            </a:r>
-            <a:endParaRPr kumimoji="1" lang="ko-KR" altLang="en-US" sz="2000">
-              <a:solidFill>
-                <a:schemeClr val="bg1">
-                  <a:lumMod val="75000"/>
-                </a:schemeClr>
-              </a:solidFill>
-            </a:endParaRPr>
-          </a:p>
-        </p:txBody>
-      </p:sp>
-      <p:sp>
-        <p:nvSpPr>
-          <p:cNvPr id="2" name="삼각형 1"/>
-          <p:cNvSpPr/>
-          <p:nvPr/>
-        </p:nvSpPr>
-        <p:spPr>
-          <a:xfrm>
-            <a:off x="924496" y="4602439"/>
-            <a:ext cx="1538515" cy="635000"/>
-          </a:xfrm>
-          <a:prstGeom prst="triangle">
-            <a:avLst/>
-          </a:prstGeom>
-          <a:solidFill>
-            <a:schemeClr val="tx1"/>
-          </a:solidFill>
-          <a:ln>
-            <a:noFill/>
-          </a:ln>
-        </p:spPr>
-        <p:style>
-          <a:lnRef idx="2">
-            <a:schemeClr val="accent1">
-              <a:shade val="50000"/>
-            </a:schemeClr>
-          </a:lnRef>
-          <a:fillRef idx="1">
-            <a:schemeClr val="accent1"/>
-          </a:fillRef>
-          <a:effectRef idx="0">
-            <a:schemeClr val="accent1"/>
-          </a:effectRef>
-          <a:fontRef idx="minor">
-            <a:schemeClr val="lt1"/>
-          </a:fontRef>
-        </p:style>
-        <p:txBody>
-          <a:bodyPr rtlCol="0" anchor="ctr"/>
-          <a:lstStyle/>
-          <a:p>
-            <a:pPr algn="ctr"/>
-            <a:endParaRPr kumimoji="1" lang="ko-KR" altLang="en-US"/>
-          </a:p>
-        </p:txBody>
-      </p:sp>
-      <p:sp>
-        <p:nvSpPr>
-          <p:cNvPr id="3" name="직사각형 2"/>
-          <p:cNvSpPr/>
-          <p:nvPr/>
-        </p:nvSpPr>
-        <p:spPr>
-          <a:xfrm>
-            <a:off x="1168600" y="5237439"/>
-            <a:ext cx="1045029" cy="899886"/>
-          </a:xfrm>
-          <a:prstGeom prst="rect">
-            <a:avLst/>
-          </a:prstGeom>
-          <a:solidFill>
-            <a:schemeClr val="tx1"/>
-          </a:solidFill>
-          <a:ln>
-            <a:noFill/>
-          </a:ln>
-        </p:spPr>
-        <p:style>
-          <a:lnRef idx="2">
-            <a:schemeClr val="accent1">
-              <a:shade val="50000"/>
-            </a:schemeClr>
-          </a:lnRef>
-          <a:fillRef idx="1">
-            <a:schemeClr val="accent1"/>
-          </a:fillRef>
-          <a:effectRef idx="0">
-            <a:schemeClr val="accent1"/>
-          </a:effectRef>
-          <a:fontRef idx="minor">
-            <a:schemeClr val="lt1"/>
-          </a:fontRef>
-        </p:style>
-        <p:txBody>
-          <a:bodyPr rtlCol="0" anchor="ctr"/>
-          <a:lstStyle/>
-          <a:p>
-            <a:pPr algn="ctr"/>
-            <a:endParaRPr kumimoji="1" lang="ko-KR" altLang="en-US"/>
-          </a:p>
-        </p:txBody>
-      </p:sp>
-      <p:sp>
-        <p:nvSpPr>
-          <p:cNvPr id="5" name="직사각형 4"/>
-          <p:cNvSpPr/>
-          <p:nvPr/>
-        </p:nvSpPr>
-        <p:spPr>
-          <a:xfrm>
-            <a:off x="1386916" y="5341424"/>
-            <a:ext cx="290946" cy="292949"/>
-          </a:xfrm>
-          <a:prstGeom prst="rect">
-            <a:avLst/>
-          </a:prstGeom>
-          <a:solidFill>
-            <a:schemeClr val="bg1"/>
-          </a:solidFill>
-          <a:ln>
-            <a:noFill/>
-          </a:ln>
-        </p:spPr>
-        <p:style>
-          <a:lnRef idx="2">
-            <a:schemeClr val="accent1">
-              <a:shade val="50000"/>
-            </a:schemeClr>
-          </a:lnRef>
-          <a:fillRef idx="1">
-            <a:schemeClr val="accent1"/>
-          </a:fillRef>
-          <a:effectRef idx="0">
-            <a:schemeClr val="accent1"/>
-          </a:effectRef>
-          <a:fontRef idx="minor">
-            <a:schemeClr val="lt1"/>
-          </a:fontRef>
-        </p:style>
-        <p:txBody>
-          <a:bodyPr rtlCol="0" anchor="ctr"/>
-          <a:lstStyle/>
-          <a:p>
-            <a:pPr algn="ctr"/>
-            <a:endParaRPr kumimoji="1" lang="ko-KR" altLang="en-US"/>
-          </a:p>
-        </p:txBody>
-      </p:sp>
-      <p:sp>
-        <p:nvSpPr>
-          <p:cNvPr id="6" name="직사각형 5"/>
-          <p:cNvSpPr/>
-          <p:nvPr/>
-        </p:nvSpPr>
-        <p:spPr>
-          <a:xfrm>
-            <a:off x="1706737" y="5341424"/>
-            <a:ext cx="290946" cy="292949"/>
-          </a:xfrm>
-          <a:prstGeom prst="rect">
-            <a:avLst/>
-          </a:prstGeom>
-          <a:solidFill>
-            <a:schemeClr val="bg1"/>
-          </a:solidFill>
-          <a:ln>
-            <a:noFill/>
-          </a:ln>
-        </p:spPr>
-        <p:style>
-          <a:lnRef idx="2">
-            <a:schemeClr val="accent1">
-              <a:shade val="50000"/>
-            </a:schemeClr>
-          </a:lnRef>
-          <a:fillRef idx="1">
-            <a:schemeClr val="accent1"/>
-          </a:fillRef>
-          <a:effectRef idx="0">
-            <a:schemeClr val="accent1"/>
-          </a:effectRef>
-          <a:fontRef idx="minor">
-            <a:schemeClr val="lt1"/>
-          </a:fontRef>
-        </p:style>
-        <p:txBody>
-          <a:bodyPr rtlCol="0" anchor="ctr"/>
-          <a:lstStyle/>
-          <a:p>
-            <a:pPr algn="ctr"/>
-            <a:endParaRPr kumimoji="1" lang="ko-KR" altLang="en-US"/>
-          </a:p>
-        </p:txBody>
-      </p:sp>
-      <p:sp>
-        <p:nvSpPr>
-          <p:cNvPr id="7" name="직사각형 6"/>
-          <p:cNvSpPr/>
-          <p:nvPr/>
-        </p:nvSpPr>
-        <p:spPr>
-          <a:xfrm>
-            <a:off x="1706737" y="5663248"/>
-            <a:ext cx="290946" cy="292949"/>
-          </a:xfrm>
-          <a:prstGeom prst="rect">
-            <a:avLst/>
-          </a:prstGeom>
-          <a:solidFill>
-            <a:schemeClr val="bg1"/>
-          </a:solidFill>
-          <a:ln>
-            <a:noFill/>
-          </a:ln>
-        </p:spPr>
-        <p:style>
-          <a:lnRef idx="2">
-            <a:schemeClr val="accent1">
-              <a:shade val="50000"/>
-            </a:schemeClr>
-          </a:lnRef>
-          <a:fillRef idx="1">
-            <a:schemeClr val="accent1"/>
-          </a:fillRef>
-          <a:effectRef idx="0">
-            <a:schemeClr val="accent1"/>
-          </a:effectRef>
-          <a:fontRef idx="minor">
-            <a:schemeClr val="lt1"/>
-          </a:fontRef>
-        </p:style>
-        <p:txBody>
-          <a:bodyPr rtlCol="0" anchor="ctr"/>
-          <a:lstStyle/>
-          <a:p>
-            <a:pPr algn="ctr"/>
-            <a:endParaRPr kumimoji="1" lang="ko-KR" altLang="en-US"/>
-          </a:p>
-        </p:txBody>
-      </p:sp>
-      <p:sp>
-        <p:nvSpPr>
-          <p:cNvPr id="8" name="직사각형 7"/>
-          <p:cNvSpPr/>
-          <p:nvPr/>
-        </p:nvSpPr>
-        <p:spPr>
-          <a:xfrm>
-            <a:off x="1386916" y="5663248"/>
-            <a:ext cx="290946" cy="292949"/>
-          </a:xfrm>
-          <a:prstGeom prst="rect">
-            <a:avLst/>
-          </a:prstGeom>
-          <a:solidFill>
-            <a:schemeClr val="bg1"/>
-          </a:solidFill>
-          <a:ln>
-            <a:noFill/>
-          </a:ln>
-        </p:spPr>
-        <p:style>
-          <a:lnRef idx="2">
-            <a:schemeClr val="accent1">
-              <a:shade val="50000"/>
-            </a:schemeClr>
-          </a:lnRef>
-          <a:fillRef idx="1">
-            <a:schemeClr val="accent1"/>
-          </a:fillRef>
-          <a:effectRef idx="0">
-            <a:schemeClr val="accent1"/>
-          </a:effectRef>
-          <a:fontRef idx="minor">
-            <a:schemeClr val="lt1"/>
-          </a:fontRef>
-        </p:style>
-        <p:txBody>
-          <a:bodyPr rtlCol="0" anchor="ctr"/>
-          <a:lstStyle/>
-          <a:p>
-            <a:pPr algn="ctr"/>
-            <a:endParaRPr kumimoji="1" lang="ko-KR" altLang="en-US"/>
-          </a:p>
-        </p:txBody>
-      </p:sp>
-      <p:pic>
-        <p:nvPicPr>
-          <p:cNvPr id="9" name="그림 8"/>
-          <p:cNvPicPr>
-            <a:picLocks noChangeAspect="1"/>
-          </p:cNvPicPr>
-          <p:nvPr/>
-        </p:nvPicPr>
-        <p:blipFill rotWithShape="1">
-          <a:blip r:embed="rId2" cstate="email">
-            <a:extLst>
-              <a:ext uri="{28A0092B-C50C-407E-A947-70E740481C1C}">
-                <a14:useLocalDpi xmlns:a14="http://schemas.microsoft.com/office/drawing/2010/main"/>
-              </a:ext>
-            </a:extLst>
-          </a:blip>
-          <a:srcRect/>
-          <a:stretch/>
-        </p:blipFill>
-        <p:spPr>
-          <a:xfrm>
-            <a:off x="3776870" y="4675326"/>
-            <a:ext cx="1311965" cy="1470992"/>
-          </a:xfrm>
-          <a:prstGeom prst="rect">
-            <a:avLst/>
-          </a:prstGeom>
-        </p:spPr>
-      </p:pic>
-      <p:pic>
-        <p:nvPicPr>
-          <p:cNvPr id="11" name="그림 10"/>
-          <p:cNvPicPr>
-            <a:picLocks noChangeAspect="1"/>
-          </p:cNvPicPr>
-          <p:nvPr/>
-        </p:nvPicPr>
-        <p:blipFill rotWithShape="1">
-          <a:blip r:embed="rId3" cstate="email">
-            <a:extLst>
-              <a:ext uri="{BEBA8EAE-BF5A-486C-A8C5-ECC9F3942E4B}">
-                <a14:imgProps xmlns:a14="http://schemas.microsoft.com/office/drawing/2010/main">
-                  <a14:imgLayer r:embed="rId4">
-                    <a14:imgEffect>
-                      <a14:backgroundRemoval t="0" b="99476" l="0" r="100000"/>
-                    </a14:imgEffect>
-                  </a14:imgLayer>
-                </a14:imgProps>
-              </a:ext>
-              <a:ext uri="{28A0092B-C50C-407E-A947-70E740481C1C}">
-                <a14:useLocalDpi xmlns:a14="http://schemas.microsoft.com/office/drawing/2010/main"/>
-              </a:ext>
-            </a:extLst>
-          </a:blip>
-          <a:srcRect/>
-          <a:stretch/>
-        </p:blipFill>
-        <p:spPr>
-          <a:xfrm>
-            <a:off x="9460504" y="4919939"/>
-            <a:ext cx="655983" cy="907774"/>
-          </a:xfrm>
-          <a:prstGeom prst="rect">
-            <a:avLst/>
-          </a:prstGeom>
-        </p:spPr>
-      </p:pic>
-      <p:pic>
-        <p:nvPicPr>
-          <p:cNvPr id="12" name="그림 11"/>
-          <p:cNvPicPr>
-            <a:picLocks noChangeAspect="1"/>
-          </p:cNvPicPr>
-          <p:nvPr/>
-        </p:nvPicPr>
-        <p:blipFill rotWithShape="1">
-          <a:blip r:embed="rId3" cstate="email">
-            <a:extLst>
-              <a:ext uri="{BEBA8EAE-BF5A-486C-A8C5-ECC9F3942E4B}">
-                <a14:imgProps xmlns:a14="http://schemas.microsoft.com/office/drawing/2010/main">
-                  <a14:imgLayer r:embed="rId5">
-                    <a14:imgEffect>
-                      <a14:backgroundRemoval t="0" b="99476" l="0" r="100000"/>
-                    </a14:imgEffect>
-                  </a14:imgLayer>
-                </a14:imgProps>
-              </a:ext>
-              <a:ext uri="{28A0092B-C50C-407E-A947-70E740481C1C}">
-                <a14:useLocalDpi xmlns:a14="http://schemas.microsoft.com/office/drawing/2010/main"/>
-              </a:ext>
-            </a:extLst>
-          </a:blip>
-          <a:srcRect/>
-          <a:stretch/>
-        </p:blipFill>
-        <p:spPr>
-          <a:xfrm>
-            <a:off x="9717375" y="4549201"/>
-            <a:ext cx="655983" cy="907774"/>
-          </a:xfrm>
-          <a:prstGeom prst="rect">
-            <a:avLst/>
-          </a:prstGeom>
-        </p:spPr>
-      </p:pic>
-      <p:pic>
-        <p:nvPicPr>
-          <p:cNvPr id="13" name="그림 12"/>
-          <p:cNvPicPr>
-            <a:picLocks noChangeAspect="1"/>
-          </p:cNvPicPr>
-          <p:nvPr/>
-        </p:nvPicPr>
-        <p:blipFill rotWithShape="1">
-          <a:blip r:embed="rId3" cstate="email">
-            <a:extLst>
-              <a:ext uri="{BEBA8EAE-BF5A-486C-A8C5-ECC9F3942E4B}">
-                <a14:imgProps xmlns:a14="http://schemas.microsoft.com/office/drawing/2010/main">
-                  <a14:imgLayer r:embed="rId5">
-                    <a14:imgEffect>
-                      <a14:backgroundRemoval t="0" b="99476" l="0" r="100000"/>
-                    </a14:imgEffect>
-                  </a14:imgLayer>
-                </a14:imgProps>
-              </a:ext>
-              <a:ext uri="{28A0092B-C50C-407E-A947-70E740481C1C}">
-                <a14:useLocalDpi xmlns:a14="http://schemas.microsoft.com/office/drawing/2010/main"/>
-              </a:ext>
-            </a:extLst>
-          </a:blip>
-          <a:srcRect/>
-          <a:stretch/>
-        </p:blipFill>
-        <p:spPr>
-          <a:xfrm>
-            <a:off x="10742113" y="4590957"/>
-            <a:ext cx="655983" cy="907774"/>
-          </a:xfrm>
-          <a:prstGeom prst="rect">
-            <a:avLst/>
-          </a:prstGeom>
-        </p:spPr>
-      </p:pic>
-      <p:pic>
-        <p:nvPicPr>
-          <p:cNvPr id="14" name="그림 13"/>
-          <p:cNvPicPr>
-            <a:picLocks noChangeAspect="1"/>
-          </p:cNvPicPr>
-          <p:nvPr/>
-        </p:nvPicPr>
-        <p:blipFill rotWithShape="1">
-          <a:blip r:embed="rId3" cstate="email">
-            <a:extLst>
-              <a:ext uri="{BEBA8EAE-BF5A-486C-A8C5-ECC9F3942E4B}">
-                <a14:imgProps xmlns:a14="http://schemas.microsoft.com/office/drawing/2010/main">
-                  <a14:imgLayer r:embed="rId5">
-                    <a14:imgEffect>
-                      <a14:backgroundRemoval t="0" b="99476" l="0" r="100000"/>
-                    </a14:imgEffect>
-                  </a14:imgLayer>
-                </a14:imgProps>
-              </a:ext>
-              <a:ext uri="{28A0092B-C50C-407E-A947-70E740481C1C}">
-                <a14:useLocalDpi xmlns:a14="http://schemas.microsoft.com/office/drawing/2010/main"/>
-              </a:ext>
-            </a:extLst>
-          </a:blip>
-          <a:srcRect/>
-          <a:stretch/>
-        </p:blipFill>
-        <p:spPr>
-          <a:xfrm>
-            <a:off x="10428041" y="5087768"/>
-            <a:ext cx="655983" cy="907774"/>
-          </a:xfrm>
-          <a:prstGeom prst="rect">
-            <a:avLst/>
-          </a:prstGeom>
-        </p:spPr>
-      </p:pic>
-      <p:pic>
-        <p:nvPicPr>
-          <p:cNvPr id="15" name="그림 14"/>
-          <p:cNvPicPr>
-            <a:picLocks noChangeAspect="1"/>
-          </p:cNvPicPr>
-          <p:nvPr/>
-        </p:nvPicPr>
-        <p:blipFill rotWithShape="1">
-          <a:blip r:embed="rId3" cstate="email">
-            <a:extLst>
-              <a:ext uri="{BEBA8EAE-BF5A-486C-A8C5-ECC9F3942E4B}">
-                <a14:imgProps xmlns:a14="http://schemas.microsoft.com/office/drawing/2010/main">
-                  <a14:imgLayer r:embed="rId5">
-                    <a14:imgEffect>
-                      <a14:backgroundRemoval t="0" b="99476" l="0" r="100000"/>
-                    </a14:imgEffect>
-                  </a14:imgLayer>
-                </a14:imgProps>
-              </a:ext>
-              <a:ext uri="{28A0092B-C50C-407E-A947-70E740481C1C}">
-                <a14:useLocalDpi xmlns:a14="http://schemas.microsoft.com/office/drawing/2010/main"/>
-              </a:ext>
-            </a:extLst>
-          </a:blip>
-          <a:srcRect/>
-          <a:stretch/>
-        </p:blipFill>
-        <p:spPr>
-          <a:xfrm>
-            <a:off x="10153476" y="5479066"/>
-            <a:ext cx="655983" cy="907774"/>
-          </a:xfrm>
-          <a:prstGeom prst="rect">
-            <a:avLst/>
-          </a:prstGeom>
-        </p:spPr>
-      </p:pic>
-      <p:pic>
-        <p:nvPicPr>
-          <p:cNvPr id="16" name="그림 15"/>
-          <p:cNvPicPr>
-            <a:picLocks noChangeAspect="1"/>
-          </p:cNvPicPr>
-          <p:nvPr/>
-        </p:nvPicPr>
-        <p:blipFill rotWithShape="1">
-          <a:blip r:embed="rId3" cstate="email">
-            <a:extLst>
-              <a:ext uri="{BEBA8EAE-BF5A-486C-A8C5-ECC9F3942E4B}">
-                <a14:imgProps xmlns:a14="http://schemas.microsoft.com/office/drawing/2010/main">
-                  <a14:imgLayer r:embed="rId5">
-                    <a14:imgEffect>
-                      <a14:backgroundRemoval t="0" b="99476" l="0" r="100000"/>
-                    </a14:imgEffect>
-                  </a14:imgLayer>
-                </a14:imgProps>
-              </a:ext>
-              <a:ext uri="{28A0092B-C50C-407E-A947-70E740481C1C}">
-                <a14:useLocalDpi xmlns:a14="http://schemas.microsoft.com/office/drawing/2010/main"/>
-              </a:ext>
-            </a:extLst>
-          </a:blip>
-          <a:srcRect/>
-          <a:stretch/>
-        </p:blipFill>
-        <p:spPr>
-          <a:xfrm>
-            <a:off x="10177028" y="4203379"/>
-            <a:ext cx="655983" cy="907774"/>
-          </a:xfrm>
-          <a:prstGeom prst="rect">
-            <a:avLst/>
-          </a:prstGeom>
-        </p:spPr>
-      </p:pic>
-      <p:sp>
-        <p:nvSpPr>
-          <p:cNvPr id="17" name="자유형 16"/>
-          <p:cNvSpPr/>
-          <p:nvPr/>
-        </p:nvSpPr>
-        <p:spPr>
-          <a:xfrm>
-            <a:off x="9674087" y="4963561"/>
-            <a:ext cx="1166191" cy="1086678"/>
-          </a:xfrm>
-          <a:custGeom>
-            <a:avLst/>
-            <a:gdLst>
-              <a:gd name="connsiteX0" fmla="*/ 0 w 1166191"/>
-              <a:gd name="connsiteY0" fmla="*/ 1086678 h 1086678"/>
-              <a:gd name="connsiteX1" fmla="*/ 490330 w 1166191"/>
-              <a:gd name="connsiteY1" fmla="*/ 636104 h 1086678"/>
-              <a:gd name="connsiteX2" fmla="*/ 675861 w 1166191"/>
-              <a:gd name="connsiteY2" fmla="*/ 238539 h 1086678"/>
-              <a:gd name="connsiteX3" fmla="*/ 1166191 w 1166191"/>
-              <a:gd name="connsiteY3" fmla="*/ 0 h 1086678"/>
-            </a:gdLst>
-            <a:ahLst/>
-            <a:cxnLst>
-              <a:cxn ang="0">
-                <a:pos x="connsiteX0" y="connsiteY0"/>
-              </a:cxn>
-              <a:cxn ang="0">
-                <a:pos x="connsiteX1" y="connsiteY1"/>
-              </a:cxn>
-              <a:cxn ang="0">
-                <a:pos x="connsiteX2" y="connsiteY2"/>
-              </a:cxn>
-              <a:cxn ang="0">
-                <a:pos x="connsiteX3" y="connsiteY3"/>
-              </a:cxn>
-            </a:cxnLst>
-            <a:rect l="l" t="t" r="r" b="b"/>
-            <a:pathLst>
-              <a:path w="1166191" h="1086678">
-                <a:moveTo>
-                  <a:pt x="0" y="1086678"/>
-                </a:moveTo>
-                <a:cubicBezTo>
-                  <a:pt x="188843" y="932069"/>
-                  <a:pt x="377687" y="777460"/>
-                  <a:pt x="490330" y="636104"/>
-                </a:cubicBezTo>
-                <a:cubicBezTo>
-                  <a:pt x="602974" y="494747"/>
-                  <a:pt x="563218" y="344556"/>
-                  <a:pt x="675861" y="238539"/>
-                </a:cubicBezTo>
-                <a:cubicBezTo>
-                  <a:pt x="788504" y="132522"/>
-                  <a:pt x="1166191" y="0"/>
-                  <a:pt x="1166191" y="0"/>
-                </a:cubicBezTo>
-              </a:path>
-            </a:pathLst>
-          </a:custGeom>
-          <a:noFill/>
-          <a:ln w="63500">
-            <a:solidFill>
-              <a:schemeClr val="tx1"/>
-            </a:solidFill>
-          </a:ln>
-        </p:spPr>
-        <p:style>
-          <a:lnRef idx="2">
-            <a:schemeClr val="accent1">
-              <a:shade val="50000"/>
-            </a:schemeClr>
-          </a:lnRef>
-          <a:fillRef idx="1">
-            <a:schemeClr val="accent1"/>
-          </a:fillRef>
-          <a:effectRef idx="0">
-            <a:schemeClr val="accent1"/>
-          </a:effectRef>
-          <a:fontRef idx="minor">
-            <a:schemeClr val="lt1"/>
-          </a:fontRef>
-        </p:style>
-        <p:txBody>
-          <a:bodyPr rtlCol="0" anchor="ctr"/>
-          <a:lstStyle/>
-          <a:p>
-            <a:pPr algn="ctr"/>
-            <a:endParaRPr kumimoji="1" lang="ko-KR" altLang="en-US"/>
-          </a:p>
-        </p:txBody>
-      </p:sp>
-      <p:sp>
-        <p:nvSpPr>
-          <p:cNvPr id="18" name="자유형 17"/>
-          <p:cNvSpPr/>
-          <p:nvPr/>
-        </p:nvSpPr>
-        <p:spPr>
-          <a:xfrm>
-            <a:off x="9817604" y="5273057"/>
-            <a:ext cx="1166191" cy="1086678"/>
-          </a:xfrm>
-          <a:custGeom>
-            <a:avLst/>
-            <a:gdLst>
-              <a:gd name="connsiteX0" fmla="*/ 0 w 1166191"/>
-              <a:gd name="connsiteY0" fmla="*/ 1086678 h 1086678"/>
-              <a:gd name="connsiteX1" fmla="*/ 490330 w 1166191"/>
-              <a:gd name="connsiteY1" fmla="*/ 636104 h 1086678"/>
-              <a:gd name="connsiteX2" fmla="*/ 675861 w 1166191"/>
-              <a:gd name="connsiteY2" fmla="*/ 238539 h 1086678"/>
-              <a:gd name="connsiteX3" fmla="*/ 1166191 w 1166191"/>
-              <a:gd name="connsiteY3" fmla="*/ 0 h 1086678"/>
-            </a:gdLst>
-            <a:ahLst/>
-            <a:cxnLst>
-              <a:cxn ang="0">
-                <a:pos x="connsiteX0" y="connsiteY0"/>
-              </a:cxn>
-              <a:cxn ang="0">
-                <a:pos x="connsiteX1" y="connsiteY1"/>
-              </a:cxn>
-              <a:cxn ang="0">
-                <a:pos x="connsiteX2" y="connsiteY2"/>
-              </a:cxn>
-              <a:cxn ang="0">
-                <a:pos x="connsiteX3" y="connsiteY3"/>
-              </a:cxn>
-            </a:cxnLst>
-            <a:rect l="l" t="t" r="r" b="b"/>
-            <a:pathLst>
-              <a:path w="1166191" h="1086678">
-                <a:moveTo>
-                  <a:pt x="0" y="1086678"/>
-                </a:moveTo>
-                <a:cubicBezTo>
-                  <a:pt x="188843" y="932069"/>
-                  <a:pt x="377687" y="777460"/>
-                  <a:pt x="490330" y="636104"/>
-                </a:cubicBezTo>
-                <a:cubicBezTo>
-                  <a:pt x="602974" y="494747"/>
-                  <a:pt x="563218" y="344556"/>
-                  <a:pt x="675861" y="238539"/>
-                </a:cubicBezTo>
-                <a:cubicBezTo>
-                  <a:pt x="788504" y="132522"/>
-                  <a:pt x="1166191" y="0"/>
-                  <a:pt x="1166191" y="0"/>
-                </a:cubicBezTo>
-              </a:path>
-            </a:pathLst>
-          </a:custGeom>
-          <a:noFill/>
-          <a:ln w="63500">
-            <a:solidFill>
-              <a:schemeClr val="tx1"/>
-            </a:solidFill>
-          </a:ln>
-        </p:spPr>
-        <p:style>
-          <a:lnRef idx="2">
-            <a:schemeClr val="accent1">
-              <a:shade val="50000"/>
-            </a:schemeClr>
-          </a:lnRef>
-          <a:fillRef idx="1">
-            <a:schemeClr val="accent1"/>
-          </a:fillRef>
-          <a:effectRef idx="0">
-            <a:schemeClr val="accent1"/>
-          </a:effectRef>
-          <a:fontRef idx="minor">
-            <a:schemeClr val="lt1"/>
-          </a:fontRef>
-        </p:style>
-        <p:txBody>
-          <a:bodyPr rtlCol="0" anchor="ctr"/>
-          <a:lstStyle/>
-          <a:p>
-            <a:pPr algn="ctr"/>
-            <a:endParaRPr kumimoji="1" lang="ko-KR" altLang="en-US"/>
-          </a:p>
-        </p:txBody>
-      </p:sp>
-      <p:pic>
-        <p:nvPicPr>
-          <p:cNvPr id="10" name="그림 9"/>
-          <p:cNvPicPr>
-            <a:picLocks noChangeAspect="1"/>
-          </p:cNvPicPr>
-          <p:nvPr/>
-        </p:nvPicPr>
-        <p:blipFill>
-          <a:blip r:embed="rId6" cstate="email">
-            <a:extLst>
-              <a:ext uri="{28A0092B-C50C-407E-A947-70E740481C1C}">
-                <a14:useLocalDpi xmlns:a14="http://schemas.microsoft.com/office/drawing/2010/main"/>
-              </a:ext>
-            </a:extLst>
-          </a:blip>
-          <a:stretch>
-            <a:fillRect/>
-          </a:stretch>
-        </p:blipFill>
-        <p:spPr>
-          <a:xfrm>
-            <a:off x="6942398" y="4772799"/>
-            <a:ext cx="1328563" cy="1137250"/>
-          </a:xfrm>
-          <a:prstGeom prst="rect">
-            <a:avLst/>
-          </a:prstGeom>
-        </p:spPr>
-      </p:pic>
-      <p:pic>
-        <p:nvPicPr>
-          <p:cNvPr id="21" name="그림 20"/>
-          <p:cNvPicPr>
-            <a:picLocks noChangeAspect="1"/>
-          </p:cNvPicPr>
-          <p:nvPr/>
-        </p:nvPicPr>
-        <p:blipFill>
-          <a:blip r:embed="rId7">
-            <a:extLst>
-              <a:ext uri="{28A0092B-C50C-407E-A947-70E740481C1C}">
-                <a14:useLocalDpi xmlns:a14="http://schemas.microsoft.com/office/drawing/2010/main"/>
-              </a:ext>
-            </a:extLst>
-          </a:blip>
-          <a:stretch>
-            <a:fillRect/>
-          </a:stretch>
-        </p:blipFill>
-        <p:spPr>
-          <a:xfrm>
-            <a:off x="9424992" y="100013"/>
-            <a:ext cx="2112948" cy="2224156"/>
-          </a:xfrm>
-          <a:prstGeom prst="rect">
-            <a:avLst/>
-          </a:prstGeom>
-        </p:spPr>
-      </p:pic>
-      <p:pic>
-        <p:nvPicPr>
-          <p:cNvPr id="22" name="그림 21"/>
-          <p:cNvPicPr>
-            <a:picLocks noChangeAspect="1"/>
-          </p:cNvPicPr>
-          <p:nvPr/>
-        </p:nvPicPr>
-        <p:blipFill>
-          <a:blip r:embed="rId8">
-            <a:extLst>
-              <a:ext uri="{BEBA8EAE-BF5A-486C-A8C5-ECC9F3942E4B}">
-                <a14:imgProps xmlns:a14="http://schemas.microsoft.com/office/drawing/2010/main">
-                  <a14:imgLayer r:embed="rId9">
-                    <a14:imgEffect>
-                      <a14:backgroundRemoval t="0" b="100000" l="0" r="97500">
-                        <a14:foregroundMark x1="53333" y1="19531" x2="51667" y2="41406"/>
-                      </a14:backgroundRemoval>
-                    </a14:imgEffect>
-                  </a14:imgLayer>
-                </a14:imgProps>
-              </a:ext>
-              <a:ext uri="{28A0092B-C50C-407E-A947-70E740481C1C}">
-                <a14:useLocalDpi xmlns:a14="http://schemas.microsoft.com/office/drawing/2010/main"/>
-              </a:ext>
-            </a:extLst>
-          </a:blip>
-          <a:stretch>
-            <a:fillRect/>
-          </a:stretch>
-        </p:blipFill>
-        <p:spPr>
-          <a:xfrm>
-            <a:off x="915862" y="275422"/>
-            <a:ext cx="1524000" cy="1625600"/>
-          </a:xfrm>
-          <a:prstGeom prst="rect">
-            <a:avLst/>
-          </a:prstGeom>
-        </p:spPr>
-      </p:pic>
-      <p:cxnSp>
-        <p:nvCxnSpPr>
-          <p:cNvPr id="23" name="직선 화살표 연결선 22"/>
-          <p:cNvCxnSpPr/>
-          <p:nvPr/>
-        </p:nvCxnSpPr>
-        <p:spPr>
-          <a:xfrm>
-            <a:off x="2463011" y="1212091"/>
-            <a:ext cx="7254364" cy="0"/>
-          </a:xfrm>
-          <a:prstGeom prst="straightConnector1">
-            <a:avLst/>
-          </a:prstGeom>
-          <a:ln w="63500">
-            <a:solidFill>
-              <a:schemeClr val="tx1"/>
-            </a:solidFill>
-            <a:tailEnd type="triangle"/>
-          </a:ln>
-        </p:spPr>
-        <p:style>
-          <a:lnRef idx="1">
-            <a:schemeClr val="accent1"/>
-          </a:lnRef>
-          <a:fillRef idx="0">
-            <a:schemeClr val="accent1"/>
-          </a:fillRef>
-          <a:effectRef idx="0">
-            <a:schemeClr val="accent1"/>
-          </a:effectRef>
-          <a:fontRef idx="minor">
-            <a:schemeClr val="tx1"/>
-          </a:fontRef>
-        </p:style>
-      </p:cxnSp>
-      <p:sp>
-        <p:nvSpPr>
-          <p:cNvPr id="24" name="TextBox 23"/>
-          <p:cNvSpPr txBox="1"/>
-          <p:nvPr/>
-        </p:nvSpPr>
-        <p:spPr>
-          <a:xfrm>
-            <a:off x="424955" y="1913818"/>
-            <a:ext cx="2505814" cy="584775"/>
-          </a:xfrm>
-          <a:prstGeom prst="rect">
-            <a:avLst/>
-          </a:prstGeom>
-          <a:noFill/>
-        </p:spPr>
-        <p:txBody>
-          <a:bodyPr wrap="none" rtlCol="0">
-            <a:spAutoFit/>
-          </a:bodyPr>
-          <a:lstStyle/>
-          <a:p>
-            <a:pPr algn="ctr"/>
-            <a:r>
-              <a:rPr kumimoji="1" lang="en-US" altLang="ko-KR" sz="3200" dirty="0" smtClean="0">
-                <a:solidFill>
-                  <a:schemeClr val="bg1">
-                    <a:lumMod val="75000"/>
-                  </a:schemeClr>
-                </a:solidFill>
-              </a:rPr>
-              <a:t>2016</a:t>
-            </a:r>
-            <a:r>
-              <a:rPr kumimoji="1" lang="ko-KR" altLang="en-US" sz="3200" dirty="0" smtClean="0">
-                <a:solidFill>
-                  <a:schemeClr val="bg1">
-                    <a:lumMod val="75000"/>
-                  </a:schemeClr>
-                </a:solidFill>
-              </a:rPr>
-              <a:t>년 </a:t>
-            </a:r>
-            <a:r>
-              <a:rPr kumimoji="1" lang="en-US" altLang="ko-KR" sz="3200" dirty="0" smtClean="0">
-                <a:solidFill>
-                  <a:schemeClr val="bg1">
-                    <a:lumMod val="75000"/>
-                  </a:schemeClr>
-                </a:solidFill>
-              </a:rPr>
-              <a:t>11</a:t>
-            </a:r>
-            <a:r>
-              <a:rPr kumimoji="1" lang="ko-KR" altLang="en-US" sz="3200" dirty="0" smtClean="0">
-                <a:solidFill>
-                  <a:schemeClr val="bg1">
-                    <a:lumMod val="75000"/>
-                  </a:schemeClr>
-                </a:solidFill>
-              </a:rPr>
-              <a:t>월</a:t>
-            </a:r>
-            <a:endParaRPr kumimoji="1" lang="ko-KR" altLang="en-US" sz="3200" dirty="0">
-              <a:solidFill>
-                <a:schemeClr val="bg1">
-                  <a:lumMod val="75000"/>
-                </a:schemeClr>
-              </a:solidFill>
-            </a:endParaRPr>
-          </a:p>
-        </p:txBody>
-      </p:sp>
-      <p:sp>
-        <p:nvSpPr>
-          <p:cNvPr id="25" name="TextBox 24"/>
-          <p:cNvSpPr txBox="1"/>
-          <p:nvPr/>
-        </p:nvSpPr>
-        <p:spPr>
-          <a:xfrm>
-            <a:off x="9341571" y="1913818"/>
-            <a:ext cx="2279791" cy="584775"/>
-          </a:xfrm>
-          <a:prstGeom prst="rect">
-            <a:avLst/>
-          </a:prstGeom>
-          <a:noFill/>
-        </p:spPr>
-        <p:txBody>
-          <a:bodyPr wrap="none" rtlCol="0">
-            <a:spAutoFit/>
-          </a:bodyPr>
-          <a:lstStyle/>
-          <a:p>
-            <a:pPr algn="ctr"/>
-            <a:r>
-              <a:rPr kumimoji="1" lang="en-US" altLang="ko-KR" sz="3200" dirty="0" smtClean="0">
-                <a:solidFill>
-                  <a:schemeClr val="bg1">
-                    <a:lumMod val="75000"/>
-                  </a:schemeClr>
-                </a:solidFill>
-              </a:rPr>
-              <a:t>2017</a:t>
-            </a:r>
-            <a:r>
-              <a:rPr kumimoji="1" lang="ko-KR" altLang="en-US" sz="3200" dirty="0" smtClean="0">
-                <a:solidFill>
-                  <a:schemeClr val="bg1">
-                    <a:lumMod val="75000"/>
-                  </a:schemeClr>
-                </a:solidFill>
-              </a:rPr>
-              <a:t>년 </a:t>
-            </a:r>
-            <a:r>
-              <a:rPr kumimoji="1" lang="en-US" altLang="ko-KR" sz="3200" dirty="0">
-                <a:solidFill>
-                  <a:schemeClr val="bg1">
-                    <a:lumMod val="75000"/>
-                  </a:schemeClr>
-                </a:solidFill>
-              </a:rPr>
-              <a:t>8</a:t>
-            </a:r>
-            <a:r>
-              <a:rPr kumimoji="1" lang="ko-KR" altLang="en-US" sz="3200" dirty="0" smtClean="0">
-                <a:solidFill>
-                  <a:schemeClr val="bg1">
-                    <a:lumMod val="75000"/>
-                  </a:schemeClr>
-                </a:solidFill>
-              </a:rPr>
-              <a:t>월</a:t>
-            </a:r>
-            <a:endParaRPr kumimoji="1" lang="ko-KR" altLang="en-US" sz="3200" dirty="0">
-              <a:solidFill>
-                <a:schemeClr val="bg1">
-                  <a:lumMod val="75000"/>
-                </a:schemeClr>
-              </a:solidFill>
-            </a:endParaRPr>
-          </a:p>
-        </p:txBody>
-      </p:sp>
-    </p:spTree>
-    <p:extLst>
-      <p:ext uri="{BB962C8B-B14F-4D97-AF65-F5344CB8AC3E}">
-        <p14:creationId xmlns:p14="http://schemas.microsoft.com/office/powerpoint/2010/main" val="1552993264"/>
-      </p:ext>
-    </p:extLst>
-  </p:cSld>
-  <p:clrMapOvr>
-    <a:masterClrMapping/>
-  </p:clrMapOvr>
-  <p:timing>
-    <p:tnLst>
-      <p:par>
-        <p:cTn id="1" dur="indefinite" restart="never" nodeType="tmRoot"/>
-      </p:par>
-    </p:tnLst>
-  </p:timing>
 </p:sld>
 </file>
 
@@ -27498,7 +27606,23 @@
                   <a:schemeClr val="bg1"/>
                 </a:solidFill>
               </a:rPr>
-              <a:t>궁극기 시스템</a:t>
+              <a:t>발열</a:t>
+            </a:r>
+            <a:r>
+              <a:rPr lang="ko-KR" altLang="en-US" sz="4000" dirty="0" smtClean="0">
+                <a:solidFill>
+                  <a:schemeClr val="bg1"/>
+                </a:solidFill>
+              </a:rPr>
+              <a:t> </a:t>
+            </a:r>
+            <a:r>
+              <a:rPr lang="ko-KR" altLang="en-US" sz="4000" dirty="0" smtClean="0">
+                <a:solidFill>
+                  <a:schemeClr val="bg1"/>
+                </a:solidFill>
+              </a:rPr>
+              <a:t>시스템</a:t>
             </a:r>
             <a:endParaRPr lang="en-US" altLang="ko-KR" sz="2400" dirty="0">
               <a:solidFill>
@@ -27522,7 +27646,7 @@
         <p:spPr bwMode="auto">
           <a:xfrm>
             <a:off x="-720763" y="1304790"/>
-            <a:ext cx="11792474" cy="1031051"/>
+            <a:ext cx="11792474" cy="1461939"/>
           </a:xfrm>
           <a:prstGeom prst="rect">
             <a:avLst/>
@@ -27664,6 +27788,78 @@
               </a:ln>
               <a:solidFill>
                 <a:schemeClr val="tx1"/>
+              </a:solidFill>
+              <a:effectLst/>
+              <a:latin typeface="맑은 고딕" charset="-127"/>
+              <a:ea typeface="맑은 고딕" charset="-127"/>
+              <a:cs typeface="Times New Roman" charset="0"/>
+            </a:endParaRPr>
+          </a:p>
+          <a:p>
+            <a:pPr lvl="0" eaLnBrk="0" fontAlgn="base" latinLnBrk="0" hangingPunct="0">
+              <a:spcBef>
+                <a:spcPct val="0"/>
+              </a:spcBef>
+              <a:spcAft>
+                <a:spcPct val="0"/>
+              </a:spcAft>
+            </a:pPr>
+            <a:r>
+              <a:rPr lang="ko-KR" altLang="en-US" sz="2800" dirty="0" smtClean="0">
+                <a:solidFill>
+                  <a:schemeClr val="bg1">
+                    <a:lumMod val="50000"/>
+                  </a:schemeClr>
+                </a:solidFill>
+                <a:latin typeface="맑은 고딕" charset="-127"/>
+                <a:cs typeface="Times New Roman" charset="0"/>
+              </a:rPr>
+              <a:t>  </a:t>
+            </a:r>
+            <a:r>
+              <a:rPr lang="en-US" altLang="ko-KR" sz="2800" dirty="0">
+                <a:solidFill>
+                  <a:schemeClr val="bg1">
+                    <a:lumMod val="50000"/>
+                  </a:schemeClr>
+                </a:solidFill>
+                <a:latin typeface="맑은 고딕" charset="-127"/>
+                <a:cs typeface="Times New Roman" charset="0"/>
+              </a:rPr>
+              <a:t>-</a:t>
+            </a:r>
+            <a:r>
+              <a:rPr lang="ko-KR" altLang="en-US" sz="2800" dirty="0">
+                <a:solidFill>
+                  <a:schemeClr val="bg1">
+                    <a:lumMod val="50000"/>
+                  </a:schemeClr>
+                </a:solidFill>
+                <a:latin typeface="맑은 고딕" charset="-127"/>
+                <a:cs typeface="Times New Roman" charset="0"/>
+              </a:rPr>
+              <a:t> </a:t>
+            </a:r>
+            <a:r>
+              <a:rPr lang="ko-KR" altLang="en-US" sz="2800" dirty="0" smtClean="0">
+                <a:solidFill>
+                  <a:schemeClr val="bg1">
+                    <a:lumMod val="50000"/>
+                  </a:schemeClr>
+                </a:solidFill>
+                <a:latin typeface="맑은 고딕" charset="-127"/>
+                <a:cs typeface="Times New Roman" charset="0"/>
+              </a:rPr>
+              <a:t>획득한 발열 단계에 따라서 스킬이 강화</a:t>
+            </a:r>
+            <a:endParaRPr kumimoji="0" lang="en-US" altLang="ko-KR" sz="2800" b="0" i="0" u="none" strike="noStrike" cap="none" normalizeH="0" baseline="0" dirty="0" smtClean="0">
+              <a:ln>
+                <a:noFill/>
+              </a:ln>
+              <a:solidFill>
+                <a:schemeClr val="bg1">
+                  <a:lumMod val="50000"/>
+                </a:schemeClr>
               </a:solidFill>
               <a:effectLst/>
               <a:latin typeface="맑은 고딕" charset="-127"/>
@@ -33662,22 +33858,137 @@
           <a:chExt cx="0" cy="0"/>
         </a:xfrm>
       </p:grpSpPr>
-      <p:sp>
-        <p:nvSpPr>
-          <p:cNvPr id="7" name="직사각형 6"/>
+      <p:cxnSp>
+        <p:nvCxnSpPr>
+          <p:cNvPr id="20" name="직선 화살표 연결선 19"/>
+          <p:cNvCxnSpPr/>
+          <p:nvPr/>
+        </p:nvCxnSpPr>
+        <p:spPr>
+          <a:xfrm>
+            <a:off x="1691114" y="5394891"/>
+            <a:ext cx="7598660" cy="0"/>
+          </a:xfrm>
+          <a:prstGeom prst="straightConnector1">
+            <a:avLst/>
+          </a:prstGeom>
+          <a:ln w="63500">
+            <a:solidFill>
+              <a:schemeClr val="tx1"/>
+            </a:solidFill>
+            <a:tailEnd type="triangle"/>
+          </a:ln>
+        </p:spPr>
+        <p:style>
+          <a:lnRef idx="1">
+            <a:schemeClr val="accent1"/>
+          </a:lnRef>
+          <a:fillRef idx="0">
+            <a:schemeClr val="accent1"/>
+          </a:fillRef>
+          <a:effectRef idx="0">
+            <a:schemeClr val="accent1"/>
+          </a:effectRef>
+          <a:fontRef idx="minor">
+            <a:schemeClr val="tx1"/>
+          </a:fontRef>
+        </p:style>
+      </p:cxnSp>
+      <p:sp>
+        <p:nvSpPr>
+          <p:cNvPr id="4" name="TextBox 3"/>
+          <p:cNvSpPr txBox="1"/>
+          <p:nvPr/>
+        </p:nvSpPr>
+        <p:spPr>
+          <a:xfrm>
+            <a:off x="1466263" y="2675060"/>
+            <a:ext cx="9116598" cy="1631216"/>
+          </a:xfrm>
+          <a:prstGeom prst="rect">
+            <a:avLst/>
+          </a:prstGeom>
+          <a:noFill/>
+        </p:spPr>
+        <p:txBody>
+          <a:bodyPr wrap="none" rtlCol="0">
+            <a:spAutoFit/>
+          </a:bodyPr>
+          <a:lstStyle/>
+          <a:p>
+            <a:pPr algn="ctr"/>
+            <a:r>
+              <a:rPr kumimoji="1" lang="ko-KR" altLang="en-US" sz="4000" smtClean="0"/>
+              <a:t>마을에서 출발해서 특정 던전의 보스를</a:t>
+            </a:r>
+            <a:endParaRPr kumimoji="1" lang="en-US" altLang="ko-KR" sz="4000" smtClean="0"/>
+          </a:p>
+          <a:p>
+            <a:pPr algn="ctr"/>
+            <a:r>
+              <a:rPr kumimoji="1" lang="ko-KR" altLang="en-US" sz="4000" smtClean="0"/>
+              <a:t>잡는 것까지의 제작 과정</a:t>
+            </a:r>
+            <a:endParaRPr kumimoji="1" lang="en-US" altLang="ko-KR" sz="4000" smtClean="0"/>
+          </a:p>
+          <a:p>
+            <a:pPr algn="ctr"/>
+            <a:r>
+              <a:rPr kumimoji="1" lang="ko-KR" altLang="en-US" sz="2000" smtClean="0">
+                <a:solidFill>
+                  <a:schemeClr val="bg1">
+                    <a:lumMod val="75000"/>
+                  </a:schemeClr>
+                </a:solidFill>
+              </a:rPr>
+              <a:t>기획 기간 동안 재미의 검증</a:t>
+            </a:r>
+            <a:r>
+              <a:rPr kumimoji="1" lang="en-US" altLang="ko-KR" sz="2000" smtClean="0">
+                <a:solidFill>
+                  <a:schemeClr val="bg1">
+                    <a:lumMod val="75000"/>
+                  </a:schemeClr>
+                </a:solidFill>
+              </a:rPr>
+              <a:t>,</a:t>
+            </a:r>
+            <a:r>
+              <a:rPr kumimoji="1" lang="ko-KR" altLang="en-US" sz="2000" smtClean="0">
+                <a:solidFill>
+                  <a:schemeClr val="bg1">
+                    <a:lumMod val="75000"/>
+                  </a:schemeClr>
+                </a:solidFill>
+              </a:rPr>
+              <a:t> 기술적 난이도 확인</a:t>
+            </a:r>
+            <a:endParaRPr kumimoji="1" lang="ko-KR" altLang="en-US" sz="2000">
+              <a:solidFill>
+                <a:schemeClr val="bg1">
+                  <a:lumMod val="75000"/>
+                </a:schemeClr>
+              </a:solidFill>
+            </a:endParaRPr>
+          </a:p>
+        </p:txBody>
+      </p:sp>
+      <p:sp>
+        <p:nvSpPr>
+          <p:cNvPr id="2" name="삼각형 1"/>
           <p:cNvSpPr/>
           <p:nvPr/>
         </p:nvSpPr>
         <p:spPr>
           <a:xfrm>
-            <a:off x="0" y="0"/>
-            <a:ext cx="12192000" cy="6868337"/>
-          </a:xfrm>
-          <a:prstGeom prst="rect">
+            <a:off x="924496" y="4602439"/>
+            <a:ext cx="1538515" cy="635000"/>
+          </a:xfrm>
+          <a:prstGeom prst="triangle">
             <a:avLst/>
           </a:prstGeom>
           <a:solidFill>
-            <a:srgbClr val="0070C0"/>
+            <a:schemeClr val="tx1"/>
           </a:solidFill>
           <a:ln>
             <a:noFill/>
@@ -33710,14 +34021,826 @@
       </p:sp>
       <p:sp>
         <p:nvSpPr>
-          <p:cNvPr id="4" name="TextBox 3"/>
+          <p:cNvPr id="3" name="직사각형 2"/>
+          <p:cNvSpPr/>
+          <p:nvPr/>
+        </p:nvSpPr>
+        <p:spPr>
+          <a:xfrm>
+            <a:off x="1168600" y="5237439"/>
+            <a:ext cx="1045029" cy="899886"/>
+          </a:xfrm>
+          <a:prstGeom prst="rect">
+            <a:avLst/>
+          </a:prstGeom>
+          <a:solidFill>
+            <a:schemeClr val="tx1"/>
+          </a:solidFill>
+          <a:ln>
+            <a:noFill/>
+          </a:ln>
+        </p:spPr>
+        <p:style>
+          <a:lnRef idx="2">
+            <a:schemeClr val="accent1">
+              <a:shade val="50000"/>
+            </a:schemeClr>
+          </a:lnRef>
+          <a:fillRef idx="1">
+            <a:schemeClr val="accent1"/>
+          </a:fillRef>
+          <a:effectRef idx="0">
+            <a:schemeClr val="accent1"/>
+          </a:effectRef>
+          <a:fontRef idx="minor">
+            <a:schemeClr val="lt1"/>
+          </a:fontRef>
+        </p:style>
+        <p:txBody>
+          <a:bodyPr rtlCol="0" anchor="ctr"/>
+          <a:lstStyle/>
+          <a:p>
+            <a:pPr algn="ctr"/>
+            <a:endParaRPr kumimoji="1" lang="ko-KR" altLang="en-US"/>
+          </a:p>
+        </p:txBody>
+      </p:sp>
+      <p:sp>
+        <p:nvSpPr>
+          <p:cNvPr id="5" name="직사각형 4"/>
+          <p:cNvSpPr/>
+          <p:nvPr/>
+        </p:nvSpPr>
+        <p:spPr>
+          <a:xfrm>
+            <a:off x="1386916" y="5341424"/>
+            <a:ext cx="290946" cy="292949"/>
+          </a:xfrm>
+          <a:prstGeom prst="rect">
+            <a:avLst/>
+          </a:prstGeom>
+          <a:solidFill>
+            <a:schemeClr val="bg1"/>
+          </a:solidFill>
+          <a:ln>
+            <a:noFill/>
+          </a:ln>
+        </p:spPr>
+        <p:style>
+          <a:lnRef idx="2">
+            <a:schemeClr val="accent1">
+              <a:shade val="50000"/>
+            </a:schemeClr>
+          </a:lnRef>
+          <a:fillRef idx="1">
+            <a:schemeClr val="accent1"/>
+          </a:fillRef>
+          <a:effectRef idx="0">
+            <a:schemeClr val="accent1"/>
+          </a:effectRef>
+          <a:fontRef idx="minor">
+            <a:schemeClr val="lt1"/>
+          </a:fontRef>
+        </p:style>
+        <p:txBody>
+          <a:bodyPr rtlCol="0" anchor="ctr"/>
+          <a:lstStyle/>
+          <a:p>
+            <a:pPr algn="ctr"/>
+            <a:endParaRPr kumimoji="1" lang="ko-KR" altLang="en-US"/>
+          </a:p>
+        </p:txBody>
+      </p:sp>
+      <p:sp>
+        <p:nvSpPr>
+          <p:cNvPr id="6" name="직사각형 5"/>
+          <p:cNvSpPr/>
+          <p:nvPr/>
+        </p:nvSpPr>
+        <p:spPr>
+          <a:xfrm>
+            <a:off x="1706737" y="5341424"/>
+            <a:ext cx="290946" cy="292949"/>
+          </a:xfrm>
+          <a:prstGeom prst="rect">
+            <a:avLst/>
+          </a:prstGeom>
+          <a:solidFill>
+            <a:schemeClr val="bg1"/>
+          </a:solidFill>
+          <a:ln>
+            <a:noFill/>
+          </a:ln>
+        </p:spPr>
+        <p:style>
+          <a:lnRef idx="2">
+            <a:schemeClr val="accent1">
+              <a:shade val="50000"/>
+            </a:schemeClr>
+          </a:lnRef>
+          <a:fillRef idx="1">
+            <a:schemeClr val="accent1"/>
+          </a:fillRef>
+          <a:effectRef idx="0">
+            <a:schemeClr val="accent1"/>
+          </a:effectRef>
+          <a:fontRef idx="minor">
+            <a:schemeClr val="lt1"/>
+          </a:fontRef>
+        </p:style>
+        <p:txBody>
+          <a:bodyPr rtlCol="0" anchor="ctr"/>
+          <a:lstStyle/>
+          <a:p>
+            <a:pPr algn="ctr"/>
+            <a:endParaRPr kumimoji="1" lang="ko-KR" altLang="en-US"/>
+          </a:p>
+        </p:txBody>
+      </p:sp>
+      <p:sp>
+        <p:nvSpPr>
+          <p:cNvPr id="7" name="직사각형 6"/>
+          <p:cNvSpPr/>
+          <p:nvPr/>
+        </p:nvSpPr>
+        <p:spPr>
+          <a:xfrm>
+            <a:off x="1706737" y="5663248"/>
+            <a:ext cx="290946" cy="292949"/>
+          </a:xfrm>
+          <a:prstGeom prst="rect">
+            <a:avLst/>
+          </a:prstGeom>
+          <a:solidFill>
+            <a:schemeClr val="bg1"/>
+          </a:solidFill>
+          <a:ln>
+            <a:noFill/>
+          </a:ln>
+        </p:spPr>
+        <p:style>
+          <a:lnRef idx="2">
+            <a:schemeClr val="accent1">
+              <a:shade val="50000"/>
+            </a:schemeClr>
+          </a:lnRef>
+          <a:fillRef idx="1">
+            <a:schemeClr val="accent1"/>
+          </a:fillRef>
+          <a:effectRef idx="0">
+            <a:schemeClr val="accent1"/>
+          </a:effectRef>
+          <a:fontRef idx="minor">
+            <a:schemeClr val="lt1"/>
+          </a:fontRef>
+        </p:style>
+        <p:txBody>
+          <a:bodyPr rtlCol="0" anchor="ctr"/>
+          <a:lstStyle/>
+          <a:p>
+            <a:pPr algn="ctr"/>
+            <a:endParaRPr kumimoji="1" lang="ko-KR" altLang="en-US"/>
+          </a:p>
+        </p:txBody>
+      </p:sp>
+      <p:sp>
+        <p:nvSpPr>
+          <p:cNvPr id="8" name="직사각형 7"/>
+          <p:cNvSpPr/>
+          <p:nvPr/>
+        </p:nvSpPr>
+        <p:spPr>
+          <a:xfrm>
+            <a:off x="1386916" y="5663248"/>
+            <a:ext cx="290946" cy="292949"/>
+          </a:xfrm>
+          <a:prstGeom prst="rect">
+            <a:avLst/>
+          </a:prstGeom>
+          <a:solidFill>
+            <a:schemeClr val="bg1"/>
+          </a:solidFill>
+          <a:ln>
+            <a:noFill/>
+          </a:ln>
+        </p:spPr>
+        <p:style>
+          <a:lnRef idx="2">
+            <a:schemeClr val="accent1">
+              <a:shade val="50000"/>
+            </a:schemeClr>
+          </a:lnRef>
+          <a:fillRef idx="1">
+            <a:schemeClr val="accent1"/>
+          </a:fillRef>
+          <a:effectRef idx="0">
+            <a:schemeClr val="accent1"/>
+          </a:effectRef>
+          <a:fontRef idx="minor">
+            <a:schemeClr val="lt1"/>
+          </a:fontRef>
+        </p:style>
+        <p:txBody>
+          <a:bodyPr rtlCol="0" anchor="ctr"/>
+          <a:lstStyle/>
+          <a:p>
+            <a:pPr algn="ctr"/>
+            <a:endParaRPr kumimoji="1" lang="ko-KR" altLang="en-US"/>
+          </a:p>
+        </p:txBody>
+      </p:sp>
+      <p:pic>
+        <p:nvPicPr>
+          <p:cNvPr id="9" name="그림 8"/>
+          <p:cNvPicPr>
+            <a:picLocks noChangeAspect="1"/>
+          </p:cNvPicPr>
+          <p:nvPr/>
+        </p:nvPicPr>
+        <p:blipFill rotWithShape="1">
+          <a:blip r:embed="rId2" cstate="email">
+            <a:extLst>
+              <a:ext uri="{28A0092B-C50C-407E-A947-70E740481C1C}">
+                <a14:useLocalDpi xmlns:a14="http://schemas.microsoft.com/office/drawing/2010/main"/>
+              </a:ext>
+            </a:extLst>
+          </a:blip>
+          <a:srcRect/>
+          <a:stretch/>
+        </p:blipFill>
+        <p:spPr>
+          <a:xfrm>
+            <a:off x="3776870" y="4675326"/>
+            <a:ext cx="1311965" cy="1470992"/>
+          </a:xfrm>
+          <a:prstGeom prst="rect">
+            <a:avLst/>
+          </a:prstGeom>
+        </p:spPr>
+      </p:pic>
+      <p:pic>
+        <p:nvPicPr>
+          <p:cNvPr id="11" name="그림 10"/>
+          <p:cNvPicPr>
+            <a:picLocks noChangeAspect="1"/>
+          </p:cNvPicPr>
+          <p:nvPr/>
+        </p:nvPicPr>
+        <p:blipFill rotWithShape="1">
+          <a:blip r:embed="rId3" cstate="email">
+            <a:extLst>
+              <a:ext uri="{BEBA8EAE-BF5A-486C-A8C5-ECC9F3942E4B}">
+                <a14:imgProps xmlns:a14="http://schemas.microsoft.com/office/drawing/2010/main">
+                  <a14:imgLayer r:embed="rId4">
+                    <a14:imgEffect>
+                      <a14:backgroundRemoval t="0" b="99476" l="0" r="100000"/>
+                    </a14:imgEffect>
+                  </a14:imgLayer>
+                </a14:imgProps>
+              </a:ext>
+              <a:ext uri="{28A0092B-C50C-407E-A947-70E740481C1C}">
+                <a14:useLocalDpi xmlns:a14="http://schemas.microsoft.com/office/drawing/2010/main"/>
+              </a:ext>
+            </a:extLst>
+          </a:blip>
+          <a:srcRect/>
+          <a:stretch/>
+        </p:blipFill>
+        <p:spPr>
+          <a:xfrm>
+            <a:off x="9460504" y="4919939"/>
+            <a:ext cx="655983" cy="907774"/>
+          </a:xfrm>
+          <a:prstGeom prst="rect">
+            <a:avLst/>
+          </a:prstGeom>
+        </p:spPr>
+      </p:pic>
+      <p:pic>
+        <p:nvPicPr>
+          <p:cNvPr id="12" name="그림 11"/>
+          <p:cNvPicPr>
+            <a:picLocks noChangeAspect="1"/>
+          </p:cNvPicPr>
+          <p:nvPr/>
+        </p:nvPicPr>
+        <p:blipFill rotWithShape="1">
+          <a:blip r:embed="rId3" cstate="email">
+            <a:extLst>
+              <a:ext uri="{BEBA8EAE-BF5A-486C-A8C5-ECC9F3942E4B}">
+                <a14:imgProps xmlns:a14="http://schemas.microsoft.com/office/drawing/2010/main">
+                  <a14:imgLayer r:embed="rId5">
+                    <a14:imgEffect>
+                      <a14:backgroundRemoval t="0" b="99476" l="0" r="100000"/>
+                    </a14:imgEffect>
+                  </a14:imgLayer>
+                </a14:imgProps>
+              </a:ext>
+              <a:ext uri="{28A0092B-C50C-407E-A947-70E740481C1C}">
+                <a14:useLocalDpi xmlns:a14="http://schemas.microsoft.com/office/drawing/2010/main"/>
+              </a:ext>
+            </a:extLst>
+          </a:blip>
+          <a:srcRect/>
+          <a:stretch/>
+        </p:blipFill>
+        <p:spPr>
+          <a:xfrm>
+            <a:off x="9717375" y="4549201"/>
+            <a:ext cx="655983" cy="907774"/>
+          </a:xfrm>
+          <a:prstGeom prst="rect">
+            <a:avLst/>
+          </a:prstGeom>
+        </p:spPr>
+      </p:pic>
+      <p:pic>
+        <p:nvPicPr>
+          <p:cNvPr id="13" name="그림 12"/>
+          <p:cNvPicPr>
+            <a:picLocks noChangeAspect="1"/>
+          </p:cNvPicPr>
+          <p:nvPr/>
+        </p:nvPicPr>
+        <p:blipFill rotWithShape="1">
+          <a:blip r:embed="rId3" cstate="email">
+            <a:extLst>
+              <a:ext uri="{BEBA8EAE-BF5A-486C-A8C5-ECC9F3942E4B}">
+                <a14:imgProps xmlns:a14="http://schemas.microsoft.com/office/drawing/2010/main">
+                  <a14:imgLayer r:embed="rId5">
+                    <a14:imgEffect>
+                      <a14:backgroundRemoval t="0" b="99476" l="0" r="100000"/>
+                    </a14:imgEffect>
+                  </a14:imgLayer>
+                </a14:imgProps>
+              </a:ext>
+              <a:ext uri="{28A0092B-C50C-407E-A947-70E740481C1C}">
+                <a14:useLocalDpi xmlns:a14="http://schemas.microsoft.com/office/drawing/2010/main"/>
+              </a:ext>
+            </a:extLst>
+          </a:blip>
+          <a:srcRect/>
+          <a:stretch/>
+        </p:blipFill>
+        <p:spPr>
+          <a:xfrm>
+            <a:off x="10742113" y="4590957"/>
+            <a:ext cx="655983" cy="907774"/>
+          </a:xfrm>
+          <a:prstGeom prst="rect">
+            <a:avLst/>
+          </a:prstGeom>
+        </p:spPr>
+      </p:pic>
+      <p:pic>
+        <p:nvPicPr>
+          <p:cNvPr id="14" name="그림 13"/>
+          <p:cNvPicPr>
+            <a:picLocks noChangeAspect="1"/>
+          </p:cNvPicPr>
+          <p:nvPr/>
+        </p:nvPicPr>
+        <p:blipFill rotWithShape="1">
+          <a:blip r:embed="rId3" cstate="email">
+            <a:extLst>
+              <a:ext uri="{BEBA8EAE-BF5A-486C-A8C5-ECC9F3942E4B}">
+                <a14:imgProps xmlns:a14="http://schemas.microsoft.com/office/drawing/2010/main">
+                  <a14:imgLayer r:embed="rId5">
+                    <a14:imgEffect>
+                      <a14:backgroundRemoval t="0" b="99476" l="0" r="100000"/>
+                    </a14:imgEffect>
+                  </a14:imgLayer>
+                </a14:imgProps>
+              </a:ext>
+              <a:ext uri="{28A0092B-C50C-407E-A947-70E740481C1C}">
+                <a14:useLocalDpi xmlns:a14="http://schemas.microsoft.com/office/drawing/2010/main"/>
+              </a:ext>
+            </a:extLst>
+          </a:blip>
+          <a:srcRect/>
+          <a:stretch/>
+        </p:blipFill>
+        <p:spPr>
+          <a:xfrm>
+            <a:off x="10428041" y="5087768"/>
+            <a:ext cx="655983" cy="907774"/>
+          </a:xfrm>
+          <a:prstGeom prst="rect">
+            <a:avLst/>
+          </a:prstGeom>
+        </p:spPr>
+      </p:pic>
+      <p:pic>
+        <p:nvPicPr>
+          <p:cNvPr id="15" name="그림 14"/>
+          <p:cNvPicPr>
+            <a:picLocks noChangeAspect="1"/>
+          </p:cNvPicPr>
+          <p:nvPr/>
+        </p:nvPicPr>
+        <p:blipFill rotWithShape="1">
+          <a:blip r:embed="rId3" cstate="email">
+            <a:extLst>
+              <a:ext uri="{BEBA8EAE-BF5A-486C-A8C5-ECC9F3942E4B}">
+                <a14:imgProps xmlns:a14="http://schemas.microsoft.com/office/drawing/2010/main">
+                  <a14:imgLayer r:embed="rId5">
+                    <a14:imgEffect>
+                      <a14:backgroundRemoval t="0" b="99476" l="0" r="100000"/>
+                    </a14:imgEffect>
+                  </a14:imgLayer>
+                </a14:imgProps>
+              </a:ext>
+              <a:ext uri="{28A0092B-C50C-407E-A947-70E740481C1C}">
+                <a14:useLocalDpi xmlns:a14="http://schemas.microsoft.com/office/drawing/2010/main"/>
+              </a:ext>
+            </a:extLst>
+          </a:blip>
+          <a:srcRect/>
+          <a:stretch/>
+        </p:blipFill>
+        <p:spPr>
+          <a:xfrm>
+            <a:off x="10153476" y="5479066"/>
+            <a:ext cx="655983" cy="907774"/>
+          </a:xfrm>
+          <a:prstGeom prst="rect">
+            <a:avLst/>
+          </a:prstGeom>
+        </p:spPr>
+      </p:pic>
+      <p:pic>
+        <p:nvPicPr>
+          <p:cNvPr id="16" name="그림 15"/>
+          <p:cNvPicPr>
+            <a:picLocks noChangeAspect="1"/>
+          </p:cNvPicPr>
+          <p:nvPr/>
+        </p:nvPicPr>
+        <p:blipFill rotWithShape="1">
+          <a:blip r:embed="rId3" cstate="email">
+            <a:extLst>
+              <a:ext uri="{BEBA8EAE-BF5A-486C-A8C5-ECC9F3942E4B}">
+                <a14:imgProps xmlns:a14="http://schemas.microsoft.com/office/drawing/2010/main">
+                  <a14:imgLayer r:embed="rId5">
+                    <a14:imgEffect>
+                      <a14:backgroundRemoval t="0" b="99476" l="0" r="100000"/>
+                    </a14:imgEffect>
+                  </a14:imgLayer>
+                </a14:imgProps>
+              </a:ext>
+              <a:ext uri="{28A0092B-C50C-407E-A947-70E740481C1C}">
+                <a14:useLocalDpi xmlns:a14="http://schemas.microsoft.com/office/drawing/2010/main"/>
+              </a:ext>
+            </a:extLst>
+          </a:blip>
+          <a:srcRect/>
+          <a:stretch/>
+        </p:blipFill>
+        <p:spPr>
+          <a:xfrm>
+            <a:off x="10177028" y="4203379"/>
+            <a:ext cx="655983" cy="907774"/>
+          </a:xfrm>
+          <a:prstGeom prst="rect">
+            <a:avLst/>
+          </a:prstGeom>
+        </p:spPr>
+      </p:pic>
+      <p:sp>
+        <p:nvSpPr>
+          <p:cNvPr id="17" name="자유형 16"/>
+          <p:cNvSpPr/>
+          <p:nvPr/>
+        </p:nvSpPr>
+        <p:spPr>
+          <a:xfrm>
+            <a:off x="9674087" y="4963561"/>
+            <a:ext cx="1166191" cy="1086678"/>
+          </a:xfrm>
+          <a:custGeom>
+            <a:avLst/>
+            <a:gdLst>
+              <a:gd name="connsiteX0" fmla="*/ 0 w 1166191"/>
+              <a:gd name="connsiteY0" fmla="*/ 1086678 h 1086678"/>
+              <a:gd name="connsiteX1" fmla="*/ 490330 w 1166191"/>
+              <a:gd name="connsiteY1" fmla="*/ 636104 h 1086678"/>
+              <a:gd name="connsiteX2" fmla="*/ 675861 w 1166191"/>
+              <a:gd name="connsiteY2" fmla="*/ 238539 h 1086678"/>
+              <a:gd name="connsiteX3" fmla="*/ 1166191 w 1166191"/>
+              <a:gd name="connsiteY3" fmla="*/ 0 h 1086678"/>
+            </a:gdLst>
+            <a:ahLst/>
+            <a:cxnLst>
+              <a:cxn ang="0">
+                <a:pos x="connsiteX0" y="connsiteY0"/>
+              </a:cxn>
+              <a:cxn ang="0">
+                <a:pos x="connsiteX1" y="connsiteY1"/>
+              </a:cxn>
+              <a:cxn ang="0">
+                <a:pos x="connsiteX2" y="connsiteY2"/>
+              </a:cxn>
+              <a:cxn ang="0">
+                <a:pos x="connsiteX3" y="connsiteY3"/>
+              </a:cxn>
+            </a:cxnLst>
+            <a:rect l="l" t="t" r="r" b="b"/>
+            <a:pathLst>
+              <a:path w="1166191" h="1086678">
+                <a:moveTo>
+                  <a:pt x="0" y="1086678"/>
+                </a:moveTo>
+                <a:cubicBezTo>
+                  <a:pt x="188843" y="932069"/>
+                  <a:pt x="377687" y="777460"/>
+                  <a:pt x="490330" y="636104"/>
+                </a:cubicBezTo>
+                <a:cubicBezTo>
+                  <a:pt x="602974" y="494747"/>
+                  <a:pt x="563218" y="344556"/>
+                  <a:pt x="675861" y="238539"/>
+                </a:cubicBezTo>
+                <a:cubicBezTo>
+                  <a:pt x="788504" y="132522"/>
+                  <a:pt x="1166191" y="0"/>
+                  <a:pt x="1166191" y="0"/>
+                </a:cubicBezTo>
+              </a:path>
+            </a:pathLst>
+          </a:custGeom>
+          <a:noFill/>
+          <a:ln w="63500">
+            <a:solidFill>
+              <a:schemeClr val="tx1"/>
+            </a:solidFill>
+          </a:ln>
+        </p:spPr>
+        <p:style>
+          <a:lnRef idx="2">
+            <a:schemeClr val="accent1">
+              <a:shade val="50000"/>
+            </a:schemeClr>
+          </a:lnRef>
+          <a:fillRef idx="1">
+            <a:schemeClr val="accent1"/>
+          </a:fillRef>
+          <a:effectRef idx="0">
+            <a:schemeClr val="accent1"/>
+          </a:effectRef>
+          <a:fontRef idx="minor">
+            <a:schemeClr val="lt1"/>
+          </a:fontRef>
+        </p:style>
+        <p:txBody>
+          <a:bodyPr rtlCol="0" anchor="ctr"/>
+          <a:lstStyle/>
+          <a:p>
+            <a:pPr algn="ctr"/>
+            <a:endParaRPr kumimoji="1" lang="ko-KR" altLang="en-US"/>
+          </a:p>
+        </p:txBody>
+      </p:sp>
+      <p:sp>
+        <p:nvSpPr>
+          <p:cNvPr id="18" name="자유형 17"/>
+          <p:cNvSpPr/>
+          <p:nvPr/>
+        </p:nvSpPr>
+        <p:spPr>
+          <a:xfrm>
+            <a:off x="9817604" y="5273057"/>
+            <a:ext cx="1166191" cy="1086678"/>
+          </a:xfrm>
+          <a:custGeom>
+            <a:avLst/>
+            <a:gdLst>
+              <a:gd name="connsiteX0" fmla="*/ 0 w 1166191"/>
+              <a:gd name="connsiteY0" fmla="*/ 1086678 h 1086678"/>
+              <a:gd name="connsiteX1" fmla="*/ 490330 w 1166191"/>
+              <a:gd name="connsiteY1" fmla="*/ 636104 h 1086678"/>
+              <a:gd name="connsiteX2" fmla="*/ 675861 w 1166191"/>
+              <a:gd name="connsiteY2" fmla="*/ 238539 h 1086678"/>
+              <a:gd name="connsiteX3" fmla="*/ 1166191 w 1166191"/>
+              <a:gd name="connsiteY3" fmla="*/ 0 h 1086678"/>
+            </a:gdLst>
+            <a:ahLst/>
+            <a:cxnLst>
+              <a:cxn ang="0">
+                <a:pos x="connsiteX0" y="connsiteY0"/>
+              </a:cxn>
+              <a:cxn ang="0">
+                <a:pos x="connsiteX1" y="connsiteY1"/>
+              </a:cxn>
+              <a:cxn ang="0">
+                <a:pos x="connsiteX2" y="connsiteY2"/>
+              </a:cxn>
+              <a:cxn ang="0">
+                <a:pos x="connsiteX3" y="connsiteY3"/>
+              </a:cxn>
+            </a:cxnLst>
+            <a:rect l="l" t="t" r="r" b="b"/>
+            <a:pathLst>
+              <a:path w="1166191" h="1086678">
+                <a:moveTo>
+                  <a:pt x="0" y="1086678"/>
+                </a:moveTo>
+                <a:cubicBezTo>
+                  <a:pt x="188843" y="932069"/>
+                  <a:pt x="377687" y="777460"/>
+                  <a:pt x="490330" y="636104"/>
+                </a:cubicBezTo>
+                <a:cubicBezTo>
+                  <a:pt x="602974" y="494747"/>
+                  <a:pt x="563218" y="344556"/>
+                  <a:pt x="675861" y="238539"/>
+                </a:cubicBezTo>
+                <a:cubicBezTo>
+                  <a:pt x="788504" y="132522"/>
+                  <a:pt x="1166191" y="0"/>
+                  <a:pt x="1166191" y="0"/>
+                </a:cubicBezTo>
+              </a:path>
+            </a:pathLst>
+          </a:custGeom>
+          <a:noFill/>
+          <a:ln w="63500">
+            <a:solidFill>
+              <a:schemeClr val="tx1"/>
+            </a:solidFill>
+          </a:ln>
+        </p:spPr>
+        <p:style>
+          <a:lnRef idx="2">
+            <a:schemeClr val="accent1">
+              <a:shade val="50000"/>
+            </a:schemeClr>
+          </a:lnRef>
+          <a:fillRef idx="1">
+            <a:schemeClr val="accent1"/>
+          </a:fillRef>
+          <a:effectRef idx="0">
+            <a:schemeClr val="accent1"/>
+          </a:effectRef>
+          <a:fontRef idx="minor">
+            <a:schemeClr val="lt1"/>
+          </a:fontRef>
+        </p:style>
+        <p:txBody>
+          <a:bodyPr rtlCol="0" anchor="ctr"/>
+          <a:lstStyle/>
+          <a:p>
+            <a:pPr algn="ctr"/>
+            <a:endParaRPr kumimoji="1" lang="ko-KR" altLang="en-US"/>
+          </a:p>
+        </p:txBody>
+      </p:sp>
+      <p:pic>
+        <p:nvPicPr>
+          <p:cNvPr id="10" name="그림 9"/>
+          <p:cNvPicPr>
+            <a:picLocks noChangeAspect="1"/>
+          </p:cNvPicPr>
+          <p:nvPr/>
+        </p:nvPicPr>
+        <p:blipFill>
+          <a:blip r:embed="rId6" cstate="email">
+            <a:extLst>
+              <a:ext uri="{28A0092B-C50C-407E-A947-70E740481C1C}">
+                <a14:useLocalDpi xmlns:a14="http://schemas.microsoft.com/office/drawing/2010/main"/>
+              </a:ext>
+            </a:extLst>
+          </a:blip>
+          <a:stretch>
+            <a:fillRect/>
+          </a:stretch>
+        </p:blipFill>
+        <p:spPr>
+          <a:xfrm>
+            <a:off x="6942398" y="4772799"/>
+            <a:ext cx="1328563" cy="1137250"/>
+          </a:xfrm>
+          <a:prstGeom prst="rect">
+            <a:avLst/>
+          </a:prstGeom>
+        </p:spPr>
+      </p:pic>
+      <p:pic>
+        <p:nvPicPr>
+          <p:cNvPr id="21" name="그림 20"/>
+          <p:cNvPicPr>
+            <a:picLocks noChangeAspect="1"/>
+          </p:cNvPicPr>
+          <p:nvPr/>
+        </p:nvPicPr>
+        <p:blipFill>
+          <a:blip r:embed="rId7">
+            <a:extLst>
+              <a:ext uri="{28A0092B-C50C-407E-A947-70E740481C1C}">
+                <a14:useLocalDpi xmlns:a14="http://schemas.microsoft.com/office/drawing/2010/main"/>
+              </a:ext>
+            </a:extLst>
+          </a:blip>
+          <a:stretch>
+            <a:fillRect/>
+          </a:stretch>
+        </p:blipFill>
+        <p:spPr>
+          <a:xfrm>
+            <a:off x="9424992" y="100013"/>
+            <a:ext cx="2112948" cy="2224156"/>
+          </a:xfrm>
+          <a:prstGeom prst="rect">
+            <a:avLst/>
+          </a:prstGeom>
+        </p:spPr>
+      </p:pic>
+      <p:pic>
+        <p:nvPicPr>
+          <p:cNvPr id="22" name="그림 21"/>
+          <p:cNvPicPr>
+            <a:picLocks noChangeAspect="1"/>
+          </p:cNvPicPr>
+          <p:nvPr/>
+        </p:nvPicPr>
+        <p:blipFill>
+          <a:blip r:embed="rId8">
+            <a:extLst>
+              <a:ext uri="{BEBA8EAE-BF5A-486C-A8C5-ECC9F3942E4B}">
+                <a14:imgProps xmlns:a14="http://schemas.microsoft.com/office/drawing/2010/main">
+                  <a14:imgLayer r:embed="rId9">
+                    <a14:imgEffect>
+                      <a14:backgroundRemoval t="0" b="100000" l="0" r="97500">
+                        <a14:foregroundMark x1="53333" y1="19531" x2="51667" y2="41406"/>
+                      </a14:backgroundRemoval>
+                    </a14:imgEffect>
+                  </a14:imgLayer>
+                </a14:imgProps>
+              </a:ext>
+              <a:ext uri="{28A0092B-C50C-407E-A947-70E740481C1C}">
+                <a14:useLocalDpi xmlns:a14="http://schemas.microsoft.com/office/drawing/2010/main"/>
+              </a:ext>
+            </a:extLst>
+          </a:blip>
+          <a:stretch>
+            <a:fillRect/>
+          </a:stretch>
+        </p:blipFill>
+        <p:spPr>
+          <a:xfrm>
+            <a:off x="915862" y="275422"/>
+            <a:ext cx="1524000" cy="1625600"/>
+          </a:xfrm>
+          <a:prstGeom prst="rect">
+            <a:avLst/>
+          </a:prstGeom>
+        </p:spPr>
+      </p:pic>
+      <p:cxnSp>
+        <p:nvCxnSpPr>
+          <p:cNvPr id="23" name="직선 화살표 연결선 22"/>
+          <p:cNvCxnSpPr/>
+          <p:nvPr/>
+        </p:nvCxnSpPr>
+        <p:spPr>
+          <a:xfrm>
+            <a:off x="2463011" y="1212091"/>
+            <a:ext cx="7254364" cy="0"/>
+          </a:xfrm>
+          <a:prstGeom prst="straightConnector1">
+            <a:avLst/>
+          </a:prstGeom>
+          <a:ln w="63500">
+            <a:solidFill>
+              <a:schemeClr val="tx1"/>
+            </a:solidFill>
+            <a:tailEnd type="triangle"/>
+          </a:ln>
+        </p:spPr>
+        <p:style>
+          <a:lnRef idx="1">
+            <a:schemeClr val="accent1"/>
+          </a:lnRef>
+          <a:fillRef idx="0">
+            <a:schemeClr val="accent1"/>
+          </a:fillRef>
+          <a:effectRef idx="0">
+            <a:schemeClr val="accent1"/>
+          </a:effectRef>
+          <a:fontRef idx="minor">
+            <a:schemeClr val="tx1"/>
+          </a:fontRef>
+        </p:style>
+      </p:cxnSp>
+      <p:sp>
+        <p:nvSpPr>
+          <p:cNvPr id="24" name="TextBox 23"/>
           <p:cNvSpPr txBox="1"/>
           <p:nvPr/>
         </p:nvSpPr>
         <p:spPr>
           <a:xfrm>
-            <a:off x="2049714" y="1271592"/>
-            <a:ext cx="2954655" cy="1754326"/>
+            <a:off x="424955" y="1913818"/>
+            <a:ext cx="2505814" cy="584775"/>
           </a:xfrm>
           <a:prstGeom prst="rect">
             <a:avLst/>
@@ -33732,118 +34855,65 @@
           <a:p>
             <a:pPr algn="ctr"/>
             <a:r>
-              <a:rPr kumimoji="1" lang="ko-KR" altLang="en-US" sz="5400" b="1" dirty="0">
-                <a:solidFill>
-                  <a:schemeClr val="bg1"/>
-                </a:solidFill>
-              </a:rPr>
-              <a:t>개발목표</a:t>
-            </a:r>
-            <a:endParaRPr kumimoji="1" lang="en-US" altLang="ko-KR" sz="5400" b="1" dirty="0">
-              <a:solidFill>
-                <a:schemeClr val="bg1"/>
-              </a:solidFill>
-            </a:endParaRPr>
-          </a:p>
-          <a:p>
-            <a:pPr algn="ctr"/>
-            <a:r>
-              <a:rPr kumimoji="1" lang="ko-KR" altLang="en-US" sz="5400" b="1" dirty="0">
-                <a:solidFill>
-                  <a:schemeClr val="bg1"/>
-                </a:solidFill>
-              </a:rPr>
-              <a:t>및 내용</a:t>
-            </a:r>
-            <a:endParaRPr kumimoji="1" lang="en-US" altLang="ko-KR" sz="5400" b="1" dirty="0">
-              <a:solidFill>
-                <a:schemeClr val="bg1"/>
-              </a:solidFill>
-            </a:endParaRPr>
-          </a:p>
-        </p:txBody>
-      </p:sp>
-      <p:sp>
-        <p:nvSpPr>
-          <p:cNvPr id="10" name="직사각형 9"/>
-          <p:cNvSpPr/>
-          <p:nvPr/>
-        </p:nvSpPr>
-        <p:spPr>
-          <a:xfrm>
-            <a:off x="527986" y="4021402"/>
-            <a:ext cx="10993453" cy="1631216"/>
-          </a:xfrm>
-          <a:prstGeom prst="rect">
-            <a:avLst/>
-          </a:prstGeom>
-        </p:spPr>
-        <p:txBody>
-          <a:bodyPr wrap="square">
-            <a:spAutoFit/>
-          </a:bodyPr>
-          <a:lstStyle/>
-          <a:p>
-            <a:pPr algn="ctr"/>
-            <a:r>
-              <a:rPr kumimoji="1" lang="ko-KR" altLang="en-US" sz="3600" b="1" dirty="0">
-                <a:solidFill>
-                  <a:schemeClr val="bg1"/>
-                </a:solidFill>
-              </a:rPr>
-              <a:t>차별화 가능한 액션 전투 시스템 기획</a:t>
-            </a:r>
-            <a:endParaRPr kumimoji="1" lang="en-US" altLang="ko-KR" sz="3600" b="1" dirty="0">
-              <a:solidFill>
-                <a:schemeClr val="bg1"/>
-              </a:solidFill>
-            </a:endParaRPr>
-          </a:p>
-          <a:p>
-            <a:pPr algn="ctr"/>
-            <a:r>
-              <a:rPr kumimoji="1" lang="ko-KR" altLang="en-US" sz="3200" b="1" dirty="0">
+              <a:rPr kumimoji="1" lang="en-US" altLang="ko-KR" sz="3200" dirty="0" smtClean="0">
                 <a:solidFill>
                   <a:schemeClr val="bg1">
-                    <a:lumMod val="50000"/>
+                    <a:lumMod val="75000"/>
                   </a:schemeClr>
                 </a:solidFill>
               </a:rPr>
-              <a:t>발열 시스템을 메인으로 한 액션성을</a:t>
-            </a:r>
-            <a:endParaRPr kumimoji="1" lang="en-US" altLang="ko-KR" sz="3200" b="1" dirty="0">
+              <a:t>2016</a:t>
+            </a:r>
+            <a:r>
+              <a:rPr kumimoji="1" lang="ko-KR" altLang="en-US" sz="3200" dirty="0" smtClean="0">
+                <a:solidFill>
+                  <a:schemeClr val="bg1">
+                    <a:lumMod val="75000"/>
+                  </a:schemeClr>
+                </a:solidFill>
+              </a:rPr>
+              <a:t>년 </a:t>
+            </a:r>
+            <a:r>
+              <a:rPr kumimoji="1" lang="en-US" altLang="ko-KR" sz="3200" dirty="0" smtClean="0">
+                <a:solidFill>
+                  <a:schemeClr val="bg1">
+                    <a:lumMod val="75000"/>
+                  </a:schemeClr>
+                </a:solidFill>
+              </a:rPr>
+              <a:t>11</a:t>
+            </a:r>
+            <a:r>
+              <a:rPr kumimoji="1" lang="ko-KR" altLang="en-US" sz="3200" dirty="0" smtClean="0">
+                <a:solidFill>
+                  <a:schemeClr val="bg1">
+                    <a:lumMod val="75000"/>
+                  </a:schemeClr>
+                </a:solidFill>
+              </a:rPr>
+              <a:t>월</a:t>
+            </a:r>
+            <a:endParaRPr kumimoji="1" lang="ko-KR" altLang="en-US" sz="3200" dirty="0">
               <a:solidFill>
                 <a:schemeClr val="bg1">
-                  <a:lumMod val="50000"/>
+                  <a:lumMod val="75000"/>
                 </a:schemeClr>
               </a:solidFill>
             </a:endParaRPr>
           </a:p>
-          <a:p>
-            <a:pPr algn="ctr"/>
-            <a:r>
-              <a:rPr kumimoji="1" lang="ko-KR" altLang="en-US" sz="3200" b="1" dirty="0">
-                <a:solidFill>
-                  <a:schemeClr val="bg1">
-                    <a:lumMod val="50000"/>
-                  </a:schemeClr>
-                </a:solidFill>
-              </a:rPr>
-              <a:t>살려줄 수 있는 전투시스템 도입</a:t>
-            </a:r>
-          </a:p>
-        </p:txBody>
-      </p:sp>
-      <p:sp>
-        <p:nvSpPr>
-          <p:cNvPr id="12" name="TextBox 3"/>
+        </p:txBody>
+      </p:sp>
+      <p:sp>
+        <p:nvSpPr>
+          <p:cNvPr id="25" name="TextBox 24"/>
           <p:cNvSpPr txBox="1"/>
           <p:nvPr/>
         </p:nvSpPr>
         <p:spPr>
           <a:xfrm>
-            <a:off x="6852830" y="1149348"/>
-            <a:ext cx="3966150" cy="1938992"/>
+            <a:off x="9341571" y="1913818"/>
+            <a:ext cx="2279791" cy="584775"/>
           </a:xfrm>
           <a:prstGeom prst="rect">
             <a:avLst/>
@@ -33858,1054 +34928,72 @@
           <a:p>
             <a:pPr algn="ctr"/>
             <a:r>
-              <a:rPr kumimoji="1" lang="ko-KR" altLang="en-US" sz="4800" b="1" dirty="0" smtClean="0">
-                <a:solidFill>
-                  <a:srgbClr val="FFC000"/>
-                </a:solidFill>
-              </a:rPr>
-              <a:t>기획 </a:t>
-            </a:r>
-            <a:r>
-              <a:rPr kumimoji="1" lang="en-US" altLang="ko-KR" sz="4800" b="1" dirty="0" smtClean="0">
-                <a:solidFill>
-                  <a:srgbClr val="FFC000"/>
-                </a:solidFill>
-              </a:rPr>
-              <a:t>/</a:t>
-            </a:r>
-            <a:r>
-              <a:rPr kumimoji="1" lang="ko-KR" altLang="en-US" sz="4800" b="1" dirty="0" smtClean="0">
-                <a:solidFill>
-                  <a:srgbClr val="FFC000"/>
-                </a:solidFill>
-              </a:rPr>
-              <a:t> 그래픽</a:t>
-            </a:r>
-            <a:endParaRPr kumimoji="1" lang="en-US" altLang="ko-KR" sz="4800" b="1" dirty="0">
+              <a:rPr kumimoji="1" lang="en-US" altLang="ko-KR" sz="3200" dirty="0" smtClean="0">
+                <a:solidFill>
+                  <a:schemeClr val="bg1">
+                    <a:lumMod val="75000"/>
+                  </a:schemeClr>
+                </a:solidFill>
+              </a:rPr>
+              <a:t>2017</a:t>
+            </a:r>
+            <a:r>
+              <a:rPr kumimoji="1" lang="ko-KR" altLang="en-US" sz="3200" dirty="0" smtClean="0">
+                <a:solidFill>
+                  <a:schemeClr val="bg1">
+                    <a:lumMod val="75000"/>
+                  </a:schemeClr>
+                </a:solidFill>
+              </a:rPr>
+              <a:t>년 </a:t>
+            </a:r>
+            <a:r>
+              <a:rPr kumimoji="1" lang="en-US" altLang="ko-KR" sz="3200" dirty="0">
+                <a:solidFill>
+                  <a:schemeClr val="bg1">
+                    <a:lumMod val="75000"/>
+                  </a:schemeClr>
+                </a:solidFill>
+              </a:rPr>
+              <a:t>8</a:t>
+            </a:r>
+            <a:r>
+              <a:rPr kumimoji="1" lang="ko-KR" altLang="en-US" sz="3200" dirty="0" smtClean="0">
+                <a:solidFill>
+                  <a:schemeClr val="bg1">
+                    <a:lumMod val="75000"/>
+                  </a:schemeClr>
+                </a:solidFill>
+              </a:rPr>
+              <a:t>월</a:t>
+            </a:r>
+            <a:endParaRPr kumimoji="1" lang="ko-KR" altLang="en-US" sz="3200" dirty="0">
               <a:solidFill>
-                <a:srgbClr val="FFC000"/>
+                <a:schemeClr val="bg1">
+                  <a:lumMod val="75000"/>
+                </a:schemeClr>
               </a:solidFill>
             </a:endParaRPr>
-          </a:p>
-          <a:p>
-            <a:pPr algn="ctr"/>
-            <a:r>
-              <a:rPr kumimoji="1" lang="ko-KR" altLang="en-US" sz="7200" b="1" dirty="0">
-                <a:solidFill>
-                  <a:schemeClr val="bg1"/>
-                </a:solidFill>
-              </a:rPr>
-              <a:t>신창섭</a:t>
-            </a:r>
-            <a:endParaRPr kumimoji="1" lang="en-US" altLang="ko-KR" sz="7200" b="1" dirty="0">
-              <a:solidFill>
-                <a:schemeClr val="bg1"/>
-              </a:solidFill>
-            </a:endParaRPr>
-          </a:p>
-        </p:txBody>
-      </p:sp>
-      <p:sp>
-        <p:nvSpPr>
-          <p:cNvPr id="9" name="TextBox 3"/>
-          <p:cNvSpPr txBox="1"/>
-          <p:nvPr/>
-        </p:nvSpPr>
-        <p:spPr>
-          <a:xfrm>
-            <a:off x="5386511" y="732982"/>
-            <a:ext cx="1418978" cy="2646878"/>
-          </a:xfrm>
-          <a:prstGeom prst="rect">
-            <a:avLst/>
-          </a:prstGeom>
-          <a:noFill/>
-        </p:spPr>
-        <p:txBody>
-          <a:bodyPr wrap="none" rtlCol="0">
-            <a:spAutoFit/>
-          </a:bodyPr>
-          <a:lstStyle/>
-          <a:p>
-            <a:pPr algn="ctr"/>
-            <a:r>
-              <a:rPr kumimoji="1" lang="en-US" altLang="ko-KR" sz="16600" b="1" dirty="0">
-                <a:solidFill>
-                  <a:schemeClr val="bg1"/>
-                </a:solidFill>
-              </a:rPr>
-              <a:t>1</a:t>
-            </a:r>
           </a:p>
         </p:txBody>
       </p:sp>
     </p:spTree>
     <p:extLst>
       <p:ext uri="{BB962C8B-B14F-4D97-AF65-F5344CB8AC3E}">
-        <p14:creationId xmlns:p14="http://schemas.microsoft.com/office/powerpoint/2010/main" val="118443831"/>
+        <p14:creationId xmlns:p14="http://schemas.microsoft.com/office/powerpoint/2010/main" val="283318709"/>
       </p:ext>
     </p:extLst>
   </p:cSld>
   <p:clrMapOvr>
     <a:masterClrMapping/>
   </p:clrMapOvr>
-  <p:transition spd="slow">
-    <p:push dir="u"/>
-  </p:transition>
-  <mc:AlternateContent xmlns:mc="http://schemas.openxmlformats.org/markup-compatibility/2006" xmlns:p14="http://schemas.microsoft.com/office/powerpoint/2010/main">
-    <mc:Choice Requires="p14">
-      <p:timing>
-        <p:tnLst>
-          <p:par>
-            <p:cTn id="1" dur="indefinite" restart="never" nodeType="tmRoot">
-              <p:childTnLst>
-                <p:seq concurrent="1" nextAc="seek">
-                  <p:cTn id="2" dur="indefinite" nodeType="mainSeq">
-                    <p:childTnLst>
-                      <p:par>
-                        <p:cTn id="3" fill="hold">
-                          <p:stCondLst>
-                            <p:cond delay="indefinite"/>
-                            <p:cond evt="onBegin" delay="0">
-                              <p:tn val="2"/>
-                            </p:cond>
-                          </p:stCondLst>
-                          <p:childTnLst>
-                            <p:par>
-                              <p:cTn id="4" fill="hold">
-                                <p:stCondLst>
-                                  <p:cond delay="0"/>
-                                </p:stCondLst>
-                                <p:childTnLst>
-                                  <p:par>
-                                    <p:cTn id="5" presetID="41" presetClass="entr" presetSubtype="0" fill="hold" grpId="1" nodeType="withEffect">
-                                      <p:stCondLst>
-                                        <p:cond delay="0"/>
-                                      </p:stCondLst>
-                                      <p:iterate type="lt">
-                                        <p:tmPct val="10000"/>
-                                      </p:iterate>
-                                      <p:childTnLst>
-                                        <p:set>
-                                          <p:cBhvr>
-                                            <p:cTn id="6" dur="1" fill="hold">
-                                              <p:stCondLst>
-                                                <p:cond delay="0"/>
-                                              </p:stCondLst>
-                                            </p:cTn>
-                                            <p:tgtEl>
-                                              <p:spTgt spid="4"/>
-                                            </p:tgtEl>
-                                            <p:attrNameLst>
-                                              <p:attrName>style.visibility</p:attrName>
-                                            </p:attrNameLst>
-                                          </p:cBhvr>
-                                          <p:to>
-                                            <p:strVal val="visible"/>
-                                          </p:to>
-                                        </p:set>
-                                        <p:anim calcmode="lin" valueType="num">
-                                          <p:cBhvr>
-                                            <p:cTn id="7" dur="500" fill="hold"/>
-                                            <p:tgtEl>
-                                              <p:spTgt spid="4"/>
-                                            </p:tgtEl>
-                                            <p:attrNameLst>
-                                              <p:attrName>ppt_x</p:attrName>
-                                            </p:attrNameLst>
-                                          </p:cBhvr>
-                                          <p:tavLst>
-                                            <p:tav tm="0">
-                                              <p:val>
-                                                <p:strVal val="#ppt_x"/>
-                                              </p:val>
-                                            </p:tav>
-                                            <p:tav tm="50000">
-                                              <p:val>
-                                                <p:strVal val="#ppt_x+.1"/>
-                                              </p:val>
-                                            </p:tav>
-                                            <p:tav tm="100000">
-                                              <p:val>
-                                                <p:strVal val="#ppt_x"/>
-                                              </p:val>
-                                            </p:tav>
-                                          </p:tavLst>
-                                        </p:anim>
-                                        <p:anim calcmode="lin" valueType="num">
-                                          <p:cBhvr>
-                                            <p:cTn id="8" dur="500" fill="hold"/>
-                                            <p:tgtEl>
-                                              <p:spTgt spid="4"/>
-                                            </p:tgtEl>
-                                            <p:attrNameLst>
-                                              <p:attrName>ppt_y</p:attrName>
-                                            </p:attrNameLst>
-                                          </p:cBhvr>
-                                          <p:tavLst>
-                                            <p:tav tm="0">
-                                              <p:val>
-                                                <p:strVal val="#ppt_y"/>
-                                              </p:val>
-                                            </p:tav>
-                                            <p:tav tm="100000">
-                                              <p:val>
-                                                <p:strVal val="#ppt_y"/>
-                                              </p:val>
-                                            </p:tav>
-                                          </p:tavLst>
-                                        </p:anim>
-                                        <p:anim calcmode="lin" valueType="num">
-                                          <p:cBhvr>
-                                            <p:cTn id="9" dur="500" fill="hold"/>
-                                            <p:tgtEl>
-                                              <p:spTgt spid="4"/>
-                                            </p:tgtEl>
-                                            <p:attrNameLst>
-                                              <p:attrName>ppt_h</p:attrName>
-                                            </p:attrNameLst>
-                                          </p:cBhvr>
-                                          <p:tavLst>
-                                            <p:tav tm="0">
-                                              <p:val>
-                                                <p:strVal val="#ppt_h/10"/>
-                                              </p:val>
-                                            </p:tav>
-                                            <p:tav tm="50000">
-                                              <p:val>
-                                                <p:strVal val="#ppt_h+.01"/>
-                                              </p:val>
-                                            </p:tav>
-                                            <p:tav tm="100000">
-                                              <p:val>
-                                                <p:strVal val="#ppt_h"/>
-                                              </p:val>
-                                            </p:tav>
-                                          </p:tavLst>
-                                        </p:anim>
-                                        <p:anim calcmode="lin" valueType="num">
-                                          <p:cBhvr>
-                                            <p:cTn id="10" dur="500" fill="hold"/>
-                                            <p:tgtEl>
-                                              <p:spTgt spid="4"/>
-                                            </p:tgtEl>
-                                            <p:attrNameLst>
-                                              <p:attrName>ppt_w</p:attrName>
-                                            </p:attrNameLst>
-                                          </p:cBhvr>
-                                          <p:tavLst>
-                                            <p:tav tm="0">
-                                              <p:val>
-                                                <p:strVal val="#ppt_w/10"/>
-                                              </p:val>
-                                            </p:tav>
-                                            <p:tav tm="50000">
-                                              <p:val>
-                                                <p:strVal val="#ppt_w+.01"/>
-                                              </p:val>
-                                            </p:tav>
-                                            <p:tav tm="100000">
-                                              <p:val>
-                                                <p:strVal val="#ppt_w"/>
-                                              </p:val>
-                                            </p:tav>
-                                          </p:tavLst>
-                                        </p:anim>
-                                        <p:animEffect transition="in" filter="fade">
-                                          <p:cBhvr>
-                                            <p:cTn id="11" dur="500" tmFilter="0,0; .5, 1; 1, 1"/>
-                                            <p:tgtEl>
-                                              <p:spTgt spid="4"/>
-                                            </p:tgtEl>
-                                          </p:cBhvr>
-                                        </p:animEffect>
-                                      </p:childTnLst>
-                                    </p:cTn>
-                                  </p:par>
-                                  <p:par>
-                                    <p:cTn id="12" presetID="41" presetClass="entr" presetSubtype="0" fill="hold" grpId="1" nodeType="withEffect">
-                                      <p:stCondLst>
-                                        <p:cond delay="0"/>
-                                      </p:stCondLst>
-                                      <p:iterate type="lt">
-                                        <p:tmPct val="10000"/>
-                                      </p:iterate>
-                                      <p:childTnLst>
-                                        <p:set>
-                                          <p:cBhvr>
-                                            <p:cTn id="13" dur="1" fill="hold">
-                                              <p:stCondLst>
-                                                <p:cond delay="0"/>
-                                              </p:stCondLst>
-                                            </p:cTn>
-                                            <p:tgtEl>
-                                              <p:spTgt spid="12"/>
-                                            </p:tgtEl>
-                                            <p:attrNameLst>
-                                              <p:attrName>style.visibility</p:attrName>
-                                            </p:attrNameLst>
-                                          </p:cBhvr>
-                                          <p:to>
-                                            <p:strVal val="visible"/>
-                                          </p:to>
-                                        </p:set>
-                                        <p:anim calcmode="lin" valueType="num">
-                                          <p:cBhvr>
-                                            <p:cTn id="14" dur="500" fill="hold"/>
-                                            <p:tgtEl>
-                                              <p:spTgt spid="12"/>
-                                            </p:tgtEl>
-                                            <p:attrNameLst>
-                                              <p:attrName>ppt_x</p:attrName>
-                                            </p:attrNameLst>
-                                          </p:cBhvr>
-                                          <p:tavLst>
-                                            <p:tav tm="0">
-                                              <p:val>
-                                                <p:strVal val="#ppt_x"/>
-                                              </p:val>
-                                            </p:tav>
-                                            <p:tav tm="50000">
-                                              <p:val>
-                                                <p:strVal val="#ppt_x+.1"/>
-                                              </p:val>
-                                            </p:tav>
-                                            <p:tav tm="100000">
-                                              <p:val>
-                                                <p:strVal val="#ppt_x"/>
-                                              </p:val>
-                                            </p:tav>
-                                          </p:tavLst>
-                                        </p:anim>
-                                        <p:anim calcmode="lin" valueType="num">
-                                          <p:cBhvr>
-                                            <p:cTn id="15" dur="500" fill="hold"/>
-                                            <p:tgtEl>
-                                              <p:spTgt spid="12"/>
-                                            </p:tgtEl>
-                                            <p:attrNameLst>
-                                              <p:attrName>ppt_y</p:attrName>
-                                            </p:attrNameLst>
-                                          </p:cBhvr>
-                                          <p:tavLst>
-                                            <p:tav tm="0">
-                                              <p:val>
-                                                <p:strVal val="#ppt_y"/>
-                                              </p:val>
-                                            </p:tav>
-                                            <p:tav tm="100000">
-                                              <p:val>
-                                                <p:strVal val="#ppt_y"/>
-                                              </p:val>
-                                            </p:tav>
-                                          </p:tavLst>
-                                        </p:anim>
-                                        <p:anim calcmode="lin" valueType="num">
-                                          <p:cBhvr>
-                                            <p:cTn id="16" dur="500" fill="hold"/>
-                                            <p:tgtEl>
-                                              <p:spTgt spid="12"/>
-                                            </p:tgtEl>
-                                            <p:attrNameLst>
-                                              <p:attrName>ppt_h</p:attrName>
-                                            </p:attrNameLst>
-                                          </p:cBhvr>
-                                          <p:tavLst>
-                                            <p:tav tm="0">
-                                              <p:val>
-                                                <p:strVal val="#ppt_h/10"/>
-                                              </p:val>
-                                            </p:tav>
-                                            <p:tav tm="50000">
-                                              <p:val>
-                                                <p:strVal val="#ppt_h+.01"/>
-                                              </p:val>
-                                            </p:tav>
-                                            <p:tav tm="100000">
-                                              <p:val>
-                                                <p:strVal val="#ppt_h"/>
-                                              </p:val>
-                                            </p:tav>
-                                          </p:tavLst>
-                                        </p:anim>
-                                        <p:anim calcmode="lin" valueType="num">
-                                          <p:cBhvr>
-                                            <p:cTn id="17" dur="500" fill="hold"/>
-                                            <p:tgtEl>
-                                              <p:spTgt spid="12"/>
-                                            </p:tgtEl>
-                                            <p:attrNameLst>
-                                              <p:attrName>ppt_w</p:attrName>
-                                            </p:attrNameLst>
-                                          </p:cBhvr>
-                                          <p:tavLst>
-                                            <p:tav tm="0">
-                                              <p:val>
-                                                <p:strVal val="#ppt_w/10"/>
-                                              </p:val>
-                                            </p:tav>
-                                            <p:tav tm="50000">
-                                              <p:val>
-                                                <p:strVal val="#ppt_w+.01"/>
-                                              </p:val>
-                                            </p:tav>
-                                            <p:tav tm="100000">
-                                              <p:val>
-                                                <p:strVal val="#ppt_w"/>
-                                              </p:val>
-                                            </p:tav>
-                                          </p:tavLst>
-                                        </p:anim>
-                                        <p:animEffect transition="in" filter="fade">
-                                          <p:cBhvr>
-                                            <p:cTn id="18" dur="500" tmFilter="0,0; .5, 1; 1, 1"/>
-                                            <p:tgtEl>
-                                              <p:spTgt spid="12"/>
-                                            </p:tgtEl>
-                                          </p:cBhvr>
-                                        </p:animEffect>
-                                      </p:childTnLst>
-                                    </p:cTn>
-                                  </p:par>
-                                </p:childTnLst>
-                              </p:cTn>
-                            </p:par>
-                            <p:par>
-                              <p:cTn id="19" fill="hold">
-                                <p:stCondLst>
-                                  <p:cond delay="900"/>
-                                </p:stCondLst>
-                                <p:childTnLst>
-                                  <p:par>
-                                    <p:cTn id="20" presetID="2" presetClass="entr" presetSubtype="1" fill="hold" grpId="1" nodeType="afterEffect" p14:presetBounceEnd="50000">
-                                      <p:stCondLst>
-                                        <p:cond delay="0"/>
-                                      </p:stCondLst>
-                                      <p:childTnLst>
-                                        <p:set>
-                                          <p:cBhvr>
-                                            <p:cTn id="21" dur="1" fill="hold">
-                                              <p:stCondLst>
-                                                <p:cond delay="0"/>
-                                              </p:stCondLst>
-                                            </p:cTn>
-                                            <p:tgtEl>
-                                              <p:spTgt spid="9"/>
-                                            </p:tgtEl>
-                                            <p:attrNameLst>
-                                              <p:attrName>style.visibility</p:attrName>
-                                            </p:attrNameLst>
-                                          </p:cBhvr>
-                                          <p:to>
-                                            <p:strVal val="visible"/>
-                                          </p:to>
-                                        </p:set>
-                                        <p:anim calcmode="lin" valueType="num" p14:bounceEnd="50000">
-                                          <p:cBhvr additive="base">
-                                            <p:cTn id="22" dur="1000" fill="hold"/>
-                                            <p:tgtEl>
-                                              <p:spTgt spid="9"/>
-                                            </p:tgtEl>
-                                            <p:attrNameLst>
-                                              <p:attrName>ppt_x</p:attrName>
-                                            </p:attrNameLst>
-                                          </p:cBhvr>
-                                          <p:tavLst>
-                                            <p:tav tm="0">
-                                              <p:val>
-                                                <p:strVal val="#ppt_x"/>
-                                              </p:val>
-                                            </p:tav>
-                                            <p:tav tm="100000">
-                                              <p:val>
-                                                <p:strVal val="#ppt_x"/>
-                                              </p:val>
-                                            </p:tav>
-                                          </p:tavLst>
-                                        </p:anim>
-                                        <p:anim calcmode="lin" valueType="num" p14:bounceEnd="50000">
-                                          <p:cBhvr additive="base">
-                                            <p:cTn id="23" dur="1000" fill="hold"/>
-                                            <p:tgtEl>
-                                              <p:spTgt spid="9"/>
-                                            </p:tgtEl>
-                                            <p:attrNameLst>
-                                              <p:attrName>ppt_y</p:attrName>
-                                            </p:attrNameLst>
-                                          </p:cBhvr>
-                                          <p:tavLst>
-                                            <p:tav tm="0">
-                                              <p:val>
-                                                <p:strVal val="0-#ppt_h/2"/>
-                                              </p:val>
-                                            </p:tav>
-                                            <p:tav tm="100000">
-                                              <p:val>
-                                                <p:strVal val="#ppt_y"/>
-                                              </p:val>
-                                            </p:tav>
-                                          </p:tavLst>
-                                        </p:anim>
-                                      </p:childTnLst>
-                                    </p:cTn>
-                                  </p:par>
-                                </p:childTnLst>
-                              </p:cTn>
-                            </p:par>
-                          </p:childTnLst>
-                        </p:cTn>
-                      </p:par>
-                      <p:par>
-                        <p:cTn id="24" fill="hold">
-                          <p:stCondLst>
-                            <p:cond delay="indefinite"/>
-                          </p:stCondLst>
-                          <p:childTnLst>
-                            <p:par>
-                              <p:cTn id="25" fill="hold">
-                                <p:stCondLst>
-                                  <p:cond delay="0"/>
-                                </p:stCondLst>
-                                <p:childTnLst>
-                                  <p:par>
-                                    <p:cTn id="26" presetID="1" presetClass="entr" presetSubtype="0" fill="hold" grpId="0" nodeType="clickEffect">
-                                      <p:stCondLst>
-                                        <p:cond delay="0"/>
-                                      </p:stCondLst>
-                                      <p:childTnLst>
-                                        <p:set>
-                                          <p:cBhvr>
-                                            <p:cTn id="27" dur="1" fill="hold">
-                                              <p:stCondLst>
-                                                <p:cond delay="0"/>
-                                              </p:stCondLst>
-                                            </p:cTn>
-                                            <p:tgtEl>
-                                              <p:spTgt spid="10"/>
-                                            </p:tgtEl>
-                                            <p:attrNameLst>
-                                              <p:attrName>style.visibility</p:attrName>
-                                            </p:attrNameLst>
-                                          </p:cBhvr>
-                                          <p:to>
-                                            <p:strVal val="visible"/>
-                                          </p:to>
-                                        </p:set>
-                                      </p:childTnLst>
-                                    </p:cTn>
-                                  </p:par>
-                                </p:childTnLst>
-                              </p:cTn>
-                            </p:par>
-                          </p:childTnLst>
-                        </p:cTn>
-                      </p:par>
-                    </p:childTnLst>
-                  </p:cTn>
-                  <p:prevCondLst>
-                    <p:cond evt="onPrev" delay="0">
-                      <p:tgtEl>
-                        <p:sldTgt/>
-                      </p:tgtEl>
-                    </p:cond>
-                  </p:prevCondLst>
-                  <p:nextCondLst>
-                    <p:cond evt="onNext" delay="0">
-                      <p:tgtEl>
-                        <p:sldTgt/>
-                      </p:tgtEl>
-                    </p:cond>
-                  </p:nextCondLst>
-                </p:seq>
-              </p:childTnLst>
-            </p:cTn>
-          </p:par>
-        </p:tnLst>
-        <p:bldLst>
-          <p:bldP spid="4" grpId="1"/>
-          <p:bldP spid="10" grpId="0"/>
-          <p:bldP spid="12" grpId="1"/>
-          <p:bldP spid="9" grpId="1"/>
-        </p:bldLst>
-      </p:timing>
-    </mc:Choice>
-    <mc:Fallback xmlns="">
-      <p:timing>
-        <p:tnLst>
-          <p:par>
-            <p:cTn id="1" dur="indefinite" restart="never" nodeType="tmRoot">
-              <p:childTnLst>
-                <p:seq concurrent="1" nextAc="seek">
-                  <p:cTn id="2" dur="indefinite" nodeType="mainSeq">
-                    <p:childTnLst>
-                      <p:par>
-                        <p:cTn id="3" fill="hold">
-                          <p:stCondLst>
-                            <p:cond delay="indefinite"/>
-                            <p:cond evt="onBegin" delay="0">
-                              <p:tn val="2"/>
-                            </p:cond>
-                          </p:stCondLst>
-                          <p:childTnLst>
-                            <p:par>
-                              <p:cTn id="4" fill="hold">
-                                <p:stCondLst>
-                                  <p:cond delay="0"/>
-                                </p:stCondLst>
-                                <p:childTnLst>
-                                  <p:par>
-                                    <p:cTn id="5" presetID="41" presetClass="entr" presetSubtype="0" fill="hold" grpId="1" nodeType="withEffect">
-                                      <p:stCondLst>
-                                        <p:cond delay="0"/>
-                                      </p:stCondLst>
-                                      <p:iterate type="lt">
-                                        <p:tmPct val="10000"/>
-                                      </p:iterate>
-                                      <p:childTnLst>
-                                        <p:set>
-                                          <p:cBhvr>
-                                            <p:cTn id="6" dur="1" fill="hold">
-                                              <p:stCondLst>
-                                                <p:cond delay="0"/>
-                                              </p:stCondLst>
-                                            </p:cTn>
-                                            <p:tgtEl>
-                                              <p:spTgt spid="4"/>
-                                            </p:tgtEl>
-                                            <p:attrNameLst>
-                                              <p:attrName>style.visibility</p:attrName>
-                                            </p:attrNameLst>
-                                          </p:cBhvr>
-                                          <p:to>
-                                            <p:strVal val="visible"/>
-                                          </p:to>
-                                        </p:set>
-                                        <p:anim calcmode="lin" valueType="num">
-                                          <p:cBhvr>
-                                            <p:cTn id="7" dur="500" fill="hold"/>
-                                            <p:tgtEl>
-                                              <p:spTgt spid="4"/>
-                                            </p:tgtEl>
-                                            <p:attrNameLst>
-                                              <p:attrName>ppt_x</p:attrName>
-                                            </p:attrNameLst>
-                                          </p:cBhvr>
-                                          <p:tavLst>
-                                            <p:tav tm="0">
-                                              <p:val>
-                                                <p:strVal val="#ppt_x"/>
-                                              </p:val>
-                                            </p:tav>
-                                            <p:tav tm="50000">
-                                              <p:val>
-                                                <p:strVal val="#ppt_x+.1"/>
-                                              </p:val>
-                                            </p:tav>
-                                            <p:tav tm="100000">
-                                              <p:val>
-                                                <p:strVal val="#ppt_x"/>
-                                              </p:val>
-                                            </p:tav>
-                                          </p:tavLst>
-                                        </p:anim>
-                                        <p:anim calcmode="lin" valueType="num">
-                                          <p:cBhvr>
-                                            <p:cTn id="8" dur="500" fill="hold"/>
-                                            <p:tgtEl>
-                                              <p:spTgt spid="4"/>
-                                            </p:tgtEl>
-                                            <p:attrNameLst>
-                                              <p:attrName>ppt_y</p:attrName>
-                                            </p:attrNameLst>
-                                          </p:cBhvr>
-                                          <p:tavLst>
-                                            <p:tav tm="0">
-                                              <p:val>
-                                                <p:strVal val="#ppt_y"/>
-                                              </p:val>
-                                            </p:tav>
-                                            <p:tav tm="100000">
-                                              <p:val>
-                                                <p:strVal val="#ppt_y"/>
-                                              </p:val>
-                                            </p:tav>
-                                          </p:tavLst>
-                                        </p:anim>
-                                        <p:anim calcmode="lin" valueType="num">
-                                          <p:cBhvr>
-                                            <p:cTn id="9" dur="500" fill="hold"/>
-                                            <p:tgtEl>
-                                              <p:spTgt spid="4"/>
-                                            </p:tgtEl>
-                                            <p:attrNameLst>
-                                              <p:attrName>ppt_h</p:attrName>
-                                            </p:attrNameLst>
-                                          </p:cBhvr>
-                                          <p:tavLst>
-                                            <p:tav tm="0">
-                                              <p:val>
-                                                <p:strVal val="#ppt_h/10"/>
-                                              </p:val>
-                                            </p:tav>
-                                            <p:tav tm="50000">
-                                              <p:val>
-                                                <p:strVal val="#ppt_h+.01"/>
-                                              </p:val>
-                                            </p:tav>
-                                            <p:tav tm="100000">
-                                              <p:val>
-                                                <p:strVal val="#ppt_h"/>
-                                              </p:val>
-                                            </p:tav>
-                                          </p:tavLst>
-                                        </p:anim>
-                                        <p:anim calcmode="lin" valueType="num">
-                                          <p:cBhvr>
-                                            <p:cTn id="10" dur="500" fill="hold"/>
-                                            <p:tgtEl>
-                                              <p:spTgt spid="4"/>
-                                            </p:tgtEl>
-                                            <p:attrNameLst>
-                                              <p:attrName>ppt_w</p:attrName>
-                                            </p:attrNameLst>
-                                          </p:cBhvr>
-                                          <p:tavLst>
-                                            <p:tav tm="0">
-                                              <p:val>
-                                                <p:strVal val="#ppt_w/10"/>
-                                              </p:val>
-                                            </p:tav>
-                                            <p:tav tm="50000">
-                                              <p:val>
-                                                <p:strVal val="#ppt_w+.01"/>
-                                              </p:val>
-                                            </p:tav>
-                                            <p:tav tm="100000">
-                                              <p:val>
-                                                <p:strVal val="#ppt_w"/>
-                                              </p:val>
-                                            </p:tav>
-                                          </p:tavLst>
-                                        </p:anim>
-                                        <p:animEffect transition="in" filter="fade">
-                                          <p:cBhvr>
-                                            <p:cTn id="11" dur="500" tmFilter="0,0; .5, 1; 1, 1"/>
-                                            <p:tgtEl>
-                                              <p:spTgt spid="4"/>
-                                            </p:tgtEl>
-                                          </p:cBhvr>
-                                        </p:animEffect>
-                                      </p:childTnLst>
-                                    </p:cTn>
-                                  </p:par>
-                                  <p:par>
-                                    <p:cTn id="12" presetID="41" presetClass="entr" presetSubtype="0" fill="hold" grpId="1" nodeType="withEffect">
-                                      <p:stCondLst>
-                                        <p:cond delay="0"/>
-                                      </p:stCondLst>
-                                      <p:iterate type="lt">
-                                        <p:tmPct val="10000"/>
-                                      </p:iterate>
-                                      <p:childTnLst>
-                                        <p:set>
-                                          <p:cBhvr>
-                                            <p:cTn id="13" dur="1" fill="hold">
-                                              <p:stCondLst>
-                                                <p:cond delay="0"/>
-                                              </p:stCondLst>
-                                            </p:cTn>
-                                            <p:tgtEl>
-                                              <p:spTgt spid="12"/>
-                                            </p:tgtEl>
-                                            <p:attrNameLst>
-                                              <p:attrName>style.visibility</p:attrName>
-                                            </p:attrNameLst>
-                                          </p:cBhvr>
-                                          <p:to>
-                                            <p:strVal val="visible"/>
-                                          </p:to>
-                                        </p:set>
-                                        <p:anim calcmode="lin" valueType="num">
-                                          <p:cBhvr>
-                                            <p:cTn id="14" dur="500" fill="hold"/>
-                                            <p:tgtEl>
-                                              <p:spTgt spid="12"/>
-                                            </p:tgtEl>
-                                            <p:attrNameLst>
-                                              <p:attrName>ppt_x</p:attrName>
-                                            </p:attrNameLst>
-                                          </p:cBhvr>
-                                          <p:tavLst>
-                                            <p:tav tm="0">
-                                              <p:val>
-                                                <p:strVal val="#ppt_x"/>
-                                              </p:val>
-                                            </p:tav>
-                                            <p:tav tm="50000">
-                                              <p:val>
-                                                <p:strVal val="#ppt_x+.1"/>
-                                              </p:val>
-                                            </p:tav>
-                                            <p:tav tm="100000">
-                                              <p:val>
-                                                <p:strVal val="#ppt_x"/>
-                                              </p:val>
-                                            </p:tav>
-                                          </p:tavLst>
-                                        </p:anim>
-                                        <p:anim calcmode="lin" valueType="num">
-                                          <p:cBhvr>
-                                            <p:cTn id="15" dur="500" fill="hold"/>
-                                            <p:tgtEl>
-                                              <p:spTgt spid="12"/>
-                                            </p:tgtEl>
-                                            <p:attrNameLst>
-                                              <p:attrName>ppt_y</p:attrName>
-                                            </p:attrNameLst>
-                                          </p:cBhvr>
-                                          <p:tavLst>
-                                            <p:tav tm="0">
-                                              <p:val>
-                                                <p:strVal val="#ppt_y"/>
-                                              </p:val>
-                                            </p:tav>
-                                            <p:tav tm="100000">
-                                              <p:val>
-                                                <p:strVal val="#ppt_y"/>
-                                              </p:val>
-                                            </p:tav>
-                                          </p:tavLst>
-                                        </p:anim>
-                                        <p:anim calcmode="lin" valueType="num">
-                                          <p:cBhvr>
-                                            <p:cTn id="16" dur="500" fill="hold"/>
-                                            <p:tgtEl>
-                                              <p:spTgt spid="12"/>
-                                            </p:tgtEl>
-                                            <p:attrNameLst>
-                                              <p:attrName>ppt_h</p:attrName>
-                                            </p:attrNameLst>
-                                          </p:cBhvr>
-                                          <p:tavLst>
-                                            <p:tav tm="0">
-                                              <p:val>
-                                                <p:strVal val="#ppt_h/10"/>
-                                              </p:val>
-                                            </p:tav>
-                                            <p:tav tm="50000">
-                                              <p:val>
-                                                <p:strVal val="#ppt_h+.01"/>
-                                              </p:val>
-                                            </p:tav>
-                                            <p:tav tm="100000">
-                                              <p:val>
-                                                <p:strVal val="#ppt_h"/>
-                                              </p:val>
-                                            </p:tav>
-                                          </p:tavLst>
-                                        </p:anim>
-                                        <p:anim calcmode="lin" valueType="num">
-                                          <p:cBhvr>
-                                            <p:cTn id="17" dur="500" fill="hold"/>
-                                            <p:tgtEl>
-                                              <p:spTgt spid="12"/>
-                                            </p:tgtEl>
-                                            <p:attrNameLst>
-                                              <p:attrName>ppt_w</p:attrName>
-                                            </p:attrNameLst>
-                                          </p:cBhvr>
-                                          <p:tavLst>
-                                            <p:tav tm="0">
-                                              <p:val>
-                                                <p:strVal val="#ppt_w/10"/>
-                                              </p:val>
-                                            </p:tav>
-                                            <p:tav tm="50000">
-                                              <p:val>
-                                                <p:strVal val="#ppt_w+.01"/>
-                                              </p:val>
-                                            </p:tav>
-                                            <p:tav tm="100000">
-                                              <p:val>
-                                                <p:strVal val="#ppt_w"/>
-                                              </p:val>
-                                            </p:tav>
-                                          </p:tavLst>
-                                        </p:anim>
-                                        <p:animEffect transition="in" filter="fade">
-                                          <p:cBhvr>
-                                            <p:cTn id="18" dur="500" tmFilter="0,0; .5, 1; 1, 1"/>
-                                            <p:tgtEl>
-                                              <p:spTgt spid="12"/>
-                                            </p:tgtEl>
-                                          </p:cBhvr>
-                                        </p:animEffect>
-                                      </p:childTnLst>
-                                    </p:cTn>
-                                  </p:par>
-                                </p:childTnLst>
-                              </p:cTn>
-                            </p:par>
-                            <p:par>
-                              <p:cTn id="19" fill="hold">
-                                <p:stCondLst>
-                                  <p:cond delay="900"/>
-                                </p:stCondLst>
-                                <p:childTnLst>
-                                  <p:par>
-                                    <p:cTn id="20" presetID="2" presetClass="entr" presetSubtype="1" fill="hold" grpId="1" nodeType="afterEffect">
-                                      <p:stCondLst>
-                                        <p:cond delay="0"/>
-                                      </p:stCondLst>
-                                      <p:childTnLst>
-                                        <p:set>
-                                          <p:cBhvr>
-                                            <p:cTn id="21" dur="1" fill="hold">
-                                              <p:stCondLst>
-                                                <p:cond delay="0"/>
-                                              </p:stCondLst>
-                                            </p:cTn>
-                                            <p:tgtEl>
-                                              <p:spTgt spid="9"/>
-                                            </p:tgtEl>
-                                            <p:attrNameLst>
-                                              <p:attrName>style.visibility</p:attrName>
-                                            </p:attrNameLst>
-                                          </p:cBhvr>
-                                          <p:to>
-                                            <p:strVal val="visible"/>
-                                          </p:to>
-                                        </p:set>
-                                        <p:anim calcmode="lin" valueType="num">
-                                          <p:cBhvr additive="base">
-                                            <p:cTn id="22" dur="1000" fill="hold"/>
-                                            <p:tgtEl>
-                                              <p:spTgt spid="9"/>
-                                            </p:tgtEl>
-                                            <p:attrNameLst>
-                                              <p:attrName>ppt_x</p:attrName>
-                                            </p:attrNameLst>
-                                          </p:cBhvr>
-                                          <p:tavLst>
-                                            <p:tav tm="0">
-                                              <p:val>
-                                                <p:strVal val="#ppt_x"/>
-                                              </p:val>
-                                            </p:tav>
-                                            <p:tav tm="100000">
-                                              <p:val>
-                                                <p:strVal val="#ppt_x"/>
-                                              </p:val>
-                                            </p:tav>
-                                          </p:tavLst>
-                                        </p:anim>
-                                        <p:anim calcmode="lin" valueType="num">
-                                          <p:cBhvr additive="base">
-                                            <p:cTn id="23" dur="1000" fill="hold"/>
-                                            <p:tgtEl>
-                                              <p:spTgt spid="9"/>
-                                            </p:tgtEl>
-                                            <p:attrNameLst>
-                                              <p:attrName>ppt_y</p:attrName>
-                                            </p:attrNameLst>
-                                          </p:cBhvr>
-                                          <p:tavLst>
-                                            <p:tav tm="0">
-                                              <p:val>
-                                                <p:strVal val="0-#ppt_h/2"/>
-                                              </p:val>
-                                            </p:tav>
-                                            <p:tav tm="100000">
-                                              <p:val>
-                                                <p:strVal val="#ppt_y"/>
-                                              </p:val>
-                                            </p:tav>
-                                          </p:tavLst>
-                                        </p:anim>
-                                      </p:childTnLst>
-                                    </p:cTn>
-                                  </p:par>
-                                </p:childTnLst>
-                              </p:cTn>
-                            </p:par>
-                          </p:childTnLst>
-                        </p:cTn>
-                      </p:par>
-                      <p:par>
-                        <p:cTn id="24" fill="hold">
-                          <p:stCondLst>
-                            <p:cond delay="indefinite"/>
-                          </p:stCondLst>
-                          <p:childTnLst>
-                            <p:par>
-                              <p:cTn id="25" fill="hold">
-                                <p:stCondLst>
-                                  <p:cond delay="0"/>
-                                </p:stCondLst>
-                                <p:childTnLst>
-                                  <p:par>
-                                    <p:cTn id="26" presetID="1" presetClass="entr" presetSubtype="0" fill="hold" grpId="0" nodeType="clickEffect">
-                                      <p:stCondLst>
-                                        <p:cond delay="0"/>
-                                      </p:stCondLst>
-                                      <p:childTnLst>
-                                        <p:set>
-                                          <p:cBhvr>
-                                            <p:cTn id="27" dur="1" fill="hold">
-                                              <p:stCondLst>
-                                                <p:cond delay="0"/>
-                                              </p:stCondLst>
-                                            </p:cTn>
-                                            <p:tgtEl>
-                                              <p:spTgt spid="10"/>
-                                            </p:tgtEl>
-                                            <p:attrNameLst>
-                                              <p:attrName>style.visibility</p:attrName>
-                                            </p:attrNameLst>
-                                          </p:cBhvr>
-                                          <p:to>
-                                            <p:strVal val="visible"/>
-                                          </p:to>
-                                        </p:set>
-                                      </p:childTnLst>
-                                    </p:cTn>
-                                  </p:par>
-                                </p:childTnLst>
-                              </p:cTn>
-                            </p:par>
-                          </p:childTnLst>
-                        </p:cTn>
-                      </p:par>
-                    </p:childTnLst>
-                  </p:cTn>
-                  <p:prevCondLst>
-                    <p:cond evt="onPrev" delay="0">
-                      <p:tgtEl>
-                        <p:sldTgt/>
-                      </p:tgtEl>
-                    </p:cond>
-                  </p:prevCondLst>
-                  <p:nextCondLst>
-                    <p:cond evt="onNext" delay="0">
-                      <p:tgtEl>
-                        <p:sldTgt/>
-                      </p:tgtEl>
-                    </p:cond>
-                  </p:nextCondLst>
-                </p:seq>
-              </p:childTnLst>
-            </p:cTn>
-          </p:par>
-        </p:tnLst>
-        <p:bldLst>
-          <p:bldP spid="4" grpId="1"/>
-          <p:bldP spid="10" grpId="0"/>
-          <p:bldP spid="12" grpId="1"/>
-          <p:bldP spid="9" grpId="1"/>
-        </p:bldLst>
-      </p:timing>
-    </mc:Fallback>
-  </mc:AlternateContent>
+  <p:timing>
+    <p:tnLst>
+      <p:par>
+        <p:cTn id="1" dur="indefinite" restart="never" nodeType="tmRoot"/>
+      </p:par>
+    </p:tnLst>
+  </p:timing>
 </p:sld>
 </file>
 

--- a/documents/노루막이_김형준_신창섭_홍승필_허지훈.pptx
+++ b/documents/노루막이_김형준_신창섭_홍승필_허지훈.pptx
@@ -15818,7 +15818,7 @@
         </p:nvSpPr>
         <p:spPr>
           <a:xfrm>
-            <a:off x="0" y="-5140"/>
+            <a:off x="0" y="0"/>
             <a:ext cx="12192000" cy="6863140"/>
           </a:xfrm>
           <a:prstGeom prst="rect">

--- a/documents/노루막이_김형준_신창섭_홍승필_허지훈.pptx
+++ b/documents/노루막이_김형준_신창섭_홍승필_허지훈.pptx
@@ -15818,7 +15818,7 @@
         </p:nvSpPr>
         <p:spPr>
           <a:xfrm>
-            <a:off x="0" y="0"/>
+            <a:off x="0" y="-5140"/>
             <a:ext cx="12192000" cy="6863140"/>
           </a:xfrm>
           <a:prstGeom prst="rect">

--- a/documents/노루막이_김형준_신창섭_홍승필_허지훈.pptx
+++ b/documents/노루막이_김형준_신창섭_홍승필_허지훈.pptx
@@ -135,7 +135,7 @@
   </p:defaultTextStyle>
   <p:extLst>
     <p:ext uri="{EFAFB233-063F-42B5-8137-9DF3F51BA10A}">
-      <p15:sldGuideLst xmlns:p15="http://schemas.microsoft.com/office/powerpoint/2012/main">
+      <p15:sldGuideLst xmlns:p15="http://schemas.microsoft.com/office/powerpoint/2012/main" xmlns="">
         <p15:guide id="1" orient="horz" pos="2160" userDrawn="1">
           <p15:clr>
             <a:srgbClr val="A4A3A4"/>
@@ -234,7 +234,7 @@
           <a:p>
             <a:fld id="{C0784820-E37F-9245-812A-8C2941EBBF6C}" type="datetimeFigureOut">
               <a:rPr kumimoji="1" lang="ko-KR" altLang="en-US" smtClean="0"/>
-              <a:t>2016. 12. 11.</a:t>
+              <a:t>2016-12-12</a:t>
             </a:fld>
             <a:endParaRPr kumimoji="1" lang="ko-KR" altLang="en-US"/>
           </a:p>
@@ -399,7 +399,7 @@
           <a:p>
             <a:fld id="{ABD44343-005F-DA4E-8CE2-D84E76ABEFED}" type="datetimeFigureOut">
               <a:rPr kumimoji="1" lang="ko-KR" altLang="en-US" smtClean="0"/>
-              <a:t>2016. 12. 11.</a:t>
+              <a:t>2016-12-12</a:t>
             </a:fld>
             <a:endParaRPr kumimoji="1" lang="ko-KR" altLang="en-US"/>
           </a:p>
@@ -1075,7 +1075,7 @@
           <a:p>
             <a:fld id="{9A7BEA77-FCFD-E34F-8955-12C1E82451E3}" type="datetimeFigureOut">
               <a:rPr kumimoji="1" lang="ko-KR" altLang="en-US" smtClean="0"/>
-              <a:t>2016. 12. 11.</a:t>
+              <a:t>2016-12-12</a:t>
             </a:fld>
             <a:endParaRPr kumimoji="1" lang="ko-KR" altLang="en-US"/>
           </a:p>
@@ -1243,7 +1243,7 @@
           <a:p>
             <a:fld id="{9A7BEA77-FCFD-E34F-8955-12C1E82451E3}" type="datetimeFigureOut">
               <a:rPr kumimoji="1" lang="ko-KR" altLang="en-US" smtClean="0"/>
-              <a:t>2016. 12. 11.</a:t>
+              <a:t>2016-12-12</a:t>
             </a:fld>
             <a:endParaRPr kumimoji="1" lang="ko-KR" altLang="en-US"/>
           </a:p>
@@ -1421,7 +1421,7 @@
           <a:p>
             <a:fld id="{9A7BEA77-FCFD-E34F-8955-12C1E82451E3}" type="datetimeFigureOut">
               <a:rPr kumimoji="1" lang="ko-KR" altLang="en-US" smtClean="0"/>
-              <a:t>2016. 12. 11.</a:t>
+              <a:t>2016-12-12</a:t>
             </a:fld>
             <a:endParaRPr kumimoji="1" lang="ko-KR" altLang="en-US"/>
           </a:p>
@@ -1589,7 +1589,7 @@
           <a:p>
             <a:fld id="{9A7BEA77-FCFD-E34F-8955-12C1E82451E3}" type="datetimeFigureOut">
               <a:rPr kumimoji="1" lang="ko-KR" altLang="en-US" smtClean="0"/>
-              <a:t>2016. 12. 11.</a:t>
+              <a:t>2016-12-12</a:t>
             </a:fld>
             <a:endParaRPr kumimoji="1" lang="ko-KR" altLang="en-US"/>
           </a:p>
@@ -1834,7 +1834,7 @@
           <a:p>
             <a:fld id="{9A7BEA77-FCFD-E34F-8955-12C1E82451E3}" type="datetimeFigureOut">
               <a:rPr kumimoji="1" lang="ko-KR" altLang="en-US" smtClean="0"/>
-              <a:t>2016. 12. 11.</a:t>
+              <a:t>2016-12-12</a:t>
             </a:fld>
             <a:endParaRPr kumimoji="1" lang="ko-KR" altLang="en-US"/>
           </a:p>
@@ -2063,7 +2063,7 @@
           <a:p>
             <a:fld id="{9A7BEA77-FCFD-E34F-8955-12C1E82451E3}" type="datetimeFigureOut">
               <a:rPr kumimoji="1" lang="ko-KR" altLang="en-US" smtClean="0"/>
-              <a:t>2016. 12. 11.</a:t>
+              <a:t>2016-12-12</a:t>
             </a:fld>
             <a:endParaRPr kumimoji="1" lang="ko-KR" altLang="en-US"/>
           </a:p>
@@ -2427,7 +2427,7 @@
           <a:p>
             <a:fld id="{9A7BEA77-FCFD-E34F-8955-12C1E82451E3}" type="datetimeFigureOut">
               <a:rPr kumimoji="1" lang="ko-KR" altLang="en-US" smtClean="0"/>
-              <a:t>2016. 12. 11.</a:t>
+              <a:t>2016-12-12</a:t>
             </a:fld>
             <a:endParaRPr kumimoji="1" lang="ko-KR" altLang="en-US"/>
           </a:p>
@@ -2544,7 +2544,7 @@
           <a:p>
             <a:fld id="{9A7BEA77-FCFD-E34F-8955-12C1E82451E3}" type="datetimeFigureOut">
               <a:rPr kumimoji="1" lang="ko-KR" altLang="en-US" smtClean="0"/>
-              <a:t>2016. 12. 11.</a:t>
+              <a:t>2016-12-12</a:t>
             </a:fld>
             <a:endParaRPr kumimoji="1" lang="ko-KR" altLang="en-US"/>
           </a:p>
@@ -2639,7 +2639,7 @@
           <a:p>
             <a:fld id="{9A7BEA77-FCFD-E34F-8955-12C1E82451E3}" type="datetimeFigureOut">
               <a:rPr kumimoji="1" lang="ko-KR" altLang="en-US" smtClean="0"/>
-              <a:t>2016. 12. 11.</a:t>
+              <a:t>2016-12-12</a:t>
             </a:fld>
             <a:endParaRPr kumimoji="1" lang="ko-KR" altLang="en-US"/>
           </a:p>
@@ -2914,7 +2914,7 @@
           <a:p>
             <a:fld id="{9A7BEA77-FCFD-E34F-8955-12C1E82451E3}" type="datetimeFigureOut">
               <a:rPr kumimoji="1" lang="ko-KR" altLang="en-US" smtClean="0"/>
-              <a:t>2016. 12. 11.</a:t>
+              <a:t>2016-12-12</a:t>
             </a:fld>
             <a:endParaRPr kumimoji="1" lang="ko-KR" altLang="en-US"/>
           </a:p>
@@ -3166,7 +3166,7 @@
           <a:p>
             <a:fld id="{9A7BEA77-FCFD-E34F-8955-12C1E82451E3}" type="datetimeFigureOut">
               <a:rPr kumimoji="1" lang="ko-KR" altLang="en-US" smtClean="0"/>
-              <a:t>2016. 12. 11.</a:t>
+              <a:t>2016-12-12</a:t>
             </a:fld>
             <a:endParaRPr kumimoji="1" lang="ko-KR" altLang="en-US"/>
           </a:p>
@@ -3377,7 +3377,7 @@
           <a:p>
             <a:fld id="{9A7BEA77-FCFD-E34F-8955-12C1E82451E3}" type="datetimeFigureOut">
               <a:rPr kumimoji="1" lang="ko-KR" altLang="en-US" smtClean="0"/>
-              <a:t>2016. 12. 11.</a:t>
+              <a:t>2016-12-12</a:t>
             </a:fld>
             <a:endParaRPr kumimoji="1" lang="ko-KR" altLang="en-US"/>
           </a:p>
@@ -10966,7 +10966,7 @@
         <p:spPr>
           <a:xfrm>
             <a:off x="527986" y="4021402"/>
-            <a:ext cx="10993453" cy="1138773"/>
+            <a:ext cx="10993453" cy="1631216"/>
           </a:xfrm>
           <a:prstGeom prst="rect">
             <a:avLst/>
@@ -10996,14 +10996,44 @@
           <a:p>
             <a:pPr algn="ctr"/>
             <a:r>
-              <a:rPr kumimoji="1" lang="ko-KR" altLang="en-US" sz="3200" b="1" dirty="0" smtClean="0">
+              <a:rPr kumimoji="1" lang="en-US" altLang="ko-KR" sz="3200" b="1" dirty="0" smtClean="0">
                 <a:solidFill>
                   <a:schemeClr val="bg1">
                     <a:lumMod val="50000"/>
                   </a:schemeClr>
                 </a:solidFill>
               </a:rPr>
-              <a:t>툰 렌더링 등을 활용하여 만화적인 그래픽 연출</a:t>
+              <a:t>Lighting, </a:t>
+            </a:r>
+            <a:r>
+              <a:rPr kumimoji="1" lang="en-US" altLang="ko-KR" sz="3200" b="1" dirty="0" err="1" smtClean="0">
+                <a:solidFill>
+                  <a:schemeClr val="bg1">
+                    <a:lumMod val="50000"/>
+                  </a:schemeClr>
+                </a:solidFill>
+              </a:rPr>
+              <a:t>DiffuseSpecularMapping</a:t>
+            </a:r>
+            <a:r>
+              <a:rPr kumimoji="1" lang="en-US" altLang="ko-KR" sz="3200" b="1" dirty="0" smtClean="0">
+                <a:solidFill>
+                  <a:schemeClr val="bg1">
+                    <a:lumMod val="50000"/>
+                  </a:schemeClr>
+                </a:solidFill>
+              </a:rPr>
+              <a:t>, Toon, </a:t>
+            </a:r>
+            <a:r>
+              <a:rPr kumimoji="1" lang="en-US" altLang="ko-KR" sz="3200" b="1" dirty="0" err="1" smtClean="0">
+                <a:solidFill>
+                  <a:schemeClr val="bg1">
+                    <a:lumMod val="50000"/>
+                  </a:schemeClr>
+                </a:solidFill>
+              </a:rPr>
+              <a:t>ShadowMapping</a:t>
             </a:r>
             <a:endParaRPr kumimoji="1" lang="en-US" altLang="ko-KR" sz="3200" b="1" dirty="0" smtClean="0">
               <a:solidFill>
@@ -20400,20 +20430,20 @@
       </p:sp>
       <p:sp>
         <p:nvSpPr>
-          <p:cNvPr id="44" name="모서리가 둥근 직사각형 43"/>
+          <p:cNvPr id="19" name="모서리가 둥근 직사각형 18"/>
           <p:cNvSpPr/>
           <p:nvPr/>
         </p:nvSpPr>
         <p:spPr>
           <a:xfrm>
-            <a:off x="5942027" y="4046122"/>
-            <a:ext cx="5769063" cy="563163"/>
+            <a:off x="7418273" y="1369837"/>
+            <a:ext cx="831382" cy="563162"/>
           </a:xfrm>
           <a:prstGeom prst="roundRect">
             <a:avLst/>
           </a:prstGeom>
           <a:solidFill>
-            <a:srgbClr val="00B0F0"/>
+            <a:srgbClr val="FFC000"/>
           </a:solidFill>
           <a:ln>
             <a:noFill/>
@@ -20441,16 +20471,16 @@
           <a:p>
             <a:pPr algn="ctr"/>
             <a:r>
-              <a:rPr kumimoji="1" lang="ko-KR" altLang="en-US" dirty="0" smtClean="0">
-                <a:solidFill>
-                  <a:schemeClr val="bg1"/>
-                </a:solidFill>
-              </a:rPr>
-              <a:t>쉐이더 작업</a:t>
-            </a:r>
-            <a:endParaRPr kumimoji="1" lang="ko-KR" altLang="en-US" dirty="0">
+              <a:rPr kumimoji="1" lang="en-US" altLang="ko-KR" sz="2400" dirty="0">
+                <a:solidFill>
+                  <a:schemeClr val="tx1"/>
+                </a:solidFill>
+              </a:rPr>
+              <a:t>5</a:t>
+            </a:r>
+            <a:endParaRPr kumimoji="1" lang="ko-KR" altLang="en-US" sz="2400" dirty="0">
               <a:solidFill>
-                <a:schemeClr val="bg1"/>
+                <a:schemeClr val="tx1"/>
               </a:solidFill>
             </a:endParaRPr>
           </a:p>
@@ -20458,20 +20488,20 @@
       </p:sp>
       <p:sp>
         <p:nvSpPr>
-          <p:cNvPr id="19" name="모서리가 둥근 직사각형 18"/>
+          <p:cNvPr id="20" name="모서리가 둥근 직사각형 19"/>
           <p:cNvSpPr/>
           <p:nvPr/>
         </p:nvSpPr>
         <p:spPr>
           <a:xfrm>
-            <a:off x="7418273" y="1369837"/>
+            <a:off x="10879710" y="1369837"/>
             <a:ext cx="831382" cy="563162"/>
           </a:xfrm>
           <a:prstGeom prst="roundRect">
             <a:avLst/>
           </a:prstGeom>
           <a:solidFill>
-            <a:srgbClr val="FFC000"/>
+            <a:srgbClr val="FF0000"/>
           </a:solidFill>
           <a:ln>
             <a:noFill/>
@@ -20501,14 +20531,14 @@
             <a:r>
               <a:rPr kumimoji="1" lang="en-US" altLang="ko-KR" sz="2400" dirty="0">
                 <a:solidFill>
-                  <a:schemeClr val="tx1"/>
-                </a:solidFill>
-              </a:rPr>
-              <a:t>5</a:t>
+                  <a:schemeClr val="bg1"/>
+                </a:solidFill>
+              </a:rPr>
+              <a:t>8</a:t>
             </a:r>
             <a:endParaRPr kumimoji="1" lang="ko-KR" altLang="en-US" sz="2400" dirty="0">
               <a:solidFill>
-                <a:schemeClr val="tx1"/>
+                <a:schemeClr val="bg1"/>
               </a:solidFill>
             </a:endParaRPr>
           </a:p>
@@ -20516,20 +20546,20 @@
       </p:sp>
       <p:sp>
         <p:nvSpPr>
-          <p:cNvPr id="20" name="모서리가 둥근 직사각형 19"/>
+          <p:cNvPr id="21" name="모서리가 둥근 직사각형 20"/>
           <p:cNvSpPr/>
           <p:nvPr/>
         </p:nvSpPr>
         <p:spPr>
           <a:xfrm>
-            <a:off x="10879710" y="1369837"/>
-            <a:ext cx="831382" cy="563162"/>
+            <a:off x="495395" y="1369836"/>
+            <a:ext cx="831382" cy="563163"/>
           </a:xfrm>
           <a:prstGeom prst="roundRect">
             <a:avLst/>
           </a:prstGeom>
           <a:solidFill>
-            <a:srgbClr val="FF0000"/>
+            <a:schemeClr val="bg1"/>
           </a:solidFill>
           <a:ln>
             <a:noFill/>
@@ -20557,30 +20587,54 @@
           <a:p>
             <a:pPr algn="ctr"/>
             <a:r>
-              <a:rPr kumimoji="1" lang="en-US" altLang="ko-KR" sz="2400" dirty="0">
-                <a:solidFill>
-                  <a:schemeClr val="bg1"/>
-                </a:solidFill>
-              </a:rPr>
-              <a:t>8</a:t>
-            </a:r>
-            <a:endParaRPr kumimoji="1" lang="ko-KR" altLang="en-US" sz="2400" dirty="0">
+              <a:rPr kumimoji="1" lang="en-US" altLang="ko-KR" dirty="0">
+                <a:solidFill>
+                  <a:schemeClr val="tx1"/>
+                </a:solidFill>
+              </a:rPr>
+              <a:t>16</a:t>
+            </a:r>
+            <a:r>
+              <a:rPr kumimoji="1" lang="ko-KR" altLang="en-US" dirty="0">
+                <a:solidFill>
+                  <a:schemeClr val="tx1"/>
+                </a:solidFill>
+              </a:rPr>
+              <a:t>년</a:t>
+            </a:r>
+            <a:endParaRPr kumimoji="1" lang="en-US" altLang="ko-KR" dirty="0">
               <a:solidFill>
-                <a:schemeClr val="bg1"/>
+                <a:schemeClr val="tx1"/>
               </a:solidFill>
             </a:endParaRPr>
           </a:p>
-        </p:txBody>
-      </p:sp>
-      <p:sp>
-        <p:nvSpPr>
-          <p:cNvPr id="21" name="모서리가 둥근 직사각형 20"/>
+          <a:p>
+            <a:pPr algn="ctr"/>
+            <a:r>
+              <a:rPr kumimoji="1" lang="en-US" altLang="ko-KR" dirty="0">
+                <a:solidFill>
+                  <a:schemeClr val="tx1"/>
+                </a:solidFill>
+              </a:rPr>
+              <a:t>11</a:t>
+            </a:r>
+            <a:endParaRPr kumimoji="1" lang="ko-KR" altLang="en-US" dirty="0">
+              <a:solidFill>
+                <a:schemeClr val="tx1"/>
+              </a:solidFill>
+            </a:endParaRPr>
+          </a:p>
+        </p:txBody>
+      </p:sp>
+      <p:sp>
+        <p:nvSpPr>
+          <p:cNvPr id="22" name="모서리가 둥근 직사각형 21"/>
           <p:cNvSpPr/>
           <p:nvPr/>
         </p:nvSpPr>
         <p:spPr>
           <a:xfrm>
-            <a:off x="495395" y="1369836"/>
+            <a:off x="1649208" y="1369836"/>
             <a:ext cx="831382" cy="563163"/>
           </a:xfrm>
           <a:prstGeom prst="roundRect">
@@ -20615,54 +20669,30 @@
           <a:p>
             <a:pPr algn="ctr"/>
             <a:r>
-              <a:rPr kumimoji="1" lang="en-US" altLang="ko-KR" dirty="0">
+              <a:rPr kumimoji="1" lang="en-US" altLang="ko-KR" sz="2400" dirty="0">
                 <a:solidFill>
                   <a:schemeClr val="tx1"/>
                 </a:solidFill>
               </a:rPr>
-              <a:t>16</a:t>
-            </a:r>
-            <a:r>
-              <a:rPr kumimoji="1" lang="ko-KR" altLang="en-US" dirty="0">
-                <a:solidFill>
-                  <a:schemeClr val="tx1"/>
-                </a:solidFill>
-              </a:rPr>
-              <a:t>년</a:t>
-            </a:r>
-            <a:endParaRPr kumimoji="1" lang="en-US" altLang="ko-KR" dirty="0">
+              <a:t>12</a:t>
+            </a:r>
+            <a:endParaRPr kumimoji="1" lang="ko-KR" altLang="en-US" sz="2400" dirty="0">
               <a:solidFill>
                 <a:schemeClr val="tx1"/>
               </a:solidFill>
             </a:endParaRPr>
           </a:p>
-          <a:p>
-            <a:pPr algn="ctr"/>
-            <a:r>
-              <a:rPr kumimoji="1" lang="en-US" altLang="ko-KR" dirty="0">
-                <a:solidFill>
-                  <a:schemeClr val="tx1"/>
-                </a:solidFill>
-              </a:rPr>
-              <a:t>11</a:t>
-            </a:r>
-            <a:endParaRPr kumimoji="1" lang="ko-KR" altLang="en-US" dirty="0">
-              <a:solidFill>
-                <a:schemeClr val="tx1"/>
-              </a:solidFill>
-            </a:endParaRPr>
-          </a:p>
-        </p:txBody>
-      </p:sp>
-      <p:sp>
-        <p:nvSpPr>
-          <p:cNvPr id="22" name="모서리가 둥근 직사각형 21"/>
+        </p:txBody>
+      </p:sp>
+      <p:sp>
+        <p:nvSpPr>
+          <p:cNvPr id="23" name="모서리가 둥근 직사각형 22"/>
           <p:cNvSpPr/>
           <p:nvPr/>
         </p:nvSpPr>
         <p:spPr>
           <a:xfrm>
-            <a:off x="1649208" y="1369836"/>
+            <a:off x="2803021" y="1369836"/>
             <a:ext cx="831382" cy="563163"/>
           </a:xfrm>
           <a:prstGeom prst="roundRect">
@@ -20697,37 +20727,61 @@
           <a:p>
             <a:pPr algn="ctr"/>
             <a:r>
-              <a:rPr kumimoji="1" lang="en-US" altLang="ko-KR" sz="2400" dirty="0">
+              <a:rPr kumimoji="1" lang="en-US" altLang="ko-KR" dirty="0">
                 <a:solidFill>
                   <a:schemeClr val="tx1"/>
                 </a:solidFill>
               </a:rPr>
-              <a:t>12</a:t>
-            </a:r>
-            <a:endParaRPr kumimoji="1" lang="ko-KR" altLang="en-US" sz="2400" dirty="0">
+              <a:t>17</a:t>
+            </a:r>
+            <a:r>
+              <a:rPr kumimoji="1" lang="ko-KR" altLang="en-US" dirty="0">
+                <a:solidFill>
+                  <a:schemeClr val="tx1"/>
+                </a:solidFill>
+              </a:rPr>
+              <a:t>년</a:t>
+            </a:r>
+            <a:endParaRPr kumimoji="1" lang="en-US" altLang="ko-KR" dirty="0">
               <a:solidFill>
                 <a:schemeClr val="tx1"/>
               </a:solidFill>
             </a:endParaRPr>
           </a:p>
-        </p:txBody>
-      </p:sp>
-      <p:sp>
-        <p:nvSpPr>
-          <p:cNvPr id="23" name="모서리가 둥근 직사각형 22"/>
+          <a:p>
+            <a:pPr algn="ctr"/>
+            <a:r>
+              <a:rPr kumimoji="1" lang="en-US" altLang="ko-KR" dirty="0">
+                <a:solidFill>
+                  <a:schemeClr val="tx1"/>
+                </a:solidFill>
+              </a:rPr>
+              <a:t>1</a:t>
+            </a:r>
+            <a:endParaRPr kumimoji="1" lang="ko-KR" altLang="en-US" dirty="0">
+              <a:solidFill>
+                <a:schemeClr val="tx1"/>
+              </a:solidFill>
+            </a:endParaRPr>
+          </a:p>
+        </p:txBody>
+      </p:sp>
+      <p:sp>
+        <p:nvSpPr>
+          <p:cNvPr id="27" name="모서리가 둥근 직사각형 26"/>
           <p:cNvSpPr/>
           <p:nvPr/>
         </p:nvSpPr>
         <p:spPr>
           <a:xfrm>
-            <a:off x="2803021" y="1369836"/>
-            <a:ext cx="831382" cy="563163"/>
+            <a:off x="8572086" y="5452431"/>
+            <a:ext cx="1985196" cy="563163"/>
           </a:xfrm>
           <a:prstGeom prst="roundRect">
             <a:avLst/>
           </a:prstGeom>
           <a:solidFill>
-            <a:schemeClr val="bg1"/>
+            <a:srgbClr val="00B0F0"/>
           </a:solidFill>
           <a:ln>
             <a:noFill/>
@@ -20755,110 +20809,20 @@
           <a:p>
             <a:pPr algn="ctr"/>
             <a:r>
-              <a:rPr kumimoji="1" lang="en-US" altLang="ko-KR" dirty="0">
-                <a:solidFill>
-                  <a:schemeClr val="tx1"/>
-                </a:solidFill>
-              </a:rPr>
-              <a:t>17</a:t>
-            </a:r>
-            <a:r>
-              <a:rPr kumimoji="1" lang="ko-KR" altLang="en-US" dirty="0">
-                <a:solidFill>
-                  <a:schemeClr val="tx1"/>
-                </a:solidFill>
-              </a:rPr>
-              <a:t>년</a:t>
-            </a:r>
-            <a:endParaRPr kumimoji="1" lang="en-US" altLang="ko-KR" dirty="0">
-              <a:solidFill>
-                <a:schemeClr val="tx1"/>
-              </a:solidFill>
-            </a:endParaRPr>
-          </a:p>
-          <a:p>
-            <a:pPr algn="ctr"/>
-            <a:r>
-              <a:rPr kumimoji="1" lang="en-US" altLang="ko-KR" dirty="0">
-                <a:solidFill>
-                  <a:schemeClr val="tx1"/>
-                </a:solidFill>
-              </a:rPr>
-              <a:t>1</a:t>
-            </a:r>
-            <a:endParaRPr kumimoji="1" lang="ko-KR" altLang="en-US" dirty="0">
-              <a:solidFill>
-                <a:schemeClr val="tx1"/>
-              </a:solidFill>
-            </a:endParaRPr>
-          </a:p>
-        </p:txBody>
-      </p:sp>
-      <p:sp>
-        <p:nvSpPr>
-          <p:cNvPr id="27" name="모서리가 둥근 직사각형 26"/>
-          <p:cNvSpPr/>
-          <p:nvPr/>
-        </p:nvSpPr>
-        <p:spPr>
-          <a:xfrm>
-            <a:off x="8572085" y="4663413"/>
-            <a:ext cx="3139005" cy="563163"/>
-          </a:xfrm>
-          <a:prstGeom prst="roundRect">
-            <a:avLst/>
-          </a:prstGeom>
-          <a:solidFill>
-            <a:srgbClr val="00B0F0"/>
-          </a:solidFill>
-          <a:ln>
-            <a:noFill/>
-          </a:ln>
-        </p:spPr>
-        <p:style>
-          <a:lnRef idx="2">
-            <a:schemeClr val="accent1">
-              <a:shade val="50000"/>
-            </a:schemeClr>
-          </a:lnRef>
-          <a:fillRef idx="1">
-            <a:schemeClr val="accent1"/>
-          </a:fillRef>
-          <a:effectRef idx="0">
-            <a:schemeClr val="accent1"/>
-          </a:effectRef>
-          <a:fontRef idx="minor">
-            <a:schemeClr val="lt1"/>
-          </a:fontRef>
-        </p:style>
-        <p:txBody>
-          <a:bodyPr rtlCol="0" anchor="ctr"/>
-          <a:lstStyle/>
-          <a:p>
-            <a:pPr algn="ctr"/>
+              <a:rPr kumimoji="1" lang="ko-KR" altLang="en-US" dirty="0" err="1" smtClean="0">
+                <a:solidFill>
+                  <a:schemeClr val="bg1"/>
+                </a:solidFill>
+              </a:rPr>
+              <a:t>쉐이더</a:t>
+            </a:r>
             <a:r>
               <a:rPr kumimoji="1" lang="ko-KR" altLang="en-US" dirty="0" smtClean="0">
                 <a:solidFill>
                   <a:schemeClr val="bg1"/>
                 </a:solidFill>
               </a:rPr>
-              <a:t>컨텐츠</a:t>
-            </a:r>
-            <a:endParaRPr kumimoji="1" lang="en-US" altLang="ko-KR" dirty="0" smtClean="0">
-              <a:solidFill>
-                <a:schemeClr val="bg1"/>
-              </a:solidFill>
-            </a:endParaRPr>
-          </a:p>
-          <a:p>
-            <a:pPr algn="ctr"/>
-            <a:r>
-              <a:rPr kumimoji="1" lang="ko-KR" altLang="en-US" dirty="0" smtClean="0">
-                <a:solidFill>
-                  <a:schemeClr val="bg1"/>
-                </a:solidFill>
-              </a:rPr>
-              <a:t>추가 작업</a:t>
+              <a:t> 추가 작업</a:t>
             </a:r>
             <a:endParaRPr kumimoji="1" lang="ko-KR" altLang="en-US" dirty="0">
               <a:solidFill>
@@ -20876,8 +20840,8 @@
         </p:nvSpPr>
         <p:spPr>
           <a:xfrm>
-            <a:off x="8572085" y="5246837"/>
-            <a:ext cx="3139006" cy="563163"/>
+            <a:off x="9725899" y="6050603"/>
+            <a:ext cx="1985192" cy="563163"/>
           </a:xfrm>
           <a:prstGeom prst="roundRect">
             <a:avLst/>
@@ -20921,6 +20885,238 @@
               <a:t>최적화</a:t>
             </a:r>
             <a:endParaRPr kumimoji="1" lang="ko-KR" altLang="en-US" sz="2000" dirty="0">
+              <a:solidFill>
+                <a:schemeClr val="bg1"/>
+              </a:solidFill>
+            </a:endParaRPr>
+          </a:p>
+        </p:txBody>
+      </p:sp>
+      <p:sp>
+        <p:nvSpPr>
+          <p:cNvPr id="25" name="모서리가 둥근 직사각형 24"/>
+          <p:cNvSpPr/>
+          <p:nvPr/>
+        </p:nvSpPr>
+        <p:spPr>
+          <a:xfrm>
+            <a:off x="5787173" y="3753287"/>
+            <a:ext cx="1985195" cy="563163"/>
+          </a:xfrm>
+          <a:prstGeom prst="roundRect">
+            <a:avLst/>
+          </a:prstGeom>
+          <a:solidFill>
+            <a:srgbClr val="00B0F0"/>
+          </a:solidFill>
+          <a:ln>
+            <a:noFill/>
+          </a:ln>
+        </p:spPr>
+        <p:style>
+          <a:lnRef idx="2">
+            <a:schemeClr val="accent1">
+              <a:shade val="50000"/>
+            </a:schemeClr>
+          </a:lnRef>
+          <a:fillRef idx="1">
+            <a:schemeClr val="accent1"/>
+          </a:fillRef>
+          <a:effectRef idx="0">
+            <a:schemeClr val="accent1"/>
+          </a:effectRef>
+          <a:fontRef idx="minor">
+            <a:schemeClr val="lt1"/>
+          </a:fontRef>
+        </p:style>
+        <p:txBody>
+          <a:bodyPr rtlCol="0" anchor="ctr"/>
+          <a:lstStyle/>
+          <a:p>
+            <a:pPr algn="ctr"/>
+            <a:r>
+              <a:rPr kumimoji="1" lang="en-US" altLang="ko-KR" dirty="0" smtClean="0">
+                <a:solidFill>
+                  <a:schemeClr val="bg1"/>
+                </a:solidFill>
+              </a:rPr>
+              <a:t>Lighting</a:t>
+            </a:r>
+            <a:endParaRPr kumimoji="1" lang="ko-KR" altLang="en-US" dirty="0">
+              <a:solidFill>
+                <a:schemeClr val="bg1"/>
+              </a:solidFill>
+            </a:endParaRPr>
+          </a:p>
+        </p:txBody>
+      </p:sp>
+      <p:sp>
+        <p:nvSpPr>
+          <p:cNvPr id="26" name="모서리가 둥근 직사각형 25"/>
+          <p:cNvSpPr/>
+          <p:nvPr/>
+        </p:nvSpPr>
+        <p:spPr>
+          <a:xfrm>
+            <a:off x="6060013" y="4166249"/>
+            <a:ext cx="1985195" cy="563163"/>
+          </a:xfrm>
+          <a:prstGeom prst="roundRect">
+            <a:avLst/>
+          </a:prstGeom>
+          <a:solidFill>
+            <a:srgbClr val="00B0F0"/>
+          </a:solidFill>
+          <a:ln>
+            <a:noFill/>
+          </a:ln>
+        </p:spPr>
+        <p:style>
+          <a:lnRef idx="2">
+            <a:schemeClr val="accent1">
+              <a:shade val="50000"/>
+            </a:schemeClr>
+          </a:lnRef>
+          <a:fillRef idx="1">
+            <a:schemeClr val="accent1"/>
+          </a:fillRef>
+          <a:effectRef idx="0">
+            <a:schemeClr val="accent1"/>
+          </a:effectRef>
+          <a:fontRef idx="minor">
+            <a:schemeClr val="lt1"/>
+          </a:fontRef>
+        </p:style>
+        <p:txBody>
+          <a:bodyPr rtlCol="0" anchor="ctr"/>
+          <a:lstStyle/>
+          <a:p>
+            <a:pPr algn="ctr"/>
+            <a:r>
+              <a:rPr kumimoji="1" lang="en-US" altLang="ko-KR" dirty="0" err="1" smtClean="0">
+                <a:solidFill>
+                  <a:schemeClr val="bg1"/>
+                </a:solidFill>
+              </a:rPr>
+              <a:t>DiffuseSpecularMapping</a:t>
+            </a:r>
+            <a:endParaRPr kumimoji="1" lang="ko-KR" altLang="en-US" dirty="0">
+              <a:solidFill>
+                <a:schemeClr val="bg1"/>
+              </a:solidFill>
+            </a:endParaRPr>
+          </a:p>
+        </p:txBody>
+      </p:sp>
+      <p:sp>
+        <p:nvSpPr>
+          <p:cNvPr id="28" name="모서리가 둥근 직사각형 27"/>
+          <p:cNvSpPr/>
+          <p:nvPr/>
+        </p:nvSpPr>
+        <p:spPr>
+          <a:xfrm>
+            <a:off x="6281233" y="4625281"/>
+            <a:ext cx="1985195" cy="563163"/>
+          </a:xfrm>
+          <a:prstGeom prst="roundRect">
+            <a:avLst/>
+          </a:prstGeom>
+          <a:solidFill>
+            <a:srgbClr val="00B0F0"/>
+          </a:solidFill>
+          <a:ln>
+            <a:noFill/>
+          </a:ln>
+        </p:spPr>
+        <p:style>
+          <a:lnRef idx="2">
+            <a:schemeClr val="accent1">
+              <a:shade val="50000"/>
+            </a:schemeClr>
+          </a:lnRef>
+          <a:fillRef idx="1">
+            <a:schemeClr val="accent1"/>
+          </a:fillRef>
+          <a:effectRef idx="0">
+            <a:schemeClr val="accent1"/>
+          </a:effectRef>
+          <a:fontRef idx="minor">
+            <a:schemeClr val="lt1"/>
+          </a:fontRef>
+        </p:style>
+        <p:txBody>
+          <a:bodyPr rtlCol="0" anchor="ctr"/>
+          <a:lstStyle/>
+          <a:p>
+            <a:pPr algn="ctr"/>
+            <a:r>
+              <a:rPr kumimoji="1" lang="en-US" altLang="ko-KR" dirty="0" smtClean="0">
+                <a:solidFill>
+                  <a:schemeClr val="bg1"/>
+                </a:solidFill>
+              </a:rPr>
+              <a:t>Toon</a:t>
+            </a:r>
+            <a:endParaRPr kumimoji="1" lang="ko-KR" altLang="en-US" dirty="0">
+              <a:solidFill>
+                <a:schemeClr val="bg1"/>
+              </a:solidFill>
+            </a:endParaRPr>
+          </a:p>
+        </p:txBody>
+      </p:sp>
+      <p:sp>
+        <p:nvSpPr>
+          <p:cNvPr id="29" name="모서리가 둥근 직사각형 28"/>
+          <p:cNvSpPr/>
+          <p:nvPr/>
+        </p:nvSpPr>
+        <p:spPr>
+          <a:xfrm>
+            <a:off x="6546697" y="5019767"/>
+            <a:ext cx="1985195" cy="563163"/>
+          </a:xfrm>
+          <a:prstGeom prst="roundRect">
+            <a:avLst/>
+          </a:prstGeom>
+          <a:solidFill>
+            <a:srgbClr val="00B0F0"/>
+          </a:solidFill>
+          <a:ln>
+            <a:noFill/>
+          </a:ln>
+        </p:spPr>
+        <p:style>
+          <a:lnRef idx="2">
+            <a:schemeClr val="accent1">
+              <a:shade val="50000"/>
+            </a:schemeClr>
+          </a:lnRef>
+          <a:fillRef idx="1">
+            <a:schemeClr val="accent1"/>
+          </a:fillRef>
+          <a:effectRef idx="0">
+            <a:schemeClr val="accent1"/>
+          </a:effectRef>
+          <a:fontRef idx="minor">
+            <a:schemeClr val="lt1"/>
+          </a:fontRef>
+        </p:style>
+        <p:txBody>
+          <a:bodyPr rtlCol="0" anchor="ctr"/>
+          <a:lstStyle/>
+          <a:p>
+            <a:pPr algn="ctr"/>
+            <a:r>
+              <a:rPr kumimoji="1" lang="en-US" altLang="ko-KR" dirty="0" err="1" smtClean="0">
+                <a:solidFill>
+                  <a:schemeClr val="bg1"/>
+                </a:solidFill>
+              </a:rPr>
+              <a:t>ShadowMapping</a:t>
+            </a:r>
+            <a:endParaRPr kumimoji="1" lang="ko-KR" altLang="en-US" dirty="0">
               <a:solidFill>
                 <a:schemeClr val="bg1"/>
               </a:solidFill>
@@ -27606,23 +27802,7 @@
                   <a:schemeClr val="bg1"/>
                 </a:solidFill>
               </a:rPr>
-              <a:t>발열</a:t>
-            </a:r>
-            <a:r>
-              <a:rPr lang="ko-KR" altLang="en-US" sz="4000" dirty="0" smtClean="0">
-                <a:solidFill>
-                  <a:schemeClr val="bg1"/>
-                </a:solidFill>
-              </a:rPr>
-              <a:t> </a:t>
-            </a:r>
-            <a:r>
-              <a:rPr lang="ko-KR" altLang="en-US" sz="4000" dirty="0" smtClean="0">
-                <a:solidFill>
-                  <a:schemeClr val="bg1"/>
-                </a:solidFill>
-              </a:rPr>
-              <a:t>시스템</a:t>
+              <a:t>발열 시스템</a:t>
             </a:r>
             <a:endParaRPr lang="en-US" altLang="ko-KR" sz="2400" dirty="0">
               <a:solidFill>
@@ -35252,7 +35432,7 @@
   <a:extraClrSchemeLst/>
   <a:extLst>
     <a:ext uri="{05A4C25C-085E-4340-85A3-A5531E510DB2}">
-      <thm15:themeFamily xmlns:thm15="http://schemas.microsoft.com/office/thememl/2012/main" name="Office Theme" id="{62F939B6-93AF-4DB8-9C6B-D6C7DFDC589F}" vid="{4A3C46E8-61CC-4603-A589-7422A47A8E4A}"/>
+      <thm15:themeFamily xmlns:thm15="http://schemas.microsoft.com/office/thememl/2012/main" xmlns="" name="Office Theme" id="{62F939B6-93AF-4DB8-9C6B-D6C7DFDC589F}" vid="{4A3C46E8-61CC-4603-A589-7422A47A8E4A}"/>
     </a:ext>
   </a:extLst>
 </a:theme>
@@ -35513,7 +35693,7 @@
   <a:extraClrSchemeLst/>
   <a:extLst>
     <a:ext uri="{05A4C25C-085E-4340-85A3-A5531E510DB2}">
-      <thm15:themeFamily xmlns:thm15="http://schemas.microsoft.com/office/thememl/2012/main" name="Office Theme" id="{62F939B6-93AF-4DB8-9C6B-D6C7DFDC589F}" vid="{4A3C46E8-61CC-4603-A589-7422A47A8E4A}"/>
+      <thm15:themeFamily xmlns:thm15="http://schemas.microsoft.com/office/thememl/2012/main" xmlns="" name="Office Theme" id="{62F939B6-93AF-4DB8-9C6B-D6C7DFDC589F}" vid="{4A3C46E8-61CC-4603-A589-7422A47A8E4A}"/>
     </a:ext>
   </a:extLst>
 </a:theme>
@@ -35774,7 +35954,7 @@
   <a:extraClrSchemeLst/>
   <a:extLst>
     <a:ext uri="{05A4C25C-085E-4340-85A3-A5531E510DB2}">
-      <thm15:themeFamily xmlns:thm15="http://schemas.microsoft.com/office/thememl/2012/main" name="Office Theme" id="{62F939B6-93AF-4DB8-9C6B-D6C7DFDC589F}" vid="{4A3C46E8-61CC-4603-A589-7422A47A8E4A}"/>
+      <thm15:themeFamily xmlns:thm15="http://schemas.microsoft.com/office/thememl/2012/main" xmlns="" name="Office Theme" id="{62F939B6-93AF-4DB8-9C6B-D6C7DFDC589F}" vid="{4A3C46E8-61CC-4603-A589-7422A47A8E4A}"/>
     </a:ext>
   </a:extLst>
 </a:theme>

--- a/documents/노루막이_김형준_신창섭_홍승필_허지훈.pptx
+++ b/documents/노루막이_김형준_신창섭_홍승필_허지훈.pptx
@@ -135,7 +135,7 @@
   </p:defaultTextStyle>
   <p:extLst>
     <p:ext uri="{EFAFB233-063F-42B5-8137-9DF3F51BA10A}">
-      <p15:sldGuideLst xmlns:p15="http://schemas.microsoft.com/office/powerpoint/2012/main" xmlns="">
+      <p15:sldGuideLst xmlns:p15="http://schemas.microsoft.com/office/powerpoint/2012/main">
         <p15:guide id="1" orient="horz" pos="2160" userDrawn="1">
           <p15:clr>
             <a:srgbClr val="A4A3A4"/>
@@ -234,7 +234,7 @@
           <a:p>
             <a:fld id="{C0784820-E37F-9245-812A-8C2941EBBF6C}" type="datetimeFigureOut">
               <a:rPr kumimoji="1" lang="ko-KR" altLang="en-US" smtClean="0"/>
-              <a:t>2016-12-12</a:t>
+              <a:t>2016. 12. 12.</a:t>
             </a:fld>
             <a:endParaRPr kumimoji="1" lang="ko-KR" altLang="en-US"/>
           </a:p>
@@ -399,7 +399,7 @@
           <a:p>
             <a:fld id="{ABD44343-005F-DA4E-8CE2-D84E76ABEFED}" type="datetimeFigureOut">
               <a:rPr kumimoji="1" lang="ko-KR" altLang="en-US" smtClean="0"/>
-              <a:t>2016-12-12</a:t>
+              <a:t>2016. 12. 12.</a:t>
             </a:fld>
             <a:endParaRPr kumimoji="1" lang="ko-KR" altLang="en-US"/>
           </a:p>
@@ -1075,7 +1075,7 @@
           <a:p>
             <a:fld id="{9A7BEA77-FCFD-E34F-8955-12C1E82451E3}" type="datetimeFigureOut">
               <a:rPr kumimoji="1" lang="ko-KR" altLang="en-US" smtClean="0"/>
-              <a:t>2016-12-12</a:t>
+              <a:t>2016. 12. 12.</a:t>
             </a:fld>
             <a:endParaRPr kumimoji="1" lang="ko-KR" altLang="en-US"/>
           </a:p>
@@ -1243,7 +1243,7 @@
           <a:p>
             <a:fld id="{9A7BEA77-FCFD-E34F-8955-12C1E82451E3}" type="datetimeFigureOut">
               <a:rPr kumimoji="1" lang="ko-KR" altLang="en-US" smtClean="0"/>
-              <a:t>2016-12-12</a:t>
+              <a:t>2016. 12. 12.</a:t>
             </a:fld>
             <a:endParaRPr kumimoji="1" lang="ko-KR" altLang="en-US"/>
           </a:p>
@@ -1421,7 +1421,7 @@
           <a:p>
             <a:fld id="{9A7BEA77-FCFD-E34F-8955-12C1E82451E3}" type="datetimeFigureOut">
               <a:rPr kumimoji="1" lang="ko-KR" altLang="en-US" smtClean="0"/>
-              <a:t>2016-12-12</a:t>
+              <a:t>2016. 12. 12.</a:t>
             </a:fld>
             <a:endParaRPr kumimoji="1" lang="ko-KR" altLang="en-US"/>
           </a:p>
@@ -1589,7 +1589,7 @@
           <a:p>
             <a:fld id="{9A7BEA77-FCFD-E34F-8955-12C1E82451E3}" type="datetimeFigureOut">
               <a:rPr kumimoji="1" lang="ko-KR" altLang="en-US" smtClean="0"/>
-              <a:t>2016-12-12</a:t>
+              <a:t>2016. 12. 12.</a:t>
             </a:fld>
             <a:endParaRPr kumimoji="1" lang="ko-KR" altLang="en-US"/>
           </a:p>
@@ -1834,7 +1834,7 @@
           <a:p>
             <a:fld id="{9A7BEA77-FCFD-E34F-8955-12C1E82451E3}" type="datetimeFigureOut">
               <a:rPr kumimoji="1" lang="ko-KR" altLang="en-US" smtClean="0"/>
-              <a:t>2016-12-12</a:t>
+              <a:t>2016. 12. 12.</a:t>
             </a:fld>
             <a:endParaRPr kumimoji="1" lang="ko-KR" altLang="en-US"/>
           </a:p>
@@ -2063,7 +2063,7 @@
           <a:p>
             <a:fld id="{9A7BEA77-FCFD-E34F-8955-12C1E82451E3}" type="datetimeFigureOut">
               <a:rPr kumimoji="1" lang="ko-KR" altLang="en-US" smtClean="0"/>
-              <a:t>2016-12-12</a:t>
+              <a:t>2016. 12. 12.</a:t>
             </a:fld>
             <a:endParaRPr kumimoji="1" lang="ko-KR" altLang="en-US"/>
           </a:p>
@@ -2427,7 +2427,7 @@
           <a:p>
             <a:fld id="{9A7BEA77-FCFD-E34F-8955-12C1E82451E3}" type="datetimeFigureOut">
               <a:rPr kumimoji="1" lang="ko-KR" altLang="en-US" smtClean="0"/>
-              <a:t>2016-12-12</a:t>
+              <a:t>2016. 12. 12.</a:t>
             </a:fld>
             <a:endParaRPr kumimoji="1" lang="ko-KR" altLang="en-US"/>
           </a:p>
@@ -2544,7 +2544,7 @@
           <a:p>
             <a:fld id="{9A7BEA77-FCFD-E34F-8955-12C1E82451E3}" type="datetimeFigureOut">
               <a:rPr kumimoji="1" lang="ko-KR" altLang="en-US" smtClean="0"/>
-              <a:t>2016-12-12</a:t>
+              <a:t>2016. 12. 12.</a:t>
             </a:fld>
             <a:endParaRPr kumimoji="1" lang="ko-KR" altLang="en-US"/>
           </a:p>
@@ -2639,7 +2639,7 @@
           <a:p>
             <a:fld id="{9A7BEA77-FCFD-E34F-8955-12C1E82451E3}" type="datetimeFigureOut">
               <a:rPr kumimoji="1" lang="ko-KR" altLang="en-US" smtClean="0"/>
-              <a:t>2016-12-12</a:t>
+              <a:t>2016. 12. 12.</a:t>
             </a:fld>
             <a:endParaRPr kumimoji="1" lang="ko-KR" altLang="en-US"/>
           </a:p>
@@ -2914,7 +2914,7 @@
           <a:p>
             <a:fld id="{9A7BEA77-FCFD-E34F-8955-12C1E82451E3}" type="datetimeFigureOut">
               <a:rPr kumimoji="1" lang="ko-KR" altLang="en-US" smtClean="0"/>
-              <a:t>2016-12-12</a:t>
+              <a:t>2016. 12. 12.</a:t>
             </a:fld>
             <a:endParaRPr kumimoji="1" lang="ko-KR" altLang="en-US"/>
           </a:p>
@@ -3166,7 +3166,7 @@
           <a:p>
             <a:fld id="{9A7BEA77-FCFD-E34F-8955-12C1E82451E3}" type="datetimeFigureOut">
               <a:rPr kumimoji="1" lang="ko-KR" altLang="en-US" smtClean="0"/>
-              <a:t>2016-12-12</a:t>
+              <a:t>2016. 12. 12.</a:t>
             </a:fld>
             <a:endParaRPr kumimoji="1" lang="ko-KR" altLang="en-US"/>
           </a:p>
@@ -3377,7 +3377,7 @@
           <a:p>
             <a:fld id="{9A7BEA77-FCFD-E34F-8955-12C1E82451E3}" type="datetimeFigureOut">
               <a:rPr kumimoji="1" lang="ko-KR" altLang="en-US" smtClean="0"/>
-              <a:t>2016-12-12</a:t>
+              <a:t>2016. 12. 12.</a:t>
             </a:fld>
             <a:endParaRPr kumimoji="1" lang="ko-KR" altLang="en-US"/>
           </a:p>
@@ -20264,8 +20264,8 @@
         </p:nvSpPr>
         <p:spPr>
           <a:xfrm>
-            <a:off x="495394" y="2248377"/>
-            <a:ext cx="1351335" cy="563163"/>
+            <a:off x="495394" y="2049736"/>
+            <a:ext cx="1351335" cy="455892"/>
           </a:xfrm>
           <a:prstGeom prst="roundRect">
             <a:avLst/>
@@ -20317,8 +20317,8 @@
         </p:nvSpPr>
         <p:spPr>
           <a:xfrm>
-            <a:off x="1671682" y="2865668"/>
-            <a:ext cx="2285152" cy="563163"/>
+            <a:off x="1671682" y="2556549"/>
+            <a:ext cx="2285152" cy="455892"/>
           </a:xfrm>
           <a:prstGeom prst="roundRect">
             <a:avLst/>
@@ -20383,8 +20383,8 @@
         </p:nvSpPr>
         <p:spPr>
           <a:xfrm>
-            <a:off x="3956833" y="3482959"/>
-            <a:ext cx="1985195" cy="563163"/>
+            <a:off x="3956833" y="3063362"/>
+            <a:ext cx="1985195" cy="455892"/>
           </a:xfrm>
           <a:prstGeom prst="roundRect">
             <a:avLst/>
@@ -20774,8 +20774,8 @@
         </p:nvSpPr>
         <p:spPr>
           <a:xfrm>
-            <a:off x="8572086" y="5452431"/>
-            <a:ext cx="1985196" cy="563163"/>
+            <a:off x="8572086" y="5597427"/>
+            <a:ext cx="1985196" cy="455892"/>
           </a:xfrm>
           <a:prstGeom prst="roundRect">
             <a:avLst/>
@@ -20809,7 +20809,7 @@
           <a:p>
             <a:pPr algn="ctr"/>
             <a:r>
-              <a:rPr kumimoji="1" lang="ko-KR" altLang="en-US" dirty="0" err="1" smtClean="0">
+              <a:rPr kumimoji="1" lang="ko-KR" altLang="en-US" sz="1600" dirty="0" err="1" smtClean="0">
                 <a:solidFill>
                   <a:schemeClr val="bg1"/>
                 </a:solidFill>
@@ -20817,14 +20817,14 @@
               <a:t>쉐이더</a:t>
             </a:r>
             <a:r>
-              <a:rPr kumimoji="1" lang="ko-KR" altLang="en-US" dirty="0" smtClean="0">
+              <a:rPr kumimoji="1" lang="ko-KR" altLang="en-US" sz="1600" dirty="0" smtClean="0">
                 <a:solidFill>
                   <a:schemeClr val="bg1"/>
                 </a:solidFill>
               </a:rPr>
               <a:t> 추가 작업</a:t>
             </a:r>
-            <a:endParaRPr kumimoji="1" lang="ko-KR" altLang="en-US" dirty="0">
+            <a:endParaRPr kumimoji="1" lang="ko-KR" altLang="en-US" sz="1600" dirty="0">
               <a:solidFill>
                 <a:schemeClr val="bg1"/>
               </a:solidFill>
@@ -20840,8 +20840,8 @@
         </p:nvSpPr>
         <p:spPr>
           <a:xfrm>
-            <a:off x="9725899" y="6050603"/>
-            <a:ext cx="1985192" cy="563163"/>
+            <a:off x="9725899" y="6104239"/>
+            <a:ext cx="1985192" cy="455892"/>
           </a:xfrm>
           <a:prstGeom prst="roundRect">
             <a:avLst/>
@@ -20877,14 +20877,14 @@
           <a:p>
             <a:pPr algn="ctr"/>
             <a:r>
-              <a:rPr kumimoji="1" lang="ko-KR" altLang="en-US" sz="2800" dirty="0" smtClean="0">
+              <a:rPr kumimoji="1" lang="ko-KR" altLang="en-US" sz="2000" dirty="0" smtClean="0">
                 <a:solidFill>
                   <a:schemeClr val="bg1"/>
                 </a:solidFill>
               </a:rPr>
               <a:t>최적화</a:t>
             </a:r>
-            <a:endParaRPr kumimoji="1" lang="ko-KR" altLang="en-US" sz="2000" dirty="0">
+            <a:endParaRPr kumimoji="1" lang="ko-KR" altLang="en-US" sz="1600" dirty="0">
               <a:solidFill>
                 <a:schemeClr val="bg1"/>
               </a:solidFill>
@@ -20900,8 +20900,8 @@
         </p:nvSpPr>
         <p:spPr>
           <a:xfrm>
-            <a:off x="5787173" y="3753287"/>
-            <a:ext cx="1985195" cy="563163"/>
+            <a:off x="5787173" y="3570175"/>
+            <a:ext cx="1985195" cy="455892"/>
           </a:xfrm>
           <a:prstGeom prst="roundRect">
             <a:avLst/>
@@ -20958,8 +20958,8 @@
         </p:nvSpPr>
         <p:spPr>
           <a:xfrm>
-            <a:off x="6060013" y="4166249"/>
-            <a:ext cx="1985195" cy="563163"/>
+            <a:off x="6060013" y="4076988"/>
+            <a:ext cx="1985195" cy="455892"/>
           </a:xfrm>
           <a:prstGeom prst="roundRect">
             <a:avLst/>
@@ -20993,19 +20993,59 @@
           <a:p>
             <a:pPr algn="ctr"/>
             <a:r>
-              <a:rPr kumimoji="1" lang="en-US" altLang="ko-KR" dirty="0" err="1" smtClean="0">
+              <a:rPr kumimoji="1" lang="en-US" altLang="ko-KR" sz="1600" dirty="0" smtClean="0">
                 <a:solidFill>
                   <a:schemeClr val="bg1"/>
                 </a:solidFill>
               </a:rPr>
-              <a:t>DiffuseSpecularMapping</a:t>
-            </a:r>
-            <a:endParaRPr kumimoji="1" lang="ko-KR" altLang="en-US" dirty="0">
+              <a:t>Diffuse</a:t>
+            </a:r>
+            <a:r>
+              <a:rPr kumimoji="1" lang="ko-KR" altLang="en-US" sz="1600" dirty="0" smtClean="0">
+                <a:solidFill>
+                  <a:schemeClr val="bg1"/>
+                </a:solidFill>
+              </a:rPr>
+              <a:t> </a:t>
+            </a:r>
+            <a:r>
+              <a:rPr kumimoji="1" lang="en-US" altLang="ko-KR" sz="1600" dirty="0" smtClean="0">
+                <a:solidFill>
+                  <a:schemeClr val="bg1"/>
+                </a:solidFill>
+              </a:rPr>
+              <a:t>/</a:t>
+            </a:r>
+            <a:r>
+              <a:rPr kumimoji="1" lang="ko-KR" altLang="en-US" sz="1600" dirty="0" smtClean="0">
+                <a:solidFill>
+                  <a:schemeClr val="bg1"/>
+                </a:solidFill>
+              </a:rPr>
+              <a:t> </a:t>
+            </a:r>
+            <a:endParaRPr kumimoji="1" lang="en-US" altLang="ko-KR" sz="1600" dirty="0" smtClean="0">
               <a:solidFill>
                 <a:schemeClr val="bg1"/>
               </a:solidFill>
             </a:endParaRPr>
           </a:p>
+          <a:p>
+            <a:pPr algn="ctr"/>
+            <a:r>
+              <a:rPr kumimoji="1" lang="en-US" altLang="ko-KR" sz="1600" dirty="0" err="1" smtClean="0">
+                <a:solidFill>
+                  <a:schemeClr val="bg1"/>
+                </a:solidFill>
+              </a:rPr>
+              <a:t>SpecularMapping</a:t>
+            </a:r>
+            <a:endParaRPr kumimoji="1" lang="ko-KR" altLang="en-US" sz="1600" dirty="0">
+              <a:solidFill>
+                <a:schemeClr val="bg1"/>
+              </a:solidFill>
+            </a:endParaRPr>
+          </a:p>
         </p:txBody>
       </p:sp>
       <p:sp>
@@ -21016,8 +21056,8 @@
         </p:nvSpPr>
         <p:spPr>
           <a:xfrm>
-            <a:off x="6281233" y="4625281"/>
-            <a:ext cx="1985195" cy="563163"/>
+            <a:off x="6680151" y="4583801"/>
+            <a:ext cx="1985195" cy="455892"/>
           </a:xfrm>
           <a:prstGeom prst="roundRect">
             <a:avLst/>
@@ -21074,8 +21114,8 @@
         </p:nvSpPr>
         <p:spPr>
           <a:xfrm>
-            <a:off x="6546697" y="5019767"/>
-            <a:ext cx="1985195" cy="563163"/>
+            <a:off x="7579488" y="5090614"/>
+            <a:ext cx="1985195" cy="455892"/>
           </a:xfrm>
           <a:prstGeom prst="roundRect">
             <a:avLst/>
@@ -35432,7 +35472,7 @@
   <a:extraClrSchemeLst/>
   <a:extLst>
     <a:ext uri="{05A4C25C-085E-4340-85A3-A5531E510DB2}">
-      <thm15:themeFamily xmlns:thm15="http://schemas.microsoft.com/office/thememl/2012/main" xmlns="" name="Office Theme" id="{62F939B6-93AF-4DB8-9C6B-D6C7DFDC589F}" vid="{4A3C46E8-61CC-4603-A589-7422A47A8E4A}"/>
+      <thm15:themeFamily xmlns:thm15="http://schemas.microsoft.com/office/thememl/2012/main" name="Office Theme" id="{62F939B6-93AF-4DB8-9C6B-D6C7DFDC589F}" vid="{4A3C46E8-61CC-4603-A589-7422A47A8E4A}"/>
     </a:ext>
   </a:extLst>
 </a:theme>
@@ -35693,7 +35733,7 @@
   <a:extraClrSchemeLst/>
   <a:extLst>
     <a:ext uri="{05A4C25C-085E-4340-85A3-A5531E510DB2}">
-      <thm15:themeFamily xmlns:thm15="http://schemas.microsoft.com/office/thememl/2012/main" xmlns="" name="Office Theme" id="{62F939B6-93AF-4DB8-9C6B-D6C7DFDC589F}" vid="{4A3C46E8-61CC-4603-A589-7422A47A8E4A}"/>
+      <thm15:themeFamily xmlns:thm15="http://schemas.microsoft.com/office/thememl/2012/main" name="Office Theme" id="{62F939B6-93AF-4DB8-9C6B-D6C7DFDC589F}" vid="{4A3C46E8-61CC-4603-A589-7422A47A8E4A}"/>
     </a:ext>
   </a:extLst>
 </a:theme>
@@ -35954,7 +35994,7 @@
   <a:extraClrSchemeLst/>
   <a:extLst>
     <a:ext uri="{05A4C25C-085E-4340-85A3-A5531E510DB2}">
-      <thm15:themeFamily xmlns:thm15="http://schemas.microsoft.com/office/thememl/2012/main" xmlns="" name="Office Theme" id="{62F939B6-93AF-4DB8-9C6B-D6C7DFDC589F}" vid="{4A3C46E8-61CC-4603-A589-7422A47A8E4A}"/>
+      <thm15:themeFamily xmlns:thm15="http://schemas.microsoft.com/office/thememl/2012/main" name="Office Theme" id="{62F939B6-93AF-4DB8-9C6B-D6C7DFDC589F}" vid="{4A3C46E8-61CC-4603-A589-7422A47A8E4A}"/>
     </a:ext>
   </a:extLst>
 </a:theme>

--- a/documents/노루막이_김형준_신창섭_홍승필_허지훈.pptx
+++ b/documents/노루막이_김형준_신창섭_홍승필_허지훈.pptx
@@ -20258,14 +20258,14 @@
       </p:sp>
       <p:sp>
         <p:nvSpPr>
-          <p:cNvPr id="40" name="모서리가 둥근 직사각형 39"/>
+          <p:cNvPr id="42" name="모서리가 둥근 직사각형 41"/>
           <p:cNvSpPr/>
           <p:nvPr/>
         </p:nvSpPr>
         <p:spPr>
           <a:xfrm>
-            <a:off x="495394" y="2049736"/>
-            <a:ext cx="1351335" cy="455892"/>
+            <a:off x="1671682" y="2181094"/>
+            <a:ext cx="1553432" cy="455892"/>
           </a:xfrm>
           <a:prstGeom prst="roundRect">
             <a:avLst/>
@@ -20299,26 +20299,39 @@
           <a:p>
             <a:pPr algn="ctr"/>
             <a:r>
-              <a:rPr kumimoji="1" lang="ko-KR" altLang="en-US" sz="2400" dirty="0">
+              <a:rPr kumimoji="1" lang="en-US" altLang="ko-KR" sz="2000" dirty="0" smtClean="0">
                 <a:solidFill>
                   <a:schemeClr val="bg1"/>
                 </a:solidFill>
               </a:rPr>
-              <a:t>텍스쳐</a:t>
-            </a:r>
-          </a:p>
-        </p:txBody>
-      </p:sp>
-      <p:sp>
-        <p:nvSpPr>
-          <p:cNvPr id="42" name="모서리가 둥근 직사각형 41"/>
+              <a:t>FBX</a:t>
+            </a:r>
+            <a:r>
+              <a:rPr kumimoji="1" lang="ko-KR" altLang="en-US" sz="2000" dirty="0" smtClean="0">
+                <a:solidFill>
+                  <a:schemeClr val="bg1"/>
+                </a:solidFill>
+              </a:rPr>
+              <a:t> 임포트</a:t>
+            </a:r>
+            <a:endParaRPr kumimoji="1" lang="ko-KR" altLang="en-US" sz="2000" dirty="0">
+              <a:solidFill>
+                <a:schemeClr val="bg1"/>
+              </a:solidFill>
+            </a:endParaRPr>
+          </a:p>
+        </p:txBody>
+      </p:sp>
+      <p:sp>
+        <p:nvSpPr>
+          <p:cNvPr id="43" name="모서리가 둥근 직사각형 42"/>
           <p:cNvSpPr/>
           <p:nvPr/>
         </p:nvSpPr>
         <p:spPr>
           <a:xfrm>
-            <a:off x="1671682" y="2556549"/>
-            <a:ext cx="2285152" cy="455892"/>
+            <a:off x="3225114" y="2673878"/>
+            <a:ext cx="2001794" cy="455892"/>
           </a:xfrm>
           <a:prstGeom prst="roundRect">
             <a:avLst/>
@@ -20352,45 +20365,32 @@
           <a:p>
             <a:pPr algn="ctr"/>
             <a:r>
-              <a:rPr kumimoji="1" lang="en-US" altLang="ko-KR" sz="2000" dirty="0" smtClean="0">
+              <a:rPr kumimoji="1" lang="ko-KR" altLang="en-US" dirty="0">
                 <a:solidFill>
                   <a:schemeClr val="bg1"/>
                 </a:solidFill>
               </a:rPr>
-              <a:t>FBX</a:t>
-            </a:r>
-            <a:r>
-              <a:rPr kumimoji="1" lang="ko-KR" altLang="en-US" sz="2000" dirty="0" smtClean="0">
-                <a:solidFill>
-                  <a:schemeClr val="bg1"/>
-                </a:solidFill>
-              </a:rPr>
-              <a:t> 임포트</a:t>
-            </a:r>
-            <a:endParaRPr kumimoji="1" lang="ko-KR" altLang="en-US" sz="2000" dirty="0">
-              <a:solidFill>
-                <a:schemeClr val="bg1"/>
-              </a:solidFill>
-            </a:endParaRPr>
-          </a:p>
-        </p:txBody>
-      </p:sp>
-      <p:sp>
-        <p:nvSpPr>
-          <p:cNvPr id="43" name="모서리가 둥근 직사각형 42"/>
+              <a:t>애니메이션</a:t>
+            </a:r>
+          </a:p>
+        </p:txBody>
+      </p:sp>
+      <p:sp>
+        <p:nvSpPr>
+          <p:cNvPr id="19" name="모서리가 둥근 직사각형 18"/>
           <p:cNvSpPr/>
           <p:nvPr/>
         </p:nvSpPr>
         <p:spPr>
           <a:xfrm>
-            <a:off x="3956833" y="3063362"/>
-            <a:ext cx="1985195" cy="455892"/>
+            <a:off x="7418273" y="1369837"/>
+            <a:ext cx="831382" cy="563162"/>
           </a:xfrm>
           <a:prstGeom prst="roundRect">
             <a:avLst/>
           </a:prstGeom>
           <a:solidFill>
-            <a:srgbClr val="00B0F0"/>
+            <a:srgbClr val="FFC000"/>
           </a:solidFill>
           <a:ln>
             <a:noFill/>
@@ -20418,32 +20418,37 @@
           <a:p>
             <a:pPr algn="ctr"/>
             <a:r>
-              <a:rPr kumimoji="1" lang="ko-KR" altLang="en-US" dirty="0">
-                <a:solidFill>
-                  <a:schemeClr val="bg1"/>
-                </a:solidFill>
-              </a:rPr>
-              <a:t>애니메이션</a:t>
-            </a:r>
-          </a:p>
-        </p:txBody>
-      </p:sp>
-      <p:sp>
-        <p:nvSpPr>
-          <p:cNvPr id="19" name="모서리가 둥근 직사각형 18"/>
+              <a:rPr kumimoji="1" lang="en-US" altLang="ko-KR" sz="2400" dirty="0">
+                <a:solidFill>
+                  <a:schemeClr val="tx1"/>
+                </a:solidFill>
+              </a:rPr>
+              <a:t>5</a:t>
+            </a:r>
+            <a:endParaRPr kumimoji="1" lang="ko-KR" altLang="en-US" sz="2400" dirty="0">
+              <a:solidFill>
+                <a:schemeClr val="tx1"/>
+              </a:solidFill>
+            </a:endParaRPr>
+          </a:p>
+        </p:txBody>
+      </p:sp>
+      <p:sp>
+        <p:nvSpPr>
+          <p:cNvPr id="20" name="모서리가 둥근 직사각형 19"/>
           <p:cNvSpPr/>
           <p:nvPr/>
         </p:nvSpPr>
         <p:spPr>
           <a:xfrm>
-            <a:off x="7418273" y="1369837"/>
+            <a:off x="10879710" y="1369837"/>
             <a:ext cx="831382" cy="563162"/>
           </a:xfrm>
           <a:prstGeom prst="roundRect">
             <a:avLst/>
           </a:prstGeom>
           <a:solidFill>
-            <a:srgbClr val="FFC000"/>
+            <a:srgbClr val="FF0000"/>
           </a:solidFill>
           <a:ln>
             <a:noFill/>
@@ -20473,14 +20478,14 @@
             <a:r>
               <a:rPr kumimoji="1" lang="en-US" altLang="ko-KR" sz="2400" dirty="0">
                 <a:solidFill>
-                  <a:schemeClr val="tx1"/>
-                </a:solidFill>
-              </a:rPr>
-              <a:t>5</a:t>
+                  <a:schemeClr val="bg1"/>
+                </a:solidFill>
+              </a:rPr>
+              <a:t>8</a:t>
             </a:r>
             <a:endParaRPr kumimoji="1" lang="ko-KR" altLang="en-US" sz="2400" dirty="0">
               <a:solidFill>
-                <a:schemeClr val="tx1"/>
+                <a:schemeClr val="bg1"/>
               </a:solidFill>
             </a:endParaRPr>
           </a:p>
@@ -20488,20 +20493,20 @@
       </p:sp>
       <p:sp>
         <p:nvSpPr>
-          <p:cNvPr id="20" name="모서리가 둥근 직사각형 19"/>
+          <p:cNvPr id="21" name="모서리가 둥근 직사각형 20"/>
           <p:cNvSpPr/>
           <p:nvPr/>
         </p:nvSpPr>
         <p:spPr>
           <a:xfrm>
-            <a:off x="10879710" y="1369837"/>
-            <a:ext cx="831382" cy="563162"/>
+            <a:off x="495395" y="1369836"/>
+            <a:ext cx="831382" cy="563163"/>
           </a:xfrm>
           <a:prstGeom prst="roundRect">
             <a:avLst/>
           </a:prstGeom>
           <a:solidFill>
-            <a:srgbClr val="FF0000"/>
+            <a:schemeClr val="bg1"/>
           </a:solidFill>
           <a:ln>
             <a:noFill/>
@@ -20529,30 +20534,54 @@
           <a:p>
             <a:pPr algn="ctr"/>
             <a:r>
-              <a:rPr kumimoji="1" lang="en-US" altLang="ko-KR" sz="2400" dirty="0">
-                <a:solidFill>
-                  <a:schemeClr val="bg1"/>
-                </a:solidFill>
-              </a:rPr>
-              <a:t>8</a:t>
-            </a:r>
-            <a:endParaRPr kumimoji="1" lang="ko-KR" altLang="en-US" sz="2400" dirty="0">
+              <a:rPr kumimoji="1" lang="en-US" altLang="ko-KR" dirty="0">
+                <a:solidFill>
+                  <a:schemeClr val="tx1"/>
+                </a:solidFill>
+              </a:rPr>
+              <a:t>16</a:t>
+            </a:r>
+            <a:r>
+              <a:rPr kumimoji="1" lang="ko-KR" altLang="en-US" dirty="0">
+                <a:solidFill>
+                  <a:schemeClr val="tx1"/>
+                </a:solidFill>
+              </a:rPr>
+              <a:t>년</a:t>
+            </a:r>
+            <a:endParaRPr kumimoji="1" lang="en-US" altLang="ko-KR" dirty="0">
               <a:solidFill>
-                <a:schemeClr val="bg1"/>
+                <a:schemeClr val="tx1"/>
               </a:solidFill>
             </a:endParaRPr>
           </a:p>
-        </p:txBody>
-      </p:sp>
-      <p:sp>
-        <p:nvSpPr>
-          <p:cNvPr id="21" name="모서리가 둥근 직사각형 20"/>
+          <a:p>
+            <a:pPr algn="ctr"/>
+            <a:r>
+              <a:rPr kumimoji="1" lang="en-US" altLang="ko-KR" dirty="0">
+                <a:solidFill>
+                  <a:schemeClr val="tx1"/>
+                </a:solidFill>
+              </a:rPr>
+              <a:t>11</a:t>
+            </a:r>
+            <a:endParaRPr kumimoji="1" lang="ko-KR" altLang="en-US" dirty="0">
+              <a:solidFill>
+                <a:schemeClr val="tx1"/>
+              </a:solidFill>
+            </a:endParaRPr>
+          </a:p>
+        </p:txBody>
+      </p:sp>
+      <p:sp>
+        <p:nvSpPr>
+          <p:cNvPr id="22" name="모서리가 둥근 직사각형 21"/>
           <p:cNvSpPr/>
           <p:nvPr/>
         </p:nvSpPr>
         <p:spPr>
           <a:xfrm>
-            <a:off x="495395" y="1369836"/>
+            <a:off x="1649208" y="1369836"/>
             <a:ext cx="831382" cy="563163"/>
           </a:xfrm>
           <a:prstGeom prst="roundRect">
@@ -20587,54 +20616,30 @@
           <a:p>
             <a:pPr algn="ctr"/>
             <a:r>
-              <a:rPr kumimoji="1" lang="en-US" altLang="ko-KR" dirty="0">
+              <a:rPr kumimoji="1" lang="en-US" altLang="ko-KR" sz="2400" dirty="0">
                 <a:solidFill>
                   <a:schemeClr val="tx1"/>
                 </a:solidFill>
               </a:rPr>
-              <a:t>16</a:t>
-            </a:r>
-            <a:r>
-              <a:rPr kumimoji="1" lang="ko-KR" altLang="en-US" dirty="0">
-                <a:solidFill>
-                  <a:schemeClr val="tx1"/>
-                </a:solidFill>
-              </a:rPr>
-              <a:t>년</a:t>
-            </a:r>
-            <a:endParaRPr kumimoji="1" lang="en-US" altLang="ko-KR" dirty="0">
+              <a:t>12</a:t>
+            </a:r>
+            <a:endParaRPr kumimoji="1" lang="ko-KR" altLang="en-US" sz="2400" dirty="0">
               <a:solidFill>
                 <a:schemeClr val="tx1"/>
               </a:solidFill>
             </a:endParaRPr>
           </a:p>
-          <a:p>
-            <a:pPr algn="ctr"/>
-            <a:r>
-              <a:rPr kumimoji="1" lang="en-US" altLang="ko-KR" dirty="0">
-                <a:solidFill>
-                  <a:schemeClr val="tx1"/>
-                </a:solidFill>
-              </a:rPr>
-              <a:t>11</a:t>
-            </a:r>
-            <a:endParaRPr kumimoji="1" lang="ko-KR" altLang="en-US" dirty="0">
-              <a:solidFill>
-                <a:schemeClr val="tx1"/>
-              </a:solidFill>
-            </a:endParaRPr>
-          </a:p>
-        </p:txBody>
-      </p:sp>
-      <p:sp>
-        <p:nvSpPr>
-          <p:cNvPr id="22" name="모서리가 둥근 직사각형 21"/>
+        </p:txBody>
+      </p:sp>
+      <p:sp>
+        <p:nvSpPr>
+          <p:cNvPr id="23" name="모서리가 둥근 직사각형 22"/>
           <p:cNvSpPr/>
           <p:nvPr/>
         </p:nvSpPr>
         <p:spPr>
           <a:xfrm>
-            <a:off x="1649208" y="1369836"/>
+            <a:off x="2803021" y="1369836"/>
             <a:ext cx="831382" cy="563163"/>
           </a:xfrm>
           <a:prstGeom prst="roundRect">
@@ -20669,64 +20674,6 @@
           <a:p>
             <a:pPr algn="ctr"/>
             <a:r>
-              <a:rPr kumimoji="1" lang="en-US" altLang="ko-KR" sz="2400" dirty="0">
-                <a:solidFill>
-                  <a:schemeClr val="tx1"/>
-                </a:solidFill>
-              </a:rPr>
-              <a:t>12</a:t>
-            </a:r>
-            <a:endParaRPr kumimoji="1" lang="ko-KR" altLang="en-US" sz="2400" dirty="0">
-              <a:solidFill>
-                <a:schemeClr val="tx1"/>
-              </a:solidFill>
-            </a:endParaRPr>
-          </a:p>
-        </p:txBody>
-      </p:sp>
-      <p:sp>
-        <p:nvSpPr>
-          <p:cNvPr id="23" name="모서리가 둥근 직사각형 22"/>
-          <p:cNvSpPr/>
-          <p:nvPr/>
-        </p:nvSpPr>
-        <p:spPr>
-          <a:xfrm>
-            <a:off x="2803021" y="1369836"/>
-            <a:ext cx="831382" cy="563163"/>
-          </a:xfrm>
-          <a:prstGeom prst="roundRect">
-            <a:avLst/>
-          </a:prstGeom>
-          <a:solidFill>
-            <a:schemeClr val="bg1"/>
-          </a:solidFill>
-          <a:ln>
-            <a:noFill/>
-          </a:ln>
-        </p:spPr>
-        <p:style>
-          <a:lnRef idx="2">
-            <a:schemeClr val="accent1">
-              <a:shade val="50000"/>
-            </a:schemeClr>
-          </a:lnRef>
-          <a:fillRef idx="1">
-            <a:schemeClr val="accent1"/>
-          </a:fillRef>
-          <a:effectRef idx="0">
-            <a:schemeClr val="accent1"/>
-          </a:effectRef>
-          <a:fontRef idx="minor">
-            <a:schemeClr val="lt1"/>
-          </a:fontRef>
-        </p:style>
-        <p:txBody>
-          <a:bodyPr rtlCol="0" anchor="ctr"/>
-          <a:lstStyle/>
-          <a:p>
-            <a:pPr algn="ctr"/>
-            <a:r>
               <a:rPr kumimoji="1" lang="en-US" altLang="ko-KR" dirty="0">
                 <a:solidFill>
                   <a:schemeClr val="tx1"/>
@@ -20774,7 +20721,7 @@
         </p:nvSpPr>
         <p:spPr>
           <a:xfrm>
-            <a:off x="8572086" y="5597427"/>
+            <a:off x="8572086" y="5611454"/>
             <a:ext cx="1985196" cy="455892"/>
           </a:xfrm>
           <a:prstGeom prst="roundRect">
@@ -20900,8 +20847,8 @@
         </p:nvSpPr>
         <p:spPr>
           <a:xfrm>
-            <a:off x="5787173" y="3570175"/>
-            <a:ext cx="1985195" cy="455892"/>
+            <a:off x="5226908" y="3166662"/>
+            <a:ext cx="1308669" cy="455892"/>
           </a:xfrm>
           <a:prstGeom prst="roundRect">
             <a:avLst/>
@@ -20958,8 +20905,8 @@
         </p:nvSpPr>
         <p:spPr>
           <a:xfrm>
-            <a:off x="6060013" y="4076988"/>
-            <a:ext cx="1985195" cy="455892"/>
+            <a:off x="6535577" y="3659446"/>
+            <a:ext cx="1255187" cy="929548"/>
           </a:xfrm>
           <a:prstGeom prst="roundRect">
             <a:avLst/>
@@ -21033,12 +20980,23 @@
           <a:p>
             <a:pPr algn="ctr"/>
             <a:r>
-              <a:rPr kumimoji="1" lang="en-US" altLang="ko-KR" sz="1600" dirty="0" err="1" smtClean="0">
+              <a:rPr kumimoji="1" lang="en-US" altLang="ko-KR" sz="1600" dirty="0" smtClean="0">
                 <a:solidFill>
                   <a:schemeClr val="bg1"/>
                 </a:solidFill>
               </a:rPr>
-              <a:t>SpecularMapping</a:t>
+              <a:t>Specular</a:t>
+            </a:r>
+          </a:p>
+          <a:p>
+            <a:pPr algn="ctr"/>
+            <a:r>
+              <a:rPr kumimoji="1" lang="en-US" altLang="ko-KR" sz="1600" dirty="0" smtClean="0">
+                <a:solidFill>
+                  <a:schemeClr val="bg1"/>
+                </a:solidFill>
+              </a:rPr>
+              <a:t>Mapping</a:t>
             </a:r>
             <a:endParaRPr kumimoji="1" lang="ko-KR" altLang="en-US" sz="1600" dirty="0">
               <a:solidFill>
@@ -21056,8 +21014,8 @@
         </p:nvSpPr>
         <p:spPr>
           <a:xfrm>
-            <a:off x="6680151" y="4583801"/>
-            <a:ext cx="1985195" cy="455892"/>
+            <a:off x="7834184" y="4625886"/>
+            <a:ext cx="831162" cy="455892"/>
           </a:xfrm>
           <a:prstGeom prst="roundRect">
             <a:avLst/>
@@ -21114,8 +21072,8 @@
         </p:nvSpPr>
         <p:spPr>
           <a:xfrm>
-            <a:off x="7579488" y="5090614"/>
-            <a:ext cx="1985195" cy="455892"/>
+            <a:off x="8572086" y="5118670"/>
+            <a:ext cx="992597" cy="455892"/>
           </a:xfrm>
           <a:prstGeom prst="roundRect">
             <a:avLst/>
@@ -21149,14 +21107,25 @@
           <a:p>
             <a:pPr algn="ctr"/>
             <a:r>
-              <a:rPr kumimoji="1" lang="en-US" altLang="ko-KR" dirty="0" err="1" smtClean="0">
+              <a:rPr kumimoji="1" lang="en-US" altLang="ko-KR" sz="1400" dirty="0" smtClean="0">
                 <a:solidFill>
                   <a:schemeClr val="bg1"/>
                 </a:solidFill>
               </a:rPr>
-              <a:t>ShadowMapping</a:t>
-            </a:r>
-            <a:endParaRPr kumimoji="1" lang="ko-KR" altLang="en-US" dirty="0">
+              <a:t>Shadow</a:t>
+            </a:r>
+          </a:p>
+          <a:p>
+            <a:pPr algn="ctr"/>
+            <a:r>
+              <a:rPr kumimoji="1" lang="en-US" altLang="ko-KR" sz="1400" dirty="0" smtClean="0">
+                <a:solidFill>
+                  <a:schemeClr val="bg1"/>
+                </a:solidFill>
+              </a:rPr>
+              <a:t>Mapping</a:t>
+            </a:r>
+            <a:endParaRPr kumimoji="1" lang="ko-KR" altLang="en-US" sz="1400" dirty="0">
               <a:solidFill>
                 <a:schemeClr val="bg1"/>
               </a:solidFill>

--- a/documents/노루막이_김형준_신창섭_홍승필_허지훈.pptx
+++ b/documents/노루막이_김형준_신창섭_홍승필_허지훈.pptx
@@ -234,7 +234,7 @@
           <a:p>
             <a:fld id="{C0784820-E37F-9245-812A-8C2941EBBF6C}" type="datetimeFigureOut">
               <a:rPr kumimoji="1" lang="ko-KR" altLang="en-US" smtClean="0"/>
-              <a:t>2016. 12. 12.</a:t>
+              <a:t>2016-12-12</a:t>
             </a:fld>
             <a:endParaRPr kumimoji="1" lang="ko-KR" altLang="en-US"/>
           </a:p>
@@ -399,7 +399,7 @@
           <a:p>
             <a:fld id="{ABD44343-005F-DA4E-8CE2-D84E76ABEFED}" type="datetimeFigureOut">
               <a:rPr kumimoji="1" lang="ko-KR" altLang="en-US" smtClean="0"/>
-              <a:t>2016. 12. 12.</a:t>
+              <a:t>2016-12-12</a:t>
             </a:fld>
             <a:endParaRPr kumimoji="1" lang="ko-KR" altLang="en-US"/>
           </a:p>
@@ -1075,7 +1075,7 @@
           <a:p>
             <a:fld id="{9A7BEA77-FCFD-E34F-8955-12C1E82451E3}" type="datetimeFigureOut">
               <a:rPr kumimoji="1" lang="ko-KR" altLang="en-US" smtClean="0"/>
-              <a:t>2016. 12. 12.</a:t>
+              <a:t>2016-12-12</a:t>
             </a:fld>
             <a:endParaRPr kumimoji="1" lang="ko-KR" altLang="en-US"/>
           </a:p>
@@ -1243,7 +1243,7 @@
           <a:p>
             <a:fld id="{9A7BEA77-FCFD-E34F-8955-12C1E82451E3}" type="datetimeFigureOut">
               <a:rPr kumimoji="1" lang="ko-KR" altLang="en-US" smtClean="0"/>
-              <a:t>2016. 12. 12.</a:t>
+              <a:t>2016-12-12</a:t>
             </a:fld>
             <a:endParaRPr kumimoji="1" lang="ko-KR" altLang="en-US"/>
           </a:p>
@@ -1421,7 +1421,7 @@
           <a:p>
             <a:fld id="{9A7BEA77-FCFD-E34F-8955-12C1E82451E3}" type="datetimeFigureOut">
               <a:rPr kumimoji="1" lang="ko-KR" altLang="en-US" smtClean="0"/>
-              <a:t>2016. 12. 12.</a:t>
+              <a:t>2016-12-12</a:t>
             </a:fld>
             <a:endParaRPr kumimoji="1" lang="ko-KR" altLang="en-US"/>
           </a:p>
@@ -1589,7 +1589,7 @@
           <a:p>
             <a:fld id="{9A7BEA77-FCFD-E34F-8955-12C1E82451E3}" type="datetimeFigureOut">
               <a:rPr kumimoji="1" lang="ko-KR" altLang="en-US" smtClean="0"/>
-              <a:t>2016. 12. 12.</a:t>
+              <a:t>2016-12-12</a:t>
             </a:fld>
             <a:endParaRPr kumimoji="1" lang="ko-KR" altLang="en-US"/>
           </a:p>
@@ -1834,7 +1834,7 @@
           <a:p>
             <a:fld id="{9A7BEA77-FCFD-E34F-8955-12C1E82451E3}" type="datetimeFigureOut">
               <a:rPr kumimoji="1" lang="ko-KR" altLang="en-US" smtClean="0"/>
-              <a:t>2016. 12. 12.</a:t>
+              <a:t>2016-12-12</a:t>
             </a:fld>
             <a:endParaRPr kumimoji="1" lang="ko-KR" altLang="en-US"/>
           </a:p>
@@ -2063,7 +2063,7 @@
           <a:p>
             <a:fld id="{9A7BEA77-FCFD-E34F-8955-12C1E82451E3}" type="datetimeFigureOut">
               <a:rPr kumimoji="1" lang="ko-KR" altLang="en-US" smtClean="0"/>
-              <a:t>2016. 12. 12.</a:t>
+              <a:t>2016-12-12</a:t>
             </a:fld>
             <a:endParaRPr kumimoji="1" lang="ko-KR" altLang="en-US"/>
           </a:p>
@@ -2427,7 +2427,7 @@
           <a:p>
             <a:fld id="{9A7BEA77-FCFD-E34F-8955-12C1E82451E3}" type="datetimeFigureOut">
               <a:rPr kumimoji="1" lang="ko-KR" altLang="en-US" smtClean="0"/>
-              <a:t>2016. 12. 12.</a:t>
+              <a:t>2016-12-12</a:t>
             </a:fld>
             <a:endParaRPr kumimoji="1" lang="ko-KR" altLang="en-US"/>
           </a:p>
@@ -2544,7 +2544,7 @@
           <a:p>
             <a:fld id="{9A7BEA77-FCFD-E34F-8955-12C1E82451E3}" type="datetimeFigureOut">
               <a:rPr kumimoji="1" lang="ko-KR" altLang="en-US" smtClean="0"/>
-              <a:t>2016. 12. 12.</a:t>
+              <a:t>2016-12-12</a:t>
             </a:fld>
             <a:endParaRPr kumimoji="1" lang="ko-KR" altLang="en-US"/>
           </a:p>
@@ -2639,7 +2639,7 @@
           <a:p>
             <a:fld id="{9A7BEA77-FCFD-E34F-8955-12C1E82451E3}" type="datetimeFigureOut">
               <a:rPr kumimoji="1" lang="ko-KR" altLang="en-US" smtClean="0"/>
-              <a:t>2016. 12. 12.</a:t>
+              <a:t>2016-12-12</a:t>
             </a:fld>
             <a:endParaRPr kumimoji="1" lang="ko-KR" altLang="en-US"/>
           </a:p>
@@ -2914,7 +2914,7 @@
           <a:p>
             <a:fld id="{9A7BEA77-FCFD-E34F-8955-12C1E82451E3}" type="datetimeFigureOut">
               <a:rPr kumimoji="1" lang="ko-KR" altLang="en-US" smtClean="0"/>
-              <a:t>2016. 12. 12.</a:t>
+              <a:t>2016-12-12</a:t>
             </a:fld>
             <a:endParaRPr kumimoji="1" lang="ko-KR" altLang="en-US"/>
           </a:p>
@@ -3166,7 +3166,7 @@
           <a:p>
             <a:fld id="{9A7BEA77-FCFD-E34F-8955-12C1E82451E3}" type="datetimeFigureOut">
               <a:rPr kumimoji="1" lang="ko-KR" altLang="en-US" smtClean="0"/>
-              <a:t>2016. 12. 12.</a:t>
+              <a:t>2016-12-12</a:t>
             </a:fld>
             <a:endParaRPr kumimoji="1" lang="ko-KR" altLang="en-US"/>
           </a:p>
@@ -3377,7 +3377,7 @@
           <a:p>
             <a:fld id="{9A7BEA77-FCFD-E34F-8955-12C1E82451E3}" type="datetimeFigureOut">
               <a:rPr kumimoji="1" lang="ko-KR" altLang="en-US" smtClean="0"/>
-              <a:t>2016. 12. 12.</a:t>
+              <a:t>2016-12-12</a:t>
             </a:fld>
             <a:endParaRPr kumimoji="1" lang="ko-KR" altLang="en-US"/>
           </a:p>
@@ -20721,8 +20721,8 @@
         </p:nvSpPr>
         <p:spPr>
           <a:xfrm>
-            <a:off x="8572086" y="5611454"/>
-            <a:ext cx="1985196" cy="455892"/>
+            <a:off x="7581900" y="5611454"/>
+            <a:ext cx="2975382" cy="455892"/>
           </a:xfrm>
           <a:prstGeom prst="roundRect">
             <a:avLst/>
@@ -20847,8 +20847,8 @@
         </p:nvSpPr>
         <p:spPr>
           <a:xfrm>
-            <a:off x="5226908" y="3166662"/>
-            <a:ext cx="1308669" cy="455892"/>
+            <a:off x="5226909" y="3166662"/>
+            <a:ext cx="583342" cy="455892"/>
           </a:xfrm>
           <a:prstGeom prst="roundRect">
             <a:avLst/>
@@ -20905,8 +20905,8 @@
         </p:nvSpPr>
         <p:spPr>
           <a:xfrm>
-            <a:off x="6535577" y="3659446"/>
-            <a:ext cx="1255187" cy="929548"/>
+            <a:off x="5705475" y="3622554"/>
+            <a:ext cx="974675" cy="929548"/>
           </a:xfrm>
           <a:prstGeom prst="roundRect">
             <a:avLst/>
@@ -20956,14 +20956,6 @@
               <a:t> </a:t>
             </a:r>
             <a:r>
-              <a:rPr kumimoji="1" lang="en-US" altLang="ko-KR" sz="1600" dirty="0" smtClean="0">
-                <a:solidFill>
-                  <a:schemeClr val="bg1"/>
-                </a:solidFill>
-              </a:rPr>
-              <a:t>/</a:t>
-            </a:r>
-            <a:r>
               <a:rPr kumimoji="1" lang="ko-KR" altLang="en-US" sz="1600" dirty="0" smtClean="0">
                 <a:solidFill>
                   <a:schemeClr val="bg1"/>
@@ -21014,8 +21006,8 @@
         </p:nvSpPr>
         <p:spPr>
           <a:xfrm>
-            <a:off x="7834184" y="4625886"/>
-            <a:ext cx="831162" cy="455892"/>
+            <a:off x="6577693" y="4552102"/>
+            <a:ext cx="204916" cy="455892"/>
           </a:xfrm>
           <a:prstGeom prst="roundRect">
             <a:avLst/>
@@ -21072,8 +21064,8 @@
         </p:nvSpPr>
         <p:spPr>
           <a:xfrm>
-            <a:off x="8572086" y="5118670"/>
-            <a:ext cx="992597" cy="455892"/>
+            <a:off x="6680150" y="5007994"/>
+            <a:ext cx="1063675" cy="455892"/>
           </a:xfrm>
           <a:prstGeom prst="roundRect">
             <a:avLst/>
@@ -21107,13 +21099,18 @@
           <a:p>
             <a:pPr algn="ctr"/>
             <a:r>
-              <a:rPr kumimoji="1" lang="en-US" altLang="ko-KR" sz="1400" dirty="0" smtClean="0">
+              <a:rPr kumimoji="1" lang="en-US" altLang="ko-KR" sz="1400" dirty="0" err="1" smtClean="0">
                 <a:solidFill>
                   <a:schemeClr val="bg1"/>
                 </a:solidFill>
               </a:rPr>
-              <a:t>Shadow</a:t>
-            </a:r>
+              <a:t>Swhado</a:t>
+            </a:r>
+            <a:endParaRPr kumimoji="1" lang="en-US" altLang="ko-KR" sz="1400" dirty="0" smtClean="0">
+              <a:solidFill>
+                <a:schemeClr val="bg1"/>
+              </a:solidFill>
+            </a:endParaRPr>
           </a:p>
           <a:p>
             <a:pPr algn="ctr"/>
@@ -22184,20 +22181,12 @@
           <a:p>
             <a:pPr algn="ctr"/>
             <a:r>
-              <a:rPr kumimoji="1" lang="ko-KR" altLang="en-US" sz="2400" smtClean="0">
+              <a:rPr kumimoji="1" lang="ko-KR" altLang="en-US" sz="2400" dirty="0" smtClean="0">
                 <a:solidFill>
                   <a:schemeClr val="bg1"/>
                 </a:solidFill>
               </a:rPr>
-              <a:t>프레임워크 </a:t>
-            </a:r>
-            <a:r>
-              <a:rPr kumimoji="1" lang="ko-KR" altLang="en-US" sz="2400" dirty="0" smtClean="0">
-                <a:solidFill>
-                  <a:schemeClr val="bg1"/>
-                </a:solidFill>
-              </a:rPr>
-              <a:t>제작</a:t>
+              <a:t>프레임워크 제작</a:t>
             </a:r>
             <a:endParaRPr kumimoji="1" lang="ko-KR" altLang="en-US" sz="2400" dirty="0">
               <a:solidFill>
@@ -22408,6 +22397,36 @@
           </a:p>
         </p:txBody>
       </p:sp>
+      <p:pic>
+        <p:nvPicPr>
+          <p:cNvPr id="2" name="그림 1"/>
+          <p:cNvPicPr>
+            <a:picLocks noChangeAspect="1"/>
+          </p:cNvPicPr>
+          <p:nvPr/>
+        </p:nvPicPr>
+        <p:blipFill>
+          <a:blip r:embed="rId2">
+            <a:extLst>
+              <a:ext uri="{28A0092B-C50C-407E-A947-70E740481C1C}">
+                <a14:useLocalDpi xmlns:a14="http://schemas.microsoft.com/office/drawing/2010/main" val="0"/>
+              </a:ext>
+            </a:extLst>
+          </a:blip>
+          <a:stretch>
+            <a:fillRect/>
+          </a:stretch>
+        </p:blipFill>
+        <p:spPr>
+          <a:xfrm>
+            <a:off x="5248274" y="1650802"/>
+            <a:ext cx="5972175" cy="3359348"/>
+          </a:xfrm>
+          <a:prstGeom prst="rect">
+            <a:avLst/>
+          </a:prstGeom>
+        </p:spPr>
+      </p:pic>
     </p:spTree>
     <p:extLst>
       <p:ext uri="{BB962C8B-B14F-4D97-AF65-F5344CB8AC3E}">

--- a/documents/노루막이_김형준_신창섭_홍승필_허지훈.pptx
+++ b/documents/노루막이_김형준_신창섭_홍승필_허지훈.pptx
@@ -29251,8 +29251,8 @@
         </p:nvSpPr>
         <p:spPr>
           <a:xfrm>
-            <a:off x="8660522" y="4998187"/>
-            <a:ext cx="2779170" cy="687909"/>
+            <a:off x="8548680" y="4998187"/>
+            <a:ext cx="3002854" cy="687909"/>
           </a:xfrm>
           <a:prstGeom prst="roundRect">
             <a:avLst>
@@ -29296,7 +29296,16 @@
                 </a:solidFill>
                 <a:latin typeface="+mj-lt"/>
               </a:rPr>
-              <a:t>사실적인 환경</a:t>
+              <a:t>비사실적인 </a:t>
+            </a:r>
+            <a:r>
+              <a:rPr kumimoji="1" lang="ko-KR" altLang="en-US" sz="2800" b="1" dirty="0" smtClean="0">
+                <a:solidFill>
+                  <a:prstClr val="black"/>
+                </a:solidFill>
+                <a:latin typeface="+mj-lt"/>
+              </a:rPr>
+              <a:t>환경</a:t>
             </a:r>
             <a:endParaRPr kumimoji="1" lang="ko-KR" altLang="en-US" sz="2800" b="1" dirty="0">
               <a:solidFill>
@@ -31918,7 +31927,7 @@
         </p:nvSpPr>
         <p:spPr>
           <a:xfrm>
-            <a:off x="8895687" y="502490"/>
+            <a:off x="9850886" y="502490"/>
             <a:ext cx="1176945" cy="1176945"/>
           </a:xfrm>
           <a:prstGeom prst="ellipse">
@@ -31970,7 +31979,7 @@
         </p:nvSpPr>
         <p:spPr>
           <a:xfrm>
-            <a:off x="8895686" y="502490"/>
+            <a:off x="9850885" y="502490"/>
             <a:ext cx="1176945" cy="1176945"/>
           </a:xfrm>
           <a:prstGeom prst="ellipse">
@@ -32104,7 +32113,7 @@
         <p:spPr>
           <a:xfrm>
             <a:off x="1797268" y="323165"/>
-            <a:ext cx="6773008" cy="1569660"/>
+            <a:ext cx="8004114" cy="1569660"/>
           </a:xfrm>
           <a:prstGeom prst="rect">
             <a:avLst/>
@@ -32119,7 +32128,15 @@
           <a:p>
             <a:r>
               <a:rPr kumimoji="1" lang="ko-KR" altLang="en-US" sz="9600" i="1" dirty="0" smtClean="0"/>
-              <a:t>사실적 환경</a:t>
+              <a:t>비</a:t>
+            </a:r>
+            <a:r>
+              <a:rPr kumimoji="1" lang="ko-KR" altLang="en-US" sz="9600" i="1" dirty="0" smtClean="0"/>
+              <a:t>사실적 </a:t>
+            </a:r>
+            <a:r>
+              <a:rPr kumimoji="1" lang="ko-KR" altLang="en-US" sz="9600" i="1" dirty="0" smtClean="0"/>
+              <a:t>환경</a:t>
             </a:r>
             <a:endParaRPr kumimoji="1" lang="ko-KR" altLang="en-US" sz="9600" i="1" dirty="0"/>
           </a:p>
@@ -32164,7 +32181,7 @@
         <p:spPr>
           <a:xfrm>
             <a:off x="1797268" y="3137093"/>
-            <a:ext cx="9584483" cy="523220"/>
+            <a:ext cx="9943556" cy="523220"/>
           </a:xfrm>
           <a:prstGeom prst="rect">
             <a:avLst/>
@@ -32183,7 +32200,19 @@
             </a:r>
             <a:r>
               <a:rPr kumimoji="1" lang="ko-KR" altLang="en-US" sz="2800" dirty="0" smtClean="0"/>
-              <a:t>의 성능을 최대한 끌어올려 사실적인 환경 조성 </a:t>
+              <a:t>의 성능을 최대한 </a:t>
+            </a:r>
+            <a:r>
+              <a:rPr kumimoji="1" lang="ko-KR" altLang="en-US" sz="2800" smtClean="0"/>
+              <a:t>끌어올려 </a:t>
+            </a:r>
+            <a:r>
+              <a:rPr kumimoji="1" lang="ko-KR" altLang="en-US" sz="2800" smtClean="0"/>
+              <a:t>자연스러운 </a:t>
+            </a:r>
+            <a:r>
+              <a:rPr kumimoji="1" lang="ko-KR" altLang="en-US" sz="2800" dirty="0" smtClean="0"/>
+              <a:t>환경 조성 </a:t>
             </a:r>
             <a:endParaRPr kumimoji="1" lang="ko-KR" altLang="en-US" sz="2800" dirty="0"/>
           </a:p>

--- a/documents/노루막이_김형준_신창섭_홍승필_허지훈.pptx
+++ b/documents/노루막이_김형준_신창섭_홍승필_허지훈.pptx
@@ -5,37 +5,39 @@
     <p:sldMasterId id="2147483648" r:id="rId1"/>
   </p:sldMasterIdLst>
   <p:notesMasterIdLst>
-    <p:notesMasterId r:id="rId27"/>
+    <p:notesMasterId r:id="rId29"/>
   </p:notesMasterIdLst>
   <p:handoutMasterIdLst>
-    <p:handoutMasterId r:id="rId28"/>
+    <p:handoutMasterId r:id="rId30"/>
   </p:handoutMasterIdLst>
   <p:sldIdLst>
     <p:sldId id="264" r:id="rId2"/>
     <p:sldId id="304" r:id="rId3"/>
     <p:sldId id="416" r:id="rId4"/>
-    <p:sldId id="415" r:id="rId5"/>
-    <p:sldId id="420" r:id="rId6"/>
-    <p:sldId id="419" r:id="rId7"/>
-    <p:sldId id="421" r:id="rId8"/>
-    <p:sldId id="422" r:id="rId9"/>
-    <p:sldId id="417" r:id="rId10"/>
-    <p:sldId id="418" r:id="rId11"/>
-    <p:sldId id="399" r:id="rId12"/>
-    <p:sldId id="401" r:id="rId13"/>
-    <p:sldId id="391" r:id="rId14"/>
-    <p:sldId id="414" r:id="rId15"/>
-    <p:sldId id="273" r:id="rId16"/>
-    <p:sldId id="413" r:id="rId17"/>
-    <p:sldId id="402" r:id="rId18"/>
-    <p:sldId id="403" r:id="rId19"/>
-    <p:sldId id="357" r:id="rId20"/>
-    <p:sldId id="345" r:id="rId21"/>
-    <p:sldId id="384" r:id="rId22"/>
-    <p:sldId id="405" r:id="rId23"/>
-    <p:sldId id="346" r:id="rId24"/>
-    <p:sldId id="382" r:id="rId25"/>
-    <p:sldId id="347" r:id="rId26"/>
+    <p:sldId id="424" r:id="rId5"/>
+    <p:sldId id="415" r:id="rId6"/>
+    <p:sldId id="420" r:id="rId7"/>
+    <p:sldId id="419" r:id="rId8"/>
+    <p:sldId id="421" r:id="rId9"/>
+    <p:sldId id="422" r:id="rId10"/>
+    <p:sldId id="417" r:id="rId11"/>
+    <p:sldId id="418" r:id="rId12"/>
+    <p:sldId id="423" r:id="rId13"/>
+    <p:sldId id="399" r:id="rId14"/>
+    <p:sldId id="401" r:id="rId15"/>
+    <p:sldId id="391" r:id="rId16"/>
+    <p:sldId id="414" r:id="rId17"/>
+    <p:sldId id="273" r:id="rId18"/>
+    <p:sldId id="413" r:id="rId19"/>
+    <p:sldId id="402" r:id="rId20"/>
+    <p:sldId id="403" r:id="rId21"/>
+    <p:sldId id="357" r:id="rId22"/>
+    <p:sldId id="345" r:id="rId23"/>
+    <p:sldId id="384" r:id="rId24"/>
+    <p:sldId id="405" r:id="rId25"/>
+    <p:sldId id="346" r:id="rId26"/>
+    <p:sldId id="382" r:id="rId27"/>
+    <p:sldId id="347" r:id="rId28"/>
   </p:sldIdLst>
   <p:sldSz cx="12192000" cy="6858000"/>
   <p:notesSz cx="6858000" cy="9144000"/>
@@ -858,7 +860,7 @@
           <a:p>
             <a:fld id="{D39C498E-0BA9-4748-85A3-59023D192E99}" type="slidenum">
               <a:rPr kumimoji="1" lang="ko-KR" altLang="en-US" smtClean="0"/>
-              <a:t>4</a:t>
+              <a:t>5</a:t>
             </a:fld>
             <a:endParaRPr kumimoji="1" lang="ko-KR" altLang="en-US"/>
           </a:p>
@@ -942,7 +944,7 @@
           <a:p>
             <a:fld id="{D39C498E-0BA9-4748-85A3-59023D192E99}" type="slidenum">
               <a:rPr kumimoji="1" lang="ko-KR" altLang="en-US" smtClean="0"/>
-              <a:t>8</a:t>
+              <a:t>9</a:t>
             </a:fld>
             <a:endParaRPr kumimoji="1" lang="ko-KR" altLang="en-US"/>
           </a:p>
@@ -1005,7 +1007,7 @@
           <a:bodyPr/>
           <a:lstStyle/>
           <a:p>
-            <a:endParaRPr kumimoji="1" lang="ko-KR" altLang="en-US" dirty="0"/>
+            <a:endParaRPr kumimoji="1" lang="ko-KR" altLang="en-US"/>
           </a:p>
         </p:txBody>
       </p:sp>
@@ -1026,7 +1028,7 @@
           <a:p>
             <a:fld id="{D39C498E-0BA9-4748-85A3-59023D192E99}" type="slidenum">
               <a:rPr kumimoji="1" lang="ko-KR" altLang="en-US" smtClean="0"/>
-              <a:t>15</a:t>
+              <a:t>12</a:t>
             </a:fld>
             <a:endParaRPr kumimoji="1" lang="ko-KR" altLang="en-US"/>
           </a:p>
@@ -1035,7 +1037,7 @@
     </p:spTree>
     <p:extLst>
       <p:ext uri="{BB962C8B-B14F-4D97-AF65-F5344CB8AC3E}">
-        <p14:creationId xmlns:p14="http://schemas.microsoft.com/office/powerpoint/2010/main" val="774031093"/>
+        <p14:creationId xmlns:p14="http://schemas.microsoft.com/office/powerpoint/2010/main" val="2051877360"/>
       </p:ext>
     </p:extLst>
   </p:cSld>
@@ -1110,7 +1112,91 @@
           <a:p>
             <a:fld id="{D39C498E-0BA9-4748-85A3-59023D192E99}" type="slidenum">
               <a:rPr kumimoji="1" lang="ko-KR" altLang="en-US" smtClean="0"/>
-              <a:t>21</a:t>
+              <a:t>17</a:t>
+            </a:fld>
+            <a:endParaRPr kumimoji="1" lang="ko-KR" altLang="en-US"/>
+          </a:p>
+        </p:txBody>
+      </p:sp>
+    </p:spTree>
+    <p:extLst>
+      <p:ext uri="{BB962C8B-B14F-4D97-AF65-F5344CB8AC3E}">
+        <p14:creationId xmlns:p14="http://schemas.microsoft.com/office/powerpoint/2010/main" val="774031093"/>
+      </p:ext>
+    </p:extLst>
+  </p:cSld>
+  <p:clrMapOvr>
+    <a:masterClrMapping/>
+  </p:clrMapOvr>
+</p:notes>
+</file>
+
+<file path=ppt/notesSlides/notesSlide6.xml><?xml version="1.0" encoding="utf-8"?>
+<p:notes xmlns:a="http://schemas.openxmlformats.org/drawingml/2006/main" xmlns:r="http://schemas.openxmlformats.org/officeDocument/2006/relationships" xmlns:p="http://schemas.openxmlformats.org/presentationml/2006/main">
+  <p:cSld>
+    <p:spTree>
+      <p:nvGrpSpPr>
+        <p:cNvPr id="1" name=""/>
+        <p:cNvGrpSpPr/>
+        <p:nvPr/>
+      </p:nvGrpSpPr>
+      <p:grpSpPr>
+        <a:xfrm>
+          <a:off x="0" y="0"/>
+          <a:ext cx="0" cy="0"/>
+          <a:chOff x="0" y="0"/>
+          <a:chExt cx="0" cy="0"/>
+        </a:xfrm>
+      </p:grpSpPr>
+      <p:sp>
+        <p:nvSpPr>
+          <p:cNvPr id="2" name="슬라이드 이미지 개체 틀 1"/>
+          <p:cNvSpPr>
+            <a:spLocks noGrp="1" noRot="1" noChangeAspect="1"/>
+          </p:cNvSpPr>
+          <p:nvPr>
+            <p:ph type="sldImg"/>
+          </p:nvPr>
+        </p:nvSpPr>
+        <p:spPr/>
+      </p:sp>
+      <p:sp>
+        <p:nvSpPr>
+          <p:cNvPr id="3" name="슬라이드 노트 개체 틀 2"/>
+          <p:cNvSpPr>
+            <a:spLocks noGrp="1"/>
+          </p:cNvSpPr>
+          <p:nvPr>
+            <p:ph type="body" idx="1"/>
+          </p:nvPr>
+        </p:nvSpPr>
+        <p:spPr/>
+        <p:txBody>
+          <a:bodyPr/>
+          <a:lstStyle/>
+          <a:p>
+            <a:endParaRPr kumimoji="1" lang="ko-KR" altLang="en-US" dirty="0"/>
+          </a:p>
+        </p:txBody>
+      </p:sp>
+      <p:sp>
+        <p:nvSpPr>
+          <p:cNvPr id="4" name="슬라이드 번호 개체 틀 3"/>
+          <p:cNvSpPr>
+            <a:spLocks noGrp="1"/>
+          </p:cNvSpPr>
+          <p:nvPr>
+            <p:ph type="sldNum" sz="quarter" idx="10"/>
+          </p:nvPr>
+        </p:nvSpPr>
+        <p:spPr/>
+        <p:txBody>
+          <a:bodyPr/>
+          <a:lstStyle/>
+          <a:p>
+            <a:fld id="{D39C498E-0BA9-4748-85A3-59023D192E99}" type="slidenum">
+              <a:rPr kumimoji="1" lang="ko-KR" altLang="en-US" smtClean="0"/>
+              <a:t>23</a:t>
             </a:fld>
             <a:endParaRPr kumimoji="1" lang="ko-KR" altLang="en-US"/>
           </a:p>
@@ -4316,36 +4402,36 @@
             <a:r>
               <a:rPr lang="ko-KR" altLang="en-US" sz="3200" dirty="0">
                 <a:solidFill>
-                  <a:schemeClr val="tx1"/>
-                </a:solidFill>
-              </a:rPr>
-              <a:t>허지훈</a:t>
+                  <a:prstClr val="black"/>
+                </a:solidFill>
+              </a:rPr>
+              <a:t>홍승필</a:t>
             </a:r>
             <a:r>
               <a:rPr lang="ko-KR" altLang="en-US" sz="2400" dirty="0">
                 <a:solidFill>
-                  <a:schemeClr val="bg1">
+                  <a:prstClr val="white">
                     <a:lumMod val="50000"/>
-                  </a:schemeClr>
+                  </a:prstClr>
                 </a:solidFill>
               </a:rPr>
               <a:t> 게임공학과 </a:t>
             </a:r>
             <a:r>
-              <a:rPr lang="en-US" altLang="ko-KR" sz="2400" dirty="0">
-                <a:solidFill>
-                  <a:schemeClr val="bg1">
+              <a:rPr lang="en-US" altLang="ko-KR" sz="2400" dirty="0" smtClean="0">
+                <a:solidFill>
+                  <a:prstClr val="white">
                     <a:lumMod val="50000"/>
-                  </a:schemeClr>
-                </a:solidFill>
-              </a:rPr>
-              <a:t>2013180055</a:t>
+                  </a:prstClr>
+                </a:solidFill>
+              </a:rPr>
+              <a:t>2013180056</a:t>
             </a:r>
             <a:endParaRPr lang="is-IS" altLang="ko-KR" sz="2400" dirty="0">
               <a:solidFill>
-                <a:schemeClr val="bg1">
+                <a:prstClr val="white">
                   <a:lumMod val="50000"/>
-                </a:schemeClr>
+                </a:prstClr>
               </a:solidFill>
             </a:endParaRPr>
           </a:p>
@@ -4448,7 +4534,7 @@
                   <a:schemeClr val="tx1"/>
                 </a:solidFill>
               </a:rPr>
-              <a:t>홍승필</a:t>
+              <a:t>허지훈</a:t>
             </a:r>
             <a:r>
               <a:rPr lang="ko-KR" altLang="en-US" sz="2400" dirty="0">
@@ -4468,7 +4554,7 @@
                   </a:schemeClr>
                 </a:solidFill>
               </a:rPr>
-              <a:t>2013180056</a:t>
+              <a:t>2013180055</a:t>
             </a:r>
             <a:endParaRPr lang="is-IS" altLang="ko-KR" sz="2400" dirty="0">
               <a:solidFill>
@@ -5684,6 +5770,631 @@
           <a:chExt cx="0" cy="0"/>
         </a:xfrm>
       </p:grpSpPr>
+      <p:sp>
+        <p:nvSpPr>
+          <p:cNvPr id="4" name="평행 사변형[P] 3"/>
+          <p:cNvSpPr/>
+          <p:nvPr/>
+        </p:nvSpPr>
+        <p:spPr>
+          <a:xfrm>
+            <a:off x="278779" y="354378"/>
+            <a:ext cx="5587348" cy="906386"/>
+          </a:xfrm>
+          <a:prstGeom prst="parallelogram">
+            <a:avLst/>
+          </a:prstGeom>
+          <a:solidFill>
+            <a:srgbClr val="00B0F0"/>
+          </a:solidFill>
+          <a:ln>
+            <a:noFill/>
+          </a:ln>
+        </p:spPr>
+        <p:style>
+          <a:lnRef idx="2">
+            <a:schemeClr val="accent1">
+              <a:shade val="50000"/>
+            </a:schemeClr>
+          </a:lnRef>
+          <a:fillRef idx="1">
+            <a:schemeClr val="accent1"/>
+          </a:fillRef>
+          <a:effectRef idx="0">
+            <a:schemeClr val="accent1"/>
+          </a:effectRef>
+          <a:fontRef idx="minor">
+            <a:schemeClr val="lt1"/>
+          </a:fontRef>
+        </p:style>
+        <p:txBody>
+          <a:bodyPr rtlCol="0" anchor="ctr"/>
+          <a:lstStyle/>
+          <a:p>
+            <a:r>
+              <a:rPr lang="ko-KR" altLang="en-US" sz="4000" smtClean="0">
+                <a:solidFill>
+                  <a:schemeClr val="bg1"/>
+                </a:solidFill>
+              </a:rPr>
+              <a:t>기본 조작</a:t>
+            </a:r>
+            <a:r>
+              <a:rPr lang="en-US" altLang="ko-KR" sz="4000" smtClean="0">
+                <a:solidFill>
+                  <a:schemeClr val="bg1"/>
+                </a:solidFill>
+              </a:rPr>
+              <a:t>(</a:t>
+            </a:r>
+            <a:r>
+              <a:rPr lang="ko-KR" altLang="en-US" sz="4000" smtClean="0">
+                <a:solidFill>
+                  <a:schemeClr val="bg1"/>
+                </a:solidFill>
+              </a:rPr>
+              <a:t>예상도</a:t>
+            </a:r>
+            <a:r>
+              <a:rPr lang="en-US" altLang="ko-KR" sz="4000" smtClean="0">
+                <a:solidFill>
+                  <a:schemeClr val="bg1"/>
+                </a:solidFill>
+              </a:rPr>
+              <a:t>)</a:t>
+            </a:r>
+            <a:endParaRPr lang="en-US" altLang="ko-KR" sz="2400">
+              <a:solidFill>
+                <a:schemeClr val="accent1">
+                  <a:lumMod val="20000"/>
+                  <a:lumOff val="80000"/>
+                </a:schemeClr>
+              </a:solidFill>
+            </a:endParaRPr>
+          </a:p>
+        </p:txBody>
+      </p:sp>
+      <p:pic>
+        <p:nvPicPr>
+          <p:cNvPr id="5" name="그림 4"/>
+          <p:cNvPicPr>
+            <a:picLocks noChangeAspect="1"/>
+          </p:cNvPicPr>
+          <p:nvPr/>
+        </p:nvPicPr>
+        <p:blipFill rotWithShape="1">
+          <a:blip r:embed="rId2" cstate="email">
+            <a:extLst>
+              <a:ext uri="{BEBA8EAE-BF5A-486C-A8C5-ECC9F3942E4B}">
+                <a14:imgProps xmlns:a14="http://schemas.microsoft.com/office/drawing/2010/main">
+                  <a14:imgLayer r:embed="rId3">
+                    <a14:imgEffect>
+                      <a14:backgroundRemoval t="7460" b="86825" l="0" r="100000">
+                        <a14:foregroundMark x1="49833" y1="29048" x2="49750" y2="17778"/>
+                      </a14:backgroundRemoval>
+                    </a14:imgEffect>
+                  </a14:imgLayer>
+                </a14:imgProps>
+              </a:ext>
+              <a:ext uri="{28A0092B-C50C-407E-A947-70E740481C1C}">
+                <a14:useLocalDpi xmlns:a14="http://schemas.microsoft.com/office/drawing/2010/main"/>
+              </a:ext>
+            </a:extLst>
+          </a:blip>
+          <a:srcRect t="29427" b="16221"/>
+          <a:stretch/>
+        </p:blipFill>
+        <p:spPr>
+          <a:xfrm>
+            <a:off x="335529" y="2332327"/>
+            <a:ext cx="11444741" cy="3265714"/>
+          </a:xfrm>
+          <a:prstGeom prst="rect">
+            <a:avLst/>
+          </a:prstGeom>
+        </p:spPr>
+      </p:pic>
+      <p:sp>
+        <p:nvSpPr>
+          <p:cNvPr id="6" name="직사각형 5"/>
+          <p:cNvSpPr/>
+          <p:nvPr/>
+        </p:nvSpPr>
+        <p:spPr>
+          <a:xfrm>
+            <a:off x="7901441" y="4385060"/>
+            <a:ext cx="1520889" cy="1054359"/>
+          </a:xfrm>
+          <a:prstGeom prst="rect">
+            <a:avLst/>
+          </a:prstGeom>
+          <a:solidFill>
+            <a:schemeClr val="accent6">
+              <a:alpha val="44000"/>
+            </a:schemeClr>
+          </a:solidFill>
+          <a:ln>
+            <a:noFill/>
+          </a:ln>
+        </p:spPr>
+        <p:style>
+          <a:lnRef idx="2">
+            <a:schemeClr val="accent1">
+              <a:shade val="50000"/>
+            </a:schemeClr>
+          </a:lnRef>
+          <a:fillRef idx="1">
+            <a:schemeClr val="accent1"/>
+          </a:fillRef>
+          <a:effectRef idx="0">
+            <a:schemeClr val="accent1"/>
+          </a:effectRef>
+          <a:fontRef idx="minor">
+            <a:schemeClr val="lt1"/>
+          </a:fontRef>
+        </p:style>
+        <p:txBody>
+          <a:bodyPr rtlCol="0" anchor="ctr"/>
+          <a:lstStyle/>
+          <a:p>
+            <a:pPr algn="ctr"/>
+            <a:endParaRPr kumimoji="1" lang="ko-KR" altLang="en-US"/>
+          </a:p>
+        </p:txBody>
+      </p:sp>
+      <p:sp>
+        <p:nvSpPr>
+          <p:cNvPr id="7" name="직사각형 6"/>
+          <p:cNvSpPr/>
+          <p:nvPr/>
+        </p:nvSpPr>
+        <p:spPr>
+          <a:xfrm>
+            <a:off x="1379343" y="3871877"/>
+            <a:ext cx="1026367" cy="513183"/>
+          </a:xfrm>
+          <a:prstGeom prst="rect">
+            <a:avLst/>
+          </a:prstGeom>
+          <a:solidFill>
+            <a:schemeClr val="accent2">
+              <a:alpha val="44000"/>
+            </a:schemeClr>
+          </a:solidFill>
+          <a:ln>
+            <a:noFill/>
+          </a:ln>
+        </p:spPr>
+        <p:style>
+          <a:lnRef idx="2">
+            <a:schemeClr val="accent1">
+              <a:shade val="50000"/>
+            </a:schemeClr>
+          </a:lnRef>
+          <a:fillRef idx="1">
+            <a:schemeClr val="accent1"/>
+          </a:fillRef>
+          <a:effectRef idx="0">
+            <a:schemeClr val="accent1"/>
+          </a:effectRef>
+          <a:fontRef idx="minor">
+            <a:schemeClr val="lt1"/>
+          </a:fontRef>
+        </p:style>
+        <p:txBody>
+          <a:bodyPr rtlCol="0" anchor="ctr"/>
+          <a:lstStyle/>
+          <a:p>
+            <a:pPr algn="ctr"/>
+            <a:endParaRPr kumimoji="1" lang="ko-KR" altLang="en-US"/>
+          </a:p>
+        </p:txBody>
+      </p:sp>
+      <p:sp>
+        <p:nvSpPr>
+          <p:cNvPr id="8" name="직사각형 7"/>
+          <p:cNvSpPr/>
+          <p:nvPr/>
+        </p:nvSpPr>
+        <p:spPr>
+          <a:xfrm>
+            <a:off x="2377719" y="3871877"/>
+            <a:ext cx="1026367" cy="513183"/>
+          </a:xfrm>
+          <a:prstGeom prst="rect">
+            <a:avLst/>
+          </a:prstGeom>
+          <a:solidFill>
+            <a:srgbClr val="00B0F0">
+              <a:alpha val="44000"/>
+            </a:srgbClr>
+          </a:solidFill>
+          <a:ln>
+            <a:noFill/>
+          </a:ln>
+        </p:spPr>
+        <p:style>
+          <a:lnRef idx="2">
+            <a:schemeClr val="accent1">
+              <a:shade val="50000"/>
+            </a:schemeClr>
+          </a:lnRef>
+          <a:fillRef idx="1">
+            <a:schemeClr val="accent1"/>
+          </a:fillRef>
+          <a:effectRef idx="0">
+            <a:schemeClr val="accent1"/>
+          </a:effectRef>
+          <a:fontRef idx="minor">
+            <a:schemeClr val="lt1"/>
+          </a:fontRef>
+        </p:style>
+        <p:txBody>
+          <a:bodyPr rtlCol="0" anchor="ctr"/>
+          <a:lstStyle/>
+          <a:p>
+            <a:pPr algn="ctr"/>
+            <a:endParaRPr kumimoji="1" lang="ko-KR" altLang="en-US"/>
+          </a:p>
+        </p:txBody>
+      </p:sp>
+      <p:sp>
+        <p:nvSpPr>
+          <p:cNvPr id="9" name="직사각형 8"/>
+          <p:cNvSpPr/>
+          <p:nvPr/>
+        </p:nvSpPr>
+        <p:spPr>
+          <a:xfrm>
+            <a:off x="1286037" y="3358694"/>
+            <a:ext cx="951722" cy="513183"/>
+          </a:xfrm>
+          <a:prstGeom prst="rect">
+            <a:avLst/>
+          </a:prstGeom>
+          <a:solidFill>
+            <a:srgbClr val="00B0F0">
+              <a:alpha val="44000"/>
+            </a:srgbClr>
+          </a:solidFill>
+          <a:ln>
+            <a:noFill/>
+          </a:ln>
+        </p:spPr>
+        <p:style>
+          <a:lnRef idx="2">
+            <a:schemeClr val="accent1">
+              <a:shade val="50000"/>
+            </a:schemeClr>
+          </a:lnRef>
+          <a:fillRef idx="1">
+            <a:schemeClr val="accent1"/>
+          </a:fillRef>
+          <a:effectRef idx="0">
+            <a:schemeClr val="accent1"/>
+          </a:effectRef>
+          <a:fontRef idx="minor">
+            <a:schemeClr val="lt1"/>
+          </a:fontRef>
+        </p:style>
+        <p:txBody>
+          <a:bodyPr rtlCol="0" anchor="ctr"/>
+          <a:lstStyle/>
+          <a:p>
+            <a:pPr algn="ctr"/>
+            <a:endParaRPr kumimoji="1" lang="ko-KR" altLang="en-US"/>
+          </a:p>
+        </p:txBody>
+      </p:sp>
+      <p:sp>
+        <p:nvSpPr>
+          <p:cNvPr id="10" name="직사각형 9"/>
+          <p:cNvSpPr/>
+          <p:nvPr/>
+        </p:nvSpPr>
+        <p:spPr>
+          <a:xfrm>
+            <a:off x="2237759" y="3358694"/>
+            <a:ext cx="503853" cy="513183"/>
+          </a:xfrm>
+          <a:prstGeom prst="rect">
+            <a:avLst/>
+          </a:prstGeom>
+          <a:solidFill>
+            <a:srgbClr val="FF0000">
+              <a:alpha val="44000"/>
+            </a:srgbClr>
+          </a:solidFill>
+          <a:ln>
+            <a:noFill/>
+          </a:ln>
+        </p:spPr>
+        <p:style>
+          <a:lnRef idx="2">
+            <a:schemeClr val="accent1">
+              <a:shade val="50000"/>
+            </a:schemeClr>
+          </a:lnRef>
+          <a:fillRef idx="1">
+            <a:schemeClr val="accent1"/>
+          </a:fillRef>
+          <a:effectRef idx="0">
+            <a:schemeClr val="accent1"/>
+          </a:effectRef>
+          <a:fontRef idx="minor">
+            <a:schemeClr val="lt1"/>
+          </a:fontRef>
+        </p:style>
+        <p:txBody>
+          <a:bodyPr rtlCol="0" anchor="ctr"/>
+          <a:lstStyle/>
+          <a:p>
+            <a:pPr algn="ctr"/>
+            <a:endParaRPr kumimoji="1" lang="ko-KR" altLang="en-US"/>
+          </a:p>
+        </p:txBody>
+      </p:sp>
+      <p:sp>
+        <p:nvSpPr>
+          <p:cNvPr id="3" name="모서리가 둥근 직사각형 2"/>
+          <p:cNvSpPr/>
+          <p:nvPr/>
+        </p:nvSpPr>
+        <p:spPr>
+          <a:xfrm>
+            <a:off x="7704622" y="3763194"/>
+            <a:ext cx="1914525" cy="514350"/>
+          </a:xfrm>
+          <a:prstGeom prst="roundRect">
+            <a:avLst/>
+          </a:prstGeom>
+          <a:solidFill>
+            <a:schemeClr val="accent6"/>
+          </a:solidFill>
+          <a:ln w="38100">
+            <a:solidFill>
+              <a:schemeClr val="tx1"/>
+            </a:solidFill>
+          </a:ln>
+        </p:spPr>
+        <p:style>
+          <a:lnRef idx="2">
+            <a:schemeClr val="accent1">
+              <a:shade val="50000"/>
+            </a:schemeClr>
+          </a:lnRef>
+          <a:fillRef idx="1">
+            <a:schemeClr val="accent1"/>
+          </a:fillRef>
+          <a:effectRef idx="0">
+            <a:schemeClr val="accent1"/>
+          </a:effectRef>
+          <a:fontRef idx="minor">
+            <a:schemeClr val="lt1"/>
+          </a:fontRef>
+        </p:style>
+        <p:txBody>
+          <a:bodyPr rtlCol="0" anchor="ctr"/>
+          <a:lstStyle/>
+          <a:p>
+            <a:pPr algn="ctr"/>
+            <a:r>
+              <a:rPr kumimoji="1" lang="ko-KR" altLang="en-US" smtClean="0"/>
+              <a:t>이동 조작부</a:t>
+            </a:r>
+            <a:endParaRPr kumimoji="1" lang="ko-KR" altLang="en-US"/>
+          </a:p>
+        </p:txBody>
+      </p:sp>
+      <p:sp>
+        <p:nvSpPr>
+          <p:cNvPr id="20" name="모서리가 둥근 직사각형 19"/>
+          <p:cNvSpPr/>
+          <p:nvPr/>
+        </p:nvSpPr>
+        <p:spPr>
+          <a:xfrm>
+            <a:off x="3281573" y="4226438"/>
+            <a:ext cx="1914525" cy="514350"/>
+          </a:xfrm>
+          <a:prstGeom prst="roundRect">
+            <a:avLst/>
+          </a:prstGeom>
+          <a:solidFill>
+            <a:srgbClr val="00B0F0"/>
+          </a:solidFill>
+          <a:ln w="38100">
+            <a:solidFill>
+              <a:schemeClr val="tx1"/>
+            </a:solidFill>
+          </a:ln>
+        </p:spPr>
+        <p:style>
+          <a:lnRef idx="2">
+            <a:schemeClr val="accent1">
+              <a:shade val="50000"/>
+            </a:schemeClr>
+          </a:lnRef>
+          <a:fillRef idx="1">
+            <a:schemeClr val="accent1"/>
+          </a:fillRef>
+          <a:effectRef idx="0">
+            <a:schemeClr val="accent1"/>
+          </a:effectRef>
+          <a:fontRef idx="minor">
+            <a:schemeClr val="lt1"/>
+          </a:fontRef>
+        </p:style>
+        <p:txBody>
+          <a:bodyPr rtlCol="0" anchor="ctr"/>
+          <a:lstStyle/>
+          <a:p>
+            <a:pPr algn="ctr"/>
+            <a:r>
+              <a:rPr kumimoji="1" lang="ko-KR" altLang="en-US" dirty="0" smtClean="0"/>
+              <a:t>스킬 조작부</a:t>
+            </a:r>
+            <a:endParaRPr kumimoji="1" lang="ko-KR" altLang="en-US" dirty="0"/>
+          </a:p>
+        </p:txBody>
+      </p:sp>
+      <p:sp>
+        <p:nvSpPr>
+          <p:cNvPr id="21" name="모서리가 둥근 직사각형 20"/>
+          <p:cNvSpPr/>
+          <p:nvPr/>
+        </p:nvSpPr>
+        <p:spPr>
+          <a:xfrm>
+            <a:off x="2637823" y="2934519"/>
+            <a:ext cx="1914525" cy="514350"/>
+          </a:xfrm>
+          <a:prstGeom prst="roundRect">
+            <a:avLst/>
+          </a:prstGeom>
+          <a:solidFill>
+            <a:srgbClr val="FF0000"/>
+          </a:solidFill>
+          <a:ln w="38100">
+            <a:solidFill>
+              <a:schemeClr val="tx1"/>
+            </a:solidFill>
+          </a:ln>
+        </p:spPr>
+        <p:style>
+          <a:lnRef idx="2">
+            <a:schemeClr val="accent1">
+              <a:shade val="50000"/>
+            </a:schemeClr>
+          </a:lnRef>
+          <a:fillRef idx="1">
+            <a:schemeClr val="accent1"/>
+          </a:fillRef>
+          <a:effectRef idx="0">
+            <a:schemeClr val="accent1"/>
+          </a:effectRef>
+          <a:fontRef idx="minor">
+            <a:schemeClr val="lt1"/>
+          </a:fontRef>
+        </p:style>
+        <p:txBody>
+          <a:bodyPr rtlCol="0" anchor="ctr"/>
+          <a:lstStyle/>
+          <a:p>
+            <a:pPr algn="ctr"/>
+            <a:r>
+              <a:rPr kumimoji="1" lang="ko-KR" altLang="en-US" dirty="0" smtClean="0"/>
+              <a:t>궁극기 조작부</a:t>
+            </a:r>
+            <a:endParaRPr kumimoji="1" lang="ko-KR" altLang="en-US" dirty="0"/>
+          </a:p>
+        </p:txBody>
+      </p:sp>
+      <p:sp>
+        <p:nvSpPr>
+          <p:cNvPr id="22" name="모서리가 둥근 직사각형 21"/>
+          <p:cNvSpPr/>
+          <p:nvPr/>
+        </p:nvSpPr>
+        <p:spPr>
+          <a:xfrm>
+            <a:off x="323234" y="4385060"/>
+            <a:ext cx="1914525" cy="758440"/>
+          </a:xfrm>
+          <a:prstGeom prst="roundRect">
+            <a:avLst/>
+          </a:prstGeom>
+          <a:solidFill>
+            <a:schemeClr val="accent2"/>
+          </a:solidFill>
+          <a:ln w="38100">
+            <a:solidFill>
+              <a:schemeClr val="tx1"/>
+            </a:solidFill>
+          </a:ln>
+        </p:spPr>
+        <p:style>
+          <a:lnRef idx="2">
+            <a:schemeClr val="accent1">
+              <a:shade val="50000"/>
+            </a:schemeClr>
+          </a:lnRef>
+          <a:fillRef idx="1">
+            <a:schemeClr val="accent1"/>
+          </a:fillRef>
+          <a:effectRef idx="0">
+            <a:schemeClr val="accent1"/>
+          </a:effectRef>
+          <a:fontRef idx="minor">
+            <a:schemeClr val="lt1"/>
+          </a:fontRef>
+        </p:style>
+        <p:txBody>
+          <a:bodyPr rtlCol="0" anchor="ctr"/>
+          <a:lstStyle/>
+          <a:p>
+            <a:pPr algn="ctr"/>
+            <a:r>
+              <a:rPr kumimoji="1" lang="ko-KR" altLang="en-US" dirty="0" smtClean="0"/>
+              <a:t>회피 </a:t>
+            </a:r>
+            <a:r>
+              <a:rPr kumimoji="1" lang="en-US" altLang="ko-KR" dirty="0" smtClean="0"/>
+              <a:t>/</a:t>
+            </a:r>
+            <a:r>
+              <a:rPr kumimoji="1" lang="ko-KR" altLang="en-US" dirty="0" smtClean="0"/>
+              <a:t> 기본공격</a:t>
+            </a:r>
+            <a:endParaRPr kumimoji="1" lang="en-US" altLang="ko-KR" dirty="0" smtClean="0"/>
+          </a:p>
+          <a:p>
+            <a:pPr algn="ctr"/>
+            <a:r>
+              <a:rPr kumimoji="1" lang="ko-KR" altLang="en-US" dirty="0" smtClean="0"/>
+              <a:t>조작부</a:t>
+            </a:r>
+            <a:endParaRPr kumimoji="1" lang="ko-KR" altLang="en-US" dirty="0"/>
+          </a:p>
+        </p:txBody>
+      </p:sp>
+    </p:spTree>
+    <p:extLst>
+      <p:ext uri="{BB962C8B-B14F-4D97-AF65-F5344CB8AC3E}">
+        <p14:creationId xmlns:p14="http://schemas.microsoft.com/office/powerpoint/2010/main" val="2055646547"/>
+      </p:ext>
+    </p:extLst>
+  </p:cSld>
+  <p:clrMapOvr>
+    <a:masterClrMapping/>
+  </p:clrMapOvr>
+  <p:timing>
+    <p:tnLst>
+      <p:par>
+        <p:cTn id="1" dur="indefinite" restart="never" nodeType="tmRoot"/>
+      </p:par>
+    </p:tnLst>
+  </p:timing>
+</p:sld>
+</file>
+
+<file path=ppt/slides/slide11.xml><?xml version="1.0" encoding="utf-8"?>
+<p:sld xmlns:a="http://schemas.openxmlformats.org/drawingml/2006/main" xmlns:r="http://schemas.openxmlformats.org/officeDocument/2006/relationships" xmlns:p="http://schemas.openxmlformats.org/presentationml/2006/main">
+  <p:cSld>
+    <p:spTree>
+      <p:nvGrpSpPr>
+        <p:cNvPr id="1" name=""/>
+        <p:cNvGrpSpPr/>
+        <p:nvPr/>
+      </p:nvGrpSpPr>
+      <p:grpSpPr>
+        <a:xfrm>
+          <a:off x="0" y="0"/>
+          <a:ext cx="0" cy="0"/>
+          <a:chOff x="0" y="0"/>
+          <a:chExt cx="0" cy="0"/>
+        </a:xfrm>
+      </p:grpSpPr>
       <p:cxnSp>
         <p:nvCxnSpPr>
           <p:cNvPr id="20" name="직선 화살표 연결선 19"/>
@@ -5744,23 +6455,23 @@
           <a:p>
             <a:pPr algn="ctr"/>
             <a:r>
-              <a:rPr kumimoji="1" lang="ko-KR" altLang="en-US" sz="4000" smtClean="0"/>
+              <a:rPr kumimoji="1" lang="ko-KR" altLang="en-US" sz="4000" dirty="0" smtClean="0"/>
               <a:t>마을에서 출발해서 특정 던전의 보스를</a:t>
             </a:r>
-            <a:endParaRPr kumimoji="1" lang="en-US" altLang="ko-KR" sz="4000" smtClean="0"/>
+            <a:endParaRPr kumimoji="1" lang="en-US" altLang="ko-KR" sz="4000" dirty="0" smtClean="0"/>
           </a:p>
           <a:p>
             <a:pPr algn="ctr"/>
             <a:r>
-              <a:rPr kumimoji="1" lang="ko-KR" altLang="en-US" sz="4000" smtClean="0"/>
+              <a:rPr kumimoji="1" lang="ko-KR" altLang="en-US" sz="4000" dirty="0" smtClean="0"/>
               <a:t>잡는 것까지의 제작 과정</a:t>
             </a:r>
-            <a:endParaRPr kumimoji="1" lang="en-US" altLang="ko-KR" sz="4000" smtClean="0"/>
+            <a:endParaRPr kumimoji="1" lang="en-US" altLang="ko-KR" sz="4000" dirty="0" smtClean="0"/>
           </a:p>
           <a:p>
             <a:pPr algn="ctr"/>
             <a:r>
-              <a:rPr kumimoji="1" lang="ko-KR" altLang="en-US" sz="2000" smtClean="0">
+              <a:rPr kumimoji="1" lang="ko-KR" altLang="en-US" sz="2000" dirty="0" smtClean="0">
                 <a:solidFill>
                   <a:schemeClr val="bg1">
                     <a:lumMod val="75000"/>
@@ -5770,7 +6481,7 @@
               <a:t>기획 기간 동안 재미의 검증</a:t>
             </a:r>
             <a:r>
-              <a:rPr kumimoji="1" lang="en-US" altLang="ko-KR" sz="2000" smtClean="0">
+              <a:rPr kumimoji="1" lang="en-US" altLang="ko-KR" sz="2000" dirty="0" smtClean="0">
                 <a:solidFill>
                   <a:schemeClr val="bg1">
                     <a:lumMod val="75000"/>
@@ -5780,7 +6491,7 @@
               <a:t>,</a:t>
             </a:r>
             <a:r>
-              <a:rPr kumimoji="1" lang="ko-KR" altLang="en-US" sz="2000" smtClean="0">
+              <a:rPr kumimoji="1" lang="ko-KR" altLang="en-US" sz="2000" dirty="0" smtClean="0">
                 <a:solidFill>
                   <a:schemeClr val="bg1">
                     <a:lumMod val="75000"/>
@@ -5789,7 +6500,7 @@
               </a:rPr>
               <a:t> 기술적 난이도 확인</a:t>
             </a:r>
-            <a:endParaRPr kumimoji="1" lang="ko-KR" altLang="en-US" sz="2000">
+            <a:endParaRPr kumimoji="1" lang="ko-KR" altLang="en-US" sz="2000" dirty="0">
               <a:solidFill>
                 <a:schemeClr val="bg1">
                   <a:lumMod val="75000"/>
@@ -6823,7 +7534,676 @@
 </p:sld>
 </file>
 
-<file path=ppt/slides/slide11.xml><?xml version="1.0" encoding="utf-8"?>
+<file path=ppt/slides/slide12.xml><?xml version="1.0" encoding="utf-8"?>
+<p:sld xmlns:a="http://schemas.openxmlformats.org/drawingml/2006/main" xmlns:r="http://schemas.openxmlformats.org/officeDocument/2006/relationships" xmlns:p="http://schemas.openxmlformats.org/presentationml/2006/main">
+  <p:cSld>
+    <p:spTree>
+      <p:nvGrpSpPr>
+        <p:cNvPr id="1" name=""/>
+        <p:cNvGrpSpPr/>
+        <p:nvPr/>
+      </p:nvGrpSpPr>
+      <p:grpSpPr>
+        <a:xfrm>
+          <a:off x="0" y="0"/>
+          <a:ext cx="0" cy="0"/>
+          <a:chOff x="0" y="0"/>
+          <a:chExt cx="0" cy="0"/>
+        </a:xfrm>
+      </p:grpSpPr>
+      <p:sp>
+        <p:nvSpPr>
+          <p:cNvPr id="4" name="평행 사변형[P] 3"/>
+          <p:cNvSpPr/>
+          <p:nvPr/>
+        </p:nvSpPr>
+        <p:spPr>
+          <a:xfrm>
+            <a:off x="278779" y="354378"/>
+            <a:ext cx="5587348" cy="906386"/>
+          </a:xfrm>
+          <a:prstGeom prst="parallelogram">
+            <a:avLst/>
+          </a:prstGeom>
+          <a:solidFill>
+            <a:srgbClr val="00B0F0"/>
+          </a:solidFill>
+          <a:ln>
+            <a:noFill/>
+          </a:ln>
+        </p:spPr>
+        <p:style>
+          <a:lnRef idx="2">
+            <a:schemeClr val="accent1">
+              <a:shade val="50000"/>
+            </a:schemeClr>
+          </a:lnRef>
+          <a:fillRef idx="1">
+            <a:schemeClr val="accent1"/>
+          </a:fillRef>
+          <a:effectRef idx="0">
+            <a:schemeClr val="accent1"/>
+          </a:effectRef>
+          <a:fontRef idx="minor">
+            <a:schemeClr val="lt1"/>
+          </a:fontRef>
+        </p:style>
+        <p:txBody>
+          <a:bodyPr rtlCol="0" anchor="ctr"/>
+          <a:lstStyle/>
+          <a:p>
+            <a:r>
+              <a:rPr lang="ko-KR" altLang="en-US" sz="4000" dirty="0" smtClean="0">
+                <a:solidFill>
+                  <a:schemeClr val="bg1"/>
+                </a:solidFill>
+              </a:rPr>
+              <a:t>타 게임과의 비교</a:t>
+            </a:r>
+            <a:endParaRPr lang="en-US" altLang="ko-KR" sz="2400" dirty="0">
+              <a:solidFill>
+                <a:schemeClr val="accent1">
+                  <a:lumMod val="20000"/>
+                  <a:lumOff val="80000"/>
+                </a:schemeClr>
+              </a:solidFill>
+            </a:endParaRPr>
+          </a:p>
+        </p:txBody>
+      </p:sp>
+      <p:sp>
+        <p:nvSpPr>
+          <p:cNvPr id="13" name="직사각형 12"/>
+          <p:cNvSpPr/>
+          <p:nvPr/>
+        </p:nvSpPr>
+        <p:spPr>
+          <a:xfrm>
+            <a:off x="261846" y="1714294"/>
+            <a:ext cx="1337263" cy="1956212"/>
+          </a:xfrm>
+          <a:prstGeom prst="rect">
+            <a:avLst/>
+          </a:prstGeom>
+          <a:solidFill>
+            <a:srgbClr val="00B0F0"/>
+          </a:solidFill>
+          <a:ln w="38100">
+            <a:solidFill>
+              <a:srgbClr val="00B0F0"/>
+            </a:solidFill>
+          </a:ln>
+        </p:spPr>
+        <p:style>
+          <a:lnRef idx="2">
+            <a:schemeClr val="accent1">
+              <a:shade val="50000"/>
+            </a:schemeClr>
+          </a:lnRef>
+          <a:fillRef idx="1">
+            <a:schemeClr val="accent1"/>
+          </a:fillRef>
+          <a:effectRef idx="0">
+            <a:schemeClr val="accent1"/>
+          </a:effectRef>
+          <a:fontRef idx="minor">
+            <a:schemeClr val="lt1"/>
+          </a:fontRef>
+        </p:style>
+        <p:txBody>
+          <a:bodyPr rtlCol="0" anchor="ctr"/>
+          <a:lstStyle/>
+          <a:p>
+            <a:pPr algn="ctr"/>
+            <a:r>
+              <a:rPr kumimoji="1" lang="ko-KR" altLang="en-US" sz="2000" dirty="0" smtClean="0"/>
+              <a:t>마영전</a:t>
+            </a:r>
+            <a:endParaRPr kumimoji="1" lang="en-US" altLang="ko-KR" sz="2000" dirty="0" smtClean="0"/>
+          </a:p>
+        </p:txBody>
+      </p:sp>
+      <p:sp>
+        <p:nvSpPr>
+          <p:cNvPr id="14" name="직사각형 13"/>
+          <p:cNvSpPr/>
+          <p:nvPr/>
+        </p:nvSpPr>
+        <p:spPr>
+          <a:xfrm>
+            <a:off x="1599108" y="1718321"/>
+            <a:ext cx="4267019" cy="1956212"/>
+          </a:xfrm>
+          <a:prstGeom prst="rect">
+            <a:avLst/>
+          </a:prstGeom>
+          <a:noFill/>
+          <a:ln w="38100">
+            <a:solidFill>
+              <a:srgbClr val="00B0F0"/>
+            </a:solidFill>
+          </a:ln>
+        </p:spPr>
+        <p:style>
+          <a:lnRef idx="2">
+            <a:schemeClr val="accent1">
+              <a:shade val="50000"/>
+            </a:schemeClr>
+          </a:lnRef>
+          <a:fillRef idx="1">
+            <a:schemeClr val="accent1"/>
+          </a:fillRef>
+          <a:effectRef idx="0">
+            <a:schemeClr val="accent1"/>
+          </a:effectRef>
+          <a:fontRef idx="minor">
+            <a:schemeClr val="lt1"/>
+          </a:fontRef>
+        </p:style>
+        <p:txBody>
+          <a:bodyPr rtlCol="0" anchor="ctr"/>
+          <a:lstStyle/>
+          <a:p>
+            <a:pPr>
+              <a:lnSpc>
+                <a:spcPct val="150000"/>
+              </a:lnSpc>
+            </a:pPr>
+            <a:r>
+              <a:rPr kumimoji="1" lang="en-US" altLang="ko-KR" sz="2000" dirty="0" smtClean="0">
+                <a:solidFill>
+                  <a:schemeClr val="tx1"/>
+                </a:solidFill>
+              </a:rPr>
+              <a:t>3D</a:t>
+            </a:r>
+            <a:r>
+              <a:rPr kumimoji="1" lang="ko-KR" altLang="en-US" sz="2000" dirty="0" smtClean="0">
+                <a:solidFill>
+                  <a:schemeClr val="tx1"/>
+                </a:solidFill>
+              </a:rPr>
+              <a:t> 자유시점 게임 진행방식</a:t>
+            </a:r>
+            <a:endParaRPr kumimoji="1" lang="en-US" altLang="ko-KR" sz="2000" dirty="0" smtClean="0">
+              <a:solidFill>
+                <a:schemeClr val="tx1"/>
+              </a:solidFill>
+            </a:endParaRPr>
+          </a:p>
+          <a:p>
+            <a:pPr>
+              <a:lnSpc>
+                <a:spcPct val="150000"/>
+              </a:lnSpc>
+            </a:pPr>
+            <a:r>
+              <a:rPr kumimoji="1" lang="ko-KR" altLang="en-US" sz="2000" dirty="0" smtClean="0">
+                <a:solidFill>
+                  <a:schemeClr val="tx1"/>
+                </a:solidFill>
+              </a:rPr>
+              <a:t>제자리 칼춤을 벗어난 동적인 전투</a:t>
+            </a:r>
+            <a:endParaRPr kumimoji="1" lang="en-US" altLang="ko-KR" sz="2000" dirty="0" smtClean="0">
+              <a:solidFill>
+                <a:schemeClr val="tx1"/>
+              </a:solidFill>
+            </a:endParaRPr>
+          </a:p>
+          <a:p>
+            <a:pPr>
+              <a:lnSpc>
+                <a:spcPct val="150000"/>
+              </a:lnSpc>
+            </a:pPr>
+            <a:r>
+              <a:rPr kumimoji="1" lang="ko-KR" altLang="en-US" sz="2000" dirty="0" smtClean="0">
+                <a:solidFill>
+                  <a:schemeClr val="tx1"/>
+                </a:solidFill>
+              </a:rPr>
+              <a:t>보스와의 정교한 전투</a:t>
+            </a:r>
+            <a:endParaRPr kumimoji="1" lang="en-US" altLang="ko-KR" sz="2000" dirty="0" smtClean="0">
+              <a:solidFill>
+                <a:schemeClr val="tx1"/>
+              </a:solidFill>
+            </a:endParaRPr>
+          </a:p>
+        </p:txBody>
+      </p:sp>
+      <p:sp>
+        <p:nvSpPr>
+          <p:cNvPr id="16" name="직사각형 15"/>
+          <p:cNvSpPr/>
+          <p:nvPr/>
+        </p:nvSpPr>
+        <p:spPr>
+          <a:xfrm>
+            <a:off x="261846" y="4132090"/>
+            <a:ext cx="1337263" cy="1956212"/>
+          </a:xfrm>
+          <a:prstGeom prst="rect">
+            <a:avLst/>
+          </a:prstGeom>
+          <a:solidFill>
+            <a:srgbClr val="00B0F0"/>
+          </a:solidFill>
+          <a:ln w="38100">
+            <a:solidFill>
+              <a:srgbClr val="00B0F0"/>
+            </a:solidFill>
+          </a:ln>
+        </p:spPr>
+        <p:style>
+          <a:lnRef idx="2">
+            <a:schemeClr val="accent1">
+              <a:shade val="50000"/>
+            </a:schemeClr>
+          </a:lnRef>
+          <a:fillRef idx="1">
+            <a:schemeClr val="accent1"/>
+          </a:fillRef>
+          <a:effectRef idx="0">
+            <a:schemeClr val="accent1"/>
+          </a:effectRef>
+          <a:fontRef idx="minor">
+            <a:schemeClr val="lt1"/>
+          </a:fontRef>
+        </p:style>
+        <p:txBody>
+          <a:bodyPr rtlCol="0" anchor="ctr"/>
+          <a:lstStyle/>
+          <a:p>
+            <a:pPr algn="ctr"/>
+            <a:r>
+              <a:rPr kumimoji="1" lang="ko-KR" altLang="en-US" sz="2000" dirty="0" smtClean="0"/>
+              <a:t>디아블로</a:t>
+            </a:r>
+            <a:endParaRPr kumimoji="1" lang="en-US" altLang="ko-KR" sz="2000" dirty="0" smtClean="0"/>
+          </a:p>
+        </p:txBody>
+      </p:sp>
+      <p:sp>
+        <p:nvSpPr>
+          <p:cNvPr id="17" name="직사각형 16"/>
+          <p:cNvSpPr/>
+          <p:nvPr/>
+        </p:nvSpPr>
+        <p:spPr>
+          <a:xfrm>
+            <a:off x="1599108" y="4136117"/>
+            <a:ext cx="4267019" cy="1956212"/>
+          </a:xfrm>
+          <a:prstGeom prst="rect">
+            <a:avLst/>
+          </a:prstGeom>
+          <a:noFill/>
+          <a:ln w="38100">
+            <a:solidFill>
+              <a:srgbClr val="00B0F0"/>
+            </a:solidFill>
+          </a:ln>
+        </p:spPr>
+        <p:style>
+          <a:lnRef idx="2">
+            <a:schemeClr val="accent1">
+              <a:shade val="50000"/>
+            </a:schemeClr>
+          </a:lnRef>
+          <a:fillRef idx="1">
+            <a:schemeClr val="accent1"/>
+          </a:fillRef>
+          <a:effectRef idx="0">
+            <a:schemeClr val="accent1"/>
+          </a:effectRef>
+          <a:fontRef idx="minor">
+            <a:schemeClr val="lt1"/>
+          </a:fontRef>
+        </p:style>
+        <p:txBody>
+          <a:bodyPr rtlCol="0" anchor="ctr"/>
+          <a:lstStyle/>
+          <a:p>
+            <a:pPr>
+              <a:lnSpc>
+                <a:spcPct val="150000"/>
+              </a:lnSpc>
+            </a:pPr>
+            <a:r>
+              <a:rPr kumimoji="1" lang="en-US" altLang="ko-KR" sz="2000" dirty="0" smtClean="0">
+                <a:solidFill>
+                  <a:schemeClr val="tx1"/>
+                </a:solidFill>
+              </a:rPr>
+              <a:t>3D</a:t>
+            </a:r>
+            <a:r>
+              <a:rPr kumimoji="1" lang="ko-KR" altLang="en-US" sz="2000" dirty="0" smtClean="0">
+                <a:solidFill>
+                  <a:schemeClr val="tx1"/>
+                </a:solidFill>
+              </a:rPr>
+              <a:t> 쿼터뷰 게임 진행방식</a:t>
+            </a:r>
+            <a:endParaRPr kumimoji="1" lang="en-US" altLang="ko-KR" sz="2000" dirty="0" smtClean="0">
+              <a:solidFill>
+                <a:schemeClr val="tx1"/>
+              </a:solidFill>
+            </a:endParaRPr>
+          </a:p>
+          <a:p>
+            <a:pPr>
+              <a:lnSpc>
+                <a:spcPct val="150000"/>
+              </a:lnSpc>
+            </a:pPr>
+            <a:r>
+              <a:rPr kumimoji="1" lang="ko-KR" altLang="en-US" sz="2000" dirty="0" smtClean="0">
+                <a:solidFill>
+                  <a:schemeClr val="tx1"/>
+                </a:solidFill>
+              </a:rPr>
+              <a:t>마우스 조작 기반</a:t>
+            </a:r>
+            <a:endParaRPr kumimoji="1" lang="en-US" altLang="ko-KR" sz="2000" dirty="0" smtClean="0">
+              <a:solidFill>
+                <a:schemeClr val="tx1"/>
+              </a:solidFill>
+            </a:endParaRPr>
+          </a:p>
+          <a:p>
+            <a:pPr>
+              <a:lnSpc>
+                <a:spcPct val="150000"/>
+              </a:lnSpc>
+            </a:pPr>
+            <a:r>
+              <a:rPr kumimoji="1" lang="ko-KR" altLang="en-US" sz="2000" dirty="0" smtClean="0">
+                <a:solidFill>
+                  <a:schemeClr val="tx1"/>
+                </a:solidFill>
+              </a:rPr>
+              <a:t>적은 스킬을 활용한 전투 진행</a:t>
+            </a:r>
+            <a:endParaRPr kumimoji="1" lang="en-US" altLang="ko-KR" sz="2000" dirty="0" smtClean="0">
+              <a:solidFill>
+                <a:schemeClr val="tx1"/>
+              </a:solidFill>
+            </a:endParaRPr>
+          </a:p>
+          <a:p>
+            <a:pPr>
+              <a:lnSpc>
+                <a:spcPct val="150000"/>
+              </a:lnSpc>
+            </a:pPr>
+            <a:r>
+              <a:rPr kumimoji="1" lang="ko-KR" altLang="en-US" sz="2000" dirty="0" smtClean="0">
+                <a:solidFill>
+                  <a:schemeClr val="tx1"/>
+                </a:solidFill>
+              </a:rPr>
+              <a:t>다수의 적을 휩쓰는 전투방식</a:t>
+            </a:r>
+            <a:endParaRPr kumimoji="1" lang="en-US" altLang="ko-KR" sz="2000" dirty="0" smtClean="0">
+              <a:solidFill>
+                <a:schemeClr val="tx1"/>
+              </a:solidFill>
+            </a:endParaRPr>
+          </a:p>
+        </p:txBody>
+      </p:sp>
+      <p:sp>
+        <p:nvSpPr>
+          <p:cNvPr id="18" name="직사각형 17"/>
+          <p:cNvSpPr/>
+          <p:nvPr/>
+        </p:nvSpPr>
+        <p:spPr>
+          <a:xfrm>
+            <a:off x="6057900" y="1710267"/>
+            <a:ext cx="1337263" cy="4374008"/>
+          </a:xfrm>
+          <a:prstGeom prst="rect">
+            <a:avLst/>
+          </a:prstGeom>
+          <a:solidFill>
+            <a:schemeClr val="bg1">
+              <a:lumMod val="50000"/>
+            </a:schemeClr>
+          </a:solidFill>
+          <a:ln w="38100">
+            <a:solidFill>
+              <a:schemeClr val="bg1">
+                <a:lumMod val="50000"/>
+              </a:schemeClr>
+            </a:solidFill>
+          </a:ln>
+        </p:spPr>
+        <p:style>
+          <a:lnRef idx="2">
+            <a:schemeClr val="accent1">
+              <a:shade val="50000"/>
+            </a:schemeClr>
+          </a:lnRef>
+          <a:fillRef idx="1">
+            <a:schemeClr val="accent1"/>
+          </a:fillRef>
+          <a:effectRef idx="0">
+            <a:schemeClr val="accent1"/>
+          </a:effectRef>
+          <a:fontRef idx="minor">
+            <a:schemeClr val="lt1"/>
+          </a:fontRef>
+        </p:style>
+        <p:txBody>
+          <a:bodyPr rtlCol="0" anchor="ctr"/>
+          <a:lstStyle/>
+          <a:p>
+            <a:pPr algn="ctr"/>
+            <a:r>
+              <a:rPr kumimoji="1" lang="ko-KR" altLang="en-US" sz="2000" smtClean="0"/>
+              <a:t>노루막이</a:t>
+            </a:r>
+            <a:endParaRPr kumimoji="1" lang="en-US" altLang="ko-KR" sz="2000" dirty="0" smtClean="0"/>
+          </a:p>
+        </p:txBody>
+      </p:sp>
+      <p:sp>
+        <p:nvSpPr>
+          <p:cNvPr id="19" name="직사각형 18"/>
+          <p:cNvSpPr/>
+          <p:nvPr/>
+        </p:nvSpPr>
+        <p:spPr>
+          <a:xfrm>
+            <a:off x="7395163" y="1714294"/>
+            <a:ext cx="4627504" cy="4374008"/>
+          </a:xfrm>
+          <a:prstGeom prst="rect">
+            <a:avLst/>
+          </a:prstGeom>
+          <a:noFill/>
+          <a:ln w="38100">
+            <a:solidFill>
+              <a:schemeClr val="bg1">
+                <a:lumMod val="50000"/>
+              </a:schemeClr>
+            </a:solidFill>
+          </a:ln>
+        </p:spPr>
+        <p:style>
+          <a:lnRef idx="2">
+            <a:schemeClr val="accent1">
+              <a:shade val="50000"/>
+            </a:schemeClr>
+          </a:lnRef>
+          <a:fillRef idx="1">
+            <a:schemeClr val="accent1"/>
+          </a:fillRef>
+          <a:effectRef idx="0">
+            <a:schemeClr val="accent1"/>
+          </a:effectRef>
+          <a:fontRef idx="minor">
+            <a:schemeClr val="lt1"/>
+          </a:fontRef>
+        </p:style>
+        <p:txBody>
+          <a:bodyPr rtlCol="0" anchor="ctr"/>
+          <a:lstStyle/>
+          <a:p>
+            <a:pPr>
+              <a:lnSpc>
+                <a:spcPct val="150000"/>
+              </a:lnSpc>
+            </a:pPr>
+            <a:r>
+              <a:rPr kumimoji="1" lang="en-US" altLang="ko-KR" sz="2000" dirty="0" smtClean="0">
+                <a:solidFill>
+                  <a:schemeClr val="tx1"/>
+                </a:solidFill>
+              </a:rPr>
+              <a:t>3D</a:t>
+            </a:r>
+            <a:r>
+              <a:rPr kumimoji="1" lang="ko-KR" altLang="en-US" sz="2000" dirty="0" smtClean="0">
+                <a:solidFill>
+                  <a:schemeClr val="tx1"/>
+                </a:solidFill>
+              </a:rPr>
+              <a:t> 쿼터뷰 논타겟 키보드 조작방식</a:t>
+            </a:r>
+            <a:endParaRPr kumimoji="1" lang="en-US" altLang="ko-KR" sz="2000" dirty="0" smtClean="0">
+              <a:solidFill>
+                <a:schemeClr val="tx1"/>
+              </a:solidFill>
+            </a:endParaRPr>
+          </a:p>
+          <a:p>
+            <a:pPr>
+              <a:lnSpc>
+                <a:spcPct val="150000"/>
+              </a:lnSpc>
+            </a:pPr>
+            <a:endParaRPr kumimoji="1" lang="en-US" altLang="ko-KR" sz="2000" dirty="0" smtClean="0">
+              <a:solidFill>
+                <a:schemeClr val="tx1"/>
+              </a:solidFill>
+            </a:endParaRPr>
+          </a:p>
+          <a:p>
+            <a:pPr>
+              <a:lnSpc>
+                <a:spcPct val="150000"/>
+              </a:lnSpc>
+            </a:pPr>
+            <a:r>
+              <a:rPr kumimoji="1" lang="ko-KR" altLang="en-US" sz="2000" dirty="0" smtClean="0">
+                <a:solidFill>
+                  <a:schemeClr val="tx1"/>
+                </a:solidFill>
+              </a:rPr>
+              <a:t>발열 시스템과 궁극기 시스템을 활용해 유저가 만들어가는 전투</a:t>
+            </a:r>
+            <a:endParaRPr kumimoji="1" lang="en-US" altLang="ko-KR" sz="2000" dirty="0" smtClean="0">
+              <a:solidFill>
+                <a:schemeClr val="tx1"/>
+              </a:solidFill>
+            </a:endParaRPr>
+          </a:p>
+          <a:p>
+            <a:pPr>
+              <a:lnSpc>
+                <a:spcPct val="150000"/>
+              </a:lnSpc>
+            </a:pPr>
+            <a:endParaRPr kumimoji="1" lang="en-US" altLang="ko-KR" sz="2000" dirty="0" smtClean="0">
+              <a:solidFill>
+                <a:schemeClr val="tx1"/>
+              </a:solidFill>
+            </a:endParaRPr>
+          </a:p>
+          <a:p>
+            <a:pPr>
+              <a:lnSpc>
+                <a:spcPct val="150000"/>
+              </a:lnSpc>
+            </a:pPr>
+            <a:r>
+              <a:rPr kumimoji="1" lang="ko-KR" altLang="en-US" sz="2000" dirty="0" smtClean="0">
+                <a:solidFill>
+                  <a:schemeClr val="tx1"/>
+                </a:solidFill>
+              </a:rPr>
+              <a:t>비실사 그래픽을 사용하여 </a:t>
+            </a:r>
+            <a:r>
+              <a:rPr kumimoji="1" lang="en-US" altLang="ko-KR" sz="2000" dirty="0" smtClean="0">
+                <a:solidFill>
+                  <a:schemeClr val="tx1"/>
+                </a:solidFill>
+              </a:rPr>
+              <a:t>PC</a:t>
+            </a:r>
+            <a:r>
+              <a:rPr kumimoji="1" lang="ko-KR" altLang="en-US" sz="2000" dirty="0" smtClean="0">
+                <a:solidFill>
+                  <a:schemeClr val="tx1"/>
+                </a:solidFill>
+              </a:rPr>
+              <a:t>가 </a:t>
+            </a:r>
+            <a:endParaRPr kumimoji="1" lang="en-US" altLang="ko-KR" sz="2000" dirty="0" smtClean="0">
+              <a:solidFill>
+                <a:schemeClr val="tx1"/>
+              </a:solidFill>
+            </a:endParaRPr>
+          </a:p>
+          <a:p>
+            <a:pPr>
+              <a:lnSpc>
+                <a:spcPct val="150000"/>
+              </a:lnSpc>
+            </a:pPr>
+            <a:r>
+              <a:rPr kumimoji="1" lang="ko-KR" altLang="en-US" sz="2000" dirty="0" smtClean="0">
+                <a:solidFill>
+                  <a:schemeClr val="tx1"/>
+                </a:solidFill>
+              </a:rPr>
+              <a:t>전투에만 몰입할 수 있는 환경 조성</a:t>
+            </a:r>
+            <a:endParaRPr kumimoji="1" lang="en-US" altLang="ko-KR" sz="2000" dirty="0">
+              <a:solidFill>
+                <a:schemeClr val="tx1"/>
+              </a:solidFill>
+            </a:endParaRPr>
+          </a:p>
+        </p:txBody>
+      </p:sp>
+    </p:spTree>
+    <p:extLst>
+      <p:ext uri="{BB962C8B-B14F-4D97-AF65-F5344CB8AC3E}">
+        <p14:creationId xmlns:p14="http://schemas.microsoft.com/office/powerpoint/2010/main" val="162197957"/>
+      </p:ext>
+    </p:extLst>
+  </p:cSld>
+  <p:clrMapOvr>
+    <a:masterClrMapping/>
+  </p:clrMapOvr>
+  <p:timing>
+    <p:tnLst>
+      <p:par>
+        <p:cTn id="1" dur="indefinite" restart="never" nodeType="tmRoot"/>
+      </p:par>
+    </p:tnLst>
+  </p:timing>
+</p:sld>
+</file>
+
+<file path=ppt/slides/slide13.xml><?xml version="1.0" encoding="utf-8"?>
 <p:sld xmlns:a="http://schemas.openxmlformats.org/drawingml/2006/main" xmlns:r="http://schemas.openxmlformats.org/officeDocument/2006/relationships" xmlns:p="http://schemas.openxmlformats.org/presentationml/2006/main">
   <p:cSld>
     <p:spTree>
@@ -8087,7 +9467,7 @@
 </p:sld>
 </file>
 
-<file path=ppt/slides/slide12.xml><?xml version="1.0" encoding="utf-8"?>
+<file path=ppt/slides/slide14.xml><?xml version="1.0" encoding="utf-8"?>
 <p:sld xmlns:a="http://schemas.openxmlformats.org/drawingml/2006/main" xmlns:r="http://schemas.openxmlformats.org/officeDocument/2006/relationships" xmlns:p="http://schemas.openxmlformats.org/presentationml/2006/main">
   <p:cSld>
     <p:spTree>
@@ -8413,7 +9793,7 @@
 </p:sld>
 </file>
 
-<file path=ppt/slides/slide13.xml><?xml version="1.0" encoding="utf-8"?>
+<file path=ppt/slides/slide15.xml><?xml version="1.0" encoding="utf-8"?>
 <p:sld xmlns:a="http://schemas.openxmlformats.org/drawingml/2006/main" xmlns:r="http://schemas.openxmlformats.org/officeDocument/2006/relationships" xmlns:p="http://schemas.openxmlformats.org/presentationml/2006/main">
   <p:cSld>
     <p:spTree>
@@ -8756,1669 +10136,6 @@
     <p:extLst>
       <p:ext uri="{BB962C8B-B14F-4D97-AF65-F5344CB8AC3E}">
         <p14:creationId xmlns:p14="http://schemas.microsoft.com/office/powerpoint/2010/main" val="1601952738"/>
-      </p:ext>
-    </p:extLst>
-  </p:cSld>
-  <p:clrMapOvr>
-    <a:masterClrMapping/>
-  </p:clrMapOvr>
-  <p:transition spd="slow">
-    <p:push dir="u"/>
-  </p:transition>
-  <mc:AlternateContent xmlns:mc="http://schemas.openxmlformats.org/markup-compatibility/2006" xmlns:p14="http://schemas.microsoft.com/office/powerpoint/2010/main">
-    <mc:Choice Requires="p14">
-      <p:timing>
-        <p:tnLst>
-          <p:par>
-            <p:cTn id="1" dur="indefinite" restart="never" nodeType="tmRoot">
-              <p:childTnLst>
-                <p:seq concurrent="1" nextAc="seek">
-                  <p:cTn id="2" dur="indefinite" nodeType="mainSeq">
-                    <p:childTnLst>
-                      <p:par>
-                        <p:cTn id="3" fill="hold">
-                          <p:stCondLst>
-                            <p:cond delay="indefinite"/>
-                            <p:cond evt="onBegin" delay="0">
-                              <p:tn val="2"/>
-                            </p:cond>
-                          </p:stCondLst>
-                          <p:childTnLst>
-                            <p:par>
-                              <p:cTn id="4" fill="hold">
-                                <p:stCondLst>
-                                  <p:cond delay="0"/>
-                                </p:stCondLst>
-                                <p:childTnLst>
-                                  <p:par>
-                                    <p:cTn id="5" presetID="41" presetClass="entr" presetSubtype="0" fill="hold" grpId="0" nodeType="withEffect">
-                                      <p:stCondLst>
-                                        <p:cond delay="0"/>
-                                      </p:stCondLst>
-                                      <p:iterate type="lt">
-                                        <p:tmPct val="10000"/>
-                                      </p:iterate>
-                                      <p:childTnLst>
-                                        <p:set>
-                                          <p:cBhvr>
-                                            <p:cTn id="6" dur="1" fill="hold">
-                                              <p:stCondLst>
-                                                <p:cond delay="0"/>
-                                              </p:stCondLst>
-                                            </p:cTn>
-                                            <p:tgtEl>
-                                              <p:spTgt spid="4"/>
-                                            </p:tgtEl>
-                                            <p:attrNameLst>
-                                              <p:attrName>style.visibility</p:attrName>
-                                            </p:attrNameLst>
-                                          </p:cBhvr>
-                                          <p:to>
-                                            <p:strVal val="visible"/>
-                                          </p:to>
-                                        </p:set>
-                                        <p:anim calcmode="lin" valueType="num">
-                                          <p:cBhvr>
-                                            <p:cTn id="7" dur="500" fill="hold"/>
-                                            <p:tgtEl>
-                                              <p:spTgt spid="4"/>
-                                            </p:tgtEl>
-                                            <p:attrNameLst>
-                                              <p:attrName>ppt_x</p:attrName>
-                                            </p:attrNameLst>
-                                          </p:cBhvr>
-                                          <p:tavLst>
-                                            <p:tav tm="0">
-                                              <p:val>
-                                                <p:strVal val="#ppt_x"/>
-                                              </p:val>
-                                            </p:tav>
-                                            <p:tav tm="50000">
-                                              <p:val>
-                                                <p:strVal val="#ppt_x+.1"/>
-                                              </p:val>
-                                            </p:tav>
-                                            <p:tav tm="100000">
-                                              <p:val>
-                                                <p:strVal val="#ppt_x"/>
-                                              </p:val>
-                                            </p:tav>
-                                          </p:tavLst>
-                                        </p:anim>
-                                        <p:anim calcmode="lin" valueType="num">
-                                          <p:cBhvr>
-                                            <p:cTn id="8" dur="500" fill="hold"/>
-                                            <p:tgtEl>
-                                              <p:spTgt spid="4"/>
-                                            </p:tgtEl>
-                                            <p:attrNameLst>
-                                              <p:attrName>ppt_y</p:attrName>
-                                            </p:attrNameLst>
-                                          </p:cBhvr>
-                                          <p:tavLst>
-                                            <p:tav tm="0">
-                                              <p:val>
-                                                <p:strVal val="#ppt_y"/>
-                                              </p:val>
-                                            </p:tav>
-                                            <p:tav tm="100000">
-                                              <p:val>
-                                                <p:strVal val="#ppt_y"/>
-                                              </p:val>
-                                            </p:tav>
-                                          </p:tavLst>
-                                        </p:anim>
-                                        <p:anim calcmode="lin" valueType="num">
-                                          <p:cBhvr>
-                                            <p:cTn id="9" dur="500" fill="hold"/>
-                                            <p:tgtEl>
-                                              <p:spTgt spid="4"/>
-                                            </p:tgtEl>
-                                            <p:attrNameLst>
-                                              <p:attrName>ppt_h</p:attrName>
-                                            </p:attrNameLst>
-                                          </p:cBhvr>
-                                          <p:tavLst>
-                                            <p:tav tm="0">
-                                              <p:val>
-                                                <p:strVal val="#ppt_h/10"/>
-                                              </p:val>
-                                            </p:tav>
-                                            <p:tav tm="50000">
-                                              <p:val>
-                                                <p:strVal val="#ppt_h+.01"/>
-                                              </p:val>
-                                            </p:tav>
-                                            <p:tav tm="100000">
-                                              <p:val>
-                                                <p:strVal val="#ppt_h"/>
-                                              </p:val>
-                                            </p:tav>
-                                          </p:tavLst>
-                                        </p:anim>
-                                        <p:anim calcmode="lin" valueType="num">
-                                          <p:cBhvr>
-                                            <p:cTn id="10" dur="500" fill="hold"/>
-                                            <p:tgtEl>
-                                              <p:spTgt spid="4"/>
-                                            </p:tgtEl>
-                                            <p:attrNameLst>
-                                              <p:attrName>ppt_w</p:attrName>
-                                            </p:attrNameLst>
-                                          </p:cBhvr>
-                                          <p:tavLst>
-                                            <p:tav tm="0">
-                                              <p:val>
-                                                <p:strVal val="#ppt_w/10"/>
-                                              </p:val>
-                                            </p:tav>
-                                            <p:tav tm="50000">
-                                              <p:val>
-                                                <p:strVal val="#ppt_w+.01"/>
-                                              </p:val>
-                                            </p:tav>
-                                            <p:tav tm="100000">
-                                              <p:val>
-                                                <p:strVal val="#ppt_w"/>
-                                              </p:val>
-                                            </p:tav>
-                                          </p:tavLst>
-                                        </p:anim>
-                                        <p:animEffect transition="in" filter="fade">
-                                          <p:cBhvr>
-                                            <p:cTn id="11" dur="500" tmFilter="0,0; .5, 1; 1, 1"/>
-                                            <p:tgtEl>
-                                              <p:spTgt spid="4"/>
-                                            </p:tgtEl>
-                                          </p:cBhvr>
-                                        </p:animEffect>
-                                      </p:childTnLst>
-                                    </p:cTn>
-                                  </p:par>
-                                  <p:par>
-                                    <p:cTn id="12" presetID="41" presetClass="entr" presetSubtype="0" fill="hold" grpId="0" nodeType="withEffect">
-                                      <p:stCondLst>
-                                        <p:cond delay="0"/>
-                                      </p:stCondLst>
-                                      <p:iterate type="lt">
-                                        <p:tmPct val="10000"/>
-                                      </p:iterate>
-                                      <p:childTnLst>
-                                        <p:set>
-                                          <p:cBhvr>
-                                            <p:cTn id="13" dur="1" fill="hold">
-                                              <p:stCondLst>
-                                                <p:cond delay="0"/>
-                                              </p:stCondLst>
-                                            </p:cTn>
-                                            <p:tgtEl>
-                                              <p:spTgt spid="12"/>
-                                            </p:tgtEl>
-                                            <p:attrNameLst>
-                                              <p:attrName>style.visibility</p:attrName>
-                                            </p:attrNameLst>
-                                          </p:cBhvr>
-                                          <p:to>
-                                            <p:strVal val="visible"/>
-                                          </p:to>
-                                        </p:set>
-                                        <p:anim calcmode="lin" valueType="num">
-                                          <p:cBhvr>
-                                            <p:cTn id="14" dur="500" fill="hold"/>
-                                            <p:tgtEl>
-                                              <p:spTgt spid="12"/>
-                                            </p:tgtEl>
-                                            <p:attrNameLst>
-                                              <p:attrName>ppt_x</p:attrName>
-                                            </p:attrNameLst>
-                                          </p:cBhvr>
-                                          <p:tavLst>
-                                            <p:tav tm="0">
-                                              <p:val>
-                                                <p:strVal val="#ppt_x"/>
-                                              </p:val>
-                                            </p:tav>
-                                            <p:tav tm="50000">
-                                              <p:val>
-                                                <p:strVal val="#ppt_x+.1"/>
-                                              </p:val>
-                                            </p:tav>
-                                            <p:tav tm="100000">
-                                              <p:val>
-                                                <p:strVal val="#ppt_x"/>
-                                              </p:val>
-                                            </p:tav>
-                                          </p:tavLst>
-                                        </p:anim>
-                                        <p:anim calcmode="lin" valueType="num">
-                                          <p:cBhvr>
-                                            <p:cTn id="15" dur="500" fill="hold"/>
-                                            <p:tgtEl>
-                                              <p:spTgt spid="12"/>
-                                            </p:tgtEl>
-                                            <p:attrNameLst>
-                                              <p:attrName>ppt_y</p:attrName>
-                                            </p:attrNameLst>
-                                          </p:cBhvr>
-                                          <p:tavLst>
-                                            <p:tav tm="0">
-                                              <p:val>
-                                                <p:strVal val="#ppt_y"/>
-                                              </p:val>
-                                            </p:tav>
-                                            <p:tav tm="100000">
-                                              <p:val>
-                                                <p:strVal val="#ppt_y"/>
-                                              </p:val>
-                                            </p:tav>
-                                          </p:tavLst>
-                                        </p:anim>
-                                        <p:anim calcmode="lin" valueType="num">
-                                          <p:cBhvr>
-                                            <p:cTn id="16" dur="500" fill="hold"/>
-                                            <p:tgtEl>
-                                              <p:spTgt spid="12"/>
-                                            </p:tgtEl>
-                                            <p:attrNameLst>
-                                              <p:attrName>ppt_h</p:attrName>
-                                            </p:attrNameLst>
-                                          </p:cBhvr>
-                                          <p:tavLst>
-                                            <p:tav tm="0">
-                                              <p:val>
-                                                <p:strVal val="#ppt_h/10"/>
-                                              </p:val>
-                                            </p:tav>
-                                            <p:tav tm="50000">
-                                              <p:val>
-                                                <p:strVal val="#ppt_h+.01"/>
-                                              </p:val>
-                                            </p:tav>
-                                            <p:tav tm="100000">
-                                              <p:val>
-                                                <p:strVal val="#ppt_h"/>
-                                              </p:val>
-                                            </p:tav>
-                                          </p:tavLst>
-                                        </p:anim>
-                                        <p:anim calcmode="lin" valueType="num">
-                                          <p:cBhvr>
-                                            <p:cTn id="17" dur="500" fill="hold"/>
-                                            <p:tgtEl>
-                                              <p:spTgt spid="12"/>
-                                            </p:tgtEl>
-                                            <p:attrNameLst>
-                                              <p:attrName>ppt_w</p:attrName>
-                                            </p:attrNameLst>
-                                          </p:cBhvr>
-                                          <p:tavLst>
-                                            <p:tav tm="0">
-                                              <p:val>
-                                                <p:strVal val="#ppt_w/10"/>
-                                              </p:val>
-                                            </p:tav>
-                                            <p:tav tm="50000">
-                                              <p:val>
-                                                <p:strVal val="#ppt_w+.01"/>
-                                              </p:val>
-                                            </p:tav>
-                                            <p:tav tm="100000">
-                                              <p:val>
-                                                <p:strVal val="#ppt_w"/>
-                                              </p:val>
-                                            </p:tav>
-                                          </p:tavLst>
-                                        </p:anim>
-                                        <p:animEffect transition="in" filter="fade">
-                                          <p:cBhvr>
-                                            <p:cTn id="18" dur="500" tmFilter="0,0; .5, 1; 1, 1"/>
-                                            <p:tgtEl>
-                                              <p:spTgt spid="12"/>
-                                            </p:tgtEl>
-                                          </p:cBhvr>
-                                        </p:animEffect>
-                                      </p:childTnLst>
-                                    </p:cTn>
-                                  </p:par>
-                                </p:childTnLst>
-                              </p:cTn>
-                            </p:par>
-                            <p:par>
-                              <p:cTn id="19" fill="hold">
-                                <p:stCondLst>
-                                  <p:cond delay="850"/>
-                                </p:stCondLst>
-                                <p:childTnLst>
-                                  <p:par>
-                                    <p:cTn id="20" presetID="2" presetClass="entr" presetSubtype="1" fill="hold" grpId="0" nodeType="afterEffect" p14:presetBounceEnd="50000">
-                                      <p:stCondLst>
-                                        <p:cond delay="0"/>
-                                      </p:stCondLst>
-                                      <p:childTnLst>
-                                        <p:set>
-                                          <p:cBhvr>
-                                            <p:cTn id="21" dur="1" fill="hold">
-                                              <p:stCondLst>
-                                                <p:cond delay="0"/>
-                                              </p:stCondLst>
-                                            </p:cTn>
-                                            <p:tgtEl>
-                                              <p:spTgt spid="9"/>
-                                            </p:tgtEl>
-                                            <p:attrNameLst>
-                                              <p:attrName>style.visibility</p:attrName>
-                                            </p:attrNameLst>
-                                          </p:cBhvr>
-                                          <p:to>
-                                            <p:strVal val="visible"/>
-                                          </p:to>
-                                        </p:set>
-                                        <p:anim calcmode="lin" valueType="num" p14:bounceEnd="50000">
-                                          <p:cBhvr additive="base">
-                                            <p:cTn id="22" dur="1000" fill="hold"/>
-                                            <p:tgtEl>
-                                              <p:spTgt spid="9"/>
-                                            </p:tgtEl>
-                                            <p:attrNameLst>
-                                              <p:attrName>ppt_x</p:attrName>
-                                            </p:attrNameLst>
-                                          </p:cBhvr>
-                                          <p:tavLst>
-                                            <p:tav tm="0">
-                                              <p:val>
-                                                <p:strVal val="#ppt_x"/>
-                                              </p:val>
-                                            </p:tav>
-                                            <p:tav tm="100000">
-                                              <p:val>
-                                                <p:strVal val="#ppt_x"/>
-                                              </p:val>
-                                            </p:tav>
-                                          </p:tavLst>
-                                        </p:anim>
-                                        <p:anim calcmode="lin" valueType="num" p14:bounceEnd="50000">
-                                          <p:cBhvr additive="base">
-                                            <p:cTn id="23" dur="1000" fill="hold"/>
-                                            <p:tgtEl>
-                                              <p:spTgt spid="9"/>
-                                            </p:tgtEl>
-                                            <p:attrNameLst>
-                                              <p:attrName>ppt_y</p:attrName>
-                                            </p:attrNameLst>
-                                          </p:cBhvr>
-                                          <p:tavLst>
-                                            <p:tav tm="0">
-                                              <p:val>
-                                                <p:strVal val="0-#ppt_h/2"/>
-                                              </p:val>
-                                            </p:tav>
-                                            <p:tav tm="100000">
-                                              <p:val>
-                                                <p:strVal val="#ppt_y"/>
-                                              </p:val>
-                                            </p:tav>
-                                          </p:tavLst>
-                                        </p:anim>
-                                      </p:childTnLst>
-                                    </p:cTn>
-                                  </p:par>
-                                </p:childTnLst>
-                              </p:cTn>
-                            </p:par>
-                          </p:childTnLst>
-                        </p:cTn>
-                      </p:par>
-                      <p:par>
-                        <p:cTn id="24" fill="hold">
-                          <p:stCondLst>
-                            <p:cond delay="indefinite"/>
-                          </p:stCondLst>
-                          <p:childTnLst>
-                            <p:par>
-                              <p:cTn id="25" fill="hold">
-                                <p:stCondLst>
-                                  <p:cond delay="0"/>
-                                </p:stCondLst>
-                                <p:childTnLst>
-                                  <p:par>
-                                    <p:cTn id="26" presetID="1" presetClass="entr" presetSubtype="0" fill="hold" grpId="0" nodeType="clickEffect">
-                                      <p:stCondLst>
-                                        <p:cond delay="0"/>
-                                      </p:stCondLst>
-                                      <p:childTnLst>
-                                        <p:set>
-                                          <p:cBhvr>
-                                            <p:cTn id="27" dur="1" fill="hold">
-                                              <p:stCondLst>
-                                                <p:cond delay="0"/>
-                                              </p:stCondLst>
-                                            </p:cTn>
-                                            <p:tgtEl>
-                                              <p:spTgt spid="10"/>
-                                            </p:tgtEl>
-                                            <p:attrNameLst>
-                                              <p:attrName>style.visibility</p:attrName>
-                                            </p:attrNameLst>
-                                          </p:cBhvr>
-                                          <p:to>
-                                            <p:strVal val="visible"/>
-                                          </p:to>
-                                        </p:set>
-                                      </p:childTnLst>
-                                    </p:cTn>
-                                  </p:par>
-                                </p:childTnLst>
-                              </p:cTn>
-                            </p:par>
-                          </p:childTnLst>
-                        </p:cTn>
-                      </p:par>
-                    </p:childTnLst>
-                  </p:cTn>
-                  <p:prevCondLst>
-                    <p:cond evt="onPrev" delay="0">
-                      <p:tgtEl>
-                        <p:sldTgt/>
-                      </p:tgtEl>
-                    </p:cond>
-                  </p:prevCondLst>
-                  <p:nextCondLst>
-                    <p:cond evt="onNext" delay="0">
-                      <p:tgtEl>
-                        <p:sldTgt/>
-                      </p:tgtEl>
-                    </p:cond>
-                  </p:nextCondLst>
-                </p:seq>
-              </p:childTnLst>
-            </p:cTn>
-          </p:par>
-        </p:tnLst>
-        <p:bldLst>
-          <p:bldP spid="4" grpId="0"/>
-          <p:bldP spid="10" grpId="0"/>
-          <p:bldP spid="12" grpId="0"/>
-          <p:bldP spid="9" grpId="0"/>
-        </p:bldLst>
-      </p:timing>
-    </mc:Choice>
-    <mc:Fallback xmlns="">
-      <p:timing>
-        <p:tnLst>
-          <p:par>
-            <p:cTn id="1" dur="indefinite" restart="never" nodeType="tmRoot">
-              <p:childTnLst>
-                <p:seq concurrent="1" nextAc="seek">
-                  <p:cTn id="2" dur="indefinite" nodeType="mainSeq">
-                    <p:childTnLst>
-                      <p:par>
-                        <p:cTn id="3" fill="hold">
-                          <p:stCondLst>
-                            <p:cond delay="indefinite"/>
-                            <p:cond evt="onBegin" delay="0">
-                              <p:tn val="2"/>
-                            </p:cond>
-                          </p:stCondLst>
-                          <p:childTnLst>
-                            <p:par>
-                              <p:cTn id="4" fill="hold">
-                                <p:stCondLst>
-                                  <p:cond delay="0"/>
-                                </p:stCondLst>
-                                <p:childTnLst>
-                                  <p:par>
-                                    <p:cTn id="5" presetID="41" presetClass="entr" presetSubtype="0" fill="hold" grpId="0" nodeType="withEffect">
-                                      <p:stCondLst>
-                                        <p:cond delay="0"/>
-                                      </p:stCondLst>
-                                      <p:iterate type="lt">
-                                        <p:tmPct val="10000"/>
-                                      </p:iterate>
-                                      <p:childTnLst>
-                                        <p:set>
-                                          <p:cBhvr>
-                                            <p:cTn id="6" dur="1" fill="hold">
-                                              <p:stCondLst>
-                                                <p:cond delay="0"/>
-                                              </p:stCondLst>
-                                            </p:cTn>
-                                            <p:tgtEl>
-                                              <p:spTgt spid="4"/>
-                                            </p:tgtEl>
-                                            <p:attrNameLst>
-                                              <p:attrName>style.visibility</p:attrName>
-                                            </p:attrNameLst>
-                                          </p:cBhvr>
-                                          <p:to>
-                                            <p:strVal val="visible"/>
-                                          </p:to>
-                                        </p:set>
-                                        <p:anim calcmode="lin" valueType="num">
-                                          <p:cBhvr>
-                                            <p:cTn id="7" dur="500" fill="hold"/>
-                                            <p:tgtEl>
-                                              <p:spTgt spid="4"/>
-                                            </p:tgtEl>
-                                            <p:attrNameLst>
-                                              <p:attrName>ppt_x</p:attrName>
-                                            </p:attrNameLst>
-                                          </p:cBhvr>
-                                          <p:tavLst>
-                                            <p:tav tm="0">
-                                              <p:val>
-                                                <p:strVal val="#ppt_x"/>
-                                              </p:val>
-                                            </p:tav>
-                                            <p:tav tm="50000">
-                                              <p:val>
-                                                <p:strVal val="#ppt_x+.1"/>
-                                              </p:val>
-                                            </p:tav>
-                                            <p:tav tm="100000">
-                                              <p:val>
-                                                <p:strVal val="#ppt_x"/>
-                                              </p:val>
-                                            </p:tav>
-                                          </p:tavLst>
-                                        </p:anim>
-                                        <p:anim calcmode="lin" valueType="num">
-                                          <p:cBhvr>
-                                            <p:cTn id="8" dur="500" fill="hold"/>
-                                            <p:tgtEl>
-                                              <p:spTgt spid="4"/>
-                                            </p:tgtEl>
-                                            <p:attrNameLst>
-                                              <p:attrName>ppt_y</p:attrName>
-                                            </p:attrNameLst>
-                                          </p:cBhvr>
-                                          <p:tavLst>
-                                            <p:tav tm="0">
-                                              <p:val>
-                                                <p:strVal val="#ppt_y"/>
-                                              </p:val>
-                                            </p:tav>
-                                            <p:tav tm="100000">
-                                              <p:val>
-                                                <p:strVal val="#ppt_y"/>
-                                              </p:val>
-                                            </p:tav>
-                                          </p:tavLst>
-                                        </p:anim>
-                                        <p:anim calcmode="lin" valueType="num">
-                                          <p:cBhvr>
-                                            <p:cTn id="9" dur="500" fill="hold"/>
-                                            <p:tgtEl>
-                                              <p:spTgt spid="4"/>
-                                            </p:tgtEl>
-                                            <p:attrNameLst>
-                                              <p:attrName>ppt_h</p:attrName>
-                                            </p:attrNameLst>
-                                          </p:cBhvr>
-                                          <p:tavLst>
-                                            <p:tav tm="0">
-                                              <p:val>
-                                                <p:strVal val="#ppt_h/10"/>
-                                              </p:val>
-                                            </p:tav>
-                                            <p:tav tm="50000">
-                                              <p:val>
-                                                <p:strVal val="#ppt_h+.01"/>
-                                              </p:val>
-                                            </p:tav>
-                                            <p:tav tm="100000">
-                                              <p:val>
-                                                <p:strVal val="#ppt_h"/>
-                                              </p:val>
-                                            </p:tav>
-                                          </p:tavLst>
-                                        </p:anim>
-                                        <p:anim calcmode="lin" valueType="num">
-                                          <p:cBhvr>
-                                            <p:cTn id="10" dur="500" fill="hold"/>
-                                            <p:tgtEl>
-                                              <p:spTgt spid="4"/>
-                                            </p:tgtEl>
-                                            <p:attrNameLst>
-                                              <p:attrName>ppt_w</p:attrName>
-                                            </p:attrNameLst>
-                                          </p:cBhvr>
-                                          <p:tavLst>
-                                            <p:tav tm="0">
-                                              <p:val>
-                                                <p:strVal val="#ppt_w/10"/>
-                                              </p:val>
-                                            </p:tav>
-                                            <p:tav tm="50000">
-                                              <p:val>
-                                                <p:strVal val="#ppt_w+.01"/>
-                                              </p:val>
-                                            </p:tav>
-                                            <p:tav tm="100000">
-                                              <p:val>
-                                                <p:strVal val="#ppt_w"/>
-                                              </p:val>
-                                            </p:tav>
-                                          </p:tavLst>
-                                        </p:anim>
-                                        <p:animEffect transition="in" filter="fade">
-                                          <p:cBhvr>
-                                            <p:cTn id="11" dur="500" tmFilter="0,0; .5, 1; 1, 1"/>
-                                            <p:tgtEl>
-                                              <p:spTgt spid="4"/>
-                                            </p:tgtEl>
-                                          </p:cBhvr>
-                                        </p:animEffect>
-                                      </p:childTnLst>
-                                    </p:cTn>
-                                  </p:par>
-                                  <p:par>
-                                    <p:cTn id="12" presetID="41" presetClass="entr" presetSubtype="0" fill="hold" grpId="0" nodeType="withEffect">
-                                      <p:stCondLst>
-                                        <p:cond delay="0"/>
-                                      </p:stCondLst>
-                                      <p:iterate type="lt">
-                                        <p:tmPct val="10000"/>
-                                      </p:iterate>
-                                      <p:childTnLst>
-                                        <p:set>
-                                          <p:cBhvr>
-                                            <p:cTn id="13" dur="1" fill="hold">
-                                              <p:stCondLst>
-                                                <p:cond delay="0"/>
-                                              </p:stCondLst>
-                                            </p:cTn>
-                                            <p:tgtEl>
-                                              <p:spTgt spid="12"/>
-                                            </p:tgtEl>
-                                            <p:attrNameLst>
-                                              <p:attrName>style.visibility</p:attrName>
-                                            </p:attrNameLst>
-                                          </p:cBhvr>
-                                          <p:to>
-                                            <p:strVal val="visible"/>
-                                          </p:to>
-                                        </p:set>
-                                        <p:anim calcmode="lin" valueType="num">
-                                          <p:cBhvr>
-                                            <p:cTn id="14" dur="500" fill="hold"/>
-                                            <p:tgtEl>
-                                              <p:spTgt spid="12"/>
-                                            </p:tgtEl>
-                                            <p:attrNameLst>
-                                              <p:attrName>ppt_x</p:attrName>
-                                            </p:attrNameLst>
-                                          </p:cBhvr>
-                                          <p:tavLst>
-                                            <p:tav tm="0">
-                                              <p:val>
-                                                <p:strVal val="#ppt_x"/>
-                                              </p:val>
-                                            </p:tav>
-                                            <p:tav tm="50000">
-                                              <p:val>
-                                                <p:strVal val="#ppt_x+.1"/>
-                                              </p:val>
-                                            </p:tav>
-                                            <p:tav tm="100000">
-                                              <p:val>
-                                                <p:strVal val="#ppt_x"/>
-                                              </p:val>
-                                            </p:tav>
-                                          </p:tavLst>
-                                        </p:anim>
-                                        <p:anim calcmode="lin" valueType="num">
-                                          <p:cBhvr>
-                                            <p:cTn id="15" dur="500" fill="hold"/>
-                                            <p:tgtEl>
-                                              <p:spTgt spid="12"/>
-                                            </p:tgtEl>
-                                            <p:attrNameLst>
-                                              <p:attrName>ppt_y</p:attrName>
-                                            </p:attrNameLst>
-                                          </p:cBhvr>
-                                          <p:tavLst>
-                                            <p:tav tm="0">
-                                              <p:val>
-                                                <p:strVal val="#ppt_y"/>
-                                              </p:val>
-                                            </p:tav>
-                                            <p:tav tm="100000">
-                                              <p:val>
-                                                <p:strVal val="#ppt_y"/>
-                                              </p:val>
-                                            </p:tav>
-                                          </p:tavLst>
-                                        </p:anim>
-                                        <p:anim calcmode="lin" valueType="num">
-                                          <p:cBhvr>
-                                            <p:cTn id="16" dur="500" fill="hold"/>
-                                            <p:tgtEl>
-                                              <p:spTgt spid="12"/>
-                                            </p:tgtEl>
-                                            <p:attrNameLst>
-                                              <p:attrName>ppt_h</p:attrName>
-                                            </p:attrNameLst>
-                                          </p:cBhvr>
-                                          <p:tavLst>
-                                            <p:tav tm="0">
-                                              <p:val>
-                                                <p:strVal val="#ppt_h/10"/>
-                                              </p:val>
-                                            </p:tav>
-                                            <p:tav tm="50000">
-                                              <p:val>
-                                                <p:strVal val="#ppt_h+.01"/>
-                                              </p:val>
-                                            </p:tav>
-                                            <p:tav tm="100000">
-                                              <p:val>
-                                                <p:strVal val="#ppt_h"/>
-                                              </p:val>
-                                            </p:tav>
-                                          </p:tavLst>
-                                        </p:anim>
-                                        <p:anim calcmode="lin" valueType="num">
-                                          <p:cBhvr>
-                                            <p:cTn id="17" dur="500" fill="hold"/>
-                                            <p:tgtEl>
-                                              <p:spTgt spid="12"/>
-                                            </p:tgtEl>
-                                            <p:attrNameLst>
-                                              <p:attrName>ppt_w</p:attrName>
-                                            </p:attrNameLst>
-                                          </p:cBhvr>
-                                          <p:tavLst>
-                                            <p:tav tm="0">
-                                              <p:val>
-                                                <p:strVal val="#ppt_w/10"/>
-                                              </p:val>
-                                            </p:tav>
-                                            <p:tav tm="50000">
-                                              <p:val>
-                                                <p:strVal val="#ppt_w+.01"/>
-                                              </p:val>
-                                            </p:tav>
-                                            <p:tav tm="100000">
-                                              <p:val>
-                                                <p:strVal val="#ppt_w"/>
-                                              </p:val>
-                                            </p:tav>
-                                          </p:tavLst>
-                                        </p:anim>
-                                        <p:animEffect transition="in" filter="fade">
-                                          <p:cBhvr>
-                                            <p:cTn id="18" dur="500" tmFilter="0,0; .5, 1; 1, 1"/>
-                                            <p:tgtEl>
-                                              <p:spTgt spid="12"/>
-                                            </p:tgtEl>
-                                          </p:cBhvr>
-                                        </p:animEffect>
-                                      </p:childTnLst>
-                                    </p:cTn>
-                                  </p:par>
-                                </p:childTnLst>
-                              </p:cTn>
-                            </p:par>
-                            <p:par>
-                              <p:cTn id="19" fill="hold">
-                                <p:stCondLst>
-                                  <p:cond delay="850"/>
-                                </p:stCondLst>
-                                <p:childTnLst>
-                                  <p:par>
-                                    <p:cTn id="20" presetID="2" presetClass="entr" presetSubtype="1" fill="hold" grpId="0" nodeType="afterEffect">
-                                      <p:stCondLst>
-                                        <p:cond delay="0"/>
-                                      </p:stCondLst>
-                                      <p:childTnLst>
-                                        <p:set>
-                                          <p:cBhvr>
-                                            <p:cTn id="21" dur="1" fill="hold">
-                                              <p:stCondLst>
-                                                <p:cond delay="0"/>
-                                              </p:stCondLst>
-                                            </p:cTn>
-                                            <p:tgtEl>
-                                              <p:spTgt spid="9"/>
-                                            </p:tgtEl>
-                                            <p:attrNameLst>
-                                              <p:attrName>style.visibility</p:attrName>
-                                            </p:attrNameLst>
-                                          </p:cBhvr>
-                                          <p:to>
-                                            <p:strVal val="visible"/>
-                                          </p:to>
-                                        </p:set>
-                                        <p:anim calcmode="lin" valueType="num">
-                                          <p:cBhvr additive="base">
-                                            <p:cTn id="22" dur="1000" fill="hold"/>
-                                            <p:tgtEl>
-                                              <p:spTgt spid="9"/>
-                                            </p:tgtEl>
-                                            <p:attrNameLst>
-                                              <p:attrName>ppt_x</p:attrName>
-                                            </p:attrNameLst>
-                                          </p:cBhvr>
-                                          <p:tavLst>
-                                            <p:tav tm="0">
-                                              <p:val>
-                                                <p:strVal val="#ppt_x"/>
-                                              </p:val>
-                                            </p:tav>
-                                            <p:tav tm="100000">
-                                              <p:val>
-                                                <p:strVal val="#ppt_x"/>
-                                              </p:val>
-                                            </p:tav>
-                                          </p:tavLst>
-                                        </p:anim>
-                                        <p:anim calcmode="lin" valueType="num">
-                                          <p:cBhvr additive="base">
-                                            <p:cTn id="23" dur="1000" fill="hold"/>
-                                            <p:tgtEl>
-                                              <p:spTgt spid="9"/>
-                                            </p:tgtEl>
-                                            <p:attrNameLst>
-                                              <p:attrName>ppt_y</p:attrName>
-                                            </p:attrNameLst>
-                                          </p:cBhvr>
-                                          <p:tavLst>
-                                            <p:tav tm="0">
-                                              <p:val>
-                                                <p:strVal val="0-#ppt_h/2"/>
-                                              </p:val>
-                                            </p:tav>
-                                            <p:tav tm="100000">
-                                              <p:val>
-                                                <p:strVal val="#ppt_y"/>
-                                              </p:val>
-                                            </p:tav>
-                                          </p:tavLst>
-                                        </p:anim>
-                                      </p:childTnLst>
-                                    </p:cTn>
-                                  </p:par>
-                                </p:childTnLst>
-                              </p:cTn>
-                            </p:par>
-                          </p:childTnLst>
-                        </p:cTn>
-                      </p:par>
-                      <p:par>
-                        <p:cTn id="24" fill="hold">
-                          <p:stCondLst>
-                            <p:cond delay="indefinite"/>
-                          </p:stCondLst>
-                          <p:childTnLst>
-                            <p:par>
-                              <p:cTn id="25" fill="hold">
-                                <p:stCondLst>
-                                  <p:cond delay="0"/>
-                                </p:stCondLst>
-                                <p:childTnLst>
-                                  <p:par>
-                                    <p:cTn id="26" presetID="1" presetClass="entr" presetSubtype="0" fill="hold" grpId="0" nodeType="clickEffect">
-                                      <p:stCondLst>
-                                        <p:cond delay="0"/>
-                                      </p:stCondLst>
-                                      <p:childTnLst>
-                                        <p:set>
-                                          <p:cBhvr>
-                                            <p:cTn id="27" dur="1" fill="hold">
-                                              <p:stCondLst>
-                                                <p:cond delay="0"/>
-                                              </p:stCondLst>
-                                            </p:cTn>
-                                            <p:tgtEl>
-                                              <p:spTgt spid="10"/>
-                                            </p:tgtEl>
-                                            <p:attrNameLst>
-                                              <p:attrName>style.visibility</p:attrName>
-                                            </p:attrNameLst>
-                                          </p:cBhvr>
-                                          <p:to>
-                                            <p:strVal val="visible"/>
-                                          </p:to>
-                                        </p:set>
-                                      </p:childTnLst>
-                                    </p:cTn>
-                                  </p:par>
-                                </p:childTnLst>
-                              </p:cTn>
-                            </p:par>
-                          </p:childTnLst>
-                        </p:cTn>
-                      </p:par>
-                    </p:childTnLst>
-                  </p:cTn>
-                  <p:prevCondLst>
-                    <p:cond evt="onPrev" delay="0">
-                      <p:tgtEl>
-                        <p:sldTgt/>
-                      </p:tgtEl>
-                    </p:cond>
-                  </p:prevCondLst>
-                  <p:nextCondLst>
-                    <p:cond evt="onNext" delay="0">
-                      <p:tgtEl>
-                        <p:sldTgt/>
-                      </p:tgtEl>
-                    </p:cond>
-                  </p:nextCondLst>
-                </p:seq>
-              </p:childTnLst>
-            </p:cTn>
-          </p:par>
-        </p:tnLst>
-        <p:bldLst>
-          <p:bldP spid="4" grpId="0"/>
-          <p:bldP spid="10" grpId="0"/>
-          <p:bldP spid="12" grpId="0"/>
-          <p:bldP spid="9" grpId="0"/>
-        </p:bldLst>
-      </p:timing>
-    </mc:Fallback>
-  </mc:AlternateContent>
-</p:sld>
-</file>
-
-<file path=ppt/slides/slide14.xml><?xml version="1.0" encoding="utf-8"?>
-<p:sld xmlns:a="http://schemas.openxmlformats.org/drawingml/2006/main" xmlns:r="http://schemas.openxmlformats.org/officeDocument/2006/relationships" xmlns:p="http://schemas.openxmlformats.org/presentationml/2006/main">
-  <p:cSld>
-    <p:spTree>
-      <p:nvGrpSpPr>
-        <p:cNvPr id="1" name=""/>
-        <p:cNvGrpSpPr/>
-        <p:nvPr/>
-      </p:nvGrpSpPr>
-      <p:grpSpPr>
-        <a:xfrm>
-          <a:off x="0" y="0"/>
-          <a:ext cx="0" cy="0"/>
-          <a:chOff x="0" y="0"/>
-          <a:chExt cx="0" cy="0"/>
-        </a:xfrm>
-      </p:grpSpPr>
-      <p:sp>
-        <p:nvSpPr>
-          <p:cNvPr id="7" name="직사각형 6"/>
-          <p:cNvSpPr/>
-          <p:nvPr/>
-        </p:nvSpPr>
-        <p:spPr>
-          <a:xfrm>
-            <a:off x="0" y="0"/>
-            <a:ext cx="12192000" cy="6868337"/>
-          </a:xfrm>
-          <a:prstGeom prst="rect">
-            <a:avLst/>
-          </a:prstGeom>
-          <a:solidFill>
-            <a:schemeClr val="accent4"/>
-          </a:solidFill>
-          <a:ln>
-            <a:noFill/>
-          </a:ln>
-        </p:spPr>
-        <p:style>
-          <a:lnRef idx="2">
-            <a:schemeClr val="accent1">
-              <a:shade val="50000"/>
-            </a:schemeClr>
-          </a:lnRef>
-          <a:fillRef idx="1">
-            <a:schemeClr val="accent1"/>
-          </a:fillRef>
-          <a:effectRef idx="0">
-            <a:schemeClr val="accent1"/>
-          </a:effectRef>
-          <a:fontRef idx="minor">
-            <a:schemeClr val="lt1"/>
-          </a:fontRef>
-        </p:style>
-        <p:txBody>
-          <a:bodyPr rtlCol="0" anchor="ctr"/>
-          <a:lstStyle/>
-          <a:p>
-            <a:pPr algn="ctr"/>
-            <a:endParaRPr kumimoji="1" lang="ko-KR" altLang="en-US"/>
-          </a:p>
-        </p:txBody>
-      </p:sp>
-      <p:sp>
-        <p:nvSpPr>
-          <p:cNvPr id="4" name="TextBox 3"/>
-          <p:cNvSpPr txBox="1"/>
-          <p:nvPr/>
-        </p:nvSpPr>
-        <p:spPr>
-          <a:xfrm>
-            <a:off x="2049714" y="1271592"/>
-            <a:ext cx="2954655" cy="1754326"/>
-          </a:xfrm>
-          <a:prstGeom prst="rect">
-            <a:avLst/>
-          </a:prstGeom>
-          <a:noFill/>
-        </p:spPr>
-        <p:txBody>
-          <a:bodyPr wrap="none" rtlCol="0">
-            <a:spAutoFit/>
-          </a:bodyPr>
-          <a:lstStyle/>
-          <a:p>
-            <a:pPr algn="ctr"/>
-            <a:r>
-              <a:rPr kumimoji="1" lang="ko-KR" altLang="en-US" sz="5400" b="1" dirty="0">
-                <a:solidFill>
-                  <a:schemeClr val="bg1"/>
-                </a:solidFill>
-              </a:rPr>
-              <a:t>개발목표</a:t>
-            </a:r>
-            <a:endParaRPr kumimoji="1" lang="en-US" altLang="ko-KR" sz="5400" b="1" dirty="0">
-              <a:solidFill>
-                <a:schemeClr val="bg1"/>
-              </a:solidFill>
-            </a:endParaRPr>
-          </a:p>
-          <a:p>
-            <a:pPr algn="ctr"/>
-            <a:r>
-              <a:rPr kumimoji="1" lang="ko-KR" altLang="en-US" sz="5400" b="1" dirty="0">
-                <a:solidFill>
-                  <a:schemeClr val="bg1"/>
-                </a:solidFill>
-              </a:rPr>
-              <a:t>및 내용</a:t>
-            </a:r>
-            <a:endParaRPr kumimoji="1" lang="en-US" altLang="ko-KR" sz="5400" b="1" dirty="0">
-              <a:solidFill>
-                <a:schemeClr val="bg1"/>
-              </a:solidFill>
-            </a:endParaRPr>
-          </a:p>
-        </p:txBody>
-      </p:sp>
-      <p:sp>
-        <p:nvSpPr>
-          <p:cNvPr id="10" name="직사각형 9"/>
-          <p:cNvSpPr/>
-          <p:nvPr/>
-        </p:nvSpPr>
-        <p:spPr>
-          <a:xfrm>
-            <a:off x="527986" y="4021402"/>
-            <a:ext cx="10993453" cy="1631216"/>
-          </a:xfrm>
-          <a:prstGeom prst="rect">
-            <a:avLst/>
-          </a:prstGeom>
-        </p:spPr>
-        <p:txBody>
-          <a:bodyPr wrap="square">
-            <a:spAutoFit/>
-          </a:bodyPr>
-          <a:lstStyle/>
-          <a:p>
-            <a:pPr algn="ctr"/>
-            <a:r>
-              <a:rPr kumimoji="1" lang="en-US" altLang="ko-KR" sz="3600" b="1" dirty="0" smtClean="0">
-                <a:solidFill>
-                  <a:schemeClr val="bg1"/>
-                </a:solidFill>
-              </a:rPr>
-              <a:t>MFC</a:t>
-            </a:r>
-            <a:r>
-              <a:rPr kumimoji="1" lang="ko-KR" altLang="en-US" sz="3600" b="1" dirty="0" smtClean="0">
-                <a:solidFill>
-                  <a:schemeClr val="bg1"/>
-                </a:solidFill>
-              </a:rPr>
-              <a:t>를 이용한 툴 제작</a:t>
-            </a:r>
-            <a:endParaRPr kumimoji="1" lang="en-US" altLang="ko-KR" sz="3600" b="1" dirty="0">
-              <a:solidFill>
-                <a:schemeClr val="bg1"/>
-              </a:solidFill>
-            </a:endParaRPr>
-          </a:p>
-          <a:p>
-            <a:pPr algn="ctr"/>
-            <a:r>
-              <a:rPr kumimoji="1" lang="ko-KR" altLang="en-US" sz="3200" b="1" dirty="0" smtClean="0">
-                <a:solidFill>
-                  <a:schemeClr val="bg1">
-                    <a:lumMod val="50000"/>
-                  </a:schemeClr>
-                </a:solidFill>
-              </a:rPr>
-              <a:t>오브젝트와 네비매쉬</a:t>
-            </a:r>
-            <a:r>
-              <a:rPr kumimoji="1" lang="en-US" altLang="ko-KR" sz="3200" b="1" dirty="0" smtClean="0">
-                <a:solidFill>
-                  <a:schemeClr val="bg1">
-                    <a:lumMod val="50000"/>
-                  </a:schemeClr>
-                </a:solidFill>
-              </a:rPr>
-              <a:t>,</a:t>
-            </a:r>
-            <a:r>
-              <a:rPr kumimoji="1" lang="ko-KR" altLang="en-US" sz="3200" b="1" dirty="0" smtClean="0">
-                <a:solidFill>
-                  <a:schemeClr val="bg1">
-                    <a:lumMod val="50000"/>
-                  </a:schemeClr>
-                </a:solidFill>
-              </a:rPr>
-              <a:t> 트리거박스를</a:t>
-            </a:r>
-            <a:endParaRPr kumimoji="1" lang="en-US" altLang="ko-KR" sz="3200" b="1" dirty="0" smtClean="0">
-              <a:solidFill>
-                <a:schemeClr val="bg1">
-                  <a:lumMod val="50000"/>
-                </a:schemeClr>
-              </a:solidFill>
-            </a:endParaRPr>
-          </a:p>
-          <a:p>
-            <a:pPr algn="ctr"/>
-            <a:r>
-              <a:rPr kumimoji="1" lang="ko-KR" altLang="en-US" sz="3200" b="1" dirty="0" smtClean="0">
-                <a:solidFill>
-                  <a:schemeClr val="bg1">
-                    <a:lumMod val="50000"/>
-                  </a:schemeClr>
-                </a:solidFill>
-              </a:rPr>
-              <a:t>빠르고 원활하게 제작할 수 있는 툴 제작</a:t>
-            </a:r>
-            <a:endParaRPr kumimoji="1" lang="ko-KR" altLang="en-US" sz="3200" b="1" dirty="0">
-              <a:solidFill>
-                <a:schemeClr val="bg1">
-                  <a:lumMod val="50000"/>
-                </a:schemeClr>
-              </a:solidFill>
-            </a:endParaRPr>
-          </a:p>
-        </p:txBody>
-      </p:sp>
-      <p:sp>
-        <p:nvSpPr>
-          <p:cNvPr id="12" name="TextBox 3"/>
-          <p:cNvSpPr txBox="1"/>
-          <p:nvPr/>
-        </p:nvSpPr>
-        <p:spPr>
-          <a:xfrm>
-            <a:off x="7204689" y="1149348"/>
-            <a:ext cx="3262432" cy="1938992"/>
-          </a:xfrm>
-          <a:prstGeom prst="rect">
-            <a:avLst/>
-          </a:prstGeom>
-          <a:noFill/>
-        </p:spPr>
-        <p:txBody>
-          <a:bodyPr wrap="none" rtlCol="0">
-            <a:spAutoFit/>
-          </a:bodyPr>
-          <a:lstStyle/>
-          <a:p>
-            <a:pPr algn="ctr"/>
-            <a:r>
-              <a:rPr kumimoji="1" lang="ko-KR" altLang="en-US" sz="4800" b="1" dirty="0">
-                <a:solidFill>
-                  <a:srgbClr val="00B0F0"/>
-                </a:solidFill>
-              </a:rPr>
-              <a:t>클라이언트</a:t>
-            </a:r>
-            <a:endParaRPr kumimoji="1" lang="en-US" altLang="ko-KR" sz="4800" b="1" dirty="0">
-              <a:solidFill>
-                <a:srgbClr val="00B0F0"/>
-              </a:solidFill>
-            </a:endParaRPr>
-          </a:p>
-          <a:p>
-            <a:pPr algn="ctr"/>
-            <a:r>
-              <a:rPr kumimoji="1" lang="ko-KR" altLang="en-US" sz="7200" b="1" dirty="0">
-                <a:solidFill>
-                  <a:schemeClr val="bg1"/>
-                </a:solidFill>
-              </a:rPr>
-              <a:t>홍승필</a:t>
-            </a:r>
-            <a:endParaRPr kumimoji="1" lang="en-US" altLang="ko-KR" sz="7200" b="1" dirty="0">
-              <a:solidFill>
-                <a:schemeClr val="bg1"/>
-              </a:solidFill>
-            </a:endParaRPr>
-          </a:p>
-        </p:txBody>
-      </p:sp>
-      <p:sp>
-        <p:nvSpPr>
-          <p:cNvPr id="9" name="TextBox 3"/>
-          <p:cNvSpPr txBox="1"/>
-          <p:nvPr/>
-        </p:nvSpPr>
-        <p:spPr>
-          <a:xfrm>
-            <a:off x="5395040" y="732982"/>
-            <a:ext cx="1418978" cy="2646878"/>
-          </a:xfrm>
-          <a:prstGeom prst="rect">
-            <a:avLst/>
-          </a:prstGeom>
-          <a:noFill/>
-        </p:spPr>
-        <p:txBody>
-          <a:bodyPr wrap="none" rtlCol="0">
-            <a:spAutoFit/>
-          </a:bodyPr>
-          <a:lstStyle/>
-          <a:p>
-            <a:pPr algn="ctr"/>
-            <a:r>
-              <a:rPr kumimoji="1" lang="en-US" altLang="ko-KR" sz="16600" b="1" dirty="0" smtClean="0">
-                <a:solidFill>
-                  <a:schemeClr val="bg1"/>
-                </a:solidFill>
-              </a:rPr>
-              <a:t>2</a:t>
-            </a:r>
-            <a:endParaRPr kumimoji="1" lang="en-US" altLang="ko-KR" sz="16600" b="1" dirty="0">
-              <a:solidFill>
-                <a:schemeClr val="bg1"/>
-              </a:solidFill>
-            </a:endParaRPr>
-          </a:p>
-        </p:txBody>
-      </p:sp>
-    </p:spTree>
-    <p:extLst>
-      <p:ext uri="{BB962C8B-B14F-4D97-AF65-F5344CB8AC3E}">
-        <p14:creationId xmlns:p14="http://schemas.microsoft.com/office/powerpoint/2010/main" val="207184051"/>
-      </p:ext>
-    </p:extLst>
-  </p:cSld>
-  <p:clrMapOvr>
-    <a:masterClrMapping/>
-  </p:clrMapOvr>
-  <mc:AlternateContent xmlns:mc="http://schemas.openxmlformats.org/markup-compatibility/2006" xmlns:p14="http://schemas.microsoft.com/office/powerpoint/2010/main">
-    <mc:Choice Requires="p14">
-      <p:transition p14:dur="0"/>
-    </mc:Choice>
-    <mc:Fallback xmlns="">
-      <p:transition/>
-    </mc:Fallback>
-  </mc:AlternateContent>
-  <p:timing>
-    <p:tnLst>
-      <p:par>
-        <p:cTn id="1" dur="indefinite" restart="never" nodeType="tmRoot"/>
-      </p:par>
-    </p:tnLst>
-  </p:timing>
-</p:sld>
-</file>
-
-<file path=ppt/slides/slide15.xml><?xml version="1.0" encoding="utf-8"?>
-<p:sld xmlns:a="http://schemas.openxmlformats.org/drawingml/2006/main" xmlns:r="http://schemas.openxmlformats.org/officeDocument/2006/relationships" xmlns:p="http://schemas.openxmlformats.org/presentationml/2006/main">
-  <p:cSld>
-    <p:spTree>
-      <p:nvGrpSpPr>
-        <p:cNvPr id="1" name=""/>
-        <p:cNvGrpSpPr/>
-        <p:nvPr/>
-      </p:nvGrpSpPr>
-      <p:grpSpPr>
-        <a:xfrm>
-          <a:off x="0" y="0"/>
-          <a:ext cx="0" cy="0"/>
-          <a:chOff x="0" y="0"/>
-          <a:chExt cx="0" cy="0"/>
-        </a:xfrm>
-      </p:grpSpPr>
-      <p:sp>
-        <p:nvSpPr>
-          <p:cNvPr id="5" name="직사각형 4"/>
-          <p:cNvSpPr/>
-          <p:nvPr/>
-        </p:nvSpPr>
-        <p:spPr>
-          <a:xfrm>
-            <a:off x="0" y="0"/>
-            <a:ext cx="12192000" cy="6868337"/>
-          </a:xfrm>
-          <a:prstGeom prst="rect">
-            <a:avLst/>
-          </a:prstGeom>
-          <a:solidFill>
-            <a:srgbClr val="92D050"/>
-          </a:solidFill>
-          <a:ln>
-            <a:noFill/>
-          </a:ln>
-        </p:spPr>
-        <p:style>
-          <a:lnRef idx="2">
-            <a:schemeClr val="accent1">
-              <a:shade val="50000"/>
-            </a:schemeClr>
-          </a:lnRef>
-          <a:fillRef idx="1">
-            <a:schemeClr val="accent1"/>
-          </a:fillRef>
-          <a:effectRef idx="0">
-            <a:schemeClr val="accent1"/>
-          </a:effectRef>
-          <a:fontRef idx="minor">
-            <a:schemeClr val="lt1"/>
-          </a:fontRef>
-        </p:style>
-        <p:txBody>
-          <a:bodyPr rtlCol="0" anchor="ctr"/>
-          <a:lstStyle/>
-          <a:p>
-            <a:pPr algn="ctr"/>
-            <a:endParaRPr kumimoji="1" lang="ko-KR" altLang="en-US"/>
-          </a:p>
-        </p:txBody>
-      </p:sp>
-      <p:sp>
-        <p:nvSpPr>
-          <p:cNvPr id="4" name="TextBox 3"/>
-          <p:cNvSpPr txBox="1"/>
-          <p:nvPr/>
-        </p:nvSpPr>
-        <p:spPr>
-          <a:xfrm>
-            <a:off x="2049714" y="1271592"/>
-            <a:ext cx="2954655" cy="1754326"/>
-          </a:xfrm>
-          <a:prstGeom prst="rect">
-            <a:avLst/>
-          </a:prstGeom>
-          <a:noFill/>
-        </p:spPr>
-        <p:txBody>
-          <a:bodyPr wrap="none" rtlCol="0">
-            <a:spAutoFit/>
-          </a:bodyPr>
-          <a:lstStyle/>
-          <a:p>
-            <a:pPr algn="ctr"/>
-            <a:r>
-              <a:rPr kumimoji="1" lang="ko-KR" altLang="en-US" sz="5400" b="1" dirty="0">
-                <a:solidFill>
-                  <a:schemeClr val="bg1"/>
-                </a:solidFill>
-              </a:rPr>
-              <a:t>개발목표</a:t>
-            </a:r>
-            <a:endParaRPr kumimoji="1" lang="en-US" altLang="ko-KR" sz="5400" b="1" dirty="0">
-              <a:solidFill>
-                <a:schemeClr val="bg1"/>
-              </a:solidFill>
-            </a:endParaRPr>
-          </a:p>
-          <a:p>
-            <a:pPr algn="ctr"/>
-            <a:r>
-              <a:rPr kumimoji="1" lang="ko-KR" altLang="en-US" sz="5400" b="1" dirty="0">
-                <a:solidFill>
-                  <a:schemeClr val="bg1"/>
-                </a:solidFill>
-              </a:rPr>
-              <a:t>및 내용</a:t>
-            </a:r>
-            <a:endParaRPr kumimoji="1" lang="en-US" altLang="ko-KR" sz="5400" b="1" dirty="0">
-              <a:solidFill>
-                <a:schemeClr val="bg1"/>
-              </a:solidFill>
-            </a:endParaRPr>
-          </a:p>
-        </p:txBody>
-      </p:sp>
-      <p:sp>
-        <p:nvSpPr>
-          <p:cNvPr id="10" name="직사각형 9"/>
-          <p:cNvSpPr/>
-          <p:nvPr/>
-        </p:nvSpPr>
-        <p:spPr>
-          <a:xfrm>
-            <a:off x="527986" y="4021402"/>
-            <a:ext cx="10993453" cy="1631216"/>
-          </a:xfrm>
-          <a:prstGeom prst="rect">
-            <a:avLst/>
-          </a:prstGeom>
-        </p:spPr>
-        <p:txBody>
-          <a:bodyPr wrap="square">
-            <a:spAutoFit/>
-          </a:bodyPr>
-          <a:lstStyle/>
-          <a:p>
-            <a:pPr lvl="0" algn="ctr"/>
-            <a:r>
-              <a:rPr kumimoji="1" lang="ko-KR" altLang="en-US" sz="3600" b="1" dirty="0">
-                <a:solidFill>
-                  <a:prstClr val="white"/>
-                </a:solidFill>
-              </a:rPr>
-              <a:t>게임 오브젝트의 스키닝 애니메이션</a:t>
-            </a:r>
-            <a:endParaRPr kumimoji="1" lang="en-US" altLang="ko-KR" sz="3600" b="1" dirty="0">
-              <a:solidFill>
-                <a:prstClr val="white"/>
-              </a:solidFill>
-            </a:endParaRPr>
-          </a:p>
-          <a:p>
-            <a:pPr lvl="0" algn="ctr"/>
-            <a:r>
-              <a:rPr kumimoji="1" lang="en-US" altLang="ko-KR" sz="3200" b="1" dirty="0">
-                <a:solidFill>
-                  <a:prstClr val="white">
-                    <a:lumMod val="50000"/>
-                  </a:prstClr>
-                </a:solidFill>
-              </a:rPr>
-              <a:t>Mesh</a:t>
-            </a:r>
-            <a:r>
-              <a:rPr kumimoji="1" lang="ko-KR" altLang="en-US" sz="3200" b="1" dirty="0">
-                <a:solidFill>
-                  <a:prstClr val="white">
-                    <a:lumMod val="50000"/>
-                  </a:prstClr>
-                </a:solidFill>
-              </a:rPr>
-              <a:t>와 </a:t>
-            </a:r>
-            <a:r>
-              <a:rPr kumimoji="1" lang="en-US" altLang="ko-KR" sz="3200" b="1" dirty="0">
-                <a:solidFill>
-                  <a:prstClr val="white">
-                    <a:lumMod val="50000"/>
-                  </a:prstClr>
-                </a:solidFill>
-              </a:rPr>
-              <a:t>bone</a:t>
-            </a:r>
-            <a:r>
-              <a:rPr kumimoji="1" lang="ko-KR" altLang="en-US" sz="3200" b="1" dirty="0">
-                <a:solidFill>
-                  <a:prstClr val="white">
-                    <a:lumMod val="50000"/>
-                  </a:prstClr>
-                </a:solidFill>
-              </a:rPr>
-              <a:t>으로 이루어진 </a:t>
-            </a:r>
-            <a:r>
-              <a:rPr kumimoji="1" lang="en-US" altLang="ko-KR" sz="3200" b="1" dirty="0">
-                <a:solidFill>
-                  <a:prstClr val="white">
-                    <a:lumMod val="50000"/>
-                  </a:prstClr>
-                </a:solidFill>
-              </a:rPr>
-              <a:t>FBX </a:t>
-            </a:r>
-            <a:r>
-              <a:rPr kumimoji="1" lang="ko-KR" altLang="en-US" sz="3200" b="1" dirty="0">
-                <a:solidFill>
-                  <a:prstClr val="white">
-                    <a:lumMod val="50000"/>
-                  </a:prstClr>
-                </a:solidFill>
-              </a:rPr>
-              <a:t>파일을 활용하여</a:t>
-            </a:r>
-          </a:p>
-          <a:p>
-            <a:pPr lvl="0" algn="ctr"/>
-            <a:r>
-              <a:rPr kumimoji="1" lang="ko-KR" altLang="en-US" sz="3200" b="1" dirty="0">
-                <a:solidFill>
-                  <a:prstClr val="white">
-                    <a:lumMod val="50000"/>
-                  </a:prstClr>
-                </a:solidFill>
-              </a:rPr>
-              <a:t>움직일 때의 시간에 따른 보간을 하여 애니메이션 출력</a:t>
-            </a:r>
-          </a:p>
-        </p:txBody>
-      </p:sp>
-      <p:sp>
-        <p:nvSpPr>
-          <p:cNvPr id="12" name="TextBox 3"/>
-          <p:cNvSpPr txBox="1"/>
-          <p:nvPr/>
-        </p:nvSpPr>
-        <p:spPr>
-          <a:xfrm>
-            <a:off x="7204689" y="1149348"/>
-            <a:ext cx="3262432" cy="1938992"/>
-          </a:xfrm>
-          <a:prstGeom prst="rect">
-            <a:avLst/>
-          </a:prstGeom>
-          <a:noFill/>
-        </p:spPr>
-        <p:txBody>
-          <a:bodyPr wrap="none" rtlCol="0">
-            <a:spAutoFit/>
-          </a:bodyPr>
-          <a:lstStyle/>
-          <a:p>
-            <a:pPr algn="ctr"/>
-            <a:r>
-              <a:rPr kumimoji="1" lang="ko-KR" altLang="en-US" sz="4800" b="1" dirty="0">
-                <a:solidFill>
-                  <a:schemeClr val="accent2"/>
-                </a:solidFill>
-              </a:rPr>
-              <a:t>클라이언트</a:t>
-            </a:r>
-            <a:endParaRPr kumimoji="1" lang="en-US" altLang="ko-KR" sz="4800" b="1" dirty="0">
-              <a:solidFill>
-                <a:schemeClr val="accent2"/>
-              </a:solidFill>
-            </a:endParaRPr>
-          </a:p>
-          <a:p>
-            <a:pPr algn="ctr"/>
-            <a:r>
-              <a:rPr kumimoji="1" lang="ko-KR" altLang="en-US" sz="7200" b="1" dirty="0">
-                <a:solidFill>
-                  <a:schemeClr val="bg1"/>
-                </a:solidFill>
-              </a:rPr>
-              <a:t>허지훈</a:t>
-            </a:r>
-            <a:endParaRPr kumimoji="1" lang="en-US" altLang="ko-KR" sz="7200" b="1" dirty="0">
-              <a:solidFill>
-                <a:schemeClr val="bg1"/>
-              </a:solidFill>
-            </a:endParaRPr>
-          </a:p>
-        </p:txBody>
-      </p:sp>
-      <p:sp>
-        <p:nvSpPr>
-          <p:cNvPr id="9" name="TextBox 3"/>
-          <p:cNvSpPr txBox="1"/>
-          <p:nvPr/>
-        </p:nvSpPr>
-        <p:spPr>
-          <a:xfrm>
-            <a:off x="5395040" y="732982"/>
-            <a:ext cx="1418978" cy="2646878"/>
-          </a:xfrm>
-          <a:prstGeom prst="rect">
-            <a:avLst/>
-          </a:prstGeom>
-          <a:noFill/>
-        </p:spPr>
-        <p:txBody>
-          <a:bodyPr wrap="none" rtlCol="0">
-            <a:spAutoFit/>
-          </a:bodyPr>
-          <a:lstStyle/>
-          <a:p>
-            <a:pPr algn="ctr"/>
-            <a:r>
-              <a:rPr kumimoji="1" lang="en-US" altLang="ko-KR" sz="16600" b="1" dirty="0">
-                <a:solidFill>
-                  <a:schemeClr val="bg1"/>
-                </a:solidFill>
-              </a:rPr>
-              <a:t>1</a:t>
-            </a:r>
-          </a:p>
-        </p:txBody>
-      </p:sp>
-      <p:sp>
-        <p:nvSpPr>
-          <p:cNvPr id="2" name="텍스트 상자 1"/>
-          <p:cNvSpPr txBox="1"/>
-          <p:nvPr/>
-        </p:nvSpPr>
-        <p:spPr>
-          <a:xfrm>
-            <a:off x="-529936" y="1257300"/>
-            <a:ext cx="184731" cy="369332"/>
-          </a:xfrm>
-          <a:prstGeom prst="rect">
-            <a:avLst/>
-          </a:prstGeom>
-          <a:noFill/>
-        </p:spPr>
-        <p:txBody>
-          <a:bodyPr wrap="none" rtlCol="0">
-            <a:spAutoFit/>
-          </a:bodyPr>
-          <a:lstStyle/>
-          <a:p>
-            <a:endParaRPr kumimoji="1" lang="ko-KR" altLang="en-US" dirty="0"/>
-          </a:p>
-        </p:txBody>
-      </p:sp>
-    </p:spTree>
-    <p:extLst>
-      <p:ext uri="{BB962C8B-B14F-4D97-AF65-F5344CB8AC3E}">
-        <p14:creationId xmlns:p14="http://schemas.microsoft.com/office/powerpoint/2010/main" val="1967534187"/>
       </p:ext>
     </p:extLst>
   </p:cSld>
@@ -11404,6 +11121,352 @@
       </p:grpSpPr>
       <p:sp>
         <p:nvSpPr>
+          <p:cNvPr id="7" name="직사각형 6"/>
+          <p:cNvSpPr/>
+          <p:nvPr/>
+        </p:nvSpPr>
+        <p:spPr>
+          <a:xfrm>
+            <a:off x="0" y="0"/>
+            <a:ext cx="12192000" cy="6868337"/>
+          </a:xfrm>
+          <a:prstGeom prst="rect">
+            <a:avLst/>
+          </a:prstGeom>
+          <a:solidFill>
+            <a:schemeClr val="accent4"/>
+          </a:solidFill>
+          <a:ln>
+            <a:noFill/>
+          </a:ln>
+        </p:spPr>
+        <p:style>
+          <a:lnRef idx="2">
+            <a:schemeClr val="accent1">
+              <a:shade val="50000"/>
+            </a:schemeClr>
+          </a:lnRef>
+          <a:fillRef idx="1">
+            <a:schemeClr val="accent1"/>
+          </a:fillRef>
+          <a:effectRef idx="0">
+            <a:schemeClr val="accent1"/>
+          </a:effectRef>
+          <a:fontRef idx="minor">
+            <a:schemeClr val="lt1"/>
+          </a:fontRef>
+        </p:style>
+        <p:txBody>
+          <a:bodyPr rtlCol="0" anchor="ctr"/>
+          <a:lstStyle/>
+          <a:p>
+            <a:pPr algn="ctr"/>
+            <a:endParaRPr kumimoji="1" lang="ko-KR" altLang="en-US"/>
+          </a:p>
+        </p:txBody>
+      </p:sp>
+      <p:sp>
+        <p:nvSpPr>
+          <p:cNvPr id="4" name="TextBox 3"/>
+          <p:cNvSpPr txBox="1"/>
+          <p:nvPr/>
+        </p:nvSpPr>
+        <p:spPr>
+          <a:xfrm>
+            <a:off x="2049714" y="1271592"/>
+            <a:ext cx="2954655" cy="1754326"/>
+          </a:xfrm>
+          <a:prstGeom prst="rect">
+            <a:avLst/>
+          </a:prstGeom>
+          <a:noFill/>
+        </p:spPr>
+        <p:txBody>
+          <a:bodyPr wrap="none" rtlCol="0">
+            <a:spAutoFit/>
+          </a:bodyPr>
+          <a:lstStyle/>
+          <a:p>
+            <a:pPr algn="ctr"/>
+            <a:r>
+              <a:rPr kumimoji="1" lang="ko-KR" altLang="en-US" sz="5400" b="1" dirty="0">
+                <a:solidFill>
+                  <a:schemeClr val="bg1"/>
+                </a:solidFill>
+              </a:rPr>
+              <a:t>개발목표</a:t>
+            </a:r>
+            <a:endParaRPr kumimoji="1" lang="en-US" altLang="ko-KR" sz="5400" b="1" dirty="0">
+              <a:solidFill>
+                <a:schemeClr val="bg1"/>
+              </a:solidFill>
+            </a:endParaRPr>
+          </a:p>
+          <a:p>
+            <a:pPr algn="ctr"/>
+            <a:r>
+              <a:rPr kumimoji="1" lang="ko-KR" altLang="en-US" sz="5400" b="1" dirty="0">
+                <a:solidFill>
+                  <a:schemeClr val="bg1"/>
+                </a:solidFill>
+              </a:rPr>
+              <a:t>및 내용</a:t>
+            </a:r>
+            <a:endParaRPr kumimoji="1" lang="en-US" altLang="ko-KR" sz="5400" b="1" dirty="0">
+              <a:solidFill>
+                <a:schemeClr val="bg1"/>
+              </a:solidFill>
+            </a:endParaRPr>
+          </a:p>
+        </p:txBody>
+      </p:sp>
+      <p:sp>
+        <p:nvSpPr>
+          <p:cNvPr id="10" name="직사각형 9"/>
+          <p:cNvSpPr/>
+          <p:nvPr/>
+        </p:nvSpPr>
+        <p:spPr>
+          <a:xfrm>
+            <a:off x="527986" y="4021402"/>
+            <a:ext cx="10993453" cy="1631216"/>
+          </a:xfrm>
+          <a:prstGeom prst="rect">
+            <a:avLst/>
+          </a:prstGeom>
+        </p:spPr>
+        <p:txBody>
+          <a:bodyPr wrap="square">
+            <a:spAutoFit/>
+          </a:bodyPr>
+          <a:lstStyle/>
+          <a:p>
+            <a:pPr algn="ctr"/>
+            <a:r>
+              <a:rPr kumimoji="1" lang="en-US" altLang="ko-KR" sz="3600" b="1" dirty="0" smtClean="0">
+                <a:solidFill>
+                  <a:schemeClr val="bg1"/>
+                </a:solidFill>
+              </a:rPr>
+              <a:t>MFC</a:t>
+            </a:r>
+            <a:r>
+              <a:rPr kumimoji="1" lang="ko-KR" altLang="en-US" sz="3600" b="1" dirty="0" smtClean="0">
+                <a:solidFill>
+                  <a:schemeClr val="bg1"/>
+                </a:solidFill>
+              </a:rPr>
+              <a:t>를 이용한 툴 제작</a:t>
+            </a:r>
+            <a:endParaRPr kumimoji="1" lang="en-US" altLang="ko-KR" sz="3600" b="1" dirty="0">
+              <a:solidFill>
+                <a:schemeClr val="bg1"/>
+              </a:solidFill>
+            </a:endParaRPr>
+          </a:p>
+          <a:p>
+            <a:pPr algn="ctr"/>
+            <a:r>
+              <a:rPr kumimoji="1" lang="ko-KR" altLang="en-US" sz="3200" b="1" dirty="0" smtClean="0">
+                <a:solidFill>
+                  <a:schemeClr val="bg1">
+                    <a:lumMod val="50000"/>
+                  </a:schemeClr>
+                </a:solidFill>
+              </a:rPr>
+              <a:t>오브젝트와 네비매쉬</a:t>
+            </a:r>
+            <a:r>
+              <a:rPr kumimoji="1" lang="en-US" altLang="ko-KR" sz="3200" b="1" dirty="0" smtClean="0">
+                <a:solidFill>
+                  <a:schemeClr val="bg1">
+                    <a:lumMod val="50000"/>
+                  </a:schemeClr>
+                </a:solidFill>
+              </a:rPr>
+              <a:t>,</a:t>
+            </a:r>
+            <a:r>
+              <a:rPr kumimoji="1" lang="ko-KR" altLang="en-US" sz="3200" b="1" dirty="0" smtClean="0">
+                <a:solidFill>
+                  <a:schemeClr val="bg1">
+                    <a:lumMod val="50000"/>
+                  </a:schemeClr>
+                </a:solidFill>
+              </a:rPr>
+              <a:t> 트리거박스를</a:t>
+            </a:r>
+            <a:endParaRPr kumimoji="1" lang="en-US" altLang="ko-KR" sz="3200" b="1" dirty="0" smtClean="0">
+              <a:solidFill>
+                <a:schemeClr val="bg1">
+                  <a:lumMod val="50000"/>
+                </a:schemeClr>
+              </a:solidFill>
+            </a:endParaRPr>
+          </a:p>
+          <a:p>
+            <a:pPr algn="ctr"/>
+            <a:r>
+              <a:rPr kumimoji="1" lang="ko-KR" altLang="en-US" sz="3200" b="1" dirty="0" smtClean="0">
+                <a:solidFill>
+                  <a:schemeClr val="bg1">
+                    <a:lumMod val="50000"/>
+                  </a:schemeClr>
+                </a:solidFill>
+              </a:rPr>
+              <a:t>빠르고 원활하게 제작할 수 있는 툴 제작</a:t>
+            </a:r>
+            <a:endParaRPr kumimoji="1" lang="ko-KR" altLang="en-US" sz="3200" b="1" dirty="0">
+              <a:solidFill>
+                <a:schemeClr val="bg1">
+                  <a:lumMod val="50000"/>
+                </a:schemeClr>
+              </a:solidFill>
+            </a:endParaRPr>
+          </a:p>
+        </p:txBody>
+      </p:sp>
+      <p:sp>
+        <p:nvSpPr>
+          <p:cNvPr id="12" name="TextBox 3"/>
+          <p:cNvSpPr txBox="1"/>
+          <p:nvPr/>
+        </p:nvSpPr>
+        <p:spPr>
+          <a:xfrm>
+            <a:off x="7204689" y="1149348"/>
+            <a:ext cx="3262432" cy="1938992"/>
+          </a:xfrm>
+          <a:prstGeom prst="rect">
+            <a:avLst/>
+          </a:prstGeom>
+          <a:noFill/>
+        </p:spPr>
+        <p:txBody>
+          <a:bodyPr wrap="none" rtlCol="0">
+            <a:spAutoFit/>
+          </a:bodyPr>
+          <a:lstStyle/>
+          <a:p>
+            <a:pPr algn="ctr"/>
+            <a:r>
+              <a:rPr kumimoji="1" lang="ko-KR" altLang="en-US" sz="4800" b="1" dirty="0">
+                <a:solidFill>
+                  <a:srgbClr val="00B0F0"/>
+                </a:solidFill>
+              </a:rPr>
+              <a:t>클라이언트</a:t>
+            </a:r>
+            <a:endParaRPr kumimoji="1" lang="en-US" altLang="ko-KR" sz="4800" b="1" dirty="0">
+              <a:solidFill>
+                <a:srgbClr val="00B0F0"/>
+              </a:solidFill>
+            </a:endParaRPr>
+          </a:p>
+          <a:p>
+            <a:pPr algn="ctr"/>
+            <a:r>
+              <a:rPr kumimoji="1" lang="ko-KR" altLang="en-US" sz="7200" b="1" dirty="0">
+                <a:solidFill>
+                  <a:schemeClr val="bg1"/>
+                </a:solidFill>
+              </a:rPr>
+              <a:t>홍승필</a:t>
+            </a:r>
+            <a:endParaRPr kumimoji="1" lang="en-US" altLang="ko-KR" sz="7200" b="1" dirty="0">
+              <a:solidFill>
+                <a:schemeClr val="bg1"/>
+              </a:solidFill>
+            </a:endParaRPr>
+          </a:p>
+        </p:txBody>
+      </p:sp>
+      <p:sp>
+        <p:nvSpPr>
+          <p:cNvPr id="9" name="TextBox 3"/>
+          <p:cNvSpPr txBox="1"/>
+          <p:nvPr/>
+        </p:nvSpPr>
+        <p:spPr>
+          <a:xfrm>
+            <a:off x="5395040" y="732982"/>
+            <a:ext cx="1418978" cy="2646878"/>
+          </a:xfrm>
+          <a:prstGeom prst="rect">
+            <a:avLst/>
+          </a:prstGeom>
+          <a:noFill/>
+        </p:spPr>
+        <p:txBody>
+          <a:bodyPr wrap="none" rtlCol="0">
+            <a:spAutoFit/>
+          </a:bodyPr>
+          <a:lstStyle/>
+          <a:p>
+            <a:pPr algn="ctr"/>
+            <a:r>
+              <a:rPr kumimoji="1" lang="en-US" altLang="ko-KR" sz="16600" b="1" dirty="0" smtClean="0">
+                <a:solidFill>
+                  <a:schemeClr val="bg1"/>
+                </a:solidFill>
+              </a:rPr>
+              <a:t>2</a:t>
+            </a:r>
+            <a:endParaRPr kumimoji="1" lang="en-US" altLang="ko-KR" sz="16600" b="1" dirty="0">
+              <a:solidFill>
+                <a:schemeClr val="bg1"/>
+              </a:solidFill>
+            </a:endParaRPr>
+          </a:p>
+        </p:txBody>
+      </p:sp>
+    </p:spTree>
+    <p:extLst>
+      <p:ext uri="{BB962C8B-B14F-4D97-AF65-F5344CB8AC3E}">
+        <p14:creationId xmlns:p14="http://schemas.microsoft.com/office/powerpoint/2010/main" val="207184051"/>
+      </p:ext>
+    </p:extLst>
+  </p:cSld>
+  <p:clrMapOvr>
+    <a:masterClrMapping/>
+  </p:clrMapOvr>
+  <mc:AlternateContent xmlns:mc="http://schemas.openxmlformats.org/markup-compatibility/2006" xmlns:p14="http://schemas.microsoft.com/office/powerpoint/2010/main">
+    <mc:Choice Requires="p14">
+      <p:transition p14:dur="0"/>
+    </mc:Choice>
+    <mc:Fallback xmlns="">
+      <p:transition/>
+    </mc:Fallback>
+  </mc:AlternateContent>
+  <p:timing>
+    <p:tnLst>
+      <p:par>
+        <p:cTn id="1" dur="indefinite" restart="never" nodeType="tmRoot"/>
+      </p:par>
+    </p:tnLst>
+  </p:timing>
+</p:sld>
+</file>
+
+<file path=ppt/slides/slide17.xml><?xml version="1.0" encoding="utf-8"?>
+<p:sld xmlns:a="http://schemas.openxmlformats.org/drawingml/2006/main" xmlns:r="http://schemas.openxmlformats.org/officeDocument/2006/relationships" xmlns:p="http://schemas.openxmlformats.org/presentationml/2006/main">
+  <p:cSld>
+    <p:spTree>
+      <p:nvGrpSpPr>
+        <p:cNvPr id="1" name=""/>
+        <p:cNvGrpSpPr/>
+        <p:nvPr/>
+      </p:nvGrpSpPr>
+      <p:grpSpPr>
+        <a:xfrm>
+          <a:off x="0" y="0"/>
+          <a:ext cx="0" cy="0"/>
+          <a:chOff x="0" y="0"/>
+          <a:chExt cx="0" cy="0"/>
+        </a:xfrm>
+      </p:grpSpPr>
+      <p:sp>
+        <p:nvSpPr>
           <p:cNvPr id="5" name="직사각형 4"/>
           <p:cNvSpPr/>
           <p:nvPr/>
@@ -11524,70 +11587,96 @@
           </a:bodyPr>
           <a:lstStyle/>
           <a:p>
-            <a:pPr algn="ctr"/>
-            <a:r>
-              <a:rPr kumimoji="1" lang="ko-KR" altLang="en-US" sz="3600" b="1" dirty="0" smtClean="0">
-                <a:solidFill>
-                  <a:schemeClr val="bg1"/>
-                </a:solidFill>
-              </a:rPr>
-              <a:t>게임의 연출을 위한 쉐이더 제작</a:t>
-            </a:r>
-            <a:endParaRPr kumimoji="1" lang="en-US" altLang="ko-KR" sz="3600" b="1" dirty="0" smtClean="0">
+            <a:pPr lvl="0" algn="ctr"/>
+            <a:r>
+              <a:rPr kumimoji="1" lang="ko-KR" altLang="en-US" sz="3600" b="1" dirty="0">
+                <a:solidFill>
+                  <a:prstClr val="white"/>
+                </a:solidFill>
+              </a:rPr>
+              <a:t>게임 오브젝트의 스키닝 애니메이션</a:t>
+            </a:r>
+            <a:endParaRPr kumimoji="1" lang="en-US" altLang="ko-KR" sz="3600" b="1" dirty="0">
               <a:solidFill>
-                <a:schemeClr val="bg1"/>
+                <a:prstClr val="white"/>
               </a:solidFill>
             </a:endParaRPr>
           </a:p>
           <a:p>
-            <a:pPr algn="ctr"/>
-            <a:r>
-              <a:rPr kumimoji="1" lang="en-US" altLang="ko-KR" sz="3200" b="1" dirty="0" smtClean="0">
-                <a:solidFill>
-                  <a:schemeClr val="bg1">
+            <a:pPr lvl="0" algn="ctr"/>
+            <a:r>
+              <a:rPr kumimoji="1" lang="en-US" altLang="ko-KR" sz="3200" b="1" dirty="0">
+                <a:solidFill>
+                  <a:prstClr val="white">
                     <a:lumMod val="50000"/>
-                  </a:schemeClr>
-                </a:solidFill>
-              </a:rPr>
-              <a:t>Lighting, </a:t>
-            </a:r>
-            <a:r>
-              <a:rPr kumimoji="1" lang="en-US" altLang="ko-KR" sz="3200" b="1" dirty="0" err="1" smtClean="0">
-                <a:solidFill>
-                  <a:schemeClr val="bg1">
+                  </a:prstClr>
+                </a:solidFill>
+              </a:rPr>
+              <a:t>Mesh</a:t>
+            </a:r>
+            <a:r>
+              <a:rPr kumimoji="1" lang="ko-KR" altLang="en-US" sz="3200" b="1" dirty="0">
+                <a:solidFill>
+                  <a:prstClr val="white">
                     <a:lumMod val="50000"/>
-                  </a:schemeClr>
-                </a:solidFill>
-              </a:rPr>
-              <a:t>DiffuseSpecularMapping</a:t>
-            </a:r>
-            <a:r>
-              <a:rPr kumimoji="1" lang="en-US" altLang="ko-KR" sz="3200" b="1" dirty="0" smtClean="0">
-                <a:solidFill>
-                  <a:schemeClr val="bg1">
+                  </a:prstClr>
+                </a:solidFill>
+              </a:rPr>
+              <a:t>와 </a:t>
+            </a:r>
+            <a:r>
+              <a:rPr kumimoji="1" lang="en-US" altLang="ko-KR" sz="3200" b="1" dirty="0">
+                <a:solidFill>
+                  <a:prstClr val="white">
                     <a:lumMod val="50000"/>
-                  </a:schemeClr>
-                </a:solidFill>
-              </a:rPr>
-              <a:t>, Toon, </a:t>
-            </a:r>
-            <a:r>
-              <a:rPr kumimoji="1" lang="en-US" altLang="ko-KR" sz="3200" b="1" dirty="0" err="1" smtClean="0">
-                <a:solidFill>
-                  <a:schemeClr val="bg1">
+                  </a:prstClr>
+                </a:solidFill>
+              </a:rPr>
+              <a:t>bone</a:t>
+            </a:r>
+            <a:r>
+              <a:rPr kumimoji="1" lang="ko-KR" altLang="en-US" sz="3200" b="1" dirty="0">
+                <a:solidFill>
+                  <a:prstClr val="white">
                     <a:lumMod val="50000"/>
-                  </a:schemeClr>
-                </a:solidFill>
-              </a:rPr>
-              <a:t>ShadowMapping</a:t>
-            </a:r>
-            <a:endParaRPr kumimoji="1" lang="en-US" altLang="ko-KR" sz="3200" b="1" dirty="0" smtClean="0">
-              <a:solidFill>
-                <a:schemeClr val="bg1">
-                  <a:lumMod val="50000"/>
-                </a:schemeClr>
-              </a:solidFill>
-            </a:endParaRPr>
+                  </a:prstClr>
+                </a:solidFill>
+              </a:rPr>
+              <a:t>으로 이루어진 </a:t>
+            </a:r>
+            <a:r>
+              <a:rPr kumimoji="1" lang="en-US" altLang="ko-KR" sz="3200" b="1" dirty="0">
+                <a:solidFill>
+                  <a:prstClr val="white">
+                    <a:lumMod val="50000"/>
+                  </a:prstClr>
+                </a:solidFill>
+              </a:rPr>
+              <a:t>FBX </a:t>
+            </a:r>
+            <a:r>
+              <a:rPr kumimoji="1" lang="ko-KR" altLang="en-US" sz="3200" b="1" dirty="0">
+                <a:solidFill>
+                  <a:prstClr val="white">
+                    <a:lumMod val="50000"/>
+                  </a:prstClr>
+                </a:solidFill>
+              </a:rPr>
+              <a:t>파일을 활용하여</a:t>
+            </a:r>
+          </a:p>
+          <a:p>
+            <a:pPr lvl="0" algn="ctr"/>
+            <a:r>
+              <a:rPr kumimoji="1" lang="ko-KR" altLang="en-US" sz="3200" b="1" dirty="0">
+                <a:solidFill>
+                  <a:prstClr val="white">
+                    <a:lumMod val="50000"/>
+                  </a:prstClr>
+                </a:solidFill>
+              </a:rPr>
+              <a:t>움직일 때의 시간에 따른 보간을 하여 애니메이션 출력</a:t>
+            </a:r>
           </a:p>
         </p:txBody>
       </p:sp>
@@ -11670,6 +11759,1297 @@
           <a:p>
             <a:pPr algn="ctr"/>
             <a:r>
+              <a:rPr kumimoji="1" lang="en-US" altLang="ko-KR" sz="16600" b="1" dirty="0">
+                <a:solidFill>
+                  <a:schemeClr val="bg1"/>
+                </a:solidFill>
+              </a:rPr>
+              <a:t>1</a:t>
+            </a:r>
+          </a:p>
+        </p:txBody>
+      </p:sp>
+      <p:sp>
+        <p:nvSpPr>
+          <p:cNvPr id="2" name="텍스트 상자 1"/>
+          <p:cNvSpPr txBox="1"/>
+          <p:nvPr/>
+        </p:nvSpPr>
+        <p:spPr>
+          <a:xfrm>
+            <a:off x="-529936" y="1257300"/>
+            <a:ext cx="184731" cy="369332"/>
+          </a:xfrm>
+          <a:prstGeom prst="rect">
+            <a:avLst/>
+          </a:prstGeom>
+          <a:noFill/>
+        </p:spPr>
+        <p:txBody>
+          <a:bodyPr wrap="none" rtlCol="0">
+            <a:spAutoFit/>
+          </a:bodyPr>
+          <a:lstStyle/>
+          <a:p>
+            <a:endParaRPr kumimoji="1" lang="ko-KR" altLang="en-US" dirty="0"/>
+          </a:p>
+        </p:txBody>
+      </p:sp>
+    </p:spTree>
+    <p:extLst>
+      <p:ext uri="{BB962C8B-B14F-4D97-AF65-F5344CB8AC3E}">
+        <p14:creationId xmlns:p14="http://schemas.microsoft.com/office/powerpoint/2010/main" val="1967534187"/>
+      </p:ext>
+    </p:extLst>
+  </p:cSld>
+  <p:clrMapOvr>
+    <a:masterClrMapping/>
+  </p:clrMapOvr>
+  <p:transition spd="slow">
+    <p:push dir="u"/>
+  </p:transition>
+  <mc:AlternateContent xmlns:mc="http://schemas.openxmlformats.org/markup-compatibility/2006" xmlns:p14="http://schemas.microsoft.com/office/powerpoint/2010/main">
+    <mc:Choice Requires="p14">
+      <p:timing>
+        <p:tnLst>
+          <p:par>
+            <p:cTn id="1" dur="indefinite" restart="never" nodeType="tmRoot">
+              <p:childTnLst>
+                <p:seq concurrent="1" nextAc="seek">
+                  <p:cTn id="2" dur="indefinite" nodeType="mainSeq">
+                    <p:childTnLst>
+                      <p:par>
+                        <p:cTn id="3" fill="hold">
+                          <p:stCondLst>
+                            <p:cond delay="indefinite"/>
+                            <p:cond evt="onBegin" delay="0">
+                              <p:tn val="2"/>
+                            </p:cond>
+                          </p:stCondLst>
+                          <p:childTnLst>
+                            <p:par>
+                              <p:cTn id="4" fill="hold">
+                                <p:stCondLst>
+                                  <p:cond delay="0"/>
+                                </p:stCondLst>
+                                <p:childTnLst>
+                                  <p:par>
+                                    <p:cTn id="5" presetID="41" presetClass="entr" presetSubtype="0" fill="hold" grpId="0" nodeType="withEffect">
+                                      <p:stCondLst>
+                                        <p:cond delay="0"/>
+                                      </p:stCondLst>
+                                      <p:iterate type="lt">
+                                        <p:tmPct val="10000"/>
+                                      </p:iterate>
+                                      <p:childTnLst>
+                                        <p:set>
+                                          <p:cBhvr>
+                                            <p:cTn id="6" dur="1" fill="hold">
+                                              <p:stCondLst>
+                                                <p:cond delay="0"/>
+                                              </p:stCondLst>
+                                            </p:cTn>
+                                            <p:tgtEl>
+                                              <p:spTgt spid="4"/>
+                                            </p:tgtEl>
+                                            <p:attrNameLst>
+                                              <p:attrName>style.visibility</p:attrName>
+                                            </p:attrNameLst>
+                                          </p:cBhvr>
+                                          <p:to>
+                                            <p:strVal val="visible"/>
+                                          </p:to>
+                                        </p:set>
+                                        <p:anim calcmode="lin" valueType="num">
+                                          <p:cBhvr>
+                                            <p:cTn id="7" dur="500" fill="hold"/>
+                                            <p:tgtEl>
+                                              <p:spTgt spid="4"/>
+                                            </p:tgtEl>
+                                            <p:attrNameLst>
+                                              <p:attrName>ppt_x</p:attrName>
+                                            </p:attrNameLst>
+                                          </p:cBhvr>
+                                          <p:tavLst>
+                                            <p:tav tm="0">
+                                              <p:val>
+                                                <p:strVal val="#ppt_x"/>
+                                              </p:val>
+                                            </p:tav>
+                                            <p:tav tm="50000">
+                                              <p:val>
+                                                <p:strVal val="#ppt_x+.1"/>
+                                              </p:val>
+                                            </p:tav>
+                                            <p:tav tm="100000">
+                                              <p:val>
+                                                <p:strVal val="#ppt_x"/>
+                                              </p:val>
+                                            </p:tav>
+                                          </p:tavLst>
+                                        </p:anim>
+                                        <p:anim calcmode="lin" valueType="num">
+                                          <p:cBhvr>
+                                            <p:cTn id="8" dur="500" fill="hold"/>
+                                            <p:tgtEl>
+                                              <p:spTgt spid="4"/>
+                                            </p:tgtEl>
+                                            <p:attrNameLst>
+                                              <p:attrName>ppt_y</p:attrName>
+                                            </p:attrNameLst>
+                                          </p:cBhvr>
+                                          <p:tavLst>
+                                            <p:tav tm="0">
+                                              <p:val>
+                                                <p:strVal val="#ppt_y"/>
+                                              </p:val>
+                                            </p:tav>
+                                            <p:tav tm="100000">
+                                              <p:val>
+                                                <p:strVal val="#ppt_y"/>
+                                              </p:val>
+                                            </p:tav>
+                                          </p:tavLst>
+                                        </p:anim>
+                                        <p:anim calcmode="lin" valueType="num">
+                                          <p:cBhvr>
+                                            <p:cTn id="9" dur="500" fill="hold"/>
+                                            <p:tgtEl>
+                                              <p:spTgt spid="4"/>
+                                            </p:tgtEl>
+                                            <p:attrNameLst>
+                                              <p:attrName>ppt_h</p:attrName>
+                                            </p:attrNameLst>
+                                          </p:cBhvr>
+                                          <p:tavLst>
+                                            <p:tav tm="0">
+                                              <p:val>
+                                                <p:strVal val="#ppt_h/10"/>
+                                              </p:val>
+                                            </p:tav>
+                                            <p:tav tm="50000">
+                                              <p:val>
+                                                <p:strVal val="#ppt_h+.01"/>
+                                              </p:val>
+                                            </p:tav>
+                                            <p:tav tm="100000">
+                                              <p:val>
+                                                <p:strVal val="#ppt_h"/>
+                                              </p:val>
+                                            </p:tav>
+                                          </p:tavLst>
+                                        </p:anim>
+                                        <p:anim calcmode="lin" valueType="num">
+                                          <p:cBhvr>
+                                            <p:cTn id="10" dur="500" fill="hold"/>
+                                            <p:tgtEl>
+                                              <p:spTgt spid="4"/>
+                                            </p:tgtEl>
+                                            <p:attrNameLst>
+                                              <p:attrName>ppt_w</p:attrName>
+                                            </p:attrNameLst>
+                                          </p:cBhvr>
+                                          <p:tavLst>
+                                            <p:tav tm="0">
+                                              <p:val>
+                                                <p:strVal val="#ppt_w/10"/>
+                                              </p:val>
+                                            </p:tav>
+                                            <p:tav tm="50000">
+                                              <p:val>
+                                                <p:strVal val="#ppt_w+.01"/>
+                                              </p:val>
+                                            </p:tav>
+                                            <p:tav tm="100000">
+                                              <p:val>
+                                                <p:strVal val="#ppt_w"/>
+                                              </p:val>
+                                            </p:tav>
+                                          </p:tavLst>
+                                        </p:anim>
+                                        <p:animEffect transition="in" filter="fade">
+                                          <p:cBhvr>
+                                            <p:cTn id="11" dur="500" tmFilter="0,0; .5, 1; 1, 1"/>
+                                            <p:tgtEl>
+                                              <p:spTgt spid="4"/>
+                                            </p:tgtEl>
+                                          </p:cBhvr>
+                                        </p:animEffect>
+                                      </p:childTnLst>
+                                    </p:cTn>
+                                  </p:par>
+                                  <p:par>
+                                    <p:cTn id="12" presetID="41" presetClass="entr" presetSubtype="0" fill="hold" grpId="0" nodeType="withEffect">
+                                      <p:stCondLst>
+                                        <p:cond delay="0"/>
+                                      </p:stCondLst>
+                                      <p:iterate type="lt">
+                                        <p:tmPct val="10000"/>
+                                      </p:iterate>
+                                      <p:childTnLst>
+                                        <p:set>
+                                          <p:cBhvr>
+                                            <p:cTn id="13" dur="1" fill="hold">
+                                              <p:stCondLst>
+                                                <p:cond delay="0"/>
+                                              </p:stCondLst>
+                                            </p:cTn>
+                                            <p:tgtEl>
+                                              <p:spTgt spid="12"/>
+                                            </p:tgtEl>
+                                            <p:attrNameLst>
+                                              <p:attrName>style.visibility</p:attrName>
+                                            </p:attrNameLst>
+                                          </p:cBhvr>
+                                          <p:to>
+                                            <p:strVal val="visible"/>
+                                          </p:to>
+                                        </p:set>
+                                        <p:anim calcmode="lin" valueType="num">
+                                          <p:cBhvr>
+                                            <p:cTn id="14" dur="500" fill="hold"/>
+                                            <p:tgtEl>
+                                              <p:spTgt spid="12"/>
+                                            </p:tgtEl>
+                                            <p:attrNameLst>
+                                              <p:attrName>ppt_x</p:attrName>
+                                            </p:attrNameLst>
+                                          </p:cBhvr>
+                                          <p:tavLst>
+                                            <p:tav tm="0">
+                                              <p:val>
+                                                <p:strVal val="#ppt_x"/>
+                                              </p:val>
+                                            </p:tav>
+                                            <p:tav tm="50000">
+                                              <p:val>
+                                                <p:strVal val="#ppt_x+.1"/>
+                                              </p:val>
+                                            </p:tav>
+                                            <p:tav tm="100000">
+                                              <p:val>
+                                                <p:strVal val="#ppt_x"/>
+                                              </p:val>
+                                            </p:tav>
+                                          </p:tavLst>
+                                        </p:anim>
+                                        <p:anim calcmode="lin" valueType="num">
+                                          <p:cBhvr>
+                                            <p:cTn id="15" dur="500" fill="hold"/>
+                                            <p:tgtEl>
+                                              <p:spTgt spid="12"/>
+                                            </p:tgtEl>
+                                            <p:attrNameLst>
+                                              <p:attrName>ppt_y</p:attrName>
+                                            </p:attrNameLst>
+                                          </p:cBhvr>
+                                          <p:tavLst>
+                                            <p:tav tm="0">
+                                              <p:val>
+                                                <p:strVal val="#ppt_y"/>
+                                              </p:val>
+                                            </p:tav>
+                                            <p:tav tm="100000">
+                                              <p:val>
+                                                <p:strVal val="#ppt_y"/>
+                                              </p:val>
+                                            </p:tav>
+                                          </p:tavLst>
+                                        </p:anim>
+                                        <p:anim calcmode="lin" valueType="num">
+                                          <p:cBhvr>
+                                            <p:cTn id="16" dur="500" fill="hold"/>
+                                            <p:tgtEl>
+                                              <p:spTgt spid="12"/>
+                                            </p:tgtEl>
+                                            <p:attrNameLst>
+                                              <p:attrName>ppt_h</p:attrName>
+                                            </p:attrNameLst>
+                                          </p:cBhvr>
+                                          <p:tavLst>
+                                            <p:tav tm="0">
+                                              <p:val>
+                                                <p:strVal val="#ppt_h/10"/>
+                                              </p:val>
+                                            </p:tav>
+                                            <p:tav tm="50000">
+                                              <p:val>
+                                                <p:strVal val="#ppt_h+.01"/>
+                                              </p:val>
+                                            </p:tav>
+                                            <p:tav tm="100000">
+                                              <p:val>
+                                                <p:strVal val="#ppt_h"/>
+                                              </p:val>
+                                            </p:tav>
+                                          </p:tavLst>
+                                        </p:anim>
+                                        <p:anim calcmode="lin" valueType="num">
+                                          <p:cBhvr>
+                                            <p:cTn id="17" dur="500" fill="hold"/>
+                                            <p:tgtEl>
+                                              <p:spTgt spid="12"/>
+                                            </p:tgtEl>
+                                            <p:attrNameLst>
+                                              <p:attrName>ppt_w</p:attrName>
+                                            </p:attrNameLst>
+                                          </p:cBhvr>
+                                          <p:tavLst>
+                                            <p:tav tm="0">
+                                              <p:val>
+                                                <p:strVal val="#ppt_w/10"/>
+                                              </p:val>
+                                            </p:tav>
+                                            <p:tav tm="50000">
+                                              <p:val>
+                                                <p:strVal val="#ppt_w+.01"/>
+                                              </p:val>
+                                            </p:tav>
+                                            <p:tav tm="100000">
+                                              <p:val>
+                                                <p:strVal val="#ppt_w"/>
+                                              </p:val>
+                                            </p:tav>
+                                          </p:tavLst>
+                                        </p:anim>
+                                        <p:animEffect transition="in" filter="fade">
+                                          <p:cBhvr>
+                                            <p:cTn id="18" dur="500" tmFilter="0,0; .5, 1; 1, 1"/>
+                                            <p:tgtEl>
+                                              <p:spTgt spid="12"/>
+                                            </p:tgtEl>
+                                          </p:cBhvr>
+                                        </p:animEffect>
+                                      </p:childTnLst>
+                                    </p:cTn>
+                                  </p:par>
+                                </p:childTnLst>
+                              </p:cTn>
+                            </p:par>
+                            <p:par>
+                              <p:cTn id="19" fill="hold">
+                                <p:stCondLst>
+                                  <p:cond delay="850"/>
+                                </p:stCondLst>
+                                <p:childTnLst>
+                                  <p:par>
+                                    <p:cTn id="20" presetID="2" presetClass="entr" presetSubtype="1" fill="hold" grpId="0" nodeType="afterEffect" p14:presetBounceEnd="50000">
+                                      <p:stCondLst>
+                                        <p:cond delay="0"/>
+                                      </p:stCondLst>
+                                      <p:childTnLst>
+                                        <p:set>
+                                          <p:cBhvr>
+                                            <p:cTn id="21" dur="1" fill="hold">
+                                              <p:stCondLst>
+                                                <p:cond delay="0"/>
+                                              </p:stCondLst>
+                                            </p:cTn>
+                                            <p:tgtEl>
+                                              <p:spTgt spid="9"/>
+                                            </p:tgtEl>
+                                            <p:attrNameLst>
+                                              <p:attrName>style.visibility</p:attrName>
+                                            </p:attrNameLst>
+                                          </p:cBhvr>
+                                          <p:to>
+                                            <p:strVal val="visible"/>
+                                          </p:to>
+                                        </p:set>
+                                        <p:anim calcmode="lin" valueType="num" p14:bounceEnd="50000">
+                                          <p:cBhvr additive="base">
+                                            <p:cTn id="22" dur="1000" fill="hold"/>
+                                            <p:tgtEl>
+                                              <p:spTgt spid="9"/>
+                                            </p:tgtEl>
+                                            <p:attrNameLst>
+                                              <p:attrName>ppt_x</p:attrName>
+                                            </p:attrNameLst>
+                                          </p:cBhvr>
+                                          <p:tavLst>
+                                            <p:tav tm="0">
+                                              <p:val>
+                                                <p:strVal val="#ppt_x"/>
+                                              </p:val>
+                                            </p:tav>
+                                            <p:tav tm="100000">
+                                              <p:val>
+                                                <p:strVal val="#ppt_x"/>
+                                              </p:val>
+                                            </p:tav>
+                                          </p:tavLst>
+                                        </p:anim>
+                                        <p:anim calcmode="lin" valueType="num" p14:bounceEnd="50000">
+                                          <p:cBhvr additive="base">
+                                            <p:cTn id="23" dur="1000" fill="hold"/>
+                                            <p:tgtEl>
+                                              <p:spTgt spid="9"/>
+                                            </p:tgtEl>
+                                            <p:attrNameLst>
+                                              <p:attrName>ppt_y</p:attrName>
+                                            </p:attrNameLst>
+                                          </p:cBhvr>
+                                          <p:tavLst>
+                                            <p:tav tm="0">
+                                              <p:val>
+                                                <p:strVal val="0-#ppt_h/2"/>
+                                              </p:val>
+                                            </p:tav>
+                                            <p:tav tm="100000">
+                                              <p:val>
+                                                <p:strVal val="#ppt_y"/>
+                                              </p:val>
+                                            </p:tav>
+                                          </p:tavLst>
+                                        </p:anim>
+                                      </p:childTnLst>
+                                    </p:cTn>
+                                  </p:par>
+                                </p:childTnLst>
+                              </p:cTn>
+                            </p:par>
+                          </p:childTnLst>
+                        </p:cTn>
+                      </p:par>
+                      <p:par>
+                        <p:cTn id="24" fill="hold">
+                          <p:stCondLst>
+                            <p:cond delay="indefinite"/>
+                          </p:stCondLst>
+                          <p:childTnLst>
+                            <p:par>
+                              <p:cTn id="25" fill="hold">
+                                <p:stCondLst>
+                                  <p:cond delay="0"/>
+                                </p:stCondLst>
+                                <p:childTnLst>
+                                  <p:par>
+                                    <p:cTn id="26" presetID="1" presetClass="entr" presetSubtype="0" fill="hold" grpId="0" nodeType="clickEffect">
+                                      <p:stCondLst>
+                                        <p:cond delay="0"/>
+                                      </p:stCondLst>
+                                      <p:childTnLst>
+                                        <p:set>
+                                          <p:cBhvr>
+                                            <p:cTn id="27" dur="1" fill="hold">
+                                              <p:stCondLst>
+                                                <p:cond delay="0"/>
+                                              </p:stCondLst>
+                                            </p:cTn>
+                                            <p:tgtEl>
+                                              <p:spTgt spid="10"/>
+                                            </p:tgtEl>
+                                            <p:attrNameLst>
+                                              <p:attrName>style.visibility</p:attrName>
+                                            </p:attrNameLst>
+                                          </p:cBhvr>
+                                          <p:to>
+                                            <p:strVal val="visible"/>
+                                          </p:to>
+                                        </p:set>
+                                      </p:childTnLst>
+                                    </p:cTn>
+                                  </p:par>
+                                </p:childTnLst>
+                              </p:cTn>
+                            </p:par>
+                          </p:childTnLst>
+                        </p:cTn>
+                      </p:par>
+                    </p:childTnLst>
+                  </p:cTn>
+                  <p:prevCondLst>
+                    <p:cond evt="onPrev" delay="0">
+                      <p:tgtEl>
+                        <p:sldTgt/>
+                      </p:tgtEl>
+                    </p:cond>
+                  </p:prevCondLst>
+                  <p:nextCondLst>
+                    <p:cond evt="onNext" delay="0">
+                      <p:tgtEl>
+                        <p:sldTgt/>
+                      </p:tgtEl>
+                    </p:cond>
+                  </p:nextCondLst>
+                </p:seq>
+              </p:childTnLst>
+            </p:cTn>
+          </p:par>
+        </p:tnLst>
+        <p:bldLst>
+          <p:bldP spid="4" grpId="0"/>
+          <p:bldP spid="10" grpId="0"/>
+          <p:bldP spid="12" grpId="0"/>
+          <p:bldP spid="9" grpId="0"/>
+        </p:bldLst>
+      </p:timing>
+    </mc:Choice>
+    <mc:Fallback xmlns="">
+      <p:timing>
+        <p:tnLst>
+          <p:par>
+            <p:cTn id="1" dur="indefinite" restart="never" nodeType="tmRoot">
+              <p:childTnLst>
+                <p:seq concurrent="1" nextAc="seek">
+                  <p:cTn id="2" dur="indefinite" nodeType="mainSeq">
+                    <p:childTnLst>
+                      <p:par>
+                        <p:cTn id="3" fill="hold">
+                          <p:stCondLst>
+                            <p:cond delay="indefinite"/>
+                            <p:cond evt="onBegin" delay="0">
+                              <p:tn val="2"/>
+                            </p:cond>
+                          </p:stCondLst>
+                          <p:childTnLst>
+                            <p:par>
+                              <p:cTn id="4" fill="hold">
+                                <p:stCondLst>
+                                  <p:cond delay="0"/>
+                                </p:stCondLst>
+                                <p:childTnLst>
+                                  <p:par>
+                                    <p:cTn id="5" presetID="41" presetClass="entr" presetSubtype="0" fill="hold" grpId="0" nodeType="withEffect">
+                                      <p:stCondLst>
+                                        <p:cond delay="0"/>
+                                      </p:stCondLst>
+                                      <p:iterate type="lt">
+                                        <p:tmPct val="10000"/>
+                                      </p:iterate>
+                                      <p:childTnLst>
+                                        <p:set>
+                                          <p:cBhvr>
+                                            <p:cTn id="6" dur="1" fill="hold">
+                                              <p:stCondLst>
+                                                <p:cond delay="0"/>
+                                              </p:stCondLst>
+                                            </p:cTn>
+                                            <p:tgtEl>
+                                              <p:spTgt spid="4"/>
+                                            </p:tgtEl>
+                                            <p:attrNameLst>
+                                              <p:attrName>style.visibility</p:attrName>
+                                            </p:attrNameLst>
+                                          </p:cBhvr>
+                                          <p:to>
+                                            <p:strVal val="visible"/>
+                                          </p:to>
+                                        </p:set>
+                                        <p:anim calcmode="lin" valueType="num">
+                                          <p:cBhvr>
+                                            <p:cTn id="7" dur="500" fill="hold"/>
+                                            <p:tgtEl>
+                                              <p:spTgt spid="4"/>
+                                            </p:tgtEl>
+                                            <p:attrNameLst>
+                                              <p:attrName>ppt_x</p:attrName>
+                                            </p:attrNameLst>
+                                          </p:cBhvr>
+                                          <p:tavLst>
+                                            <p:tav tm="0">
+                                              <p:val>
+                                                <p:strVal val="#ppt_x"/>
+                                              </p:val>
+                                            </p:tav>
+                                            <p:tav tm="50000">
+                                              <p:val>
+                                                <p:strVal val="#ppt_x+.1"/>
+                                              </p:val>
+                                            </p:tav>
+                                            <p:tav tm="100000">
+                                              <p:val>
+                                                <p:strVal val="#ppt_x"/>
+                                              </p:val>
+                                            </p:tav>
+                                          </p:tavLst>
+                                        </p:anim>
+                                        <p:anim calcmode="lin" valueType="num">
+                                          <p:cBhvr>
+                                            <p:cTn id="8" dur="500" fill="hold"/>
+                                            <p:tgtEl>
+                                              <p:spTgt spid="4"/>
+                                            </p:tgtEl>
+                                            <p:attrNameLst>
+                                              <p:attrName>ppt_y</p:attrName>
+                                            </p:attrNameLst>
+                                          </p:cBhvr>
+                                          <p:tavLst>
+                                            <p:tav tm="0">
+                                              <p:val>
+                                                <p:strVal val="#ppt_y"/>
+                                              </p:val>
+                                            </p:tav>
+                                            <p:tav tm="100000">
+                                              <p:val>
+                                                <p:strVal val="#ppt_y"/>
+                                              </p:val>
+                                            </p:tav>
+                                          </p:tavLst>
+                                        </p:anim>
+                                        <p:anim calcmode="lin" valueType="num">
+                                          <p:cBhvr>
+                                            <p:cTn id="9" dur="500" fill="hold"/>
+                                            <p:tgtEl>
+                                              <p:spTgt spid="4"/>
+                                            </p:tgtEl>
+                                            <p:attrNameLst>
+                                              <p:attrName>ppt_h</p:attrName>
+                                            </p:attrNameLst>
+                                          </p:cBhvr>
+                                          <p:tavLst>
+                                            <p:tav tm="0">
+                                              <p:val>
+                                                <p:strVal val="#ppt_h/10"/>
+                                              </p:val>
+                                            </p:tav>
+                                            <p:tav tm="50000">
+                                              <p:val>
+                                                <p:strVal val="#ppt_h+.01"/>
+                                              </p:val>
+                                            </p:tav>
+                                            <p:tav tm="100000">
+                                              <p:val>
+                                                <p:strVal val="#ppt_h"/>
+                                              </p:val>
+                                            </p:tav>
+                                          </p:tavLst>
+                                        </p:anim>
+                                        <p:anim calcmode="lin" valueType="num">
+                                          <p:cBhvr>
+                                            <p:cTn id="10" dur="500" fill="hold"/>
+                                            <p:tgtEl>
+                                              <p:spTgt spid="4"/>
+                                            </p:tgtEl>
+                                            <p:attrNameLst>
+                                              <p:attrName>ppt_w</p:attrName>
+                                            </p:attrNameLst>
+                                          </p:cBhvr>
+                                          <p:tavLst>
+                                            <p:tav tm="0">
+                                              <p:val>
+                                                <p:strVal val="#ppt_w/10"/>
+                                              </p:val>
+                                            </p:tav>
+                                            <p:tav tm="50000">
+                                              <p:val>
+                                                <p:strVal val="#ppt_w+.01"/>
+                                              </p:val>
+                                            </p:tav>
+                                            <p:tav tm="100000">
+                                              <p:val>
+                                                <p:strVal val="#ppt_w"/>
+                                              </p:val>
+                                            </p:tav>
+                                          </p:tavLst>
+                                        </p:anim>
+                                        <p:animEffect transition="in" filter="fade">
+                                          <p:cBhvr>
+                                            <p:cTn id="11" dur="500" tmFilter="0,0; .5, 1; 1, 1"/>
+                                            <p:tgtEl>
+                                              <p:spTgt spid="4"/>
+                                            </p:tgtEl>
+                                          </p:cBhvr>
+                                        </p:animEffect>
+                                      </p:childTnLst>
+                                    </p:cTn>
+                                  </p:par>
+                                  <p:par>
+                                    <p:cTn id="12" presetID="41" presetClass="entr" presetSubtype="0" fill="hold" grpId="0" nodeType="withEffect">
+                                      <p:stCondLst>
+                                        <p:cond delay="0"/>
+                                      </p:stCondLst>
+                                      <p:iterate type="lt">
+                                        <p:tmPct val="10000"/>
+                                      </p:iterate>
+                                      <p:childTnLst>
+                                        <p:set>
+                                          <p:cBhvr>
+                                            <p:cTn id="13" dur="1" fill="hold">
+                                              <p:stCondLst>
+                                                <p:cond delay="0"/>
+                                              </p:stCondLst>
+                                            </p:cTn>
+                                            <p:tgtEl>
+                                              <p:spTgt spid="12"/>
+                                            </p:tgtEl>
+                                            <p:attrNameLst>
+                                              <p:attrName>style.visibility</p:attrName>
+                                            </p:attrNameLst>
+                                          </p:cBhvr>
+                                          <p:to>
+                                            <p:strVal val="visible"/>
+                                          </p:to>
+                                        </p:set>
+                                        <p:anim calcmode="lin" valueType="num">
+                                          <p:cBhvr>
+                                            <p:cTn id="14" dur="500" fill="hold"/>
+                                            <p:tgtEl>
+                                              <p:spTgt spid="12"/>
+                                            </p:tgtEl>
+                                            <p:attrNameLst>
+                                              <p:attrName>ppt_x</p:attrName>
+                                            </p:attrNameLst>
+                                          </p:cBhvr>
+                                          <p:tavLst>
+                                            <p:tav tm="0">
+                                              <p:val>
+                                                <p:strVal val="#ppt_x"/>
+                                              </p:val>
+                                            </p:tav>
+                                            <p:tav tm="50000">
+                                              <p:val>
+                                                <p:strVal val="#ppt_x+.1"/>
+                                              </p:val>
+                                            </p:tav>
+                                            <p:tav tm="100000">
+                                              <p:val>
+                                                <p:strVal val="#ppt_x"/>
+                                              </p:val>
+                                            </p:tav>
+                                          </p:tavLst>
+                                        </p:anim>
+                                        <p:anim calcmode="lin" valueType="num">
+                                          <p:cBhvr>
+                                            <p:cTn id="15" dur="500" fill="hold"/>
+                                            <p:tgtEl>
+                                              <p:spTgt spid="12"/>
+                                            </p:tgtEl>
+                                            <p:attrNameLst>
+                                              <p:attrName>ppt_y</p:attrName>
+                                            </p:attrNameLst>
+                                          </p:cBhvr>
+                                          <p:tavLst>
+                                            <p:tav tm="0">
+                                              <p:val>
+                                                <p:strVal val="#ppt_y"/>
+                                              </p:val>
+                                            </p:tav>
+                                            <p:tav tm="100000">
+                                              <p:val>
+                                                <p:strVal val="#ppt_y"/>
+                                              </p:val>
+                                            </p:tav>
+                                          </p:tavLst>
+                                        </p:anim>
+                                        <p:anim calcmode="lin" valueType="num">
+                                          <p:cBhvr>
+                                            <p:cTn id="16" dur="500" fill="hold"/>
+                                            <p:tgtEl>
+                                              <p:spTgt spid="12"/>
+                                            </p:tgtEl>
+                                            <p:attrNameLst>
+                                              <p:attrName>ppt_h</p:attrName>
+                                            </p:attrNameLst>
+                                          </p:cBhvr>
+                                          <p:tavLst>
+                                            <p:tav tm="0">
+                                              <p:val>
+                                                <p:strVal val="#ppt_h/10"/>
+                                              </p:val>
+                                            </p:tav>
+                                            <p:tav tm="50000">
+                                              <p:val>
+                                                <p:strVal val="#ppt_h+.01"/>
+                                              </p:val>
+                                            </p:tav>
+                                            <p:tav tm="100000">
+                                              <p:val>
+                                                <p:strVal val="#ppt_h"/>
+                                              </p:val>
+                                            </p:tav>
+                                          </p:tavLst>
+                                        </p:anim>
+                                        <p:anim calcmode="lin" valueType="num">
+                                          <p:cBhvr>
+                                            <p:cTn id="17" dur="500" fill="hold"/>
+                                            <p:tgtEl>
+                                              <p:spTgt spid="12"/>
+                                            </p:tgtEl>
+                                            <p:attrNameLst>
+                                              <p:attrName>ppt_w</p:attrName>
+                                            </p:attrNameLst>
+                                          </p:cBhvr>
+                                          <p:tavLst>
+                                            <p:tav tm="0">
+                                              <p:val>
+                                                <p:strVal val="#ppt_w/10"/>
+                                              </p:val>
+                                            </p:tav>
+                                            <p:tav tm="50000">
+                                              <p:val>
+                                                <p:strVal val="#ppt_w+.01"/>
+                                              </p:val>
+                                            </p:tav>
+                                            <p:tav tm="100000">
+                                              <p:val>
+                                                <p:strVal val="#ppt_w"/>
+                                              </p:val>
+                                            </p:tav>
+                                          </p:tavLst>
+                                        </p:anim>
+                                        <p:animEffect transition="in" filter="fade">
+                                          <p:cBhvr>
+                                            <p:cTn id="18" dur="500" tmFilter="0,0; .5, 1; 1, 1"/>
+                                            <p:tgtEl>
+                                              <p:spTgt spid="12"/>
+                                            </p:tgtEl>
+                                          </p:cBhvr>
+                                        </p:animEffect>
+                                      </p:childTnLst>
+                                    </p:cTn>
+                                  </p:par>
+                                </p:childTnLst>
+                              </p:cTn>
+                            </p:par>
+                            <p:par>
+                              <p:cTn id="19" fill="hold">
+                                <p:stCondLst>
+                                  <p:cond delay="850"/>
+                                </p:stCondLst>
+                                <p:childTnLst>
+                                  <p:par>
+                                    <p:cTn id="20" presetID="2" presetClass="entr" presetSubtype="1" fill="hold" grpId="0" nodeType="afterEffect">
+                                      <p:stCondLst>
+                                        <p:cond delay="0"/>
+                                      </p:stCondLst>
+                                      <p:childTnLst>
+                                        <p:set>
+                                          <p:cBhvr>
+                                            <p:cTn id="21" dur="1" fill="hold">
+                                              <p:stCondLst>
+                                                <p:cond delay="0"/>
+                                              </p:stCondLst>
+                                            </p:cTn>
+                                            <p:tgtEl>
+                                              <p:spTgt spid="9"/>
+                                            </p:tgtEl>
+                                            <p:attrNameLst>
+                                              <p:attrName>style.visibility</p:attrName>
+                                            </p:attrNameLst>
+                                          </p:cBhvr>
+                                          <p:to>
+                                            <p:strVal val="visible"/>
+                                          </p:to>
+                                        </p:set>
+                                        <p:anim calcmode="lin" valueType="num">
+                                          <p:cBhvr additive="base">
+                                            <p:cTn id="22" dur="1000" fill="hold"/>
+                                            <p:tgtEl>
+                                              <p:spTgt spid="9"/>
+                                            </p:tgtEl>
+                                            <p:attrNameLst>
+                                              <p:attrName>ppt_x</p:attrName>
+                                            </p:attrNameLst>
+                                          </p:cBhvr>
+                                          <p:tavLst>
+                                            <p:tav tm="0">
+                                              <p:val>
+                                                <p:strVal val="#ppt_x"/>
+                                              </p:val>
+                                            </p:tav>
+                                            <p:tav tm="100000">
+                                              <p:val>
+                                                <p:strVal val="#ppt_x"/>
+                                              </p:val>
+                                            </p:tav>
+                                          </p:tavLst>
+                                        </p:anim>
+                                        <p:anim calcmode="lin" valueType="num">
+                                          <p:cBhvr additive="base">
+                                            <p:cTn id="23" dur="1000" fill="hold"/>
+                                            <p:tgtEl>
+                                              <p:spTgt spid="9"/>
+                                            </p:tgtEl>
+                                            <p:attrNameLst>
+                                              <p:attrName>ppt_y</p:attrName>
+                                            </p:attrNameLst>
+                                          </p:cBhvr>
+                                          <p:tavLst>
+                                            <p:tav tm="0">
+                                              <p:val>
+                                                <p:strVal val="0-#ppt_h/2"/>
+                                              </p:val>
+                                            </p:tav>
+                                            <p:tav tm="100000">
+                                              <p:val>
+                                                <p:strVal val="#ppt_y"/>
+                                              </p:val>
+                                            </p:tav>
+                                          </p:tavLst>
+                                        </p:anim>
+                                      </p:childTnLst>
+                                    </p:cTn>
+                                  </p:par>
+                                </p:childTnLst>
+                              </p:cTn>
+                            </p:par>
+                          </p:childTnLst>
+                        </p:cTn>
+                      </p:par>
+                      <p:par>
+                        <p:cTn id="24" fill="hold">
+                          <p:stCondLst>
+                            <p:cond delay="indefinite"/>
+                          </p:stCondLst>
+                          <p:childTnLst>
+                            <p:par>
+                              <p:cTn id="25" fill="hold">
+                                <p:stCondLst>
+                                  <p:cond delay="0"/>
+                                </p:stCondLst>
+                                <p:childTnLst>
+                                  <p:par>
+                                    <p:cTn id="26" presetID="1" presetClass="entr" presetSubtype="0" fill="hold" grpId="0" nodeType="clickEffect">
+                                      <p:stCondLst>
+                                        <p:cond delay="0"/>
+                                      </p:stCondLst>
+                                      <p:childTnLst>
+                                        <p:set>
+                                          <p:cBhvr>
+                                            <p:cTn id="27" dur="1" fill="hold">
+                                              <p:stCondLst>
+                                                <p:cond delay="0"/>
+                                              </p:stCondLst>
+                                            </p:cTn>
+                                            <p:tgtEl>
+                                              <p:spTgt spid="10"/>
+                                            </p:tgtEl>
+                                            <p:attrNameLst>
+                                              <p:attrName>style.visibility</p:attrName>
+                                            </p:attrNameLst>
+                                          </p:cBhvr>
+                                          <p:to>
+                                            <p:strVal val="visible"/>
+                                          </p:to>
+                                        </p:set>
+                                      </p:childTnLst>
+                                    </p:cTn>
+                                  </p:par>
+                                </p:childTnLst>
+                              </p:cTn>
+                            </p:par>
+                          </p:childTnLst>
+                        </p:cTn>
+                      </p:par>
+                    </p:childTnLst>
+                  </p:cTn>
+                  <p:prevCondLst>
+                    <p:cond evt="onPrev" delay="0">
+                      <p:tgtEl>
+                        <p:sldTgt/>
+                      </p:tgtEl>
+                    </p:cond>
+                  </p:prevCondLst>
+                  <p:nextCondLst>
+                    <p:cond evt="onNext" delay="0">
+                      <p:tgtEl>
+                        <p:sldTgt/>
+                      </p:tgtEl>
+                    </p:cond>
+                  </p:nextCondLst>
+                </p:seq>
+              </p:childTnLst>
+            </p:cTn>
+          </p:par>
+        </p:tnLst>
+        <p:bldLst>
+          <p:bldP spid="4" grpId="0"/>
+          <p:bldP spid="10" grpId="0"/>
+          <p:bldP spid="12" grpId="0"/>
+          <p:bldP spid="9" grpId="0"/>
+        </p:bldLst>
+      </p:timing>
+    </mc:Fallback>
+  </mc:AlternateContent>
+</p:sld>
+</file>
+
+<file path=ppt/slides/slide18.xml><?xml version="1.0" encoding="utf-8"?>
+<p:sld xmlns:a="http://schemas.openxmlformats.org/drawingml/2006/main" xmlns:r="http://schemas.openxmlformats.org/officeDocument/2006/relationships" xmlns:p="http://schemas.openxmlformats.org/presentationml/2006/main">
+  <p:cSld>
+    <p:spTree>
+      <p:nvGrpSpPr>
+        <p:cNvPr id="1" name=""/>
+        <p:cNvGrpSpPr/>
+        <p:nvPr/>
+      </p:nvGrpSpPr>
+      <p:grpSpPr>
+        <a:xfrm>
+          <a:off x="0" y="0"/>
+          <a:ext cx="0" cy="0"/>
+          <a:chOff x="0" y="0"/>
+          <a:chExt cx="0" cy="0"/>
+        </a:xfrm>
+      </p:grpSpPr>
+      <p:sp>
+        <p:nvSpPr>
+          <p:cNvPr id="5" name="직사각형 4"/>
+          <p:cNvSpPr/>
+          <p:nvPr/>
+        </p:nvSpPr>
+        <p:spPr>
+          <a:xfrm>
+            <a:off x="0" y="0"/>
+            <a:ext cx="12192000" cy="6868337"/>
+          </a:xfrm>
+          <a:prstGeom prst="rect">
+            <a:avLst/>
+          </a:prstGeom>
+          <a:solidFill>
+            <a:srgbClr val="92D050"/>
+          </a:solidFill>
+          <a:ln>
+            <a:noFill/>
+          </a:ln>
+        </p:spPr>
+        <p:style>
+          <a:lnRef idx="2">
+            <a:schemeClr val="accent1">
+              <a:shade val="50000"/>
+            </a:schemeClr>
+          </a:lnRef>
+          <a:fillRef idx="1">
+            <a:schemeClr val="accent1"/>
+          </a:fillRef>
+          <a:effectRef idx="0">
+            <a:schemeClr val="accent1"/>
+          </a:effectRef>
+          <a:fontRef idx="minor">
+            <a:schemeClr val="lt1"/>
+          </a:fontRef>
+        </p:style>
+        <p:txBody>
+          <a:bodyPr rtlCol="0" anchor="ctr"/>
+          <a:lstStyle/>
+          <a:p>
+            <a:pPr algn="ctr"/>
+            <a:endParaRPr kumimoji="1" lang="ko-KR" altLang="en-US"/>
+          </a:p>
+        </p:txBody>
+      </p:sp>
+      <p:sp>
+        <p:nvSpPr>
+          <p:cNvPr id="4" name="TextBox 3"/>
+          <p:cNvSpPr txBox="1"/>
+          <p:nvPr/>
+        </p:nvSpPr>
+        <p:spPr>
+          <a:xfrm>
+            <a:off x="2049714" y="1271592"/>
+            <a:ext cx="2954655" cy="1754326"/>
+          </a:xfrm>
+          <a:prstGeom prst="rect">
+            <a:avLst/>
+          </a:prstGeom>
+          <a:noFill/>
+        </p:spPr>
+        <p:txBody>
+          <a:bodyPr wrap="none" rtlCol="0">
+            <a:spAutoFit/>
+          </a:bodyPr>
+          <a:lstStyle/>
+          <a:p>
+            <a:pPr algn="ctr"/>
+            <a:r>
+              <a:rPr kumimoji="1" lang="ko-KR" altLang="en-US" sz="5400" b="1" dirty="0">
+                <a:solidFill>
+                  <a:schemeClr val="bg1"/>
+                </a:solidFill>
+              </a:rPr>
+              <a:t>개발목표</a:t>
+            </a:r>
+            <a:endParaRPr kumimoji="1" lang="en-US" altLang="ko-KR" sz="5400" b="1" dirty="0">
+              <a:solidFill>
+                <a:schemeClr val="bg1"/>
+              </a:solidFill>
+            </a:endParaRPr>
+          </a:p>
+          <a:p>
+            <a:pPr algn="ctr"/>
+            <a:r>
+              <a:rPr kumimoji="1" lang="ko-KR" altLang="en-US" sz="5400" b="1" dirty="0">
+                <a:solidFill>
+                  <a:schemeClr val="bg1"/>
+                </a:solidFill>
+              </a:rPr>
+              <a:t>및 내용</a:t>
+            </a:r>
+            <a:endParaRPr kumimoji="1" lang="en-US" altLang="ko-KR" sz="5400" b="1" dirty="0">
+              <a:solidFill>
+                <a:schemeClr val="bg1"/>
+              </a:solidFill>
+            </a:endParaRPr>
+          </a:p>
+        </p:txBody>
+      </p:sp>
+      <p:sp>
+        <p:nvSpPr>
+          <p:cNvPr id="10" name="직사각형 9"/>
+          <p:cNvSpPr/>
+          <p:nvPr/>
+        </p:nvSpPr>
+        <p:spPr>
+          <a:xfrm>
+            <a:off x="527986" y="4021402"/>
+            <a:ext cx="10993453" cy="1631216"/>
+          </a:xfrm>
+          <a:prstGeom prst="rect">
+            <a:avLst/>
+          </a:prstGeom>
+        </p:spPr>
+        <p:txBody>
+          <a:bodyPr wrap="square">
+            <a:spAutoFit/>
+          </a:bodyPr>
+          <a:lstStyle/>
+          <a:p>
+            <a:pPr algn="ctr"/>
+            <a:r>
+              <a:rPr kumimoji="1" lang="ko-KR" altLang="en-US" sz="3600" b="1" dirty="0" smtClean="0">
+                <a:solidFill>
+                  <a:schemeClr val="bg1"/>
+                </a:solidFill>
+              </a:rPr>
+              <a:t>게임의 연출을 위한 쉐이더 제작</a:t>
+            </a:r>
+            <a:endParaRPr kumimoji="1" lang="en-US" altLang="ko-KR" sz="3600" b="1" dirty="0" smtClean="0">
+              <a:solidFill>
+                <a:schemeClr val="bg1"/>
+              </a:solidFill>
+            </a:endParaRPr>
+          </a:p>
+          <a:p>
+            <a:pPr algn="ctr"/>
+            <a:r>
+              <a:rPr kumimoji="1" lang="en-US" altLang="ko-KR" sz="3200" b="1" dirty="0" smtClean="0">
+                <a:solidFill>
+                  <a:schemeClr val="bg1">
+                    <a:lumMod val="50000"/>
+                  </a:schemeClr>
+                </a:solidFill>
+              </a:rPr>
+              <a:t>Lighting, </a:t>
+            </a:r>
+            <a:r>
+              <a:rPr kumimoji="1" lang="en-US" altLang="ko-KR" sz="3200" b="1" dirty="0" err="1" smtClean="0">
+                <a:solidFill>
+                  <a:schemeClr val="bg1">
+                    <a:lumMod val="50000"/>
+                  </a:schemeClr>
+                </a:solidFill>
+              </a:rPr>
+              <a:t>DiffuseSpecularMapping</a:t>
+            </a:r>
+            <a:r>
+              <a:rPr kumimoji="1" lang="en-US" altLang="ko-KR" sz="3200" b="1" dirty="0" smtClean="0">
+                <a:solidFill>
+                  <a:schemeClr val="bg1">
+                    <a:lumMod val="50000"/>
+                  </a:schemeClr>
+                </a:solidFill>
+              </a:rPr>
+              <a:t>, Toon, </a:t>
+            </a:r>
+            <a:r>
+              <a:rPr kumimoji="1" lang="en-US" altLang="ko-KR" sz="3200" b="1" dirty="0" err="1" smtClean="0">
+                <a:solidFill>
+                  <a:schemeClr val="bg1">
+                    <a:lumMod val="50000"/>
+                  </a:schemeClr>
+                </a:solidFill>
+              </a:rPr>
+              <a:t>ShadowMapping</a:t>
+            </a:r>
+            <a:endParaRPr kumimoji="1" lang="en-US" altLang="ko-KR" sz="3200" b="1" dirty="0" smtClean="0">
+              <a:solidFill>
+                <a:schemeClr val="bg1">
+                  <a:lumMod val="50000"/>
+                </a:schemeClr>
+              </a:solidFill>
+            </a:endParaRPr>
+          </a:p>
+        </p:txBody>
+      </p:sp>
+      <p:sp>
+        <p:nvSpPr>
+          <p:cNvPr id="12" name="TextBox 3"/>
+          <p:cNvSpPr txBox="1"/>
+          <p:nvPr/>
+        </p:nvSpPr>
+        <p:spPr>
+          <a:xfrm>
+            <a:off x="7204689" y="1149348"/>
+            <a:ext cx="3262432" cy="1938992"/>
+          </a:xfrm>
+          <a:prstGeom prst="rect">
+            <a:avLst/>
+          </a:prstGeom>
+          <a:noFill/>
+        </p:spPr>
+        <p:txBody>
+          <a:bodyPr wrap="none" rtlCol="0">
+            <a:spAutoFit/>
+          </a:bodyPr>
+          <a:lstStyle/>
+          <a:p>
+            <a:pPr algn="ctr"/>
+            <a:r>
+              <a:rPr kumimoji="1" lang="ko-KR" altLang="en-US" sz="4800" b="1" dirty="0">
+                <a:solidFill>
+                  <a:schemeClr val="accent2"/>
+                </a:solidFill>
+              </a:rPr>
+              <a:t>클라이언트</a:t>
+            </a:r>
+            <a:endParaRPr kumimoji="1" lang="en-US" altLang="ko-KR" sz="4800" b="1" dirty="0">
+              <a:solidFill>
+                <a:schemeClr val="accent2"/>
+              </a:solidFill>
+            </a:endParaRPr>
+          </a:p>
+          <a:p>
+            <a:pPr algn="ctr"/>
+            <a:r>
+              <a:rPr kumimoji="1" lang="ko-KR" altLang="en-US" sz="7200" b="1" dirty="0">
+                <a:solidFill>
+                  <a:schemeClr val="bg1"/>
+                </a:solidFill>
+              </a:rPr>
+              <a:t>허지훈</a:t>
+            </a:r>
+            <a:endParaRPr kumimoji="1" lang="en-US" altLang="ko-KR" sz="7200" b="1" dirty="0">
+              <a:solidFill>
+                <a:schemeClr val="bg1"/>
+              </a:solidFill>
+            </a:endParaRPr>
+          </a:p>
+        </p:txBody>
+      </p:sp>
+      <p:sp>
+        <p:nvSpPr>
+          <p:cNvPr id="9" name="TextBox 3"/>
+          <p:cNvSpPr txBox="1"/>
+          <p:nvPr/>
+        </p:nvSpPr>
+        <p:spPr>
+          <a:xfrm>
+            <a:off x="5395040" y="732982"/>
+            <a:ext cx="1418978" cy="2646878"/>
+          </a:xfrm>
+          <a:prstGeom prst="rect">
+            <a:avLst/>
+          </a:prstGeom>
+          <a:noFill/>
+        </p:spPr>
+        <p:txBody>
+          <a:bodyPr wrap="none" rtlCol="0">
+            <a:spAutoFit/>
+          </a:bodyPr>
+          <a:lstStyle/>
+          <a:p>
+            <a:pPr algn="ctr"/>
+            <a:r>
               <a:rPr kumimoji="1" lang="en-US" altLang="ko-KR" sz="16600" b="1" dirty="0" smtClean="0">
                 <a:solidFill>
                   <a:schemeClr val="bg1"/>
@@ -11705,7 +13085,7 @@
 </p:sld>
 </file>
 
-<file path=ppt/slides/slide17.xml><?xml version="1.0" encoding="utf-8"?>
+<file path=ppt/slides/slide19.xml><?xml version="1.0" encoding="utf-8"?>
 <p:sld xmlns:a="http://schemas.openxmlformats.org/drawingml/2006/main" xmlns:r="http://schemas.openxmlformats.org/officeDocument/2006/relationships" xmlns:p="http://schemas.openxmlformats.org/presentationml/2006/main">
   <p:cSld>
     <p:spTree>
@@ -13064,661 +14444,6 @@
 </p:sld>
 </file>
 
-<file path=ppt/slides/slide18.xml><?xml version="1.0" encoding="utf-8"?>
-<p:sld xmlns:a="http://schemas.openxmlformats.org/drawingml/2006/main" xmlns:r="http://schemas.openxmlformats.org/officeDocument/2006/relationships" xmlns:p="http://schemas.openxmlformats.org/presentationml/2006/main">
-  <p:cSld>
-    <p:spTree>
-      <p:nvGrpSpPr>
-        <p:cNvPr id="1" name=""/>
-        <p:cNvGrpSpPr/>
-        <p:nvPr/>
-      </p:nvGrpSpPr>
-      <p:grpSpPr>
-        <a:xfrm>
-          <a:off x="0" y="0"/>
-          <a:ext cx="0" cy="0"/>
-          <a:chOff x="0" y="0"/>
-          <a:chExt cx="0" cy="0"/>
-        </a:xfrm>
-      </p:grpSpPr>
-      <p:sp>
-        <p:nvSpPr>
-          <p:cNvPr id="8" name="직사각형 7"/>
-          <p:cNvSpPr/>
-          <p:nvPr/>
-        </p:nvSpPr>
-        <p:spPr>
-          <a:xfrm>
-            <a:off x="0" y="0"/>
-            <a:ext cx="12192000" cy="6868337"/>
-          </a:xfrm>
-          <a:prstGeom prst="rect">
-            <a:avLst/>
-          </a:prstGeom>
-          <a:solidFill>
-            <a:srgbClr val="7030A0"/>
-          </a:solidFill>
-          <a:ln>
-            <a:noFill/>
-          </a:ln>
-        </p:spPr>
-        <p:style>
-          <a:lnRef idx="2">
-            <a:schemeClr val="accent1">
-              <a:shade val="50000"/>
-            </a:schemeClr>
-          </a:lnRef>
-          <a:fillRef idx="1">
-            <a:schemeClr val="accent1"/>
-          </a:fillRef>
-          <a:effectRef idx="0">
-            <a:schemeClr val="accent1"/>
-          </a:effectRef>
-          <a:fontRef idx="minor">
-            <a:schemeClr val="lt1"/>
-          </a:fontRef>
-        </p:style>
-        <p:txBody>
-          <a:bodyPr rtlCol="0" anchor="ctr"/>
-          <a:lstStyle/>
-          <a:p>
-            <a:pPr algn="ctr"/>
-            <a:endParaRPr kumimoji="1" lang="ko-KR" altLang="en-US"/>
-          </a:p>
-        </p:txBody>
-      </p:sp>
-      <p:sp>
-        <p:nvSpPr>
-          <p:cNvPr id="4" name="TextBox 3"/>
-          <p:cNvSpPr txBox="1"/>
-          <p:nvPr/>
-        </p:nvSpPr>
-        <p:spPr>
-          <a:xfrm>
-            <a:off x="2049714" y="1271592"/>
-            <a:ext cx="2954655" cy="1754326"/>
-          </a:xfrm>
-          <a:prstGeom prst="rect">
-            <a:avLst/>
-          </a:prstGeom>
-          <a:noFill/>
-        </p:spPr>
-        <p:txBody>
-          <a:bodyPr wrap="none" rtlCol="0">
-            <a:spAutoFit/>
-          </a:bodyPr>
-          <a:lstStyle/>
-          <a:p>
-            <a:pPr algn="ctr"/>
-            <a:r>
-              <a:rPr kumimoji="1" lang="ko-KR" altLang="en-US" sz="5400" b="1" dirty="0">
-                <a:solidFill>
-                  <a:schemeClr val="bg1"/>
-                </a:solidFill>
-              </a:rPr>
-              <a:t>개발목표</a:t>
-            </a:r>
-            <a:endParaRPr kumimoji="1" lang="en-US" altLang="ko-KR" sz="5400" b="1" dirty="0">
-              <a:solidFill>
-                <a:schemeClr val="bg1"/>
-              </a:solidFill>
-            </a:endParaRPr>
-          </a:p>
-          <a:p>
-            <a:pPr algn="ctr"/>
-            <a:r>
-              <a:rPr kumimoji="1" lang="ko-KR" altLang="en-US" sz="5400" b="1" dirty="0">
-                <a:solidFill>
-                  <a:schemeClr val="bg1"/>
-                </a:solidFill>
-              </a:rPr>
-              <a:t>및 내용</a:t>
-            </a:r>
-            <a:endParaRPr kumimoji="1" lang="en-US" altLang="ko-KR" sz="5400" b="1" dirty="0">
-              <a:solidFill>
-                <a:schemeClr val="bg1"/>
-              </a:solidFill>
-            </a:endParaRPr>
-          </a:p>
-        </p:txBody>
-      </p:sp>
-      <p:sp>
-        <p:nvSpPr>
-          <p:cNvPr id="10" name="직사각형 9"/>
-          <p:cNvSpPr/>
-          <p:nvPr/>
-        </p:nvSpPr>
-        <p:spPr>
-          <a:xfrm>
-            <a:off x="527986" y="4021402"/>
-            <a:ext cx="10993453" cy="1631216"/>
-          </a:xfrm>
-          <a:prstGeom prst="rect">
-            <a:avLst/>
-          </a:prstGeom>
-        </p:spPr>
-        <p:txBody>
-          <a:bodyPr wrap="square">
-            <a:spAutoFit/>
-          </a:bodyPr>
-          <a:lstStyle/>
-          <a:p>
-            <a:pPr algn="ctr"/>
-            <a:r>
-              <a:rPr kumimoji="1" lang="en-US" altLang="ko-KR" sz="3600" b="1" dirty="0" smtClean="0">
-                <a:solidFill>
-                  <a:schemeClr val="bg1"/>
-                </a:solidFill>
-              </a:rPr>
-              <a:t>5,000</a:t>
-            </a:r>
-            <a:r>
-              <a:rPr kumimoji="1" lang="ko-KR" altLang="en-US" sz="3600" b="1" dirty="0" smtClean="0">
-                <a:solidFill>
-                  <a:schemeClr val="bg1"/>
-                </a:solidFill>
-              </a:rPr>
-              <a:t>명</a:t>
-            </a:r>
-            <a:endParaRPr kumimoji="1" lang="en-US" altLang="ko-KR" sz="3600" b="1" dirty="0">
-              <a:solidFill>
-                <a:schemeClr val="bg1"/>
-              </a:solidFill>
-            </a:endParaRPr>
-          </a:p>
-          <a:p>
-            <a:pPr algn="ctr"/>
-            <a:r>
-              <a:rPr kumimoji="1" lang="ko-KR" altLang="en-US" sz="3200" b="1" dirty="0" smtClean="0">
-                <a:solidFill>
-                  <a:schemeClr val="bg1">
-                    <a:lumMod val="50000"/>
-                  </a:schemeClr>
-                </a:solidFill>
-              </a:rPr>
-              <a:t>이야 짱많이 접속한다</a:t>
-            </a:r>
-            <a:r>
-              <a:rPr kumimoji="1" lang="en-US" altLang="ko-KR" sz="3200" b="1" dirty="0" smtClean="0">
-                <a:solidFill>
-                  <a:schemeClr val="bg1">
-                    <a:lumMod val="50000"/>
-                  </a:schemeClr>
-                </a:solidFill>
-              </a:rPr>
-              <a:t>!</a:t>
-            </a:r>
-          </a:p>
-          <a:p>
-            <a:pPr algn="ctr"/>
-            <a:r>
-              <a:rPr kumimoji="1" lang="ko-KR" altLang="en-US" sz="3200" b="1" dirty="0" smtClean="0">
-                <a:solidFill>
-                  <a:schemeClr val="bg1">
-                    <a:lumMod val="50000"/>
-                  </a:schemeClr>
-                </a:solidFill>
-              </a:rPr>
-              <a:t>순차접속 말고 한 번에 몇 명까지 동시 입장 가능 어케어케</a:t>
-            </a:r>
-            <a:endParaRPr kumimoji="1" lang="ko-KR" altLang="en-US" sz="3200" b="1" dirty="0">
-              <a:solidFill>
-                <a:schemeClr val="bg1">
-                  <a:lumMod val="50000"/>
-                </a:schemeClr>
-              </a:solidFill>
-            </a:endParaRPr>
-          </a:p>
-        </p:txBody>
-      </p:sp>
-      <p:sp>
-        <p:nvSpPr>
-          <p:cNvPr id="12" name="TextBox 3"/>
-          <p:cNvSpPr txBox="1"/>
-          <p:nvPr/>
-        </p:nvSpPr>
-        <p:spPr>
-          <a:xfrm>
-            <a:off x="7358577" y="1149348"/>
-            <a:ext cx="2954655" cy="1938992"/>
-          </a:xfrm>
-          <a:prstGeom prst="rect">
-            <a:avLst/>
-          </a:prstGeom>
-          <a:noFill/>
-        </p:spPr>
-        <p:txBody>
-          <a:bodyPr wrap="none" rtlCol="0">
-            <a:spAutoFit/>
-          </a:bodyPr>
-          <a:lstStyle/>
-          <a:p>
-            <a:pPr lvl="0" algn="ctr"/>
-            <a:r>
-              <a:rPr kumimoji="1" lang="ko-KR" altLang="en-US" sz="4800" b="1" dirty="0">
-                <a:solidFill>
-                  <a:srgbClr val="EEBAF5"/>
-                </a:solidFill>
-              </a:rPr>
-              <a:t>서버</a:t>
-            </a:r>
-            <a:endParaRPr kumimoji="1" lang="en-US" altLang="ko-KR" sz="4800" b="1" dirty="0">
-              <a:solidFill>
-                <a:srgbClr val="EEBAF5"/>
-              </a:solidFill>
-            </a:endParaRPr>
-          </a:p>
-          <a:p>
-            <a:pPr lvl="0" algn="ctr"/>
-            <a:r>
-              <a:rPr kumimoji="1" lang="ko-KR" altLang="en-US" sz="7200" b="1" dirty="0">
-                <a:solidFill>
-                  <a:prstClr val="white"/>
-                </a:solidFill>
-              </a:rPr>
-              <a:t>김형준</a:t>
-            </a:r>
-            <a:endParaRPr kumimoji="1" lang="en-US" altLang="ko-KR" sz="7200" b="1" dirty="0">
-              <a:solidFill>
-                <a:prstClr val="white"/>
-              </a:solidFill>
-            </a:endParaRPr>
-          </a:p>
-        </p:txBody>
-      </p:sp>
-      <p:sp>
-        <p:nvSpPr>
-          <p:cNvPr id="9" name="TextBox 3"/>
-          <p:cNvSpPr txBox="1"/>
-          <p:nvPr/>
-        </p:nvSpPr>
-        <p:spPr>
-          <a:xfrm>
-            <a:off x="5386511" y="732982"/>
-            <a:ext cx="1418978" cy="2646878"/>
-          </a:xfrm>
-          <a:prstGeom prst="rect">
-            <a:avLst/>
-          </a:prstGeom>
-          <a:noFill/>
-        </p:spPr>
-        <p:txBody>
-          <a:bodyPr wrap="none" rtlCol="0">
-            <a:spAutoFit/>
-          </a:bodyPr>
-          <a:lstStyle/>
-          <a:p>
-            <a:pPr algn="ctr"/>
-            <a:r>
-              <a:rPr kumimoji="1" lang="en-US" altLang="ko-KR" sz="16600" b="1" dirty="0">
-                <a:solidFill>
-                  <a:schemeClr val="bg1"/>
-                </a:solidFill>
-              </a:rPr>
-              <a:t>2</a:t>
-            </a:r>
-          </a:p>
-        </p:txBody>
-      </p:sp>
-    </p:spTree>
-    <p:extLst>
-      <p:ext uri="{BB962C8B-B14F-4D97-AF65-F5344CB8AC3E}">
-        <p14:creationId xmlns:p14="http://schemas.microsoft.com/office/powerpoint/2010/main" val="820968370"/>
-      </p:ext>
-    </p:extLst>
-  </p:cSld>
-  <p:clrMapOvr>
-    <a:masterClrMapping/>
-  </p:clrMapOvr>
-  <p:timing>
-    <p:tnLst>
-      <p:par>
-        <p:cTn id="1" dur="indefinite" restart="never" nodeType="tmRoot"/>
-      </p:par>
-    </p:tnLst>
-  </p:timing>
-</p:sld>
-</file>
-
-<file path=ppt/slides/slide19.xml><?xml version="1.0" encoding="utf-8"?>
-<p:sld xmlns:a="http://schemas.openxmlformats.org/drawingml/2006/main" xmlns:r="http://schemas.openxmlformats.org/officeDocument/2006/relationships" xmlns:p="http://schemas.openxmlformats.org/presentationml/2006/main">
-  <p:cSld>
-    <p:spTree>
-      <p:nvGrpSpPr>
-        <p:cNvPr id="1" name=""/>
-        <p:cNvGrpSpPr/>
-        <p:nvPr/>
-      </p:nvGrpSpPr>
-      <p:grpSpPr>
-        <a:xfrm>
-          <a:off x="0" y="0"/>
-          <a:ext cx="0" cy="0"/>
-          <a:chOff x="0" y="0"/>
-          <a:chExt cx="0" cy="0"/>
-        </a:xfrm>
-      </p:grpSpPr>
-      <p:sp>
-        <p:nvSpPr>
-          <p:cNvPr id="5" name="직사각형 4"/>
-          <p:cNvSpPr/>
-          <p:nvPr/>
-        </p:nvSpPr>
-        <p:spPr>
-          <a:xfrm>
-            <a:off x="0" y="0"/>
-            <a:ext cx="12192000" cy="6868337"/>
-          </a:xfrm>
-          <a:prstGeom prst="rect">
-            <a:avLst/>
-          </a:prstGeom>
-          <a:solidFill>
-            <a:srgbClr val="00B050"/>
-          </a:solidFill>
-          <a:ln>
-            <a:noFill/>
-          </a:ln>
-        </p:spPr>
-        <p:style>
-          <a:lnRef idx="2">
-            <a:schemeClr val="accent1">
-              <a:shade val="50000"/>
-            </a:schemeClr>
-          </a:lnRef>
-          <a:fillRef idx="1">
-            <a:schemeClr val="accent1"/>
-          </a:fillRef>
-          <a:effectRef idx="0">
-            <a:schemeClr val="accent1"/>
-          </a:effectRef>
-          <a:fontRef idx="minor">
-            <a:schemeClr val="lt1"/>
-          </a:fontRef>
-        </p:style>
-        <p:txBody>
-          <a:bodyPr rtlCol="0" anchor="ctr"/>
-          <a:lstStyle/>
-          <a:p>
-            <a:pPr algn="ctr"/>
-            <a:endParaRPr kumimoji="1" lang="ko-KR" altLang="en-US"/>
-          </a:p>
-        </p:txBody>
-      </p:sp>
-      <p:sp>
-        <p:nvSpPr>
-          <p:cNvPr id="4" name="TextBox 3"/>
-          <p:cNvSpPr txBox="1"/>
-          <p:nvPr/>
-        </p:nvSpPr>
-        <p:spPr>
-          <a:xfrm>
-            <a:off x="1973273" y="2982723"/>
-            <a:ext cx="2505814" cy="923330"/>
-          </a:xfrm>
-          <a:prstGeom prst="rect">
-            <a:avLst/>
-          </a:prstGeom>
-          <a:noFill/>
-        </p:spPr>
-        <p:txBody>
-          <a:bodyPr wrap="none" rtlCol="0">
-            <a:spAutoFit/>
-          </a:bodyPr>
-          <a:lstStyle/>
-          <a:p>
-            <a:pPr algn="ctr"/>
-            <a:r>
-              <a:rPr kumimoji="1" lang="ko-KR" altLang="en-US" sz="5400" b="1" dirty="0">
-                <a:solidFill>
-                  <a:schemeClr val="bg1"/>
-                </a:solidFill>
-              </a:rPr>
-              <a:t>개발 툴</a:t>
-            </a:r>
-            <a:endParaRPr kumimoji="1" lang="en-US" altLang="ko-KR" sz="5400" b="1" dirty="0">
-              <a:solidFill>
-                <a:schemeClr val="bg1"/>
-              </a:solidFill>
-            </a:endParaRPr>
-          </a:p>
-        </p:txBody>
-      </p:sp>
-      <p:sp>
-        <p:nvSpPr>
-          <p:cNvPr id="10" name="직사각형 9"/>
-          <p:cNvSpPr/>
-          <p:nvPr/>
-        </p:nvSpPr>
-        <p:spPr>
-          <a:xfrm>
-            <a:off x="6096000" y="1136064"/>
-            <a:ext cx="5207692" cy="4616648"/>
-          </a:xfrm>
-          <a:prstGeom prst="rect">
-            <a:avLst/>
-          </a:prstGeom>
-        </p:spPr>
-        <p:txBody>
-          <a:bodyPr wrap="square" anchor="ctr">
-            <a:spAutoFit/>
-          </a:bodyPr>
-          <a:lstStyle/>
-          <a:p>
-            <a:pPr algn="ctr">
-              <a:lnSpc>
-                <a:spcPct val="150000"/>
-              </a:lnSpc>
-            </a:pPr>
-            <a:r>
-              <a:rPr lang="en-US" altLang="ko-KR" sz="2800" b="1" dirty="0">
-                <a:solidFill>
-                  <a:schemeClr val="bg1"/>
-                </a:solidFill>
-              </a:rPr>
-              <a:t>Microsoft visual studio 2015</a:t>
-            </a:r>
-          </a:p>
-          <a:p>
-            <a:pPr algn="ctr">
-              <a:lnSpc>
-                <a:spcPct val="150000"/>
-              </a:lnSpc>
-            </a:pPr>
-            <a:r>
-              <a:rPr lang="en-US" altLang="ko-KR" sz="2800" b="1" dirty="0">
-                <a:solidFill>
-                  <a:schemeClr val="bg1"/>
-                </a:solidFill>
-              </a:rPr>
-              <a:t>DirectX </a:t>
-            </a:r>
-            <a:r>
-              <a:rPr lang="en-US" altLang="ko-KR" sz="2800" b="1" dirty="0" smtClean="0">
-                <a:solidFill>
-                  <a:schemeClr val="bg1"/>
-                </a:solidFill>
-              </a:rPr>
-              <a:t>11</a:t>
-            </a:r>
-          </a:p>
-          <a:p>
-            <a:pPr algn="ctr">
-              <a:lnSpc>
-                <a:spcPct val="150000"/>
-              </a:lnSpc>
-            </a:pPr>
-            <a:r>
-              <a:rPr lang="en-US" altLang="ko-KR" sz="2800" b="1" dirty="0" smtClean="0">
-                <a:solidFill>
-                  <a:schemeClr val="bg1"/>
-                </a:solidFill>
-              </a:rPr>
-              <a:t>Boost </a:t>
-            </a:r>
-            <a:r>
-              <a:rPr lang="en-US" altLang="ko-KR" sz="2800" b="1" dirty="0" err="1" smtClean="0">
-                <a:solidFill>
-                  <a:schemeClr val="bg1"/>
-                </a:solidFill>
-              </a:rPr>
-              <a:t>Asio</a:t>
-            </a:r>
-            <a:r>
-              <a:rPr lang="ko-KR" altLang="en-US" sz="2800" b="1" dirty="0" smtClean="0">
-                <a:solidFill>
-                  <a:schemeClr val="bg1"/>
-                </a:solidFill>
-              </a:rPr>
-              <a:t> </a:t>
-            </a:r>
-            <a:r>
-              <a:rPr lang="en-US" altLang="ko-KR" sz="2800" b="1" dirty="0" smtClean="0">
-                <a:solidFill>
-                  <a:schemeClr val="bg1"/>
-                </a:solidFill>
-              </a:rPr>
-              <a:t>Library</a:t>
-            </a:r>
-            <a:endParaRPr lang="en-US" altLang="ko-KR" sz="2800" b="1" dirty="0">
-              <a:solidFill>
-                <a:schemeClr val="bg1"/>
-              </a:solidFill>
-            </a:endParaRPr>
-          </a:p>
-          <a:p>
-            <a:pPr algn="ctr">
-              <a:lnSpc>
-                <a:spcPct val="150000"/>
-              </a:lnSpc>
-            </a:pPr>
-            <a:r>
-              <a:rPr lang="en-US" altLang="ko-KR" sz="2800" b="1" dirty="0">
-                <a:solidFill>
-                  <a:schemeClr val="bg1"/>
-                </a:solidFill>
-              </a:rPr>
-              <a:t>Trello</a:t>
-            </a:r>
-            <a:r>
-              <a:rPr lang="ko-KR" altLang="en-US" sz="2800" b="1" dirty="0">
-                <a:solidFill>
-                  <a:schemeClr val="bg1"/>
-                </a:solidFill>
-              </a:rPr>
-              <a:t> </a:t>
-            </a:r>
-            <a:r>
-              <a:rPr lang="en-US" altLang="ko-KR" sz="2800" b="1" dirty="0">
-                <a:solidFill>
-                  <a:schemeClr val="bg1"/>
-                </a:solidFill>
-              </a:rPr>
-              <a:t>( google calendar</a:t>
-            </a:r>
-            <a:r>
-              <a:rPr lang="ko-KR" altLang="en-US" sz="2800" b="1" dirty="0">
-                <a:solidFill>
-                  <a:schemeClr val="bg1"/>
-                </a:solidFill>
-              </a:rPr>
-              <a:t> 연동</a:t>
-            </a:r>
-            <a:r>
-              <a:rPr lang="en-US" altLang="ko-KR" sz="2800" b="1" dirty="0">
-                <a:solidFill>
-                  <a:schemeClr val="bg1"/>
-                </a:solidFill>
-              </a:rPr>
-              <a:t>)</a:t>
-            </a:r>
-          </a:p>
-          <a:p>
-            <a:pPr algn="ctr">
-              <a:lnSpc>
-                <a:spcPct val="150000"/>
-              </a:lnSpc>
-            </a:pPr>
-            <a:r>
-              <a:rPr lang="en-US" altLang="ko-KR" sz="2800" b="1" dirty="0">
-                <a:solidFill>
-                  <a:schemeClr val="bg1"/>
-                </a:solidFill>
-              </a:rPr>
-              <a:t>Microsoft office</a:t>
-            </a:r>
-          </a:p>
-          <a:p>
-            <a:pPr algn="ctr">
-              <a:lnSpc>
-                <a:spcPct val="150000"/>
-              </a:lnSpc>
-            </a:pPr>
-            <a:r>
-              <a:rPr lang="en-US" altLang="ko-KR" sz="2800" b="1" dirty="0" err="1">
-                <a:solidFill>
-                  <a:schemeClr val="bg1"/>
-                </a:solidFill>
-              </a:rPr>
-              <a:t>Github</a:t>
-            </a:r>
-            <a:endParaRPr lang="en-US" altLang="ko-KR" sz="2800" b="1" dirty="0">
-              <a:solidFill>
-                <a:schemeClr val="bg1"/>
-              </a:solidFill>
-            </a:endParaRPr>
-          </a:p>
-          <a:p>
-            <a:pPr algn="ctr">
-              <a:lnSpc>
-                <a:spcPct val="150000"/>
-              </a:lnSpc>
-            </a:pPr>
-            <a:r>
-              <a:rPr lang="en-US" altLang="ko-KR" sz="2800" b="1" dirty="0">
-                <a:solidFill>
-                  <a:schemeClr val="bg1"/>
-                </a:solidFill>
-              </a:rPr>
-              <a:t>3dsMax </a:t>
-            </a:r>
-            <a:r>
-              <a:rPr lang="en-US" altLang="ko-KR" sz="2800" b="1" dirty="0" smtClean="0">
-                <a:solidFill>
-                  <a:schemeClr val="bg1"/>
-                </a:solidFill>
-              </a:rPr>
-              <a:t>2015</a:t>
-            </a:r>
-            <a:endParaRPr lang="en-US" altLang="ko-KR" sz="2800" b="1" dirty="0">
-              <a:solidFill>
-                <a:schemeClr val="bg1"/>
-              </a:solidFill>
-            </a:endParaRPr>
-          </a:p>
-        </p:txBody>
-      </p:sp>
-    </p:spTree>
-    <p:extLst>
-      <p:ext uri="{BB962C8B-B14F-4D97-AF65-F5344CB8AC3E}">
-        <p14:creationId xmlns:p14="http://schemas.microsoft.com/office/powerpoint/2010/main" val="691263070"/>
-      </p:ext>
-    </p:extLst>
-  </p:cSld>
-  <p:clrMapOvr>
-    <a:masterClrMapping/>
-  </p:clrMapOvr>
-  <p:transition spd="slow">
-    <p:push dir="u"/>
-  </p:transition>
-  <p:timing>
-    <p:tnLst>
-      <p:par>
-        <p:cTn id="1" dur="indefinite" restart="never" nodeType="tmRoot"/>
-      </p:par>
-    </p:tnLst>
-  </p:timing>
-</p:sld>
-</file>
-
 <file path=ppt/slides/slide2.xml><?xml version="1.0" encoding="utf-8"?>
 <p:sld xmlns:a="http://schemas.openxmlformats.org/drawingml/2006/main" xmlns:r="http://schemas.openxmlformats.org/officeDocument/2006/relationships" xmlns:p="http://schemas.openxmlformats.org/presentationml/2006/main">
   <p:cSld>
@@ -13937,7 +14662,7 @@
         </p:nvSpPr>
         <p:spPr>
           <a:xfrm>
-            <a:off x="531746" y="3464686"/>
+            <a:off x="531746" y="3687616"/>
             <a:ext cx="13481966" cy="633103"/>
           </a:xfrm>
           <a:prstGeom prst="parallelogram">
@@ -14028,7 +14753,7 @@
         </p:nvSpPr>
         <p:spPr>
           <a:xfrm>
-            <a:off x="531746" y="4244083"/>
+            <a:off x="531746" y="4689943"/>
             <a:ext cx="13481966" cy="633103"/>
           </a:xfrm>
           <a:prstGeom prst="parallelogram">
@@ -14113,104 +14838,13 @@
       </p:sp>
       <p:sp>
         <p:nvSpPr>
-          <p:cNvPr id="14" name="평행 사변형[P] 13"/>
-          <p:cNvSpPr/>
-          <p:nvPr/>
-        </p:nvSpPr>
-        <p:spPr>
-          <a:xfrm>
-            <a:off x="531746" y="5802877"/>
-            <a:ext cx="13481966" cy="633103"/>
-          </a:xfrm>
-          <a:prstGeom prst="parallelogram">
-            <a:avLst/>
-          </a:prstGeom>
-          <a:solidFill>
-            <a:schemeClr val="bg1"/>
-          </a:solidFill>
-          <a:ln w="12700">
-            <a:solidFill>
-              <a:schemeClr val="tx1"/>
-            </a:solidFill>
-          </a:ln>
-        </p:spPr>
-        <p:style>
-          <a:lnRef idx="2">
-            <a:schemeClr val="accent1">
-              <a:shade val="50000"/>
-            </a:schemeClr>
-          </a:lnRef>
-          <a:fillRef idx="1">
-            <a:schemeClr val="accent1"/>
-          </a:fillRef>
-          <a:effectRef idx="0">
-            <a:schemeClr val="accent1"/>
-          </a:effectRef>
-          <a:fontRef idx="minor">
-            <a:schemeClr val="lt1"/>
-          </a:fontRef>
-        </p:style>
-        <p:txBody>
-          <a:bodyPr rtlCol="0" anchor="ctr"/>
-          <a:lstStyle/>
-          <a:p>
-            <a:r>
-              <a:rPr kumimoji="1" lang="ko-KR" altLang="en-US" sz="2800" b="1" dirty="0" smtClean="0">
-                <a:solidFill>
-                  <a:schemeClr val="tx1"/>
-                </a:solidFill>
-              </a:rPr>
-              <a:t>핵심 컨텐츠 </a:t>
-            </a:r>
-            <a:r>
-              <a:rPr kumimoji="1" lang="en-US" altLang="ko-KR" sz="2800" b="1" dirty="0" smtClean="0">
-                <a:solidFill>
-                  <a:schemeClr val="tx1"/>
-                </a:solidFill>
-              </a:rPr>
-              <a:t>:</a:t>
-            </a:r>
-            <a:r>
-              <a:rPr kumimoji="1" lang="ko-KR" altLang="en-US" sz="2800" b="1" dirty="0" smtClean="0">
-                <a:solidFill>
-                  <a:schemeClr val="tx1"/>
-                </a:solidFill>
-              </a:rPr>
-              <a:t> </a:t>
-            </a:r>
-            <a:r>
-              <a:rPr kumimoji="1" lang="ko-KR" altLang="en-US" sz="2800" dirty="0" smtClean="0">
-                <a:solidFill>
-                  <a:schemeClr val="tx1"/>
-                </a:solidFill>
-              </a:rPr>
-              <a:t>시나리오 중심의 </a:t>
-            </a:r>
-            <a:r>
-              <a:rPr kumimoji="1" lang="en-US" altLang="ko-KR" sz="2800" dirty="0" smtClean="0">
-                <a:solidFill>
-                  <a:schemeClr val="tx1"/>
-                </a:solidFill>
-              </a:rPr>
-              <a:t>PVE</a:t>
-            </a:r>
-            <a:endParaRPr kumimoji="1" lang="ko-KR" altLang="en-US" sz="2800" dirty="0">
-              <a:solidFill>
-                <a:schemeClr val="tx1"/>
-              </a:solidFill>
-            </a:endParaRPr>
-          </a:p>
-        </p:txBody>
-      </p:sp>
-      <p:sp>
-        <p:nvSpPr>
           <p:cNvPr id="16" name="평행 사변형[P] 15"/>
           <p:cNvSpPr/>
           <p:nvPr/>
         </p:nvSpPr>
         <p:spPr>
           <a:xfrm>
-            <a:off x="531746" y="5023480"/>
+            <a:off x="531746" y="5692269"/>
             <a:ext cx="13481966" cy="633103"/>
           </a:xfrm>
           <a:prstGeom prst="parallelogram">
@@ -14618,79 +15252,6 @@
                                   </p:childTnLst>
                                 </p:cTn>
                               </p:par>
-                              <p:par>
-                                <p:cTn id="21" presetID="2" presetClass="entr" presetSubtype="2" decel="50000" fill="hold" grpId="1" nodeType="withEffect">
-                                  <p:stCondLst>
-                                    <p:cond delay="1200"/>
-                                  </p:stCondLst>
-                                  <p:childTnLst>
-                                    <p:set>
-                                      <p:cBhvr>
-                                        <p:cTn id="22" dur="1" fill="hold">
-                                          <p:stCondLst>
-                                            <p:cond delay="0"/>
-                                          </p:stCondLst>
-                                        </p:cTn>
-                                        <p:tgtEl>
-                                          <p:spTgt spid="14"/>
-                                        </p:tgtEl>
-                                        <p:attrNameLst>
-                                          <p:attrName>style.visibility</p:attrName>
-                                        </p:attrNameLst>
-                                      </p:cBhvr>
-                                      <p:to>
-                                        <p:strVal val="visible"/>
-                                      </p:to>
-                                    </p:set>
-                                    <p:anim calcmode="lin" valueType="num">
-                                      <p:cBhvr additive="base">
-                                        <p:cTn id="23" dur="500" fill="hold"/>
-                                        <p:tgtEl>
-                                          <p:spTgt spid="14"/>
-                                        </p:tgtEl>
-                                        <p:attrNameLst>
-                                          <p:attrName>ppt_x</p:attrName>
-                                        </p:attrNameLst>
-                                      </p:cBhvr>
-                                      <p:tavLst>
-                                        <p:tav tm="0">
-                                          <p:val>
-                                            <p:strVal val="1+#ppt_w/2"/>
-                                          </p:val>
-                                        </p:tav>
-                                        <p:tav tm="100000">
-                                          <p:val>
-                                            <p:strVal val="#ppt_x"/>
-                                          </p:val>
-                                        </p:tav>
-                                      </p:tavLst>
-                                    </p:anim>
-                                    <p:anim calcmode="lin" valueType="num">
-                                      <p:cBhvr additive="base">
-                                        <p:cTn id="24" dur="500" fill="hold"/>
-                                        <p:tgtEl>
-                                          <p:spTgt spid="14"/>
-                                        </p:tgtEl>
-                                        <p:attrNameLst>
-                                          <p:attrName>ppt_y</p:attrName>
-                                        </p:attrNameLst>
-                                      </p:cBhvr>
-                                      <p:tavLst>
-                                        <p:tav tm="0">
-                                          <p:val>
-                                            <p:strVal val="#ppt_y"/>
-                                          </p:val>
-                                        </p:tav>
-                                        <p:tav tm="100000">
-                                          <p:val>
-                                            <p:strVal val="#ppt_y"/>
-                                          </p:val>
-                                        </p:tav>
-                                      </p:tavLst>
-                                    </p:anim>
-                                  </p:childTnLst>
-                                </p:cTn>
-                              </p:par>
                             </p:childTnLst>
                           </p:cTn>
                         </p:par>
@@ -14722,7 +15283,6 @@
       <p:bldP spid="11" grpId="1" animBg="1"/>
       <p:bldP spid="12" grpId="1" animBg="1"/>
       <p:bldP spid="13" grpId="1" animBg="1"/>
-      <p:bldP spid="14" grpId="1" animBg="1"/>
       <p:bldP spid="16" grpId="0" animBg="1"/>
     </p:bldLst>
   </p:timing>
@@ -14730,6 +15290,688 @@
 </file>
 
 <file path=ppt/slides/slide20.xml><?xml version="1.0" encoding="utf-8"?>
+<p:sld xmlns:a="http://schemas.openxmlformats.org/drawingml/2006/main" xmlns:r="http://schemas.openxmlformats.org/officeDocument/2006/relationships" xmlns:p="http://schemas.openxmlformats.org/presentationml/2006/main">
+  <p:cSld>
+    <p:spTree>
+      <p:nvGrpSpPr>
+        <p:cNvPr id="1" name=""/>
+        <p:cNvGrpSpPr/>
+        <p:nvPr/>
+      </p:nvGrpSpPr>
+      <p:grpSpPr>
+        <a:xfrm>
+          <a:off x="0" y="0"/>
+          <a:ext cx="0" cy="0"/>
+          <a:chOff x="0" y="0"/>
+          <a:chExt cx="0" cy="0"/>
+        </a:xfrm>
+      </p:grpSpPr>
+      <p:sp>
+        <p:nvSpPr>
+          <p:cNvPr id="8" name="직사각형 7"/>
+          <p:cNvSpPr/>
+          <p:nvPr/>
+        </p:nvSpPr>
+        <p:spPr>
+          <a:xfrm>
+            <a:off x="0" y="0"/>
+            <a:ext cx="12192000" cy="6868337"/>
+          </a:xfrm>
+          <a:prstGeom prst="rect">
+            <a:avLst/>
+          </a:prstGeom>
+          <a:solidFill>
+            <a:srgbClr val="7030A0"/>
+          </a:solidFill>
+          <a:ln>
+            <a:noFill/>
+          </a:ln>
+        </p:spPr>
+        <p:style>
+          <a:lnRef idx="2">
+            <a:schemeClr val="accent1">
+              <a:shade val="50000"/>
+            </a:schemeClr>
+          </a:lnRef>
+          <a:fillRef idx="1">
+            <a:schemeClr val="accent1"/>
+          </a:fillRef>
+          <a:effectRef idx="0">
+            <a:schemeClr val="accent1"/>
+          </a:effectRef>
+          <a:fontRef idx="minor">
+            <a:schemeClr val="lt1"/>
+          </a:fontRef>
+        </p:style>
+        <p:txBody>
+          <a:bodyPr rtlCol="0" anchor="ctr"/>
+          <a:lstStyle/>
+          <a:p>
+            <a:pPr algn="ctr"/>
+            <a:endParaRPr kumimoji="1" lang="ko-KR" altLang="en-US"/>
+          </a:p>
+        </p:txBody>
+      </p:sp>
+      <p:sp>
+        <p:nvSpPr>
+          <p:cNvPr id="4" name="TextBox 3"/>
+          <p:cNvSpPr txBox="1"/>
+          <p:nvPr/>
+        </p:nvSpPr>
+        <p:spPr>
+          <a:xfrm>
+            <a:off x="2049714" y="1271592"/>
+            <a:ext cx="2954655" cy="1754326"/>
+          </a:xfrm>
+          <a:prstGeom prst="rect">
+            <a:avLst/>
+          </a:prstGeom>
+          <a:noFill/>
+        </p:spPr>
+        <p:txBody>
+          <a:bodyPr wrap="none" rtlCol="0">
+            <a:spAutoFit/>
+          </a:bodyPr>
+          <a:lstStyle/>
+          <a:p>
+            <a:pPr algn="ctr"/>
+            <a:r>
+              <a:rPr kumimoji="1" lang="ko-KR" altLang="en-US" sz="5400" b="1" dirty="0">
+                <a:solidFill>
+                  <a:schemeClr val="bg1"/>
+                </a:solidFill>
+              </a:rPr>
+              <a:t>개발목표</a:t>
+            </a:r>
+            <a:endParaRPr kumimoji="1" lang="en-US" altLang="ko-KR" sz="5400" b="1" dirty="0">
+              <a:solidFill>
+                <a:schemeClr val="bg1"/>
+              </a:solidFill>
+            </a:endParaRPr>
+          </a:p>
+          <a:p>
+            <a:pPr algn="ctr"/>
+            <a:r>
+              <a:rPr kumimoji="1" lang="ko-KR" altLang="en-US" sz="5400" b="1" dirty="0">
+                <a:solidFill>
+                  <a:schemeClr val="bg1"/>
+                </a:solidFill>
+              </a:rPr>
+              <a:t>및 내용</a:t>
+            </a:r>
+            <a:endParaRPr kumimoji="1" lang="en-US" altLang="ko-KR" sz="5400" b="1" dirty="0">
+              <a:solidFill>
+                <a:schemeClr val="bg1"/>
+              </a:solidFill>
+            </a:endParaRPr>
+          </a:p>
+        </p:txBody>
+      </p:sp>
+      <p:sp>
+        <p:nvSpPr>
+          <p:cNvPr id="10" name="직사각형 9"/>
+          <p:cNvSpPr/>
+          <p:nvPr/>
+        </p:nvSpPr>
+        <p:spPr>
+          <a:xfrm>
+            <a:off x="527986" y="4021402"/>
+            <a:ext cx="10993453" cy="1631216"/>
+          </a:xfrm>
+          <a:prstGeom prst="rect">
+            <a:avLst/>
+          </a:prstGeom>
+        </p:spPr>
+        <p:txBody>
+          <a:bodyPr wrap="square">
+            <a:spAutoFit/>
+          </a:bodyPr>
+          <a:lstStyle/>
+          <a:p>
+            <a:pPr algn="ctr"/>
+            <a:r>
+              <a:rPr kumimoji="1" lang="ko-KR" altLang="en-US" sz="3600" b="1" dirty="0" smtClean="0">
+                <a:solidFill>
+                  <a:schemeClr val="bg1"/>
+                </a:solidFill>
+              </a:rPr>
+              <a:t>데드레커닝 기법을 통한 통신 부하량 감소</a:t>
+            </a:r>
+            <a:endParaRPr kumimoji="1" lang="en-US" altLang="ko-KR" sz="3600" b="1" dirty="0">
+              <a:solidFill>
+                <a:schemeClr val="bg1"/>
+              </a:solidFill>
+            </a:endParaRPr>
+          </a:p>
+          <a:p>
+            <a:pPr algn="ctr"/>
+            <a:r>
+              <a:rPr kumimoji="1" lang="ko-KR" altLang="en-US" sz="3200" b="1" dirty="0" smtClean="0">
+                <a:solidFill>
+                  <a:schemeClr val="bg1">
+                    <a:lumMod val="50000"/>
+                  </a:schemeClr>
+                </a:solidFill>
+              </a:rPr>
+              <a:t>데드레커닝 기법을 사용하여</a:t>
+            </a:r>
+            <a:endParaRPr kumimoji="1" lang="en-US" altLang="ko-KR" sz="3200" b="1" dirty="0" smtClean="0">
+              <a:solidFill>
+                <a:schemeClr val="bg1">
+                  <a:lumMod val="50000"/>
+                </a:schemeClr>
+              </a:solidFill>
+            </a:endParaRPr>
+          </a:p>
+          <a:p>
+            <a:pPr algn="ctr"/>
+            <a:r>
+              <a:rPr kumimoji="1" lang="en-US" altLang="ko-KR" sz="3200" b="1" dirty="0" smtClean="0">
+                <a:solidFill>
+                  <a:schemeClr val="bg1">
+                    <a:lumMod val="50000"/>
+                  </a:schemeClr>
+                </a:solidFill>
+              </a:rPr>
+              <a:t>5,000</a:t>
+            </a:r>
+            <a:r>
+              <a:rPr kumimoji="1" lang="ko-KR" altLang="en-US" sz="3200" b="1" dirty="0" smtClean="0">
+                <a:solidFill>
+                  <a:schemeClr val="bg1">
+                    <a:lumMod val="50000"/>
+                  </a:schemeClr>
+                </a:solidFill>
+              </a:rPr>
+              <a:t>명 접속에도 패킷 부하가 걸리지 않도록 최적화</a:t>
+            </a:r>
+            <a:endParaRPr kumimoji="1" lang="en-US" altLang="ko-KR" sz="3200" b="1" dirty="0" smtClean="0">
+              <a:solidFill>
+                <a:schemeClr val="bg1">
+                  <a:lumMod val="50000"/>
+                </a:schemeClr>
+              </a:solidFill>
+            </a:endParaRPr>
+          </a:p>
+        </p:txBody>
+      </p:sp>
+      <p:sp>
+        <p:nvSpPr>
+          <p:cNvPr id="12" name="TextBox 3"/>
+          <p:cNvSpPr txBox="1"/>
+          <p:nvPr/>
+        </p:nvSpPr>
+        <p:spPr>
+          <a:xfrm>
+            <a:off x="7358577" y="1149348"/>
+            <a:ext cx="2954655" cy="1938992"/>
+          </a:xfrm>
+          <a:prstGeom prst="rect">
+            <a:avLst/>
+          </a:prstGeom>
+          <a:noFill/>
+        </p:spPr>
+        <p:txBody>
+          <a:bodyPr wrap="none" rtlCol="0">
+            <a:spAutoFit/>
+          </a:bodyPr>
+          <a:lstStyle/>
+          <a:p>
+            <a:pPr lvl="0" algn="ctr"/>
+            <a:r>
+              <a:rPr kumimoji="1" lang="ko-KR" altLang="en-US" sz="4800" b="1" dirty="0">
+                <a:solidFill>
+                  <a:srgbClr val="EEBAF5"/>
+                </a:solidFill>
+              </a:rPr>
+              <a:t>서버</a:t>
+            </a:r>
+            <a:endParaRPr kumimoji="1" lang="en-US" altLang="ko-KR" sz="4800" b="1" dirty="0">
+              <a:solidFill>
+                <a:srgbClr val="EEBAF5"/>
+              </a:solidFill>
+            </a:endParaRPr>
+          </a:p>
+          <a:p>
+            <a:pPr lvl="0" algn="ctr"/>
+            <a:r>
+              <a:rPr kumimoji="1" lang="ko-KR" altLang="en-US" sz="7200" b="1" dirty="0">
+                <a:solidFill>
+                  <a:prstClr val="white"/>
+                </a:solidFill>
+              </a:rPr>
+              <a:t>김형준</a:t>
+            </a:r>
+            <a:endParaRPr kumimoji="1" lang="en-US" altLang="ko-KR" sz="7200" b="1" dirty="0">
+              <a:solidFill>
+                <a:prstClr val="white"/>
+              </a:solidFill>
+            </a:endParaRPr>
+          </a:p>
+        </p:txBody>
+      </p:sp>
+      <p:sp>
+        <p:nvSpPr>
+          <p:cNvPr id="9" name="TextBox 3"/>
+          <p:cNvSpPr txBox="1"/>
+          <p:nvPr/>
+        </p:nvSpPr>
+        <p:spPr>
+          <a:xfrm>
+            <a:off x="5386511" y="732982"/>
+            <a:ext cx="1418978" cy="2646878"/>
+          </a:xfrm>
+          <a:prstGeom prst="rect">
+            <a:avLst/>
+          </a:prstGeom>
+          <a:noFill/>
+        </p:spPr>
+        <p:txBody>
+          <a:bodyPr wrap="none" rtlCol="0">
+            <a:spAutoFit/>
+          </a:bodyPr>
+          <a:lstStyle/>
+          <a:p>
+            <a:pPr algn="ctr"/>
+            <a:r>
+              <a:rPr kumimoji="1" lang="en-US" altLang="ko-KR" sz="16600" b="1" dirty="0">
+                <a:solidFill>
+                  <a:schemeClr val="bg1"/>
+                </a:solidFill>
+              </a:rPr>
+              <a:t>2</a:t>
+            </a:r>
+          </a:p>
+        </p:txBody>
+      </p:sp>
+    </p:spTree>
+    <p:extLst>
+      <p:ext uri="{BB962C8B-B14F-4D97-AF65-F5344CB8AC3E}">
+        <p14:creationId xmlns:p14="http://schemas.microsoft.com/office/powerpoint/2010/main" val="820968370"/>
+      </p:ext>
+    </p:extLst>
+  </p:cSld>
+  <p:clrMapOvr>
+    <a:masterClrMapping/>
+  </p:clrMapOvr>
+  <p:timing>
+    <p:tnLst>
+      <p:par>
+        <p:cTn id="1" dur="indefinite" restart="never" nodeType="tmRoot"/>
+      </p:par>
+    </p:tnLst>
+  </p:timing>
+</p:sld>
+</file>
+
+<file path=ppt/slides/slide21.xml><?xml version="1.0" encoding="utf-8"?>
+<p:sld xmlns:a="http://schemas.openxmlformats.org/drawingml/2006/main" xmlns:r="http://schemas.openxmlformats.org/officeDocument/2006/relationships" xmlns:p="http://schemas.openxmlformats.org/presentationml/2006/main">
+  <p:cSld>
+    <p:spTree>
+      <p:nvGrpSpPr>
+        <p:cNvPr id="1" name=""/>
+        <p:cNvGrpSpPr/>
+        <p:nvPr/>
+      </p:nvGrpSpPr>
+      <p:grpSpPr>
+        <a:xfrm>
+          <a:off x="0" y="0"/>
+          <a:ext cx="0" cy="0"/>
+          <a:chOff x="0" y="0"/>
+          <a:chExt cx="0" cy="0"/>
+        </a:xfrm>
+      </p:grpSpPr>
+      <p:sp>
+        <p:nvSpPr>
+          <p:cNvPr id="5" name="직사각형 4"/>
+          <p:cNvSpPr/>
+          <p:nvPr/>
+        </p:nvSpPr>
+        <p:spPr>
+          <a:xfrm>
+            <a:off x="0" y="0"/>
+            <a:ext cx="12192000" cy="6868337"/>
+          </a:xfrm>
+          <a:prstGeom prst="rect">
+            <a:avLst/>
+          </a:prstGeom>
+          <a:solidFill>
+            <a:srgbClr val="00B050"/>
+          </a:solidFill>
+          <a:ln>
+            <a:noFill/>
+          </a:ln>
+        </p:spPr>
+        <p:style>
+          <a:lnRef idx="2">
+            <a:schemeClr val="accent1">
+              <a:shade val="50000"/>
+            </a:schemeClr>
+          </a:lnRef>
+          <a:fillRef idx="1">
+            <a:schemeClr val="accent1"/>
+          </a:fillRef>
+          <a:effectRef idx="0">
+            <a:schemeClr val="accent1"/>
+          </a:effectRef>
+          <a:fontRef idx="minor">
+            <a:schemeClr val="lt1"/>
+          </a:fontRef>
+        </p:style>
+        <p:txBody>
+          <a:bodyPr rtlCol="0" anchor="ctr"/>
+          <a:lstStyle/>
+          <a:p>
+            <a:pPr algn="ctr"/>
+            <a:endParaRPr kumimoji="1" lang="ko-KR" altLang="en-US"/>
+          </a:p>
+        </p:txBody>
+      </p:sp>
+      <p:sp>
+        <p:nvSpPr>
+          <p:cNvPr id="4" name="TextBox 3"/>
+          <p:cNvSpPr txBox="1"/>
+          <p:nvPr/>
+        </p:nvSpPr>
+        <p:spPr>
+          <a:xfrm>
+            <a:off x="1748854" y="2982723"/>
+            <a:ext cx="2954656" cy="923330"/>
+          </a:xfrm>
+          <a:prstGeom prst="rect">
+            <a:avLst/>
+          </a:prstGeom>
+          <a:noFill/>
+        </p:spPr>
+        <p:txBody>
+          <a:bodyPr wrap="none" rtlCol="0">
+            <a:spAutoFit/>
+          </a:bodyPr>
+          <a:lstStyle/>
+          <a:p>
+            <a:pPr algn="ctr"/>
+            <a:r>
+              <a:rPr kumimoji="1" lang="ko-KR" altLang="en-US" sz="5400" b="1" dirty="0" smtClean="0">
+                <a:solidFill>
+                  <a:schemeClr val="bg1"/>
+                </a:solidFill>
+              </a:rPr>
+              <a:t>개발환경</a:t>
+            </a:r>
+            <a:endParaRPr kumimoji="1" lang="en-US" altLang="ko-KR" sz="5400" b="1" dirty="0">
+              <a:solidFill>
+                <a:schemeClr val="bg1"/>
+              </a:solidFill>
+            </a:endParaRPr>
+          </a:p>
+        </p:txBody>
+      </p:sp>
+      <p:sp>
+        <p:nvSpPr>
+          <p:cNvPr id="10" name="직사각형 9"/>
+          <p:cNvSpPr/>
+          <p:nvPr/>
+        </p:nvSpPr>
+        <p:spPr>
+          <a:xfrm>
+            <a:off x="6096000" y="812899"/>
+            <a:ext cx="5207692" cy="5262979"/>
+          </a:xfrm>
+          <a:prstGeom prst="rect">
+            <a:avLst/>
+          </a:prstGeom>
+        </p:spPr>
+        <p:txBody>
+          <a:bodyPr wrap="square" anchor="ctr">
+            <a:spAutoFit/>
+          </a:bodyPr>
+          <a:lstStyle/>
+          <a:p>
+            <a:pPr algn="ctr">
+              <a:lnSpc>
+                <a:spcPct val="150000"/>
+              </a:lnSpc>
+            </a:pPr>
+            <a:r>
+              <a:rPr lang="en-US" altLang="ko-KR" sz="2800" b="1" dirty="0" smtClean="0">
+                <a:solidFill>
+                  <a:schemeClr val="bg1"/>
+                </a:solidFill>
+              </a:rPr>
+              <a:t>Window 10</a:t>
+            </a:r>
+            <a:endParaRPr lang="en-US" altLang="ko-KR" sz="2800" b="1" dirty="0" smtClean="0">
+              <a:solidFill>
+                <a:schemeClr val="bg1"/>
+              </a:solidFill>
+            </a:endParaRPr>
+          </a:p>
+          <a:p>
+            <a:pPr algn="ctr">
+              <a:lnSpc>
+                <a:spcPct val="150000"/>
+              </a:lnSpc>
+            </a:pPr>
+            <a:r>
+              <a:rPr lang="en-US" altLang="ko-KR" sz="2800" b="1" dirty="0" smtClean="0">
+                <a:solidFill>
+                  <a:schemeClr val="bg1"/>
+                </a:solidFill>
+              </a:rPr>
+              <a:t>Microsoft </a:t>
+            </a:r>
+            <a:r>
+              <a:rPr lang="en-US" altLang="ko-KR" sz="2800" b="1" dirty="0">
+                <a:solidFill>
+                  <a:schemeClr val="bg1"/>
+                </a:solidFill>
+              </a:rPr>
+              <a:t>visual studio 2015</a:t>
+            </a:r>
+          </a:p>
+          <a:p>
+            <a:pPr algn="ctr">
+              <a:lnSpc>
+                <a:spcPct val="150000"/>
+              </a:lnSpc>
+            </a:pPr>
+            <a:r>
+              <a:rPr lang="en-US" altLang="ko-KR" sz="2800" b="1" dirty="0">
+                <a:solidFill>
+                  <a:schemeClr val="bg1"/>
+                </a:solidFill>
+              </a:rPr>
+              <a:t>DirectX </a:t>
+            </a:r>
+            <a:r>
+              <a:rPr lang="en-US" altLang="ko-KR" sz="2800" b="1" dirty="0" smtClean="0">
+                <a:solidFill>
+                  <a:schemeClr val="bg1"/>
+                </a:solidFill>
+              </a:rPr>
+              <a:t>11</a:t>
+            </a:r>
+          </a:p>
+          <a:p>
+            <a:pPr algn="ctr">
+              <a:lnSpc>
+                <a:spcPct val="150000"/>
+              </a:lnSpc>
+            </a:pPr>
+            <a:r>
+              <a:rPr lang="en-US" altLang="ko-KR" sz="2800" b="1" dirty="0" smtClean="0">
+                <a:solidFill>
+                  <a:schemeClr val="bg1"/>
+                </a:solidFill>
+              </a:rPr>
+              <a:t>Boost </a:t>
+            </a:r>
+            <a:r>
+              <a:rPr lang="en-US" altLang="ko-KR" sz="2800" b="1" dirty="0" err="1" smtClean="0">
+                <a:solidFill>
+                  <a:schemeClr val="bg1"/>
+                </a:solidFill>
+              </a:rPr>
+              <a:t>Asio</a:t>
+            </a:r>
+            <a:r>
+              <a:rPr lang="ko-KR" altLang="en-US" sz="2800" b="1" dirty="0" smtClean="0">
+                <a:solidFill>
+                  <a:schemeClr val="bg1"/>
+                </a:solidFill>
+              </a:rPr>
+              <a:t> </a:t>
+            </a:r>
+            <a:r>
+              <a:rPr lang="en-US" altLang="ko-KR" sz="2800" b="1" dirty="0" smtClean="0">
+                <a:solidFill>
+                  <a:schemeClr val="bg1"/>
+                </a:solidFill>
+              </a:rPr>
+              <a:t>Library</a:t>
+            </a:r>
+            <a:endParaRPr lang="en-US" altLang="ko-KR" sz="2800" b="1" dirty="0">
+              <a:solidFill>
+                <a:schemeClr val="bg1"/>
+              </a:solidFill>
+            </a:endParaRPr>
+          </a:p>
+          <a:p>
+            <a:pPr algn="ctr">
+              <a:lnSpc>
+                <a:spcPct val="150000"/>
+              </a:lnSpc>
+            </a:pPr>
+            <a:r>
+              <a:rPr lang="en-US" altLang="ko-KR" sz="2800" b="1" dirty="0">
+                <a:solidFill>
+                  <a:schemeClr val="bg1"/>
+                </a:solidFill>
+              </a:rPr>
+              <a:t>Trello</a:t>
+            </a:r>
+            <a:r>
+              <a:rPr lang="ko-KR" altLang="en-US" sz="2800" b="1" dirty="0">
+                <a:solidFill>
+                  <a:schemeClr val="bg1"/>
+                </a:solidFill>
+              </a:rPr>
+              <a:t> </a:t>
+            </a:r>
+            <a:r>
+              <a:rPr lang="en-US" altLang="ko-KR" sz="2800" b="1" dirty="0">
+                <a:solidFill>
+                  <a:schemeClr val="bg1"/>
+                </a:solidFill>
+              </a:rPr>
+              <a:t>( google calendar</a:t>
+            </a:r>
+            <a:r>
+              <a:rPr lang="ko-KR" altLang="en-US" sz="2800" b="1" dirty="0">
+                <a:solidFill>
+                  <a:schemeClr val="bg1"/>
+                </a:solidFill>
+              </a:rPr>
+              <a:t> 연동</a:t>
+            </a:r>
+            <a:r>
+              <a:rPr lang="en-US" altLang="ko-KR" sz="2800" b="1" dirty="0">
+                <a:solidFill>
+                  <a:schemeClr val="bg1"/>
+                </a:solidFill>
+              </a:rPr>
+              <a:t>)</a:t>
+            </a:r>
+          </a:p>
+          <a:p>
+            <a:pPr algn="ctr">
+              <a:lnSpc>
+                <a:spcPct val="150000"/>
+              </a:lnSpc>
+            </a:pPr>
+            <a:r>
+              <a:rPr lang="en-US" altLang="ko-KR" sz="2800" b="1" dirty="0">
+                <a:solidFill>
+                  <a:schemeClr val="bg1"/>
+                </a:solidFill>
+              </a:rPr>
+              <a:t>Microsoft office</a:t>
+            </a:r>
+          </a:p>
+          <a:p>
+            <a:pPr algn="ctr">
+              <a:lnSpc>
+                <a:spcPct val="150000"/>
+              </a:lnSpc>
+            </a:pPr>
+            <a:r>
+              <a:rPr lang="en-US" altLang="ko-KR" sz="2800" b="1" dirty="0" err="1">
+                <a:solidFill>
+                  <a:schemeClr val="bg1"/>
+                </a:solidFill>
+              </a:rPr>
+              <a:t>Github</a:t>
+            </a:r>
+            <a:endParaRPr lang="en-US" altLang="ko-KR" sz="2800" b="1" dirty="0">
+              <a:solidFill>
+                <a:schemeClr val="bg1"/>
+              </a:solidFill>
+            </a:endParaRPr>
+          </a:p>
+          <a:p>
+            <a:pPr algn="ctr">
+              <a:lnSpc>
+                <a:spcPct val="150000"/>
+              </a:lnSpc>
+            </a:pPr>
+            <a:r>
+              <a:rPr lang="en-US" altLang="ko-KR" sz="2800" b="1" dirty="0">
+                <a:solidFill>
+                  <a:schemeClr val="bg1"/>
+                </a:solidFill>
+              </a:rPr>
+              <a:t>3dsMax </a:t>
+            </a:r>
+            <a:r>
+              <a:rPr lang="en-US" altLang="ko-KR" sz="2800" b="1" dirty="0" smtClean="0">
+                <a:solidFill>
+                  <a:schemeClr val="bg1"/>
+                </a:solidFill>
+              </a:rPr>
+              <a:t>2016</a:t>
+            </a:r>
+            <a:endParaRPr lang="en-US" altLang="ko-KR" sz="2800" b="1" dirty="0">
+              <a:solidFill>
+                <a:schemeClr val="bg1"/>
+              </a:solidFill>
+            </a:endParaRPr>
+          </a:p>
+        </p:txBody>
+      </p:sp>
+    </p:spTree>
+    <p:extLst>
+      <p:ext uri="{BB962C8B-B14F-4D97-AF65-F5344CB8AC3E}">
+        <p14:creationId xmlns:p14="http://schemas.microsoft.com/office/powerpoint/2010/main" val="691263070"/>
+      </p:ext>
+    </p:extLst>
+  </p:cSld>
+  <p:clrMapOvr>
+    <a:masterClrMapping/>
+  </p:clrMapOvr>
+  <p:transition spd="slow">
+    <p:push dir="u"/>
+  </p:transition>
+  <p:timing>
+    <p:tnLst>
+      <p:par>
+        <p:cTn id="1" dur="indefinite" restart="never" nodeType="tmRoot"/>
+      </p:par>
+    </p:tnLst>
+  </p:timing>
+</p:sld>
+</file>
+
+<file path=ppt/slides/slide22.xml><?xml version="1.0" encoding="utf-8"?>
 <p:sld xmlns:a="http://schemas.openxmlformats.org/drawingml/2006/main" xmlns:r="http://schemas.openxmlformats.org/officeDocument/2006/relationships" xmlns:p="http://schemas.openxmlformats.org/presentationml/2006/main">
   <p:cSld>
     <p:spTree>
@@ -16351,7 +17593,7 @@
 </p:sld>
 </file>
 
-<file path=ppt/slides/slide21.xml><?xml version="1.0" encoding="utf-8"?>
+<file path=ppt/slides/slide23.xml><?xml version="1.0" encoding="utf-8"?>
 <p:sld xmlns:a="http://schemas.openxmlformats.org/drawingml/2006/main" xmlns:r="http://schemas.openxmlformats.org/officeDocument/2006/relationships" xmlns:p="http://schemas.openxmlformats.org/presentationml/2006/main">
   <p:cSld>
     <p:spTree>
@@ -19293,12 +20535,20 @@
           <a:p>
             <a:pPr algn="ctr"/>
             <a:r>
-              <a:rPr kumimoji="1" lang="ko-KR" altLang="en-US" sz="1400" smtClean="0">
+              <a:rPr kumimoji="1" lang="ko-KR" altLang="en-US" sz="1400" dirty="0" smtClean="0">
                 <a:solidFill>
                   <a:schemeClr val="bg1"/>
                 </a:solidFill>
               </a:rPr>
-              <a:t>사운드 제작</a:t>
+              <a:t>사운드 </a:t>
+            </a:r>
+            <a:r>
+              <a:rPr kumimoji="1" lang="ko-KR" altLang="en-US" sz="1400" dirty="0" smtClean="0">
+                <a:solidFill>
+                  <a:schemeClr val="bg1"/>
+                </a:solidFill>
+              </a:rPr>
+              <a:t>삽입</a:t>
             </a:r>
             <a:endParaRPr kumimoji="1" lang="ko-KR" altLang="en-US" sz="1400" dirty="0">
               <a:solidFill>
@@ -19391,7 +20641,7 @@
 </p:sld>
 </file>
 
-<file path=ppt/slides/slide22.xml><?xml version="1.0" encoding="utf-8"?>
+<file path=ppt/slides/slide24.xml><?xml version="1.0" encoding="utf-8"?>
 <p:sld xmlns:a="http://schemas.openxmlformats.org/drawingml/2006/main" xmlns:r="http://schemas.openxmlformats.org/officeDocument/2006/relationships" xmlns:p="http://schemas.openxmlformats.org/presentationml/2006/main">
   <p:cSld>
     <p:spTree>
@@ -20622,7 +21872,7 @@
 </p:sld>
 </file>
 
-<file path=ppt/slides/slide23.xml><?xml version="1.0" encoding="utf-8"?>
+<file path=ppt/slides/slide25.xml><?xml version="1.0" encoding="utf-8"?>
 <p:sld xmlns:a="http://schemas.openxmlformats.org/drawingml/2006/main" xmlns:r="http://schemas.openxmlformats.org/officeDocument/2006/relationships" xmlns:p="http://schemas.openxmlformats.org/presentationml/2006/main">
   <p:cSld>
     <p:spTree>
@@ -21084,79 +22334,13 @@
       </p:sp>
       <p:sp>
         <p:nvSpPr>
-          <p:cNvPr id="42" name="모서리가 둥근 직사각형 41"/>
-          <p:cNvSpPr/>
-          <p:nvPr/>
-        </p:nvSpPr>
-        <p:spPr>
-          <a:xfrm>
-            <a:off x="1671682" y="2181094"/>
-            <a:ext cx="1553432" cy="455892"/>
-          </a:xfrm>
-          <a:prstGeom prst="roundRect">
-            <a:avLst/>
-          </a:prstGeom>
-          <a:solidFill>
-            <a:srgbClr val="00B0F0"/>
-          </a:solidFill>
-          <a:ln>
-            <a:noFill/>
-          </a:ln>
-        </p:spPr>
-        <p:style>
-          <a:lnRef idx="2">
-            <a:schemeClr val="accent1">
-              <a:shade val="50000"/>
-            </a:schemeClr>
-          </a:lnRef>
-          <a:fillRef idx="1">
-            <a:schemeClr val="accent1"/>
-          </a:fillRef>
-          <a:effectRef idx="0">
-            <a:schemeClr val="accent1"/>
-          </a:effectRef>
-          <a:fontRef idx="minor">
-            <a:schemeClr val="lt1"/>
-          </a:fontRef>
-        </p:style>
-        <p:txBody>
-          <a:bodyPr rtlCol="0" anchor="ctr"/>
-          <a:lstStyle/>
-          <a:p>
-            <a:pPr algn="ctr"/>
-            <a:r>
-              <a:rPr kumimoji="1" lang="en-US" altLang="ko-KR" sz="2000" dirty="0" smtClean="0">
-                <a:solidFill>
-                  <a:schemeClr val="bg1"/>
-                </a:solidFill>
-              </a:rPr>
-              <a:t>FBX</a:t>
-            </a:r>
-            <a:r>
-              <a:rPr kumimoji="1" lang="ko-KR" altLang="en-US" sz="2000" dirty="0" smtClean="0">
-                <a:solidFill>
-                  <a:schemeClr val="bg1"/>
-                </a:solidFill>
-              </a:rPr>
-              <a:t> 임포트</a:t>
-            </a:r>
-            <a:endParaRPr kumimoji="1" lang="ko-KR" altLang="en-US" sz="2000" dirty="0">
-              <a:solidFill>
-                <a:schemeClr val="bg1"/>
-              </a:solidFill>
-            </a:endParaRPr>
-          </a:p>
-        </p:txBody>
-      </p:sp>
-      <p:sp>
-        <p:nvSpPr>
           <p:cNvPr id="43" name="모서리가 둥근 직사각형 42"/>
           <p:cNvSpPr/>
           <p:nvPr/>
         </p:nvSpPr>
         <p:spPr>
           <a:xfrm>
-            <a:off x="3225114" y="2673878"/>
+            <a:off x="2803021" y="2112384"/>
             <a:ext cx="2001794" cy="455892"/>
           </a:xfrm>
           <a:prstGeom prst="roundRect">
@@ -21547,8 +22731,8 @@
         </p:nvSpPr>
         <p:spPr>
           <a:xfrm>
-            <a:off x="7581900" y="5611454"/>
-            <a:ext cx="2975382" cy="455892"/>
+            <a:off x="6680150" y="5517870"/>
+            <a:ext cx="3877131" cy="455892"/>
           </a:xfrm>
           <a:prstGeom prst="roundRect">
             <a:avLst/>
@@ -21582,20 +22766,12 @@
           <a:p>
             <a:pPr algn="ctr"/>
             <a:r>
-              <a:rPr kumimoji="1" lang="ko-KR" altLang="en-US" sz="1600" dirty="0" err="1" smtClean="0">
+              <a:rPr kumimoji="1" lang="ko-KR" altLang="en-US" sz="1600" dirty="0" smtClean="0">
                 <a:solidFill>
                   <a:schemeClr val="bg1"/>
                 </a:solidFill>
               </a:rPr>
-              <a:t>쉐이더</a:t>
-            </a:r>
-            <a:r>
-              <a:rPr kumimoji="1" lang="ko-KR" altLang="en-US" sz="1600" dirty="0" smtClean="0">
-                <a:solidFill>
-                  <a:schemeClr val="bg1"/>
-                </a:solidFill>
-              </a:rPr>
-              <a:t> 추가 작업</a:t>
+              <a:t>환경매핑</a:t>
             </a:r>
             <a:endParaRPr kumimoji="1" lang="ko-KR" altLang="en-US" sz="1600" dirty="0">
               <a:solidFill>
@@ -21673,8 +22849,8 @@
         </p:nvSpPr>
         <p:spPr>
           <a:xfrm>
-            <a:off x="5226909" y="3166662"/>
-            <a:ext cx="583342" cy="455892"/>
+            <a:off x="4788216" y="2698750"/>
+            <a:ext cx="1022035" cy="455892"/>
           </a:xfrm>
           <a:prstGeom prst="roundRect">
             <a:avLst/>
@@ -21708,12 +22884,12 @@
           <a:p>
             <a:pPr algn="ctr"/>
             <a:r>
-              <a:rPr kumimoji="1" lang="en-US" altLang="ko-KR" dirty="0" smtClean="0">
+              <a:rPr kumimoji="1" lang="ko-KR" altLang="en-US" smtClean="0">
                 <a:solidFill>
                   <a:schemeClr val="bg1"/>
                 </a:solidFill>
               </a:rPr>
-              <a:t>Lighting</a:t>
+              <a:t>라이팅</a:t>
             </a:r>
             <a:endParaRPr kumimoji="1" lang="ko-KR" altLang="en-US" dirty="0">
               <a:solidFill>
@@ -21731,8 +22907,8 @@
         </p:nvSpPr>
         <p:spPr>
           <a:xfrm>
-            <a:off x="5705475" y="3622554"/>
-            <a:ext cx="974675" cy="929548"/>
+            <a:off x="4788216" y="3285116"/>
+            <a:ext cx="1022035" cy="929548"/>
           </a:xfrm>
           <a:prstGeom prst="roundRect">
             <a:avLst/>
@@ -21761,25 +22937,17 @@
           </a:fontRef>
         </p:style>
         <p:txBody>
-          <a:bodyPr rtlCol="0" anchor="ctr"/>
+          <a:bodyPr lIns="0" tIns="0" rIns="0" bIns="0" rtlCol="0" anchor="ctr"/>
           <a:lstStyle/>
           <a:p>
             <a:pPr algn="ctr"/>
             <a:r>
-              <a:rPr kumimoji="1" lang="en-US" altLang="ko-KR" sz="1600" dirty="0" smtClean="0">
+              <a:rPr kumimoji="1" lang="ko-KR" altLang="en-US" sz="1600" dirty="0" smtClean="0">
                 <a:solidFill>
                   <a:schemeClr val="bg1"/>
                 </a:solidFill>
               </a:rPr>
-              <a:t>Diffuse</a:t>
-            </a:r>
-            <a:r>
-              <a:rPr kumimoji="1" lang="ko-KR" altLang="en-US" sz="1600" dirty="0" smtClean="0">
-                <a:solidFill>
-                  <a:schemeClr val="bg1"/>
-                </a:solidFill>
-              </a:rPr>
-              <a:t>  </a:t>
+              <a:t>디퓨즈</a:t>
             </a:r>
             <a:endParaRPr kumimoji="1" lang="en-US" altLang="ko-KR" sz="1600" dirty="0" smtClean="0">
               <a:solidFill>
@@ -21790,23 +22958,28 @@
           <a:p>
             <a:pPr algn="ctr"/>
             <a:r>
-              <a:rPr kumimoji="1" lang="en-US" altLang="ko-KR" sz="1600" dirty="0" smtClean="0">
+              <a:rPr kumimoji="1" lang="ko-KR" altLang="en-US" sz="1600" dirty="0" smtClean="0">
                 <a:solidFill>
                   <a:schemeClr val="bg1"/>
                 </a:solidFill>
               </a:rPr>
-              <a:t>Specular</a:t>
-            </a:r>
+              <a:t>스펙쿨러</a:t>
+            </a:r>
+            <a:endParaRPr kumimoji="1" lang="en-US" altLang="ko-KR" sz="1600" dirty="0" smtClean="0">
+              <a:solidFill>
+                <a:schemeClr val="bg1"/>
+              </a:solidFill>
+            </a:endParaRPr>
           </a:p>
           <a:p>
             <a:pPr algn="ctr"/>
             <a:r>
-              <a:rPr kumimoji="1" lang="en-US" altLang="ko-KR" sz="1600" dirty="0" smtClean="0">
+              <a:rPr kumimoji="1" lang="ko-KR" altLang="en-US" sz="1600" dirty="0" smtClean="0">
                 <a:solidFill>
                   <a:schemeClr val="bg1"/>
                 </a:solidFill>
               </a:rPr>
-              <a:t>Mapping</a:t>
+              <a:t>매핑</a:t>
             </a:r>
             <a:endParaRPr kumimoji="1" lang="ko-KR" altLang="en-US" sz="1600" dirty="0">
               <a:solidFill>
@@ -21824,8 +22997,8 @@
         </p:nvSpPr>
         <p:spPr>
           <a:xfrm>
-            <a:off x="6577693" y="4552102"/>
-            <a:ext cx="204916" cy="455892"/>
+            <a:off x="5836925" y="4345138"/>
+            <a:ext cx="843225" cy="455892"/>
           </a:xfrm>
           <a:prstGeom prst="roundRect">
             <a:avLst/>
@@ -21859,12 +23032,12 @@
           <a:p>
             <a:pPr algn="ctr"/>
             <a:r>
-              <a:rPr kumimoji="1" lang="en-US" altLang="ko-KR" dirty="0" smtClean="0">
+              <a:rPr kumimoji="1" lang="ko-KR" altLang="en-US" smtClean="0">
                 <a:solidFill>
                   <a:schemeClr val="bg1"/>
                 </a:solidFill>
               </a:rPr>
-              <a:t>Toon</a:t>
+              <a:t>툰</a:t>
             </a:r>
             <a:endParaRPr kumimoji="1" lang="ko-KR" altLang="en-US" dirty="0">
               <a:solidFill>
@@ -21882,8 +23055,8 @@
         </p:nvSpPr>
         <p:spPr>
           <a:xfrm>
-            <a:off x="6680150" y="5007994"/>
-            <a:ext cx="1063675" cy="455892"/>
+            <a:off x="6680150" y="4931504"/>
+            <a:ext cx="1569505" cy="455892"/>
           </a:xfrm>
           <a:prstGeom prst="roundRect">
             <a:avLst/>
@@ -21917,12 +23090,12 @@
           <a:p>
             <a:pPr algn="ctr"/>
             <a:r>
-              <a:rPr kumimoji="1" lang="en-US" altLang="ko-KR" sz="1400" dirty="0" err="1" smtClean="0">
+              <a:rPr kumimoji="1" lang="ko-KR" altLang="en-US" sz="1400" dirty="0" smtClean="0">
                 <a:solidFill>
                   <a:schemeClr val="bg1"/>
                 </a:solidFill>
               </a:rPr>
-              <a:t>Swhado</a:t>
+              <a:t>쉐도우</a:t>
             </a:r>
             <a:endParaRPr kumimoji="1" lang="en-US" altLang="ko-KR" sz="1400" dirty="0" smtClean="0">
               <a:solidFill>
@@ -21933,12 +23106,12 @@
           <a:p>
             <a:pPr algn="ctr"/>
             <a:r>
-              <a:rPr kumimoji="1" lang="en-US" altLang="ko-KR" sz="1400" dirty="0" smtClean="0">
+              <a:rPr kumimoji="1" lang="ko-KR" altLang="en-US" sz="1400" dirty="0" smtClean="0">
                 <a:solidFill>
                   <a:schemeClr val="bg1"/>
                 </a:solidFill>
               </a:rPr>
-              <a:t>Mapping</a:t>
+              <a:t>매핑</a:t>
             </a:r>
             <a:endParaRPr kumimoji="1" lang="ko-KR" altLang="en-US" sz="1400" dirty="0">
               <a:solidFill>
@@ -21971,7 +23144,7 @@
 </p:sld>
 </file>
 
-<file path=ppt/slides/slide24.xml><?xml version="1.0" encoding="utf-8"?>
+<file path=ppt/slides/slide26.xml><?xml version="1.0" encoding="utf-8"?>
 <p:sld xmlns:a="http://schemas.openxmlformats.org/drawingml/2006/main" xmlns:r="http://schemas.openxmlformats.org/officeDocument/2006/relationships" xmlns:p="http://schemas.openxmlformats.org/presentationml/2006/main">
   <p:cSld>
     <p:spTree>
@@ -22450,8 +23623,8 @@
         </p:nvSpPr>
         <p:spPr>
           <a:xfrm>
-            <a:off x="495394" y="2268579"/>
-            <a:ext cx="4292822" cy="563163"/>
+            <a:off x="2803021" y="2819084"/>
+            <a:ext cx="1305074" cy="563163"/>
           </a:xfrm>
           <a:prstGeom prst="roundRect">
             <a:avLst/>
@@ -22846,7 +24019,7 @@
         </p:nvSpPr>
         <p:spPr>
           <a:xfrm>
-            <a:off x="3956834" y="3769381"/>
+            <a:off x="4167837" y="3378067"/>
             <a:ext cx="1361615" cy="563163"/>
           </a:xfrm>
           <a:prstGeom prst="roundRect">
@@ -22881,14 +24054,30 @@
           <a:p>
             <a:pPr algn="ctr"/>
             <a:r>
-              <a:rPr kumimoji="1" lang="ko-KR" altLang="en-US" sz="2400" smtClean="0">
+              <a:rPr kumimoji="1" lang="ko-KR" altLang="en-US" sz="1600" dirty="0" smtClean="0">
                 <a:solidFill>
                   <a:schemeClr val="bg1"/>
                 </a:solidFill>
               </a:rPr>
-              <a:t>이동</a:t>
-            </a:r>
-            <a:endParaRPr kumimoji="1" lang="ko-KR" altLang="en-US" sz="2400" dirty="0">
+              <a:t>메인 캐릭터 </a:t>
+            </a:r>
+            <a:endParaRPr kumimoji="1" lang="en-US" altLang="ko-KR" sz="1600" dirty="0" smtClean="0">
+              <a:solidFill>
+                <a:schemeClr val="bg1"/>
+              </a:solidFill>
+            </a:endParaRPr>
+          </a:p>
+          <a:p>
+            <a:pPr algn="ctr"/>
+            <a:r>
+              <a:rPr kumimoji="1" lang="ko-KR" altLang="en-US" sz="1600" dirty="0" smtClean="0">
+                <a:solidFill>
+                  <a:schemeClr val="bg1"/>
+                </a:solidFill>
+              </a:rPr>
+              <a:t>구현</a:t>
+            </a:r>
+            <a:endParaRPr kumimoji="1" lang="ko-KR" altLang="en-US" sz="1600" dirty="0">
               <a:solidFill>
                 <a:schemeClr val="bg1"/>
               </a:solidFill>
@@ -22904,8 +24093,8 @@
         </p:nvSpPr>
         <p:spPr>
           <a:xfrm>
-            <a:off x="7418273" y="6020584"/>
-            <a:ext cx="4292820" cy="563163"/>
+            <a:off x="8572085" y="2119719"/>
+            <a:ext cx="3139007" cy="563163"/>
           </a:xfrm>
           <a:prstGeom prst="roundRect">
             <a:avLst/>
@@ -22964,8 +24153,8 @@
         </p:nvSpPr>
         <p:spPr>
           <a:xfrm>
-            <a:off x="2803021" y="3018980"/>
-            <a:ext cx="3908829" cy="563163"/>
+            <a:off x="2803021" y="2119720"/>
+            <a:ext cx="1985195" cy="563163"/>
           </a:xfrm>
           <a:prstGeom prst="roundRect">
             <a:avLst/>
@@ -22999,14 +24188,14 @@
           <a:p>
             <a:pPr algn="ctr"/>
             <a:r>
-              <a:rPr kumimoji="1" lang="ko-KR" altLang="en-US" sz="2400" dirty="0" smtClean="0">
+              <a:rPr kumimoji="1" lang="ko-KR" altLang="en-US" dirty="0" smtClean="0">
                 <a:solidFill>
                   <a:schemeClr val="bg1"/>
                 </a:solidFill>
               </a:rPr>
               <a:t>프레임워크 제작</a:t>
             </a:r>
-            <a:endParaRPr kumimoji="1" lang="ko-KR" altLang="en-US" sz="2400" dirty="0">
+            <a:endParaRPr kumimoji="1" lang="ko-KR" altLang="en-US" dirty="0">
               <a:solidFill>
                 <a:schemeClr val="bg1"/>
               </a:solidFill>
@@ -23022,8 +24211,8 @@
         </p:nvSpPr>
         <p:spPr>
           <a:xfrm>
-            <a:off x="5318449" y="4519782"/>
-            <a:ext cx="4085019" cy="563163"/>
+            <a:off x="7330520" y="5055016"/>
+            <a:ext cx="2164468" cy="563163"/>
           </a:xfrm>
           <a:prstGeom prst="roundRect">
             <a:avLst/>
@@ -23057,7 +24246,7 @@
           <a:p>
             <a:pPr algn="ctr"/>
             <a:r>
-              <a:rPr kumimoji="1" lang="ko-KR" altLang="en-US" sz="2400" dirty="0" smtClean="0">
+              <a:rPr kumimoji="1" lang="ko-KR" altLang="en-US" sz="1600" dirty="0" smtClean="0">
                 <a:solidFill>
                   <a:schemeClr val="bg1"/>
                 </a:solidFill>
@@ -23065,39 +24254,71 @@
               <a:t>전투 및 스킬</a:t>
             </a:r>
             <a:r>
-              <a:rPr kumimoji="1" lang="en-US" altLang="ko-KR" sz="2400" dirty="0" smtClean="0">
+              <a:rPr kumimoji="1" lang="en-US" altLang="ko-KR" sz="1600" dirty="0" smtClean="0">
                 <a:solidFill>
                   <a:schemeClr val="bg1"/>
                 </a:solidFill>
               </a:rPr>
               <a:t>,</a:t>
             </a:r>
-            <a:r>
-              <a:rPr kumimoji="1" lang="ko-KR" altLang="en-US" sz="2400" dirty="0" smtClean="0">
-                <a:solidFill>
-                  <a:schemeClr val="bg1"/>
-                </a:solidFill>
-              </a:rPr>
-              <a:t> 아이템</a:t>
-            </a:r>
-            <a:endParaRPr kumimoji="1" lang="ko-KR" altLang="en-US" sz="2400" dirty="0">
+            <a:endParaRPr kumimoji="1" lang="en-US" altLang="ko-KR" sz="1600" dirty="0">
               <a:solidFill>
                 <a:schemeClr val="bg1"/>
               </a:solidFill>
             </a:endParaRPr>
           </a:p>
+          <a:p>
+            <a:pPr algn="ctr"/>
+            <a:r>
+              <a:rPr kumimoji="1" lang="ko-KR" altLang="en-US" sz="1600" dirty="0" smtClean="0">
+                <a:solidFill>
+                  <a:schemeClr val="bg1"/>
+                </a:solidFill>
+              </a:rPr>
+              <a:t>아이템</a:t>
+            </a:r>
+            <a:r>
+              <a:rPr kumimoji="1" lang="en-US" altLang="ko-KR" sz="1600" dirty="0" smtClean="0">
+                <a:solidFill>
+                  <a:schemeClr val="bg1"/>
+                </a:solidFill>
+              </a:rPr>
+              <a:t>,</a:t>
+            </a:r>
+            <a:r>
+              <a:rPr kumimoji="1" lang="ko-KR" altLang="en-US" sz="1600" dirty="0" smtClean="0">
+                <a:solidFill>
+                  <a:schemeClr val="bg1"/>
+                </a:solidFill>
+              </a:rPr>
+              <a:t> </a:t>
+            </a:r>
+            <a:r>
+              <a:rPr kumimoji="1" lang="en-US" altLang="ko-KR" sz="1600" dirty="0" smtClean="0">
+                <a:solidFill>
+                  <a:schemeClr val="bg1"/>
+                </a:solidFill>
+              </a:rPr>
+              <a:t>AI</a:t>
+            </a:r>
+            <a:endParaRPr kumimoji="1" lang="ko-KR" altLang="en-US" sz="1600" dirty="0">
+              <a:solidFill>
+                <a:schemeClr val="bg1"/>
+              </a:solidFill>
+            </a:endParaRPr>
+          </a:p>
         </p:txBody>
       </p:sp>
       <p:sp>
         <p:nvSpPr>
-          <p:cNvPr id="29" name="모서리가 둥근 직사각형 28"/>
+          <p:cNvPr id="30" name="모서리가 둥근 직사각형 29"/>
           <p:cNvSpPr/>
           <p:nvPr/>
         </p:nvSpPr>
         <p:spPr>
           <a:xfrm>
-            <a:off x="9403468" y="5270183"/>
-            <a:ext cx="2287174" cy="563163"/>
+            <a:off x="1671682" y="2114215"/>
+            <a:ext cx="980078" cy="574175"/>
           </a:xfrm>
           <a:prstGeom prst="roundRect">
             <a:avLst/>
@@ -23131,14 +24352,146 @@
           <a:p>
             <a:pPr algn="ctr"/>
             <a:r>
-              <a:rPr kumimoji="1" lang="ko-KR" altLang="en-US" sz="2000" dirty="0" smtClean="0">
+              <a:rPr kumimoji="1" lang="en-US" altLang="ko-KR" sz="1600" dirty="0" smtClean="0">
                 <a:solidFill>
                   <a:schemeClr val="bg1"/>
                 </a:solidFill>
               </a:rPr>
-              <a:t>기타 컨텐츠 작업</a:t>
-            </a:r>
-            <a:endParaRPr kumimoji="1" lang="ko-KR" altLang="en-US" sz="2000" dirty="0">
+              <a:t>FBX</a:t>
+            </a:r>
+            <a:endParaRPr kumimoji="1" lang="en-US" altLang="ko-KR" sz="1600" dirty="0">
+              <a:solidFill>
+                <a:schemeClr val="bg1"/>
+              </a:solidFill>
+            </a:endParaRPr>
+          </a:p>
+          <a:p>
+            <a:pPr algn="ctr"/>
+            <a:r>
+              <a:rPr kumimoji="1" lang="ko-KR" altLang="en-US" sz="1600" dirty="0" smtClean="0">
+                <a:solidFill>
+                  <a:schemeClr val="bg1"/>
+                </a:solidFill>
+              </a:rPr>
+              <a:t>임포트</a:t>
+            </a:r>
+            <a:endParaRPr kumimoji="1" lang="ko-KR" altLang="en-US" sz="1600" dirty="0">
+              <a:solidFill>
+                <a:schemeClr val="bg1"/>
+              </a:solidFill>
+            </a:endParaRPr>
+          </a:p>
+        </p:txBody>
+      </p:sp>
+      <p:sp>
+        <p:nvSpPr>
+          <p:cNvPr id="31" name="모서리가 둥근 직사각형 30"/>
+          <p:cNvSpPr/>
+          <p:nvPr/>
+        </p:nvSpPr>
+        <p:spPr>
+          <a:xfrm>
+            <a:off x="5589194" y="3937050"/>
+            <a:ext cx="810921" cy="563163"/>
+          </a:xfrm>
+          <a:prstGeom prst="roundRect">
+            <a:avLst/>
+          </a:prstGeom>
+          <a:solidFill>
+            <a:srgbClr val="00B0F0"/>
+          </a:solidFill>
+          <a:ln>
+            <a:noFill/>
+          </a:ln>
+        </p:spPr>
+        <p:style>
+          <a:lnRef idx="2">
+            <a:schemeClr val="accent1">
+              <a:shade val="50000"/>
+            </a:schemeClr>
+          </a:lnRef>
+          <a:fillRef idx="1">
+            <a:schemeClr val="accent1"/>
+          </a:fillRef>
+          <a:effectRef idx="0">
+            <a:schemeClr val="accent1"/>
+          </a:effectRef>
+          <a:fontRef idx="minor">
+            <a:schemeClr val="lt1"/>
+          </a:fontRef>
+        </p:style>
+        <p:txBody>
+          <a:bodyPr rtlCol="0" anchor="ctr"/>
+          <a:lstStyle/>
+          <a:p>
+            <a:pPr algn="ctr"/>
+            <a:r>
+              <a:rPr kumimoji="1" lang="ko-KR" altLang="en-US" sz="1600" smtClean="0">
+                <a:solidFill>
+                  <a:schemeClr val="bg1"/>
+                </a:solidFill>
+              </a:rPr>
+              <a:t>충돌</a:t>
+            </a:r>
+            <a:endParaRPr kumimoji="1" lang="ko-KR" altLang="en-US" sz="1600" dirty="0">
+              <a:solidFill>
+                <a:schemeClr val="bg1"/>
+              </a:solidFill>
+            </a:endParaRPr>
+          </a:p>
+        </p:txBody>
+      </p:sp>
+      <p:sp>
+        <p:nvSpPr>
+          <p:cNvPr id="32" name="모서리가 둥근 직사각형 31"/>
+          <p:cNvSpPr/>
+          <p:nvPr/>
+        </p:nvSpPr>
+        <p:spPr>
+          <a:xfrm>
+            <a:off x="6459857" y="4496033"/>
+            <a:ext cx="810921" cy="563163"/>
+          </a:xfrm>
+          <a:prstGeom prst="roundRect">
+            <a:avLst/>
+          </a:prstGeom>
+          <a:solidFill>
+            <a:srgbClr val="00B0F0"/>
+          </a:solidFill>
+          <a:ln>
+            <a:noFill/>
+          </a:ln>
+        </p:spPr>
+        <p:style>
+          <a:lnRef idx="2">
+            <a:schemeClr val="accent1">
+              <a:shade val="50000"/>
+            </a:schemeClr>
+          </a:lnRef>
+          <a:fillRef idx="1">
+            <a:schemeClr val="accent1"/>
+          </a:fillRef>
+          <a:effectRef idx="0">
+            <a:schemeClr val="accent1"/>
+          </a:effectRef>
+          <a:fontRef idx="minor">
+            <a:schemeClr val="lt1"/>
+          </a:fontRef>
+        </p:style>
+        <p:txBody>
+          <a:bodyPr rtlCol="0" anchor="ctr"/>
+          <a:lstStyle/>
+          <a:p>
+            <a:pPr algn="ctr"/>
+            <a:r>
+              <a:rPr kumimoji="1" lang="en-US" altLang="ko-KR" sz="1600" dirty="0" smtClean="0">
+                <a:solidFill>
+                  <a:schemeClr val="bg1"/>
+                </a:solidFill>
+              </a:rPr>
+              <a:t>UI</a:t>
+            </a:r>
+            <a:endParaRPr kumimoji="1" lang="ko-KR" altLang="en-US" sz="1600" dirty="0">
               <a:solidFill>
                 <a:schemeClr val="bg1"/>
               </a:solidFill>
@@ -23169,7 +24522,7 @@
 </p:sld>
 </file>
 
-<file path=ppt/slides/slide25.xml><?xml version="1.0" encoding="utf-8"?>
+<file path=ppt/slides/slide27.xml><?xml version="1.0" encoding="utf-8"?>
 <p:sld xmlns:a="http://schemas.openxmlformats.org/drawingml/2006/main" xmlns:r="http://schemas.openxmlformats.org/officeDocument/2006/relationships" xmlns:p="http://schemas.openxmlformats.org/presentationml/2006/main">
   <p:cSld>
     <p:spTree>
@@ -28296,6 +29649,405 @@
         <p:spPr>
           <a:xfrm>
             <a:off x="278779" y="354378"/>
+            <a:ext cx="4121184" cy="906386"/>
+          </a:xfrm>
+          <a:prstGeom prst="parallelogram">
+            <a:avLst/>
+          </a:prstGeom>
+          <a:solidFill>
+            <a:srgbClr val="00B0F0"/>
+          </a:solidFill>
+          <a:ln>
+            <a:noFill/>
+          </a:ln>
+        </p:spPr>
+        <p:style>
+          <a:lnRef idx="2">
+            <a:schemeClr val="accent1">
+              <a:shade val="50000"/>
+            </a:schemeClr>
+          </a:lnRef>
+          <a:fillRef idx="1">
+            <a:schemeClr val="accent1"/>
+          </a:fillRef>
+          <a:effectRef idx="0">
+            <a:schemeClr val="accent1"/>
+          </a:effectRef>
+          <a:fontRef idx="minor">
+            <a:schemeClr val="lt1"/>
+          </a:fontRef>
+        </p:style>
+        <p:txBody>
+          <a:bodyPr rtlCol="0" anchor="ctr"/>
+          <a:lstStyle/>
+          <a:p>
+            <a:r>
+              <a:rPr lang="ko-KR" altLang="en-US" sz="4000" dirty="0" smtClean="0">
+                <a:solidFill>
+                  <a:schemeClr val="bg1"/>
+                </a:solidFill>
+              </a:rPr>
+              <a:t>월드설정</a:t>
+            </a:r>
+            <a:endParaRPr lang="en-US" altLang="ko-KR" sz="2400" dirty="0">
+              <a:solidFill>
+                <a:schemeClr val="accent1">
+                  <a:lumMod val="20000"/>
+                  <a:lumOff val="80000"/>
+                </a:schemeClr>
+              </a:solidFill>
+            </a:endParaRPr>
+          </a:p>
+        </p:txBody>
+      </p:sp>
+      <p:pic>
+        <p:nvPicPr>
+          <p:cNvPr id="2" name="그림 1"/>
+          <p:cNvPicPr>
+            <a:picLocks noChangeAspect="1"/>
+          </p:cNvPicPr>
+          <p:nvPr/>
+        </p:nvPicPr>
+        <p:blipFill>
+          <a:blip r:embed="rId2">
+            <a:extLst>
+              <a:ext uri="{28A0092B-C50C-407E-A947-70E740481C1C}">
+                <a14:useLocalDpi xmlns:a14="http://schemas.microsoft.com/office/drawing/2010/main" val="0"/>
+              </a:ext>
+            </a:extLst>
+          </a:blip>
+          <a:stretch>
+            <a:fillRect/>
+          </a:stretch>
+        </p:blipFill>
+        <p:spPr>
+          <a:xfrm>
+            <a:off x="741453" y="1670389"/>
+            <a:ext cx="3269776" cy="1944349"/>
+          </a:xfrm>
+          <a:prstGeom prst="rect">
+            <a:avLst/>
+          </a:prstGeom>
+        </p:spPr>
+      </p:pic>
+      <p:pic>
+        <p:nvPicPr>
+          <p:cNvPr id="3" name="그림 2"/>
+          <p:cNvPicPr>
+            <a:picLocks noChangeAspect="1"/>
+          </p:cNvPicPr>
+          <p:nvPr/>
+        </p:nvPicPr>
+        <p:blipFill>
+          <a:blip r:embed="rId3">
+            <a:extLst>
+              <a:ext uri="{28A0092B-C50C-407E-A947-70E740481C1C}">
+                <a14:useLocalDpi xmlns:a14="http://schemas.microsoft.com/office/drawing/2010/main" val="0"/>
+              </a:ext>
+            </a:extLst>
+          </a:blip>
+          <a:stretch>
+            <a:fillRect/>
+          </a:stretch>
+        </p:blipFill>
+        <p:spPr>
+          <a:xfrm>
+            <a:off x="741453" y="3845896"/>
+            <a:ext cx="1898797" cy="2519008"/>
+          </a:xfrm>
+          <a:prstGeom prst="rect">
+            <a:avLst/>
+          </a:prstGeom>
+        </p:spPr>
+      </p:pic>
+      <p:sp>
+        <p:nvSpPr>
+          <p:cNvPr id="6" name="텍스트 상자 5"/>
+          <p:cNvSpPr txBox="1"/>
+          <p:nvPr/>
+        </p:nvSpPr>
+        <p:spPr>
+          <a:xfrm>
+            <a:off x="4399963" y="1670389"/>
+            <a:ext cx="2417650" cy="707886"/>
+          </a:xfrm>
+          <a:prstGeom prst="rect">
+            <a:avLst/>
+          </a:prstGeom>
+          <a:noFill/>
+        </p:spPr>
+        <p:txBody>
+          <a:bodyPr wrap="none" rtlCol="0">
+            <a:spAutoFit/>
+          </a:bodyPr>
+          <a:lstStyle/>
+          <a:p>
+            <a:r>
+              <a:rPr kumimoji="1" lang="ko-KR" altLang="en-US" sz="4000" dirty="0" smtClean="0"/>
+              <a:t>월드 설정</a:t>
+            </a:r>
+            <a:endParaRPr kumimoji="1" lang="ko-KR" altLang="en-US" sz="4000" dirty="0"/>
+          </a:p>
+        </p:txBody>
+      </p:sp>
+      <p:sp>
+        <p:nvSpPr>
+          <p:cNvPr id="96" name="텍스트 상자 95"/>
+          <p:cNvSpPr txBox="1"/>
+          <p:nvPr/>
+        </p:nvSpPr>
+        <p:spPr>
+          <a:xfrm>
+            <a:off x="4399963" y="2380953"/>
+            <a:ext cx="5161346" cy="954107"/>
+          </a:xfrm>
+          <a:prstGeom prst="rect">
+            <a:avLst/>
+          </a:prstGeom>
+          <a:noFill/>
+        </p:spPr>
+        <p:txBody>
+          <a:bodyPr wrap="square" rtlCol="0">
+            <a:spAutoFit/>
+          </a:bodyPr>
+          <a:lstStyle/>
+          <a:p>
+            <a:r>
+              <a:rPr kumimoji="1" lang="en-US" altLang="ko-KR" sz="2800" dirty="0" smtClean="0">
+                <a:solidFill>
+                  <a:schemeClr val="bg1">
+                    <a:lumMod val="50000"/>
+                  </a:schemeClr>
+                </a:solidFill>
+              </a:rPr>
+              <a:t>1km x 1km</a:t>
+            </a:r>
+            <a:r>
+              <a:rPr kumimoji="1" lang="ko-KR" altLang="en-US" sz="2800" dirty="0" smtClean="0">
+                <a:solidFill>
+                  <a:schemeClr val="bg1">
+                    <a:lumMod val="50000"/>
+                  </a:schemeClr>
+                </a:solidFill>
+              </a:rPr>
+              <a:t> </a:t>
+            </a:r>
+            <a:endParaRPr kumimoji="1" lang="en-US" altLang="ko-KR" sz="2800" dirty="0" smtClean="0">
+              <a:solidFill>
+                <a:schemeClr val="bg1">
+                  <a:lumMod val="50000"/>
+                </a:schemeClr>
+              </a:solidFill>
+            </a:endParaRPr>
+          </a:p>
+          <a:p>
+            <a:r>
+              <a:rPr kumimoji="1" lang="ko-KR" altLang="en-US" sz="2800" dirty="0" smtClean="0">
+                <a:solidFill>
+                  <a:schemeClr val="bg1">
+                    <a:lumMod val="50000"/>
+                  </a:schemeClr>
+                </a:solidFill>
+              </a:rPr>
+              <a:t>마을과 던전 제작</a:t>
+            </a:r>
+            <a:endParaRPr kumimoji="1" lang="ko-KR" altLang="en-US" sz="2800" dirty="0">
+              <a:solidFill>
+                <a:schemeClr val="bg1">
+                  <a:lumMod val="50000"/>
+                </a:schemeClr>
+              </a:solidFill>
+            </a:endParaRPr>
+          </a:p>
+        </p:txBody>
+      </p:sp>
+      <p:sp>
+        <p:nvSpPr>
+          <p:cNvPr id="97" name="텍스트 상자 96"/>
+          <p:cNvSpPr txBox="1"/>
+          <p:nvPr/>
+        </p:nvSpPr>
+        <p:spPr>
+          <a:xfrm>
+            <a:off x="4399963" y="3845896"/>
+            <a:ext cx="2930610" cy="707886"/>
+          </a:xfrm>
+          <a:prstGeom prst="rect">
+            <a:avLst/>
+          </a:prstGeom>
+          <a:noFill/>
+        </p:spPr>
+        <p:txBody>
+          <a:bodyPr wrap="none" rtlCol="0">
+            <a:spAutoFit/>
+          </a:bodyPr>
+          <a:lstStyle/>
+          <a:p>
+            <a:r>
+              <a:rPr kumimoji="1" lang="ko-KR" altLang="en-US" sz="4000" dirty="0" smtClean="0"/>
+              <a:t>캐릭터 설정</a:t>
+            </a:r>
+            <a:endParaRPr kumimoji="1" lang="ko-KR" altLang="en-US" sz="4000" dirty="0"/>
+          </a:p>
+        </p:txBody>
+      </p:sp>
+      <p:sp>
+        <p:nvSpPr>
+          <p:cNvPr id="98" name="텍스트 상자 97"/>
+          <p:cNvSpPr txBox="1"/>
+          <p:nvPr/>
+        </p:nvSpPr>
+        <p:spPr>
+          <a:xfrm>
+            <a:off x="4399963" y="4556460"/>
+            <a:ext cx="5161346" cy="954107"/>
+          </a:xfrm>
+          <a:prstGeom prst="rect">
+            <a:avLst/>
+          </a:prstGeom>
+          <a:noFill/>
+        </p:spPr>
+        <p:txBody>
+          <a:bodyPr wrap="square" rtlCol="0">
+            <a:spAutoFit/>
+          </a:bodyPr>
+          <a:lstStyle/>
+          <a:p>
+            <a:r>
+              <a:rPr kumimoji="1" lang="en-US" altLang="ko-KR" sz="2800" dirty="0" smtClean="0">
+                <a:solidFill>
+                  <a:schemeClr val="bg1">
+                    <a:lumMod val="50000"/>
+                  </a:schemeClr>
+                </a:solidFill>
+              </a:rPr>
+              <a:t>1.5m</a:t>
+            </a:r>
+            <a:r>
+              <a:rPr kumimoji="1" lang="ko-KR" altLang="en-US" sz="2800" dirty="0" smtClean="0">
+                <a:solidFill>
+                  <a:schemeClr val="bg1">
+                    <a:lumMod val="50000"/>
+                  </a:schemeClr>
+                </a:solidFill>
+              </a:rPr>
+              <a:t>의 키 설정</a:t>
+            </a:r>
+            <a:endParaRPr kumimoji="1" lang="en-US" altLang="ko-KR" sz="2800" dirty="0" smtClean="0">
+              <a:solidFill>
+                <a:schemeClr val="bg1">
+                  <a:lumMod val="50000"/>
+                </a:schemeClr>
+              </a:solidFill>
+            </a:endParaRPr>
+          </a:p>
+          <a:p>
+            <a:r>
+              <a:rPr kumimoji="1" lang="en-US" altLang="ko-KR" sz="2800" dirty="0" smtClean="0">
+                <a:solidFill>
+                  <a:schemeClr val="bg1">
+                    <a:lumMod val="50000"/>
+                  </a:schemeClr>
+                </a:solidFill>
+              </a:rPr>
+              <a:t>4m/s</a:t>
+            </a:r>
+            <a:r>
+              <a:rPr kumimoji="1" lang="ko-KR" altLang="en-US" sz="2800" dirty="0" smtClean="0">
+                <a:solidFill>
+                  <a:schemeClr val="bg1">
+                    <a:lumMod val="50000"/>
+                  </a:schemeClr>
+                </a:solidFill>
+              </a:rPr>
+              <a:t>의 이동속도</a:t>
+            </a:r>
+            <a:endParaRPr kumimoji="1" lang="ko-KR" altLang="en-US" sz="2800" dirty="0">
+              <a:solidFill>
+                <a:schemeClr val="bg1">
+                  <a:lumMod val="50000"/>
+                </a:schemeClr>
+              </a:solidFill>
+            </a:endParaRPr>
+          </a:p>
+        </p:txBody>
+      </p:sp>
+      <p:pic>
+        <p:nvPicPr>
+          <p:cNvPr id="7" name="그림 6"/>
+          <p:cNvPicPr>
+            <a:picLocks noChangeAspect="1"/>
+          </p:cNvPicPr>
+          <p:nvPr/>
+        </p:nvPicPr>
+        <p:blipFill>
+          <a:blip r:embed="rId4">
+            <a:extLst>
+              <a:ext uri="{28A0092B-C50C-407E-A947-70E740481C1C}">
+                <a14:useLocalDpi xmlns:a14="http://schemas.microsoft.com/office/drawing/2010/main" val="0"/>
+              </a:ext>
+            </a:extLst>
+          </a:blip>
+          <a:stretch>
+            <a:fillRect/>
+          </a:stretch>
+        </p:blipFill>
+        <p:spPr>
+          <a:xfrm>
+            <a:off x="2415497" y="3845896"/>
+            <a:ext cx="1595732" cy="2513405"/>
+          </a:xfrm>
+          <a:prstGeom prst="rect">
+            <a:avLst/>
+          </a:prstGeom>
+        </p:spPr>
+      </p:pic>
+    </p:spTree>
+    <p:extLst>
+      <p:ext uri="{BB962C8B-B14F-4D97-AF65-F5344CB8AC3E}">
+        <p14:creationId xmlns:p14="http://schemas.microsoft.com/office/powerpoint/2010/main" val="1664490172"/>
+      </p:ext>
+    </p:extLst>
+  </p:cSld>
+  <p:clrMapOvr>
+    <a:masterClrMapping/>
+  </p:clrMapOvr>
+  <p:timing>
+    <p:tnLst>
+      <p:par>
+        <p:cTn id="1" dur="indefinite" restart="never" nodeType="tmRoot"/>
+      </p:par>
+    </p:tnLst>
+  </p:timing>
+</p:sld>
+</file>
+
+<file path=ppt/slides/slide5.xml><?xml version="1.0" encoding="utf-8"?>
+<p:sld xmlns:a="http://schemas.openxmlformats.org/drawingml/2006/main" xmlns:r="http://schemas.openxmlformats.org/officeDocument/2006/relationships" xmlns:p="http://schemas.openxmlformats.org/presentationml/2006/main">
+  <p:cSld>
+    <p:spTree>
+      <p:nvGrpSpPr>
+        <p:cNvPr id="1" name=""/>
+        <p:cNvGrpSpPr/>
+        <p:nvPr/>
+      </p:nvGrpSpPr>
+      <p:grpSpPr>
+        <a:xfrm>
+          <a:off x="0" y="0"/>
+          <a:ext cx="0" cy="0"/>
+          <a:chOff x="0" y="0"/>
+          <a:chExt cx="0" cy="0"/>
+        </a:xfrm>
+      </p:grpSpPr>
+      <p:sp>
+        <p:nvSpPr>
+          <p:cNvPr id="95" name="평행 사변형[P] 94"/>
+          <p:cNvSpPr/>
+          <p:nvPr/>
+        </p:nvSpPr>
+        <p:spPr>
+          <a:xfrm>
+            <a:off x="278779" y="354378"/>
             <a:ext cx="5587348" cy="906386"/>
           </a:xfrm>
           <a:prstGeom prst="parallelogram">
@@ -28593,7 +30345,7 @@
 </p:sld>
 </file>
 
-<file path=ppt/slides/slide5.xml><?xml version="1.0" encoding="utf-8"?>
+<file path=ppt/slides/slide6.xml><?xml version="1.0" encoding="utf-8"?>
 <p:sld xmlns:a="http://schemas.openxmlformats.org/drawingml/2006/main" xmlns:r="http://schemas.openxmlformats.org/officeDocument/2006/relationships" xmlns:p="http://schemas.openxmlformats.org/presentationml/2006/main">
   <p:cSld>
     <p:spTree>
@@ -29296,16 +31048,7 @@
                 </a:solidFill>
                 <a:latin typeface="+mj-lt"/>
               </a:rPr>
-              <a:t>비사실적인 </a:t>
-            </a:r>
-            <a:r>
-              <a:rPr kumimoji="1" lang="ko-KR" altLang="en-US" sz="2800" b="1" dirty="0" smtClean="0">
-                <a:solidFill>
-                  <a:prstClr val="black"/>
-                </a:solidFill>
-                <a:latin typeface="+mj-lt"/>
-              </a:rPr>
-              <a:t>환경</a:t>
+              <a:t>비사실적인 환경</a:t>
             </a:r>
             <a:endParaRPr kumimoji="1" lang="ko-KR" altLang="en-US" sz="2800" b="1" dirty="0">
               <a:solidFill>
@@ -29607,7 +31350,7 @@
 </p:sld>
 </file>
 
-<file path=ppt/slides/slide6.xml><?xml version="1.0" encoding="utf-8"?>
+<file path=ppt/slides/slide7.xml><?xml version="1.0" encoding="utf-8"?>
 <p:sld xmlns:a="http://schemas.openxmlformats.org/drawingml/2006/main" xmlns:r="http://schemas.openxmlformats.org/officeDocument/2006/relationships" xmlns:p="http://schemas.openxmlformats.org/presentationml/2006/main">
   <p:cSld>
     <p:spTree>
@@ -31425,7 +33168,7 @@
 </p:sld>
 </file>
 
-<file path=ppt/slides/slide7.xml><?xml version="1.0" encoding="utf-8"?>
+<file path=ppt/slides/slide8.xml><?xml version="1.0" encoding="utf-8"?>
 <p:sld xmlns:a="http://schemas.openxmlformats.org/drawingml/2006/main" xmlns:r="http://schemas.openxmlformats.org/officeDocument/2006/relationships" xmlns:p="http://schemas.openxmlformats.org/presentationml/2006/main">
   <p:cSld>
     <p:spTree>
@@ -31567,7 +33310,7 @@
         </p:nvSpPr>
         <p:spPr>
           <a:xfrm>
-            <a:off x="1797268" y="2263838"/>
+            <a:off x="1797268" y="2128374"/>
             <a:ext cx="7098418" cy="523220"/>
           </a:xfrm>
           <a:prstGeom prst="rect">
@@ -31595,42 +33338,12 @@
             </a:r>
             <a:r>
               <a:rPr kumimoji="1" lang="ko-KR" altLang="en-US" sz="2800" dirty="0" smtClean="0"/>
-              <a:t>제작</a:t>
+              <a:t>구축</a:t>
             </a:r>
             <a:endParaRPr kumimoji="1" lang="en-US" altLang="ko-KR" sz="2800" dirty="0" smtClean="0"/>
           </a:p>
         </p:txBody>
       </p:sp>
-      <p:pic>
-        <p:nvPicPr>
-          <p:cNvPr id="2" name="그림 1"/>
-          <p:cNvPicPr>
-            <a:picLocks noChangeAspect="1"/>
-          </p:cNvPicPr>
-          <p:nvPr/>
-        </p:nvPicPr>
-        <p:blipFill>
-          <a:blip r:embed="rId2">
-            <a:extLst>
-              <a:ext uri="{28A0092B-C50C-407E-A947-70E740481C1C}">
-                <a14:useLocalDpi xmlns:a14="http://schemas.microsoft.com/office/drawing/2010/main" val="0"/>
-              </a:ext>
-            </a:extLst>
-          </a:blip>
-          <a:stretch>
-            <a:fillRect/>
-          </a:stretch>
-        </p:blipFill>
-        <p:spPr>
-          <a:xfrm>
-            <a:off x="4152900" y="3752838"/>
-            <a:ext cx="3810000" cy="2857500"/>
-          </a:xfrm>
-          <a:prstGeom prst="rect">
-            <a:avLst/>
-          </a:prstGeom>
-        </p:spPr>
-      </p:pic>
       <p:sp>
         <p:nvSpPr>
           <p:cNvPr id="7" name="타원 6"/>
@@ -31743,8 +33456,8 @@
         </p:nvSpPr>
         <p:spPr>
           <a:xfrm>
-            <a:off x="1797268" y="3144558"/>
-            <a:ext cx="8042586" cy="523220"/>
+            <a:off x="1797268" y="2872874"/>
+            <a:ext cx="8401659" cy="523220"/>
           </a:xfrm>
           <a:prstGeom prst="rect">
             <a:avLst/>
@@ -31771,7 +33484,15 @@
                   <a:prstClr val="black"/>
                 </a:solidFill>
               </a:rPr>
-              <a:t>명 이상이 동시에 접속할 수 있는 서버 제작</a:t>
+              <a:t>명 이상이 동시에 접속할 수 있는 </a:t>
+            </a:r>
+            <a:r>
+              <a:rPr kumimoji="1" lang="ko-KR" altLang="en-US" sz="2800" dirty="0" smtClean="0">
+                <a:solidFill>
+                  <a:prstClr val="black"/>
+                </a:solidFill>
+              </a:rPr>
+              <a:t>대규모 서버</a:t>
             </a:r>
             <a:endParaRPr kumimoji="1" lang="en-US" altLang="ko-KR" sz="2800" dirty="0">
               <a:solidFill>
@@ -31781,6 +33502,66 @@
           </a:p>
         </p:txBody>
       </p:sp>
+      <p:pic>
+        <p:nvPicPr>
+          <p:cNvPr id="6" name="그림 5"/>
+          <p:cNvPicPr>
+            <a:picLocks noChangeAspect="1"/>
+          </p:cNvPicPr>
+          <p:nvPr/>
+        </p:nvPicPr>
+        <p:blipFill>
+          <a:blip r:embed="rId2">
+            <a:extLst>
+              <a:ext uri="{28A0092B-C50C-407E-A947-70E740481C1C}">
+                <a14:useLocalDpi xmlns:a14="http://schemas.microsoft.com/office/drawing/2010/main" val="0"/>
+              </a:ext>
+            </a:extLst>
+          </a:blip>
+          <a:stretch>
+            <a:fillRect/>
+          </a:stretch>
+        </p:blipFill>
+        <p:spPr>
+          <a:xfrm>
+            <a:off x="1947400" y="3752838"/>
+            <a:ext cx="3871161" cy="2731319"/>
+          </a:xfrm>
+          <a:prstGeom prst="rect">
+            <a:avLst/>
+          </a:prstGeom>
+        </p:spPr>
+      </p:pic>
+      <p:pic>
+        <p:nvPicPr>
+          <p:cNvPr id="9" name="그림 8"/>
+          <p:cNvPicPr>
+            <a:picLocks noChangeAspect="1"/>
+          </p:cNvPicPr>
+          <p:nvPr/>
+        </p:nvPicPr>
+        <p:blipFill>
+          <a:blip r:embed="rId3">
+            <a:extLst>
+              <a:ext uri="{28A0092B-C50C-407E-A947-70E740481C1C}">
+                <a14:useLocalDpi xmlns:a14="http://schemas.microsoft.com/office/drawing/2010/main" val="0"/>
+              </a:ext>
+            </a:extLst>
+          </a:blip>
+          <a:stretch>
+            <a:fillRect/>
+          </a:stretch>
+        </p:blipFill>
+        <p:spPr>
+          <a:xfrm>
+            <a:off x="6344875" y="3752838"/>
+            <a:ext cx="4337394" cy="2731319"/>
+          </a:xfrm>
+          <a:prstGeom prst="rect">
+            <a:avLst/>
+          </a:prstGeom>
+        </p:spPr>
+      </p:pic>
     </p:spTree>
     <p:extLst>
       <p:ext uri="{BB962C8B-B14F-4D97-AF65-F5344CB8AC3E}">
@@ -31902,7 +33683,7 @@
 </p:sld>
 </file>
 
-<file path=ppt/slides/slide8.xml><?xml version="1.0" encoding="utf-8"?>
+<file path=ppt/slides/slide9.xml><?xml version="1.0" encoding="utf-8"?>
 <p:sld xmlns:a="http://schemas.openxmlformats.org/drawingml/2006/main" xmlns:r="http://schemas.openxmlformats.org/officeDocument/2006/relationships" xmlns:p="http://schemas.openxmlformats.org/presentationml/2006/main">
   <p:cSld>
     <p:spTree>
@@ -31927,7 +33708,7 @@
         </p:nvSpPr>
         <p:spPr>
           <a:xfrm>
-            <a:off x="9850886" y="502490"/>
+            <a:off x="8741887" y="502490"/>
             <a:ext cx="1176945" cy="1176945"/>
           </a:xfrm>
           <a:prstGeom prst="ellipse">
@@ -31979,7 +33760,7 @@
         </p:nvSpPr>
         <p:spPr>
           <a:xfrm>
-            <a:off x="9850885" y="502490"/>
+            <a:off x="8741886" y="502490"/>
             <a:ext cx="1176945" cy="1176945"/>
           </a:xfrm>
           <a:prstGeom prst="ellipse">
@@ -32113,7 +33894,7 @@
         <p:spPr>
           <a:xfrm>
             <a:off x="1797268" y="323165"/>
-            <a:ext cx="8004114" cy="1569660"/>
+            <a:ext cx="6705682" cy="1569660"/>
           </a:xfrm>
           <a:prstGeom prst="rect">
             <a:avLst/>
@@ -32127,16 +33908,12 @@
           <a:lstStyle/>
           <a:p>
             <a:r>
+              <a:rPr kumimoji="1" lang="en-US" altLang="ko-KR" sz="9600" i="1" dirty="0" smtClean="0"/>
+              <a:t>NPR</a:t>
+            </a:r>
+            <a:r>
               <a:rPr kumimoji="1" lang="ko-KR" altLang="en-US" sz="9600" i="1" dirty="0" smtClean="0"/>
-              <a:t>비</a:t>
-            </a:r>
-            <a:r>
-              <a:rPr kumimoji="1" lang="ko-KR" altLang="en-US" sz="9600" i="1" dirty="0" smtClean="0"/>
-              <a:t>사실적 </a:t>
-            </a:r>
-            <a:r>
-              <a:rPr kumimoji="1" lang="ko-KR" altLang="en-US" sz="9600" i="1" dirty="0" smtClean="0"/>
-              <a:t>환경</a:t>
+              <a:t> 렌더링</a:t>
             </a:r>
             <a:endParaRPr kumimoji="1" lang="ko-KR" altLang="en-US" sz="9600" i="1" dirty="0"/>
           </a:p>
@@ -32180,8 +33957,62 @@
         </p:nvSpPr>
         <p:spPr>
           <a:xfrm>
-            <a:off x="1797268" y="3137093"/>
-            <a:ext cx="9943556" cy="523220"/>
+            <a:off x="1797268" y="2947899"/>
+            <a:ext cx="10089162" cy="523220"/>
+          </a:xfrm>
+          <a:prstGeom prst="rect">
+            <a:avLst/>
+          </a:prstGeom>
+          <a:noFill/>
+        </p:spPr>
+        <p:txBody>
+          <a:bodyPr wrap="square" rtlCol="0">
+            <a:spAutoFit/>
+          </a:bodyPr>
+          <a:lstStyle/>
+          <a:p>
+            <a:r>
+              <a:rPr kumimoji="1" lang="en-US" altLang="ko-KR" sz="2800" dirty="0" smtClean="0"/>
+              <a:t>HLSL(</a:t>
+            </a:r>
+            <a:r>
+              <a:rPr lang="en-US" altLang="ko-KR" sz="2800" dirty="0"/>
+              <a:t>High Level </a:t>
+            </a:r>
+            <a:r>
+              <a:rPr lang="en-US" altLang="ko-KR" sz="2800" dirty="0" err="1"/>
+              <a:t>Shader</a:t>
+            </a:r>
+            <a:r>
+              <a:rPr lang="en-US" altLang="ko-KR" sz="2800" dirty="0"/>
+              <a:t> </a:t>
+            </a:r>
+            <a:r>
+              <a:rPr lang="en-US" altLang="ko-KR" sz="2800" dirty="0" smtClean="0"/>
+              <a:t>Language</a:t>
+            </a:r>
+            <a:r>
+              <a:rPr kumimoji="1" lang="en-US" altLang="ko-KR" sz="2800" dirty="0" smtClean="0"/>
+              <a:t>)</a:t>
+            </a:r>
+            <a:r>
+              <a:rPr kumimoji="1" lang="ko-KR" altLang="en-US" sz="2800" dirty="0" smtClean="0"/>
+              <a:t>를 사용해 자연스러운 물</a:t>
+            </a:r>
+            <a:endParaRPr kumimoji="1" lang="ko-KR" altLang="en-US" sz="2800" dirty="0"/>
+          </a:p>
+        </p:txBody>
+      </p:sp>
+      <p:sp>
+        <p:nvSpPr>
+          <p:cNvPr id="8" name="텍스트 상자 7"/>
+          <p:cNvSpPr txBox="1"/>
+          <p:nvPr/>
+        </p:nvSpPr>
+        <p:spPr>
+          <a:xfrm>
+            <a:off x="1851182" y="2263651"/>
+            <a:ext cx="10035248" cy="523220"/>
           </a:xfrm>
           <a:prstGeom prst="rect">
             <a:avLst/>
@@ -32195,62 +34026,32 @@
           <a:lstStyle/>
           <a:p>
             <a:r>
+              <a:rPr kumimoji="1" lang="mr-IN" altLang="ko-KR" sz="2800" dirty="0" err="1" smtClean="0"/>
+              <a:t>Non-Photorealistic</a:t>
+            </a:r>
+            <a:r>
               <a:rPr kumimoji="1" lang="en-US" altLang="ko-KR" sz="2800" dirty="0" smtClean="0"/>
-              <a:t>DirectX 11</a:t>
+              <a:t>(</a:t>
             </a:r>
             <a:r>
               <a:rPr kumimoji="1" lang="ko-KR" altLang="en-US" sz="2800" dirty="0" smtClean="0"/>
-              <a:t>의 성능을 최대한 </a:t>
-            </a:r>
-            <a:r>
-              <a:rPr kumimoji="1" lang="ko-KR" altLang="en-US" sz="2800" smtClean="0"/>
-              <a:t>끌어올려 </a:t>
-            </a:r>
-            <a:r>
-              <a:rPr kumimoji="1" lang="ko-KR" altLang="en-US" sz="2800" smtClean="0"/>
-              <a:t>자연스러운 </a:t>
+              <a:t>비실사렌더링</a:t>
+            </a:r>
+            <a:r>
+              <a:rPr kumimoji="1" lang="en-US" altLang="ko-KR" sz="2800" dirty="0" smtClean="0"/>
+              <a:t>)</a:t>
             </a:r>
             <a:r>
               <a:rPr kumimoji="1" lang="ko-KR" altLang="en-US" sz="2800" dirty="0" smtClean="0"/>
-              <a:t>환경 조성 </a:t>
-            </a:r>
-            <a:endParaRPr kumimoji="1" lang="ko-KR" altLang="en-US" sz="2800" dirty="0"/>
-          </a:p>
-        </p:txBody>
-      </p:sp>
-      <p:sp>
-        <p:nvSpPr>
-          <p:cNvPr id="8" name="텍스트 상자 7"/>
-          <p:cNvSpPr txBox="1"/>
-          <p:nvPr/>
-        </p:nvSpPr>
-        <p:spPr>
-          <a:xfrm>
-            <a:off x="1851182" y="2263651"/>
-            <a:ext cx="7281160" cy="523220"/>
-          </a:xfrm>
-          <a:prstGeom prst="rect">
-            <a:avLst/>
-          </a:prstGeom>
-          <a:noFill/>
-        </p:spPr>
-        <p:txBody>
-          <a:bodyPr wrap="none" rtlCol="0">
-            <a:spAutoFit/>
-          </a:bodyPr>
-          <a:lstStyle/>
-          <a:p>
-            <a:r>
-              <a:rPr kumimoji="1" lang="ko-KR" altLang="en-US" sz="2800" dirty="0" smtClean="0"/>
-              <a:t>카툰 렌더링을 활용한 만화적인 그래픽 연출</a:t>
-            </a:r>
-            <a:endParaRPr kumimoji="1" lang="ko-KR" altLang="en-US" sz="2800" dirty="0"/>
+              <a:t>을 기반으로 한 카툰 렌더링</a:t>
+            </a:r>
+            <a:endParaRPr kumimoji="1" lang="mr-IN" altLang="ko-KR" sz="2800" dirty="0"/>
           </a:p>
         </p:txBody>
       </p:sp>
       <p:pic>
         <p:nvPicPr>
-          <p:cNvPr id="7" name="그림 6"/>
+          <p:cNvPr id="6" name="그림 5"/>
           <p:cNvPicPr>
             <a:picLocks noChangeAspect="1"/>
           </p:cNvPicPr>
@@ -32270,8 +34071,8 @@
         </p:blipFill>
         <p:spPr>
           <a:xfrm>
-            <a:off x="1851182" y="4010441"/>
-            <a:ext cx="4304931" cy="2420664"/>
+            <a:off x="1663249" y="3471119"/>
+            <a:ext cx="4265744" cy="3199306"/>
           </a:xfrm>
           <a:prstGeom prst="rect">
             <a:avLst/>
@@ -32395,631 +34196,6 @@
       <p:bldP spid="15" grpId="0" animBg="1"/>
       <p:bldP spid="15" grpId="1" animBg="1"/>
     </p:bldLst>
-  </p:timing>
-</p:sld>
-</file>
-
-<file path=ppt/slides/slide9.xml><?xml version="1.0" encoding="utf-8"?>
-<p:sld xmlns:a="http://schemas.openxmlformats.org/drawingml/2006/main" xmlns:r="http://schemas.openxmlformats.org/officeDocument/2006/relationships" xmlns:p="http://schemas.openxmlformats.org/presentationml/2006/main">
-  <p:cSld>
-    <p:spTree>
-      <p:nvGrpSpPr>
-        <p:cNvPr id="1" name=""/>
-        <p:cNvGrpSpPr/>
-        <p:nvPr/>
-      </p:nvGrpSpPr>
-      <p:grpSpPr>
-        <a:xfrm>
-          <a:off x="0" y="0"/>
-          <a:ext cx="0" cy="0"/>
-          <a:chOff x="0" y="0"/>
-          <a:chExt cx="0" cy="0"/>
-        </a:xfrm>
-      </p:grpSpPr>
-      <p:sp>
-        <p:nvSpPr>
-          <p:cNvPr id="4" name="평행 사변형[P] 3"/>
-          <p:cNvSpPr/>
-          <p:nvPr/>
-        </p:nvSpPr>
-        <p:spPr>
-          <a:xfrm>
-            <a:off x="278779" y="354378"/>
-            <a:ext cx="5587348" cy="906386"/>
-          </a:xfrm>
-          <a:prstGeom prst="parallelogram">
-            <a:avLst/>
-          </a:prstGeom>
-          <a:solidFill>
-            <a:srgbClr val="00B0F0"/>
-          </a:solidFill>
-          <a:ln>
-            <a:noFill/>
-          </a:ln>
-        </p:spPr>
-        <p:style>
-          <a:lnRef idx="2">
-            <a:schemeClr val="accent1">
-              <a:shade val="50000"/>
-            </a:schemeClr>
-          </a:lnRef>
-          <a:fillRef idx="1">
-            <a:schemeClr val="accent1"/>
-          </a:fillRef>
-          <a:effectRef idx="0">
-            <a:schemeClr val="accent1"/>
-          </a:effectRef>
-          <a:fontRef idx="minor">
-            <a:schemeClr val="lt1"/>
-          </a:fontRef>
-        </p:style>
-        <p:txBody>
-          <a:bodyPr rtlCol="0" anchor="ctr"/>
-          <a:lstStyle/>
-          <a:p>
-            <a:r>
-              <a:rPr lang="ko-KR" altLang="en-US" sz="4000" smtClean="0">
-                <a:solidFill>
-                  <a:schemeClr val="bg1"/>
-                </a:solidFill>
-              </a:rPr>
-              <a:t>기본 조작</a:t>
-            </a:r>
-            <a:r>
-              <a:rPr lang="en-US" altLang="ko-KR" sz="4000" smtClean="0">
-                <a:solidFill>
-                  <a:schemeClr val="bg1"/>
-                </a:solidFill>
-              </a:rPr>
-              <a:t>(</a:t>
-            </a:r>
-            <a:r>
-              <a:rPr lang="ko-KR" altLang="en-US" sz="4000" smtClean="0">
-                <a:solidFill>
-                  <a:schemeClr val="bg1"/>
-                </a:solidFill>
-              </a:rPr>
-              <a:t>예상도</a:t>
-            </a:r>
-            <a:r>
-              <a:rPr lang="en-US" altLang="ko-KR" sz="4000" smtClean="0">
-                <a:solidFill>
-                  <a:schemeClr val="bg1"/>
-                </a:solidFill>
-              </a:rPr>
-              <a:t>)</a:t>
-            </a:r>
-            <a:endParaRPr lang="en-US" altLang="ko-KR" sz="2400">
-              <a:solidFill>
-                <a:schemeClr val="accent1">
-                  <a:lumMod val="20000"/>
-                  <a:lumOff val="80000"/>
-                </a:schemeClr>
-              </a:solidFill>
-            </a:endParaRPr>
-          </a:p>
-        </p:txBody>
-      </p:sp>
-      <p:pic>
-        <p:nvPicPr>
-          <p:cNvPr id="5" name="그림 4"/>
-          <p:cNvPicPr>
-            <a:picLocks noChangeAspect="1"/>
-          </p:cNvPicPr>
-          <p:nvPr/>
-        </p:nvPicPr>
-        <p:blipFill rotWithShape="1">
-          <a:blip r:embed="rId2" cstate="email">
-            <a:extLst>
-              <a:ext uri="{BEBA8EAE-BF5A-486C-A8C5-ECC9F3942E4B}">
-                <a14:imgProps xmlns:a14="http://schemas.microsoft.com/office/drawing/2010/main">
-                  <a14:imgLayer r:embed="rId3">
-                    <a14:imgEffect>
-                      <a14:backgroundRemoval t="7460" b="86825" l="0" r="100000">
-                        <a14:foregroundMark x1="49833" y1="29048" x2="49750" y2="17778"/>
-                      </a14:backgroundRemoval>
-                    </a14:imgEffect>
-                  </a14:imgLayer>
-                </a14:imgProps>
-              </a:ext>
-              <a:ext uri="{28A0092B-C50C-407E-A947-70E740481C1C}">
-                <a14:useLocalDpi xmlns:a14="http://schemas.microsoft.com/office/drawing/2010/main"/>
-              </a:ext>
-            </a:extLst>
-          </a:blip>
-          <a:srcRect t="29427" b="16221"/>
-          <a:stretch/>
-        </p:blipFill>
-        <p:spPr>
-          <a:xfrm>
-            <a:off x="335529" y="2332327"/>
-            <a:ext cx="11444741" cy="3265714"/>
-          </a:xfrm>
-          <a:prstGeom prst="rect">
-            <a:avLst/>
-          </a:prstGeom>
-        </p:spPr>
-      </p:pic>
-      <p:sp>
-        <p:nvSpPr>
-          <p:cNvPr id="6" name="직사각형 5"/>
-          <p:cNvSpPr/>
-          <p:nvPr/>
-        </p:nvSpPr>
-        <p:spPr>
-          <a:xfrm>
-            <a:off x="7901441" y="4385060"/>
-            <a:ext cx="1520889" cy="1054359"/>
-          </a:xfrm>
-          <a:prstGeom prst="rect">
-            <a:avLst/>
-          </a:prstGeom>
-          <a:solidFill>
-            <a:schemeClr val="accent6">
-              <a:alpha val="44000"/>
-            </a:schemeClr>
-          </a:solidFill>
-          <a:ln>
-            <a:noFill/>
-          </a:ln>
-        </p:spPr>
-        <p:style>
-          <a:lnRef idx="2">
-            <a:schemeClr val="accent1">
-              <a:shade val="50000"/>
-            </a:schemeClr>
-          </a:lnRef>
-          <a:fillRef idx="1">
-            <a:schemeClr val="accent1"/>
-          </a:fillRef>
-          <a:effectRef idx="0">
-            <a:schemeClr val="accent1"/>
-          </a:effectRef>
-          <a:fontRef idx="minor">
-            <a:schemeClr val="lt1"/>
-          </a:fontRef>
-        </p:style>
-        <p:txBody>
-          <a:bodyPr rtlCol="0" anchor="ctr"/>
-          <a:lstStyle/>
-          <a:p>
-            <a:pPr algn="ctr"/>
-            <a:endParaRPr kumimoji="1" lang="ko-KR" altLang="en-US"/>
-          </a:p>
-        </p:txBody>
-      </p:sp>
-      <p:sp>
-        <p:nvSpPr>
-          <p:cNvPr id="7" name="직사각형 6"/>
-          <p:cNvSpPr/>
-          <p:nvPr/>
-        </p:nvSpPr>
-        <p:spPr>
-          <a:xfrm>
-            <a:off x="1379343" y="3871877"/>
-            <a:ext cx="1026367" cy="513183"/>
-          </a:xfrm>
-          <a:prstGeom prst="rect">
-            <a:avLst/>
-          </a:prstGeom>
-          <a:solidFill>
-            <a:schemeClr val="accent2">
-              <a:alpha val="44000"/>
-            </a:schemeClr>
-          </a:solidFill>
-          <a:ln>
-            <a:noFill/>
-          </a:ln>
-        </p:spPr>
-        <p:style>
-          <a:lnRef idx="2">
-            <a:schemeClr val="accent1">
-              <a:shade val="50000"/>
-            </a:schemeClr>
-          </a:lnRef>
-          <a:fillRef idx="1">
-            <a:schemeClr val="accent1"/>
-          </a:fillRef>
-          <a:effectRef idx="0">
-            <a:schemeClr val="accent1"/>
-          </a:effectRef>
-          <a:fontRef idx="minor">
-            <a:schemeClr val="lt1"/>
-          </a:fontRef>
-        </p:style>
-        <p:txBody>
-          <a:bodyPr rtlCol="0" anchor="ctr"/>
-          <a:lstStyle/>
-          <a:p>
-            <a:pPr algn="ctr"/>
-            <a:endParaRPr kumimoji="1" lang="ko-KR" altLang="en-US"/>
-          </a:p>
-        </p:txBody>
-      </p:sp>
-      <p:sp>
-        <p:nvSpPr>
-          <p:cNvPr id="8" name="직사각형 7"/>
-          <p:cNvSpPr/>
-          <p:nvPr/>
-        </p:nvSpPr>
-        <p:spPr>
-          <a:xfrm>
-            <a:off x="2377719" y="3871877"/>
-            <a:ext cx="1026367" cy="513183"/>
-          </a:xfrm>
-          <a:prstGeom prst="rect">
-            <a:avLst/>
-          </a:prstGeom>
-          <a:solidFill>
-            <a:srgbClr val="00B0F0">
-              <a:alpha val="44000"/>
-            </a:srgbClr>
-          </a:solidFill>
-          <a:ln>
-            <a:noFill/>
-          </a:ln>
-        </p:spPr>
-        <p:style>
-          <a:lnRef idx="2">
-            <a:schemeClr val="accent1">
-              <a:shade val="50000"/>
-            </a:schemeClr>
-          </a:lnRef>
-          <a:fillRef idx="1">
-            <a:schemeClr val="accent1"/>
-          </a:fillRef>
-          <a:effectRef idx="0">
-            <a:schemeClr val="accent1"/>
-          </a:effectRef>
-          <a:fontRef idx="minor">
-            <a:schemeClr val="lt1"/>
-          </a:fontRef>
-        </p:style>
-        <p:txBody>
-          <a:bodyPr rtlCol="0" anchor="ctr"/>
-          <a:lstStyle/>
-          <a:p>
-            <a:pPr algn="ctr"/>
-            <a:endParaRPr kumimoji="1" lang="ko-KR" altLang="en-US"/>
-          </a:p>
-        </p:txBody>
-      </p:sp>
-      <p:sp>
-        <p:nvSpPr>
-          <p:cNvPr id="9" name="직사각형 8"/>
-          <p:cNvSpPr/>
-          <p:nvPr/>
-        </p:nvSpPr>
-        <p:spPr>
-          <a:xfrm>
-            <a:off x="1286037" y="3358694"/>
-            <a:ext cx="951722" cy="513183"/>
-          </a:xfrm>
-          <a:prstGeom prst="rect">
-            <a:avLst/>
-          </a:prstGeom>
-          <a:solidFill>
-            <a:srgbClr val="00B0F0">
-              <a:alpha val="44000"/>
-            </a:srgbClr>
-          </a:solidFill>
-          <a:ln>
-            <a:noFill/>
-          </a:ln>
-        </p:spPr>
-        <p:style>
-          <a:lnRef idx="2">
-            <a:schemeClr val="accent1">
-              <a:shade val="50000"/>
-            </a:schemeClr>
-          </a:lnRef>
-          <a:fillRef idx="1">
-            <a:schemeClr val="accent1"/>
-          </a:fillRef>
-          <a:effectRef idx="0">
-            <a:schemeClr val="accent1"/>
-          </a:effectRef>
-          <a:fontRef idx="minor">
-            <a:schemeClr val="lt1"/>
-          </a:fontRef>
-        </p:style>
-        <p:txBody>
-          <a:bodyPr rtlCol="0" anchor="ctr"/>
-          <a:lstStyle/>
-          <a:p>
-            <a:pPr algn="ctr"/>
-            <a:endParaRPr kumimoji="1" lang="ko-KR" altLang="en-US"/>
-          </a:p>
-        </p:txBody>
-      </p:sp>
-      <p:sp>
-        <p:nvSpPr>
-          <p:cNvPr id="10" name="직사각형 9"/>
-          <p:cNvSpPr/>
-          <p:nvPr/>
-        </p:nvSpPr>
-        <p:spPr>
-          <a:xfrm>
-            <a:off x="2237759" y="3358694"/>
-            <a:ext cx="503853" cy="513183"/>
-          </a:xfrm>
-          <a:prstGeom prst="rect">
-            <a:avLst/>
-          </a:prstGeom>
-          <a:solidFill>
-            <a:srgbClr val="FF0000">
-              <a:alpha val="44000"/>
-            </a:srgbClr>
-          </a:solidFill>
-          <a:ln>
-            <a:noFill/>
-          </a:ln>
-        </p:spPr>
-        <p:style>
-          <a:lnRef idx="2">
-            <a:schemeClr val="accent1">
-              <a:shade val="50000"/>
-            </a:schemeClr>
-          </a:lnRef>
-          <a:fillRef idx="1">
-            <a:schemeClr val="accent1"/>
-          </a:fillRef>
-          <a:effectRef idx="0">
-            <a:schemeClr val="accent1"/>
-          </a:effectRef>
-          <a:fontRef idx="minor">
-            <a:schemeClr val="lt1"/>
-          </a:fontRef>
-        </p:style>
-        <p:txBody>
-          <a:bodyPr rtlCol="0" anchor="ctr"/>
-          <a:lstStyle/>
-          <a:p>
-            <a:pPr algn="ctr"/>
-            <a:endParaRPr kumimoji="1" lang="ko-KR" altLang="en-US"/>
-          </a:p>
-        </p:txBody>
-      </p:sp>
-      <p:sp>
-        <p:nvSpPr>
-          <p:cNvPr id="3" name="모서리가 둥근 직사각형 2"/>
-          <p:cNvSpPr/>
-          <p:nvPr/>
-        </p:nvSpPr>
-        <p:spPr>
-          <a:xfrm>
-            <a:off x="7704622" y="3763194"/>
-            <a:ext cx="1914525" cy="514350"/>
-          </a:xfrm>
-          <a:prstGeom prst="roundRect">
-            <a:avLst/>
-          </a:prstGeom>
-          <a:solidFill>
-            <a:schemeClr val="accent6"/>
-          </a:solidFill>
-          <a:ln w="38100">
-            <a:solidFill>
-              <a:schemeClr val="tx1"/>
-            </a:solidFill>
-          </a:ln>
-        </p:spPr>
-        <p:style>
-          <a:lnRef idx="2">
-            <a:schemeClr val="accent1">
-              <a:shade val="50000"/>
-            </a:schemeClr>
-          </a:lnRef>
-          <a:fillRef idx="1">
-            <a:schemeClr val="accent1"/>
-          </a:fillRef>
-          <a:effectRef idx="0">
-            <a:schemeClr val="accent1"/>
-          </a:effectRef>
-          <a:fontRef idx="minor">
-            <a:schemeClr val="lt1"/>
-          </a:fontRef>
-        </p:style>
-        <p:txBody>
-          <a:bodyPr rtlCol="0" anchor="ctr"/>
-          <a:lstStyle/>
-          <a:p>
-            <a:pPr algn="ctr"/>
-            <a:r>
-              <a:rPr kumimoji="1" lang="ko-KR" altLang="en-US" smtClean="0"/>
-              <a:t>이동 조작부</a:t>
-            </a:r>
-            <a:endParaRPr kumimoji="1" lang="ko-KR" altLang="en-US"/>
-          </a:p>
-        </p:txBody>
-      </p:sp>
-      <p:sp>
-        <p:nvSpPr>
-          <p:cNvPr id="20" name="모서리가 둥근 직사각형 19"/>
-          <p:cNvSpPr/>
-          <p:nvPr/>
-        </p:nvSpPr>
-        <p:spPr>
-          <a:xfrm>
-            <a:off x="3281573" y="4226438"/>
-            <a:ext cx="1914525" cy="514350"/>
-          </a:xfrm>
-          <a:prstGeom prst="roundRect">
-            <a:avLst/>
-          </a:prstGeom>
-          <a:solidFill>
-            <a:srgbClr val="00B0F0"/>
-          </a:solidFill>
-          <a:ln w="38100">
-            <a:solidFill>
-              <a:schemeClr val="tx1"/>
-            </a:solidFill>
-          </a:ln>
-        </p:spPr>
-        <p:style>
-          <a:lnRef idx="2">
-            <a:schemeClr val="accent1">
-              <a:shade val="50000"/>
-            </a:schemeClr>
-          </a:lnRef>
-          <a:fillRef idx="1">
-            <a:schemeClr val="accent1"/>
-          </a:fillRef>
-          <a:effectRef idx="0">
-            <a:schemeClr val="accent1"/>
-          </a:effectRef>
-          <a:fontRef idx="minor">
-            <a:schemeClr val="lt1"/>
-          </a:fontRef>
-        </p:style>
-        <p:txBody>
-          <a:bodyPr rtlCol="0" anchor="ctr"/>
-          <a:lstStyle/>
-          <a:p>
-            <a:pPr algn="ctr"/>
-            <a:r>
-              <a:rPr kumimoji="1" lang="ko-KR" altLang="en-US" dirty="0" smtClean="0"/>
-              <a:t>스킬 조작부</a:t>
-            </a:r>
-            <a:endParaRPr kumimoji="1" lang="ko-KR" altLang="en-US" dirty="0"/>
-          </a:p>
-        </p:txBody>
-      </p:sp>
-      <p:sp>
-        <p:nvSpPr>
-          <p:cNvPr id="21" name="모서리가 둥근 직사각형 20"/>
-          <p:cNvSpPr/>
-          <p:nvPr/>
-        </p:nvSpPr>
-        <p:spPr>
-          <a:xfrm>
-            <a:off x="2637823" y="2934519"/>
-            <a:ext cx="1914525" cy="514350"/>
-          </a:xfrm>
-          <a:prstGeom prst="roundRect">
-            <a:avLst/>
-          </a:prstGeom>
-          <a:solidFill>
-            <a:srgbClr val="FF0000"/>
-          </a:solidFill>
-          <a:ln w="38100">
-            <a:solidFill>
-              <a:schemeClr val="tx1"/>
-            </a:solidFill>
-          </a:ln>
-        </p:spPr>
-        <p:style>
-          <a:lnRef idx="2">
-            <a:schemeClr val="accent1">
-              <a:shade val="50000"/>
-            </a:schemeClr>
-          </a:lnRef>
-          <a:fillRef idx="1">
-            <a:schemeClr val="accent1"/>
-          </a:fillRef>
-          <a:effectRef idx="0">
-            <a:schemeClr val="accent1"/>
-          </a:effectRef>
-          <a:fontRef idx="minor">
-            <a:schemeClr val="lt1"/>
-          </a:fontRef>
-        </p:style>
-        <p:txBody>
-          <a:bodyPr rtlCol="0" anchor="ctr"/>
-          <a:lstStyle/>
-          <a:p>
-            <a:pPr algn="ctr"/>
-            <a:r>
-              <a:rPr kumimoji="1" lang="ko-KR" altLang="en-US" dirty="0" smtClean="0"/>
-              <a:t>궁극기 조작부</a:t>
-            </a:r>
-            <a:endParaRPr kumimoji="1" lang="ko-KR" altLang="en-US" dirty="0"/>
-          </a:p>
-        </p:txBody>
-      </p:sp>
-      <p:sp>
-        <p:nvSpPr>
-          <p:cNvPr id="22" name="모서리가 둥근 직사각형 21"/>
-          <p:cNvSpPr/>
-          <p:nvPr/>
-        </p:nvSpPr>
-        <p:spPr>
-          <a:xfrm>
-            <a:off x="323234" y="4385060"/>
-            <a:ext cx="1914525" cy="758440"/>
-          </a:xfrm>
-          <a:prstGeom prst="roundRect">
-            <a:avLst/>
-          </a:prstGeom>
-          <a:solidFill>
-            <a:schemeClr val="accent2"/>
-          </a:solidFill>
-          <a:ln w="38100">
-            <a:solidFill>
-              <a:schemeClr val="tx1"/>
-            </a:solidFill>
-          </a:ln>
-        </p:spPr>
-        <p:style>
-          <a:lnRef idx="2">
-            <a:schemeClr val="accent1">
-              <a:shade val="50000"/>
-            </a:schemeClr>
-          </a:lnRef>
-          <a:fillRef idx="1">
-            <a:schemeClr val="accent1"/>
-          </a:fillRef>
-          <a:effectRef idx="0">
-            <a:schemeClr val="accent1"/>
-          </a:effectRef>
-          <a:fontRef idx="minor">
-            <a:schemeClr val="lt1"/>
-          </a:fontRef>
-        </p:style>
-        <p:txBody>
-          <a:bodyPr rtlCol="0" anchor="ctr"/>
-          <a:lstStyle/>
-          <a:p>
-            <a:pPr algn="ctr"/>
-            <a:r>
-              <a:rPr kumimoji="1" lang="ko-KR" altLang="en-US" dirty="0" smtClean="0"/>
-              <a:t>회피 </a:t>
-            </a:r>
-            <a:r>
-              <a:rPr kumimoji="1" lang="en-US" altLang="ko-KR" dirty="0" smtClean="0"/>
-              <a:t>/</a:t>
-            </a:r>
-            <a:r>
-              <a:rPr kumimoji="1" lang="ko-KR" altLang="en-US" dirty="0" smtClean="0"/>
-              <a:t> 기본공격</a:t>
-            </a:r>
-            <a:endParaRPr kumimoji="1" lang="en-US" altLang="ko-KR" dirty="0" smtClean="0"/>
-          </a:p>
-          <a:p>
-            <a:pPr algn="ctr"/>
-            <a:r>
-              <a:rPr kumimoji="1" lang="ko-KR" altLang="en-US" dirty="0" smtClean="0"/>
-              <a:t>조작부</a:t>
-            </a:r>
-            <a:endParaRPr kumimoji="1" lang="ko-KR" altLang="en-US" dirty="0"/>
-          </a:p>
-        </p:txBody>
-      </p:sp>
-    </p:spTree>
-    <p:extLst>
-      <p:ext uri="{BB962C8B-B14F-4D97-AF65-F5344CB8AC3E}">
-        <p14:creationId xmlns:p14="http://schemas.microsoft.com/office/powerpoint/2010/main" val="2055646547"/>
-      </p:ext>
-    </p:extLst>
-  </p:cSld>
-  <p:clrMapOvr>
-    <a:masterClrMapping/>
-  </p:clrMapOvr>
-  <p:timing>
-    <p:tnLst>
-      <p:par>
-        <p:cTn id="1" dur="indefinite" restart="never" nodeType="tmRoot"/>
-      </p:par>
-    </p:tnLst>
   </p:timing>
 </p:sld>
 </file>

--- a/documents/노루막이_김형준_신창섭_홍승필_허지훈.pptx
+++ b/documents/노루막이_김형준_신창섭_홍승필_허지훈.pptx
@@ -251,7 +251,7 @@
           <a:p>
             <a:fld id="{C0784820-E37F-9245-812A-8C2941EBBF6C}" type="datetimeFigureOut">
               <a:rPr kumimoji="1" lang="ko-KR" altLang="en-US" smtClean="0"/>
-              <a:t>2016. 12. 13.</a:t>
+              <a:t>2016. 12. 14.</a:t>
             </a:fld>
             <a:endParaRPr kumimoji="1" lang="ko-KR" altLang="en-US"/>
           </a:p>
@@ -416,7 +416,7 @@
           <a:p>
             <a:fld id="{ABD44343-005F-DA4E-8CE2-D84E76ABEFED}" type="datetimeFigureOut">
               <a:rPr kumimoji="1" lang="ko-KR" altLang="en-US" smtClean="0"/>
-              <a:t>2016. 12. 13.</a:t>
+              <a:t>2016. 12. 14.</a:t>
             </a:fld>
             <a:endParaRPr kumimoji="1" lang="ko-KR" altLang="en-US"/>
           </a:p>
@@ -1344,7 +1344,7 @@
           <a:p>
             <a:fld id="{9A7BEA77-FCFD-E34F-8955-12C1E82451E3}" type="datetimeFigureOut">
               <a:rPr kumimoji="1" lang="ko-KR" altLang="en-US" smtClean="0"/>
-              <a:t>2016. 12. 13.</a:t>
+              <a:t>2016. 12. 14.</a:t>
             </a:fld>
             <a:endParaRPr kumimoji="1" lang="ko-KR" altLang="en-US"/>
           </a:p>
@@ -1512,7 +1512,7 @@
           <a:p>
             <a:fld id="{9A7BEA77-FCFD-E34F-8955-12C1E82451E3}" type="datetimeFigureOut">
               <a:rPr kumimoji="1" lang="ko-KR" altLang="en-US" smtClean="0"/>
-              <a:t>2016. 12. 13.</a:t>
+              <a:t>2016. 12. 14.</a:t>
             </a:fld>
             <a:endParaRPr kumimoji="1" lang="ko-KR" altLang="en-US"/>
           </a:p>
@@ -1690,7 +1690,7 @@
           <a:p>
             <a:fld id="{9A7BEA77-FCFD-E34F-8955-12C1E82451E3}" type="datetimeFigureOut">
               <a:rPr kumimoji="1" lang="ko-KR" altLang="en-US" smtClean="0"/>
-              <a:t>2016. 12. 13.</a:t>
+              <a:t>2016. 12. 14.</a:t>
             </a:fld>
             <a:endParaRPr kumimoji="1" lang="ko-KR" altLang="en-US"/>
           </a:p>
@@ -1858,7 +1858,7 @@
           <a:p>
             <a:fld id="{9A7BEA77-FCFD-E34F-8955-12C1E82451E3}" type="datetimeFigureOut">
               <a:rPr kumimoji="1" lang="ko-KR" altLang="en-US" smtClean="0"/>
-              <a:t>2016. 12. 13.</a:t>
+              <a:t>2016. 12. 14.</a:t>
             </a:fld>
             <a:endParaRPr kumimoji="1" lang="ko-KR" altLang="en-US"/>
           </a:p>
@@ -2103,7 +2103,7 @@
           <a:p>
             <a:fld id="{9A7BEA77-FCFD-E34F-8955-12C1E82451E3}" type="datetimeFigureOut">
               <a:rPr kumimoji="1" lang="ko-KR" altLang="en-US" smtClean="0"/>
-              <a:t>2016. 12. 13.</a:t>
+              <a:t>2016. 12. 14.</a:t>
             </a:fld>
             <a:endParaRPr kumimoji="1" lang="ko-KR" altLang="en-US"/>
           </a:p>
@@ -2332,7 +2332,7 @@
           <a:p>
             <a:fld id="{9A7BEA77-FCFD-E34F-8955-12C1E82451E3}" type="datetimeFigureOut">
               <a:rPr kumimoji="1" lang="ko-KR" altLang="en-US" smtClean="0"/>
-              <a:t>2016. 12. 13.</a:t>
+              <a:t>2016. 12. 14.</a:t>
             </a:fld>
             <a:endParaRPr kumimoji="1" lang="ko-KR" altLang="en-US"/>
           </a:p>
@@ -2696,7 +2696,7 @@
           <a:p>
             <a:fld id="{9A7BEA77-FCFD-E34F-8955-12C1E82451E3}" type="datetimeFigureOut">
               <a:rPr kumimoji="1" lang="ko-KR" altLang="en-US" smtClean="0"/>
-              <a:t>2016. 12. 13.</a:t>
+              <a:t>2016. 12. 14.</a:t>
             </a:fld>
             <a:endParaRPr kumimoji="1" lang="ko-KR" altLang="en-US"/>
           </a:p>
@@ -2813,7 +2813,7 @@
           <a:p>
             <a:fld id="{9A7BEA77-FCFD-E34F-8955-12C1E82451E3}" type="datetimeFigureOut">
               <a:rPr kumimoji="1" lang="ko-KR" altLang="en-US" smtClean="0"/>
-              <a:t>2016. 12. 13.</a:t>
+              <a:t>2016. 12. 14.</a:t>
             </a:fld>
             <a:endParaRPr kumimoji="1" lang="ko-KR" altLang="en-US"/>
           </a:p>
@@ -2908,7 +2908,7 @@
           <a:p>
             <a:fld id="{9A7BEA77-FCFD-E34F-8955-12C1E82451E3}" type="datetimeFigureOut">
               <a:rPr kumimoji="1" lang="ko-KR" altLang="en-US" smtClean="0"/>
-              <a:t>2016. 12. 13.</a:t>
+              <a:t>2016. 12. 14.</a:t>
             </a:fld>
             <a:endParaRPr kumimoji="1" lang="ko-KR" altLang="en-US"/>
           </a:p>
@@ -3183,7 +3183,7 @@
           <a:p>
             <a:fld id="{9A7BEA77-FCFD-E34F-8955-12C1E82451E3}" type="datetimeFigureOut">
               <a:rPr kumimoji="1" lang="ko-KR" altLang="en-US" smtClean="0"/>
-              <a:t>2016. 12. 13.</a:t>
+              <a:t>2016. 12. 14.</a:t>
             </a:fld>
             <a:endParaRPr kumimoji="1" lang="ko-KR" altLang="en-US"/>
           </a:p>
@@ -3435,7 +3435,7 @@
           <a:p>
             <a:fld id="{9A7BEA77-FCFD-E34F-8955-12C1E82451E3}" type="datetimeFigureOut">
               <a:rPr kumimoji="1" lang="ko-KR" altLang="en-US" smtClean="0"/>
-              <a:t>2016. 12. 13.</a:t>
+              <a:t>2016. 12. 14.</a:t>
             </a:fld>
             <a:endParaRPr kumimoji="1" lang="ko-KR" altLang="en-US"/>
           </a:p>
@@ -3646,7 +3646,7 @@
           <a:p>
             <a:fld id="{9A7BEA77-FCFD-E34F-8955-12C1E82451E3}" type="datetimeFigureOut">
               <a:rPr kumimoji="1" lang="ko-KR" altLang="en-US" smtClean="0"/>
-              <a:t>2016. 12. 13.</a:t>
+              <a:t>2016. 12. 14.</a:t>
             </a:fld>
             <a:endParaRPr kumimoji="1" lang="ko-KR" altLang="en-US"/>
           </a:p>
@@ -15740,11 +15740,6 @@
               </a:rPr>
               <a:t>Window 10</a:t>
             </a:r>
-            <a:endParaRPr lang="en-US" altLang="ko-KR" sz="2800" b="1" dirty="0" smtClean="0">
-              <a:solidFill>
-                <a:schemeClr val="bg1"/>
-              </a:solidFill>
-            </a:endParaRPr>
           </a:p>
           <a:p>
             <a:pPr algn="ctr">
@@ -17784,7 +17779,7 @@
         <p:spPr>
           <a:xfrm>
             <a:off x="268941" y="333127"/>
-            <a:ext cx="1210588" cy="707886"/>
+            <a:ext cx="3315331" cy="707886"/>
           </a:xfrm>
           <a:prstGeom prst="rect">
             <a:avLst/>
@@ -17798,13 +17793,34 @@
           <a:lstStyle/>
           <a:p>
             <a:r>
-              <a:rPr kumimoji="1" lang="ko-KR" altLang="en-US" sz="4000" dirty="0">
+              <a:rPr kumimoji="1" lang="ko-KR" altLang="en-US" sz="4000" dirty="0" smtClean="0">
                 <a:solidFill>
                   <a:schemeClr val="bg1"/>
                 </a:solidFill>
               </a:rPr>
-              <a:t>기획</a:t>
-            </a:r>
+              <a:t>기획 </a:t>
+            </a:r>
+            <a:r>
+              <a:rPr kumimoji="1" lang="en-US" altLang="ko-KR" sz="4000" smtClean="0">
+                <a:solidFill>
+                  <a:schemeClr val="bg1"/>
+                </a:solidFill>
+              </a:rPr>
+              <a:t>/</a:t>
+            </a:r>
+            <a:r>
+              <a:rPr kumimoji="1" lang="ko-KR" altLang="en-US" sz="4000" smtClean="0">
+                <a:solidFill>
+                  <a:schemeClr val="bg1"/>
+                </a:solidFill>
+              </a:rPr>
+              <a:t> 그래픽</a:t>
+            </a:r>
+            <a:endParaRPr kumimoji="1" lang="ko-KR" altLang="en-US" sz="4000" dirty="0">
+              <a:solidFill>
+                <a:schemeClr val="bg1"/>
+              </a:solidFill>
+            </a:endParaRPr>
           </a:p>
         </p:txBody>
       </p:sp>
@@ -20540,15 +20556,7 @@
                   <a:schemeClr val="bg1"/>
                 </a:solidFill>
               </a:rPr>
-              <a:t>사운드 </a:t>
-            </a:r>
-            <a:r>
-              <a:rPr kumimoji="1" lang="ko-KR" altLang="en-US" sz="1400" dirty="0" smtClean="0">
-                <a:solidFill>
-                  <a:schemeClr val="bg1"/>
-                </a:solidFill>
-              </a:rPr>
-              <a:t>삽입</a:t>
+              <a:t>사운드 삽입</a:t>
             </a:r>
             <a:endParaRPr kumimoji="1" lang="ko-KR" altLang="en-US" sz="1400" dirty="0">
               <a:solidFill>

--- a/documents/노루막이_김형준_신창섭_홍승필_허지훈.pptx
+++ b/documents/노루막이_김형준_신창섭_홍승필_허지훈.pptx
@@ -251,7 +251,7 @@
           <a:p>
             <a:fld id="{C0784820-E37F-9245-812A-8C2941EBBF6C}" type="datetimeFigureOut">
               <a:rPr kumimoji="1" lang="ko-KR" altLang="en-US" smtClean="0"/>
-              <a:t>2016. 12. 14.</a:t>
+              <a:t>2016-12-16</a:t>
             </a:fld>
             <a:endParaRPr kumimoji="1" lang="ko-KR" altLang="en-US"/>
           </a:p>
@@ -416,7 +416,7 @@
           <a:p>
             <a:fld id="{ABD44343-005F-DA4E-8CE2-D84E76ABEFED}" type="datetimeFigureOut">
               <a:rPr kumimoji="1" lang="ko-KR" altLang="en-US" smtClean="0"/>
-              <a:t>2016. 12. 14.</a:t>
+              <a:t>2016-12-16</a:t>
             </a:fld>
             <a:endParaRPr kumimoji="1" lang="ko-KR" altLang="en-US"/>
           </a:p>
@@ -728,31 +728,31 @@
           <a:lstStyle/>
           <a:p>
             <a:r>
-              <a:rPr kumimoji="1" lang="ko-KR" altLang="en-US" dirty="0" smtClean="0"/>
+              <a:rPr kumimoji="1" lang="ko-KR" altLang="en-US" dirty="0"/>
               <a:t>안녕 친구들</a:t>
             </a:r>
             <a:r>
-              <a:rPr kumimoji="1" lang="en-US" altLang="ko-KR" dirty="0" smtClean="0"/>
+              <a:rPr kumimoji="1" lang="en-US" altLang="ko-KR" dirty="0"/>
               <a:t>.</a:t>
             </a:r>
           </a:p>
           <a:p>
             <a:r>
-              <a:rPr kumimoji="1" lang="ko-KR" altLang="en-US" dirty="0" smtClean="0"/>
+              <a:rPr kumimoji="1" lang="ko-KR" altLang="en-US" dirty="0"/>
               <a:t>우리는 졸작팀 편돌이에요</a:t>
             </a:r>
             <a:r>
-              <a:rPr kumimoji="1" lang="en-US" altLang="ko-KR" dirty="0" smtClean="0"/>
+              <a:rPr kumimoji="1" lang="en-US" altLang="ko-KR" dirty="0"/>
               <a:t>.</a:t>
             </a:r>
           </a:p>
           <a:p>
             <a:r>
-              <a:rPr kumimoji="1" lang="ko-KR" altLang="en-US" dirty="0" smtClean="0"/>
+              <a:rPr kumimoji="1" lang="ko-KR" altLang="en-US" dirty="0"/>
               <a:t>게임 타이틀은 노루막이에요</a:t>
             </a:r>
             <a:r>
-              <a:rPr kumimoji="1" lang="en-US" altLang="ko-KR" dirty="0" smtClean="0"/>
+              <a:rPr kumimoji="1" lang="en-US" altLang="ko-KR" dirty="0"/>
               <a:t>.</a:t>
             </a:r>
             <a:endParaRPr kumimoji="1" lang="ko-KR" altLang="en-US" dirty="0"/>
@@ -1344,7 +1344,7 @@
           <a:p>
             <a:fld id="{9A7BEA77-FCFD-E34F-8955-12C1E82451E3}" type="datetimeFigureOut">
               <a:rPr kumimoji="1" lang="ko-KR" altLang="en-US" smtClean="0"/>
-              <a:t>2016. 12. 14.</a:t>
+              <a:t>2016-12-16</a:t>
             </a:fld>
             <a:endParaRPr kumimoji="1" lang="ko-KR" altLang="en-US"/>
           </a:p>
@@ -1512,7 +1512,7 @@
           <a:p>
             <a:fld id="{9A7BEA77-FCFD-E34F-8955-12C1E82451E3}" type="datetimeFigureOut">
               <a:rPr kumimoji="1" lang="ko-KR" altLang="en-US" smtClean="0"/>
-              <a:t>2016. 12. 14.</a:t>
+              <a:t>2016-12-16</a:t>
             </a:fld>
             <a:endParaRPr kumimoji="1" lang="ko-KR" altLang="en-US"/>
           </a:p>
@@ -1690,7 +1690,7 @@
           <a:p>
             <a:fld id="{9A7BEA77-FCFD-E34F-8955-12C1E82451E3}" type="datetimeFigureOut">
               <a:rPr kumimoji="1" lang="ko-KR" altLang="en-US" smtClean="0"/>
-              <a:t>2016. 12. 14.</a:t>
+              <a:t>2016-12-16</a:t>
             </a:fld>
             <a:endParaRPr kumimoji="1" lang="ko-KR" altLang="en-US"/>
           </a:p>
@@ -1858,7 +1858,7 @@
           <a:p>
             <a:fld id="{9A7BEA77-FCFD-E34F-8955-12C1E82451E3}" type="datetimeFigureOut">
               <a:rPr kumimoji="1" lang="ko-KR" altLang="en-US" smtClean="0"/>
-              <a:t>2016. 12. 14.</a:t>
+              <a:t>2016-12-16</a:t>
             </a:fld>
             <a:endParaRPr kumimoji="1" lang="ko-KR" altLang="en-US"/>
           </a:p>
@@ -2103,7 +2103,7 @@
           <a:p>
             <a:fld id="{9A7BEA77-FCFD-E34F-8955-12C1E82451E3}" type="datetimeFigureOut">
               <a:rPr kumimoji="1" lang="ko-KR" altLang="en-US" smtClean="0"/>
-              <a:t>2016. 12. 14.</a:t>
+              <a:t>2016-12-16</a:t>
             </a:fld>
             <a:endParaRPr kumimoji="1" lang="ko-KR" altLang="en-US"/>
           </a:p>
@@ -2332,7 +2332,7 @@
           <a:p>
             <a:fld id="{9A7BEA77-FCFD-E34F-8955-12C1E82451E3}" type="datetimeFigureOut">
               <a:rPr kumimoji="1" lang="ko-KR" altLang="en-US" smtClean="0"/>
-              <a:t>2016. 12. 14.</a:t>
+              <a:t>2016-12-16</a:t>
             </a:fld>
             <a:endParaRPr kumimoji="1" lang="ko-KR" altLang="en-US"/>
           </a:p>
@@ -2696,7 +2696,7 @@
           <a:p>
             <a:fld id="{9A7BEA77-FCFD-E34F-8955-12C1E82451E3}" type="datetimeFigureOut">
               <a:rPr kumimoji="1" lang="ko-KR" altLang="en-US" smtClean="0"/>
-              <a:t>2016. 12. 14.</a:t>
+              <a:t>2016-12-16</a:t>
             </a:fld>
             <a:endParaRPr kumimoji="1" lang="ko-KR" altLang="en-US"/>
           </a:p>
@@ -2813,7 +2813,7 @@
           <a:p>
             <a:fld id="{9A7BEA77-FCFD-E34F-8955-12C1E82451E3}" type="datetimeFigureOut">
               <a:rPr kumimoji="1" lang="ko-KR" altLang="en-US" smtClean="0"/>
-              <a:t>2016. 12. 14.</a:t>
+              <a:t>2016-12-16</a:t>
             </a:fld>
             <a:endParaRPr kumimoji="1" lang="ko-KR" altLang="en-US"/>
           </a:p>
@@ -2908,7 +2908,7 @@
           <a:p>
             <a:fld id="{9A7BEA77-FCFD-E34F-8955-12C1E82451E3}" type="datetimeFigureOut">
               <a:rPr kumimoji="1" lang="ko-KR" altLang="en-US" smtClean="0"/>
-              <a:t>2016. 12. 14.</a:t>
+              <a:t>2016-12-16</a:t>
             </a:fld>
             <a:endParaRPr kumimoji="1" lang="ko-KR" altLang="en-US"/>
           </a:p>
@@ -3183,7 +3183,7 @@
           <a:p>
             <a:fld id="{9A7BEA77-FCFD-E34F-8955-12C1E82451E3}" type="datetimeFigureOut">
               <a:rPr kumimoji="1" lang="ko-KR" altLang="en-US" smtClean="0"/>
-              <a:t>2016. 12. 14.</a:t>
+              <a:t>2016-12-16</a:t>
             </a:fld>
             <a:endParaRPr kumimoji="1" lang="ko-KR" altLang="en-US"/>
           </a:p>
@@ -3435,7 +3435,7 @@
           <a:p>
             <a:fld id="{9A7BEA77-FCFD-E34F-8955-12C1E82451E3}" type="datetimeFigureOut">
               <a:rPr kumimoji="1" lang="ko-KR" altLang="en-US" smtClean="0"/>
-              <a:t>2016. 12. 14.</a:t>
+              <a:t>2016-12-16</a:t>
             </a:fld>
             <a:endParaRPr kumimoji="1" lang="ko-KR" altLang="en-US"/>
           </a:p>
@@ -3646,7 +3646,7 @@
           <a:p>
             <a:fld id="{9A7BEA77-FCFD-E34F-8955-12C1E82451E3}" type="datetimeFigureOut">
               <a:rPr kumimoji="1" lang="ko-KR" altLang="en-US" smtClean="0"/>
-              <a:t>2016. 12. 14.</a:t>
+              <a:t>2016-12-16</a:t>
             </a:fld>
             <a:endParaRPr kumimoji="1" lang="ko-KR" altLang="en-US"/>
           </a:p>
@@ -4089,7 +4089,7 @@
         </p:nvSpPr>
         <p:spPr>
           <a:xfrm>
-            <a:off x="278779" y="354378"/>
+            <a:off x="278779" y="2696378"/>
             <a:ext cx="4445622" cy="910542"/>
           </a:xfrm>
           <a:prstGeom prst="parallelogram">
@@ -4154,7 +4154,7 @@
         </p:nvSpPr>
         <p:spPr>
           <a:xfrm>
-            <a:off x="1182029" y="-1877046"/>
+            <a:off x="1182029" y="464954"/>
             <a:ext cx="184731" cy="369332"/>
           </a:xfrm>
           <a:prstGeom prst="rect">
@@ -4180,7 +4180,7 @@
         </p:nvSpPr>
         <p:spPr>
           <a:xfrm>
-            <a:off x="278780" y="1264919"/>
+            <a:off x="278780" y="3606919"/>
             <a:ext cx="1918010" cy="633103"/>
           </a:xfrm>
           <a:prstGeom prst="parallelogram">
@@ -4229,8 +4229,8 @@
         </p:nvSpPr>
         <p:spPr>
           <a:xfrm>
-            <a:off x="2044700" y="1264920"/>
-            <a:ext cx="8648700" cy="620146"/>
+            <a:off x="2044700" y="3606920"/>
+            <a:ext cx="6794500" cy="620146"/>
           </a:xfrm>
           <a:prstGeom prst="parallelogram">
             <a:avLst/>
@@ -4316,7 +4316,7 @@
         </p:nvSpPr>
         <p:spPr>
           <a:xfrm>
-            <a:off x="278780" y="1889473"/>
+            <a:off x="278780" y="4231473"/>
             <a:ext cx="1918010" cy="633103"/>
           </a:xfrm>
           <a:prstGeom prst="parallelogram">
@@ -4365,8 +4365,8 @@
         </p:nvSpPr>
         <p:spPr>
           <a:xfrm>
-            <a:off x="2043249" y="1889473"/>
-            <a:ext cx="8497751" cy="620554"/>
+            <a:off x="2043249" y="4231473"/>
+            <a:ext cx="6589961" cy="620554"/>
           </a:xfrm>
           <a:prstGeom prst="parallelogram">
             <a:avLst/>
@@ -4418,7 +4418,7 @@
               <a:t> 게임공학과 </a:t>
             </a:r>
             <a:r>
-              <a:rPr lang="en-US" altLang="ko-KR" sz="2400" dirty="0" smtClean="0">
+              <a:rPr lang="en-US" altLang="ko-KR" sz="2400" dirty="0">
                 <a:solidFill>
                   <a:prstClr val="white">
                     <a:lumMod val="50000"/>
@@ -4445,7 +4445,7 @@
         </p:nvSpPr>
         <p:spPr>
           <a:xfrm>
-            <a:off x="278780" y="2503141"/>
+            <a:off x="278780" y="4845141"/>
             <a:ext cx="1918010" cy="633103"/>
           </a:xfrm>
           <a:prstGeom prst="parallelogram">
@@ -4494,8 +4494,8 @@
         </p:nvSpPr>
         <p:spPr>
           <a:xfrm>
-            <a:off x="2032955" y="2503141"/>
-            <a:ext cx="8355645" cy="627371"/>
+            <a:off x="2032956" y="4845141"/>
+            <a:ext cx="6447854" cy="627371"/>
           </a:xfrm>
           <a:prstGeom prst="parallelogram">
             <a:avLst/>
@@ -4574,8 +4574,8 @@
         </p:nvSpPr>
         <p:spPr>
           <a:xfrm>
-            <a:off x="1880555" y="3130512"/>
-            <a:ext cx="8355645" cy="1085475"/>
+            <a:off x="1880556" y="5472512"/>
+            <a:ext cx="6439480" cy="1085475"/>
           </a:xfrm>
           <a:prstGeom prst="parallelogram">
             <a:avLst/>
@@ -4607,7 +4607,7 @@
           <a:bodyPr lIns="0" tIns="0" rIns="0" bIns="0" rtlCol="0" anchor="ctr"/>
           <a:lstStyle/>
           <a:p>
-            <a:pPr lvl="0"/>
+            <a:pPr lvl="0" algn="ctr"/>
             <a:r>
               <a:rPr lang="ko-KR" altLang="en-US" sz="3200" dirty="0">
                 <a:solidFill>
@@ -4624,7 +4624,7 @@
                   </a:schemeClr>
                 </a:solidFill>
               </a:rPr>
-              <a:t> 엔터테인먼트 컴퓨팅학과 </a:t>
+              <a:t> 엔터테인먼트 컴퓨팅학과                          </a:t>
             </a:r>
             <a:r>
               <a:rPr lang="en-US" altLang="ko-KR" sz="2400" dirty="0">
@@ -4654,7 +4654,7 @@
         </p:nvSpPr>
         <p:spPr>
           <a:xfrm>
-            <a:off x="278780" y="3130512"/>
+            <a:off x="278780" y="5472512"/>
             <a:ext cx="1918010" cy="1085475"/>
           </a:xfrm>
           <a:prstGeom prst="parallelogram">
@@ -4689,25 +4689,21 @@
           <a:p>
             <a:pPr algn="ctr"/>
             <a:r>
-              <a:rPr kumimoji="1" lang="ko-KR" altLang="en-US" sz="2800" dirty="0" smtClean="0"/>
-              <a:t>기획</a:t>
-            </a:r>
-            <a:r>
               <a:rPr kumimoji="1" lang="ko-KR" altLang="en-US" sz="2800" dirty="0"/>
-              <a:t> </a:t>
-            </a:r>
-            <a:r>
-              <a:rPr kumimoji="1" lang="en-US" altLang="ko-KR" sz="2800" dirty="0" smtClean="0"/>
+              <a:t>기획 </a:t>
+            </a:r>
+            <a:r>
+              <a:rPr kumimoji="1" lang="en-US" altLang="ko-KR" sz="2800" dirty="0"/>
               <a:t>/</a:t>
             </a:r>
           </a:p>
           <a:p>
             <a:pPr algn="ctr"/>
             <a:r>
-              <a:rPr kumimoji="1" lang="ko-KR" altLang="en-US" sz="2800" dirty="0" smtClean="0"/>
+              <a:rPr kumimoji="1" lang="ko-KR" altLang="en-US" sz="2800" dirty="0"/>
               <a:t>그래픽</a:t>
             </a:r>
-            <a:endParaRPr kumimoji="1" lang="en-US" altLang="ko-KR" sz="2800" dirty="0" smtClean="0"/>
+            <a:endParaRPr kumimoji="1" lang="en-US" altLang="ko-KR" sz="2800" dirty="0"/>
           </a:p>
         </p:txBody>
       </p:sp>
@@ -4719,8 +4715,8 @@
         </p:nvSpPr>
         <p:spPr>
           <a:xfrm>
-            <a:off x="6200031" y="4215987"/>
-            <a:ext cx="3775015" cy="633103"/>
+            <a:off x="8634614" y="3593963"/>
+            <a:ext cx="2965687" cy="633103"/>
           </a:xfrm>
           <a:prstGeom prst="parallelogram">
             <a:avLst/>
@@ -4756,18 +4752,13 @@
           <a:p>
             <a:pPr algn="ctr"/>
             <a:r>
-              <a:rPr kumimoji="1" lang="ko-KR" altLang="en-US" sz="2800" dirty="0" smtClean="0">
+              <a:rPr kumimoji="1" lang="ko-KR" altLang="en-US" sz="2400" dirty="0">
                 <a:solidFill>
                   <a:schemeClr val="bg1"/>
                 </a:solidFill>
               </a:rPr>
               <a:t>지도교수 서명</a:t>
             </a:r>
-            <a:endParaRPr kumimoji="1" lang="ko-KR" altLang="en-US" sz="2800" dirty="0">
-              <a:solidFill>
-                <a:schemeClr val="bg1"/>
-              </a:solidFill>
-            </a:endParaRPr>
           </a:p>
         </p:txBody>
       </p:sp>
@@ -4779,8 +4770,8 @@
         </p:nvSpPr>
         <p:spPr>
           <a:xfrm>
-            <a:off x="5779862" y="4862373"/>
-            <a:ext cx="4033820" cy="1652528"/>
+            <a:off x="8048731" y="4215988"/>
+            <a:ext cx="3386294" cy="2342000"/>
           </a:xfrm>
           <a:prstGeom prst="parallelogram">
             <a:avLst/>
@@ -4829,7 +4820,7 @@
         </p:nvSpPr>
         <p:spPr>
           <a:xfrm>
-            <a:off x="4535015" y="843153"/>
+            <a:off x="4535015" y="3185153"/>
             <a:ext cx="4570482" cy="369332"/>
           </a:xfrm>
           <a:prstGeom prst="rect">
@@ -4844,7 +4835,7 @@
           <a:lstStyle/>
           <a:p>
             <a:r>
-              <a:rPr kumimoji="1" lang="ko-KR" altLang="en-US" dirty="0" smtClean="0">
+              <a:rPr kumimoji="1" lang="ko-KR" altLang="en-US" dirty="0">
                 <a:solidFill>
                   <a:schemeClr val="bg1">
                     <a:lumMod val="50000"/>
@@ -4854,7 +4845,7 @@
               <a:t>애니메이션이 포함된 프리젠테이션입니다</a:t>
             </a:r>
             <a:r>
-              <a:rPr kumimoji="1" lang="en-US" altLang="ko-KR" dirty="0" smtClean="0">
+              <a:rPr kumimoji="1" lang="en-US" altLang="ko-KR" dirty="0">
                 <a:solidFill>
                   <a:schemeClr val="bg1">
                     <a:lumMod val="50000"/>
@@ -5564,7 +5555,7 @@
                                 </p:cTn>
                               </p:par>
                               <p:par>
-                                <p:cTn id="41" presetID="2" presetClass="entr" presetSubtype="8" fill="hold" grpId="0" nodeType="withEffect">
+                                <p:cTn id="41" presetID="2" presetClass="entr" presetSubtype="2" fill="hold" grpId="0" nodeType="withEffect">
                                   <p:stCondLst>
                                     <p:cond delay="2000"/>
                                   </p:stCondLst>
@@ -5600,7 +5591,7 @@
                                       <p:tavLst>
                                         <p:tav tm="0">
                                           <p:val>
-                                            <p:strVal val="0-#ppt_w/2"/>
+                                            <p:strVal val="1+#ppt_w/2"/>
                                           </p:val>
                                         </p:tav>
                                         <p:tav tm="100000">
@@ -5637,7 +5628,7 @@
                                 </p:cTn>
                               </p:par>
                               <p:par>
-                                <p:cTn id="45" presetID="2" presetClass="entr" presetSubtype="8" fill="hold" grpId="0" nodeType="withEffect">
+                                <p:cTn id="45" presetID="2" presetClass="entr" presetSubtype="2" fill="hold" grpId="0" nodeType="withEffect">
                                   <p:stCondLst>
                                     <p:cond delay="2000"/>
                                   </p:stCondLst>
@@ -5673,7 +5664,7 @@
                                       <p:tavLst>
                                         <p:tav tm="0">
                                           <p:val>
-                                            <p:strVal val="0-#ppt_w/2"/>
+                                            <p:strVal val="1+#ppt_w/2"/>
                                           </p:val>
                                         </p:tav>
                                         <p:tav tm="100000">
@@ -5812,7 +5803,7 @@
           <a:lstStyle/>
           <a:p>
             <a:r>
-              <a:rPr lang="ko-KR" altLang="en-US" sz="4000" smtClean="0">
+              <a:rPr lang="ko-KR" altLang="en-US" sz="4000">
                 <a:solidFill>
                   <a:schemeClr val="bg1"/>
                 </a:solidFill>
@@ -5820,7 +5811,7 @@
               <a:t>기본 조작</a:t>
             </a:r>
             <a:r>
-              <a:rPr lang="en-US" altLang="ko-KR" sz="4000" smtClean="0">
+              <a:rPr lang="en-US" altLang="ko-KR" sz="4000">
                 <a:solidFill>
                   <a:schemeClr val="bg1"/>
                 </a:solidFill>
@@ -5828,7 +5819,7 @@
               <a:t>(</a:t>
             </a:r>
             <a:r>
-              <a:rPr lang="ko-KR" altLang="en-US" sz="4000" smtClean="0">
+              <a:rPr lang="ko-KR" altLang="en-US" sz="4000">
                 <a:solidFill>
                   <a:schemeClr val="bg1"/>
                 </a:solidFill>
@@ -5836,7 +5827,7 @@
               <a:t>예상도</a:t>
             </a:r>
             <a:r>
-              <a:rPr lang="en-US" altLang="ko-KR" sz="4000" smtClean="0">
+              <a:rPr lang="en-US" altLang="ko-KR" sz="4000">
                 <a:solidFill>
                   <a:schemeClr val="bg1"/>
                 </a:solidFill>
@@ -6179,10 +6170,9 @@
           <a:p>
             <a:pPr algn="ctr"/>
             <a:r>
-              <a:rPr kumimoji="1" lang="ko-KR" altLang="en-US" smtClean="0"/>
+              <a:rPr kumimoji="1" lang="ko-KR" altLang="en-US"/>
               <a:t>이동 조작부</a:t>
             </a:r>
-            <a:endParaRPr kumimoji="1" lang="ko-KR" altLang="en-US"/>
           </a:p>
         </p:txBody>
       </p:sp>
@@ -6231,10 +6221,9 @@
           <a:p>
             <a:pPr algn="ctr"/>
             <a:r>
-              <a:rPr kumimoji="1" lang="ko-KR" altLang="en-US" dirty="0" smtClean="0"/>
+              <a:rPr kumimoji="1" lang="ko-KR" altLang="en-US" dirty="0"/>
               <a:t>스킬 조작부</a:t>
             </a:r>
-            <a:endParaRPr kumimoji="1" lang="ko-KR" altLang="en-US" dirty="0"/>
           </a:p>
         </p:txBody>
       </p:sp>
@@ -6283,10 +6272,9 @@
           <a:p>
             <a:pPr algn="ctr"/>
             <a:r>
-              <a:rPr kumimoji="1" lang="ko-KR" altLang="en-US" dirty="0" smtClean="0"/>
+              <a:rPr kumimoji="1" lang="ko-KR" altLang="en-US" dirty="0"/>
               <a:t>궁극기 조작부</a:t>
             </a:r>
-            <a:endParaRPr kumimoji="1" lang="ko-KR" altLang="en-US" dirty="0"/>
           </a:p>
         </p:txBody>
       </p:sp>
@@ -6335,26 +6323,25 @@
           <a:p>
             <a:pPr algn="ctr"/>
             <a:r>
-              <a:rPr kumimoji="1" lang="ko-KR" altLang="en-US" dirty="0" smtClean="0"/>
+              <a:rPr kumimoji="1" lang="ko-KR" altLang="en-US" dirty="0"/>
               <a:t>회피 </a:t>
             </a:r>
             <a:r>
-              <a:rPr kumimoji="1" lang="en-US" altLang="ko-KR" dirty="0" smtClean="0"/>
+              <a:rPr kumimoji="1" lang="en-US" altLang="ko-KR" dirty="0"/>
               <a:t>/</a:t>
             </a:r>
             <a:r>
-              <a:rPr kumimoji="1" lang="ko-KR" altLang="en-US" dirty="0" smtClean="0"/>
+              <a:rPr kumimoji="1" lang="ko-KR" altLang="en-US" dirty="0"/>
               <a:t> 기본공격</a:t>
             </a:r>
-            <a:endParaRPr kumimoji="1" lang="en-US" altLang="ko-KR" dirty="0" smtClean="0"/>
+            <a:endParaRPr kumimoji="1" lang="en-US" altLang="ko-KR" dirty="0"/>
           </a:p>
           <a:p>
             <a:pPr algn="ctr"/>
             <a:r>
-              <a:rPr kumimoji="1" lang="ko-KR" altLang="en-US" dirty="0" smtClean="0"/>
+              <a:rPr kumimoji="1" lang="ko-KR" altLang="en-US" dirty="0"/>
               <a:t>조작부</a:t>
             </a:r>
-            <a:endParaRPr kumimoji="1" lang="ko-KR" altLang="en-US" dirty="0"/>
           </a:p>
         </p:txBody>
       </p:sp>
@@ -6368,13 +6355,6 @@
   <p:clrMapOvr>
     <a:masterClrMapping/>
   </p:clrMapOvr>
-  <p:timing>
-    <p:tnLst>
-      <p:par>
-        <p:cTn id="1" dur="indefinite" restart="never" nodeType="tmRoot"/>
-      </p:par>
-    </p:tnLst>
-  </p:timing>
 </p:sld>
 </file>
 
@@ -6455,23 +6435,23 @@
           <a:p>
             <a:pPr algn="ctr"/>
             <a:r>
-              <a:rPr kumimoji="1" lang="ko-KR" altLang="en-US" sz="4000" dirty="0" smtClean="0"/>
+              <a:rPr kumimoji="1" lang="ko-KR" altLang="en-US" sz="4000" dirty="0"/>
               <a:t>마을에서 출발해서 특정 던전의 보스를</a:t>
             </a:r>
-            <a:endParaRPr kumimoji="1" lang="en-US" altLang="ko-KR" sz="4000" dirty="0" smtClean="0"/>
+            <a:endParaRPr kumimoji="1" lang="en-US" altLang="ko-KR" sz="4000" dirty="0"/>
           </a:p>
           <a:p>
             <a:pPr algn="ctr"/>
             <a:r>
-              <a:rPr kumimoji="1" lang="ko-KR" altLang="en-US" sz="4000" dirty="0" smtClean="0"/>
+              <a:rPr kumimoji="1" lang="ko-KR" altLang="en-US" sz="4000" dirty="0"/>
               <a:t>잡는 것까지의 제작 과정</a:t>
             </a:r>
-            <a:endParaRPr kumimoji="1" lang="en-US" altLang="ko-KR" sz="4000" dirty="0" smtClean="0"/>
+            <a:endParaRPr kumimoji="1" lang="en-US" altLang="ko-KR" sz="4000" dirty="0"/>
           </a:p>
           <a:p>
             <a:pPr algn="ctr"/>
             <a:r>
-              <a:rPr kumimoji="1" lang="ko-KR" altLang="en-US" sz="2000" dirty="0" smtClean="0">
+              <a:rPr kumimoji="1" lang="ko-KR" altLang="en-US" sz="2000" dirty="0">
                 <a:solidFill>
                   <a:schemeClr val="bg1">
                     <a:lumMod val="75000"/>
@@ -6481,7 +6461,7 @@
               <a:t>기획 기간 동안 재미의 검증</a:t>
             </a:r>
             <a:r>
-              <a:rPr kumimoji="1" lang="en-US" altLang="ko-KR" sz="2000" dirty="0" smtClean="0">
+              <a:rPr kumimoji="1" lang="en-US" altLang="ko-KR" sz="2000" dirty="0">
                 <a:solidFill>
                   <a:schemeClr val="bg1">
                     <a:lumMod val="75000"/>
@@ -6491,7 +6471,7 @@
               <a:t>,</a:t>
             </a:r>
             <a:r>
-              <a:rPr kumimoji="1" lang="ko-KR" altLang="en-US" sz="2000" dirty="0" smtClean="0">
+              <a:rPr kumimoji="1" lang="ko-KR" altLang="en-US" sz="2000" dirty="0">
                 <a:solidFill>
                   <a:schemeClr val="bg1">
                     <a:lumMod val="75000"/>
@@ -6500,13 +6480,6 @@
               </a:rPr>
               <a:t> 기술적 난이도 확인</a:t>
             </a:r>
-            <a:endParaRPr kumimoji="1" lang="ko-KR" altLang="en-US" sz="2000" dirty="0">
-              <a:solidFill>
-                <a:schemeClr val="bg1">
-                  <a:lumMod val="75000"/>
-                </a:schemeClr>
-              </a:solidFill>
-            </a:endParaRPr>
           </a:p>
         </p:txBody>
       </p:sp>
@@ -7392,7 +7365,7 @@
           <a:p>
             <a:pPr algn="ctr"/>
             <a:r>
-              <a:rPr kumimoji="1" lang="en-US" altLang="ko-KR" sz="3200" dirty="0" smtClean="0">
+              <a:rPr kumimoji="1" lang="en-US" altLang="ko-KR" sz="3200" dirty="0">
                 <a:solidFill>
                   <a:schemeClr val="bg1">
                     <a:lumMod val="75000"/>
@@ -7402,7 +7375,7 @@
               <a:t>2016</a:t>
             </a:r>
             <a:r>
-              <a:rPr kumimoji="1" lang="ko-KR" altLang="en-US" sz="3200" dirty="0" smtClean="0">
+              <a:rPr kumimoji="1" lang="ko-KR" altLang="en-US" sz="3200" dirty="0">
                 <a:solidFill>
                   <a:schemeClr val="bg1">
                     <a:lumMod val="75000"/>
@@ -7412,7 +7385,7 @@
               <a:t>년 </a:t>
             </a:r>
             <a:r>
-              <a:rPr kumimoji="1" lang="en-US" altLang="ko-KR" sz="3200" dirty="0" smtClean="0">
+              <a:rPr kumimoji="1" lang="en-US" altLang="ko-KR" sz="3200" dirty="0">
                 <a:solidFill>
                   <a:schemeClr val="bg1">
                     <a:lumMod val="75000"/>
@@ -7422,7 +7395,7 @@
               <a:t>11</a:t>
             </a:r>
             <a:r>
-              <a:rPr kumimoji="1" lang="ko-KR" altLang="en-US" sz="3200" dirty="0" smtClean="0">
+              <a:rPr kumimoji="1" lang="ko-KR" altLang="en-US" sz="3200" dirty="0">
                 <a:solidFill>
                   <a:schemeClr val="bg1">
                     <a:lumMod val="75000"/>
@@ -7431,13 +7404,6 @@
               </a:rPr>
               <a:t>월</a:t>
             </a:r>
-            <a:endParaRPr kumimoji="1" lang="ko-KR" altLang="en-US" sz="3200" dirty="0">
-              <a:solidFill>
-                <a:schemeClr val="bg1">
-                  <a:lumMod val="75000"/>
-                </a:schemeClr>
-              </a:solidFill>
-            </a:endParaRPr>
           </a:p>
         </p:txBody>
       </p:sp>
@@ -7465,7 +7431,7 @@
           <a:p>
             <a:pPr algn="ctr"/>
             <a:r>
-              <a:rPr kumimoji="1" lang="en-US" altLang="ko-KR" sz="3200" dirty="0" smtClean="0">
+              <a:rPr kumimoji="1" lang="en-US" altLang="ko-KR" sz="3200" dirty="0">
                 <a:solidFill>
                   <a:schemeClr val="bg1">
                     <a:lumMod val="75000"/>
@@ -7475,7 +7441,7 @@
               <a:t>2017</a:t>
             </a:r>
             <a:r>
-              <a:rPr kumimoji="1" lang="ko-KR" altLang="en-US" sz="3200" dirty="0" smtClean="0">
+              <a:rPr kumimoji="1" lang="ko-KR" altLang="en-US" sz="3200" dirty="0">
                 <a:solidFill>
                   <a:schemeClr val="bg1">
                     <a:lumMod val="75000"/>
@@ -7495,7 +7461,7 @@
               <a:t>8</a:t>
             </a:r>
             <a:r>
-              <a:rPr kumimoji="1" lang="ko-KR" altLang="en-US" sz="3200" dirty="0" smtClean="0">
+              <a:rPr kumimoji="1" lang="ko-KR" altLang="en-US" sz="3200" dirty="0">
                 <a:solidFill>
                   <a:schemeClr val="bg1">
                     <a:lumMod val="75000"/>
@@ -7504,13 +7470,6 @@
               </a:rPr>
               <a:t>월</a:t>
             </a:r>
-            <a:endParaRPr kumimoji="1" lang="ko-KR" altLang="en-US" sz="3200" dirty="0">
-              <a:solidFill>
-                <a:schemeClr val="bg1">
-                  <a:lumMod val="75000"/>
-                </a:schemeClr>
-              </a:solidFill>
-            </a:endParaRPr>
           </a:p>
         </p:txBody>
       </p:sp>
@@ -7524,13 +7483,6 @@
   <p:clrMapOvr>
     <a:masterClrMapping/>
   </p:clrMapOvr>
-  <p:timing>
-    <p:tnLst>
-      <p:par>
-        <p:cTn id="1" dur="indefinite" restart="never" nodeType="tmRoot"/>
-      </p:par>
-    </p:tnLst>
-  </p:timing>
 </p:sld>
 </file>
 
@@ -7593,7 +7545,7 @@
           <a:lstStyle/>
           <a:p>
             <a:r>
-              <a:rPr lang="ko-KR" altLang="en-US" sz="4000" dirty="0" smtClean="0">
+              <a:rPr lang="ko-KR" altLang="en-US" sz="4000" dirty="0">
                 <a:solidFill>
                   <a:schemeClr val="bg1"/>
                 </a:solidFill>
@@ -7656,10 +7608,10 @@
           <a:p>
             <a:pPr algn="ctr"/>
             <a:r>
-              <a:rPr kumimoji="1" lang="ko-KR" altLang="en-US" sz="2000" dirty="0" smtClean="0"/>
+              <a:rPr kumimoji="1" lang="ko-KR" altLang="en-US" sz="2000" dirty="0"/>
               <a:t>마영전</a:t>
             </a:r>
-            <a:endParaRPr kumimoji="1" lang="en-US" altLang="ko-KR" sz="2000" dirty="0" smtClean="0"/>
+            <a:endParaRPr kumimoji="1" lang="en-US" altLang="ko-KR" sz="2000" dirty="0"/>
           </a:p>
         </p:txBody>
       </p:sp>
@@ -7710,7 +7662,7 @@
               </a:lnSpc>
             </a:pPr>
             <a:r>
-              <a:rPr kumimoji="1" lang="en-US" altLang="ko-KR" sz="2000" dirty="0" smtClean="0">
+              <a:rPr kumimoji="1" lang="en-US" altLang="ko-KR" sz="2000" dirty="0">
                 <a:solidFill>
                   <a:schemeClr val="tx1"/>
                 </a:solidFill>
@@ -7718,14 +7670,14 @@
               <a:t>3D</a:t>
             </a:r>
             <a:r>
-              <a:rPr kumimoji="1" lang="ko-KR" altLang="en-US" sz="2000" dirty="0" smtClean="0">
+              <a:rPr kumimoji="1" lang="ko-KR" altLang="en-US" sz="2000" dirty="0">
                 <a:solidFill>
                   <a:schemeClr val="tx1"/>
                 </a:solidFill>
               </a:rPr>
               <a:t> 자유시점 게임 진행방식</a:t>
             </a:r>
-            <a:endParaRPr kumimoji="1" lang="en-US" altLang="ko-KR" sz="2000" dirty="0" smtClean="0">
+            <a:endParaRPr kumimoji="1" lang="en-US" altLang="ko-KR" sz="2000" dirty="0">
               <a:solidFill>
                 <a:schemeClr val="tx1"/>
               </a:solidFill>
@@ -7738,14 +7690,14 @@
               </a:lnSpc>
             </a:pPr>
             <a:r>
-              <a:rPr kumimoji="1" lang="ko-KR" altLang="en-US" sz="2000" dirty="0" smtClean="0">
+              <a:rPr kumimoji="1" lang="ko-KR" altLang="en-US" sz="2000" dirty="0">
                 <a:solidFill>
                   <a:schemeClr val="tx1"/>
                 </a:solidFill>
               </a:rPr>
               <a:t>제자리 칼춤을 벗어난 동적인 전투</a:t>
             </a:r>
-            <a:endParaRPr kumimoji="1" lang="en-US" altLang="ko-KR" sz="2000" dirty="0" smtClean="0">
+            <a:endParaRPr kumimoji="1" lang="en-US" altLang="ko-KR" sz="2000" dirty="0">
               <a:solidFill>
                 <a:schemeClr val="tx1"/>
               </a:solidFill>
@@ -7758,14 +7710,14 @@
               </a:lnSpc>
             </a:pPr>
             <a:r>
-              <a:rPr kumimoji="1" lang="ko-KR" altLang="en-US" sz="2000" dirty="0" smtClean="0">
+              <a:rPr kumimoji="1" lang="ko-KR" altLang="en-US" sz="2000" dirty="0">
                 <a:solidFill>
                   <a:schemeClr val="tx1"/>
                 </a:solidFill>
               </a:rPr>
               <a:t>보스와의 정교한 전투</a:t>
             </a:r>
-            <a:endParaRPr kumimoji="1" lang="en-US" altLang="ko-KR" sz="2000" dirty="0" smtClean="0">
+            <a:endParaRPr kumimoji="1" lang="en-US" altLang="ko-KR" sz="2000" dirty="0">
               <a:solidFill>
                 <a:schemeClr val="tx1"/>
               </a:solidFill>
@@ -7818,10 +7770,10 @@
           <a:p>
             <a:pPr algn="ctr"/>
             <a:r>
-              <a:rPr kumimoji="1" lang="ko-KR" altLang="en-US" sz="2000" dirty="0" smtClean="0"/>
+              <a:rPr kumimoji="1" lang="ko-KR" altLang="en-US" sz="2000" dirty="0"/>
               <a:t>디아블로</a:t>
             </a:r>
-            <a:endParaRPr kumimoji="1" lang="en-US" altLang="ko-KR" sz="2000" dirty="0" smtClean="0"/>
+            <a:endParaRPr kumimoji="1" lang="en-US" altLang="ko-KR" sz="2000" dirty="0"/>
           </a:p>
         </p:txBody>
       </p:sp>
@@ -7872,7 +7824,7 @@
               </a:lnSpc>
             </a:pPr>
             <a:r>
-              <a:rPr kumimoji="1" lang="en-US" altLang="ko-KR" sz="2000" dirty="0" smtClean="0">
+              <a:rPr kumimoji="1" lang="en-US" altLang="ko-KR" sz="2000" dirty="0">
                 <a:solidFill>
                   <a:schemeClr val="tx1"/>
                 </a:solidFill>
@@ -7880,14 +7832,14 @@
               <a:t>3D</a:t>
             </a:r>
             <a:r>
-              <a:rPr kumimoji="1" lang="ko-KR" altLang="en-US" sz="2000" dirty="0" smtClean="0">
+              <a:rPr kumimoji="1" lang="ko-KR" altLang="en-US" sz="2000" dirty="0">
                 <a:solidFill>
                   <a:schemeClr val="tx1"/>
                 </a:solidFill>
               </a:rPr>
               <a:t> 쿼터뷰 게임 진행방식</a:t>
             </a:r>
-            <a:endParaRPr kumimoji="1" lang="en-US" altLang="ko-KR" sz="2000" dirty="0" smtClean="0">
+            <a:endParaRPr kumimoji="1" lang="en-US" altLang="ko-KR" sz="2000" dirty="0">
               <a:solidFill>
                 <a:schemeClr val="tx1"/>
               </a:solidFill>
@@ -7900,14 +7852,14 @@
               </a:lnSpc>
             </a:pPr>
             <a:r>
-              <a:rPr kumimoji="1" lang="ko-KR" altLang="en-US" sz="2000" dirty="0" smtClean="0">
+              <a:rPr kumimoji="1" lang="ko-KR" altLang="en-US" sz="2000" dirty="0">
                 <a:solidFill>
                   <a:schemeClr val="tx1"/>
                 </a:solidFill>
               </a:rPr>
               <a:t>마우스 조작 기반</a:t>
             </a:r>
-            <a:endParaRPr kumimoji="1" lang="en-US" altLang="ko-KR" sz="2000" dirty="0" smtClean="0">
+            <a:endParaRPr kumimoji="1" lang="en-US" altLang="ko-KR" sz="2000" dirty="0">
               <a:solidFill>
                 <a:schemeClr val="tx1"/>
               </a:solidFill>
@@ -7920,14 +7872,14 @@
               </a:lnSpc>
             </a:pPr>
             <a:r>
-              <a:rPr kumimoji="1" lang="ko-KR" altLang="en-US" sz="2000" dirty="0" smtClean="0">
+              <a:rPr kumimoji="1" lang="ko-KR" altLang="en-US" sz="2000" dirty="0">
                 <a:solidFill>
                   <a:schemeClr val="tx1"/>
                 </a:solidFill>
               </a:rPr>
               <a:t>적은 스킬을 활용한 전투 진행</a:t>
             </a:r>
-            <a:endParaRPr kumimoji="1" lang="en-US" altLang="ko-KR" sz="2000" dirty="0" smtClean="0">
+            <a:endParaRPr kumimoji="1" lang="en-US" altLang="ko-KR" sz="2000" dirty="0">
               <a:solidFill>
                 <a:schemeClr val="tx1"/>
               </a:solidFill>
@@ -7940,14 +7892,14 @@
               </a:lnSpc>
             </a:pPr>
             <a:r>
-              <a:rPr kumimoji="1" lang="ko-KR" altLang="en-US" sz="2000" dirty="0" smtClean="0">
+              <a:rPr kumimoji="1" lang="ko-KR" altLang="en-US" sz="2000" dirty="0">
                 <a:solidFill>
                   <a:schemeClr val="tx1"/>
                 </a:solidFill>
               </a:rPr>
               <a:t>다수의 적을 휩쓰는 전투방식</a:t>
             </a:r>
-            <a:endParaRPr kumimoji="1" lang="en-US" altLang="ko-KR" sz="2000" dirty="0" smtClean="0">
+            <a:endParaRPr kumimoji="1" lang="en-US" altLang="ko-KR" sz="2000" dirty="0">
               <a:solidFill>
                 <a:schemeClr val="tx1"/>
               </a:solidFill>
@@ -8004,10 +7956,10 @@
           <a:p>
             <a:pPr algn="ctr"/>
             <a:r>
-              <a:rPr kumimoji="1" lang="ko-KR" altLang="en-US" sz="2000" smtClean="0"/>
+              <a:rPr kumimoji="1" lang="ko-KR" altLang="en-US" sz="2000"/>
               <a:t>노루막이</a:t>
             </a:r>
-            <a:endParaRPr kumimoji="1" lang="en-US" altLang="ko-KR" sz="2000" dirty="0" smtClean="0"/>
+            <a:endParaRPr kumimoji="1" lang="en-US" altLang="ko-KR" sz="2000" dirty="0"/>
           </a:p>
         </p:txBody>
       </p:sp>
@@ -8060,7 +8012,7 @@
               </a:lnSpc>
             </a:pPr>
             <a:r>
-              <a:rPr kumimoji="1" lang="en-US" altLang="ko-KR" sz="2000" dirty="0" smtClean="0">
+              <a:rPr kumimoji="1" lang="en-US" altLang="ko-KR" sz="2000" dirty="0">
                 <a:solidFill>
                   <a:schemeClr val="tx1"/>
                 </a:solidFill>
@@ -8068,14 +8020,14 @@
               <a:t>3D</a:t>
             </a:r>
             <a:r>
-              <a:rPr kumimoji="1" lang="ko-KR" altLang="en-US" sz="2000" dirty="0" smtClean="0">
+              <a:rPr kumimoji="1" lang="ko-KR" altLang="en-US" sz="2000" dirty="0">
                 <a:solidFill>
                   <a:schemeClr val="tx1"/>
                 </a:solidFill>
               </a:rPr>
               <a:t> 쿼터뷰 논타겟 키보드 조작방식</a:t>
             </a:r>
-            <a:endParaRPr kumimoji="1" lang="en-US" altLang="ko-KR" sz="2000" dirty="0" smtClean="0">
+            <a:endParaRPr kumimoji="1" lang="en-US" altLang="ko-KR" sz="2000" dirty="0">
               <a:solidFill>
                 <a:schemeClr val="tx1"/>
               </a:solidFill>
@@ -8087,7 +8039,7 @@
                 <a:spcPct val="150000"/>
               </a:lnSpc>
             </a:pPr>
-            <a:endParaRPr kumimoji="1" lang="en-US" altLang="ko-KR" sz="2000" dirty="0" smtClean="0">
+            <a:endParaRPr kumimoji="1" lang="en-US" altLang="ko-KR" sz="2000" dirty="0">
               <a:solidFill>
                 <a:schemeClr val="tx1"/>
               </a:solidFill>
@@ -8100,14 +8052,14 @@
               </a:lnSpc>
             </a:pPr>
             <a:r>
-              <a:rPr kumimoji="1" lang="ko-KR" altLang="en-US" sz="2000" dirty="0" smtClean="0">
+              <a:rPr kumimoji="1" lang="ko-KR" altLang="en-US" sz="2000" dirty="0">
                 <a:solidFill>
                   <a:schemeClr val="tx1"/>
                 </a:solidFill>
               </a:rPr>
               <a:t>발열 시스템과 궁극기 시스템을 활용해 유저가 만들어가는 전투</a:t>
             </a:r>
-            <a:endParaRPr kumimoji="1" lang="en-US" altLang="ko-KR" sz="2000" dirty="0" smtClean="0">
+            <a:endParaRPr kumimoji="1" lang="en-US" altLang="ko-KR" sz="2000" dirty="0">
               <a:solidFill>
                 <a:schemeClr val="tx1"/>
               </a:solidFill>
@@ -8119,7 +8071,7 @@
                 <a:spcPct val="150000"/>
               </a:lnSpc>
             </a:pPr>
-            <a:endParaRPr kumimoji="1" lang="en-US" altLang="ko-KR" sz="2000" dirty="0" smtClean="0">
+            <a:endParaRPr kumimoji="1" lang="en-US" altLang="ko-KR" sz="2000" dirty="0">
               <a:solidFill>
                 <a:schemeClr val="tx1"/>
               </a:solidFill>
@@ -8132,7 +8084,7 @@
               </a:lnSpc>
             </a:pPr>
             <a:r>
-              <a:rPr kumimoji="1" lang="ko-KR" altLang="en-US" sz="2000" dirty="0" smtClean="0">
+              <a:rPr kumimoji="1" lang="ko-KR" altLang="en-US" sz="2000" dirty="0">
                 <a:solidFill>
                   <a:schemeClr val="tx1"/>
                 </a:solidFill>
@@ -8140,7 +8092,7 @@
               <a:t>비실사 그래픽을 사용하여 </a:t>
             </a:r>
             <a:r>
-              <a:rPr kumimoji="1" lang="en-US" altLang="ko-KR" sz="2000" dirty="0" smtClean="0">
+              <a:rPr kumimoji="1" lang="en-US" altLang="ko-KR" sz="2000" dirty="0">
                 <a:solidFill>
                   <a:schemeClr val="tx1"/>
                 </a:solidFill>
@@ -8148,14 +8100,14 @@
               <a:t>PC</a:t>
             </a:r>
             <a:r>
-              <a:rPr kumimoji="1" lang="ko-KR" altLang="en-US" sz="2000" dirty="0" smtClean="0">
+              <a:rPr kumimoji="1" lang="ko-KR" altLang="en-US" sz="2000" dirty="0">
                 <a:solidFill>
                   <a:schemeClr val="tx1"/>
                 </a:solidFill>
               </a:rPr>
               <a:t>가 </a:t>
             </a:r>
-            <a:endParaRPr kumimoji="1" lang="en-US" altLang="ko-KR" sz="2000" dirty="0" smtClean="0">
+            <a:endParaRPr kumimoji="1" lang="en-US" altLang="ko-KR" sz="2000" dirty="0">
               <a:solidFill>
                 <a:schemeClr val="tx1"/>
               </a:solidFill>
@@ -8168,7 +8120,7 @@
               </a:lnSpc>
             </a:pPr>
             <a:r>
-              <a:rPr kumimoji="1" lang="ko-KR" altLang="en-US" sz="2000" dirty="0" smtClean="0">
+              <a:rPr kumimoji="1" lang="ko-KR" altLang="en-US" sz="2000" dirty="0">
                 <a:solidFill>
                   <a:schemeClr val="tx1"/>
                 </a:solidFill>
@@ -8193,13 +8145,6 @@
   <p:clrMapOvr>
     <a:masterClrMapping/>
   </p:clrMapOvr>
-  <p:timing>
-    <p:tnLst>
-      <p:par>
-        <p:cTn id="1" dur="indefinite" restart="never" nodeType="tmRoot"/>
-      </p:par>
-    </p:tnLst>
-  </p:timing>
 </p:sld>
 </file>
 
@@ -8416,7 +8361,7 @@
           <a:p>
             <a:pPr algn="ctr"/>
             <a:r>
-              <a:rPr kumimoji="1" lang="ko-KR" altLang="en-US" sz="4800" b="1" dirty="0" smtClean="0">
+              <a:rPr kumimoji="1" lang="ko-KR" altLang="en-US" sz="4800" b="1" dirty="0">
                 <a:solidFill>
                   <a:srgbClr val="FFC000"/>
                 </a:solidFill>
@@ -8424,7 +8369,7 @@
               <a:t>기획 </a:t>
             </a:r>
             <a:r>
-              <a:rPr kumimoji="1" lang="en-US" altLang="ko-KR" sz="4800" b="1" dirty="0" smtClean="0">
+              <a:rPr kumimoji="1" lang="en-US" altLang="ko-KR" sz="4800" b="1" dirty="0">
                 <a:solidFill>
                   <a:srgbClr val="FFC000"/>
                 </a:solidFill>
@@ -8432,7 +8377,7 @@
               <a:t>/</a:t>
             </a:r>
             <a:r>
-              <a:rPr kumimoji="1" lang="ko-KR" altLang="en-US" sz="4800" b="1" dirty="0" smtClean="0">
+              <a:rPr kumimoji="1" lang="ko-KR" altLang="en-US" sz="4800" b="1" dirty="0">
                 <a:solidFill>
                   <a:srgbClr val="FFC000"/>
                 </a:solidFill>
@@ -9758,18 +9703,13 @@
           <a:p>
             <a:pPr algn="ctr"/>
             <a:r>
-              <a:rPr kumimoji="1" lang="en-US" altLang="ko-KR" sz="16600" b="1" dirty="0" smtClean="0">
+              <a:rPr kumimoji="1" lang="en-US" altLang="ko-KR" sz="16600" b="1" dirty="0">
                 <a:solidFill>
                   <a:schemeClr val="bg1"/>
                 </a:solidFill>
               </a:rPr>
               <a:t>2</a:t>
             </a:r>
-            <a:endParaRPr kumimoji="1" lang="en-US" altLang="ko-KR" sz="16600" b="1" dirty="0">
-              <a:solidFill>
-                <a:schemeClr val="bg1"/>
-              </a:solidFill>
-            </a:endParaRPr>
           </a:p>
         </p:txBody>
       </p:sp>
@@ -9783,13 +9723,6 @@
   <p:clrMapOvr>
     <a:masterClrMapping/>
   </p:clrMapOvr>
-  <p:timing>
-    <p:tnLst>
-      <p:par>
-        <p:cTn id="1" dur="indefinite" restart="never" nodeType="tmRoot"/>
-      </p:par>
-    </p:tnLst>
-  </p:timing>
 </p:sld>
 </file>
 
@@ -9934,7 +9867,7 @@
           <a:p>
             <a:pPr algn="ctr"/>
             <a:r>
-              <a:rPr kumimoji="1" lang="en-US" altLang="ko-KR" sz="3600" b="1" dirty="0" smtClean="0">
+              <a:rPr kumimoji="1" lang="en-US" altLang="ko-KR" sz="3600" b="1" dirty="0">
                 <a:solidFill>
                   <a:schemeClr val="bg1"/>
                 </a:solidFill>
@@ -9942,20 +9875,12 @@
               <a:t>DirectX 11</a:t>
             </a:r>
             <a:r>
-              <a:rPr kumimoji="1" lang="ko-KR" altLang="en-US" sz="3600" b="1" dirty="0" smtClean="0">
+              <a:rPr kumimoji="1" lang="ko-KR" altLang="en-US" sz="3600" b="1" dirty="0">
                 <a:solidFill>
                   <a:schemeClr val="bg1"/>
                 </a:solidFill>
               </a:rPr>
-              <a:t>을 </a:t>
-            </a:r>
-            <a:r>
-              <a:rPr kumimoji="1" lang="ko-KR" altLang="en-US" sz="3600" b="1" dirty="0">
-                <a:solidFill>
-                  <a:schemeClr val="bg1"/>
-                </a:solidFill>
-              </a:rPr>
-              <a:t>이용한 프레임워크 자체 제작</a:t>
+              <a:t>을 이용한 프레임워크 자체 제작</a:t>
             </a:r>
             <a:endParaRPr kumimoji="1" lang="en-US" altLang="ko-KR" sz="3600" b="1" dirty="0">
               <a:solidFill>
@@ -10117,18 +10042,13 @@
           <a:p>
             <a:pPr algn="ctr"/>
             <a:r>
-              <a:rPr kumimoji="1" lang="en-US" altLang="ko-KR" sz="16600" b="1" dirty="0" smtClean="0">
+              <a:rPr kumimoji="1" lang="en-US" altLang="ko-KR" sz="16600" b="1" dirty="0">
                 <a:solidFill>
                   <a:schemeClr val="bg1"/>
                 </a:solidFill>
               </a:rPr>
               <a:t>1</a:t>
             </a:r>
-            <a:endParaRPr kumimoji="1" lang="en-US" altLang="ko-KR" sz="16600" b="1" dirty="0">
-              <a:solidFill>
-                <a:schemeClr val="bg1"/>
-              </a:solidFill>
-            </a:endParaRPr>
           </a:p>
         </p:txBody>
       </p:sp>
@@ -11243,7 +11163,7 @@
           <a:p>
             <a:pPr algn="ctr"/>
             <a:r>
-              <a:rPr kumimoji="1" lang="en-US" altLang="ko-KR" sz="3600" b="1" dirty="0" smtClean="0">
+              <a:rPr kumimoji="1" lang="en-US" altLang="ko-KR" sz="3600" b="1" dirty="0">
                 <a:solidFill>
                   <a:schemeClr val="bg1"/>
                 </a:solidFill>
@@ -11251,7 +11171,7 @@
               <a:t>MFC</a:t>
             </a:r>
             <a:r>
-              <a:rPr kumimoji="1" lang="ko-KR" altLang="en-US" sz="3600" b="1" dirty="0" smtClean="0">
+              <a:rPr kumimoji="1" lang="ko-KR" altLang="en-US" sz="3600" b="1" dirty="0">
                 <a:solidFill>
                   <a:schemeClr val="bg1"/>
                 </a:solidFill>
@@ -11267,7 +11187,7 @@
           <a:p>
             <a:pPr algn="ctr"/>
             <a:r>
-              <a:rPr kumimoji="1" lang="ko-KR" altLang="en-US" sz="3200" b="1" dirty="0" smtClean="0">
+              <a:rPr kumimoji="1" lang="ko-KR" altLang="en-US" sz="3200" b="1" dirty="0">
                 <a:solidFill>
                   <a:schemeClr val="bg1">
                     <a:lumMod val="50000"/>
@@ -11277,7 +11197,7 @@
               <a:t>오브젝트와 네비매쉬</a:t>
             </a:r>
             <a:r>
-              <a:rPr kumimoji="1" lang="en-US" altLang="ko-KR" sz="3200" b="1" dirty="0" smtClean="0">
+              <a:rPr kumimoji="1" lang="en-US" altLang="ko-KR" sz="3200" b="1" dirty="0">
                 <a:solidFill>
                   <a:schemeClr val="bg1">
                     <a:lumMod val="50000"/>
@@ -11287,7 +11207,7 @@
               <a:t>,</a:t>
             </a:r>
             <a:r>
-              <a:rPr kumimoji="1" lang="ko-KR" altLang="en-US" sz="3200" b="1" dirty="0" smtClean="0">
+              <a:rPr kumimoji="1" lang="ko-KR" altLang="en-US" sz="3200" b="1" dirty="0">
                 <a:solidFill>
                   <a:schemeClr val="bg1">
                     <a:lumMod val="50000"/>
@@ -11296,7 +11216,7 @@
               </a:rPr>
               <a:t> 트리거박스를</a:t>
             </a:r>
-            <a:endParaRPr kumimoji="1" lang="en-US" altLang="ko-KR" sz="3200" b="1" dirty="0" smtClean="0">
+            <a:endParaRPr kumimoji="1" lang="en-US" altLang="ko-KR" sz="3200" b="1" dirty="0">
               <a:solidFill>
                 <a:schemeClr val="bg1">
                   <a:lumMod val="50000"/>
@@ -11307,7 +11227,7 @@
           <a:p>
             <a:pPr algn="ctr"/>
             <a:r>
-              <a:rPr kumimoji="1" lang="ko-KR" altLang="en-US" sz="3200" b="1" dirty="0" smtClean="0">
+              <a:rPr kumimoji="1" lang="ko-KR" altLang="en-US" sz="3200" b="1" dirty="0">
                 <a:solidFill>
                   <a:schemeClr val="bg1">
                     <a:lumMod val="50000"/>
@@ -11316,13 +11236,6 @@
               </a:rPr>
               <a:t>빠르고 원활하게 제작할 수 있는 툴 제작</a:t>
             </a:r>
-            <a:endParaRPr kumimoji="1" lang="ko-KR" altLang="en-US" sz="3200" b="1" dirty="0">
-              <a:solidFill>
-                <a:schemeClr val="bg1">
-                  <a:lumMod val="50000"/>
-                </a:schemeClr>
-              </a:solidFill>
-            </a:endParaRPr>
           </a:p>
         </p:txBody>
       </p:sp>
@@ -11405,18 +11318,13 @@
           <a:p>
             <a:pPr algn="ctr"/>
             <a:r>
-              <a:rPr kumimoji="1" lang="en-US" altLang="ko-KR" sz="16600" b="1" dirty="0" smtClean="0">
+              <a:rPr kumimoji="1" lang="en-US" altLang="ko-KR" sz="16600" b="1" dirty="0">
                 <a:solidFill>
                   <a:schemeClr val="bg1"/>
                 </a:solidFill>
               </a:rPr>
               <a:t>2</a:t>
             </a:r>
-            <a:endParaRPr kumimoji="1" lang="en-US" altLang="ko-KR" sz="16600" b="1" dirty="0">
-              <a:solidFill>
-                <a:schemeClr val="bg1"/>
-              </a:solidFill>
-            </a:endParaRPr>
           </a:p>
         </p:txBody>
       </p:sp>
@@ -11430,21 +11338,6 @@
   <p:clrMapOvr>
     <a:masterClrMapping/>
   </p:clrMapOvr>
-  <mc:AlternateContent xmlns:mc="http://schemas.openxmlformats.org/markup-compatibility/2006" xmlns:p14="http://schemas.microsoft.com/office/powerpoint/2010/main">
-    <mc:Choice Requires="p14">
-      <p:transition p14:dur="0"/>
-    </mc:Choice>
-    <mc:Fallback xmlns="">
-      <p:transition/>
-    </mc:Fallback>
-  </mc:AlternateContent>
-  <p:timing>
-    <p:tnLst>
-      <p:par>
-        <p:cTn id="1" dur="indefinite" restart="never" nodeType="tmRoot"/>
-      </p:par>
-    </p:tnLst>
-  </p:timing>
 </p:sld>
 </file>
 
@@ -12906,14 +12799,14 @@
           <a:p>
             <a:pPr algn="ctr"/>
             <a:r>
-              <a:rPr kumimoji="1" lang="ko-KR" altLang="en-US" sz="3600" b="1" dirty="0" smtClean="0">
+              <a:rPr kumimoji="1" lang="ko-KR" altLang="en-US" sz="3600" b="1" dirty="0">
                 <a:solidFill>
                   <a:schemeClr val="bg1"/>
                 </a:solidFill>
               </a:rPr>
               <a:t>게임의 연출을 위한 쉐이더 제작</a:t>
             </a:r>
-            <a:endParaRPr kumimoji="1" lang="en-US" altLang="ko-KR" sz="3600" b="1" dirty="0" smtClean="0">
+            <a:endParaRPr kumimoji="1" lang="en-US" altLang="ko-KR" sz="3600" b="1" dirty="0">
               <a:solidFill>
                 <a:schemeClr val="bg1"/>
               </a:solidFill>
@@ -12922,7 +12815,7 @@
           <a:p>
             <a:pPr algn="ctr"/>
             <a:r>
-              <a:rPr kumimoji="1" lang="en-US" altLang="ko-KR" sz="3200" b="1" dirty="0" smtClean="0">
+              <a:rPr kumimoji="1" lang="en-US" altLang="ko-KR" sz="3200" b="1" dirty="0">
                 <a:solidFill>
                   <a:schemeClr val="bg1">
                     <a:lumMod val="50000"/>
@@ -12932,7 +12825,7 @@
               <a:t>Lighting, </a:t>
             </a:r>
             <a:r>
-              <a:rPr kumimoji="1" lang="en-US" altLang="ko-KR" sz="3200" b="1" dirty="0" err="1" smtClean="0">
+              <a:rPr kumimoji="1" lang="en-US" altLang="ko-KR" sz="3200" b="1" dirty="0" err="1">
                 <a:solidFill>
                   <a:schemeClr val="bg1">
                     <a:lumMod val="50000"/>
@@ -12942,7 +12835,7 @@
               <a:t>DiffuseSpecularMapping</a:t>
             </a:r>
             <a:r>
-              <a:rPr kumimoji="1" lang="en-US" altLang="ko-KR" sz="3200" b="1" dirty="0" smtClean="0">
+              <a:rPr kumimoji="1" lang="en-US" altLang="ko-KR" sz="3200" b="1" dirty="0">
                 <a:solidFill>
                   <a:schemeClr val="bg1">
                     <a:lumMod val="50000"/>
@@ -12952,7 +12845,7 @@
               <a:t>, Toon, </a:t>
             </a:r>
             <a:r>
-              <a:rPr kumimoji="1" lang="en-US" altLang="ko-KR" sz="3200" b="1" dirty="0" err="1" smtClean="0">
+              <a:rPr kumimoji="1" lang="en-US" altLang="ko-KR" sz="3200" b="1" dirty="0" err="1">
                 <a:solidFill>
                   <a:schemeClr val="bg1">
                     <a:lumMod val="50000"/>
@@ -12961,7 +12854,7 @@
               </a:rPr>
               <a:t>ShadowMapping</a:t>
             </a:r>
-            <a:endParaRPr kumimoji="1" lang="en-US" altLang="ko-KR" sz="3200" b="1" dirty="0" smtClean="0">
+            <a:endParaRPr kumimoji="1" lang="en-US" altLang="ko-KR" sz="3200" b="1" dirty="0">
               <a:solidFill>
                 <a:schemeClr val="bg1">
                   <a:lumMod val="50000"/>
@@ -13050,18 +12943,13 @@
           <a:p>
             <a:pPr algn="ctr"/>
             <a:r>
-              <a:rPr kumimoji="1" lang="en-US" altLang="ko-KR" sz="16600" b="1" dirty="0" smtClean="0">
+              <a:rPr kumimoji="1" lang="en-US" altLang="ko-KR" sz="16600" b="1" dirty="0">
                 <a:solidFill>
                   <a:schemeClr val="bg1"/>
                 </a:solidFill>
               </a:rPr>
               <a:t>2</a:t>
             </a:r>
-            <a:endParaRPr kumimoji="1" lang="en-US" altLang="ko-KR" sz="16600" b="1" dirty="0">
-              <a:solidFill>
-                <a:schemeClr val="bg1"/>
-              </a:solidFill>
-            </a:endParaRPr>
           </a:p>
         </p:txBody>
       </p:sp>
@@ -13075,13 +12963,6 @@
   <p:clrMapOvr>
     <a:masterClrMapping/>
   </p:clrMapOvr>
-  <p:timing>
-    <p:tnLst>
-      <p:par>
-        <p:cTn id="1" dur="indefinite" restart="never" nodeType="tmRoot"/>
-      </p:par>
-    </p:tnLst>
-  </p:timing>
 </p:sld>
 </file>
 
@@ -14541,14 +14422,14 @@
               <a:t>Project </a:t>
             </a:r>
             <a:r>
-              <a:rPr kumimoji="1" lang="ko-KR" altLang="en-US" sz="8800" b="1" dirty="0" smtClean="0">
+              <a:rPr kumimoji="1" lang="ko-KR" altLang="en-US" sz="8800" b="1" dirty="0">
                 <a:solidFill>
                   <a:schemeClr val="bg1"/>
                 </a:solidFill>
               </a:rPr>
               <a:t>편돌이</a:t>
             </a:r>
-            <a:endParaRPr kumimoji="1" lang="en-US" altLang="ko-KR" sz="8800" b="1" dirty="0" smtClean="0">
+            <a:endParaRPr kumimoji="1" lang="en-US" altLang="ko-KR" sz="8800" b="1" dirty="0">
               <a:solidFill>
                 <a:schemeClr val="bg1"/>
               </a:solidFill>
@@ -14556,7 +14437,7 @@
           </a:p>
           <a:p>
             <a:r>
-              <a:rPr kumimoji="1" lang="ko-KR" altLang="en-US" sz="5400" b="1" dirty="0" smtClean="0">
+              <a:rPr kumimoji="1" lang="ko-KR" altLang="en-US" sz="5400" b="1" dirty="0">
                 <a:solidFill>
                   <a:srgbClr val="FFFF00"/>
                 </a:solidFill>
@@ -14615,7 +14496,7 @@
           <a:lstStyle/>
           <a:p>
             <a:r>
-              <a:rPr kumimoji="1" lang="ko-KR" altLang="en-US" sz="2800" b="1" dirty="0" smtClean="0">
+              <a:rPr kumimoji="1" lang="ko-KR" altLang="en-US" sz="2800" b="1" dirty="0">
                 <a:solidFill>
                   <a:schemeClr val="tx1"/>
                 </a:solidFill>
@@ -14623,7 +14504,7 @@
               <a:t>제목 </a:t>
             </a:r>
             <a:r>
-              <a:rPr kumimoji="1" lang="en-US" altLang="ko-KR" sz="2800" b="1" dirty="0" smtClean="0">
+              <a:rPr kumimoji="1" lang="en-US" altLang="ko-KR" sz="2800" b="1" dirty="0">
                 <a:solidFill>
                   <a:schemeClr val="tx1"/>
                 </a:solidFill>
@@ -14631,7 +14512,7 @@
               <a:t>:</a:t>
             </a:r>
             <a:r>
-              <a:rPr kumimoji="1" lang="ko-KR" altLang="en-US" sz="2800" b="1" dirty="0" smtClean="0">
+              <a:rPr kumimoji="1" lang="ko-KR" altLang="en-US" sz="2800" b="1" dirty="0">
                 <a:solidFill>
                   <a:schemeClr val="tx1"/>
                 </a:solidFill>
@@ -14639,18 +14520,13 @@
               <a:t> </a:t>
             </a:r>
             <a:r>
-              <a:rPr kumimoji="1" lang="ko-KR" altLang="en-US" sz="2800" dirty="0" smtClean="0">
+              <a:rPr kumimoji="1" lang="ko-KR" altLang="en-US" sz="2800" dirty="0">
                 <a:solidFill>
                   <a:schemeClr val="tx1"/>
                 </a:solidFill>
               </a:rPr>
               <a:t>노루막이</a:t>
             </a:r>
-            <a:endParaRPr kumimoji="1" lang="ko-KR" altLang="en-US" sz="2800" dirty="0">
-              <a:solidFill>
-                <a:schemeClr val="tx1"/>
-              </a:solidFill>
-            </a:endParaRPr>
           </a:p>
         </p:txBody>
       </p:sp>
@@ -14698,7 +14574,7 @@
           <a:lstStyle/>
           <a:p>
             <a:r>
-              <a:rPr kumimoji="1" lang="ko-KR" altLang="en-US" sz="2800" b="1" dirty="0" smtClean="0">
+              <a:rPr kumimoji="1" lang="ko-KR" altLang="en-US" sz="2800" b="1" dirty="0">
                 <a:solidFill>
                   <a:schemeClr val="tx1"/>
                 </a:solidFill>
@@ -14706,7 +14582,7 @@
               <a:t>장르 </a:t>
             </a:r>
             <a:r>
-              <a:rPr kumimoji="1" lang="en-US" altLang="ko-KR" sz="2800" b="1" dirty="0" smtClean="0">
+              <a:rPr kumimoji="1" lang="en-US" altLang="ko-KR" sz="2800" b="1" dirty="0">
                 <a:solidFill>
                   <a:schemeClr val="tx1"/>
                 </a:solidFill>
@@ -14714,7 +14590,7 @@
               <a:t>:</a:t>
             </a:r>
             <a:r>
-              <a:rPr kumimoji="1" lang="ko-KR" altLang="en-US" sz="2800" b="1" dirty="0" smtClean="0">
+              <a:rPr kumimoji="1" lang="ko-KR" altLang="en-US" sz="2800" b="1" dirty="0">
                 <a:solidFill>
                   <a:schemeClr val="tx1"/>
                 </a:solidFill>
@@ -14722,7 +14598,7 @@
               <a:t> </a:t>
             </a:r>
             <a:r>
-              <a:rPr kumimoji="1" lang="ko-KR" altLang="en-US" sz="2800" dirty="0" smtClean="0">
+              <a:rPr kumimoji="1" lang="ko-KR" altLang="en-US" sz="2800" dirty="0">
                 <a:solidFill>
                   <a:schemeClr val="tx1"/>
                 </a:solidFill>
@@ -14730,7 +14606,7 @@
               <a:t>온라인 액션 </a:t>
             </a:r>
             <a:r>
-              <a:rPr kumimoji="1" lang="en-US" altLang="ko-KR" sz="2800" dirty="0" smtClean="0">
+              <a:rPr kumimoji="1" lang="en-US" altLang="ko-KR" sz="2800" dirty="0">
                 <a:solidFill>
                   <a:schemeClr val="tx1"/>
                 </a:solidFill>
@@ -14789,7 +14665,7 @@
           <a:lstStyle/>
           <a:p>
             <a:r>
-              <a:rPr kumimoji="1" lang="ko-KR" altLang="en-US" sz="2800" b="1" dirty="0" smtClean="0">
+              <a:rPr kumimoji="1" lang="ko-KR" altLang="en-US" sz="2800" b="1" dirty="0">
                 <a:solidFill>
                   <a:schemeClr val="tx1"/>
                 </a:solidFill>
@@ -14797,7 +14673,7 @@
               <a:t>특징 </a:t>
             </a:r>
             <a:r>
-              <a:rPr kumimoji="1" lang="en-US" altLang="ko-KR" sz="2800" b="1" dirty="0" smtClean="0">
+              <a:rPr kumimoji="1" lang="en-US" altLang="ko-KR" sz="2800" b="1" dirty="0">
                 <a:solidFill>
                   <a:schemeClr val="tx1"/>
                 </a:solidFill>
@@ -14805,7 +14681,7 @@
               <a:t>:</a:t>
             </a:r>
             <a:r>
-              <a:rPr kumimoji="1" lang="ko-KR" altLang="en-US" sz="2800" b="1" dirty="0" smtClean="0">
+              <a:rPr kumimoji="1" lang="ko-KR" altLang="en-US" sz="2800" b="1" dirty="0">
                 <a:solidFill>
                   <a:schemeClr val="tx1"/>
                 </a:solidFill>
@@ -14813,7 +14689,7 @@
               <a:t> </a:t>
             </a:r>
             <a:r>
-              <a:rPr kumimoji="1" lang="ko-KR" altLang="en-US" sz="2800" dirty="0" smtClean="0">
+              <a:rPr kumimoji="1" lang="ko-KR" altLang="en-US" sz="2800" dirty="0">
                 <a:solidFill>
                   <a:srgbClr val="00B0F0"/>
                 </a:solidFill>
@@ -14821,12 +14697,20 @@
               <a:t>키보드 조작</a:t>
             </a:r>
             <a:r>
-              <a:rPr kumimoji="1" lang="ko-KR" altLang="en-US" sz="2800" dirty="0" smtClean="0">
+              <a:rPr kumimoji="1" lang="ko-KR" altLang="en-US" sz="2800" dirty="0">
                 <a:solidFill>
                   <a:schemeClr val="tx1"/>
                 </a:solidFill>
               </a:rPr>
-              <a:t>에서 느껴지는 호쾌한 타격감</a:t>
+              <a:t>으로 경험하는 연속타격 액션 </a:t>
+            </a:r>
+            <a:r>
+              <a:rPr kumimoji="1" lang="en-US" altLang="ko-KR" sz="2800" dirty="0">
+                <a:solidFill>
+                  <a:schemeClr val="tx1"/>
+                </a:solidFill>
+              </a:rPr>
+              <a:t>RPG</a:t>
             </a:r>
             <a:endParaRPr kumimoji="1" lang="ko-KR" altLang="en-US" sz="2800" dirty="0">
               <a:solidFill>
@@ -14880,7 +14764,7 @@
           <a:lstStyle/>
           <a:p>
             <a:r>
-              <a:rPr kumimoji="1" lang="ko-KR" altLang="en-US" sz="2800" b="1" dirty="0" smtClean="0">
+              <a:rPr kumimoji="1" lang="ko-KR" altLang="en-US" sz="2800" b="1" dirty="0">
                 <a:solidFill>
                   <a:schemeClr val="tx1"/>
                 </a:solidFill>
@@ -14888,7 +14772,7 @@
               <a:t>시점 </a:t>
             </a:r>
             <a:r>
-              <a:rPr kumimoji="1" lang="en-US" altLang="ko-KR" sz="2800" b="1" dirty="0" smtClean="0">
+              <a:rPr kumimoji="1" lang="en-US" altLang="ko-KR" sz="2800" b="1" dirty="0">
                 <a:solidFill>
                   <a:schemeClr val="tx1"/>
                 </a:solidFill>
@@ -14896,7 +14780,7 @@
               <a:t>:</a:t>
             </a:r>
             <a:r>
-              <a:rPr kumimoji="1" lang="ko-KR" altLang="en-US" sz="2800" b="1" dirty="0" smtClean="0">
+              <a:rPr kumimoji="1" lang="ko-KR" altLang="en-US" sz="2800" b="1" dirty="0">
                 <a:solidFill>
                   <a:schemeClr val="tx1"/>
                 </a:solidFill>
@@ -14904,7 +14788,7 @@
               <a:t> </a:t>
             </a:r>
             <a:r>
-              <a:rPr kumimoji="1" lang="en-US" altLang="ko-KR" sz="2800" dirty="0" smtClean="0">
+              <a:rPr kumimoji="1" lang="en-US" altLang="ko-KR" sz="2800" dirty="0">
                 <a:solidFill>
                   <a:srgbClr val="00B0F0"/>
                 </a:solidFill>
@@ -14912,7 +14796,7 @@
               <a:t>3</a:t>
             </a:r>
             <a:r>
-              <a:rPr kumimoji="1" lang="ko-KR" altLang="en-US" sz="2800" dirty="0" smtClean="0">
+              <a:rPr kumimoji="1" lang="ko-KR" altLang="en-US" sz="2800" dirty="0">
                 <a:solidFill>
                   <a:srgbClr val="00B0F0"/>
                 </a:solidFill>
@@ -15036,7 +14920,7 @@
                               <p:par>
                                 <p:cTn id="9" presetID="2" presetClass="entr" presetSubtype="2" decel="50000" fill="hold" grpId="1" nodeType="withEffect">
                                   <p:stCondLst>
-                                    <p:cond delay="300"/>
+                                    <p:cond delay="150"/>
                                   </p:stCondLst>
                                   <p:childTnLst>
                                     <p:set>
@@ -15109,7 +14993,7 @@
                               <p:par>
                                 <p:cTn id="13" presetID="2" presetClass="entr" presetSubtype="2" decel="50000" fill="hold" grpId="1" nodeType="withEffect">
                                   <p:stCondLst>
-                                    <p:cond delay="600"/>
+                                    <p:cond delay="300"/>
                                   </p:stCondLst>
                                   <p:childTnLst>
                                     <p:set>
@@ -15182,7 +15066,7 @@
                               <p:par>
                                 <p:cTn id="17" presetID="2" presetClass="entr" presetSubtype="2" decel="50000" fill="hold" grpId="0" nodeType="withEffect">
                                   <p:stCondLst>
-                                    <p:cond delay="900"/>
+                                    <p:cond delay="450"/>
                                   </p:stCondLst>
                                   <p:childTnLst>
                                     <p:set>
@@ -15430,7 +15314,7 @@
           <a:p>
             <a:pPr algn="ctr"/>
             <a:r>
-              <a:rPr kumimoji="1" lang="ko-KR" altLang="en-US" sz="3600" b="1" dirty="0" smtClean="0">
+              <a:rPr kumimoji="1" lang="ko-KR" altLang="en-US" sz="3600" b="1" dirty="0">
                 <a:solidFill>
                   <a:schemeClr val="bg1"/>
                 </a:solidFill>
@@ -15446,7 +15330,7 @@
           <a:p>
             <a:pPr algn="ctr"/>
             <a:r>
-              <a:rPr kumimoji="1" lang="ko-KR" altLang="en-US" sz="3200" b="1" dirty="0" smtClean="0">
+              <a:rPr kumimoji="1" lang="ko-KR" altLang="en-US" sz="3200" b="1" dirty="0">
                 <a:solidFill>
                   <a:schemeClr val="bg1">
                     <a:lumMod val="50000"/>
@@ -15455,7 +15339,7 @@
               </a:rPr>
               <a:t>데드레커닝 기법을 사용하여</a:t>
             </a:r>
-            <a:endParaRPr kumimoji="1" lang="en-US" altLang="ko-KR" sz="3200" b="1" dirty="0" smtClean="0">
+            <a:endParaRPr kumimoji="1" lang="en-US" altLang="ko-KR" sz="3200" b="1" dirty="0">
               <a:solidFill>
                 <a:schemeClr val="bg1">
                   <a:lumMod val="50000"/>
@@ -15466,7 +15350,7 @@
           <a:p>
             <a:pPr algn="ctr"/>
             <a:r>
-              <a:rPr kumimoji="1" lang="en-US" altLang="ko-KR" sz="3200" b="1" dirty="0" smtClean="0">
+              <a:rPr kumimoji="1" lang="en-US" altLang="ko-KR" sz="3200" b="1" dirty="0">
                 <a:solidFill>
                   <a:schemeClr val="bg1">
                     <a:lumMod val="50000"/>
@@ -15476,7 +15360,7 @@
               <a:t>5,000</a:t>
             </a:r>
             <a:r>
-              <a:rPr kumimoji="1" lang="ko-KR" altLang="en-US" sz="3200" b="1" dirty="0" smtClean="0">
+              <a:rPr kumimoji="1" lang="ko-KR" altLang="en-US" sz="3200" b="1" dirty="0">
                 <a:solidFill>
                   <a:schemeClr val="bg1">
                     <a:lumMod val="50000"/>
@@ -15485,7 +15369,7 @@
               </a:rPr>
               <a:t>명 접속에도 패킷 부하가 걸리지 않도록 최적화</a:t>
             </a:r>
-            <a:endParaRPr kumimoji="1" lang="en-US" altLang="ko-KR" sz="3200" b="1" dirty="0" smtClean="0">
+            <a:endParaRPr kumimoji="1" lang="en-US" altLang="ko-KR" sz="3200" b="1" dirty="0">
               <a:solidFill>
                 <a:schemeClr val="bg1">
                   <a:lumMod val="50000"/>
@@ -15594,13 +15478,6 @@
   <p:clrMapOvr>
     <a:masterClrMapping/>
   </p:clrMapOvr>
-  <p:timing>
-    <p:tnLst>
-      <p:par>
-        <p:cTn id="1" dur="indefinite" restart="never" nodeType="tmRoot"/>
-      </p:par>
-    </p:tnLst>
-  </p:timing>
 </p:sld>
 </file>
 
@@ -15691,7 +15568,7 @@
           <a:p>
             <a:pPr algn="ctr"/>
             <a:r>
-              <a:rPr kumimoji="1" lang="ko-KR" altLang="en-US" sz="5400" b="1" dirty="0" smtClean="0">
+              <a:rPr kumimoji="1" lang="ko-KR" altLang="en-US" sz="5400" b="1" dirty="0">
                 <a:solidFill>
                   <a:schemeClr val="bg1"/>
                 </a:solidFill>
@@ -15733,7 +15610,7 @@
               </a:lnSpc>
             </a:pPr>
             <a:r>
-              <a:rPr lang="en-US" altLang="ko-KR" sz="2800" b="1" dirty="0" smtClean="0">
+              <a:rPr lang="en-US" altLang="ko-KR" sz="2800" b="1" dirty="0">
                 <a:solidFill>
                   <a:schemeClr val="bg1"/>
                 </a:solidFill>
@@ -15748,20 +15625,12 @@
               </a:lnSpc>
             </a:pPr>
             <a:r>
-              <a:rPr lang="en-US" altLang="ko-KR" sz="2800" b="1" dirty="0" smtClean="0">
+              <a:rPr lang="en-US" altLang="ko-KR" sz="2800" b="1" dirty="0">
                 <a:solidFill>
                   <a:schemeClr val="bg1"/>
                 </a:solidFill>
               </a:rPr>
-              <a:t>Microsoft </a:t>
-            </a:r>
-            <a:r>
-              <a:rPr lang="en-US" altLang="ko-KR" sz="2800" b="1" dirty="0">
-                <a:solidFill>
-                  <a:schemeClr val="bg1"/>
-                </a:solidFill>
-              </a:rPr>
-              <a:t>visual studio 2015</a:t>
+              <a:t>Microsoft visual studio 2015</a:t>
             </a:r>
           </a:p>
           <a:p>
@@ -15776,15 +15645,7 @@
                   <a:schemeClr val="bg1"/>
                 </a:solidFill>
               </a:rPr>
-              <a:t>DirectX </a:t>
-            </a:r>
-            <a:r>
-              <a:rPr lang="en-US" altLang="ko-KR" sz="2800" b="1" dirty="0" smtClean="0">
-                <a:solidFill>
-                  <a:schemeClr val="bg1"/>
-                </a:solidFill>
-              </a:rPr>
-              <a:t>11</a:t>
+              <a:t>DirectX 11</a:t>
             </a:r>
           </a:p>
           <a:p>
@@ -15794,7 +15655,7 @@
               </a:lnSpc>
             </a:pPr>
             <a:r>
-              <a:rPr lang="en-US" altLang="ko-KR" sz="2800" b="1" dirty="0" smtClean="0">
+              <a:rPr lang="en-US" altLang="ko-KR" sz="2800" b="1" dirty="0">
                 <a:solidFill>
                   <a:schemeClr val="bg1"/>
                 </a:solidFill>
@@ -15802,7 +15663,7 @@
               <a:t>Boost </a:t>
             </a:r>
             <a:r>
-              <a:rPr lang="en-US" altLang="ko-KR" sz="2800" b="1" dirty="0" err="1" smtClean="0">
+              <a:rPr lang="en-US" altLang="ko-KR" sz="2800" b="1" dirty="0" err="1">
                 <a:solidFill>
                   <a:schemeClr val="bg1"/>
                 </a:solidFill>
@@ -15810,7 +15671,7 @@
               <a:t>Asio</a:t>
             </a:r>
             <a:r>
-              <a:rPr lang="ko-KR" altLang="en-US" sz="2800" b="1" dirty="0" smtClean="0">
+              <a:rPr lang="ko-KR" altLang="en-US" sz="2800" b="1" dirty="0">
                 <a:solidFill>
                   <a:schemeClr val="bg1"/>
                 </a:solidFill>
@@ -15818,12 +15679,89 @@
               <a:t> </a:t>
             </a:r>
             <a:r>
-              <a:rPr lang="en-US" altLang="ko-KR" sz="2800" b="1" dirty="0" smtClean="0">
+              <a:rPr lang="en-US" altLang="ko-KR" sz="2800" b="1" dirty="0">
                 <a:solidFill>
                   <a:schemeClr val="bg1"/>
                 </a:solidFill>
               </a:rPr>
               <a:t>Library</a:t>
+            </a:r>
+          </a:p>
+          <a:p>
+            <a:pPr algn="ctr">
+              <a:lnSpc>
+                <a:spcPct val="150000"/>
+              </a:lnSpc>
+            </a:pPr>
+            <a:r>
+              <a:rPr lang="en-US" altLang="ko-KR" sz="2800" b="1" dirty="0">
+                <a:solidFill>
+                  <a:schemeClr val="bg1"/>
+                </a:solidFill>
+              </a:rPr>
+              <a:t>Trello</a:t>
+            </a:r>
+            <a:r>
+              <a:rPr lang="ko-KR" altLang="en-US" sz="2800" b="1" dirty="0">
+                <a:solidFill>
+                  <a:schemeClr val="bg1"/>
+                </a:solidFill>
+              </a:rPr>
+              <a:t> </a:t>
+            </a:r>
+            <a:r>
+              <a:rPr lang="en-US" altLang="ko-KR" sz="2800" b="1" dirty="0">
+                <a:solidFill>
+                  <a:schemeClr val="bg1"/>
+                </a:solidFill>
+              </a:rPr>
+              <a:t>( google calendar</a:t>
+            </a:r>
+            <a:r>
+              <a:rPr lang="ko-KR" altLang="en-US" sz="2800" b="1" dirty="0">
+                <a:solidFill>
+                  <a:schemeClr val="bg1"/>
+                </a:solidFill>
+              </a:rPr>
+              <a:t> 연동</a:t>
+            </a:r>
+            <a:r>
+              <a:rPr lang="en-US" altLang="ko-KR" sz="2800" b="1" dirty="0">
+                <a:solidFill>
+                  <a:schemeClr val="bg1"/>
+                </a:solidFill>
+              </a:rPr>
+              <a:t>)</a:t>
+            </a:r>
+          </a:p>
+          <a:p>
+            <a:pPr algn="ctr">
+              <a:lnSpc>
+                <a:spcPct val="150000"/>
+              </a:lnSpc>
+            </a:pPr>
+            <a:r>
+              <a:rPr lang="en-US" altLang="ko-KR" sz="2800" b="1" dirty="0">
+                <a:solidFill>
+                  <a:schemeClr val="bg1"/>
+                </a:solidFill>
+              </a:rPr>
+              <a:t>Microsoft office</a:t>
+            </a:r>
+          </a:p>
+          <a:p>
+            <a:pPr algn="ctr">
+              <a:lnSpc>
+                <a:spcPct val="150000"/>
+              </a:lnSpc>
+            </a:pPr>
+            <a:r>
+              <a:rPr lang="en-US" altLang="ko-KR" sz="2800" b="1" dirty="0" err="1">
+                <a:solidFill>
+                  <a:schemeClr val="bg1"/>
+                </a:solidFill>
+              </a:rPr>
+              <a:t>Github</a:t>
             </a:r>
             <a:endParaRPr lang="en-US" altLang="ko-KR" sz="2800" b="1" dirty="0">
               <a:solidFill>
@@ -15843,103 +15781,8 @@
                   <a:schemeClr val="bg1"/>
                 </a:solidFill>
               </a:rPr>
-              <a:t>Trello</a:t>
-            </a:r>
-            <a:r>
-              <a:rPr lang="ko-KR" altLang="en-US" sz="2800" b="1" dirty="0">
-                <a:solidFill>
-                  <a:schemeClr val="bg1"/>
-                </a:solidFill>
-              </a:rPr>
-              <a:t> </a:t>
-            </a:r>
-            <a:r>
-              <a:rPr lang="en-US" altLang="ko-KR" sz="2800" b="1" dirty="0">
-                <a:solidFill>
-                  <a:schemeClr val="bg1"/>
-                </a:solidFill>
-              </a:rPr>
-              <a:t>( google calendar</a:t>
-            </a:r>
-            <a:r>
-              <a:rPr lang="ko-KR" altLang="en-US" sz="2800" b="1" dirty="0">
-                <a:solidFill>
-                  <a:schemeClr val="bg1"/>
-                </a:solidFill>
-              </a:rPr>
-              <a:t> 연동</a:t>
-            </a:r>
-            <a:r>
-              <a:rPr lang="en-US" altLang="ko-KR" sz="2800" b="1" dirty="0">
-                <a:solidFill>
-                  <a:schemeClr val="bg1"/>
-                </a:solidFill>
-              </a:rPr>
-              <a:t>)</a:t>
-            </a:r>
-          </a:p>
-          <a:p>
-            <a:pPr algn="ctr">
-              <a:lnSpc>
-                <a:spcPct val="150000"/>
-              </a:lnSpc>
-            </a:pPr>
-            <a:r>
-              <a:rPr lang="en-US" altLang="ko-KR" sz="2800" b="1" dirty="0">
-                <a:solidFill>
-                  <a:schemeClr val="bg1"/>
-                </a:solidFill>
-              </a:rPr>
-              <a:t>Microsoft office</a:t>
-            </a:r>
-          </a:p>
-          <a:p>
-            <a:pPr algn="ctr">
-              <a:lnSpc>
-                <a:spcPct val="150000"/>
-              </a:lnSpc>
-            </a:pPr>
-            <a:r>
-              <a:rPr lang="en-US" altLang="ko-KR" sz="2800" b="1" dirty="0" err="1">
-                <a:solidFill>
-                  <a:schemeClr val="bg1"/>
-                </a:solidFill>
-              </a:rPr>
-              <a:t>Github</a:t>
-            </a:r>
-            <a:endParaRPr lang="en-US" altLang="ko-KR" sz="2800" b="1" dirty="0">
-              <a:solidFill>
-                <a:schemeClr val="bg1"/>
-              </a:solidFill>
-            </a:endParaRPr>
-          </a:p>
-          <a:p>
-            <a:pPr algn="ctr">
-              <a:lnSpc>
-                <a:spcPct val="150000"/>
-              </a:lnSpc>
-            </a:pPr>
-            <a:r>
-              <a:rPr lang="en-US" altLang="ko-KR" sz="2800" b="1" dirty="0">
-                <a:solidFill>
-                  <a:schemeClr val="bg1"/>
-                </a:solidFill>
-              </a:rPr>
-              <a:t>3dsMax </a:t>
-            </a:r>
-            <a:r>
-              <a:rPr lang="en-US" altLang="ko-KR" sz="2800" b="1" dirty="0" smtClean="0">
-                <a:solidFill>
-                  <a:schemeClr val="bg1"/>
-                </a:solidFill>
-              </a:rPr>
-              <a:t>2016</a:t>
-            </a:r>
-            <a:endParaRPr lang="en-US" altLang="ko-KR" sz="2800" b="1" dirty="0">
-              <a:solidFill>
-                <a:schemeClr val="bg1"/>
-              </a:solidFill>
-            </a:endParaRPr>
+              <a:t>3dsMax 2016</a:t>
+            </a:r>
           </a:p>
         </p:txBody>
       </p:sp>
@@ -15956,13 +15799,6 @@
   <p:transition spd="slow">
     <p:push dir="u"/>
   </p:transition>
-  <p:timing>
-    <p:tnLst>
-      <p:par>
-        <p:cTn id="1" dur="indefinite" restart="never" nodeType="tmRoot"/>
-      </p:par>
-    </p:tnLst>
-  </p:timing>
 </p:sld>
 </file>
 
@@ -17793,7 +17629,7 @@
           <a:lstStyle/>
           <a:p>
             <a:r>
-              <a:rPr kumimoji="1" lang="ko-KR" altLang="en-US" sz="4000" dirty="0" smtClean="0">
+              <a:rPr kumimoji="1" lang="ko-KR" altLang="en-US" sz="4000" dirty="0">
                 <a:solidFill>
                   <a:schemeClr val="bg1"/>
                 </a:solidFill>
@@ -17801,7 +17637,7 @@
               <a:t>기획 </a:t>
             </a:r>
             <a:r>
-              <a:rPr kumimoji="1" lang="en-US" altLang="ko-KR" sz="4000" smtClean="0">
+              <a:rPr kumimoji="1" lang="en-US" altLang="ko-KR" sz="4000">
                 <a:solidFill>
                   <a:schemeClr val="bg1"/>
                 </a:solidFill>
@@ -17809,7 +17645,7 @@
               <a:t>/</a:t>
             </a:r>
             <a:r>
-              <a:rPr kumimoji="1" lang="ko-KR" altLang="en-US" sz="4000" smtClean="0">
+              <a:rPr kumimoji="1" lang="ko-KR" altLang="en-US" sz="4000">
                 <a:solidFill>
                   <a:schemeClr val="bg1"/>
                 </a:solidFill>
@@ -18896,7 +18732,7 @@
           <a:p>
             <a:pPr algn="ctr"/>
             <a:r>
-              <a:rPr kumimoji="1" lang="ko-KR" altLang="en-US" sz="1400" dirty="0" smtClean="0">
+              <a:rPr kumimoji="1" lang="ko-KR" altLang="en-US" sz="1400" dirty="0">
                 <a:solidFill>
                   <a:schemeClr val="bg1"/>
                 </a:solidFill>
@@ -18904,7 +18740,7 @@
               <a:t>모델링 </a:t>
             </a:r>
             <a:r>
-              <a:rPr kumimoji="1" lang="en-US" altLang="ko-KR" sz="1400" dirty="0" smtClean="0">
+              <a:rPr kumimoji="1" lang="en-US" altLang="ko-KR" sz="1400" dirty="0">
                 <a:solidFill>
                   <a:schemeClr val="bg1"/>
                 </a:solidFill>
@@ -18912,18 +18748,13 @@
               <a:t>1</a:t>
             </a:r>
             <a:r>
-              <a:rPr kumimoji="1" lang="ko-KR" altLang="en-US" sz="1400" dirty="0" smtClean="0">
+              <a:rPr kumimoji="1" lang="ko-KR" altLang="en-US" sz="1400" dirty="0">
                 <a:solidFill>
                   <a:schemeClr val="bg1"/>
                 </a:solidFill>
               </a:rPr>
               <a:t>종</a:t>
             </a:r>
-            <a:endParaRPr kumimoji="1" lang="ko-KR" altLang="en-US" sz="1400" dirty="0">
-              <a:solidFill>
-                <a:schemeClr val="bg1"/>
-              </a:solidFill>
-            </a:endParaRPr>
           </a:p>
         </p:txBody>
       </p:sp>
@@ -19324,14 +19155,14 @@
           <a:p>
             <a:pPr algn="ctr"/>
             <a:r>
-              <a:rPr kumimoji="1" lang="ko-KR" altLang="en-US" sz="1400" dirty="0" smtClean="0">
+              <a:rPr kumimoji="1" lang="ko-KR" altLang="en-US" sz="1400" dirty="0">
                 <a:solidFill>
                   <a:schemeClr val="bg1"/>
                 </a:solidFill>
               </a:rPr>
               <a:t>몬스터</a:t>
             </a:r>
-            <a:endParaRPr kumimoji="1" lang="en-US" altLang="ko-KR" sz="1400" dirty="0" smtClean="0">
+            <a:endParaRPr kumimoji="1" lang="en-US" altLang="ko-KR" sz="1400" dirty="0">
               <a:solidFill>
                 <a:schemeClr val="bg1"/>
               </a:solidFill>
@@ -19340,7 +19171,7 @@
           <a:p>
             <a:pPr algn="ctr"/>
             <a:r>
-              <a:rPr kumimoji="1" lang="ko-KR" altLang="en-US" sz="1400" dirty="0" smtClean="0">
+              <a:rPr kumimoji="1" lang="ko-KR" altLang="en-US" sz="1400" dirty="0">
                 <a:solidFill>
                   <a:schemeClr val="bg1"/>
                 </a:solidFill>
@@ -19356,18 +19187,13 @@
               <a:t>5</a:t>
             </a:r>
             <a:r>
-              <a:rPr kumimoji="1" lang="ko-KR" altLang="en-US" sz="1400" dirty="0" smtClean="0">
+              <a:rPr kumimoji="1" lang="ko-KR" altLang="en-US" sz="1400" dirty="0">
                 <a:solidFill>
                   <a:schemeClr val="bg1"/>
                 </a:solidFill>
               </a:rPr>
               <a:t>종</a:t>
             </a:r>
-            <a:endParaRPr kumimoji="1" lang="ko-KR" altLang="en-US" sz="1400" dirty="0">
-              <a:solidFill>
-                <a:schemeClr val="bg1"/>
-              </a:solidFill>
-            </a:endParaRPr>
           </a:p>
         </p:txBody>
       </p:sp>
@@ -19591,18 +19417,13 @@
           <a:p>
             <a:pPr algn="ctr"/>
             <a:r>
-              <a:rPr kumimoji="1" lang="ko-KR" altLang="en-US" dirty="0" smtClean="0">
+              <a:rPr kumimoji="1" lang="ko-KR" altLang="en-US" dirty="0">
                 <a:solidFill>
                   <a:schemeClr val="bg1"/>
                 </a:solidFill>
               </a:rPr>
               <a:t>시스템</a:t>
             </a:r>
-            <a:endParaRPr kumimoji="1" lang="ko-KR" altLang="en-US" dirty="0">
-              <a:solidFill>
-                <a:schemeClr val="bg1"/>
-              </a:solidFill>
-            </a:endParaRPr>
           </a:p>
         </p:txBody>
       </p:sp>
@@ -19649,18 +19470,13 @@
           <a:p>
             <a:pPr algn="ctr"/>
             <a:r>
-              <a:rPr kumimoji="1" lang="ko-KR" altLang="en-US" dirty="0" smtClean="0">
+              <a:rPr kumimoji="1" lang="ko-KR" altLang="en-US" dirty="0">
                 <a:solidFill>
                   <a:schemeClr val="bg1"/>
                 </a:solidFill>
               </a:rPr>
               <a:t>컨텐츠</a:t>
             </a:r>
-            <a:endParaRPr kumimoji="1" lang="ko-KR" altLang="en-US" dirty="0">
-              <a:solidFill>
-                <a:schemeClr val="bg1"/>
-              </a:solidFill>
-            </a:endParaRPr>
           </a:p>
         </p:txBody>
       </p:sp>
@@ -19707,18 +19523,13 @@
           <a:p>
             <a:pPr algn="ctr"/>
             <a:r>
-              <a:rPr kumimoji="1" lang="ko-KR" altLang="en-US" dirty="0" smtClean="0">
+              <a:rPr kumimoji="1" lang="ko-KR" altLang="en-US" dirty="0">
                 <a:solidFill>
                   <a:schemeClr val="bg1"/>
                 </a:solidFill>
               </a:rPr>
               <a:t>리소스</a:t>
             </a:r>
-            <a:endParaRPr kumimoji="1" lang="ko-KR" altLang="en-US" dirty="0">
-              <a:solidFill>
-                <a:schemeClr val="bg1"/>
-              </a:solidFill>
-            </a:endParaRPr>
           </a:p>
         </p:txBody>
       </p:sp>
@@ -19765,14 +19576,14 @@
           <a:p>
             <a:pPr algn="ctr"/>
             <a:r>
-              <a:rPr kumimoji="1" lang="ko-KR" altLang="en-US" sz="1050" dirty="0" smtClean="0">
+              <a:rPr kumimoji="1" lang="ko-KR" altLang="en-US" sz="1050" dirty="0">
                 <a:solidFill>
                   <a:schemeClr val="bg1"/>
                 </a:solidFill>
               </a:rPr>
               <a:t>퀘스트</a:t>
             </a:r>
-            <a:endParaRPr kumimoji="1" lang="en-US" altLang="ko-KR" sz="1050" dirty="0" smtClean="0">
+            <a:endParaRPr kumimoji="1" lang="en-US" altLang="ko-KR" sz="1050" dirty="0">
               <a:solidFill>
                 <a:schemeClr val="bg1"/>
               </a:solidFill>
@@ -19781,7 +19592,7 @@
           <a:p>
             <a:pPr algn="ctr"/>
             <a:r>
-              <a:rPr kumimoji="1" lang="en-US" altLang="ko-KR" sz="1050" dirty="0" smtClean="0">
+              <a:rPr kumimoji="1" lang="en-US" altLang="ko-KR" sz="1050" dirty="0">
                 <a:solidFill>
                   <a:schemeClr val="bg1"/>
                 </a:solidFill>
@@ -19789,18 +19600,13 @@
               <a:t>20</a:t>
             </a:r>
             <a:r>
-              <a:rPr kumimoji="1" lang="ko-KR" altLang="en-US" sz="1050" dirty="0" smtClean="0">
+              <a:rPr kumimoji="1" lang="ko-KR" altLang="en-US" sz="1050" dirty="0">
                 <a:solidFill>
                   <a:schemeClr val="bg1"/>
                 </a:solidFill>
               </a:rPr>
               <a:t>종</a:t>
             </a:r>
-            <a:endParaRPr kumimoji="1" lang="ko-KR" altLang="en-US" sz="1050" dirty="0">
-              <a:solidFill>
-                <a:schemeClr val="bg1"/>
-              </a:solidFill>
-            </a:endParaRPr>
           </a:p>
         </p:txBody>
       </p:sp>
@@ -19847,18 +19653,13 @@
           <a:p>
             <a:pPr algn="ctr"/>
             <a:r>
-              <a:rPr kumimoji="1" lang="ko-KR" altLang="en-US" sz="1050" dirty="0" smtClean="0">
+              <a:rPr kumimoji="1" lang="ko-KR" altLang="en-US" sz="1050" dirty="0">
                 <a:solidFill>
                   <a:schemeClr val="bg1"/>
                 </a:solidFill>
               </a:rPr>
               <a:t>아이템</a:t>
             </a:r>
-            <a:endParaRPr kumimoji="1" lang="ko-KR" altLang="en-US" sz="1050" dirty="0">
-              <a:solidFill>
-                <a:schemeClr val="bg1"/>
-              </a:solidFill>
-            </a:endParaRPr>
           </a:p>
         </p:txBody>
       </p:sp>
@@ -19907,7 +19708,7 @@
           <a:p>
             <a:pPr algn="ctr"/>
             <a:r>
-              <a:rPr kumimoji="1" lang="en-US" altLang="ko-KR" sz="1400" dirty="0" smtClean="0">
+              <a:rPr kumimoji="1" lang="en-US" altLang="ko-KR" sz="1400" dirty="0">
                 <a:solidFill>
                   <a:schemeClr val="bg1"/>
                 </a:solidFill>
@@ -19967,18 +19768,13 @@
           <a:p>
             <a:pPr algn="ctr"/>
             <a:r>
-              <a:rPr kumimoji="1" lang="ko-KR" altLang="en-US" sz="1400" dirty="0" smtClean="0">
+              <a:rPr kumimoji="1" lang="ko-KR" altLang="en-US" sz="1400" dirty="0">
                 <a:solidFill>
                   <a:schemeClr val="bg1"/>
                 </a:solidFill>
               </a:rPr>
               <a:t>드랍</a:t>
             </a:r>
-            <a:endParaRPr kumimoji="1" lang="ko-KR" altLang="en-US" sz="1400" dirty="0">
-              <a:solidFill>
-                <a:schemeClr val="bg1"/>
-              </a:solidFill>
-            </a:endParaRPr>
           </a:p>
         </p:txBody>
       </p:sp>
@@ -20025,14 +19821,14 @@
           <a:p>
             <a:pPr algn="ctr"/>
             <a:r>
-              <a:rPr kumimoji="1" lang="ko-KR" altLang="en-US" sz="1400" dirty="0" smtClean="0">
+              <a:rPr kumimoji="1" lang="ko-KR" altLang="en-US" sz="1400" dirty="0">
                 <a:solidFill>
                   <a:schemeClr val="bg1"/>
                 </a:solidFill>
               </a:rPr>
               <a:t>던전</a:t>
             </a:r>
-            <a:endParaRPr kumimoji="1" lang="en-US" altLang="ko-KR" sz="1400" dirty="0" smtClean="0">
+            <a:endParaRPr kumimoji="1" lang="en-US" altLang="ko-KR" sz="1400" dirty="0">
               <a:solidFill>
                 <a:schemeClr val="bg1"/>
               </a:solidFill>
@@ -20041,18 +19837,13 @@
           <a:p>
             <a:pPr algn="ctr"/>
             <a:r>
-              <a:rPr kumimoji="1" lang="ko-KR" altLang="en-US" sz="1400" dirty="0" smtClean="0">
+              <a:rPr kumimoji="1" lang="ko-KR" altLang="en-US" sz="1400" dirty="0">
                 <a:solidFill>
                   <a:schemeClr val="bg1"/>
                 </a:solidFill>
               </a:rPr>
               <a:t>레벨</a:t>
             </a:r>
-            <a:endParaRPr kumimoji="1" lang="ko-KR" altLang="en-US" sz="1400" dirty="0">
-              <a:solidFill>
-                <a:schemeClr val="bg1"/>
-              </a:solidFill>
-            </a:endParaRPr>
           </a:p>
         </p:txBody>
       </p:sp>
@@ -20099,14 +19890,14 @@
           <a:p>
             <a:pPr algn="ctr"/>
             <a:r>
-              <a:rPr kumimoji="1" lang="ko-KR" altLang="en-US" sz="1600" dirty="0" smtClean="0">
+              <a:rPr kumimoji="1" lang="ko-KR" altLang="en-US" sz="1600" dirty="0">
                 <a:solidFill>
                   <a:schemeClr val="bg1"/>
                 </a:solidFill>
               </a:rPr>
               <a:t>작성완료</a:t>
             </a:r>
-            <a:endParaRPr kumimoji="1" lang="en-US" altLang="ko-KR" sz="1600" dirty="0" smtClean="0">
+            <a:endParaRPr kumimoji="1" lang="en-US" altLang="ko-KR" sz="1600" dirty="0">
               <a:solidFill>
                 <a:schemeClr val="bg1"/>
               </a:solidFill>
@@ -20115,18 +19906,13 @@
           <a:p>
             <a:pPr algn="ctr"/>
             <a:r>
-              <a:rPr kumimoji="1" lang="ko-KR" altLang="en-US" sz="1400" dirty="0" smtClean="0">
+              <a:rPr kumimoji="1" lang="ko-KR" altLang="en-US" sz="1400" dirty="0">
                 <a:solidFill>
                   <a:srgbClr val="00B0F0"/>
                 </a:solidFill>
               </a:rPr>
               <a:t>시스템</a:t>
             </a:r>
-            <a:endParaRPr kumimoji="1" lang="ko-KR" altLang="en-US" sz="1400" dirty="0">
-              <a:solidFill>
-                <a:srgbClr val="00B0F0"/>
-              </a:solidFill>
-            </a:endParaRPr>
           </a:p>
         </p:txBody>
       </p:sp>
@@ -20173,7 +19959,7 @@
           <a:p>
             <a:pPr algn="ctr"/>
             <a:r>
-              <a:rPr kumimoji="1" lang="en-US" altLang="ko-KR" sz="1400" smtClean="0">
+              <a:rPr kumimoji="1" lang="en-US" altLang="ko-KR" sz="1400">
                 <a:solidFill>
                   <a:schemeClr val="bg1"/>
                 </a:solidFill>
@@ -20231,34 +20017,24 @@
           <a:p>
             <a:pPr algn="ctr"/>
             <a:r>
-              <a:rPr kumimoji="1" lang="en-US" altLang="ko-KR" sz="1400" dirty="0" smtClean="0">
+              <a:rPr kumimoji="1" lang="en-US" altLang="ko-KR" sz="1400" dirty="0">
                 <a:solidFill>
                   <a:schemeClr val="bg1"/>
                 </a:solidFill>
               </a:rPr>
               <a:t>AI</a:t>
             </a:r>
-            <a:endParaRPr kumimoji="1" lang="en-US" altLang="ko-KR" sz="1400" dirty="0">
-              <a:solidFill>
-                <a:schemeClr val="bg1"/>
-              </a:solidFill>
-            </a:endParaRPr>
           </a:p>
           <a:p>
             <a:pPr algn="ctr"/>
             <a:r>
-              <a:rPr kumimoji="1" lang="ko-KR" altLang="en-US" sz="1400" dirty="0" smtClean="0">
+              <a:rPr kumimoji="1" lang="ko-KR" altLang="en-US" sz="1400" dirty="0">
                 <a:solidFill>
                   <a:schemeClr val="bg1"/>
                 </a:solidFill>
               </a:rPr>
               <a:t>설계</a:t>
             </a:r>
-            <a:endParaRPr kumimoji="1" lang="ko-KR" altLang="en-US" sz="1400" dirty="0">
-              <a:solidFill>
-                <a:schemeClr val="bg1"/>
-              </a:solidFill>
-            </a:endParaRPr>
           </a:p>
         </p:txBody>
       </p:sp>
@@ -20305,14 +20081,14 @@
           <a:p>
             <a:pPr algn="ctr"/>
             <a:r>
-              <a:rPr kumimoji="1" lang="ko-KR" altLang="en-US" sz="1050" dirty="0" smtClean="0">
+              <a:rPr kumimoji="1" lang="ko-KR" altLang="en-US" sz="1050" dirty="0">
                 <a:solidFill>
                   <a:schemeClr val="bg1"/>
                 </a:solidFill>
               </a:rPr>
               <a:t>몬스터</a:t>
             </a:r>
-            <a:endParaRPr kumimoji="1" lang="en-US" altLang="ko-KR" sz="1050" dirty="0" smtClean="0">
+            <a:endParaRPr kumimoji="1" lang="en-US" altLang="ko-KR" sz="1050" dirty="0">
               <a:solidFill>
                 <a:schemeClr val="bg1"/>
               </a:solidFill>
@@ -20329,18 +20105,13 @@
               <a:t>5</a:t>
             </a:r>
             <a:r>
-              <a:rPr kumimoji="1" lang="ko-KR" altLang="en-US" sz="1050" dirty="0" smtClean="0">
+              <a:rPr kumimoji="1" lang="ko-KR" altLang="en-US" sz="1050" dirty="0">
                 <a:solidFill>
                   <a:schemeClr val="bg1"/>
                 </a:solidFill>
               </a:rPr>
               <a:t>종</a:t>
             </a:r>
-            <a:endParaRPr kumimoji="1" lang="ko-KR" altLang="en-US" sz="1050" dirty="0">
-              <a:solidFill>
-                <a:schemeClr val="bg1"/>
-              </a:solidFill>
-            </a:endParaRPr>
           </a:p>
         </p:txBody>
       </p:sp>
@@ -20387,14 +20158,14 @@
           <a:p>
             <a:pPr algn="ctr"/>
             <a:r>
-              <a:rPr kumimoji="1" lang="ko-KR" altLang="en-US" sz="1400" dirty="0" smtClean="0">
+              <a:rPr kumimoji="1" lang="ko-KR" altLang="en-US" sz="1400" dirty="0">
                 <a:solidFill>
                   <a:schemeClr val="bg1"/>
                 </a:solidFill>
               </a:rPr>
               <a:t>드랍</a:t>
             </a:r>
-            <a:endParaRPr kumimoji="1" lang="en-US" altLang="ko-KR" sz="1400" dirty="0" smtClean="0">
+            <a:endParaRPr kumimoji="1" lang="en-US" altLang="ko-KR" sz="1400" dirty="0">
               <a:solidFill>
                 <a:schemeClr val="bg1"/>
               </a:solidFill>
@@ -20403,18 +20174,13 @@
           <a:p>
             <a:pPr algn="ctr"/>
             <a:r>
-              <a:rPr kumimoji="1" lang="ko-KR" altLang="en-US" sz="1400" dirty="0" smtClean="0">
+              <a:rPr kumimoji="1" lang="ko-KR" altLang="en-US" sz="1400" dirty="0">
                 <a:solidFill>
                   <a:schemeClr val="bg1"/>
                 </a:solidFill>
               </a:rPr>
               <a:t>설계</a:t>
             </a:r>
-            <a:endParaRPr kumimoji="1" lang="ko-KR" altLang="en-US" sz="1400" dirty="0">
-              <a:solidFill>
-                <a:schemeClr val="bg1"/>
-              </a:solidFill>
-            </a:endParaRPr>
           </a:p>
         </p:txBody>
       </p:sp>
@@ -20461,14 +20227,14 @@
           <a:p>
             <a:pPr algn="ctr"/>
             <a:r>
-              <a:rPr kumimoji="1" lang="ko-KR" altLang="en-US" sz="1400" dirty="0" smtClean="0">
+              <a:rPr kumimoji="1" lang="ko-KR" altLang="en-US" sz="1400" dirty="0">
                 <a:solidFill>
                   <a:schemeClr val="bg1"/>
                 </a:solidFill>
               </a:rPr>
               <a:t>캐릭터</a:t>
             </a:r>
-            <a:endParaRPr kumimoji="1" lang="en-US" altLang="ko-KR" sz="1400" dirty="0" smtClean="0">
+            <a:endParaRPr kumimoji="1" lang="en-US" altLang="ko-KR" sz="1400" dirty="0">
               <a:solidFill>
                 <a:schemeClr val="bg1"/>
               </a:solidFill>
@@ -20477,7 +20243,7 @@
           <a:p>
             <a:pPr algn="ctr"/>
             <a:r>
-              <a:rPr kumimoji="1" lang="ko-KR" altLang="en-US" sz="1400" dirty="0" smtClean="0">
+              <a:rPr kumimoji="1" lang="ko-KR" altLang="en-US" sz="1400" dirty="0">
                 <a:solidFill>
                   <a:schemeClr val="bg1"/>
                 </a:solidFill>
@@ -20485,7 +20251,7 @@
               <a:t>모델링 </a:t>
             </a:r>
             <a:r>
-              <a:rPr kumimoji="1" lang="en-US" altLang="ko-KR" sz="1400" dirty="0" smtClean="0">
+              <a:rPr kumimoji="1" lang="en-US" altLang="ko-KR" sz="1400" dirty="0">
                 <a:solidFill>
                   <a:schemeClr val="bg1"/>
                 </a:solidFill>
@@ -20493,18 +20259,13 @@
               <a:t>2</a:t>
             </a:r>
             <a:r>
-              <a:rPr kumimoji="1" lang="ko-KR" altLang="en-US" sz="1400" dirty="0" smtClean="0">
+              <a:rPr kumimoji="1" lang="ko-KR" altLang="en-US" sz="1400" dirty="0">
                 <a:solidFill>
                   <a:schemeClr val="bg1"/>
                 </a:solidFill>
               </a:rPr>
               <a:t>종</a:t>
             </a:r>
-            <a:endParaRPr kumimoji="1" lang="ko-KR" altLang="en-US" sz="1400" dirty="0">
-              <a:solidFill>
-                <a:schemeClr val="bg1"/>
-              </a:solidFill>
-            </a:endParaRPr>
           </a:p>
         </p:txBody>
       </p:sp>
@@ -20551,18 +20312,13 @@
           <a:p>
             <a:pPr algn="ctr"/>
             <a:r>
-              <a:rPr kumimoji="1" lang="ko-KR" altLang="en-US" sz="1400" dirty="0" smtClean="0">
+              <a:rPr kumimoji="1" lang="ko-KR" altLang="en-US" sz="1400" dirty="0">
                 <a:solidFill>
                   <a:schemeClr val="bg1"/>
                 </a:solidFill>
               </a:rPr>
               <a:t>사운드 삽입</a:t>
             </a:r>
-            <a:endParaRPr kumimoji="1" lang="ko-KR" altLang="en-US" sz="1400" dirty="0">
-              <a:solidFill>
-                <a:schemeClr val="bg1"/>
-              </a:solidFill>
-            </a:endParaRPr>
           </a:p>
         </p:txBody>
       </p:sp>
@@ -20611,7 +20367,7 @@
           <a:p>
             <a:pPr algn="ctr"/>
             <a:r>
-              <a:rPr kumimoji="1" lang="en-US" altLang="ko-KR" sz="1400" smtClean="0">
+              <a:rPr kumimoji="1" lang="en-US" altLang="ko-KR" sz="1400">
                 <a:solidFill>
                   <a:schemeClr val="bg1"/>
                 </a:solidFill>
@@ -20639,13 +20395,6 @@
   <p:transition spd="slow">
     <p:push/>
   </p:transition>
-  <p:timing>
-    <p:tnLst>
-      <p:par>
-        <p:cTn id="1" dur="indefinite" restart="never" nodeType="tmRoot"/>
-      </p:par>
-    </p:tnLst>
-  </p:timing>
 </p:sld>
 </file>
 
@@ -21258,20 +21007,12 @@
           <a:p>
             <a:pPr algn="ctr"/>
             <a:r>
-              <a:rPr kumimoji="1" lang="ko-KR" altLang="en-US" dirty="0" smtClean="0">
+              <a:rPr kumimoji="1" lang="ko-KR" altLang="en-US" dirty="0">
                 <a:solidFill>
                   <a:schemeClr val="bg1"/>
                 </a:solidFill>
               </a:rPr>
-              <a:t>패킷 데드레커닝 </a:t>
-            </a:r>
-            <a:r>
-              <a:rPr kumimoji="1" lang="ko-KR" altLang="en-US" dirty="0">
-                <a:solidFill>
-                  <a:schemeClr val="bg1"/>
-                </a:solidFill>
-              </a:rPr>
-              <a:t>최적화 작업</a:t>
+              <a:t>패킷 데드레커닝 최적화 작업</a:t>
             </a:r>
           </a:p>
         </p:txBody>
@@ -21388,7 +21129,7 @@
           <a:p>
             <a:pPr algn="ctr"/>
             <a:r>
-              <a:rPr kumimoji="1" lang="ko-KR" altLang="en-US" smtClean="0">
+              <a:rPr kumimoji="1" lang="ko-KR" altLang="en-US">
                 <a:solidFill>
                   <a:schemeClr val="bg1"/>
                 </a:solidFill>
@@ -21784,7 +21525,7 @@
           <a:p>
             <a:pPr algn="ctr"/>
             <a:r>
-              <a:rPr kumimoji="1" lang="ko-KR" altLang="en-US" sz="2000" smtClean="0">
+              <a:rPr kumimoji="1" lang="ko-KR" altLang="en-US" sz="2000">
                 <a:solidFill>
                   <a:schemeClr val="bg1"/>
                 </a:solidFill>
@@ -21842,18 +21583,13 @@
           <a:p>
             <a:pPr algn="ctr"/>
             <a:r>
-              <a:rPr kumimoji="1" lang="ko-KR" altLang="en-US" sz="2000" dirty="0" smtClean="0">
+              <a:rPr kumimoji="1" lang="ko-KR" altLang="en-US" sz="2000" dirty="0">
                 <a:solidFill>
                   <a:schemeClr val="bg1"/>
                 </a:solidFill>
               </a:rPr>
               <a:t>충돌처리</a:t>
             </a:r>
-            <a:endParaRPr kumimoji="1" lang="ko-KR" altLang="en-US" sz="2000" dirty="0">
-              <a:solidFill>
-                <a:schemeClr val="bg1"/>
-              </a:solidFill>
-            </a:endParaRPr>
           </a:p>
         </p:txBody>
       </p:sp>
@@ -21870,13 +21606,6 @@
   <p:transition spd="slow">
     <p:push/>
   </p:transition>
-  <p:timing>
-    <p:tnLst>
-      <p:par>
-        <p:cTn id="1" dur="indefinite" restart="never" nodeType="tmRoot"/>
-      </p:par>
-    </p:tnLst>
-  </p:timing>
 </p:sld>
 </file>
 
@@ -22003,7 +21732,7 @@
           <a:lstStyle/>
           <a:p>
             <a:r>
-              <a:rPr kumimoji="1" lang="ko-KR" altLang="en-US" sz="4000" dirty="0" smtClean="0">
+              <a:rPr kumimoji="1" lang="ko-KR" altLang="en-US" sz="4000" dirty="0">
                 <a:solidFill>
                   <a:schemeClr val="bg1"/>
                 </a:solidFill>
@@ -22011,7 +21740,7 @@
               <a:t>클라이언트</a:t>
             </a:r>
             <a:r>
-              <a:rPr kumimoji="1" lang="ko-KR" altLang="en-US" sz="3200" dirty="0" smtClean="0">
+              <a:rPr kumimoji="1" lang="ko-KR" altLang="en-US" sz="3200" dirty="0">
                 <a:solidFill>
                   <a:schemeClr val="bg1">
                     <a:lumMod val="50000"/>
@@ -22021,7 +21750,7 @@
               <a:t> </a:t>
             </a:r>
             <a:r>
-              <a:rPr kumimoji="1" lang="en-US" altLang="ko-KR" sz="3200" dirty="0" smtClean="0">
+              <a:rPr kumimoji="1" lang="en-US" altLang="ko-KR" sz="3200" dirty="0">
                 <a:solidFill>
                   <a:schemeClr val="bg1">
                     <a:lumMod val="50000"/>
@@ -22031,7 +21760,7 @@
               <a:t>-</a:t>
             </a:r>
             <a:r>
-              <a:rPr kumimoji="1" lang="ko-KR" altLang="en-US" sz="3200" dirty="0" smtClean="0">
+              <a:rPr kumimoji="1" lang="ko-KR" altLang="en-US" sz="3200" dirty="0">
                 <a:solidFill>
                   <a:schemeClr val="bg1">
                     <a:lumMod val="50000"/>
@@ -22040,13 +21769,6 @@
               </a:rPr>
               <a:t> 허지훈</a:t>
             </a:r>
-            <a:endParaRPr kumimoji="1" lang="ko-KR" altLang="en-US" sz="3200" dirty="0">
-              <a:solidFill>
-                <a:schemeClr val="bg1">
-                  <a:lumMod val="50000"/>
-                </a:schemeClr>
-              </a:solidFill>
-            </a:endParaRPr>
           </a:p>
         </p:txBody>
       </p:sp>
@@ -22774,18 +22496,13 @@
           <a:p>
             <a:pPr algn="ctr"/>
             <a:r>
-              <a:rPr kumimoji="1" lang="ko-KR" altLang="en-US" sz="1600" dirty="0" smtClean="0">
+              <a:rPr kumimoji="1" lang="ko-KR" altLang="en-US" sz="1600" dirty="0">
                 <a:solidFill>
                   <a:schemeClr val="bg1"/>
                 </a:solidFill>
               </a:rPr>
               <a:t>환경매핑</a:t>
             </a:r>
-            <a:endParaRPr kumimoji="1" lang="ko-KR" altLang="en-US" sz="1600" dirty="0">
-              <a:solidFill>
-                <a:schemeClr val="bg1"/>
-              </a:solidFill>
-            </a:endParaRPr>
           </a:p>
         </p:txBody>
       </p:sp>
@@ -22834,7 +22551,7 @@
           <a:p>
             <a:pPr algn="ctr"/>
             <a:r>
-              <a:rPr kumimoji="1" lang="ko-KR" altLang="en-US" sz="2000" dirty="0" smtClean="0">
+              <a:rPr kumimoji="1" lang="ko-KR" altLang="en-US" sz="2000" dirty="0">
                 <a:solidFill>
                   <a:schemeClr val="bg1"/>
                 </a:solidFill>
@@ -22892,7 +22609,7 @@
           <a:p>
             <a:pPr algn="ctr"/>
             <a:r>
-              <a:rPr kumimoji="1" lang="ko-KR" altLang="en-US" smtClean="0">
+              <a:rPr kumimoji="1" lang="ko-KR" altLang="en-US">
                 <a:solidFill>
                   <a:schemeClr val="bg1"/>
                 </a:solidFill>
@@ -22950,14 +22667,14 @@
           <a:p>
             <a:pPr algn="ctr"/>
             <a:r>
-              <a:rPr kumimoji="1" lang="ko-KR" altLang="en-US" sz="1600" dirty="0" smtClean="0">
+              <a:rPr kumimoji="1" lang="ko-KR" altLang="en-US" sz="1600" dirty="0">
                 <a:solidFill>
                   <a:schemeClr val="bg1"/>
                 </a:solidFill>
               </a:rPr>
               <a:t>디퓨즈</a:t>
             </a:r>
-            <a:endParaRPr kumimoji="1" lang="en-US" altLang="ko-KR" sz="1600" dirty="0" smtClean="0">
+            <a:endParaRPr kumimoji="1" lang="en-US" altLang="ko-KR" sz="1600" dirty="0">
               <a:solidFill>
                 <a:schemeClr val="bg1"/>
               </a:solidFill>
@@ -22966,14 +22683,14 @@
           <a:p>
             <a:pPr algn="ctr"/>
             <a:r>
-              <a:rPr kumimoji="1" lang="ko-KR" altLang="en-US" sz="1600" dirty="0" smtClean="0">
+              <a:rPr kumimoji="1" lang="ko-KR" altLang="en-US" sz="1600" dirty="0">
                 <a:solidFill>
                   <a:schemeClr val="bg1"/>
                 </a:solidFill>
               </a:rPr>
               <a:t>스펙쿨러</a:t>
             </a:r>
-            <a:endParaRPr kumimoji="1" lang="en-US" altLang="ko-KR" sz="1600" dirty="0" smtClean="0">
+            <a:endParaRPr kumimoji="1" lang="en-US" altLang="ko-KR" sz="1600" dirty="0">
               <a:solidFill>
                 <a:schemeClr val="bg1"/>
               </a:solidFill>
@@ -22982,18 +22699,13 @@
           <a:p>
             <a:pPr algn="ctr"/>
             <a:r>
-              <a:rPr kumimoji="1" lang="ko-KR" altLang="en-US" sz="1600" dirty="0" smtClean="0">
+              <a:rPr kumimoji="1" lang="ko-KR" altLang="en-US" sz="1600" dirty="0">
                 <a:solidFill>
                   <a:schemeClr val="bg1"/>
                 </a:solidFill>
               </a:rPr>
               <a:t>매핑</a:t>
             </a:r>
-            <a:endParaRPr kumimoji="1" lang="ko-KR" altLang="en-US" sz="1600" dirty="0">
-              <a:solidFill>
-                <a:schemeClr val="bg1"/>
-              </a:solidFill>
-            </a:endParaRPr>
           </a:p>
         </p:txBody>
       </p:sp>
@@ -23040,7 +22752,7 @@
           <a:p>
             <a:pPr algn="ctr"/>
             <a:r>
-              <a:rPr kumimoji="1" lang="ko-KR" altLang="en-US" smtClean="0">
+              <a:rPr kumimoji="1" lang="ko-KR" altLang="en-US">
                 <a:solidFill>
                   <a:schemeClr val="bg1"/>
                 </a:solidFill>
@@ -23098,14 +22810,14 @@
           <a:p>
             <a:pPr algn="ctr"/>
             <a:r>
-              <a:rPr kumimoji="1" lang="ko-KR" altLang="en-US" sz="1400" dirty="0" smtClean="0">
+              <a:rPr kumimoji="1" lang="ko-KR" altLang="en-US" sz="1400" dirty="0">
                 <a:solidFill>
                   <a:schemeClr val="bg1"/>
                 </a:solidFill>
               </a:rPr>
               <a:t>쉐도우</a:t>
             </a:r>
-            <a:endParaRPr kumimoji="1" lang="en-US" altLang="ko-KR" sz="1400" dirty="0" smtClean="0">
+            <a:endParaRPr kumimoji="1" lang="en-US" altLang="ko-KR" sz="1400" dirty="0">
               <a:solidFill>
                 <a:schemeClr val="bg1"/>
               </a:solidFill>
@@ -23114,18 +22826,13 @@
           <a:p>
             <a:pPr algn="ctr"/>
             <a:r>
-              <a:rPr kumimoji="1" lang="ko-KR" altLang="en-US" sz="1400" dirty="0" smtClean="0">
+              <a:rPr kumimoji="1" lang="ko-KR" altLang="en-US" sz="1400" dirty="0">
                 <a:solidFill>
                   <a:schemeClr val="bg1"/>
                 </a:solidFill>
               </a:rPr>
               <a:t>매핑</a:t>
             </a:r>
-            <a:endParaRPr kumimoji="1" lang="ko-KR" altLang="en-US" sz="1400" dirty="0">
-              <a:solidFill>
-                <a:schemeClr val="bg1"/>
-              </a:solidFill>
-            </a:endParaRPr>
           </a:p>
         </p:txBody>
       </p:sp>
@@ -23142,13 +22849,6 @@
   <p:transition spd="slow">
     <p:push/>
   </p:transition>
-  <p:timing>
-    <p:tnLst>
-      <p:par>
-        <p:cTn id="1" dur="indefinite" restart="never" nodeType="tmRoot"/>
-      </p:par>
-    </p:tnLst>
-  </p:timing>
 </p:sld>
 </file>
 
@@ -23311,25 +23011,8 @@
                   </a:prstClr>
                 </a:solidFill>
               </a:rPr>
-              <a:t> </a:t>
-            </a:r>
-            <a:r>
-              <a:rPr kumimoji="1" lang="ko-KR" altLang="en-US" sz="3200" dirty="0" smtClean="0">
-                <a:solidFill>
-                  <a:prstClr val="white">
-                    <a:lumMod val="50000"/>
-                  </a:prstClr>
-                </a:solidFill>
-              </a:rPr>
-              <a:t>홍승필</a:t>
-            </a:r>
-            <a:endParaRPr kumimoji="1" lang="ko-KR" altLang="en-US" sz="3200" dirty="0">
-              <a:solidFill>
-                <a:prstClr val="white">
-                  <a:lumMod val="50000"/>
-                </a:prstClr>
-              </a:solidFill>
-            </a:endParaRPr>
+              <a:t> 홍승필</a:t>
+            </a:r>
           </a:p>
         </p:txBody>
       </p:sp>
@@ -23666,18 +23349,13 @@
           <a:p>
             <a:pPr algn="ctr"/>
             <a:r>
-              <a:rPr kumimoji="1" lang="ko-KR" altLang="en-US" sz="2400" dirty="0" smtClean="0">
+              <a:rPr kumimoji="1" lang="ko-KR" altLang="en-US" sz="2400" dirty="0">
                 <a:solidFill>
                   <a:schemeClr val="bg1"/>
                 </a:solidFill>
               </a:rPr>
               <a:t>툴 작업</a:t>
             </a:r>
-            <a:endParaRPr kumimoji="1" lang="ko-KR" altLang="en-US" sz="2400" dirty="0">
-              <a:solidFill>
-                <a:schemeClr val="bg1"/>
-              </a:solidFill>
-            </a:endParaRPr>
           </a:p>
         </p:txBody>
       </p:sp>
@@ -24062,14 +23740,14 @@
           <a:p>
             <a:pPr algn="ctr"/>
             <a:r>
-              <a:rPr kumimoji="1" lang="ko-KR" altLang="en-US" sz="1600" dirty="0" smtClean="0">
+              <a:rPr kumimoji="1" lang="ko-KR" altLang="en-US" sz="1600" dirty="0">
                 <a:solidFill>
                   <a:schemeClr val="bg1"/>
                 </a:solidFill>
               </a:rPr>
               <a:t>메인 캐릭터 </a:t>
             </a:r>
-            <a:endParaRPr kumimoji="1" lang="en-US" altLang="ko-KR" sz="1600" dirty="0" smtClean="0">
+            <a:endParaRPr kumimoji="1" lang="en-US" altLang="ko-KR" sz="1600" dirty="0">
               <a:solidFill>
                 <a:schemeClr val="bg1"/>
               </a:solidFill>
@@ -24078,18 +23756,13 @@
           <a:p>
             <a:pPr algn="ctr"/>
             <a:r>
-              <a:rPr kumimoji="1" lang="ko-KR" altLang="en-US" sz="1600" dirty="0" smtClean="0">
+              <a:rPr kumimoji="1" lang="ko-KR" altLang="en-US" sz="1600" dirty="0">
                 <a:solidFill>
                   <a:schemeClr val="bg1"/>
                 </a:solidFill>
               </a:rPr>
               <a:t>구현</a:t>
             </a:r>
-            <a:endParaRPr kumimoji="1" lang="ko-KR" altLang="en-US" sz="1600" dirty="0">
-              <a:solidFill>
-                <a:schemeClr val="bg1"/>
-              </a:solidFill>
-            </a:endParaRPr>
           </a:p>
         </p:txBody>
       </p:sp>
@@ -24138,7 +23811,7 @@
           <a:p>
             <a:pPr algn="ctr"/>
             <a:r>
-              <a:rPr kumimoji="1" lang="ko-KR" altLang="en-US" sz="2800" smtClean="0">
+              <a:rPr kumimoji="1" lang="ko-KR" altLang="en-US" sz="2800">
                 <a:solidFill>
                   <a:schemeClr val="bg1"/>
                 </a:solidFill>
@@ -24196,18 +23869,13 @@
           <a:p>
             <a:pPr algn="ctr"/>
             <a:r>
-              <a:rPr kumimoji="1" lang="ko-KR" altLang="en-US" dirty="0" smtClean="0">
+              <a:rPr kumimoji="1" lang="ko-KR" altLang="en-US" dirty="0">
                 <a:solidFill>
                   <a:schemeClr val="bg1"/>
                 </a:solidFill>
               </a:rPr>
               <a:t>프레임워크 제작</a:t>
             </a:r>
-            <a:endParaRPr kumimoji="1" lang="ko-KR" altLang="en-US" dirty="0">
-              <a:solidFill>
-                <a:schemeClr val="bg1"/>
-              </a:solidFill>
-            </a:endParaRPr>
           </a:p>
         </p:txBody>
       </p:sp>
@@ -24254,7 +23922,7 @@
           <a:p>
             <a:pPr algn="ctr"/>
             <a:r>
-              <a:rPr kumimoji="1" lang="ko-KR" altLang="en-US" sz="1600" dirty="0" smtClean="0">
+              <a:rPr kumimoji="1" lang="ko-KR" altLang="en-US" sz="1600" dirty="0">
                 <a:solidFill>
                   <a:schemeClr val="bg1"/>
                 </a:solidFill>
@@ -24262,23 +23930,18 @@
               <a:t>전투 및 스킬</a:t>
             </a:r>
             <a:r>
-              <a:rPr kumimoji="1" lang="en-US" altLang="ko-KR" sz="1600" dirty="0" smtClean="0">
+              <a:rPr kumimoji="1" lang="en-US" altLang="ko-KR" sz="1600" dirty="0">
                 <a:solidFill>
                   <a:schemeClr val="bg1"/>
                 </a:solidFill>
               </a:rPr>
               <a:t>,</a:t>
             </a:r>
-            <a:endParaRPr kumimoji="1" lang="en-US" altLang="ko-KR" sz="1600" dirty="0">
-              <a:solidFill>
-                <a:schemeClr val="bg1"/>
-              </a:solidFill>
-            </a:endParaRPr>
           </a:p>
           <a:p>
             <a:pPr algn="ctr"/>
             <a:r>
-              <a:rPr kumimoji="1" lang="ko-KR" altLang="en-US" sz="1600" dirty="0" smtClean="0">
+              <a:rPr kumimoji="1" lang="ko-KR" altLang="en-US" sz="1600" dirty="0">
                 <a:solidFill>
                   <a:schemeClr val="bg1"/>
                 </a:solidFill>
@@ -24286,7 +23949,7 @@
               <a:t>아이템</a:t>
             </a:r>
             <a:r>
-              <a:rPr kumimoji="1" lang="en-US" altLang="ko-KR" sz="1600" dirty="0" smtClean="0">
+              <a:rPr kumimoji="1" lang="en-US" altLang="ko-KR" sz="1600" dirty="0">
                 <a:solidFill>
                   <a:schemeClr val="bg1"/>
                 </a:solidFill>
@@ -24294,7 +23957,7 @@
               <a:t>,</a:t>
             </a:r>
             <a:r>
-              <a:rPr kumimoji="1" lang="ko-KR" altLang="en-US" sz="1600" dirty="0" smtClean="0">
+              <a:rPr kumimoji="1" lang="ko-KR" altLang="en-US" sz="1600" dirty="0">
                 <a:solidFill>
                   <a:schemeClr val="bg1"/>
                 </a:solidFill>
@@ -24302,7 +23965,7 @@
               <a:t> </a:t>
             </a:r>
             <a:r>
-              <a:rPr kumimoji="1" lang="en-US" altLang="ko-KR" sz="1600" dirty="0" smtClean="0">
+              <a:rPr kumimoji="1" lang="en-US" altLang="ko-KR" sz="1600" dirty="0">
                 <a:solidFill>
                   <a:schemeClr val="bg1"/>
                 </a:solidFill>
@@ -24360,34 +24023,24 @@
           <a:p>
             <a:pPr algn="ctr"/>
             <a:r>
-              <a:rPr kumimoji="1" lang="en-US" altLang="ko-KR" sz="1600" dirty="0" smtClean="0">
+              <a:rPr kumimoji="1" lang="en-US" altLang="ko-KR" sz="1600" dirty="0">
                 <a:solidFill>
                   <a:schemeClr val="bg1"/>
                 </a:solidFill>
               </a:rPr>
               <a:t>FBX</a:t>
             </a:r>
-            <a:endParaRPr kumimoji="1" lang="en-US" altLang="ko-KR" sz="1600" dirty="0">
-              <a:solidFill>
-                <a:schemeClr val="bg1"/>
-              </a:solidFill>
-            </a:endParaRPr>
           </a:p>
           <a:p>
             <a:pPr algn="ctr"/>
             <a:r>
-              <a:rPr kumimoji="1" lang="ko-KR" altLang="en-US" sz="1600" dirty="0" smtClean="0">
+              <a:rPr kumimoji="1" lang="ko-KR" altLang="en-US" sz="1600" dirty="0">
                 <a:solidFill>
                   <a:schemeClr val="bg1"/>
                 </a:solidFill>
               </a:rPr>
               <a:t>임포트</a:t>
             </a:r>
-            <a:endParaRPr kumimoji="1" lang="ko-KR" altLang="en-US" sz="1600" dirty="0">
-              <a:solidFill>
-                <a:schemeClr val="bg1"/>
-              </a:solidFill>
-            </a:endParaRPr>
           </a:p>
         </p:txBody>
       </p:sp>
@@ -24434,7 +24087,7 @@
           <a:p>
             <a:pPr algn="ctr"/>
             <a:r>
-              <a:rPr kumimoji="1" lang="ko-KR" altLang="en-US" sz="1600" smtClean="0">
+              <a:rPr kumimoji="1" lang="ko-KR" altLang="en-US" sz="1600">
                 <a:solidFill>
                   <a:schemeClr val="bg1"/>
                 </a:solidFill>
@@ -24492,7 +24145,7 @@
           <a:p>
             <a:pPr algn="ctr"/>
             <a:r>
-              <a:rPr kumimoji="1" lang="en-US" altLang="ko-KR" sz="1600" dirty="0" smtClean="0">
+              <a:rPr kumimoji="1" lang="en-US" altLang="ko-KR" sz="1600" dirty="0">
                 <a:solidFill>
                   <a:schemeClr val="bg1"/>
                 </a:solidFill>
@@ -24520,13 +24173,6 @@
   <p:transition spd="slow">
     <p:push/>
   </p:transition>
-  <p:timing>
-    <p:tnLst>
-      <p:par>
-        <p:cTn id="1" dur="indefinite" restart="never" nodeType="tmRoot"/>
-      </p:par>
-    </p:tnLst>
-  </p:timing>
 </p:sld>
 </file>
 
@@ -24586,13 +24232,6 @@
   <p:clrMapOvr>
     <a:masterClrMapping/>
   </p:clrMapOvr>
-  <p:timing>
-    <p:tnLst>
-      <p:par>
-        <p:cTn id="1" dur="indefinite" restart="never" nodeType="tmRoot"/>
-      </p:par>
-    </p:tnLst>
-  </p:timing>
 </p:sld>
 </file>
 
@@ -24655,7 +24294,7 @@
           <a:lstStyle/>
           <a:p>
             <a:r>
-              <a:rPr lang="ko-KR" altLang="en-US" sz="4000" dirty="0" smtClean="0">
+              <a:rPr lang="ko-KR" altLang="en-US" sz="4000" dirty="0">
                 <a:solidFill>
                   <a:schemeClr val="bg1"/>
                 </a:solidFill>
@@ -24746,16 +24385,7 @@
                 </a:solidFill>
                 <a:latin typeface="+mj-lt"/>
               </a:rPr>
-              <a:t> </a:t>
-            </a:r>
-            <a:r>
-              <a:rPr kumimoji="1" lang="en-US" altLang="ko-KR" sz="2000" b="1" dirty="0" smtClean="0">
-                <a:solidFill>
-                  <a:prstClr val="black"/>
-                </a:solidFill>
-                <a:latin typeface="+mj-lt"/>
-              </a:rPr>
-              <a:t>MMORPG</a:t>
+              <a:t> MMORPG</a:t>
             </a:r>
           </a:p>
           <a:p>
@@ -24822,17 +24452,7 @@
                   </a:prstClr>
                 </a:solidFill>
               </a:rPr>
-              <a:t> </a:t>
-            </a:r>
-            <a:r>
-              <a:rPr kumimoji="1" lang="ko-KR" altLang="en-US" sz="1600" b="1" dirty="0" smtClean="0">
-                <a:solidFill>
-                  <a:prstClr val="white">
-                    <a:lumMod val="50000"/>
-                  </a:prstClr>
-                </a:solidFill>
-              </a:rPr>
-              <a:t>구현</a:t>
+              <a:t> 구현</a:t>
             </a:r>
             <a:endParaRPr kumimoji="1" lang="ko-KR" altLang="en-US" sz="1600" b="1" dirty="0">
               <a:solidFill>
@@ -25153,7 +24773,7 @@
             <a:p>
               <a:pPr algn="ctr"/>
               <a:r>
-                <a:rPr kumimoji="1" lang="en-US" altLang="ko-KR" sz="1600" dirty="0" smtClean="0">
+                <a:rPr kumimoji="1" lang="en-US" altLang="ko-KR" sz="1600" dirty="0">
                   <a:solidFill>
                     <a:sysClr val="windowText" lastClr="000000"/>
                   </a:solidFill>
@@ -25213,7 +24833,7 @@
             <a:p>
               <a:pPr lvl="0" algn="ctr"/>
               <a:r>
-                <a:rPr kumimoji="1" lang="en-US" altLang="ko-KR" sz="600" dirty="0" smtClean="0">
+                <a:rPr kumimoji="1" lang="en-US" altLang="ko-KR" sz="600" dirty="0">
                   <a:solidFill>
                     <a:prstClr val="black"/>
                   </a:solidFill>
@@ -25284,7 +24904,7 @@
             <a:p>
               <a:pPr lvl="0" algn="ctr"/>
               <a:r>
-                <a:rPr kumimoji="1" lang="en-US" altLang="ko-KR" sz="600" dirty="0" smtClean="0">
+                <a:rPr kumimoji="1" lang="en-US" altLang="ko-KR" sz="600" dirty="0">
                   <a:solidFill>
                     <a:prstClr val="black"/>
                   </a:solidFill>
@@ -25355,7 +24975,7 @@
             <a:p>
               <a:pPr lvl="0" algn="ctr"/>
               <a:r>
-                <a:rPr kumimoji="1" lang="en-US" altLang="ko-KR" sz="600" dirty="0" smtClean="0">
+                <a:rPr kumimoji="1" lang="en-US" altLang="ko-KR" sz="600" dirty="0">
                   <a:solidFill>
                     <a:prstClr val="black"/>
                   </a:solidFill>
@@ -25426,7 +25046,7 @@
             <a:p>
               <a:pPr lvl="0" algn="ctr"/>
               <a:r>
-                <a:rPr kumimoji="1" lang="en-US" altLang="ko-KR" sz="600" dirty="0" smtClean="0">
+                <a:rPr kumimoji="1" lang="en-US" altLang="ko-KR" sz="600" dirty="0">
                   <a:solidFill>
                     <a:prstClr val="black"/>
                   </a:solidFill>
@@ -25486,18 +25106,13 @@
             <a:p>
               <a:pPr lvl="0" algn="ctr"/>
               <a:r>
-                <a:rPr kumimoji="1" lang="en-US" altLang="ko-KR" sz="600" dirty="0" smtClean="0">
+                <a:rPr kumimoji="1" lang="en-US" altLang="ko-KR" sz="600" dirty="0">
                   <a:solidFill>
                     <a:prstClr val="black"/>
                   </a:solidFill>
                 </a:rPr>
                 <a:t>item</a:t>
               </a:r>
-              <a:endParaRPr kumimoji="1" lang="en-US" altLang="ko-KR" sz="600" dirty="0">
-                <a:solidFill>
-                  <a:prstClr val="black"/>
-                </a:solidFill>
-              </a:endParaRPr>
             </a:p>
             <a:p>
               <a:pPr lvl="0" algn="ctr"/>
@@ -25562,18 +25177,13 @@
             <a:p>
               <a:pPr lvl="0" algn="ctr"/>
               <a:r>
-                <a:rPr kumimoji="1" lang="en-US" altLang="ko-KR" sz="600" dirty="0" smtClean="0">
+                <a:rPr kumimoji="1" lang="en-US" altLang="ko-KR" sz="600" dirty="0">
                   <a:solidFill>
                     <a:prstClr val="black"/>
                   </a:solidFill>
                 </a:rPr>
                 <a:t>item</a:t>
               </a:r>
-              <a:endParaRPr kumimoji="1" lang="en-US" altLang="ko-KR" sz="600" dirty="0">
-                <a:solidFill>
-                  <a:prstClr val="black"/>
-                </a:solidFill>
-              </a:endParaRPr>
             </a:p>
             <a:p>
               <a:pPr lvl="0" algn="ctr"/>
@@ -25638,18 +25248,13 @@
             <a:p>
               <a:pPr lvl="0" algn="ctr"/>
               <a:r>
-                <a:rPr kumimoji="1" lang="en-US" altLang="ko-KR" sz="600" dirty="0" smtClean="0">
+                <a:rPr kumimoji="1" lang="en-US" altLang="ko-KR" sz="600" dirty="0">
                   <a:solidFill>
                     <a:prstClr val="black"/>
                   </a:solidFill>
                 </a:rPr>
                 <a:t>item</a:t>
               </a:r>
-              <a:endParaRPr kumimoji="1" lang="en-US" altLang="ko-KR" sz="600" dirty="0">
-                <a:solidFill>
-                  <a:prstClr val="black"/>
-                </a:solidFill>
-              </a:endParaRPr>
             </a:p>
             <a:p>
               <a:pPr lvl="0" algn="ctr"/>
@@ -25714,18 +25319,13 @@
             <a:p>
               <a:pPr lvl="0" algn="ctr"/>
               <a:r>
-                <a:rPr kumimoji="1" lang="en-US" altLang="ko-KR" sz="600" dirty="0" smtClean="0">
+                <a:rPr kumimoji="1" lang="en-US" altLang="ko-KR" sz="600" dirty="0">
                   <a:solidFill>
                     <a:prstClr val="black"/>
                   </a:solidFill>
                 </a:rPr>
                 <a:t>item</a:t>
               </a:r>
-              <a:endParaRPr kumimoji="1" lang="en-US" altLang="ko-KR" sz="600" dirty="0">
-                <a:solidFill>
-                  <a:prstClr val="black"/>
-                </a:solidFill>
-              </a:endParaRPr>
             </a:p>
             <a:p>
               <a:pPr lvl="0" algn="ctr"/>
@@ -25966,7 +25566,7 @@
               <a:p>
                 <a:pPr algn="ctr"/>
                 <a:r>
-                  <a:rPr kumimoji="1" lang="en-US" altLang="ko-KR" sz="1100" dirty="0" smtClean="0">
+                  <a:rPr kumimoji="1" lang="en-US" altLang="ko-KR" sz="1100" dirty="0">
                     <a:solidFill>
                       <a:sysClr val="windowText" lastClr="000000"/>
                     </a:solidFill>
@@ -26509,7 +26109,7 @@
             <a:lstStyle/>
             <a:p>
               <a:r>
-                <a:rPr kumimoji="1" lang="ko-KR" altLang="en-US" sz="900" dirty="0" smtClean="0">
+                <a:rPr kumimoji="1" lang="ko-KR" altLang="en-US" sz="900" dirty="0">
                   <a:solidFill>
                     <a:sysClr val="windowText" lastClr="000000"/>
                   </a:solidFill>
@@ -26517,7 +26117,7 @@
                 <a:t>신창섭 </a:t>
               </a:r>
               <a:r>
-                <a:rPr kumimoji="1" lang="en-US" altLang="ko-KR" sz="900" dirty="0" smtClean="0">
+                <a:rPr kumimoji="1" lang="en-US" altLang="ko-KR" sz="900" dirty="0">
                   <a:solidFill>
                     <a:sysClr val="windowText" lastClr="000000"/>
                   </a:solidFill>
@@ -26525,14 +26125,14 @@
                 <a:t>:</a:t>
               </a:r>
               <a:r>
-                <a:rPr kumimoji="1" lang="ko-KR" altLang="en-US" sz="900" dirty="0" smtClean="0">
+                <a:rPr kumimoji="1" lang="ko-KR" altLang="en-US" sz="900" dirty="0">
                   <a:solidFill>
                     <a:sysClr val="windowText" lastClr="000000"/>
                   </a:solidFill>
                 </a:rPr>
                 <a:t> 너때문에 파티를</a:t>
               </a:r>
-              <a:endParaRPr kumimoji="1" lang="en-US" altLang="ko-KR" sz="900" dirty="0" smtClean="0">
+              <a:endParaRPr kumimoji="1" lang="en-US" altLang="ko-KR" sz="900" dirty="0">
                 <a:solidFill>
                   <a:sysClr val="windowText" lastClr="000000"/>
                 </a:solidFill>
@@ -26540,18 +26140,13 @@
             </a:p>
             <a:p>
               <a:r>
-                <a:rPr kumimoji="1" lang="ko-KR" altLang="en-US" sz="900" dirty="0" smtClean="0">
+                <a:rPr kumimoji="1" lang="ko-KR" altLang="en-US" sz="900" dirty="0">
                   <a:solidFill>
                     <a:sysClr val="windowText" lastClr="000000"/>
                   </a:solidFill>
                 </a:rPr>
                 <a:t>           망쳤으니 책임져</a:t>
               </a:r>
-              <a:endParaRPr kumimoji="1" lang="ko-KR" altLang="en-US" sz="900" dirty="0">
-                <a:solidFill>
-                  <a:sysClr val="windowText" lastClr="000000"/>
-                </a:solidFill>
-              </a:endParaRPr>
             </a:p>
           </p:txBody>
         </p:sp>
@@ -26600,7 +26195,7 @@
             <a:p>
               <a:pPr algn="ctr"/>
               <a:r>
-                <a:rPr kumimoji="1" lang="en-US" altLang="ko-KR" sz="600" dirty="0" smtClean="0">
+                <a:rPr kumimoji="1" lang="en-US" altLang="ko-KR" sz="600" dirty="0">
                   <a:solidFill>
                     <a:schemeClr val="tx1"/>
                   </a:solidFill>
@@ -26611,7 +26206,7 @@
             <a:p>
               <a:pPr algn="ctr"/>
               <a:r>
-                <a:rPr kumimoji="1" lang="en-US" altLang="ko-KR" sz="600" dirty="0" smtClean="0">
+                <a:rPr kumimoji="1" lang="en-US" altLang="ko-KR" sz="600" dirty="0">
                   <a:solidFill>
                     <a:schemeClr val="tx1"/>
                   </a:solidFill>
@@ -26671,18 +26266,13 @@
             <a:p>
               <a:pPr lvl="0" algn="ctr"/>
               <a:r>
-                <a:rPr kumimoji="1" lang="en-US" altLang="ko-KR" sz="600" dirty="0" smtClean="0">
+                <a:rPr kumimoji="1" lang="en-US" altLang="ko-KR" sz="600" dirty="0">
                   <a:solidFill>
                     <a:prstClr val="black"/>
                   </a:solidFill>
                 </a:rPr>
                 <a:t>item</a:t>
               </a:r>
-              <a:endParaRPr kumimoji="1" lang="en-US" altLang="ko-KR" sz="600" dirty="0">
-                <a:solidFill>
-                  <a:prstClr val="black"/>
-                </a:solidFill>
-              </a:endParaRPr>
             </a:p>
             <a:p>
               <a:pPr lvl="0" algn="ctr"/>
@@ -26746,7 +26336,7 @@
             <a:lstStyle/>
             <a:p>
               <a:r>
-                <a:rPr kumimoji="1" lang="ko-KR" altLang="en-US" sz="1000" dirty="0" smtClean="0">
+                <a:rPr kumimoji="1" lang="ko-KR" altLang="en-US" sz="1000" dirty="0">
                   <a:solidFill>
                     <a:sysClr val="windowText" lastClr="000000"/>
                   </a:solidFill>
@@ -26754,7 +26344,7 @@
                 <a:t>김형준 </a:t>
               </a:r>
               <a:r>
-                <a:rPr kumimoji="1" lang="en-US" altLang="ko-KR" sz="1000" dirty="0" smtClean="0">
+                <a:rPr kumimoji="1" lang="en-US" altLang="ko-KR" sz="1000" dirty="0">
                   <a:solidFill>
                     <a:sysClr val="windowText" lastClr="000000"/>
                   </a:solidFill>
@@ -26762,7 +26352,7 @@
                 <a:t>:</a:t>
               </a:r>
               <a:r>
-                <a:rPr kumimoji="1" lang="ko-KR" altLang="en-US" sz="1000" dirty="0" smtClean="0">
+                <a:rPr kumimoji="1" lang="ko-KR" altLang="en-US" sz="1000" dirty="0">
                   <a:solidFill>
                     <a:sysClr val="windowText" lastClr="000000"/>
                   </a:solidFill>
@@ -26770,7 +26360,7 @@
                 <a:t> 네</a:t>
               </a:r>
               <a:r>
-                <a:rPr kumimoji="1" lang="en-US" altLang="ko-KR" sz="1000" dirty="0" smtClean="0">
+                <a:rPr kumimoji="1" lang="en-US" altLang="ko-KR" sz="1000" dirty="0">
                   <a:solidFill>
                     <a:sysClr val="windowText" lastClr="000000"/>
                   </a:solidFill>
@@ -26778,7 +26368,7 @@
                 <a:t>,</a:t>
               </a:r>
               <a:r>
-                <a:rPr kumimoji="1" lang="ko-KR" altLang="en-US" sz="1000" dirty="0" smtClean="0">
+                <a:rPr kumimoji="1" lang="ko-KR" altLang="en-US" sz="1000" dirty="0">
                   <a:solidFill>
                     <a:sysClr val="windowText" lastClr="000000"/>
                   </a:solidFill>
@@ -26786,7 +26376,7 @@
                 <a:t> 알겠습니다</a:t>
               </a:r>
               <a:r>
-                <a:rPr kumimoji="1" lang="en-US" altLang="ko-KR" sz="1000" dirty="0" smtClean="0">
+                <a:rPr kumimoji="1" lang="en-US" altLang="ko-KR" sz="1000" dirty="0">
                   <a:solidFill>
                     <a:sysClr val="windowText" lastClr="000000"/>
                   </a:solidFill>
@@ -26846,18 +26436,13 @@
             <a:p>
               <a:pPr algn="ctr"/>
               <a:r>
-                <a:rPr kumimoji="1" lang="ko-KR" altLang="en-US" sz="600" dirty="0" smtClean="0">
+                <a:rPr kumimoji="1" lang="ko-KR" altLang="en-US" sz="600" dirty="0">
                   <a:solidFill>
                     <a:sysClr val="windowText" lastClr="000000"/>
                   </a:solidFill>
                 </a:rPr>
                 <a:t>일반</a:t>
               </a:r>
-              <a:endParaRPr kumimoji="1" lang="ko-KR" altLang="en-US" sz="600" dirty="0">
-                <a:solidFill>
-                  <a:sysClr val="windowText" lastClr="000000"/>
-                </a:solidFill>
-              </a:endParaRPr>
             </a:p>
           </p:txBody>
         </p:sp>
@@ -26906,18 +26491,13 @@
             <a:p>
               <a:pPr algn="ctr"/>
               <a:r>
-                <a:rPr kumimoji="1" lang="ko-KR" altLang="en-US" sz="500" dirty="0" smtClean="0">
+                <a:rPr kumimoji="1" lang="ko-KR" altLang="en-US" sz="500" dirty="0">
                   <a:solidFill>
                     <a:sysClr val="windowText" lastClr="000000"/>
                   </a:solidFill>
                 </a:rPr>
                 <a:t>시스템</a:t>
               </a:r>
-              <a:endParaRPr kumimoji="1" lang="ko-KR" altLang="en-US" sz="500" dirty="0">
-                <a:solidFill>
-                  <a:sysClr val="windowText" lastClr="000000"/>
-                </a:solidFill>
-              </a:endParaRPr>
             </a:p>
           </p:txBody>
         </p:sp>
@@ -27395,7 +26975,7 @@
               <a:p>
                 <a:pPr algn="ctr"/>
                 <a:r>
-                  <a:rPr kumimoji="1" lang="en-US" altLang="ko-KR" sz="500" dirty="0" smtClean="0">
+                  <a:rPr kumimoji="1" lang="en-US" altLang="ko-KR" sz="500" dirty="0">
                     <a:solidFill>
                       <a:srgbClr val="FF0000"/>
                     </a:solidFill>
@@ -27463,7 +27043,7 @@
               <a:p>
                 <a:pPr algn="ctr"/>
                 <a:r>
-                  <a:rPr kumimoji="1" lang="en-US" altLang="ko-KR" sz="1200" dirty="0" smtClean="0">
+                  <a:rPr kumimoji="1" lang="en-US" altLang="ko-KR" sz="1200" dirty="0">
                     <a:solidFill>
                       <a:srgbClr val="FF0000"/>
                     </a:solidFill>
@@ -27585,7 +27165,7 @@
               <a:p>
                 <a:pPr algn="ctr"/>
                 <a:r>
-                  <a:rPr kumimoji="1" lang="en-US" altLang="ko-KR" sz="500" dirty="0" smtClean="0">
+                  <a:rPr kumimoji="1" lang="en-US" altLang="ko-KR" sz="500" dirty="0">
                     <a:solidFill>
                       <a:srgbClr val="FF0000"/>
                     </a:solidFill>
@@ -27653,7 +27233,7 @@
               <a:p>
                 <a:pPr algn="ctr"/>
                 <a:r>
-                  <a:rPr kumimoji="1" lang="en-US" altLang="ko-KR" sz="1200" dirty="0" smtClean="0">
+                  <a:rPr kumimoji="1" lang="en-US" altLang="ko-KR" sz="1200" dirty="0">
                     <a:solidFill>
                       <a:srgbClr val="FF0000"/>
                     </a:solidFill>
@@ -27840,7 +27420,7 @@
             <a:p>
               <a:pPr algn="ctr"/>
               <a:r>
-                <a:rPr lang="ko-KR" altLang="en-US" sz="1400" b="1" cap="none" spc="0" dirty="0" smtClean="0">
+                <a:rPr lang="ko-KR" altLang="en-US" sz="1400" b="1" cap="none" spc="0" dirty="0">
                   <a:ln w="12700" cmpd="sng">
                     <a:solidFill>
                       <a:schemeClr val="accent4"/>
@@ -27872,7 +27452,7 @@
                 <a:t>궁극기</a:t>
               </a:r>
               <a:r>
-                <a:rPr lang="en-US" altLang="ko-KR" sz="1400" b="1" cap="none" spc="0" dirty="0" smtClean="0">
+                <a:rPr lang="en-US" altLang="ko-KR" sz="1400" b="1" cap="none" spc="0" dirty="0">
                   <a:ln w="12700" cmpd="sng">
                     <a:solidFill>
                       <a:schemeClr val="accent4"/>
@@ -27903,35 +27483,6 @@
                 </a:rPr>
                 <a:t>!</a:t>
               </a:r>
-              <a:endParaRPr lang="en-US" altLang="ko-KR" sz="1400" b="1" cap="none" spc="0" dirty="0">
-                <a:ln w="12700" cmpd="sng">
-                  <a:solidFill>
-                    <a:schemeClr val="accent4"/>
-                  </a:solidFill>
-                  <a:prstDash val="solid"/>
-                </a:ln>
-                <a:gradFill>
-                  <a:gsLst>
-                    <a:gs pos="0">
-                      <a:schemeClr val="accent4"/>
-                    </a:gs>
-                    <a:gs pos="4000">
-                      <a:schemeClr val="accent4">
-                        <a:lumMod val="60000"/>
-                        <a:lumOff val="40000"/>
-                      </a:schemeClr>
-                    </a:gs>
-                    <a:gs pos="87000">
-                      <a:schemeClr val="accent4">
-                        <a:lumMod val="20000"/>
-                        <a:lumOff val="80000"/>
-                      </a:schemeClr>
-                    </a:gs>
-                  </a:gsLst>
-                  <a:lin ang="5400000"/>
-                </a:gradFill>
-                <a:effectLst/>
-              </a:endParaRPr>
             </a:p>
           </p:txBody>
         </p:sp>
@@ -27980,7 +27531,7 @@
             <a:p>
               <a:pPr algn="ctr"/>
               <a:r>
-                <a:rPr kumimoji="1" lang="en-US" altLang="ko-KR" sz="800" smtClean="0">
+                <a:rPr kumimoji="1" lang="en-US" altLang="ko-KR" sz="800">
                   <a:solidFill>
                     <a:sysClr val="windowText" lastClr="000000"/>
                   </a:solidFill>
@@ -28040,7 +27591,7 @@
             <a:p>
               <a:pPr algn="ctr"/>
               <a:r>
-                <a:rPr kumimoji="1" lang="en-US" altLang="ko-KR" sz="800" smtClean="0">
+                <a:rPr kumimoji="1" lang="en-US" altLang="ko-KR" sz="800">
                   <a:solidFill>
                     <a:sysClr val="windowText" lastClr="000000"/>
                   </a:solidFill>
@@ -28100,7 +27651,7 @@
             <a:p>
               <a:pPr algn="ctr"/>
               <a:r>
-                <a:rPr kumimoji="1" lang="en-US" altLang="ko-KR" sz="800" smtClean="0">
+                <a:rPr kumimoji="1" lang="en-US" altLang="ko-KR" sz="800">
                   <a:solidFill>
                     <a:sysClr val="windowText" lastClr="000000"/>
                   </a:solidFill>
@@ -28160,7 +27711,7 @@
             <a:p>
               <a:pPr algn="ctr"/>
               <a:r>
-                <a:rPr kumimoji="1" lang="en-US" altLang="ko-KR" sz="800" smtClean="0">
+                <a:rPr kumimoji="1" lang="en-US" altLang="ko-KR" sz="800">
                   <a:solidFill>
                     <a:sysClr val="windowText" lastClr="000000"/>
                   </a:solidFill>
@@ -28220,7 +27771,7 @@
             <a:p>
               <a:pPr algn="ctr"/>
               <a:r>
-                <a:rPr kumimoji="1" lang="en-US" altLang="ko-KR" sz="800" smtClean="0">
+                <a:rPr kumimoji="1" lang="en-US" altLang="ko-KR" sz="800">
                   <a:solidFill>
                     <a:sysClr val="windowText" lastClr="000000"/>
                   </a:solidFill>
@@ -28340,7 +27891,7 @@
             <a:p>
               <a:pPr algn="ctr"/>
               <a:r>
-                <a:rPr kumimoji="1" lang="en-US" altLang="ko-KR" sz="800" dirty="0" smtClean="0">
+                <a:rPr kumimoji="1" lang="en-US" altLang="ko-KR" sz="800" dirty="0">
                   <a:solidFill>
                     <a:sysClr val="windowText" lastClr="000000"/>
                   </a:solidFill>
@@ -28400,7 +27951,7 @@
             <a:p>
               <a:pPr algn="ctr"/>
               <a:r>
-                <a:rPr kumimoji="1" lang="en-US" altLang="ko-KR" sz="800" dirty="0" smtClean="0">
+                <a:rPr kumimoji="1" lang="en-US" altLang="ko-KR" sz="800" dirty="0">
                   <a:solidFill>
                     <a:sysClr val="windowText" lastClr="000000"/>
                   </a:solidFill>
@@ -28460,7 +28011,7 @@
             <a:p>
               <a:pPr algn="ctr"/>
               <a:r>
-                <a:rPr kumimoji="1" lang="en-US" altLang="ko-KR" sz="800" dirty="0" smtClean="0">
+                <a:rPr kumimoji="1" lang="en-US" altLang="ko-KR" sz="800" dirty="0">
                   <a:solidFill>
                     <a:sysClr val="windowText" lastClr="000000"/>
                   </a:solidFill>
@@ -28520,7 +28071,7 @@
             <a:p>
               <a:pPr algn="ctr"/>
               <a:r>
-                <a:rPr kumimoji="1" lang="en-US" altLang="ko-KR" sz="800" dirty="0" smtClean="0">
+                <a:rPr kumimoji="1" lang="en-US" altLang="ko-KR" sz="800" dirty="0">
                   <a:solidFill>
                     <a:sysClr val="windowText" lastClr="000000"/>
                   </a:solidFill>
@@ -28580,7 +28131,7 @@
             <a:p>
               <a:pPr algn="ctr"/>
               <a:r>
-                <a:rPr kumimoji="1" lang="en-US" altLang="ko-KR" sz="800" dirty="0" smtClean="0">
+                <a:rPr kumimoji="1" lang="en-US" altLang="ko-KR" sz="800" dirty="0">
                   <a:solidFill>
                     <a:sysClr val="windowText" lastClr="000000"/>
                   </a:solidFill>
@@ -28640,7 +28191,7 @@
             <a:p>
               <a:pPr algn="ctr"/>
               <a:r>
-                <a:rPr kumimoji="1" lang="en-US" altLang="ko-KR" sz="800" dirty="0" smtClean="0">
+                <a:rPr kumimoji="1" lang="en-US" altLang="ko-KR" sz="800" dirty="0">
                   <a:solidFill>
                     <a:sysClr val="windowText" lastClr="000000"/>
                   </a:solidFill>
@@ -28700,7 +28251,7 @@
             <a:p>
               <a:pPr algn="ctr"/>
               <a:r>
-                <a:rPr kumimoji="1" lang="en-US" altLang="ko-KR" sz="800" dirty="0" smtClean="0">
+                <a:rPr kumimoji="1" lang="en-US" altLang="ko-KR" sz="800" dirty="0">
                   <a:solidFill>
                     <a:sysClr val="windowText" lastClr="000000"/>
                   </a:solidFill>
@@ -28760,7 +28311,7 @@
             <a:p>
               <a:pPr algn="ctr"/>
               <a:r>
-                <a:rPr kumimoji="1" lang="en-US" altLang="ko-KR" sz="800" dirty="0" smtClean="0">
+                <a:rPr kumimoji="1" lang="en-US" altLang="ko-KR" sz="800" dirty="0">
                   <a:solidFill>
                     <a:sysClr val="windowText" lastClr="000000"/>
                   </a:solidFill>
@@ -28820,7 +28371,7 @@
             <a:p>
               <a:pPr algn="ctr"/>
               <a:r>
-                <a:rPr kumimoji="1" lang="en-US" altLang="ko-KR" sz="500" dirty="0" smtClean="0">
+                <a:rPr kumimoji="1" lang="en-US" altLang="ko-KR" sz="500" dirty="0">
                   <a:solidFill>
                     <a:sysClr val="windowText" lastClr="000000"/>
                   </a:solidFill>
@@ -28880,7 +28431,7 @@
             <a:p>
               <a:pPr algn="ctr"/>
               <a:r>
-                <a:rPr kumimoji="1" lang="en-US" altLang="ko-KR" sz="800" dirty="0" smtClean="0">
+                <a:rPr kumimoji="1" lang="en-US" altLang="ko-KR" sz="800" dirty="0">
                   <a:solidFill>
                     <a:sysClr val="windowText" lastClr="000000"/>
                   </a:solidFill>
@@ -28940,7 +28491,7 @@
             <a:p>
               <a:pPr algn="ctr"/>
               <a:r>
-                <a:rPr kumimoji="1" lang="en-US" altLang="ko-KR" sz="800" dirty="0" smtClean="0">
+                <a:rPr kumimoji="1" lang="en-US" altLang="ko-KR" sz="800" dirty="0">
                   <a:solidFill>
                     <a:sysClr val="windowText" lastClr="000000"/>
                   </a:solidFill>
@@ -29000,7 +28551,7 @@
             <a:p>
               <a:pPr algn="ctr"/>
               <a:r>
-                <a:rPr kumimoji="1" lang="en-US" altLang="ko-KR" sz="800" dirty="0" smtClean="0">
+                <a:rPr kumimoji="1" lang="en-US" altLang="ko-KR" sz="800" dirty="0">
                   <a:solidFill>
                     <a:sysClr val="windowText" lastClr="000000"/>
                   </a:solidFill>
@@ -29060,7 +28611,7 @@
             <a:p>
               <a:pPr algn="ctr"/>
               <a:r>
-                <a:rPr kumimoji="1" lang="en-US" altLang="ko-KR" sz="800" dirty="0" smtClean="0">
+                <a:rPr kumimoji="1" lang="en-US" altLang="ko-KR" sz="800" dirty="0">
                   <a:solidFill>
                     <a:sysClr val="windowText" lastClr="000000"/>
                   </a:solidFill>
@@ -29120,7 +28671,7 @@
             <a:p>
               <a:pPr algn="ctr"/>
               <a:r>
-                <a:rPr kumimoji="1" lang="en-US" altLang="ko-KR" sz="800" dirty="0" smtClean="0">
+                <a:rPr kumimoji="1" lang="en-US" altLang="ko-KR" sz="800" dirty="0">
                   <a:solidFill>
                     <a:sysClr val="windowText" lastClr="000000"/>
                   </a:solidFill>
@@ -29179,14 +28730,14 @@
             <a:lstStyle/>
             <a:p>
               <a:r>
-                <a:rPr kumimoji="1" lang="ko-KR" altLang="en-US" sz="900" dirty="0" smtClean="0">
+                <a:rPr kumimoji="1" lang="ko-KR" altLang="en-US" sz="900" dirty="0">
                   <a:solidFill>
                     <a:sysClr val="windowText" lastClr="000000"/>
                   </a:solidFill>
                 </a:rPr>
                 <a:t>무덤 훼손</a:t>
               </a:r>
-              <a:endParaRPr kumimoji="1" lang="en-US" altLang="ko-KR" sz="900" dirty="0" smtClean="0">
+              <a:endParaRPr kumimoji="1" lang="en-US" altLang="ko-KR" sz="900" dirty="0">
                 <a:solidFill>
                   <a:sysClr val="windowText" lastClr="000000"/>
                 </a:solidFill>
@@ -29194,7 +28745,7 @@
             </a:p>
             <a:p>
               <a:r>
-                <a:rPr kumimoji="1" lang="ko-KR" altLang="en-US" sz="400" dirty="0" smtClean="0">
+                <a:rPr kumimoji="1" lang="ko-KR" altLang="en-US" sz="400" dirty="0">
                   <a:solidFill>
                     <a:sysClr val="windowText" lastClr="000000"/>
                   </a:solidFill>
@@ -29202,7 +28753,7 @@
                 <a:t>마을의 무덤을 훼손시키고 있는 마물을 잡아라</a:t>
               </a:r>
               <a:r>
-                <a:rPr kumimoji="1" lang="en-US" altLang="ko-KR" sz="400" dirty="0" smtClean="0">
+                <a:rPr kumimoji="1" lang="en-US" altLang="ko-KR" sz="400" dirty="0">
                   <a:solidFill>
                     <a:sysClr val="windowText" lastClr="000000"/>
                   </a:solidFill>
@@ -29210,7 +28761,7 @@
                 <a:t>(0</a:t>
               </a:r>
               <a:r>
-                <a:rPr kumimoji="1" lang="ko-KR" altLang="en-US" sz="400" dirty="0" smtClean="0">
+                <a:rPr kumimoji="1" lang="ko-KR" altLang="en-US" sz="400" dirty="0">
                   <a:solidFill>
                     <a:sysClr val="windowText" lastClr="000000"/>
                   </a:solidFill>
@@ -29218,7 +28769,7 @@
                 <a:t> </a:t>
               </a:r>
               <a:r>
-                <a:rPr kumimoji="1" lang="en-US" altLang="ko-KR" sz="400" dirty="0" smtClean="0">
+                <a:rPr kumimoji="1" lang="en-US" altLang="ko-KR" sz="400" dirty="0">
                   <a:solidFill>
                     <a:sysClr val="windowText" lastClr="000000"/>
                   </a:solidFill>
@@ -29226,7 +28777,7 @@
                 <a:t>/</a:t>
               </a:r>
               <a:r>
-                <a:rPr kumimoji="1" lang="ko-KR" altLang="en-US" sz="400" dirty="0" smtClean="0">
+                <a:rPr kumimoji="1" lang="ko-KR" altLang="en-US" sz="400" dirty="0">
                   <a:solidFill>
                     <a:sysClr val="windowText" lastClr="000000"/>
                   </a:solidFill>
@@ -29234,7 +28785,7 @@
                 <a:t> </a:t>
               </a:r>
               <a:r>
-                <a:rPr kumimoji="1" lang="en-US" altLang="ko-KR" sz="400" dirty="0" smtClean="0">
+                <a:rPr kumimoji="1" lang="en-US" altLang="ko-KR" sz="400" dirty="0">
                   <a:solidFill>
                     <a:sysClr val="windowText" lastClr="000000"/>
                   </a:solidFill>
@@ -29299,7 +28850,7 @@
             <a:p>
               <a:pPr algn="ctr"/>
               <a:r>
-                <a:rPr kumimoji="1" lang="ko-KR" altLang="en-US" sz="1100" b="1" smtClean="0">
+                <a:rPr kumimoji="1" lang="ko-KR" altLang="en-US" sz="1100" b="1">
                   <a:solidFill>
                     <a:sysClr val="windowText" lastClr="000000"/>
                   </a:solidFill>
@@ -29307,7 +28858,7 @@
                 <a:t>다른 유저가 </a:t>
               </a:r>
               <a:r>
-                <a:rPr kumimoji="1" lang="ko-KR" altLang="en-US" sz="1100" b="1" dirty="0" smtClean="0">
+                <a:rPr kumimoji="1" lang="ko-KR" altLang="en-US" sz="1100" b="1" dirty="0">
                   <a:solidFill>
                     <a:sysClr val="windowText" lastClr="000000"/>
                   </a:solidFill>
@@ -29315,7 +28866,7 @@
                 <a:t>시선을 끄는 동안 쌓인 발열을 모두 소모하여 </a:t>
               </a:r>
               <a:r>
-                <a:rPr kumimoji="1" lang="ko-KR" altLang="en-US" sz="1100" b="1" smtClean="0">
+                <a:rPr kumimoji="1" lang="ko-KR" altLang="en-US" sz="1100" b="1">
                   <a:solidFill>
                     <a:sysClr val="windowText" lastClr="000000"/>
                   </a:solidFill>
@@ -29498,14 +29049,14 @@
             <a:p>
               <a:pPr algn="ctr"/>
               <a:r>
-                <a:rPr kumimoji="1" lang="ko-KR" altLang="en-US" sz="1050" b="1" dirty="0" smtClean="0">
+                <a:rPr kumimoji="1" lang="ko-KR" altLang="en-US" sz="1050" b="1" dirty="0">
                   <a:solidFill>
                     <a:sysClr val="windowText" lastClr="000000"/>
                   </a:solidFill>
                 </a:rPr>
                 <a:t>아군이 위험에 처하자 빠르게 달려와</a:t>
               </a:r>
-              <a:endParaRPr kumimoji="1" lang="en-US" altLang="ko-KR" sz="1050" b="1" dirty="0" smtClean="0">
+              <a:endParaRPr kumimoji="1" lang="en-US" altLang="ko-KR" sz="1050" b="1" dirty="0">
                 <a:solidFill>
                   <a:sysClr val="windowText" lastClr="000000"/>
                 </a:solidFill>
@@ -29514,18 +29065,13 @@
             <a:p>
               <a:pPr algn="ctr"/>
               <a:r>
-                <a:rPr kumimoji="1" lang="ko-KR" altLang="en-US" sz="1050" b="1" dirty="0" smtClean="0">
+                <a:rPr kumimoji="1" lang="ko-KR" altLang="en-US" sz="1050" b="1" dirty="0">
                   <a:solidFill>
                     <a:sysClr val="windowText" lastClr="000000"/>
                   </a:solidFill>
                 </a:rPr>
                 <a:t>적의 공격을 방어하고 발열을 획득</a:t>
               </a:r>
-              <a:endParaRPr kumimoji="1" lang="ko-KR" altLang="en-US" sz="1050" b="1" dirty="0">
-                <a:solidFill>
-                  <a:sysClr val="windowText" lastClr="000000"/>
-                </a:solidFill>
-              </a:endParaRPr>
             </a:p>
           </p:txBody>
         </p:sp>
@@ -29579,7 +29125,7 @@
             <a:p>
               <a:pPr algn="ctr"/>
               <a:r>
-                <a:rPr kumimoji="1" lang="ko-KR" altLang="en-US" sz="1100" b="1" dirty="0" smtClean="0">
+                <a:rPr kumimoji="1" lang="ko-KR" altLang="en-US" sz="1100" b="1" dirty="0">
                   <a:solidFill>
                     <a:sysClr val="windowText" lastClr="000000"/>
                   </a:solidFill>
@@ -29595,18 +29141,13 @@
             <a:p>
               <a:pPr algn="ctr"/>
               <a:r>
-                <a:rPr kumimoji="1" lang="ko-KR" altLang="en-US" sz="1100" b="1" dirty="0" smtClean="0">
+                <a:rPr kumimoji="1" lang="ko-KR" altLang="en-US" sz="1100" b="1" dirty="0">
                   <a:solidFill>
                     <a:sysClr val="windowText" lastClr="000000"/>
                   </a:solidFill>
                 </a:rPr>
                 <a:t>이하의 공격은 효과를 발휘하지 못함</a:t>
               </a:r>
-              <a:endParaRPr kumimoji="1" lang="ko-KR" altLang="en-US" sz="1100" b="1" dirty="0">
-                <a:solidFill>
-                  <a:sysClr val="windowText" lastClr="000000"/>
-                </a:solidFill>
-              </a:endParaRPr>
             </a:p>
           </p:txBody>
         </p:sp>
@@ -29621,13 +29162,6 @@
   <p:clrMapOvr>
     <a:masterClrMapping/>
   </p:clrMapOvr>
-  <p:timing>
-    <p:tnLst>
-      <p:par>
-        <p:cTn id="1" dur="indefinite" restart="never" nodeType="tmRoot"/>
-      </p:par>
-    </p:tnLst>
-  </p:timing>
 </p:sld>
 </file>
 
@@ -29690,7 +29224,7 @@
           <a:lstStyle/>
           <a:p>
             <a:r>
-              <a:rPr lang="ko-KR" altLang="en-US" sz="4000" dirty="0" smtClean="0">
+              <a:rPr lang="ko-KR" altLang="en-US" sz="4000" dirty="0">
                 <a:solidFill>
                   <a:schemeClr val="bg1"/>
                 </a:solidFill>
@@ -29791,10 +29325,9 @@
           <a:lstStyle/>
           <a:p>
             <a:r>
-              <a:rPr kumimoji="1" lang="ko-KR" altLang="en-US" sz="4000" dirty="0" smtClean="0"/>
+              <a:rPr kumimoji="1" lang="ko-KR" altLang="en-US" sz="4000" dirty="0"/>
               <a:t>월드 설정</a:t>
             </a:r>
-            <a:endParaRPr kumimoji="1" lang="ko-KR" altLang="en-US" sz="4000" dirty="0"/>
           </a:p>
         </p:txBody>
       </p:sp>
@@ -29821,7 +29354,7 @@
           <a:lstStyle/>
           <a:p>
             <a:r>
-              <a:rPr kumimoji="1" lang="en-US" altLang="ko-KR" sz="2800" dirty="0" smtClean="0">
+              <a:rPr kumimoji="1" lang="en-US" altLang="ko-KR" sz="2800" dirty="0">
                 <a:solidFill>
                   <a:schemeClr val="bg1">
                     <a:lumMod val="50000"/>
@@ -29831,7 +29364,7 @@
               <a:t>1km x 1km</a:t>
             </a:r>
             <a:r>
-              <a:rPr kumimoji="1" lang="ko-KR" altLang="en-US" sz="2800" dirty="0" smtClean="0">
+              <a:rPr kumimoji="1" lang="ko-KR" altLang="en-US" sz="2800" dirty="0">
                 <a:solidFill>
                   <a:schemeClr val="bg1">
                     <a:lumMod val="50000"/>
@@ -29840,7 +29373,7 @@
               </a:rPr>
               <a:t> </a:t>
             </a:r>
-            <a:endParaRPr kumimoji="1" lang="en-US" altLang="ko-KR" sz="2800" dirty="0" smtClean="0">
+            <a:endParaRPr kumimoji="1" lang="en-US" altLang="ko-KR" sz="2800" dirty="0">
               <a:solidFill>
                 <a:schemeClr val="bg1">
                   <a:lumMod val="50000"/>
@@ -29850,7 +29383,7 @@
           </a:p>
           <a:p>
             <a:r>
-              <a:rPr kumimoji="1" lang="ko-KR" altLang="en-US" sz="2800" dirty="0" smtClean="0">
+              <a:rPr kumimoji="1" lang="ko-KR" altLang="en-US" sz="2800" dirty="0">
                 <a:solidFill>
                   <a:schemeClr val="bg1">
                     <a:lumMod val="50000"/>
@@ -29859,13 +29392,6 @@
               </a:rPr>
               <a:t>마을과 던전 제작</a:t>
             </a:r>
-            <a:endParaRPr kumimoji="1" lang="ko-KR" altLang="en-US" sz="2800" dirty="0">
-              <a:solidFill>
-                <a:schemeClr val="bg1">
-                  <a:lumMod val="50000"/>
-                </a:schemeClr>
-              </a:solidFill>
-            </a:endParaRPr>
           </a:p>
         </p:txBody>
       </p:sp>
@@ -29892,10 +29418,9 @@
           <a:lstStyle/>
           <a:p>
             <a:r>
-              <a:rPr kumimoji="1" lang="ko-KR" altLang="en-US" sz="4000" dirty="0" smtClean="0"/>
+              <a:rPr kumimoji="1" lang="ko-KR" altLang="en-US" sz="4000" dirty="0"/>
               <a:t>캐릭터 설정</a:t>
             </a:r>
-            <a:endParaRPr kumimoji="1" lang="ko-KR" altLang="en-US" sz="4000" dirty="0"/>
           </a:p>
         </p:txBody>
       </p:sp>
@@ -29922,7 +29447,7 @@
           <a:lstStyle/>
           <a:p>
             <a:r>
-              <a:rPr kumimoji="1" lang="en-US" altLang="ko-KR" sz="2800" dirty="0" smtClean="0">
+              <a:rPr kumimoji="1" lang="en-US" altLang="ko-KR" sz="2800" dirty="0">
                 <a:solidFill>
                   <a:schemeClr val="bg1">
                     <a:lumMod val="50000"/>
@@ -29932,7 +29457,7 @@
               <a:t>1.5m</a:t>
             </a:r>
             <a:r>
-              <a:rPr kumimoji="1" lang="ko-KR" altLang="en-US" sz="2800" dirty="0" smtClean="0">
+              <a:rPr kumimoji="1" lang="ko-KR" altLang="en-US" sz="2800" dirty="0">
                 <a:solidFill>
                   <a:schemeClr val="bg1">
                     <a:lumMod val="50000"/>
@@ -29941,7 +29466,7 @@
               </a:rPr>
               <a:t>의 키 설정</a:t>
             </a:r>
-            <a:endParaRPr kumimoji="1" lang="en-US" altLang="ko-KR" sz="2800" dirty="0" smtClean="0">
+            <a:endParaRPr kumimoji="1" lang="en-US" altLang="ko-KR" sz="2800" dirty="0">
               <a:solidFill>
                 <a:schemeClr val="bg1">
                   <a:lumMod val="50000"/>
@@ -29951,7 +29476,7 @@
           </a:p>
           <a:p>
             <a:r>
-              <a:rPr kumimoji="1" lang="en-US" altLang="ko-KR" sz="2800" dirty="0" smtClean="0">
+              <a:rPr kumimoji="1" lang="en-US" altLang="ko-KR" sz="2800" dirty="0">
                 <a:solidFill>
                   <a:schemeClr val="bg1">
                     <a:lumMod val="50000"/>
@@ -29961,7 +29486,7 @@
               <a:t>4m/s</a:t>
             </a:r>
             <a:r>
-              <a:rPr kumimoji="1" lang="ko-KR" altLang="en-US" sz="2800" dirty="0" smtClean="0">
+              <a:rPr kumimoji="1" lang="ko-KR" altLang="en-US" sz="2800" dirty="0">
                 <a:solidFill>
                   <a:schemeClr val="bg1">
                     <a:lumMod val="50000"/>
@@ -29970,13 +29495,6 @@
               </a:rPr>
               <a:t>의 이동속도</a:t>
             </a:r>
-            <a:endParaRPr kumimoji="1" lang="ko-KR" altLang="en-US" sz="2800" dirty="0">
-              <a:solidFill>
-                <a:schemeClr val="bg1">
-                  <a:lumMod val="50000"/>
-                </a:schemeClr>
-              </a:solidFill>
-            </a:endParaRPr>
           </a:p>
         </p:txBody>
       </p:sp>
@@ -30020,13 +29538,6 @@
   <p:clrMapOvr>
     <a:masterClrMapping/>
   </p:clrMapOvr>
-  <p:timing>
-    <p:tnLst>
-      <p:par>
-        <p:cTn id="1" dur="indefinite" restart="never" nodeType="tmRoot"/>
-      </p:par>
-    </p:tnLst>
-  </p:timing>
 </p:sld>
 </file>
 
@@ -30089,7 +29600,7 @@
           <a:lstStyle/>
           <a:p>
             <a:r>
-              <a:rPr lang="ko-KR" altLang="en-US" sz="4000" dirty="0" smtClean="0">
+              <a:rPr lang="ko-KR" altLang="en-US" sz="4000" dirty="0">
                 <a:solidFill>
                   <a:schemeClr val="bg1"/>
                 </a:solidFill>
@@ -30131,10 +29642,10 @@
           <a:p>
             <a:pPr algn="ctr"/>
             <a:r>
-              <a:rPr kumimoji="1" lang="ko-KR" altLang="en-US" sz="8800" dirty="0" smtClean="0"/>
+              <a:rPr kumimoji="1" lang="ko-KR" altLang="en-US" sz="8800" dirty="0"/>
               <a:t>노루막이</a:t>
             </a:r>
-            <a:endParaRPr kumimoji="1" lang="en-US" altLang="ko-KR" sz="8800" dirty="0" smtClean="0"/>
+            <a:endParaRPr kumimoji="1" lang="en-US" altLang="ko-KR" sz="8800" dirty="0"/>
           </a:p>
           <a:p>
             <a:pPr algn="ctr"/>
@@ -30150,7 +29661,7 @@
               <a:t>더는 갈 데 없는 산의 막다른 꼭대기</a:t>
             </a:r>
             <a:r>
-              <a:rPr lang="en-US" altLang="ko-KR" sz="3600" dirty="0" smtClean="0">
+              <a:rPr lang="en-US" altLang="ko-KR" sz="3600" dirty="0">
                 <a:solidFill>
                   <a:schemeClr val="bg1">
                     <a:lumMod val="50000"/>
@@ -30164,7 +29675,7 @@
           <a:p>
             <a:pPr algn="ctr"/>
             <a:r>
-              <a:rPr kumimoji="1" lang="ko-KR" altLang="en-US" sz="1400" dirty="0" smtClean="0">
+              <a:rPr kumimoji="1" lang="ko-KR" altLang="en-US" sz="1400" dirty="0">
                 <a:solidFill>
                   <a:schemeClr val="bg1">
                     <a:lumMod val="50000"/>
@@ -30173,13 +29684,6 @@
               </a:rPr>
               <a:t>네이버 국어사전</a:t>
             </a:r>
-            <a:endParaRPr kumimoji="1" lang="ko-KR" altLang="en-US" sz="1400" dirty="0">
-              <a:solidFill>
-                <a:schemeClr val="bg1">
-                  <a:lumMod val="50000"/>
-                </a:schemeClr>
-              </a:solidFill>
-            </a:endParaRPr>
           </a:p>
         </p:txBody>
       </p:sp>
@@ -30207,11 +29711,11 @@
           <a:p>
             <a:pPr algn="ctr"/>
             <a:r>
-              <a:rPr kumimoji="1" lang="ko-KR" altLang="en-US" sz="3600" dirty="0" smtClean="0"/>
+              <a:rPr kumimoji="1" lang="ko-KR" altLang="en-US" sz="3600" dirty="0"/>
               <a:t>신비한 종족 </a:t>
             </a:r>
             <a:r>
-              <a:rPr kumimoji="1" lang="ko-KR" altLang="en-US" sz="3600" b="1" dirty="0" smtClean="0">
+              <a:rPr kumimoji="1" lang="ko-KR" altLang="en-US" sz="3600" b="1" dirty="0">
                 <a:solidFill>
                   <a:srgbClr val="00B0F0"/>
                 </a:solidFill>
@@ -30219,35 +29723,35 @@
               <a:t>노루막이</a:t>
             </a:r>
             <a:r>
-              <a:rPr kumimoji="1" lang="ko-KR" altLang="en-US" sz="3600" dirty="0" smtClean="0"/>
+              <a:rPr kumimoji="1" lang="ko-KR" altLang="en-US" sz="3600" dirty="0"/>
               <a:t>가 되어</a:t>
             </a:r>
-            <a:endParaRPr kumimoji="1" lang="en-US" altLang="ko-KR" sz="3600" dirty="0" smtClean="0"/>
+            <a:endParaRPr kumimoji="1" lang="en-US" altLang="ko-KR" sz="3600" dirty="0"/>
           </a:p>
           <a:p>
             <a:pPr algn="ctr"/>
             <a:r>
-              <a:rPr kumimoji="1" lang="ko-KR" altLang="en-US" sz="3600" dirty="0" smtClean="0"/>
+              <a:rPr kumimoji="1" lang="ko-KR" altLang="en-US" sz="3600" dirty="0"/>
               <a:t>위기에 빠진 행성 </a:t>
             </a:r>
             <a:r>
-              <a:rPr kumimoji="1" lang="en-US" altLang="ko-KR" sz="3600" dirty="0" smtClean="0"/>
+              <a:rPr kumimoji="1" lang="en-US" altLang="ko-KR" sz="3600" dirty="0"/>
               <a:t>’</a:t>
             </a:r>
             <a:r>
-              <a:rPr kumimoji="1" lang="ko-KR" altLang="en-US" sz="3600" dirty="0" smtClean="0"/>
+              <a:rPr kumimoji="1" lang="ko-KR" altLang="en-US" sz="3600" dirty="0"/>
               <a:t>미리내</a:t>
             </a:r>
             <a:r>
-              <a:rPr kumimoji="1" lang="en-US" altLang="ko-KR" sz="3600" dirty="0" smtClean="0"/>
+              <a:rPr kumimoji="1" lang="en-US" altLang="ko-KR" sz="3600" dirty="0"/>
               <a:t>’</a:t>
             </a:r>
             <a:r>
-              <a:rPr kumimoji="1" lang="ko-KR" altLang="en-US" sz="3600" dirty="0" smtClean="0"/>
+              <a:rPr kumimoji="1" lang="ko-KR" altLang="en-US" sz="3600" dirty="0"/>
               <a:t>를 구할 </a:t>
             </a:r>
             <a:r>
-              <a:rPr kumimoji="1" lang="ko-KR" altLang="en-US" sz="3600" b="1" dirty="0" smtClean="0">
+              <a:rPr kumimoji="1" lang="ko-KR" altLang="en-US" sz="3600" b="1" dirty="0">
                 <a:solidFill>
                   <a:srgbClr val="00B0F0"/>
                 </a:solidFill>
@@ -30255,10 +29759,9 @@
               <a:t>위대한 용사</a:t>
             </a:r>
             <a:r>
-              <a:rPr kumimoji="1" lang="ko-KR" altLang="en-US" sz="3600" dirty="0" smtClean="0"/>
+              <a:rPr kumimoji="1" lang="ko-KR" altLang="en-US" sz="3600" dirty="0"/>
               <a:t>가 되자</a:t>
             </a:r>
-            <a:endParaRPr kumimoji="1" lang="ko-KR" altLang="en-US" sz="3600" dirty="0"/>
           </a:p>
         </p:txBody>
       </p:sp>
@@ -30413,7 +29916,7 @@
           <a:p>
             <a:pPr algn="ctr"/>
             <a:r>
-              <a:rPr kumimoji="1" lang="en-US" altLang="ko-KR" sz="5400" b="1" dirty="0" smtClean="0">
+              <a:rPr kumimoji="1" lang="en-US" altLang="ko-KR" sz="5400" b="1" dirty="0">
                 <a:solidFill>
                   <a:schemeClr val="tx1"/>
                 </a:solidFill>
@@ -30531,111 +30034,6 @@
           </a:p>
         </p:txBody>
       </p:sp>
-      <p:cxnSp>
-        <p:nvCxnSpPr>
-          <p:cNvPr id="7" name="직선 연결선[R] 6"/>
-          <p:cNvCxnSpPr/>
-          <p:nvPr/>
-        </p:nvCxnSpPr>
-        <p:spPr>
-          <a:xfrm flipV="1">
-            <a:off x="2141892" y="4660900"/>
-            <a:ext cx="0" cy="337287"/>
-          </a:xfrm>
-          <a:prstGeom prst="line">
-            <a:avLst/>
-          </a:prstGeom>
-          <a:ln w="88900">
-            <a:solidFill>
-              <a:srgbClr val="FF0000"/>
-            </a:solidFill>
-          </a:ln>
-        </p:spPr>
-        <p:style>
-          <a:lnRef idx="1">
-            <a:schemeClr val="accent1"/>
-          </a:lnRef>
-          <a:fillRef idx="0">
-            <a:schemeClr val="accent1"/>
-          </a:fillRef>
-          <a:effectRef idx="0">
-            <a:schemeClr val="accent1"/>
-          </a:effectRef>
-          <a:fontRef idx="minor">
-            <a:schemeClr val="tx1"/>
-          </a:fontRef>
-        </p:style>
-      </p:cxnSp>
-      <p:cxnSp>
-        <p:nvCxnSpPr>
-          <p:cNvPr id="9" name="직선 연결선[R] 8"/>
-          <p:cNvCxnSpPr/>
-          <p:nvPr/>
-        </p:nvCxnSpPr>
-        <p:spPr>
-          <a:xfrm flipV="1">
-            <a:off x="6096000" y="4660900"/>
-            <a:ext cx="0" cy="337287"/>
-          </a:xfrm>
-          <a:prstGeom prst="line">
-            <a:avLst/>
-          </a:prstGeom>
-          <a:ln w="88900">
-            <a:solidFill>
-              <a:srgbClr val="7030A0"/>
-            </a:solidFill>
-          </a:ln>
-        </p:spPr>
-        <p:style>
-          <a:lnRef idx="1">
-            <a:schemeClr val="accent1"/>
-          </a:lnRef>
-          <a:fillRef idx="0">
-            <a:schemeClr val="accent1"/>
-          </a:fillRef>
-          <a:effectRef idx="0">
-            <a:schemeClr val="accent1"/>
-          </a:effectRef>
-          <a:fontRef idx="minor">
-            <a:schemeClr val="tx1"/>
-          </a:fontRef>
-        </p:style>
-      </p:cxnSp>
-      <p:cxnSp>
-        <p:nvCxnSpPr>
-          <p:cNvPr id="11" name="직선 연결선[R] 10"/>
-          <p:cNvCxnSpPr/>
-          <p:nvPr/>
-        </p:nvCxnSpPr>
-        <p:spPr>
-          <a:xfrm flipV="1">
-            <a:off x="10050107" y="4660900"/>
-            <a:ext cx="0" cy="337287"/>
-          </a:xfrm>
-          <a:prstGeom prst="line">
-            <a:avLst/>
-          </a:prstGeom>
-          <a:ln w="88900">
-            <a:solidFill>
-              <a:srgbClr val="00B0F0"/>
-            </a:solidFill>
-          </a:ln>
-        </p:spPr>
-        <p:style>
-          <a:lnRef idx="1">
-            <a:schemeClr val="accent1"/>
-          </a:lnRef>
-          <a:fillRef idx="0">
-            <a:schemeClr val="accent1"/>
-          </a:fillRef>
-          <a:effectRef idx="0">
-            <a:schemeClr val="accent1"/>
-          </a:effectRef>
-          <a:fontRef idx="minor">
-            <a:schemeClr val="tx1"/>
-          </a:fontRef>
-        </p:style>
-      </p:cxnSp>
       <p:sp>
         <p:nvSpPr>
           <p:cNvPr id="14" name="타원 13"/>
@@ -30886,9 +30284,7 @@
             <a:schemeClr val="bg1"/>
           </a:solidFill>
           <a:ln w="88900">
-            <a:solidFill>
-              <a:srgbClr val="FF0000"/>
-            </a:solidFill>
+            <a:noFill/>
           </a:ln>
         </p:spPr>
         <p:style>
@@ -30913,7 +30309,7 @@
           <a:p>
             <a:pPr lvl="0" algn="ctr"/>
             <a:r>
-              <a:rPr kumimoji="1" lang="ko-KR" altLang="en-US" sz="2800" b="1" dirty="0" smtClean="0">
+              <a:rPr kumimoji="1" lang="ko-KR" altLang="en-US" sz="2800" b="1" dirty="0">
                 <a:solidFill>
                   <a:prstClr val="black"/>
                 </a:solidFill>
@@ -30921,12 +30317,6 @@
               </a:rPr>
               <a:t>발열 시스템</a:t>
             </a:r>
-            <a:endParaRPr kumimoji="1" lang="ko-KR" altLang="en-US" sz="2800" b="1" dirty="0">
-              <a:solidFill>
-                <a:prstClr val="black"/>
-              </a:solidFill>
-              <a:latin typeface="+mj-lt"/>
-            </a:endParaRPr>
           </a:p>
         </p:txBody>
       </p:sp>
@@ -30950,9 +30340,7 @@
             <a:schemeClr val="bg1"/>
           </a:solidFill>
           <a:ln w="88900">
-            <a:solidFill>
-              <a:srgbClr val="7030A0"/>
-            </a:solidFill>
+            <a:noFill/>
           </a:ln>
         </p:spPr>
         <p:style>
@@ -30977,7 +30365,7 @@
           <a:p>
             <a:pPr lvl="0" algn="ctr"/>
             <a:r>
-              <a:rPr kumimoji="1" lang="en-US" altLang="ko-KR" sz="2800" b="1" dirty="0" smtClean="0">
+              <a:rPr kumimoji="1" lang="en-US" altLang="ko-KR" sz="2800" b="1" dirty="0">
                 <a:solidFill>
                   <a:prstClr val="black"/>
                 </a:solidFill>
@@ -30986,7 +30374,7 @@
               <a:t>MMO</a:t>
             </a:r>
             <a:r>
-              <a:rPr kumimoji="1" lang="ko-KR" altLang="en-US" sz="2800" b="1" dirty="0" smtClean="0">
+              <a:rPr kumimoji="1" lang="ko-KR" altLang="en-US" sz="2800" b="1" dirty="0">
                 <a:solidFill>
                   <a:prstClr val="black"/>
                 </a:solidFill>
@@ -30994,12 +30382,6 @@
               </a:rPr>
               <a:t>규모 동접</a:t>
             </a:r>
-            <a:endParaRPr kumimoji="1" lang="ko-KR" altLang="en-US" sz="2800" b="1" dirty="0">
-              <a:solidFill>
-                <a:prstClr val="black"/>
-              </a:solidFill>
-              <a:latin typeface="+mj-lt"/>
-            </a:endParaRPr>
           </a:p>
         </p:txBody>
       </p:sp>
@@ -31023,9 +30405,7 @@
             <a:schemeClr val="bg1"/>
           </a:solidFill>
           <a:ln w="88900">
-            <a:solidFill>
-              <a:srgbClr val="00B0F0"/>
-            </a:solidFill>
+            <a:noFill/>
           </a:ln>
         </p:spPr>
         <p:style>
@@ -31050,7 +30430,7 @@
           <a:p>
             <a:pPr lvl="0" algn="ctr"/>
             <a:r>
-              <a:rPr kumimoji="1" lang="ko-KR" altLang="en-US" sz="2800" b="1" dirty="0" smtClean="0">
+              <a:rPr kumimoji="1" lang="ko-KR" altLang="en-US" sz="2800" b="1" dirty="0">
                 <a:solidFill>
                   <a:prstClr val="black"/>
                 </a:solidFill>
@@ -31058,12 +30438,6 @@
               </a:rPr>
               <a:t>비사실적인 환경</a:t>
             </a:r>
-            <a:endParaRPr kumimoji="1" lang="ko-KR" altLang="en-US" sz="2800" b="1" dirty="0">
-              <a:solidFill>
-                <a:prstClr val="black"/>
-              </a:solidFill>
-              <a:latin typeface="+mj-lt"/>
-            </a:endParaRPr>
           </a:p>
         </p:txBody>
       </p:sp>
@@ -31109,7 +30483,7 @@
           <a:lstStyle/>
           <a:p>
             <a:r>
-              <a:rPr lang="ko-KR" altLang="en-US" sz="4000" dirty="0" smtClean="0">
+              <a:rPr lang="ko-KR" altLang="en-US" sz="4000" dirty="0">
                 <a:solidFill>
                   <a:schemeClr val="bg1"/>
                 </a:solidFill>
@@ -31377,100 +30751,13 @@
       </p:grpSpPr>
       <p:sp>
         <p:nvSpPr>
-          <p:cNvPr id="89" name="삼각형 88"/>
-          <p:cNvSpPr/>
-          <p:nvPr/>
-        </p:nvSpPr>
-        <p:spPr>
-          <a:xfrm rot="5400000">
-            <a:off x="-1013308" y="1013305"/>
-            <a:ext cx="4025468" cy="1998852"/>
-          </a:xfrm>
-          <a:prstGeom prst="triangle">
-            <a:avLst>
-              <a:gd name="adj" fmla="val 0"/>
-            </a:avLst>
-          </a:prstGeom>
-          <a:solidFill>
-            <a:srgbClr val="FF0000"/>
-          </a:solidFill>
-          <a:ln>
-            <a:noFill/>
-          </a:ln>
-        </p:spPr>
-        <p:style>
-          <a:lnRef idx="2">
-            <a:schemeClr val="accent1">
-              <a:shade val="50000"/>
-            </a:schemeClr>
-          </a:lnRef>
-          <a:fillRef idx="1">
-            <a:schemeClr val="accent1"/>
-          </a:fillRef>
-          <a:effectRef idx="0">
-            <a:schemeClr val="accent1"/>
-          </a:effectRef>
-          <a:fontRef idx="minor">
-            <a:schemeClr val="lt1"/>
-          </a:fontRef>
-        </p:style>
-        <p:txBody>
-          <a:bodyPr rtlCol="0" anchor="ctr"/>
-          <a:lstStyle/>
-          <a:p>
-            <a:pPr algn="ctr"/>
-            <a:endParaRPr kumimoji="1" lang="ko-KR" altLang="en-US"/>
-          </a:p>
-        </p:txBody>
-      </p:sp>
-      <p:sp>
-        <p:nvSpPr>
-          <p:cNvPr id="91" name="텍스트 상자 90"/>
-          <p:cNvSpPr txBox="1"/>
-          <p:nvPr/>
-        </p:nvSpPr>
-        <p:spPr>
-          <a:xfrm>
-            <a:off x="0" y="0"/>
-            <a:ext cx="1159292" cy="2215991"/>
-          </a:xfrm>
-          <a:prstGeom prst="rect">
-            <a:avLst/>
-          </a:prstGeom>
-          <a:noFill/>
-        </p:spPr>
-        <p:txBody>
-          <a:bodyPr wrap="none" rtlCol="0">
-            <a:spAutoFit/>
-          </a:bodyPr>
-          <a:lstStyle/>
-          <a:p>
-            <a:pPr algn="ctr"/>
-            <a:r>
-              <a:rPr kumimoji="1" lang="en-US" altLang="ko-KR" sz="13800" dirty="0" smtClean="0">
-                <a:solidFill>
-                  <a:schemeClr val="bg1"/>
-                </a:solidFill>
-              </a:rPr>
-              <a:t>1</a:t>
-            </a:r>
-            <a:endParaRPr kumimoji="1" lang="ko-KR" altLang="en-US" sz="13800" dirty="0">
-              <a:solidFill>
-                <a:schemeClr val="bg1"/>
-              </a:solidFill>
-            </a:endParaRPr>
-          </a:p>
-        </p:txBody>
-      </p:sp>
-      <p:sp>
-        <p:nvSpPr>
           <p:cNvPr id="92" name="텍스트 상자 91"/>
           <p:cNvSpPr txBox="1"/>
           <p:nvPr/>
         </p:nvSpPr>
         <p:spPr>
           <a:xfrm>
-            <a:off x="1797268" y="323165"/>
+            <a:off x="314132" y="323165"/>
             <a:ext cx="6773008" cy="1569660"/>
           </a:xfrm>
           <a:prstGeom prst="rect">
@@ -31485,10 +30772,9 @@
           <a:lstStyle/>
           <a:p>
             <a:r>
-              <a:rPr kumimoji="1" lang="ko-KR" altLang="en-US" sz="9600" i="1" dirty="0" smtClean="0"/>
+              <a:rPr kumimoji="1" lang="ko-KR" altLang="en-US" sz="9600" i="1" dirty="0"/>
               <a:t>발열 시스템</a:t>
             </a:r>
-            <a:endParaRPr kumimoji="1" lang="ko-KR" altLang="en-US" sz="9600" i="1" dirty="0"/>
           </a:p>
         </p:txBody>
       </p:sp>
@@ -31500,7 +30786,7 @@
         </p:nvSpPr>
         <p:spPr>
           <a:xfrm>
-            <a:off x="1797268" y="1892825"/>
+            <a:off x="615893" y="2505683"/>
             <a:ext cx="7098418" cy="1785104"/>
           </a:xfrm>
           <a:prstGeom prst="rect">
@@ -31687,21 +30973,9 @@
                 <a:latin typeface="맑은 고딕" charset="-127"/>
                 <a:cs typeface="Times New Roman" charset="0"/>
               </a:rPr>
-              <a:t> 끊임없이 공격을 하는 즐거움 </a:t>
-            </a:r>
-            <a:r>
-              <a:rPr lang="ko-KR" altLang="en-US" sz="2000" dirty="0" smtClean="0">
-                <a:solidFill>
-                  <a:schemeClr val="bg1">
-                    <a:lumMod val="50000"/>
-                  </a:schemeClr>
-                </a:solidFill>
-                <a:latin typeface="맑은 고딕" charset="-127"/>
-                <a:cs typeface="Times New Roman" charset="0"/>
-              </a:rPr>
-              <a:t>부여</a:t>
-            </a:r>
-            <a:endParaRPr lang="en-US" altLang="ko-KR" sz="2000" dirty="0" smtClean="0">
+              <a:t> 끊임없이 공격을 하는 즐거움 부여</a:t>
+            </a:r>
+            <a:endParaRPr lang="en-US" altLang="ko-KR" sz="2000" dirty="0">
               <a:solidFill>
                 <a:schemeClr val="bg1">
                   <a:lumMod val="50000"/>
@@ -31724,14 +30998,14 @@
               </a:spcAft>
             </a:pPr>
             <a:r>
-              <a:rPr lang="ko-KR" altLang="en-US" sz="2800" dirty="0" smtClean="0">
+              <a:rPr lang="ko-KR" altLang="en-US" sz="2800" dirty="0">
                 <a:latin typeface="맑은 고딕" charset="-127"/>
                 <a:cs typeface="Times New Roman" charset="0"/>
               </a:rPr>
               <a:t>획득한 발열을 </a:t>
             </a:r>
             <a:r>
-              <a:rPr lang="en-US" altLang="ko-KR" sz="2800" dirty="0" smtClean="0">
+              <a:rPr lang="en-US" altLang="ko-KR" sz="2800" dirty="0">
                 <a:solidFill>
                   <a:srgbClr val="FF0000"/>
                 </a:solidFill>
@@ -31741,7 +31015,7 @@
               <a:t>‘</a:t>
             </a:r>
             <a:r>
-              <a:rPr lang="ko-KR" altLang="en-US" sz="2800" dirty="0" smtClean="0">
+              <a:rPr lang="ko-KR" altLang="en-US" sz="2800" dirty="0">
                 <a:solidFill>
                   <a:srgbClr val="FF0000"/>
                 </a:solidFill>
@@ -31751,7 +31025,7 @@
               <a:t>궁극기</a:t>
             </a:r>
             <a:r>
-              <a:rPr lang="en-US" altLang="ko-KR" sz="2800" dirty="0" smtClean="0">
+              <a:rPr lang="en-US" altLang="ko-KR" sz="2800" dirty="0">
                 <a:solidFill>
                   <a:srgbClr val="FF0000"/>
                 </a:solidFill>
@@ -31761,14 +31035,14 @@
               <a:t>’</a:t>
             </a:r>
             <a:r>
-              <a:rPr lang="ko-KR" altLang="en-US" sz="2800" dirty="0" smtClean="0">
+              <a:rPr lang="ko-KR" altLang="en-US" sz="2800" dirty="0">
                 <a:latin typeface="맑은 고딕" charset="-127"/>
                 <a:cs typeface="Times New Roman" charset="0"/>
               </a:rPr>
               <a:t>를 통해 방출</a:t>
             </a:r>
             <a:r>
-              <a:rPr lang="en-US" altLang="ko-KR" sz="2800" dirty="0" smtClean="0">
+              <a:rPr lang="en-US" altLang="ko-KR" sz="2800" dirty="0">
                 <a:latin typeface="맑은 고딕" charset="-127"/>
                 <a:cs typeface="Times New Roman" charset="0"/>
               </a:rPr>
@@ -31794,7 +31068,7 @@
         </p:nvGrpSpPr>
         <p:grpSpPr>
           <a:xfrm>
-            <a:off x="1797268" y="4058634"/>
+            <a:off x="615893" y="4671492"/>
             <a:ext cx="1321188" cy="1321188"/>
             <a:chOff x="819805" y="4534422"/>
             <a:chExt cx="1321188" cy="1321188"/>
@@ -31961,7 +31235,7 @@
             <a:p>
               <a:pPr algn="ctr"/>
               <a:r>
-                <a:rPr kumimoji="1" lang="en-US" altLang="ko-KR" sz="3600" dirty="0" smtClean="0">
+                <a:rPr kumimoji="1" lang="en-US" altLang="ko-KR" sz="3600" dirty="0">
                   <a:solidFill>
                     <a:sysClr val="windowText" lastClr="000000"/>
                   </a:solidFill>
@@ -31985,7 +31259,7 @@
         </p:nvGrpSpPr>
         <p:grpSpPr>
           <a:xfrm>
-            <a:off x="6595964" y="4058634"/>
+            <a:off x="5414589" y="4671492"/>
             <a:ext cx="1321188" cy="1321188"/>
             <a:chOff x="4391736" y="4534422"/>
             <a:chExt cx="1321188" cy="1321188"/>
@@ -32573,7 +31847,7 @@
             <a:p>
               <a:pPr algn="ctr"/>
               <a:r>
-                <a:rPr kumimoji="1" lang="en-US" altLang="ko-KR" sz="3600" dirty="0" smtClean="0">
+                <a:rPr kumimoji="1" lang="en-US" altLang="ko-KR" sz="3600" dirty="0">
                   <a:solidFill>
                     <a:sysClr val="windowText" lastClr="000000"/>
                   </a:solidFill>
@@ -32690,7 +31964,7 @@
         </p:blipFill>
         <p:spPr>
           <a:xfrm>
-            <a:off x="3795228" y="4115368"/>
+            <a:off x="2613853" y="4728226"/>
             <a:ext cx="2123964" cy="1210431"/>
           </a:xfrm>
           <a:prstGeom prst="rect">
@@ -32720,7 +31994,7 @@
         </p:blipFill>
         <p:spPr>
           <a:xfrm>
-            <a:off x="8593925" y="3677929"/>
+            <a:off x="7412550" y="4290787"/>
             <a:ext cx="3088250" cy="2070023"/>
           </a:xfrm>
           <a:prstGeom prst="rect">
@@ -32736,7 +32010,7 @@
         </p:nvSpPr>
         <p:spPr>
           <a:xfrm>
-            <a:off x="3325770" y="4519330"/>
+            <a:off x="2144395" y="5132188"/>
             <a:ext cx="532460" cy="402505"/>
           </a:xfrm>
           <a:prstGeom prst="rightArrow">
@@ -32782,7 +32056,7 @@
         </p:nvSpPr>
         <p:spPr>
           <a:xfrm>
-            <a:off x="5921614" y="4519330"/>
+            <a:off x="4740239" y="5132188"/>
             <a:ext cx="532460" cy="402505"/>
           </a:xfrm>
           <a:prstGeom prst="rightArrow">
@@ -32828,7 +32102,7 @@
         </p:nvSpPr>
         <p:spPr>
           <a:xfrm>
-            <a:off x="8025941" y="4519330"/>
+            <a:off x="6844566" y="5132188"/>
             <a:ext cx="532460" cy="402505"/>
           </a:xfrm>
           <a:prstGeom prst="rightArrow">
@@ -32874,7 +32148,7 @@
         </p:nvSpPr>
         <p:spPr>
           <a:xfrm>
-            <a:off x="8895686" y="498060"/>
+            <a:off x="7412550" y="498060"/>
             <a:ext cx="1181375" cy="1181375"/>
           </a:xfrm>
           <a:prstGeom prst="ellipse">
@@ -32925,7 +32199,7 @@
         </p:nvSpPr>
         <p:spPr>
           <a:xfrm>
-            <a:off x="8895686" y="498060"/>
+            <a:off x="7412550" y="498060"/>
             <a:ext cx="1181375" cy="1181375"/>
           </a:xfrm>
           <a:prstGeom prst="ellipse">
@@ -32971,7 +32245,7 @@
         </p:nvSpPr>
         <p:spPr>
           <a:xfrm>
-            <a:off x="8897154" y="498060"/>
+            <a:off x="7414018" y="498060"/>
             <a:ext cx="1181375" cy="1181375"/>
           </a:xfrm>
           <a:prstGeom prst="ellipse">
@@ -33017,7 +32291,7 @@
         </p:nvSpPr>
         <p:spPr>
           <a:xfrm>
-            <a:off x="8895686" y="498060"/>
+            <a:off x="7412550" y="498060"/>
             <a:ext cx="1181375" cy="1181375"/>
           </a:xfrm>
           <a:prstGeom prst="ellipse">
@@ -33055,6 +32329,41 @@
           </a:p>
         </p:txBody>
       </p:sp>
+      <p:cxnSp>
+        <p:nvCxnSpPr>
+          <p:cNvPr id="3" name="직선 연결선 2"/>
+          <p:cNvCxnSpPr/>
+          <p:nvPr/>
+        </p:nvCxnSpPr>
+        <p:spPr>
+          <a:xfrm>
+            <a:off x="0" y="2060448"/>
+            <a:ext cx="12192000" cy="0"/>
+          </a:xfrm>
+          <a:prstGeom prst="line">
+            <a:avLst/>
+          </a:prstGeom>
+          <a:ln w="127000">
+            <a:solidFill>
+              <a:srgbClr val="FF0000"/>
+            </a:solidFill>
+          </a:ln>
+        </p:spPr>
+        <p:style>
+          <a:lnRef idx="1">
+            <a:schemeClr val="accent1"/>
+          </a:lnRef>
+          <a:fillRef idx="0">
+            <a:schemeClr val="accent1"/>
+          </a:fillRef>
+          <a:effectRef idx="0">
+            <a:schemeClr val="accent1"/>
+          </a:effectRef>
+          <a:fontRef idx="minor">
+            <a:schemeClr val="tx1"/>
+          </a:fontRef>
+        </p:style>
+      </p:cxnSp>
     </p:spTree>
     <p:extLst>
       <p:ext uri="{BB962C8B-B14F-4D97-AF65-F5344CB8AC3E}">
@@ -33195,54 +32504,6 @@
       </p:grpSpPr>
       <p:sp>
         <p:nvSpPr>
-          <p:cNvPr id="89" name="삼각형 88"/>
-          <p:cNvSpPr/>
-          <p:nvPr/>
-        </p:nvSpPr>
-        <p:spPr>
-          <a:xfrm rot="5400000">
-            <a:off x="-1013308" y="1013305"/>
-            <a:ext cx="4025468" cy="1998852"/>
-          </a:xfrm>
-          <a:prstGeom prst="triangle">
-            <a:avLst>
-              <a:gd name="adj" fmla="val 0"/>
-            </a:avLst>
-          </a:prstGeom>
-          <a:solidFill>
-            <a:srgbClr val="7030A0"/>
-          </a:solidFill>
-          <a:ln>
-            <a:noFill/>
-          </a:ln>
-        </p:spPr>
-        <p:style>
-          <a:lnRef idx="2">
-            <a:schemeClr val="accent1">
-              <a:shade val="50000"/>
-            </a:schemeClr>
-          </a:lnRef>
-          <a:fillRef idx="1">
-            <a:schemeClr val="accent1"/>
-          </a:fillRef>
-          <a:effectRef idx="0">
-            <a:schemeClr val="accent1"/>
-          </a:effectRef>
-          <a:fontRef idx="minor">
-            <a:schemeClr val="lt1"/>
-          </a:fontRef>
-        </p:style>
-        <p:txBody>
-          <a:bodyPr rtlCol="0" anchor="ctr"/>
-          <a:lstStyle/>
-          <a:p>
-            <a:pPr algn="ctr"/>
-            <a:endParaRPr kumimoji="1" lang="ko-KR" altLang="en-US"/>
-          </a:p>
-        </p:txBody>
-      </p:sp>
-      <p:sp>
-        <p:nvSpPr>
           <p:cNvPr id="91" name="텍스트 상자 90"/>
           <p:cNvSpPr txBox="1"/>
           <p:nvPr/>
@@ -33265,7 +32526,7 @@
           <a:p>
             <a:pPr algn="ctr"/>
             <a:r>
-              <a:rPr kumimoji="1" lang="en-US" altLang="ko-KR" sz="13800" dirty="0" smtClean="0">
+              <a:rPr kumimoji="1" lang="en-US" altLang="ko-KR" sz="13800" dirty="0">
                 <a:solidFill>
                   <a:schemeClr val="bg1"/>
                 </a:solidFill>
@@ -33277,36 +32538,6 @@
                 <a:schemeClr val="bg1"/>
               </a:solidFill>
             </a:endParaRPr>
-          </a:p>
-        </p:txBody>
-      </p:sp>
-      <p:sp>
-        <p:nvSpPr>
-          <p:cNvPr id="4" name="텍스트 상자 3"/>
-          <p:cNvSpPr txBox="1"/>
-          <p:nvPr/>
-        </p:nvSpPr>
-        <p:spPr>
-          <a:xfrm>
-            <a:off x="1797268" y="323165"/>
-            <a:ext cx="6773008" cy="1569660"/>
-          </a:xfrm>
-          <a:prstGeom prst="rect">
-            <a:avLst/>
-          </a:prstGeom>
-          <a:noFill/>
-        </p:spPr>
-        <p:txBody>
-          <a:bodyPr wrap="none" rtlCol="0">
-            <a:spAutoFit/>
-          </a:bodyPr>
-          <a:lstStyle/>
-          <a:p>
-            <a:r>
-              <a:rPr kumimoji="1" lang="ko-KR" altLang="en-US" sz="9600" i="1" dirty="0" smtClean="0"/>
-              <a:t>대규모 동접</a:t>
-            </a:r>
-            <a:endParaRPr kumimoji="1" lang="ko-KR" altLang="en-US" sz="9600" i="1" dirty="0"/>
           </a:p>
         </p:txBody>
       </p:sp>
@@ -33318,7 +32549,7 @@
         </p:nvSpPr>
         <p:spPr>
           <a:xfrm>
-            <a:off x="1797268" y="2128374"/>
+            <a:off x="614644" y="2317494"/>
             <a:ext cx="7098418" cy="523220"/>
           </a:xfrm>
           <a:prstGeom prst="rect">
@@ -33342,13 +32573,9 @@
             </a:r>
             <a:r>
               <a:rPr kumimoji="1" lang="ko-KR" altLang="en-US" sz="2800" dirty="0"/>
-              <a:t> 라이브러리를 활용한 서버 </a:t>
-            </a:r>
-            <a:r>
-              <a:rPr kumimoji="1" lang="ko-KR" altLang="en-US" sz="2800" dirty="0" smtClean="0"/>
-              <a:t>구축</a:t>
-            </a:r>
-            <a:endParaRPr kumimoji="1" lang="en-US" altLang="ko-KR" sz="2800" dirty="0" smtClean="0"/>
+              <a:t> 라이브러리를 활용한 서버 구축</a:t>
+            </a:r>
+            <a:endParaRPr kumimoji="1" lang="en-US" altLang="ko-KR" sz="2800" dirty="0"/>
           </a:p>
         </p:txBody>
       </p:sp>
@@ -33360,7 +32587,7 @@
         </p:nvSpPr>
         <p:spPr>
           <a:xfrm>
-            <a:off x="8895686" y="502490"/>
+            <a:off x="7412550" y="502490"/>
             <a:ext cx="1176945" cy="1176945"/>
           </a:xfrm>
           <a:prstGeom prst="ellipse">
@@ -33395,7 +32622,7 @@
           <a:p>
             <a:pPr algn="ctr"/>
             <a:r>
-              <a:rPr kumimoji="1" lang="en-US" altLang="ko-KR" sz="2800" b="1" dirty="0" smtClean="0">
+              <a:rPr kumimoji="1" lang="en-US" altLang="ko-KR" sz="2800" b="1" dirty="0">
                 <a:solidFill>
                   <a:schemeClr val="tx1"/>
                 </a:solidFill>
@@ -33418,7 +32645,7 @@
         </p:nvSpPr>
         <p:spPr>
           <a:xfrm>
-            <a:off x="8895686" y="502490"/>
+            <a:off x="7412550" y="502490"/>
             <a:ext cx="1176945" cy="1176945"/>
           </a:xfrm>
           <a:prstGeom prst="ellipse">
@@ -33464,7 +32691,7 @@
         </p:nvSpPr>
         <p:spPr>
           <a:xfrm>
-            <a:off x="1797268" y="2872874"/>
+            <a:off x="614644" y="3061994"/>
             <a:ext cx="8401659" cy="523220"/>
           </a:xfrm>
           <a:prstGeom prst="rect">
@@ -33492,15 +32719,7 @@
                   <a:prstClr val="black"/>
                 </a:solidFill>
               </a:rPr>
-              <a:t>명 이상이 동시에 접속할 수 있는 </a:t>
-            </a:r>
-            <a:r>
-              <a:rPr kumimoji="1" lang="ko-KR" altLang="en-US" sz="2800" dirty="0" smtClean="0">
-                <a:solidFill>
-                  <a:prstClr val="black"/>
-                </a:solidFill>
-              </a:rPr>
-              <a:t>대규모 서버</a:t>
+              <a:t>명 이상이 동시에 접속할 수 있는 대규모 서버</a:t>
             </a:r>
             <a:endParaRPr kumimoji="1" lang="en-US" altLang="ko-KR" sz="2800" dirty="0">
               <a:solidFill>
@@ -33532,7 +32751,7 @@
         </p:blipFill>
         <p:spPr>
           <a:xfrm>
-            <a:off x="1947400" y="3752838"/>
+            <a:off x="614644" y="3752838"/>
             <a:ext cx="3871161" cy="2731319"/>
           </a:xfrm>
           <a:prstGeom prst="rect">
@@ -33562,7 +32781,7 @@
         </p:blipFill>
         <p:spPr>
           <a:xfrm>
-            <a:off x="6344875" y="3752838"/>
+            <a:off x="5012119" y="3752838"/>
             <a:ext cx="4337394" cy="2731319"/>
           </a:xfrm>
           <a:prstGeom prst="rect">
@@ -33570,6 +32789,75 @@
           </a:prstGeom>
         </p:spPr>
       </p:pic>
+      <p:cxnSp>
+        <p:nvCxnSpPr>
+          <p:cNvPr id="13" name="직선 연결선 12"/>
+          <p:cNvCxnSpPr/>
+          <p:nvPr/>
+        </p:nvCxnSpPr>
+        <p:spPr>
+          <a:xfrm>
+            <a:off x="0" y="2060448"/>
+            <a:ext cx="12192000" cy="0"/>
+          </a:xfrm>
+          <a:prstGeom prst="line">
+            <a:avLst/>
+          </a:prstGeom>
+          <a:ln w="127000">
+            <a:solidFill>
+              <a:srgbClr val="7030A0"/>
+            </a:solidFill>
+          </a:ln>
+        </p:spPr>
+        <p:style>
+          <a:lnRef idx="1">
+            <a:schemeClr val="accent1"/>
+          </a:lnRef>
+          <a:fillRef idx="0">
+            <a:schemeClr val="accent1"/>
+          </a:fillRef>
+          <a:effectRef idx="0">
+            <a:schemeClr val="accent1"/>
+          </a:effectRef>
+          <a:fontRef idx="minor">
+            <a:schemeClr val="tx1"/>
+          </a:fontRef>
+        </p:style>
+      </p:cxnSp>
+      <p:sp>
+        <p:nvSpPr>
+          <p:cNvPr id="14" name="텍스트 상자 91"/>
+          <p:cNvSpPr txBox="1"/>
+          <p:nvPr/>
+        </p:nvSpPr>
+        <p:spPr>
+          <a:xfrm>
+            <a:off x="314132" y="323165"/>
+            <a:ext cx="6773008" cy="1569660"/>
+          </a:xfrm>
+          <a:prstGeom prst="rect">
+            <a:avLst/>
+          </a:prstGeom>
+          <a:noFill/>
+        </p:spPr>
+        <p:txBody>
+          <a:bodyPr wrap="none" rtlCol="0">
+            <a:spAutoFit/>
+          </a:bodyPr>
+          <a:lstStyle/>
+          <a:p>
+            <a:r>
+              <a:rPr kumimoji="1" lang="ko-KR" altLang="en-US" sz="9600" i="1" dirty="0"/>
+              <a:t>대규모 </a:t>
+            </a:r>
+            <a:r>
+              <a:rPr kumimoji="1" lang="ko-KR" altLang="en-US" sz="9600" i="1" dirty="0" err="1"/>
+              <a:t>동접</a:t>
+            </a:r>
+            <a:endParaRPr kumimoji="1" lang="ko-KR" altLang="en-US" sz="9600" i="1" dirty="0"/>
+          </a:p>
+        </p:txBody>
+      </p:sp>
     </p:spTree>
     <p:extLst>
       <p:ext uri="{BB962C8B-B14F-4D97-AF65-F5344CB8AC3E}">
@@ -33716,7 +33004,7 @@
         </p:nvSpPr>
         <p:spPr>
           <a:xfrm>
-            <a:off x="8741887" y="502490"/>
+            <a:off x="7412551" y="502490"/>
             <a:ext cx="1176945" cy="1176945"/>
           </a:xfrm>
           <a:prstGeom prst="ellipse">
@@ -33768,7 +33056,7 @@
         </p:nvSpPr>
         <p:spPr>
           <a:xfrm>
-            <a:off x="8741886" y="502490"/>
+            <a:off x="7412550" y="502490"/>
             <a:ext cx="1176945" cy="1176945"/>
           </a:xfrm>
           <a:prstGeom prst="ellipse">
@@ -33779,54 +33067,6 @@
             <a:solidFill>
               <a:srgbClr val="00B0F0"/>
             </a:solidFill>
-          </a:ln>
-        </p:spPr>
-        <p:style>
-          <a:lnRef idx="2">
-            <a:schemeClr val="accent1">
-              <a:shade val="50000"/>
-            </a:schemeClr>
-          </a:lnRef>
-          <a:fillRef idx="1">
-            <a:schemeClr val="accent1"/>
-          </a:fillRef>
-          <a:effectRef idx="0">
-            <a:schemeClr val="accent1"/>
-          </a:effectRef>
-          <a:fontRef idx="minor">
-            <a:schemeClr val="lt1"/>
-          </a:fontRef>
-        </p:style>
-        <p:txBody>
-          <a:bodyPr rtlCol="0" anchor="ctr"/>
-          <a:lstStyle/>
-          <a:p>
-            <a:pPr algn="ctr"/>
-            <a:endParaRPr kumimoji="1" lang="ko-KR" altLang="en-US"/>
-          </a:p>
-        </p:txBody>
-      </p:sp>
-      <p:sp>
-        <p:nvSpPr>
-          <p:cNvPr id="89" name="삼각형 88"/>
-          <p:cNvSpPr/>
-          <p:nvPr/>
-        </p:nvSpPr>
-        <p:spPr>
-          <a:xfrm rot="5400000">
-            <a:off x="-1013308" y="1013305"/>
-            <a:ext cx="4025468" cy="1998852"/>
-          </a:xfrm>
-          <a:prstGeom prst="triangle">
-            <a:avLst>
-              <a:gd name="adj" fmla="val 0"/>
-            </a:avLst>
-          </a:prstGeom>
-          <a:solidFill>
-            <a:srgbClr val="00B0F0"/>
-          </a:solidFill>
-          <a:ln>
-            <a:noFill/>
           </a:ln>
         </p:spPr>
         <p:style>
@@ -33878,7 +33118,7 @@
           <a:p>
             <a:pPr algn="ctr"/>
             <a:r>
-              <a:rPr kumimoji="1" lang="en-US" altLang="ko-KR" sz="13800" dirty="0" smtClean="0">
+              <a:rPr kumimoji="1" lang="en-US" altLang="ko-KR" sz="13800" dirty="0">
                 <a:solidFill>
                   <a:schemeClr val="bg1"/>
                 </a:solidFill>
@@ -33890,40 +33130,6 @@
                 <a:schemeClr val="bg1"/>
               </a:solidFill>
             </a:endParaRPr>
-          </a:p>
-        </p:txBody>
-      </p:sp>
-      <p:sp>
-        <p:nvSpPr>
-          <p:cNvPr id="4" name="텍스트 상자 3"/>
-          <p:cNvSpPr txBox="1"/>
-          <p:nvPr/>
-        </p:nvSpPr>
-        <p:spPr>
-          <a:xfrm>
-            <a:off x="1797268" y="323165"/>
-            <a:ext cx="6705682" cy="1569660"/>
-          </a:xfrm>
-          <a:prstGeom prst="rect">
-            <a:avLst/>
-          </a:prstGeom>
-          <a:noFill/>
-        </p:spPr>
-        <p:txBody>
-          <a:bodyPr wrap="none" rtlCol="0">
-            <a:spAutoFit/>
-          </a:bodyPr>
-          <a:lstStyle/>
-          <a:p>
-            <a:r>
-              <a:rPr kumimoji="1" lang="en-US" altLang="ko-KR" sz="9600" i="1" dirty="0" smtClean="0"/>
-              <a:t>NPR</a:t>
-            </a:r>
-            <a:r>
-              <a:rPr kumimoji="1" lang="ko-KR" altLang="en-US" sz="9600" i="1" dirty="0" smtClean="0"/>
-              <a:t> 렌더링</a:t>
-            </a:r>
-            <a:endParaRPr kumimoji="1" lang="ko-KR" altLang="en-US" sz="9600" i="1" dirty="0"/>
           </a:p>
         </p:txBody>
       </p:sp>
@@ -33949,7 +33155,7 @@
         </p:blipFill>
         <p:spPr>
           <a:xfrm>
-            <a:off x="6454683" y="4010441"/>
+            <a:off x="5332926" y="4010441"/>
             <a:ext cx="4303403" cy="2420664"/>
           </a:xfrm>
           <a:prstGeom prst="rect">
@@ -33965,7 +33171,7 @@
         </p:nvSpPr>
         <p:spPr>
           <a:xfrm>
-            <a:off x="1797268" y="2947899"/>
+            <a:off x="541492" y="2947899"/>
             <a:ext cx="10089162" cy="523220"/>
           </a:xfrm>
           <a:prstGeom prst="rect">
@@ -33980,7 +33186,7 @@
           <a:lstStyle/>
           <a:p>
             <a:r>
-              <a:rPr kumimoji="1" lang="en-US" altLang="ko-KR" sz="2800" dirty="0" smtClean="0"/>
+              <a:rPr kumimoji="1" lang="en-US" altLang="ko-KR" sz="2800" dirty="0"/>
               <a:t>HLSL(</a:t>
             </a:r>
             <a:r>
@@ -33993,21 +33199,16 @@
             </a:r>
             <a:r>
               <a:rPr lang="en-US" altLang="ko-KR" sz="2800" dirty="0"/>
-              <a:t> </a:t>
-            </a:r>
-            <a:r>
-              <a:rPr lang="en-US" altLang="ko-KR" sz="2800" dirty="0" smtClean="0"/>
-              <a:t>Language</a:t>
-            </a:r>
-            <a:r>
-              <a:rPr kumimoji="1" lang="en-US" altLang="ko-KR" sz="2800" dirty="0" smtClean="0"/>
+              <a:t> Language</a:t>
+            </a:r>
+            <a:r>
+              <a:rPr kumimoji="1" lang="en-US" altLang="ko-KR" sz="2800" dirty="0"/>
               <a:t>)</a:t>
             </a:r>
             <a:r>
-              <a:rPr kumimoji="1" lang="ko-KR" altLang="en-US" sz="2800" dirty="0" smtClean="0"/>
+              <a:rPr kumimoji="1" lang="ko-KR" altLang="en-US" sz="2800" dirty="0"/>
               <a:t>를 사용해 자연스러운 물</a:t>
             </a:r>
-            <a:endParaRPr kumimoji="1" lang="ko-KR" altLang="en-US" sz="2800" dirty="0"/>
           </a:p>
         </p:txBody>
       </p:sp>
@@ -34019,7 +33220,7 @@
         </p:nvSpPr>
         <p:spPr>
           <a:xfrm>
-            <a:off x="1851182" y="2263651"/>
+            <a:off x="541492" y="2263651"/>
             <a:ext cx="10035248" cy="523220"/>
           </a:xfrm>
           <a:prstGeom prst="rect">
@@ -34034,23 +33235,23 @@
           <a:lstStyle/>
           <a:p>
             <a:r>
-              <a:rPr kumimoji="1" lang="mr-IN" altLang="ko-KR" sz="2800" dirty="0" err="1" smtClean="0"/>
+              <a:rPr kumimoji="1" lang="mr-IN" altLang="ko-KR" sz="2800" dirty="0" err="1"/>
               <a:t>Non-Photorealistic</a:t>
             </a:r>
             <a:r>
-              <a:rPr kumimoji="1" lang="en-US" altLang="ko-KR" sz="2800" dirty="0" smtClean="0"/>
+              <a:rPr kumimoji="1" lang="en-US" altLang="ko-KR" sz="2800" dirty="0"/>
               <a:t>(</a:t>
             </a:r>
             <a:r>
-              <a:rPr kumimoji="1" lang="ko-KR" altLang="en-US" sz="2800" dirty="0" smtClean="0"/>
+              <a:rPr kumimoji="1" lang="ko-KR" altLang="en-US" sz="2800" dirty="0"/>
               <a:t>비실사렌더링</a:t>
             </a:r>
             <a:r>
-              <a:rPr kumimoji="1" lang="en-US" altLang="ko-KR" sz="2800" dirty="0" smtClean="0"/>
+              <a:rPr kumimoji="1" lang="en-US" altLang="ko-KR" sz="2800" dirty="0"/>
               <a:t>)</a:t>
             </a:r>
             <a:r>
-              <a:rPr kumimoji="1" lang="ko-KR" altLang="en-US" sz="2800" dirty="0" smtClean="0"/>
+              <a:rPr kumimoji="1" lang="ko-KR" altLang="en-US" sz="2800" dirty="0"/>
               <a:t>을 기반으로 한 카툰 렌더링</a:t>
             </a:r>
             <a:endParaRPr kumimoji="1" lang="mr-IN" altLang="ko-KR" sz="2800" dirty="0"/>
@@ -34079,7 +33280,7 @@
         </p:blipFill>
         <p:spPr>
           <a:xfrm>
-            <a:off x="1663249" y="3471119"/>
+            <a:off x="541492" y="3471119"/>
             <a:ext cx="4265744" cy="3199306"/>
           </a:xfrm>
           <a:prstGeom prst="rect">
@@ -34087,6 +33288,74 @@
           </a:prstGeom>
         </p:spPr>
       </p:pic>
+      <p:cxnSp>
+        <p:nvCxnSpPr>
+          <p:cNvPr id="11" name="직선 연결선 10"/>
+          <p:cNvCxnSpPr/>
+          <p:nvPr/>
+        </p:nvCxnSpPr>
+        <p:spPr>
+          <a:xfrm>
+            <a:off x="0" y="2060448"/>
+            <a:ext cx="12192000" cy="0"/>
+          </a:xfrm>
+          <a:prstGeom prst="line">
+            <a:avLst/>
+          </a:prstGeom>
+          <a:ln w="127000">
+            <a:solidFill>
+              <a:srgbClr val="00B0F0"/>
+            </a:solidFill>
+          </a:ln>
+        </p:spPr>
+        <p:style>
+          <a:lnRef idx="1">
+            <a:schemeClr val="accent1"/>
+          </a:lnRef>
+          <a:fillRef idx="0">
+            <a:schemeClr val="accent1"/>
+          </a:fillRef>
+          <a:effectRef idx="0">
+            <a:schemeClr val="accent1"/>
+          </a:effectRef>
+          <a:fontRef idx="minor">
+            <a:schemeClr val="tx1"/>
+          </a:fontRef>
+        </p:style>
+      </p:cxnSp>
+      <p:sp>
+        <p:nvSpPr>
+          <p:cNvPr id="12" name="텍스트 상자 91"/>
+          <p:cNvSpPr txBox="1"/>
+          <p:nvPr/>
+        </p:nvSpPr>
+        <p:spPr>
+          <a:xfrm>
+            <a:off x="314132" y="323165"/>
+            <a:ext cx="6705682" cy="1569660"/>
+          </a:xfrm>
+          <a:prstGeom prst="rect">
+            <a:avLst/>
+          </a:prstGeom>
+          <a:noFill/>
+        </p:spPr>
+        <p:txBody>
+          <a:bodyPr wrap="none" rtlCol="0">
+            <a:spAutoFit/>
+          </a:bodyPr>
+          <a:lstStyle/>
+          <a:p>
+            <a:r>
+              <a:rPr kumimoji="1" lang="en-US" altLang="ko-KR" sz="9600" i="1" dirty="0"/>
+              <a:t>NPR </a:t>
+            </a:r>
+            <a:r>
+              <a:rPr kumimoji="1" lang="ko-KR" altLang="en-US" sz="9600" i="1" dirty="0"/>
+              <a:t>렌더링</a:t>
+            </a:r>
+          </a:p>
+        </p:txBody>
+      </p:sp>
     </p:spTree>
     <p:extLst>
       <p:ext uri="{BB962C8B-B14F-4D97-AF65-F5344CB8AC3E}">

--- a/documents/노루막이_김형준_신창섭_홍승필_허지훈.pptx
+++ b/documents/노루막이_김형준_신창섭_홍승필_허지훈.pptx
@@ -251,7 +251,7 @@
           <a:p>
             <a:fld id="{C0784820-E37F-9245-812A-8C2941EBBF6C}" type="datetimeFigureOut">
               <a:rPr kumimoji="1" lang="ko-KR" altLang="en-US" smtClean="0"/>
-              <a:t>2016-12-16</a:t>
+              <a:t>2016. 12. 16.</a:t>
             </a:fld>
             <a:endParaRPr kumimoji="1" lang="ko-KR" altLang="en-US"/>
           </a:p>
@@ -416,7 +416,7 @@
           <a:p>
             <a:fld id="{ABD44343-005F-DA4E-8CE2-D84E76ABEFED}" type="datetimeFigureOut">
               <a:rPr kumimoji="1" lang="ko-KR" altLang="en-US" smtClean="0"/>
-              <a:t>2016-12-16</a:t>
+              <a:t>2016. 12. 16.</a:t>
             </a:fld>
             <a:endParaRPr kumimoji="1" lang="ko-KR" altLang="en-US"/>
           </a:p>
@@ -1344,7 +1344,7 @@
           <a:p>
             <a:fld id="{9A7BEA77-FCFD-E34F-8955-12C1E82451E3}" type="datetimeFigureOut">
               <a:rPr kumimoji="1" lang="ko-KR" altLang="en-US" smtClean="0"/>
-              <a:t>2016-12-16</a:t>
+              <a:t>2016. 12. 16.</a:t>
             </a:fld>
             <a:endParaRPr kumimoji="1" lang="ko-KR" altLang="en-US"/>
           </a:p>
@@ -1512,7 +1512,7 @@
           <a:p>
             <a:fld id="{9A7BEA77-FCFD-E34F-8955-12C1E82451E3}" type="datetimeFigureOut">
               <a:rPr kumimoji="1" lang="ko-KR" altLang="en-US" smtClean="0"/>
-              <a:t>2016-12-16</a:t>
+              <a:t>2016. 12. 16.</a:t>
             </a:fld>
             <a:endParaRPr kumimoji="1" lang="ko-KR" altLang="en-US"/>
           </a:p>
@@ -1690,7 +1690,7 @@
           <a:p>
             <a:fld id="{9A7BEA77-FCFD-E34F-8955-12C1E82451E3}" type="datetimeFigureOut">
               <a:rPr kumimoji="1" lang="ko-KR" altLang="en-US" smtClean="0"/>
-              <a:t>2016-12-16</a:t>
+              <a:t>2016. 12. 16.</a:t>
             </a:fld>
             <a:endParaRPr kumimoji="1" lang="ko-KR" altLang="en-US"/>
           </a:p>
@@ -1858,7 +1858,7 @@
           <a:p>
             <a:fld id="{9A7BEA77-FCFD-E34F-8955-12C1E82451E3}" type="datetimeFigureOut">
               <a:rPr kumimoji="1" lang="ko-KR" altLang="en-US" smtClean="0"/>
-              <a:t>2016-12-16</a:t>
+              <a:t>2016. 12. 16.</a:t>
             </a:fld>
             <a:endParaRPr kumimoji="1" lang="ko-KR" altLang="en-US"/>
           </a:p>
@@ -2103,7 +2103,7 @@
           <a:p>
             <a:fld id="{9A7BEA77-FCFD-E34F-8955-12C1E82451E3}" type="datetimeFigureOut">
               <a:rPr kumimoji="1" lang="ko-KR" altLang="en-US" smtClean="0"/>
-              <a:t>2016-12-16</a:t>
+              <a:t>2016. 12. 16.</a:t>
             </a:fld>
             <a:endParaRPr kumimoji="1" lang="ko-KR" altLang="en-US"/>
           </a:p>
@@ -2332,7 +2332,7 @@
           <a:p>
             <a:fld id="{9A7BEA77-FCFD-E34F-8955-12C1E82451E3}" type="datetimeFigureOut">
               <a:rPr kumimoji="1" lang="ko-KR" altLang="en-US" smtClean="0"/>
-              <a:t>2016-12-16</a:t>
+              <a:t>2016. 12. 16.</a:t>
             </a:fld>
             <a:endParaRPr kumimoji="1" lang="ko-KR" altLang="en-US"/>
           </a:p>
@@ -2696,7 +2696,7 @@
           <a:p>
             <a:fld id="{9A7BEA77-FCFD-E34F-8955-12C1E82451E3}" type="datetimeFigureOut">
               <a:rPr kumimoji="1" lang="ko-KR" altLang="en-US" smtClean="0"/>
-              <a:t>2016-12-16</a:t>
+              <a:t>2016. 12. 16.</a:t>
             </a:fld>
             <a:endParaRPr kumimoji="1" lang="ko-KR" altLang="en-US"/>
           </a:p>
@@ -2813,7 +2813,7 @@
           <a:p>
             <a:fld id="{9A7BEA77-FCFD-E34F-8955-12C1E82451E3}" type="datetimeFigureOut">
               <a:rPr kumimoji="1" lang="ko-KR" altLang="en-US" smtClean="0"/>
-              <a:t>2016-12-16</a:t>
+              <a:t>2016. 12. 16.</a:t>
             </a:fld>
             <a:endParaRPr kumimoji="1" lang="ko-KR" altLang="en-US"/>
           </a:p>
@@ -2908,7 +2908,7 @@
           <a:p>
             <a:fld id="{9A7BEA77-FCFD-E34F-8955-12C1E82451E3}" type="datetimeFigureOut">
               <a:rPr kumimoji="1" lang="ko-KR" altLang="en-US" smtClean="0"/>
-              <a:t>2016-12-16</a:t>
+              <a:t>2016. 12. 16.</a:t>
             </a:fld>
             <a:endParaRPr kumimoji="1" lang="ko-KR" altLang="en-US"/>
           </a:p>
@@ -3183,7 +3183,7 @@
           <a:p>
             <a:fld id="{9A7BEA77-FCFD-E34F-8955-12C1E82451E3}" type="datetimeFigureOut">
               <a:rPr kumimoji="1" lang="ko-KR" altLang="en-US" smtClean="0"/>
-              <a:t>2016-12-16</a:t>
+              <a:t>2016. 12. 16.</a:t>
             </a:fld>
             <a:endParaRPr kumimoji="1" lang="ko-KR" altLang="en-US"/>
           </a:p>
@@ -3435,7 +3435,7 @@
           <a:p>
             <a:fld id="{9A7BEA77-FCFD-E34F-8955-12C1E82451E3}" type="datetimeFigureOut">
               <a:rPr kumimoji="1" lang="ko-KR" altLang="en-US" smtClean="0"/>
-              <a:t>2016-12-16</a:t>
+              <a:t>2016. 12. 16.</a:t>
             </a:fld>
             <a:endParaRPr kumimoji="1" lang="ko-KR" altLang="en-US"/>
           </a:p>
@@ -3646,7 +3646,7 @@
           <a:p>
             <a:fld id="{9A7BEA77-FCFD-E34F-8955-12C1E82451E3}" type="datetimeFigureOut">
               <a:rPr kumimoji="1" lang="ko-KR" altLang="en-US" smtClean="0"/>
-              <a:t>2016-12-16</a:t>
+              <a:t>2016. 12. 16.</a:t>
             </a:fld>
             <a:endParaRPr kumimoji="1" lang="ko-KR" altLang="en-US"/>
           </a:p>
@@ -4262,6 +4262,7 @@
           <a:bodyPr lIns="0" tIns="0" rIns="0" bIns="0" rtlCol="0" anchor="ctr"/>
           <a:lstStyle/>
           <a:p>
+            <a:pPr algn="ctr"/>
             <a:r>
               <a:rPr lang="ko-KR" altLang="en-US" sz="3200" dirty="0">
                 <a:solidFill>
@@ -4279,7 +4280,7 @@
               <a:t> </a:t>
             </a:r>
             <a:r>
-              <a:rPr lang="ko-KR" altLang="en-US" sz="2400" dirty="0">
+              <a:rPr lang="ko-KR" altLang="en-US" dirty="0">
                 <a:solidFill>
                   <a:schemeClr val="bg1">
                     <a:lumMod val="50000"/>
@@ -4289,7 +4290,7 @@
               <a:t>게임공학과 </a:t>
             </a:r>
             <a:r>
-              <a:rPr lang="en-US" altLang="ko-KR" sz="2400" dirty="0">
+              <a:rPr lang="en-US" altLang="ko-KR" dirty="0">
                 <a:solidFill>
                   <a:schemeClr val="bg1">
                     <a:lumMod val="50000"/>
@@ -4298,7 +4299,7 @@
               </a:rPr>
               <a:t>2013182046</a:t>
             </a:r>
-            <a:endParaRPr lang="is-IS" altLang="ko-KR" sz="2400" dirty="0">
+            <a:endParaRPr lang="is-IS" altLang="ko-KR" dirty="0">
               <a:solidFill>
                 <a:schemeClr val="bg1">
                   <a:lumMod val="50000"/>
@@ -4398,7 +4399,7 @@
           <a:bodyPr lIns="0" tIns="0" rIns="0" bIns="0" rtlCol="0" anchor="ctr"/>
           <a:lstStyle/>
           <a:p>
-            <a:pPr lvl="0"/>
+            <a:pPr lvl="0" algn="ctr"/>
             <a:r>
               <a:rPr lang="ko-KR" altLang="en-US" sz="3200" dirty="0">
                 <a:solidFill>
@@ -4415,19 +4416,29 @@
                   </a:prstClr>
                 </a:solidFill>
               </a:rPr>
-              <a:t> 게임공학과 </a:t>
-            </a:r>
-            <a:r>
-              <a:rPr lang="en-US" altLang="ko-KR" sz="2400" dirty="0">
+              <a:t> </a:t>
+            </a:r>
+            <a:r>
+              <a:rPr lang="ko-KR" altLang="en-US" dirty="0">
                 <a:solidFill>
                   <a:prstClr val="white">
                     <a:lumMod val="50000"/>
                   </a:prstClr>
                 </a:solidFill>
               </a:rPr>
+              <a:t>게임공학과 </a:t>
+            </a:r>
+            <a:r>
+              <a:rPr lang="en-US" altLang="ko-KR" dirty="0">
+                <a:solidFill>
+                  <a:prstClr val="white">
+                    <a:lumMod val="50000"/>
+                  </a:prstClr>
+                </a:solidFill>
+              </a:rPr>
               <a:t>2013180056</a:t>
             </a:r>
-            <a:endParaRPr lang="is-IS" altLang="ko-KR" sz="2400" dirty="0">
+            <a:endParaRPr lang="is-IS" altLang="ko-KR" dirty="0">
               <a:solidFill>
                 <a:prstClr val="white">
                   <a:lumMod val="50000"/>
@@ -4527,7 +4538,7 @@
           <a:bodyPr lIns="0" tIns="0" rIns="0" bIns="0" rtlCol="0" anchor="ctr"/>
           <a:lstStyle/>
           <a:p>
-            <a:pPr lvl="0"/>
+            <a:pPr lvl="0" algn="ctr"/>
             <a:r>
               <a:rPr lang="ko-KR" altLang="en-US" sz="3200" dirty="0">
                 <a:solidFill>
@@ -4544,19 +4555,29 @@
                   </a:schemeClr>
                 </a:solidFill>
               </a:rPr>
-              <a:t> 게임공학과 </a:t>
-            </a:r>
-            <a:r>
-              <a:rPr lang="en-US" altLang="ko-KR" sz="2400" dirty="0">
+              <a:t> </a:t>
+            </a:r>
+            <a:r>
+              <a:rPr lang="ko-KR" altLang="en-US" dirty="0">
                 <a:solidFill>
                   <a:schemeClr val="bg1">
                     <a:lumMod val="50000"/>
                   </a:schemeClr>
                 </a:solidFill>
               </a:rPr>
+              <a:t>게임공학과 </a:t>
+            </a:r>
+            <a:r>
+              <a:rPr lang="en-US" altLang="ko-KR" dirty="0">
+                <a:solidFill>
+                  <a:schemeClr val="bg1">
+                    <a:lumMod val="50000"/>
+                  </a:schemeClr>
+                </a:solidFill>
+              </a:rPr>
               <a:t>2013180055</a:t>
             </a:r>
-            <a:endParaRPr lang="is-IS" altLang="ko-KR" sz="2400" dirty="0">
+            <a:endParaRPr lang="is-IS" altLang="ko-KR" dirty="0">
               <a:solidFill>
                 <a:schemeClr val="bg1">
                   <a:lumMod val="50000"/>
@@ -4624,19 +4645,29 @@
                   </a:schemeClr>
                 </a:solidFill>
               </a:rPr>
-              <a:t> 엔터테인먼트 컴퓨팅학과                          </a:t>
-            </a:r>
-            <a:r>
-              <a:rPr lang="en-US" altLang="ko-KR" sz="2400" dirty="0">
+              <a:t> </a:t>
+            </a:r>
+            <a:r>
+              <a:rPr lang="ko-KR" altLang="en-US" dirty="0">
                 <a:solidFill>
                   <a:schemeClr val="bg1">
                     <a:lumMod val="50000"/>
                   </a:schemeClr>
                 </a:solidFill>
               </a:rPr>
+              <a:t>엔터테인먼트 컴퓨팅학과                          </a:t>
+            </a:r>
+            <a:r>
+              <a:rPr lang="en-US" altLang="ko-KR" dirty="0">
+                <a:solidFill>
+                  <a:schemeClr val="bg1">
+                    <a:lumMod val="50000"/>
+                  </a:schemeClr>
+                </a:solidFill>
+              </a:rPr>
               <a:t>2013184042</a:t>
             </a:r>
-            <a:endParaRPr lang="is-IS" altLang="ko-KR" sz="2400" dirty="0">
+            <a:endParaRPr lang="is-IS" altLang="ko-KR" dirty="0">
               <a:solidFill>
                 <a:schemeClr val="bg1">
                   <a:lumMod val="50000"/>
@@ -4877,869 +4908,9 @@
   <p:timing>
     <p:tnLst>
       <p:par>
-        <p:cTn id="1" dur="indefinite" restart="never" nodeType="tmRoot">
-          <p:childTnLst>
-            <p:seq concurrent="1" nextAc="seek">
-              <p:cTn id="2" dur="indefinite" nodeType="mainSeq">
-                <p:childTnLst>
-                  <p:par>
-                    <p:cTn id="3" fill="hold">
-                      <p:stCondLst>
-                        <p:cond delay="indefinite"/>
-                        <p:cond evt="onBegin" delay="0">
-                          <p:tn val="2"/>
-                        </p:cond>
-                      </p:stCondLst>
-                      <p:childTnLst>
-                        <p:par>
-                          <p:cTn id="4" fill="hold">
-                            <p:stCondLst>
-                              <p:cond delay="0"/>
-                            </p:stCondLst>
-                            <p:childTnLst>
-                              <p:par>
-                                <p:cTn id="5" presetID="2" presetClass="entr" presetSubtype="8" fill="hold" grpId="0" nodeType="withEffect">
-                                  <p:stCondLst>
-                                    <p:cond delay="0"/>
-                                  </p:stCondLst>
-                                  <p:childTnLst>
-                                    <p:set>
-                                      <p:cBhvr>
-                                        <p:cTn id="6" dur="1" fill="hold">
-                                          <p:stCondLst>
-                                            <p:cond delay="0"/>
-                                          </p:stCondLst>
-                                        </p:cTn>
-                                        <p:tgtEl>
-                                          <p:spTgt spid="13"/>
-                                        </p:tgtEl>
-                                        <p:attrNameLst>
-                                          <p:attrName>style.visibility</p:attrName>
-                                        </p:attrNameLst>
-                                      </p:cBhvr>
-                                      <p:to>
-                                        <p:strVal val="visible"/>
-                                      </p:to>
-                                    </p:set>
-                                    <p:anim calcmode="lin" valueType="num">
-                                      <p:cBhvr additive="base">
-                                        <p:cTn id="7" dur="500" fill="hold"/>
-                                        <p:tgtEl>
-                                          <p:spTgt spid="13"/>
-                                        </p:tgtEl>
-                                        <p:attrNameLst>
-                                          <p:attrName>ppt_x</p:attrName>
-                                        </p:attrNameLst>
-                                      </p:cBhvr>
-                                      <p:tavLst>
-                                        <p:tav tm="0">
-                                          <p:val>
-                                            <p:strVal val="0-#ppt_w/2"/>
-                                          </p:val>
-                                        </p:tav>
-                                        <p:tav tm="100000">
-                                          <p:val>
-                                            <p:strVal val="#ppt_x"/>
-                                          </p:val>
-                                        </p:tav>
-                                      </p:tavLst>
-                                    </p:anim>
-                                    <p:anim calcmode="lin" valueType="num">
-                                      <p:cBhvr additive="base">
-                                        <p:cTn id="8" dur="500" fill="hold"/>
-                                        <p:tgtEl>
-                                          <p:spTgt spid="13"/>
-                                        </p:tgtEl>
-                                        <p:attrNameLst>
-                                          <p:attrName>ppt_y</p:attrName>
-                                        </p:attrNameLst>
-                                      </p:cBhvr>
-                                      <p:tavLst>
-                                        <p:tav tm="0">
-                                          <p:val>
-                                            <p:strVal val="#ppt_y"/>
-                                          </p:val>
-                                        </p:tav>
-                                        <p:tav tm="100000">
-                                          <p:val>
-                                            <p:strVal val="#ppt_y"/>
-                                          </p:val>
-                                        </p:tav>
-                                      </p:tavLst>
-                                    </p:anim>
-                                  </p:childTnLst>
-                                </p:cTn>
-                              </p:par>
-                              <p:par>
-                                <p:cTn id="9" presetID="2" presetClass="entr" presetSubtype="8" fill="hold" grpId="0" nodeType="withEffect">
-                                  <p:stCondLst>
-                                    <p:cond delay="1000"/>
-                                  </p:stCondLst>
-                                  <p:childTnLst>
-                                    <p:set>
-                                      <p:cBhvr>
-                                        <p:cTn id="10" dur="1" fill="hold">
-                                          <p:stCondLst>
-                                            <p:cond delay="0"/>
-                                          </p:stCondLst>
-                                        </p:cTn>
-                                        <p:tgtEl>
-                                          <p:spTgt spid="14"/>
-                                        </p:tgtEl>
-                                        <p:attrNameLst>
-                                          <p:attrName>style.visibility</p:attrName>
-                                        </p:attrNameLst>
-                                      </p:cBhvr>
-                                      <p:to>
-                                        <p:strVal val="visible"/>
-                                      </p:to>
-                                    </p:set>
-                                    <p:anim calcmode="lin" valueType="num">
-                                      <p:cBhvr additive="base">
-                                        <p:cTn id="11" dur="500" fill="hold"/>
-                                        <p:tgtEl>
-                                          <p:spTgt spid="14"/>
-                                        </p:tgtEl>
-                                        <p:attrNameLst>
-                                          <p:attrName>ppt_x</p:attrName>
-                                        </p:attrNameLst>
-                                      </p:cBhvr>
-                                      <p:tavLst>
-                                        <p:tav tm="0">
-                                          <p:val>
-                                            <p:strVal val="0-#ppt_w/2"/>
-                                          </p:val>
-                                        </p:tav>
-                                        <p:tav tm="100000">
-                                          <p:val>
-                                            <p:strVal val="#ppt_x"/>
-                                          </p:val>
-                                        </p:tav>
-                                      </p:tavLst>
-                                    </p:anim>
-                                    <p:anim calcmode="lin" valueType="num">
-                                      <p:cBhvr additive="base">
-                                        <p:cTn id="12" dur="500" fill="hold"/>
-                                        <p:tgtEl>
-                                          <p:spTgt spid="14"/>
-                                        </p:tgtEl>
-                                        <p:attrNameLst>
-                                          <p:attrName>ppt_y</p:attrName>
-                                        </p:attrNameLst>
-                                      </p:cBhvr>
-                                      <p:tavLst>
-                                        <p:tav tm="0">
-                                          <p:val>
-                                            <p:strVal val="#ppt_y"/>
-                                          </p:val>
-                                        </p:tav>
-                                        <p:tav tm="100000">
-                                          <p:val>
-                                            <p:strVal val="#ppt_y"/>
-                                          </p:val>
-                                        </p:tav>
-                                      </p:tavLst>
-                                    </p:anim>
-                                  </p:childTnLst>
-                                </p:cTn>
-                              </p:par>
-                              <p:par>
-                                <p:cTn id="13" presetID="2" presetClass="entr" presetSubtype="8" fill="hold" grpId="0" nodeType="withEffect">
-                                  <p:stCondLst>
-                                    <p:cond delay="1000"/>
-                                  </p:stCondLst>
-                                  <p:childTnLst>
-                                    <p:set>
-                                      <p:cBhvr>
-                                        <p:cTn id="14" dur="1" fill="hold">
-                                          <p:stCondLst>
-                                            <p:cond delay="0"/>
-                                          </p:stCondLst>
-                                        </p:cTn>
-                                        <p:tgtEl>
-                                          <p:spTgt spid="15"/>
-                                        </p:tgtEl>
-                                        <p:attrNameLst>
-                                          <p:attrName>style.visibility</p:attrName>
-                                        </p:attrNameLst>
-                                      </p:cBhvr>
-                                      <p:to>
-                                        <p:strVal val="visible"/>
-                                      </p:to>
-                                    </p:set>
-                                    <p:anim calcmode="lin" valueType="num">
-                                      <p:cBhvr additive="base">
-                                        <p:cTn id="15" dur="500" fill="hold"/>
-                                        <p:tgtEl>
-                                          <p:spTgt spid="15"/>
-                                        </p:tgtEl>
-                                        <p:attrNameLst>
-                                          <p:attrName>ppt_x</p:attrName>
-                                        </p:attrNameLst>
-                                      </p:cBhvr>
-                                      <p:tavLst>
-                                        <p:tav tm="0">
-                                          <p:val>
-                                            <p:strVal val="0-#ppt_w/2"/>
-                                          </p:val>
-                                        </p:tav>
-                                        <p:tav tm="100000">
-                                          <p:val>
-                                            <p:strVal val="#ppt_x"/>
-                                          </p:val>
-                                        </p:tav>
-                                      </p:tavLst>
-                                    </p:anim>
-                                    <p:anim calcmode="lin" valueType="num">
-                                      <p:cBhvr additive="base">
-                                        <p:cTn id="16" dur="500" fill="hold"/>
-                                        <p:tgtEl>
-                                          <p:spTgt spid="15"/>
-                                        </p:tgtEl>
-                                        <p:attrNameLst>
-                                          <p:attrName>ppt_y</p:attrName>
-                                        </p:attrNameLst>
-                                      </p:cBhvr>
-                                      <p:tavLst>
-                                        <p:tav tm="0">
-                                          <p:val>
-                                            <p:strVal val="#ppt_y"/>
-                                          </p:val>
-                                        </p:tav>
-                                        <p:tav tm="100000">
-                                          <p:val>
-                                            <p:strVal val="#ppt_y"/>
-                                          </p:val>
-                                        </p:tav>
-                                      </p:tavLst>
-                                    </p:anim>
-                                  </p:childTnLst>
-                                </p:cTn>
-                              </p:par>
-                              <p:par>
-                                <p:cTn id="17" presetID="2" presetClass="entr" presetSubtype="8" fill="hold" grpId="0" nodeType="withEffect">
-                                  <p:stCondLst>
-                                    <p:cond delay="1250"/>
-                                  </p:stCondLst>
-                                  <p:childTnLst>
-                                    <p:set>
-                                      <p:cBhvr>
-                                        <p:cTn id="18" dur="1" fill="hold">
-                                          <p:stCondLst>
-                                            <p:cond delay="0"/>
-                                          </p:stCondLst>
-                                        </p:cTn>
-                                        <p:tgtEl>
-                                          <p:spTgt spid="16"/>
-                                        </p:tgtEl>
-                                        <p:attrNameLst>
-                                          <p:attrName>style.visibility</p:attrName>
-                                        </p:attrNameLst>
-                                      </p:cBhvr>
-                                      <p:to>
-                                        <p:strVal val="visible"/>
-                                      </p:to>
-                                    </p:set>
-                                    <p:anim calcmode="lin" valueType="num">
-                                      <p:cBhvr additive="base">
-                                        <p:cTn id="19" dur="500" fill="hold"/>
-                                        <p:tgtEl>
-                                          <p:spTgt spid="16"/>
-                                        </p:tgtEl>
-                                        <p:attrNameLst>
-                                          <p:attrName>ppt_x</p:attrName>
-                                        </p:attrNameLst>
-                                      </p:cBhvr>
-                                      <p:tavLst>
-                                        <p:tav tm="0">
-                                          <p:val>
-                                            <p:strVal val="0-#ppt_w/2"/>
-                                          </p:val>
-                                        </p:tav>
-                                        <p:tav tm="100000">
-                                          <p:val>
-                                            <p:strVal val="#ppt_x"/>
-                                          </p:val>
-                                        </p:tav>
-                                      </p:tavLst>
-                                    </p:anim>
-                                    <p:anim calcmode="lin" valueType="num">
-                                      <p:cBhvr additive="base">
-                                        <p:cTn id="20" dur="500" fill="hold"/>
-                                        <p:tgtEl>
-                                          <p:spTgt spid="16"/>
-                                        </p:tgtEl>
-                                        <p:attrNameLst>
-                                          <p:attrName>ppt_y</p:attrName>
-                                        </p:attrNameLst>
-                                      </p:cBhvr>
-                                      <p:tavLst>
-                                        <p:tav tm="0">
-                                          <p:val>
-                                            <p:strVal val="#ppt_y"/>
-                                          </p:val>
-                                        </p:tav>
-                                        <p:tav tm="100000">
-                                          <p:val>
-                                            <p:strVal val="#ppt_y"/>
-                                          </p:val>
-                                        </p:tav>
-                                      </p:tavLst>
-                                    </p:anim>
-                                  </p:childTnLst>
-                                </p:cTn>
-                              </p:par>
-                              <p:par>
-                                <p:cTn id="21" presetID="2" presetClass="entr" presetSubtype="8" fill="hold" grpId="0" nodeType="withEffect">
-                                  <p:stCondLst>
-                                    <p:cond delay="1250"/>
-                                  </p:stCondLst>
-                                  <p:childTnLst>
-                                    <p:set>
-                                      <p:cBhvr>
-                                        <p:cTn id="22" dur="1" fill="hold">
-                                          <p:stCondLst>
-                                            <p:cond delay="0"/>
-                                          </p:stCondLst>
-                                        </p:cTn>
-                                        <p:tgtEl>
-                                          <p:spTgt spid="17"/>
-                                        </p:tgtEl>
-                                        <p:attrNameLst>
-                                          <p:attrName>style.visibility</p:attrName>
-                                        </p:attrNameLst>
-                                      </p:cBhvr>
-                                      <p:to>
-                                        <p:strVal val="visible"/>
-                                      </p:to>
-                                    </p:set>
-                                    <p:anim calcmode="lin" valueType="num">
-                                      <p:cBhvr additive="base">
-                                        <p:cTn id="23" dur="500" fill="hold"/>
-                                        <p:tgtEl>
-                                          <p:spTgt spid="17"/>
-                                        </p:tgtEl>
-                                        <p:attrNameLst>
-                                          <p:attrName>ppt_x</p:attrName>
-                                        </p:attrNameLst>
-                                      </p:cBhvr>
-                                      <p:tavLst>
-                                        <p:tav tm="0">
-                                          <p:val>
-                                            <p:strVal val="0-#ppt_w/2"/>
-                                          </p:val>
-                                        </p:tav>
-                                        <p:tav tm="100000">
-                                          <p:val>
-                                            <p:strVal val="#ppt_x"/>
-                                          </p:val>
-                                        </p:tav>
-                                      </p:tavLst>
-                                    </p:anim>
-                                    <p:anim calcmode="lin" valueType="num">
-                                      <p:cBhvr additive="base">
-                                        <p:cTn id="24" dur="500" fill="hold"/>
-                                        <p:tgtEl>
-                                          <p:spTgt spid="17"/>
-                                        </p:tgtEl>
-                                        <p:attrNameLst>
-                                          <p:attrName>ppt_y</p:attrName>
-                                        </p:attrNameLst>
-                                      </p:cBhvr>
-                                      <p:tavLst>
-                                        <p:tav tm="0">
-                                          <p:val>
-                                            <p:strVal val="#ppt_y"/>
-                                          </p:val>
-                                        </p:tav>
-                                        <p:tav tm="100000">
-                                          <p:val>
-                                            <p:strVal val="#ppt_y"/>
-                                          </p:val>
-                                        </p:tav>
-                                      </p:tavLst>
-                                    </p:anim>
-                                  </p:childTnLst>
-                                </p:cTn>
-                              </p:par>
-                              <p:par>
-                                <p:cTn id="25" presetID="2" presetClass="entr" presetSubtype="8" fill="hold" grpId="0" nodeType="withEffect">
-                                  <p:stCondLst>
-                                    <p:cond delay="1500"/>
-                                  </p:stCondLst>
-                                  <p:childTnLst>
-                                    <p:set>
-                                      <p:cBhvr>
-                                        <p:cTn id="26" dur="1" fill="hold">
-                                          <p:stCondLst>
-                                            <p:cond delay="0"/>
-                                          </p:stCondLst>
-                                        </p:cTn>
-                                        <p:tgtEl>
-                                          <p:spTgt spid="18"/>
-                                        </p:tgtEl>
-                                        <p:attrNameLst>
-                                          <p:attrName>style.visibility</p:attrName>
-                                        </p:attrNameLst>
-                                      </p:cBhvr>
-                                      <p:to>
-                                        <p:strVal val="visible"/>
-                                      </p:to>
-                                    </p:set>
-                                    <p:anim calcmode="lin" valueType="num">
-                                      <p:cBhvr additive="base">
-                                        <p:cTn id="27" dur="500" fill="hold"/>
-                                        <p:tgtEl>
-                                          <p:spTgt spid="18"/>
-                                        </p:tgtEl>
-                                        <p:attrNameLst>
-                                          <p:attrName>ppt_x</p:attrName>
-                                        </p:attrNameLst>
-                                      </p:cBhvr>
-                                      <p:tavLst>
-                                        <p:tav tm="0">
-                                          <p:val>
-                                            <p:strVal val="0-#ppt_w/2"/>
-                                          </p:val>
-                                        </p:tav>
-                                        <p:tav tm="100000">
-                                          <p:val>
-                                            <p:strVal val="#ppt_x"/>
-                                          </p:val>
-                                        </p:tav>
-                                      </p:tavLst>
-                                    </p:anim>
-                                    <p:anim calcmode="lin" valueType="num">
-                                      <p:cBhvr additive="base">
-                                        <p:cTn id="28" dur="500" fill="hold"/>
-                                        <p:tgtEl>
-                                          <p:spTgt spid="18"/>
-                                        </p:tgtEl>
-                                        <p:attrNameLst>
-                                          <p:attrName>ppt_y</p:attrName>
-                                        </p:attrNameLst>
-                                      </p:cBhvr>
-                                      <p:tavLst>
-                                        <p:tav tm="0">
-                                          <p:val>
-                                            <p:strVal val="#ppt_y"/>
-                                          </p:val>
-                                        </p:tav>
-                                        <p:tav tm="100000">
-                                          <p:val>
-                                            <p:strVal val="#ppt_y"/>
-                                          </p:val>
-                                        </p:tav>
-                                      </p:tavLst>
-                                    </p:anim>
-                                  </p:childTnLst>
-                                </p:cTn>
-                              </p:par>
-                              <p:par>
-                                <p:cTn id="29" presetID="2" presetClass="entr" presetSubtype="8" fill="hold" grpId="0" nodeType="withEffect">
-                                  <p:stCondLst>
-                                    <p:cond delay="1500"/>
-                                  </p:stCondLst>
-                                  <p:childTnLst>
-                                    <p:set>
-                                      <p:cBhvr>
-                                        <p:cTn id="30" dur="1" fill="hold">
-                                          <p:stCondLst>
-                                            <p:cond delay="0"/>
-                                          </p:stCondLst>
-                                        </p:cTn>
-                                        <p:tgtEl>
-                                          <p:spTgt spid="19"/>
-                                        </p:tgtEl>
-                                        <p:attrNameLst>
-                                          <p:attrName>style.visibility</p:attrName>
-                                        </p:attrNameLst>
-                                      </p:cBhvr>
-                                      <p:to>
-                                        <p:strVal val="visible"/>
-                                      </p:to>
-                                    </p:set>
-                                    <p:anim calcmode="lin" valueType="num">
-                                      <p:cBhvr additive="base">
-                                        <p:cTn id="31" dur="500" fill="hold"/>
-                                        <p:tgtEl>
-                                          <p:spTgt spid="19"/>
-                                        </p:tgtEl>
-                                        <p:attrNameLst>
-                                          <p:attrName>ppt_x</p:attrName>
-                                        </p:attrNameLst>
-                                      </p:cBhvr>
-                                      <p:tavLst>
-                                        <p:tav tm="0">
-                                          <p:val>
-                                            <p:strVal val="0-#ppt_w/2"/>
-                                          </p:val>
-                                        </p:tav>
-                                        <p:tav tm="100000">
-                                          <p:val>
-                                            <p:strVal val="#ppt_x"/>
-                                          </p:val>
-                                        </p:tav>
-                                      </p:tavLst>
-                                    </p:anim>
-                                    <p:anim calcmode="lin" valueType="num">
-                                      <p:cBhvr additive="base">
-                                        <p:cTn id="32" dur="500" fill="hold"/>
-                                        <p:tgtEl>
-                                          <p:spTgt spid="19"/>
-                                        </p:tgtEl>
-                                        <p:attrNameLst>
-                                          <p:attrName>ppt_y</p:attrName>
-                                        </p:attrNameLst>
-                                      </p:cBhvr>
-                                      <p:tavLst>
-                                        <p:tav tm="0">
-                                          <p:val>
-                                            <p:strVal val="#ppt_y"/>
-                                          </p:val>
-                                        </p:tav>
-                                        <p:tav tm="100000">
-                                          <p:val>
-                                            <p:strVal val="#ppt_y"/>
-                                          </p:val>
-                                        </p:tav>
-                                      </p:tavLst>
-                                    </p:anim>
-                                  </p:childTnLst>
-                                </p:cTn>
-                              </p:par>
-                              <p:par>
-                                <p:cTn id="33" presetID="2" presetClass="entr" presetSubtype="8" fill="hold" grpId="0" nodeType="withEffect">
-                                  <p:stCondLst>
-                                    <p:cond delay="1750"/>
-                                  </p:stCondLst>
-                                  <p:childTnLst>
-                                    <p:set>
-                                      <p:cBhvr>
-                                        <p:cTn id="34" dur="1" fill="hold">
-                                          <p:stCondLst>
-                                            <p:cond delay="0"/>
-                                          </p:stCondLst>
-                                        </p:cTn>
-                                        <p:tgtEl>
-                                          <p:spTgt spid="20"/>
-                                        </p:tgtEl>
-                                        <p:attrNameLst>
-                                          <p:attrName>style.visibility</p:attrName>
-                                        </p:attrNameLst>
-                                      </p:cBhvr>
-                                      <p:to>
-                                        <p:strVal val="visible"/>
-                                      </p:to>
-                                    </p:set>
-                                    <p:anim calcmode="lin" valueType="num">
-                                      <p:cBhvr additive="base">
-                                        <p:cTn id="35" dur="500" fill="hold"/>
-                                        <p:tgtEl>
-                                          <p:spTgt spid="20"/>
-                                        </p:tgtEl>
-                                        <p:attrNameLst>
-                                          <p:attrName>ppt_x</p:attrName>
-                                        </p:attrNameLst>
-                                      </p:cBhvr>
-                                      <p:tavLst>
-                                        <p:tav tm="0">
-                                          <p:val>
-                                            <p:strVal val="0-#ppt_w/2"/>
-                                          </p:val>
-                                        </p:tav>
-                                        <p:tav tm="100000">
-                                          <p:val>
-                                            <p:strVal val="#ppt_x"/>
-                                          </p:val>
-                                        </p:tav>
-                                      </p:tavLst>
-                                    </p:anim>
-                                    <p:anim calcmode="lin" valueType="num">
-                                      <p:cBhvr additive="base">
-                                        <p:cTn id="36" dur="500" fill="hold"/>
-                                        <p:tgtEl>
-                                          <p:spTgt spid="20"/>
-                                        </p:tgtEl>
-                                        <p:attrNameLst>
-                                          <p:attrName>ppt_y</p:attrName>
-                                        </p:attrNameLst>
-                                      </p:cBhvr>
-                                      <p:tavLst>
-                                        <p:tav tm="0">
-                                          <p:val>
-                                            <p:strVal val="#ppt_y"/>
-                                          </p:val>
-                                        </p:tav>
-                                        <p:tav tm="100000">
-                                          <p:val>
-                                            <p:strVal val="#ppt_y"/>
-                                          </p:val>
-                                        </p:tav>
-                                      </p:tavLst>
-                                    </p:anim>
-                                  </p:childTnLst>
-                                </p:cTn>
-                              </p:par>
-                              <p:par>
-                                <p:cTn id="37" presetID="2" presetClass="entr" presetSubtype="8" fill="hold" grpId="0" nodeType="withEffect">
-                                  <p:stCondLst>
-                                    <p:cond delay="1750"/>
-                                  </p:stCondLst>
-                                  <p:childTnLst>
-                                    <p:set>
-                                      <p:cBhvr>
-                                        <p:cTn id="38" dur="1" fill="hold">
-                                          <p:stCondLst>
-                                            <p:cond delay="0"/>
-                                          </p:stCondLst>
-                                        </p:cTn>
-                                        <p:tgtEl>
-                                          <p:spTgt spid="21"/>
-                                        </p:tgtEl>
-                                        <p:attrNameLst>
-                                          <p:attrName>style.visibility</p:attrName>
-                                        </p:attrNameLst>
-                                      </p:cBhvr>
-                                      <p:to>
-                                        <p:strVal val="visible"/>
-                                      </p:to>
-                                    </p:set>
-                                    <p:anim calcmode="lin" valueType="num">
-                                      <p:cBhvr additive="base">
-                                        <p:cTn id="39" dur="500" fill="hold"/>
-                                        <p:tgtEl>
-                                          <p:spTgt spid="21"/>
-                                        </p:tgtEl>
-                                        <p:attrNameLst>
-                                          <p:attrName>ppt_x</p:attrName>
-                                        </p:attrNameLst>
-                                      </p:cBhvr>
-                                      <p:tavLst>
-                                        <p:tav tm="0">
-                                          <p:val>
-                                            <p:strVal val="0-#ppt_w/2"/>
-                                          </p:val>
-                                        </p:tav>
-                                        <p:tav tm="100000">
-                                          <p:val>
-                                            <p:strVal val="#ppt_x"/>
-                                          </p:val>
-                                        </p:tav>
-                                      </p:tavLst>
-                                    </p:anim>
-                                    <p:anim calcmode="lin" valueType="num">
-                                      <p:cBhvr additive="base">
-                                        <p:cTn id="40" dur="500" fill="hold"/>
-                                        <p:tgtEl>
-                                          <p:spTgt spid="21"/>
-                                        </p:tgtEl>
-                                        <p:attrNameLst>
-                                          <p:attrName>ppt_y</p:attrName>
-                                        </p:attrNameLst>
-                                      </p:cBhvr>
-                                      <p:tavLst>
-                                        <p:tav tm="0">
-                                          <p:val>
-                                            <p:strVal val="#ppt_y"/>
-                                          </p:val>
-                                        </p:tav>
-                                        <p:tav tm="100000">
-                                          <p:val>
-                                            <p:strVal val="#ppt_y"/>
-                                          </p:val>
-                                        </p:tav>
-                                      </p:tavLst>
-                                    </p:anim>
-                                  </p:childTnLst>
-                                </p:cTn>
-                              </p:par>
-                              <p:par>
-                                <p:cTn id="41" presetID="2" presetClass="entr" presetSubtype="2" fill="hold" grpId="0" nodeType="withEffect">
-                                  <p:stCondLst>
-                                    <p:cond delay="2000"/>
-                                  </p:stCondLst>
-                                  <p:childTnLst>
-                                    <p:set>
-                                      <p:cBhvr>
-                                        <p:cTn id="42" dur="1" fill="hold">
-                                          <p:stCondLst>
-                                            <p:cond delay="0"/>
-                                          </p:stCondLst>
-                                        </p:cTn>
-                                        <p:tgtEl>
-                                          <p:spTgt spid="22"/>
-                                        </p:tgtEl>
-                                        <p:attrNameLst>
-                                          <p:attrName>style.visibility</p:attrName>
-                                        </p:attrNameLst>
-                                      </p:cBhvr>
-                                      <p:to>
-                                        <p:strVal val="visible"/>
-                                      </p:to>
-                                    </p:set>
-                                    <p:anim calcmode="lin" valueType="num">
-                                      <p:cBhvr additive="base">
-                                        <p:cTn id="43" dur="500" fill="hold"/>
-                                        <p:tgtEl>
-                                          <p:spTgt spid="22"/>
-                                        </p:tgtEl>
-                                        <p:attrNameLst>
-                                          <p:attrName>ppt_x</p:attrName>
-                                        </p:attrNameLst>
-                                      </p:cBhvr>
-                                      <p:tavLst>
-                                        <p:tav tm="0">
-                                          <p:val>
-                                            <p:strVal val="1+#ppt_w/2"/>
-                                          </p:val>
-                                        </p:tav>
-                                        <p:tav tm="100000">
-                                          <p:val>
-                                            <p:strVal val="#ppt_x"/>
-                                          </p:val>
-                                        </p:tav>
-                                      </p:tavLst>
-                                    </p:anim>
-                                    <p:anim calcmode="lin" valueType="num">
-                                      <p:cBhvr additive="base">
-                                        <p:cTn id="44" dur="500" fill="hold"/>
-                                        <p:tgtEl>
-                                          <p:spTgt spid="22"/>
-                                        </p:tgtEl>
-                                        <p:attrNameLst>
-                                          <p:attrName>ppt_y</p:attrName>
-                                        </p:attrNameLst>
-                                      </p:cBhvr>
-                                      <p:tavLst>
-                                        <p:tav tm="0">
-                                          <p:val>
-                                            <p:strVal val="#ppt_y"/>
-                                          </p:val>
-                                        </p:tav>
-                                        <p:tav tm="100000">
-                                          <p:val>
-                                            <p:strVal val="#ppt_y"/>
-                                          </p:val>
-                                        </p:tav>
-                                      </p:tavLst>
-                                    </p:anim>
-                                  </p:childTnLst>
-                                </p:cTn>
-                              </p:par>
-                              <p:par>
-                                <p:cTn id="45" presetID="2" presetClass="entr" presetSubtype="2" fill="hold" grpId="0" nodeType="withEffect">
-                                  <p:stCondLst>
-                                    <p:cond delay="2000"/>
-                                  </p:stCondLst>
-                                  <p:childTnLst>
-                                    <p:set>
-                                      <p:cBhvr>
-                                        <p:cTn id="46" dur="1" fill="hold">
-                                          <p:stCondLst>
-                                            <p:cond delay="0"/>
-                                          </p:stCondLst>
-                                        </p:cTn>
-                                        <p:tgtEl>
-                                          <p:spTgt spid="23"/>
-                                        </p:tgtEl>
-                                        <p:attrNameLst>
-                                          <p:attrName>style.visibility</p:attrName>
-                                        </p:attrNameLst>
-                                      </p:cBhvr>
-                                      <p:to>
-                                        <p:strVal val="visible"/>
-                                      </p:to>
-                                    </p:set>
-                                    <p:anim calcmode="lin" valueType="num">
-                                      <p:cBhvr additive="base">
-                                        <p:cTn id="47" dur="500" fill="hold"/>
-                                        <p:tgtEl>
-                                          <p:spTgt spid="23"/>
-                                        </p:tgtEl>
-                                        <p:attrNameLst>
-                                          <p:attrName>ppt_x</p:attrName>
-                                        </p:attrNameLst>
-                                      </p:cBhvr>
-                                      <p:tavLst>
-                                        <p:tav tm="0">
-                                          <p:val>
-                                            <p:strVal val="1+#ppt_w/2"/>
-                                          </p:val>
-                                        </p:tav>
-                                        <p:tav tm="100000">
-                                          <p:val>
-                                            <p:strVal val="#ppt_x"/>
-                                          </p:val>
-                                        </p:tav>
-                                      </p:tavLst>
-                                    </p:anim>
-                                    <p:anim calcmode="lin" valueType="num">
-                                      <p:cBhvr additive="base">
-                                        <p:cTn id="48" dur="500" fill="hold"/>
-                                        <p:tgtEl>
-                                          <p:spTgt spid="23"/>
-                                        </p:tgtEl>
-                                        <p:attrNameLst>
-                                          <p:attrName>ppt_y</p:attrName>
-                                        </p:attrNameLst>
-                                      </p:cBhvr>
-                                      <p:tavLst>
-                                        <p:tav tm="0">
-                                          <p:val>
-                                            <p:strVal val="#ppt_y"/>
-                                          </p:val>
-                                        </p:tav>
-                                        <p:tav tm="100000">
-                                          <p:val>
-                                            <p:strVal val="#ppt_y"/>
-                                          </p:val>
-                                        </p:tav>
-                                      </p:tavLst>
-                                    </p:anim>
-                                  </p:childTnLst>
-                                </p:cTn>
-                              </p:par>
-                            </p:childTnLst>
-                          </p:cTn>
-                        </p:par>
-                      </p:childTnLst>
-                    </p:cTn>
-                  </p:par>
-                </p:childTnLst>
-              </p:cTn>
-              <p:prevCondLst>
-                <p:cond evt="onPrev" delay="0">
-                  <p:tgtEl>
-                    <p:sldTgt/>
-                  </p:tgtEl>
-                </p:cond>
-              </p:prevCondLst>
-              <p:nextCondLst>
-                <p:cond evt="onNext" delay="0">
-                  <p:tgtEl>
-                    <p:sldTgt/>
-                  </p:tgtEl>
-                </p:cond>
-              </p:nextCondLst>
-            </p:seq>
-          </p:childTnLst>
-        </p:cTn>
+        <p:cTn id="1" dur="indefinite" restart="never" nodeType="tmRoot"/>
       </p:par>
     </p:tnLst>
-    <p:bldLst>
-      <p:bldP spid="13" grpId="0" animBg="1"/>
-      <p:bldP spid="14" grpId="0" animBg="1"/>
-      <p:bldP spid="15" grpId="0" animBg="1"/>
-      <p:bldP spid="16" grpId="0" animBg="1"/>
-      <p:bldP spid="17" grpId="0" animBg="1"/>
-      <p:bldP spid="18" grpId="0" animBg="1"/>
-      <p:bldP spid="19" grpId="0" animBg="1"/>
-      <p:bldP spid="21" grpId="0" animBg="1"/>
-      <p:bldP spid="20" grpId="0" animBg="1"/>
-      <p:bldP spid="22" grpId="0" animBg="1"/>
-      <p:bldP spid="23" grpId="0" animBg="1"/>
-    </p:bldLst>
   </p:timing>
 </p:sld>
 </file>
@@ -6184,7 +5355,7 @@
         </p:nvSpPr>
         <p:spPr>
           <a:xfrm>
-            <a:off x="3281573" y="4226438"/>
+            <a:off x="0" y="2792023"/>
             <a:ext cx="1914525" cy="514350"/>
           </a:xfrm>
           <a:prstGeom prst="roundRect">
@@ -6235,7 +5406,7 @@
         </p:nvSpPr>
         <p:spPr>
           <a:xfrm>
-            <a:off x="2637823" y="2934519"/>
+            <a:off x="3072453" y="2623834"/>
             <a:ext cx="1914525" cy="514350"/>
           </a:xfrm>
           <a:prstGeom prst="roundRect">
@@ -6286,7 +5457,7 @@
         </p:nvSpPr>
         <p:spPr>
           <a:xfrm>
-            <a:off x="323234" y="4385060"/>
+            <a:off x="142282" y="5598041"/>
             <a:ext cx="1914525" cy="758440"/>
           </a:xfrm>
           <a:prstGeom prst="roundRect">
@@ -6345,6 +5516,300 @@
           </a:p>
         </p:txBody>
       </p:sp>
+      <p:sp>
+        <p:nvSpPr>
+          <p:cNvPr id="13" name="직사각형 12"/>
+          <p:cNvSpPr/>
+          <p:nvPr/>
+        </p:nvSpPr>
+        <p:spPr>
+          <a:xfrm>
+            <a:off x="1605362" y="4335971"/>
+            <a:ext cx="1467091" cy="513183"/>
+          </a:xfrm>
+          <a:prstGeom prst="rect">
+            <a:avLst/>
+          </a:prstGeom>
+          <a:solidFill>
+            <a:schemeClr val="bg1">
+              <a:lumMod val="50000"/>
+              <a:alpha val="44000"/>
+            </a:schemeClr>
+          </a:solidFill>
+          <a:ln>
+            <a:noFill/>
+          </a:ln>
+        </p:spPr>
+        <p:style>
+          <a:lnRef idx="2">
+            <a:schemeClr val="accent1">
+              <a:shade val="50000"/>
+            </a:schemeClr>
+          </a:lnRef>
+          <a:fillRef idx="1">
+            <a:schemeClr val="accent1"/>
+          </a:fillRef>
+          <a:effectRef idx="0">
+            <a:schemeClr val="accent1"/>
+          </a:effectRef>
+          <a:fontRef idx="minor">
+            <a:schemeClr val="lt1"/>
+          </a:fontRef>
+        </p:style>
+        <p:txBody>
+          <a:bodyPr rtlCol="0" anchor="ctr"/>
+          <a:lstStyle/>
+          <a:p>
+            <a:pPr algn="ctr"/>
+            <a:endParaRPr kumimoji="1" lang="ko-KR" altLang="en-US"/>
+          </a:p>
+        </p:txBody>
+      </p:sp>
+      <p:sp>
+        <p:nvSpPr>
+          <p:cNvPr id="14" name="모서리가 둥근 직사각형 13"/>
+          <p:cNvSpPr/>
+          <p:nvPr/>
+        </p:nvSpPr>
+        <p:spPr>
+          <a:xfrm>
+            <a:off x="3951602" y="5598041"/>
+            <a:ext cx="1914525" cy="758440"/>
+          </a:xfrm>
+          <a:prstGeom prst="roundRect">
+            <a:avLst/>
+          </a:prstGeom>
+          <a:solidFill>
+            <a:schemeClr val="bg1">
+              <a:lumMod val="50000"/>
+            </a:schemeClr>
+          </a:solidFill>
+          <a:ln w="38100">
+            <a:solidFill>
+              <a:schemeClr val="tx1"/>
+            </a:solidFill>
+          </a:ln>
+        </p:spPr>
+        <p:style>
+          <a:lnRef idx="2">
+            <a:schemeClr val="accent1">
+              <a:shade val="50000"/>
+            </a:schemeClr>
+          </a:lnRef>
+          <a:fillRef idx="1">
+            <a:schemeClr val="accent1"/>
+          </a:fillRef>
+          <a:effectRef idx="0">
+            <a:schemeClr val="accent1"/>
+          </a:effectRef>
+          <a:fontRef idx="minor">
+            <a:schemeClr val="lt1"/>
+          </a:fontRef>
+        </p:style>
+        <p:txBody>
+          <a:bodyPr rtlCol="0" anchor="ctr"/>
+          <a:lstStyle/>
+          <a:p>
+            <a:pPr algn="ctr"/>
+            <a:r>
+              <a:rPr kumimoji="1" lang="ko-KR" altLang="en-US" dirty="0" smtClean="0"/>
+              <a:t>카메라 조작부</a:t>
+            </a:r>
+            <a:endParaRPr kumimoji="1" lang="ko-KR" altLang="en-US" dirty="0"/>
+          </a:p>
+        </p:txBody>
+      </p:sp>
+      <p:cxnSp>
+        <p:nvCxnSpPr>
+          <p:cNvPr id="11" name="직선 연결선[R] 10"/>
+          <p:cNvCxnSpPr>
+            <a:endCxn id="21" idx="2"/>
+          </p:cNvCxnSpPr>
+          <p:nvPr/>
+        </p:nvCxnSpPr>
+        <p:spPr>
+          <a:xfrm flipV="1">
+            <a:off x="2741612" y="3138184"/>
+            <a:ext cx="1288104" cy="474446"/>
+          </a:xfrm>
+          <a:prstGeom prst="line">
+            <a:avLst/>
+          </a:prstGeom>
+          <a:ln w="38100">
+            <a:solidFill>
+              <a:srgbClr val="FF0000"/>
+            </a:solidFill>
+          </a:ln>
+        </p:spPr>
+        <p:style>
+          <a:lnRef idx="1">
+            <a:schemeClr val="accent1"/>
+          </a:lnRef>
+          <a:fillRef idx="0">
+            <a:schemeClr val="accent1"/>
+          </a:fillRef>
+          <a:effectRef idx="0">
+            <a:schemeClr val="accent1"/>
+          </a:effectRef>
+          <a:fontRef idx="minor">
+            <a:schemeClr val="tx1"/>
+          </a:fontRef>
+        </p:style>
+      </p:cxnSp>
+      <p:cxnSp>
+        <p:nvCxnSpPr>
+          <p:cNvPr id="17" name="직선 연결선[R] 16"/>
+          <p:cNvCxnSpPr>
+            <a:stCxn id="9" idx="1"/>
+            <a:endCxn id="20" idx="2"/>
+          </p:cNvCxnSpPr>
+          <p:nvPr/>
+        </p:nvCxnSpPr>
+        <p:spPr>
+          <a:xfrm flipH="1" flipV="1">
+            <a:off x="957263" y="3306373"/>
+            <a:ext cx="328774" cy="308913"/>
+          </a:xfrm>
+          <a:prstGeom prst="line">
+            <a:avLst/>
+          </a:prstGeom>
+          <a:ln w="38100">
+            <a:solidFill>
+              <a:srgbClr val="00B0F0"/>
+            </a:solidFill>
+          </a:ln>
+        </p:spPr>
+        <p:style>
+          <a:lnRef idx="1">
+            <a:schemeClr val="accent1"/>
+          </a:lnRef>
+          <a:fillRef idx="0">
+            <a:schemeClr val="accent1"/>
+          </a:fillRef>
+          <a:effectRef idx="0">
+            <a:schemeClr val="accent1"/>
+          </a:effectRef>
+          <a:fontRef idx="minor">
+            <a:schemeClr val="tx1"/>
+          </a:fontRef>
+        </p:style>
+      </p:cxnSp>
+      <p:cxnSp>
+        <p:nvCxnSpPr>
+          <p:cNvPr id="24" name="직선 연결선[R] 23"/>
+          <p:cNvCxnSpPr>
+            <a:stCxn id="7" idx="1"/>
+            <a:endCxn id="22" idx="0"/>
+          </p:cNvCxnSpPr>
+          <p:nvPr/>
+        </p:nvCxnSpPr>
+        <p:spPr>
+          <a:xfrm flipH="1">
+            <a:off x="1099545" y="4128469"/>
+            <a:ext cx="279798" cy="1469572"/>
+          </a:xfrm>
+          <a:prstGeom prst="line">
+            <a:avLst/>
+          </a:prstGeom>
+          <a:ln w="38100">
+            <a:solidFill>
+              <a:schemeClr val="accent2"/>
+            </a:solidFill>
+          </a:ln>
+        </p:spPr>
+        <p:style>
+          <a:lnRef idx="1">
+            <a:schemeClr val="accent1"/>
+          </a:lnRef>
+          <a:fillRef idx="0">
+            <a:schemeClr val="accent1"/>
+          </a:fillRef>
+          <a:effectRef idx="0">
+            <a:schemeClr val="accent1"/>
+          </a:effectRef>
+          <a:fontRef idx="minor">
+            <a:schemeClr val="tx1"/>
+          </a:fontRef>
+        </p:style>
+      </p:cxnSp>
+      <p:cxnSp>
+        <p:nvCxnSpPr>
+          <p:cNvPr id="25" name="직선 연결선[R] 24"/>
+          <p:cNvCxnSpPr>
+            <a:stCxn id="14" idx="0"/>
+            <a:endCxn id="13" idx="3"/>
+          </p:cNvCxnSpPr>
+          <p:nvPr/>
+        </p:nvCxnSpPr>
+        <p:spPr>
+          <a:xfrm flipH="1" flipV="1">
+            <a:off x="3072453" y="4592563"/>
+            <a:ext cx="1836412" cy="1005478"/>
+          </a:xfrm>
+          <a:prstGeom prst="line">
+            <a:avLst/>
+          </a:prstGeom>
+          <a:ln w="38100">
+            <a:solidFill>
+              <a:schemeClr val="bg1">
+                <a:lumMod val="50000"/>
+              </a:schemeClr>
+            </a:solidFill>
+          </a:ln>
+        </p:spPr>
+        <p:style>
+          <a:lnRef idx="1">
+            <a:schemeClr val="accent1"/>
+          </a:lnRef>
+          <a:fillRef idx="0">
+            <a:schemeClr val="accent1"/>
+          </a:fillRef>
+          <a:effectRef idx="0">
+            <a:schemeClr val="accent1"/>
+          </a:effectRef>
+          <a:fontRef idx="minor">
+            <a:schemeClr val="tx1"/>
+          </a:fontRef>
+        </p:style>
+      </p:cxnSp>
+      <p:cxnSp>
+        <p:nvCxnSpPr>
+          <p:cNvPr id="27" name="직선 연결선[R] 26"/>
+          <p:cNvCxnSpPr>
+            <a:stCxn id="6" idx="0"/>
+            <a:endCxn id="3" idx="2"/>
+          </p:cNvCxnSpPr>
+          <p:nvPr/>
+        </p:nvCxnSpPr>
+        <p:spPr>
+          <a:xfrm flipH="1" flipV="1">
+            <a:off x="8661885" y="4277544"/>
+            <a:ext cx="1" cy="107516"/>
+          </a:xfrm>
+          <a:prstGeom prst="line">
+            <a:avLst/>
+          </a:prstGeom>
+          <a:ln w="38100">
+            <a:solidFill>
+              <a:schemeClr val="accent6"/>
+            </a:solidFill>
+          </a:ln>
+        </p:spPr>
+        <p:style>
+          <a:lnRef idx="1">
+            <a:schemeClr val="accent1"/>
+          </a:lnRef>
+          <a:fillRef idx="0">
+            <a:schemeClr val="accent1"/>
+          </a:fillRef>
+          <a:effectRef idx="0">
+            <a:schemeClr val="accent1"/>
+          </a:effectRef>
+          <a:fontRef idx="minor">
+            <a:schemeClr val="tx1"/>
+          </a:fontRef>
+        </p:style>
+      </p:cxnSp>
     </p:spTree>
     <p:extLst>
       <p:ext uri="{BB962C8B-B14F-4D97-AF65-F5344CB8AC3E}">
@@ -6355,6 +5820,13 @@
   <p:clrMapOvr>
     <a:masterClrMapping/>
   </p:clrMapOvr>
+  <p:timing>
+    <p:tnLst>
+      <p:par>
+        <p:cTn id="1" dur="indefinite" restart="never" nodeType="tmRoot"/>
+      </p:par>
+    </p:tnLst>
+  </p:timing>
 </p:sld>
 </file>
 
@@ -7483,6 +6955,13 @@
   <p:clrMapOvr>
     <a:masterClrMapping/>
   </p:clrMapOvr>
+  <p:timing>
+    <p:tnLst>
+      <p:par>
+        <p:cTn id="1" dur="indefinite" restart="never" nodeType="tmRoot"/>
+      </p:par>
+    </p:tnLst>
+  </p:timing>
 </p:sld>
 </file>
 
@@ -7572,351 +7051,7 @@
         <p:spPr>
           <a:xfrm>
             <a:off x="261846" y="1714294"/>
-            <a:ext cx="1337263" cy="1956212"/>
-          </a:xfrm>
-          <a:prstGeom prst="rect">
-            <a:avLst/>
-          </a:prstGeom>
-          <a:solidFill>
-            <a:srgbClr val="00B0F0"/>
-          </a:solidFill>
-          <a:ln w="38100">
-            <a:solidFill>
-              <a:srgbClr val="00B0F0"/>
-            </a:solidFill>
-          </a:ln>
-        </p:spPr>
-        <p:style>
-          <a:lnRef idx="2">
-            <a:schemeClr val="accent1">
-              <a:shade val="50000"/>
-            </a:schemeClr>
-          </a:lnRef>
-          <a:fillRef idx="1">
-            <a:schemeClr val="accent1"/>
-          </a:fillRef>
-          <a:effectRef idx="0">
-            <a:schemeClr val="accent1"/>
-          </a:effectRef>
-          <a:fontRef idx="minor">
-            <a:schemeClr val="lt1"/>
-          </a:fontRef>
-        </p:style>
-        <p:txBody>
-          <a:bodyPr rtlCol="0" anchor="ctr"/>
-          <a:lstStyle/>
-          <a:p>
-            <a:pPr algn="ctr"/>
-            <a:r>
-              <a:rPr kumimoji="1" lang="ko-KR" altLang="en-US" sz="2000" dirty="0"/>
-              <a:t>마영전</a:t>
-            </a:r>
-            <a:endParaRPr kumimoji="1" lang="en-US" altLang="ko-KR" sz="2000" dirty="0"/>
-          </a:p>
-        </p:txBody>
-      </p:sp>
-      <p:sp>
-        <p:nvSpPr>
-          <p:cNvPr id="14" name="직사각형 13"/>
-          <p:cNvSpPr/>
-          <p:nvPr/>
-        </p:nvSpPr>
-        <p:spPr>
-          <a:xfrm>
-            <a:off x="1599108" y="1718321"/>
-            <a:ext cx="4267019" cy="1956212"/>
-          </a:xfrm>
-          <a:prstGeom prst="rect">
-            <a:avLst/>
-          </a:prstGeom>
-          <a:noFill/>
-          <a:ln w="38100">
-            <a:solidFill>
-              <a:srgbClr val="00B0F0"/>
-            </a:solidFill>
-          </a:ln>
-        </p:spPr>
-        <p:style>
-          <a:lnRef idx="2">
-            <a:schemeClr val="accent1">
-              <a:shade val="50000"/>
-            </a:schemeClr>
-          </a:lnRef>
-          <a:fillRef idx="1">
-            <a:schemeClr val="accent1"/>
-          </a:fillRef>
-          <a:effectRef idx="0">
-            <a:schemeClr val="accent1"/>
-          </a:effectRef>
-          <a:fontRef idx="minor">
-            <a:schemeClr val="lt1"/>
-          </a:fontRef>
-        </p:style>
-        <p:txBody>
-          <a:bodyPr rtlCol="0" anchor="ctr"/>
-          <a:lstStyle/>
-          <a:p>
-            <a:pPr>
-              <a:lnSpc>
-                <a:spcPct val="150000"/>
-              </a:lnSpc>
-            </a:pPr>
-            <a:r>
-              <a:rPr kumimoji="1" lang="en-US" altLang="ko-KR" sz="2000" dirty="0">
-                <a:solidFill>
-                  <a:schemeClr val="tx1"/>
-                </a:solidFill>
-              </a:rPr>
-              <a:t>3D</a:t>
-            </a:r>
-            <a:r>
-              <a:rPr kumimoji="1" lang="ko-KR" altLang="en-US" sz="2000" dirty="0">
-                <a:solidFill>
-                  <a:schemeClr val="tx1"/>
-                </a:solidFill>
-              </a:rPr>
-              <a:t> 자유시점 게임 진행방식</a:t>
-            </a:r>
-            <a:endParaRPr kumimoji="1" lang="en-US" altLang="ko-KR" sz="2000" dirty="0">
-              <a:solidFill>
-                <a:schemeClr val="tx1"/>
-              </a:solidFill>
-            </a:endParaRPr>
-          </a:p>
-          <a:p>
-            <a:pPr>
-              <a:lnSpc>
-                <a:spcPct val="150000"/>
-              </a:lnSpc>
-            </a:pPr>
-            <a:r>
-              <a:rPr kumimoji="1" lang="ko-KR" altLang="en-US" sz="2000" dirty="0">
-                <a:solidFill>
-                  <a:schemeClr val="tx1"/>
-                </a:solidFill>
-              </a:rPr>
-              <a:t>제자리 칼춤을 벗어난 동적인 전투</a:t>
-            </a:r>
-            <a:endParaRPr kumimoji="1" lang="en-US" altLang="ko-KR" sz="2000" dirty="0">
-              <a:solidFill>
-                <a:schemeClr val="tx1"/>
-              </a:solidFill>
-            </a:endParaRPr>
-          </a:p>
-          <a:p>
-            <a:pPr>
-              <a:lnSpc>
-                <a:spcPct val="150000"/>
-              </a:lnSpc>
-            </a:pPr>
-            <a:r>
-              <a:rPr kumimoji="1" lang="ko-KR" altLang="en-US" sz="2000" dirty="0">
-                <a:solidFill>
-                  <a:schemeClr val="tx1"/>
-                </a:solidFill>
-              </a:rPr>
-              <a:t>보스와의 정교한 전투</a:t>
-            </a:r>
-            <a:endParaRPr kumimoji="1" lang="en-US" altLang="ko-KR" sz="2000" dirty="0">
-              <a:solidFill>
-                <a:schemeClr val="tx1"/>
-              </a:solidFill>
-            </a:endParaRPr>
-          </a:p>
-        </p:txBody>
-      </p:sp>
-      <p:sp>
-        <p:nvSpPr>
-          <p:cNvPr id="16" name="직사각형 15"/>
-          <p:cNvSpPr/>
-          <p:nvPr/>
-        </p:nvSpPr>
-        <p:spPr>
-          <a:xfrm>
-            <a:off x="261846" y="4132090"/>
-            <a:ext cx="1337263" cy="1956212"/>
-          </a:xfrm>
-          <a:prstGeom prst="rect">
-            <a:avLst/>
-          </a:prstGeom>
-          <a:solidFill>
-            <a:srgbClr val="00B0F0"/>
-          </a:solidFill>
-          <a:ln w="38100">
-            <a:solidFill>
-              <a:srgbClr val="00B0F0"/>
-            </a:solidFill>
-          </a:ln>
-        </p:spPr>
-        <p:style>
-          <a:lnRef idx="2">
-            <a:schemeClr val="accent1">
-              <a:shade val="50000"/>
-            </a:schemeClr>
-          </a:lnRef>
-          <a:fillRef idx="1">
-            <a:schemeClr val="accent1"/>
-          </a:fillRef>
-          <a:effectRef idx="0">
-            <a:schemeClr val="accent1"/>
-          </a:effectRef>
-          <a:fontRef idx="minor">
-            <a:schemeClr val="lt1"/>
-          </a:fontRef>
-        </p:style>
-        <p:txBody>
-          <a:bodyPr rtlCol="0" anchor="ctr"/>
-          <a:lstStyle/>
-          <a:p>
-            <a:pPr algn="ctr"/>
-            <a:r>
-              <a:rPr kumimoji="1" lang="ko-KR" altLang="en-US" sz="2000" dirty="0"/>
-              <a:t>디아블로</a:t>
-            </a:r>
-            <a:endParaRPr kumimoji="1" lang="en-US" altLang="ko-KR" sz="2000" dirty="0"/>
-          </a:p>
-        </p:txBody>
-      </p:sp>
-      <p:sp>
-        <p:nvSpPr>
-          <p:cNvPr id="17" name="직사각형 16"/>
-          <p:cNvSpPr/>
-          <p:nvPr/>
-        </p:nvSpPr>
-        <p:spPr>
-          <a:xfrm>
-            <a:off x="1599108" y="4136117"/>
-            <a:ext cx="4267019" cy="1956212"/>
-          </a:xfrm>
-          <a:prstGeom prst="rect">
-            <a:avLst/>
-          </a:prstGeom>
-          <a:noFill/>
-          <a:ln w="38100">
-            <a:solidFill>
-              <a:srgbClr val="00B0F0"/>
-            </a:solidFill>
-          </a:ln>
-        </p:spPr>
-        <p:style>
-          <a:lnRef idx="2">
-            <a:schemeClr val="accent1">
-              <a:shade val="50000"/>
-            </a:schemeClr>
-          </a:lnRef>
-          <a:fillRef idx="1">
-            <a:schemeClr val="accent1"/>
-          </a:fillRef>
-          <a:effectRef idx="0">
-            <a:schemeClr val="accent1"/>
-          </a:effectRef>
-          <a:fontRef idx="minor">
-            <a:schemeClr val="lt1"/>
-          </a:fontRef>
-        </p:style>
-        <p:txBody>
-          <a:bodyPr rtlCol="0" anchor="ctr"/>
-          <a:lstStyle/>
-          <a:p>
-            <a:pPr>
-              <a:lnSpc>
-                <a:spcPct val="150000"/>
-              </a:lnSpc>
-            </a:pPr>
-            <a:r>
-              <a:rPr kumimoji="1" lang="en-US" altLang="ko-KR" sz="2000" dirty="0">
-                <a:solidFill>
-                  <a:schemeClr val="tx1"/>
-                </a:solidFill>
-              </a:rPr>
-              <a:t>3D</a:t>
-            </a:r>
-            <a:r>
-              <a:rPr kumimoji="1" lang="ko-KR" altLang="en-US" sz="2000" dirty="0">
-                <a:solidFill>
-                  <a:schemeClr val="tx1"/>
-                </a:solidFill>
-              </a:rPr>
-              <a:t> 쿼터뷰 게임 진행방식</a:t>
-            </a:r>
-            <a:endParaRPr kumimoji="1" lang="en-US" altLang="ko-KR" sz="2000" dirty="0">
-              <a:solidFill>
-                <a:schemeClr val="tx1"/>
-              </a:solidFill>
-            </a:endParaRPr>
-          </a:p>
-          <a:p>
-            <a:pPr>
-              <a:lnSpc>
-                <a:spcPct val="150000"/>
-              </a:lnSpc>
-            </a:pPr>
-            <a:r>
-              <a:rPr kumimoji="1" lang="ko-KR" altLang="en-US" sz="2000" dirty="0">
-                <a:solidFill>
-                  <a:schemeClr val="tx1"/>
-                </a:solidFill>
-              </a:rPr>
-              <a:t>마우스 조작 기반</a:t>
-            </a:r>
-            <a:endParaRPr kumimoji="1" lang="en-US" altLang="ko-KR" sz="2000" dirty="0">
-              <a:solidFill>
-                <a:schemeClr val="tx1"/>
-              </a:solidFill>
-            </a:endParaRPr>
-          </a:p>
-          <a:p>
-            <a:pPr>
-              <a:lnSpc>
-                <a:spcPct val="150000"/>
-              </a:lnSpc>
-            </a:pPr>
-            <a:r>
-              <a:rPr kumimoji="1" lang="ko-KR" altLang="en-US" sz="2000" dirty="0">
-                <a:solidFill>
-                  <a:schemeClr val="tx1"/>
-                </a:solidFill>
-              </a:rPr>
-              <a:t>적은 스킬을 활용한 전투 진행</a:t>
-            </a:r>
-            <a:endParaRPr kumimoji="1" lang="en-US" altLang="ko-KR" sz="2000" dirty="0">
-              <a:solidFill>
-                <a:schemeClr val="tx1"/>
-              </a:solidFill>
-            </a:endParaRPr>
-          </a:p>
-          <a:p>
-            <a:pPr>
-              <a:lnSpc>
-                <a:spcPct val="150000"/>
-              </a:lnSpc>
-            </a:pPr>
-            <a:r>
-              <a:rPr kumimoji="1" lang="ko-KR" altLang="en-US" sz="2000" dirty="0">
-                <a:solidFill>
-                  <a:schemeClr val="tx1"/>
-                </a:solidFill>
-              </a:rPr>
-              <a:t>다수의 적을 휩쓰는 전투방식</a:t>
-            </a:r>
-            <a:endParaRPr kumimoji="1" lang="en-US" altLang="ko-KR" sz="2000" dirty="0">
-              <a:solidFill>
-                <a:schemeClr val="tx1"/>
-              </a:solidFill>
-            </a:endParaRPr>
-          </a:p>
-        </p:txBody>
-      </p:sp>
-      <p:sp>
-        <p:nvSpPr>
-          <p:cNvPr id="18" name="직사각형 17"/>
-          <p:cNvSpPr/>
-          <p:nvPr/>
-        </p:nvSpPr>
-        <p:spPr>
-          <a:xfrm>
-            <a:off x="6057900" y="1710267"/>
-            <a:ext cx="1337263" cy="4374008"/>
+            <a:ext cx="1337263" cy="1525299"/>
           </a:xfrm>
           <a:prstGeom prst="rect">
             <a:avLst/>
@@ -7956,8 +7091,8 @@
           <a:p>
             <a:pPr algn="ctr"/>
             <a:r>
-              <a:rPr kumimoji="1" lang="ko-KR" altLang="en-US" sz="2000"/>
-              <a:t>노루막이</a:t>
+              <a:rPr kumimoji="1" lang="ko-KR" altLang="en-US" sz="2000" dirty="0"/>
+              <a:t>마영전</a:t>
             </a:r>
             <a:endParaRPr kumimoji="1" lang="en-US" altLang="ko-KR" sz="2000" dirty="0"/>
           </a:p>
@@ -7965,14 +7100,14 @@
       </p:sp>
       <p:sp>
         <p:nvSpPr>
-          <p:cNvPr id="19" name="직사각형 18"/>
+          <p:cNvPr id="14" name="직사각형 13"/>
           <p:cNvSpPr/>
           <p:nvPr/>
         </p:nvSpPr>
         <p:spPr>
           <a:xfrm>
-            <a:off x="7395163" y="1714294"/>
-            <a:ext cx="4627504" cy="4374008"/>
+            <a:off x="1599108" y="1718321"/>
+            <a:ext cx="4267019" cy="1525299"/>
           </a:xfrm>
           <a:prstGeom prst="rect">
             <a:avLst/>
@@ -8012,7 +7147,7 @@
               </a:lnSpc>
             </a:pPr>
             <a:r>
-              <a:rPr kumimoji="1" lang="en-US" altLang="ko-KR" sz="2000" dirty="0">
+              <a:rPr kumimoji="1" lang="en-US" altLang="ko-KR" sz="1600" dirty="0">
                 <a:solidFill>
                   <a:schemeClr val="tx1"/>
                 </a:solidFill>
@@ -8020,12 +7155,518 @@
               <a:t>3D</a:t>
             </a:r>
             <a:r>
+              <a:rPr kumimoji="1" lang="ko-KR" altLang="en-US" sz="1600" dirty="0">
+                <a:solidFill>
+                  <a:schemeClr val="tx1"/>
+                </a:solidFill>
+              </a:rPr>
+              <a:t> 자유시점 게임 진행방식</a:t>
+            </a:r>
+            <a:endParaRPr kumimoji="1" lang="en-US" altLang="ko-KR" sz="1600" dirty="0">
+              <a:solidFill>
+                <a:schemeClr val="tx1"/>
+              </a:solidFill>
+            </a:endParaRPr>
+          </a:p>
+          <a:p>
+            <a:pPr>
+              <a:lnSpc>
+                <a:spcPct val="150000"/>
+              </a:lnSpc>
+            </a:pPr>
+            <a:r>
+              <a:rPr kumimoji="1" lang="ko-KR" altLang="en-US" sz="1600" b="1" dirty="0" smtClean="0">
+                <a:solidFill>
+                  <a:srgbClr val="00B0F0"/>
+                </a:solidFill>
+              </a:rPr>
+              <a:t>키보드 조작 기반 논타겟 게임 진행</a:t>
+            </a:r>
+            <a:endParaRPr kumimoji="1" lang="en-US" altLang="ko-KR" sz="1600" b="1" dirty="0" smtClean="0">
+              <a:solidFill>
+                <a:srgbClr val="00B0F0"/>
+              </a:solidFill>
+            </a:endParaRPr>
+          </a:p>
+          <a:p>
+            <a:pPr>
+              <a:lnSpc>
+                <a:spcPct val="150000"/>
+              </a:lnSpc>
+            </a:pPr>
+            <a:r>
+              <a:rPr kumimoji="1" lang="ko-KR" altLang="en-US" sz="1600" b="1" dirty="0" smtClean="0">
+                <a:solidFill>
+                  <a:srgbClr val="00B0F0"/>
+                </a:solidFill>
+              </a:rPr>
+              <a:t>제자리 </a:t>
+            </a:r>
+            <a:r>
+              <a:rPr kumimoji="1" lang="ko-KR" altLang="en-US" sz="1600" b="1" dirty="0">
+                <a:solidFill>
+                  <a:srgbClr val="00B0F0"/>
+                </a:solidFill>
+              </a:rPr>
+              <a:t>칼춤을 벗어난 동적인 전투</a:t>
+            </a:r>
+            <a:endParaRPr kumimoji="1" lang="en-US" altLang="ko-KR" sz="1600" b="1" dirty="0">
+              <a:solidFill>
+                <a:srgbClr val="00B0F0"/>
+              </a:solidFill>
+            </a:endParaRPr>
+          </a:p>
+          <a:p>
+            <a:pPr>
+              <a:lnSpc>
+                <a:spcPct val="150000"/>
+              </a:lnSpc>
+            </a:pPr>
+            <a:r>
+              <a:rPr kumimoji="1" lang="ko-KR" altLang="en-US" sz="1600" b="1" dirty="0" smtClean="0">
+                <a:solidFill>
+                  <a:srgbClr val="00B0F0"/>
+                </a:solidFill>
+              </a:rPr>
+              <a:t>보스와의 정교한 패턴 </a:t>
+            </a:r>
+            <a:r>
+              <a:rPr kumimoji="1" lang="ko-KR" altLang="en-US" sz="1600" b="1" dirty="0">
+                <a:solidFill>
+                  <a:srgbClr val="00B0F0"/>
+                </a:solidFill>
+              </a:rPr>
+              <a:t>전투</a:t>
+            </a:r>
+            <a:endParaRPr kumimoji="1" lang="en-US" altLang="ko-KR" sz="1600" b="1" dirty="0">
+              <a:solidFill>
+                <a:srgbClr val="00B0F0"/>
+              </a:solidFill>
+            </a:endParaRPr>
+          </a:p>
+        </p:txBody>
+      </p:sp>
+      <p:sp>
+        <p:nvSpPr>
+          <p:cNvPr id="16" name="직사각형 15"/>
+          <p:cNvSpPr/>
+          <p:nvPr/>
+        </p:nvSpPr>
+        <p:spPr>
+          <a:xfrm>
+            <a:off x="6057900" y="1714294"/>
+            <a:ext cx="1337263" cy="1525299"/>
+          </a:xfrm>
+          <a:prstGeom prst="rect">
+            <a:avLst/>
+          </a:prstGeom>
+          <a:solidFill>
+            <a:schemeClr val="bg1">
+              <a:lumMod val="50000"/>
+            </a:schemeClr>
+          </a:solidFill>
+          <a:ln w="38100">
+            <a:solidFill>
+              <a:schemeClr val="bg1">
+                <a:lumMod val="50000"/>
+              </a:schemeClr>
+            </a:solidFill>
+          </a:ln>
+        </p:spPr>
+        <p:style>
+          <a:lnRef idx="2">
+            <a:schemeClr val="accent1">
+              <a:shade val="50000"/>
+            </a:schemeClr>
+          </a:lnRef>
+          <a:fillRef idx="1">
+            <a:schemeClr val="accent1"/>
+          </a:fillRef>
+          <a:effectRef idx="0">
+            <a:schemeClr val="accent1"/>
+          </a:effectRef>
+          <a:fontRef idx="minor">
+            <a:schemeClr val="lt1"/>
+          </a:fontRef>
+        </p:style>
+        <p:txBody>
+          <a:bodyPr rtlCol="0" anchor="ctr"/>
+          <a:lstStyle/>
+          <a:p>
+            <a:pPr algn="ctr"/>
+            <a:r>
+              <a:rPr kumimoji="1" lang="ko-KR" altLang="en-US" sz="2000" dirty="0" smtClean="0"/>
+              <a:t>트리</a:t>
+            </a:r>
+            <a:r>
+              <a:rPr kumimoji="1" lang="ko-KR" altLang="en-US" sz="2000" dirty="0" smtClean="0"/>
+              <a:t> 오브</a:t>
+            </a:r>
+            <a:endParaRPr kumimoji="1" lang="en-US" altLang="ko-KR" sz="2000" dirty="0" smtClean="0"/>
+          </a:p>
+          <a:p>
+            <a:pPr algn="ctr"/>
+            <a:r>
+              <a:rPr kumimoji="1" lang="ko-KR" altLang="en-US" sz="2000" dirty="0" smtClean="0"/>
+              <a:t>세이비어</a:t>
+            </a:r>
+            <a:endParaRPr kumimoji="1" lang="en-US" altLang="ko-KR" sz="2000" dirty="0"/>
+          </a:p>
+        </p:txBody>
+      </p:sp>
+      <p:sp>
+        <p:nvSpPr>
+          <p:cNvPr id="17" name="직사각형 16"/>
+          <p:cNvSpPr/>
+          <p:nvPr/>
+        </p:nvSpPr>
+        <p:spPr>
+          <a:xfrm>
+            <a:off x="7395162" y="1717434"/>
+            <a:ext cx="4267019" cy="1525299"/>
+          </a:xfrm>
+          <a:prstGeom prst="rect">
+            <a:avLst/>
+          </a:prstGeom>
+          <a:noFill/>
+          <a:ln w="38100">
+            <a:solidFill>
+              <a:schemeClr val="bg1">
+                <a:lumMod val="50000"/>
+              </a:schemeClr>
+            </a:solidFill>
+          </a:ln>
+        </p:spPr>
+        <p:style>
+          <a:lnRef idx="2">
+            <a:schemeClr val="accent1">
+              <a:shade val="50000"/>
+            </a:schemeClr>
+          </a:lnRef>
+          <a:fillRef idx="1">
+            <a:schemeClr val="accent1"/>
+          </a:fillRef>
+          <a:effectRef idx="0">
+            <a:schemeClr val="accent1"/>
+          </a:effectRef>
+          <a:fontRef idx="minor">
+            <a:schemeClr val="lt1"/>
+          </a:fontRef>
+        </p:style>
+        <p:txBody>
+          <a:bodyPr rtlCol="0" anchor="ctr"/>
+          <a:lstStyle/>
+          <a:p>
+            <a:pPr>
+              <a:lnSpc>
+                <a:spcPct val="150000"/>
+              </a:lnSpc>
+            </a:pPr>
+            <a:r>
+              <a:rPr kumimoji="1" lang="en-US" altLang="ko-KR" sz="1600" b="1" dirty="0">
+                <a:solidFill>
+                  <a:srgbClr val="00B0F0"/>
+                </a:solidFill>
+              </a:rPr>
+              <a:t>3D</a:t>
+            </a:r>
+            <a:r>
+              <a:rPr kumimoji="1" lang="ko-KR" altLang="en-US" sz="1600" b="1" dirty="0">
+                <a:solidFill>
+                  <a:srgbClr val="00B0F0"/>
+                </a:solidFill>
+              </a:rPr>
+              <a:t> </a:t>
+            </a:r>
+            <a:r>
+              <a:rPr kumimoji="1" lang="ko-KR" altLang="en-US" sz="1600" b="1" dirty="0" smtClean="0">
+                <a:solidFill>
+                  <a:srgbClr val="00B0F0"/>
+                </a:solidFill>
+              </a:rPr>
+              <a:t>고정 쿼터뷰 </a:t>
+            </a:r>
+            <a:r>
+              <a:rPr kumimoji="1" lang="ko-KR" altLang="en-US" sz="1600" b="1" dirty="0">
+                <a:solidFill>
+                  <a:srgbClr val="00B0F0"/>
+                </a:solidFill>
+              </a:rPr>
+              <a:t>게임 진행방식</a:t>
+            </a:r>
+            <a:endParaRPr kumimoji="1" lang="en-US" altLang="ko-KR" sz="1600" b="1" dirty="0">
+              <a:solidFill>
+                <a:srgbClr val="00B0F0"/>
+              </a:solidFill>
+            </a:endParaRPr>
+          </a:p>
+          <a:p>
+            <a:pPr>
+              <a:lnSpc>
+                <a:spcPct val="150000"/>
+              </a:lnSpc>
+            </a:pPr>
+            <a:r>
+              <a:rPr kumimoji="1" lang="ko-KR" altLang="en-US" sz="1600" dirty="0" smtClean="0">
+                <a:solidFill>
+                  <a:schemeClr val="tx1"/>
+                </a:solidFill>
+              </a:rPr>
+              <a:t>키보드 조작 기반 논타겟 게임 진행</a:t>
+            </a:r>
+            <a:endParaRPr kumimoji="1" lang="en-US" altLang="ko-KR" sz="1600" dirty="0">
+              <a:solidFill>
+                <a:schemeClr val="tx1"/>
+              </a:solidFill>
+            </a:endParaRPr>
+          </a:p>
+          <a:p>
+            <a:pPr>
+              <a:lnSpc>
+                <a:spcPct val="150000"/>
+              </a:lnSpc>
+            </a:pPr>
+            <a:r>
+              <a:rPr kumimoji="1" lang="ko-KR" altLang="en-US" sz="1600" b="1" dirty="0">
+                <a:solidFill>
+                  <a:srgbClr val="00B0F0"/>
+                </a:solidFill>
+              </a:rPr>
+              <a:t>다수의 적을 휩쓰는 </a:t>
+            </a:r>
+            <a:r>
+              <a:rPr kumimoji="1" lang="ko-KR" altLang="en-US" sz="1600" b="1" dirty="0" smtClean="0">
+                <a:solidFill>
+                  <a:srgbClr val="00B0F0"/>
+                </a:solidFill>
+              </a:rPr>
+              <a:t>전투방식</a:t>
+            </a:r>
+            <a:endParaRPr kumimoji="1" lang="en-US" altLang="ko-KR" sz="1600" b="1" dirty="0" smtClean="0">
+              <a:solidFill>
+                <a:srgbClr val="00B0F0"/>
+              </a:solidFill>
+            </a:endParaRPr>
+          </a:p>
+          <a:p>
+            <a:pPr>
+              <a:lnSpc>
+                <a:spcPct val="150000"/>
+              </a:lnSpc>
+            </a:pPr>
+            <a:r>
+              <a:rPr kumimoji="1" lang="ko-KR" altLang="en-US" sz="1600" dirty="0" smtClean="0">
+                <a:solidFill>
+                  <a:schemeClr val="tx1"/>
+                </a:solidFill>
+              </a:rPr>
+              <a:t>아기자기한 </a:t>
+            </a:r>
+            <a:r>
+              <a:rPr kumimoji="1" lang="en-US" altLang="ko-KR" sz="1600" dirty="0" smtClean="0">
+                <a:solidFill>
+                  <a:schemeClr val="tx1"/>
+                </a:solidFill>
+              </a:rPr>
+              <a:t>2.5</a:t>
+            </a:r>
+            <a:r>
+              <a:rPr kumimoji="1" lang="en-US" altLang="ko-KR" sz="1600" dirty="0" smtClean="0">
+                <a:solidFill>
+                  <a:schemeClr val="tx1"/>
+                </a:solidFill>
+              </a:rPr>
+              <a:t>D</a:t>
+            </a:r>
+            <a:r>
+              <a:rPr kumimoji="1" lang="ko-KR" altLang="en-US" sz="1600" dirty="0" smtClean="0">
+                <a:solidFill>
+                  <a:schemeClr val="tx1"/>
+                </a:solidFill>
+              </a:rPr>
+              <a:t> 그래픽 구현</a:t>
+            </a:r>
+            <a:endParaRPr kumimoji="1" lang="en-US" altLang="ko-KR" sz="1600" dirty="0">
+              <a:solidFill>
+                <a:schemeClr val="tx1"/>
+              </a:solidFill>
+            </a:endParaRPr>
+          </a:p>
+        </p:txBody>
+      </p:sp>
+      <p:sp>
+        <p:nvSpPr>
+          <p:cNvPr id="18" name="직사각형 17"/>
+          <p:cNvSpPr/>
+          <p:nvPr/>
+        </p:nvSpPr>
+        <p:spPr>
+          <a:xfrm>
+            <a:off x="261846" y="3429000"/>
+            <a:ext cx="1337261" cy="2751667"/>
+          </a:xfrm>
+          <a:prstGeom prst="rect">
+            <a:avLst/>
+          </a:prstGeom>
+          <a:solidFill>
+            <a:srgbClr val="00B0F0"/>
+          </a:solidFill>
+          <a:ln w="38100">
+            <a:solidFill>
+              <a:srgbClr val="00B0F0"/>
+            </a:solidFill>
+          </a:ln>
+        </p:spPr>
+        <p:style>
+          <a:lnRef idx="2">
+            <a:schemeClr val="accent1">
+              <a:shade val="50000"/>
+            </a:schemeClr>
+          </a:lnRef>
+          <a:fillRef idx="1">
+            <a:schemeClr val="accent1"/>
+          </a:fillRef>
+          <a:effectRef idx="0">
+            <a:schemeClr val="accent1"/>
+          </a:effectRef>
+          <a:fontRef idx="minor">
+            <a:schemeClr val="lt1"/>
+          </a:fontRef>
+        </p:style>
+        <p:txBody>
+          <a:bodyPr rtlCol="0" anchor="ctr"/>
+          <a:lstStyle/>
+          <a:p>
+            <a:pPr algn="ctr"/>
+            <a:r>
+              <a:rPr kumimoji="1" lang="ko-KR" altLang="en-US" sz="2000"/>
+              <a:t>노루막이</a:t>
+            </a:r>
+            <a:endParaRPr kumimoji="1" lang="en-US" altLang="ko-KR" sz="2000" dirty="0"/>
+          </a:p>
+        </p:txBody>
+      </p:sp>
+      <p:sp>
+        <p:nvSpPr>
+          <p:cNvPr id="19" name="직사각형 18"/>
+          <p:cNvSpPr/>
+          <p:nvPr/>
+        </p:nvSpPr>
+        <p:spPr>
+          <a:xfrm>
+            <a:off x="1599109" y="3424973"/>
+            <a:ext cx="4458792" cy="2751668"/>
+          </a:xfrm>
+          <a:prstGeom prst="rect">
+            <a:avLst/>
+          </a:prstGeom>
+          <a:noFill/>
+          <a:ln w="38100">
+            <a:solidFill>
+              <a:srgbClr val="00B0F0"/>
+            </a:solidFill>
+          </a:ln>
+        </p:spPr>
+        <p:style>
+          <a:lnRef idx="2">
+            <a:schemeClr val="accent1">
+              <a:shade val="50000"/>
+            </a:schemeClr>
+          </a:lnRef>
+          <a:fillRef idx="1">
+            <a:schemeClr val="accent1"/>
+          </a:fillRef>
+          <a:effectRef idx="0">
+            <a:schemeClr val="accent1"/>
+          </a:effectRef>
+          <a:fontRef idx="minor">
+            <a:schemeClr val="lt1"/>
+          </a:fontRef>
+        </p:style>
+        <p:txBody>
+          <a:bodyPr rtlCol="0" anchor="ctr"/>
+          <a:lstStyle/>
+          <a:p>
+            <a:pPr>
+              <a:lnSpc>
+                <a:spcPct val="150000"/>
+              </a:lnSpc>
+            </a:pPr>
+            <a:r>
+              <a:rPr kumimoji="1" lang="en-US" altLang="ko-KR" sz="2000" dirty="0" smtClean="0">
+                <a:solidFill>
+                  <a:schemeClr val="tx1"/>
+                </a:solidFill>
+              </a:rPr>
+              <a:t>-</a:t>
+            </a:r>
+            <a:r>
+              <a:rPr kumimoji="1" lang="ko-KR" altLang="en-US" sz="2000" dirty="0" smtClean="0">
+                <a:solidFill>
+                  <a:schemeClr val="tx1"/>
+                </a:solidFill>
+              </a:rPr>
+              <a:t> 회전 가능한 </a:t>
+            </a:r>
+            <a:r>
+              <a:rPr kumimoji="1" lang="en-US" altLang="ko-KR" sz="2000" dirty="0" smtClean="0">
+                <a:solidFill>
+                  <a:schemeClr val="tx1"/>
+                </a:solidFill>
+              </a:rPr>
+              <a:t>3D</a:t>
+            </a:r>
+            <a:r>
+              <a:rPr kumimoji="1" lang="ko-KR" altLang="en-US" sz="2000" dirty="0" smtClean="0">
+                <a:solidFill>
+                  <a:schemeClr val="tx1"/>
+                </a:solidFill>
+              </a:rPr>
+              <a:t> 쿼터뷰 카메라</a:t>
+            </a:r>
+            <a:endParaRPr kumimoji="1" lang="en-US" altLang="ko-KR" sz="2000" dirty="0" smtClean="0">
+              <a:solidFill>
+                <a:schemeClr val="tx1"/>
+              </a:solidFill>
+            </a:endParaRPr>
+          </a:p>
+          <a:p>
+            <a:pPr>
+              <a:lnSpc>
+                <a:spcPct val="150000"/>
+              </a:lnSpc>
+            </a:pPr>
+            <a:r>
+              <a:rPr kumimoji="1" lang="en-US" altLang="ko-KR" sz="2000" dirty="0" smtClean="0">
+                <a:solidFill>
+                  <a:schemeClr val="tx1"/>
+                </a:solidFill>
+              </a:rPr>
+              <a:t>-</a:t>
+            </a:r>
+            <a:r>
+              <a:rPr kumimoji="1" lang="ko-KR" altLang="en-US" sz="2000" dirty="0" smtClean="0">
+                <a:solidFill>
+                  <a:schemeClr val="tx1"/>
+                </a:solidFill>
+              </a:rPr>
+              <a:t> </a:t>
+            </a:r>
+            <a:r>
+              <a:rPr kumimoji="1" lang="ko-KR" altLang="en-US" sz="2000" dirty="0" smtClean="0">
+                <a:solidFill>
+                  <a:schemeClr val="tx1"/>
+                </a:solidFill>
+              </a:rPr>
+              <a:t>논타겟 </a:t>
+            </a:r>
+            <a:r>
               <a:rPr kumimoji="1" lang="ko-KR" altLang="en-US" sz="2000" dirty="0">
                 <a:solidFill>
                   <a:schemeClr val="tx1"/>
                 </a:solidFill>
               </a:rPr>
-              <a:t> 쿼터뷰 논타겟 키보드 조작방식</a:t>
+              <a:t>키보드 조작방식</a:t>
             </a:r>
             <a:endParaRPr kumimoji="1" lang="en-US" altLang="ko-KR" sz="2000" dirty="0">
               <a:solidFill>
@@ -8039,6 +7680,263 @@
                 <a:spcPct val="150000"/>
               </a:lnSpc>
             </a:pPr>
+            <a:r>
+              <a:rPr kumimoji="1" lang="en-US" altLang="ko-KR" sz="2000" dirty="0" smtClean="0">
+                <a:solidFill>
+                  <a:schemeClr val="tx1"/>
+                </a:solidFill>
+              </a:rPr>
+              <a:t>-</a:t>
+            </a:r>
+            <a:r>
+              <a:rPr kumimoji="1" lang="ko-KR" altLang="en-US" sz="2000" dirty="0" smtClean="0">
+                <a:solidFill>
+                  <a:schemeClr val="tx1"/>
+                </a:solidFill>
+              </a:rPr>
+              <a:t> 발열 </a:t>
+            </a:r>
+            <a:r>
+              <a:rPr kumimoji="1" lang="ko-KR" altLang="en-US" sz="2000" dirty="0">
+                <a:solidFill>
+                  <a:schemeClr val="tx1"/>
+                </a:solidFill>
+              </a:rPr>
+              <a:t>시스템과 궁극기 </a:t>
+            </a:r>
+            <a:r>
+              <a:rPr kumimoji="1" lang="ko-KR" altLang="en-US" sz="2000" dirty="0" smtClean="0">
+                <a:solidFill>
+                  <a:schemeClr val="tx1"/>
+                </a:solidFill>
+              </a:rPr>
+              <a:t>시스템</a:t>
+            </a:r>
+            <a:endParaRPr kumimoji="1" lang="en-US" altLang="ko-KR" sz="2000" dirty="0" smtClean="0">
+              <a:solidFill>
+                <a:schemeClr val="tx1"/>
+              </a:solidFill>
+            </a:endParaRPr>
+          </a:p>
+          <a:p>
+            <a:pPr>
+              <a:lnSpc>
+                <a:spcPct val="150000"/>
+              </a:lnSpc>
+            </a:pPr>
+            <a:r>
+              <a:rPr kumimoji="1" lang="ko-KR" altLang="en-US" sz="2000" dirty="0" smtClean="0">
+                <a:solidFill>
+                  <a:schemeClr val="tx1"/>
+                </a:solidFill>
+              </a:rPr>
+              <a:t>  활용해 </a:t>
+            </a:r>
+            <a:r>
+              <a:rPr kumimoji="1" lang="ko-KR" altLang="en-US" sz="2000" dirty="0">
+                <a:solidFill>
+                  <a:schemeClr val="tx1"/>
+                </a:solidFill>
+              </a:rPr>
+              <a:t>유저가 만들어가는 </a:t>
+            </a:r>
+            <a:r>
+              <a:rPr kumimoji="1" lang="ko-KR" altLang="en-US" sz="2000" dirty="0" smtClean="0">
+                <a:solidFill>
+                  <a:schemeClr val="tx1"/>
+                </a:solidFill>
+              </a:rPr>
+              <a:t>전투</a:t>
+            </a:r>
+            <a:endParaRPr kumimoji="1" lang="en-US" altLang="ko-KR" sz="2000" dirty="0" smtClean="0">
+              <a:solidFill>
+                <a:schemeClr val="tx1"/>
+              </a:solidFill>
+            </a:endParaRPr>
+          </a:p>
+          <a:p>
+            <a:pPr>
+              <a:lnSpc>
+                <a:spcPct val="150000"/>
+              </a:lnSpc>
+            </a:pPr>
+            <a:r>
+              <a:rPr kumimoji="1" lang="ko-KR" altLang="en-US" sz="1400" dirty="0" smtClean="0">
+                <a:solidFill>
+                  <a:schemeClr val="bg1">
+                    <a:lumMod val="50000"/>
+                  </a:schemeClr>
+                </a:solidFill>
+              </a:rPr>
+              <a:t>  </a:t>
+            </a:r>
+            <a:r>
+              <a:rPr kumimoji="1" lang="en-US" altLang="ko-KR" sz="1400" dirty="0" smtClean="0">
+                <a:solidFill>
+                  <a:schemeClr val="bg1">
+                    <a:lumMod val="50000"/>
+                  </a:schemeClr>
+                </a:solidFill>
+              </a:rPr>
+              <a:t>-</a:t>
+            </a:r>
+            <a:r>
+              <a:rPr kumimoji="1" lang="ko-KR" altLang="en-US" sz="1400" dirty="0" smtClean="0">
+                <a:solidFill>
+                  <a:schemeClr val="bg1">
+                    <a:lumMod val="50000"/>
+                  </a:schemeClr>
+                </a:solidFill>
+              </a:rPr>
+              <a:t> 상위 난이도로 진행될수록 발열을</a:t>
+            </a:r>
+            <a:endParaRPr kumimoji="1" lang="en-US" altLang="ko-KR" sz="1400" dirty="0" smtClean="0">
+              <a:solidFill>
+                <a:schemeClr val="bg1">
+                  <a:lumMod val="50000"/>
+                </a:schemeClr>
+              </a:solidFill>
+            </a:endParaRPr>
+          </a:p>
+          <a:p>
+            <a:pPr>
+              <a:lnSpc>
+                <a:spcPct val="150000"/>
+              </a:lnSpc>
+            </a:pPr>
+            <a:r>
+              <a:rPr kumimoji="1" lang="ko-KR" altLang="en-US" sz="1400" dirty="0" smtClean="0">
+                <a:solidFill>
+                  <a:schemeClr val="bg1">
+                    <a:lumMod val="50000"/>
+                  </a:schemeClr>
+                </a:solidFill>
+              </a:rPr>
+              <a:t>    활용한 능숙한 컨트롤 요구로 하드유저 만족</a:t>
+            </a:r>
+            <a:endParaRPr kumimoji="1" lang="en-US" altLang="ko-KR" sz="1400" dirty="0">
+              <a:solidFill>
+                <a:schemeClr val="bg1">
+                  <a:lumMod val="50000"/>
+                </a:schemeClr>
+              </a:solidFill>
+            </a:endParaRPr>
+          </a:p>
+        </p:txBody>
+      </p:sp>
+      <p:sp>
+        <p:nvSpPr>
+          <p:cNvPr id="10" name="직사각형 9"/>
+          <p:cNvSpPr/>
+          <p:nvPr/>
+        </p:nvSpPr>
+        <p:spPr>
+          <a:xfrm>
+            <a:off x="6057899" y="3424973"/>
+            <a:ext cx="5604281" cy="2751668"/>
+          </a:xfrm>
+          <a:prstGeom prst="rect">
+            <a:avLst/>
+          </a:prstGeom>
+          <a:noFill/>
+          <a:ln w="38100">
+            <a:solidFill>
+              <a:srgbClr val="00B0F0"/>
+            </a:solidFill>
+          </a:ln>
+        </p:spPr>
+        <p:style>
+          <a:lnRef idx="2">
+            <a:schemeClr val="accent1">
+              <a:shade val="50000"/>
+            </a:schemeClr>
+          </a:lnRef>
+          <a:fillRef idx="1">
+            <a:schemeClr val="accent1"/>
+          </a:fillRef>
+          <a:effectRef idx="0">
+            <a:schemeClr val="accent1"/>
+          </a:effectRef>
+          <a:fontRef idx="minor">
+            <a:schemeClr val="lt1"/>
+          </a:fontRef>
+        </p:style>
+        <p:txBody>
+          <a:bodyPr rtlCol="0" anchor="ctr"/>
+          <a:lstStyle/>
+          <a:p>
+            <a:pPr>
+              <a:lnSpc>
+                <a:spcPct val="150000"/>
+              </a:lnSpc>
+            </a:pPr>
+            <a:r>
+              <a:rPr kumimoji="1" lang="en-US" altLang="ko-KR" sz="2000" dirty="0" smtClean="0">
+                <a:solidFill>
+                  <a:schemeClr val="tx1"/>
+                </a:solidFill>
+              </a:rPr>
+              <a:t>-</a:t>
+            </a:r>
+            <a:r>
+              <a:rPr kumimoji="1" lang="ko-KR" altLang="en-US" sz="2000" dirty="0" smtClean="0">
+                <a:solidFill>
+                  <a:schemeClr val="tx1"/>
+                </a:solidFill>
+              </a:rPr>
+              <a:t> 카툰 렌더링을 사용하여 누구나 쉽게</a:t>
+            </a:r>
+            <a:endParaRPr kumimoji="1" lang="en-US" altLang="ko-KR" sz="2000" dirty="0" smtClean="0">
+              <a:solidFill>
+                <a:schemeClr val="tx1"/>
+              </a:solidFill>
+            </a:endParaRPr>
+          </a:p>
+          <a:p>
+            <a:pPr>
+              <a:lnSpc>
+                <a:spcPct val="150000"/>
+              </a:lnSpc>
+            </a:pPr>
+            <a:r>
+              <a:rPr kumimoji="1" lang="ko-KR" altLang="en-US" sz="2000" dirty="0" smtClean="0">
+                <a:solidFill>
+                  <a:schemeClr val="tx1"/>
+                </a:solidFill>
+              </a:rPr>
+              <a:t>  접근할 수 있는 액션 </a:t>
+            </a:r>
+            <a:r>
+              <a:rPr kumimoji="1" lang="en-US" altLang="ko-KR" sz="2000" dirty="0" smtClean="0">
+                <a:solidFill>
+                  <a:schemeClr val="tx1"/>
+                </a:solidFill>
+              </a:rPr>
+              <a:t>RPG</a:t>
+            </a:r>
+          </a:p>
+          <a:p>
+            <a:pPr>
+              <a:lnSpc>
+                <a:spcPct val="150000"/>
+              </a:lnSpc>
+            </a:pPr>
+            <a:r>
+              <a:rPr kumimoji="1" lang="en-US" altLang="ko-KR" sz="2000" dirty="0" smtClean="0">
+                <a:solidFill>
+                  <a:schemeClr val="tx1"/>
+                </a:solidFill>
+              </a:rPr>
+              <a:t>-</a:t>
+            </a:r>
+            <a:r>
+              <a:rPr kumimoji="1" lang="ko-KR" altLang="en-US" sz="2000" dirty="0" smtClean="0">
+                <a:solidFill>
+                  <a:schemeClr val="tx1"/>
+                </a:solidFill>
+              </a:rPr>
+              <a:t> 다대일의 전투에 궁극기로 시원한 플레이</a:t>
+            </a:r>
             <a:endParaRPr kumimoji="1" lang="en-US" altLang="ko-KR" sz="2000" dirty="0">
               <a:solidFill>
                 <a:schemeClr val="tx1"/>
@@ -8052,14 +7950,22 @@
               </a:lnSpc>
             </a:pPr>
             <a:r>
-              <a:rPr kumimoji="1" lang="ko-KR" altLang="en-US" sz="2000" dirty="0">
+              <a:rPr kumimoji="1" lang="en-US" altLang="ko-KR" sz="2000" dirty="0" smtClean="0">
                 <a:solidFill>
                   <a:schemeClr val="tx1"/>
                 </a:solidFill>
               </a:rPr>
-              <a:t>발열 시스템과 궁극기 시스템을 활용해 유저가 만들어가는 전투</a:t>
-            </a:r>
-            <a:endParaRPr kumimoji="1" lang="en-US" altLang="ko-KR" sz="2000" dirty="0">
+              <a:t>-</a:t>
+            </a:r>
+            <a:r>
+              <a:rPr kumimoji="1" lang="ko-KR" altLang="en-US" sz="2000" dirty="0" smtClean="0">
+                <a:solidFill>
+                  <a:schemeClr val="tx1"/>
+                </a:solidFill>
+              </a:rPr>
+              <a:t> 보스의 정교한 패턴을 파티와 협동하여 극복</a:t>
+            </a:r>
+            <a:endParaRPr kumimoji="1" lang="en-US" altLang="ko-KR" sz="2000" dirty="0" smtClean="0">
               <a:solidFill>
                 <a:schemeClr val="tx1"/>
               </a:solidFill>
@@ -8071,65 +7977,41 @@
                 <a:spcPct val="150000"/>
               </a:lnSpc>
             </a:pPr>
-            <a:endParaRPr kumimoji="1" lang="en-US" altLang="ko-KR" sz="2000" dirty="0">
+            <a:r>
+              <a:rPr kumimoji="1" lang="ko-KR" altLang="en-US" sz="1600" dirty="0" smtClean="0">
+                <a:solidFill>
+                  <a:schemeClr val="bg1">
+                    <a:lumMod val="50000"/>
+                  </a:schemeClr>
+                </a:solidFill>
+              </a:rPr>
+              <a:t>  </a:t>
+            </a:r>
+            <a:r>
+              <a:rPr kumimoji="1" lang="en-US" altLang="ko-KR" sz="1600" dirty="0" smtClean="0">
+                <a:solidFill>
+                  <a:schemeClr val="bg1">
+                    <a:lumMod val="50000"/>
+                  </a:schemeClr>
+                </a:solidFill>
+              </a:rPr>
+              <a:t>-</a:t>
+            </a:r>
+            <a:r>
+              <a:rPr kumimoji="1" lang="ko-KR" altLang="en-US" sz="1600" dirty="0" smtClean="0">
+                <a:solidFill>
+                  <a:schemeClr val="bg1">
+                    <a:lumMod val="50000"/>
+                  </a:schemeClr>
+                </a:solidFill>
+              </a:rPr>
+              <a:t> 각 역할플레이시 발열시스템 활용에 보너스 부여</a:t>
+            </a:r>
+            <a:endParaRPr kumimoji="1" lang="en-US" altLang="ko-KR" sz="1600" dirty="0">
               <a:solidFill>
-                <a:schemeClr val="tx1"/>
-              </a:solidFill>
-            </a:endParaRPr>
-          </a:p>
-          <a:p>
-            <a:pPr>
-              <a:lnSpc>
-                <a:spcPct val="150000"/>
-              </a:lnSpc>
-            </a:pPr>
-            <a:r>
-              <a:rPr kumimoji="1" lang="ko-KR" altLang="en-US" sz="2000" dirty="0">
-                <a:solidFill>
-                  <a:schemeClr val="tx1"/>
-                </a:solidFill>
-              </a:rPr>
-              <a:t>비실사 그래픽을 사용하여 </a:t>
-            </a:r>
-            <a:r>
-              <a:rPr kumimoji="1" lang="en-US" altLang="ko-KR" sz="2000" dirty="0">
-                <a:solidFill>
-                  <a:schemeClr val="tx1"/>
-                </a:solidFill>
-              </a:rPr>
-              <a:t>PC</a:t>
-            </a:r>
-            <a:r>
-              <a:rPr kumimoji="1" lang="ko-KR" altLang="en-US" sz="2000" dirty="0">
-                <a:solidFill>
-                  <a:schemeClr val="tx1"/>
-                </a:solidFill>
-              </a:rPr>
-              <a:t>가 </a:t>
-            </a:r>
-            <a:endParaRPr kumimoji="1" lang="en-US" altLang="ko-KR" sz="2000" dirty="0">
-              <a:solidFill>
-                <a:schemeClr val="tx1"/>
-              </a:solidFill>
-            </a:endParaRPr>
-          </a:p>
-          <a:p>
-            <a:pPr>
-              <a:lnSpc>
-                <a:spcPct val="150000"/>
-              </a:lnSpc>
-            </a:pPr>
-            <a:r>
-              <a:rPr kumimoji="1" lang="ko-KR" altLang="en-US" sz="2000" dirty="0">
-                <a:solidFill>
-                  <a:schemeClr val="tx1"/>
-                </a:solidFill>
-              </a:rPr>
-              <a:t>전투에만 몰입할 수 있는 환경 조성</a:t>
-            </a:r>
-            <a:endParaRPr kumimoji="1" lang="en-US" altLang="ko-KR" sz="2000" dirty="0">
-              <a:solidFill>
-                <a:schemeClr val="tx1"/>
+                <a:schemeClr val="bg1">
+                  <a:lumMod val="50000"/>
+                </a:schemeClr>
               </a:solidFill>
             </a:endParaRPr>
           </a:p>
@@ -8145,6 +8027,13 @@
   <p:clrMapOvr>
     <a:masterClrMapping/>
   </p:clrMapOvr>
+  <p:timing>
+    <p:tnLst>
+      <p:par>
+        <p:cTn id="1" dur="indefinite" restart="never" nodeType="tmRoot"/>
+      </p:par>
+    </p:tnLst>
+  </p:timing>
 </p:sld>
 </file>
 
@@ -9723,6 +9612,13 @@
   <p:clrMapOvr>
     <a:masterClrMapping/>
   </p:clrMapOvr>
+  <p:timing>
+    <p:tnLst>
+      <p:par>
+        <p:cTn id="1" dur="indefinite" restart="never" nodeType="tmRoot"/>
+      </p:par>
+    </p:tnLst>
+  </p:timing>
 </p:sld>
 </file>
 
@@ -11338,6 +11234,13 @@
   <p:clrMapOvr>
     <a:masterClrMapping/>
   </p:clrMapOvr>
+  <p:timing>
+    <p:tnLst>
+      <p:par>
+        <p:cTn id="1" dur="indefinite" restart="never" nodeType="tmRoot"/>
+      </p:par>
+    </p:tnLst>
+  </p:timing>
 </p:sld>
 </file>
 
@@ -12963,6 +12866,13 @@
   <p:clrMapOvr>
     <a:masterClrMapping/>
   </p:clrMapOvr>
+  <p:timing>
+    <p:tnLst>
+      <p:par>
+        <p:cTn id="1" dur="indefinite" restart="never" nodeType="tmRoot"/>
+      </p:par>
+    </p:tnLst>
+  </p:timing>
 </p:sld>
 </file>
 
@@ -15478,6 +15388,13 @@
   <p:clrMapOvr>
     <a:masterClrMapping/>
   </p:clrMapOvr>
+  <p:timing>
+    <p:tnLst>
+      <p:par>
+        <p:cTn id="1" dur="indefinite" restart="never" nodeType="tmRoot"/>
+      </p:par>
+    </p:tnLst>
+  </p:timing>
 </p:sld>
 </file>
 
@@ -15799,6 +15716,13 @@
   <p:transition spd="slow">
     <p:push dir="u"/>
   </p:transition>
+  <p:timing>
+    <p:tnLst>
+      <p:par>
+        <p:cTn id="1" dur="indefinite" restart="never" nodeType="tmRoot"/>
+      </p:par>
+    </p:tnLst>
+  </p:timing>
 </p:sld>
 </file>
 
@@ -18396,9 +18320,7 @@
             <a:avLst/>
           </a:prstGeom>
           <a:solidFill>
-            <a:schemeClr val="bg1">
-              <a:lumMod val="50000"/>
-            </a:schemeClr>
+            <a:srgbClr val="00205F"/>
           </a:solidFill>
           <a:ln>
             <a:noFill/>
@@ -18623,8 +18545,8 @@
         </p:nvSpPr>
         <p:spPr>
           <a:xfrm>
-            <a:off x="816199" y="2969727"/>
-            <a:ext cx="1191871" cy="563163"/>
+            <a:off x="816199" y="3703549"/>
+            <a:ext cx="1981468" cy="563163"/>
           </a:xfrm>
           <a:prstGeom prst="roundRect">
             <a:avLst/>
@@ -20395,6 +20317,13 @@
   <p:transition spd="slow">
     <p:push/>
   </p:transition>
+  <p:timing>
+    <p:tnLst>
+      <p:par>
+        <p:cTn id="1" dur="indefinite" restart="never" nodeType="tmRoot"/>
+      </p:par>
+    </p:tnLst>
+  </p:timing>
 </p:sld>
 </file>
 
@@ -21606,6 +21535,13 @@
   <p:transition spd="slow">
     <p:push/>
   </p:transition>
+  <p:timing>
+    <p:tnLst>
+      <p:par>
+        <p:cTn id="1" dur="indefinite" restart="never" nodeType="tmRoot"/>
+      </p:par>
+    </p:tnLst>
+  </p:timing>
 </p:sld>
 </file>
 
@@ -22849,6 +22785,13 @@
   <p:transition spd="slow">
     <p:push/>
   </p:transition>
+  <p:timing>
+    <p:tnLst>
+      <p:par>
+        <p:cTn id="1" dur="indefinite" restart="never" nodeType="tmRoot"/>
+      </p:par>
+    </p:tnLst>
+  </p:timing>
 </p:sld>
 </file>
 
@@ -24173,6 +24116,13 @@
   <p:transition spd="slow">
     <p:push/>
   </p:transition>
+  <p:timing>
+    <p:tnLst>
+      <p:par>
+        <p:cTn id="1" dur="indefinite" restart="never" nodeType="tmRoot"/>
+      </p:par>
+    </p:tnLst>
+  </p:timing>
 </p:sld>
 </file>
 
@@ -24232,6 +24182,13 @@
   <p:clrMapOvr>
     <a:masterClrMapping/>
   </p:clrMapOvr>
+  <p:timing>
+    <p:tnLst>
+      <p:par>
+        <p:cTn id="1" dur="indefinite" restart="never" nodeType="tmRoot"/>
+      </p:par>
+    </p:tnLst>
+  </p:timing>
 </p:sld>
 </file>
 
@@ -29162,6 +29119,13 @@
   <p:clrMapOvr>
     <a:masterClrMapping/>
   </p:clrMapOvr>
+  <p:timing>
+    <p:tnLst>
+      <p:par>
+        <p:cTn id="1" dur="indefinite" restart="never" nodeType="tmRoot"/>
+      </p:par>
+    </p:tnLst>
+  </p:timing>
 </p:sld>
 </file>
 
@@ -29182,6 +29146,52 @@
           <a:chExt cx="0" cy="0"/>
         </a:xfrm>
       </p:grpSpPr>
+      <p:sp>
+        <p:nvSpPr>
+          <p:cNvPr id="8" name="직사각형 7"/>
+          <p:cNvSpPr/>
+          <p:nvPr/>
+        </p:nvSpPr>
+        <p:spPr>
+          <a:xfrm>
+            <a:off x="0" y="0"/>
+            <a:ext cx="12192000" cy="6858000"/>
+          </a:xfrm>
+          <a:prstGeom prst="rect">
+            <a:avLst/>
+          </a:prstGeom>
+          <a:solidFill>
+            <a:schemeClr val="tx1"/>
+          </a:solidFill>
+          <a:ln>
+            <a:noFill/>
+          </a:ln>
+        </p:spPr>
+        <p:style>
+          <a:lnRef idx="2">
+            <a:schemeClr val="accent1">
+              <a:shade val="50000"/>
+            </a:schemeClr>
+          </a:lnRef>
+          <a:fillRef idx="1">
+            <a:schemeClr val="accent1"/>
+          </a:fillRef>
+          <a:effectRef idx="0">
+            <a:schemeClr val="accent1"/>
+          </a:effectRef>
+          <a:fontRef idx="minor">
+            <a:schemeClr val="lt1"/>
+          </a:fontRef>
+        </p:style>
+        <p:txBody>
+          <a:bodyPr rtlCol="0" anchor="ctr"/>
+          <a:lstStyle/>
+          <a:p>
+            <a:pPr algn="ctr"/>
+            <a:endParaRPr kumimoji="1" lang="ko-KR" altLang="en-US"/>
+          </a:p>
+        </p:txBody>
+      </p:sp>
       <p:sp>
         <p:nvSpPr>
           <p:cNvPr id="95" name="평행 사변형[P] 94"/>
@@ -29242,66 +29252,6 @@
           </a:p>
         </p:txBody>
       </p:sp>
-      <p:pic>
-        <p:nvPicPr>
-          <p:cNvPr id="2" name="그림 1"/>
-          <p:cNvPicPr>
-            <a:picLocks noChangeAspect="1"/>
-          </p:cNvPicPr>
-          <p:nvPr/>
-        </p:nvPicPr>
-        <p:blipFill>
-          <a:blip r:embed="rId2">
-            <a:extLst>
-              <a:ext uri="{28A0092B-C50C-407E-A947-70E740481C1C}">
-                <a14:useLocalDpi xmlns:a14="http://schemas.microsoft.com/office/drawing/2010/main" val="0"/>
-              </a:ext>
-            </a:extLst>
-          </a:blip>
-          <a:stretch>
-            <a:fillRect/>
-          </a:stretch>
-        </p:blipFill>
-        <p:spPr>
-          <a:xfrm>
-            <a:off x="741453" y="1670389"/>
-            <a:ext cx="3269776" cy="1944349"/>
-          </a:xfrm>
-          <a:prstGeom prst="rect">
-            <a:avLst/>
-          </a:prstGeom>
-        </p:spPr>
-      </p:pic>
-      <p:pic>
-        <p:nvPicPr>
-          <p:cNvPr id="3" name="그림 2"/>
-          <p:cNvPicPr>
-            <a:picLocks noChangeAspect="1"/>
-          </p:cNvPicPr>
-          <p:nvPr/>
-        </p:nvPicPr>
-        <p:blipFill>
-          <a:blip r:embed="rId3">
-            <a:extLst>
-              <a:ext uri="{28A0092B-C50C-407E-A947-70E740481C1C}">
-                <a14:useLocalDpi xmlns:a14="http://schemas.microsoft.com/office/drawing/2010/main" val="0"/>
-              </a:ext>
-            </a:extLst>
-          </a:blip>
-          <a:stretch>
-            <a:fillRect/>
-          </a:stretch>
-        </p:blipFill>
-        <p:spPr>
-          <a:xfrm>
-            <a:off x="741453" y="3845896"/>
-            <a:ext cx="1898797" cy="2519008"/>
-          </a:xfrm>
-          <a:prstGeom prst="rect">
-            <a:avLst/>
-          </a:prstGeom>
-        </p:spPr>
-      </p:pic>
       <p:sp>
         <p:nvSpPr>
           <p:cNvPr id="6" name="텍스트 상자 5"/>
@@ -29310,7 +29260,7 @@
         </p:nvSpPr>
         <p:spPr>
           <a:xfrm>
-            <a:off x="4399963" y="1670389"/>
+            <a:off x="1982313" y="4553782"/>
             <a:ext cx="2417650" cy="707886"/>
           </a:xfrm>
           <a:prstGeom prst="rect">
@@ -29324,8 +29274,13 @@
           </a:bodyPr>
           <a:lstStyle/>
           <a:p>
-            <a:r>
-              <a:rPr kumimoji="1" lang="ko-KR" altLang="en-US" sz="4000" dirty="0"/>
+            <a:pPr algn="ctr"/>
+            <a:r>
+              <a:rPr kumimoji="1" lang="ko-KR" altLang="en-US" sz="4000" dirty="0">
+                <a:solidFill>
+                  <a:schemeClr val="bg1"/>
+                </a:solidFill>
+              </a:rPr>
               <a:t>월드 설정</a:t>
             </a:r>
           </a:p>
@@ -29339,8 +29294,8 @@
         </p:nvSpPr>
         <p:spPr>
           <a:xfrm>
-            <a:off x="4399963" y="2380953"/>
-            <a:ext cx="5161346" cy="954107"/>
+            <a:off x="1141872" y="5261668"/>
+            <a:ext cx="4098532" cy="954107"/>
           </a:xfrm>
           <a:prstGeom prst="rect">
             <a:avLst/>
@@ -29353,18 +29308,19 @@
           </a:bodyPr>
           <a:lstStyle/>
           <a:p>
-            <a:r>
-              <a:rPr kumimoji="1" lang="en-US" altLang="ko-KR" sz="2800" dirty="0">
+            <a:pPr algn="ctr"/>
+            <a:r>
+              <a:rPr kumimoji="1" lang="en-US" altLang="ko-KR" sz="2800" dirty="0" smtClean="0">
                 <a:solidFill>
                   <a:schemeClr val="bg1">
                     <a:lumMod val="50000"/>
                   </a:schemeClr>
                 </a:solidFill>
               </a:rPr>
-              <a:t>1km x 1km</a:t>
-            </a:r>
-            <a:r>
-              <a:rPr kumimoji="1" lang="ko-KR" altLang="en-US" sz="2800" dirty="0">
+              <a:t>500m x 500m</a:t>
+            </a:r>
+            <a:r>
+              <a:rPr kumimoji="1" lang="ko-KR" altLang="en-US" sz="2800" dirty="0" smtClean="0">
                 <a:solidFill>
                   <a:schemeClr val="bg1">
                     <a:lumMod val="50000"/>
@@ -29382,6 +29338,7 @@
             </a:endParaRPr>
           </a:p>
           <a:p>
+            <a:pPr algn="ctr"/>
             <a:r>
               <a:rPr kumimoji="1" lang="ko-KR" altLang="en-US" sz="2800" dirty="0">
                 <a:solidFill>
@@ -29403,7 +29360,7 @@
         </p:nvSpPr>
         <p:spPr>
           <a:xfrm>
-            <a:off x="4399963" y="3845896"/>
+            <a:off x="7413259" y="4553782"/>
             <a:ext cx="2930610" cy="707886"/>
           </a:xfrm>
           <a:prstGeom prst="rect">
@@ -29417,8 +29374,13 @@
           </a:bodyPr>
           <a:lstStyle/>
           <a:p>
-            <a:r>
-              <a:rPr kumimoji="1" lang="ko-KR" altLang="en-US" sz="4000" dirty="0"/>
+            <a:pPr algn="ctr"/>
+            <a:r>
+              <a:rPr kumimoji="1" lang="ko-KR" altLang="en-US" sz="4000" dirty="0">
+                <a:solidFill>
+                  <a:schemeClr val="bg1"/>
+                </a:solidFill>
+              </a:rPr>
               <a:t>캐릭터 설정</a:t>
             </a:r>
           </a:p>
@@ -29432,8 +29394,8 @@
         </p:nvSpPr>
         <p:spPr>
           <a:xfrm>
-            <a:off x="4399963" y="4556460"/>
-            <a:ext cx="5161346" cy="954107"/>
+            <a:off x="6829298" y="5288420"/>
+            <a:ext cx="4098532" cy="954107"/>
           </a:xfrm>
           <a:prstGeom prst="rect">
             <a:avLst/>
@@ -29446,6 +29408,7 @@
           </a:bodyPr>
           <a:lstStyle/>
           <a:p>
+            <a:pPr algn="ctr"/>
             <a:r>
               <a:rPr kumimoji="1" lang="en-US" altLang="ko-KR" sz="2800" dirty="0">
                 <a:solidFill>
@@ -29475,6 +29438,7 @@
             </a:endParaRPr>
           </a:p>
           <a:p>
+            <a:pPr algn="ctr"/>
             <a:r>
               <a:rPr kumimoji="1" lang="en-US" altLang="ko-KR" sz="2800" dirty="0">
                 <a:solidFill>
@@ -29483,7 +29447,17 @@
                   </a:schemeClr>
                 </a:solidFill>
               </a:rPr>
-              <a:t>4m/s</a:t>
+              <a:t>2</a:t>
+            </a:r>
+            <a:r>
+              <a:rPr kumimoji="1" lang="en-US" altLang="ko-KR" sz="2800" dirty="0" smtClean="0">
+                <a:solidFill>
+                  <a:schemeClr val="bg1">
+                    <a:lumMod val="50000"/>
+                  </a:schemeClr>
+                </a:solidFill>
+              </a:rPr>
+              <a:t>m/s</a:t>
             </a:r>
             <a:r>
               <a:rPr kumimoji="1" lang="ko-KR" altLang="en-US" sz="2800" dirty="0">
@@ -29500,15 +29474,31 @@
       </p:sp>
       <p:pic>
         <p:nvPicPr>
-          <p:cNvPr id="7" name="그림 6"/>
+          <p:cNvPr id="5" name="그림 4"/>
           <p:cNvPicPr>
             <a:picLocks noChangeAspect="1"/>
           </p:cNvPicPr>
           <p:nvPr/>
         </p:nvPicPr>
         <p:blipFill>
-          <a:blip r:embed="rId4">
+          <a:blip r:embed="rId2">
             <a:extLst>
+              <a:ext uri="{BEBA8EAE-BF5A-486C-A8C5-ECC9F3942E4B}">
+                <a14:imgProps xmlns:a14="http://schemas.microsoft.com/office/drawing/2010/main">
+                  <a14:imgLayer r:embed="rId3">
+                    <a14:imgEffect>
+                      <a14:backgroundRemoval t="4286" b="96667" l="3810" r="96984">
+                        <a14:foregroundMark x1="69841" y1="54127" x2="77937" y2="57619"/>
+                        <a14:foregroundMark x1="79365" y1="52381" x2="80952" y2="58413"/>
+                        <a14:foregroundMark x1="82381" y1="61111" x2="86190" y2="62381"/>
+                        <a14:foregroundMark x1="79048" y1="49841" x2="81111" y2="54127"/>
+                        <a14:foregroundMark x1="71905" y1="52857" x2="66667" y2="51270"/>
+                        <a14:foregroundMark x1="66190" y1="49841" x2="68730" y2="51270"/>
+                      </a14:backgroundRemoval>
+                    </a14:imgEffect>
+                  </a14:imgLayer>
+                </a14:imgProps>
+              </a:ext>
               <a:ext uri="{28A0092B-C50C-407E-A947-70E740481C1C}">
                 <a14:useLocalDpi xmlns:a14="http://schemas.microsoft.com/office/drawing/2010/main" val="0"/>
               </a:ext>
@@ -29520,8 +29510,47 @@
         </p:blipFill>
         <p:spPr>
           <a:xfrm>
-            <a:off x="2415497" y="3845896"/>
-            <a:ext cx="1595732" cy="2513405"/>
+            <a:off x="6723396" y="807571"/>
+            <a:ext cx="4427687" cy="4427687"/>
+          </a:xfrm>
+          <a:prstGeom prst="rect">
+            <a:avLst/>
+          </a:prstGeom>
+        </p:spPr>
+      </p:pic>
+      <p:pic>
+        <p:nvPicPr>
+          <p:cNvPr id="9" name="그림 8"/>
+          <p:cNvPicPr>
+            <a:picLocks noChangeAspect="1"/>
+          </p:cNvPicPr>
+          <p:nvPr/>
+        </p:nvPicPr>
+        <p:blipFill>
+          <a:blip r:embed="rId4">
+            <a:extLst>
+              <a:ext uri="{BEBA8EAE-BF5A-486C-A8C5-ECC9F3942E4B}">
+                <a14:imgProps xmlns:a14="http://schemas.microsoft.com/office/drawing/2010/main">
+                  <a14:imgLayer r:embed="rId5">
+                    <a14:imgEffect>
+                      <a14:backgroundRemoval t="10000" b="90000" l="10000" r="90000"/>
+                    </a14:imgEffect>
+                  </a14:imgLayer>
+                </a14:imgProps>
+              </a:ext>
+              <a:ext uri="{28A0092B-C50C-407E-A947-70E740481C1C}">
+                <a14:useLocalDpi xmlns:a14="http://schemas.microsoft.com/office/drawing/2010/main" val="0"/>
+              </a:ext>
+            </a:extLst>
+          </a:blip>
+          <a:stretch>
+            <a:fillRect/>
+          </a:stretch>
+        </p:blipFill>
+        <p:spPr>
+          <a:xfrm>
+            <a:off x="1443398" y="1293669"/>
+            <a:ext cx="3495479" cy="3495479"/>
           </a:xfrm>
           <a:prstGeom prst="rect">
             <a:avLst/>
@@ -29538,6 +29567,13 @@
   <p:clrMapOvr>
     <a:masterClrMapping/>
   </p:clrMapOvr>
+  <p:timing>
+    <p:tnLst>
+      <p:par>
+        <p:cTn id="1" dur="indefinite" restart="never" nodeType="tmRoot"/>
+      </p:par>
+    </p:tnLst>
+  </p:timing>
 </p:sld>
 </file>
 
@@ -30401,9 +30437,7 @@
               <a:gd name="adj" fmla="val 18485"/>
             </a:avLst>
           </a:prstGeom>
-          <a:solidFill>
-            <a:schemeClr val="bg1"/>
-          </a:solidFill>
+          <a:noFill/>
           <a:ln w="88900">
             <a:noFill/>
           </a:ln>
@@ -30430,14 +30464,29 @@
           <a:p>
             <a:pPr lvl="0" algn="ctr"/>
             <a:r>
-              <a:rPr kumimoji="1" lang="ko-KR" altLang="en-US" sz="2800" b="1" dirty="0">
+              <a:rPr kumimoji="1" lang="en-US" altLang="ko-KR" sz="2800" b="1" dirty="0" smtClean="0">
                 <a:solidFill>
                   <a:prstClr val="black"/>
                 </a:solidFill>
                 <a:latin typeface="+mj-lt"/>
               </a:rPr>
-              <a:t>비사실적인 환경</a:t>
-            </a:r>
+              <a:t>NPR</a:t>
+            </a:r>
+            <a:r>
+              <a:rPr kumimoji="1" lang="ko-KR" altLang="en-US" sz="2800" b="1" dirty="0" smtClean="0">
+                <a:solidFill>
+                  <a:prstClr val="black"/>
+                </a:solidFill>
+                <a:latin typeface="+mj-lt"/>
+              </a:rPr>
+              <a:t> 렌더링</a:t>
+            </a:r>
+            <a:endParaRPr kumimoji="1" lang="ko-KR" altLang="en-US" sz="2800" b="1" dirty="0">
+              <a:solidFill>
+                <a:prstClr val="black"/>
+              </a:solidFill>
+              <a:latin typeface="+mj-lt"/>
+            </a:endParaRPr>
           </a:p>
         </p:txBody>
       </p:sp>
@@ -30786,8 +30835,8 @@
         </p:nvSpPr>
         <p:spPr>
           <a:xfrm>
-            <a:off x="615893" y="2505683"/>
-            <a:ext cx="7098418" cy="1785104"/>
+            <a:off x="615893" y="2273838"/>
+            <a:ext cx="7098418" cy="1138773"/>
           </a:xfrm>
           <a:prstGeom prst="rect">
             <a:avLst/>
@@ -30973,82 +31022,21 @@
                 <a:latin typeface="맑은 고딕" charset="-127"/>
                 <a:cs typeface="Times New Roman" charset="0"/>
               </a:rPr>
-              <a:t> 끊임없이 공격을 하는 즐거움 부여</a:t>
-            </a:r>
-            <a:endParaRPr lang="en-US" altLang="ko-KR" sz="2000" dirty="0">
-              <a:solidFill>
-                <a:schemeClr val="bg1">
-                  <a:lumMod val="50000"/>
-                </a:schemeClr>
-              </a:solidFill>
-              <a:latin typeface="맑은 고딕" charset="-127"/>
-              <a:cs typeface="Times New Roman" charset="0"/>
-            </a:endParaRPr>
-          </a:p>
-          <a:p>
-            <a:pPr lvl="0" eaLnBrk="0" fontAlgn="base" latinLnBrk="0" hangingPunct="0">
-              <a:lnSpc>
-                <a:spcPct val="150000"/>
-              </a:lnSpc>
-              <a:spcBef>
-                <a:spcPct val="0"/>
-              </a:spcBef>
-              <a:spcAft>
-                <a:spcPct val="0"/>
-              </a:spcAft>
-            </a:pPr>
-            <a:r>
-              <a:rPr lang="ko-KR" altLang="en-US" sz="2800" dirty="0">
+              <a:t> 끊임없이 공격을 하는 즐거움 </a:t>
+            </a:r>
+            <a:r>
+              <a:rPr lang="ko-KR" altLang="en-US" sz="2000" dirty="0" smtClean="0">
+                <a:solidFill>
+                  <a:schemeClr val="bg1">
+                    <a:lumMod val="50000"/>
+                  </a:schemeClr>
+                </a:solidFill>
                 <a:latin typeface="맑은 고딕" charset="-127"/>
                 <a:cs typeface="Times New Roman" charset="0"/>
               </a:rPr>
-              <a:t>획득한 발열을 </a:t>
-            </a:r>
-            <a:r>
-              <a:rPr lang="en-US" altLang="ko-KR" sz="2800" dirty="0">
-                <a:solidFill>
-                  <a:srgbClr val="FF0000"/>
-                </a:solidFill>
-                <a:latin typeface="맑은 고딕" charset="-127"/>
-                <a:cs typeface="Times New Roman" charset="0"/>
-              </a:rPr>
-              <a:t>‘</a:t>
-            </a:r>
-            <a:r>
-              <a:rPr lang="ko-KR" altLang="en-US" sz="2800" dirty="0">
-                <a:solidFill>
-                  <a:srgbClr val="FF0000"/>
-                </a:solidFill>
-                <a:latin typeface="맑은 고딕" charset="-127"/>
-                <a:cs typeface="Times New Roman" charset="0"/>
-              </a:rPr>
-              <a:t>궁극기</a:t>
-            </a:r>
-            <a:r>
-              <a:rPr lang="en-US" altLang="ko-KR" sz="2800" dirty="0">
-                <a:solidFill>
-                  <a:srgbClr val="FF0000"/>
-                </a:solidFill>
-                <a:latin typeface="맑은 고딕" charset="-127"/>
-                <a:cs typeface="Times New Roman" charset="0"/>
-              </a:rPr>
-              <a:t>’</a:t>
-            </a:r>
-            <a:r>
-              <a:rPr lang="ko-KR" altLang="en-US" sz="2800" dirty="0">
-                <a:latin typeface="맑은 고딕" charset="-127"/>
-                <a:cs typeface="Times New Roman" charset="0"/>
-              </a:rPr>
-              <a:t>를 통해 방출</a:t>
-            </a:r>
-            <a:r>
-              <a:rPr lang="en-US" altLang="ko-KR" sz="2800" dirty="0">
-                <a:latin typeface="맑은 고딕" charset="-127"/>
-                <a:cs typeface="Times New Roman" charset="0"/>
-              </a:rPr>
-              <a:t>!</a:t>
-            </a:r>
-            <a:endParaRPr lang="ko-KR" altLang="ko-KR" sz="2000" dirty="0">
+              <a:t>부여</a:t>
+            </a:r>
+            <a:endParaRPr lang="en-US" altLang="ko-KR" sz="2000" dirty="0">
               <a:solidFill>
                 <a:schemeClr val="bg1">
                   <a:lumMod val="50000"/>
@@ -32364,6 +32352,101 @@
           </a:fontRef>
         </p:style>
       </p:cxnSp>
+      <p:sp>
+        <p:nvSpPr>
+          <p:cNvPr id="2" name="직사각형 1"/>
+          <p:cNvSpPr/>
+          <p:nvPr/>
+        </p:nvSpPr>
+        <p:spPr>
+          <a:xfrm>
+            <a:off x="567216" y="3386677"/>
+            <a:ext cx="5989140" cy="655372"/>
+          </a:xfrm>
+          <a:prstGeom prst="rect">
+            <a:avLst/>
+          </a:prstGeom>
+        </p:spPr>
+        <p:txBody>
+          <a:bodyPr wrap="none">
+            <a:spAutoFit/>
+          </a:bodyPr>
+          <a:lstStyle/>
+          <a:p>
+            <a:pPr lvl="0" eaLnBrk="0" fontAlgn="base" latinLnBrk="0" hangingPunct="0">
+              <a:lnSpc>
+                <a:spcPct val="150000"/>
+              </a:lnSpc>
+              <a:spcBef>
+                <a:spcPct val="0"/>
+              </a:spcBef>
+              <a:spcAft>
+                <a:spcPct val="0"/>
+              </a:spcAft>
+            </a:pPr>
+            <a:r>
+              <a:rPr lang="ko-KR" altLang="en-US" sz="2800" dirty="0">
+                <a:latin typeface="맑은 고딕" charset="-127"/>
+                <a:cs typeface="Times New Roman" charset="0"/>
+              </a:rPr>
+              <a:t>획득한 발열을 </a:t>
+            </a:r>
+            <a:r>
+              <a:rPr lang="en-US" altLang="ko-KR" sz="2800" dirty="0">
+                <a:solidFill>
+                  <a:srgbClr val="FF0000"/>
+                </a:solidFill>
+                <a:latin typeface="맑은 고딕" charset="-127"/>
+                <a:cs typeface="Times New Roman" charset="0"/>
+              </a:rPr>
+              <a:t>‘</a:t>
+            </a:r>
+            <a:r>
+              <a:rPr lang="ko-KR" altLang="en-US" sz="2800" dirty="0">
+                <a:solidFill>
+                  <a:srgbClr val="FF0000"/>
+                </a:solidFill>
+                <a:latin typeface="맑은 고딕" charset="-127"/>
+                <a:cs typeface="Times New Roman" charset="0"/>
+              </a:rPr>
+              <a:t>궁극기</a:t>
+            </a:r>
+            <a:r>
+              <a:rPr lang="en-US" altLang="ko-KR" sz="2800" dirty="0">
+                <a:solidFill>
+                  <a:srgbClr val="FF0000"/>
+                </a:solidFill>
+                <a:latin typeface="맑은 고딕" charset="-127"/>
+                <a:cs typeface="Times New Roman" charset="0"/>
+              </a:rPr>
+              <a:t>’</a:t>
+            </a:r>
+            <a:r>
+              <a:rPr lang="ko-KR" altLang="en-US" sz="2800" dirty="0">
+                <a:latin typeface="맑은 고딕" charset="-127"/>
+                <a:cs typeface="Times New Roman" charset="0"/>
+              </a:rPr>
+              <a:t>를 통해 방출</a:t>
+            </a:r>
+            <a:r>
+              <a:rPr lang="en-US" altLang="ko-KR" sz="2800" dirty="0">
+                <a:latin typeface="맑은 고딕" charset="-127"/>
+                <a:cs typeface="Times New Roman" charset="0"/>
+              </a:rPr>
+              <a:t>!</a:t>
+            </a:r>
+            <a:endParaRPr lang="ko-KR" altLang="ko-KR" sz="2000" dirty="0">
+              <a:solidFill>
+                <a:schemeClr val="bg1">
+                  <a:lumMod val="50000"/>
+                </a:schemeClr>
+              </a:solidFill>
+              <a:latin typeface="맑은 고딕" charset="-127"/>
+              <a:cs typeface="Times New Roman" charset="0"/>
+            </a:endParaRPr>
+          </a:p>
+        </p:txBody>
+      </p:sp>
     </p:spTree>
     <p:extLst>
       <p:ext uri="{BB962C8B-B14F-4D97-AF65-F5344CB8AC3E}">

--- a/documents/노루막이_김형준_신창섭_홍승필_허지훈.pptx
+++ b/documents/노루막이_김형준_신창섭_홍승필_허지훈.pptx
@@ -1,43 +1,43 @@
 
 <file path=ppt/presentation.xml><?xml version="1.0" encoding="utf-8"?>
-<p:presentation xmlns:a="http://schemas.openxmlformats.org/drawingml/2006/main" xmlns:r="http://schemas.openxmlformats.org/officeDocument/2006/relationships" xmlns:p="http://schemas.openxmlformats.org/presentationml/2006/main" saveSubsetFonts="1" autoCompressPictures="0">
+<p:presentation xmlns:a="http://schemas.openxmlformats.org/drawingml/2006/main" xmlns:r="http://schemas.openxmlformats.org/officeDocument/2006/relationships" xmlns:p="http://schemas.openxmlformats.org/presentationml/2006/main" xmlns:p14="http://schemas.microsoft.com/office/powerpoint/2010/main" saveSubsetFonts="1" autoCompressPictures="0">
   <p:sldMasterIdLst>
-    <p:sldMasterId id="2147483648" r:id="rId1"/>
+    <p:sldMasterId id="2147483660" r:id="rId13"/>
   </p:sldMasterIdLst>
   <p:notesMasterIdLst>
-    <p:notesMasterId r:id="rId29"/>
+    <p:notesMasterId r:id="rId17"/>
   </p:notesMasterIdLst>
   <p:handoutMasterIdLst>
-    <p:handoutMasterId r:id="rId30"/>
+    <p:handoutMasterId r:id="rId15"/>
   </p:handoutMasterIdLst>
   <p:sldIdLst>
-    <p:sldId id="264" r:id="rId2"/>
-    <p:sldId id="304" r:id="rId3"/>
-    <p:sldId id="416" r:id="rId4"/>
-    <p:sldId id="424" r:id="rId5"/>
-    <p:sldId id="415" r:id="rId6"/>
-    <p:sldId id="420" r:id="rId7"/>
-    <p:sldId id="419" r:id="rId8"/>
-    <p:sldId id="421" r:id="rId9"/>
-    <p:sldId id="422" r:id="rId10"/>
-    <p:sldId id="417" r:id="rId11"/>
-    <p:sldId id="418" r:id="rId12"/>
-    <p:sldId id="423" r:id="rId13"/>
-    <p:sldId id="399" r:id="rId14"/>
-    <p:sldId id="401" r:id="rId15"/>
-    <p:sldId id="391" r:id="rId16"/>
-    <p:sldId id="414" r:id="rId17"/>
-    <p:sldId id="273" r:id="rId18"/>
-    <p:sldId id="413" r:id="rId19"/>
-    <p:sldId id="402" r:id="rId20"/>
-    <p:sldId id="403" r:id="rId21"/>
-    <p:sldId id="357" r:id="rId22"/>
-    <p:sldId id="345" r:id="rId23"/>
-    <p:sldId id="384" r:id="rId24"/>
-    <p:sldId id="405" r:id="rId25"/>
-    <p:sldId id="346" r:id="rId26"/>
-    <p:sldId id="382" r:id="rId27"/>
-    <p:sldId id="347" r:id="rId28"/>
+    <p:sldId id="264" r:id="rId19"/>
+    <p:sldId id="304" r:id="rId21"/>
+    <p:sldId id="416" r:id="rId22"/>
+    <p:sldId id="424" r:id="rId23"/>
+    <p:sldId id="415" r:id="rId24"/>
+    <p:sldId id="420" r:id="rId26"/>
+    <p:sldId id="419" r:id="rId27"/>
+    <p:sldId id="421" r:id="rId28"/>
+    <p:sldId id="422" r:id="rId29"/>
+    <p:sldId id="417" r:id="rId31"/>
+    <p:sldId id="418" r:id="rId32"/>
+    <p:sldId id="423" r:id="rId33"/>
+    <p:sldId id="399" r:id="rId35"/>
+    <p:sldId id="401" r:id="rId36"/>
+    <p:sldId id="391" r:id="rId37"/>
+    <p:sldId id="414" r:id="rId38"/>
+    <p:sldId id="273" r:id="rId39"/>
+    <p:sldId id="413" r:id="rId41"/>
+    <p:sldId id="402" r:id="rId42"/>
+    <p:sldId id="403" r:id="rId43"/>
+    <p:sldId id="357" r:id="rId44"/>
+    <p:sldId id="345" r:id="rId45"/>
+    <p:sldId id="384" r:id="rId46"/>
+    <p:sldId id="405" r:id="rId48"/>
+    <p:sldId id="346" r:id="rId49"/>
+    <p:sldId id="382" r:id="rId50"/>
+    <p:sldId id="347" r:id="rId51"/>
   </p:sldIdLst>
   <p:sldSz cx="12192000" cy="6858000"/>
   <p:notesSz cx="6858000" cy="9144000"/>
@@ -137,20 +137,6 @@
     </a:lvl9pPr>
   </p:defaultTextStyle>
   <p:extLst>
-    <p:ext uri="{EFAFB233-063F-42B5-8137-9DF3F51BA10A}">
-      <p15:sldGuideLst xmlns:p15="http://schemas.microsoft.com/office/powerpoint/2012/main">
-        <p15:guide id="1" orient="horz" pos="2160" userDrawn="1">
-          <p15:clr>
-            <a:srgbClr val="A4A3A4"/>
-          </p15:clr>
-        </p15:guide>
-        <p15:guide id="2" pos="3816" userDrawn="1">
-          <p15:clr>
-            <a:srgbClr val="A4A3A4"/>
-          </p15:clr>
-        </p15:guide>
-      </p15:sldGuideLst>
-    </p:ext>
     <p:ext uri="{2D200454-40CA-4A62-9FC3-DE9A4176ACB9}">
       <p15:notesGuideLst xmlns:p15="http://schemas.microsoft.com/office/powerpoint/2012/main">
         <p15:guide id="1" orient="horz" pos="2880" userDrawn="1">
@@ -164,6 +150,20 @@
           </p15:clr>
         </p15:guide>
       </p15:notesGuideLst>
+    </p:ext>
+    <p:ext uri="{EFAFB233-063F-42B5-8137-9DF3F51BA10A}">
+      <p15:sldGuideLst xmlns:p15="http://schemas.microsoft.com/office/powerpoint/2012/main">
+        <p15:guide id="1" orient="horz" pos="2159" userDrawn="1">
+          <p15:clr>
+            <a:srgbClr val="A4A3A4"/>
+          </p15:clr>
+        </p15:guide>
+        <p15:guide id="2" pos="3815" userDrawn="1">
+          <p15:clr>
+            <a:srgbClr val="A4A3A4"/>
+          </p15:clr>
+        </p15:guide>
+      </p15:sldGuideLst>
     </p:ext>
   </p:extLst>
 </p:presentation>
@@ -795,7 +795,7 @@
 </p:notes>
 </file>
 
-<file path=ppt/notesSlides/notesSlide2.xml><?xml version="1.0" encoding="utf-8"?>
+<file path=ppt/notesSlides/notesSlide12.xml><?xml version="1.0" encoding="utf-8"?>
 <p:notes xmlns:a="http://schemas.openxmlformats.org/drawingml/2006/main" xmlns:r="http://schemas.openxmlformats.org/officeDocument/2006/relationships" xmlns:p="http://schemas.openxmlformats.org/presentationml/2006/main">
   <p:cSld>
     <p:spTree>
@@ -839,7 +839,7 @@
           <a:bodyPr/>
           <a:lstStyle/>
           <a:p>
-            <a:endParaRPr kumimoji="1" lang="ko-KR" altLang="en-US" dirty="0"/>
+            <a:endParaRPr kumimoji="1" lang="ko-KR" altLang="en-US"/>
           </a:p>
         </p:txBody>
       </p:sp>
@@ -860,7 +860,7 @@
           <a:p>
             <a:fld id="{D39C498E-0BA9-4748-85A3-59023D192E99}" type="slidenum">
               <a:rPr kumimoji="1" lang="ko-KR" altLang="en-US" smtClean="0"/>
-              <a:t>5</a:t>
+              <a:t>12</a:t>
             </a:fld>
             <a:endParaRPr kumimoji="1" lang="ko-KR" altLang="en-US"/>
           </a:p>
@@ -869,7 +869,7 @@
     </p:spTree>
     <p:extLst>
       <p:ext uri="{BB962C8B-B14F-4D97-AF65-F5344CB8AC3E}">
-        <p14:creationId xmlns:p14="http://schemas.microsoft.com/office/powerpoint/2010/main" val="2087433341"/>
+        <p14:creationId xmlns:p14="http://schemas.microsoft.com/office/powerpoint/2010/main" val="2051877360"/>
       </p:ext>
     </p:extLst>
   </p:cSld>
@@ -879,7 +879,7 @@
 </p:notes>
 </file>
 
-<file path=ppt/notesSlides/notesSlide3.xml><?xml version="1.0" encoding="utf-8"?>
+<file path=ppt/notesSlides/notesSlide17.xml><?xml version="1.0" encoding="utf-8"?>
 <p:notes xmlns:a="http://schemas.openxmlformats.org/drawingml/2006/main" xmlns:r="http://schemas.openxmlformats.org/officeDocument/2006/relationships" xmlns:p="http://schemas.openxmlformats.org/presentationml/2006/main">
   <p:cSld>
     <p:spTree>
@@ -923,7 +923,7 @@
           <a:bodyPr/>
           <a:lstStyle/>
           <a:p>
-            <a:endParaRPr kumimoji="1" lang="ko-KR" altLang="en-US"/>
+            <a:endParaRPr kumimoji="1" lang="ko-KR" altLang="en-US" dirty="0"/>
           </a:p>
         </p:txBody>
       </p:sp>
@@ -944,7 +944,7 @@
           <a:p>
             <a:fld id="{D39C498E-0BA9-4748-85A3-59023D192E99}" type="slidenum">
               <a:rPr kumimoji="1" lang="ko-KR" altLang="en-US" smtClean="0"/>
-              <a:t>9</a:t>
+              <a:t>17</a:t>
             </a:fld>
             <a:endParaRPr kumimoji="1" lang="ko-KR" altLang="en-US"/>
           </a:p>
@@ -953,7 +953,7 @@
     </p:spTree>
     <p:extLst>
       <p:ext uri="{BB962C8B-B14F-4D97-AF65-F5344CB8AC3E}">
-        <p14:creationId xmlns:p14="http://schemas.microsoft.com/office/powerpoint/2010/main" val="1044297920"/>
+        <p14:creationId xmlns:p14="http://schemas.microsoft.com/office/powerpoint/2010/main" val="774031093"/>
       </p:ext>
     </p:extLst>
   </p:cSld>
@@ -963,7 +963,7 @@
 </p:notes>
 </file>
 
-<file path=ppt/notesSlides/notesSlide4.xml><?xml version="1.0" encoding="utf-8"?>
+<file path=ppt/notesSlides/notesSlide23.xml><?xml version="1.0" encoding="utf-8"?>
 <p:notes xmlns:a="http://schemas.openxmlformats.org/drawingml/2006/main" xmlns:r="http://schemas.openxmlformats.org/officeDocument/2006/relationships" xmlns:p="http://schemas.openxmlformats.org/presentationml/2006/main">
   <p:cSld>
     <p:spTree>
@@ -1007,7 +1007,7 @@
           <a:bodyPr/>
           <a:lstStyle/>
           <a:p>
-            <a:endParaRPr kumimoji="1" lang="ko-KR" altLang="en-US"/>
+            <a:endParaRPr kumimoji="1" lang="ko-KR" altLang="en-US" dirty="0"/>
           </a:p>
         </p:txBody>
       </p:sp>
@@ -1028,7 +1028,7 @@
           <a:p>
             <a:fld id="{D39C498E-0BA9-4748-85A3-59023D192E99}" type="slidenum">
               <a:rPr kumimoji="1" lang="ko-KR" altLang="en-US" smtClean="0"/>
-              <a:t>12</a:t>
+              <a:t>23</a:t>
             </a:fld>
             <a:endParaRPr kumimoji="1" lang="ko-KR" altLang="en-US"/>
           </a:p>
@@ -1037,7 +1037,7 @@
     </p:spTree>
     <p:extLst>
       <p:ext uri="{BB962C8B-B14F-4D97-AF65-F5344CB8AC3E}">
-        <p14:creationId xmlns:p14="http://schemas.microsoft.com/office/powerpoint/2010/main" val="2051877360"/>
+        <p14:creationId xmlns:p14="http://schemas.microsoft.com/office/powerpoint/2010/main" val="704854212"/>
       </p:ext>
     </p:extLst>
   </p:cSld>
@@ -1112,7 +1112,7 @@
           <a:p>
             <a:fld id="{D39C498E-0BA9-4748-85A3-59023D192E99}" type="slidenum">
               <a:rPr kumimoji="1" lang="ko-KR" altLang="en-US" smtClean="0"/>
-              <a:t>17</a:t>
+              <a:t>5</a:t>
             </a:fld>
             <a:endParaRPr kumimoji="1" lang="ko-KR" altLang="en-US"/>
           </a:p>
@@ -1121,7 +1121,7 @@
     </p:spTree>
     <p:extLst>
       <p:ext uri="{BB962C8B-B14F-4D97-AF65-F5344CB8AC3E}">
-        <p14:creationId xmlns:p14="http://schemas.microsoft.com/office/powerpoint/2010/main" val="774031093"/>
+        <p14:creationId xmlns:p14="http://schemas.microsoft.com/office/powerpoint/2010/main" val="2087433341"/>
       </p:ext>
     </p:extLst>
   </p:cSld>
@@ -1131,7 +1131,7 @@
 </p:notes>
 </file>
 
-<file path=ppt/notesSlides/notesSlide6.xml><?xml version="1.0" encoding="utf-8"?>
+<file path=ppt/notesSlides/notesSlide9.xml><?xml version="1.0" encoding="utf-8"?>
 <p:notes xmlns:a="http://schemas.openxmlformats.org/drawingml/2006/main" xmlns:r="http://schemas.openxmlformats.org/officeDocument/2006/relationships" xmlns:p="http://schemas.openxmlformats.org/presentationml/2006/main">
   <p:cSld>
     <p:spTree>
@@ -1175,7 +1175,7 @@
           <a:bodyPr/>
           <a:lstStyle/>
           <a:p>
-            <a:endParaRPr kumimoji="1" lang="ko-KR" altLang="en-US" dirty="0"/>
+            <a:endParaRPr kumimoji="1" lang="ko-KR" altLang="en-US"/>
           </a:p>
         </p:txBody>
       </p:sp>
@@ -1196,7 +1196,7 @@
           <a:p>
             <a:fld id="{D39C498E-0BA9-4748-85A3-59023D192E99}" type="slidenum">
               <a:rPr kumimoji="1" lang="ko-KR" altLang="en-US" smtClean="0"/>
-              <a:t>23</a:t>
+              <a:t>9</a:t>
             </a:fld>
             <a:endParaRPr kumimoji="1" lang="ko-KR" altLang="en-US"/>
           </a:p>
@@ -1205,7 +1205,7 @@
     </p:spTree>
     <p:extLst>
       <p:ext uri="{BB962C8B-B14F-4D97-AF65-F5344CB8AC3E}">
-        <p14:creationId xmlns:p14="http://schemas.microsoft.com/office/powerpoint/2010/main" val="704854212"/>
+        <p14:creationId xmlns:p14="http://schemas.microsoft.com/office/powerpoint/2010/main" val="1044297920"/>
       </p:ext>
     </p:extLst>
   </p:cSld>
@@ -21546,7 +21546,7 @@
 </file>
 
 <file path=ppt/slides/slide25.xml><?xml version="1.0" encoding="utf-8"?>
-<p:sld xmlns:a="http://schemas.openxmlformats.org/drawingml/2006/main" xmlns:r="http://schemas.openxmlformats.org/officeDocument/2006/relationships" xmlns:p="http://schemas.openxmlformats.org/presentationml/2006/main">
+<p:sld xmlns:a="http://schemas.openxmlformats.org/drawingml/2006/main" xmlns:r="http://schemas.openxmlformats.org/officeDocument/2006/relationships" xmlns:p="http://schemas.openxmlformats.org/presentationml/2006/main" xmlns:p14="http://schemas.microsoft.com/office/powerpoint/2010/main">
   <p:cSld>
     <p:spTree>
       <p:nvGrpSpPr>
@@ -21570,8 +21570,8 @@
         </p:nvSpPr>
         <p:spPr>
           <a:xfrm>
-            <a:off x="0" y="-5140"/>
-            <a:ext cx="12192000" cy="6863140"/>
+            <a:off x="0" y="-5080"/>
+            <a:ext cx="12192000" cy="6863080"/>
           </a:xfrm>
           <a:prstGeom prst="rect">
             <a:avLst/>
@@ -21618,7 +21618,7 @@
         </p:nvCxnSpPr>
         <p:spPr>
           <a:xfrm>
-            <a:off x="0" y="1651418"/>
+            <a:off x="0" y="1651635"/>
             <a:ext cx="12192000" cy="0"/>
           </a:xfrm>
           <a:prstGeom prst="line">
@@ -21653,8 +21653,8 @@
         </p:nvSpPr>
         <p:spPr>
           <a:xfrm>
-            <a:off x="268941" y="333127"/>
-            <a:ext cx="4437433" cy="707886"/>
+            <a:off x="269240" y="333375"/>
+            <a:ext cx="4437380" cy="708025"/>
           </a:xfrm>
           <a:prstGeom prst="rect">
             <a:avLst/>
@@ -21716,8 +21716,8 @@
         </p:nvSpPr>
         <p:spPr>
           <a:xfrm>
-            <a:off x="3956834" y="1369836"/>
-            <a:ext cx="831382" cy="563163"/>
+            <a:off x="3956685" y="1369695"/>
+            <a:ext cx="831215" cy="563245"/>
           </a:xfrm>
           <a:prstGeom prst="roundRect">
             <a:avLst/>
@@ -21774,8 +21774,8 @@
         </p:nvSpPr>
         <p:spPr>
           <a:xfrm>
-            <a:off x="5110647" y="1369837"/>
-            <a:ext cx="831382" cy="563162"/>
+            <a:off x="5110480" y="1369695"/>
+            <a:ext cx="831215" cy="563245"/>
           </a:xfrm>
           <a:prstGeom prst="roundRect">
             <a:avLst/>
@@ -21832,8 +21832,8 @@
         </p:nvSpPr>
         <p:spPr>
           <a:xfrm>
-            <a:off x="6264460" y="1369837"/>
-            <a:ext cx="831382" cy="563162"/>
+            <a:off x="6264275" y="1369695"/>
+            <a:ext cx="831215" cy="563245"/>
           </a:xfrm>
           <a:prstGeom prst="roundRect">
             <a:avLst/>
@@ -21890,8 +21890,8 @@
         </p:nvSpPr>
         <p:spPr>
           <a:xfrm>
-            <a:off x="8572086" y="1369837"/>
-            <a:ext cx="831382" cy="563162"/>
+            <a:off x="8571865" y="1369695"/>
+            <a:ext cx="831215" cy="563245"/>
           </a:xfrm>
           <a:prstGeom prst="roundRect">
             <a:avLst/>
@@ -21948,8 +21948,8 @@
         </p:nvSpPr>
         <p:spPr>
           <a:xfrm>
-            <a:off x="9725899" y="1369837"/>
-            <a:ext cx="831382" cy="563162"/>
+            <a:off x="9725660" y="1369695"/>
+            <a:ext cx="831215" cy="563245"/>
           </a:xfrm>
           <a:prstGeom prst="roundRect">
             <a:avLst/>
@@ -22006,8 +22006,8 @@
         </p:nvSpPr>
         <p:spPr>
           <a:xfrm>
-            <a:off x="2803021" y="2112384"/>
-            <a:ext cx="2001794" cy="455892"/>
+            <a:off x="2802890" y="2112645"/>
+            <a:ext cx="2001520" cy="455930"/>
           </a:xfrm>
           <a:prstGeom prst="roundRect">
             <a:avLst/>
@@ -22059,8 +22059,8 @@
         </p:nvSpPr>
         <p:spPr>
           <a:xfrm>
-            <a:off x="7418273" y="1369837"/>
-            <a:ext cx="831382" cy="563162"/>
+            <a:off x="7418070" y="1369695"/>
+            <a:ext cx="831215" cy="563245"/>
           </a:xfrm>
           <a:prstGeom prst="roundRect">
             <a:avLst/>
@@ -22117,8 +22117,8 @@
         </p:nvSpPr>
         <p:spPr>
           <a:xfrm>
-            <a:off x="10879710" y="1369837"/>
-            <a:ext cx="831382" cy="563162"/>
+            <a:off x="10879455" y="1369695"/>
+            <a:ext cx="831215" cy="563245"/>
           </a:xfrm>
           <a:prstGeom prst="roundRect">
             <a:avLst/>
@@ -22175,8 +22175,8 @@
         </p:nvSpPr>
         <p:spPr>
           <a:xfrm>
-            <a:off x="495395" y="1369836"/>
-            <a:ext cx="831382" cy="563163"/>
+            <a:off x="495300" y="1369695"/>
+            <a:ext cx="831215" cy="563245"/>
           </a:xfrm>
           <a:prstGeom prst="roundRect">
             <a:avLst/>
@@ -22257,8 +22257,8 @@
         </p:nvSpPr>
         <p:spPr>
           <a:xfrm>
-            <a:off x="1649208" y="1369836"/>
-            <a:ext cx="831382" cy="563163"/>
+            <a:off x="1649095" y="1369695"/>
+            <a:ext cx="831215" cy="563245"/>
           </a:xfrm>
           <a:prstGeom prst="roundRect">
             <a:avLst/>
@@ -22315,8 +22315,8 @@
         </p:nvSpPr>
         <p:spPr>
           <a:xfrm>
-            <a:off x="2803021" y="1369836"/>
-            <a:ext cx="831382" cy="563163"/>
+            <a:off x="2802890" y="1369695"/>
+            <a:ext cx="831215" cy="563245"/>
           </a:xfrm>
           <a:prstGeom prst="roundRect">
             <a:avLst/>
@@ -22397,8 +22397,8 @@
         </p:nvSpPr>
         <p:spPr>
           <a:xfrm>
-            <a:off x="6680150" y="5517870"/>
-            <a:ext cx="3877131" cy="455892"/>
+            <a:off x="6680200" y="5518150"/>
+            <a:ext cx="3877310" cy="455930"/>
           </a:xfrm>
           <a:prstGeom prst="roundRect">
             <a:avLst/>
@@ -22450,8 +22450,8 @@
         </p:nvSpPr>
         <p:spPr>
           <a:xfrm>
-            <a:off x="9725899" y="6104239"/>
-            <a:ext cx="1985192" cy="455892"/>
+            <a:off x="9725660" y="6104255"/>
+            <a:ext cx="1985010" cy="455930"/>
           </a:xfrm>
           <a:prstGeom prst="roundRect">
             <a:avLst/>
@@ -22510,8 +22510,8 @@
         </p:nvSpPr>
         <p:spPr>
           <a:xfrm>
-            <a:off x="4788216" y="2698750"/>
-            <a:ext cx="1022035" cy="455892"/>
+            <a:off x="4787900" y="2698750"/>
+            <a:ext cx="1022350" cy="455930"/>
           </a:xfrm>
           <a:prstGeom prst="roundRect">
             <a:avLst/>
@@ -22568,8 +22568,8 @@
         </p:nvSpPr>
         <p:spPr>
           <a:xfrm>
-            <a:off x="4788216" y="3285116"/>
-            <a:ext cx="1022035" cy="929548"/>
+            <a:off x="4787900" y="3284855"/>
+            <a:ext cx="1022985" cy="930275"/>
           </a:xfrm>
           <a:prstGeom prst="roundRect">
             <a:avLst/>
@@ -22598,50 +22598,105 @@
           </a:fontRef>
         </p:style>
         <p:txBody>
-          <a:bodyPr lIns="0" tIns="0" rIns="0" bIns="0" rtlCol="0" anchor="ctr"/>
+          <a:bodyPr wrap="square" lIns="0" tIns="0" rIns="0" bIns="0" numCol="1" vert="horz" anchor="ctr">
+            <a:noAutofit/>
+          </a:bodyPr>
           <a:lstStyle/>
           <a:p>
-            <a:pPr algn="ctr"/>
-            <a:r>
-              <a:rPr kumimoji="1" lang="ko-KR" altLang="en-US" sz="1600" dirty="0">
+            <a:pPr marL="0" indent="0" algn="ctr" fontAlgn="auto" defTabSz="914400" eaLnBrk="0">
+              <a:lnSpc>
+                <a:spcPct val="100000"/>
+              </a:lnSpc>
+              <a:spcBef>
+                <a:spcPts val="0"/>
+              </a:spcBef>
+              <a:spcAft>
+                <a:spcPts val="0"/>
+              </a:spcAft>
+              <a:buFontTx/>
+              <a:buNone/>
+            </a:pPr>
+            <a:r>
+              <a:rPr lang="en-US" altLang="ko-KR" sz="1600" cap="none" dirty="0" smtClean="0" b="0">
                 <a:solidFill>
                   <a:schemeClr val="bg1"/>
                 </a:solidFill>
+                <a:latin typeface="맑은 고딕" charset="0"/>
+                <a:ea typeface="맑은 고딕" charset="0"/>
               </a:rPr>
               <a:t>디퓨즈</a:t>
             </a:r>
-            <a:endParaRPr kumimoji="1" lang="en-US" altLang="ko-KR" sz="1600" dirty="0">
+            <a:endParaRPr lang="ko-KR" altLang="en-US" sz="1600" cap="none" dirty="0" smtClean="0" b="0">
               <a:solidFill>
                 <a:schemeClr val="bg1"/>
               </a:solidFill>
+              <a:latin typeface="맑은 고딕" charset="0"/>
+              <a:ea typeface="맑은 고딕" charset="0"/>
             </a:endParaRPr>
           </a:p>
           <a:p>
-            <a:pPr algn="ctr"/>
-            <a:r>
-              <a:rPr kumimoji="1" lang="ko-KR" altLang="en-US" sz="1600" dirty="0">
+            <a:pPr marL="0" indent="0" algn="ctr" fontAlgn="auto" defTabSz="914400" eaLnBrk="0">
+              <a:lnSpc>
+                <a:spcPct val="100000"/>
+              </a:lnSpc>
+              <a:spcBef>
+                <a:spcPts val="0"/>
+              </a:spcBef>
+              <a:spcAft>
+                <a:spcPts val="0"/>
+              </a:spcAft>
+              <a:buFontTx/>
+              <a:buNone/>
+            </a:pPr>
+            <a:r>
+              <a:rPr lang="en-US" altLang="ko-KR" sz="1600" cap="none" dirty="0" smtClean="0" b="0">
                 <a:solidFill>
                   <a:schemeClr val="bg1"/>
                 </a:solidFill>
-              </a:rPr>
-              <a:t>스펙쿨러</a:t>
-            </a:r>
-            <a:endParaRPr kumimoji="1" lang="en-US" altLang="ko-KR" sz="1600" dirty="0">
+                <a:latin typeface="맑은 고딕" charset="0"/>
+                <a:ea typeface="맑은 고딕" charset="0"/>
+              </a:rPr>
+              <a:t>스펙큘러</a:t>
+            </a:r>
+            <a:endParaRPr lang="ko-KR" altLang="en-US" sz="1600" cap="none" dirty="0" smtClean="0" b="0">
               <a:solidFill>
                 <a:schemeClr val="bg1"/>
               </a:solidFill>
+              <a:latin typeface="맑은 고딕" charset="0"/>
+              <a:ea typeface="맑은 고딕" charset="0"/>
             </a:endParaRPr>
           </a:p>
           <a:p>
-            <a:pPr algn="ctr"/>
-            <a:r>
-              <a:rPr kumimoji="1" lang="ko-KR" altLang="en-US" sz="1600" dirty="0">
+            <a:pPr marL="0" indent="0" algn="ctr" fontAlgn="auto" defTabSz="914400" eaLnBrk="0">
+              <a:lnSpc>
+                <a:spcPct val="100000"/>
+              </a:lnSpc>
+              <a:spcBef>
+                <a:spcPts val="0"/>
+              </a:spcBef>
+              <a:spcAft>
+                <a:spcPts val="0"/>
+              </a:spcAft>
+              <a:buFontTx/>
+              <a:buNone/>
+            </a:pPr>
+            <a:r>
+              <a:rPr lang="en-US" altLang="ko-KR" sz="1600" cap="none" dirty="0" smtClean="0" b="0">
                 <a:solidFill>
                   <a:schemeClr val="bg1"/>
                 </a:solidFill>
+                <a:latin typeface="맑은 고딕" charset="0"/>
+                <a:ea typeface="맑은 고딕" charset="0"/>
               </a:rPr>
               <a:t>매핑</a:t>
             </a:r>
+            <a:endParaRPr lang="ko-KR" altLang="en-US" sz="1600" cap="none" dirty="0" smtClean="0" b="0">
+              <a:solidFill>
+                <a:schemeClr val="bg1"/>
+              </a:solidFill>
+              <a:latin typeface="맑은 고딕" charset="0"/>
+              <a:ea typeface="맑은 고딕" charset="0"/>
+            </a:endParaRPr>
           </a:p>
         </p:txBody>
       </p:sp>
@@ -22653,8 +22708,8 @@
         </p:nvSpPr>
         <p:spPr>
           <a:xfrm>
-            <a:off x="5836925" y="4345138"/>
-            <a:ext cx="843225" cy="455892"/>
+            <a:off x="5836920" y="4345305"/>
+            <a:ext cx="843280" cy="455930"/>
           </a:xfrm>
           <a:prstGeom prst="roundRect">
             <a:avLst/>
@@ -22711,8 +22766,8 @@
         </p:nvSpPr>
         <p:spPr>
           <a:xfrm>
-            <a:off x="6680150" y="4931504"/>
-            <a:ext cx="1569505" cy="455892"/>
+            <a:off x="6680200" y="4931410"/>
+            <a:ext cx="1569720" cy="455930"/>
           </a:xfrm>
           <a:prstGeom prst="roundRect">
             <a:avLst/>
@@ -22782,9 +22837,18 @@
   <p:clrMapOvr>
     <a:masterClrMapping/>
   </p:clrMapOvr>
-  <p:transition spd="slow">
-    <p:push/>
-  </p:transition>
+  <mc:AlternateContent xmlns:mc="http://schemas.openxmlformats.org/markup-compatibility/2006">
+    <mc:Choice xmlns:p14="http://schemas.microsoft.com/office/powerpoint/2010/main" Requires="p14">
+      <p:transition spd="slow" p14:dur="1000">
+        <p:push dir="l"/>
+      </p:transition>
+    </mc:Choice>
+    <mc:Fallback>
+      <p:transition spd="slow">
+        <p:push dir="l"/>
+      </p:transition>
+    </mc:Fallback>
+  </mc:AlternateContent>
   <p:timing>
     <p:tnLst>
       <p:par>

--- a/documents/노루막이_김형준_신창섭_홍승필_허지훈.pptx
+++ b/documents/노루막이_김형준_신창섭_홍승필_허지훈.pptx
@@ -1,43 +1,43 @@
 
 <file path=ppt/presentation.xml><?xml version="1.0" encoding="utf-8"?>
-<p:presentation xmlns:a="http://schemas.openxmlformats.org/drawingml/2006/main" xmlns:r="http://schemas.openxmlformats.org/officeDocument/2006/relationships" xmlns:p="http://schemas.openxmlformats.org/presentationml/2006/main" xmlns:p14="http://schemas.microsoft.com/office/powerpoint/2010/main" saveSubsetFonts="1" autoCompressPictures="0">
+<p:presentation xmlns:a="http://schemas.openxmlformats.org/drawingml/2006/main" xmlns:r="http://schemas.openxmlformats.org/officeDocument/2006/relationships" xmlns:p="http://schemas.openxmlformats.org/presentationml/2006/main" saveSubsetFonts="1" autoCompressPictures="0">
   <p:sldMasterIdLst>
-    <p:sldMasterId id="2147483660" r:id="rId13"/>
+    <p:sldMasterId id="2147483660" r:id="rId1"/>
   </p:sldMasterIdLst>
   <p:notesMasterIdLst>
-    <p:notesMasterId r:id="rId17"/>
+    <p:notesMasterId r:id="rId29"/>
   </p:notesMasterIdLst>
   <p:handoutMasterIdLst>
-    <p:handoutMasterId r:id="rId15"/>
+    <p:handoutMasterId r:id="rId30"/>
   </p:handoutMasterIdLst>
   <p:sldIdLst>
-    <p:sldId id="264" r:id="rId19"/>
-    <p:sldId id="304" r:id="rId21"/>
-    <p:sldId id="416" r:id="rId22"/>
-    <p:sldId id="424" r:id="rId23"/>
-    <p:sldId id="415" r:id="rId24"/>
-    <p:sldId id="420" r:id="rId26"/>
-    <p:sldId id="419" r:id="rId27"/>
-    <p:sldId id="421" r:id="rId28"/>
-    <p:sldId id="422" r:id="rId29"/>
-    <p:sldId id="417" r:id="rId31"/>
-    <p:sldId id="418" r:id="rId32"/>
-    <p:sldId id="423" r:id="rId33"/>
-    <p:sldId id="399" r:id="rId35"/>
-    <p:sldId id="401" r:id="rId36"/>
-    <p:sldId id="391" r:id="rId37"/>
-    <p:sldId id="414" r:id="rId38"/>
-    <p:sldId id="273" r:id="rId39"/>
-    <p:sldId id="413" r:id="rId41"/>
-    <p:sldId id="402" r:id="rId42"/>
-    <p:sldId id="403" r:id="rId43"/>
-    <p:sldId id="357" r:id="rId44"/>
-    <p:sldId id="345" r:id="rId45"/>
-    <p:sldId id="384" r:id="rId46"/>
-    <p:sldId id="405" r:id="rId48"/>
-    <p:sldId id="346" r:id="rId49"/>
-    <p:sldId id="382" r:id="rId50"/>
-    <p:sldId id="347" r:id="rId51"/>
+    <p:sldId id="264" r:id="rId2"/>
+    <p:sldId id="304" r:id="rId3"/>
+    <p:sldId id="416" r:id="rId4"/>
+    <p:sldId id="424" r:id="rId5"/>
+    <p:sldId id="415" r:id="rId6"/>
+    <p:sldId id="420" r:id="rId7"/>
+    <p:sldId id="419" r:id="rId8"/>
+    <p:sldId id="421" r:id="rId9"/>
+    <p:sldId id="422" r:id="rId10"/>
+    <p:sldId id="417" r:id="rId11"/>
+    <p:sldId id="418" r:id="rId12"/>
+    <p:sldId id="423" r:id="rId13"/>
+    <p:sldId id="399" r:id="rId14"/>
+    <p:sldId id="401" r:id="rId15"/>
+    <p:sldId id="391" r:id="rId16"/>
+    <p:sldId id="414" r:id="rId17"/>
+    <p:sldId id="273" r:id="rId18"/>
+    <p:sldId id="413" r:id="rId19"/>
+    <p:sldId id="402" r:id="rId20"/>
+    <p:sldId id="403" r:id="rId21"/>
+    <p:sldId id="357" r:id="rId22"/>
+    <p:sldId id="345" r:id="rId23"/>
+    <p:sldId id="384" r:id="rId24"/>
+    <p:sldId id="405" r:id="rId25"/>
+    <p:sldId id="346" r:id="rId26"/>
+    <p:sldId id="382" r:id="rId27"/>
+    <p:sldId id="347" r:id="rId28"/>
   </p:sldIdLst>
   <p:sldSz cx="12192000" cy="6858000"/>
   <p:notesSz cx="6858000" cy="9144000"/>
@@ -137,6 +137,20 @@
     </a:lvl9pPr>
   </p:defaultTextStyle>
   <p:extLst>
+    <p:ext uri="{EFAFB233-063F-42B5-8137-9DF3F51BA10A}">
+      <p15:sldGuideLst xmlns:p15="http://schemas.microsoft.com/office/powerpoint/2012/main">
+        <p15:guide id="1" orient="horz" pos="2184" userDrawn="1">
+          <p15:clr>
+            <a:srgbClr val="A4A3A4"/>
+          </p15:clr>
+        </p15:guide>
+        <p15:guide id="2" pos="3815" userDrawn="1">
+          <p15:clr>
+            <a:srgbClr val="A4A3A4"/>
+          </p15:clr>
+        </p15:guide>
+      </p15:sldGuideLst>
+    </p:ext>
     <p:ext uri="{2D200454-40CA-4A62-9FC3-DE9A4176ACB9}">
       <p15:notesGuideLst xmlns:p15="http://schemas.microsoft.com/office/powerpoint/2012/main">
         <p15:guide id="1" orient="horz" pos="2880" userDrawn="1">
@@ -149,21 +163,17 @@
             <a:srgbClr val="A4A3A4"/>
           </p15:clr>
         </p15:guide>
-      </p15:notesGuideLst>
-    </p:ext>
-    <p:ext uri="{EFAFB233-063F-42B5-8137-9DF3F51BA10A}">
-      <p15:sldGuideLst xmlns:p15="http://schemas.microsoft.com/office/powerpoint/2012/main">
-        <p15:guide id="1" orient="horz" pos="2159" userDrawn="1">
+        <p15:guide id="3" orient="horz" pos="2159">
           <p15:clr>
             <a:srgbClr val="A4A3A4"/>
           </p15:clr>
         </p15:guide>
-        <p15:guide id="2" pos="3815" userDrawn="1">
+        <p15:guide id="4" pos="3815">
           <p15:clr>
             <a:srgbClr val="A4A3A4"/>
           </p15:clr>
         </p15:guide>
-      </p15:sldGuideLst>
+      </p15:notesGuideLst>
     </p:ext>
   </p:extLst>
 </p:presentation>
@@ -251,7 +261,7 @@
           <a:p>
             <a:fld id="{C0784820-E37F-9245-812A-8C2941EBBF6C}" type="datetimeFigureOut">
               <a:rPr kumimoji="1" lang="ko-KR" altLang="en-US" smtClean="0"/>
-              <a:t>2016. 12. 16.</a:t>
+              <a:t>2016. 12. 19.</a:t>
             </a:fld>
             <a:endParaRPr kumimoji="1" lang="ko-KR" altLang="en-US"/>
           </a:p>
@@ -416,7 +426,7 @@
           <a:p>
             <a:fld id="{ABD44343-005F-DA4E-8CE2-D84E76ABEFED}" type="datetimeFigureOut">
               <a:rPr kumimoji="1" lang="ko-KR" altLang="en-US" smtClean="0"/>
-              <a:t>2016. 12. 16.</a:t>
+              <a:t>2016. 12. 19.</a:t>
             </a:fld>
             <a:endParaRPr kumimoji="1" lang="ko-KR" altLang="en-US"/>
           </a:p>
@@ -795,7 +805,7 @@
 </p:notes>
 </file>
 
-<file path=ppt/notesSlides/notesSlide12.xml><?xml version="1.0" encoding="utf-8"?>
+<file path=ppt/notesSlides/notesSlide2.xml><?xml version="1.0" encoding="utf-8"?>
 <p:notes xmlns:a="http://schemas.openxmlformats.org/drawingml/2006/main" xmlns:r="http://schemas.openxmlformats.org/officeDocument/2006/relationships" xmlns:p="http://schemas.openxmlformats.org/presentationml/2006/main">
   <p:cSld>
     <p:spTree>
@@ -839,7 +849,7 @@
           <a:bodyPr/>
           <a:lstStyle/>
           <a:p>
-            <a:endParaRPr kumimoji="1" lang="ko-KR" altLang="en-US"/>
+            <a:endParaRPr kumimoji="1" lang="ko-KR" altLang="en-US" dirty="0"/>
           </a:p>
         </p:txBody>
       </p:sp>
@@ -860,7 +870,7 @@
           <a:p>
             <a:fld id="{D39C498E-0BA9-4748-85A3-59023D192E99}" type="slidenum">
               <a:rPr kumimoji="1" lang="ko-KR" altLang="en-US" smtClean="0"/>
-              <a:t>12</a:t>
+              <a:t>5</a:t>
             </a:fld>
             <a:endParaRPr kumimoji="1" lang="ko-KR" altLang="en-US"/>
           </a:p>
@@ -869,7 +879,7 @@
     </p:spTree>
     <p:extLst>
       <p:ext uri="{BB962C8B-B14F-4D97-AF65-F5344CB8AC3E}">
-        <p14:creationId xmlns:p14="http://schemas.microsoft.com/office/powerpoint/2010/main" val="2051877360"/>
+        <p14:creationId xmlns:p14="http://schemas.microsoft.com/office/powerpoint/2010/main" val="2087433341"/>
       </p:ext>
     </p:extLst>
   </p:cSld>
@@ -879,7 +889,7 @@
 </p:notes>
 </file>
 
-<file path=ppt/notesSlides/notesSlide17.xml><?xml version="1.0" encoding="utf-8"?>
+<file path=ppt/notesSlides/notesSlide3.xml><?xml version="1.0" encoding="utf-8"?>
 <p:notes xmlns:a="http://schemas.openxmlformats.org/drawingml/2006/main" xmlns:r="http://schemas.openxmlformats.org/officeDocument/2006/relationships" xmlns:p="http://schemas.openxmlformats.org/presentationml/2006/main">
   <p:cSld>
     <p:spTree>
@@ -923,7 +933,7 @@
           <a:bodyPr/>
           <a:lstStyle/>
           <a:p>
-            <a:endParaRPr kumimoji="1" lang="ko-KR" altLang="en-US" dirty="0"/>
+            <a:endParaRPr kumimoji="1" lang="ko-KR" altLang="en-US"/>
           </a:p>
         </p:txBody>
       </p:sp>
@@ -944,7 +954,7 @@
           <a:p>
             <a:fld id="{D39C498E-0BA9-4748-85A3-59023D192E99}" type="slidenum">
               <a:rPr kumimoji="1" lang="ko-KR" altLang="en-US" smtClean="0"/>
-              <a:t>17</a:t>
+              <a:t>9</a:t>
             </a:fld>
             <a:endParaRPr kumimoji="1" lang="ko-KR" altLang="en-US"/>
           </a:p>
@@ -953,7 +963,7 @@
     </p:spTree>
     <p:extLst>
       <p:ext uri="{BB962C8B-B14F-4D97-AF65-F5344CB8AC3E}">
-        <p14:creationId xmlns:p14="http://schemas.microsoft.com/office/powerpoint/2010/main" val="774031093"/>
+        <p14:creationId xmlns:p14="http://schemas.microsoft.com/office/powerpoint/2010/main" val="1044297920"/>
       </p:ext>
     </p:extLst>
   </p:cSld>
@@ -963,7 +973,7 @@
 </p:notes>
 </file>
 
-<file path=ppt/notesSlides/notesSlide23.xml><?xml version="1.0" encoding="utf-8"?>
+<file path=ppt/notesSlides/notesSlide4.xml><?xml version="1.0" encoding="utf-8"?>
 <p:notes xmlns:a="http://schemas.openxmlformats.org/drawingml/2006/main" xmlns:r="http://schemas.openxmlformats.org/officeDocument/2006/relationships" xmlns:p="http://schemas.openxmlformats.org/presentationml/2006/main">
   <p:cSld>
     <p:spTree>
@@ -1007,7 +1017,7 @@
           <a:bodyPr/>
           <a:lstStyle/>
           <a:p>
-            <a:endParaRPr kumimoji="1" lang="ko-KR" altLang="en-US" dirty="0"/>
+            <a:endParaRPr kumimoji="1" lang="ko-KR" altLang="en-US"/>
           </a:p>
         </p:txBody>
       </p:sp>
@@ -1028,7 +1038,7 @@
           <a:p>
             <a:fld id="{D39C498E-0BA9-4748-85A3-59023D192E99}" type="slidenum">
               <a:rPr kumimoji="1" lang="ko-KR" altLang="en-US" smtClean="0"/>
-              <a:t>23</a:t>
+              <a:t>12</a:t>
             </a:fld>
             <a:endParaRPr kumimoji="1" lang="ko-KR" altLang="en-US"/>
           </a:p>
@@ -1037,7 +1047,7 @@
     </p:spTree>
     <p:extLst>
       <p:ext uri="{BB962C8B-B14F-4D97-AF65-F5344CB8AC3E}">
-        <p14:creationId xmlns:p14="http://schemas.microsoft.com/office/powerpoint/2010/main" val="704854212"/>
+        <p14:creationId xmlns:p14="http://schemas.microsoft.com/office/powerpoint/2010/main" val="2051877360"/>
       </p:ext>
     </p:extLst>
   </p:cSld>
@@ -1112,7 +1122,7 @@
           <a:p>
             <a:fld id="{D39C498E-0BA9-4748-85A3-59023D192E99}" type="slidenum">
               <a:rPr kumimoji="1" lang="ko-KR" altLang="en-US" smtClean="0"/>
-              <a:t>5</a:t>
+              <a:t>17</a:t>
             </a:fld>
             <a:endParaRPr kumimoji="1" lang="ko-KR" altLang="en-US"/>
           </a:p>
@@ -1121,7 +1131,7 @@
     </p:spTree>
     <p:extLst>
       <p:ext uri="{BB962C8B-B14F-4D97-AF65-F5344CB8AC3E}">
-        <p14:creationId xmlns:p14="http://schemas.microsoft.com/office/powerpoint/2010/main" val="2087433341"/>
+        <p14:creationId xmlns:p14="http://schemas.microsoft.com/office/powerpoint/2010/main" val="774031093"/>
       </p:ext>
     </p:extLst>
   </p:cSld>
@@ -1131,7 +1141,7 @@
 </p:notes>
 </file>
 
-<file path=ppt/notesSlides/notesSlide9.xml><?xml version="1.0" encoding="utf-8"?>
+<file path=ppt/notesSlides/notesSlide6.xml><?xml version="1.0" encoding="utf-8"?>
 <p:notes xmlns:a="http://schemas.openxmlformats.org/drawingml/2006/main" xmlns:r="http://schemas.openxmlformats.org/officeDocument/2006/relationships" xmlns:p="http://schemas.openxmlformats.org/presentationml/2006/main">
   <p:cSld>
     <p:spTree>
@@ -1175,7 +1185,7 @@
           <a:bodyPr/>
           <a:lstStyle/>
           <a:p>
-            <a:endParaRPr kumimoji="1" lang="ko-KR" altLang="en-US"/>
+            <a:endParaRPr kumimoji="1" lang="ko-KR" altLang="en-US" dirty="0"/>
           </a:p>
         </p:txBody>
       </p:sp>
@@ -1196,7 +1206,7 @@
           <a:p>
             <a:fld id="{D39C498E-0BA9-4748-85A3-59023D192E99}" type="slidenum">
               <a:rPr kumimoji="1" lang="ko-KR" altLang="en-US" smtClean="0"/>
-              <a:t>9</a:t>
+              <a:t>23</a:t>
             </a:fld>
             <a:endParaRPr kumimoji="1" lang="ko-KR" altLang="en-US"/>
           </a:p>
@@ -1205,7 +1215,7 @@
     </p:spTree>
     <p:extLst>
       <p:ext uri="{BB962C8B-B14F-4D97-AF65-F5344CB8AC3E}">
-        <p14:creationId xmlns:p14="http://schemas.microsoft.com/office/powerpoint/2010/main" val="1044297920"/>
+        <p14:creationId xmlns:p14="http://schemas.microsoft.com/office/powerpoint/2010/main" val="704854212"/>
       </p:ext>
     </p:extLst>
   </p:cSld>
@@ -1344,7 +1354,7 @@
           <a:p>
             <a:fld id="{9A7BEA77-FCFD-E34F-8955-12C1E82451E3}" type="datetimeFigureOut">
               <a:rPr kumimoji="1" lang="ko-KR" altLang="en-US" smtClean="0"/>
-              <a:t>2016. 12. 16.</a:t>
+              <a:t>2016. 12. 19.</a:t>
             </a:fld>
             <a:endParaRPr kumimoji="1" lang="ko-KR" altLang="en-US"/>
           </a:p>
@@ -1512,7 +1522,7 @@
           <a:p>
             <a:fld id="{9A7BEA77-FCFD-E34F-8955-12C1E82451E3}" type="datetimeFigureOut">
               <a:rPr kumimoji="1" lang="ko-KR" altLang="en-US" smtClean="0"/>
-              <a:t>2016. 12. 16.</a:t>
+              <a:t>2016. 12. 19.</a:t>
             </a:fld>
             <a:endParaRPr kumimoji="1" lang="ko-KR" altLang="en-US"/>
           </a:p>
@@ -1690,7 +1700,7 @@
           <a:p>
             <a:fld id="{9A7BEA77-FCFD-E34F-8955-12C1E82451E3}" type="datetimeFigureOut">
               <a:rPr kumimoji="1" lang="ko-KR" altLang="en-US" smtClean="0"/>
-              <a:t>2016. 12. 16.</a:t>
+              <a:t>2016. 12. 19.</a:t>
             </a:fld>
             <a:endParaRPr kumimoji="1" lang="ko-KR" altLang="en-US"/>
           </a:p>
@@ -1858,7 +1868,7 @@
           <a:p>
             <a:fld id="{9A7BEA77-FCFD-E34F-8955-12C1E82451E3}" type="datetimeFigureOut">
               <a:rPr kumimoji="1" lang="ko-KR" altLang="en-US" smtClean="0"/>
-              <a:t>2016. 12. 16.</a:t>
+              <a:t>2016. 12. 19.</a:t>
             </a:fld>
             <a:endParaRPr kumimoji="1" lang="ko-KR" altLang="en-US"/>
           </a:p>
@@ -2103,7 +2113,7 @@
           <a:p>
             <a:fld id="{9A7BEA77-FCFD-E34F-8955-12C1E82451E3}" type="datetimeFigureOut">
               <a:rPr kumimoji="1" lang="ko-KR" altLang="en-US" smtClean="0"/>
-              <a:t>2016. 12. 16.</a:t>
+              <a:t>2016. 12. 19.</a:t>
             </a:fld>
             <a:endParaRPr kumimoji="1" lang="ko-KR" altLang="en-US"/>
           </a:p>
@@ -2332,7 +2342,7 @@
           <a:p>
             <a:fld id="{9A7BEA77-FCFD-E34F-8955-12C1E82451E3}" type="datetimeFigureOut">
               <a:rPr kumimoji="1" lang="ko-KR" altLang="en-US" smtClean="0"/>
-              <a:t>2016. 12. 16.</a:t>
+              <a:t>2016. 12. 19.</a:t>
             </a:fld>
             <a:endParaRPr kumimoji="1" lang="ko-KR" altLang="en-US"/>
           </a:p>
@@ -2696,7 +2706,7 @@
           <a:p>
             <a:fld id="{9A7BEA77-FCFD-E34F-8955-12C1E82451E3}" type="datetimeFigureOut">
               <a:rPr kumimoji="1" lang="ko-KR" altLang="en-US" smtClean="0"/>
-              <a:t>2016. 12. 16.</a:t>
+              <a:t>2016. 12. 19.</a:t>
             </a:fld>
             <a:endParaRPr kumimoji="1" lang="ko-KR" altLang="en-US"/>
           </a:p>
@@ -2813,7 +2823,7 @@
           <a:p>
             <a:fld id="{9A7BEA77-FCFD-E34F-8955-12C1E82451E3}" type="datetimeFigureOut">
               <a:rPr kumimoji="1" lang="ko-KR" altLang="en-US" smtClean="0"/>
-              <a:t>2016. 12. 16.</a:t>
+              <a:t>2016. 12. 19.</a:t>
             </a:fld>
             <a:endParaRPr kumimoji="1" lang="ko-KR" altLang="en-US"/>
           </a:p>
@@ -2908,7 +2918,7 @@
           <a:p>
             <a:fld id="{9A7BEA77-FCFD-E34F-8955-12C1E82451E3}" type="datetimeFigureOut">
               <a:rPr kumimoji="1" lang="ko-KR" altLang="en-US" smtClean="0"/>
-              <a:t>2016. 12. 16.</a:t>
+              <a:t>2016. 12. 19.</a:t>
             </a:fld>
             <a:endParaRPr kumimoji="1" lang="ko-KR" altLang="en-US"/>
           </a:p>
@@ -3183,7 +3193,7 @@
           <a:p>
             <a:fld id="{9A7BEA77-FCFD-E34F-8955-12C1E82451E3}" type="datetimeFigureOut">
               <a:rPr kumimoji="1" lang="ko-KR" altLang="en-US" smtClean="0"/>
-              <a:t>2016. 12. 16.</a:t>
+              <a:t>2016. 12. 19.</a:t>
             </a:fld>
             <a:endParaRPr kumimoji="1" lang="ko-KR" altLang="en-US"/>
           </a:p>
@@ -3435,7 +3445,7 @@
           <a:p>
             <a:fld id="{9A7BEA77-FCFD-E34F-8955-12C1E82451E3}" type="datetimeFigureOut">
               <a:rPr kumimoji="1" lang="ko-KR" altLang="en-US" smtClean="0"/>
-              <a:t>2016. 12. 16.</a:t>
+              <a:t>2016. 12. 19.</a:t>
             </a:fld>
             <a:endParaRPr kumimoji="1" lang="ko-KR" altLang="en-US"/>
           </a:p>
@@ -3646,7 +3656,7 @@
           <a:p>
             <a:fld id="{9A7BEA77-FCFD-E34F-8955-12C1E82451E3}" type="datetimeFigureOut">
               <a:rPr kumimoji="1" lang="ko-KR" altLang="en-US" smtClean="0"/>
-              <a:t>2016. 12. 16.</a:t>
+              <a:t>2016. 12. 19.</a:t>
             </a:fld>
             <a:endParaRPr kumimoji="1" lang="ko-KR" altLang="en-US"/>
           </a:p>
@@ -7296,11 +7306,7 @@
             <a:pPr algn="ctr"/>
             <a:r>
               <a:rPr kumimoji="1" lang="ko-KR" altLang="en-US" sz="2000" dirty="0" smtClean="0"/>
-              <a:t>트리</a:t>
-            </a:r>
-            <a:r>
-              <a:rPr kumimoji="1" lang="ko-KR" altLang="en-US" sz="2000" dirty="0" smtClean="0"/>
-              <a:t> 오브</a:t>
+              <a:t>트리 오브</a:t>
             </a:r>
             <a:endParaRPr kumimoji="1" lang="en-US" altLang="ko-KR" sz="2000" dirty="0" smtClean="0"/>
           </a:p>
@@ -7468,15 +7474,7 @@
                   <a:schemeClr val="tx1"/>
                 </a:solidFill>
               </a:rPr>
-              <a:t>2.5</a:t>
-            </a:r>
-            <a:r>
-              <a:rPr kumimoji="1" lang="en-US" altLang="ko-KR" sz="1600" dirty="0" smtClean="0">
-                <a:solidFill>
-                  <a:schemeClr val="tx1"/>
-                </a:solidFill>
-              </a:rPr>
-              <a:t>D</a:t>
+              <a:t>2.5D</a:t>
             </a:r>
             <a:r>
               <a:rPr kumimoji="1" lang="ko-KR" altLang="en-US" sz="1600" dirty="0" smtClean="0">
@@ -7650,15 +7648,7 @@
                   <a:schemeClr val="tx1"/>
                 </a:solidFill>
               </a:rPr>
-              <a:t> </a:t>
-            </a:r>
-            <a:r>
-              <a:rPr kumimoji="1" lang="ko-KR" altLang="en-US" sz="2000" dirty="0" smtClean="0">
-                <a:solidFill>
-                  <a:schemeClr val="tx1"/>
-                </a:solidFill>
-              </a:rPr>
-              <a:t>논타겟 </a:t>
+              <a:t> 논타겟 </a:t>
             </a:r>
             <a:r>
               <a:rPr kumimoji="1" lang="ko-KR" altLang="en-US" sz="2000" dirty="0">
@@ -21546,7 +21536,7 @@
 </file>
 
 <file path=ppt/slides/slide25.xml><?xml version="1.0" encoding="utf-8"?>
-<p:sld xmlns:a="http://schemas.openxmlformats.org/drawingml/2006/main" xmlns:r="http://schemas.openxmlformats.org/officeDocument/2006/relationships" xmlns:p="http://schemas.openxmlformats.org/presentationml/2006/main" xmlns:p14="http://schemas.microsoft.com/office/powerpoint/2010/main">
+<p:sld xmlns:a="http://schemas.openxmlformats.org/drawingml/2006/main" xmlns:r="http://schemas.openxmlformats.org/officeDocument/2006/relationships" xmlns:p="http://schemas.openxmlformats.org/presentationml/2006/main">
   <p:cSld>
     <p:spTree>
       <p:nvGrpSpPr>
@@ -22598,12 +22588,12 @@
           </a:fontRef>
         </p:style>
         <p:txBody>
-          <a:bodyPr wrap="square" lIns="0" tIns="0" rIns="0" bIns="0" numCol="1" vert="horz" anchor="ctr">
+          <a:bodyPr vert="horz" wrap="square" lIns="0" tIns="0" rIns="0" bIns="0" numCol="1" anchor="ctr">
             <a:noAutofit/>
           </a:bodyPr>
           <a:lstStyle/>
           <a:p>
-            <a:pPr marL="0" indent="0" algn="ctr" fontAlgn="auto" defTabSz="914400" eaLnBrk="0">
+            <a:pPr marL="0" indent="0" algn="ctr" defTabSz="914400" eaLnBrk="0" fontAlgn="auto">
               <a:lnSpc>
                 <a:spcPct val="100000"/>
               </a:lnSpc>
@@ -22617,7 +22607,7 @@
               <a:buNone/>
             </a:pPr>
             <a:r>
-              <a:rPr lang="en-US" altLang="ko-KR" sz="1600" cap="none" dirty="0" smtClean="0" b="0">
+              <a:rPr lang="en-US" altLang="ko-KR" sz="1600" b="0" cap="none" dirty="0" smtClean="0">
                 <a:solidFill>
                   <a:schemeClr val="bg1"/>
                 </a:solidFill>
@@ -22626,7 +22616,7 @@
               </a:rPr>
               <a:t>디퓨즈</a:t>
             </a:r>
-            <a:endParaRPr lang="ko-KR" altLang="en-US" sz="1600" cap="none" dirty="0" smtClean="0" b="0">
+            <a:endParaRPr lang="ko-KR" altLang="en-US" sz="1600" b="0" cap="none" dirty="0" smtClean="0">
               <a:solidFill>
                 <a:schemeClr val="bg1"/>
               </a:solidFill>
@@ -22635,7 +22625,7 @@
             </a:endParaRPr>
           </a:p>
           <a:p>
-            <a:pPr marL="0" indent="0" algn="ctr" fontAlgn="auto" defTabSz="914400" eaLnBrk="0">
+            <a:pPr marL="0" indent="0" algn="ctr" defTabSz="914400" eaLnBrk="0" fontAlgn="auto">
               <a:lnSpc>
                 <a:spcPct val="100000"/>
               </a:lnSpc>
@@ -22649,7 +22639,7 @@
               <a:buNone/>
             </a:pPr>
             <a:r>
-              <a:rPr lang="en-US" altLang="ko-KR" sz="1600" cap="none" dirty="0" smtClean="0" b="0">
+              <a:rPr lang="en-US" altLang="ko-KR" sz="1600" b="0" cap="none" dirty="0" smtClean="0">
                 <a:solidFill>
                   <a:schemeClr val="bg1"/>
                 </a:solidFill>
@@ -22658,7 +22648,7 @@
               </a:rPr>
               <a:t>스펙큘러</a:t>
             </a:r>
-            <a:endParaRPr lang="ko-KR" altLang="en-US" sz="1600" cap="none" dirty="0" smtClean="0" b="0">
+            <a:endParaRPr lang="ko-KR" altLang="en-US" sz="1600" b="0" cap="none" dirty="0" smtClean="0">
               <a:solidFill>
                 <a:schemeClr val="bg1"/>
               </a:solidFill>
@@ -22667,7 +22657,7 @@
             </a:endParaRPr>
           </a:p>
           <a:p>
-            <a:pPr marL="0" indent="0" algn="ctr" fontAlgn="auto" defTabSz="914400" eaLnBrk="0">
+            <a:pPr marL="0" indent="0" algn="ctr" defTabSz="914400" eaLnBrk="0" fontAlgn="auto">
               <a:lnSpc>
                 <a:spcPct val="100000"/>
               </a:lnSpc>
@@ -22681,7 +22671,7 @@
               <a:buNone/>
             </a:pPr>
             <a:r>
-              <a:rPr lang="en-US" altLang="ko-KR" sz="1600" cap="none" dirty="0" smtClean="0" b="0">
+              <a:rPr lang="en-US" altLang="ko-KR" sz="1600" b="0" cap="none" dirty="0" smtClean="0">
                 <a:solidFill>
                   <a:schemeClr val="bg1"/>
                 </a:solidFill>
@@ -22690,7 +22680,7 @@
               </a:rPr>
               <a:t>매핑</a:t>
             </a:r>
-            <a:endParaRPr lang="ko-KR" altLang="en-US" sz="1600" cap="none" dirty="0" smtClean="0" b="0">
+            <a:endParaRPr lang="ko-KR" altLang="en-US" sz="1600" b="0" cap="none" dirty="0" smtClean="0">
               <a:solidFill>
                 <a:schemeClr val="bg1"/>
               </a:solidFill>
@@ -22837,13 +22827,13 @@
   <p:clrMapOvr>
     <a:masterClrMapping/>
   </p:clrMapOvr>
-  <mc:AlternateContent xmlns:mc="http://schemas.openxmlformats.org/markup-compatibility/2006">
-    <mc:Choice xmlns:p14="http://schemas.microsoft.com/office/powerpoint/2010/main" Requires="p14">
-      <p:transition spd="slow" p14:dur="1000">
-        <p:push dir="l"/>
+  <mc:AlternateContent xmlns:mc="http://schemas.openxmlformats.org/markup-compatibility/2006" xmlns:p14="http://schemas.microsoft.com/office/powerpoint/2010/main">
+    <mc:Choice Requires="p14">
+      <p:transition spd="slow">
+        <p:push/>
       </p:transition>
     </mc:Choice>
-    <mc:Fallback>
+    <mc:Fallback xmlns="">
       <p:transition spd="slow">
         <p:push dir="l"/>
       </p:transition>
@@ -24275,6 +24265,52 @@
       </p:grpSpPr>
       <p:sp>
         <p:nvSpPr>
+          <p:cNvPr id="90" name="직사각형 89"/>
+          <p:cNvSpPr/>
+          <p:nvPr/>
+        </p:nvSpPr>
+        <p:spPr>
+          <a:xfrm>
+            <a:off x="0" y="0"/>
+            <a:ext cx="12192000" cy="6858000"/>
+          </a:xfrm>
+          <a:prstGeom prst="rect">
+            <a:avLst/>
+          </a:prstGeom>
+          <a:solidFill>
+            <a:schemeClr val="tx1"/>
+          </a:solidFill>
+          <a:ln>
+            <a:noFill/>
+          </a:ln>
+        </p:spPr>
+        <p:style>
+          <a:lnRef idx="2">
+            <a:schemeClr val="accent1">
+              <a:shade val="50000"/>
+            </a:schemeClr>
+          </a:lnRef>
+          <a:fillRef idx="1">
+            <a:schemeClr val="accent1"/>
+          </a:fillRef>
+          <a:effectRef idx="0">
+            <a:schemeClr val="accent1"/>
+          </a:effectRef>
+          <a:fontRef idx="minor">
+            <a:schemeClr val="lt1"/>
+          </a:fontRef>
+        </p:style>
+        <p:txBody>
+          <a:bodyPr rtlCol="0" anchor="ctr"/>
+          <a:lstStyle/>
+          <a:p>
+            <a:pPr algn="ctr"/>
+            <a:endParaRPr kumimoji="1" lang="ko-KR" altLang="en-US"/>
+          </a:p>
+        </p:txBody>
+      </p:sp>
+      <p:sp>
+        <p:nvSpPr>
           <p:cNvPr id="95" name="평행 사변형[P] 94"/>
           <p:cNvSpPr/>
           <p:nvPr/>
@@ -24349,7 +24385,9 @@
               <a:gd name="adj" fmla="val 18485"/>
             </a:avLst>
           </a:prstGeom>
-          <a:noFill/>
+          <a:solidFill>
+            <a:schemeClr val="bg1"/>
+          </a:solidFill>
           <a:ln w="25400">
             <a:solidFill>
               <a:srgbClr val="00B0F0"/>
@@ -24517,93 +24555,883 @@
           </a:fontRef>
         </p:style>
       </p:cxnSp>
+      <p:sp>
+        <p:nvSpPr>
+          <p:cNvPr id="185" name="자유형 184"/>
+          <p:cNvSpPr/>
+          <p:nvPr/>
+        </p:nvSpPr>
+        <p:spPr>
+          <a:xfrm>
+            <a:off x="1766116" y="2758975"/>
+            <a:ext cx="4179355" cy="1109317"/>
+          </a:xfrm>
+          <a:custGeom>
+            <a:avLst/>
+            <a:gdLst>
+              <a:gd name="connsiteX0" fmla="*/ 5647765 w 5647765"/>
+              <a:gd name="connsiteY0" fmla="*/ 0 h 1499075"/>
+              <a:gd name="connsiteX1" fmla="*/ 4141694 w 5647765"/>
+              <a:gd name="connsiteY1" fmla="*/ 363071 h 1499075"/>
+              <a:gd name="connsiteX2" fmla="*/ 2729753 w 5647765"/>
+              <a:gd name="connsiteY2" fmla="*/ 1492623 h 1499075"/>
+              <a:gd name="connsiteX3" fmla="*/ 1411941 w 5647765"/>
+              <a:gd name="connsiteY3" fmla="*/ 833718 h 1499075"/>
+              <a:gd name="connsiteX4" fmla="*/ 0 w 5647765"/>
+              <a:gd name="connsiteY4" fmla="*/ 1035423 h 1499075"/>
+            </a:gdLst>
+            <a:ahLst/>
+            <a:cxnLst>
+              <a:cxn ang="0">
+                <a:pos x="connsiteX0" y="connsiteY0"/>
+              </a:cxn>
+              <a:cxn ang="0">
+                <a:pos x="connsiteX1" y="connsiteY1"/>
+              </a:cxn>
+              <a:cxn ang="0">
+                <a:pos x="connsiteX2" y="connsiteY2"/>
+              </a:cxn>
+              <a:cxn ang="0">
+                <a:pos x="connsiteX3" y="connsiteY3"/>
+              </a:cxn>
+              <a:cxn ang="0">
+                <a:pos x="connsiteX4" y="connsiteY4"/>
+              </a:cxn>
+            </a:cxnLst>
+            <a:rect l="l" t="t" r="r" b="b"/>
+            <a:pathLst>
+              <a:path w="5647765" h="1499075">
+                <a:moveTo>
+                  <a:pt x="5647765" y="0"/>
+                </a:moveTo>
+                <a:cubicBezTo>
+                  <a:pt x="5137897" y="57150"/>
+                  <a:pt x="4628029" y="114301"/>
+                  <a:pt x="4141694" y="363071"/>
+                </a:cubicBezTo>
+                <a:cubicBezTo>
+                  <a:pt x="3655359" y="611841"/>
+                  <a:pt x="3184712" y="1414182"/>
+                  <a:pt x="2729753" y="1492623"/>
+                </a:cubicBezTo>
+                <a:cubicBezTo>
+                  <a:pt x="2274794" y="1571064"/>
+                  <a:pt x="1866900" y="909918"/>
+                  <a:pt x="1411941" y="833718"/>
+                </a:cubicBezTo>
+                <a:cubicBezTo>
+                  <a:pt x="956982" y="757518"/>
+                  <a:pt x="478491" y="896470"/>
+                  <a:pt x="0" y="1035423"/>
+                </a:cubicBezTo>
+              </a:path>
+            </a:pathLst>
+          </a:custGeom>
+          <a:noFill/>
+          <a:ln w="25400">
+            <a:solidFill>
+              <a:schemeClr val="tx1"/>
+            </a:solidFill>
+          </a:ln>
+        </p:spPr>
+        <p:style>
+          <a:lnRef idx="2">
+            <a:schemeClr val="accent1">
+              <a:shade val="50000"/>
+            </a:schemeClr>
+          </a:lnRef>
+          <a:fillRef idx="1">
+            <a:schemeClr val="accent1"/>
+          </a:fillRef>
+          <a:effectRef idx="0">
+            <a:schemeClr val="accent1"/>
+          </a:effectRef>
+          <a:fontRef idx="minor">
+            <a:schemeClr val="lt1"/>
+          </a:fontRef>
+        </p:style>
+        <p:txBody>
+          <a:bodyPr rtlCol="0" anchor="ctr"/>
+          <a:lstStyle/>
+          <a:p>
+            <a:pPr algn="ctr"/>
+            <a:endParaRPr kumimoji="1" lang="ko-KR" altLang="en-US" sz="1100"/>
+          </a:p>
+        </p:txBody>
+      </p:sp>
+      <p:sp>
+        <p:nvSpPr>
+          <p:cNvPr id="186" name="직사각형 185"/>
+          <p:cNvSpPr/>
+          <p:nvPr/>
+        </p:nvSpPr>
+        <p:spPr>
+          <a:xfrm>
+            <a:off x="1746938" y="1713956"/>
+            <a:ext cx="8698123" cy="4847327"/>
+          </a:xfrm>
+          <a:prstGeom prst="rect">
+            <a:avLst/>
+          </a:prstGeom>
+          <a:solidFill>
+            <a:schemeClr val="bg1"/>
+          </a:solidFill>
+          <a:ln w="25400">
+            <a:solidFill>
+              <a:schemeClr val="tx1"/>
+            </a:solidFill>
+          </a:ln>
+        </p:spPr>
+        <p:style>
+          <a:lnRef idx="2">
+            <a:schemeClr val="accent1">
+              <a:shade val="50000"/>
+            </a:schemeClr>
+          </a:lnRef>
+          <a:fillRef idx="1">
+            <a:schemeClr val="accent1"/>
+          </a:fillRef>
+          <a:effectRef idx="0">
+            <a:schemeClr val="accent1"/>
+          </a:effectRef>
+          <a:fontRef idx="minor">
+            <a:schemeClr val="lt1"/>
+          </a:fontRef>
+        </p:style>
+        <p:txBody>
+          <a:bodyPr rtlCol="0" anchor="ctr"/>
+          <a:lstStyle/>
+          <a:p>
+            <a:pPr algn="ctr"/>
+            <a:endParaRPr kumimoji="1" lang="ko-KR" altLang="en-US" sz="1100"/>
+          </a:p>
+        </p:txBody>
+      </p:sp>
+      <p:sp>
+        <p:nvSpPr>
+          <p:cNvPr id="187" name="타원 186"/>
+          <p:cNvSpPr/>
+          <p:nvPr/>
+        </p:nvSpPr>
+        <p:spPr>
+          <a:xfrm>
+            <a:off x="5704945" y="5122726"/>
+            <a:ext cx="782989" cy="782989"/>
+          </a:xfrm>
+          <a:prstGeom prst="ellipse">
+            <a:avLst/>
+          </a:prstGeom>
+          <a:gradFill flip="none" rotWithShape="1">
+            <a:gsLst>
+              <a:gs pos="0">
+                <a:srgbClr val="FFC000"/>
+              </a:gs>
+              <a:gs pos="70000">
+                <a:srgbClr val="FFC000"/>
+              </a:gs>
+              <a:gs pos="83000">
+                <a:schemeClr val="accent4">
+                  <a:lumMod val="20000"/>
+                  <a:lumOff val="80000"/>
+                </a:schemeClr>
+              </a:gs>
+              <a:gs pos="100000">
+                <a:schemeClr val="bg1"/>
+              </a:gs>
+            </a:gsLst>
+            <a:path path="shape">
+              <a:fillToRect l="50000" t="50000" r="50000" b="50000"/>
+            </a:path>
+            <a:tileRect/>
+          </a:gradFill>
+          <a:ln w="25400">
+            <a:solidFill>
+              <a:schemeClr val="tx1"/>
+            </a:solidFill>
+          </a:ln>
+        </p:spPr>
+        <p:style>
+          <a:lnRef idx="2">
+            <a:schemeClr val="accent1">
+              <a:shade val="50000"/>
+            </a:schemeClr>
+          </a:lnRef>
+          <a:fillRef idx="1">
+            <a:schemeClr val="accent1"/>
+          </a:fillRef>
+          <a:effectRef idx="0">
+            <a:schemeClr val="accent1"/>
+          </a:effectRef>
+          <a:fontRef idx="minor">
+            <a:schemeClr val="lt1"/>
+          </a:fontRef>
+        </p:style>
+        <p:txBody>
+          <a:bodyPr rtlCol="0" anchor="ctr"/>
+          <a:lstStyle/>
+          <a:p>
+            <a:pPr algn="ctr"/>
+            <a:endParaRPr kumimoji="1" lang="ko-KR" altLang="en-US" sz="1100"/>
+          </a:p>
+        </p:txBody>
+      </p:sp>
+      <p:sp>
+        <p:nvSpPr>
+          <p:cNvPr id="188" name="타원 187"/>
+          <p:cNvSpPr/>
+          <p:nvPr/>
+        </p:nvSpPr>
+        <p:spPr>
+          <a:xfrm>
+            <a:off x="5917168" y="5335389"/>
+            <a:ext cx="357662" cy="357661"/>
+          </a:xfrm>
+          <a:prstGeom prst="ellipse">
+            <a:avLst/>
+          </a:prstGeom>
+          <a:solidFill>
+            <a:schemeClr val="bg1"/>
+          </a:solidFill>
+          <a:ln w="25400">
+            <a:solidFill>
+              <a:schemeClr val="tx1"/>
+            </a:solidFill>
+          </a:ln>
+        </p:spPr>
+        <p:style>
+          <a:lnRef idx="2">
+            <a:schemeClr val="accent1">
+              <a:shade val="50000"/>
+            </a:schemeClr>
+          </a:lnRef>
+          <a:fillRef idx="1">
+            <a:schemeClr val="accent1"/>
+          </a:fillRef>
+          <a:effectRef idx="0">
+            <a:schemeClr val="accent1"/>
+          </a:effectRef>
+          <a:fontRef idx="minor">
+            <a:schemeClr val="lt1"/>
+          </a:fontRef>
+        </p:style>
+        <p:txBody>
+          <a:bodyPr rtlCol="0" anchor="ctr"/>
+          <a:lstStyle/>
+          <a:p>
+            <a:pPr algn="ctr"/>
+            <a:r>
+              <a:rPr kumimoji="1" lang="en-US" altLang="ko-KR" sz="1600" dirty="0">
+                <a:solidFill>
+                  <a:sysClr val="windowText" lastClr="000000"/>
+                </a:solidFill>
+              </a:rPr>
+              <a:t>2</a:t>
+            </a:r>
+            <a:endParaRPr kumimoji="1" lang="ko-KR" altLang="en-US" sz="1600" dirty="0">
+              <a:solidFill>
+                <a:sysClr val="windowText" lastClr="000000"/>
+              </a:solidFill>
+            </a:endParaRPr>
+          </a:p>
+        </p:txBody>
+      </p:sp>
+      <p:sp>
+        <p:nvSpPr>
+          <p:cNvPr id="189" name="직사각형 188"/>
+          <p:cNvSpPr/>
+          <p:nvPr/>
+        </p:nvSpPr>
+        <p:spPr>
+          <a:xfrm>
+            <a:off x="5443948" y="5775217"/>
+            <a:ext cx="260997" cy="260997"/>
+          </a:xfrm>
+          <a:prstGeom prst="rect">
+            <a:avLst/>
+          </a:prstGeom>
+          <a:solidFill>
+            <a:schemeClr val="bg1"/>
+          </a:solidFill>
+          <a:ln w="25400">
+            <a:solidFill>
+              <a:schemeClr val="tx1"/>
+            </a:solidFill>
+          </a:ln>
+        </p:spPr>
+        <p:style>
+          <a:lnRef idx="2">
+            <a:schemeClr val="accent1">
+              <a:shade val="50000"/>
+            </a:schemeClr>
+          </a:lnRef>
+          <a:fillRef idx="1">
+            <a:schemeClr val="accent1"/>
+          </a:fillRef>
+          <a:effectRef idx="0">
+            <a:schemeClr val="accent1"/>
+          </a:effectRef>
+          <a:fontRef idx="minor">
+            <a:schemeClr val="lt1"/>
+          </a:fontRef>
+        </p:style>
+        <p:txBody>
+          <a:bodyPr lIns="0" tIns="0" rIns="0" bIns="0" rtlCol="0" anchor="ctr"/>
+          <a:lstStyle/>
+          <a:p>
+            <a:pPr lvl="0" algn="ctr"/>
+            <a:r>
+              <a:rPr kumimoji="1" lang="en-US" altLang="ko-KR" sz="600" dirty="0">
+                <a:solidFill>
+                  <a:prstClr val="black"/>
+                </a:solidFill>
+              </a:rPr>
+              <a:t>ultra</a:t>
+            </a:r>
+            <a:endParaRPr kumimoji="1" lang="ko-KR" altLang="en-US" sz="600" dirty="0">
+              <a:solidFill>
+                <a:prstClr val="black"/>
+              </a:solidFill>
+            </a:endParaRPr>
+          </a:p>
+        </p:txBody>
+      </p:sp>
+      <p:sp>
+        <p:nvSpPr>
+          <p:cNvPr id="190" name="직사각형 189"/>
+          <p:cNvSpPr/>
+          <p:nvPr/>
+        </p:nvSpPr>
+        <p:spPr>
+          <a:xfrm>
+            <a:off x="5105620" y="5775217"/>
+            <a:ext cx="260997" cy="260997"/>
+          </a:xfrm>
+          <a:prstGeom prst="rect">
+            <a:avLst/>
+          </a:prstGeom>
+          <a:solidFill>
+            <a:schemeClr val="bg1"/>
+          </a:solidFill>
+          <a:ln w="25400">
+            <a:solidFill>
+              <a:schemeClr val="tx1"/>
+            </a:solidFill>
+          </a:ln>
+        </p:spPr>
+        <p:style>
+          <a:lnRef idx="2">
+            <a:schemeClr val="accent1">
+              <a:shade val="50000"/>
+            </a:schemeClr>
+          </a:lnRef>
+          <a:fillRef idx="1">
+            <a:schemeClr val="accent1"/>
+          </a:fillRef>
+          <a:effectRef idx="0">
+            <a:schemeClr val="accent1"/>
+          </a:effectRef>
+          <a:fontRef idx="minor">
+            <a:schemeClr val="lt1"/>
+          </a:fontRef>
+        </p:style>
+        <p:txBody>
+          <a:bodyPr lIns="0" tIns="0" rIns="0" bIns="0" rtlCol="0" anchor="ctr"/>
+          <a:lstStyle/>
+          <a:p>
+            <a:pPr lvl="0" algn="ctr"/>
+            <a:r>
+              <a:rPr kumimoji="1" lang="en-US" altLang="ko-KR" sz="600" dirty="0">
+                <a:solidFill>
+                  <a:prstClr val="black"/>
+                </a:solidFill>
+              </a:rPr>
+              <a:t>Skill</a:t>
+            </a:r>
+          </a:p>
+          <a:p>
+            <a:pPr lvl="0" algn="ctr"/>
+            <a:r>
+              <a:rPr kumimoji="1" lang="en-US" altLang="ko-KR" sz="600" dirty="0">
+                <a:solidFill>
+                  <a:prstClr val="black"/>
+                </a:solidFill>
+              </a:rPr>
+              <a:t>4</a:t>
+            </a:r>
+            <a:endParaRPr kumimoji="1" lang="ko-KR" altLang="en-US" sz="600" dirty="0">
+              <a:solidFill>
+                <a:prstClr val="black"/>
+              </a:solidFill>
+            </a:endParaRPr>
+          </a:p>
+        </p:txBody>
+      </p:sp>
+      <p:sp>
+        <p:nvSpPr>
+          <p:cNvPr id="191" name="직사각형 190"/>
+          <p:cNvSpPr/>
+          <p:nvPr/>
+        </p:nvSpPr>
+        <p:spPr>
+          <a:xfrm>
+            <a:off x="4752791" y="5775217"/>
+            <a:ext cx="260997" cy="260997"/>
+          </a:xfrm>
+          <a:prstGeom prst="rect">
+            <a:avLst/>
+          </a:prstGeom>
+          <a:solidFill>
+            <a:schemeClr val="bg1"/>
+          </a:solidFill>
+          <a:ln w="25400">
+            <a:solidFill>
+              <a:schemeClr val="tx1"/>
+            </a:solidFill>
+          </a:ln>
+        </p:spPr>
+        <p:style>
+          <a:lnRef idx="2">
+            <a:schemeClr val="accent1">
+              <a:shade val="50000"/>
+            </a:schemeClr>
+          </a:lnRef>
+          <a:fillRef idx="1">
+            <a:schemeClr val="accent1"/>
+          </a:fillRef>
+          <a:effectRef idx="0">
+            <a:schemeClr val="accent1"/>
+          </a:effectRef>
+          <a:fontRef idx="minor">
+            <a:schemeClr val="lt1"/>
+          </a:fontRef>
+        </p:style>
+        <p:txBody>
+          <a:bodyPr lIns="0" tIns="0" rIns="0" bIns="0" rtlCol="0" anchor="ctr"/>
+          <a:lstStyle/>
+          <a:p>
+            <a:pPr lvl="0" algn="ctr"/>
+            <a:r>
+              <a:rPr kumimoji="1" lang="en-US" altLang="ko-KR" sz="600" dirty="0">
+                <a:solidFill>
+                  <a:prstClr val="black"/>
+                </a:solidFill>
+              </a:rPr>
+              <a:t>Skill</a:t>
+            </a:r>
+          </a:p>
+          <a:p>
+            <a:pPr lvl="0" algn="ctr"/>
+            <a:r>
+              <a:rPr kumimoji="1" lang="en-US" altLang="ko-KR" sz="600" dirty="0">
+                <a:solidFill>
+                  <a:prstClr val="black"/>
+                </a:solidFill>
+              </a:rPr>
+              <a:t>3</a:t>
+            </a:r>
+            <a:endParaRPr kumimoji="1" lang="ko-KR" altLang="en-US" sz="600" dirty="0">
+              <a:solidFill>
+                <a:prstClr val="black"/>
+              </a:solidFill>
+            </a:endParaRPr>
+          </a:p>
+        </p:txBody>
+      </p:sp>
+      <p:sp>
+        <p:nvSpPr>
+          <p:cNvPr id="192" name="직사각형 191"/>
+          <p:cNvSpPr/>
+          <p:nvPr/>
+        </p:nvSpPr>
+        <p:spPr>
+          <a:xfrm>
+            <a:off x="4399963" y="5775217"/>
+            <a:ext cx="260997" cy="260997"/>
+          </a:xfrm>
+          <a:prstGeom prst="rect">
+            <a:avLst/>
+          </a:prstGeom>
+          <a:solidFill>
+            <a:schemeClr val="bg1"/>
+          </a:solidFill>
+          <a:ln w="25400">
+            <a:solidFill>
+              <a:schemeClr val="tx1"/>
+            </a:solidFill>
+          </a:ln>
+        </p:spPr>
+        <p:style>
+          <a:lnRef idx="2">
+            <a:schemeClr val="accent1">
+              <a:shade val="50000"/>
+            </a:schemeClr>
+          </a:lnRef>
+          <a:fillRef idx="1">
+            <a:schemeClr val="accent1"/>
+          </a:fillRef>
+          <a:effectRef idx="0">
+            <a:schemeClr val="accent1"/>
+          </a:effectRef>
+          <a:fontRef idx="minor">
+            <a:schemeClr val="lt1"/>
+          </a:fontRef>
+        </p:style>
+        <p:txBody>
+          <a:bodyPr lIns="0" tIns="0" rIns="0" bIns="0" rtlCol="0" anchor="ctr"/>
+          <a:lstStyle/>
+          <a:p>
+            <a:pPr lvl="0" algn="ctr"/>
+            <a:r>
+              <a:rPr kumimoji="1" lang="en-US" altLang="ko-KR" sz="600" dirty="0">
+                <a:solidFill>
+                  <a:prstClr val="black"/>
+                </a:solidFill>
+              </a:rPr>
+              <a:t>Skill</a:t>
+            </a:r>
+          </a:p>
+          <a:p>
+            <a:pPr lvl="0" algn="ctr"/>
+            <a:r>
+              <a:rPr kumimoji="1" lang="en-US" altLang="ko-KR" sz="600" dirty="0">
+                <a:solidFill>
+                  <a:prstClr val="black"/>
+                </a:solidFill>
+              </a:rPr>
+              <a:t>2</a:t>
+            </a:r>
+            <a:endParaRPr kumimoji="1" lang="ko-KR" altLang="en-US" sz="600" dirty="0">
+              <a:solidFill>
+                <a:prstClr val="black"/>
+              </a:solidFill>
+            </a:endParaRPr>
+          </a:p>
+        </p:txBody>
+      </p:sp>
+      <p:sp>
+        <p:nvSpPr>
+          <p:cNvPr id="193" name="직사각형 192"/>
+          <p:cNvSpPr/>
+          <p:nvPr/>
+        </p:nvSpPr>
+        <p:spPr>
+          <a:xfrm>
+            <a:off x="7531918" y="5775217"/>
+            <a:ext cx="260997" cy="260997"/>
+          </a:xfrm>
+          <a:prstGeom prst="rect">
+            <a:avLst/>
+          </a:prstGeom>
+          <a:solidFill>
+            <a:schemeClr val="bg1"/>
+          </a:solidFill>
+          <a:ln w="25400">
+            <a:solidFill>
+              <a:schemeClr val="tx1"/>
+            </a:solidFill>
+          </a:ln>
+        </p:spPr>
+        <p:style>
+          <a:lnRef idx="2">
+            <a:schemeClr val="accent1">
+              <a:shade val="50000"/>
+            </a:schemeClr>
+          </a:lnRef>
+          <a:fillRef idx="1">
+            <a:schemeClr val="accent1"/>
+          </a:fillRef>
+          <a:effectRef idx="0">
+            <a:schemeClr val="accent1"/>
+          </a:effectRef>
+          <a:fontRef idx="minor">
+            <a:schemeClr val="lt1"/>
+          </a:fontRef>
+        </p:style>
+        <p:txBody>
+          <a:bodyPr lIns="0" tIns="0" rIns="0" bIns="0" rtlCol="0" anchor="ctr"/>
+          <a:lstStyle/>
+          <a:p>
+            <a:pPr lvl="0" algn="ctr"/>
+            <a:r>
+              <a:rPr kumimoji="1" lang="en-US" altLang="ko-KR" sz="600" dirty="0">
+                <a:solidFill>
+                  <a:prstClr val="black"/>
+                </a:solidFill>
+              </a:rPr>
+              <a:t>item</a:t>
+            </a:r>
+          </a:p>
+          <a:p>
+            <a:pPr lvl="0" algn="ctr"/>
+            <a:r>
+              <a:rPr kumimoji="1" lang="en-US" altLang="ko-KR" sz="600" dirty="0">
+                <a:solidFill>
+                  <a:prstClr val="black"/>
+                </a:solidFill>
+              </a:rPr>
+              <a:t>1</a:t>
+            </a:r>
+            <a:endParaRPr kumimoji="1" lang="ko-KR" altLang="en-US" sz="600" dirty="0">
+              <a:solidFill>
+                <a:prstClr val="black"/>
+              </a:solidFill>
+            </a:endParaRPr>
+          </a:p>
+        </p:txBody>
+      </p:sp>
+      <p:sp>
+        <p:nvSpPr>
+          <p:cNvPr id="194" name="직사각형 193"/>
+          <p:cNvSpPr/>
+          <p:nvPr/>
+        </p:nvSpPr>
+        <p:spPr>
+          <a:xfrm>
+            <a:off x="7193590" y="5775217"/>
+            <a:ext cx="260997" cy="260997"/>
+          </a:xfrm>
+          <a:prstGeom prst="rect">
+            <a:avLst/>
+          </a:prstGeom>
+          <a:solidFill>
+            <a:schemeClr val="bg1"/>
+          </a:solidFill>
+          <a:ln w="25400">
+            <a:solidFill>
+              <a:schemeClr val="tx1"/>
+            </a:solidFill>
+          </a:ln>
+        </p:spPr>
+        <p:style>
+          <a:lnRef idx="2">
+            <a:schemeClr val="accent1">
+              <a:shade val="50000"/>
+            </a:schemeClr>
+          </a:lnRef>
+          <a:fillRef idx="1">
+            <a:schemeClr val="accent1"/>
+          </a:fillRef>
+          <a:effectRef idx="0">
+            <a:schemeClr val="accent1"/>
+          </a:effectRef>
+          <a:fontRef idx="minor">
+            <a:schemeClr val="lt1"/>
+          </a:fontRef>
+        </p:style>
+        <p:txBody>
+          <a:bodyPr lIns="0" tIns="0" rIns="0" bIns="0" rtlCol="0" anchor="ctr"/>
+          <a:lstStyle/>
+          <a:p>
+            <a:pPr lvl="0" algn="ctr"/>
+            <a:r>
+              <a:rPr kumimoji="1" lang="en-US" altLang="ko-KR" sz="600" dirty="0">
+                <a:solidFill>
+                  <a:prstClr val="black"/>
+                </a:solidFill>
+              </a:rPr>
+              <a:t>item</a:t>
+            </a:r>
+          </a:p>
+          <a:p>
+            <a:pPr lvl="0" algn="ctr"/>
+            <a:r>
+              <a:rPr kumimoji="1" lang="en-US" altLang="ko-KR" sz="600" dirty="0">
+                <a:solidFill>
+                  <a:prstClr val="black"/>
+                </a:solidFill>
+              </a:rPr>
+              <a:t>1</a:t>
+            </a:r>
+            <a:endParaRPr kumimoji="1" lang="ko-KR" altLang="en-US" sz="600" dirty="0">
+              <a:solidFill>
+                <a:prstClr val="black"/>
+              </a:solidFill>
+            </a:endParaRPr>
+          </a:p>
+        </p:txBody>
+      </p:sp>
+      <p:sp>
+        <p:nvSpPr>
+          <p:cNvPr id="195" name="직사각형 194"/>
+          <p:cNvSpPr/>
+          <p:nvPr/>
+        </p:nvSpPr>
+        <p:spPr>
+          <a:xfrm>
+            <a:off x="6840761" y="5775217"/>
+            <a:ext cx="260997" cy="260997"/>
+          </a:xfrm>
+          <a:prstGeom prst="rect">
+            <a:avLst/>
+          </a:prstGeom>
+          <a:solidFill>
+            <a:schemeClr val="bg1"/>
+          </a:solidFill>
+          <a:ln w="25400">
+            <a:solidFill>
+              <a:schemeClr val="tx1"/>
+            </a:solidFill>
+          </a:ln>
+        </p:spPr>
+        <p:style>
+          <a:lnRef idx="2">
+            <a:schemeClr val="accent1">
+              <a:shade val="50000"/>
+            </a:schemeClr>
+          </a:lnRef>
+          <a:fillRef idx="1">
+            <a:schemeClr val="accent1"/>
+          </a:fillRef>
+          <a:effectRef idx="0">
+            <a:schemeClr val="accent1"/>
+          </a:effectRef>
+          <a:fontRef idx="minor">
+            <a:schemeClr val="lt1"/>
+          </a:fontRef>
+        </p:style>
+        <p:txBody>
+          <a:bodyPr lIns="0" tIns="0" rIns="0" bIns="0" rtlCol="0" anchor="ctr"/>
+          <a:lstStyle/>
+          <a:p>
+            <a:pPr lvl="0" algn="ctr"/>
+            <a:r>
+              <a:rPr kumimoji="1" lang="en-US" altLang="ko-KR" sz="600" dirty="0">
+                <a:solidFill>
+                  <a:prstClr val="black"/>
+                </a:solidFill>
+              </a:rPr>
+              <a:t>item</a:t>
+            </a:r>
+          </a:p>
+          <a:p>
+            <a:pPr lvl="0" algn="ctr"/>
+            <a:r>
+              <a:rPr kumimoji="1" lang="en-US" altLang="ko-KR" sz="600" dirty="0">
+                <a:solidFill>
+                  <a:prstClr val="black"/>
+                </a:solidFill>
+              </a:rPr>
+              <a:t>1</a:t>
+            </a:r>
+            <a:endParaRPr kumimoji="1" lang="ko-KR" altLang="en-US" sz="600" dirty="0">
+              <a:solidFill>
+                <a:prstClr val="black"/>
+              </a:solidFill>
+            </a:endParaRPr>
+          </a:p>
+        </p:txBody>
+      </p:sp>
+      <p:sp>
+        <p:nvSpPr>
+          <p:cNvPr id="196" name="직사각형 195"/>
+          <p:cNvSpPr/>
+          <p:nvPr/>
+        </p:nvSpPr>
+        <p:spPr>
+          <a:xfrm>
+            <a:off x="6487933" y="5775217"/>
+            <a:ext cx="260997" cy="260997"/>
+          </a:xfrm>
+          <a:prstGeom prst="rect">
+            <a:avLst/>
+          </a:prstGeom>
+          <a:solidFill>
+            <a:schemeClr val="bg1"/>
+          </a:solidFill>
+          <a:ln w="25400">
+            <a:solidFill>
+              <a:schemeClr val="tx1"/>
+            </a:solidFill>
+          </a:ln>
+        </p:spPr>
+        <p:style>
+          <a:lnRef idx="2">
+            <a:schemeClr val="accent1">
+              <a:shade val="50000"/>
+            </a:schemeClr>
+          </a:lnRef>
+          <a:fillRef idx="1">
+            <a:schemeClr val="accent1"/>
+          </a:fillRef>
+          <a:effectRef idx="0">
+            <a:schemeClr val="accent1"/>
+          </a:effectRef>
+          <a:fontRef idx="minor">
+            <a:schemeClr val="lt1"/>
+          </a:fontRef>
+        </p:style>
+        <p:txBody>
+          <a:bodyPr lIns="0" tIns="0" rIns="0" bIns="0" rtlCol="0" anchor="ctr"/>
+          <a:lstStyle/>
+          <a:p>
+            <a:pPr lvl="0" algn="ctr"/>
+            <a:r>
+              <a:rPr kumimoji="1" lang="en-US" altLang="ko-KR" sz="600" dirty="0">
+                <a:solidFill>
+                  <a:prstClr val="black"/>
+                </a:solidFill>
+              </a:rPr>
+              <a:t>item</a:t>
+            </a:r>
+          </a:p>
+          <a:p>
+            <a:pPr lvl="0" algn="ctr"/>
+            <a:r>
+              <a:rPr kumimoji="1" lang="en-US" altLang="ko-KR" sz="600" dirty="0">
+                <a:solidFill>
+                  <a:prstClr val="black"/>
+                </a:solidFill>
+              </a:rPr>
+              <a:t>1</a:t>
+            </a:r>
+            <a:endParaRPr kumimoji="1" lang="ko-KR" altLang="en-US" sz="600" dirty="0">
+              <a:solidFill>
+                <a:prstClr val="black"/>
+              </a:solidFill>
+            </a:endParaRPr>
+          </a:p>
+        </p:txBody>
+      </p:sp>
       <p:grpSp>
         <p:nvGrpSpPr>
-          <p:cNvPr id="184" name="그룹 183"/>
+          <p:cNvPr id="197" name="그룹 196"/>
           <p:cNvGrpSpPr/>
           <p:nvPr/>
         </p:nvGrpSpPr>
         <p:grpSpPr>
           <a:xfrm>
-            <a:off x="1746938" y="1713956"/>
-            <a:ext cx="8698123" cy="4847327"/>
-            <a:chOff x="1636574" y="1713957"/>
-            <a:chExt cx="8918853" cy="4970336"/>
+            <a:off x="1910977" y="1843137"/>
+            <a:ext cx="2205772" cy="689084"/>
+            <a:chOff x="437805" y="349136"/>
+            <a:chExt cx="3485805" cy="1088967"/>
           </a:xfrm>
         </p:grpSpPr>
         <p:sp>
           <p:nvSpPr>
-            <p:cNvPr id="185" name="자유형 184"/>
+            <p:cNvPr id="255" name="직사각형 254"/>
             <p:cNvSpPr/>
             <p:nvPr/>
           </p:nvSpPr>
           <p:spPr>
             <a:xfrm>
-              <a:off x="1656239" y="2785495"/>
-              <a:ext cx="4285413" cy="1137468"/>
+              <a:off x="437805" y="349136"/>
+              <a:ext cx="892232" cy="1088966"/>
             </a:xfrm>
-            <a:custGeom>
+            <a:prstGeom prst="rect">
               <a:avLst/>
-              <a:gdLst>
-                <a:gd name="connsiteX0" fmla="*/ 5647765 w 5647765"/>
-                <a:gd name="connsiteY0" fmla="*/ 0 h 1499075"/>
-                <a:gd name="connsiteX1" fmla="*/ 4141694 w 5647765"/>
-                <a:gd name="connsiteY1" fmla="*/ 363071 h 1499075"/>
-                <a:gd name="connsiteX2" fmla="*/ 2729753 w 5647765"/>
-                <a:gd name="connsiteY2" fmla="*/ 1492623 h 1499075"/>
-                <a:gd name="connsiteX3" fmla="*/ 1411941 w 5647765"/>
-                <a:gd name="connsiteY3" fmla="*/ 833718 h 1499075"/>
-                <a:gd name="connsiteX4" fmla="*/ 0 w 5647765"/>
-                <a:gd name="connsiteY4" fmla="*/ 1035423 h 1499075"/>
-              </a:gdLst>
-              <a:ahLst/>
-              <a:cxnLst>
-                <a:cxn ang="0">
-                  <a:pos x="connsiteX0" y="connsiteY0"/>
-                </a:cxn>
-                <a:cxn ang="0">
-                  <a:pos x="connsiteX1" y="connsiteY1"/>
-                </a:cxn>
-                <a:cxn ang="0">
-                  <a:pos x="connsiteX2" y="connsiteY2"/>
-                </a:cxn>
-                <a:cxn ang="0">
-                  <a:pos x="connsiteX3" y="connsiteY3"/>
-                </a:cxn>
-                <a:cxn ang="0">
-                  <a:pos x="connsiteX4" y="connsiteY4"/>
-                </a:cxn>
-              </a:cxnLst>
-              <a:rect l="l" t="t" r="r" b="b"/>
-              <a:pathLst>
-                <a:path w="5647765" h="1499075">
-                  <a:moveTo>
-                    <a:pt x="5647765" y="0"/>
-                  </a:moveTo>
-                  <a:cubicBezTo>
-                    <a:pt x="5137897" y="57150"/>
-                    <a:pt x="4628029" y="114301"/>
-                    <a:pt x="4141694" y="363071"/>
-                  </a:cubicBezTo>
-                  <a:cubicBezTo>
-                    <a:pt x="3655359" y="611841"/>
-                    <a:pt x="3184712" y="1414182"/>
-                    <a:pt x="2729753" y="1492623"/>
-                  </a:cubicBezTo>
-                  <a:cubicBezTo>
-                    <a:pt x="2274794" y="1571064"/>
-                    <a:pt x="1866900" y="909918"/>
-                    <a:pt x="1411941" y="833718"/>
-                  </a:cubicBezTo>
-                  <a:cubicBezTo>
-                    <a:pt x="956982" y="757518"/>
-                    <a:pt x="478491" y="896470"/>
-                    <a:pt x="0" y="1035423"/>
-                  </a:cubicBezTo>
-                </a:path>
-              </a:pathLst>
-            </a:custGeom>
-            <a:noFill/>
+            </a:prstGeom>
+            <a:blipFill>
+              <a:blip r:embed="rId2" cstate="email">
+                <a:extLst>
+                  <a:ext uri="{28A0092B-C50C-407E-A947-70E740481C1C}">
+                    <a14:useLocalDpi xmlns:a14="http://schemas.microsoft.com/office/drawing/2010/main"/>
+                  </a:ext>
+                </a:extLst>
+              </a:blip>
+              <a:stretch>
+                <a:fillRect/>
+              </a:stretch>
+            </a:blipFill>
             <a:ln w="25400">
               <a:solidFill>
                 <a:schemeClr val="tx1"/>
@@ -24637,14 +25465,227 @@
         </p:sp>
         <p:sp>
           <p:nvSpPr>
-            <p:cNvPr id="186" name="직사각형 185"/>
+            <p:cNvPr id="256" name="직사각형 255"/>
             <p:cNvSpPr/>
             <p:nvPr/>
           </p:nvSpPr>
           <p:spPr>
             <a:xfrm>
-              <a:off x="1636574" y="1713957"/>
-              <a:ext cx="8918853" cy="4970336"/>
+              <a:off x="1468586" y="349136"/>
+              <a:ext cx="2455024" cy="324195"/>
+            </a:xfrm>
+            <a:prstGeom prst="rect">
+              <a:avLst/>
+            </a:prstGeom>
+            <a:solidFill>
+              <a:srgbClr val="FF0000">
+                <a:alpha val="45000"/>
+              </a:srgbClr>
+            </a:solidFill>
+            <a:ln w="25400">
+              <a:solidFill>
+                <a:schemeClr val="tx1"/>
+              </a:solidFill>
+            </a:ln>
+          </p:spPr>
+          <p:style>
+            <a:lnRef idx="2">
+              <a:schemeClr val="accent1">
+                <a:shade val="50000"/>
+              </a:schemeClr>
+            </a:lnRef>
+            <a:fillRef idx="1">
+              <a:schemeClr val="accent1"/>
+            </a:fillRef>
+            <a:effectRef idx="0">
+              <a:schemeClr val="accent1"/>
+            </a:effectRef>
+            <a:fontRef idx="minor">
+              <a:schemeClr val="lt1"/>
+            </a:fontRef>
+          </p:style>
+          <p:txBody>
+            <a:bodyPr rtlCol="0" anchor="ctr"/>
+            <a:lstStyle/>
+            <a:p>
+              <a:pPr algn="ctr"/>
+              <a:endParaRPr kumimoji="1" lang="ko-KR" altLang="en-US" sz="1100"/>
+            </a:p>
+          </p:txBody>
+        </p:sp>
+        <p:sp>
+          <p:nvSpPr>
+            <p:cNvPr id="257" name="직사각형 256"/>
+            <p:cNvSpPr/>
+            <p:nvPr/>
+          </p:nvSpPr>
+          <p:spPr>
+            <a:xfrm>
+              <a:off x="1867990" y="1113907"/>
+              <a:ext cx="2055620" cy="324196"/>
+            </a:xfrm>
+            <a:prstGeom prst="rect">
+              <a:avLst/>
+            </a:prstGeom>
+            <a:gradFill flip="none" rotWithShape="1">
+              <a:gsLst>
+                <a:gs pos="75000">
+                  <a:srgbClr val="FFC000"/>
+                </a:gs>
+                <a:gs pos="76000">
+                  <a:schemeClr val="bg1"/>
+                </a:gs>
+              </a:gsLst>
+              <a:lin ang="0" scaled="1"/>
+              <a:tileRect/>
+            </a:gradFill>
+            <a:ln w="25400">
+              <a:solidFill>
+                <a:schemeClr val="tx1"/>
+              </a:solidFill>
+            </a:ln>
+          </p:spPr>
+          <p:style>
+            <a:lnRef idx="2">
+              <a:schemeClr val="accent1">
+                <a:shade val="50000"/>
+              </a:schemeClr>
+            </a:lnRef>
+            <a:fillRef idx="1">
+              <a:schemeClr val="accent1"/>
+            </a:fillRef>
+            <a:effectRef idx="0">
+              <a:schemeClr val="accent1"/>
+            </a:effectRef>
+            <a:fontRef idx="minor">
+              <a:schemeClr val="lt1"/>
+            </a:fontRef>
+          </p:style>
+          <p:txBody>
+            <a:bodyPr rtlCol="0" anchor="ctr"/>
+            <a:lstStyle/>
+            <a:p>
+              <a:pPr algn="ctr"/>
+              <a:endParaRPr kumimoji="1" lang="ko-KR" altLang="en-US" sz="1100"/>
+            </a:p>
+          </p:txBody>
+        </p:sp>
+        <p:sp>
+          <p:nvSpPr>
+            <p:cNvPr id="258" name="타원 257"/>
+            <p:cNvSpPr/>
+            <p:nvPr/>
+          </p:nvSpPr>
+          <p:spPr>
+            <a:xfrm>
+              <a:off x="1461355" y="1113906"/>
+              <a:ext cx="324196" cy="324196"/>
+            </a:xfrm>
+            <a:prstGeom prst="ellipse">
+              <a:avLst/>
+            </a:prstGeom>
+            <a:noFill/>
+            <a:ln w="25400">
+              <a:solidFill>
+                <a:schemeClr val="tx1"/>
+              </a:solidFill>
+            </a:ln>
+          </p:spPr>
+          <p:style>
+            <a:lnRef idx="2">
+              <a:schemeClr val="accent1">
+                <a:shade val="50000"/>
+              </a:schemeClr>
+            </a:lnRef>
+            <a:fillRef idx="1">
+              <a:schemeClr val="accent1"/>
+            </a:fillRef>
+            <a:effectRef idx="0">
+              <a:schemeClr val="accent1"/>
+            </a:effectRef>
+            <a:fontRef idx="minor">
+              <a:schemeClr val="lt1"/>
+            </a:fontRef>
+          </p:style>
+          <p:txBody>
+            <a:bodyPr rtlCol="0" anchor="ctr"/>
+            <a:lstStyle/>
+            <a:p>
+              <a:pPr algn="ctr"/>
+              <a:r>
+                <a:rPr kumimoji="1" lang="en-US" altLang="ko-KR" sz="1100" dirty="0">
+                  <a:solidFill>
+                    <a:sysClr val="windowText" lastClr="000000"/>
+                  </a:solidFill>
+                </a:rPr>
+                <a:t>2</a:t>
+              </a:r>
+              <a:endParaRPr kumimoji="1" lang="ko-KR" altLang="en-US" sz="1100" dirty="0">
+                <a:solidFill>
+                  <a:sysClr val="windowText" lastClr="000000"/>
+                </a:solidFill>
+              </a:endParaRPr>
+            </a:p>
+          </p:txBody>
+        </p:sp>
+        <p:sp>
+          <p:nvSpPr>
+            <p:cNvPr id="259" name="직사각형 258"/>
+            <p:cNvSpPr/>
+            <p:nvPr/>
+          </p:nvSpPr>
+          <p:spPr>
+            <a:xfrm>
+              <a:off x="1457127" y="769211"/>
+              <a:ext cx="201386" cy="248815"/>
+            </a:xfrm>
+            <a:prstGeom prst="rect">
+              <a:avLst/>
+            </a:prstGeom>
+            <a:solidFill>
+              <a:srgbClr val="00B0F0"/>
+            </a:solidFill>
+            <a:ln w="25400">
+              <a:solidFill>
+                <a:schemeClr val="tx1"/>
+              </a:solidFill>
+            </a:ln>
+          </p:spPr>
+          <p:style>
+            <a:lnRef idx="2">
+              <a:schemeClr val="accent1">
+                <a:shade val="50000"/>
+              </a:schemeClr>
+            </a:lnRef>
+            <a:fillRef idx="1">
+              <a:schemeClr val="accent1"/>
+            </a:fillRef>
+            <a:effectRef idx="0">
+              <a:schemeClr val="accent1"/>
+            </a:effectRef>
+            <a:fontRef idx="minor">
+              <a:schemeClr val="lt1"/>
+            </a:fontRef>
+          </p:style>
+          <p:txBody>
+            <a:bodyPr rtlCol="0" anchor="ctr"/>
+            <a:lstStyle/>
+            <a:p>
+              <a:pPr algn="ctr"/>
+              <a:endParaRPr kumimoji="1" lang="ko-KR" altLang="en-US" sz="1100"/>
+            </a:p>
+          </p:txBody>
+        </p:sp>
+        <p:sp>
+          <p:nvSpPr>
+            <p:cNvPr id="260" name="직사각형 259"/>
+            <p:cNvSpPr/>
+            <p:nvPr/>
+          </p:nvSpPr>
+          <p:spPr>
+            <a:xfrm>
+              <a:off x="3720060" y="769211"/>
+              <a:ext cx="201386" cy="248815"/>
             </a:xfrm>
             <a:prstGeom prst="rect">
               <a:avLst/>
@@ -24683,39 +25724,120 @@
         </p:sp>
         <p:sp>
           <p:nvSpPr>
-            <p:cNvPr id="187" name="타원 186"/>
+            <p:cNvPr id="261" name="직사각형 260"/>
             <p:cNvSpPr/>
             <p:nvPr/>
           </p:nvSpPr>
           <p:spPr>
             <a:xfrm>
-              <a:off x="5695022" y="5209230"/>
-              <a:ext cx="802859" cy="802859"/>
+              <a:off x="3468623" y="769211"/>
+              <a:ext cx="201386" cy="248815"/>
             </a:xfrm>
-            <a:prstGeom prst="ellipse">
+            <a:prstGeom prst="rect">
+              <a:avLst/>
+            </a:prstGeom>
+            <a:noFill/>
+            <a:ln w="25400">
+              <a:solidFill>
+                <a:schemeClr val="tx1"/>
+              </a:solidFill>
+            </a:ln>
+          </p:spPr>
+          <p:style>
+            <a:lnRef idx="2">
+              <a:schemeClr val="accent1">
+                <a:shade val="50000"/>
+              </a:schemeClr>
+            </a:lnRef>
+            <a:fillRef idx="1">
+              <a:schemeClr val="accent1"/>
+            </a:fillRef>
+            <a:effectRef idx="0">
+              <a:schemeClr val="accent1"/>
+            </a:effectRef>
+            <a:fontRef idx="minor">
+              <a:schemeClr val="lt1"/>
+            </a:fontRef>
+          </p:style>
+          <p:txBody>
+            <a:bodyPr rtlCol="0" anchor="ctr"/>
+            <a:lstStyle/>
+            <a:p>
+              <a:pPr algn="ctr"/>
+              <a:endParaRPr kumimoji="1" lang="ko-KR" altLang="en-US" sz="1100"/>
+            </a:p>
+          </p:txBody>
+        </p:sp>
+        <p:sp>
+          <p:nvSpPr>
+            <p:cNvPr id="262" name="직사각형 261"/>
+            <p:cNvSpPr/>
+            <p:nvPr/>
+          </p:nvSpPr>
+          <p:spPr>
+            <a:xfrm>
+              <a:off x="3217186" y="769211"/>
+              <a:ext cx="201386" cy="248815"/>
+            </a:xfrm>
+            <a:prstGeom prst="rect">
+              <a:avLst/>
+            </a:prstGeom>
+            <a:noFill/>
+            <a:ln w="25400">
+              <a:solidFill>
+                <a:schemeClr val="tx1"/>
+              </a:solidFill>
+            </a:ln>
+          </p:spPr>
+          <p:style>
+            <a:lnRef idx="2">
+              <a:schemeClr val="accent1">
+                <a:shade val="50000"/>
+              </a:schemeClr>
+            </a:lnRef>
+            <a:fillRef idx="1">
+              <a:schemeClr val="accent1"/>
+            </a:fillRef>
+            <a:effectRef idx="0">
+              <a:schemeClr val="accent1"/>
+            </a:effectRef>
+            <a:fontRef idx="minor">
+              <a:schemeClr val="lt1"/>
+            </a:fontRef>
+          </p:style>
+          <p:txBody>
+            <a:bodyPr rtlCol="0" anchor="ctr"/>
+            <a:lstStyle/>
+            <a:p>
+              <a:pPr algn="ctr"/>
+              <a:endParaRPr kumimoji="1" lang="ko-KR" altLang="en-US" sz="1100"/>
+            </a:p>
+          </p:txBody>
+        </p:sp>
+        <p:sp>
+          <p:nvSpPr>
+            <p:cNvPr id="263" name="직사각형 262"/>
+            <p:cNvSpPr/>
+            <p:nvPr/>
+          </p:nvSpPr>
+          <p:spPr>
+            <a:xfrm>
+              <a:off x="2965749" y="769211"/>
+              <a:ext cx="201386" cy="248815"/>
+            </a:xfrm>
+            <a:prstGeom prst="rect">
               <a:avLst/>
             </a:prstGeom>
             <a:gradFill flip="none" rotWithShape="1">
               <a:gsLst>
                 <a:gs pos="0">
-                  <a:srgbClr val="FFC000"/>
+                  <a:srgbClr val="00B0F0"/>
                 </a:gs>
-                <a:gs pos="70000">
-                  <a:srgbClr val="FFC000"/>
-                </a:gs>
-                <a:gs pos="83000">
-                  <a:schemeClr val="accent4">
-                    <a:lumMod val="20000"/>
-                    <a:lumOff val="80000"/>
-                  </a:schemeClr>
-                </a:gs>
-                <a:gs pos="100000">
+                <a:gs pos="61000">
                   <a:schemeClr val="bg1"/>
                 </a:gs>
               </a:gsLst>
-              <a:path path="shape">
-                <a:fillToRect l="50000" t="50000" r="50000" b="50000"/>
-              </a:path>
+              <a:lin ang="0" scaled="1"/>
               <a:tileRect/>
             </a:gradFill>
             <a:ln w="25400">
@@ -24751,2645 +25873,25 @@
         </p:sp>
         <p:sp>
           <p:nvSpPr>
-            <p:cNvPr id="188" name="타원 187"/>
+            <p:cNvPr id="264" name="직사각형 263"/>
             <p:cNvSpPr/>
             <p:nvPr/>
           </p:nvSpPr>
           <p:spPr>
             <a:xfrm>
-              <a:off x="5912631" y="5427290"/>
-              <a:ext cx="366738" cy="366737"/>
+              <a:off x="2714312" y="769211"/>
+              <a:ext cx="201386" cy="248815"/>
             </a:xfrm>
-            <a:prstGeom prst="ellipse">
+            <a:prstGeom prst="rect">
               <a:avLst/>
             </a:prstGeom>
             <a:solidFill>
-              <a:schemeClr val="bg1"/>
+              <a:srgbClr val="00B0F0"/>
             </a:solidFill>
             <a:ln w="25400">
               <a:solidFill>
                 <a:schemeClr val="tx1"/>
               </a:solidFill>
-            </a:ln>
-          </p:spPr>
-          <p:style>
-            <a:lnRef idx="2">
-              <a:schemeClr val="accent1">
-                <a:shade val="50000"/>
-              </a:schemeClr>
-            </a:lnRef>
-            <a:fillRef idx="1">
-              <a:schemeClr val="accent1"/>
-            </a:fillRef>
-            <a:effectRef idx="0">
-              <a:schemeClr val="accent1"/>
-            </a:effectRef>
-            <a:fontRef idx="minor">
-              <a:schemeClr val="lt1"/>
-            </a:fontRef>
-          </p:style>
-          <p:txBody>
-            <a:bodyPr rtlCol="0" anchor="ctr"/>
-            <a:lstStyle/>
-            <a:p>
-              <a:pPr algn="ctr"/>
-              <a:r>
-                <a:rPr kumimoji="1" lang="en-US" altLang="ko-KR" sz="1600" dirty="0">
-                  <a:solidFill>
-                    <a:sysClr val="windowText" lastClr="000000"/>
-                  </a:solidFill>
-                </a:rPr>
-                <a:t>2</a:t>
-              </a:r>
-              <a:endParaRPr kumimoji="1" lang="ko-KR" altLang="en-US" sz="1600" dirty="0">
-                <a:solidFill>
-                  <a:sysClr val="windowText" lastClr="000000"/>
-                </a:solidFill>
-              </a:endParaRPr>
-            </a:p>
-          </p:txBody>
-        </p:sp>
-        <p:sp>
-          <p:nvSpPr>
-            <p:cNvPr id="189" name="직사각형 188"/>
-            <p:cNvSpPr/>
-            <p:nvPr/>
-          </p:nvSpPr>
-          <p:spPr>
-            <a:xfrm>
-              <a:off x="5427402" y="5878279"/>
-              <a:ext cx="267620" cy="267620"/>
-            </a:xfrm>
-            <a:prstGeom prst="rect">
-              <a:avLst/>
-            </a:prstGeom>
-            <a:solidFill>
-              <a:schemeClr val="bg1"/>
-            </a:solidFill>
-            <a:ln w="25400">
-              <a:solidFill>
-                <a:schemeClr val="tx1"/>
-              </a:solidFill>
-            </a:ln>
-          </p:spPr>
-          <p:style>
-            <a:lnRef idx="2">
-              <a:schemeClr val="accent1">
-                <a:shade val="50000"/>
-              </a:schemeClr>
-            </a:lnRef>
-            <a:fillRef idx="1">
-              <a:schemeClr val="accent1"/>
-            </a:fillRef>
-            <a:effectRef idx="0">
-              <a:schemeClr val="accent1"/>
-            </a:effectRef>
-            <a:fontRef idx="minor">
-              <a:schemeClr val="lt1"/>
-            </a:fontRef>
-          </p:style>
-          <p:txBody>
-            <a:bodyPr lIns="0" tIns="0" rIns="0" bIns="0" rtlCol="0" anchor="ctr"/>
-            <a:lstStyle/>
-            <a:p>
-              <a:pPr lvl="0" algn="ctr"/>
-              <a:r>
-                <a:rPr kumimoji="1" lang="en-US" altLang="ko-KR" sz="600" dirty="0">
-                  <a:solidFill>
-                    <a:prstClr val="black"/>
-                  </a:solidFill>
-                </a:rPr>
-                <a:t>ultra</a:t>
-              </a:r>
-              <a:endParaRPr kumimoji="1" lang="ko-KR" altLang="en-US" sz="600" dirty="0">
-                <a:solidFill>
-                  <a:prstClr val="black"/>
-                </a:solidFill>
-              </a:endParaRPr>
-            </a:p>
-          </p:txBody>
-        </p:sp>
-        <p:sp>
-          <p:nvSpPr>
-            <p:cNvPr id="190" name="직사각형 189"/>
-            <p:cNvSpPr/>
-            <p:nvPr/>
-          </p:nvSpPr>
-          <p:spPr>
-            <a:xfrm>
-              <a:off x="5080488" y="5878279"/>
-              <a:ext cx="267620" cy="267620"/>
-            </a:xfrm>
-            <a:prstGeom prst="rect">
-              <a:avLst/>
-            </a:prstGeom>
-            <a:solidFill>
-              <a:schemeClr val="bg1"/>
-            </a:solidFill>
-            <a:ln w="25400">
-              <a:solidFill>
-                <a:schemeClr val="tx1"/>
-              </a:solidFill>
-            </a:ln>
-          </p:spPr>
-          <p:style>
-            <a:lnRef idx="2">
-              <a:schemeClr val="accent1">
-                <a:shade val="50000"/>
-              </a:schemeClr>
-            </a:lnRef>
-            <a:fillRef idx="1">
-              <a:schemeClr val="accent1"/>
-            </a:fillRef>
-            <a:effectRef idx="0">
-              <a:schemeClr val="accent1"/>
-            </a:effectRef>
-            <a:fontRef idx="minor">
-              <a:schemeClr val="lt1"/>
-            </a:fontRef>
-          </p:style>
-          <p:txBody>
-            <a:bodyPr lIns="0" tIns="0" rIns="0" bIns="0" rtlCol="0" anchor="ctr"/>
-            <a:lstStyle/>
-            <a:p>
-              <a:pPr lvl="0" algn="ctr"/>
-              <a:r>
-                <a:rPr kumimoji="1" lang="en-US" altLang="ko-KR" sz="600" dirty="0">
-                  <a:solidFill>
-                    <a:prstClr val="black"/>
-                  </a:solidFill>
-                </a:rPr>
-                <a:t>Skill</a:t>
-              </a:r>
-            </a:p>
-            <a:p>
-              <a:pPr lvl="0" algn="ctr"/>
-              <a:r>
-                <a:rPr kumimoji="1" lang="en-US" altLang="ko-KR" sz="600" dirty="0">
-                  <a:solidFill>
-                    <a:prstClr val="black"/>
-                  </a:solidFill>
-                </a:rPr>
-                <a:t>4</a:t>
-              </a:r>
-              <a:endParaRPr kumimoji="1" lang="ko-KR" altLang="en-US" sz="600" dirty="0">
-                <a:solidFill>
-                  <a:prstClr val="black"/>
-                </a:solidFill>
-              </a:endParaRPr>
-            </a:p>
-          </p:txBody>
-        </p:sp>
-        <p:sp>
-          <p:nvSpPr>
-            <p:cNvPr id="191" name="직사각형 190"/>
-            <p:cNvSpPr/>
-            <p:nvPr/>
-          </p:nvSpPr>
-          <p:spPr>
-            <a:xfrm>
-              <a:off x="4718706" y="5878279"/>
-              <a:ext cx="267620" cy="267620"/>
-            </a:xfrm>
-            <a:prstGeom prst="rect">
-              <a:avLst/>
-            </a:prstGeom>
-            <a:solidFill>
-              <a:schemeClr val="bg1"/>
-            </a:solidFill>
-            <a:ln w="25400">
-              <a:solidFill>
-                <a:schemeClr val="tx1"/>
-              </a:solidFill>
-            </a:ln>
-          </p:spPr>
-          <p:style>
-            <a:lnRef idx="2">
-              <a:schemeClr val="accent1">
-                <a:shade val="50000"/>
-              </a:schemeClr>
-            </a:lnRef>
-            <a:fillRef idx="1">
-              <a:schemeClr val="accent1"/>
-            </a:fillRef>
-            <a:effectRef idx="0">
-              <a:schemeClr val="accent1"/>
-            </a:effectRef>
-            <a:fontRef idx="minor">
-              <a:schemeClr val="lt1"/>
-            </a:fontRef>
-          </p:style>
-          <p:txBody>
-            <a:bodyPr lIns="0" tIns="0" rIns="0" bIns="0" rtlCol="0" anchor="ctr"/>
-            <a:lstStyle/>
-            <a:p>
-              <a:pPr lvl="0" algn="ctr"/>
-              <a:r>
-                <a:rPr kumimoji="1" lang="en-US" altLang="ko-KR" sz="600" dirty="0">
-                  <a:solidFill>
-                    <a:prstClr val="black"/>
-                  </a:solidFill>
-                </a:rPr>
-                <a:t>Skill</a:t>
-              </a:r>
-            </a:p>
-            <a:p>
-              <a:pPr lvl="0" algn="ctr"/>
-              <a:r>
-                <a:rPr kumimoji="1" lang="en-US" altLang="ko-KR" sz="600" dirty="0">
-                  <a:solidFill>
-                    <a:prstClr val="black"/>
-                  </a:solidFill>
-                </a:rPr>
-                <a:t>3</a:t>
-              </a:r>
-              <a:endParaRPr kumimoji="1" lang="ko-KR" altLang="en-US" sz="600" dirty="0">
-                <a:solidFill>
-                  <a:prstClr val="black"/>
-                </a:solidFill>
-              </a:endParaRPr>
-            </a:p>
-          </p:txBody>
-        </p:sp>
-        <p:sp>
-          <p:nvSpPr>
-            <p:cNvPr id="192" name="직사각형 191"/>
-            <p:cNvSpPr/>
-            <p:nvPr/>
-          </p:nvSpPr>
-          <p:spPr>
-            <a:xfrm>
-              <a:off x="4356924" y="5878279"/>
-              <a:ext cx="267620" cy="267620"/>
-            </a:xfrm>
-            <a:prstGeom prst="rect">
-              <a:avLst/>
-            </a:prstGeom>
-            <a:solidFill>
-              <a:schemeClr val="bg1"/>
-            </a:solidFill>
-            <a:ln w="25400">
-              <a:solidFill>
-                <a:schemeClr val="tx1"/>
-              </a:solidFill>
-            </a:ln>
-          </p:spPr>
-          <p:style>
-            <a:lnRef idx="2">
-              <a:schemeClr val="accent1">
-                <a:shade val="50000"/>
-              </a:schemeClr>
-            </a:lnRef>
-            <a:fillRef idx="1">
-              <a:schemeClr val="accent1"/>
-            </a:fillRef>
-            <a:effectRef idx="0">
-              <a:schemeClr val="accent1"/>
-            </a:effectRef>
-            <a:fontRef idx="minor">
-              <a:schemeClr val="lt1"/>
-            </a:fontRef>
-          </p:style>
-          <p:txBody>
-            <a:bodyPr lIns="0" tIns="0" rIns="0" bIns="0" rtlCol="0" anchor="ctr"/>
-            <a:lstStyle/>
-            <a:p>
-              <a:pPr lvl="0" algn="ctr"/>
-              <a:r>
-                <a:rPr kumimoji="1" lang="en-US" altLang="ko-KR" sz="600" dirty="0">
-                  <a:solidFill>
-                    <a:prstClr val="black"/>
-                  </a:solidFill>
-                </a:rPr>
-                <a:t>Skill</a:t>
-              </a:r>
-            </a:p>
-            <a:p>
-              <a:pPr lvl="0" algn="ctr"/>
-              <a:r>
-                <a:rPr kumimoji="1" lang="en-US" altLang="ko-KR" sz="600" dirty="0">
-                  <a:solidFill>
-                    <a:prstClr val="black"/>
-                  </a:solidFill>
-                </a:rPr>
-                <a:t>2</a:t>
-              </a:r>
-              <a:endParaRPr kumimoji="1" lang="ko-KR" altLang="en-US" sz="600" dirty="0">
-                <a:solidFill>
-                  <a:prstClr val="black"/>
-                </a:solidFill>
-              </a:endParaRPr>
-            </a:p>
-          </p:txBody>
-        </p:sp>
-        <p:sp>
-          <p:nvSpPr>
-            <p:cNvPr id="193" name="직사각형 192"/>
-            <p:cNvSpPr/>
-            <p:nvPr/>
-          </p:nvSpPr>
-          <p:spPr>
-            <a:xfrm>
-              <a:off x="7568358" y="5878279"/>
-              <a:ext cx="267620" cy="267620"/>
-            </a:xfrm>
-            <a:prstGeom prst="rect">
-              <a:avLst/>
-            </a:prstGeom>
-            <a:solidFill>
-              <a:schemeClr val="bg1"/>
-            </a:solidFill>
-            <a:ln w="25400">
-              <a:solidFill>
-                <a:schemeClr val="tx1"/>
-              </a:solidFill>
-            </a:ln>
-          </p:spPr>
-          <p:style>
-            <a:lnRef idx="2">
-              <a:schemeClr val="accent1">
-                <a:shade val="50000"/>
-              </a:schemeClr>
-            </a:lnRef>
-            <a:fillRef idx="1">
-              <a:schemeClr val="accent1"/>
-            </a:fillRef>
-            <a:effectRef idx="0">
-              <a:schemeClr val="accent1"/>
-            </a:effectRef>
-            <a:fontRef idx="minor">
-              <a:schemeClr val="lt1"/>
-            </a:fontRef>
-          </p:style>
-          <p:txBody>
-            <a:bodyPr lIns="0" tIns="0" rIns="0" bIns="0" rtlCol="0" anchor="ctr"/>
-            <a:lstStyle/>
-            <a:p>
-              <a:pPr lvl="0" algn="ctr"/>
-              <a:r>
-                <a:rPr kumimoji="1" lang="en-US" altLang="ko-KR" sz="600" dirty="0">
-                  <a:solidFill>
-                    <a:prstClr val="black"/>
-                  </a:solidFill>
-                </a:rPr>
-                <a:t>item</a:t>
-              </a:r>
-            </a:p>
-            <a:p>
-              <a:pPr lvl="0" algn="ctr"/>
-              <a:r>
-                <a:rPr kumimoji="1" lang="en-US" altLang="ko-KR" sz="600" dirty="0">
-                  <a:solidFill>
-                    <a:prstClr val="black"/>
-                  </a:solidFill>
-                </a:rPr>
-                <a:t>1</a:t>
-              </a:r>
-              <a:endParaRPr kumimoji="1" lang="ko-KR" altLang="en-US" sz="600" dirty="0">
-                <a:solidFill>
-                  <a:prstClr val="black"/>
-                </a:solidFill>
-              </a:endParaRPr>
-            </a:p>
-          </p:txBody>
-        </p:sp>
-        <p:sp>
-          <p:nvSpPr>
-            <p:cNvPr id="194" name="직사각형 193"/>
-            <p:cNvSpPr/>
-            <p:nvPr/>
-          </p:nvSpPr>
-          <p:spPr>
-            <a:xfrm>
-              <a:off x="7221444" y="5878279"/>
-              <a:ext cx="267620" cy="267620"/>
-            </a:xfrm>
-            <a:prstGeom prst="rect">
-              <a:avLst/>
-            </a:prstGeom>
-            <a:solidFill>
-              <a:schemeClr val="bg1"/>
-            </a:solidFill>
-            <a:ln w="25400">
-              <a:solidFill>
-                <a:schemeClr val="tx1"/>
-              </a:solidFill>
-            </a:ln>
-          </p:spPr>
-          <p:style>
-            <a:lnRef idx="2">
-              <a:schemeClr val="accent1">
-                <a:shade val="50000"/>
-              </a:schemeClr>
-            </a:lnRef>
-            <a:fillRef idx="1">
-              <a:schemeClr val="accent1"/>
-            </a:fillRef>
-            <a:effectRef idx="0">
-              <a:schemeClr val="accent1"/>
-            </a:effectRef>
-            <a:fontRef idx="minor">
-              <a:schemeClr val="lt1"/>
-            </a:fontRef>
-          </p:style>
-          <p:txBody>
-            <a:bodyPr lIns="0" tIns="0" rIns="0" bIns="0" rtlCol="0" anchor="ctr"/>
-            <a:lstStyle/>
-            <a:p>
-              <a:pPr lvl="0" algn="ctr"/>
-              <a:r>
-                <a:rPr kumimoji="1" lang="en-US" altLang="ko-KR" sz="600" dirty="0">
-                  <a:solidFill>
-                    <a:prstClr val="black"/>
-                  </a:solidFill>
-                </a:rPr>
-                <a:t>item</a:t>
-              </a:r>
-            </a:p>
-            <a:p>
-              <a:pPr lvl="0" algn="ctr"/>
-              <a:r>
-                <a:rPr kumimoji="1" lang="en-US" altLang="ko-KR" sz="600" dirty="0">
-                  <a:solidFill>
-                    <a:prstClr val="black"/>
-                  </a:solidFill>
-                </a:rPr>
-                <a:t>1</a:t>
-              </a:r>
-              <a:endParaRPr kumimoji="1" lang="ko-KR" altLang="en-US" sz="600" dirty="0">
-                <a:solidFill>
-                  <a:prstClr val="black"/>
-                </a:solidFill>
-              </a:endParaRPr>
-            </a:p>
-          </p:txBody>
-        </p:sp>
-        <p:sp>
-          <p:nvSpPr>
-            <p:cNvPr id="195" name="직사각형 194"/>
-            <p:cNvSpPr/>
-            <p:nvPr/>
-          </p:nvSpPr>
-          <p:spPr>
-            <a:xfrm>
-              <a:off x="6859662" y="5878279"/>
-              <a:ext cx="267620" cy="267620"/>
-            </a:xfrm>
-            <a:prstGeom prst="rect">
-              <a:avLst/>
-            </a:prstGeom>
-            <a:solidFill>
-              <a:schemeClr val="bg1"/>
-            </a:solidFill>
-            <a:ln w="25400">
-              <a:solidFill>
-                <a:schemeClr val="tx1"/>
-              </a:solidFill>
-            </a:ln>
-          </p:spPr>
-          <p:style>
-            <a:lnRef idx="2">
-              <a:schemeClr val="accent1">
-                <a:shade val="50000"/>
-              </a:schemeClr>
-            </a:lnRef>
-            <a:fillRef idx="1">
-              <a:schemeClr val="accent1"/>
-            </a:fillRef>
-            <a:effectRef idx="0">
-              <a:schemeClr val="accent1"/>
-            </a:effectRef>
-            <a:fontRef idx="minor">
-              <a:schemeClr val="lt1"/>
-            </a:fontRef>
-          </p:style>
-          <p:txBody>
-            <a:bodyPr lIns="0" tIns="0" rIns="0" bIns="0" rtlCol="0" anchor="ctr"/>
-            <a:lstStyle/>
-            <a:p>
-              <a:pPr lvl="0" algn="ctr"/>
-              <a:r>
-                <a:rPr kumimoji="1" lang="en-US" altLang="ko-KR" sz="600" dirty="0">
-                  <a:solidFill>
-                    <a:prstClr val="black"/>
-                  </a:solidFill>
-                </a:rPr>
-                <a:t>item</a:t>
-              </a:r>
-            </a:p>
-            <a:p>
-              <a:pPr lvl="0" algn="ctr"/>
-              <a:r>
-                <a:rPr kumimoji="1" lang="en-US" altLang="ko-KR" sz="600" dirty="0">
-                  <a:solidFill>
-                    <a:prstClr val="black"/>
-                  </a:solidFill>
-                </a:rPr>
-                <a:t>1</a:t>
-              </a:r>
-              <a:endParaRPr kumimoji="1" lang="ko-KR" altLang="en-US" sz="600" dirty="0">
-                <a:solidFill>
-                  <a:prstClr val="black"/>
-                </a:solidFill>
-              </a:endParaRPr>
-            </a:p>
-          </p:txBody>
-        </p:sp>
-        <p:sp>
-          <p:nvSpPr>
-            <p:cNvPr id="196" name="직사각형 195"/>
-            <p:cNvSpPr/>
-            <p:nvPr/>
-          </p:nvSpPr>
-          <p:spPr>
-            <a:xfrm>
-              <a:off x="6497880" y="5878279"/>
-              <a:ext cx="267620" cy="267620"/>
-            </a:xfrm>
-            <a:prstGeom prst="rect">
-              <a:avLst/>
-            </a:prstGeom>
-            <a:solidFill>
-              <a:schemeClr val="bg1"/>
-            </a:solidFill>
-            <a:ln w="25400">
-              <a:solidFill>
-                <a:schemeClr val="tx1"/>
-              </a:solidFill>
-            </a:ln>
-          </p:spPr>
-          <p:style>
-            <a:lnRef idx="2">
-              <a:schemeClr val="accent1">
-                <a:shade val="50000"/>
-              </a:schemeClr>
-            </a:lnRef>
-            <a:fillRef idx="1">
-              <a:schemeClr val="accent1"/>
-            </a:fillRef>
-            <a:effectRef idx="0">
-              <a:schemeClr val="accent1"/>
-            </a:effectRef>
-            <a:fontRef idx="minor">
-              <a:schemeClr val="lt1"/>
-            </a:fontRef>
-          </p:style>
-          <p:txBody>
-            <a:bodyPr lIns="0" tIns="0" rIns="0" bIns="0" rtlCol="0" anchor="ctr"/>
-            <a:lstStyle/>
-            <a:p>
-              <a:pPr lvl="0" algn="ctr"/>
-              <a:r>
-                <a:rPr kumimoji="1" lang="en-US" altLang="ko-KR" sz="600" dirty="0">
-                  <a:solidFill>
-                    <a:prstClr val="black"/>
-                  </a:solidFill>
-                </a:rPr>
-                <a:t>item</a:t>
-              </a:r>
-            </a:p>
-            <a:p>
-              <a:pPr lvl="0" algn="ctr"/>
-              <a:r>
-                <a:rPr kumimoji="1" lang="en-US" altLang="ko-KR" sz="600" dirty="0">
-                  <a:solidFill>
-                    <a:prstClr val="black"/>
-                  </a:solidFill>
-                </a:rPr>
-                <a:t>1</a:t>
-              </a:r>
-              <a:endParaRPr kumimoji="1" lang="ko-KR" altLang="en-US" sz="600" dirty="0">
-                <a:solidFill>
-                  <a:prstClr val="black"/>
-                </a:solidFill>
-              </a:endParaRPr>
-            </a:p>
-          </p:txBody>
-        </p:sp>
-        <p:grpSp>
-          <p:nvGrpSpPr>
-            <p:cNvPr id="197" name="그룹 196"/>
-            <p:cNvGrpSpPr/>
-            <p:nvPr/>
-          </p:nvGrpSpPr>
-          <p:grpSpPr>
-            <a:xfrm>
-              <a:off x="1804776" y="1846416"/>
-              <a:ext cx="2261747" cy="706571"/>
-              <a:chOff x="437805" y="349136"/>
-              <a:chExt cx="3485805" cy="1088967"/>
-            </a:xfrm>
-          </p:grpSpPr>
-          <p:sp>
-            <p:nvSpPr>
-              <p:cNvPr id="255" name="직사각형 254"/>
-              <p:cNvSpPr/>
-              <p:nvPr/>
-            </p:nvSpPr>
-            <p:spPr>
-              <a:xfrm>
-                <a:off x="437805" y="349136"/>
-                <a:ext cx="892232" cy="1088966"/>
-              </a:xfrm>
-              <a:prstGeom prst="rect">
-                <a:avLst/>
-              </a:prstGeom>
-              <a:blipFill>
-                <a:blip r:embed="rId2" cstate="email">
-                  <a:extLst>
-                    <a:ext uri="{28A0092B-C50C-407E-A947-70E740481C1C}">
-                      <a14:useLocalDpi xmlns:a14="http://schemas.microsoft.com/office/drawing/2010/main"/>
-                    </a:ext>
-                  </a:extLst>
-                </a:blip>
-                <a:stretch>
-                  <a:fillRect/>
-                </a:stretch>
-              </a:blipFill>
-              <a:ln w="25400">
-                <a:solidFill>
-                  <a:schemeClr val="tx1"/>
-                </a:solidFill>
-              </a:ln>
-            </p:spPr>
-            <p:style>
-              <a:lnRef idx="2">
-                <a:schemeClr val="accent1">
-                  <a:shade val="50000"/>
-                </a:schemeClr>
-              </a:lnRef>
-              <a:fillRef idx="1">
-                <a:schemeClr val="accent1"/>
-              </a:fillRef>
-              <a:effectRef idx="0">
-                <a:schemeClr val="accent1"/>
-              </a:effectRef>
-              <a:fontRef idx="minor">
-                <a:schemeClr val="lt1"/>
-              </a:fontRef>
-            </p:style>
-            <p:txBody>
-              <a:bodyPr rtlCol="0" anchor="ctr"/>
-              <a:lstStyle/>
-              <a:p>
-                <a:pPr algn="ctr"/>
-                <a:endParaRPr kumimoji="1" lang="ko-KR" altLang="en-US" sz="1100"/>
-              </a:p>
-            </p:txBody>
-          </p:sp>
-          <p:sp>
-            <p:nvSpPr>
-              <p:cNvPr id="256" name="직사각형 255"/>
-              <p:cNvSpPr/>
-              <p:nvPr/>
-            </p:nvSpPr>
-            <p:spPr>
-              <a:xfrm>
-                <a:off x="1468586" y="349136"/>
-                <a:ext cx="2455024" cy="324195"/>
-              </a:xfrm>
-              <a:prstGeom prst="rect">
-                <a:avLst/>
-              </a:prstGeom>
-              <a:solidFill>
-                <a:srgbClr val="FF0000">
-                  <a:alpha val="45000"/>
-                </a:srgbClr>
-              </a:solidFill>
-              <a:ln w="25400">
-                <a:solidFill>
-                  <a:schemeClr val="tx1"/>
-                </a:solidFill>
-              </a:ln>
-            </p:spPr>
-            <p:style>
-              <a:lnRef idx="2">
-                <a:schemeClr val="accent1">
-                  <a:shade val="50000"/>
-                </a:schemeClr>
-              </a:lnRef>
-              <a:fillRef idx="1">
-                <a:schemeClr val="accent1"/>
-              </a:fillRef>
-              <a:effectRef idx="0">
-                <a:schemeClr val="accent1"/>
-              </a:effectRef>
-              <a:fontRef idx="minor">
-                <a:schemeClr val="lt1"/>
-              </a:fontRef>
-            </p:style>
-            <p:txBody>
-              <a:bodyPr rtlCol="0" anchor="ctr"/>
-              <a:lstStyle/>
-              <a:p>
-                <a:pPr algn="ctr"/>
-                <a:endParaRPr kumimoji="1" lang="ko-KR" altLang="en-US" sz="1100"/>
-              </a:p>
-            </p:txBody>
-          </p:sp>
-          <p:sp>
-            <p:nvSpPr>
-              <p:cNvPr id="257" name="직사각형 256"/>
-              <p:cNvSpPr/>
-              <p:nvPr/>
-            </p:nvSpPr>
-            <p:spPr>
-              <a:xfrm>
-                <a:off x="1867990" y="1113907"/>
-                <a:ext cx="2055620" cy="324196"/>
-              </a:xfrm>
-              <a:prstGeom prst="rect">
-                <a:avLst/>
-              </a:prstGeom>
-              <a:gradFill flip="none" rotWithShape="1">
-                <a:gsLst>
-                  <a:gs pos="75000">
-                    <a:srgbClr val="FFC000"/>
-                  </a:gs>
-                  <a:gs pos="76000">
-                    <a:schemeClr val="bg1"/>
-                  </a:gs>
-                </a:gsLst>
-                <a:lin ang="0" scaled="1"/>
-                <a:tileRect/>
-              </a:gradFill>
-              <a:ln w="25400">
-                <a:solidFill>
-                  <a:schemeClr val="tx1"/>
-                </a:solidFill>
-              </a:ln>
-            </p:spPr>
-            <p:style>
-              <a:lnRef idx="2">
-                <a:schemeClr val="accent1">
-                  <a:shade val="50000"/>
-                </a:schemeClr>
-              </a:lnRef>
-              <a:fillRef idx="1">
-                <a:schemeClr val="accent1"/>
-              </a:fillRef>
-              <a:effectRef idx="0">
-                <a:schemeClr val="accent1"/>
-              </a:effectRef>
-              <a:fontRef idx="minor">
-                <a:schemeClr val="lt1"/>
-              </a:fontRef>
-            </p:style>
-            <p:txBody>
-              <a:bodyPr rtlCol="0" anchor="ctr"/>
-              <a:lstStyle/>
-              <a:p>
-                <a:pPr algn="ctr"/>
-                <a:endParaRPr kumimoji="1" lang="ko-KR" altLang="en-US" sz="1100"/>
-              </a:p>
-            </p:txBody>
-          </p:sp>
-          <p:sp>
-            <p:nvSpPr>
-              <p:cNvPr id="258" name="타원 257"/>
-              <p:cNvSpPr/>
-              <p:nvPr/>
-            </p:nvSpPr>
-            <p:spPr>
-              <a:xfrm>
-                <a:off x="1461355" y="1113906"/>
-                <a:ext cx="324196" cy="324196"/>
-              </a:xfrm>
-              <a:prstGeom prst="ellipse">
-                <a:avLst/>
-              </a:prstGeom>
-              <a:noFill/>
-              <a:ln w="25400">
-                <a:solidFill>
-                  <a:schemeClr val="tx1"/>
-                </a:solidFill>
-              </a:ln>
-            </p:spPr>
-            <p:style>
-              <a:lnRef idx="2">
-                <a:schemeClr val="accent1">
-                  <a:shade val="50000"/>
-                </a:schemeClr>
-              </a:lnRef>
-              <a:fillRef idx="1">
-                <a:schemeClr val="accent1"/>
-              </a:fillRef>
-              <a:effectRef idx="0">
-                <a:schemeClr val="accent1"/>
-              </a:effectRef>
-              <a:fontRef idx="minor">
-                <a:schemeClr val="lt1"/>
-              </a:fontRef>
-            </p:style>
-            <p:txBody>
-              <a:bodyPr rtlCol="0" anchor="ctr"/>
-              <a:lstStyle/>
-              <a:p>
-                <a:pPr algn="ctr"/>
-                <a:r>
-                  <a:rPr kumimoji="1" lang="en-US" altLang="ko-KR" sz="1100" dirty="0">
-                    <a:solidFill>
-                      <a:sysClr val="windowText" lastClr="000000"/>
-                    </a:solidFill>
-                  </a:rPr>
-                  <a:t>2</a:t>
-                </a:r>
-                <a:endParaRPr kumimoji="1" lang="ko-KR" altLang="en-US" sz="1100" dirty="0">
-                  <a:solidFill>
-                    <a:sysClr val="windowText" lastClr="000000"/>
-                  </a:solidFill>
-                </a:endParaRPr>
-              </a:p>
-            </p:txBody>
-          </p:sp>
-          <p:sp>
-            <p:nvSpPr>
-              <p:cNvPr id="259" name="직사각형 258"/>
-              <p:cNvSpPr/>
-              <p:nvPr/>
-            </p:nvSpPr>
-            <p:spPr>
-              <a:xfrm>
-                <a:off x="1457127" y="769211"/>
-                <a:ext cx="201386" cy="248815"/>
-              </a:xfrm>
-              <a:prstGeom prst="rect">
-                <a:avLst/>
-              </a:prstGeom>
-              <a:solidFill>
-                <a:srgbClr val="00B0F0"/>
-              </a:solidFill>
-              <a:ln w="25400">
-                <a:solidFill>
-                  <a:schemeClr val="tx1"/>
-                </a:solidFill>
-              </a:ln>
-            </p:spPr>
-            <p:style>
-              <a:lnRef idx="2">
-                <a:schemeClr val="accent1">
-                  <a:shade val="50000"/>
-                </a:schemeClr>
-              </a:lnRef>
-              <a:fillRef idx="1">
-                <a:schemeClr val="accent1"/>
-              </a:fillRef>
-              <a:effectRef idx="0">
-                <a:schemeClr val="accent1"/>
-              </a:effectRef>
-              <a:fontRef idx="minor">
-                <a:schemeClr val="lt1"/>
-              </a:fontRef>
-            </p:style>
-            <p:txBody>
-              <a:bodyPr rtlCol="0" anchor="ctr"/>
-              <a:lstStyle/>
-              <a:p>
-                <a:pPr algn="ctr"/>
-                <a:endParaRPr kumimoji="1" lang="ko-KR" altLang="en-US" sz="1100"/>
-              </a:p>
-            </p:txBody>
-          </p:sp>
-          <p:sp>
-            <p:nvSpPr>
-              <p:cNvPr id="260" name="직사각형 259"/>
-              <p:cNvSpPr/>
-              <p:nvPr/>
-            </p:nvSpPr>
-            <p:spPr>
-              <a:xfrm>
-                <a:off x="3720060" y="769211"/>
-                <a:ext cx="201386" cy="248815"/>
-              </a:xfrm>
-              <a:prstGeom prst="rect">
-                <a:avLst/>
-              </a:prstGeom>
-              <a:noFill/>
-              <a:ln w="25400">
-                <a:solidFill>
-                  <a:schemeClr val="tx1"/>
-                </a:solidFill>
-              </a:ln>
-            </p:spPr>
-            <p:style>
-              <a:lnRef idx="2">
-                <a:schemeClr val="accent1">
-                  <a:shade val="50000"/>
-                </a:schemeClr>
-              </a:lnRef>
-              <a:fillRef idx="1">
-                <a:schemeClr val="accent1"/>
-              </a:fillRef>
-              <a:effectRef idx="0">
-                <a:schemeClr val="accent1"/>
-              </a:effectRef>
-              <a:fontRef idx="minor">
-                <a:schemeClr val="lt1"/>
-              </a:fontRef>
-            </p:style>
-            <p:txBody>
-              <a:bodyPr rtlCol="0" anchor="ctr"/>
-              <a:lstStyle/>
-              <a:p>
-                <a:pPr algn="ctr"/>
-                <a:endParaRPr kumimoji="1" lang="ko-KR" altLang="en-US" sz="1100"/>
-              </a:p>
-            </p:txBody>
-          </p:sp>
-          <p:sp>
-            <p:nvSpPr>
-              <p:cNvPr id="261" name="직사각형 260"/>
-              <p:cNvSpPr/>
-              <p:nvPr/>
-            </p:nvSpPr>
-            <p:spPr>
-              <a:xfrm>
-                <a:off x="3468623" y="769211"/>
-                <a:ext cx="201386" cy="248815"/>
-              </a:xfrm>
-              <a:prstGeom prst="rect">
-                <a:avLst/>
-              </a:prstGeom>
-              <a:noFill/>
-              <a:ln w="25400">
-                <a:solidFill>
-                  <a:schemeClr val="tx1"/>
-                </a:solidFill>
-              </a:ln>
-            </p:spPr>
-            <p:style>
-              <a:lnRef idx="2">
-                <a:schemeClr val="accent1">
-                  <a:shade val="50000"/>
-                </a:schemeClr>
-              </a:lnRef>
-              <a:fillRef idx="1">
-                <a:schemeClr val="accent1"/>
-              </a:fillRef>
-              <a:effectRef idx="0">
-                <a:schemeClr val="accent1"/>
-              </a:effectRef>
-              <a:fontRef idx="minor">
-                <a:schemeClr val="lt1"/>
-              </a:fontRef>
-            </p:style>
-            <p:txBody>
-              <a:bodyPr rtlCol="0" anchor="ctr"/>
-              <a:lstStyle/>
-              <a:p>
-                <a:pPr algn="ctr"/>
-                <a:endParaRPr kumimoji="1" lang="ko-KR" altLang="en-US" sz="1100"/>
-              </a:p>
-            </p:txBody>
-          </p:sp>
-          <p:sp>
-            <p:nvSpPr>
-              <p:cNvPr id="262" name="직사각형 261"/>
-              <p:cNvSpPr/>
-              <p:nvPr/>
-            </p:nvSpPr>
-            <p:spPr>
-              <a:xfrm>
-                <a:off x="3217186" y="769211"/>
-                <a:ext cx="201386" cy="248815"/>
-              </a:xfrm>
-              <a:prstGeom prst="rect">
-                <a:avLst/>
-              </a:prstGeom>
-              <a:noFill/>
-              <a:ln w="25400">
-                <a:solidFill>
-                  <a:schemeClr val="tx1"/>
-                </a:solidFill>
-              </a:ln>
-            </p:spPr>
-            <p:style>
-              <a:lnRef idx="2">
-                <a:schemeClr val="accent1">
-                  <a:shade val="50000"/>
-                </a:schemeClr>
-              </a:lnRef>
-              <a:fillRef idx="1">
-                <a:schemeClr val="accent1"/>
-              </a:fillRef>
-              <a:effectRef idx="0">
-                <a:schemeClr val="accent1"/>
-              </a:effectRef>
-              <a:fontRef idx="minor">
-                <a:schemeClr val="lt1"/>
-              </a:fontRef>
-            </p:style>
-            <p:txBody>
-              <a:bodyPr rtlCol="0" anchor="ctr"/>
-              <a:lstStyle/>
-              <a:p>
-                <a:pPr algn="ctr"/>
-                <a:endParaRPr kumimoji="1" lang="ko-KR" altLang="en-US" sz="1100"/>
-              </a:p>
-            </p:txBody>
-          </p:sp>
-          <p:sp>
-            <p:nvSpPr>
-              <p:cNvPr id="263" name="직사각형 262"/>
-              <p:cNvSpPr/>
-              <p:nvPr/>
-            </p:nvSpPr>
-            <p:spPr>
-              <a:xfrm>
-                <a:off x="2965749" y="769211"/>
-                <a:ext cx="201386" cy="248815"/>
-              </a:xfrm>
-              <a:prstGeom prst="rect">
-                <a:avLst/>
-              </a:prstGeom>
-              <a:gradFill flip="none" rotWithShape="1">
-                <a:gsLst>
-                  <a:gs pos="0">
-                    <a:srgbClr val="00B0F0"/>
-                  </a:gs>
-                  <a:gs pos="61000">
-                    <a:schemeClr val="bg1"/>
-                  </a:gs>
-                </a:gsLst>
-                <a:lin ang="0" scaled="1"/>
-                <a:tileRect/>
-              </a:gradFill>
-              <a:ln w="25400">
-                <a:solidFill>
-                  <a:schemeClr val="tx1"/>
-                </a:solidFill>
-              </a:ln>
-            </p:spPr>
-            <p:style>
-              <a:lnRef idx="2">
-                <a:schemeClr val="accent1">
-                  <a:shade val="50000"/>
-                </a:schemeClr>
-              </a:lnRef>
-              <a:fillRef idx="1">
-                <a:schemeClr val="accent1"/>
-              </a:fillRef>
-              <a:effectRef idx="0">
-                <a:schemeClr val="accent1"/>
-              </a:effectRef>
-              <a:fontRef idx="minor">
-                <a:schemeClr val="lt1"/>
-              </a:fontRef>
-            </p:style>
-            <p:txBody>
-              <a:bodyPr rtlCol="0" anchor="ctr"/>
-              <a:lstStyle/>
-              <a:p>
-                <a:pPr algn="ctr"/>
-                <a:endParaRPr kumimoji="1" lang="ko-KR" altLang="en-US" sz="1100"/>
-              </a:p>
-            </p:txBody>
-          </p:sp>
-          <p:sp>
-            <p:nvSpPr>
-              <p:cNvPr id="264" name="직사각형 263"/>
-              <p:cNvSpPr/>
-              <p:nvPr/>
-            </p:nvSpPr>
-            <p:spPr>
-              <a:xfrm>
-                <a:off x="2714312" y="769211"/>
-                <a:ext cx="201386" cy="248815"/>
-              </a:xfrm>
-              <a:prstGeom prst="rect">
-                <a:avLst/>
-              </a:prstGeom>
-              <a:solidFill>
-                <a:srgbClr val="00B0F0"/>
-              </a:solidFill>
-              <a:ln w="25400">
-                <a:solidFill>
-                  <a:schemeClr val="tx1"/>
-                </a:solidFill>
-              </a:ln>
-            </p:spPr>
-            <p:style>
-              <a:lnRef idx="2">
-                <a:schemeClr val="accent1">
-                  <a:shade val="50000"/>
-                </a:schemeClr>
-              </a:lnRef>
-              <a:fillRef idx="1">
-                <a:schemeClr val="accent1"/>
-              </a:fillRef>
-              <a:effectRef idx="0">
-                <a:schemeClr val="accent1"/>
-              </a:effectRef>
-              <a:fontRef idx="minor">
-                <a:schemeClr val="lt1"/>
-              </a:fontRef>
-            </p:style>
-            <p:txBody>
-              <a:bodyPr rtlCol="0" anchor="ctr"/>
-              <a:lstStyle/>
-              <a:p>
-                <a:pPr algn="ctr"/>
-                <a:endParaRPr kumimoji="1" lang="ko-KR" altLang="en-US" sz="1100"/>
-              </a:p>
-            </p:txBody>
-          </p:sp>
-          <p:sp>
-            <p:nvSpPr>
-              <p:cNvPr id="265" name="직사각형 264"/>
-              <p:cNvSpPr/>
-              <p:nvPr/>
-            </p:nvSpPr>
-            <p:spPr>
-              <a:xfrm>
-                <a:off x="2462875" y="769211"/>
-                <a:ext cx="201386" cy="248815"/>
-              </a:xfrm>
-              <a:prstGeom prst="rect">
-                <a:avLst/>
-              </a:prstGeom>
-              <a:solidFill>
-                <a:srgbClr val="00B0F0"/>
-              </a:solidFill>
-              <a:ln w="25400">
-                <a:solidFill>
-                  <a:schemeClr val="tx1"/>
-                </a:solidFill>
-              </a:ln>
-            </p:spPr>
-            <p:style>
-              <a:lnRef idx="2">
-                <a:schemeClr val="accent1">
-                  <a:shade val="50000"/>
-                </a:schemeClr>
-              </a:lnRef>
-              <a:fillRef idx="1">
-                <a:schemeClr val="accent1"/>
-              </a:fillRef>
-              <a:effectRef idx="0">
-                <a:schemeClr val="accent1"/>
-              </a:effectRef>
-              <a:fontRef idx="minor">
-                <a:schemeClr val="lt1"/>
-              </a:fontRef>
-            </p:style>
-            <p:txBody>
-              <a:bodyPr rtlCol="0" anchor="ctr"/>
-              <a:lstStyle/>
-              <a:p>
-                <a:pPr algn="ctr"/>
-                <a:endParaRPr kumimoji="1" lang="ko-KR" altLang="en-US" sz="1100"/>
-              </a:p>
-            </p:txBody>
-          </p:sp>
-          <p:sp>
-            <p:nvSpPr>
-              <p:cNvPr id="266" name="직사각형 265"/>
-              <p:cNvSpPr/>
-              <p:nvPr/>
-            </p:nvSpPr>
-            <p:spPr>
-              <a:xfrm>
-                <a:off x="2211438" y="769211"/>
-                <a:ext cx="201386" cy="248815"/>
-              </a:xfrm>
-              <a:prstGeom prst="rect">
-                <a:avLst/>
-              </a:prstGeom>
-              <a:solidFill>
-                <a:srgbClr val="00B0F0"/>
-              </a:solidFill>
-              <a:ln w="25400">
-                <a:solidFill>
-                  <a:schemeClr val="tx1"/>
-                </a:solidFill>
-              </a:ln>
-            </p:spPr>
-            <p:style>
-              <a:lnRef idx="2">
-                <a:schemeClr val="accent1">
-                  <a:shade val="50000"/>
-                </a:schemeClr>
-              </a:lnRef>
-              <a:fillRef idx="1">
-                <a:schemeClr val="accent1"/>
-              </a:fillRef>
-              <a:effectRef idx="0">
-                <a:schemeClr val="accent1"/>
-              </a:effectRef>
-              <a:fontRef idx="minor">
-                <a:schemeClr val="lt1"/>
-              </a:fontRef>
-            </p:style>
-            <p:txBody>
-              <a:bodyPr rtlCol="0" anchor="ctr"/>
-              <a:lstStyle/>
-              <a:p>
-                <a:pPr algn="ctr"/>
-                <a:endParaRPr kumimoji="1" lang="ko-KR" altLang="en-US" sz="1100"/>
-              </a:p>
-            </p:txBody>
-          </p:sp>
-          <p:sp>
-            <p:nvSpPr>
-              <p:cNvPr id="267" name="직사각형 266"/>
-              <p:cNvSpPr/>
-              <p:nvPr/>
-            </p:nvSpPr>
-            <p:spPr>
-              <a:xfrm>
-                <a:off x="1960001" y="769211"/>
-                <a:ext cx="201386" cy="248815"/>
-              </a:xfrm>
-              <a:prstGeom prst="rect">
-                <a:avLst/>
-              </a:prstGeom>
-              <a:solidFill>
-                <a:srgbClr val="00B0F0"/>
-              </a:solidFill>
-              <a:ln w="25400">
-                <a:solidFill>
-                  <a:schemeClr val="tx1"/>
-                </a:solidFill>
-              </a:ln>
-            </p:spPr>
-            <p:style>
-              <a:lnRef idx="2">
-                <a:schemeClr val="accent1">
-                  <a:shade val="50000"/>
-                </a:schemeClr>
-              </a:lnRef>
-              <a:fillRef idx="1">
-                <a:schemeClr val="accent1"/>
-              </a:fillRef>
-              <a:effectRef idx="0">
-                <a:schemeClr val="accent1"/>
-              </a:effectRef>
-              <a:fontRef idx="minor">
-                <a:schemeClr val="lt1"/>
-              </a:fontRef>
-            </p:style>
-            <p:txBody>
-              <a:bodyPr rtlCol="0" anchor="ctr"/>
-              <a:lstStyle/>
-              <a:p>
-                <a:pPr algn="ctr"/>
-                <a:endParaRPr kumimoji="1" lang="ko-KR" altLang="en-US" sz="1100"/>
-              </a:p>
-            </p:txBody>
-          </p:sp>
-          <p:sp>
-            <p:nvSpPr>
-              <p:cNvPr id="268" name="직사각형 267"/>
-              <p:cNvSpPr/>
-              <p:nvPr/>
-            </p:nvSpPr>
-            <p:spPr>
-              <a:xfrm>
-                <a:off x="1708564" y="769211"/>
-                <a:ext cx="201386" cy="248815"/>
-              </a:xfrm>
-              <a:prstGeom prst="rect">
-                <a:avLst/>
-              </a:prstGeom>
-              <a:solidFill>
-                <a:srgbClr val="00B0F0"/>
-              </a:solidFill>
-              <a:ln w="25400">
-                <a:solidFill>
-                  <a:schemeClr val="tx1"/>
-                </a:solidFill>
-              </a:ln>
-            </p:spPr>
-            <p:style>
-              <a:lnRef idx="2">
-                <a:schemeClr val="accent1">
-                  <a:shade val="50000"/>
-                </a:schemeClr>
-              </a:lnRef>
-              <a:fillRef idx="1">
-                <a:schemeClr val="accent1"/>
-              </a:fillRef>
-              <a:effectRef idx="0">
-                <a:schemeClr val="accent1"/>
-              </a:effectRef>
-              <a:fontRef idx="minor">
-                <a:schemeClr val="lt1"/>
-              </a:fontRef>
-            </p:style>
-            <p:txBody>
-              <a:bodyPr rtlCol="0" anchor="ctr"/>
-              <a:lstStyle/>
-              <a:p>
-                <a:pPr algn="ctr"/>
-                <a:endParaRPr kumimoji="1" lang="ko-KR" altLang="en-US" sz="1100"/>
-              </a:p>
-            </p:txBody>
-          </p:sp>
-        </p:grpSp>
-        <p:sp>
-          <p:nvSpPr>
-            <p:cNvPr id="198" name="직사각형 197"/>
-            <p:cNvSpPr/>
-            <p:nvPr/>
-          </p:nvSpPr>
-          <p:spPr>
-            <a:xfrm>
-              <a:off x="1756209" y="5048465"/>
-              <a:ext cx="2157507" cy="1491125"/>
-            </a:xfrm>
-            <a:prstGeom prst="rect">
-              <a:avLst/>
-            </a:prstGeom>
-            <a:solidFill>
-              <a:schemeClr val="bg1"/>
-            </a:solidFill>
-            <a:ln w="25400">
-              <a:solidFill>
-                <a:schemeClr val="tx1"/>
-              </a:solidFill>
-            </a:ln>
-          </p:spPr>
-          <p:style>
-            <a:lnRef idx="2">
-              <a:schemeClr val="accent1">
-                <a:shade val="50000"/>
-              </a:schemeClr>
-            </a:lnRef>
-            <a:fillRef idx="1">
-              <a:schemeClr val="accent1"/>
-            </a:fillRef>
-            <a:effectRef idx="0">
-              <a:schemeClr val="accent1"/>
-            </a:effectRef>
-            <a:fontRef idx="minor">
-              <a:schemeClr val="lt1"/>
-            </a:fontRef>
-          </p:style>
-          <p:txBody>
-            <a:bodyPr rtlCol="0" anchor="t"/>
-            <a:lstStyle/>
-            <a:p>
-              <a:r>
-                <a:rPr kumimoji="1" lang="ko-KR" altLang="en-US" sz="900" dirty="0">
-                  <a:solidFill>
-                    <a:sysClr val="windowText" lastClr="000000"/>
-                  </a:solidFill>
-                </a:rPr>
-                <a:t>신창섭 </a:t>
-              </a:r>
-              <a:r>
-                <a:rPr kumimoji="1" lang="en-US" altLang="ko-KR" sz="900" dirty="0">
-                  <a:solidFill>
-                    <a:sysClr val="windowText" lastClr="000000"/>
-                  </a:solidFill>
-                </a:rPr>
-                <a:t>:</a:t>
-              </a:r>
-              <a:r>
-                <a:rPr kumimoji="1" lang="ko-KR" altLang="en-US" sz="900" dirty="0">
-                  <a:solidFill>
-                    <a:sysClr val="windowText" lastClr="000000"/>
-                  </a:solidFill>
-                </a:rPr>
-                <a:t> 너때문에 파티를</a:t>
-              </a:r>
-              <a:endParaRPr kumimoji="1" lang="en-US" altLang="ko-KR" sz="900" dirty="0">
-                <a:solidFill>
-                  <a:sysClr val="windowText" lastClr="000000"/>
-                </a:solidFill>
-              </a:endParaRPr>
-            </a:p>
-            <a:p>
-              <a:r>
-                <a:rPr kumimoji="1" lang="ko-KR" altLang="en-US" sz="900" dirty="0">
-                  <a:solidFill>
-                    <a:sysClr val="windowText" lastClr="000000"/>
-                  </a:solidFill>
-                </a:rPr>
-                <a:t>           망쳤으니 책임져</a:t>
-              </a:r>
-            </a:p>
-          </p:txBody>
-        </p:sp>
-        <p:sp>
-          <p:nvSpPr>
-            <p:cNvPr id="199" name="직사각형 198"/>
-            <p:cNvSpPr/>
-            <p:nvPr/>
-          </p:nvSpPr>
-          <p:spPr>
-            <a:xfrm>
-              <a:off x="4010009" y="5878279"/>
-              <a:ext cx="267620" cy="267620"/>
-            </a:xfrm>
-            <a:prstGeom prst="rect">
-              <a:avLst/>
-            </a:prstGeom>
-            <a:solidFill>
-              <a:schemeClr val="bg1"/>
-            </a:solidFill>
-            <a:ln w="25400">
-              <a:solidFill>
-                <a:schemeClr val="tx1"/>
-              </a:solidFill>
-            </a:ln>
-          </p:spPr>
-          <p:style>
-            <a:lnRef idx="2">
-              <a:schemeClr val="accent1">
-                <a:shade val="50000"/>
-              </a:schemeClr>
-            </a:lnRef>
-            <a:fillRef idx="1">
-              <a:schemeClr val="accent1"/>
-            </a:fillRef>
-            <a:effectRef idx="0">
-              <a:schemeClr val="accent1"/>
-            </a:effectRef>
-            <a:fontRef idx="minor">
-              <a:schemeClr val="lt1"/>
-            </a:fontRef>
-          </p:style>
-          <p:txBody>
-            <a:bodyPr lIns="0" tIns="0" rIns="0" bIns="0" rtlCol="0" anchor="ctr"/>
-            <a:lstStyle/>
-            <a:p>
-              <a:pPr algn="ctr"/>
-              <a:r>
-                <a:rPr kumimoji="1" lang="en-US" altLang="ko-KR" sz="600" dirty="0">
-                  <a:solidFill>
-                    <a:schemeClr val="tx1"/>
-                  </a:solidFill>
-                </a:rPr>
-                <a:t>Skill</a:t>
-              </a:r>
-            </a:p>
-            <a:p>
-              <a:pPr algn="ctr"/>
-              <a:r>
-                <a:rPr kumimoji="1" lang="en-US" altLang="ko-KR" sz="600" dirty="0">
-                  <a:solidFill>
-                    <a:schemeClr val="tx1"/>
-                  </a:solidFill>
-                </a:rPr>
-                <a:t>1</a:t>
-              </a:r>
-              <a:endParaRPr kumimoji="1" lang="ko-KR" altLang="en-US" sz="600" dirty="0">
-                <a:solidFill>
-                  <a:schemeClr val="tx1"/>
-                </a:solidFill>
-              </a:endParaRPr>
-            </a:p>
-          </p:txBody>
-        </p:sp>
-        <p:sp>
-          <p:nvSpPr>
-            <p:cNvPr id="200" name="직사각형 199"/>
-            <p:cNvSpPr/>
-            <p:nvPr/>
-          </p:nvSpPr>
-          <p:spPr>
-            <a:xfrm>
-              <a:off x="7915273" y="5878279"/>
-              <a:ext cx="267620" cy="267620"/>
-            </a:xfrm>
-            <a:prstGeom prst="rect">
-              <a:avLst/>
-            </a:prstGeom>
-            <a:solidFill>
-              <a:schemeClr val="bg1"/>
-            </a:solidFill>
-            <a:ln w="25400">
-              <a:solidFill>
-                <a:schemeClr val="tx1"/>
-              </a:solidFill>
-            </a:ln>
-          </p:spPr>
-          <p:style>
-            <a:lnRef idx="2">
-              <a:schemeClr val="accent1">
-                <a:shade val="50000"/>
-              </a:schemeClr>
-            </a:lnRef>
-            <a:fillRef idx="1">
-              <a:schemeClr val="accent1"/>
-            </a:fillRef>
-            <a:effectRef idx="0">
-              <a:schemeClr val="accent1"/>
-            </a:effectRef>
-            <a:fontRef idx="minor">
-              <a:schemeClr val="lt1"/>
-            </a:fontRef>
-          </p:style>
-          <p:txBody>
-            <a:bodyPr lIns="0" tIns="0" rIns="0" bIns="0" rtlCol="0" anchor="ctr"/>
-            <a:lstStyle/>
-            <a:p>
-              <a:pPr lvl="0" algn="ctr"/>
-              <a:r>
-                <a:rPr kumimoji="1" lang="en-US" altLang="ko-KR" sz="600" dirty="0">
-                  <a:solidFill>
-                    <a:prstClr val="black"/>
-                  </a:solidFill>
-                </a:rPr>
-                <a:t>item</a:t>
-              </a:r>
-            </a:p>
-            <a:p>
-              <a:pPr lvl="0" algn="ctr"/>
-              <a:r>
-                <a:rPr kumimoji="1" lang="en-US" altLang="ko-KR" sz="600" dirty="0">
-                  <a:solidFill>
-                    <a:prstClr val="black"/>
-                  </a:solidFill>
-                </a:rPr>
-                <a:t>1</a:t>
-              </a:r>
-              <a:endParaRPr kumimoji="1" lang="ko-KR" altLang="en-US" sz="600" dirty="0">
-                <a:solidFill>
-                  <a:prstClr val="black"/>
-                </a:solidFill>
-              </a:endParaRPr>
-            </a:p>
-          </p:txBody>
-        </p:sp>
-        <p:sp>
-          <p:nvSpPr>
-            <p:cNvPr id="201" name="직사각형 200"/>
-            <p:cNvSpPr/>
-            <p:nvPr/>
-          </p:nvSpPr>
-          <p:spPr>
-            <a:xfrm>
-              <a:off x="1878625" y="6224813"/>
-              <a:ext cx="1806327" cy="209213"/>
-            </a:xfrm>
-            <a:prstGeom prst="rect">
-              <a:avLst/>
-            </a:prstGeom>
-            <a:solidFill>
-              <a:schemeClr val="bg1"/>
-            </a:solidFill>
-            <a:ln w="25400">
-              <a:solidFill>
-                <a:schemeClr val="tx1"/>
-              </a:solidFill>
-            </a:ln>
-          </p:spPr>
-          <p:style>
-            <a:lnRef idx="2">
-              <a:schemeClr val="accent1">
-                <a:shade val="50000"/>
-              </a:schemeClr>
-            </a:lnRef>
-            <a:fillRef idx="1">
-              <a:schemeClr val="accent1"/>
-            </a:fillRef>
-            <a:effectRef idx="0">
-              <a:schemeClr val="accent1"/>
-            </a:effectRef>
-            <a:fontRef idx="minor">
-              <a:schemeClr val="lt1"/>
-            </a:fontRef>
-          </p:style>
-          <p:txBody>
-            <a:bodyPr rtlCol="0" anchor="ctr"/>
-            <a:lstStyle/>
-            <a:p>
-              <a:r>
-                <a:rPr kumimoji="1" lang="ko-KR" altLang="en-US" sz="1000" dirty="0">
-                  <a:solidFill>
-                    <a:sysClr val="windowText" lastClr="000000"/>
-                  </a:solidFill>
-                </a:rPr>
-                <a:t>김형준 </a:t>
-              </a:r>
-              <a:r>
-                <a:rPr kumimoji="1" lang="en-US" altLang="ko-KR" sz="1000" dirty="0">
-                  <a:solidFill>
-                    <a:sysClr val="windowText" lastClr="000000"/>
-                  </a:solidFill>
-                </a:rPr>
-                <a:t>:</a:t>
-              </a:r>
-              <a:r>
-                <a:rPr kumimoji="1" lang="ko-KR" altLang="en-US" sz="1000" dirty="0">
-                  <a:solidFill>
-                    <a:sysClr val="windowText" lastClr="000000"/>
-                  </a:solidFill>
-                </a:rPr>
-                <a:t> 네</a:t>
-              </a:r>
-              <a:r>
-                <a:rPr kumimoji="1" lang="en-US" altLang="ko-KR" sz="1000" dirty="0">
-                  <a:solidFill>
-                    <a:sysClr val="windowText" lastClr="000000"/>
-                  </a:solidFill>
-                </a:rPr>
-                <a:t>,</a:t>
-              </a:r>
-              <a:r>
-                <a:rPr kumimoji="1" lang="ko-KR" altLang="en-US" sz="1000" dirty="0">
-                  <a:solidFill>
-                    <a:sysClr val="windowText" lastClr="000000"/>
-                  </a:solidFill>
-                </a:rPr>
-                <a:t> 알겠습니다</a:t>
-              </a:r>
-              <a:r>
-                <a:rPr kumimoji="1" lang="en-US" altLang="ko-KR" sz="1000" dirty="0">
-                  <a:solidFill>
-                    <a:sysClr val="windowText" lastClr="000000"/>
-                  </a:solidFill>
-                </a:rPr>
-                <a:t>.</a:t>
-              </a:r>
-              <a:endParaRPr kumimoji="1" lang="ko-KR" altLang="en-US" sz="1000" dirty="0">
-                <a:solidFill>
-                  <a:sysClr val="windowText" lastClr="000000"/>
-                </a:solidFill>
-              </a:endParaRPr>
-            </a:p>
-          </p:txBody>
-        </p:sp>
-        <p:sp>
-          <p:nvSpPr>
-            <p:cNvPr id="202" name="직사각형 201"/>
-            <p:cNvSpPr/>
-            <p:nvPr/>
-          </p:nvSpPr>
-          <p:spPr>
-            <a:xfrm>
-              <a:off x="1756209" y="4815807"/>
-              <a:ext cx="431546" cy="178685"/>
-            </a:xfrm>
-            <a:prstGeom prst="rect">
-              <a:avLst/>
-            </a:prstGeom>
-            <a:solidFill>
-              <a:schemeClr val="bg1"/>
-            </a:solidFill>
-            <a:ln w="25400">
-              <a:solidFill>
-                <a:schemeClr val="tx1"/>
-              </a:solidFill>
-            </a:ln>
-          </p:spPr>
-          <p:style>
-            <a:lnRef idx="2">
-              <a:schemeClr val="accent1">
-                <a:shade val="50000"/>
-              </a:schemeClr>
-            </a:lnRef>
-            <a:fillRef idx="1">
-              <a:schemeClr val="accent1"/>
-            </a:fillRef>
-            <a:effectRef idx="0">
-              <a:schemeClr val="accent1"/>
-            </a:effectRef>
-            <a:fontRef idx="minor">
-              <a:schemeClr val="lt1"/>
-            </a:fontRef>
-          </p:style>
-          <p:txBody>
-            <a:bodyPr rtlCol="0" anchor="ctr"/>
-            <a:lstStyle/>
-            <a:p>
-              <a:pPr algn="ctr"/>
-              <a:r>
-                <a:rPr kumimoji="1" lang="ko-KR" altLang="en-US" sz="600" dirty="0">
-                  <a:solidFill>
-                    <a:sysClr val="windowText" lastClr="000000"/>
-                  </a:solidFill>
-                </a:rPr>
-                <a:t>일반</a:t>
-              </a:r>
-            </a:p>
-          </p:txBody>
-        </p:sp>
-        <p:sp>
-          <p:nvSpPr>
-            <p:cNvPr id="203" name="직사각형 202"/>
-            <p:cNvSpPr/>
-            <p:nvPr/>
-          </p:nvSpPr>
-          <p:spPr>
-            <a:xfrm>
-              <a:off x="2266010" y="4815807"/>
-              <a:ext cx="431546" cy="178685"/>
-            </a:xfrm>
-            <a:prstGeom prst="rect">
-              <a:avLst/>
-            </a:prstGeom>
-            <a:solidFill>
-              <a:schemeClr val="bg1"/>
-            </a:solidFill>
-            <a:ln w="25400">
-              <a:solidFill>
-                <a:schemeClr val="tx1"/>
-              </a:solidFill>
-            </a:ln>
-          </p:spPr>
-          <p:style>
-            <a:lnRef idx="2">
-              <a:schemeClr val="accent1">
-                <a:shade val="50000"/>
-              </a:schemeClr>
-            </a:lnRef>
-            <a:fillRef idx="1">
-              <a:schemeClr val="accent1"/>
-            </a:fillRef>
-            <a:effectRef idx="0">
-              <a:schemeClr val="accent1"/>
-            </a:effectRef>
-            <a:fontRef idx="minor">
-              <a:schemeClr val="lt1"/>
-            </a:fontRef>
-          </p:style>
-          <p:txBody>
-            <a:bodyPr rtlCol="0" anchor="ctr"/>
-            <a:lstStyle/>
-            <a:p>
-              <a:pPr algn="ctr"/>
-              <a:r>
-                <a:rPr kumimoji="1" lang="ko-KR" altLang="en-US" sz="500" dirty="0">
-                  <a:solidFill>
-                    <a:sysClr val="windowText" lastClr="000000"/>
-                  </a:solidFill>
-                </a:rPr>
-                <a:t>시스템</a:t>
-              </a:r>
-            </a:p>
-          </p:txBody>
-        </p:sp>
-        <p:cxnSp>
-          <p:nvCxnSpPr>
-            <p:cNvPr id="204" name="직선 연결선[R] 203"/>
-            <p:cNvCxnSpPr/>
-            <p:nvPr/>
-          </p:nvCxnSpPr>
-          <p:spPr>
-            <a:xfrm flipV="1">
-              <a:off x="7221444" y="1713957"/>
-              <a:ext cx="0" cy="1654150"/>
-            </a:xfrm>
-            <a:prstGeom prst="line">
-              <a:avLst/>
-            </a:prstGeom>
-            <a:ln w="25400">
-              <a:solidFill>
-                <a:schemeClr val="tx1"/>
-              </a:solidFill>
-            </a:ln>
-          </p:spPr>
-          <p:style>
-            <a:lnRef idx="1">
-              <a:schemeClr val="accent1"/>
-            </a:lnRef>
-            <a:fillRef idx="0">
-              <a:schemeClr val="accent1"/>
-            </a:fillRef>
-            <a:effectRef idx="0">
-              <a:schemeClr val="accent1"/>
-            </a:effectRef>
-            <a:fontRef idx="minor">
-              <a:schemeClr val="tx1"/>
-            </a:fontRef>
-          </p:style>
-        </p:cxnSp>
-        <p:cxnSp>
-          <p:nvCxnSpPr>
-            <p:cNvPr id="205" name="직선 연결선[R] 204"/>
-            <p:cNvCxnSpPr/>
-            <p:nvPr/>
-          </p:nvCxnSpPr>
-          <p:spPr>
-            <a:xfrm flipH="1" flipV="1">
-              <a:off x="7221444" y="3368107"/>
-              <a:ext cx="3333983" cy="1447700"/>
-            </a:xfrm>
-            <a:prstGeom prst="line">
-              <a:avLst/>
-            </a:prstGeom>
-            <a:ln w="25400">
-              <a:solidFill>
-                <a:schemeClr val="tx1"/>
-              </a:solidFill>
-            </a:ln>
-          </p:spPr>
-          <p:style>
-            <a:lnRef idx="1">
-              <a:schemeClr val="accent1"/>
-            </a:lnRef>
-            <a:fillRef idx="0">
-              <a:schemeClr val="accent1"/>
-            </a:fillRef>
-            <a:effectRef idx="0">
-              <a:schemeClr val="accent1"/>
-            </a:effectRef>
-            <a:fontRef idx="minor">
-              <a:schemeClr val="tx1"/>
-            </a:fontRef>
-          </p:style>
-        </p:cxnSp>
-        <p:pic>
-          <p:nvPicPr>
-            <p:cNvPr id="206" name="그림 205"/>
-            <p:cNvPicPr>
-              <a:picLocks noChangeAspect="1"/>
-            </p:cNvPicPr>
-            <p:nvPr/>
-          </p:nvPicPr>
-          <p:blipFill>
-            <a:blip r:embed="rId3" cstate="email">
-              <a:extLst>
-                <a:ext uri="{28A0092B-C50C-407E-A947-70E740481C1C}">
-                  <a14:useLocalDpi xmlns:a14="http://schemas.microsoft.com/office/drawing/2010/main"/>
-                </a:ext>
-              </a:extLst>
-            </a:blip>
-            <a:stretch>
-              <a:fillRect/>
-            </a:stretch>
-          </p:blipFill>
-          <p:spPr>
-            <a:xfrm>
-              <a:off x="2328321" y="3467785"/>
-              <a:ext cx="813361" cy="917396"/>
-            </a:xfrm>
-            <a:prstGeom prst="rect">
-              <a:avLst/>
-            </a:prstGeom>
-          </p:spPr>
-        </p:pic>
-        <p:cxnSp>
-          <p:nvCxnSpPr>
-            <p:cNvPr id="207" name="직선 연결선[R] 206"/>
-            <p:cNvCxnSpPr/>
-            <p:nvPr/>
-          </p:nvCxnSpPr>
-          <p:spPr>
-            <a:xfrm flipH="1" flipV="1">
-              <a:off x="4448094" y="2092409"/>
-              <a:ext cx="1514547" cy="694729"/>
-            </a:xfrm>
-            <a:prstGeom prst="line">
-              <a:avLst/>
-            </a:prstGeom>
-            <a:ln w="25400">
-              <a:solidFill>
-                <a:schemeClr val="tx1"/>
-              </a:solidFill>
-            </a:ln>
-          </p:spPr>
-          <p:style>
-            <a:lnRef idx="1">
-              <a:schemeClr val="accent1"/>
-            </a:lnRef>
-            <a:fillRef idx="0">
-              <a:schemeClr val="accent1"/>
-            </a:fillRef>
-            <a:effectRef idx="0">
-              <a:schemeClr val="accent1"/>
-            </a:effectRef>
-            <a:fontRef idx="minor">
-              <a:schemeClr val="tx1"/>
-            </a:fontRef>
-          </p:style>
-        </p:cxnSp>
-        <p:cxnSp>
-          <p:nvCxnSpPr>
-            <p:cNvPr id="208" name="직선 연결선[R] 207"/>
-            <p:cNvCxnSpPr/>
-            <p:nvPr/>
-          </p:nvCxnSpPr>
-          <p:spPr>
-            <a:xfrm flipV="1">
-              <a:off x="5962641" y="1713957"/>
-              <a:ext cx="0" cy="1073181"/>
-            </a:xfrm>
-            <a:prstGeom prst="line">
-              <a:avLst/>
-            </a:prstGeom>
-            <a:ln w="25400">
-              <a:solidFill>
-                <a:schemeClr val="tx1"/>
-              </a:solidFill>
-            </a:ln>
-          </p:spPr>
-          <p:style>
-            <a:lnRef idx="1">
-              <a:schemeClr val="accent1"/>
-            </a:lnRef>
-            <a:fillRef idx="0">
-              <a:schemeClr val="accent1"/>
-            </a:fillRef>
-            <a:effectRef idx="0">
-              <a:schemeClr val="accent1"/>
-            </a:effectRef>
-            <a:fontRef idx="minor">
-              <a:schemeClr val="tx1"/>
-            </a:fontRef>
-          </p:style>
-        </p:cxnSp>
-        <p:cxnSp>
-          <p:nvCxnSpPr>
-            <p:cNvPr id="209" name="직선 연결선[R] 208"/>
-            <p:cNvCxnSpPr/>
-            <p:nvPr/>
-          </p:nvCxnSpPr>
-          <p:spPr>
-            <a:xfrm flipV="1">
-              <a:off x="5962641" y="1969412"/>
-              <a:ext cx="1258803" cy="817727"/>
-            </a:xfrm>
-            <a:prstGeom prst="line">
-              <a:avLst/>
-            </a:prstGeom>
-            <a:ln w="25400">
-              <a:solidFill>
-                <a:schemeClr val="tx1"/>
-              </a:solidFill>
-            </a:ln>
-          </p:spPr>
-          <p:style>
-            <a:lnRef idx="1">
-              <a:schemeClr val="accent1"/>
-            </a:lnRef>
-            <a:fillRef idx="0">
-              <a:schemeClr val="accent1"/>
-            </a:fillRef>
-            <a:effectRef idx="0">
-              <a:schemeClr val="accent1"/>
-            </a:effectRef>
-            <a:fontRef idx="minor">
-              <a:schemeClr val="tx1"/>
-            </a:fontRef>
-          </p:style>
-        </p:cxnSp>
-        <p:pic>
-          <p:nvPicPr>
-            <p:cNvPr id="210" name="그림 209"/>
-            <p:cNvPicPr>
-              <a:picLocks noChangeAspect="1"/>
-            </p:cNvPicPr>
-            <p:nvPr/>
-          </p:nvPicPr>
-          <p:blipFill>
-            <a:blip r:embed="rId4" cstate="email">
-              <a:extLst>
-                <a:ext uri="{BEBA8EAE-BF5A-486C-A8C5-ECC9F3942E4B}">
-                  <a14:imgProps xmlns:a14="http://schemas.microsoft.com/office/drawing/2010/main">
-                    <a14:imgLayer r:embed="rId5">
-                      <a14:imgEffect>
-                        <a14:backgroundRemoval t="9744" b="89776" l="0" r="100000">
-                          <a14:foregroundMark x1="89457" y1="64377" x2="88978" y2="71725"/>
-                        </a14:backgroundRemoval>
-                      </a14:imgEffect>
-                    </a14:imgLayer>
-                  </a14:imgProps>
-                </a:ext>
-                <a:ext uri="{28A0092B-C50C-407E-A947-70E740481C1C}">
-                  <a14:useLocalDpi xmlns:a14="http://schemas.microsoft.com/office/drawing/2010/main"/>
-                </a:ext>
-              </a:extLst>
-            </a:blip>
-            <a:stretch>
-              <a:fillRect/>
-            </a:stretch>
-          </p:blipFill>
-          <p:spPr>
-            <a:xfrm rot="19034458">
-              <a:off x="3057284" y="3119583"/>
-              <a:ext cx="776221" cy="776221"/>
-            </a:xfrm>
-            <a:prstGeom prst="rect">
-              <a:avLst/>
-            </a:prstGeom>
-          </p:spPr>
-        </p:pic>
-        <p:pic>
-          <p:nvPicPr>
-            <p:cNvPr id="211" name="그림 210"/>
-            <p:cNvPicPr>
-              <a:picLocks noChangeAspect="1"/>
-            </p:cNvPicPr>
-            <p:nvPr/>
-          </p:nvPicPr>
-          <p:blipFill>
-            <a:blip r:embed="rId4" cstate="email">
-              <a:extLst>
-                <a:ext uri="{BEBA8EAE-BF5A-486C-A8C5-ECC9F3942E4B}">
-                  <a14:imgProps xmlns:a14="http://schemas.microsoft.com/office/drawing/2010/main">
-                    <a14:imgLayer r:embed="rId6">
-                      <a14:imgEffect>
-                        <a14:backgroundRemoval t="9744" b="89776" l="0" r="100000">
-                          <a14:foregroundMark x1="89457" y1="64377" x2="88978" y2="71725"/>
-                        </a14:backgroundRemoval>
-                      </a14:imgEffect>
-                    </a14:imgLayer>
-                  </a14:imgProps>
-                </a:ext>
-                <a:ext uri="{28A0092B-C50C-407E-A947-70E740481C1C}">
-                  <a14:useLocalDpi xmlns:a14="http://schemas.microsoft.com/office/drawing/2010/main"/>
-                </a:ext>
-              </a:extLst>
-            </a:blip>
-            <a:stretch>
-              <a:fillRect/>
-            </a:stretch>
-          </p:blipFill>
-          <p:spPr>
-            <a:xfrm rot="765262">
-              <a:off x="3390934" y="3503362"/>
-              <a:ext cx="776221" cy="776221"/>
-            </a:xfrm>
-            <a:prstGeom prst="rect">
-              <a:avLst/>
-            </a:prstGeom>
-          </p:spPr>
-        </p:pic>
-        <p:pic>
-          <p:nvPicPr>
-            <p:cNvPr id="212" name="그림 211"/>
-            <p:cNvPicPr>
-              <a:picLocks noChangeAspect="1"/>
-            </p:cNvPicPr>
-            <p:nvPr/>
-          </p:nvPicPr>
-          <p:blipFill>
-            <a:blip r:embed="rId4" cstate="email">
-              <a:extLst>
-                <a:ext uri="{BEBA8EAE-BF5A-486C-A8C5-ECC9F3942E4B}">
-                  <a14:imgProps xmlns:a14="http://schemas.microsoft.com/office/drawing/2010/main">
-                    <a14:imgLayer r:embed="rId7">
-                      <a14:imgEffect>
-                        <a14:backgroundRemoval t="9744" b="89776" l="0" r="100000">
-                          <a14:foregroundMark x1="89457" y1="64377" x2="88978" y2="71725"/>
-                        </a14:backgroundRemoval>
-                      </a14:imgEffect>
-                    </a14:imgLayer>
-                  </a14:imgProps>
-                </a:ext>
-                <a:ext uri="{28A0092B-C50C-407E-A947-70E740481C1C}">
-                  <a14:useLocalDpi xmlns:a14="http://schemas.microsoft.com/office/drawing/2010/main"/>
-                </a:ext>
-              </a:extLst>
-            </a:blip>
-            <a:stretch>
-              <a:fillRect/>
-            </a:stretch>
-          </p:blipFill>
-          <p:spPr>
-            <a:xfrm rot="2686868">
-              <a:off x="3222027" y="3893280"/>
-              <a:ext cx="776221" cy="776221"/>
-            </a:xfrm>
-            <a:prstGeom prst="rect">
-              <a:avLst/>
-            </a:prstGeom>
-          </p:spPr>
-        </p:pic>
-        <p:pic>
-          <p:nvPicPr>
-            <p:cNvPr id="213" name="그림 212"/>
-            <p:cNvPicPr>
-              <a:picLocks noChangeAspect="1"/>
-            </p:cNvPicPr>
-            <p:nvPr/>
-          </p:nvPicPr>
-          <p:blipFill>
-            <a:blip r:embed="rId4" cstate="email">
-              <a:extLst>
-                <a:ext uri="{BEBA8EAE-BF5A-486C-A8C5-ECC9F3942E4B}">
-                  <a14:imgProps xmlns:a14="http://schemas.microsoft.com/office/drawing/2010/main">
-                    <a14:imgLayer r:embed="rId7">
-                      <a14:imgEffect>
-                        <a14:backgroundRemoval t="9744" b="89776" l="0" r="100000">
-                          <a14:foregroundMark x1="89457" y1="64377" x2="88978" y2="71725"/>
-                        </a14:backgroundRemoval>
-                      </a14:imgEffect>
-                    </a14:imgLayer>
-                  </a14:imgProps>
-                </a:ext>
-                <a:ext uri="{28A0092B-C50C-407E-A947-70E740481C1C}">
-                  <a14:useLocalDpi xmlns:a14="http://schemas.microsoft.com/office/drawing/2010/main"/>
-                </a:ext>
-              </a:extLst>
-            </a:blip>
-            <a:stretch>
-              <a:fillRect/>
-            </a:stretch>
-          </p:blipFill>
-          <p:spPr>
-            <a:xfrm rot="19034458">
-              <a:off x="2821836" y="4106102"/>
-              <a:ext cx="776221" cy="776221"/>
-            </a:xfrm>
-            <a:prstGeom prst="rect">
-              <a:avLst/>
-            </a:prstGeom>
-          </p:spPr>
-        </p:pic>
-        <p:sp>
-          <p:nvSpPr>
-            <p:cNvPr id="214" name="호 213"/>
-            <p:cNvSpPr/>
-            <p:nvPr/>
-          </p:nvSpPr>
-          <p:spPr>
-            <a:xfrm rot="4829520">
-              <a:off x="1786879" y="3089638"/>
-              <a:ext cx="2130901" cy="1126952"/>
-            </a:xfrm>
-            <a:prstGeom prst="arc">
-              <a:avLst/>
-            </a:prstGeom>
-            <a:solidFill>
-              <a:srgbClr val="FFFF00">
-                <a:alpha val="78000"/>
-              </a:srgbClr>
-            </a:solidFill>
-            <a:ln w="25400">
-              <a:solidFill>
-                <a:srgbClr val="FFC000"/>
-              </a:solidFill>
-            </a:ln>
-          </p:spPr>
-          <p:style>
-            <a:lnRef idx="1">
-              <a:schemeClr val="accent1"/>
-            </a:lnRef>
-            <a:fillRef idx="0">
-              <a:schemeClr val="accent1"/>
-            </a:fillRef>
-            <a:effectRef idx="0">
-              <a:schemeClr val="accent1"/>
-            </a:effectRef>
-            <a:fontRef idx="minor">
-              <a:schemeClr val="tx1"/>
-            </a:fontRef>
-          </p:style>
-          <p:txBody>
-            <a:bodyPr rtlCol="0" anchor="ctr"/>
-            <a:lstStyle/>
-            <a:p>
-              <a:pPr algn="ctr"/>
-              <a:endParaRPr kumimoji="1" lang="ko-KR" altLang="en-US" sz="1100"/>
-            </a:p>
-          </p:txBody>
-        </p:sp>
-        <p:grpSp>
-          <p:nvGrpSpPr>
-            <p:cNvPr id="215" name="그룹 214"/>
-            <p:cNvGrpSpPr/>
-            <p:nvPr/>
-          </p:nvGrpSpPr>
-          <p:grpSpPr>
-            <a:xfrm>
-              <a:off x="2600969" y="2769301"/>
-              <a:ext cx="591945" cy="643702"/>
-              <a:chOff x="5283447" y="2363113"/>
-              <a:chExt cx="1443924" cy="1570175"/>
-            </a:xfrm>
-          </p:grpSpPr>
-          <p:sp>
-            <p:nvSpPr>
-              <p:cNvPr id="252" name="타원 251"/>
-              <p:cNvSpPr/>
-              <p:nvPr/>
-            </p:nvSpPr>
-            <p:spPr>
-              <a:xfrm>
-                <a:off x="5283447" y="3133188"/>
-                <a:ext cx="800100" cy="800100"/>
-              </a:xfrm>
-              <a:prstGeom prst="ellipse">
-                <a:avLst/>
-              </a:prstGeom>
-              <a:noFill/>
-              <a:ln w="38100">
-                <a:solidFill>
-                  <a:schemeClr val="tx1"/>
-                </a:solidFill>
-              </a:ln>
-            </p:spPr>
-            <p:style>
-              <a:lnRef idx="2">
-                <a:schemeClr val="accent1">
-                  <a:shade val="50000"/>
-                </a:schemeClr>
-              </a:lnRef>
-              <a:fillRef idx="1">
-                <a:schemeClr val="accent1"/>
-              </a:fillRef>
-              <a:effectRef idx="0">
-                <a:schemeClr val="accent1"/>
-              </a:effectRef>
-              <a:fontRef idx="minor">
-                <a:schemeClr val="lt1"/>
-              </a:fontRef>
-            </p:style>
-            <p:txBody>
-              <a:bodyPr lIns="0" tIns="0" rIns="0" bIns="0" rtlCol="0" anchor="ctr"/>
-              <a:lstStyle/>
-              <a:p>
-                <a:pPr algn="ctr"/>
-                <a:r>
-                  <a:rPr kumimoji="1" lang="en-US" altLang="ko-KR" sz="500" dirty="0">
-                    <a:solidFill>
-                      <a:srgbClr val="FF0000"/>
-                    </a:solidFill>
-                  </a:rPr>
-                  <a:t>Fever</a:t>
-                </a:r>
-                <a:endParaRPr kumimoji="1" lang="ko-KR" altLang="en-US" sz="500" dirty="0">
-                  <a:solidFill>
-                    <a:srgbClr val="FF0000"/>
-                  </a:solidFill>
-                </a:endParaRPr>
-              </a:p>
-            </p:txBody>
-          </p:sp>
-          <p:pic>
-            <p:nvPicPr>
-              <p:cNvPr id="253" name="그림 252"/>
-              <p:cNvPicPr>
-                <a:picLocks noChangeAspect="1"/>
-              </p:cNvPicPr>
-              <p:nvPr/>
-            </p:nvPicPr>
-            <p:blipFill rotWithShape="1">
-              <a:blip r:embed="rId8" cstate="email">
-                <a:extLst>
-                  <a:ext uri="{28A0092B-C50C-407E-A947-70E740481C1C}">
-                    <a14:useLocalDpi xmlns:a14="http://schemas.microsoft.com/office/drawing/2010/main"/>
-                  </a:ext>
-                </a:extLst>
-              </a:blip>
-              <a:srcRect/>
-              <a:stretch/>
-            </p:blipFill>
-            <p:spPr>
-              <a:xfrm>
-                <a:off x="5438606" y="2363113"/>
-                <a:ext cx="1288765" cy="1286465"/>
-              </a:xfrm>
-              <a:prstGeom prst="rect">
-                <a:avLst/>
-              </a:prstGeom>
-            </p:spPr>
-          </p:pic>
-          <p:sp>
-            <p:nvSpPr>
-              <p:cNvPr id="254" name="TextBox 8"/>
-              <p:cNvSpPr txBox="1"/>
-              <p:nvPr/>
-            </p:nvSpPr>
-            <p:spPr>
-              <a:xfrm>
-                <a:off x="5439948" y="2415959"/>
-                <a:ext cx="521817" cy="536088"/>
-              </a:xfrm>
-              <a:prstGeom prst="rect">
-                <a:avLst/>
-              </a:prstGeom>
-              <a:noFill/>
-            </p:spPr>
-            <p:txBody>
-              <a:bodyPr wrap="none" rtlCol="0">
-                <a:spAutoFit/>
-              </a:bodyPr>
-              <a:lstStyle/>
-              <a:p>
-                <a:pPr algn="ctr"/>
-                <a:r>
-                  <a:rPr kumimoji="1" lang="en-US" altLang="ko-KR" sz="1200" dirty="0">
-                    <a:solidFill>
-                      <a:srgbClr val="FF0000"/>
-                    </a:solidFill>
-                  </a:rPr>
-                  <a:t>5</a:t>
-                </a:r>
-                <a:endParaRPr kumimoji="1" lang="ko-KR" altLang="en-US" sz="1200" dirty="0">
-                  <a:solidFill>
-                    <a:srgbClr val="FF0000"/>
-                  </a:solidFill>
-                </a:endParaRPr>
-              </a:p>
-            </p:txBody>
-          </p:sp>
-        </p:grpSp>
-        <p:pic>
-          <p:nvPicPr>
-            <p:cNvPr id="216" name="그림 215"/>
-            <p:cNvPicPr>
-              <a:picLocks noChangeAspect="1"/>
-            </p:cNvPicPr>
-            <p:nvPr/>
-          </p:nvPicPr>
-          <p:blipFill>
-            <a:blip r:embed="rId9" cstate="email">
-              <a:extLst>
-                <a:ext uri="{BEBA8EAE-BF5A-486C-A8C5-ECC9F3942E4B}">
-                  <a14:imgProps xmlns:a14="http://schemas.microsoft.com/office/drawing/2010/main">
-                    <a14:imgLayer r:embed="rId10">
-                      <a14:imgEffect>
-                        <a14:backgroundRemoval t="247" b="98519" l="1341" r="98902">
-                          <a14:foregroundMark x1="36585" y1="60988" x2="54146" y2="78272"/>
-                          <a14:foregroundMark x1="60610" y1="93580" x2="59634" y2="83333"/>
-                          <a14:foregroundMark x1="59146" y1="95802" x2="62927" y2="95062"/>
-                          <a14:foregroundMark x1="32195" y1="85309" x2="32195" y2="77407"/>
-                          <a14:foregroundMark x1="4878" y1="89753" x2="23293" y2="82346"/>
-                          <a14:foregroundMark x1="20976" y1="74815" x2="35122" y2="68395"/>
-                          <a14:foregroundMark x1="21585" y1="61728" x2="26220" y2="65185"/>
-                          <a14:foregroundMark x1="22195" y1="53704" x2="18902" y2="32099"/>
-                          <a14:foregroundMark x1="37439" y1="56420" x2="33415" y2="56173"/>
-                        </a14:backgroundRemoval>
-                      </a14:imgEffect>
-                    </a14:imgLayer>
-                  </a14:imgProps>
-                </a:ext>
-                <a:ext uri="{28A0092B-C50C-407E-A947-70E740481C1C}">
-                  <a14:useLocalDpi xmlns:a14="http://schemas.microsoft.com/office/drawing/2010/main"/>
-                </a:ext>
-              </a:extLst>
-            </a:blip>
-            <a:stretch>
-              <a:fillRect/>
-            </a:stretch>
-          </p:blipFill>
-          <p:spPr>
-            <a:xfrm>
-              <a:off x="5405054" y="3074552"/>
-              <a:ext cx="1035291" cy="1022666"/>
-            </a:xfrm>
-            <a:prstGeom prst="rect">
-              <a:avLst/>
-            </a:prstGeom>
-          </p:spPr>
-        </p:pic>
-        <p:grpSp>
-          <p:nvGrpSpPr>
-            <p:cNvPr id="217" name="그룹 216"/>
-            <p:cNvGrpSpPr/>
-            <p:nvPr/>
-          </p:nvGrpSpPr>
-          <p:grpSpPr>
-            <a:xfrm>
-              <a:off x="5514112" y="2564283"/>
-              <a:ext cx="591945" cy="643702"/>
-              <a:chOff x="5283447" y="2363113"/>
-              <a:chExt cx="1443924" cy="1570175"/>
-            </a:xfrm>
-          </p:grpSpPr>
-          <p:sp>
-            <p:nvSpPr>
-              <p:cNvPr id="249" name="타원 248"/>
-              <p:cNvSpPr/>
-              <p:nvPr/>
-            </p:nvSpPr>
-            <p:spPr>
-              <a:xfrm>
-                <a:off x="5283447" y="3133188"/>
-                <a:ext cx="800100" cy="800100"/>
-              </a:xfrm>
-              <a:prstGeom prst="ellipse">
-                <a:avLst/>
-              </a:prstGeom>
-              <a:noFill/>
-              <a:ln w="38100">
-                <a:solidFill>
-                  <a:schemeClr val="tx1"/>
-                </a:solidFill>
-              </a:ln>
-            </p:spPr>
-            <p:style>
-              <a:lnRef idx="2">
-                <a:schemeClr val="accent1">
-                  <a:shade val="50000"/>
-                </a:schemeClr>
-              </a:lnRef>
-              <a:fillRef idx="1">
-                <a:schemeClr val="accent1"/>
-              </a:fillRef>
-              <a:effectRef idx="0">
-                <a:schemeClr val="accent1"/>
-              </a:effectRef>
-              <a:fontRef idx="minor">
-                <a:schemeClr val="lt1"/>
-              </a:fontRef>
-            </p:style>
-            <p:txBody>
-              <a:bodyPr lIns="0" tIns="0" rIns="0" bIns="0" rtlCol="0" anchor="ctr"/>
-              <a:lstStyle/>
-              <a:p>
-                <a:pPr algn="ctr"/>
-                <a:r>
-                  <a:rPr kumimoji="1" lang="en-US" altLang="ko-KR" sz="500" dirty="0">
-                    <a:solidFill>
-                      <a:srgbClr val="FF0000"/>
-                    </a:solidFill>
-                  </a:rPr>
-                  <a:t>Fever</a:t>
-                </a:r>
-                <a:endParaRPr kumimoji="1" lang="ko-KR" altLang="en-US" sz="500" dirty="0">
-                  <a:solidFill>
-                    <a:srgbClr val="FF0000"/>
-                  </a:solidFill>
-                </a:endParaRPr>
-              </a:p>
-            </p:txBody>
-          </p:sp>
-          <p:pic>
-            <p:nvPicPr>
-              <p:cNvPr id="250" name="그림 249"/>
-              <p:cNvPicPr>
-                <a:picLocks noChangeAspect="1"/>
-              </p:cNvPicPr>
-              <p:nvPr/>
-            </p:nvPicPr>
-            <p:blipFill rotWithShape="1">
-              <a:blip r:embed="rId8" cstate="email">
-                <a:extLst>
-                  <a:ext uri="{28A0092B-C50C-407E-A947-70E740481C1C}">
-                    <a14:useLocalDpi xmlns:a14="http://schemas.microsoft.com/office/drawing/2010/main"/>
-                  </a:ext>
-                </a:extLst>
-              </a:blip>
-              <a:srcRect/>
-              <a:stretch/>
-            </p:blipFill>
-            <p:spPr>
-              <a:xfrm>
-                <a:off x="5438606" y="2363113"/>
-                <a:ext cx="1288765" cy="1286465"/>
-              </a:xfrm>
-              <a:prstGeom prst="rect">
-                <a:avLst/>
-              </a:prstGeom>
-            </p:spPr>
-          </p:pic>
-          <p:sp>
-            <p:nvSpPr>
-              <p:cNvPr id="251" name="TextBox 8"/>
-              <p:cNvSpPr txBox="1"/>
-              <p:nvPr/>
-            </p:nvSpPr>
-            <p:spPr>
-              <a:xfrm>
-                <a:off x="5439948" y="2415959"/>
-                <a:ext cx="521817" cy="536088"/>
-              </a:xfrm>
-              <a:prstGeom prst="rect">
-                <a:avLst/>
-              </a:prstGeom>
-              <a:noFill/>
-            </p:spPr>
-            <p:txBody>
-              <a:bodyPr wrap="none" rtlCol="0">
-                <a:spAutoFit/>
-              </a:bodyPr>
-              <a:lstStyle/>
-              <a:p>
-                <a:pPr algn="ctr"/>
-                <a:r>
-                  <a:rPr kumimoji="1" lang="en-US" altLang="ko-KR" sz="1200" dirty="0">
-                    <a:solidFill>
-                      <a:srgbClr val="FF0000"/>
-                    </a:solidFill>
-                  </a:rPr>
-                  <a:t>2</a:t>
-                </a:r>
-                <a:endParaRPr kumimoji="1" lang="ko-KR" altLang="en-US" sz="1200" dirty="0">
-                  <a:solidFill>
-                    <a:srgbClr val="FF0000"/>
-                  </a:solidFill>
-                </a:endParaRPr>
-              </a:p>
-            </p:txBody>
-          </p:sp>
-        </p:grpSp>
-        <p:pic>
-          <p:nvPicPr>
-            <p:cNvPr id="218" name="그림 217"/>
-            <p:cNvPicPr>
-              <a:picLocks noChangeAspect="1"/>
-            </p:cNvPicPr>
-            <p:nvPr/>
-          </p:nvPicPr>
-          <p:blipFill>
-            <a:blip r:embed="rId11" cstate="email">
-              <a:extLst>
-                <a:ext uri="{BEBA8EAE-BF5A-486C-A8C5-ECC9F3942E4B}">
-                  <a14:imgProps xmlns:a14="http://schemas.microsoft.com/office/drawing/2010/main">
-                    <a14:imgLayer r:embed="rId12">
-                      <a14:imgEffect>
-                        <a14:backgroundRemoval t="9930" b="98481" l="1792" r="89932">
-                          <a14:backgroundMark x1="22270" y1="62033" x2="27304" y2="51402"/>
-                          <a14:backgroundMark x1="57765" y1="65537" x2="85751" y2="66238"/>
-                          <a14:backgroundMark x1="39078" y1="66005" x2="42833" y2="74766"/>
-                        </a14:backgroundRemoval>
-                      </a14:imgEffect>
-                    </a14:imgLayer>
-                  </a14:imgProps>
-                </a:ext>
-                <a:ext uri="{28A0092B-C50C-407E-A947-70E740481C1C}">
-                  <a14:useLocalDpi xmlns:a14="http://schemas.microsoft.com/office/drawing/2010/main"/>
-                </a:ext>
-              </a:extLst>
-            </a:blip>
-            <a:stretch>
-              <a:fillRect/>
-            </a:stretch>
-          </p:blipFill>
-          <p:spPr>
-            <a:xfrm>
-              <a:off x="8387624" y="4279404"/>
-              <a:ext cx="1958139" cy="1430176"/>
-            </a:xfrm>
-            <a:prstGeom prst="rect">
-              <a:avLst/>
-            </a:prstGeom>
-          </p:spPr>
-        </p:pic>
-        <p:pic>
-          <p:nvPicPr>
-            <p:cNvPr id="219" name="그림 218"/>
-            <p:cNvPicPr>
-              <a:picLocks noChangeAspect="1"/>
-            </p:cNvPicPr>
-            <p:nvPr/>
-          </p:nvPicPr>
-          <p:blipFill>
-            <a:blip r:embed="rId13" cstate="email">
-              <a:extLst>
-                <a:ext uri="{BEBA8EAE-BF5A-486C-A8C5-ECC9F3942E4B}">
-                  <a14:imgProps xmlns:a14="http://schemas.microsoft.com/office/drawing/2010/main">
-                    <a14:imgLayer r:embed="rId14">
-                      <a14:imgEffect>
-                        <a14:backgroundRemoval t="1941" b="99908" l="1985" r="98321">
-                          <a14:backgroundMark x1="69847" y1="76987" x2="88931" y2="91682"/>
-                          <a14:backgroundMark x1="73969" y1="60074" x2="94198" y2="76617"/>
-                          <a14:backgroundMark x1="49008" y1="73013" x2="49160" y2="84843"/>
-                          <a14:backgroundMark x1="17863" y1="89372" x2="55115" y2="86229"/>
-                          <a14:backgroundMark x1="64046" y1="88262" x2="64733" y2="95564"/>
-                          <a14:backgroundMark x1="64198" y1="86414" x2="64198" y2="89187"/>
-                          <a14:backgroundMark x1="56641" y1="85860" x2="44656" y2="86044"/>
-                          <a14:backgroundMark x1="54122" y1="83734" x2="54122" y2="83734"/>
-                          <a14:backgroundMark x1="62977" y1="21257" x2="62977" y2="21257"/>
-                        </a14:backgroundRemoval>
-                      </a14:imgEffect>
-                    </a14:imgLayer>
-                  </a14:imgProps>
-                </a:ext>
-                <a:ext uri="{28A0092B-C50C-407E-A947-70E740481C1C}">
-                  <a14:useLocalDpi xmlns:a14="http://schemas.microsoft.com/office/drawing/2010/main"/>
-                </a:ext>
-              </a:extLst>
-            </a:blip>
-            <a:stretch>
-              <a:fillRect/>
-            </a:stretch>
-          </p:blipFill>
-          <p:spPr>
-            <a:xfrm>
-              <a:off x="5830917" y="2077008"/>
-              <a:ext cx="2413807" cy="1993694"/>
-            </a:xfrm>
-            <a:prstGeom prst="rect">
-              <a:avLst/>
-            </a:prstGeom>
-          </p:spPr>
-        </p:pic>
-        <p:sp>
-          <p:nvSpPr>
-            <p:cNvPr id="220" name="번개[L] 219"/>
-            <p:cNvSpPr/>
-            <p:nvPr/>
-          </p:nvSpPr>
-          <p:spPr>
-            <a:xfrm rot="20700000">
-              <a:off x="6916746" y="3322334"/>
-              <a:ext cx="2000264" cy="1866368"/>
-            </a:xfrm>
-            <a:prstGeom prst="lightningBolt">
-              <a:avLst/>
-            </a:prstGeom>
-            <a:gradFill flip="none" rotWithShape="1">
-              <a:gsLst>
-                <a:gs pos="0">
-                  <a:srgbClr val="00B0F0"/>
-                </a:gs>
-                <a:gs pos="91000">
-                  <a:schemeClr val="bg1"/>
-                </a:gs>
-              </a:gsLst>
-              <a:lin ang="2700000" scaled="1"/>
-              <a:tileRect/>
-            </a:gradFill>
-            <a:ln>
-              <a:noFill/>
             </a:ln>
           </p:spPr>
           <p:style>
@@ -27419,110 +25921,20 @@
         </p:sp>
         <p:sp>
           <p:nvSpPr>
-            <p:cNvPr id="221" name="직사각형 220"/>
+            <p:cNvPr id="265" name="직사각형 264"/>
             <p:cNvSpPr/>
             <p:nvPr/>
           </p:nvSpPr>
           <p:spPr>
             <a:xfrm>
-              <a:off x="8921910" y="4319060"/>
-              <a:ext cx="619635" cy="244192"/>
+              <a:off x="2462875" y="769211"/>
+              <a:ext cx="201386" cy="248815"/>
             </a:xfrm>
             <a:prstGeom prst="rect">
               <a:avLst/>
             </a:prstGeom>
-            <a:noFill/>
-          </p:spPr>
-          <p:txBody>
-            <a:bodyPr wrap="none" lIns="91440" tIns="45720" rIns="91440" bIns="45720">
-              <a:spAutoFit/>
-            </a:bodyPr>
-            <a:lstStyle/>
-            <a:p>
-              <a:pPr algn="ctr"/>
-              <a:r>
-                <a:rPr lang="ko-KR" altLang="en-US" sz="1400" b="1" cap="none" spc="0" dirty="0">
-                  <a:ln w="12700" cmpd="sng">
-                    <a:solidFill>
-                      <a:schemeClr val="accent4"/>
-                    </a:solidFill>
-                    <a:prstDash val="solid"/>
-                  </a:ln>
-                  <a:gradFill>
-                    <a:gsLst>
-                      <a:gs pos="0">
-                        <a:schemeClr val="accent4"/>
-                      </a:gs>
-                      <a:gs pos="4000">
-                        <a:schemeClr val="accent4">
-                          <a:lumMod val="60000"/>
-                          <a:lumOff val="40000"/>
-                        </a:schemeClr>
-                      </a:gs>
-                      <a:gs pos="87000">
-                        <a:schemeClr val="accent4">
-                          <a:lumMod val="20000"/>
-                          <a:lumOff val="80000"/>
-                        </a:schemeClr>
-                      </a:gs>
-                    </a:gsLst>
-                    <a:lin ang="5400000"/>
-                  </a:gradFill>
-                  <a:effectLst/>
-                </a:rPr>
-                <a:t>궁극기</a:t>
-              </a:r>
-              <a:r>
-                <a:rPr lang="en-US" altLang="ko-KR" sz="1400" b="1" cap="none" spc="0" dirty="0">
-                  <a:ln w="12700" cmpd="sng">
-                    <a:solidFill>
-                      <a:schemeClr val="accent4"/>
-                    </a:solidFill>
-                    <a:prstDash val="solid"/>
-                  </a:ln>
-                  <a:gradFill>
-                    <a:gsLst>
-                      <a:gs pos="0">
-                        <a:schemeClr val="accent4"/>
-                      </a:gs>
-                      <a:gs pos="4000">
-                        <a:schemeClr val="accent4">
-                          <a:lumMod val="60000"/>
-                          <a:lumOff val="40000"/>
-                        </a:schemeClr>
-                      </a:gs>
-                      <a:gs pos="87000">
-                        <a:schemeClr val="accent4">
-                          <a:lumMod val="20000"/>
-                          <a:lumOff val="80000"/>
-                        </a:schemeClr>
-                      </a:gs>
-                    </a:gsLst>
-                    <a:lin ang="5400000"/>
-                  </a:gradFill>
-                  <a:effectLst/>
-                </a:rPr>
-                <a:t>!</a:t>
-              </a:r>
-            </a:p>
-          </p:txBody>
-        </p:sp>
-        <p:sp>
-          <p:nvSpPr>
-            <p:cNvPr id="222" name="타원 221"/>
-            <p:cNvSpPr/>
-            <p:nvPr/>
-          </p:nvSpPr>
-          <p:spPr>
-            <a:xfrm>
-              <a:off x="4066523" y="5753037"/>
-              <a:ext cx="155438" cy="155438"/>
-            </a:xfrm>
-            <a:prstGeom prst="ellipse">
-              <a:avLst/>
-            </a:prstGeom>
             <a:solidFill>
-              <a:schemeClr val="bg1"/>
+              <a:srgbClr val="00B0F0"/>
             </a:solidFill>
             <a:ln w="25400">
               <a:solidFill>
@@ -27551,38 +25963,26 @@
             <a:lstStyle/>
             <a:p>
               <a:pPr algn="ctr"/>
-              <a:r>
-                <a:rPr kumimoji="1" lang="en-US" altLang="ko-KR" sz="800">
-                  <a:solidFill>
-                    <a:sysClr val="windowText" lastClr="000000"/>
-                  </a:solidFill>
-                </a:rPr>
-                <a:t>1</a:t>
-              </a:r>
-              <a:endParaRPr kumimoji="1" lang="ko-KR" altLang="en-US" sz="800" dirty="0">
-                <a:solidFill>
-                  <a:sysClr val="windowText" lastClr="000000"/>
-                </a:solidFill>
-              </a:endParaRPr>
+              <a:endParaRPr kumimoji="1" lang="ko-KR" altLang="en-US" sz="1100"/>
             </a:p>
           </p:txBody>
         </p:sp>
         <p:sp>
           <p:nvSpPr>
-            <p:cNvPr id="223" name="타원 222"/>
+            <p:cNvPr id="266" name="직사각형 265"/>
             <p:cNvSpPr/>
             <p:nvPr/>
           </p:nvSpPr>
           <p:spPr>
             <a:xfrm>
-              <a:off x="4417031" y="5753037"/>
-              <a:ext cx="155438" cy="155438"/>
+              <a:off x="2211438" y="769211"/>
+              <a:ext cx="201386" cy="248815"/>
             </a:xfrm>
-            <a:prstGeom prst="ellipse">
+            <a:prstGeom prst="rect">
               <a:avLst/>
             </a:prstGeom>
             <a:solidFill>
-              <a:schemeClr val="bg1"/>
+              <a:srgbClr val="00B0F0"/>
             </a:solidFill>
             <a:ln w="25400">
               <a:solidFill>
@@ -27611,38 +26011,26 @@
             <a:lstStyle/>
             <a:p>
               <a:pPr algn="ctr"/>
-              <a:r>
-                <a:rPr kumimoji="1" lang="en-US" altLang="ko-KR" sz="800">
-                  <a:solidFill>
-                    <a:sysClr val="windowText" lastClr="000000"/>
-                  </a:solidFill>
-                </a:rPr>
-                <a:t>1</a:t>
-              </a:r>
-              <a:endParaRPr kumimoji="1" lang="ko-KR" altLang="en-US" sz="800" dirty="0">
-                <a:solidFill>
-                  <a:sysClr val="windowText" lastClr="000000"/>
-                </a:solidFill>
-              </a:endParaRPr>
+              <a:endParaRPr kumimoji="1" lang="ko-KR" altLang="en-US" sz="1100"/>
             </a:p>
           </p:txBody>
         </p:sp>
         <p:sp>
           <p:nvSpPr>
-            <p:cNvPr id="224" name="타원 223"/>
+            <p:cNvPr id="267" name="직사각형 266"/>
             <p:cNvSpPr/>
             <p:nvPr/>
           </p:nvSpPr>
           <p:spPr>
             <a:xfrm>
-              <a:off x="4775394" y="5753037"/>
-              <a:ext cx="155438" cy="155438"/>
+              <a:off x="1960001" y="769211"/>
+              <a:ext cx="201386" cy="248815"/>
             </a:xfrm>
-            <a:prstGeom prst="ellipse">
+            <a:prstGeom prst="rect">
               <a:avLst/>
             </a:prstGeom>
             <a:solidFill>
-              <a:schemeClr val="bg1"/>
+              <a:srgbClr val="00B0F0"/>
             </a:solidFill>
             <a:ln w="25400">
               <a:solidFill>
@@ -27671,38 +26059,26 @@
             <a:lstStyle/>
             <a:p>
               <a:pPr algn="ctr"/>
-              <a:r>
-                <a:rPr kumimoji="1" lang="en-US" altLang="ko-KR" sz="800">
-                  <a:solidFill>
-                    <a:sysClr val="windowText" lastClr="000000"/>
-                  </a:solidFill>
-                </a:rPr>
-                <a:t>1</a:t>
-              </a:r>
-              <a:endParaRPr kumimoji="1" lang="ko-KR" altLang="en-US" sz="800" dirty="0">
-                <a:solidFill>
-                  <a:sysClr val="windowText" lastClr="000000"/>
-                </a:solidFill>
-              </a:endParaRPr>
+              <a:endParaRPr kumimoji="1" lang="ko-KR" altLang="en-US" sz="1100"/>
             </a:p>
           </p:txBody>
         </p:sp>
         <p:sp>
           <p:nvSpPr>
-            <p:cNvPr id="225" name="타원 224"/>
+            <p:cNvPr id="268" name="직사각형 267"/>
             <p:cNvSpPr/>
             <p:nvPr/>
           </p:nvSpPr>
           <p:spPr>
             <a:xfrm>
-              <a:off x="5140293" y="5753037"/>
-              <a:ext cx="155438" cy="155438"/>
+              <a:off x="1708564" y="769211"/>
+              <a:ext cx="201386" cy="248815"/>
             </a:xfrm>
-            <a:prstGeom prst="ellipse">
+            <a:prstGeom prst="rect">
               <a:avLst/>
             </a:prstGeom>
             <a:solidFill>
-              <a:schemeClr val="bg1"/>
+              <a:srgbClr val="00B0F0"/>
             </a:solidFill>
             <a:ln w="25400">
               <a:solidFill>
@@ -27731,640 +26107,894 @@
             <a:lstStyle/>
             <a:p>
               <a:pPr algn="ctr"/>
-              <a:r>
-                <a:rPr kumimoji="1" lang="en-US" altLang="ko-KR" sz="800">
-                  <a:solidFill>
-                    <a:sysClr val="windowText" lastClr="000000"/>
-                  </a:solidFill>
-                </a:rPr>
-                <a:t>1</a:t>
-              </a:r>
-              <a:endParaRPr kumimoji="1" lang="ko-KR" altLang="en-US" sz="800" dirty="0">
-                <a:solidFill>
-                  <a:sysClr val="windowText" lastClr="000000"/>
-                </a:solidFill>
-              </a:endParaRPr>
+              <a:endParaRPr kumimoji="1" lang="ko-KR" altLang="en-US" sz="1100"/>
             </a:p>
           </p:txBody>
         </p:sp>
+      </p:grpSp>
+      <p:sp>
+        <p:nvSpPr>
+          <p:cNvPr id="198" name="직사각형 197"/>
+          <p:cNvSpPr/>
+          <p:nvPr/>
+        </p:nvSpPr>
+        <p:spPr>
+          <a:xfrm>
+            <a:off x="1863612" y="4965939"/>
+            <a:ext cx="2104112" cy="1454222"/>
+          </a:xfrm>
+          <a:prstGeom prst="rect">
+            <a:avLst/>
+          </a:prstGeom>
+          <a:solidFill>
+            <a:schemeClr val="bg1"/>
+          </a:solidFill>
+          <a:ln w="25400">
+            <a:solidFill>
+              <a:schemeClr val="tx1"/>
+            </a:solidFill>
+          </a:ln>
+        </p:spPr>
+        <p:style>
+          <a:lnRef idx="2">
+            <a:schemeClr val="accent1">
+              <a:shade val="50000"/>
+            </a:schemeClr>
+          </a:lnRef>
+          <a:fillRef idx="1">
+            <a:schemeClr val="accent1"/>
+          </a:fillRef>
+          <a:effectRef idx="0">
+            <a:schemeClr val="accent1"/>
+          </a:effectRef>
+          <a:fontRef idx="minor">
+            <a:schemeClr val="lt1"/>
+          </a:fontRef>
+        </p:style>
+        <p:txBody>
+          <a:bodyPr rtlCol="0" anchor="t"/>
+          <a:lstStyle/>
+          <a:p>
+            <a:r>
+              <a:rPr kumimoji="1" lang="ko-KR" altLang="en-US" sz="900" dirty="0">
+                <a:solidFill>
+                  <a:sysClr val="windowText" lastClr="000000"/>
+                </a:solidFill>
+              </a:rPr>
+              <a:t>신창섭 </a:t>
+            </a:r>
+            <a:r>
+              <a:rPr kumimoji="1" lang="en-US" altLang="ko-KR" sz="900" dirty="0">
+                <a:solidFill>
+                  <a:sysClr val="windowText" lastClr="000000"/>
+                </a:solidFill>
+              </a:rPr>
+              <a:t>:</a:t>
+            </a:r>
+            <a:r>
+              <a:rPr kumimoji="1" lang="ko-KR" altLang="en-US" sz="900" dirty="0">
+                <a:solidFill>
+                  <a:sysClr val="windowText" lastClr="000000"/>
+                </a:solidFill>
+              </a:rPr>
+              <a:t> 너때문에 파티를</a:t>
+            </a:r>
+            <a:endParaRPr kumimoji="1" lang="en-US" altLang="ko-KR" sz="900" dirty="0">
+              <a:solidFill>
+                <a:sysClr val="windowText" lastClr="000000"/>
+              </a:solidFill>
+            </a:endParaRPr>
+          </a:p>
+          <a:p>
+            <a:r>
+              <a:rPr kumimoji="1" lang="ko-KR" altLang="en-US" sz="900" dirty="0">
+                <a:solidFill>
+                  <a:sysClr val="windowText" lastClr="000000"/>
+                </a:solidFill>
+              </a:rPr>
+              <a:t>           망쳤으니 책임져</a:t>
+            </a:r>
+          </a:p>
+        </p:txBody>
+      </p:sp>
+      <p:sp>
+        <p:nvSpPr>
+          <p:cNvPr id="199" name="직사각형 198"/>
+          <p:cNvSpPr/>
+          <p:nvPr/>
+        </p:nvSpPr>
+        <p:spPr>
+          <a:xfrm>
+            <a:off x="4061634" y="5775217"/>
+            <a:ext cx="260997" cy="260997"/>
+          </a:xfrm>
+          <a:prstGeom prst="rect">
+            <a:avLst/>
+          </a:prstGeom>
+          <a:solidFill>
+            <a:schemeClr val="bg1"/>
+          </a:solidFill>
+          <a:ln w="25400">
+            <a:solidFill>
+              <a:schemeClr val="tx1"/>
+            </a:solidFill>
+          </a:ln>
+        </p:spPr>
+        <p:style>
+          <a:lnRef idx="2">
+            <a:schemeClr val="accent1">
+              <a:shade val="50000"/>
+            </a:schemeClr>
+          </a:lnRef>
+          <a:fillRef idx="1">
+            <a:schemeClr val="accent1"/>
+          </a:fillRef>
+          <a:effectRef idx="0">
+            <a:schemeClr val="accent1"/>
+          </a:effectRef>
+          <a:fontRef idx="minor">
+            <a:schemeClr val="lt1"/>
+          </a:fontRef>
+        </p:style>
+        <p:txBody>
+          <a:bodyPr lIns="0" tIns="0" rIns="0" bIns="0" rtlCol="0" anchor="ctr"/>
+          <a:lstStyle/>
+          <a:p>
+            <a:pPr algn="ctr"/>
+            <a:r>
+              <a:rPr kumimoji="1" lang="en-US" altLang="ko-KR" sz="600" dirty="0">
+                <a:solidFill>
+                  <a:schemeClr val="tx1"/>
+                </a:solidFill>
+              </a:rPr>
+              <a:t>Skill</a:t>
+            </a:r>
+          </a:p>
+          <a:p>
+            <a:pPr algn="ctr"/>
+            <a:r>
+              <a:rPr kumimoji="1" lang="en-US" altLang="ko-KR" sz="600" dirty="0">
+                <a:solidFill>
+                  <a:schemeClr val="tx1"/>
+                </a:solidFill>
+              </a:rPr>
+              <a:t>1</a:t>
+            </a:r>
+            <a:endParaRPr kumimoji="1" lang="ko-KR" altLang="en-US" sz="600" dirty="0">
+              <a:solidFill>
+                <a:schemeClr val="tx1"/>
+              </a:solidFill>
+            </a:endParaRPr>
+          </a:p>
+        </p:txBody>
+      </p:sp>
+      <p:sp>
+        <p:nvSpPr>
+          <p:cNvPr id="200" name="직사각형 199"/>
+          <p:cNvSpPr/>
+          <p:nvPr/>
+        </p:nvSpPr>
+        <p:spPr>
+          <a:xfrm>
+            <a:off x="7870247" y="5775217"/>
+            <a:ext cx="260997" cy="260997"/>
+          </a:xfrm>
+          <a:prstGeom prst="rect">
+            <a:avLst/>
+          </a:prstGeom>
+          <a:solidFill>
+            <a:schemeClr val="bg1"/>
+          </a:solidFill>
+          <a:ln w="25400">
+            <a:solidFill>
+              <a:schemeClr val="tx1"/>
+            </a:solidFill>
+          </a:ln>
+        </p:spPr>
+        <p:style>
+          <a:lnRef idx="2">
+            <a:schemeClr val="accent1">
+              <a:shade val="50000"/>
+            </a:schemeClr>
+          </a:lnRef>
+          <a:fillRef idx="1">
+            <a:schemeClr val="accent1"/>
+          </a:fillRef>
+          <a:effectRef idx="0">
+            <a:schemeClr val="accent1"/>
+          </a:effectRef>
+          <a:fontRef idx="minor">
+            <a:schemeClr val="lt1"/>
+          </a:fontRef>
+        </p:style>
+        <p:txBody>
+          <a:bodyPr lIns="0" tIns="0" rIns="0" bIns="0" rtlCol="0" anchor="ctr"/>
+          <a:lstStyle/>
+          <a:p>
+            <a:pPr lvl="0" algn="ctr"/>
+            <a:r>
+              <a:rPr kumimoji="1" lang="en-US" altLang="ko-KR" sz="600" dirty="0">
+                <a:solidFill>
+                  <a:prstClr val="black"/>
+                </a:solidFill>
+              </a:rPr>
+              <a:t>item</a:t>
+            </a:r>
+          </a:p>
+          <a:p>
+            <a:pPr lvl="0" algn="ctr"/>
+            <a:r>
+              <a:rPr kumimoji="1" lang="en-US" altLang="ko-KR" sz="600" dirty="0">
+                <a:solidFill>
+                  <a:prstClr val="black"/>
+                </a:solidFill>
+              </a:rPr>
+              <a:t>1</a:t>
+            </a:r>
+            <a:endParaRPr kumimoji="1" lang="ko-KR" altLang="en-US" sz="600" dirty="0">
+              <a:solidFill>
+                <a:prstClr val="black"/>
+              </a:solidFill>
+            </a:endParaRPr>
+          </a:p>
+        </p:txBody>
+      </p:sp>
+      <p:sp>
+        <p:nvSpPr>
+          <p:cNvPr id="201" name="직사각형 200"/>
+          <p:cNvSpPr/>
+          <p:nvPr/>
+        </p:nvSpPr>
+        <p:spPr>
+          <a:xfrm>
+            <a:off x="1982999" y="6113174"/>
+            <a:ext cx="1761623" cy="204035"/>
+          </a:xfrm>
+          <a:prstGeom prst="rect">
+            <a:avLst/>
+          </a:prstGeom>
+          <a:solidFill>
+            <a:schemeClr val="bg1"/>
+          </a:solidFill>
+          <a:ln w="25400">
+            <a:solidFill>
+              <a:schemeClr val="tx1"/>
+            </a:solidFill>
+          </a:ln>
+        </p:spPr>
+        <p:style>
+          <a:lnRef idx="2">
+            <a:schemeClr val="accent1">
+              <a:shade val="50000"/>
+            </a:schemeClr>
+          </a:lnRef>
+          <a:fillRef idx="1">
+            <a:schemeClr val="accent1"/>
+          </a:fillRef>
+          <a:effectRef idx="0">
+            <a:schemeClr val="accent1"/>
+          </a:effectRef>
+          <a:fontRef idx="minor">
+            <a:schemeClr val="lt1"/>
+          </a:fontRef>
+        </p:style>
+        <p:txBody>
+          <a:bodyPr rtlCol="0" anchor="ctr"/>
+          <a:lstStyle/>
+          <a:p>
+            <a:r>
+              <a:rPr kumimoji="1" lang="ko-KR" altLang="en-US" sz="1000" dirty="0">
+                <a:solidFill>
+                  <a:sysClr val="windowText" lastClr="000000"/>
+                </a:solidFill>
+              </a:rPr>
+              <a:t>김형준 </a:t>
+            </a:r>
+            <a:r>
+              <a:rPr kumimoji="1" lang="en-US" altLang="ko-KR" sz="1000" dirty="0">
+                <a:solidFill>
+                  <a:sysClr val="windowText" lastClr="000000"/>
+                </a:solidFill>
+              </a:rPr>
+              <a:t>:</a:t>
+            </a:r>
+            <a:r>
+              <a:rPr kumimoji="1" lang="ko-KR" altLang="en-US" sz="1000" dirty="0">
+                <a:solidFill>
+                  <a:sysClr val="windowText" lastClr="000000"/>
+                </a:solidFill>
+              </a:rPr>
+              <a:t> 네</a:t>
+            </a:r>
+            <a:r>
+              <a:rPr kumimoji="1" lang="en-US" altLang="ko-KR" sz="1000" dirty="0">
+                <a:solidFill>
+                  <a:sysClr val="windowText" lastClr="000000"/>
+                </a:solidFill>
+              </a:rPr>
+              <a:t>,</a:t>
+            </a:r>
+            <a:r>
+              <a:rPr kumimoji="1" lang="ko-KR" altLang="en-US" sz="1000" dirty="0">
+                <a:solidFill>
+                  <a:sysClr val="windowText" lastClr="000000"/>
+                </a:solidFill>
+              </a:rPr>
+              <a:t> 알겠습니다</a:t>
+            </a:r>
+            <a:r>
+              <a:rPr kumimoji="1" lang="en-US" altLang="ko-KR" sz="1000" dirty="0">
+                <a:solidFill>
+                  <a:sysClr val="windowText" lastClr="000000"/>
+                </a:solidFill>
+              </a:rPr>
+              <a:t>.</a:t>
+            </a:r>
+            <a:endParaRPr kumimoji="1" lang="ko-KR" altLang="en-US" sz="1000" dirty="0">
+              <a:solidFill>
+                <a:sysClr val="windowText" lastClr="000000"/>
+              </a:solidFill>
+            </a:endParaRPr>
+          </a:p>
+        </p:txBody>
+      </p:sp>
+      <p:sp>
+        <p:nvSpPr>
+          <p:cNvPr id="202" name="직사각형 201"/>
+          <p:cNvSpPr/>
+          <p:nvPr/>
+        </p:nvSpPr>
+        <p:spPr>
+          <a:xfrm>
+            <a:off x="1863612" y="4739039"/>
+            <a:ext cx="420866" cy="174263"/>
+          </a:xfrm>
+          <a:prstGeom prst="rect">
+            <a:avLst/>
+          </a:prstGeom>
+          <a:solidFill>
+            <a:schemeClr val="bg1"/>
+          </a:solidFill>
+          <a:ln w="25400">
+            <a:solidFill>
+              <a:schemeClr val="tx1"/>
+            </a:solidFill>
+          </a:ln>
+        </p:spPr>
+        <p:style>
+          <a:lnRef idx="2">
+            <a:schemeClr val="accent1">
+              <a:shade val="50000"/>
+            </a:schemeClr>
+          </a:lnRef>
+          <a:fillRef idx="1">
+            <a:schemeClr val="accent1"/>
+          </a:fillRef>
+          <a:effectRef idx="0">
+            <a:schemeClr val="accent1"/>
+          </a:effectRef>
+          <a:fontRef idx="minor">
+            <a:schemeClr val="lt1"/>
+          </a:fontRef>
+        </p:style>
+        <p:txBody>
+          <a:bodyPr rtlCol="0" anchor="ctr"/>
+          <a:lstStyle/>
+          <a:p>
+            <a:pPr algn="ctr"/>
+            <a:r>
+              <a:rPr kumimoji="1" lang="ko-KR" altLang="en-US" sz="600" dirty="0">
+                <a:solidFill>
+                  <a:sysClr val="windowText" lastClr="000000"/>
+                </a:solidFill>
+              </a:rPr>
+              <a:t>일반</a:t>
+            </a:r>
+          </a:p>
+        </p:txBody>
+      </p:sp>
+      <p:sp>
+        <p:nvSpPr>
+          <p:cNvPr id="203" name="직사각형 202"/>
+          <p:cNvSpPr/>
+          <p:nvPr/>
+        </p:nvSpPr>
+        <p:spPr>
+          <a:xfrm>
+            <a:off x="2360796" y="4739039"/>
+            <a:ext cx="420866" cy="174263"/>
+          </a:xfrm>
+          <a:prstGeom prst="rect">
+            <a:avLst/>
+          </a:prstGeom>
+          <a:solidFill>
+            <a:schemeClr val="bg1"/>
+          </a:solidFill>
+          <a:ln w="25400">
+            <a:solidFill>
+              <a:schemeClr val="tx1"/>
+            </a:solidFill>
+          </a:ln>
+        </p:spPr>
+        <p:style>
+          <a:lnRef idx="2">
+            <a:schemeClr val="accent1">
+              <a:shade val="50000"/>
+            </a:schemeClr>
+          </a:lnRef>
+          <a:fillRef idx="1">
+            <a:schemeClr val="accent1"/>
+          </a:fillRef>
+          <a:effectRef idx="0">
+            <a:schemeClr val="accent1"/>
+          </a:effectRef>
+          <a:fontRef idx="minor">
+            <a:schemeClr val="lt1"/>
+          </a:fontRef>
+        </p:style>
+        <p:txBody>
+          <a:bodyPr rtlCol="0" anchor="ctr"/>
+          <a:lstStyle/>
+          <a:p>
+            <a:pPr algn="ctr"/>
+            <a:r>
+              <a:rPr kumimoji="1" lang="ko-KR" altLang="en-US" sz="500" dirty="0">
+                <a:solidFill>
+                  <a:sysClr val="windowText" lastClr="000000"/>
+                </a:solidFill>
+              </a:rPr>
+              <a:t>시스템</a:t>
+            </a:r>
+          </a:p>
+        </p:txBody>
+      </p:sp>
+      <p:cxnSp>
+        <p:nvCxnSpPr>
+          <p:cNvPr id="204" name="직선 연결선[R] 203"/>
+          <p:cNvCxnSpPr/>
+          <p:nvPr/>
+        </p:nvCxnSpPr>
+        <p:spPr>
+          <a:xfrm flipV="1">
+            <a:off x="7193590" y="1713956"/>
+            <a:ext cx="0" cy="1613212"/>
+          </a:xfrm>
+          <a:prstGeom prst="line">
+            <a:avLst/>
+          </a:prstGeom>
+          <a:ln w="25400">
+            <a:solidFill>
+              <a:schemeClr val="tx1"/>
+            </a:solidFill>
+          </a:ln>
+        </p:spPr>
+        <p:style>
+          <a:lnRef idx="1">
+            <a:schemeClr val="accent1"/>
+          </a:lnRef>
+          <a:fillRef idx="0">
+            <a:schemeClr val="accent1"/>
+          </a:fillRef>
+          <a:effectRef idx="0">
+            <a:schemeClr val="accent1"/>
+          </a:effectRef>
+          <a:fontRef idx="minor">
+            <a:schemeClr val="tx1"/>
+          </a:fontRef>
+        </p:style>
+      </p:cxnSp>
+      <p:cxnSp>
+        <p:nvCxnSpPr>
+          <p:cNvPr id="205" name="직선 연결선[R] 204"/>
+          <p:cNvCxnSpPr/>
+          <p:nvPr/>
+        </p:nvCxnSpPr>
+        <p:spPr>
+          <a:xfrm flipH="1" flipV="1">
+            <a:off x="7193590" y="3327168"/>
+            <a:ext cx="3251471" cy="1411871"/>
+          </a:xfrm>
+          <a:prstGeom prst="line">
+            <a:avLst/>
+          </a:prstGeom>
+          <a:ln w="25400">
+            <a:solidFill>
+              <a:schemeClr val="tx1"/>
+            </a:solidFill>
+          </a:ln>
+        </p:spPr>
+        <p:style>
+          <a:lnRef idx="1">
+            <a:schemeClr val="accent1"/>
+          </a:lnRef>
+          <a:fillRef idx="0">
+            <a:schemeClr val="accent1"/>
+          </a:fillRef>
+          <a:effectRef idx="0">
+            <a:schemeClr val="accent1"/>
+          </a:effectRef>
+          <a:fontRef idx="minor">
+            <a:schemeClr val="tx1"/>
+          </a:fontRef>
+        </p:style>
+      </p:cxnSp>
+      <p:pic>
+        <p:nvPicPr>
+          <p:cNvPr id="206" name="그림 205"/>
+          <p:cNvPicPr>
+            <a:picLocks noChangeAspect="1"/>
+          </p:cNvPicPr>
+          <p:nvPr/>
+        </p:nvPicPr>
+        <p:blipFill>
+          <a:blip r:embed="rId3" cstate="email">
+            <a:extLst>
+              <a:ext uri="{28A0092B-C50C-407E-A947-70E740481C1C}">
+                <a14:useLocalDpi xmlns:a14="http://schemas.microsoft.com/office/drawing/2010/main"/>
+              </a:ext>
+            </a:extLst>
+          </a:blip>
+          <a:stretch>
+            <a:fillRect/>
+          </a:stretch>
+        </p:blipFill>
+        <p:spPr>
+          <a:xfrm>
+            <a:off x="2421565" y="3424379"/>
+            <a:ext cx="793231" cy="894692"/>
+          </a:xfrm>
+          <a:prstGeom prst="rect">
+            <a:avLst/>
+          </a:prstGeom>
+        </p:spPr>
+      </p:pic>
+      <p:cxnSp>
+        <p:nvCxnSpPr>
+          <p:cNvPr id="207" name="직선 연결선[R] 206"/>
+          <p:cNvCxnSpPr/>
+          <p:nvPr/>
+        </p:nvCxnSpPr>
+        <p:spPr>
+          <a:xfrm flipH="1" flipV="1">
+            <a:off x="4488877" y="2083042"/>
+            <a:ext cx="1477064" cy="677535"/>
+          </a:xfrm>
+          <a:prstGeom prst="line">
+            <a:avLst/>
+          </a:prstGeom>
+          <a:ln w="25400">
+            <a:solidFill>
+              <a:schemeClr val="tx1"/>
+            </a:solidFill>
+          </a:ln>
+        </p:spPr>
+        <p:style>
+          <a:lnRef idx="1">
+            <a:schemeClr val="accent1"/>
+          </a:lnRef>
+          <a:fillRef idx="0">
+            <a:schemeClr val="accent1"/>
+          </a:fillRef>
+          <a:effectRef idx="0">
+            <a:schemeClr val="accent1"/>
+          </a:effectRef>
+          <a:fontRef idx="minor">
+            <a:schemeClr val="tx1"/>
+          </a:fontRef>
+        </p:style>
+      </p:cxnSp>
+      <p:cxnSp>
+        <p:nvCxnSpPr>
+          <p:cNvPr id="208" name="직선 연결선[R] 207"/>
+          <p:cNvCxnSpPr/>
+          <p:nvPr/>
+        </p:nvCxnSpPr>
+        <p:spPr>
+          <a:xfrm flipV="1">
+            <a:off x="5965940" y="1713956"/>
+            <a:ext cx="0" cy="1046621"/>
+          </a:xfrm>
+          <a:prstGeom prst="line">
+            <a:avLst/>
+          </a:prstGeom>
+          <a:ln w="25400">
+            <a:solidFill>
+              <a:schemeClr val="tx1"/>
+            </a:solidFill>
+          </a:ln>
+        </p:spPr>
+        <p:style>
+          <a:lnRef idx="1">
+            <a:schemeClr val="accent1"/>
+          </a:lnRef>
+          <a:fillRef idx="0">
+            <a:schemeClr val="accent1"/>
+          </a:fillRef>
+          <a:effectRef idx="0">
+            <a:schemeClr val="accent1"/>
+          </a:effectRef>
+          <a:fontRef idx="minor">
+            <a:schemeClr val="tx1"/>
+          </a:fontRef>
+        </p:style>
+      </p:cxnSp>
+      <p:cxnSp>
+        <p:nvCxnSpPr>
+          <p:cNvPr id="209" name="직선 연결선[R] 208"/>
+          <p:cNvCxnSpPr/>
+          <p:nvPr/>
+        </p:nvCxnSpPr>
+        <p:spPr>
+          <a:xfrm flipV="1">
+            <a:off x="5965940" y="1963089"/>
+            <a:ext cx="1227649" cy="797489"/>
+          </a:xfrm>
+          <a:prstGeom prst="line">
+            <a:avLst/>
+          </a:prstGeom>
+          <a:ln w="25400">
+            <a:solidFill>
+              <a:schemeClr val="tx1"/>
+            </a:solidFill>
+          </a:ln>
+        </p:spPr>
+        <p:style>
+          <a:lnRef idx="1">
+            <a:schemeClr val="accent1"/>
+          </a:lnRef>
+          <a:fillRef idx="0">
+            <a:schemeClr val="accent1"/>
+          </a:fillRef>
+          <a:effectRef idx="0">
+            <a:schemeClr val="accent1"/>
+          </a:effectRef>
+          <a:fontRef idx="minor">
+            <a:schemeClr val="tx1"/>
+          </a:fontRef>
+        </p:style>
+      </p:cxnSp>
+      <p:pic>
+        <p:nvPicPr>
+          <p:cNvPr id="210" name="그림 209"/>
+          <p:cNvPicPr>
+            <a:picLocks noChangeAspect="1"/>
+          </p:cNvPicPr>
+          <p:nvPr/>
+        </p:nvPicPr>
+        <p:blipFill>
+          <a:blip r:embed="rId4" cstate="email">
+            <a:extLst>
+              <a:ext uri="{BEBA8EAE-BF5A-486C-A8C5-ECC9F3942E4B}">
+                <a14:imgProps xmlns:a14="http://schemas.microsoft.com/office/drawing/2010/main">
+                  <a14:imgLayer r:embed="rId5">
+                    <a14:imgEffect>
+                      <a14:backgroundRemoval t="9744" b="89776" l="0" r="100000">
+                        <a14:foregroundMark x1="89457" y1="64377" x2="88978" y2="71725"/>
+                      </a14:backgroundRemoval>
+                    </a14:imgEffect>
+                  </a14:imgLayer>
+                </a14:imgProps>
+              </a:ext>
+              <a:ext uri="{28A0092B-C50C-407E-A947-70E740481C1C}">
+                <a14:useLocalDpi xmlns:a14="http://schemas.microsoft.com/office/drawing/2010/main"/>
+              </a:ext>
+            </a:extLst>
+          </a:blip>
+          <a:stretch>
+            <a:fillRect/>
+          </a:stretch>
+        </p:blipFill>
+        <p:spPr>
+          <a:xfrm rot="19034458">
+            <a:off x="3132487" y="3084795"/>
+            <a:ext cx="757011" cy="757011"/>
+          </a:xfrm>
+          <a:prstGeom prst="rect">
+            <a:avLst/>
+          </a:prstGeom>
+        </p:spPr>
+      </p:pic>
+      <p:pic>
+        <p:nvPicPr>
+          <p:cNvPr id="211" name="그림 210"/>
+          <p:cNvPicPr>
+            <a:picLocks noChangeAspect="1"/>
+          </p:cNvPicPr>
+          <p:nvPr/>
+        </p:nvPicPr>
+        <p:blipFill>
+          <a:blip r:embed="rId4" cstate="email">
+            <a:extLst>
+              <a:ext uri="{BEBA8EAE-BF5A-486C-A8C5-ECC9F3942E4B}">
+                <a14:imgProps xmlns:a14="http://schemas.microsoft.com/office/drawing/2010/main">
+                  <a14:imgLayer r:embed="rId6">
+                    <a14:imgEffect>
+                      <a14:backgroundRemoval t="9744" b="89776" l="0" r="100000">
+                        <a14:foregroundMark x1="89457" y1="64377" x2="88978" y2="71725"/>
+                      </a14:backgroundRemoval>
+                    </a14:imgEffect>
+                  </a14:imgLayer>
+                </a14:imgProps>
+              </a:ext>
+              <a:ext uri="{28A0092B-C50C-407E-A947-70E740481C1C}">
+                <a14:useLocalDpi xmlns:a14="http://schemas.microsoft.com/office/drawing/2010/main"/>
+              </a:ext>
+            </a:extLst>
+          </a:blip>
+          <a:stretch>
+            <a:fillRect/>
+          </a:stretch>
+        </p:blipFill>
+        <p:spPr>
+          <a:xfrm rot="765262">
+            <a:off x="3457880" y="3459076"/>
+            <a:ext cx="757011" cy="757011"/>
+          </a:xfrm>
+          <a:prstGeom prst="rect">
+            <a:avLst/>
+          </a:prstGeom>
+        </p:spPr>
+      </p:pic>
+      <p:pic>
+        <p:nvPicPr>
+          <p:cNvPr id="212" name="그림 211"/>
+          <p:cNvPicPr>
+            <a:picLocks noChangeAspect="1"/>
+          </p:cNvPicPr>
+          <p:nvPr/>
+        </p:nvPicPr>
+        <p:blipFill>
+          <a:blip r:embed="rId4" cstate="email">
+            <a:extLst>
+              <a:ext uri="{BEBA8EAE-BF5A-486C-A8C5-ECC9F3942E4B}">
+                <a14:imgProps xmlns:a14="http://schemas.microsoft.com/office/drawing/2010/main">
+                  <a14:imgLayer r:embed="rId7">
+                    <a14:imgEffect>
+                      <a14:backgroundRemoval t="9744" b="89776" l="0" r="100000">
+                        <a14:foregroundMark x1="89457" y1="64377" x2="88978" y2="71725"/>
+                      </a14:backgroundRemoval>
+                    </a14:imgEffect>
+                  </a14:imgLayer>
+                </a14:imgProps>
+              </a:ext>
+              <a:ext uri="{28A0092B-C50C-407E-A947-70E740481C1C}">
+                <a14:useLocalDpi xmlns:a14="http://schemas.microsoft.com/office/drawing/2010/main"/>
+              </a:ext>
+            </a:extLst>
+          </a:blip>
+          <a:stretch>
+            <a:fillRect/>
+          </a:stretch>
+        </p:blipFill>
+        <p:spPr>
+          <a:xfrm rot="2686868">
+            <a:off x="3293153" y="3839344"/>
+            <a:ext cx="757011" cy="757011"/>
+          </a:xfrm>
+          <a:prstGeom prst="rect">
+            <a:avLst/>
+          </a:prstGeom>
+        </p:spPr>
+      </p:pic>
+      <p:pic>
+        <p:nvPicPr>
+          <p:cNvPr id="213" name="그림 212"/>
+          <p:cNvPicPr>
+            <a:picLocks noChangeAspect="1"/>
+          </p:cNvPicPr>
+          <p:nvPr/>
+        </p:nvPicPr>
+        <p:blipFill>
+          <a:blip r:embed="rId4" cstate="email">
+            <a:extLst>
+              <a:ext uri="{BEBA8EAE-BF5A-486C-A8C5-ECC9F3942E4B}">
+                <a14:imgProps xmlns:a14="http://schemas.microsoft.com/office/drawing/2010/main">
+                  <a14:imgLayer r:embed="rId7">
+                    <a14:imgEffect>
+                      <a14:backgroundRemoval t="9744" b="89776" l="0" r="100000">
+                        <a14:foregroundMark x1="89457" y1="64377" x2="88978" y2="71725"/>
+                      </a14:backgroundRemoval>
+                    </a14:imgEffect>
+                  </a14:imgLayer>
+                </a14:imgProps>
+              </a:ext>
+              <a:ext uri="{28A0092B-C50C-407E-A947-70E740481C1C}">
+                <a14:useLocalDpi xmlns:a14="http://schemas.microsoft.com/office/drawing/2010/main"/>
+              </a:ext>
+            </a:extLst>
+          </a:blip>
+          <a:stretch>
+            <a:fillRect/>
+          </a:stretch>
+        </p:blipFill>
+        <p:spPr>
+          <a:xfrm rot="19034458">
+            <a:off x="2902866" y="4046899"/>
+            <a:ext cx="757011" cy="757011"/>
+          </a:xfrm>
+          <a:prstGeom prst="rect">
+            <a:avLst/>
+          </a:prstGeom>
+        </p:spPr>
+      </p:pic>
+      <p:sp>
+        <p:nvSpPr>
+          <p:cNvPr id="214" name="호 213"/>
+          <p:cNvSpPr/>
+          <p:nvPr/>
+        </p:nvSpPr>
+        <p:spPr>
+          <a:xfrm rot="4829520">
+            <a:off x="1893523" y="3055591"/>
+            <a:ext cx="2078164" cy="1099061"/>
+          </a:xfrm>
+          <a:prstGeom prst="arc">
+            <a:avLst/>
+          </a:prstGeom>
+          <a:solidFill>
+            <a:srgbClr val="FFFF00">
+              <a:alpha val="78000"/>
+            </a:srgbClr>
+          </a:solidFill>
+          <a:ln w="25400">
+            <a:solidFill>
+              <a:srgbClr val="FFC000"/>
+            </a:solidFill>
+          </a:ln>
+        </p:spPr>
+        <p:style>
+          <a:lnRef idx="1">
+            <a:schemeClr val="accent1"/>
+          </a:lnRef>
+          <a:fillRef idx="0">
+            <a:schemeClr val="accent1"/>
+          </a:fillRef>
+          <a:effectRef idx="0">
+            <a:schemeClr val="accent1"/>
+          </a:effectRef>
+          <a:fontRef idx="minor">
+            <a:schemeClr val="tx1"/>
+          </a:fontRef>
+        </p:style>
+        <p:txBody>
+          <a:bodyPr rtlCol="0" anchor="ctr"/>
+          <a:lstStyle/>
+          <a:p>
+            <a:pPr algn="ctr"/>
+            <a:endParaRPr kumimoji="1" lang="ko-KR" altLang="en-US" sz="1100"/>
+          </a:p>
+        </p:txBody>
+      </p:sp>
+      <p:grpSp>
+        <p:nvGrpSpPr>
+          <p:cNvPr id="215" name="그룹 214"/>
+          <p:cNvGrpSpPr/>
+          <p:nvPr/>
+        </p:nvGrpSpPr>
+        <p:grpSpPr>
+          <a:xfrm>
+            <a:off x="2687465" y="2743182"/>
+            <a:ext cx="577295" cy="627771"/>
+            <a:chOff x="5283447" y="2363113"/>
+            <a:chExt cx="1443924" cy="1570175"/>
+          </a:xfrm>
+        </p:grpSpPr>
         <p:sp>
           <p:nvSpPr>
-            <p:cNvPr id="226" name="타원 225"/>
+            <p:cNvPr id="252" name="타원 251"/>
             <p:cNvSpPr/>
             <p:nvPr/>
           </p:nvSpPr>
           <p:spPr>
             <a:xfrm>
-              <a:off x="5479850" y="5753037"/>
-              <a:ext cx="155438" cy="155438"/>
+              <a:off x="5283447" y="3133188"/>
+              <a:ext cx="800100" cy="800100"/>
             </a:xfrm>
             <a:prstGeom prst="ellipse">
               <a:avLst/>
             </a:prstGeom>
-            <a:solidFill>
-              <a:schemeClr val="bg1"/>
-            </a:solidFill>
-            <a:ln w="25400">
-              <a:solidFill>
-                <a:schemeClr val="tx1"/>
-              </a:solidFill>
-            </a:ln>
-          </p:spPr>
-          <p:style>
-            <a:lnRef idx="2">
-              <a:schemeClr val="accent1">
-                <a:shade val="50000"/>
-              </a:schemeClr>
-            </a:lnRef>
-            <a:fillRef idx="1">
-              <a:schemeClr val="accent1"/>
-            </a:fillRef>
-            <a:effectRef idx="0">
-              <a:schemeClr val="accent1"/>
-            </a:effectRef>
-            <a:fontRef idx="minor">
-              <a:schemeClr val="lt1"/>
-            </a:fontRef>
-          </p:style>
-          <p:txBody>
-            <a:bodyPr rtlCol="0" anchor="ctr"/>
-            <a:lstStyle/>
-            <a:p>
-              <a:pPr algn="ctr"/>
-              <a:r>
-                <a:rPr kumimoji="1" lang="en-US" altLang="ko-KR" sz="800">
-                  <a:solidFill>
-                    <a:sysClr val="windowText" lastClr="000000"/>
-                  </a:solidFill>
-                </a:rPr>
-                <a:t>1</a:t>
-              </a:r>
-              <a:endParaRPr kumimoji="1" lang="ko-KR" altLang="en-US" sz="800" dirty="0">
-                <a:solidFill>
-                  <a:sysClr val="windowText" lastClr="000000"/>
-                </a:solidFill>
-              </a:endParaRPr>
-            </a:p>
-          </p:txBody>
-        </p:sp>
-        <p:sp>
-          <p:nvSpPr>
-            <p:cNvPr id="227" name="타원 226"/>
-            <p:cNvSpPr/>
-            <p:nvPr/>
-          </p:nvSpPr>
-          <p:spPr>
-            <a:xfrm>
-              <a:off x="4066523" y="6118263"/>
-              <a:ext cx="155438" cy="155438"/>
-            </a:xfrm>
-            <a:prstGeom prst="ellipse">
-              <a:avLst/>
-            </a:prstGeom>
-            <a:solidFill>
-              <a:schemeClr val="bg1"/>
-            </a:solidFill>
-            <a:ln w="25400">
-              <a:solidFill>
-                <a:schemeClr val="tx1"/>
-              </a:solidFill>
-            </a:ln>
-          </p:spPr>
-          <p:style>
-            <a:lnRef idx="2">
-              <a:schemeClr val="accent1">
-                <a:shade val="50000"/>
-              </a:schemeClr>
-            </a:lnRef>
-            <a:fillRef idx="1">
-              <a:schemeClr val="accent1"/>
-            </a:fillRef>
-            <a:effectRef idx="0">
-              <a:schemeClr val="accent1"/>
-            </a:effectRef>
-            <a:fontRef idx="minor">
-              <a:schemeClr val="lt1"/>
-            </a:fontRef>
-          </p:style>
-          <p:txBody>
-            <a:bodyPr rtlCol="0" anchor="ctr"/>
-            <a:lstStyle/>
-            <a:p>
-              <a:pPr algn="ctr"/>
-              <a:r>
-                <a:rPr kumimoji="1" lang="en-US" altLang="ko-KR" sz="800" dirty="0">
-                  <a:solidFill>
-                    <a:sysClr val="windowText" lastClr="000000"/>
-                  </a:solidFill>
-                </a:rPr>
-                <a:t>D</a:t>
-              </a:r>
-              <a:endParaRPr kumimoji="1" lang="ko-KR" altLang="en-US" sz="800" dirty="0">
-                <a:solidFill>
-                  <a:sysClr val="windowText" lastClr="000000"/>
-                </a:solidFill>
-              </a:endParaRPr>
-            </a:p>
-          </p:txBody>
-        </p:sp>
-        <p:sp>
-          <p:nvSpPr>
-            <p:cNvPr id="228" name="타원 227"/>
-            <p:cNvSpPr/>
-            <p:nvPr/>
-          </p:nvSpPr>
-          <p:spPr>
-            <a:xfrm>
-              <a:off x="4417031" y="6118263"/>
-              <a:ext cx="155438" cy="155438"/>
-            </a:xfrm>
-            <a:prstGeom prst="ellipse">
-              <a:avLst/>
-            </a:prstGeom>
-            <a:solidFill>
-              <a:schemeClr val="bg1"/>
-            </a:solidFill>
-            <a:ln w="25400">
-              <a:solidFill>
-                <a:schemeClr val="tx1"/>
-              </a:solidFill>
-            </a:ln>
-          </p:spPr>
-          <p:style>
-            <a:lnRef idx="2">
-              <a:schemeClr val="accent1">
-                <a:shade val="50000"/>
-              </a:schemeClr>
-            </a:lnRef>
-            <a:fillRef idx="1">
-              <a:schemeClr val="accent1"/>
-            </a:fillRef>
-            <a:effectRef idx="0">
-              <a:schemeClr val="accent1"/>
-            </a:effectRef>
-            <a:fontRef idx="minor">
-              <a:schemeClr val="lt1"/>
-            </a:fontRef>
-          </p:style>
-          <p:txBody>
-            <a:bodyPr rtlCol="0" anchor="ctr"/>
-            <a:lstStyle/>
-            <a:p>
-              <a:pPr algn="ctr"/>
-              <a:r>
-                <a:rPr kumimoji="1" lang="en-US" altLang="ko-KR" sz="800" dirty="0">
-                  <a:solidFill>
-                    <a:sysClr val="windowText" lastClr="000000"/>
-                  </a:solidFill>
-                </a:rPr>
-                <a:t>F</a:t>
-              </a:r>
-              <a:endParaRPr kumimoji="1" lang="ko-KR" altLang="en-US" sz="800" dirty="0">
-                <a:solidFill>
-                  <a:sysClr val="windowText" lastClr="000000"/>
-                </a:solidFill>
-              </a:endParaRPr>
-            </a:p>
-          </p:txBody>
-        </p:sp>
-        <p:sp>
-          <p:nvSpPr>
-            <p:cNvPr id="229" name="타원 228"/>
-            <p:cNvSpPr/>
-            <p:nvPr/>
-          </p:nvSpPr>
-          <p:spPr>
-            <a:xfrm>
-              <a:off x="4775394" y="6118263"/>
-              <a:ext cx="155438" cy="155438"/>
-            </a:xfrm>
-            <a:prstGeom prst="ellipse">
-              <a:avLst/>
-            </a:prstGeom>
-            <a:solidFill>
-              <a:schemeClr val="bg1"/>
-            </a:solidFill>
-            <a:ln w="25400">
-              <a:solidFill>
-                <a:schemeClr val="tx1"/>
-              </a:solidFill>
-            </a:ln>
-          </p:spPr>
-          <p:style>
-            <a:lnRef idx="2">
-              <a:schemeClr val="accent1">
-                <a:shade val="50000"/>
-              </a:schemeClr>
-            </a:lnRef>
-            <a:fillRef idx="1">
-              <a:schemeClr val="accent1"/>
-            </a:fillRef>
-            <a:effectRef idx="0">
-              <a:schemeClr val="accent1"/>
-            </a:effectRef>
-            <a:fontRef idx="minor">
-              <a:schemeClr val="lt1"/>
-            </a:fontRef>
-          </p:style>
-          <p:txBody>
-            <a:bodyPr rtlCol="0" anchor="ctr"/>
-            <a:lstStyle/>
-            <a:p>
-              <a:pPr algn="ctr"/>
-              <a:r>
-                <a:rPr kumimoji="1" lang="en-US" altLang="ko-KR" sz="800" dirty="0">
-                  <a:solidFill>
-                    <a:sysClr val="windowText" lastClr="000000"/>
-                  </a:solidFill>
-                </a:rPr>
-                <a:t>Q</a:t>
-              </a:r>
-              <a:endParaRPr kumimoji="1" lang="ko-KR" altLang="en-US" sz="800" dirty="0">
-                <a:solidFill>
-                  <a:sysClr val="windowText" lastClr="000000"/>
-                </a:solidFill>
-              </a:endParaRPr>
-            </a:p>
-          </p:txBody>
-        </p:sp>
-        <p:sp>
-          <p:nvSpPr>
-            <p:cNvPr id="230" name="타원 229"/>
-            <p:cNvSpPr/>
-            <p:nvPr/>
-          </p:nvSpPr>
-          <p:spPr>
-            <a:xfrm>
-              <a:off x="5140293" y="6118263"/>
-              <a:ext cx="155438" cy="155438"/>
-            </a:xfrm>
-            <a:prstGeom prst="ellipse">
-              <a:avLst/>
-            </a:prstGeom>
-            <a:solidFill>
-              <a:schemeClr val="bg1"/>
-            </a:solidFill>
-            <a:ln w="25400">
-              <a:solidFill>
-                <a:schemeClr val="tx1"/>
-              </a:solidFill>
-            </a:ln>
-          </p:spPr>
-          <p:style>
-            <a:lnRef idx="2">
-              <a:schemeClr val="accent1">
-                <a:shade val="50000"/>
-              </a:schemeClr>
-            </a:lnRef>
-            <a:fillRef idx="1">
-              <a:schemeClr val="accent1"/>
-            </a:fillRef>
-            <a:effectRef idx="0">
-              <a:schemeClr val="accent1"/>
-            </a:effectRef>
-            <a:fontRef idx="minor">
-              <a:schemeClr val="lt1"/>
-            </a:fontRef>
-          </p:style>
-          <p:txBody>
-            <a:bodyPr rtlCol="0" anchor="ctr"/>
-            <a:lstStyle/>
-            <a:p>
-              <a:pPr algn="ctr"/>
-              <a:r>
-                <a:rPr kumimoji="1" lang="en-US" altLang="ko-KR" sz="800" dirty="0">
-                  <a:solidFill>
-                    <a:sysClr val="windowText" lastClr="000000"/>
-                  </a:solidFill>
-                </a:rPr>
-                <a:t>W</a:t>
-              </a:r>
-              <a:endParaRPr kumimoji="1" lang="ko-KR" altLang="en-US" sz="800" dirty="0">
-                <a:solidFill>
-                  <a:sysClr val="windowText" lastClr="000000"/>
-                </a:solidFill>
-              </a:endParaRPr>
-            </a:p>
-          </p:txBody>
-        </p:sp>
-        <p:sp>
-          <p:nvSpPr>
-            <p:cNvPr id="231" name="타원 230"/>
-            <p:cNvSpPr/>
-            <p:nvPr/>
-          </p:nvSpPr>
-          <p:spPr>
-            <a:xfrm>
-              <a:off x="5479850" y="6118263"/>
-              <a:ext cx="155438" cy="155438"/>
-            </a:xfrm>
-            <a:prstGeom prst="ellipse">
-              <a:avLst/>
-            </a:prstGeom>
-            <a:solidFill>
-              <a:schemeClr val="bg1"/>
-            </a:solidFill>
-            <a:ln w="25400">
-              <a:solidFill>
-                <a:schemeClr val="tx1"/>
-              </a:solidFill>
-            </a:ln>
-          </p:spPr>
-          <p:style>
-            <a:lnRef idx="2">
-              <a:schemeClr val="accent1">
-                <a:shade val="50000"/>
-              </a:schemeClr>
-            </a:lnRef>
-            <a:fillRef idx="1">
-              <a:schemeClr val="accent1"/>
-            </a:fillRef>
-            <a:effectRef idx="0">
-              <a:schemeClr val="accent1"/>
-            </a:effectRef>
-            <a:fontRef idx="minor">
-              <a:schemeClr val="lt1"/>
-            </a:fontRef>
-          </p:style>
-          <p:txBody>
-            <a:bodyPr rtlCol="0" anchor="ctr"/>
-            <a:lstStyle/>
-            <a:p>
-              <a:pPr algn="ctr"/>
-              <a:r>
-                <a:rPr kumimoji="1" lang="en-US" altLang="ko-KR" sz="800" dirty="0">
-                  <a:solidFill>
-                    <a:sysClr val="windowText" lastClr="000000"/>
-                  </a:solidFill>
-                </a:rPr>
-                <a:t>E</a:t>
-              </a:r>
-              <a:endParaRPr kumimoji="1" lang="ko-KR" altLang="en-US" sz="800" dirty="0">
-                <a:solidFill>
-                  <a:sysClr val="windowText" lastClr="000000"/>
-                </a:solidFill>
-              </a:endParaRPr>
-            </a:p>
-          </p:txBody>
-        </p:sp>
-        <p:sp>
-          <p:nvSpPr>
-            <p:cNvPr id="232" name="타원 231"/>
-            <p:cNvSpPr/>
-            <p:nvPr/>
-          </p:nvSpPr>
-          <p:spPr>
-            <a:xfrm>
-              <a:off x="6558037" y="5753037"/>
-              <a:ext cx="155438" cy="155438"/>
-            </a:xfrm>
-            <a:prstGeom prst="ellipse">
-              <a:avLst/>
-            </a:prstGeom>
-            <a:solidFill>
-              <a:schemeClr val="bg1"/>
-            </a:solidFill>
-            <a:ln w="25400">
-              <a:solidFill>
-                <a:schemeClr val="tx1"/>
-              </a:solidFill>
-            </a:ln>
-          </p:spPr>
-          <p:style>
-            <a:lnRef idx="2">
-              <a:schemeClr val="accent1">
-                <a:shade val="50000"/>
-              </a:schemeClr>
-            </a:lnRef>
-            <a:fillRef idx="1">
-              <a:schemeClr val="accent1"/>
-            </a:fillRef>
-            <a:effectRef idx="0">
-              <a:schemeClr val="accent1"/>
-            </a:effectRef>
-            <a:fontRef idx="minor">
-              <a:schemeClr val="lt1"/>
-            </a:fontRef>
-          </p:style>
-          <p:txBody>
-            <a:bodyPr rtlCol="0" anchor="ctr"/>
-            <a:lstStyle/>
-            <a:p>
-              <a:pPr algn="ctr"/>
-              <a:r>
-                <a:rPr kumimoji="1" lang="en-US" altLang="ko-KR" sz="800" dirty="0">
-                  <a:solidFill>
-                    <a:sysClr val="windowText" lastClr="000000"/>
-                  </a:solidFill>
-                </a:rPr>
-                <a:t>1</a:t>
-              </a:r>
-              <a:endParaRPr kumimoji="1" lang="ko-KR" altLang="en-US" sz="800" dirty="0">
-                <a:solidFill>
-                  <a:sysClr val="windowText" lastClr="000000"/>
-                </a:solidFill>
-              </a:endParaRPr>
-            </a:p>
-          </p:txBody>
-        </p:sp>
-        <p:sp>
-          <p:nvSpPr>
-            <p:cNvPr id="233" name="타원 232"/>
-            <p:cNvSpPr/>
-            <p:nvPr/>
-          </p:nvSpPr>
-          <p:spPr>
-            <a:xfrm>
-              <a:off x="6908544" y="5753037"/>
-              <a:ext cx="155438" cy="155438"/>
-            </a:xfrm>
-            <a:prstGeom prst="ellipse">
-              <a:avLst/>
-            </a:prstGeom>
-            <a:solidFill>
-              <a:schemeClr val="bg1"/>
-            </a:solidFill>
-            <a:ln w="25400">
-              <a:solidFill>
-                <a:schemeClr val="tx1"/>
-              </a:solidFill>
-            </a:ln>
-          </p:spPr>
-          <p:style>
-            <a:lnRef idx="2">
-              <a:schemeClr val="accent1">
-                <a:shade val="50000"/>
-              </a:schemeClr>
-            </a:lnRef>
-            <a:fillRef idx="1">
-              <a:schemeClr val="accent1"/>
-            </a:fillRef>
-            <a:effectRef idx="0">
-              <a:schemeClr val="accent1"/>
-            </a:effectRef>
-            <a:fontRef idx="minor">
-              <a:schemeClr val="lt1"/>
-            </a:fontRef>
-          </p:style>
-          <p:txBody>
-            <a:bodyPr rtlCol="0" anchor="ctr"/>
-            <a:lstStyle/>
-            <a:p>
-              <a:pPr algn="ctr"/>
-              <a:r>
-                <a:rPr kumimoji="1" lang="en-US" altLang="ko-KR" sz="800" dirty="0">
-                  <a:solidFill>
-                    <a:sysClr val="windowText" lastClr="000000"/>
-                  </a:solidFill>
-                </a:rPr>
-                <a:t>5</a:t>
-              </a:r>
-              <a:endParaRPr kumimoji="1" lang="ko-KR" altLang="en-US" sz="800" dirty="0">
-                <a:solidFill>
-                  <a:sysClr val="windowText" lastClr="000000"/>
-                </a:solidFill>
-              </a:endParaRPr>
-            </a:p>
-          </p:txBody>
-        </p:sp>
-        <p:sp>
-          <p:nvSpPr>
-            <p:cNvPr id="234" name="타원 233"/>
-            <p:cNvSpPr/>
-            <p:nvPr/>
-          </p:nvSpPr>
-          <p:spPr>
-            <a:xfrm>
-              <a:off x="7266908" y="5753037"/>
-              <a:ext cx="155438" cy="155438"/>
-            </a:xfrm>
-            <a:prstGeom prst="ellipse">
-              <a:avLst/>
-            </a:prstGeom>
-            <a:solidFill>
-              <a:schemeClr val="bg1"/>
-            </a:solidFill>
-            <a:ln w="25400">
-              <a:solidFill>
-                <a:schemeClr val="tx1"/>
-              </a:solidFill>
-            </a:ln>
-          </p:spPr>
-          <p:style>
-            <a:lnRef idx="2">
-              <a:schemeClr val="accent1">
-                <a:shade val="50000"/>
-              </a:schemeClr>
-            </a:lnRef>
-            <a:fillRef idx="1">
-              <a:schemeClr val="accent1"/>
-            </a:fillRef>
-            <a:effectRef idx="0">
-              <a:schemeClr val="accent1"/>
-            </a:effectRef>
-            <a:fontRef idx="minor">
-              <a:schemeClr val="lt1"/>
-            </a:fontRef>
-          </p:style>
-          <p:txBody>
-            <a:bodyPr rtlCol="0" anchor="ctr"/>
-            <a:lstStyle/>
-            <a:p>
-              <a:pPr algn="ctr"/>
-              <a:r>
-                <a:rPr kumimoji="1" lang="en-US" altLang="ko-KR" sz="800" dirty="0">
-                  <a:solidFill>
-                    <a:sysClr val="windowText" lastClr="000000"/>
-                  </a:solidFill>
-                </a:rPr>
-                <a:t>2</a:t>
-              </a:r>
-              <a:endParaRPr kumimoji="1" lang="ko-KR" altLang="en-US" sz="800" dirty="0">
-                <a:solidFill>
-                  <a:sysClr val="windowText" lastClr="000000"/>
-                </a:solidFill>
-              </a:endParaRPr>
-            </a:p>
-          </p:txBody>
-        </p:sp>
-        <p:sp>
-          <p:nvSpPr>
-            <p:cNvPr id="235" name="타원 234"/>
-            <p:cNvSpPr/>
-            <p:nvPr/>
-          </p:nvSpPr>
-          <p:spPr>
-            <a:xfrm>
-              <a:off x="7631807" y="5753037"/>
-              <a:ext cx="155438" cy="155438"/>
-            </a:xfrm>
-            <a:prstGeom prst="ellipse">
-              <a:avLst/>
-            </a:prstGeom>
-            <a:solidFill>
-              <a:schemeClr val="bg1"/>
-            </a:solidFill>
-            <a:ln w="25400">
-              <a:solidFill>
-                <a:schemeClr val="tx1"/>
-              </a:solidFill>
-            </a:ln>
-          </p:spPr>
-          <p:style>
-            <a:lnRef idx="2">
-              <a:schemeClr val="accent1">
-                <a:shade val="50000"/>
-              </a:schemeClr>
-            </a:lnRef>
-            <a:fillRef idx="1">
-              <a:schemeClr val="accent1"/>
-            </a:fillRef>
-            <a:effectRef idx="0">
-              <a:schemeClr val="accent1"/>
-            </a:effectRef>
-            <a:fontRef idx="minor">
-              <a:schemeClr val="lt1"/>
-            </a:fontRef>
-          </p:style>
-          <p:txBody>
-            <a:bodyPr rtlCol="0" anchor="ctr"/>
-            <a:lstStyle/>
-            <a:p>
-              <a:pPr algn="ctr"/>
-              <a:r>
-                <a:rPr kumimoji="1" lang="en-US" altLang="ko-KR" sz="800" dirty="0">
-                  <a:solidFill>
-                    <a:sysClr val="windowText" lastClr="000000"/>
-                  </a:solidFill>
-                </a:rPr>
-                <a:t>1</a:t>
-              </a:r>
-              <a:endParaRPr kumimoji="1" lang="ko-KR" altLang="en-US" sz="800" dirty="0">
-                <a:solidFill>
-                  <a:sysClr val="windowText" lastClr="000000"/>
-                </a:solidFill>
-              </a:endParaRPr>
-            </a:p>
-          </p:txBody>
-        </p:sp>
-        <p:sp>
-          <p:nvSpPr>
-            <p:cNvPr id="236" name="타원 235"/>
-            <p:cNvSpPr/>
-            <p:nvPr/>
-          </p:nvSpPr>
-          <p:spPr>
-            <a:xfrm>
-              <a:off x="7971363" y="5753037"/>
-              <a:ext cx="155438" cy="155438"/>
-            </a:xfrm>
-            <a:prstGeom prst="ellipse">
-              <a:avLst/>
-            </a:prstGeom>
-            <a:solidFill>
-              <a:schemeClr val="bg1"/>
-            </a:solidFill>
-            <a:ln w="25400">
+            <a:noFill/>
+            <a:ln w="38100">
               <a:solidFill>
                 <a:schemeClr val="tx1"/>
               </a:solidFill>
@@ -28394,37 +27024,167 @@
               <a:r>
                 <a:rPr kumimoji="1" lang="en-US" altLang="ko-KR" sz="500" dirty="0">
                   <a:solidFill>
-                    <a:sysClr val="windowText" lastClr="000000"/>
+                    <a:srgbClr val="FF0000"/>
                   </a:solidFill>
                 </a:rPr>
-                <a:t>12</a:t>
+                <a:t>Fever</a:t>
               </a:r>
               <a:endParaRPr kumimoji="1" lang="ko-KR" altLang="en-US" sz="500" dirty="0">
                 <a:solidFill>
-                  <a:sysClr val="windowText" lastClr="000000"/>
+                  <a:srgbClr val="FF0000"/>
                 </a:solidFill>
               </a:endParaRPr>
             </a:p>
           </p:txBody>
         </p:sp>
+        <p:pic>
+          <p:nvPicPr>
+            <p:cNvPr id="253" name="그림 252"/>
+            <p:cNvPicPr>
+              <a:picLocks noChangeAspect="1"/>
+            </p:cNvPicPr>
+            <p:nvPr/>
+          </p:nvPicPr>
+          <p:blipFill rotWithShape="1">
+            <a:blip r:embed="rId8" cstate="email">
+              <a:extLst>
+                <a:ext uri="{28A0092B-C50C-407E-A947-70E740481C1C}">
+                  <a14:useLocalDpi xmlns:a14="http://schemas.microsoft.com/office/drawing/2010/main"/>
+                </a:ext>
+              </a:extLst>
+            </a:blip>
+            <a:srcRect/>
+            <a:stretch/>
+          </p:blipFill>
+          <p:spPr>
+            <a:xfrm>
+              <a:off x="5438606" y="2363113"/>
+              <a:ext cx="1288765" cy="1286465"/>
+            </a:xfrm>
+            <a:prstGeom prst="rect">
+              <a:avLst/>
+            </a:prstGeom>
+          </p:spPr>
+        </p:pic>
         <p:sp>
           <p:nvSpPr>
-            <p:cNvPr id="237" name="타원 236"/>
+            <p:cNvPr id="254" name="TextBox 8"/>
+            <p:cNvSpPr txBox="1"/>
+            <p:nvPr/>
+          </p:nvSpPr>
+          <p:spPr>
+            <a:xfrm>
+              <a:off x="5439948" y="2415959"/>
+              <a:ext cx="521817" cy="536088"/>
+            </a:xfrm>
+            <a:prstGeom prst="rect">
+              <a:avLst/>
+            </a:prstGeom>
+            <a:noFill/>
+          </p:spPr>
+          <p:txBody>
+            <a:bodyPr wrap="none" rtlCol="0">
+              <a:spAutoFit/>
+            </a:bodyPr>
+            <a:lstStyle/>
+            <a:p>
+              <a:pPr algn="ctr"/>
+              <a:r>
+                <a:rPr kumimoji="1" lang="en-US" altLang="ko-KR" sz="1200" dirty="0">
+                  <a:solidFill>
+                    <a:srgbClr val="FF0000"/>
+                  </a:solidFill>
+                </a:rPr>
+                <a:t>5</a:t>
+              </a:r>
+              <a:endParaRPr kumimoji="1" lang="ko-KR" altLang="en-US" sz="1200" dirty="0">
+                <a:solidFill>
+                  <a:srgbClr val="FF0000"/>
+                </a:solidFill>
+              </a:endParaRPr>
+            </a:p>
+          </p:txBody>
+        </p:sp>
+      </p:grpSp>
+      <p:pic>
+        <p:nvPicPr>
+          <p:cNvPr id="216" name="그림 215"/>
+          <p:cNvPicPr>
+            <a:picLocks noChangeAspect="1"/>
+          </p:cNvPicPr>
+          <p:nvPr/>
+        </p:nvPicPr>
+        <p:blipFill>
+          <a:blip r:embed="rId9" cstate="email">
+            <a:extLst>
+              <a:ext uri="{BEBA8EAE-BF5A-486C-A8C5-ECC9F3942E4B}">
+                <a14:imgProps xmlns:a14="http://schemas.microsoft.com/office/drawing/2010/main">
+                  <a14:imgLayer r:embed="rId10">
+                    <a14:imgEffect>
+                      <a14:backgroundRemoval t="247" b="98519" l="1341" r="98902">
+                        <a14:foregroundMark x1="36585" y1="60988" x2="54146" y2="78272"/>
+                        <a14:foregroundMark x1="60610" y1="93580" x2="59634" y2="83333"/>
+                        <a14:foregroundMark x1="59146" y1="95802" x2="62927" y2="95062"/>
+                        <a14:foregroundMark x1="32195" y1="85309" x2="32195" y2="77407"/>
+                        <a14:foregroundMark x1="4878" y1="89753" x2="23293" y2="82346"/>
+                        <a14:foregroundMark x1="20976" y1="74815" x2="35122" y2="68395"/>
+                        <a14:foregroundMark x1="21585" y1="61728" x2="26220" y2="65185"/>
+                        <a14:foregroundMark x1="22195" y1="53704" x2="18902" y2="32099"/>
+                        <a14:foregroundMark x1="37439" y1="56420" x2="33415" y2="56173"/>
+                      </a14:backgroundRemoval>
+                    </a14:imgEffect>
+                  </a14:imgLayer>
+                </a14:imgProps>
+              </a:ext>
+              <a:ext uri="{28A0092B-C50C-407E-A947-70E740481C1C}">
+                <a14:useLocalDpi xmlns:a14="http://schemas.microsoft.com/office/drawing/2010/main"/>
+              </a:ext>
+            </a:extLst>
+          </a:blip>
+          <a:stretch>
+            <a:fillRect/>
+          </a:stretch>
+        </p:blipFill>
+        <p:spPr>
+          <a:xfrm>
+            <a:off x="5422153" y="3040878"/>
+            <a:ext cx="1009669" cy="997356"/>
+          </a:xfrm>
+          <a:prstGeom prst="rect">
+            <a:avLst/>
+          </a:prstGeom>
+        </p:spPr>
+      </p:pic>
+      <p:grpSp>
+        <p:nvGrpSpPr>
+          <p:cNvPr id="217" name="그룹 216"/>
+          <p:cNvGrpSpPr/>
+          <p:nvPr/>
+        </p:nvGrpSpPr>
+        <p:grpSpPr>
+          <a:xfrm>
+            <a:off x="5528512" y="2543238"/>
+            <a:ext cx="577295" cy="627771"/>
+            <a:chOff x="5283447" y="2363113"/>
+            <a:chExt cx="1443924" cy="1570175"/>
+          </a:xfrm>
+        </p:grpSpPr>
+        <p:sp>
+          <p:nvSpPr>
+            <p:cNvPr id="249" name="타원 248"/>
             <p:cNvSpPr/>
             <p:nvPr/>
           </p:nvSpPr>
           <p:spPr>
             <a:xfrm>
-              <a:off x="6558037" y="6118263"/>
-              <a:ext cx="155438" cy="155438"/>
+              <a:off x="5283447" y="3133188"/>
+              <a:ext cx="800100" cy="800100"/>
             </a:xfrm>
             <a:prstGeom prst="ellipse">
               <a:avLst/>
             </a:prstGeom>
-            <a:solidFill>
-              <a:schemeClr val="bg1"/>
-            </a:solidFill>
-            <a:ln w="25400">
+            <a:noFill/>
+            <a:ln w="38100">
               <a:solidFill>
                 <a:schemeClr val="tx1"/>
               </a:solidFill>
@@ -28447,456 +27207,21 @@
             </a:fontRef>
           </p:style>
           <p:txBody>
-            <a:bodyPr rtlCol="0" anchor="ctr"/>
+            <a:bodyPr lIns="0" tIns="0" rIns="0" bIns="0" rtlCol="0" anchor="ctr"/>
             <a:lstStyle/>
             <a:p>
               <a:pPr algn="ctr"/>
               <a:r>
-                <a:rPr kumimoji="1" lang="en-US" altLang="ko-KR" sz="800" dirty="0">
+                <a:rPr kumimoji="1" lang="en-US" altLang="ko-KR" sz="500" dirty="0">
                   <a:solidFill>
-                    <a:sysClr val="windowText" lastClr="000000"/>
+                    <a:srgbClr val="FF0000"/>
                   </a:solidFill>
                 </a:rPr>
-                <a:t>1</a:t>
+                <a:t>Fever</a:t>
               </a:r>
-              <a:endParaRPr kumimoji="1" lang="ko-KR" altLang="en-US" sz="800" dirty="0">
-                <a:solidFill>
-                  <a:sysClr val="windowText" lastClr="000000"/>
-                </a:solidFill>
-              </a:endParaRPr>
-            </a:p>
-          </p:txBody>
-        </p:sp>
-        <p:sp>
-          <p:nvSpPr>
-            <p:cNvPr id="238" name="타원 237"/>
-            <p:cNvSpPr/>
-            <p:nvPr/>
-          </p:nvSpPr>
-          <p:spPr>
-            <a:xfrm>
-              <a:off x="6908544" y="6118263"/>
-              <a:ext cx="155438" cy="155438"/>
-            </a:xfrm>
-            <a:prstGeom prst="ellipse">
-              <a:avLst/>
-            </a:prstGeom>
-            <a:solidFill>
-              <a:schemeClr val="bg1"/>
-            </a:solidFill>
-            <a:ln w="25400">
-              <a:solidFill>
-                <a:schemeClr val="tx1"/>
-              </a:solidFill>
-            </a:ln>
-          </p:spPr>
-          <p:style>
-            <a:lnRef idx="2">
-              <a:schemeClr val="accent1">
-                <a:shade val="50000"/>
-              </a:schemeClr>
-            </a:lnRef>
-            <a:fillRef idx="1">
-              <a:schemeClr val="accent1"/>
-            </a:fillRef>
-            <a:effectRef idx="0">
-              <a:schemeClr val="accent1"/>
-            </a:effectRef>
-            <a:fontRef idx="minor">
-              <a:schemeClr val="lt1"/>
-            </a:fontRef>
-          </p:style>
-          <p:txBody>
-            <a:bodyPr rtlCol="0" anchor="ctr"/>
-            <a:lstStyle/>
-            <a:p>
-              <a:pPr algn="ctr"/>
-              <a:r>
-                <a:rPr kumimoji="1" lang="en-US" altLang="ko-KR" sz="800" dirty="0">
-                  <a:solidFill>
-                    <a:sysClr val="windowText" lastClr="000000"/>
-                  </a:solidFill>
-                </a:rPr>
-                <a:t>2</a:t>
-              </a:r>
-              <a:endParaRPr kumimoji="1" lang="ko-KR" altLang="en-US" sz="800" dirty="0">
-                <a:solidFill>
-                  <a:sysClr val="windowText" lastClr="000000"/>
-                </a:solidFill>
-              </a:endParaRPr>
-            </a:p>
-          </p:txBody>
-        </p:sp>
-        <p:sp>
-          <p:nvSpPr>
-            <p:cNvPr id="239" name="타원 238"/>
-            <p:cNvSpPr/>
-            <p:nvPr/>
-          </p:nvSpPr>
-          <p:spPr>
-            <a:xfrm>
-              <a:off x="7266908" y="6118263"/>
-              <a:ext cx="155438" cy="155438"/>
-            </a:xfrm>
-            <a:prstGeom prst="ellipse">
-              <a:avLst/>
-            </a:prstGeom>
-            <a:solidFill>
-              <a:schemeClr val="bg1"/>
-            </a:solidFill>
-            <a:ln w="25400">
-              <a:solidFill>
-                <a:schemeClr val="tx1"/>
-              </a:solidFill>
-            </a:ln>
-          </p:spPr>
-          <p:style>
-            <a:lnRef idx="2">
-              <a:schemeClr val="accent1">
-                <a:shade val="50000"/>
-              </a:schemeClr>
-            </a:lnRef>
-            <a:fillRef idx="1">
-              <a:schemeClr val="accent1"/>
-            </a:fillRef>
-            <a:effectRef idx="0">
-              <a:schemeClr val="accent1"/>
-            </a:effectRef>
-            <a:fontRef idx="minor">
-              <a:schemeClr val="lt1"/>
-            </a:fontRef>
-          </p:style>
-          <p:txBody>
-            <a:bodyPr rtlCol="0" anchor="ctr"/>
-            <a:lstStyle/>
-            <a:p>
-              <a:pPr algn="ctr"/>
-              <a:r>
-                <a:rPr kumimoji="1" lang="en-US" altLang="ko-KR" sz="800" dirty="0">
-                  <a:solidFill>
-                    <a:sysClr val="windowText" lastClr="000000"/>
-                  </a:solidFill>
-                </a:rPr>
-                <a:t>3</a:t>
-              </a:r>
-              <a:endParaRPr kumimoji="1" lang="ko-KR" altLang="en-US" sz="800" dirty="0">
-                <a:solidFill>
-                  <a:sysClr val="windowText" lastClr="000000"/>
-                </a:solidFill>
-              </a:endParaRPr>
-            </a:p>
-          </p:txBody>
-        </p:sp>
-        <p:sp>
-          <p:nvSpPr>
-            <p:cNvPr id="240" name="타원 239"/>
-            <p:cNvSpPr/>
-            <p:nvPr/>
-          </p:nvSpPr>
-          <p:spPr>
-            <a:xfrm>
-              <a:off x="7631807" y="6118263"/>
-              <a:ext cx="155438" cy="155438"/>
-            </a:xfrm>
-            <a:prstGeom prst="ellipse">
-              <a:avLst/>
-            </a:prstGeom>
-            <a:solidFill>
-              <a:schemeClr val="bg1"/>
-            </a:solidFill>
-            <a:ln w="25400">
-              <a:solidFill>
-                <a:schemeClr val="tx1"/>
-              </a:solidFill>
-            </a:ln>
-          </p:spPr>
-          <p:style>
-            <a:lnRef idx="2">
-              <a:schemeClr val="accent1">
-                <a:shade val="50000"/>
-              </a:schemeClr>
-            </a:lnRef>
-            <a:fillRef idx="1">
-              <a:schemeClr val="accent1"/>
-            </a:fillRef>
-            <a:effectRef idx="0">
-              <a:schemeClr val="accent1"/>
-            </a:effectRef>
-            <a:fontRef idx="minor">
-              <a:schemeClr val="lt1"/>
-            </a:fontRef>
-          </p:style>
-          <p:txBody>
-            <a:bodyPr rtlCol="0" anchor="ctr"/>
-            <a:lstStyle/>
-            <a:p>
-              <a:pPr algn="ctr"/>
-              <a:r>
-                <a:rPr kumimoji="1" lang="en-US" altLang="ko-KR" sz="800" dirty="0">
-                  <a:solidFill>
-                    <a:sysClr val="windowText" lastClr="000000"/>
-                  </a:solidFill>
-                </a:rPr>
-                <a:t>4</a:t>
-              </a:r>
-              <a:endParaRPr kumimoji="1" lang="ko-KR" altLang="en-US" sz="800" dirty="0">
-                <a:solidFill>
-                  <a:sysClr val="windowText" lastClr="000000"/>
-                </a:solidFill>
-              </a:endParaRPr>
-            </a:p>
-          </p:txBody>
-        </p:sp>
-        <p:sp>
-          <p:nvSpPr>
-            <p:cNvPr id="241" name="타원 240"/>
-            <p:cNvSpPr/>
-            <p:nvPr/>
-          </p:nvSpPr>
-          <p:spPr>
-            <a:xfrm>
-              <a:off x="7971363" y="6118263"/>
-              <a:ext cx="155438" cy="155438"/>
-            </a:xfrm>
-            <a:prstGeom prst="ellipse">
-              <a:avLst/>
-            </a:prstGeom>
-            <a:solidFill>
-              <a:schemeClr val="bg1"/>
-            </a:solidFill>
-            <a:ln w="25400">
-              <a:solidFill>
-                <a:schemeClr val="tx1"/>
-              </a:solidFill>
-            </a:ln>
-          </p:spPr>
-          <p:style>
-            <a:lnRef idx="2">
-              <a:schemeClr val="accent1">
-                <a:shade val="50000"/>
-              </a:schemeClr>
-            </a:lnRef>
-            <a:fillRef idx="1">
-              <a:schemeClr val="accent1"/>
-            </a:fillRef>
-            <a:effectRef idx="0">
-              <a:schemeClr val="accent1"/>
-            </a:effectRef>
-            <a:fontRef idx="minor">
-              <a:schemeClr val="lt1"/>
-            </a:fontRef>
-          </p:style>
-          <p:txBody>
-            <a:bodyPr rtlCol="0" anchor="ctr"/>
-            <a:lstStyle/>
-            <a:p>
-              <a:pPr algn="ctr"/>
-              <a:r>
-                <a:rPr kumimoji="1" lang="en-US" altLang="ko-KR" sz="800" dirty="0">
-                  <a:solidFill>
-                    <a:sysClr val="windowText" lastClr="000000"/>
-                  </a:solidFill>
-                </a:rPr>
-                <a:t>5</a:t>
-              </a:r>
-              <a:endParaRPr kumimoji="1" lang="ko-KR" altLang="en-US" sz="800" dirty="0">
-                <a:solidFill>
-                  <a:sysClr val="windowText" lastClr="000000"/>
-                </a:solidFill>
-              </a:endParaRPr>
-            </a:p>
-          </p:txBody>
-        </p:sp>
-        <p:sp>
-          <p:nvSpPr>
-            <p:cNvPr id="242" name="직사각형 241"/>
-            <p:cNvSpPr/>
-            <p:nvPr/>
-          </p:nvSpPr>
-          <p:spPr>
-            <a:xfrm>
-              <a:off x="8980313" y="2539580"/>
-              <a:ext cx="1491126" cy="517407"/>
-            </a:xfrm>
-            <a:prstGeom prst="rect">
-              <a:avLst/>
-            </a:prstGeom>
-            <a:solidFill>
-              <a:schemeClr val="bg1"/>
-            </a:solidFill>
-            <a:ln w="25400">
-              <a:solidFill>
-                <a:schemeClr val="tx1"/>
-              </a:solidFill>
-            </a:ln>
-          </p:spPr>
-          <p:style>
-            <a:lnRef idx="2">
-              <a:schemeClr val="accent1">
-                <a:shade val="50000"/>
-              </a:schemeClr>
-            </a:lnRef>
-            <a:fillRef idx="1">
-              <a:schemeClr val="accent1"/>
-            </a:fillRef>
-            <a:effectRef idx="0">
-              <a:schemeClr val="accent1"/>
-            </a:effectRef>
-            <a:fontRef idx="minor">
-              <a:schemeClr val="lt1"/>
-            </a:fontRef>
-          </p:style>
-          <p:txBody>
-            <a:bodyPr rtlCol="0" anchor="ctr"/>
-            <a:lstStyle/>
-            <a:p>
-              <a:r>
-                <a:rPr kumimoji="1" lang="ko-KR" altLang="en-US" sz="900" dirty="0">
-                  <a:solidFill>
-                    <a:sysClr val="windowText" lastClr="000000"/>
-                  </a:solidFill>
-                </a:rPr>
-                <a:t>무덤 훼손</a:t>
-              </a:r>
-              <a:endParaRPr kumimoji="1" lang="en-US" altLang="ko-KR" sz="900" dirty="0">
-                <a:solidFill>
-                  <a:sysClr val="windowText" lastClr="000000"/>
-                </a:solidFill>
-              </a:endParaRPr>
-            </a:p>
-            <a:p>
-              <a:r>
-                <a:rPr kumimoji="1" lang="ko-KR" altLang="en-US" sz="400" dirty="0">
-                  <a:solidFill>
-                    <a:sysClr val="windowText" lastClr="000000"/>
-                  </a:solidFill>
-                </a:rPr>
-                <a:t>마을의 무덤을 훼손시키고 있는 마물을 잡아라</a:t>
-              </a:r>
-              <a:r>
-                <a:rPr kumimoji="1" lang="en-US" altLang="ko-KR" sz="400" dirty="0">
-                  <a:solidFill>
-                    <a:sysClr val="windowText" lastClr="000000"/>
-                  </a:solidFill>
-                </a:rPr>
-                <a:t>(0</a:t>
-              </a:r>
-              <a:r>
-                <a:rPr kumimoji="1" lang="ko-KR" altLang="en-US" sz="400" dirty="0">
-                  <a:solidFill>
-                    <a:sysClr val="windowText" lastClr="000000"/>
-                  </a:solidFill>
-                </a:rPr>
-                <a:t> </a:t>
-              </a:r>
-              <a:r>
-                <a:rPr kumimoji="1" lang="en-US" altLang="ko-KR" sz="400" dirty="0">
-                  <a:solidFill>
-                    <a:sysClr val="windowText" lastClr="000000"/>
-                  </a:solidFill>
-                </a:rPr>
-                <a:t>/</a:t>
-              </a:r>
-              <a:r>
-                <a:rPr kumimoji="1" lang="ko-KR" altLang="en-US" sz="400" dirty="0">
-                  <a:solidFill>
-                    <a:sysClr val="windowText" lastClr="000000"/>
-                  </a:solidFill>
-                </a:rPr>
-                <a:t> </a:t>
-              </a:r>
-              <a:r>
-                <a:rPr kumimoji="1" lang="en-US" altLang="ko-KR" sz="400" dirty="0">
-                  <a:solidFill>
-                    <a:sysClr val="windowText" lastClr="000000"/>
-                  </a:solidFill>
-                </a:rPr>
-                <a:t>1)</a:t>
-              </a:r>
-              <a:endParaRPr kumimoji="1" lang="ko-KR" altLang="en-US" sz="900" dirty="0">
-                <a:solidFill>
-                  <a:sysClr val="windowText" lastClr="000000"/>
-                </a:solidFill>
-              </a:endParaRPr>
-            </a:p>
-          </p:txBody>
-        </p:sp>
-        <p:sp>
-          <p:nvSpPr>
-            <p:cNvPr id="243" name="설명선 1[L] 242"/>
-            <p:cNvSpPr/>
-            <p:nvPr/>
-          </p:nvSpPr>
-          <p:spPr>
-            <a:xfrm>
-              <a:off x="7314672" y="5688588"/>
-              <a:ext cx="3156766" cy="638468"/>
-            </a:xfrm>
-            <a:prstGeom prst="borderCallout1">
-              <a:avLst>
-                <a:gd name="adj1" fmla="val -13516"/>
-                <a:gd name="adj2" fmla="val 81547"/>
-                <a:gd name="adj3" fmla="val -55672"/>
-                <a:gd name="adj4" fmla="val 70837"/>
-              </a:avLst>
-            </a:prstGeom>
-            <a:solidFill>
-              <a:schemeClr val="bg1"/>
-            </a:solidFill>
-            <a:ln w="38100">
-              <a:solidFill>
-                <a:srgbClr val="FF0000"/>
-              </a:solidFill>
-            </a:ln>
-          </p:spPr>
-          <p:style>
-            <a:lnRef idx="2">
-              <a:schemeClr val="accent1">
-                <a:shade val="50000"/>
-              </a:schemeClr>
-            </a:lnRef>
-            <a:fillRef idx="1">
-              <a:schemeClr val="accent1"/>
-            </a:fillRef>
-            <a:effectRef idx="0">
-              <a:schemeClr val="accent1"/>
-            </a:effectRef>
-            <a:fontRef idx="minor">
-              <a:schemeClr val="lt1"/>
-            </a:fontRef>
-          </p:style>
-          <p:txBody>
-            <a:bodyPr rtlCol="0" anchor="ctr"/>
-            <a:lstStyle/>
-            <a:p>
-              <a:pPr algn="ctr"/>
-              <a:r>
-                <a:rPr kumimoji="1" lang="ko-KR" altLang="en-US" sz="1100" b="1">
-                  <a:solidFill>
-                    <a:sysClr val="windowText" lastClr="000000"/>
-                  </a:solidFill>
-                </a:rPr>
-                <a:t>다른 유저가 </a:t>
-              </a:r>
-              <a:r>
-                <a:rPr kumimoji="1" lang="ko-KR" altLang="en-US" sz="1100" b="1" dirty="0">
-                  <a:solidFill>
-                    <a:sysClr val="windowText" lastClr="000000"/>
-                  </a:solidFill>
-                </a:rPr>
-                <a:t>시선을 끄는 동안 쌓인 발열을 모두 소모하여 </a:t>
-              </a:r>
-              <a:r>
-                <a:rPr kumimoji="1" lang="ko-KR" altLang="en-US" sz="1100" b="1">
-                  <a:solidFill>
-                    <a:sysClr val="windowText" lastClr="000000"/>
-                  </a:solidFill>
-                </a:rPr>
-                <a:t>강력한 공격 실행</a:t>
-              </a:r>
-              <a:endParaRPr kumimoji="1" lang="ko-KR" altLang="en-US" sz="1100" b="1" dirty="0">
-                <a:solidFill>
-                  <a:sysClr val="windowText" lastClr="000000"/>
+              <a:endParaRPr kumimoji="1" lang="ko-KR" altLang="en-US" sz="500" dirty="0">
+                <a:solidFill>
+                  <a:srgbClr val="FF0000"/>
                 </a:solidFill>
               </a:endParaRPr>
             </a:p>
@@ -28904,116 +27229,27 @@
         </p:sp>
         <p:pic>
           <p:nvPicPr>
-            <p:cNvPr id="244" name="그림 243"/>
+            <p:cNvPr id="250" name="그림 249"/>
             <p:cNvPicPr>
               <a:picLocks noChangeAspect="1"/>
             </p:cNvPicPr>
             <p:nvPr/>
           </p:nvPicPr>
-          <p:blipFill>
-            <a:blip r:embed="rId4" cstate="email">
-              <a:extLst>
-                <a:ext uri="{BEBA8EAE-BF5A-486C-A8C5-ECC9F3942E4B}">
-                  <a14:imgProps xmlns:a14="http://schemas.microsoft.com/office/drawing/2010/main">
-                    <a14:imgLayer r:embed="rId15">
-                      <a14:imgEffect>
-                        <a14:backgroundRemoval t="9744" b="89776" l="0" r="100000">
-                          <a14:foregroundMark x1="89457" y1="64377" x2="88978" y2="71725"/>
-                        </a14:backgroundRemoval>
-                      </a14:imgEffect>
-                    </a14:imgLayer>
-                  </a14:imgProps>
-                </a:ext>
-                <a:ext uri="{28A0092B-C50C-407E-A947-70E740481C1C}">
-                  <a14:useLocalDpi xmlns:a14="http://schemas.microsoft.com/office/drawing/2010/main"/>
-                </a:ext>
-              </a:extLst>
-            </a:blip>
-            <a:stretch>
-              <a:fillRect/>
-            </a:stretch>
-          </p:blipFill>
-          <p:spPr>
-            <a:xfrm rot="19034458">
-              <a:off x="4026423" y="4640704"/>
-              <a:ext cx="776221" cy="776221"/>
-            </a:xfrm>
-            <a:prstGeom prst="rect">
-              <a:avLst/>
-            </a:prstGeom>
-          </p:spPr>
-        </p:pic>
-        <p:pic>
-          <p:nvPicPr>
-            <p:cNvPr id="245" name="그림 244"/>
-            <p:cNvPicPr>
-              <a:picLocks noChangeAspect="1"/>
-            </p:cNvPicPr>
-            <p:nvPr/>
-          </p:nvPicPr>
-          <p:blipFill>
-            <a:blip r:embed="rId16" cstate="email">
-              <a:extLst>
-                <a:ext uri="{BEBA8EAE-BF5A-486C-A8C5-ECC9F3942E4B}">
-                  <a14:imgProps xmlns:a14="http://schemas.microsoft.com/office/drawing/2010/main">
-                    <a14:imgLayer r:embed="rId17">
-                      <a14:imgEffect>
-                        <a14:backgroundRemoval t="1292" b="99096" l="1546" r="97423">
-                          <a14:foregroundMark x1="64605" y1="17571" x2="65120" y2="25452"/>
-                          <a14:foregroundMark x1="34536" y1="81525" x2="38832" y2="92636"/>
-                          <a14:backgroundMark x1="28351" y1="88372" x2="31271" y2="91602"/>
-                          <a14:backgroundMark x1="42612" y1="69121" x2="42268" y2="74806"/>
-                          <a14:backgroundMark x1="66495" y1="85917" x2="66495" y2="94444"/>
-                          <a14:backgroundMark x1="49313" y1="74806" x2="51718" y2="68734"/>
-                          <a14:backgroundMark x1="44158" y1="86951" x2="44158" y2="83333"/>
-                        </a14:backgroundRemoval>
-                      </a14:imgEffect>
-                    </a14:imgLayer>
-                  </a14:imgProps>
-                </a:ext>
-                <a:ext uri="{28A0092B-C50C-407E-A947-70E740481C1C}">
-                  <a14:useLocalDpi xmlns:a14="http://schemas.microsoft.com/office/drawing/2010/main"/>
-                </a:ext>
-              </a:extLst>
-            </a:blip>
-            <a:stretch>
-              <a:fillRect/>
-            </a:stretch>
-          </p:blipFill>
-          <p:spPr>
-            <a:xfrm>
-              <a:off x="4507267" y="3123535"/>
-              <a:ext cx="902471" cy="1200192"/>
-            </a:xfrm>
-            <a:prstGeom prst="rect">
-              <a:avLst/>
-            </a:prstGeom>
-          </p:spPr>
-        </p:pic>
-        <p:pic>
-          <p:nvPicPr>
-            <p:cNvPr id="246" name="그림 245"/>
-            <p:cNvPicPr>
-              <a:picLocks noChangeAspect="1"/>
-            </p:cNvPicPr>
-            <p:nvPr/>
-          </p:nvPicPr>
-          <p:blipFill>
-            <a:blip r:embed="rId18" cstate="email">
+          <p:blipFill rotWithShape="1">
+            <a:blip r:embed="rId8" cstate="email">
               <a:extLst>
                 <a:ext uri="{28A0092B-C50C-407E-A947-70E740481C1C}">
                   <a14:useLocalDpi xmlns:a14="http://schemas.microsoft.com/office/drawing/2010/main"/>
                 </a:ext>
               </a:extLst>
             </a:blip>
-            <a:stretch>
-              <a:fillRect/>
-            </a:stretch>
+            <a:srcRect/>
+            <a:stretch/>
           </p:blipFill>
           <p:spPr>
-            <a:xfrm rot="17503451">
-              <a:off x="4431316" y="4484646"/>
-              <a:ext cx="1865461" cy="414501"/>
+            <a:xfrm>
+              <a:off x="5438606" y="2363113"/>
+              <a:ext cx="1288765" cy="1286465"/>
             </a:xfrm>
             <a:prstGeom prst="rect">
               <a:avLst/>
@@ -29022,157 +27258,1946 @@
         </p:pic>
         <p:sp>
           <p:nvSpPr>
-            <p:cNvPr id="247" name="설명선 1[L] 246"/>
-            <p:cNvSpPr/>
+            <p:cNvPr id="251" name="TextBox 8"/>
+            <p:cNvSpPr txBox="1"/>
             <p:nvPr/>
           </p:nvSpPr>
           <p:spPr>
             <a:xfrm>
-              <a:off x="1849042" y="2801191"/>
-              <a:ext cx="2973659" cy="520740"/>
+              <a:off x="5439948" y="2415959"/>
+              <a:ext cx="521817" cy="536088"/>
             </a:xfrm>
-            <a:prstGeom prst="borderCallout1">
-              <a:avLst>
-                <a:gd name="adj1" fmla="val 118487"/>
-                <a:gd name="adj2" fmla="val 90728"/>
-                <a:gd name="adj3" fmla="val 138029"/>
-                <a:gd name="adj4" fmla="val 129249"/>
-              </a:avLst>
+            <a:prstGeom prst="rect">
+              <a:avLst/>
             </a:prstGeom>
-            <a:solidFill>
-              <a:schemeClr val="bg1"/>
-            </a:solidFill>
-            <a:ln w="38100">
-              <a:solidFill>
-                <a:srgbClr val="FF0000"/>
-              </a:solidFill>
-            </a:ln>
+            <a:noFill/>
           </p:spPr>
-          <p:style>
-            <a:lnRef idx="2">
-              <a:schemeClr val="accent1">
-                <a:shade val="50000"/>
-              </a:schemeClr>
-            </a:lnRef>
-            <a:fillRef idx="1">
-              <a:schemeClr val="accent1"/>
-            </a:fillRef>
-            <a:effectRef idx="0">
-              <a:schemeClr val="accent1"/>
-            </a:effectRef>
-            <a:fontRef idx="minor">
-              <a:schemeClr val="lt1"/>
-            </a:fontRef>
-          </p:style>
           <p:txBody>
-            <a:bodyPr rtlCol="0" anchor="ctr"/>
+            <a:bodyPr wrap="none" rtlCol="0">
+              <a:spAutoFit/>
+            </a:bodyPr>
             <a:lstStyle/>
             <a:p>
               <a:pPr algn="ctr"/>
               <a:r>
-                <a:rPr kumimoji="1" lang="ko-KR" altLang="en-US" sz="1050" b="1" dirty="0">
+                <a:rPr kumimoji="1" lang="en-US" altLang="ko-KR" sz="1200" dirty="0">
                   <a:solidFill>
-                    <a:sysClr val="windowText" lastClr="000000"/>
+                    <a:srgbClr val="FF0000"/>
                   </a:solidFill>
                 </a:rPr>
-                <a:t>아군이 위험에 처하자 빠르게 달려와</a:t>
+                <a:t>2</a:t>
               </a:r>
-              <a:endParaRPr kumimoji="1" lang="en-US" altLang="ko-KR" sz="1050" b="1" dirty="0">
-                <a:solidFill>
-                  <a:sysClr val="windowText" lastClr="000000"/>
+              <a:endParaRPr kumimoji="1" lang="ko-KR" altLang="en-US" sz="1200" dirty="0">
+                <a:solidFill>
+                  <a:srgbClr val="FF0000"/>
                 </a:solidFill>
               </a:endParaRPr>
-            </a:p>
-            <a:p>
-              <a:pPr algn="ctr"/>
-              <a:r>
-                <a:rPr kumimoji="1" lang="ko-KR" altLang="en-US" sz="1050" b="1" dirty="0">
-                  <a:solidFill>
-                    <a:sysClr val="windowText" lastClr="000000"/>
-                  </a:solidFill>
-                </a:rPr>
-                <a:t>적의 공격을 방어하고 발열을 획득</a:t>
-              </a:r>
-            </a:p>
-          </p:txBody>
-        </p:sp>
-        <p:sp>
-          <p:nvSpPr>
-            <p:cNvPr id="248" name="설명선 1[L] 247"/>
-            <p:cNvSpPr/>
-            <p:nvPr/>
-          </p:nvSpPr>
-          <p:spPr>
-            <a:xfrm>
-              <a:off x="7324478" y="1867220"/>
-              <a:ext cx="3132798" cy="573331"/>
-            </a:xfrm>
-            <a:prstGeom prst="borderCallout1">
-              <a:avLst>
-                <a:gd name="adj1" fmla="val 121371"/>
-                <a:gd name="adj2" fmla="val 25145"/>
-                <a:gd name="adj3" fmla="val 177025"/>
-                <a:gd name="adj4" fmla="val 3917"/>
-              </a:avLst>
-            </a:prstGeom>
-            <a:solidFill>
-              <a:schemeClr val="bg1"/>
-            </a:solidFill>
-            <a:ln w="38100">
-              <a:solidFill>
-                <a:srgbClr val="FF0000"/>
-              </a:solidFill>
-            </a:ln>
-          </p:spPr>
-          <p:style>
-            <a:lnRef idx="2">
-              <a:schemeClr val="accent1">
-                <a:shade val="50000"/>
-              </a:schemeClr>
-            </a:lnRef>
-            <a:fillRef idx="1">
-              <a:schemeClr val="accent1"/>
-            </a:fillRef>
-            <a:effectRef idx="0">
-              <a:schemeClr val="accent1"/>
-            </a:effectRef>
-            <a:fontRef idx="minor">
-              <a:schemeClr val="lt1"/>
-            </a:fontRef>
-          </p:style>
-          <p:txBody>
-            <a:bodyPr rtlCol="0" anchor="ctr"/>
-            <a:lstStyle/>
-            <a:p>
-              <a:pPr algn="ctr"/>
-              <a:r>
-                <a:rPr kumimoji="1" lang="ko-KR" altLang="en-US" sz="1100" b="1" dirty="0">
-                  <a:solidFill>
-                    <a:sysClr val="windowText" lastClr="000000"/>
-                  </a:solidFill>
-                </a:rPr>
-                <a:t>보스의 높은 방어력으로 일정 발열</a:t>
-              </a:r>
-              <a:endParaRPr kumimoji="1" lang="en-US" altLang="ko-KR" sz="1100" b="1" dirty="0">
-                <a:solidFill>
-                  <a:sysClr val="windowText" lastClr="000000"/>
-                </a:solidFill>
-              </a:endParaRPr>
-            </a:p>
-            <a:p>
-              <a:pPr algn="ctr"/>
-              <a:r>
-                <a:rPr kumimoji="1" lang="ko-KR" altLang="en-US" sz="1100" b="1" dirty="0">
-                  <a:solidFill>
-                    <a:sysClr val="windowText" lastClr="000000"/>
-                  </a:solidFill>
-                </a:rPr>
-                <a:t>이하의 공격은 효과를 발휘하지 못함</a:t>
-              </a:r>
             </a:p>
           </p:txBody>
         </p:sp>
       </p:grpSp>
+      <p:pic>
+        <p:nvPicPr>
+          <p:cNvPr id="218" name="그림 217"/>
+          <p:cNvPicPr>
+            <a:picLocks noChangeAspect="1"/>
+          </p:cNvPicPr>
+          <p:nvPr/>
+        </p:nvPicPr>
+        <p:blipFill>
+          <a:blip r:embed="rId11" cstate="email">
+            <a:extLst>
+              <a:ext uri="{BEBA8EAE-BF5A-486C-A8C5-ECC9F3942E4B}">
+                <a14:imgProps xmlns:a14="http://schemas.microsoft.com/office/drawing/2010/main">
+                  <a14:imgLayer r:embed="rId12">
+                    <a14:imgEffect>
+                      <a14:backgroundRemoval t="9930" b="98481" l="1792" r="89932">
+                        <a14:backgroundMark x1="22270" y1="62033" x2="27304" y2="51402"/>
+                        <a14:backgroundMark x1="57765" y1="65537" x2="85751" y2="66238"/>
+                        <a14:backgroundMark x1="39078" y1="66005" x2="42833" y2="74766"/>
+                      </a14:backgroundRemoval>
+                    </a14:imgEffect>
+                  </a14:imgLayer>
+                </a14:imgProps>
+              </a:ext>
+              <a:ext uri="{28A0092B-C50C-407E-A947-70E740481C1C}">
+                <a14:useLocalDpi xmlns:a14="http://schemas.microsoft.com/office/drawing/2010/main"/>
+              </a:ext>
+            </a:extLst>
+          </a:blip>
+          <a:stretch>
+            <a:fillRect/>
+          </a:stretch>
+        </p:blipFill>
+        <p:spPr>
+          <a:xfrm>
+            <a:off x="8330908" y="4215912"/>
+            <a:ext cx="1909678" cy="1394781"/>
+          </a:xfrm>
+          <a:prstGeom prst="rect">
+            <a:avLst/>
+          </a:prstGeom>
+        </p:spPr>
+      </p:pic>
+      <p:pic>
+        <p:nvPicPr>
+          <p:cNvPr id="219" name="그림 218"/>
+          <p:cNvPicPr>
+            <a:picLocks noChangeAspect="1"/>
+          </p:cNvPicPr>
+          <p:nvPr/>
+        </p:nvPicPr>
+        <p:blipFill>
+          <a:blip r:embed="rId13" cstate="email">
+            <a:extLst>
+              <a:ext uri="{BEBA8EAE-BF5A-486C-A8C5-ECC9F3942E4B}">
+                <a14:imgProps xmlns:a14="http://schemas.microsoft.com/office/drawing/2010/main">
+                  <a14:imgLayer r:embed="rId14">
+                    <a14:imgEffect>
+                      <a14:backgroundRemoval t="1941" b="99908" l="1985" r="98321">
+                        <a14:backgroundMark x1="69847" y1="76987" x2="88931" y2="91682"/>
+                        <a14:backgroundMark x1="73969" y1="60074" x2="94198" y2="76617"/>
+                        <a14:backgroundMark x1="49008" y1="73013" x2="49160" y2="84843"/>
+                        <a14:backgroundMark x1="17863" y1="89372" x2="55115" y2="86229"/>
+                        <a14:backgroundMark x1="64046" y1="88262" x2="64733" y2="95564"/>
+                        <a14:backgroundMark x1="64198" y1="86414" x2="64198" y2="89187"/>
+                        <a14:backgroundMark x1="56641" y1="85860" x2="44656" y2="86044"/>
+                        <a14:backgroundMark x1="54122" y1="83734" x2="54122" y2="83734"/>
+                        <a14:backgroundMark x1="62977" y1="21257" x2="62977" y2="21257"/>
+                      </a14:backgroundRemoval>
+                    </a14:imgEffect>
+                  </a14:imgLayer>
+                </a14:imgProps>
+              </a:ext>
+              <a:ext uri="{28A0092B-C50C-407E-A947-70E740481C1C}">
+                <a14:useLocalDpi xmlns:a14="http://schemas.microsoft.com/office/drawing/2010/main"/>
+              </a:ext>
+            </a:extLst>
+          </a:blip>
+          <a:stretch>
+            <a:fillRect/>
+          </a:stretch>
+        </p:blipFill>
+        <p:spPr>
+          <a:xfrm>
+            <a:off x="5837476" y="2068022"/>
+            <a:ext cx="2354068" cy="1944353"/>
+          </a:xfrm>
+          <a:prstGeom prst="rect">
+            <a:avLst/>
+          </a:prstGeom>
+        </p:spPr>
+      </p:pic>
+      <p:sp>
+        <p:nvSpPr>
+          <p:cNvPr id="220" name="번개[L] 219"/>
+          <p:cNvSpPr/>
+          <p:nvPr/>
+        </p:nvSpPr>
+        <p:spPr>
+          <a:xfrm rot="20700000">
+            <a:off x="6896433" y="3282528"/>
+            <a:ext cx="1950760" cy="1820178"/>
+          </a:xfrm>
+          <a:prstGeom prst="lightningBolt">
+            <a:avLst/>
+          </a:prstGeom>
+          <a:gradFill flip="none" rotWithShape="1">
+            <a:gsLst>
+              <a:gs pos="0">
+                <a:srgbClr val="00B0F0"/>
+              </a:gs>
+              <a:gs pos="91000">
+                <a:schemeClr val="bg1"/>
+              </a:gs>
+            </a:gsLst>
+            <a:lin ang="2700000" scaled="1"/>
+            <a:tileRect/>
+          </a:gradFill>
+          <a:ln>
+            <a:noFill/>
+          </a:ln>
+        </p:spPr>
+        <p:style>
+          <a:lnRef idx="2">
+            <a:schemeClr val="accent1">
+              <a:shade val="50000"/>
+            </a:schemeClr>
+          </a:lnRef>
+          <a:fillRef idx="1">
+            <a:schemeClr val="accent1"/>
+          </a:fillRef>
+          <a:effectRef idx="0">
+            <a:schemeClr val="accent1"/>
+          </a:effectRef>
+          <a:fontRef idx="minor">
+            <a:schemeClr val="lt1"/>
+          </a:fontRef>
+        </p:style>
+        <p:txBody>
+          <a:bodyPr rtlCol="0" anchor="ctr"/>
+          <a:lstStyle/>
+          <a:p>
+            <a:pPr algn="ctr"/>
+            <a:endParaRPr kumimoji="1" lang="ko-KR" altLang="en-US" sz="1100"/>
+          </a:p>
+        </p:txBody>
+      </p:sp>
+      <p:sp>
+        <p:nvSpPr>
+          <p:cNvPr id="221" name="직사각형 220"/>
+          <p:cNvSpPr/>
+          <p:nvPr/>
+        </p:nvSpPr>
+        <p:spPr>
+          <a:xfrm>
+            <a:off x="8851971" y="4254586"/>
+            <a:ext cx="604300" cy="238149"/>
+          </a:xfrm>
+          <a:prstGeom prst="rect">
+            <a:avLst/>
+          </a:prstGeom>
+          <a:noFill/>
+        </p:spPr>
+        <p:txBody>
+          <a:bodyPr wrap="none" lIns="91440" tIns="45720" rIns="91440" bIns="45720">
+            <a:spAutoFit/>
+          </a:bodyPr>
+          <a:lstStyle/>
+          <a:p>
+            <a:pPr algn="ctr"/>
+            <a:r>
+              <a:rPr lang="ko-KR" altLang="en-US" sz="1400" b="1" cap="none" spc="0" dirty="0">
+                <a:ln w="12700" cmpd="sng">
+                  <a:solidFill>
+                    <a:schemeClr val="accent4"/>
+                  </a:solidFill>
+                  <a:prstDash val="solid"/>
+                </a:ln>
+                <a:gradFill>
+                  <a:gsLst>
+                    <a:gs pos="0">
+                      <a:schemeClr val="accent4"/>
+                    </a:gs>
+                    <a:gs pos="4000">
+                      <a:schemeClr val="accent4">
+                        <a:lumMod val="60000"/>
+                        <a:lumOff val="40000"/>
+                      </a:schemeClr>
+                    </a:gs>
+                    <a:gs pos="87000">
+                      <a:schemeClr val="accent4">
+                        <a:lumMod val="20000"/>
+                        <a:lumOff val="80000"/>
+                      </a:schemeClr>
+                    </a:gs>
+                  </a:gsLst>
+                  <a:lin ang="5400000"/>
+                </a:gradFill>
+                <a:effectLst/>
+              </a:rPr>
+              <a:t>궁극기</a:t>
+            </a:r>
+            <a:r>
+              <a:rPr lang="en-US" altLang="ko-KR" sz="1400" b="1" cap="none" spc="0" dirty="0">
+                <a:ln w="12700" cmpd="sng">
+                  <a:solidFill>
+                    <a:schemeClr val="accent4"/>
+                  </a:solidFill>
+                  <a:prstDash val="solid"/>
+                </a:ln>
+                <a:gradFill>
+                  <a:gsLst>
+                    <a:gs pos="0">
+                      <a:schemeClr val="accent4"/>
+                    </a:gs>
+                    <a:gs pos="4000">
+                      <a:schemeClr val="accent4">
+                        <a:lumMod val="60000"/>
+                        <a:lumOff val="40000"/>
+                      </a:schemeClr>
+                    </a:gs>
+                    <a:gs pos="87000">
+                      <a:schemeClr val="accent4">
+                        <a:lumMod val="20000"/>
+                        <a:lumOff val="80000"/>
+                      </a:schemeClr>
+                    </a:gs>
+                  </a:gsLst>
+                  <a:lin ang="5400000"/>
+                </a:gradFill>
+                <a:effectLst/>
+              </a:rPr>
+              <a:t>!</a:t>
+            </a:r>
+          </a:p>
+        </p:txBody>
+      </p:sp>
+      <p:sp>
+        <p:nvSpPr>
+          <p:cNvPr id="222" name="타원 221"/>
+          <p:cNvSpPr/>
+          <p:nvPr/>
+        </p:nvSpPr>
+        <p:spPr>
+          <a:xfrm>
+            <a:off x="4116749" y="5653074"/>
+            <a:ext cx="151591" cy="151591"/>
+          </a:xfrm>
+          <a:prstGeom prst="ellipse">
+            <a:avLst/>
+          </a:prstGeom>
+          <a:solidFill>
+            <a:schemeClr val="bg1"/>
+          </a:solidFill>
+          <a:ln w="25400">
+            <a:solidFill>
+              <a:schemeClr val="tx1"/>
+            </a:solidFill>
+          </a:ln>
+        </p:spPr>
+        <p:style>
+          <a:lnRef idx="2">
+            <a:schemeClr val="accent1">
+              <a:shade val="50000"/>
+            </a:schemeClr>
+          </a:lnRef>
+          <a:fillRef idx="1">
+            <a:schemeClr val="accent1"/>
+          </a:fillRef>
+          <a:effectRef idx="0">
+            <a:schemeClr val="accent1"/>
+          </a:effectRef>
+          <a:fontRef idx="minor">
+            <a:schemeClr val="lt1"/>
+          </a:fontRef>
+        </p:style>
+        <p:txBody>
+          <a:bodyPr rtlCol="0" anchor="ctr"/>
+          <a:lstStyle/>
+          <a:p>
+            <a:pPr algn="ctr"/>
+            <a:r>
+              <a:rPr kumimoji="1" lang="en-US" altLang="ko-KR" sz="800">
+                <a:solidFill>
+                  <a:sysClr val="windowText" lastClr="000000"/>
+                </a:solidFill>
+              </a:rPr>
+              <a:t>1</a:t>
+            </a:r>
+            <a:endParaRPr kumimoji="1" lang="ko-KR" altLang="en-US" sz="800" dirty="0">
+              <a:solidFill>
+                <a:sysClr val="windowText" lastClr="000000"/>
+              </a:solidFill>
+            </a:endParaRPr>
+          </a:p>
+        </p:txBody>
+      </p:sp>
+      <p:sp>
+        <p:nvSpPr>
+          <p:cNvPr id="223" name="타원 222"/>
+          <p:cNvSpPr/>
+          <p:nvPr/>
+        </p:nvSpPr>
+        <p:spPr>
+          <a:xfrm>
+            <a:off x="4458582" y="5653074"/>
+            <a:ext cx="151591" cy="151591"/>
+          </a:xfrm>
+          <a:prstGeom prst="ellipse">
+            <a:avLst/>
+          </a:prstGeom>
+          <a:solidFill>
+            <a:schemeClr val="bg1"/>
+          </a:solidFill>
+          <a:ln w="25400">
+            <a:solidFill>
+              <a:schemeClr val="tx1"/>
+            </a:solidFill>
+          </a:ln>
+        </p:spPr>
+        <p:style>
+          <a:lnRef idx="2">
+            <a:schemeClr val="accent1">
+              <a:shade val="50000"/>
+            </a:schemeClr>
+          </a:lnRef>
+          <a:fillRef idx="1">
+            <a:schemeClr val="accent1"/>
+          </a:fillRef>
+          <a:effectRef idx="0">
+            <a:schemeClr val="accent1"/>
+          </a:effectRef>
+          <a:fontRef idx="minor">
+            <a:schemeClr val="lt1"/>
+          </a:fontRef>
+        </p:style>
+        <p:txBody>
+          <a:bodyPr rtlCol="0" anchor="ctr"/>
+          <a:lstStyle/>
+          <a:p>
+            <a:pPr algn="ctr"/>
+            <a:r>
+              <a:rPr kumimoji="1" lang="en-US" altLang="ko-KR" sz="800">
+                <a:solidFill>
+                  <a:sysClr val="windowText" lastClr="000000"/>
+                </a:solidFill>
+              </a:rPr>
+              <a:t>1</a:t>
+            </a:r>
+            <a:endParaRPr kumimoji="1" lang="ko-KR" altLang="en-US" sz="800" dirty="0">
+              <a:solidFill>
+                <a:sysClr val="windowText" lastClr="000000"/>
+              </a:solidFill>
+            </a:endParaRPr>
+          </a:p>
+        </p:txBody>
+      </p:sp>
+      <p:sp>
+        <p:nvSpPr>
+          <p:cNvPr id="224" name="타원 223"/>
+          <p:cNvSpPr/>
+          <p:nvPr/>
+        </p:nvSpPr>
+        <p:spPr>
+          <a:xfrm>
+            <a:off x="4808076" y="5653074"/>
+            <a:ext cx="151591" cy="151591"/>
+          </a:xfrm>
+          <a:prstGeom prst="ellipse">
+            <a:avLst/>
+          </a:prstGeom>
+          <a:solidFill>
+            <a:schemeClr val="bg1"/>
+          </a:solidFill>
+          <a:ln w="25400">
+            <a:solidFill>
+              <a:schemeClr val="tx1"/>
+            </a:solidFill>
+          </a:ln>
+        </p:spPr>
+        <p:style>
+          <a:lnRef idx="2">
+            <a:schemeClr val="accent1">
+              <a:shade val="50000"/>
+            </a:schemeClr>
+          </a:lnRef>
+          <a:fillRef idx="1">
+            <a:schemeClr val="accent1"/>
+          </a:fillRef>
+          <a:effectRef idx="0">
+            <a:schemeClr val="accent1"/>
+          </a:effectRef>
+          <a:fontRef idx="minor">
+            <a:schemeClr val="lt1"/>
+          </a:fontRef>
+        </p:style>
+        <p:txBody>
+          <a:bodyPr rtlCol="0" anchor="ctr"/>
+          <a:lstStyle/>
+          <a:p>
+            <a:pPr algn="ctr"/>
+            <a:r>
+              <a:rPr kumimoji="1" lang="en-US" altLang="ko-KR" sz="800">
+                <a:solidFill>
+                  <a:sysClr val="windowText" lastClr="000000"/>
+                </a:solidFill>
+              </a:rPr>
+              <a:t>1</a:t>
+            </a:r>
+            <a:endParaRPr kumimoji="1" lang="ko-KR" altLang="en-US" sz="800" dirty="0">
+              <a:solidFill>
+                <a:sysClr val="windowText" lastClr="000000"/>
+              </a:solidFill>
+            </a:endParaRPr>
+          </a:p>
+        </p:txBody>
+      </p:sp>
+      <p:sp>
+        <p:nvSpPr>
+          <p:cNvPr id="225" name="타원 224"/>
+          <p:cNvSpPr/>
+          <p:nvPr/>
+        </p:nvSpPr>
+        <p:spPr>
+          <a:xfrm>
+            <a:off x="5163945" y="5653074"/>
+            <a:ext cx="151591" cy="151591"/>
+          </a:xfrm>
+          <a:prstGeom prst="ellipse">
+            <a:avLst/>
+          </a:prstGeom>
+          <a:solidFill>
+            <a:schemeClr val="bg1"/>
+          </a:solidFill>
+          <a:ln w="25400">
+            <a:solidFill>
+              <a:schemeClr val="tx1"/>
+            </a:solidFill>
+          </a:ln>
+        </p:spPr>
+        <p:style>
+          <a:lnRef idx="2">
+            <a:schemeClr val="accent1">
+              <a:shade val="50000"/>
+            </a:schemeClr>
+          </a:lnRef>
+          <a:fillRef idx="1">
+            <a:schemeClr val="accent1"/>
+          </a:fillRef>
+          <a:effectRef idx="0">
+            <a:schemeClr val="accent1"/>
+          </a:effectRef>
+          <a:fontRef idx="minor">
+            <a:schemeClr val="lt1"/>
+          </a:fontRef>
+        </p:style>
+        <p:txBody>
+          <a:bodyPr rtlCol="0" anchor="ctr"/>
+          <a:lstStyle/>
+          <a:p>
+            <a:pPr algn="ctr"/>
+            <a:r>
+              <a:rPr kumimoji="1" lang="en-US" altLang="ko-KR" sz="800">
+                <a:solidFill>
+                  <a:sysClr val="windowText" lastClr="000000"/>
+                </a:solidFill>
+              </a:rPr>
+              <a:t>1</a:t>
+            </a:r>
+            <a:endParaRPr kumimoji="1" lang="ko-KR" altLang="en-US" sz="800" dirty="0">
+              <a:solidFill>
+                <a:sysClr val="windowText" lastClr="000000"/>
+              </a:solidFill>
+            </a:endParaRPr>
+          </a:p>
+        </p:txBody>
+      </p:sp>
+      <p:sp>
+        <p:nvSpPr>
+          <p:cNvPr id="226" name="타원 225"/>
+          <p:cNvSpPr/>
+          <p:nvPr/>
+        </p:nvSpPr>
+        <p:spPr>
+          <a:xfrm>
+            <a:off x="5495098" y="5653074"/>
+            <a:ext cx="151591" cy="151591"/>
+          </a:xfrm>
+          <a:prstGeom prst="ellipse">
+            <a:avLst/>
+          </a:prstGeom>
+          <a:solidFill>
+            <a:schemeClr val="bg1"/>
+          </a:solidFill>
+          <a:ln w="25400">
+            <a:solidFill>
+              <a:schemeClr val="tx1"/>
+            </a:solidFill>
+          </a:ln>
+        </p:spPr>
+        <p:style>
+          <a:lnRef idx="2">
+            <a:schemeClr val="accent1">
+              <a:shade val="50000"/>
+            </a:schemeClr>
+          </a:lnRef>
+          <a:fillRef idx="1">
+            <a:schemeClr val="accent1"/>
+          </a:fillRef>
+          <a:effectRef idx="0">
+            <a:schemeClr val="accent1"/>
+          </a:effectRef>
+          <a:fontRef idx="minor">
+            <a:schemeClr val="lt1"/>
+          </a:fontRef>
+        </p:style>
+        <p:txBody>
+          <a:bodyPr rtlCol="0" anchor="ctr"/>
+          <a:lstStyle/>
+          <a:p>
+            <a:pPr algn="ctr"/>
+            <a:r>
+              <a:rPr kumimoji="1" lang="en-US" altLang="ko-KR" sz="800">
+                <a:solidFill>
+                  <a:sysClr val="windowText" lastClr="000000"/>
+                </a:solidFill>
+              </a:rPr>
+              <a:t>1</a:t>
+            </a:r>
+            <a:endParaRPr kumimoji="1" lang="ko-KR" altLang="en-US" sz="800" dirty="0">
+              <a:solidFill>
+                <a:sysClr val="windowText" lastClr="000000"/>
+              </a:solidFill>
+            </a:endParaRPr>
+          </a:p>
+        </p:txBody>
+      </p:sp>
+      <p:sp>
+        <p:nvSpPr>
+          <p:cNvPr id="227" name="타원 226"/>
+          <p:cNvSpPr/>
+          <p:nvPr/>
+        </p:nvSpPr>
+        <p:spPr>
+          <a:xfrm>
+            <a:off x="4116749" y="6009261"/>
+            <a:ext cx="151591" cy="151591"/>
+          </a:xfrm>
+          <a:prstGeom prst="ellipse">
+            <a:avLst/>
+          </a:prstGeom>
+          <a:solidFill>
+            <a:schemeClr val="bg1"/>
+          </a:solidFill>
+          <a:ln w="25400">
+            <a:solidFill>
+              <a:schemeClr val="tx1"/>
+            </a:solidFill>
+          </a:ln>
+        </p:spPr>
+        <p:style>
+          <a:lnRef idx="2">
+            <a:schemeClr val="accent1">
+              <a:shade val="50000"/>
+            </a:schemeClr>
+          </a:lnRef>
+          <a:fillRef idx="1">
+            <a:schemeClr val="accent1"/>
+          </a:fillRef>
+          <a:effectRef idx="0">
+            <a:schemeClr val="accent1"/>
+          </a:effectRef>
+          <a:fontRef idx="minor">
+            <a:schemeClr val="lt1"/>
+          </a:fontRef>
+        </p:style>
+        <p:txBody>
+          <a:bodyPr rtlCol="0" anchor="ctr"/>
+          <a:lstStyle/>
+          <a:p>
+            <a:pPr algn="ctr"/>
+            <a:r>
+              <a:rPr kumimoji="1" lang="en-US" altLang="ko-KR" sz="800" dirty="0">
+                <a:solidFill>
+                  <a:sysClr val="windowText" lastClr="000000"/>
+                </a:solidFill>
+              </a:rPr>
+              <a:t>D</a:t>
+            </a:r>
+            <a:endParaRPr kumimoji="1" lang="ko-KR" altLang="en-US" sz="800" dirty="0">
+              <a:solidFill>
+                <a:sysClr val="windowText" lastClr="000000"/>
+              </a:solidFill>
+            </a:endParaRPr>
+          </a:p>
+        </p:txBody>
+      </p:sp>
+      <p:sp>
+        <p:nvSpPr>
+          <p:cNvPr id="228" name="타원 227"/>
+          <p:cNvSpPr/>
+          <p:nvPr/>
+        </p:nvSpPr>
+        <p:spPr>
+          <a:xfrm>
+            <a:off x="4458582" y="6009261"/>
+            <a:ext cx="151591" cy="151591"/>
+          </a:xfrm>
+          <a:prstGeom prst="ellipse">
+            <a:avLst/>
+          </a:prstGeom>
+          <a:solidFill>
+            <a:schemeClr val="bg1"/>
+          </a:solidFill>
+          <a:ln w="25400">
+            <a:solidFill>
+              <a:schemeClr val="tx1"/>
+            </a:solidFill>
+          </a:ln>
+        </p:spPr>
+        <p:style>
+          <a:lnRef idx="2">
+            <a:schemeClr val="accent1">
+              <a:shade val="50000"/>
+            </a:schemeClr>
+          </a:lnRef>
+          <a:fillRef idx="1">
+            <a:schemeClr val="accent1"/>
+          </a:fillRef>
+          <a:effectRef idx="0">
+            <a:schemeClr val="accent1"/>
+          </a:effectRef>
+          <a:fontRef idx="minor">
+            <a:schemeClr val="lt1"/>
+          </a:fontRef>
+        </p:style>
+        <p:txBody>
+          <a:bodyPr rtlCol="0" anchor="ctr"/>
+          <a:lstStyle/>
+          <a:p>
+            <a:pPr algn="ctr"/>
+            <a:r>
+              <a:rPr kumimoji="1" lang="en-US" altLang="ko-KR" sz="800" dirty="0">
+                <a:solidFill>
+                  <a:sysClr val="windowText" lastClr="000000"/>
+                </a:solidFill>
+              </a:rPr>
+              <a:t>F</a:t>
+            </a:r>
+            <a:endParaRPr kumimoji="1" lang="ko-KR" altLang="en-US" sz="800" dirty="0">
+              <a:solidFill>
+                <a:sysClr val="windowText" lastClr="000000"/>
+              </a:solidFill>
+            </a:endParaRPr>
+          </a:p>
+        </p:txBody>
+      </p:sp>
+      <p:sp>
+        <p:nvSpPr>
+          <p:cNvPr id="229" name="타원 228"/>
+          <p:cNvSpPr/>
+          <p:nvPr/>
+        </p:nvSpPr>
+        <p:spPr>
+          <a:xfrm>
+            <a:off x="4808076" y="6009261"/>
+            <a:ext cx="151591" cy="151591"/>
+          </a:xfrm>
+          <a:prstGeom prst="ellipse">
+            <a:avLst/>
+          </a:prstGeom>
+          <a:solidFill>
+            <a:schemeClr val="bg1"/>
+          </a:solidFill>
+          <a:ln w="25400">
+            <a:solidFill>
+              <a:schemeClr val="tx1"/>
+            </a:solidFill>
+          </a:ln>
+        </p:spPr>
+        <p:style>
+          <a:lnRef idx="2">
+            <a:schemeClr val="accent1">
+              <a:shade val="50000"/>
+            </a:schemeClr>
+          </a:lnRef>
+          <a:fillRef idx="1">
+            <a:schemeClr val="accent1"/>
+          </a:fillRef>
+          <a:effectRef idx="0">
+            <a:schemeClr val="accent1"/>
+          </a:effectRef>
+          <a:fontRef idx="minor">
+            <a:schemeClr val="lt1"/>
+          </a:fontRef>
+        </p:style>
+        <p:txBody>
+          <a:bodyPr rtlCol="0" anchor="ctr"/>
+          <a:lstStyle/>
+          <a:p>
+            <a:pPr algn="ctr"/>
+            <a:r>
+              <a:rPr kumimoji="1" lang="en-US" altLang="ko-KR" sz="800" dirty="0">
+                <a:solidFill>
+                  <a:sysClr val="windowText" lastClr="000000"/>
+                </a:solidFill>
+              </a:rPr>
+              <a:t>Q</a:t>
+            </a:r>
+            <a:endParaRPr kumimoji="1" lang="ko-KR" altLang="en-US" sz="800" dirty="0">
+              <a:solidFill>
+                <a:sysClr val="windowText" lastClr="000000"/>
+              </a:solidFill>
+            </a:endParaRPr>
+          </a:p>
+        </p:txBody>
+      </p:sp>
+      <p:sp>
+        <p:nvSpPr>
+          <p:cNvPr id="230" name="타원 229"/>
+          <p:cNvSpPr/>
+          <p:nvPr/>
+        </p:nvSpPr>
+        <p:spPr>
+          <a:xfrm>
+            <a:off x="5163945" y="6009261"/>
+            <a:ext cx="151591" cy="151591"/>
+          </a:xfrm>
+          <a:prstGeom prst="ellipse">
+            <a:avLst/>
+          </a:prstGeom>
+          <a:solidFill>
+            <a:schemeClr val="bg1"/>
+          </a:solidFill>
+          <a:ln w="25400">
+            <a:solidFill>
+              <a:schemeClr val="tx1"/>
+            </a:solidFill>
+          </a:ln>
+        </p:spPr>
+        <p:style>
+          <a:lnRef idx="2">
+            <a:schemeClr val="accent1">
+              <a:shade val="50000"/>
+            </a:schemeClr>
+          </a:lnRef>
+          <a:fillRef idx="1">
+            <a:schemeClr val="accent1"/>
+          </a:fillRef>
+          <a:effectRef idx="0">
+            <a:schemeClr val="accent1"/>
+          </a:effectRef>
+          <a:fontRef idx="minor">
+            <a:schemeClr val="lt1"/>
+          </a:fontRef>
+        </p:style>
+        <p:txBody>
+          <a:bodyPr rtlCol="0" anchor="ctr"/>
+          <a:lstStyle/>
+          <a:p>
+            <a:pPr algn="ctr"/>
+            <a:r>
+              <a:rPr kumimoji="1" lang="en-US" altLang="ko-KR" sz="800" dirty="0">
+                <a:solidFill>
+                  <a:sysClr val="windowText" lastClr="000000"/>
+                </a:solidFill>
+              </a:rPr>
+              <a:t>W</a:t>
+            </a:r>
+            <a:endParaRPr kumimoji="1" lang="ko-KR" altLang="en-US" sz="800" dirty="0">
+              <a:solidFill>
+                <a:sysClr val="windowText" lastClr="000000"/>
+              </a:solidFill>
+            </a:endParaRPr>
+          </a:p>
+        </p:txBody>
+      </p:sp>
+      <p:sp>
+        <p:nvSpPr>
+          <p:cNvPr id="231" name="타원 230"/>
+          <p:cNvSpPr/>
+          <p:nvPr/>
+        </p:nvSpPr>
+        <p:spPr>
+          <a:xfrm>
+            <a:off x="5495098" y="6009261"/>
+            <a:ext cx="151591" cy="151591"/>
+          </a:xfrm>
+          <a:prstGeom prst="ellipse">
+            <a:avLst/>
+          </a:prstGeom>
+          <a:solidFill>
+            <a:schemeClr val="bg1"/>
+          </a:solidFill>
+          <a:ln w="25400">
+            <a:solidFill>
+              <a:schemeClr val="tx1"/>
+            </a:solidFill>
+          </a:ln>
+        </p:spPr>
+        <p:style>
+          <a:lnRef idx="2">
+            <a:schemeClr val="accent1">
+              <a:shade val="50000"/>
+            </a:schemeClr>
+          </a:lnRef>
+          <a:fillRef idx="1">
+            <a:schemeClr val="accent1"/>
+          </a:fillRef>
+          <a:effectRef idx="0">
+            <a:schemeClr val="accent1"/>
+          </a:effectRef>
+          <a:fontRef idx="minor">
+            <a:schemeClr val="lt1"/>
+          </a:fontRef>
+        </p:style>
+        <p:txBody>
+          <a:bodyPr rtlCol="0" anchor="ctr"/>
+          <a:lstStyle/>
+          <a:p>
+            <a:pPr algn="ctr"/>
+            <a:r>
+              <a:rPr kumimoji="1" lang="en-US" altLang="ko-KR" sz="800" dirty="0">
+                <a:solidFill>
+                  <a:sysClr val="windowText" lastClr="000000"/>
+                </a:solidFill>
+              </a:rPr>
+              <a:t>E</a:t>
+            </a:r>
+            <a:endParaRPr kumimoji="1" lang="ko-KR" altLang="en-US" sz="800" dirty="0">
+              <a:solidFill>
+                <a:sysClr val="windowText" lastClr="000000"/>
+              </a:solidFill>
+            </a:endParaRPr>
+          </a:p>
+        </p:txBody>
+      </p:sp>
+      <p:sp>
+        <p:nvSpPr>
+          <p:cNvPr id="232" name="타원 231"/>
+          <p:cNvSpPr/>
+          <p:nvPr/>
+        </p:nvSpPr>
+        <p:spPr>
+          <a:xfrm>
+            <a:off x="6546601" y="5653074"/>
+            <a:ext cx="151591" cy="151591"/>
+          </a:xfrm>
+          <a:prstGeom prst="ellipse">
+            <a:avLst/>
+          </a:prstGeom>
+          <a:solidFill>
+            <a:schemeClr val="bg1"/>
+          </a:solidFill>
+          <a:ln w="25400">
+            <a:solidFill>
+              <a:schemeClr val="tx1"/>
+            </a:solidFill>
+          </a:ln>
+        </p:spPr>
+        <p:style>
+          <a:lnRef idx="2">
+            <a:schemeClr val="accent1">
+              <a:shade val="50000"/>
+            </a:schemeClr>
+          </a:lnRef>
+          <a:fillRef idx="1">
+            <a:schemeClr val="accent1"/>
+          </a:fillRef>
+          <a:effectRef idx="0">
+            <a:schemeClr val="accent1"/>
+          </a:effectRef>
+          <a:fontRef idx="minor">
+            <a:schemeClr val="lt1"/>
+          </a:fontRef>
+        </p:style>
+        <p:txBody>
+          <a:bodyPr rtlCol="0" anchor="ctr"/>
+          <a:lstStyle/>
+          <a:p>
+            <a:pPr algn="ctr"/>
+            <a:r>
+              <a:rPr kumimoji="1" lang="en-US" altLang="ko-KR" sz="800" dirty="0">
+                <a:solidFill>
+                  <a:sysClr val="windowText" lastClr="000000"/>
+                </a:solidFill>
+              </a:rPr>
+              <a:t>1</a:t>
+            </a:r>
+            <a:endParaRPr kumimoji="1" lang="ko-KR" altLang="en-US" sz="800" dirty="0">
+              <a:solidFill>
+                <a:sysClr val="windowText" lastClr="000000"/>
+              </a:solidFill>
+            </a:endParaRPr>
+          </a:p>
+        </p:txBody>
+      </p:sp>
+      <p:sp>
+        <p:nvSpPr>
+          <p:cNvPr id="233" name="타원 232"/>
+          <p:cNvSpPr/>
+          <p:nvPr/>
+        </p:nvSpPr>
+        <p:spPr>
+          <a:xfrm>
+            <a:off x="6888434" y="5653074"/>
+            <a:ext cx="151591" cy="151591"/>
+          </a:xfrm>
+          <a:prstGeom prst="ellipse">
+            <a:avLst/>
+          </a:prstGeom>
+          <a:solidFill>
+            <a:schemeClr val="bg1"/>
+          </a:solidFill>
+          <a:ln w="25400">
+            <a:solidFill>
+              <a:schemeClr val="tx1"/>
+            </a:solidFill>
+          </a:ln>
+        </p:spPr>
+        <p:style>
+          <a:lnRef idx="2">
+            <a:schemeClr val="accent1">
+              <a:shade val="50000"/>
+            </a:schemeClr>
+          </a:lnRef>
+          <a:fillRef idx="1">
+            <a:schemeClr val="accent1"/>
+          </a:fillRef>
+          <a:effectRef idx="0">
+            <a:schemeClr val="accent1"/>
+          </a:effectRef>
+          <a:fontRef idx="minor">
+            <a:schemeClr val="lt1"/>
+          </a:fontRef>
+        </p:style>
+        <p:txBody>
+          <a:bodyPr rtlCol="0" anchor="ctr"/>
+          <a:lstStyle/>
+          <a:p>
+            <a:pPr algn="ctr"/>
+            <a:r>
+              <a:rPr kumimoji="1" lang="en-US" altLang="ko-KR" sz="800" dirty="0">
+                <a:solidFill>
+                  <a:sysClr val="windowText" lastClr="000000"/>
+                </a:solidFill>
+              </a:rPr>
+              <a:t>5</a:t>
+            </a:r>
+            <a:endParaRPr kumimoji="1" lang="ko-KR" altLang="en-US" sz="800" dirty="0">
+              <a:solidFill>
+                <a:sysClr val="windowText" lastClr="000000"/>
+              </a:solidFill>
+            </a:endParaRPr>
+          </a:p>
+        </p:txBody>
+      </p:sp>
+      <p:sp>
+        <p:nvSpPr>
+          <p:cNvPr id="234" name="타원 233"/>
+          <p:cNvSpPr/>
+          <p:nvPr/>
+        </p:nvSpPr>
+        <p:spPr>
+          <a:xfrm>
+            <a:off x="7237929" y="5653074"/>
+            <a:ext cx="151591" cy="151591"/>
+          </a:xfrm>
+          <a:prstGeom prst="ellipse">
+            <a:avLst/>
+          </a:prstGeom>
+          <a:solidFill>
+            <a:schemeClr val="bg1"/>
+          </a:solidFill>
+          <a:ln w="25400">
+            <a:solidFill>
+              <a:schemeClr val="tx1"/>
+            </a:solidFill>
+          </a:ln>
+        </p:spPr>
+        <p:style>
+          <a:lnRef idx="2">
+            <a:schemeClr val="accent1">
+              <a:shade val="50000"/>
+            </a:schemeClr>
+          </a:lnRef>
+          <a:fillRef idx="1">
+            <a:schemeClr val="accent1"/>
+          </a:fillRef>
+          <a:effectRef idx="0">
+            <a:schemeClr val="accent1"/>
+          </a:effectRef>
+          <a:fontRef idx="minor">
+            <a:schemeClr val="lt1"/>
+          </a:fontRef>
+        </p:style>
+        <p:txBody>
+          <a:bodyPr rtlCol="0" anchor="ctr"/>
+          <a:lstStyle/>
+          <a:p>
+            <a:pPr algn="ctr"/>
+            <a:r>
+              <a:rPr kumimoji="1" lang="en-US" altLang="ko-KR" sz="800" dirty="0">
+                <a:solidFill>
+                  <a:sysClr val="windowText" lastClr="000000"/>
+                </a:solidFill>
+              </a:rPr>
+              <a:t>2</a:t>
+            </a:r>
+            <a:endParaRPr kumimoji="1" lang="ko-KR" altLang="en-US" sz="800" dirty="0">
+              <a:solidFill>
+                <a:sysClr val="windowText" lastClr="000000"/>
+              </a:solidFill>
+            </a:endParaRPr>
+          </a:p>
+        </p:txBody>
+      </p:sp>
+      <p:sp>
+        <p:nvSpPr>
+          <p:cNvPr id="235" name="타원 234"/>
+          <p:cNvSpPr/>
+          <p:nvPr/>
+        </p:nvSpPr>
+        <p:spPr>
+          <a:xfrm>
+            <a:off x="7593797" y="5653074"/>
+            <a:ext cx="151591" cy="151591"/>
+          </a:xfrm>
+          <a:prstGeom prst="ellipse">
+            <a:avLst/>
+          </a:prstGeom>
+          <a:solidFill>
+            <a:schemeClr val="bg1"/>
+          </a:solidFill>
+          <a:ln w="25400">
+            <a:solidFill>
+              <a:schemeClr val="tx1"/>
+            </a:solidFill>
+          </a:ln>
+        </p:spPr>
+        <p:style>
+          <a:lnRef idx="2">
+            <a:schemeClr val="accent1">
+              <a:shade val="50000"/>
+            </a:schemeClr>
+          </a:lnRef>
+          <a:fillRef idx="1">
+            <a:schemeClr val="accent1"/>
+          </a:fillRef>
+          <a:effectRef idx="0">
+            <a:schemeClr val="accent1"/>
+          </a:effectRef>
+          <a:fontRef idx="minor">
+            <a:schemeClr val="lt1"/>
+          </a:fontRef>
+        </p:style>
+        <p:txBody>
+          <a:bodyPr rtlCol="0" anchor="ctr"/>
+          <a:lstStyle/>
+          <a:p>
+            <a:pPr algn="ctr"/>
+            <a:r>
+              <a:rPr kumimoji="1" lang="en-US" altLang="ko-KR" sz="800" dirty="0">
+                <a:solidFill>
+                  <a:sysClr val="windowText" lastClr="000000"/>
+                </a:solidFill>
+              </a:rPr>
+              <a:t>1</a:t>
+            </a:r>
+            <a:endParaRPr kumimoji="1" lang="ko-KR" altLang="en-US" sz="800" dirty="0">
+              <a:solidFill>
+                <a:sysClr val="windowText" lastClr="000000"/>
+              </a:solidFill>
+            </a:endParaRPr>
+          </a:p>
+        </p:txBody>
+      </p:sp>
+      <p:sp>
+        <p:nvSpPr>
+          <p:cNvPr id="236" name="타원 235"/>
+          <p:cNvSpPr/>
+          <p:nvPr/>
+        </p:nvSpPr>
+        <p:spPr>
+          <a:xfrm>
+            <a:off x="7924949" y="5653074"/>
+            <a:ext cx="151591" cy="151591"/>
+          </a:xfrm>
+          <a:prstGeom prst="ellipse">
+            <a:avLst/>
+          </a:prstGeom>
+          <a:solidFill>
+            <a:schemeClr val="bg1"/>
+          </a:solidFill>
+          <a:ln w="25400">
+            <a:solidFill>
+              <a:schemeClr val="tx1"/>
+            </a:solidFill>
+          </a:ln>
+        </p:spPr>
+        <p:style>
+          <a:lnRef idx="2">
+            <a:schemeClr val="accent1">
+              <a:shade val="50000"/>
+            </a:schemeClr>
+          </a:lnRef>
+          <a:fillRef idx="1">
+            <a:schemeClr val="accent1"/>
+          </a:fillRef>
+          <a:effectRef idx="0">
+            <a:schemeClr val="accent1"/>
+          </a:effectRef>
+          <a:fontRef idx="minor">
+            <a:schemeClr val="lt1"/>
+          </a:fontRef>
+        </p:style>
+        <p:txBody>
+          <a:bodyPr lIns="0" tIns="0" rIns="0" bIns="0" rtlCol="0" anchor="ctr"/>
+          <a:lstStyle/>
+          <a:p>
+            <a:pPr algn="ctr"/>
+            <a:r>
+              <a:rPr kumimoji="1" lang="en-US" altLang="ko-KR" sz="500" dirty="0">
+                <a:solidFill>
+                  <a:sysClr val="windowText" lastClr="000000"/>
+                </a:solidFill>
+              </a:rPr>
+              <a:t>12</a:t>
+            </a:r>
+            <a:endParaRPr kumimoji="1" lang="ko-KR" altLang="en-US" sz="500" dirty="0">
+              <a:solidFill>
+                <a:sysClr val="windowText" lastClr="000000"/>
+              </a:solidFill>
+            </a:endParaRPr>
+          </a:p>
+        </p:txBody>
+      </p:sp>
+      <p:sp>
+        <p:nvSpPr>
+          <p:cNvPr id="237" name="타원 236"/>
+          <p:cNvSpPr/>
+          <p:nvPr/>
+        </p:nvSpPr>
+        <p:spPr>
+          <a:xfrm>
+            <a:off x="6546601" y="6009261"/>
+            <a:ext cx="151591" cy="151591"/>
+          </a:xfrm>
+          <a:prstGeom prst="ellipse">
+            <a:avLst/>
+          </a:prstGeom>
+          <a:solidFill>
+            <a:schemeClr val="bg1"/>
+          </a:solidFill>
+          <a:ln w="25400">
+            <a:solidFill>
+              <a:schemeClr val="tx1"/>
+            </a:solidFill>
+          </a:ln>
+        </p:spPr>
+        <p:style>
+          <a:lnRef idx="2">
+            <a:schemeClr val="accent1">
+              <a:shade val="50000"/>
+            </a:schemeClr>
+          </a:lnRef>
+          <a:fillRef idx="1">
+            <a:schemeClr val="accent1"/>
+          </a:fillRef>
+          <a:effectRef idx="0">
+            <a:schemeClr val="accent1"/>
+          </a:effectRef>
+          <a:fontRef idx="minor">
+            <a:schemeClr val="lt1"/>
+          </a:fontRef>
+        </p:style>
+        <p:txBody>
+          <a:bodyPr rtlCol="0" anchor="ctr"/>
+          <a:lstStyle/>
+          <a:p>
+            <a:pPr algn="ctr"/>
+            <a:r>
+              <a:rPr kumimoji="1" lang="en-US" altLang="ko-KR" sz="800" dirty="0">
+                <a:solidFill>
+                  <a:sysClr val="windowText" lastClr="000000"/>
+                </a:solidFill>
+              </a:rPr>
+              <a:t>1</a:t>
+            </a:r>
+            <a:endParaRPr kumimoji="1" lang="ko-KR" altLang="en-US" sz="800" dirty="0">
+              <a:solidFill>
+                <a:sysClr val="windowText" lastClr="000000"/>
+              </a:solidFill>
+            </a:endParaRPr>
+          </a:p>
+        </p:txBody>
+      </p:sp>
+      <p:sp>
+        <p:nvSpPr>
+          <p:cNvPr id="238" name="타원 237"/>
+          <p:cNvSpPr/>
+          <p:nvPr/>
+        </p:nvSpPr>
+        <p:spPr>
+          <a:xfrm>
+            <a:off x="6888434" y="6009261"/>
+            <a:ext cx="151591" cy="151591"/>
+          </a:xfrm>
+          <a:prstGeom prst="ellipse">
+            <a:avLst/>
+          </a:prstGeom>
+          <a:solidFill>
+            <a:schemeClr val="bg1"/>
+          </a:solidFill>
+          <a:ln w="25400">
+            <a:solidFill>
+              <a:schemeClr val="tx1"/>
+            </a:solidFill>
+          </a:ln>
+        </p:spPr>
+        <p:style>
+          <a:lnRef idx="2">
+            <a:schemeClr val="accent1">
+              <a:shade val="50000"/>
+            </a:schemeClr>
+          </a:lnRef>
+          <a:fillRef idx="1">
+            <a:schemeClr val="accent1"/>
+          </a:fillRef>
+          <a:effectRef idx="0">
+            <a:schemeClr val="accent1"/>
+          </a:effectRef>
+          <a:fontRef idx="minor">
+            <a:schemeClr val="lt1"/>
+          </a:fontRef>
+        </p:style>
+        <p:txBody>
+          <a:bodyPr rtlCol="0" anchor="ctr"/>
+          <a:lstStyle/>
+          <a:p>
+            <a:pPr algn="ctr"/>
+            <a:r>
+              <a:rPr kumimoji="1" lang="en-US" altLang="ko-KR" sz="800" dirty="0">
+                <a:solidFill>
+                  <a:sysClr val="windowText" lastClr="000000"/>
+                </a:solidFill>
+              </a:rPr>
+              <a:t>2</a:t>
+            </a:r>
+            <a:endParaRPr kumimoji="1" lang="ko-KR" altLang="en-US" sz="800" dirty="0">
+              <a:solidFill>
+                <a:sysClr val="windowText" lastClr="000000"/>
+              </a:solidFill>
+            </a:endParaRPr>
+          </a:p>
+        </p:txBody>
+      </p:sp>
+      <p:sp>
+        <p:nvSpPr>
+          <p:cNvPr id="239" name="타원 238"/>
+          <p:cNvSpPr/>
+          <p:nvPr/>
+        </p:nvSpPr>
+        <p:spPr>
+          <a:xfrm>
+            <a:off x="7237929" y="6009261"/>
+            <a:ext cx="151591" cy="151591"/>
+          </a:xfrm>
+          <a:prstGeom prst="ellipse">
+            <a:avLst/>
+          </a:prstGeom>
+          <a:solidFill>
+            <a:schemeClr val="bg1"/>
+          </a:solidFill>
+          <a:ln w="25400">
+            <a:solidFill>
+              <a:schemeClr val="tx1"/>
+            </a:solidFill>
+          </a:ln>
+        </p:spPr>
+        <p:style>
+          <a:lnRef idx="2">
+            <a:schemeClr val="accent1">
+              <a:shade val="50000"/>
+            </a:schemeClr>
+          </a:lnRef>
+          <a:fillRef idx="1">
+            <a:schemeClr val="accent1"/>
+          </a:fillRef>
+          <a:effectRef idx="0">
+            <a:schemeClr val="accent1"/>
+          </a:effectRef>
+          <a:fontRef idx="minor">
+            <a:schemeClr val="lt1"/>
+          </a:fontRef>
+        </p:style>
+        <p:txBody>
+          <a:bodyPr rtlCol="0" anchor="ctr"/>
+          <a:lstStyle/>
+          <a:p>
+            <a:pPr algn="ctr"/>
+            <a:r>
+              <a:rPr kumimoji="1" lang="en-US" altLang="ko-KR" sz="800" dirty="0">
+                <a:solidFill>
+                  <a:sysClr val="windowText" lastClr="000000"/>
+                </a:solidFill>
+              </a:rPr>
+              <a:t>3</a:t>
+            </a:r>
+            <a:endParaRPr kumimoji="1" lang="ko-KR" altLang="en-US" sz="800" dirty="0">
+              <a:solidFill>
+                <a:sysClr val="windowText" lastClr="000000"/>
+              </a:solidFill>
+            </a:endParaRPr>
+          </a:p>
+        </p:txBody>
+      </p:sp>
+      <p:sp>
+        <p:nvSpPr>
+          <p:cNvPr id="240" name="타원 239"/>
+          <p:cNvSpPr/>
+          <p:nvPr/>
+        </p:nvSpPr>
+        <p:spPr>
+          <a:xfrm>
+            <a:off x="7593797" y="6009261"/>
+            <a:ext cx="151591" cy="151591"/>
+          </a:xfrm>
+          <a:prstGeom prst="ellipse">
+            <a:avLst/>
+          </a:prstGeom>
+          <a:solidFill>
+            <a:schemeClr val="bg1"/>
+          </a:solidFill>
+          <a:ln w="25400">
+            <a:solidFill>
+              <a:schemeClr val="tx1"/>
+            </a:solidFill>
+          </a:ln>
+        </p:spPr>
+        <p:style>
+          <a:lnRef idx="2">
+            <a:schemeClr val="accent1">
+              <a:shade val="50000"/>
+            </a:schemeClr>
+          </a:lnRef>
+          <a:fillRef idx="1">
+            <a:schemeClr val="accent1"/>
+          </a:fillRef>
+          <a:effectRef idx="0">
+            <a:schemeClr val="accent1"/>
+          </a:effectRef>
+          <a:fontRef idx="minor">
+            <a:schemeClr val="lt1"/>
+          </a:fontRef>
+        </p:style>
+        <p:txBody>
+          <a:bodyPr rtlCol="0" anchor="ctr"/>
+          <a:lstStyle/>
+          <a:p>
+            <a:pPr algn="ctr"/>
+            <a:r>
+              <a:rPr kumimoji="1" lang="en-US" altLang="ko-KR" sz="800" dirty="0">
+                <a:solidFill>
+                  <a:sysClr val="windowText" lastClr="000000"/>
+                </a:solidFill>
+              </a:rPr>
+              <a:t>4</a:t>
+            </a:r>
+            <a:endParaRPr kumimoji="1" lang="ko-KR" altLang="en-US" sz="800" dirty="0">
+              <a:solidFill>
+                <a:sysClr val="windowText" lastClr="000000"/>
+              </a:solidFill>
+            </a:endParaRPr>
+          </a:p>
+        </p:txBody>
+      </p:sp>
+      <p:sp>
+        <p:nvSpPr>
+          <p:cNvPr id="241" name="타원 240"/>
+          <p:cNvSpPr/>
+          <p:nvPr/>
+        </p:nvSpPr>
+        <p:spPr>
+          <a:xfrm>
+            <a:off x="7924949" y="6009261"/>
+            <a:ext cx="151591" cy="151591"/>
+          </a:xfrm>
+          <a:prstGeom prst="ellipse">
+            <a:avLst/>
+          </a:prstGeom>
+          <a:solidFill>
+            <a:schemeClr val="bg1"/>
+          </a:solidFill>
+          <a:ln w="25400">
+            <a:solidFill>
+              <a:schemeClr val="tx1"/>
+            </a:solidFill>
+          </a:ln>
+        </p:spPr>
+        <p:style>
+          <a:lnRef idx="2">
+            <a:schemeClr val="accent1">
+              <a:shade val="50000"/>
+            </a:schemeClr>
+          </a:lnRef>
+          <a:fillRef idx="1">
+            <a:schemeClr val="accent1"/>
+          </a:fillRef>
+          <a:effectRef idx="0">
+            <a:schemeClr val="accent1"/>
+          </a:effectRef>
+          <a:fontRef idx="minor">
+            <a:schemeClr val="lt1"/>
+          </a:fontRef>
+        </p:style>
+        <p:txBody>
+          <a:bodyPr rtlCol="0" anchor="ctr"/>
+          <a:lstStyle/>
+          <a:p>
+            <a:pPr algn="ctr"/>
+            <a:r>
+              <a:rPr kumimoji="1" lang="en-US" altLang="ko-KR" sz="800" dirty="0">
+                <a:solidFill>
+                  <a:sysClr val="windowText" lastClr="000000"/>
+                </a:solidFill>
+              </a:rPr>
+              <a:t>5</a:t>
+            </a:r>
+            <a:endParaRPr kumimoji="1" lang="ko-KR" altLang="en-US" sz="800" dirty="0">
+              <a:solidFill>
+                <a:sysClr val="windowText" lastClr="000000"/>
+              </a:solidFill>
+            </a:endParaRPr>
+          </a:p>
+        </p:txBody>
+      </p:sp>
+      <p:sp>
+        <p:nvSpPr>
+          <p:cNvPr id="242" name="직사각형 241"/>
+          <p:cNvSpPr/>
+          <p:nvPr/>
+        </p:nvSpPr>
+        <p:spPr>
+          <a:xfrm>
+            <a:off x="8908929" y="2519146"/>
+            <a:ext cx="1454223" cy="504602"/>
+          </a:xfrm>
+          <a:prstGeom prst="rect">
+            <a:avLst/>
+          </a:prstGeom>
+          <a:solidFill>
+            <a:schemeClr val="bg1"/>
+          </a:solidFill>
+          <a:ln w="25400">
+            <a:solidFill>
+              <a:schemeClr val="tx1"/>
+            </a:solidFill>
+          </a:ln>
+        </p:spPr>
+        <p:style>
+          <a:lnRef idx="2">
+            <a:schemeClr val="accent1">
+              <a:shade val="50000"/>
+            </a:schemeClr>
+          </a:lnRef>
+          <a:fillRef idx="1">
+            <a:schemeClr val="accent1"/>
+          </a:fillRef>
+          <a:effectRef idx="0">
+            <a:schemeClr val="accent1"/>
+          </a:effectRef>
+          <a:fontRef idx="minor">
+            <a:schemeClr val="lt1"/>
+          </a:fontRef>
+        </p:style>
+        <p:txBody>
+          <a:bodyPr rtlCol="0" anchor="ctr"/>
+          <a:lstStyle/>
+          <a:p>
+            <a:r>
+              <a:rPr kumimoji="1" lang="ko-KR" altLang="en-US" sz="900" dirty="0">
+                <a:solidFill>
+                  <a:sysClr val="windowText" lastClr="000000"/>
+                </a:solidFill>
+              </a:rPr>
+              <a:t>무덤 훼손</a:t>
+            </a:r>
+            <a:endParaRPr kumimoji="1" lang="en-US" altLang="ko-KR" sz="900" dirty="0">
+              <a:solidFill>
+                <a:sysClr val="windowText" lastClr="000000"/>
+              </a:solidFill>
+            </a:endParaRPr>
+          </a:p>
+          <a:p>
+            <a:r>
+              <a:rPr kumimoji="1" lang="ko-KR" altLang="en-US" sz="400" dirty="0">
+                <a:solidFill>
+                  <a:sysClr val="windowText" lastClr="000000"/>
+                </a:solidFill>
+              </a:rPr>
+              <a:t>마을의 무덤을 훼손시키고 있는 마물을 잡아라</a:t>
+            </a:r>
+            <a:r>
+              <a:rPr kumimoji="1" lang="en-US" altLang="ko-KR" sz="400" dirty="0">
+                <a:solidFill>
+                  <a:sysClr val="windowText" lastClr="000000"/>
+                </a:solidFill>
+              </a:rPr>
+              <a:t>(0</a:t>
+            </a:r>
+            <a:r>
+              <a:rPr kumimoji="1" lang="ko-KR" altLang="en-US" sz="400" dirty="0">
+                <a:solidFill>
+                  <a:sysClr val="windowText" lastClr="000000"/>
+                </a:solidFill>
+              </a:rPr>
+              <a:t> </a:t>
+            </a:r>
+            <a:r>
+              <a:rPr kumimoji="1" lang="en-US" altLang="ko-KR" sz="400" dirty="0">
+                <a:solidFill>
+                  <a:sysClr val="windowText" lastClr="000000"/>
+                </a:solidFill>
+              </a:rPr>
+              <a:t>/</a:t>
+            </a:r>
+            <a:r>
+              <a:rPr kumimoji="1" lang="ko-KR" altLang="en-US" sz="400" dirty="0">
+                <a:solidFill>
+                  <a:sysClr val="windowText" lastClr="000000"/>
+                </a:solidFill>
+              </a:rPr>
+              <a:t> </a:t>
+            </a:r>
+            <a:r>
+              <a:rPr kumimoji="1" lang="en-US" altLang="ko-KR" sz="400" dirty="0">
+                <a:solidFill>
+                  <a:sysClr val="windowText" lastClr="000000"/>
+                </a:solidFill>
+              </a:rPr>
+              <a:t>1)</a:t>
+            </a:r>
+            <a:endParaRPr kumimoji="1" lang="ko-KR" altLang="en-US" sz="900" dirty="0">
+              <a:solidFill>
+                <a:sysClr val="windowText" lastClr="000000"/>
+              </a:solidFill>
+            </a:endParaRPr>
+          </a:p>
+        </p:txBody>
+      </p:sp>
+      <p:sp>
+        <p:nvSpPr>
+          <p:cNvPr id="243" name="설명선 1[L] 242"/>
+          <p:cNvSpPr/>
+          <p:nvPr/>
+        </p:nvSpPr>
+        <p:spPr>
+          <a:xfrm>
+            <a:off x="7284510" y="5590220"/>
+            <a:ext cx="3078640" cy="622667"/>
+          </a:xfrm>
+          <a:prstGeom prst="borderCallout1">
+            <a:avLst>
+              <a:gd name="adj1" fmla="val -13516"/>
+              <a:gd name="adj2" fmla="val 81547"/>
+              <a:gd name="adj3" fmla="val -55672"/>
+              <a:gd name="adj4" fmla="val 70837"/>
+            </a:avLst>
+          </a:prstGeom>
+          <a:solidFill>
+            <a:schemeClr val="bg1"/>
+          </a:solidFill>
+          <a:ln w="38100">
+            <a:solidFill>
+              <a:srgbClr val="FF0000"/>
+            </a:solidFill>
+          </a:ln>
+        </p:spPr>
+        <p:style>
+          <a:lnRef idx="2">
+            <a:schemeClr val="accent1">
+              <a:shade val="50000"/>
+            </a:schemeClr>
+          </a:lnRef>
+          <a:fillRef idx="1">
+            <a:schemeClr val="accent1"/>
+          </a:fillRef>
+          <a:effectRef idx="0">
+            <a:schemeClr val="accent1"/>
+          </a:effectRef>
+          <a:fontRef idx="minor">
+            <a:schemeClr val="lt1"/>
+          </a:fontRef>
+        </p:style>
+        <p:txBody>
+          <a:bodyPr rtlCol="0" anchor="ctr"/>
+          <a:lstStyle/>
+          <a:p>
+            <a:pPr algn="ctr"/>
+            <a:r>
+              <a:rPr kumimoji="1" lang="ko-KR" altLang="en-US" sz="1100" b="1">
+                <a:solidFill>
+                  <a:sysClr val="windowText" lastClr="000000"/>
+                </a:solidFill>
+              </a:rPr>
+              <a:t>다른 유저가 </a:t>
+            </a:r>
+            <a:r>
+              <a:rPr kumimoji="1" lang="ko-KR" altLang="en-US" sz="1100" b="1" dirty="0">
+                <a:solidFill>
+                  <a:sysClr val="windowText" lastClr="000000"/>
+                </a:solidFill>
+              </a:rPr>
+              <a:t>시선을 끄는 동안 쌓인 발열을 모두 소모하여 </a:t>
+            </a:r>
+            <a:r>
+              <a:rPr kumimoji="1" lang="ko-KR" altLang="en-US" sz="1100" b="1">
+                <a:solidFill>
+                  <a:sysClr val="windowText" lastClr="000000"/>
+                </a:solidFill>
+              </a:rPr>
+              <a:t>강력한 공격 실행</a:t>
+            </a:r>
+            <a:endParaRPr kumimoji="1" lang="ko-KR" altLang="en-US" sz="1100" b="1" dirty="0">
+              <a:solidFill>
+                <a:sysClr val="windowText" lastClr="000000"/>
+              </a:solidFill>
+            </a:endParaRPr>
+          </a:p>
+        </p:txBody>
+      </p:sp>
+      <p:pic>
+        <p:nvPicPr>
+          <p:cNvPr id="244" name="그림 243"/>
+          <p:cNvPicPr>
+            <a:picLocks noChangeAspect="1"/>
+          </p:cNvPicPr>
+          <p:nvPr/>
+        </p:nvPicPr>
+        <p:blipFill>
+          <a:blip r:embed="rId4" cstate="email">
+            <a:extLst>
+              <a:ext uri="{BEBA8EAE-BF5A-486C-A8C5-ECC9F3942E4B}">
+                <a14:imgProps xmlns:a14="http://schemas.microsoft.com/office/drawing/2010/main">
+                  <a14:imgLayer r:embed="rId15">
+                    <a14:imgEffect>
+                      <a14:backgroundRemoval t="9744" b="89776" l="0" r="100000">
+                        <a14:foregroundMark x1="89457" y1="64377" x2="88978" y2="71725"/>
+                      </a14:backgroundRemoval>
+                    </a14:imgEffect>
+                  </a14:imgLayer>
+                </a14:imgProps>
+              </a:ext>
+              <a:ext uri="{28A0092B-C50C-407E-A947-70E740481C1C}">
+                <a14:useLocalDpi xmlns:a14="http://schemas.microsoft.com/office/drawing/2010/main"/>
+              </a:ext>
+            </a:extLst>
+          </a:blip>
+          <a:stretch>
+            <a:fillRect/>
+          </a:stretch>
+        </p:blipFill>
+        <p:spPr>
+          <a:xfrm rot="19034458">
+            <a:off x="4077641" y="4568270"/>
+            <a:ext cx="757011" cy="757011"/>
+          </a:xfrm>
+          <a:prstGeom prst="rect">
+            <a:avLst/>
+          </a:prstGeom>
+        </p:spPr>
+      </p:pic>
+      <p:pic>
+        <p:nvPicPr>
+          <p:cNvPr id="245" name="그림 244"/>
+          <p:cNvPicPr>
+            <a:picLocks noChangeAspect="1"/>
+          </p:cNvPicPr>
+          <p:nvPr/>
+        </p:nvPicPr>
+        <p:blipFill>
+          <a:blip r:embed="rId16" cstate="email">
+            <a:extLst>
+              <a:ext uri="{BEBA8EAE-BF5A-486C-A8C5-ECC9F3942E4B}">
+                <a14:imgProps xmlns:a14="http://schemas.microsoft.com/office/drawing/2010/main">
+                  <a14:imgLayer r:embed="rId17">
+                    <a14:imgEffect>
+                      <a14:backgroundRemoval t="1292" b="99096" l="1546" r="97423">
+                        <a14:foregroundMark x1="64605" y1="17571" x2="65120" y2="25452"/>
+                        <a14:foregroundMark x1="34536" y1="81525" x2="38832" y2="92636"/>
+                        <a14:backgroundMark x1="28351" y1="88372" x2="31271" y2="91602"/>
+                        <a14:backgroundMark x1="42612" y1="69121" x2="42268" y2="74806"/>
+                        <a14:backgroundMark x1="66495" y1="85917" x2="66495" y2="94444"/>
+                        <a14:backgroundMark x1="49313" y1="74806" x2="51718" y2="68734"/>
+                        <a14:backgroundMark x1="44158" y1="86951" x2="44158" y2="83333"/>
+                      </a14:backgroundRemoval>
+                    </a14:imgEffect>
+                  </a14:imgLayer>
+                </a14:imgProps>
+              </a:ext>
+              <a:ext uri="{28A0092B-C50C-407E-A947-70E740481C1C}">
+                <a14:useLocalDpi xmlns:a14="http://schemas.microsoft.com/office/drawing/2010/main"/>
+              </a:ext>
+            </a:extLst>
+          </a:blip>
+          <a:stretch>
+            <a:fillRect/>
+          </a:stretch>
+        </p:blipFill>
+        <p:spPr>
+          <a:xfrm>
+            <a:off x="4546585" y="3088649"/>
+            <a:ext cx="880136" cy="1170489"/>
+          </a:xfrm>
+          <a:prstGeom prst="rect">
+            <a:avLst/>
+          </a:prstGeom>
+        </p:spPr>
+      </p:pic>
+      <p:pic>
+        <p:nvPicPr>
+          <p:cNvPr id="246" name="그림 245"/>
+          <p:cNvPicPr>
+            <a:picLocks noChangeAspect="1"/>
+          </p:cNvPicPr>
+          <p:nvPr/>
+        </p:nvPicPr>
+        <p:blipFill>
+          <a:blip r:embed="rId18" cstate="email">
+            <a:extLst>
+              <a:ext uri="{28A0092B-C50C-407E-A947-70E740481C1C}">
+                <a14:useLocalDpi xmlns:a14="http://schemas.microsoft.com/office/drawing/2010/main"/>
+              </a:ext>
+            </a:extLst>
+          </a:blip>
+          <a:stretch>
+            <a:fillRect/>
+          </a:stretch>
+        </p:blipFill>
+        <p:spPr>
+          <a:xfrm rot="17503451">
+            <a:off x="4472514" y="4416074"/>
+            <a:ext cx="1819293" cy="404243"/>
+          </a:xfrm>
+          <a:prstGeom prst="rect">
+            <a:avLst/>
+          </a:prstGeom>
+        </p:spPr>
+      </p:pic>
+      <p:sp>
+        <p:nvSpPr>
+          <p:cNvPr id="247" name="설명선 1[L] 246"/>
+          <p:cNvSpPr/>
+          <p:nvPr/>
+        </p:nvSpPr>
+        <p:spPr>
+          <a:xfrm>
+            <a:off x="1954148" y="2774282"/>
+            <a:ext cx="2900065" cy="507852"/>
+          </a:xfrm>
+          <a:prstGeom prst="borderCallout1">
+            <a:avLst>
+              <a:gd name="adj1" fmla="val 118487"/>
+              <a:gd name="adj2" fmla="val 90728"/>
+              <a:gd name="adj3" fmla="val 138029"/>
+              <a:gd name="adj4" fmla="val 129249"/>
+            </a:avLst>
+          </a:prstGeom>
+          <a:solidFill>
+            <a:schemeClr val="bg1"/>
+          </a:solidFill>
+          <a:ln w="38100">
+            <a:solidFill>
+              <a:srgbClr val="FF0000"/>
+            </a:solidFill>
+          </a:ln>
+        </p:spPr>
+        <p:style>
+          <a:lnRef idx="2">
+            <a:schemeClr val="accent1">
+              <a:shade val="50000"/>
+            </a:schemeClr>
+          </a:lnRef>
+          <a:fillRef idx="1">
+            <a:schemeClr val="accent1"/>
+          </a:fillRef>
+          <a:effectRef idx="0">
+            <a:schemeClr val="accent1"/>
+          </a:effectRef>
+          <a:fontRef idx="minor">
+            <a:schemeClr val="lt1"/>
+          </a:fontRef>
+        </p:style>
+        <p:txBody>
+          <a:bodyPr rtlCol="0" anchor="ctr"/>
+          <a:lstStyle/>
+          <a:p>
+            <a:pPr algn="ctr"/>
+            <a:r>
+              <a:rPr kumimoji="1" lang="ko-KR" altLang="en-US" sz="1050" b="1" dirty="0">
+                <a:solidFill>
+                  <a:sysClr val="windowText" lastClr="000000"/>
+                </a:solidFill>
+              </a:rPr>
+              <a:t>아군이 위험에 처하자 빠르게 달려와</a:t>
+            </a:r>
+            <a:endParaRPr kumimoji="1" lang="en-US" altLang="ko-KR" sz="1050" b="1" dirty="0">
+              <a:solidFill>
+                <a:sysClr val="windowText" lastClr="000000"/>
+              </a:solidFill>
+            </a:endParaRPr>
+          </a:p>
+          <a:p>
+            <a:pPr algn="ctr"/>
+            <a:r>
+              <a:rPr kumimoji="1" lang="ko-KR" altLang="en-US" sz="1050" b="1" dirty="0">
+                <a:solidFill>
+                  <a:sysClr val="windowText" lastClr="000000"/>
+                </a:solidFill>
+              </a:rPr>
+              <a:t>적의 공격을 방어하고 발열을 획득</a:t>
+            </a:r>
+          </a:p>
+        </p:txBody>
+      </p:sp>
+      <p:sp>
+        <p:nvSpPr>
+          <p:cNvPr id="248" name="설명선 1[L] 247"/>
+          <p:cNvSpPr/>
+          <p:nvPr/>
+        </p:nvSpPr>
+        <p:spPr>
+          <a:xfrm>
+            <a:off x="7294074" y="1863426"/>
+            <a:ext cx="3055265" cy="559142"/>
+          </a:xfrm>
+          <a:prstGeom prst="borderCallout1">
+            <a:avLst>
+              <a:gd name="adj1" fmla="val 121371"/>
+              <a:gd name="adj2" fmla="val 25145"/>
+              <a:gd name="adj3" fmla="val 177025"/>
+              <a:gd name="adj4" fmla="val 3917"/>
+            </a:avLst>
+          </a:prstGeom>
+          <a:solidFill>
+            <a:schemeClr val="bg1"/>
+          </a:solidFill>
+          <a:ln w="38100">
+            <a:solidFill>
+              <a:srgbClr val="FF0000"/>
+            </a:solidFill>
+          </a:ln>
+        </p:spPr>
+        <p:style>
+          <a:lnRef idx="2">
+            <a:schemeClr val="accent1">
+              <a:shade val="50000"/>
+            </a:schemeClr>
+          </a:lnRef>
+          <a:fillRef idx="1">
+            <a:schemeClr val="accent1"/>
+          </a:fillRef>
+          <a:effectRef idx="0">
+            <a:schemeClr val="accent1"/>
+          </a:effectRef>
+          <a:fontRef idx="minor">
+            <a:schemeClr val="lt1"/>
+          </a:fontRef>
+        </p:style>
+        <p:txBody>
+          <a:bodyPr rtlCol="0" anchor="ctr"/>
+          <a:lstStyle/>
+          <a:p>
+            <a:pPr algn="ctr"/>
+            <a:r>
+              <a:rPr kumimoji="1" lang="ko-KR" altLang="en-US" sz="1100" b="1" dirty="0">
+                <a:solidFill>
+                  <a:sysClr val="windowText" lastClr="000000"/>
+                </a:solidFill>
+              </a:rPr>
+              <a:t>보스의 높은 방어력으로 일정 발열</a:t>
+            </a:r>
+            <a:endParaRPr kumimoji="1" lang="en-US" altLang="ko-KR" sz="1100" b="1" dirty="0">
+              <a:solidFill>
+                <a:sysClr val="windowText" lastClr="000000"/>
+              </a:solidFill>
+            </a:endParaRPr>
+          </a:p>
+          <a:p>
+            <a:pPr algn="ctr"/>
+            <a:r>
+              <a:rPr kumimoji="1" lang="ko-KR" altLang="en-US" sz="1100" b="1" dirty="0">
+                <a:solidFill>
+                  <a:sysClr val="windowText" lastClr="000000"/>
+                </a:solidFill>
+              </a:rPr>
+              <a:t>이하의 공격은 효과를 발휘하지 못함</a:t>
+            </a:r>
+          </a:p>
+        </p:txBody>
+      </p:sp>
     </p:spTree>
     <p:extLst>
       <p:ext uri="{BB962C8B-B14F-4D97-AF65-F5344CB8AC3E}">

--- a/documents/노루막이_김형준_신창섭_홍승필_허지훈.pptx
+++ b/documents/노루막이_김형준_신창섭_홍승필_허지훈.pptx
@@ -5359,64 +5359,13 @@
       </p:sp>
       <p:sp>
         <p:nvSpPr>
-          <p:cNvPr id="20" name="모서리가 둥근 직사각형 19"/>
-          <p:cNvSpPr/>
-          <p:nvPr/>
-        </p:nvSpPr>
-        <p:spPr>
-          <a:xfrm>
-            <a:off x="0" y="2792023"/>
-            <a:ext cx="1914525" cy="514350"/>
-          </a:xfrm>
-          <a:prstGeom prst="roundRect">
-            <a:avLst/>
-          </a:prstGeom>
-          <a:solidFill>
-            <a:srgbClr val="00B0F0"/>
-          </a:solidFill>
-          <a:ln w="38100">
-            <a:solidFill>
-              <a:schemeClr val="tx1"/>
-            </a:solidFill>
-          </a:ln>
-        </p:spPr>
-        <p:style>
-          <a:lnRef idx="2">
-            <a:schemeClr val="accent1">
-              <a:shade val="50000"/>
-            </a:schemeClr>
-          </a:lnRef>
-          <a:fillRef idx="1">
-            <a:schemeClr val="accent1"/>
-          </a:fillRef>
-          <a:effectRef idx="0">
-            <a:schemeClr val="accent1"/>
-          </a:effectRef>
-          <a:fontRef idx="minor">
-            <a:schemeClr val="lt1"/>
-          </a:fontRef>
-        </p:style>
-        <p:txBody>
-          <a:bodyPr rtlCol="0" anchor="ctr"/>
-          <a:lstStyle/>
-          <a:p>
-            <a:pPr algn="ctr"/>
-            <a:r>
-              <a:rPr kumimoji="1" lang="ko-KR" altLang="en-US" dirty="0"/>
-              <a:t>스킬 조작부</a:t>
-            </a:r>
-          </a:p>
-        </p:txBody>
-      </p:sp>
-      <p:sp>
-        <p:nvSpPr>
           <p:cNvPr id="21" name="모서리가 둥근 직사각형 20"/>
           <p:cNvSpPr/>
           <p:nvPr/>
         </p:nvSpPr>
         <p:spPr>
           <a:xfrm>
-            <a:off x="3072453" y="2623834"/>
+            <a:off x="3840595" y="3358694"/>
             <a:ext cx="1914525" cy="514350"/>
           </a:xfrm>
           <a:prstGeom prst="roundRect">
@@ -5633,14 +5582,15 @@
         <p:nvCxnSpPr>
           <p:cNvPr id="11" name="직선 연결선[R] 10"/>
           <p:cNvCxnSpPr>
-            <a:endCxn id="21" idx="2"/>
+            <a:stCxn id="10" idx="3"/>
+            <a:endCxn id="21" idx="1"/>
           </p:cNvCxnSpPr>
           <p:nvPr/>
         </p:nvCxnSpPr>
         <p:spPr>
-          <a:xfrm flipV="1">
-            <a:off x="2741612" y="3138184"/>
-            <a:ext cx="1288104" cy="474446"/>
+          <a:xfrm>
+            <a:off x="2741612" y="3615286"/>
+            <a:ext cx="1098983" cy="583"/>
           </a:xfrm>
           <a:prstGeom prst="line">
             <a:avLst/>
@@ -5802,6 +5752,195 @@
           <a:ln w="38100">
             <a:solidFill>
               <a:schemeClr val="accent6"/>
+            </a:solidFill>
+          </a:ln>
+        </p:spPr>
+        <p:style>
+          <a:lnRef idx="1">
+            <a:schemeClr val="accent1"/>
+          </a:lnRef>
+          <a:fillRef idx="0">
+            <a:schemeClr val="accent1"/>
+          </a:fillRef>
+          <a:effectRef idx="0">
+            <a:schemeClr val="accent1"/>
+          </a:effectRef>
+          <a:fontRef idx="minor">
+            <a:schemeClr val="tx1"/>
+          </a:fontRef>
+        </p:style>
+      </p:cxnSp>
+      <p:sp>
+        <p:nvSpPr>
+          <p:cNvPr id="23" name="모서리가 둥근 직사각형 22"/>
+          <p:cNvSpPr/>
+          <p:nvPr/>
+        </p:nvSpPr>
+        <p:spPr>
+          <a:xfrm>
+            <a:off x="3430117" y="2230437"/>
+            <a:ext cx="1914525" cy="514350"/>
+          </a:xfrm>
+          <a:prstGeom prst="roundRect">
+            <a:avLst/>
+          </a:prstGeom>
+          <a:solidFill>
+            <a:srgbClr val="FFC000"/>
+          </a:solidFill>
+          <a:ln w="38100">
+            <a:solidFill>
+              <a:schemeClr val="tx1"/>
+            </a:solidFill>
+          </a:ln>
+        </p:spPr>
+        <p:style>
+          <a:lnRef idx="2">
+            <a:schemeClr val="accent1">
+              <a:shade val="50000"/>
+            </a:schemeClr>
+          </a:lnRef>
+          <a:fillRef idx="1">
+            <a:schemeClr val="accent1"/>
+          </a:fillRef>
+          <a:effectRef idx="0">
+            <a:schemeClr val="accent1"/>
+          </a:effectRef>
+          <a:fontRef idx="minor">
+            <a:schemeClr val="lt1"/>
+          </a:fontRef>
+        </p:style>
+        <p:txBody>
+          <a:bodyPr rtlCol="0" anchor="ctr"/>
+          <a:lstStyle/>
+          <a:p>
+            <a:pPr algn="ctr"/>
+            <a:r>
+              <a:rPr kumimoji="1" lang="ko-KR" altLang="en-US" smtClean="0"/>
+              <a:t>아이템 사용부</a:t>
+            </a:r>
+            <a:endParaRPr kumimoji="1" lang="ko-KR" altLang="en-US" dirty="0"/>
+          </a:p>
+        </p:txBody>
+      </p:sp>
+      <p:sp>
+        <p:nvSpPr>
+          <p:cNvPr id="26" name="직사각형 25"/>
+          <p:cNvSpPr/>
+          <p:nvPr/>
+        </p:nvSpPr>
+        <p:spPr>
+          <a:xfrm>
+            <a:off x="1099546" y="2886426"/>
+            <a:ext cx="2360828" cy="513183"/>
+          </a:xfrm>
+          <a:prstGeom prst="rect">
+            <a:avLst/>
+          </a:prstGeom>
+          <a:solidFill>
+            <a:schemeClr val="accent4">
+              <a:alpha val="44000"/>
+            </a:schemeClr>
+          </a:solidFill>
+          <a:ln>
+            <a:noFill/>
+          </a:ln>
+        </p:spPr>
+        <p:style>
+          <a:lnRef idx="2">
+            <a:schemeClr val="accent1">
+              <a:shade val="50000"/>
+            </a:schemeClr>
+          </a:lnRef>
+          <a:fillRef idx="1">
+            <a:schemeClr val="accent1"/>
+          </a:fillRef>
+          <a:effectRef idx="0">
+            <a:schemeClr val="accent1"/>
+          </a:effectRef>
+          <a:fontRef idx="minor">
+            <a:schemeClr val="lt1"/>
+          </a:fontRef>
+        </p:style>
+        <p:txBody>
+          <a:bodyPr rtlCol="0" anchor="ctr"/>
+          <a:lstStyle/>
+          <a:p>
+            <a:pPr algn="ctr"/>
+            <a:endParaRPr kumimoji="1" lang="ko-KR" altLang="en-US"/>
+          </a:p>
+        </p:txBody>
+      </p:sp>
+      <p:sp>
+        <p:nvSpPr>
+          <p:cNvPr id="20" name="모서리가 둥근 직사각형 19"/>
+          <p:cNvSpPr/>
+          <p:nvPr/>
+        </p:nvSpPr>
+        <p:spPr>
+          <a:xfrm>
+            <a:off x="0" y="2792023"/>
+            <a:ext cx="1914525" cy="514350"/>
+          </a:xfrm>
+          <a:prstGeom prst="roundRect">
+            <a:avLst/>
+          </a:prstGeom>
+          <a:solidFill>
+            <a:srgbClr val="00B0F0"/>
+          </a:solidFill>
+          <a:ln w="38100">
+            <a:solidFill>
+              <a:schemeClr val="tx1"/>
+            </a:solidFill>
+          </a:ln>
+        </p:spPr>
+        <p:style>
+          <a:lnRef idx="2">
+            <a:schemeClr val="accent1">
+              <a:shade val="50000"/>
+            </a:schemeClr>
+          </a:lnRef>
+          <a:fillRef idx="1">
+            <a:schemeClr val="accent1"/>
+          </a:fillRef>
+          <a:effectRef idx="0">
+            <a:schemeClr val="accent1"/>
+          </a:effectRef>
+          <a:fontRef idx="minor">
+            <a:schemeClr val="lt1"/>
+          </a:fontRef>
+        </p:style>
+        <p:txBody>
+          <a:bodyPr rtlCol="0" anchor="ctr"/>
+          <a:lstStyle/>
+          <a:p>
+            <a:pPr algn="ctr"/>
+            <a:r>
+              <a:rPr kumimoji="1" lang="ko-KR" altLang="en-US" dirty="0"/>
+              <a:t>스킬 조작부</a:t>
+            </a:r>
+          </a:p>
+        </p:txBody>
+      </p:sp>
+      <p:cxnSp>
+        <p:nvCxnSpPr>
+          <p:cNvPr id="28" name="직선 연결선[R] 27"/>
+          <p:cNvCxnSpPr>
+            <a:stCxn id="26" idx="0"/>
+            <a:endCxn id="23" idx="1"/>
+          </p:cNvCxnSpPr>
+          <p:nvPr/>
+        </p:nvCxnSpPr>
+        <p:spPr>
+          <a:xfrm flipV="1">
+            <a:off x="2279960" y="2487612"/>
+            <a:ext cx="1150157" cy="398814"/>
+          </a:xfrm>
+          <a:prstGeom prst="line">
+            <a:avLst/>
+          </a:prstGeom>
+          <a:ln w="38100">
+            <a:solidFill>
+              <a:schemeClr val="accent4"/>
             </a:solidFill>
           </a:ln>
         </p:spPr>

--- a/documents/노루막이_김형준_신창섭_홍승필_허지훈.pptx
+++ b/documents/노루막이_김형준_신창섭_홍승필_허지훈.pptx
@@ -5982,109 +5982,6 @@
           </a:p>
         </p:txBody>
       </p:sp>
-      <p:sp>
-        <p:nvSpPr>
-          <p:cNvPr id="13" name="직사각형 12"/>
-          <p:cNvSpPr/>
-          <p:nvPr/>
-        </p:nvSpPr>
-        <p:spPr>
-          <a:xfrm>
-            <a:off x="1605362" y="4335971"/>
-            <a:ext cx="1467091" cy="513183"/>
-          </a:xfrm>
-          <a:prstGeom prst="rect">
-            <a:avLst/>
-          </a:prstGeom>
-          <a:solidFill>
-            <a:schemeClr val="bg1">
-              <a:lumMod val="50000"/>
-              <a:alpha val="44000"/>
-            </a:schemeClr>
-          </a:solidFill>
-          <a:ln>
-            <a:noFill/>
-          </a:ln>
-        </p:spPr>
-        <p:style>
-          <a:lnRef idx="2">
-            <a:schemeClr val="accent1">
-              <a:shade val="50000"/>
-            </a:schemeClr>
-          </a:lnRef>
-          <a:fillRef idx="1">
-            <a:schemeClr val="accent1"/>
-          </a:fillRef>
-          <a:effectRef idx="0">
-            <a:schemeClr val="accent1"/>
-          </a:effectRef>
-          <a:fontRef idx="minor">
-            <a:schemeClr val="lt1"/>
-          </a:fontRef>
-        </p:style>
-        <p:txBody>
-          <a:bodyPr rtlCol="0" anchor="ctr"/>
-          <a:lstStyle/>
-          <a:p>
-            <a:pPr algn="ctr"/>
-            <a:endParaRPr kumimoji="1" lang="ko-KR" altLang="en-US"/>
-          </a:p>
-        </p:txBody>
-      </p:sp>
-      <p:sp>
-        <p:nvSpPr>
-          <p:cNvPr id="14" name="모서리가 둥근 직사각형 13"/>
-          <p:cNvSpPr/>
-          <p:nvPr/>
-        </p:nvSpPr>
-        <p:spPr>
-          <a:xfrm>
-            <a:off x="3951602" y="5598041"/>
-            <a:ext cx="1914525" cy="758440"/>
-          </a:xfrm>
-          <a:prstGeom prst="roundRect">
-            <a:avLst/>
-          </a:prstGeom>
-          <a:solidFill>
-            <a:schemeClr val="bg1">
-              <a:lumMod val="50000"/>
-            </a:schemeClr>
-          </a:solidFill>
-          <a:ln w="38100">
-            <a:solidFill>
-              <a:schemeClr val="tx1"/>
-            </a:solidFill>
-          </a:ln>
-        </p:spPr>
-        <p:style>
-          <a:lnRef idx="2">
-            <a:schemeClr val="accent1">
-              <a:shade val="50000"/>
-            </a:schemeClr>
-          </a:lnRef>
-          <a:fillRef idx="1">
-            <a:schemeClr val="accent1"/>
-          </a:fillRef>
-          <a:effectRef idx="0">
-            <a:schemeClr val="accent1"/>
-          </a:effectRef>
-          <a:fontRef idx="minor">
-            <a:schemeClr val="lt1"/>
-          </a:fontRef>
-        </p:style>
-        <p:txBody>
-          <a:bodyPr rtlCol="0" anchor="ctr"/>
-          <a:lstStyle/>
-          <a:p>
-            <a:pPr algn="ctr"/>
-            <a:r>
-              <a:rPr kumimoji="1" lang="ko-KR" altLang="en-US" dirty="0" smtClean="0"/>
-              <a:t>카메라 조작부</a:t>
-            </a:r>
-            <a:endParaRPr kumimoji="1" lang="ko-KR" altLang="en-US" dirty="0"/>
-          </a:p>
-        </p:txBody>
-      </p:sp>
       <p:cxnSp>
         <p:nvCxnSpPr>
           <p:cNvPr id="11" name="직선 연결선[R] 10"/>
@@ -6181,46 +6078,6 @@
           <a:ln w="38100">
             <a:solidFill>
               <a:schemeClr val="accent2"/>
-            </a:solidFill>
-          </a:ln>
-        </p:spPr>
-        <p:style>
-          <a:lnRef idx="1">
-            <a:schemeClr val="accent1"/>
-          </a:lnRef>
-          <a:fillRef idx="0">
-            <a:schemeClr val="accent1"/>
-          </a:fillRef>
-          <a:effectRef idx="0">
-            <a:schemeClr val="accent1"/>
-          </a:effectRef>
-          <a:fontRef idx="minor">
-            <a:schemeClr val="tx1"/>
-          </a:fontRef>
-        </p:style>
-      </p:cxnSp>
-      <p:cxnSp>
-        <p:nvCxnSpPr>
-          <p:cNvPr id="25" name="직선 연결선[R] 24"/>
-          <p:cNvCxnSpPr>
-            <a:stCxn id="14" idx="0"/>
-            <a:endCxn id="13" idx="3"/>
-          </p:cNvCxnSpPr>
-          <p:nvPr/>
-        </p:nvCxnSpPr>
-        <p:spPr>
-          <a:xfrm flipH="1" flipV="1">
-            <a:off x="3072453" y="4592563"/>
-            <a:ext cx="1836412" cy="1005478"/>
-          </a:xfrm>
-          <a:prstGeom prst="line">
-            <a:avLst/>
-          </a:prstGeom>
-          <a:ln w="38100">
-            <a:solidFill>
-              <a:schemeClr val="bg1">
-                <a:lumMod val="50000"/>
-              </a:schemeClr>
             </a:solidFill>
           </a:ln>
         </p:spPr>
@@ -8250,23 +8107,7 @@
                   <a:schemeClr val="tx1"/>
                 </a:solidFill>
               </a:rPr>
-              <a:t> 회전 가능한 </a:t>
-            </a:r>
-            <a:r>
-              <a:rPr kumimoji="1" lang="en-US" altLang="ko-KR" sz="2000" dirty="0" smtClean="0">
-                <a:solidFill>
-                  <a:schemeClr val="tx1"/>
-                </a:solidFill>
-              </a:rPr>
-              <a:t>3D</a:t>
-            </a:r>
-            <a:r>
-              <a:rPr kumimoji="1" lang="ko-KR" altLang="en-US" sz="2000" dirty="0" smtClean="0">
-                <a:solidFill>
-                  <a:schemeClr val="tx1"/>
-                </a:solidFill>
-              </a:rPr>
-              <a:t> 쿼터뷰 카메라</a:t>
+              <a:t> 고정 쿼터뷰 카메라 진행방식</a:t>
             </a:r>
             <a:endParaRPr kumimoji="1" lang="en-US" altLang="ko-KR" sz="2000" dirty="0" smtClean="0">
               <a:solidFill>
@@ -33598,11 +33439,7 @@
             </a:r>
             <a:r>
               <a:rPr kumimoji="1" lang="en-US" altLang="ko-KR" sz="2800" dirty="0" smtClean="0"/>
-              <a:t>O</a:t>
-            </a:r>
-            <a:r>
-              <a:rPr kumimoji="1" lang="en-US" altLang="ko-KR" sz="2800" dirty="0" smtClean="0"/>
-              <a:t>S</a:t>
+              <a:t>OS</a:t>
             </a:r>
             <a:r>
               <a:rPr kumimoji="1" lang="ko-KR" altLang="en-US" sz="2800" dirty="0" smtClean="0"/>

--- a/documents/노루막이_김형준_신창섭_홍승필_허지훈.pptx
+++ b/documents/노루막이_김형준_신창섭_홍승필_허지훈.pptx
@@ -262,7 +262,7 @@
           <a:p>
             <a:fld id="{C0784820-E37F-9245-812A-8C2941EBBF6C}" type="datetimeFigureOut">
               <a:rPr kumimoji="1" lang="ko-KR" altLang="en-US" smtClean="0"/>
-              <a:t>2016. 12. 19.</a:t>
+              <a:t>2016-12-19</a:t>
             </a:fld>
             <a:endParaRPr kumimoji="1" lang="ko-KR" altLang="en-US"/>
           </a:p>
@@ -427,7 +427,7 @@
           <a:p>
             <a:fld id="{ABD44343-005F-DA4E-8CE2-D84E76ABEFED}" type="datetimeFigureOut">
               <a:rPr kumimoji="1" lang="ko-KR" altLang="en-US" smtClean="0"/>
-              <a:t>2016. 12. 19.</a:t>
+              <a:t>2016-12-19</a:t>
             </a:fld>
             <a:endParaRPr kumimoji="1" lang="ko-KR" altLang="en-US"/>
           </a:p>
@@ -1355,7 +1355,7 @@
           <a:p>
             <a:fld id="{9A7BEA77-FCFD-E34F-8955-12C1E82451E3}" type="datetimeFigureOut">
               <a:rPr kumimoji="1" lang="ko-KR" altLang="en-US" smtClean="0"/>
-              <a:t>2016. 12. 19.</a:t>
+              <a:t>2016-12-19</a:t>
             </a:fld>
             <a:endParaRPr kumimoji="1" lang="ko-KR" altLang="en-US"/>
           </a:p>
@@ -1523,7 +1523,7 @@
           <a:p>
             <a:fld id="{9A7BEA77-FCFD-E34F-8955-12C1E82451E3}" type="datetimeFigureOut">
               <a:rPr kumimoji="1" lang="ko-KR" altLang="en-US" smtClean="0"/>
-              <a:t>2016. 12. 19.</a:t>
+              <a:t>2016-12-19</a:t>
             </a:fld>
             <a:endParaRPr kumimoji="1" lang="ko-KR" altLang="en-US"/>
           </a:p>
@@ -1701,7 +1701,7 @@
           <a:p>
             <a:fld id="{9A7BEA77-FCFD-E34F-8955-12C1E82451E3}" type="datetimeFigureOut">
               <a:rPr kumimoji="1" lang="ko-KR" altLang="en-US" smtClean="0"/>
-              <a:t>2016. 12. 19.</a:t>
+              <a:t>2016-12-19</a:t>
             </a:fld>
             <a:endParaRPr kumimoji="1" lang="ko-KR" altLang="en-US"/>
           </a:p>
@@ -1869,7 +1869,7 @@
           <a:p>
             <a:fld id="{9A7BEA77-FCFD-E34F-8955-12C1E82451E3}" type="datetimeFigureOut">
               <a:rPr kumimoji="1" lang="ko-KR" altLang="en-US" smtClean="0"/>
-              <a:t>2016. 12. 19.</a:t>
+              <a:t>2016-12-19</a:t>
             </a:fld>
             <a:endParaRPr kumimoji="1" lang="ko-KR" altLang="en-US"/>
           </a:p>
@@ -2114,7 +2114,7 @@
           <a:p>
             <a:fld id="{9A7BEA77-FCFD-E34F-8955-12C1E82451E3}" type="datetimeFigureOut">
               <a:rPr kumimoji="1" lang="ko-KR" altLang="en-US" smtClean="0"/>
-              <a:t>2016. 12. 19.</a:t>
+              <a:t>2016-12-19</a:t>
             </a:fld>
             <a:endParaRPr kumimoji="1" lang="ko-KR" altLang="en-US"/>
           </a:p>
@@ -2343,7 +2343,7 @@
           <a:p>
             <a:fld id="{9A7BEA77-FCFD-E34F-8955-12C1E82451E3}" type="datetimeFigureOut">
               <a:rPr kumimoji="1" lang="ko-KR" altLang="en-US" smtClean="0"/>
-              <a:t>2016. 12. 19.</a:t>
+              <a:t>2016-12-19</a:t>
             </a:fld>
             <a:endParaRPr kumimoji="1" lang="ko-KR" altLang="en-US"/>
           </a:p>
@@ -2707,7 +2707,7 @@
           <a:p>
             <a:fld id="{9A7BEA77-FCFD-E34F-8955-12C1E82451E3}" type="datetimeFigureOut">
               <a:rPr kumimoji="1" lang="ko-KR" altLang="en-US" smtClean="0"/>
-              <a:t>2016. 12. 19.</a:t>
+              <a:t>2016-12-19</a:t>
             </a:fld>
             <a:endParaRPr kumimoji="1" lang="ko-KR" altLang="en-US"/>
           </a:p>
@@ -2824,7 +2824,7 @@
           <a:p>
             <a:fld id="{9A7BEA77-FCFD-E34F-8955-12C1E82451E3}" type="datetimeFigureOut">
               <a:rPr kumimoji="1" lang="ko-KR" altLang="en-US" smtClean="0"/>
-              <a:t>2016. 12. 19.</a:t>
+              <a:t>2016-12-19</a:t>
             </a:fld>
             <a:endParaRPr kumimoji="1" lang="ko-KR" altLang="en-US"/>
           </a:p>
@@ -2919,7 +2919,7 @@
           <a:p>
             <a:fld id="{9A7BEA77-FCFD-E34F-8955-12C1E82451E3}" type="datetimeFigureOut">
               <a:rPr kumimoji="1" lang="ko-KR" altLang="en-US" smtClean="0"/>
-              <a:t>2016. 12. 19.</a:t>
+              <a:t>2016-12-19</a:t>
             </a:fld>
             <a:endParaRPr kumimoji="1" lang="ko-KR" altLang="en-US"/>
           </a:p>
@@ -3194,7 +3194,7 @@
           <a:p>
             <a:fld id="{9A7BEA77-FCFD-E34F-8955-12C1E82451E3}" type="datetimeFigureOut">
               <a:rPr kumimoji="1" lang="ko-KR" altLang="en-US" smtClean="0"/>
-              <a:t>2016. 12. 19.</a:t>
+              <a:t>2016-12-19</a:t>
             </a:fld>
             <a:endParaRPr kumimoji="1" lang="ko-KR" altLang="en-US"/>
           </a:p>
@@ -3446,7 +3446,7 @@
           <a:p>
             <a:fld id="{9A7BEA77-FCFD-E34F-8955-12C1E82451E3}" type="datetimeFigureOut">
               <a:rPr kumimoji="1" lang="ko-KR" altLang="en-US" smtClean="0"/>
-              <a:t>2016. 12. 19.</a:t>
+              <a:t>2016-12-19</a:t>
             </a:fld>
             <a:endParaRPr kumimoji="1" lang="ko-KR" altLang="en-US"/>
           </a:p>
@@ -3657,7 +3657,7 @@
           <a:p>
             <a:fld id="{9A7BEA77-FCFD-E34F-8955-12C1E82451E3}" type="datetimeFigureOut">
               <a:rPr kumimoji="1" lang="ko-KR" altLang="en-US" smtClean="0"/>
-              <a:t>2016. 12. 19.</a:t>
+              <a:t>2016-12-19</a:t>
             </a:fld>
             <a:endParaRPr kumimoji="1" lang="ko-KR" altLang="en-US"/>
           </a:p>
@@ -4916,13 +4916,6 @@
   <p:clrMapOvr>
     <a:masterClrMapping/>
   </p:clrMapOvr>
-  <p:timing>
-    <p:tnLst>
-      <p:par>
-        <p:cTn id="1" dur="indefinite" restart="never" nodeType="tmRoot"/>
-      </p:par>
-    </p:tnLst>
-  </p:timing>
 </p:sld>
 </file>
 
@@ -5203,11 +5196,7 @@
             </a:r>
             <a:r>
               <a:rPr kumimoji="1" lang="ko-KR" altLang="en-US" sz="2800"/>
-              <a:t>한 </a:t>
-            </a:r>
-            <a:r>
-              <a:rPr kumimoji="1" lang="ko-KR" altLang="en-US" sz="2800" smtClean="0"/>
-              <a:t>동화적인 그래픽</a:t>
+              <a:t>한 동화적인 그래픽</a:t>
             </a:r>
             <a:endParaRPr kumimoji="1" lang="mr-IN" altLang="ko-KR" sz="2800" dirty="0"/>
           </a:p>
@@ -6078,10 +6067,9 @@
           <a:p>
             <a:pPr algn="ctr"/>
             <a:r>
-              <a:rPr kumimoji="1" lang="ko-KR" altLang="en-US" dirty="0" smtClean="0"/>
+              <a:rPr kumimoji="1" lang="ko-KR" altLang="en-US" dirty="0"/>
               <a:t>카메라 조작부</a:t>
             </a:r>
-            <a:endParaRPr kumimoji="1" lang="ko-KR" altLang="en-US" dirty="0"/>
           </a:p>
         </p:txBody>
       </p:sp>
@@ -6322,7 +6310,7 @@
           <a:p>
             <a:pPr algn="ctr"/>
             <a:r>
-              <a:rPr kumimoji="1" lang="ko-KR" altLang="en-US" smtClean="0"/>
+              <a:rPr kumimoji="1" lang="ko-KR" altLang="en-US"/>
               <a:t>아이템 사용부</a:t>
             </a:r>
             <a:endParaRPr kumimoji="1" lang="ko-KR" altLang="en-US" dirty="0"/>
@@ -6476,13 +6464,6 @@
   <p:clrMapOvr>
     <a:masterClrMapping/>
   </p:clrMapOvr>
-  <p:timing>
-    <p:tnLst>
-      <p:par>
-        <p:cTn id="1" dur="indefinite" restart="never" nodeType="tmRoot"/>
-      </p:par>
-    </p:tnLst>
-  </p:timing>
 </p:sld>
 </file>
 
@@ -7611,13 +7592,6 @@
   <p:clrMapOvr>
     <a:masterClrMapping/>
   </p:clrMapOvr>
-  <p:timing>
-    <p:tnLst>
-      <p:par>
-        <p:cTn id="1" dur="indefinite" restart="never" nodeType="tmRoot"/>
-      </p:par>
-    </p:tnLst>
-  </p:timing>
 </p:sld>
 </file>
 
@@ -7831,14 +7805,14 @@
               </a:lnSpc>
             </a:pPr>
             <a:r>
-              <a:rPr kumimoji="1" lang="ko-KR" altLang="en-US" sz="1600" b="1" dirty="0" smtClean="0">
+              <a:rPr kumimoji="1" lang="ko-KR" altLang="en-US" sz="1600" b="1" dirty="0">
                 <a:solidFill>
                   <a:srgbClr val="00B0F0"/>
                 </a:solidFill>
               </a:rPr>
               <a:t>키보드 조작 기반 논타겟 게임 진행</a:t>
             </a:r>
-            <a:endParaRPr kumimoji="1" lang="en-US" altLang="ko-KR" sz="1600" b="1" dirty="0" smtClean="0">
+            <a:endParaRPr kumimoji="1" lang="en-US" altLang="ko-KR" sz="1600" b="1" dirty="0">
               <a:solidFill>
                 <a:srgbClr val="00B0F0"/>
               </a:solidFill>
@@ -7851,20 +7825,12 @@
               </a:lnSpc>
             </a:pPr>
             <a:r>
-              <a:rPr kumimoji="1" lang="ko-KR" altLang="en-US" sz="1600" b="1" dirty="0" smtClean="0">
+              <a:rPr kumimoji="1" lang="ko-KR" altLang="en-US" sz="1600" b="1" dirty="0">
                 <a:solidFill>
                   <a:srgbClr val="00B0F0"/>
                 </a:solidFill>
               </a:rPr>
-              <a:t>제자리 </a:t>
-            </a:r>
-            <a:r>
-              <a:rPr kumimoji="1" lang="ko-KR" altLang="en-US" sz="1600" b="1" dirty="0">
-                <a:solidFill>
-                  <a:srgbClr val="00B0F0"/>
-                </a:solidFill>
-              </a:rPr>
-              <a:t>칼춤을 벗어난 동적인 전투</a:t>
+              <a:t>제자리 칼춤을 벗어난 동적인 전투</a:t>
             </a:r>
             <a:endParaRPr kumimoji="1" lang="en-US" altLang="ko-KR" sz="1600" b="1" dirty="0">
               <a:solidFill>
@@ -7879,20 +7845,12 @@
               </a:lnSpc>
             </a:pPr>
             <a:r>
-              <a:rPr kumimoji="1" lang="ko-KR" altLang="en-US" sz="1600" b="1" dirty="0" smtClean="0">
+              <a:rPr kumimoji="1" lang="ko-KR" altLang="en-US" sz="1600" b="1" dirty="0">
                 <a:solidFill>
                   <a:srgbClr val="00B0F0"/>
                 </a:solidFill>
               </a:rPr>
-              <a:t>보스와의 정교한 패턴 </a:t>
-            </a:r>
-            <a:r>
-              <a:rPr kumimoji="1" lang="ko-KR" altLang="en-US" sz="1600" b="1" dirty="0">
-                <a:solidFill>
-                  <a:srgbClr val="00B0F0"/>
-                </a:solidFill>
-              </a:rPr>
-              <a:t>전투</a:t>
+              <a:t>보스와의 정교한 패턴 전투</a:t>
             </a:r>
             <a:endParaRPr kumimoji="1" lang="en-US" altLang="ko-KR" sz="1600" b="1" dirty="0">
               <a:solidFill>
@@ -7951,15 +7909,15 @@
           <a:p>
             <a:pPr algn="ctr"/>
             <a:r>
-              <a:rPr kumimoji="1" lang="ko-KR" altLang="en-US" sz="2000" dirty="0" smtClean="0"/>
+              <a:rPr kumimoji="1" lang="ko-KR" altLang="en-US" sz="2000" dirty="0"/>
               <a:t>트리 오브</a:t>
             </a:r>
-            <a:endParaRPr kumimoji="1" lang="en-US" altLang="ko-KR" sz="2000" dirty="0" smtClean="0"/>
+            <a:endParaRPr kumimoji="1" lang="en-US" altLang="ko-KR" sz="2000" dirty="0"/>
           </a:p>
           <a:p>
             <a:pPr algn="ctr"/>
             <a:r>
-              <a:rPr kumimoji="1" lang="ko-KR" altLang="en-US" sz="2000" dirty="0" smtClean="0"/>
+              <a:rPr kumimoji="1" lang="ko-KR" altLang="en-US" sz="2000" dirty="0"/>
               <a:t>세이비어</a:t>
             </a:r>
             <a:endParaRPr kumimoji="1" lang="en-US" altLang="ko-KR" sz="2000" dirty="0"/>
@@ -8028,23 +7986,7 @@
                   <a:srgbClr val="00B0F0"/>
                 </a:solidFill>
               </a:rPr>
-              <a:t> </a:t>
-            </a:r>
-            <a:r>
-              <a:rPr kumimoji="1" lang="ko-KR" altLang="en-US" sz="1600" b="1" dirty="0" smtClean="0">
-                <a:solidFill>
-                  <a:srgbClr val="00B0F0"/>
-                </a:solidFill>
-              </a:rPr>
-              <a:t>고정 쿼터뷰 </a:t>
-            </a:r>
-            <a:r>
-              <a:rPr kumimoji="1" lang="ko-KR" altLang="en-US" sz="1600" b="1" dirty="0">
-                <a:solidFill>
-                  <a:srgbClr val="00B0F0"/>
-                </a:solidFill>
-              </a:rPr>
-              <a:t>게임 진행방식</a:t>
+              <a:t> 고정 쿼터뷰 게임 진행방식</a:t>
             </a:r>
             <a:endParaRPr kumimoji="1" lang="en-US" altLang="ko-KR" sz="1600" b="1" dirty="0">
               <a:solidFill>
@@ -8059,7 +8001,7 @@
               </a:lnSpc>
             </a:pPr>
             <a:r>
-              <a:rPr kumimoji="1" lang="ko-KR" altLang="en-US" sz="1600" dirty="0" smtClean="0">
+              <a:rPr kumimoji="1" lang="ko-KR" altLang="en-US" sz="1600" dirty="0">
                 <a:solidFill>
                   <a:schemeClr val="tx1"/>
                 </a:solidFill>
@@ -8084,17 +8026,9 @@
                   <a:srgbClr val="00B0F0"/>
                 </a:solidFill>
               </a:rPr>
-              <a:t>다수의 적을 휩쓰는 </a:t>
-            </a:r>
-            <a:r>
-              <a:rPr kumimoji="1" lang="ko-KR" altLang="en-US" sz="1600" b="1" dirty="0" smtClean="0">
-                <a:solidFill>
-                  <a:srgbClr val="00B0F0"/>
-                </a:solidFill>
-              </a:rPr>
-              <a:t>전투방식</a:t>
-            </a:r>
-            <a:endParaRPr kumimoji="1" lang="en-US" altLang="ko-KR" sz="1600" b="1" dirty="0" smtClean="0">
+              <a:t>다수의 적을 휩쓰는 전투방식</a:t>
+            </a:r>
+            <a:endParaRPr kumimoji="1" lang="en-US" altLang="ko-KR" sz="1600" b="1" dirty="0">
               <a:solidFill>
                 <a:srgbClr val="00B0F0"/>
               </a:solidFill>
@@ -8107,28 +8041,36 @@
               </a:lnSpc>
             </a:pPr>
             <a:r>
-              <a:rPr kumimoji="1" lang="ko-KR" altLang="en-US" sz="1600" dirty="0" smtClean="0">
+              <a:rPr kumimoji="1" lang="en-US" altLang="ko-KR" sz="1600" dirty="0">
                 <a:solidFill>
                   <a:schemeClr val="tx1"/>
                 </a:solidFill>
               </a:rPr>
-              <a:t>아기자기한 </a:t>
-            </a:r>
-            <a:r>
-              <a:rPr kumimoji="1" lang="en-US" altLang="ko-KR" sz="1600" dirty="0" smtClean="0">
+              <a:t>2D</a:t>
+            </a:r>
+            <a:r>
+              <a:rPr kumimoji="1" lang="ko-KR" altLang="en-US" sz="1600" dirty="0">
                 <a:solidFill>
                   <a:schemeClr val="tx1"/>
                 </a:solidFill>
               </a:rPr>
-              <a:t>2.5D</a:t>
-            </a:r>
-            <a:r>
-              <a:rPr kumimoji="1" lang="ko-KR" altLang="en-US" sz="1600" dirty="0" smtClean="0">
+              <a:t> 그래픽에 </a:t>
+            </a:r>
+            <a:r>
+              <a:rPr kumimoji="1" lang="en-US" altLang="ko-KR" sz="1600" dirty="0">
                 <a:solidFill>
                   <a:schemeClr val="tx1"/>
                 </a:solidFill>
               </a:rPr>
-              <a:t> 그래픽 구현</a:t>
+              <a:t>3D </a:t>
+            </a:r>
+            <a:r>
+              <a:rPr kumimoji="1" lang="ko-KR" altLang="en-US" sz="1600" dirty="0">
+                <a:solidFill>
+                  <a:schemeClr val="tx1"/>
+                </a:solidFill>
+              </a:rPr>
+              <a:t>월드를 구현</a:t>
             </a:r>
             <a:endParaRPr kumimoji="1" lang="en-US" altLang="ko-KR" sz="1600" dirty="0">
               <a:solidFill>
@@ -8237,7 +8179,7 @@
               </a:lnSpc>
             </a:pPr>
             <a:r>
-              <a:rPr kumimoji="1" lang="en-US" altLang="ko-KR" sz="2000" dirty="0" smtClean="0">
+              <a:rPr kumimoji="1" lang="en-US" altLang="ko-KR" sz="2000" dirty="0">
                 <a:solidFill>
                   <a:schemeClr val="tx1"/>
                 </a:solidFill>
@@ -8245,7 +8187,7 @@
               <a:t>-</a:t>
             </a:r>
             <a:r>
-              <a:rPr kumimoji="1" lang="ko-KR" altLang="en-US" sz="2000" dirty="0" smtClean="0">
+              <a:rPr kumimoji="1" lang="ko-KR" altLang="en-US" sz="2000" dirty="0">
                 <a:solidFill>
                   <a:schemeClr val="tx1"/>
                 </a:solidFill>
@@ -8253,7 +8195,7 @@
               <a:t> 회전 가능한 </a:t>
             </a:r>
             <a:r>
-              <a:rPr kumimoji="1" lang="en-US" altLang="ko-KR" sz="2000" dirty="0" smtClean="0">
+              <a:rPr kumimoji="1" lang="en-US" altLang="ko-KR" sz="2000" dirty="0">
                 <a:solidFill>
                   <a:schemeClr val="tx1"/>
                 </a:solidFill>
@@ -8261,14 +8203,14 @@
               <a:t>3D</a:t>
             </a:r>
             <a:r>
-              <a:rPr kumimoji="1" lang="ko-KR" altLang="en-US" sz="2000" dirty="0" smtClean="0">
+              <a:rPr kumimoji="1" lang="ko-KR" altLang="en-US" sz="2000" dirty="0">
                 <a:solidFill>
                   <a:schemeClr val="tx1"/>
                 </a:solidFill>
               </a:rPr>
               <a:t> 쿼터뷰 카메라</a:t>
             </a:r>
-            <a:endParaRPr kumimoji="1" lang="en-US" altLang="ko-KR" sz="2000" dirty="0" smtClean="0">
+            <a:endParaRPr kumimoji="1" lang="en-US" altLang="ko-KR" sz="2000" dirty="0">
               <a:solidFill>
                 <a:schemeClr val="tx1"/>
               </a:solidFill>
@@ -8281,7 +8223,7 @@
               </a:lnSpc>
             </a:pPr>
             <a:r>
-              <a:rPr kumimoji="1" lang="en-US" altLang="ko-KR" sz="2000" dirty="0" smtClean="0">
+              <a:rPr kumimoji="1" lang="en-US" altLang="ko-KR" sz="2000" dirty="0">
                 <a:solidFill>
                   <a:schemeClr val="tx1"/>
                 </a:solidFill>
@@ -8289,20 +8231,12 @@
               <a:t>-</a:t>
             </a:r>
             <a:r>
-              <a:rPr kumimoji="1" lang="ko-KR" altLang="en-US" sz="2000" dirty="0" smtClean="0">
+              <a:rPr kumimoji="1" lang="ko-KR" altLang="en-US" sz="2000" dirty="0">
                 <a:solidFill>
                   <a:schemeClr val="tx1"/>
                 </a:solidFill>
               </a:rPr>
-              <a:t> 논타겟 </a:t>
-            </a:r>
-            <a:r>
-              <a:rPr kumimoji="1" lang="ko-KR" altLang="en-US" sz="2000" dirty="0">
-                <a:solidFill>
-                  <a:schemeClr val="tx1"/>
-                </a:solidFill>
-              </a:rPr>
-              <a:t>키보드 조작방식</a:t>
+              <a:t> 논타겟 키보드 조작방식</a:t>
             </a:r>
             <a:endParaRPr kumimoji="1" lang="en-US" altLang="ko-KR" sz="2000" dirty="0">
               <a:solidFill>
@@ -8317,7 +8251,7 @@
               </a:lnSpc>
             </a:pPr>
             <a:r>
-              <a:rPr kumimoji="1" lang="en-US" altLang="ko-KR" sz="2000" dirty="0" smtClean="0">
+              <a:rPr kumimoji="1" lang="en-US" altLang="ko-KR" sz="2000" dirty="0">
                 <a:solidFill>
                   <a:schemeClr val="tx1"/>
                 </a:solidFill>
@@ -8325,30 +8259,14 @@
               <a:t>-</a:t>
             </a:r>
             <a:r>
-              <a:rPr kumimoji="1" lang="ko-KR" altLang="en-US" sz="2000" dirty="0" smtClean="0">
+              <a:rPr kumimoji="1" lang="ko-KR" altLang="en-US" sz="2000" dirty="0">
                 <a:solidFill>
                   <a:schemeClr val="tx1"/>
                 </a:solidFill>
               </a:rPr>
-              <a:t> 발열 </a:t>
-            </a:r>
-            <a:r>
-              <a:rPr kumimoji="1" lang="ko-KR" altLang="en-US" sz="2000" dirty="0">
-                <a:solidFill>
-                  <a:schemeClr val="tx1"/>
-                </a:solidFill>
-              </a:rPr>
-              <a:t>시스템과 궁극기 </a:t>
-            </a:r>
-            <a:r>
-              <a:rPr kumimoji="1" lang="ko-KR" altLang="en-US" sz="2000" dirty="0" smtClean="0">
-                <a:solidFill>
-                  <a:schemeClr val="tx1"/>
-                </a:solidFill>
-              </a:rPr>
-              <a:t>시스템</a:t>
-            </a:r>
-            <a:endParaRPr kumimoji="1" lang="en-US" altLang="ko-KR" sz="2000" dirty="0" smtClean="0">
+              <a:t> 발열 시스템과 궁극기 시스템</a:t>
+            </a:r>
+            <a:endParaRPr kumimoji="1" lang="en-US" altLang="ko-KR" sz="2000" dirty="0">
               <a:solidFill>
                 <a:schemeClr val="tx1"/>
               </a:solidFill>
@@ -8361,30 +8279,14 @@
               </a:lnSpc>
             </a:pPr>
             <a:r>
-              <a:rPr kumimoji="1" lang="ko-KR" altLang="en-US" sz="2000" dirty="0" smtClean="0">
+              <a:rPr kumimoji="1" lang="ko-KR" altLang="en-US" sz="2000" dirty="0">
                 <a:solidFill>
                   <a:schemeClr val="tx1"/>
                 </a:solidFill>
               </a:rPr>
-              <a:t>  활용해 </a:t>
-            </a:r>
-            <a:r>
-              <a:rPr kumimoji="1" lang="ko-KR" altLang="en-US" sz="2000" dirty="0">
-                <a:solidFill>
-                  <a:schemeClr val="tx1"/>
-                </a:solidFill>
-              </a:rPr>
-              <a:t>유저가 만들어가는 </a:t>
-            </a:r>
-            <a:r>
-              <a:rPr kumimoji="1" lang="ko-KR" altLang="en-US" sz="2000" dirty="0" smtClean="0">
-                <a:solidFill>
-                  <a:schemeClr val="tx1"/>
-                </a:solidFill>
-              </a:rPr>
-              <a:t>전투</a:t>
-            </a:r>
-            <a:endParaRPr kumimoji="1" lang="en-US" altLang="ko-KR" sz="2000" dirty="0" smtClean="0">
+              <a:t>  활용해 유저가 만들어가는 전투</a:t>
+            </a:r>
+            <a:endParaRPr kumimoji="1" lang="en-US" altLang="ko-KR" sz="2000" dirty="0">
               <a:solidFill>
                 <a:schemeClr val="tx1"/>
               </a:solidFill>
@@ -8397,7 +8299,7 @@
               </a:lnSpc>
             </a:pPr>
             <a:r>
-              <a:rPr kumimoji="1" lang="ko-KR" altLang="en-US" sz="1400" dirty="0" smtClean="0">
+              <a:rPr kumimoji="1" lang="ko-KR" altLang="en-US" sz="1400" dirty="0">
                 <a:solidFill>
                   <a:schemeClr val="bg1">
                     <a:lumMod val="50000"/>
@@ -8407,7 +8309,7 @@
               <a:t>  </a:t>
             </a:r>
             <a:r>
-              <a:rPr kumimoji="1" lang="en-US" altLang="ko-KR" sz="1400" dirty="0" smtClean="0">
+              <a:rPr kumimoji="1" lang="en-US" altLang="ko-KR" sz="1400" dirty="0">
                 <a:solidFill>
                   <a:schemeClr val="bg1">
                     <a:lumMod val="50000"/>
@@ -8417,7 +8319,7 @@
               <a:t>-</a:t>
             </a:r>
             <a:r>
-              <a:rPr kumimoji="1" lang="ko-KR" altLang="en-US" sz="1400" dirty="0" smtClean="0">
+              <a:rPr kumimoji="1" lang="ko-KR" altLang="en-US" sz="1400" dirty="0">
                 <a:solidFill>
                   <a:schemeClr val="bg1">
                     <a:lumMod val="50000"/>
@@ -8425,30 +8327,6 @@
                 </a:solidFill>
               </a:rPr>
               <a:t> 상위 난이도로 진행될수록 발열을</a:t>
-            </a:r>
-            <a:endParaRPr kumimoji="1" lang="en-US" altLang="ko-KR" sz="1400" dirty="0" smtClean="0">
-              <a:solidFill>
-                <a:schemeClr val="bg1">
-                  <a:lumMod val="50000"/>
-                </a:schemeClr>
-              </a:solidFill>
-            </a:endParaRPr>
-          </a:p>
-          <a:p>
-            <a:pPr>
-              <a:lnSpc>
-                <a:spcPct val="150000"/>
-              </a:lnSpc>
-            </a:pPr>
-            <a:r>
-              <a:rPr kumimoji="1" lang="ko-KR" altLang="en-US" sz="1400" dirty="0" smtClean="0">
-                <a:solidFill>
-                  <a:schemeClr val="bg1">
-                    <a:lumMod val="50000"/>
-                  </a:schemeClr>
-                </a:solidFill>
-              </a:rPr>
-              <a:t>    활용한 능숙한 컨트롤 요구로 하드유저 만족</a:t>
             </a:r>
             <a:endParaRPr kumimoji="1" lang="en-US" altLang="ko-KR" sz="1400" dirty="0">
               <a:solidFill>
@@ -8458,6 +8336,30 @@
               </a:solidFill>
             </a:endParaRPr>
           </a:p>
+          <a:p>
+            <a:pPr>
+              <a:lnSpc>
+                <a:spcPct val="150000"/>
+              </a:lnSpc>
+            </a:pPr>
+            <a:r>
+              <a:rPr kumimoji="1" lang="ko-KR" altLang="en-US" sz="1400" dirty="0">
+                <a:solidFill>
+                  <a:schemeClr val="bg1">
+                    <a:lumMod val="50000"/>
+                  </a:schemeClr>
+                </a:solidFill>
+              </a:rPr>
+              <a:t>    활용한 능숙한 컨트롤 요구로 하드유저 만족</a:t>
+            </a:r>
+            <a:endParaRPr kumimoji="1" lang="en-US" altLang="ko-KR" sz="1400" dirty="0">
+              <a:solidFill>
+                <a:schemeClr val="bg1">
+                  <a:lumMod val="50000"/>
+                </a:schemeClr>
+              </a:solidFill>
+            </a:endParaRPr>
+          </a:p>
         </p:txBody>
       </p:sp>
       <p:sp>
@@ -8507,7 +8409,7 @@
               </a:lnSpc>
             </a:pPr>
             <a:r>
-              <a:rPr kumimoji="1" lang="en-US" altLang="ko-KR" sz="2000" dirty="0" smtClean="0">
+              <a:rPr kumimoji="1" lang="en-US" altLang="ko-KR" sz="2000" dirty="0">
                 <a:solidFill>
                   <a:schemeClr val="tx1"/>
                 </a:solidFill>
@@ -8515,14 +8417,30 @@
               <a:t>-</a:t>
             </a:r>
             <a:r>
-              <a:rPr kumimoji="1" lang="ko-KR" altLang="en-US" sz="2000" dirty="0" smtClean="0">
+              <a:rPr kumimoji="1" lang="ko-KR" altLang="en-US" sz="2000" dirty="0">
                 <a:solidFill>
                   <a:schemeClr val="tx1"/>
                 </a:solidFill>
               </a:rPr>
-              <a:t> 카툰 렌더링을 사용하여 누구나 쉽게</a:t>
-            </a:r>
-            <a:endParaRPr kumimoji="1" lang="en-US" altLang="ko-KR" sz="2000" dirty="0" smtClean="0">
+              <a:t> </a:t>
+            </a:r>
+            <a:r>
+              <a:rPr kumimoji="1" lang="en-US" altLang="ko-KR" sz="2000" dirty="0">
+                <a:solidFill>
+                  <a:schemeClr val="tx1"/>
+                </a:solidFill>
+              </a:rPr>
+              <a:t>NPR</a:t>
+            </a:r>
+            <a:r>
+              <a:rPr kumimoji="1" lang="ko-KR" altLang="en-US" sz="2000" dirty="0">
+                <a:solidFill>
+                  <a:schemeClr val="tx1"/>
+                </a:solidFill>
+              </a:rPr>
+              <a:t> 기법을 사용하여 누구나 쉽게</a:t>
+            </a:r>
+            <a:endParaRPr kumimoji="1" lang="en-US" altLang="ko-KR" sz="2000" dirty="0">
               <a:solidFill>
                 <a:schemeClr val="tx1"/>
               </a:solidFill>
@@ -8535,7 +8453,7 @@
               </a:lnSpc>
             </a:pPr>
             <a:r>
-              <a:rPr kumimoji="1" lang="ko-KR" altLang="en-US" sz="2000" dirty="0" smtClean="0">
+              <a:rPr kumimoji="1" lang="ko-KR" altLang="en-US" sz="2000" dirty="0">
                 <a:solidFill>
                   <a:schemeClr val="tx1"/>
                 </a:solidFill>
@@ -8543,7 +8461,7 @@
               <a:t>  접근할 수 있는 액션 </a:t>
             </a:r>
             <a:r>
-              <a:rPr kumimoji="1" lang="en-US" altLang="ko-KR" sz="2000" dirty="0" smtClean="0">
+              <a:rPr kumimoji="1" lang="en-US" altLang="ko-KR" sz="2000" dirty="0">
                 <a:solidFill>
                   <a:schemeClr val="tx1"/>
                 </a:solidFill>
@@ -8558,7 +8476,7 @@
               </a:lnSpc>
             </a:pPr>
             <a:r>
-              <a:rPr kumimoji="1" lang="en-US" altLang="ko-KR" sz="2000" dirty="0" smtClean="0">
+              <a:rPr kumimoji="1" lang="en-US" altLang="ko-KR" sz="2000" dirty="0">
                 <a:solidFill>
                   <a:schemeClr val="tx1"/>
                 </a:solidFill>
@@ -8566,7 +8484,7 @@
               <a:t>-</a:t>
             </a:r>
             <a:r>
-              <a:rPr kumimoji="1" lang="ko-KR" altLang="en-US" sz="2000" dirty="0" smtClean="0">
+              <a:rPr kumimoji="1" lang="ko-KR" altLang="en-US" sz="2000" dirty="0">
                 <a:solidFill>
                   <a:schemeClr val="tx1"/>
                 </a:solidFill>
@@ -8586,7 +8504,7 @@
               </a:lnSpc>
             </a:pPr>
             <a:r>
-              <a:rPr kumimoji="1" lang="en-US" altLang="ko-KR" sz="2000" dirty="0" smtClean="0">
+              <a:rPr kumimoji="1" lang="en-US" altLang="ko-KR" sz="2000" dirty="0">
                 <a:solidFill>
                   <a:schemeClr val="tx1"/>
                 </a:solidFill>
@@ -8594,14 +8512,14 @@
               <a:t>-</a:t>
             </a:r>
             <a:r>
-              <a:rPr kumimoji="1" lang="ko-KR" altLang="en-US" sz="2000" dirty="0" smtClean="0">
+              <a:rPr kumimoji="1" lang="ko-KR" altLang="en-US" sz="2000" dirty="0">
                 <a:solidFill>
                   <a:schemeClr val="tx1"/>
                 </a:solidFill>
               </a:rPr>
               <a:t> 보스의 정교한 패턴을 파티와 협동하여 극복</a:t>
             </a:r>
-            <a:endParaRPr kumimoji="1" lang="en-US" altLang="ko-KR" sz="2000" dirty="0" smtClean="0">
+            <a:endParaRPr kumimoji="1" lang="en-US" altLang="ko-KR" sz="2000" dirty="0">
               <a:solidFill>
                 <a:schemeClr val="tx1"/>
               </a:solidFill>
@@ -8614,7 +8532,7 @@
               </a:lnSpc>
             </a:pPr>
             <a:r>
-              <a:rPr kumimoji="1" lang="ko-KR" altLang="en-US" sz="1600" dirty="0" smtClean="0">
+              <a:rPr kumimoji="1" lang="ko-KR" altLang="en-US" sz="1600" dirty="0">
                 <a:solidFill>
                   <a:schemeClr val="bg1">
                     <a:lumMod val="50000"/>
@@ -8624,7 +8542,7 @@
               <a:t>  </a:t>
             </a:r>
             <a:r>
-              <a:rPr kumimoji="1" lang="en-US" altLang="ko-KR" sz="1600" dirty="0" smtClean="0">
+              <a:rPr kumimoji="1" lang="en-US" altLang="ko-KR" sz="1600" dirty="0">
                 <a:solidFill>
                   <a:schemeClr val="bg1">
                     <a:lumMod val="50000"/>
@@ -8634,7 +8552,7 @@
               <a:t>-</a:t>
             </a:r>
             <a:r>
-              <a:rPr kumimoji="1" lang="ko-KR" altLang="en-US" sz="1600" dirty="0" smtClean="0">
+              <a:rPr kumimoji="1" lang="ko-KR" altLang="en-US" sz="1600" dirty="0">
                 <a:solidFill>
                   <a:schemeClr val="bg1">
                     <a:lumMod val="50000"/>
@@ -8663,13 +8581,6 @@
   <p:clrMapOvr>
     <a:masterClrMapping/>
   </p:clrMapOvr>
-  <p:timing>
-    <p:tnLst>
-      <p:par>
-        <p:cTn id="1" dur="indefinite" restart="never" nodeType="tmRoot"/>
-      </p:par>
-    </p:tnLst>
-  </p:timing>
 </p:sld>
 </file>
 
@@ -10248,13 +10159,6 @@
   <p:clrMapOvr>
     <a:masterClrMapping/>
   </p:clrMapOvr>
-  <p:timing>
-    <p:tnLst>
-      <p:par>
-        <p:cTn id="1" dur="indefinite" restart="never" nodeType="tmRoot"/>
-      </p:par>
-    </p:tnLst>
-  </p:timing>
 </p:sld>
 </file>
 
@@ -11870,13 +11774,6 @@
   <p:clrMapOvr>
     <a:masterClrMapping/>
   </p:clrMapOvr>
-  <p:timing>
-    <p:tnLst>
-      <p:par>
-        <p:cTn id="1" dur="indefinite" restart="never" nodeType="tmRoot"/>
-      </p:par>
-    </p:tnLst>
-  </p:timing>
 </p:sld>
 </file>
 
@@ -13502,13 +13399,6 @@
   <p:clrMapOvr>
     <a:masterClrMapping/>
   </p:clrMapOvr>
-  <p:timing>
-    <p:tnLst>
-      <p:par>
-        <p:cTn id="1" dur="indefinite" restart="never" nodeType="tmRoot"/>
-      </p:par>
-    </p:tnLst>
-  </p:timing>
 </p:sld>
 </file>
 
@@ -15860,12 +15750,28 @@
           <a:p>
             <a:pPr algn="ctr"/>
             <a:r>
-              <a:rPr kumimoji="1" lang="ko-KR" altLang="en-US" sz="3600" b="1" dirty="0" smtClean="0">
+              <a:rPr kumimoji="1" lang="ko-KR" altLang="en-US" sz="3600" b="1" dirty="0">
                 <a:solidFill>
                   <a:schemeClr val="bg1"/>
                 </a:solidFill>
               </a:rPr>
-              <a:t>데드레커닝 빼</a:t>
+              <a:t>패킷 최적화를 통한 동시 </a:t>
+            </a:r>
+            <a:r>
+              <a:rPr kumimoji="1" lang="en-US" altLang="ko-KR" sz="3600" b="1" dirty="0">
+                <a:solidFill>
+                  <a:schemeClr val="bg1"/>
+                </a:solidFill>
+              </a:rPr>
+              <a:t>5000</a:t>
+            </a:r>
+            <a:r>
+              <a:rPr kumimoji="1" lang="ko-KR" altLang="en-US" sz="3600" b="1" dirty="0">
+                <a:solidFill>
+                  <a:schemeClr val="bg1"/>
+                </a:solidFill>
+              </a:rPr>
+              <a:t>명 접속</a:t>
             </a:r>
             <a:endParaRPr kumimoji="1" lang="en-US" altLang="ko-KR" sz="3600" b="1" dirty="0">
               <a:solidFill>
@@ -15883,7 +15789,7 @@
                   </a:schemeClr>
                 </a:solidFill>
               </a:rPr>
-              <a:t>데드레커닝 기법을 사용하여</a:t>
+              <a:t>프레임 당 패킷 통신횟수를 체크하여</a:t>
             </a:r>
             <a:endParaRPr kumimoji="1" lang="en-US" altLang="ko-KR" sz="3200" b="1" dirty="0">
               <a:solidFill>
@@ -15896,24 +15802,34 @@
           <a:p>
             <a:pPr algn="ctr"/>
             <a:r>
-              <a:rPr kumimoji="1" lang="en-US" altLang="ko-KR" sz="3200" b="1" dirty="0">
+              <a:rPr kumimoji="1" lang="ko-KR" altLang="en-US" sz="3200" b="1" dirty="0">
                 <a:solidFill>
                   <a:schemeClr val="bg1">
                     <a:lumMod val="50000"/>
                   </a:schemeClr>
                 </a:solidFill>
               </a:rPr>
-              <a:t>5,000</a:t>
-            </a:r>
-            <a:r>
-              <a:rPr kumimoji="1" lang="ko-KR" altLang="en-US" sz="3200" b="1" dirty="0">
+              <a:t>최고 </a:t>
+            </a:r>
+            <a:r>
+              <a:rPr kumimoji="1" lang="en-US" altLang="ko-KR" sz="3200" b="1" dirty="0">
                 <a:solidFill>
                   <a:schemeClr val="bg1">
                     <a:lumMod val="50000"/>
                   </a:schemeClr>
                 </a:solidFill>
               </a:rPr>
-              <a:t>명 접속에도 패킷 부하가 걸리지 않도록 최적화</a:t>
+              <a:t>5000</a:t>
+            </a:r>
+            <a:r>
+              <a:rPr kumimoji="1" lang="ko-KR" altLang="en-US" sz="3200" b="1" dirty="0">
+                <a:solidFill>
+                  <a:schemeClr val="bg1">
+                    <a:lumMod val="50000"/>
+                  </a:schemeClr>
+                </a:solidFill>
+              </a:rPr>
+              <a:t>명 까지 동시 접속 가능한 서버 제작</a:t>
             </a:r>
             <a:endParaRPr kumimoji="1" lang="en-US" altLang="ko-KR" sz="3200" b="1" dirty="0">
               <a:solidFill>
@@ -16024,13 +15940,6 @@
   <p:clrMapOvr>
     <a:masterClrMapping/>
   </p:clrMapOvr>
-  <p:timing>
-    <p:tnLst>
-      <p:par>
-        <p:cTn id="1" dur="indefinite" restart="never" nodeType="tmRoot"/>
-      </p:par>
-    </p:tnLst>
-  </p:timing>
 </p:sld>
 </file>
 
@@ -16352,13 +16261,6 @@
   <p:transition spd="slow">
     <p:push dir="u"/>
   </p:transition>
-  <p:timing>
-    <p:tnLst>
-      <p:par>
-        <p:cTn id="1" dur="indefinite" restart="never" nodeType="tmRoot"/>
-      </p:par>
-    </p:tnLst>
-  </p:timing>
 </p:sld>
 </file>
 
@@ -20953,13 +20855,6 @@
   <p:transition spd="slow">
     <p:push/>
   </p:transition>
-  <p:timing>
-    <p:tnLst>
-      <p:par>
-        <p:cTn id="1" dur="indefinite" restart="never" nodeType="tmRoot"/>
-      </p:par>
-    </p:tnLst>
-  </p:timing>
 </p:sld>
 </file>
 
@@ -20988,7 +20883,7 @@
         </p:nvSpPr>
         <p:spPr>
           <a:xfrm>
-            <a:off x="0" y="-5140"/>
+            <a:off x="0" y="0"/>
             <a:ext cx="12192000" cy="6863140"/>
           </a:xfrm>
           <a:prstGeom prst="rect">
@@ -21471,8 +21366,8 @@
         </p:nvSpPr>
         <p:spPr>
           <a:xfrm>
-            <a:off x="2803021" y="4224999"/>
-            <a:ext cx="3139008" cy="563163"/>
+            <a:off x="3956833" y="4224999"/>
+            <a:ext cx="1985195" cy="563163"/>
           </a:xfrm>
           <a:prstGeom prst="roundRect">
             <a:avLst/>
@@ -21537,8 +21432,8 @@
         </p:nvSpPr>
         <p:spPr>
           <a:xfrm>
-            <a:off x="3956834" y="4883873"/>
-            <a:ext cx="4292821" cy="563163"/>
+            <a:off x="5110647" y="4883873"/>
+            <a:ext cx="3139008" cy="563163"/>
           </a:xfrm>
           <a:prstGeom prst="roundRect">
             <a:avLst/>
@@ -21577,7 +21472,7 @@
                   <a:schemeClr val="bg1"/>
                 </a:solidFill>
               </a:rPr>
-              <a:t>패킷 데드레커닝 최적화 작업</a:t>
+              <a:t>패킷 최적화 작업</a:t>
             </a:r>
           </a:p>
         </p:txBody>
@@ -22055,8 +21950,8 @@
         </p:nvSpPr>
         <p:spPr>
           <a:xfrm>
-            <a:off x="2803021" y="2907251"/>
-            <a:ext cx="3139008" cy="563163"/>
+            <a:off x="3956834" y="2907251"/>
+            <a:ext cx="1985195" cy="563163"/>
           </a:xfrm>
           <a:prstGeom prst="roundRect">
             <a:avLst/>
@@ -22090,19 +21985,30 @@
           <a:p>
             <a:pPr algn="ctr"/>
             <a:r>
-              <a:rPr kumimoji="1" lang="ko-KR" altLang="en-US" sz="2000">
+              <a:rPr kumimoji="1" lang="ko-KR" altLang="en-US" sz="2000" dirty="0">
                 <a:solidFill>
                   <a:schemeClr val="bg1"/>
                 </a:solidFill>
               </a:rPr>
-              <a:t>클라이언트 동기화</a:t>
-            </a:r>
-            <a:endParaRPr kumimoji="1" lang="ko-KR" altLang="en-US" sz="2000" dirty="0">
+              <a:t>클라이언트</a:t>
+            </a:r>
+            <a:endParaRPr kumimoji="1" lang="en-US" altLang="ko-KR" sz="2000" dirty="0">
               <a:solidFill>
                 <a:schemeClr val="bg1"/>
               </a:solidFill>
             </a:endParaRPr>
           </a:p>
+          <a:p>
+            <a:pPr algn="ctr"/>
+            <a:r>
+              <a:rPr kumimoji="1" lang="ko-KR" altLang="en-US" sz="2000" dirty="0">
+                <a:solidFill>
+                  <a:schemeClr val="bg1"/>
+                </a:solidFill>
+              </a:rPr>
+              <a:t>동기화</a:t>
+            </a:r>
+          </a:p>
         </p:txBody>
       </p:sp>
       <p:sp>
@@ -22113,8 +22019,8 @@
         </p:nvSpPr>
         <p:spPr>
           <a:xfrm>
-            <a:off x="6088636" y="3566125"/>
-            <a:ext cx="2350661" cy="563163"/>
+            <a:off x="5110647" y="3566125"/>
+            <a:ext cx="1985195" cy="563163"/>
           </a:xfrm>
           <a:prstGeom prst="roundRect">
             <a:avLst/>
@@ -22171,13 +22077,6 @@
   <p:transition spd="slow">
     <p:push/>
   </p:transition>
-  <p:timing>
-    <p:tnLst>
-      <p:par>
-        <p:cTn id="1" dur="indefinite" restart="never" nodeType="tmRoot"/>
-      </p:par>
-    </p:tnLst>
-  </p:timing>
 </p:sld>
 </file>
 
@@ -23253,7 +23152,7 @@
               <a:buNone/>
             </a:pPr>
             <a:r>
-              <a:rPr lang="en-US" altLang="ko-KR" sz="1600" b="0" cap="none" dirty="0" smtClean="0">
+              <a:rPr lang="en-US" altLang="ko-KR" sz="1600" b="0" cap="none" dirty="0">
                 <a:solidFill>
                   <a:schemeClr val="bg1"/>
                 </a:solidFill>
@@ -23262,7 +23161,7 @@
               </a:rPr>
               <a:t>디퓨즈</a:t>
             </a:r>
-            <a:endParaRPr lang="ko-KR" altLang="en-US" sz="1600" b="0" cap="none" dirty="0" smtClean="0">
+            <a:endParaRPr lang="ko-KR" altLang="en-US" sz="1600" b="0" cap="none" dirty="0">
               <a:solidFill>
                 <a:schemeClr val="bg1"/>
               </a:solidFill>
@@ -23285,7 +23184,7 @@
               <a:buNone/>
             </a:pPr>
             <a:r>
-              <a:rPr lang="en-US" altLang="ko-KR" sz="1600" b="0" cap="none" dirty="0" smtClean="0">
+              <a:rPr lang="en-US" altLang="ko-KR" sz="1600" b="0" cap="none" dirty="0">
                 <a:solidFill>
                   <a:schemeClr val="bg1"/>
                 </a:solidFill>
@@ -23294,7 +23193,7 @@
               </a:rPr>
               <a:t>스펙큘러</a:t>
             </a:r>
-            <a:endParaRPr lang="ko-KR" altLang="en-US" sz="1600" b="0" cap="none" dirty="0" smtClean="0">
+            <a:endParaRPr lang="ko-KR" altLang="en-US" sz="1600" b="0" cap="none" dirty="0">
               <a:solidFill>
                 <a:schemeClr val="bg1"/>
               </a:solidFill>
@@ -23317,7 +23216,7 @@
               <a:buNone/>
             </a:pPr>
             <a:r>
-              <a:rPr lang="en-US" altLang="ko-KR" sz="1600" b="0" cap="none" dirty="0" smtClean="0">
+              <a:rPr lang="en-US" altLang="ko-KR" sz="1600" b="0" cap="none" dirty="0">
                 <a:solidFill>
                   <a:schemeClr val="bg1"/>
                 </a:solidFill>
@@ -23326,7 +23225,7 @@
               </a:rPr>
               <a:t>매핑</a:t>
             </a:r>
-            <a:endParaRPr lang="ko-KR" altLang="en-US" sz="1600" b="0" cap="none" dirty="0" smtClean="0">
+            <a:endParaRPr lang="ko-KR" altLang="en-US" sz="1600" b="0" cap="none" dirty="0">
               <a:solidFill>
                 <a:schemeClr val="bg1"/>
               </a:solidFill>
@@ -23379,12 +23278,12 @@
           <a:p>
             <a:pPr algn="ctr"/>
             <a:r>
-              <a:rPr kumimoji="1" lang="ko-KR" altLang="en-US">
+              <a:rPr kumimoji="1" lang="en-US" altLang="ko-KR" dirty="0">
                 <a:solidFill>
                   <a:schemeClr val="bg1"/>
                 </a:solidFill>
               </a:rPr>
-              <a:t>툰</a:t>
+              <a:t>NPR</a:t>
             </a:r>
             <a:endParaRPr kumimoji="1" lang="ko-KR" altLang="en-US" dirty="0">
               <a:solidFill>
@@ -23485,13 +23384,6 @@
       </p:transition>
     </mc:Fallback>
   </mc:AlternateContent>
-  <p:timing>
-    <p:tnLst>
-      <p:par>
-        <p:cTn id="1" dur="indefinite" restart="never" nodeType="tmRoot"/>
-      </p:par>
-    </p:tnLst>
-  </p:timing>
 </p:sld>
 </file>
 
@@ -24816,13 +24708,6 @@
   <p:transition spd="slow">
     <p:push/>
   </p:transition>
-  <p:timing>
-    <p:tnLst>
-      <p:par>
-        <p:cTn id="1" dur="indefinite" restart="never" nodeType="tmRoot"/>
-      </p:par>
-    </p:tnLst>
-  </p:timing>
 </p:sld>
 </file>
 
@@ -24882,13 +24767,6 @@
   <p:clrMapOvr>
     <a:masterClrMapping/>
   </p:clrMapOvr>
-  <p:timing>
-    <p:tnLst>
-      <p:par>
-        <p:cTn id="1" dur="indefinite" restart="never" nodeType="tmRoot"/>
-      </p:par>
-    </p:tnLst>
-  </p:timing>
 </p:sld>
 </file>
 
@@ -27029,12 +26907,20 @@
           <a:lstStyle/>
           <a:p>
             <a:r>
+              <a:rPr kumimoji="1" lang="ko-KR" altLang="en-US" sz="1000" dirty="0" err="1">
+                <a:solidFill>
+                  <a:sysClr val="windowText" lastClr="000000"/>
+                </a:solidFill>
+              </a:rPr>
+              <a:t>홍승필</a:t>
+            </a:r>
+            <a:r>
               <a:rPr kumimoji="1" lang="ko-KR" altLang="en-US" sz="1000" dirty="0">
                 <a:solidFill>
                   <a:sysClr val="windowText" lastClr="000000"/>
                 </a:solidFill>
               </a:rPr>
-              <a:t>김형준 </a:t>
+              <a:t> </a:t>
             </a:r>
             <a:r>
               <a:rPr kumimoji="1" lang="en-US" altLang="ko-KR" sz="1000" dirty="0">
@@ -29854,13 +29740,6 @@
   <p:clrMapOvr>
     <a:masterClrMapping/>
   </p:clrMapOvr>
-  <p:timing>
-    <p:tnLst>
-      <p:par>
-        <p:cTn id="1" dur="indefinite" restart="never" nodeType="tmRoot"/>
-      </p:par>
-    </p:tnLst>
-  </p:timing>
 </p:sld>
 </file>
 
@@ -30045,7 +29924,7 @@
           <a:p>
             <a:pPr algn="ctr"/>
             <a:r>
-              <a:rPr kumimoji="1" lang="en-US" altLang="ko-KR" sz="2800" dirty="0" smtClean="0">
+              <a:rPr kumimoji="1" lang="en-US" altLang="ko-KR" sz="2800" dirty="0">
                 <a:solidFill>
                   <a:schemeClr val="bg1">
                     <a:lumMod val="50000"/>
@@ -30055,7 +29934,7 @@
               <a:t>500m x 500m</a:t>
             </a:r>
             <a:r>
-              <a:rPr kumimoji="1" lang="ko-KR" altLang="en-US" sz="2800" dirty="0" smtClean="0">
+              <a:rPr kumimoji="1" lang="ko-KR" altLang="en-US" sz="2800" dirty="0">
                 <a:solidFill>
                   <a:schemeClr val="bg1">
                     <a:lumMod val="50000"/>
@@ -30182,17 +30061,7 @@
                   </a:schemeClr>
                 </a:solidFill>
               </a:rPr>
-              <a:t>2</a:t>
-            </a:r>
-            <a:r>
-              <a:rPr kumimoji="1" lang="en-US" altLang="ko-KR" sz="2800" dirty="0" smtClean="0">
-                <a:solidFill>
-                  <a:schemeClr val="bg1">
-                    <a:lumMod val="50000"/>
-                  </a:schemeClr>
-                </a:solidFill>
-              </a:rPr>
-              <a:t>m/s</a:t>
+              <a:t>2m/s</a:t>
             </a:r>
             <a:r>
               <a:rPr kumimoji="1" lang="ko-KR" altLang="en-US" sz="2800" dirty="0">
@@ -30302,13 +30171,6 @@
   <p:clrMapOvr>
     <a:masterClrMapping/>
   </p:clrMapOvr>
-  <p:timing>
-    <p:tnLst>
-      <p:par>
-        <p:cTn id="1" dur="indefinite" restart="never" nodeType="tmRoot"/>
-      </p:par>
-    </p:tnLst>
-  </p:timing>
 </p:sld>
 </file>
 
@@ -30687,7 +30549,7 @@
           <a:p>
             <a:pPr algn="ctr"/>
             <a:r>
-              <a:rPr kumimoji="1" lang="en-US" altLang="ko-KR" sz="5400" b="1" dirty="0" smtClean="0">
+              <a:rPr kumimoji="1" lang="en-US" altLang="ko-KR" sz="5400" b="1" dirty="0">
                 <a:solidFill>
                   <a:schemeClr val="tx1"/>
                 </a:solidFill>
@@ -31199,7 +31061,7 @@
           <a:p>
             <a:pPr lvl="0" algn="ctr"/>
             <a:r>
-              <a:rPr kumimoji="1" lang="en-US" altLang="ko-KR" sz="2800" b="1" dirty="0" smtClean="0">
+              <a:rPr kumimoji="1" lang="en-US" altLang="ko-KR" sz="2800" b="1" dirty="0">
                 <a:solidFill>
                   <a:prstClr val="black"/>
                 </a:solidFill>
@@ -31208,7 +31070,7 @@
               <a:t>NPR</a:t>
             </a:r>
             <a:r>
-              <a:rPr kumimoji="1" lang="ko-KR" altLang="en-US" sz="2800" b="1" dirty="0" smtClean="0">
+              <a:rPr kumimoji="1" lang="ko-KR" altLang="en-US" sz="2800" b="1" dirty="0">
                 <a:solidFill>
                   <a:prstClr val="black"/>
                 </a:solidFill>
@@ -31216,12 +31078,6 @@
               </a:rPr>
               <a:t> 렌더링</a:t>
             </a:r>
-            <a:endParaRPr kumimoji="1" lang="ko-KR" altLang="en-US" sz="2800" b="1" dirty="0">
-              <a:solidFill>
-                <a:prstClr val="black"/>
-              </a:solidFill>
-              <a:latin typeface="+mj-lt"/>
-            </a:endParaRPr>
           </a:p>
         </p:txBody>
       </p:sp>
@@ -31757,19 +31613,7 @@
                 <a:latin typeface="맑은 고딕" charset="-127"/>
                 <a:cs typeface="Times New Roman" charset="0"/>
               </a:rPr>
-              <a:t> 끊임없이 공격을 하는 즐거움 </a:t>
-            </a:r>
-            <a:r>
-              <a:rPr lang="ko-KR" altLang="en-US" sz="2000" dirty="0" smtClean="0">
-                <a:solidFill>
-                  <a:schemeClr val="bg1">
-                    <a:lumMod val="50000"/>
-                  </a:schemeClr>
-                </a:solidFill>
-                <a:latin typeface="맑은 고딕" charset="-127"/>
-                <a:cs typeface="Times New Roman" charset="0"/>
-              </a:rPr>
-              <a:t>부여</a:t>
+              <a:t> 끊임없이 공격을 하는 즐거움 부여</a:t>
             </a:r>
             <a:endParaRPr lang="en-US" altLang="ko-KR" sz="2000" dirty="0">
               <a:solidFill>
@@ -33593,19 +33437,15 @@
           <a:lstStyle/>
           <a:p>
             <a:r>
-              <a:rPr kumimoji="1" lang="ko-KR" altLang="en-US" sz="2800" dirty="0" smtClean="0"/>
+              <a:rPr kumimoji="1" lang="ko-KR" altLang="en-US" sz="2800" dirty="0"/>
               <a:t>최신 개발 트렌드에 맞춰 어떤 </a:t>
             </a:r>
             <a:r>
-              <a:rPr kumimoji="1" lang="en-US" altLang="ko-KR" sz="2800" dirty="0" smtClean="0"/>
-              <a:t>O</a:t>
-            </a:r>
-            <a:r>
-              <a:rPr kumimoji="1" lang="en-US" altLang="ko-KR" sz="2800" dirty="0" smtClean="0"/>
-              <a:t>S</a:t>
-            </a:r>
-            <a:r>
-              <a:rPr kumimoji="1" lang="ko-KR" altLang="en-US" sz="2800" dirty="0" smtClean="0"/>
+              <a:rPr kumimoji="1" lang="en-US" altLang="ko-KR" sz="2800" dirty="0"/>
+              <a:t>OS</a:t>
+            </a:r>
+            <a:r>
+              <a:rPr kumimoji="1" lang="ko-KR" altLang="en-US" sz="2800" dirty="0"/>
               <a:t>에서도 구동하는 서버 제작</a:t>
             </a:r>
             <a:endParaRPr kumimoji="1" lang="en-US" altLang="ko-KR" sz="2800" dirty="0"/>
@@ -33979,7 +33819,7 @@
         <p:spPr>
           <a:xfrm>
             <a:off x="614644" y="3061994"/>
-            <a:ext cx="3369833" cy="523220"/>
+            <a:ext cx="10930621" cy="523220"/>
           </a:xfrm>
           <a:prstGeom prst="rect">
             <a:avLst/>
@@ -33993,20 +33833,36 @@
           <a:p>
             <a:pPr lvl="0"/>
             <a:r>
-              <a:rPr kumimoji="1" lang="ko-KR" altLang="en-US" sz="2800" dirty="0" smtClean="0">
+              <a:rPr kumimoji="1" lang="ko-KR" altLang="en-US" sz="2800" dirty="0">
                 <a:solidFill>
                   <a:prstClr val="black"/>
                 </a:solidFill>
               </a:rPr>
-              <a:t>뭐 좀 더 쓸거 없어</a:t>
-            </a:r>
-            <a:r>
-              <a:rPr kumimoji="1" lang="en-US" altLang="ko-KR" sz="2800" dirty="0" smtClean="0">
+              <a:t>패킷 최적화를 하여 플레이어 </a:t>
+            </a:r>
+            <a:r>
+              <a:rPr kumimoji="1" lang="ko-KR" altLang="en-US" sz="2800" dirty="0" err="1">
                 <a:solidFill>
                   <a:prstClr val="black"/>
                 </a:solidFill>
               </a:rPr>
-              <a:t>?</a:t>
+              <a:t>핫스팟</a:t>
+            </a:r>
+            <a:r>
+              <a:rPr kumimoji="1" lang="en-US" altLang="ko-KR" sz="2800" dirty="0">
+                <a:solidFill>
+                  <a:prstClr val="black"/>
+                </a:solidFill>
+              </a:rPr>
+              <a:t>(hot-spot)</a:t>
+            </a:r>
+            <a:r>
+              <a:rPr kumimoji="1" lang="ko-KR" altLang="en-US" sz="2800" dirty="0">
+                <a:solidFill>
+                  <a:prstClr val="black"/>
+                </a:solidFill>
+              </a:rPr>
+              <a:t>에도 끊김 없는 서버</a:t>
             </a:r>
             <a:endParaRPr kumimoji="1" lang="en-US" altLang="ko-KR" sz="2800" dirty="0">
               <a:solidFill>

--- a/documents/노루막이_김형준_신창섭_홍승필_허지훈.pptx
+++ b/documents/노루막이_김형준_신창섭_홍승필_허지훈.pptx
@@ -31,11 +31,11 @@
     <p:sldId id="273" r:id="rId19"/>
     <p:sldId id="413" r:id="rId20"/>
     <p:sldId id="402" r:id="rId21"/>
-    <p:sldId id="403" r:id="rId22"/>
+    <p:sldId id="426" r:id="rId22"/>
     <p:sldId id="357" r:id="rId23"/>
     <p:sldId id="345" r:id="rId24"/>
     <p:sldId id="384" r:id="rId25"/>
-    <p:sldId id="405" r:id="rId26"/>
+    <p:sldId id="427" r:id="rId26"/>
     <p:sldId id="346" r:id="rId27"/>
     <p:sldId id="382" r:id="rId28"/>
     <p:sldId id="347" r:id="rId29"/>
@@ -262,7 +262,7 @@
           <a:p>
             <a:fld id="{C0784820-E37F-9245-812A-8C2941EBBF6C}" type="datetimeFigureOut">
               <a:rPr kumimoji="1" lang="ko-KR" altLang="en-US" smtClean="0"/>
-              <a:t>2016. 12. 19.</a:t>
+              <a:t>2016-12-20</a:t>
             </a:fld>
             <a:endParaRPr kumimoji="1" lang="ko-KR" altLang="en-US"/>
           </a:p>
@@ -427,7 +427,7 @@
           <a:p>
             <a:fld id="{ABD44343-005F-DA4E-8CE2-D84E76ABEFED}" type="datetimeFigureOut">
               <a:rPr kumimoji="1" lang="ko-KR" altLang="en-US" smtClean="0"/>
-              <a:t>2016. 12. 19.</a:t>
+              <a:t>2016-12-20</a:t>
             </a:fld>
             <a:endParaRPr kumimoji="1" lang="ko-KR" altLang="en-US"/>
           </a:p>
@@ -1355,7 +1355,7 @@
           <a:p>
             <a:fld id="{9A7BEA77-FCFD-E34F-8955-12C1E82451E3}" type="datetimeFigureOut">
               <a:rPr kumimoji="1" lang="ko-KR" altLang="en-US" smtClean="0"/>
-              <a:t>2016. 12. 19.</a:t>
+              <a:t>2016-12-20</a:t>
             </a:fld>
             <a:endParaRPr kumimoji="1" lang="ko-KR" altLang="en-US"/>
           </a:p>
@@ -1523,7 +1523,7 @@
           <a:p>
             <a:fld id="{9A7BEA77-FCFD-E34F-8955-12C1E82451E3}" type="datetimeFigureOut">
               <a:rPr kumimoji="1" lang="ko-KR" altLang="en-US" smtClean="0"/>
-              <a:t>2016. 12. 19.</a:t>
+              <a:t>2016-12-20</a:t>
             </a:fld>
             <a:endParaRPr kumimoji="1" lang="ko-KR" altLang="en-US"/>
           </a:p>
@@ -1701,7 +1701,7 @@
           <a:p>
             <a:fld id="{9A7BEA77-FCFD-E34F-8955-12C1E82451E3}" type="datetimeFigureOut">
               <a:rPr kumimoji="1" lang="ko-KR" altLang="en-US" smtClean="0"/>
-              <a:t>2016. 12. 19.</a:t>
+              <a:t>2016-12-20</a:t>
             </a:fld>
             <a:endParaRPr kumimoji="1" lang="ko-KR" altLang="en-US"/>
           </a:p>
@@ -1869,7 +1869,7 @@
           <a:p>
             <a:fld id="{9A7BEA77-FCFD-E34F-8955-12C1E82451E3}" type="datetimeFigureOut">
               <a:rPr kumimoji="1" lang="ko-KR" altLang="en-US" smtClean="0"/>
-              <a:t>2016. 12. 19.</a:t>
+              <a:t>2016-12-20</a:t>
             </a:fld>
             <a:endParaRPr kumimoji="1" lang="ko-KR" altLang="en-US"/>
           </a:p>
@@ -2114,7 +2114,7 @@
           <a:p>
             <a:fld id="{9A7BEA77-FCFD-E34F-8955-12C1E82451E3}" type="datetimeFigureOut">
               <a:rPr kumimoji="1" lang="ko-KR" altLang="en-US" smtClean="0"/>
-              <a:t>2016. 12. 19.</a:t>
+              <a:t>2016-12-20</a:t>
             </a:fld>
             <a:endParaRPr kumimoji="1" lang="ko-KR" altLang="en-US"/>
           </a:p>
@@ -2343,7 +2343,7 @@
           <a:p>
             <a:fld id="{9A7BEA77-FCFD-E34F-8955-12C1E82451E3}" type="datetimeFigureOut">
               <a:rPr kumimoji="1" lang="ko-KR" altLang="en-US" smtClean="0"/>
-              <a:t>2016. 12. 19.</a:t>
+              <a:t>2016-12-20</a:t>
             </a:fld>
             <a:endParaRPr kumimoji="1" lang="ko-KR" altLang="en-US"/>
           </a:p>
@@ -2707,7 +2707,7 @@
           <a:p>
             <a:fld id="{9A7BEA77-FCFD-E34F-8955-12C1E82451E3}" type="datetimeFigureOut">
               <a:rPr kumimoji="1" lang="ko-KR" altLang="en-US" smtClean="0"/>
-              <a:t>2016. 12. 19.</a:t>
+              <a:t>2016-12-20</a:t>
             </a:fld>
             <a:endParaRPr kumimoji="1" lang="ko-KR" altLang="en-US"/>
           </a:p>
@@ -2824,7 +2824,7 @@
           <a:p>
             <a:fld id="{9A7BEA77-FCFD-E34F-8955-12C1E82451E3}" type="datetimeFigureOut">
               <a:rPr kumimoji="1" lang="ko-KR" altLang="en-US" smtClean="0"/>
-              <a:t>2016. 12. 19.</a:t>
+              <a:t>2016-12-20</a:t>
             </a:fld>
             <a:endParaRPr kumimoji="1" lang="ko-KR" altLang="en-US"/>
           </a:p>
@@ -2919,7 +2919,7 @@
           <a:p>
             <a:fld id="{9A7BEA77-FCFD-E34F-8955-12C1E82451E3}" type="datetimeFigureOut">
               <a:rPr kumimoji="1" lang="ko-KR" altLang="en-US" smtClean="0"/>
-              <a:t>2016. 12. 19.</a:t>
+              <a:t>2016-12-20</a:t>
             </a:fld>
             <a:endParaRPr kumimoji="1" lang="ko-KR" altLang="en-US"/>
           </a:p>
@@ -3194,7 +3194,7 @@
           <a:p>
             <a:fld id="{9A7BEA77-FCFD-E34F-8955-12C1E82451E3}" type="datetimeFigureOut">
               <a:rPr kumimoji="1" lang="ko-KR" altLang="en-US" smtClean="0"/>
-              <a:t>2016. 12. 19.</a:t>
+              <a:t>2016-12-20</a:t>
             </a:fld>
             <a:endParaRPr kumimoji="1" lang="ko-KR" altLang="en-US"/>
           </a:p>
@@ -3446,7 +3446,7 @@
           <a:p>
             <a:fld id="{9A7BEA77-FCFD-E34F-8955-12C1E82451E3}" type="datetimeFigureOut">
               <a:rPr kumimoji="1" lang="ko-KR" altLang="en-US" smtClean="0"/>
-              <a:t>2016. 12. 19.</a:t>
+              <a:t>2016-12-20</a:t>
             </a:fld>
             <a:endParaRPr kumimoji="1" lang="ko-KR" altLang="en-US"/>
           </a:p>
@@ -3657,7 +3657,7 @@
           <a:p>
             <a:fld id="{9A7BEA77-FCFD-E34F-8955-12C1E82451E3}" type="datetimeFigureOut">
               <a:rPr kumimoji="1" lang="ko-KR" altLang="en-US" smtClean="0"/>
-              <a:t>2016. 12. 19.</a:t>
+              <a:t>2016-12-20</a:t>
             </a:fld>
             <a:endParaRPr kumimoji="1" lang="ko-KR" altLang="en-US"/>
           </a:p>
@@ -4916,13 +4916,6 @@
   <p:clrMapOvr>
     <a:masterClrMapping/>
   </p:clrMapOvr>
-  <p:timing>
-    <p:tnLst>
-      <p:par>
-        <p:cTn id="1" dur="indefinite" restart="never" nodeType="tmRoot"/>
-      </p:par>
-    </p:tnLst>
-  </p:timing>
 </p:sld>
 </file>
 
@@ -5203,11 +5196,7 @@
             </a:r>
             <a:r>
               <a:rPr kumimoji="1" lang="ko-KR" altLang="en-US" sz="2800"/>
-              <a:t>한 </a:t>
-            </a:r>
-            <a:r>
-              <a:rPr kumimoji="1" lang="ko-KR" altLang="en-US" sz="2800" smtClean="0"/>
-              <a:t>동화적인 그래픽</a:t>
+              <a:t>한 동화적인 그래픽</a:t>
             </a:r>
             <a:endParaRPr kumimoji="1" lang="mr-IN" altLang="ko-KR" sz="2800" dirty="0"/>
           </a:p>
@@ -6179,7 +6168,7 @@
           <a:p>
             <a:pPr algn="ctr"/>
             <a:r>
-              <a:rPr kumimoji="1" lang="ko-KR" altLang="en-US" smtClean="0"/>
+              <a:rPr kumimoji="1" lang="ko-KR" altLang="en-US"/>
               <a:t>아이템 사용부</a:t>
             </a:r>
             <a:endParaRPr kumimoji="1" lang="ko-KR" altLang="en-US" dirty="0"/>
@@ -6333,13 +6322,6 @@
   <p:clrMapOvr>
     <a:masterClrMapping/>
   </p:clrMapOvr>
-  <p:timing>
-    <p:tnLst>
-      <p:par>
-        <p:cTn id="1" dur="indefinite" restart="never" nodeType="tmRoot"/>
-      </p:par>
-    </p:tnLst>
-  </p:timing>
 </p:sld>
 </file>
 
@@ -7468,13 +7450,6 @@
   <p:clrMapOvr>
     <a:masterClrMapping/>
   </p:clrMapOvr>
-  <p:timing>
-    <p:tnLst>
-      <p:par>
-        <p:cTn id="1" dur="indefinite" restart="never" nodeType="tmRoot"/>
-      </p:par>
-    </p:tnLst>
-  </p:timing>
 </p:sld>
 </file>
 
@@ -7688,14 +7663,14 @@
               </a:lnSpc>
             </a:pPr>
             <a:r>
-              <a:rPr kumimoji="1" lang="ko-KR" altLang="en-US" sz="1600" b="1" dirty="0" smtClean="0">
+              <a:rPr kumimoji="1" lang="ko-KR" altLang="en-US" sz="1600" b="1" dirty="0">
                 <a:solidFill>
                   <a:srgbClr val="00B0F0"/>
                 </a:solidFill>
               </a:rPr>
               <a:t>키보드 조작 기반 논타겟 게임 진행</a:t>
             </a:r>
-            <a:endParaRPr kumimoji="1" lang="en-US" altLang="ko-KR" sz="1600" b="1" dirty="0" smtClean="0">
+            <a:endParaRPr kumimoji="1" lang="en-US" altLang="ko-KR" sz="1600" b="1" dirty="0">
               <a:solidFill>
                 <a:srgbClr val="00B0F0"/>
               </a:solidFill>
@@ -7708,20 +7683,12 @@
               </a:lnSpc>
             </a:pPr>
             <a:r>
-              <a:rPr kumimoji="1" lang="ko-KR" altLang="en-US" sz="1600" b="1" dirty="0" smtClean="0">
+              <a:rPr kumimoji="1" lang="ko-KR" altLang="en-US" sz="1600" b="1" dirty="0">
                 <a:solidFill>
                   <a:srgbClr val="00B0F0"/>
                 </a:solidFill>
               </a:rPr>
-              <a:t>제자리 </a:t>
-            </a:r>
-            <a:r>
-              <a:rPr kumimoji="1" lang="ko-KR" altLang="en-US" sz="1600" b="1" dirty="0">
-                <a:solidFill>
-                  <a:srgbClr val="00B0F0"/>
-                </a:solidFill>
-              </a:rPr>
-              <a:t>칼춤을 벗어난 동적인 전투</a:t>
+              <a:t>제자리 칼춤을 벗어난 동적인 전투</a:t>
             </a:r>
             <a:endParaRPr kumimoji="1" lang="en-US" altLang="ko-KR" sz="1600" b="1" dirty="0">
               <a:solidFill>
@@ -7736,20 +7703,12 @@
               </a:lnSpc>
             </a:pPr>
             <a:r>
-              <a:rPr kumimoji="1" lang="ko-KR" altLang="en-US" sz="1600" b="1" dirty="0" smtClean="0">
+              <a:rPr kumimoji="1" lang="ko-KR" altLang="en-US" sz="1600" b="1" dirty="0">
                 <a:solidFill>
                   <a:srgbClr val="00B0F0"/>
                 </a:solidFill>
               </a:rPr>
-              <a:t>보스와의 정교한 패턴 </a:t>
-            </a:r>
-            <a:r>
-              <a:rPr kumimoji="1" lang="ko-KR" altLang="en-US" sz="1600" b="1" dirty="0">
-                <a:solidFill>
-                  <a:srgbClr val="00B0F0"/>
-                </a:solidFill>
-              </a:rPr>
-              <a:t>전투</a:t>
+              <a:t>보스와의 정교한 패턴 전투</a:t>
             </a:r>
             <a:endParaRPr kumimoji="1" lang="en-US" altLang="ko-KR" sz="1600" b="1" dirty="0">
               <a:solidFill>
@@ -7808,15 +7767,15 @@
           <a:p>
             <a:pPr algn="ctr"/>
             <a:r>
-              <a:rPr kumimoji="1" lang="ko-KR" altLang="en-US" sz="2000" dirty="0" smtClean="0"/>
+              <a:rPr kumimoji="1" lang="ko-KR" altLang="en-US" sz="2000" dirty="0"/>
               <a:t>트리 오브</a:t>
             </a:r>
-            <a:endParaRPr kumimoji="1" lang="en-US" altLang="ko-KR" sz="2000" dirty="0" smtClean="0"/>
+            <a:endParaRPr kumimoji="1" lang="en-US" altLang="ko-KR" sz="2000" dirty="0"/>
           </a:p>
           <a:p>
             <a:pPr algn="ctr"/>
             <a:r>
-              <a:rPr kumimoji="1" lang="ko-KR" altLang="en-US" sz="2000" dirty="0" smtClean="0"/>
+              <a:rPr kumimoji="1" lang="ko-KR" altLang="en-US" sz="2000" dirty="0"/>
               <a:t>세이비어</a:t>
             </a:r>
             <a:endParaRPr kumimoji="1" lang="en-US" altLang="ko-KR" sz="2000" dirty="0"/>
@@ -7885,23 +7844,7 @@
                   <a:srgbClr val="00B0F0"/>
                 </a:solidFill>
               </a:rPr>
-              <a:t> </a:t>
-            </a:r>
-            <a:r>
-              <a:rPr kumimoji="1" lang="ko-KR" altLang="en-US" sz="1600" b="1" dirty="0" smtClean="0">
-                <a:solidFill>
-                  <a:srgbClr val="00B0F0"/>
-                </a:solidFill>
-              </a:rPr>
-              <a:t>고정 쿼터뷰 </a:t>
-            </a:r>
-            <a:r>
-              <a:rPr kumimoji="1" lang="ko-KR" altLang="en-US" sz="1600" b="1" dirty="0">
-                <a:solidFill>
-                  <a:srgbClr val="00B0F0"/>
-                </a:solidFill>
-              </a:rPr>
-              <a:t>게임 진행방식</a:t>
+              <a:t> 고정 쿼터뷰 게임 진행방식</a:t>
             </a:r>
             <a:endParaRPr kumimoji="1" lang="en-US" altLang="ko-KR" sz="1600" b="1" dirty="0">
               <a:solidFill>
@@ -7916,7 +7859,7 @@
               </a:lnSpc>
             </a:pPr>
             <a:r>
-              <a:rPr kumimoji="1" lang="ko-KR" altLang="en-US" sz="1600" dirty="0" smtClean="0">
+              <a:rPr kumimoji="1" lang="ko-KR" altLang="en-US" sz="1600" dirty="0">
                 <a:solidFill>
                   <a:schemeClr val="tx1"/>
                 </a:solidFill>
@@ -7941,17 +7884,9 @@
                   <a:srgbClr val="00B0F0"/>
                 </a:solidFill>
               </a:rPr>
-              <a:t>다수의 적을 휩쓰는 </a:t>
-            </a:r>
-            <a:r>
-              <a:rPr kumimoji="1" lang="ko-KR" altLang="en-US" sz="1600" b="1" dirty="0" smtClean="0">
-                <a:solidFill>
-                  <a:srgbClr val="00B0F0"/>
-                </a:solidFill>
-              </a:rPr>
-              <a:t>전투방식</a:t>
-            </a:r>
-            <a:endParaRPr kumimoji="1" lang="en-US" altLang="ko-KR" sz="1600" b="1" dirty="0" smtClean="0">
+              <a:t>다수의 적을 휩쓰는 전투방식</a:t>
+            </a:r>
+            <a:endParaRPr kumimoji="1" lang="en-US" altLang="ko-KR" sz="1600" b="1" dirty="0">
               <a:solidFill>
                 <a:srgbClr val="00B0F0"/>
               </a:solidFill>
@@ -7964,28 +7899,36 @@
               </a:lnSpc>
             </a:pPr>
             <a:r>
-              <a:rPr kumimoji="1" lang="ko-KR" altLang="en-US" sz="1600" dirty="0" smtClean="0">
+              <a:rPr kumimoji="1" lang="en-US" altLang="ko-KR" sz="1600" dirty="0">
                 <a:solidFill>
                   <a:schemeClr val="tx1"/>
                 </a:solidFill>
               </a:rPr>
-              <a:t>아기자기한 </a:t>
-            </a:r>
-            <a:r>
-              <a:rPr kumimoji="1" lang="en-US" altLang="ko-KR" sz="1600" dirty="0" smtClean="0">
+              <a:t>2D</a:t>
+            </a:r>
+            <a:r>
+              <a:rPr kumimoji="1" lang="ko-KR" altLang="en-US" sz="1600" dirty="0">
                 <a:solidFill>
                   <a:schemeClr val="tx1"/>
                 </a:solidFill>
               </a:rPr>
-              <a:t>2.5D</a:t>
-            </a:r>
-            <a:r>
-              <a:rPr kumimoji="1" lang="ko-KR" altLang="en-US" sz="1600" dirty="0" smtClean="0">
+              <a:t> 그래픽에 </a:t>
+            </a:r>
+            <a:r>
+              <a:rPr kumimoji="1" lang="en-US" altLang="ko-KR" sz="1600" dirty="0">
                 <a:solidFill>
                   <a:schemeClr val="tx1"/>
                 </a:solidFill>
               </a:rPr>
-              <a:t> 그래픽 구현</a:t>
+              <a:t>3D </a:t>
+            </a:r>
+            <a:r>
+              <a:rPr kumimoji="1" lang="ko-KR" altLang="en-US" sz="1600" dirty="0">
+                <a:solidFill>
+                  <a:schemeClr val="tx1"/>
+                </a:solidFill>
+              </a:rPr>
+              <a:t>월드를 구현</a:t>
             </a:r>
             <a:endParaRPr kumimoji="1" lang="en-US" altLang="ko-KR" sz="1600" dirty="0">
               <a:solidFill>
@@ -8094,7 +8037,7 @@
               </a:lnSpc>
             </a:pPr>
             <a:r>
-              <a:rPr kumimoji="1" lang="en-US" altLang="ko-KR" sz="2000" dirty="0" smtClean="0">
+              <a:rPr kumimoji="1" lang="en-US" altLang="ko-KR" sz="2000" dirty="0">
                 <a:solidFill>
                   <a:schemeClr val="tx1"/>
                 </a:solidFill>
@@ -8102,14 +8045,14 @@
               <a:t>-</a:t>
             </a:r>
             <a:r>
-              <a:rPr kumimoji="1" lang="ko-KR" altLang="en-US" sz="2000" dirty="0" smtClean="0">
+              <a:rPr kumimoji="1" lang="ko-KR" altLang="en-US" sz="2000" dirty="0">
                 <a:solidFill>
                   <a:schemeClr val="tx1"/>
                 </a:solidFill>
               </a:rPr>
               <a:t> 고정 쿼터뷰 카메라 진행방식</a:t>
             </a:r>
-            <a:endParaRPr kumimoji="1" lang="en-US" altLang="ko-KR" sz="2000" dirty="0" smtClean="0">
+            <a:endParaRPr kumimoji="1" lang="en-US" altLang="ko-KR" sz="2000" dirty="0">
               <a:solidFill>
                 <a:schemeClr val="tx1"/>
               </a:solidFill>
@@ -8122,7 +8065,7 @@
               </a:lnSpc>
             </a:pPr>
             <a:r>
-              <a:rPr kumimoji="1" lang="en-US" altLang="ko-KR" sz="2000" dirty="0" smtClean="0">
+              <a:rPr kumimoji="1" lang="en-US" altLang="ko-KR" sz="2000" dirty="0">
                 <a:solidFill>
                   <a:schemeClr val="tx1"/>
                 </a:solidFill>
@@ -8130,20 +8073,12 @@
               <a:t>-</a:t>
             </a:r>
             <a:r>
-              <a:rPr kumimoji="1" lang="ko-KR" altLang="en-US" sz="2000" dirty="0" smtClean="0">
+              <a:rPr kumimoji="1" lang="ko-KR" altLang="en-US" sz="2000" dirty="0">
                 <a:solidFill>
                   <a:schemeClr val="tx1"/>
                 </a:solidFill>
               </a:rPr>
-              <a:t> 논타겟 </a:t>
-            </a:r>
-            <a:r>
-              <a:rPr kumimoji="1" lang="ko-KR" altLang="en-US" sz="2000" dirty="0">
-                <a:solidFill>
-                  <a:schemeClr val="tx1"/>
-                </a:solidFill>
-              </a:rPr>
-              <a:t>키보드 조작방식</a:t>
+              <a:t> 논타겟 키보드 조작방식</a:t>
             </a:r>
             <a:endParaRPr kumimoji="1" lang="en-US" altLang="ko-KR" sz="2000" dirty="0">
               <a:solidFill>
@@ -8158,7 +8093,7 @@
               </a:lnSpc>
             </a:pPr>
             <a:r>
-              <a:rPr kumimoji="1" lang="en-US" altLang="ko-KR" sz="2000" dirty="0" smtClean="0">
+              <a:rPr kumimoji="1" lang="en-US" altLang="ko-KR" sz="2000" dirty="0">
                 <a:solidFill>
                   <a:schemeClr val="tx1"/>
                 </a:solidFill>
@@ -8166,30 +8101,14 @@
               <a:t>-</a:t>
             </a:r>
             <a:r>
-              <a:rPr kumimoji="1" lang="ko-KR" altLang="en-US" sz="2000" dirty="0" smtClean="0">
+              <a:rPr kumimoji="1" lang="ko-KR" altLang="en-US" sz="2000" dirty="0">
                 <a:solidFill>
                   <a:schemeClr val="tx1"/>
                 </a:solidFill>
               </a:rPr>
-              <a:t> 발열 </a:t>
-            </a:r>
-            <a:r>
-              <a:rPr kumimoji="1" lang="ko-KR" altLang="en-US" sz="2000" dirty="0">
-                <a:solidFill>
-                  <a:schemeClr val="tx1"/>
-                </a:solidFill>
-              </a:rPr>
-              <a:t>시스템과 궁극기 </a:t>
-            </a:r>
-            <a:r>
-              <a:rPr kumimoji="1" lang="ko-KR" altLang="en-US" sz="2000" dirty="0" smtClean="0">
-                <a:solidFill>
-                  <a:schemeClr val="tx1"/>
-                </a:solidFill>
-              </a:rPr>
-              <a:t>시스템</a:t>
-            </a:r>
-            <a:endParaRPr kumimoji="1" lang="en-US" altLang="ko-KR" sz="2000" dirty="0" smtClean="0">
+              <a:t> 발열 시스템과 궁극기 시스템</a:t>
+            </a:r>
+            <a:endParaRPr kumimoji="1" lang="en-US" altLang="ko-KR" sz="2000" dirty="0">
               <a:solidFill>
                 <a:schemeClr val="tx1"/>
               </a:solidFill>
@@ -8202,30 +8121,14 @@
               </a:lnSpc>
             </a:pPr>
             <a:r>
-              <a:rPr kumimoji="1" lang="ko-KR" altLang="en-US" sz="2000" dirty="0" smtClean="0">
+              <a:rPr kumimoji="1" lang="ko-KR" altLang="en-US" sz="2000" dirty="0">
                 <a:solidFill>
                   <a:schemeClr val="tx1"/>
                 </a:solidFill>
               </a:rPr>
-              <a:t>  활용해 </a:t>
-            </a:r>
-            <a:r>
-              <a:rPr kumimoji="1" lang="ko-KR" altLang="en-US" sz="2000" dirty="0">
-                <a:solidFill>
-                  <a:schemeClr val="tx1"/>
-                </a:solidFill>
-              </a:rPr>
-              <a:t>유저가 만들어가는 </a:t>
-            </a:r>
-            <a:r>
-              <a:rPr kumimoji="1" lang="ko-KR" altLang="en-US" sz="2000" dirty="0" smtClean="0">
-                <a:solidFill>
-                  <a:schemeClr val="tx1"/>
-                </a:solidFill>
-              </a:rPr>
-              <a:t>전투</a:t>
-            </a:r>
-            <a:endParaRPr kumimoji="1" lang="en-US" altLang="ko-KR" sz="2000" dirty="0" smtClean="0">
+              <a:t>  활용해 유저가 만들어가는 전투</a:t>
+            </a:r>
+            <a:endParaRPr kumimoji="1" lang="en-US" altLang="ko-KR" sz="2000" dirty="0">
               <a:solidFill>
                 <a:schemeClr val="tx1"/>
               </a:solidFill>
@@ -8238,7 +8141,7 @@
               </a:lnSpc>
             </a:pPr>
             <a:r>
-              <a:rPr kumimoji="1" lang="ko-KR" altLang="en-US" sz="1400" dirty="0" smtClean="0">
+              <a:rPr kumimoji="1" lang="ko-KR" altLang="en-US" sz="1400" dirty="0">
                 <a:solidFill>
                   <a:schemeClr val="bg1">
                     <a:lumMod val="50000"/>
@@ -8248,7 +8151,7 @@
               <a:t>  </a:t>
             </a:r>
             <a:r>
-              <a:rPr kumimoji="1" lang="en-US" altLang="ko-KR" sz="1400" dirty="0" smtClean="0">
+              <a:rPr kumimoji="1" lang="en-US" altLang="ko-KR" sz="1400" dirty="0">
                 <a:solidFill>
                   <a:schemeClr val="bg1">
                     <a:lumMod val="50000"/>
@@ -8258,7 +8161,7 @@
               <a:t>-</a:t>
             </a:r>
             <a:r>
-              <a:rPr kumimoji="1" lang="ko-KR" altLang="en-US" sz="1400" dirty="0" smtClean="0">
+              <a:rPr kumimoji="1" lang="ko-KR" altLang="en-US" sz="1400" dirty="0">
                 <a:solidFill>
                   <a:schemeClr val="bg1">
                     <a:lumMod val="50000"/>
@@ -8266,30 +8169,6 @@
                 </a:solidFill>
               </a:rPr>
               <a:t> 상위 난이도로 진행될수록 발열을</a:t>
-            </a:r>
-            <a:endParaRPr kumimoji="1" lang="en-US" altLang="ko-KR" sz="1400" dirty="0" smtClean="0">
-              <a:solidFill>
-                <a:schemeClr val="bg1">
-                  <a:lumMod val="50000"/>
-                </a:schemeClr>
-              </a:solidFill>
-            </a:endParaRPr>
-          </a:p>
-          <a:p>
-            <a:pPr>
-              <a:lnSpc>
-                <a:spcPct val="150000"/>
-              </a:lnSpc>
-            </a:pPr>
-            <a:r>
-              <a:rPr kumimoji="1" lang="ko-KR" altLang="en-US" sz="1400" dirty="0" smtClean="0">
-                <a:solidFill>
-                  <a:schemeClr val="bg1">
-                    <a:lumMod val="50000"/>
-                  </a:schemeClr>
-                </a:solidFill>
-              </a:rPr>
-              <a:t>    활용한 능숙한 컨트롤 요구로 하드유저 만족</a:t>
             </a:r>
             <a:endParaRPr kumimoji="1" lang="en-US" altLang="ko-KR" sz="1400" dirty="0">
               <a:solidFill>
@@ -8299,6 +8178,30 @@
               </a:solidFill>
             </a:endParaRPr>
           </a:p>
+          <a:p>
+            <a:pPr>
+              <a:lnSpc>
+                <a:spcPct val="150000"/>
+              </a:lnSpc>
+            </a:pPr>
+            <a:r>
+              <a:rPr kumimoji="1" lang="ko-KR" altLang="en-US" sz="1400" dirty="0">
+                <a:solidFill>
+                  <a:schemeClr val="bg1">
+                    <a:lumMod val="50000"/>
+                  </a:schemeClr>
+                </a:solidFill>
+              </a:rPr>
+              <a:t>    활용한 능숙한 컨트롤 요구로 하드유저 만족</a:t>
+            </a:r>
+            <a:endParaRPr kumimoji="1" lang="en-US" altLang="ko-KR" sz="1400" dirty="0">
+              <a:solidFill>
+                <a:schemeClr val="bg1">
+                  <a:lumMod val="50000"/>
+                </a:schemeClr>
+              </a:solidFill>
+            </a:endParaRPr>
+          </a:p>
         </p:txBody>
       </p:sp>
       <p:sp>
@@ -8348,7 +8251,7 @@
               </a:lnSpc>
             </a:pPr>
             <a:r>
-              <a:rPr kumimoji="1" lang="en-US" altLang="ko-KR" sz="2000" dirty="0" smtClean="0">
+              <a:rPr kumimoji="1" lang="en-US" altLang="ko-KR" sz="2000" dirty="0">
                 <a:solidFill>
                   <a:schemeClr val="tx1"/>
                 </a:solidFill>
@@ -8356,14 +8259,38 @@
               <a:t>-</a:t>
             </a:r>
             <a:r>
-              <a:rPr kumimoji="1" lang="ko-KR" altLang="en-US" sz="2000" dirty="0" smtClean="0">
+              <a:rPr kumimoji="1" lang="ko-KR" altLang="en-US" sz="2000" dirty="0">
                 <a:solidFill>
                   <a:schemeClr val="tx1"/>
                 </a:solidFill>
               </a:rPr>
-              <a:t> 카툰 렌더링을 사용하여 누구나 쉽게</a:t>
-            </a:r>
-            <a:endParaRPr kumimoji="1" lang="en-US" altLang="ko-KR" sz="2000" dirty="0" smtClean="0">
+              <a:t> </a:t>
+            </a:r>
+            <a:r>
+              <a:rPr kumimoji="1" lang="en-US" altLang="ko-KR" sz="2000" dirty="0">
+                <a:solidFill>
+                  <a:schemeClr val="tx1"/>
+                </a:solidFill>
+              </a:rPr>
+              <a:t>NPR</a:t>
+            </a:r>
+            <a:r>
+              <a:rPr kumimoji="1" lang="ko-KR" altLang="en-US" sz="2000" dirty="0">
+                <a:solidFill>
+                  <a:schemeClr val="tx1"/>
+                </a:solidFill>
+              </a:rPr>
+              <a:t> 기법을 </a:t>
+            </a:r>
+            <a:r>
+              <a:rPr kumimoji="1" lang="ko-KR" altLang="en-US" sz="2000" dirty="0">
+                <a:solidFill>
+                  <a:schemeClr val="tx1"/>
+                </a:solidFill>
+              </a:rPr>
+              <a:t>사용하여 누구나 쉽게</a:t>
+            </a:r>
+            <a:endParaRPr kumimoji="1" lang="en-US" altLang="ko-KR" sz="2000" dirty="0">
               <a:solidFill>
                 <a:schemeClr val="tx1"/>
               </a:solidFill>
@@ -8376,7 +8303,7 @@
               </a:lnSpc>
             </a:pPr>
             <a:r>
-              <a:rPr kumimoji="1" lang="ko-KR" altLang="en-US" sz="2000" dirty="0" smtClean="0">
+              <a:rPr kumimoji="1" lang="ko-KR" altLang="en-US" sz="2000" dirty="0">
                 <a:solidFill>
                   <a:schemeClr val="tx1"/>
                 </a:solidFill>
@@ -8384,7 +8311,7 @@
               <a:t>  접근할 수 있는 액션 </a:t>
             </a:r>
             <a:r>
-              <a:rPr kumimoji="1" lang="en-US" altLang="ko-KR" sz="2000" dirty="0" smtClean="0">
+              <a:rPr kumimoji="1" lang="en-US" altLang="ko-KR" sz="2000" dirty="0">
                 <a:solidFill>
                   <a:schemeClr val="tx1"/>
                 </a:solidFill>
@@ -8399,7 +8326,7 @@
               </a:lnSpc>
             </a:pPr>
             <a:r>
-              <a:rPr kumimoji="1" lang="en-US" altLang="ko-KR" sz="2000" dirty="0" smtClean="0">
+              <a:rPr kumimoji="1" lang="en-US" altLang="ko-KR" sz="2000" dirty="0">
                 <a:solidFill>
                   <a:schemeClr val="tx1"/>
                 </a:solidFill>
@@ -8407,7 +8334,7 @@
               <a:t>-</a:t>
             </a:r>
             <a:r>
-              <a:rPr kumimoji="1" lang="ko-KR" altLang="en-US" sz="2000" dirty="0" smtClean="0">
+              <a:rPr kumimoji="1" lang="ko-KR" altLang="en-US" sz="2000" dirty="0">
                 <a:solidFill>
                   <a:schemeClr val="tx1"/>
                 </a:solidFill>
@@ -8427,7 +8354,7 @@
               </a:lnSpc>
             </a:pPr>
             <a:r>
-              <a:rPr kumimoji="1" lang="en-US" altLang="ko-KR" sz="2000" dirty="0" smtClean="0">
+              <a:rPr kumimoji="1" lang="en-US" altLang="ko-KR" sz="2000" dirty="0">
                 <a:solidFill>
                   <a:schemeClr val="tx1"/>
                 </a:solidFill>
@@ -8435,14 +8362,14 @@
               <a:t>-</a:t>
             </a:r>
             <a:r>
-              <a:rPr kumimoji="1" lang="ko-KR" altLang="en-US" sz="2000" dirty="0" smtClean="0">
+              <a:rPr kumimoji="1" lang="ko-KR" altLang="en-US" sz="2000" dirty="0">
                 <a:solidFill>
                   <a:schemeClr val="tx1"/>
                 </a:solidFill>
               </a:rPr>
               <a:t> 보스의 정교한 패턴을 파티와 협동하여 극복</a:t>
             </a:r>
-            <a:endParaRPr kumimoji="1" lang="en-US" altLang="ko-KR" sz="2000" dirty="0" smtClean="0">
+            <a:endParaRPr kumimoji="1" lang="en-US" altLang="ko-KR" sz="2000" dirty="0">
               <a:solidFill>
                 <a:schemeClr val="tx1"/>
               </a:solidFill>
@@ -8455,7 +8382,7 @@
               </a:lnSpc>
             </a:pPr>
             <a:r>
-              <a:rPr kumimoji="1" lang="ko-KR" altLang="en-US" sz="1600" dirty="0" smtClean="0">
+              <a:rPr kumimoji="1" lang="ko-KR" altLang="en-US" sz="1600" dirty="0">
                 <a:solidFill>
                   <a:schemeClr val="bg1">
                     <a:lumMod val="50000"/>
@@ -8465,7 +8392,7 @@
               <a:t>  </a:t>
             </a:r>
             <a:r>
-              <a:rPr kumimoji="1" lang="en-US" altLang="ko-KR" sz="1600" dirty="0" smtClean="0">
+              <a:rPr kumimoji="1" lang="en-US" altLang="ko-KR" sz="1600" dirty="0">
                 <a:solidFill>
                   <a:schemeClr val="bg1">
                     <a:lumMod val="50000"/>
@@ -8475,7 +8402,7 @@
               <a:t>-</a:t>
             </a:r>
             <a:r>
-              <a:rPr kumimoji="1" lang="ko-KR" altLang="en-US" sz="1600" dirty="0" smtClean="0">
+              <a:rPr kumimoji="1" lang="ko-KR" altLang="en-US" sz="1600" dirty="0">
                 <a:solidFill>
                   <a:schemeClr val="bg1">
                     <a:lumMod val="50000"/>
@@ -8504,13 +8431,6 @@
   <p:clrMapOvr>
     <a:masterClrMapping/>
   </p:clrMapOvr>
-  <p:timing>
-    <p:tnLst>
-      <p:par>
-        <p:cTn id="1" dur="indefinite" restart="never" nodeType="tmRoot"/>
-      </p:par>
-    </p:tnLst>
-  </p:timing>
 </p:sld>
 </file>
 
@@ -10089,13 +10009,6 @@
   <p:clrMapOvr>
     <a:masterClrMapping/>
   </p:clrMapOvr>
-  <p:timing>
-    <p:tnLst>
-      <p:par>
-        <p:cTn id="1" dur="indefinite" restart="never" nodeType="tmRoot"/>
-      </p:par>
-    </p:tnLst>
-  </p:timing>
 </p:sld>
 </file>
 
@@ -11711,13 +11624,6 @@
   <p:clrMapOvr>
     <a:masterClrMapping/>
   </p:clrMapOvr>
-  <p:timing>
-    <p:tnLst>
-      <p:par>
-        <p:cTn id="1" dur="indefinite" restart="never" nodeType="tmRoot"/>
-      </p:par>
-    </p:tnLst>
-  </p:timing>
 </p:sld>
 </file>
 
@@ -13343,13 +13249,6 @@
   <p:clrMapOvr>
     <a:masterClrMapping/>
   </p:clrMapOvr>
-  <p:timing>
-    <p:tnLst>
-      <p:par>
-        <p:cTn id="1" dur="indefinite" restart="never" nodeType="tmRoot"/>
-      </p:par>
-    </p:tnLst>
-  </p:timing>
 </p:sld>
 </file>
 
@@ -15701,12 +15600,28 @@
           <a:p>
             <a:pPr algn="ctr"/>
             <a:r>
-              <a:rPr kumimoji="1" lang="ko-KR" altLang="en-US" sz="3600" b="1" dirty="0" smtClean="0">
+              <a:rPr kumimoji="1" lang="ko-KR" altLang="en-US" sz="3600" b="1" dirty="0">
                 <a:solidFill>
                   <a:schemeClr val="bg1"/>
                 </a:solidFill>
               </a:rPr>
-              <a:t>데드레커닝 빼</a:t>
+              <a:t>패킷 최적화를 통한 동시 </a:t>
+            </a:r>
+            <a:r>
+              <a:rPr kumimoji="1" lang="en-US" altLang="ko-KR" sz="3600" b="1" dirty="0">
+                <a:solidFill>
+                  <a:schemeClr val="bg1"/>
+                </a:solidFill>
+              </a:rPr>
+              <a:t>5000</a:t>
+            </a:r>
+            <a:r>
+              <a:rPr kumimoji="1" lang="ko-KR" altLang="en-US" sz="3600" b="1" dirty="0">
+                <a:solidFill>
+                  <a:schemeClr val="bg1"/>
+                </a:solidFill>
+              </a:rPr>
+              <a:t>명 접속</a:t>
             </a:r>
             <a:endParaRPr kumimoji="1" lang="en-US" altLang="ko-KR" sz="3600" b="1" dirty="0">
               <a:solidFill>
@@ -15724,7 +15639,7 @@
                   </a:schemeClr>
                 </a:solidFill>
               </a:rPr>
-              <a:t>데드레커닝 기법을 사용하여</a:t>
+              <a:t>프레임 당 패킷 통신횟수를 체크하여</a:t>
             </a:r>
             <a:endParaRPr kumimoji="1" lang="en-US" altLang="ko-KR" sz="3200" b="1" dirty="0">
               <a:solidFill>
@@ -15737,24 +15652,34 @@
           <a:p>
             <a:pPr algn="ctr"/>
             <a:r>
-              <a:rPr kumimoji="1" lang="en-US" altLang="ko-KR" sz="3200" b="1" dirty="0">
+              <a:rPr kumimoji="1" lang="ko-KR" altLang="en-US" sz="3200" b="1" dirty="0">
                 <a:solidFill>
                   <a:schemeClr val="bg1">
                     <a:lumMod val="50000"/>
                   </a:schemeClr>
                 </a:solidFill>
               </a:rPr>
-              <a:t>5,000</a:t>
-            </a:r>
-            <a:r>
-              <a:rPr kumimoji="1" lang="ko-KR" altLang="en-US" sz="3200" b="1" dirty="0">
+              <a:t>최고 </a:t>
+            </a:r>
+            <a:r>
+              <a:rPr kumimoji="1" lang="en-US" altLang="ko-KR" sz="3200" b="1" dirty="0">
                 <a:solidFill>
                   <a:schemeClr val="bg1">
                     <a:lumMod val="50000"/>
                   </a:schemeClr>
                 </a:solidFill>
               </a:rPr>
-              <a:t>명 접속에도 패킷 부하가 걸리지 않도록 최적화</a:t>
+              <a:t>5000</a:t>
+            </a:r>
+            <a:r>
+              <a:rPr kumimoji="1" lang="ko-KR" altLang="en-US" sz="3200" b="1" dirty="0">
+                <a:solidFill>
+                  <a:schemeClr val="bg1">
+                    <a:lumMod val="50000"/>
+                  </a:schemeClr>
+                </a:solidFill>
+              </a:rPr>
+              <a:t>명 까지 동시 접속 가능한 서버 제작</a:t>
             </a:r>
             <a:endParaRPr kumimoji="1" lang="en-US" altLang="ko-KR" sz="3200" b="1" dirty="0">
               <a:solidFill>
@@ -15858,20 +15783,13 @@
     </p:spTree>
     <p:extLst>
       <p:ext uri="{BB962C8B-B14F-4D97-AF65-F5344CB8AC3E}">
-        <p14:creationId xmlns:p14="http://schemas.microsoft.com/office/powerpoint/2010/main" val="820968370"/>
+        <p14:creationId xmlns:p14="http://schemas.microsoft.com/office/powerpoint/2010/main" val="4146613439"/>
       </p:ext>
     </p:extLst>
   </p:cSld>
   <p:clrMapOvr>
     <a:masterClrMapping/>
   </p:clrMapOvr>
-  <p:timing>
-    <p:tnLst>
-      <p:par>
-        <p:cTn id="1" dur="indefinite" restart="never" nodeType="tmRoot"/>
-      </p:par>
-    </p:tnLst>
-  </p:timing>
 </p:sld>
 </file>
 
@@ -16193,13 +16111,6 @@
   <p:transition spd="slow">
     <p:push dir="u"/>
   </p:transition>
-  <p:timing>
-    <p:tnLst>
-      <p:par>
-        <p:cTn id="1" dur="indefinite" restart="never" nodeType="tmRoot"/>
-      </p:par>
-    </p:tnLst>
-  </p:timing>
 </p:sld>
 </file>
 
@@ -20794,13 +20705,6 @@
   <p:transition spd="slow">
     <p:push/>
   </p:transition>
-  <p:timing>
-    <p:tnLst>
-      <p:par>
-        <p:cTn id="1" dur="indefinite" restart="never" nodeType="tmRoot"/>
-      </p:par>
-    </p:tnLst>
-  </p:timing>
 </p:sld>
 </file>
 
@@ -20829,7 +20733,7 @@
         </p:nvSpPr>
         <p:spPr>
           <a:xfrm>
-            <a:off x="0" y="-5140"/>
+            <a:off x="0" y="0"/>
             <a:ext cx="12192000" cy="6863140"/>
           </a:xfrm>
           <a:prstGeom prst="rect">
@@ -21312,8 +21216,8 @@
         </p:nvSpPr>
         <p:spPr>
           <a:xfrm>
-            <a:off x="2803021" y="4224999"/>
-            <a:ext cx="3139008" cy="563163"/>
+            <a:off x="3956833" y="4224999"/>
+            <a:ext cx="1985195" cy="563163"/>
           </a:xfrm>
           <a:prstGeom prst="roundRect">
             <a:avLst/>
@@ -21378,8 +21282,8 @@
         </p:nvSpPr>
         <p:spPr>
           <a:xfrm>
-            <a:off x="3956834" y="4883873"/>
-            <a:ext cx="4292821" cy="563163"/>
+            <a:off x="5110647" y="4883873"/>
+            <a:ext cx="3139008" cy="563163"/>
           </a:xfrm>
           <a:prstGeom prst="roundRect">
             <a:avLst/>
@@ -21418,7 +21322,7 @@
                   <a:schemeClr val="bg1"/>
                 </a:solidFill>
               </a:rPr>
-              <a:t>패킷 데드레커닝 최적화 작업</a:t>
+              <a:t>패킷 최적화 작업</a:t>
             </a:r>
           </a:p>
         </p:txBody>
@@ -21896,8 +21800,8 @@
         </p:nvSpPr>
         <p:spPr>
           <a:xfrm>
-            <a:off x="2803021" y="2907251"/>
-            <a:ext cx="3139008" cy="563163"/>
+            <a:off x="3956834" y="2907251"/>
+            <a:ext cx="1985195" cy="563163"/>
           </a:xfrm>
           <a:prstGeom prst="roundRect">
             <a:avLst/>
@@ -21931,19 +21835,30 @@
           <a:p>
             <a:pPr algn="ctr"/>
             <a:r>
-              <a:rPr kumimoji="1" lang="ko-KR" altLang="en-US" sz="2000">
+              <a:rPr kumimoji="1" lang="ko-KR" altLang="en-US" sz="2000" dirty="0">
                 <a:solidFill>
                   <a:schemeClr val="bg1"/>
                 </a:solidFill>
               </a:rPr>
-              <a:t>클라이언트 동기화</a:t>
-            </a:r>
-            <a:endParaRPr kumimoji="1" lang="ko-KR" altLang="en-US" sz="2000" dirty="0">
+              <a:t>클라이언트</a:t>
+            </a:r>
+            <a:endParaRPr kumimoji="1" lang="en-US" altLang="ko-KR" sz="2000" dirty="0">
               <a:solidFill>
                 <a:schemeClr val="bg1"/>
               </a:solidFill>
             </a:endParaRPr>
           </a:p>
+          <a:p>
+            <a:pPr algn="ctr"/>
+            <a:r>
+              <a:rPr kumimoji="1" lang="ko-KR" altLang="en-US" sz="2000" dirty="0">
+                <a:solidFill>
+                  <a:schemeClr val="bg1"/>
+                </a:solidFill>
+              </a:rPr>
+              <a:t>동기화</a:t>
+            </a:r>
+          </a:p>
         </p:txBody>
       </p:sp>
       <p:sp>
@@ -21954,8 +21869,8 @@
         </p:nvSpPr>
         <p:spPr>
           <a:xfrm>
-            <a:off x="6088636" y="3566125"/>
-            <a:ext cx="2350661" cy="563163"/>
+            <a:off x="5110647" y="3566125"/>
+            <a:ext cx="1985195" cy="563163"/>
           </a:xfrm>
           <a:prstGeom prst="roundRect">
             <a:avLst/>
@@ -22002,7 +21917,7 @@
     </p:spTree>
     <p:extLst>
       <p:ext uri="{BB962C8B-B14F-4D97-AF65-F5344CB8AC3E}">
-        <p14:creationId xmlns:p14="http://schemas.microsoft.com/office/powerpoint/2010/main" val="1378894327"/>
+        <p14:creationId xmlns:p14="http://schemas.microsoft.com/office/powerpoint/2010/main" val="1443592203"/>
       </p:ext>
     </p:extLst>
   </p:cSld>
@@ -22012,13 +21927,6 @@
   <p:transition spd="slow">
     <p:push/>
   </p:transition>
-  <p:timing>
-    <p:tnLst>
-      <p:par>
-        <p:cTn id="1" dur="indefinite" restart="never" nodeType="tmRoot"/>
-      </p:par>
-    </p:tnLst>
-  </p:timing>
 </p:sld>
 </file>
 
@@ -23094,7 +23002,7 @@
               <a:buNone/>
             </a:pPr>
             <a:r>
-              <a:rPr lang="en-US" altLang="ko-KR" sz="1600" b="0" cap="none" dirty="0" smtClean="0">
+              <a:rPr lang="en-US" altLang="ko-KR" sz="1600" b="0" cap="none" dirty="0">
                 <a:solidFill>
                   <a:schemeClr val="bg1"/>
                 </a:solidFill>
@@ -23103,7 +23011,7 @@
               </a:rPr>
               <a:t>디퓨즈</a:t>
             </a:r>
-            <a:endParaRPr lang="ko-KR" altLang="en-US" sz="1600" b="0" cap="none" dirty="0" smtClean="0">
+            <a:endParaRPr lang="ko-KR" altLang="en-US" sz="1600" b="0" cap="none" dirty="0">
               <a:solidFill>
                 <a:schemeClr val="bg1"/>
               </a:solidFill>
@@ -23126,7 +23034,7 @@
               <a:buNone/>
             </a:pPr>
             <a:r>
-              <a:rPr lang="en-US" altLang="ko-KR" sz="1600" b="0" cap="none" dirty="0" smtClean="0">
+              <a:rPr lang="en-US" altLang="ko-KR" sz="1600" b="0" cap="none" dirty="0">
                 <a:solidFill>
                   <a:schemeClr val="bg1"/>
                 </a:solidFill>
@@ -23135,7 +23043,7 @@
               </a:rPr>
               <a:t>스펙큘러</a:t>
             </a:r>
-            <a:endParaRPr lang="ko-KR" altLang="en-US" sz="1600" b="0" cap="none" dirty="0" smtClean="0">
+            <a:endParaRPr lang="ko-KR" altLang="en-US" sz="1600" b="0" cap="none" dirty="0">
               <a:solidFill>
                 <a:schemeClr val="bg1"/>
               </a:solidFill>
@@ -23158,7 +23066,7 @@
               <a:buNone/>
             </a:pPr>
             <a:r>
-              <a:rPr lang="en-US" altLang="ko-KR" sz="1600" b="0" cap="none" dirty="0" smtClean="0">
+              <a:rPr lang="en-US" altLang="ko-KR" sz="1600" b="0" cap="none" dirty="0">
                 <a:solidFill>
                   <a:schemeClr val="bg1"/>
                 </a:solidFill>
@@ -23167,7 +23075,7 @@
               </a:rPr>
               <a:t>매핑</a:t>
             </a:r>
-            <a:endParaRPr lang="ko-KR" altLang="en-US" sz="1600" b="0" cap="none" dirty="0" smtClean="0">
+            <a:endParaRPr lang="ko-KR" altLang="en-US" sz="1600" b="0" cap="none" dirty="0">
               <a:solidFill>
                 <a:schemeClr val="bg1"/>
               </a:solidFill>
@@ -23326,13 +23234,6 @@
       </p:transition>
     </mc:Fallback>
   </mc:AlternateContent>
-  <p:timing>
-    <p:tnLst>
-      <p:par>
-        <p:cTn id="1" dur="indefinite" restart="never" nodeType="tmRoot"/>
-      </p:par>
-    </p:tnLst>
-  </p:timing>
 </p:sld>
 </file>
 
@@ -24657,13 +24558,6 @@
   <p:transition spd="slow">
     <p:push/>
   </p:transition>
-  <p:timing>
-    <p:tnLst>
-      <p:par>
-        <p:cTn id="1" dur="indefinite" restart="never" nodeType="tmRoot"/>
-      </p:par>
-    </p:tnLst>
-  </p:timing>
 </p:sld>
 </file>
 
@@ -24723,13 +24617,6 @@
   <p:clrMapOvr>
     <a:masterClrMapping/>
   </p:clrMapOvr>
-  <p:timing>
-    <p:tnLst>
-      <p:par>
-        <p:cTn id="1" dur="indefinite" restart="never" nodeType="tmRoot"/>
-      </p:par>
-    </p:tnLst>
-  </p:timing>
 </p:sld>
 </file>
 
@@ -29695,13 +29582,6 @@
   <p:clrMapOvr>
     <a:masterClrMapping/>
   </p:clrMapOvr>
-  <p:timing>
-    <p:tnLst>
-      <p:par>
-        <p:cTn id="1" dur="indefinite" restart="never" nodeType="tmRoot"/>
-      </p:par>
-    </p:tnLst>
-  </p:timing>
 </p:sld>
 </file>
 
@@ -29886,7 +29766,7 @@
           <a:p>
             <a:pPr algn="ctr"/>
             <a:r>
-              <a:rPr kumimoji="1" lang="en-US" altLang="ko-KR" sz="2800" dirty="0" smtClean="0">
+              <a:rPr kumimoji="1" lang="en-US" altLang="ko-KR" sz="2800" dirty="0">
                 <a:solidFill>
                   <a:schemeClr val="bg1">
                     <a:lumMod val="50000"/>
@@ -29896,7 +29776,7 @@
               <a:t>500m x 500m</a:t>
             </a:r>
             <a:r>
-              <a:rPr kumimoji="1" lang="ko-KR" altLang="en-US" sz="2800" dirty="0" smtClean="0">
+              <a:rPr kumimoji="1" lang="ko-KR" altLang="en-US" sz="2800" dirty="0">
                 <a:solidFill>
                   <a:schemeClr val="bg1">
                     <a:lumMod val="50000"/>
@@ -30023,17 +29903,7 @@
                   </a:schemeClr>
                 </a:solidFill>
               </a:rPr>
-              <a:t>2</a:t>
-            </a:r>
-            <a:r>
-              <a:rPr kumimoji="1" lang="en-US" altLang="ko-KR" sz="2800" dirty="0" smtClean="0">
-                <a:solidFill>
-                  <a:schemeClr val="bg1">
-                    <a:lumMod val="50000"/>
-                  </a:schemeClr>
-                </a:solidFill>
-              </a:rPr>
-              <a:t>m/s</a:t>
+              <a:t>2m/s</a:t>
             </a:r>
             <a:r>
               <a:rPr kumimoji="1" lang="ko-KR" altLang="en-US" sz="2800" dirty="0">
@@ -30143,13 +30013,6 @@
   <p:clrMapOvr>
     <a:masterClrMapping/>
   </p:clrMapOvr>
-  <p:timing>
-    <p:tnLst>
-      <p:par>
-        <p:cTn id="1" dur="indefinite" restart="never" nodeType="tmRoot"/>
-      </p:par>
-    </p:tnLst>
-  </p:timing>
 </p:sld>
 </file>
 
@@ -30528,7 +30391,7 @@
           <a:p>
             <a:pPr algn="ctr"/>
             <a:r>
-              <a:rPr kumimoji="1" lang="en-US" altLang="ko-KR" sz="5400" b="1" dirty="0" smtClean="0">
+              <a:rPr kumimoji="1" lang="en-US" altLang="ko-KR" sz="5400" b="1" dirty="0">
                 <a:solidFill>
                   <a:schemeClr val="tx1"/>
                 </a:solidFill>
@@ -31040,7 +30903,7 @@
           <a:p>
             <a:pPr lvl="0" algn="ctr"/>
             <a:r>
-              <a:rPr kumimoji="1" lang="en-US" altLang="ko-KR" sz="2800" b="1" dirty="0" smtClean="0">
+              <a:rPr kumimoji="1" lang="en-US" altLang="ko-KR" sz="2800" b="1" dirty="0">
                 <a:solidFill>
                   <a:prstClr val="black"/>
                 </a:solidFill>
@@ -31049,7 +30912,7 @@
               <a:t>NPR</a:t>
             </a:r>
             <a:r>
-              <a:rPr kumimoji="1" lang="ko-KR" altLang="en-US" sz="2800" b="1" dirty="0" smtClean="0">
+              <a:rPr kumimoji="1" lang="ko-KR" altLang="en-US" sz="2800" b="1" dirty="0">
                 <a:solidFill>
                   <a:prstClr val="black"/>
                 </a:solidFill>
@@ -31057,12 +30920,6 @@
               </a:rPr>
               <a:t> 렌더링</a:t>
             </a:r>
-            <a:endParaRPr kumimoji="1" lang="ko-KR" altLang="en-US" sz="2800" b="1" dirty="0">
-              <a:solidFill>
-                <a:prstClr val="black"/>
-              </a:solidFill>
-              <a:latin typeface="+mj-lt"/>
-            </a:endParaRPr>
           </a:p>
         </p:txBody>
       </p:sp>
@@ -31598,19 +31455,7 @@
                 <a:latin typeface="맑은 고딕" charset="-127"/>
                 <a:cs typeface="Times New Roman" charset="0"/>
               </a:rPr>
-              <a:t> 끊임없이 공격을 하는 즐거움 </a:t>
-            </a:r>
-            <a:r>
-              <a:rPr lang="ko-KR" altLang="en-US" sz="2000" dirty="0" smtClean="0">
-                <a:solidFill>
-                  <a:schemeClr val="bg1">
-                    <a:lumMod val="50000"/>
-                  </a:schemeClr>
-                </a:solidFill>
-                <a:latin typeface="맑은 고딕" charset="-127"/>
-                <a:cs typeface="Times New Roman" charset="0"/>
-              </a:rPr>
-              <a:t>부여</a:t>
+              <a:t> 끊임없이 공격을 하는 즐거움 부여</a:t>
             </a:r>
             <a:endParaRPr lang="en-US" altLang="ko-KR" sz="2000" dirty="0">
               <a:solidFill>
@@ -33434,15 +33279,15 @@
           <a:lstStyle/>
           <a:p>
             <a:r>
-              <a:rPr kumimoji="1" lang="ko-KR" altLang="en-US" sz="2800" dirty="0" smtClean="0"/>
+              <a:rPr kumimoji="1" lang="ko-KR" altLang="en-US" sz="2800" dirty="0"/>
               <a:t>최신 개발 트렌드에 맞춰 어떤 </a:t>
             </a:r>
             <a:r>
-              <a:rPr kumimoji="1" lang="en-US" altLang="ko-KR" sz="2800" dirty="0" smtClean="0"/>
+              <a:rPr kumimoji="1" lang="en-US" altLang="ko-KR" sz="2800" dirty="0"/>
               <a:t>OS</a:t>
             </a:r>
             <a:r>
-              <a:rPr kumimoji="1" lang="ko-KR" altLang="en-US" sz="2800" dirty="0" smtClean="0"/>
+              <a:rPr kumimoji="1" lang="ko-KR" altLang="en-US" sz="2800" dirty="0"/>
               <a:t>에서도 구동하는 서버 제작</a:t>
             </a:r>
             <a:endParaRPr kumimoji="1" lang="en-US" altLang="ko-KR" sz="2800" dirty="0"/>
@@ -33816,7 +33661,7 @@
         <p:spPr>
           <a:xfrm>
             <a:off x="614644" y="3061994"/>
-            <a:ext cx="3369833" cy="523220"/>
+            <a:ext cx="10930621" cy="523220"/>
           </a:xfrm>
           <a:prstGeom prst="rect">
             <a:avLst/>
@@ -33830,20 +33675,36 @@
           <a:p>
             <a:pPr lvl="0"/>
             <a:r>
-              <a:rPr kumimoji="1" lang="ko-KR" altLang="en-US" sz="2800" dirty="0" smtClean="0">
+              <a:rPr kumimoji="1" lang="ko-KR" altLang="en-US" sz="2800" dirty="0">
                 <a:solidFill>
                   <a:prstClr val="black"/>
                 </a:solidFill>
               </a:rPr>
-              <a:t>뭐 좀 더 쓸거 없어</a:t>
-            </a:r>
-            <a:r>
-              <a:rPr kumimoji="1" lang="en-US" altLang="ko-KR" sz="2800" dirty="0" smtClean="0">
+              <a:t>패킷 최적화를 하여 플레이어 </a:t>
+            </a:r>
+            <a:r>
+              <a:rPr kumimoji="1" lang="ko-KR" altLang="en-US" sz="2800" dirty="0" err="1">
                 <a:solidFill>
                   <a:prstClr val="black"/>
                 </a:solidFill>
               </a:rPr>
-              <a:t>?</a:t>
+              <a:t>핫스팟</a:t>
+            </a:r>
+            <a:r>
+              <a:rPr kumimoji="1" lang="en-US" altLang="ko-KR" sz="2800" dirty="0">
+                <a:solidFill>
+                  <a:prstClr val="black"/>
+                </a:solidFill>
+              </a:rPr>
+              <a:t>(hot-spot)</a:t>
+            </a:r>
+            <a:r>
+              <a:rPr kumimoji="1" lang="ko-KR" altLang="en-US" sz="2800" dirty="0">
+                <a:solidFill>
+                  <a:prstClr val="black"/>
+                </a:solidFill>
+              </a:rPr>
+              <a:t>에도 끊김 없는 서버</a:t>
             </a:r>
             <a:endParaRPr kumimoji="1" lang="en-US" altLang="ko-KR" sz="2800" dirty="0">
               <a:solidFill>

--- a/documents/노루막이_김형준_신창섭_홍승필_허지훈.pptx
+++ b/documents/노루막이_김형준_신창섭_홍승필_허지훈.pptx
@@ -8280,15 +8280,7 @@
                   <a:schemeClr val="tx1"/>
                 </a:solidFill>
               </a:rPr>
-              <a:t> 기법을 </a:t>
-            </a:r>
-            <a:r>
-              <a:rPr kumimoji="1" lang="ko-KR" altLang="en-US" sz="2000" dirty="0">
-                <a:solidFill>
-                  <a:schemeClr val="tx1"/>
-                </a:solidFill>
-              </a:rPr>
-              <a:t>사용하여 누구나 쉽게</a:t>
+              <a:t> 기법을 사용하여 누구나 쉽게</a:t>
             </a:r>
             <a:endParaRPr kumimoji="1" lang="en-US" altLang="ko-KR" sz="2000" dirty="0">
               <a:solidFill>
@@ -21411,7 +21403,10 @@
             <a:avLst/>
           </a:prstGeom>
           <a:solidFill>
-            <a:srgbClr val="00B0F0"/>
+            <a:schemeClr val="tx1">
+              <a:lumMod val="50000"/>
+              <a:lumOff val="50000"/>
+            </a:schemeClr>
           </a:solidFill>
           <a:ln>
             <a:noFill/>

--- a/documents/노루막이_김형준_신창섭_홍승필_허지훈.pptx
+++ b/documents/노루막이_김형준_신창섭_홍승필_허지훈.pptx
@@ -263,7 +263,7 @@
           <a:p>
             <a:fld id="{C0784820-E37F-9245-812A-8C2941EBBF6C}" type="datetimeFigureOut">
               <a:rPr kumimoji="1" lang="ko-KR" altLang="en-US" smtClean="0"/>
-              <a:t>2016. 12. 20.</a:t>
+              <a:t>2016-12-21</a:t>
             </a:fld>
             <a:endParaRPr kumimoji="1" lang="ko-KR" altLang="en-US"/>
           </a:p>
@@ -428,7 +428,7 @@
           <a:p>
             <a:fld id="{ABD44343-005F-DA4E-8CE2-D84E76ABEFED}" type="datetimeFigureOut">
               <a:rPr kumimoji="1" lang="ko-KR" altLang="en-US" smtClean="0"/>
-              <a:t>2016. 12. 20.</a:t>
+              <a:t>2016-12-21</a:t>
             </a:fld>
             <a:endParaRPr kumimoji="1" lang="ko-KR" altLang="en-US"/>
           </a:p>
@@ -1311,6 +1311,90 @@
 </p:notes>
 </file>
 
+<file path=ppt/notesSlides/notesSlide8.xml><?xml version="1.0" encoding="utf-8"?>
+<p:notes xmlns:a="http://schemas.openxmlformats.org/drawingml/2006/main" xmlns:r="http://schemas.openxmlformats.org/officeDocument/2006/relationships" xmlns:p="http://schemas.openxmlformats.org/presentationml/2006/main">
+  <p:cSld>
+    <p:spTree>
+      <p:nvGrpSpPr>
+        <p:cNvPr id="1" name=""/>
+        <p:cNvGrpSpPr/>
+        <p:nvPr/>
+      </p:nvGrpSpPr>
+      <p:grpSpPr>
+        <a:xfrm>
+          <a:off x="0" y="0"/>
+          <a:ext cx="0" cy="0"/>
+          <a:chOff x="0" y="0"/>
+          <a:chExt cx="0" cy="0"/>
+        </a:xfrm>
+      </p:grpSpPr>
+      <p:sp>
+        <p:nvSpPr>
+          <p:cNvPr id="2" name="슬라이드 이미지 개체 틀 1"/>
+          <p:cNvSpPr>
+            <a:spLocks noGrp="1" noRot="1" noChangeAspect="1"/>
+          </p:cNvSpPr>
+          <p:nvPr>
+            <p:ph type="sldImg"/>
+          </p:nvPr>
+        </p:nvSpPr>
+        <p:spPr/>
+      </p:sp>
+      <p:sp>
+        <p:nvSpPr>
+          <p:cNvPr id="3" name="슬라이드 노트 개체 틀 2"/>
+          <p:cNvSpPr>
+            <a:spLocks noGrp="1"/>
+          </p:cNvSpPr>
+          <p:nvPr>
+            <p:ph type="body" idx="1"/>
+          </p:nvPr>
+        </p:nvSpPr>
+        <p:spPr/>
+        <p:txBody>
+          <a:bodyPr/>
+          <a:lstStyle/>
+          <a:p>
+            <a:endParaRPr lang="ko-KR" altLang="en-US" dirty="0"/>
+          </a:p>
+        </p:txBody>
+      </p:sp>
+      <p:sp>
+        <p:nvSpPr>
+          <p:cNvPr id="4" name="슬라이드 번호 개체 틀 3"/>
+          <p:cNvSpPr>
+            <a:spLocks noGrp="1"/>
+          </p:cNvSpPr>
+          <p:nvPr>
+            <p:ph type="sldNum" sz="quarter" idx="10"/>
+          </p:nvPr>
+        </p:nvSpPr>
+        <p:spPr/>
+        <p:txBody>
+          <a:bodyPr/>
+          <a:lstStyle/>
+          <a:p>
+            <a:fld id="{D39C498E-0BA9-4748-85A3-59023D192E99}" type="slidenum">
+              <a:rPr kumimoji="1" lang="ko-KR" altLang="en-US" smtClean="0"/>
+              <a:t>28</a:t>
+            </a:fld>
+            <a:endParaRPr kumimoji="1" lang="ko-KR" altLang="en-US"/>
+          </a:p>
+        </p:txBody>
+      </p:sp>
+    </p:spTree>
+    <p:extLst>
+      <p:ext uri="{BB962C8B-B14F-4D97-AF65-F5344CB8AC3E}">
+        <p14:creationId xmlns:p14="http://schemas.microsoft.com/office/powerpoint/2010/main" val="3731061897"/>
+      </p:ext>
+    </p:extLst>
+  </p:cSld>
+  <p:clrMapOvr>
+    <a:masterClrMapping/>
+  </p:clrMapOvr>
+</p:notes>
+</file>
+
 <file path=ppt/slideLayouts/slideLayout1.xml><?xml version="1.0" encoding="utf-8"?>
 <p:sldLayout xmlns:a="http://schemas.openxmlformats.org/drawingml/2006/main" xmlns:r="http://schemas.openxmlformats.org/officeDocument/2006/relationships" xmlns:p="http://schemas.openxmlformats.org/presentationml/2006/main" type="title" preserve="1">
   <p:cSld name="제목 슬라이드">
@@ -1440,7 +1524,7 @@
           <a:p>
             <a:fld id="{9A7BEA77-FCFD-E34F-8955-12C1E82451E3}" type="datetimeFigureOut">
               <a:rPr kumimoji="1" lang="ko-KR" altLang="en-US" smtClean="0"/>
-              <a:t>2016. 12. 20.</a:t>
+              <a:t>2016-12-21</a:t>
             </a:fld>
             <a:endParaRPr kumimoji="1" lang="ko-KR" altLang="en-US"/>
           </a:p>
@@ -1608,7 +1692,7 @@
           <a:p>
             <a:fld id="{9A7BEA77-FCFD-E34F-8955-12C1E82451E3}" type="datetimeFigureOut">
               <a:rPr kumimoji="1" lang="ko-KR" altLang="en-US" smtClean="0"/>
-              <a:t>2016. 12. 20.</a:t>
+              <a:t>2016-12-21</a:t>
             </a:fld>
             <a:endParaRPr kumimoji="1" lang="ko-KR" altLang="en-US"/>
           </a:p>
@@ -1786,7 +1870,7 @@
           <a:p>
             <a:fld id="{9A7BEA77-FCFD-E34F-8955-12C1E82451E3}" type="datetimeFigureOut">
               <a:rPr kumimoji="1" lang="ko-KR" altLang="en-US" smtClean="0"/>
-              <a:t>2016. 12. 20.</a:t>
+              <a:t>2016-12-21</a:t>
             </a:fld>
             <a:endParaRPr kumimoji="1" lang="ko-KR" altLang="en-US"/>
           </a:p>
@@ -1954,7 +2038,7 @@
           <a:p>
             <a:fld id="{9A7BEA77-FCFD-E34F-8955-12C1E82451E3}" type="datetimeFigureOut">
               <a:rPr kumimoji="1" lang="ko-KR" altLang="en-US" smtClean="0"/>
-              <a:t>2016. 12. 20.</a:t>
+              <a:t>2016-12-21</a:t>
             </a:fld>
             <a:endParaRPr kumimoji="1" lang="ko-KR" altLang="en-US"/>
           </a:p>
@@ -2199,7 +2283,7 @@
           <a:p>
             <a:fld id="{9A7BEA77-FCFD-E34F-8955-12C1E82451E3}" type="datetimeFigureOut">
               <a:rPr kumimoji="1" lang="ko-KR" altLang="en-US" smtClean="0"/>
-              <a:t>2016. 12. 20.</a:t>
+              <a:t>2016-12-21</a:t>
             </a:fld>
             <a:endParaRPr kumimoji="1" lang="ko-KR" altLang="en-US"/>
           </a:p>
@@ -2428,7 +2512,7 @@
           <a:p>
             <a:fld id="{9A7BEA77-FCFD-E34F-8955-12C1E82451E3}" type="datetimeFigureOut">
               <a:rPr kumimoji="1" lang="ko-KR" altLang="en-US" smtClean="0"/>
-              <a:t>2016. 12. 20.</a:t>
+              <a:t>2016-12-21</a:t>
             </a:fld>
             <a:endParaRPr kumimoji="1" lang="ko-KR" altLang="en-US"/>
           </a:p>
@@ -2792,7 +2876,7 @@
           <a:p>
             <a:fld id="{9A7BEA77-FCFD-E34F-8955-12C1E82451E3}" type="datetimeFigureOut">
               <a:rPr kumimoji="1" lang="ko-KR" altLang="en-US" smtClean="0"/>
-              <a:t>2016. 12. 20.</a:t>
+              <a:t>2016-12-21</a:t>
             </a:fld>
             <a:endParaRPr kumimoji="1" lang="ko-KR" altLang="en-US"/>
           </a:p>
@@ -2909,7 +2993,7 @@
           <a:p>
             <a:fld id="{9A7BEA77-FCFD-E34F-8955-12C1E82451E3}" type="datetimeFigureOut">
               <a:rPr kumimoji="1" lang="ko-KR" altLang="en-US" smtClean="0"/>
-              <a:t>2016. 12. 20.</a:t>
+              <a:t>2016-12-21</a:t>
             </a:fld>
             <a:endParaRPr kumimoji="1" lang="ko-KR" altLang="en-US"/>
           </a:p>
@@ -3004,7 +3088,7 @@
           <a:p>
             <a:fld id="{9A7BEA77-FCFD-E34F-8955-12C1E82451E3}" type="datetimeFigureOut">
               <a:rPr kumimoji="1" lang="ko-KR" altLang="en-US" smtClean="0"/>
-              <a:t>2016. 12. 20.</a:t>
+              <a:t>2016-12-21</a:t>
             </a:fld>
             <a:endParaRPr kumimoji="1" lang="ko-KR" altLang="en-US"/>
           </a:p>
@@ -3279,7 +3363,7 @@
           <a:p>
             <a:fld id="{9A7BEA77-FCFD-E34F-8955-12C1E82451E3}" type="datetimeFigureOut">
               <a:rPr kumimoji="1" lang="ko-KR" altLang="en-US" smtClean="0"/>
-              <a:t>2016. 12. 20.</a:t>
+              <a:t>2016-12-21</a:t>
             </a:fld>
             <a:endParaRPr kumimoji="1" lang="ko-KR" altLang="en-US"/>
           </a:p>
@@ -3531,7 +3615,7 @@
           <a:p>
             <a:fld id="{9A7BEA77-FCFD-E34F-8955-12C1E82451E3}" type="datetimeFigureOut">
               <a:rPr kumimoji="1" lang="ko-KR" altLang="en-US" smtClean="0"/>
-              <a:t>2016. 12. 20.</a:t>
+              <a:t>2016-12-21</a:t>
             </a:fld>
             <a:endParaRPr kumimoji="1" lang="ko-KR" altLang="en-US"/>
           </a:p>
@@ -3742,7 +3826,7 @@
           <a:p>
             <a:fld id="{9A7BEA77-FCFD-E34F-8955-12C1E82451E3}" type="datetimeFigureOut">
               <a:rPr kumimoji="1" lang="ko-KR" altLang="en-US" smtClean="0"/>
-              <a:t>2016. 12. 20.</a:t>
+              <a:t>2016-12-21</a:t>
             </a:fld>
             <a:endParaRPr kumimoji="1" lang="ko-KR" altLang="en-US"/>
           </a:p>
@@ -5001,13 +5085,6 @@
   <p:clrMapOvr>
     <a:masterClrMapping/>
   </p:clrMapOvr>
-  <p:timing>
-    <p:tnLst>
-      <p:par>
-        <p:cTn id="1" dur="indefinite" restart="never" nodeType="tmRoot"/>
-      </p:par>
-    </p:tnLst>
-  </p:timing>
 </p:sld>
 </file>
 
@@ -5588,10 +5665,9 @@
           <a:lstStyle/>
           <a:p>
             <a:r>
-              <a:rPr kumimoji="1" lang="ko-KR" altLang="en-US" sz="9600" i="1" dirty="0" smtClean="0"/>
+              <a:rPr kumimoji="1" lang="ko-KR" altLang="en-US" sz="9600" i="1" dirty="0"/>
               <a:t>쉐이더</a:t>
             </a:r>
-            <a:endParaRPr kumimoji="1" lang="ko-KR" altLang="en-US" sz="9600" i="1" dirty="0"/>
           </a:p>
         </p:txBody>
       </p:sp>
@@ -5735,18 +5811,13 @@
           <a:lstStyle/>
           <a:p>
             <a:r>
-              <a:rPr kumimoji="1" lang="ko-KR" altLang="en-US" b="1" dirty="0" smtClean="0">
+              <a:rPr kumimoji="1" lang="ko-KR" altLang="en-US" b="1" dirty="0">
                 <a:solidFill>
                   <a:schemeClr val="tx1"/>
                 </a:solidFill>
               </a:rPr>
               <a:t>포워드 라이팅</a:t>
             </a:r>
-            <a:endParaRPr kumimoji="1" lang="ko-KR" altLang="en-US" b="1" dirty="0">
-              <a:solidFill>
-                <a:schemeClr val="tx1"/>
-              </a:solidFill>
-            </a:endParaRPr>
           </a:p>
         </p:txBody>
       </p:sp>
@@ -5792,18 +5863,13 @@
           <a:lstStyle/>
           <a:p>
             <a:r>
-              <a:rPr kumimoji="1" lang="ko-KR" altLang="en-US" b="1" dirty="0" smtClean="0">
+              <a:rPr kumimoji="1" lang="ko-KR" altLang="en-US" b="1" dirty="0">
                 <a:solidFill>
                   <a:schemeClr val="tx1"/>
                 </a:solidFill>
               </a:rPr>
               <a:t>디퍼드 셰이딩</a:t>
             </a:r>
-            <a:endParaRPr kumimoji="1" lang="ko-KR" altLang="en-US" b="1" dirty="0">
-              <a:solidFill>
-                <a:schemeClr val="tx1"/>
-              </a:solidFill>
-            </a:endParaRPr>
           </a:p>
         </p:txBody>
       </p:sp>
@@ -5849,18 +5915,13 @@
           <a:lstStyle/>
           <a:p>
             <a:r>
-              <a:rPr kumimoji="1" lang="ko-KR" altLang="en-US" b="1" dirty="0" smtClean="0">
+              <a:rPr kumimoji="1" lang="ko-KR" altLang="en-US" b="1" dirty="0">
                 <a:solidFill>
                   <a:schemeClr val="tx1"/>
                 </a:solidFill>
               </a:rPr>
               <a:t>셰도우 매핑</a:t>
             </a:r>
-            <a:endParaRPr kumimoji="1" lang="ko-KR" altLang="en-US" b="1" dirty="0">
-              <a:solidFill>
-                <a:schemeClr val="tx1"/>
-              </a:solidFill>
-            </a:endParaRPr>
           </a:p>
         </p:txBody>
       </p:sp>
@@ -5906,18 +5967,13 @@
           <a:lstStyle/>
           <a:p>
             <a:r>
-              <a:rPr kumimoji="1" lang="ko-KR" altLang="en-US" b="1" dirty="0" smtClean="0">
+              <a:rPr kumimoji="1" lang="ko-KR" altLang="en-US" b="1" dirty="0">
                 <a:solidFill>
                   <a:schemeClr val="tx1"/>
                 </a:solidFill>
               </a:rPr>
               <a:t>프로스트프로세싱</a:t>
             </a:r>
-            <a:endParaRPr kumimoji="1" lang="ko-KR" altLang="en-US" b="1" dirty="0">
-              <a:solidFill>
-                <a:schemeClr val="tx1"/>
-              </a:solidFill>
-            </a:endParaRPr>
           </a:p>
         </p:txBody>
       </p:sp>
@@ -5963,18 +6019,13 @@
           <a:lstStyle/>
           <a:p>
             <a:r>
-              <a:rPr kumimoji="1" lang="ko-KR" altLang="en-US" b="1" dirty="0" smtClean="0">
+              <a:rPr kumimoji="1" lang="ko-KR" altLang="en-US" b="1" dirty="0">
                 <a:solidFill>
                   <a:schemeClr val="tx1"/>
                 </a:solidFill>
               </a:rPr>
               <a:t>화면공간효과</a:t>
             </a:r>
-            <a:endParaRPr kumimoji="1" lang="ko-KR" altLang="en-US" b="1" dirty="0">
-              <a:solidFill>
-                <a:schemeClr val="tx1"/>
-              </a:solidFill>
-            </a:endParaRPr>
           </a:p>
         </p:txBody>
       </p:sp>
@@ -6020,18 +6071,13 @@
           <a:lstStyle/>
           <a:p>
             <a:r>
-              <a:rPr kumimoji="1" lang="ko-KR" altLang="en-US" b="1" dirty="0" smtClean="0">
+              <a:rPr kumimoji="1" lang="ko-KR" altLang="en-US" b="1" dirty="0">
                 <a:solidFill>
                   <a:schemeClr val="tx1"/>
                 </a:solidFill>
               </a:rPr>
               <a:t>환경효과</a:t>
             </a:r>
-            <a:endParaRPr kumimoji="1" lang="ko-KR" altLang="en-US" b="1" dirty="0">
-              <a:solidFill>
-                <a:schemeClr val="tx1"/>
-              </a:solidFill>
-            </a:endParaRPr>
           </a:p>
         </p:txBody>
       </p:sp>
@@ -6080,14 +6126,14 @@
           <a:p>
             <a:pPr algn="ctr"/>
             <a:r>
-              <a:rPr kumimoji="1" lang="ko-KR" altLang="en-US" sz="1400" dirty="0" smtClean="0">
+              <a:rPr kumimoji="1" lang="ko-KR" altLang="en-US" sz="1400" dirty="0">
                 <a:solidFill>
                   <a:schemeClr val="bg1"/>
                 </a:solidFill>
               </a:rPr>
               <a:t>반구형 엠비언트 라이트</a:t>
             </a:r>
-            <a:endParaRPr kumimoji="1" lang="en-US" altLang="ko-KR" sz="1400" dirty="0" smtClean="0">
+            <a:endParaRPr kumimoji="1" lang="en-US" altLang="ko-KR" sz="1400" dirty="0">
               <a:solidFill>
                 <a:schemeClr val="bg1"/>
               </a:solidFill>
@@ -6096,14 +6142,14 @@
           <a:p>
             <a:pPr algn="ctr"/>
             <a:r>
-              <a:rPr kumimoji="1" lang="ko-KR" altLang="en-US" sz="1400" dirty="0" smtClean="0">
+              <a:rPr kumimoji="1" lang="ko-KR" altLang="en-US" sz="1400" dirty="0">
                 <a:solidFill>
                   <a:schemeClr val="bg1"/>
                 </a:solidFill>
               </a:rPr>
               <a:t>디렉셔널 라이트</a:t>
             </a:r>
-            <a:endParaRPr kumimoji="1" lang="en-US" altLang="ko-KR" sz="1400" dirty="0" smtClean="0">
+            <a:endParaRPr kumimoji="1" lang="en-US" altLang="ko-KR" sz="1400" dirty="0">
               <a:solidFill>
                 <a:schemeClr val="bg1"/>
               </a:solidFill>
@@ -6112,14 +6158,14 @@
           <a:p>
             <a:pPr algn="ctr"/>
             <a:r>
-              <a:rPr kumimoji="1" lang="ko-KR" altLang="en-US" sz="1400" dirty="0" smtClean="0">
+              <a:rPr kumimoji="1" lang="ko-KR" altLang="en-US" sz="1400" dirty="0">
                 <a:solidFill>
                   <a:schemeClr val="bg1"/>
                 </a:solidFill>
               </a:rPr>
               <a:t>포인트 라이트</a:t>
             </a:r>
-            <a:endParaRPr kumimoji="1" lang="en-US" altLang="ko-KR" sz="1400" dirty="0" smtClean="0">
+            <a:endParaRPr kumimoji="1" lang="en-US" altLang="ko-KR" sz="1400" dirty="0">
               <a:solidFill>
                 <a:schemeClr val="bg1"/>
               </a:solidFill>
@@ -6128,18 +6174,13 @@
           <a:p>
             <a:pPr algn="ctr"/>
             <a:r>
-              <a:rPr kumimoji="1" lang="ko-KR" altLang="en-US" sz="1400" dirty="0" smtClean="0">
+              <a:rPr kumimoji="1" lang="ko-KR" altLang="en-US" sz="1400" dirty="0">
                 <a:solidFill>
                   <a:schemeClr val="bg1"/>
                 </a:solidFill>
               </a:rPr>
               <a:t>스포트라이트</a:t>
             </a:r>
-            <a:endParaRPr kumimoji="1" lang="ko-KR" altLang="en-US" sz="1400" dirty="0">
-              <a:solidFill>
-                <a:schemeClr val="bg1"/>
-              </a:solidFill>
-            </a:endParaRPr>
           </a:p>
         </p:txBody>
       </p:sp>
@@ -6188,7 +6229,7 @@
           <a:p>
             <a:pPr algn="ctr"/>
             <a:r>
-              <a:rPr kumimoji="1" lang="en-US" altLang="ko-KR" sz="1400" dirty="0" err="1" smtClean="0">
+              <a:rPr kumimoji="1" lang="en-US" altLang="ko-KR" sz="1400" dirty="0" err="1">
                 <a:solidFill>
                   <a:schemeClr val="bg1"/>
                 </a:solidFill>
@@ -6196,7 +6237,7 @@
               <a:t>Gbuffer</a:t>
             </a:r>
             <a:r>
-              <a:rPr kumimoji="1" lang="en-US" altLang="ko-KR" sz="1400" dirty="0" smtClean="0">
+              <a:rPr kumimoji="1" lang="en-US" altLang="ko-KR" sz="1400" dirty="0">
                 <a:solidFill>
                   <a:schemeClr val="bg1"/>
                 </a:solidFill>
@@ -6204,7 +6245,7 @@
               <a:t> </a:t>
             </a:r>
             <a:r>
-              <a:rPr kumimoji="1" lang="ko-KR" altLang="en-US" sz="1400" dirty="0" smtClean="0">
+              <a:rPr kumimoji="1" lang="ko-KR" altLang="en-US" sz="1400" dirty="0">
                 <a:solidFill>
                   <a:schemeClr val="bg1"/>
                 </a:solidFill>
@@ -6212,7 +6253,7 @@
               <a:t>생성 </a:t>
             </a:r>
             <a:r>
-              <a:rPr kumimoji="1" lang="en-US" altLang="ko-KR" sz="1400" dirty="0" smtClean="0">
+              <a:rPr kumimoji="1" lang="en-US" altLang="ko-KR" sz="1400" dirty="0">
                 <a:solidFill>
                   <a:schemeClr val="bg1"/>
                 </a:solidFill>
@@ -6220,14 +6261,14 @@
               <a:t>/</a:t>
             </a:r>
             <a:r>
-              <a:rPr kumimoji="1" lang="ko-KR" altLang="en-US" sz="1400" dirty="0" smtClean="0">
+              <a:rPr kumimoji="1" lang="ko-KR" altLang="en-US" sz="1400" dirty="0">
                 <a:solidFill>
                   <a:schemeClr val="bg1"/>
                 </a:solidFill>
               </a:rPr>
               <a:t> 언패킹</a:t>
             </a:r>
-            <a:endParaRPr kumimoji="1" lang="en-US" altLang="ko-KR" sz="1400" dirty="0" smtClean="0">
+            <a:endParaRPr kumimoji="1" lang="en-US" altLang="ko-KR" sz="1400" dirty="0">
               <a:solidFill>
                 <a:schemeClr val="bg1"/>
               </a:solidFill>
@@ -6236,7 +6277,7 @@
           <a:p>
             <a:pPr algn="ctr"/>
             <a:r>
-              <a:rPr kumimoji="1" lang="ko-KR" altLang="en-US" sz="1400" dirty="0" smtClean="0">
+              <a:rPr kumimoji="1" lang="ko-KR" altLang="en-US" sz="1400" dirty="0">
                 <a:solidFill>
                   <a:schemeClr val="bg1"/>
                 </a:solidFill>
@@ -6244,7 +6285,7 @@
               <a:t>디렉셔널 </a:t>
             </a:r>
             <a:r>
-              <a:rPr kumimoji="1" lang="en-US" altLang="ko-KR" sz="1400" dirty="0" smtClean="0">
+              <a:rPr kumimoji="1" lang="en-US" altLang="ko-KR" sz="1400" dirty="0">
                 <a:solidFill>
                   <a:schemeClr val="bg1"/>
                 </a:solidFill>
@@ -6252,14 +6293,14 @@
               <a:t>/</a:t>
             </a:r>
             <a:r>
-              <a:rPr kumimoji="1" lang="ko-KR" altLang="en-US" sz="1400" dirty="0" smtClean="0">
+              <a:rPr kumimoji="1" lang="ko-KR" altLang="en-US" sz="1400" dirty="0">
                 <a:solidFill>
                   <a:schemeClr val="bg1"/>
                 </a:solidFill>
               </a:rPr>
               <a:t> 포인트 라이트</a:t>
             </a:r>
-            <a:endParaRPr kumimoji="1" lang="en-US" altLang="ko-KR" sz="1400" dirty="0" smtClean="0">
+            <a:endParaRPr kumimoji="1" lang="en-US" altLang="ko-KR" sz="1400" dirty="0">
               <a:solidFill>
                 <a:schemeClr val="bg1"/>
               </a:solidFill>
@@ -6268,14 +6309,14 @@
           <a:p>
             <a:pPr algn="ctr"/>
             <a:r>
-              <a:rPr kumimoji="1" lang="ko-KR" altLang="en-US" sz="1400" dirty="0" smtClean="0">
+              <a:rPr kumimoji="1" lang="ko-KR" altLang="en-US" sz="1400" dirty="0">
                 <a:solidFill>
                   <a:schemeClr val="bg1"/>
                 </a:solidFill>
               </a:rPr>
               <a:t>캡슐 라이트</a:t>
             </a:r>
-            <a:endParaRPr kumimoji="1" lang="en-US" altLang="ko-KR" sz="1400" dirty="0" smtClean="0">
+            <a:endParaRPr kumimoji="1" lang="en-US" altLang="ko-KR" sz="1400" dirty="0">
               <a:solidFill>
                 <a:schemeClr val="bg1"/>
               </a:solidFill>
@@ -6284,18 +6325,13 @@
           <a:p>
             <a:pPr algn="ctr"/>
             <a:r>
-              <a:rPr kumimoji="1" lang="ko-KR" altLang="en-US" sz="1400" dirty="0" smtClean="0">
+              <a:rPr kumimoji="1" lang="ko-KR" altLang="en-US" sz="1400" dirty="0">
                 <a:solidFill>
                   <a:schemeClr val="bg1"/>
                 </a:solidFill>
               </a:rPr>
               <a:t>스포트라이트</a:t>
             </a:r>
-            <a:endParaRPr kumimoji="1" lang="ko-KR" altLang="en-US" sz="1400" dirty="0">
-              <a:solidFill>
-                <a:schemeClr val="bg1"/>
-              </a:solidFill>
-            </a:endParaRPr>
           </a:p>
         </p:txBody>
       </p:sp>
@@ -6344,7 +6380,7 @@
           <a:p>
             <a:pPr algn="ctr"/>
             <a:r>
-              <a:rPr kumimoji="1" lang="ko-KR" altLang="en-US" sz="1400" dirty="0" smtClean="0">
+              <a:rPr kumimoji="1" lang="ko-KR" altLang="en-US" sz="1400" dirty="0">
                 <a:solidFill>
                   <a:schemeClr val="bg1"/>
                 </a:solidFill>
@@ -6352,7 +6388,7 @@
               <a:t>스포트라이트 </a:t>
             </a:r>
             <a:r>
-              <a:rPr kumimoji="1" lang="en-US" altLang="ko-KR" sz="1400" dirty="0" smtClean="0">
+              <a:rPr kumimoji="1" lang="en-US" altLang="ko-KR" sz="1400" dirty="0">
                 <a:solidFill>
                   <a:schemeClr val="bg1"/>
                 </a:solidFill>
@@ -6360,14 +6396,14 @@
               <a:t>PCF</a:t>
             </a:r>
             <a:r>
-              <a:rPr kumimoji="1" lang="ko-KR" altLang="en-US" sz="1400" dirty="0" smtClean="0">
+              <a:rPr kumimoji="1" lang="ko-KR" altLang="en-US" sz="1400" dirty="0">
                 <a:solidFill>
                   <a:schemeClr val="bg1"/>
                 </a:solidFill>
               </a:rPr>
               <a:t> 셰도우</a:t>
             </a:r>
-            <a:endParaRPr kumimoji="1" lang="en-US" altLang="ko-KR" sz="1400" dirty="0" smtClean="0">
+            <a:endParaRPr kumimoji="1" lang="en-US" altLang="ko-KR" sz="1400" dirty="0">
               <a:solidFill>
                 <a:schemeClr val="bg1"/>
               </a:solidFill>
@@ -6376,7 +6412,7 @@
           <a:p>
             <a:pPr algn="ctr"/>
             <a:r>
-              <a:rPr kumimoji="1" lang="ko-KR" altLang="en-US" sz="1400" dirty="0" smtClean="0">
+              <a:rPr kumimoji="1" lang="ko-KR" altLang="en-US" sz="1400" dirty="0">
                 <a:solidFill>
                   <a:schemeClr val="bg1"/>
                 </a:solidFill>
@@ -6384,7 +6420,7 @@
               <a:t>포인트 라이트 </a:t>
             </a:r>
             <a:r>
-              <a:rPr kumimoji="1" lang="en-US" altLang="ko-KR" sz="1400" dirty="0" smtClean="0">
+              <a:rPr kumimoji="1" lang="en-US" altLang="ko-KR" sz="1400" dirty="0">
                 <a:solidFill>
                   <a:schemeClr val="bg1"/>
                 </a:solidFill>
@@ -6392,14 +6428,14 @@
               <a:t>PCF</a:t>
             </a:r>
             <a:r>
-              <a:rPr kumimoji="1" lang="ko-KR" altLang="en-US" sz="1400" dirty="0" smtClean="0">
+              <a:rPr kumimoji="1" lang="ko-KR" altLang="en-US" sz="1400" dirty="0">
                 <a:solidFill>
                   <a:schemeClr val="bg1"/>
                 </a:solidFill>
               </a:rPr>
               <a:t> 셰도우</a:t>
             </a:r>
-            <a:endParaRPr kumimoji="1" lang="en-US" altLang="ko-KR" sz="1400" dirty="0" smtClean="0">
+            <a:endParaRPr kumimoji="1" lang="en-US" altLang="ko-KR" sz="1400" dirty="0">
               <a:solidFill>
                 <a:schemeClr val="bg1"/>
               </a:solidFill>
@@ -6408,7 +6444,7 @@
           <a:p>
             <a:pPr algn="ctr"/>
             <a:r>
-              <a:rPr kumimoji="1" lang="ko-KR" altLang="en-US" sz="1400" dirty="0" smtClean="0">
+              <a:rPr kumimoji="1" lang="ko-KR" altLang="en-US" sz="1400" dirty="0">
                 <a:solidFill>
                   <a:schemeClr val="bg1"/>
                 </a:solidFill>
@@ -6416,7 +6452,7 @@
               <a:t>가변 반그림자 </a:t>
             </a:r>
             <a:r>
-              <a:rPr kumimoji="1" lang="en-US" altLang="ko-KR" sz="1400" dirty="0" smtClean="0">
+              <a:rPr kumimoji="1" lang="en-US" altLang="ko-KR" sz="1400" dirty="0">
                 <a:solidFill>
                   <a:schemeClr val="bg1"/>
                 </a:solidFill>
@@ -6427,18 +6463,13 @@
           <a:p>
             <a:pPr algn="ctr"/>
             <a:r>
-              <a:rPr kumimoji="1" lang="ko-KR" altLang="en-US" sz="1400" dirty="0" smtClean="0">
+              <a:rPr kumimoji="1" lang="ko-KR" altLang="en-US" sz="1400" dirty="0">
                 <a:solidFill>
                   <a:schemeClr val="bg1"/>
                 </a:solidFill>
               </a:rPr>
               <a:t>셰도우 맵 시각화</a:t>
             </a:r>
-            <a:endParaRPr kumimoji="1" lang="ko-KR" altLang="en-US" sz="1400" dirty="0">
-              <a:solidFill>
-                <a:schemeClr val="bg1"/>
-              </a:solidFill>
-            </a:endParaRPr>
           </a:p>
         </p:txBody>
       </p:sp>
@@ -6487,7 +6518,7 @@
           <a:p>
             <a:pPr algn="ctr"/>
             <a:r>
-              <a:rPr kumimoji="1" lang="en-US" altLang="ko-KR" sz="1400" dirty="0" smtClean="0">
+              <a:rPr kumimoji="1" lang="en-US" altLang="ko-KR" sz="1400" dirty="0">
                 <a:solidFill>
                   <a:schemeClr val="bg1"/>
                 </a:solidFill>
@@ -6495,14 +6526,14 @@
               <a:t>HDR</a:t>
             </a:r>
             <a:r>
-              <a:rPr kumimoji="1" lang="ko-KR" altLang="en-US" sz="1400" dirty="0" smtClean="0">
+              <a:rPr kumimoji="1" lang="ko-KR" altLang="en-US" sz="1400" dirty="0">
                 <a:solidFill>
                   <a:schemeClr val="bg1"/>
                 </a:solidFill>
               </a:rPr>
               <a:t> 렌더링</a:t>
             </a:r>
-            <a:endParaRPr kumimoji="1" lang="en-US" altLang="ko-KR" sz="1400" dirty="0" smtClean="0">
+            <a:endParaRPr kumimoji="1" lang="en-US" altLang="ko-KR" sz="1400" dirty="0">
               <a:solidFill>
                 <a:schemeClr val="bg1"/>
               </a:solidFill>
@@ -6511,14 +6542,14 @@
           <a:p>
             <a:pPr algn="ctr"/>
             <a:r>
-              <a:rPr kumimoji="1" lang="ko-KR" altLang="en-US" sz="1400" dirty="0" smtClean="0">
+              <a:rPr kumimoji="1" lang="ko-KR" altLang="en-US" sz="1400" dirty="0">
                 <a:solidFill>
                   <a:schemeClr val="bg1"/>
                 </a:solidFill>
               </a:rPr>
               <a:t>거리 심도</a:t>
             </a:r>
-            <a:endParaRPr kumimoji="1" lang="en-US" altLang="ko-KR" sz="1400" dirty="0" smtClean="0">
+            <a:endParaRPr kumimoji="1" lang="en-US" altLang="ko-KR" sz="1400" dirty="0">
               <a:solidFill>
                 <a:schemeClr val="bg1"/>
               </a:solidFill>
@@ -6571,14 +6602,14 @@
           <a:p>
             <a:pPr algn="ctr"/>
             <a:r>
-              <a:rPr kumimoji="1" lang="ko-KR" altLang="en-US" sz="1400" dirty="0" smtClean="0">
+              <a:rPr kumimoji="1" lang="ko-KR" altLang="en-US" sz="1400" dirty="0">
                 <a:solidFill>
                   <a:schemeClr val="bg1"/>
                 </a:solidFill>
               </a:rPr>
               <a:t>화면 공간 엠비언트 오클루션</a:t>
             </a:r>
-            <a:endParaRPr kumimoji="1" lang="en-US" altLang="ko-KR" sz="1400" dirty="0" smtClean="0">
+            <a:endParaRPr kumimoji="1" lang="en-US" altLang="ko-KR" sz="1400" dirty="0">
               <a:solidFill>
                 <a:schemeClr val="bg1"/>
               </a:solidFill>
@@ -6587,14 +6618,14 @@
           <a:p>
             <a:pPr algn="ctr"/>
             <a:r>
-              <a:rPr kumimoji="1" lang="ko-KR" altLang="en-US" sz="1400" dirty="0" smtClean="0">
+              <a:rPr kumimoji="1" lang="ko-KR" altLang="en-US" sz="1400" dirty="0">
                 <a:solidFill>
                   <a:schemeClr val="bg1"/>
                 </a:solidFill>
               </a:rPr>
               <a:t>렌즈 플레어</a:t>
             </a:r>
-            <a:endParaRPr kumimoji="1" lang="en-US" altLang="ko-KR" sz="1400" dirty="0" smtClean="0">
+            <a:endParaRPr kumimoji="1" lang="en-US" altLang="ko-KR" sz="1400" dirty="0">
               <a:solidFill>
                 <a:schemeClr val="bg1"/>
               </a:solidFill>
@@ -6603,14 +6634,14 @@
           <a:p>
             <a:pPr algn="ctr"/>
             <a:r>
-              <a:rPr kumimoji="1" lang="ko-KR" altLang="en-US" sz="1400" dirty="0" smtClean="0">
+              <a:rPr kumimoji="1" lang="ko-KR" altLang="en-US" sz="1400" dirty="0">
                 <a:solidFill>
                   <a:schemeClr val="bg1"/>
                 </a:solidFill>
               </a:rPr>
               <a:t>화면 공간 반사</a:t>
             </a:r>
-            <a:endParaRPr kumimoji="1" lang="en-US" altLang="ko-KR" sz="1400" dirty="0" smtClean="0">
+            <a:endParaRPr kumimoji="1" lang="en-US" altLang="ko-KR" sz="1400" dirty="0">
               <a:solidFill>
                 <a:schemeClr val="bg1"/>
               </a:solidFill>
@@ -6619,18 +6650,13 @@
           <a:p>
             <a:pPr algn="ctr"/>
             <a:r>
-              <a:rPr kumimoji="1" lang="ko-KR" altLang="en-US" sz="1400" dirty="0" smtClean="0">
+              <a:rPr kumimoji="1" lang="ko-KR" altLang="en-US" sz="1400" dirty="0">
                 <a:solidFill>
                   <a:schemeClr val="bg1"/>
                 </a:solidFill>
               </a:rPr>
               <a:t>화면 공간 태양광</a:t>
             </a:r>
-            <a:endParaRPr kumimoji="1" lang="ko-KR" altLang="en-US" sz="1400" dirty="0">
-              <a:solidFill>
-                <a:schemeClr val="bg1"/>
-              </a:solidFill>
-            </a:endParaRPr>
           </a:p>
         </p:txBody>
       </p:sp>
@@ -6679,14 +6705,14 @@
           <a:p>
             <a:pPr algn="ctr"/>
             <a:r>
-              <a:rPr kumimoji="1" lang="ko-KR" altLang="en-US" sz="1400" dirty="0" smtClean="0">
+              <a:rPr kumimoji="1" lang="ko-KR" altLang="en-US" sz="1400" dirty="0">
                 <a:solidFill>
                   <a:schemeClr val="bg1"/>
                 </a:solidFill>
               </a:rPr>
               <a:t>다이나믹 데칼</a:t>
             </a:r>
-            <a:endParaRPr kumimoji="1" lang="en-US" altLang="ko-KR" sz="1400" dirty="0" smtClean="0">
+            <a:endParaRPr kumimoji="1" lang="en-US" altLang="ko-KR" sz="1400" dirty="0">
               <a:solidFill>
                 <a:schemeClr val="bg1"/>
               </a:solidFill>
@@ -6695,7 +6721,7 @@
           <a:p>
             <a:pPr algn="ctr"/>
             <a:r>
-              <a:rPr kumimoji="1" lang="ko-KR" altLang="en-US" sz="1400" dirty="0" smtClean="0">
+              <a:rPr kumimoji="1" lang="ko-KR" altLang="en-US" sz="1400" dirty="0">
                 <a:solidFill>
                   <a:schemeClr val="bg1"/>
                 </a:solidFill>
@@ -6703,7 +6729,7 @@
               <a:t>거리 </a:t>
             </a:r>
             <a:r>
-              <a:rPr kumimoji="1" lang="en-US" altLang="ko-KR" sz="1400" dirty="0" smtClean="0">
+              <a:rPr kumimoji="1" lang="en-US" altLang="ko-KR" sz="1400" dirty="0">
                 <a:solidFill>
                   <a:schemeClr val="bg1"/>
                 </a:solidFill>
@@ -6711,14 +6737,14 @@
               <a:t>/</a:t>
             </a:r>
             <a:r>
-              <a:rPr kumimoji="1" lang="ko-KR" altLang="en-US" sz="1400" dirty="0" smtClean="0">
+              <a:rPr kumimoji="1" lang="ko-KR" altLang="en-US" sz="1400" dirty="0">
                 <a:solidFill>
                   <a:schemeClr val="bg1"/>
                 </a:solidFill>
               </a:rPr>
               <a:t> 깊이 기반 안개</a:t>
             </a:r>
-            <a:endParaRPr kumimoji="1" lang="en-US" altLang="ko-KR" sz="1400" dirty="0" smtClean="0">
+            <a:endParaRPr kumimoji="1" lang="en-US" altLang="ko-KR" sz="1400" dirty="0">
               <a:solidFill>
                 <a:schemeClr val="bg1"/>
               </a:solidFill>
@@ -6727,18 +6753,13 @@
           <a:p>
             <a:pPr algn="ctr"/>
             <a:r>
-              <a:rPr kumimoji="1" lang="ko-KR" altLang="en-US" sz="1400" dirty="0" smtClean="0">
+              <a:rPr kumimoji="1" lang="ko-KR" altLang="en-US" sz="1400" dirty="0">
                 <a:solidFill>
                   <a:schemeClr val="bg1"/>
                 </a:solidFill>
               </a:rPr>
               <a:t>강우 효과</a:t>
             </a:r>
-            <a:endParaRPr kumimoji="1" lang="ko-KR" altLang="en-US" sz="1400" dirty="0">
-              <a:solidFill>
-                <a:schemeClr val="bg1"/>
-              </a:solidFill>
-            </a:endParaRPr>
           </a:p>
         </p:txBody>
       </p:sp>
@@ -7764,13 +7785,6 @@
   <p:clrMapOvr>
     <a:masterClrMapping/>
   </p:clrMapOvr>
-  <p:timing>
-    <p:tnLst>
-      <p:par>
-        <p:cTn id="1" dur="indefinite" restart="never" nodeType="tmRoot"/>
-      </p:par>
-    </p:tnLst>
-  </p:timing>
 </p:sld>
 </file>
 
@@ -8899,13 +8913,6 @@
   <p:clrMapOvr>
     <a:masterClrMapping/>
   </p:clrMapOvr>
-  <p:timing>
-    <p:tnLst>
-      <p:par>
-        <p:cTn id="1" dur="indefinite" restart="never" nodeType="tmRoot"/>
-      </p:par>
-    </p:tnLst>
-  </p:timing>
 </p:sld>
 </file>
 
@@ -9879,13 +9886,6 @@
   <p:clrMapOvr>
     <a:masterClrMapping/>
   </p:clrMapOvr>
-  <p:timing>
-    <p:tnLst>
-      <p:par>
-        <p:cTn id="1" dur="indefinite" restart="never" nodeType="tmRoot"/>
-      </p:par>
-    </p:tnLst>
-  </p:timing>
 </p:sld>
 </file>
 
@@ -11464,13 +11464,6 @@
   <p:clrMapOvr>
     <a:masterClrMapping/>
   </p:clrMapOvr>
-  <p:timing>
-    <p:tnLst>
-      <p:par>
-        <p:cTn id="1" dur="indefinite" restart="never" nodeType="tmRoot"/>
-      </p:par>
-    </p:tnLst>
-  </p:timing>
 </p:sld>
 </file>
 
@@ -13086,13 +13079,6 @@
   <p:clrMapOvr>
     <a:masterClrMapping/>
   </p:clrMapOvr>
-  <p:timing>
-    <p:tnLst>
-      <p:par>
-        <p:cTn id="1" dur="indefinite" restart="never" nodeType="tmRoot"/>
-      </p:par>
-    </p:tnLst>
-  </p:timing>
 </p:sld>
 </file>
 
@@ -15566,13 +15552,6 @@
   <p:clrMapOvr>
     <a:masterClrMapping/>
   </p:clrMapOvr>
-  <p:timing>
-    <p:tnLst>
-      <p:par>
-        <p:cTn id="1" dur="indefinite" restart="never" nodeType="tmRoot"/>
-      </p:par>
-    </p:tnLst>
-  </p:timing>
 </p:sld>
 </file>
 
@@ -17266,13 +17245,6 @@
   <p:clrMapOvr>
     <a:masterClrMapping/>
   </p:clrMapOvr>
-  <p:timing>
-    <p:tnLst>
-      <p:par>
-        <p:cTn id="1" dur="indefinite" restart="never" nodeType="tmRoot"/>
-      </p:par>
-    </p:tnLst>
-  </p:timing>
 </p:sld>
 </file>
 
@@ -17594,13 +17566,6 @@
   <p:transition spd="slow">
     <p:push dir="u"/>
   </p:transition>
-  <p:timing>
-    <p:tnLst>
-      <p:par>
-        <p:cTn id="1" dur="indefinite" restart="never" nodeType="tmRoot"/>
-      </p:par>
-    </p:tnLst>
-  </p:timing>
 </p:sld>
 </file>
 
@@ -22195,13 +22160,6 @@
   <p:transition spd="slow">
     <p:push/>
   </p:transition>
-  <p:timing>
-    <p:tnLst>
-      <p:par>
-        <p:cTn id="1" dur="indefinite" restart="never" nodeType="tmRoot"/>
-      </p:par>
-    </p:tnLst>
-  </p:timing>
 </p:sld>
 </file>
 
@@ -23424,13 +23382,6 @@
   <p:transition spd="slow">
     <p:push/>
   </p:transition>
-  <p:timing>
-    <p:tnLst>
-      <p:par>
-        <p:cTn id="1" dur="indefinite" restart="never" nodeType="tmRoot"/>
-      </p:par>
-    </p:tnLst>
-  </p:timing>
 </p:sld>
 </file>
 
@@ -24738,13 +24689,6 @@
       </p:transition>
     </mc:Fallback>
   </mc:AlternateContent>
-  <p:timing>
-    <p:tnLst>
-      <p:par>
-        <p:cTn id="1" dur="indefinite" restart="never" nodeType="tmRoot"/>
-      </p:par>
-    </p:tnLst>
-  </p:timing>
 </p:sld>
 </file>
 
@@ -24773,7 +24717,7 @@
         </p:nvSpPr>
         <p:spPr>
           <a:xfrm>
-            <a:off x="0" y="-5140"/>
+            <a:off x="-78808" y="-176323"/>
             <a:ext cx="12192000" cy="6863140"/>
           </a:xfrm>
           <a:prstGeom prst="rect">
@@ -24809,7 +24753,7 @@
           <a:lstStyle/>
           <a:p>
             <a:pPr algn="ctr"/>
-            <a:endParaRPr kumimoji="1" lang="ko-KR" altLang="en-US"/>
+            <a:endParaRPr kumimoji="1" lang="ko-KR" altLang="en-US" dirty="0"/>
           </a:p>
         </p:txBody>
       </p:sp>
@@ -25601,8 +25545,8 @@
         </p:nvSpPr>
         <p:spPr>
           <a:xfrm>
-            <a:off x="4167837" y="3378067"/>
-            <a:ext cx="1361615" cy="563163"/>
+            <a:off x="2841545" y="3496313"/>
+            <a:ext cx="792858" cy="563163"/>
           </a:xfrm>
           <a:prstGeom prst="roundRect">
             <a:avLst/>
@@ -25636,14 +25580,14 @@
           <a:p>
             <a:pPr algn="ctr"/>
             <a:r>
-              <a:rPr kumimoji="1" lang="ko-KR" altLang="en-US" sz="1600" dirty="0">
+              <a:rPr kumimoji="1" lang="ko-KR" altLang="en-US" sz="1200" dirty="0">
                 <a:solidFill>
                   <a:schemeClr val="bg1"/>
                 </a:solidFill>
               </a:rPr>
               <a:t>메인 캐릭터 </a:t>
             </a:r>
-            <a:endParaRPr kumimoji="1" lang="en-US" altLang="ko-KR" sz="1600" dirty="0">
+            <a:endParaRPr kumimoji="1" lang="en-US" altLang="ko-KR" sz="1200" dirty="0">
               <a:solidFill>
                 <a:schemeClr val="bg1"/>
               </a:solidFill>
@@ -25652,7 +25596,7 @@
           <a:p>
             <a:pPr algn="ctr"/>
             <a:r>
-              <a:rPr kumimoji="1" lang="ko-KR" altLang="en-US" sz="1600" dirty="0">
+              <a:rPr kumimoji="1" lang="ko-KR" altLang="en-US" sz="1200" dirty="0">
                 <a:solidFill>
                   <a:schemeClr val="bg1"/>
                 </a:solidFill>
@@ -25783,8 +25727,8 @@
         </p:nvSpPr>
         <p:spPr>
           <a:xfrm>
-            <a:off x="7330520" y="5055016"/>
-            <a:ext cx="2164468" cy="563163"/>
+            <a:off x="9206853" y="3494230"/>
+            <a:ext cx="831382" cy="563163"/>
           </a:xfrm>
           <a:prstGeom prst="roundRect">
             <a:avLst/>
@@ -25818,61 +25762,13 @@
           <a:p>
             <a:pPr algn="ctr"/>
             <a:r>
-              <a:rPr kumimoji="1" lang="ko-KR" altLang="en-US" sz="1600" dirty="0">
+              <a:rPr kumimoji="1" lang="ko-KR" altLang="en-US" sz="1400" dirty="0">
                 <a:solidFill>
                   <a:schemeClr val="bg1"/>
                 </a:solidFill>
               </a:rPr>
-              <a:t>전투 및 스킬</a:t>
-            </a:r>
-            <a:r>
-              <a:rPr kumimoji="1" lang="en-US" altLang="ko-KR" sz="1600" dirty="0">
-                <a:solidFill>
-                  <a:schemeClr val="bg1"/>
-                </a:solidFill>
-              </a:rPr>
-              <a:t>,</a:t>
-            </a:r>
-          </a:p>
-          <a:p>
-            <a:pPr algn="ctr"/>
-            <a:r>
-              <a:rPr kumimoji="1" lang="ko-KR" altLang="en-US" sz="1600" dirty="0">
-                <a:solidFill>
-                  <a:schemeClr val="bg1"/>
-                </a:solidFill>
-              </a:rPr>
-              <a:t>아이템</a:t>
-            </a:r>
-            <a:r>
-              <a:rPr kumimoji="1" lang="en-US" altLang="ko-KR" sz="1600" dirty="0">
-                <a:solidFill>
-                  <a:schemeClr val="bg1"/>
-                </a:solidFill>
-              </a:rPr>
-              <a:t>,</a:t>
-            </a:r>
-            <a:r>
-              <a:rPr kumimoji="1" lang="ko-KR" altLang="en-US" sz="1600" dirty="0">
-                <a:solidFill>
-                  <a:schemeClr val="bg1"/>
-                </a:solidFill>
-              </a:rPr>
-              <a:t> </a:t>
-            </a:r>
-            <a:r>
-              <a:rPr kumimoji="1" lang="en-US" altLang="ko-KR" sz="1600" dirty="0">
-                <a:solidFill>
-                  <a:schemeClr val="bg1"/>
-                </a:solidFill>
-              </a:rPr>
-              <a:t>AI</a:t>
-            </a:r>
-            <a:endParaRPr kumimoji="1" lang="ko-KR" altLang="en-US" sz="1600" dirty="0">
-              <a:solidFill>
-                <a:schemeClr val="bg1"/>
-              </a:solidFill>
-            </a:endParaRPr>
+              <a:t>이펙트</a:t>
+            </a:r>
           </a:p>
         </p:txBody>
       </p:sp>
@@ -25948,7 +25844,7 @@
         </p:nvSpPr>
         <p:spPr>
           <a:xfrm>
-            <a:off x="5589194" y="3937050"/>
+            <a:off x="3702634" y="3496312"/>
             <a:ext cx="810921" cy="563163"/>
           </a:xfrm>
           <a:prstGeom prst="roundRect">
@@ -25983,31 +25879,26 @@
           <a:p>
             <a:pPr algn="ctr"/>
             <a:r>
-              <a:rPr kumimoji="1" lang="ko-KR" altLang="en-US" sz="1600">
+              <a:rPr kumimoji="1" lang="ko-KR" altLang="en-US" sz="1600" dirty="0">
                 <a:solidFill>
                   <a:schemeClr val="bg1"/>
                 </a:solidFill>
               </a:rPr>
               <a:t>충돌</a:t>
             </a:r>
-            <a:endParaRPr kumimoji="1" lang="ko-KR" altLang="en-US" sz="1600" dirty="0">
-              <a:solidFill>
-                <a:schemeClr val="bg1"/>
-              </a:solidFill>
-            </a:endParaRPr>
-          </a:p>
-        </p:txBody>
-      </p:sp>
-      <p:sp>
-        <p:nvSpPr>
-          <p:cNvPr id="32" name="모서리가 둥근 직사각형 31"/>
+          </a:p>
+        </p:txBody>
+      </p:sp>
+      <p:sp>
+        <p:nvSpPr>
+          <p:cNvPr id="29" name="모서리가 둥근 직사각형 24"/>
           <p:cNvSpPr/>
           <p:nvPr/>
         </p:nvSpPr>
         <p:spPr>
           <a:xfrm>
-            <a:off x="6459857" y="4496033"/>
-            <a:ext cx="810921" cy="563163"/>
+            <a:off x="4569402" y="3499309"/>
+            <a:ext cx="792858" cy="563163"/>
           </a:xfrm>
           <a:prstGeom prst="roundRect">
             <a:avLst/>
@@ -26041,18 +25932,600 @@
           <a:p>
             <a:pPr algn="ctr"/>
             <a:r>
+              <a:rPr kumimoji="1" lang="ko-KR" altLang="en-US" sz="1600" dirty="0">
+                <a:solidFill>
+                  <a:schemeClr val="bg1"/>
+                </a:solidFill>
+              </a:rPr>
+              <a:t>전투</a:t>
+            </a:r>
+          </a:p>
+        </p:txBody>
+      </p:sp>
+      <p:sp>
+        <p:nvSpPr>
+          <p:cNvPr id="36" name="모서리가 둥근 직사각형 24"/>
+          <p:cNvSpPr/>
+          <p:nvPr/>
+        </p:nvSpPr>
+        <p:spPr>
+          <a:xfrm>
+            <a:off x="5110647" y="2819083"/>
+            <a:ext cx="1349210" cy="563163"/>
+          </a:xfrm>
+          <a:prstGeom prst="roundRect">
+            <a:avLst/>
+          </a:prstGeom>
+          <a:solidFill>
+            <a:srgbClr val="00B0F0"/>
+          </a:solidFill>
+          <a:ln>
+            <a:noFill/>
+          </a:ln>
+        </p:spPr>
+        <p:style>
+          <a:lnRef idx="2">
+            <a:schemeClr val="accent1">
+              <a:shade val="50000"/>
+            </a:schemeClr>
+          </a:lnRef>
+          <a:fillRef idx="1">
+            <a:schemeClr val="accent1"/>
+          </a:fillRef>
+          <a:effectRef idx="0">
+            <a:schemeClr val="accent1"/>
+          </a:effectRef>
+          <a:fontRef idx="minor">
+            <a:schemeClr val="lt1"/>
+          </a:fontRef>
+        </p:style>
+        <p:txBody>
+          <a:bodyPr rtlCol="0" anchor="ctr"/>
+          <a:lstStyle/>
+          <a:p>
+            <a:pPr algn="ctr"/>
+            <a:r>
+              <a:rPr kumimoji="1" lang="ko-KR" altLang="en-US" sz="1600" dirty="0">
+                <a:solidFill>
+                  <a:schemeClr val="bg1"/>
+                </a:solidFill>
+              </a:rPr>
+              <a:t>스킬</a:t>
+            </a:r>
+          </a:p>
+        </p:txBody>
+      </p:sp>
+      <p:sp>
+        <p:nvSpPr>
+          <p:cNvPr id="39" name="모서리가 둥근 직사각형 24"/>
+          <p:cNvSpPr/>
+          <p:nvPr/>
+        </p:nvSpPr>
+        <p:spPr>
+          <a:xfrm>
+            <a:off x="5418106" y="3496311"/>
+            <a:ext cx="1198594" cy="563163"/>
+          </a:xfrm>
+          <a:prstGeom prst="roundRect">
+            <a:avLst/>
+          </a:prstGeom>
+          <a:solidFill>
+            <a:srgbClr val="00B0F0"/>
+          </a:solidFill>
+          <a:ln>
+            <a:noFill/>
+          </a:ln>
+        </p:spPr>
+        <p:style>
+          <a:lnRef idx="2">
+            <a:schemeClr val="accent1">
+              <a:shade val="50000"/>
+            </a:schemeClr>
+          </a:lnRef>
+          <a:fillRef idx="1">
+            <a:schemeClr val="accent1"/>
+          </a:fillRef>
+          <a:effectRef idx="0">
+            <a:schemeClr val="accent1"/>
+          </a:effectRef>
+          <a:fontRef idx="minor">
+            <a:schemeClr val="lt1"/>
+          </a:fontRef>
+        </p:style>
+        <p:txBody>
+          <a:bodyPr rtlCol="0" anchor="ctr"/>
+          <a:lstStyle/>
+          <a:p>
+            <a:pPr algn="ctr"/>
+            <a:r>
               <a:rPr kumimoji="1" lang="en-US" altLang="ko-KR" sz="1600" dirty="0">
                 <a:solidFill>
                   <a:schemeClr val="bg1"/>
                 </a:solidFill>
               </a:rPr>
-              <a:t>UI</a:t>
+              <a:t>AI</a:t>
             </a:r>
             <a:endParaRPr kumimoji="1" lang="ko-KR" altLang="en-US" sz="1600" dirty="0">
               <a:solidFill>
                 <a:schemeClr val="bg1"/>
               </a:solidFill>
             </a:endParaRPr>
+          </a:p>
+        </p:txBody>
+      </p:sp>
+      <p:sp>
+        <p:nvSpPr>
+          <p:cNvPr id="41" name="모서리가 둥근 직사각형 24"/>
+          <p:cNvSpPr/>
+          <p:nvPr/>
+        </p:nvSpPr>
+        <p:spPr>
+          <a:xfrm>
+            <a:off x="7911837" y="4120377"/>
+            <a:ext cx="792858" cy="563163"/>
+          </a:xfrm>
+          <a:prstGeom prst="roundRect">
+            <a:avLst/>
+          </a:prstGeom>
+          <a:solidFill>
+            <a:srgbClr val="00B0F0"/>
+          </a:solidFill>
+          <a:ln>
+            <a:noFill/>
+          </a:ln>
+        </p:spPr>
+        <p:style>
+          <a:lnRef idx="2">
+            <a:schemeClr val="accent1">
+              <a:shade val="50000"/>
+            </a:schemeClr>
+          </a:lnRef>
+          <a:fillRef idx="1">
+            <a:schemeClr val="accent1"/>
+          </a:fillRef>
+          <a:effectRef idx="0">
+            <a:schemeClr val="accent1"/>
+          </a:effectRef>
+          <a:fontRef idx="minor">
+            <a:schemeClr val="lt1"/>
+          </a:fontRef>
+        </p:style>
+        <p:txBody>
+          <a:bodyPr rtlCol="0" anchor="ctr"/>
+          <a:lstStyle/>
+          <a:p>
+            <a:pPr algn="ctr"/>
+            <a:r>
+              <a:rPr kumimoji="1" lang="en-US" altLang="ko-KR" sz="1400" dirty="0">
+                <a:solidFill>
+                  <a:schemeClr val="bg1"/>
+                </a:solidFill>
+              </a:rPr>
+              <a:t>NPC</a:t>
+            </a:r>
+            <a:endParaRPr kumimoji="1" lang="ko-KR" altLang="en-US" sz="1400" dirty="0">
+              <a:solidFill>
+                <a:schemeClr val="bg1"/>
+              </a:solidFill>
+            </a:endParaRPr>
+          </a:p>
+        </p:txBody>
+      </p:sp>
+      <p:sp>
+        <p:nvSpPr>
+          <p:cNvPr id="42" name="모서리가 둥근 직사각형 24"/>
+          <p:cNvSpPr/>
+          <p:nvPr/>
+        </p:nvSpPr>
+        <p:spPr>
+          <a:xfrm>
+            <a:off x="7394023" y="3494229"/>
+            <a:ext cx="792858" cy="563163"/>
+          </a:xfrm>
+          <a:prstGeom prst="roundRect">
+            <a:avLst/>
+          </a:prstGeom>
+          <a:solidFill>
+            <a:srgbClr val="00B0F0"/>
+          </a:solidFill>
+          <a:ln>
+            <a:noFill/>
+          </a:ln>
+        </p:spPr>
+        <p:style>
+          <a:lnRef idx="2">
+            <a:schemeClr val="accent1">
+              <a:shade val="50000"/>
+            </a:schemeClr>
+          </a:lnRef>
+          <a:fillRef idx="1">
+            <a:schemeClr val="accent1"/>
+          </a:fillRef>
+          <a:effectRef idx="0">
+            <a:schemeClr val="accent1"/>
+          </a:effectRef>
+          <a:fontRef idx="minor">
+            <a:schemeClr val="lt1"/>
+          </a:fontRef>
+        </p:style>
+        <p:txBody>
+          <a:bodyPr rtlCol="0" anchor="ctr"/>
+          <a:lstStyle/>
+          <a:p>
+            <a:pPr algn="ctr"/>
+            <a:r>
+              <a:rPr kumimoji="1" lang="ko-KR" altLang="en-US" sz="1400" dirty="0">
+                <a:solidFill>
+                  <a:schemeClr val="bg1"/>
+                </a:solidFill>
+              </a:rPr>
+              <a:t>몬스터</a:t>
+            </a:r>
+          </a:p>
+        </p:txBody>
+      </p:sp>
+      <p:sp>
+        <p:nvSpPr>
+          <p:cNvPr id="43" name="모서리가 둥근 직사각형 24"/>
+          <p:cNvSpPr/>
+          <p:nvPr/>
+        </p:nvSpPr>
+        <p:spPr>
+          <a:xfrm>
+            <a:off x="8253153" y="3499309"/>
+            <a:ext cx="878013" cy="563163"/>
+          </a:xfrm>
+          <a:prstGeom prst="roundRect">
+            <a:avLst/>
+          </a:prstGeom>
+          <a:solidFill>
+            <a:srgbClr val="00B0F0"/>
+          </a:solidFill>
+          <a:ln>
+            <a:noFill/>
+          </a:ln>
+        </p:spPr>
+        <p:style>
+          <a:lnRef idx="2">
+            <a:schemeClr val="accent1">
+              <a:shade val="50000"/>
+            </a:schemeClr>
+          </a:lnRef>
+          <a:fillRef idx="1">
+            <a:schemeClr val="accent1"/>
+          </a:fillRef>
+          <a:effectRef idx="0">
+            <a:schemeClr val="accent1"/>
+          </a:effectRef>
+          <a:fontRef idx="minor">
+            <a:schemeClr val="lt1"/>
+          </a:fontRef>
+        </p:style>
+        <p:txBody>
+          <a:bodyPr rtlCol="0" anchor="ctr"/>
+          <a:lstStyle/>
+          <a:p>
+            <a:pPr algn="ctr"/>
+            <a:r>
+              <a:rPr kumimoji="1" lang="ko-KR" altLang="en-US" sz="1400" dirty="0">
+                <a:solidFill>
+                  <a:schemeClr val="bg1"/>
+                </a:solidFill>
+              </a:rPr>
+              <a:t>퀘스트</a:t>
+            </a:r>
+          </a:p>
+        </p:txBody>
+      </p:sp>
+      <p:sp>
+        <p:nvSpPr>
+          <p:cNvPr id="44" name="모서리가 둥근 직사각형 24"/>
+          <p:cNvSpPr/>
+          <p:nvPr/>
+        </p:nvSpPr>
+        <p:spPr>
+          <a:xfrm>
+            <a:off x="6679851" y="3499309"/>
+            <a:ext cx="658963" cy="563163"/>
+          </a:xfrm>
+          <a:prstGeom prst="roundRect">
+            <a:avLst/>
+          </a:prstGeom>
+          <a:solidFill>
+            <a:srgbClr val="00B0F0"/>
+          </a:solidFill>
+          <a:ln>
+            <a:noFill/>
+          </a:ln>
+        </p:spPr>
+        <p:style>
+          <a:lnRef idx="2">
+            <a:schemeClr val="accent1">
+              <a:shade val="50000"/>
+            </a:schemeClr>
+          </a:lnRef>
+          <a:fillRef idx="1">
+            <a:schemeClr val="accent1"/>
+          </a:fillRef>
+          <a:effectRef idx="0">
+            <a:schemeClr val="accent1"/>
+          </a:effectRef>
+          <a:fontRef idx="minor">
+            <a:schemeClr val="lt1"/>
+          </a:fontRef>
+        </p:style>
+        <p:txBody>
+          <a:bodyPr rtlCol="0" anchor="ctr"/>
+          <a:lstStyle/>
+          <a:p>
+            <a:pPr algn="ctr"/>
+            <a:r>
+              <a:rPr kumimoji="1" lang="en-US" altLang="ko-KR" sz="1400" dirty="0">
+                <a:solidFill>
+                  <a:schemeClr val="bg1"/>
+                </a:solidFill>
+              </a:rPr>
+              <a:t>UI</a:t>
+            </a:r>
+            <a:endParaRPr kumimoji="1" lang="ko-KR" altLang="en-US" sz="1400" dirty="0">
+              <a:solidFill>
+                <a:schemeClr val="bg1"/>
+              </a:solidFill>
+            </a:endParaRPr>
+          </a:p>
+        </p:txBody>
+      </p:sp>
+      <p:sp>
+        <p:nvSpPr>
+          <p:cNvPr id="45" name="모서리가 둥근 직사각형 24"/>
+          <p:cNvSpPr/>
+          <p:nvPr/>
+        </p:nvSpPr>
+        <p:spPr>
+          <a:xfrm>
+            <a:off x="8525453" y="2869600"/>
+            <a:ext cx="878013" cy="563163"/>
+          </a:xfrm>
+          <a:prstGeom prst="roundRect">
+            <a:avLst/>
+          </a:prstGeom>
+          <a:solidFill>
+            <a:srgbClr val="00B0F0"/>
+          </a:solidFill>
+          <a:ln>
+            <a:noFill/>
+          </a:ln>
+        </p:spPr>
+        <p:style>
+          <a:lnRef idx="2">
+            <a:schemeClr val="accent1">
+              <a:shade val="50000"/>
+            </a:schemeClr>
+          </a:lnRef>
+          <a:fillRef idx="1">
+            <a:schemeClr val="accent1"/>
+          </a:fillRef>
+          <a:effectRef idx="0">
+            <a:schemeClr val="accent1"/>
+          </a:effectRef>
+          <a:fontRef idx="minor">
+            <a:schemeClr val="lt1"/>
+          </a:fontRef>
+        </p:style>
+        <p:txBody>
+          <a:bodyPr rtlCol="0" anchor="ctr"/>
+          <a:lstStyle/>
+          <a:p>
+            <a:pPr algn="ctr"/>
+            <a:r>
+              <a:rPr kumimoji="1" lang="ko-KR" altLang="en-US" sz="1400" dirty="0">
+                <a:solidFill>
+                  <a:schemeClr val="bg1"/>
+                </a:solidFill>
+              </a:rPr>
+              <a:t>보스</a:t>
+            </a:r>
+            <a:endParaRPr kumimoji="1" lang="en-US" altLang="ko-KR" sz="1400" dirty="0">
+              <a:solidFill>
+                <a:schemeClr val="bg1"/>
+              </a:solidFill>
+            </a:endParaRPr>
+          </a:p>
+          <a:p>
+            <a:pPr algn="ctr"/>
+            <a:r>
+              <a:rPr kumimoji="1" lang="ko-KR" altLang="en-US" sz="1400" dirty="0">
+                <a:solidFill>
+                  <a:schemeClr val="bg1"/>
+                </a:solidFill>
+              </a:rPr>
+              <a:t>레이드</a:t>
+            </a:r>
+          </a:p>
+        </p:txBody>
+      </p:sp>
+      <p:sp>
+        <p:nvSpPr>
+          <p:cNvPr id="46" name="모서리가 둥근 직사각형 24"/>
+          <p:cNvSpPr/>
+          <p:nvPr/>
+        </p:nvSpPr>
+        <p:spPr>
+          <a:xfrm>
+            <a:off x="6569956" y="2819082"/>
+            <a:ext cx="1037344" cy="563163"/>
+          </a:xfrm>
+          <a:prstGeom prst="roundRect">
+            <a:avLst/>
+          </a:prstGeom>
+          <a:solidFill>
+            <a:srgbClr val="00B0F0"/>
+          </a:solidFill>
+          <a:ln>
+            <a:noFill/>
+          </a:ln>
+        </p:spPr>
+        <p:style>
+          <a:lnRef idx="2">
+            <a:schemeClr val="accent1">
+              <a:shade val="50000"/>
+            </a:schemeClr>
+          </a:lnRef>
+          <a:fillRef idx="1">
+            <a:schemeClr val="accent1"/>
+          </a:fillRef>
+          <a:effectRef idx="0">
+            <a:schemeClr val="accent1"/>
+          </a:effectRef>
+          <a:fontRef idx="minor">
+            <a:schemeClr val="lt1"/>
+          </a:fontRef>
+        </p:style>
+        <p:txBody>
+          <a:bodyPr rtlCol="0" anchor="ctr"/>
+          <a:lstStyle/>
+          <a:p>
+            <a:pPr algn="ctr"/>
+            <a:r>
+              <a:rPr kumimoji="1" lang="ko-KR" altLang="en-US" sz="1200" dirty="0">
+                <a:solidFill>
+                  <a:schemeClr val="bg1"/>
+                </a:solidFill>
+              </a:rPr>
+              <a:t>마을</a:t>
+            </a:r>
+            <a:r>
+              <a:rPr kumimoji="1" lang="en-US" altLang="ko-KR" sz="1200" dirty="0">
+                <a:solidFill>
+                  <a:schemeClr val="bg1"/>
+                </a:solidFill>
+              </a:rPr>
+              <a:t>, </a:t>
+            </a:r>
+            <a:r>
+              <a:rPr kumimoji="1" lang="ko-KR" altLang="en-US" sz="1200" dirty="0" err="1">
+                <a:solidFill>
+                  <a:schemeClr val="bg1"/>
+                </a:solidFill>
+              </a:rPr>
+              <a:t>던젼</a:t>
+            </a:r>
+            <a:endParaRPr kumimoji="1" lang="ko-KR" altLang="en-US" sz="1200" dirty="0">
+              <a:solidFill>
+                <a:schemeClr val="bg1"/>
+              </a:solidFill>
+            </a:endParaRPr>
+          </a:p>
+        </p:txBody>
+      </p:sp>
+      <p:sp>
+        <p:nvSpPr>
+          <p:cNvPr id="47" name="모서리가 둥근 직사각형 24"/>
+          <p:cNvSpPr/>
+          <p:nvPr/>
+        </p:nvSpPr>
+        <p:spPr>
+          <a:xfrm>
+            <a:off x="9725899" y="2869599"/>
+            <a:ext cx="1985193" cy="563163"/>
+          </a:xfrm>
+          <a:prstGeom prst="roundRect">
+            <a:avLst/>
+          </a:prstGeom>
+          <a:solidFill>
+            <a:srgbClr val="00B0F0"/>
+          </a:solidFill>
+          <a:ln>
+            <a:noFill/>
+          </a:ln>
+        </p:spPr>
+        <p:style>
+          <a:lnRef idx="2">
+            <a:schemeClr val="accent1">
+              <a:shade val="50000"/>
+            </a:schemeClr>
+          </a:lnRef>
+          <a:fillRef idx="1">
+            <a:schemeClr val="accent1"/>
+          </a:fillRef>
+          <a:effectRef idx="0">
+            <a:schemeClr val="accent1"/>
+          </a:effectRef>
+          <a:fontRef idx="minor">
+            <a:schemeClr val="lt1"/>
+          </a:fontRef>
+        </p:style>
+        <p:txBody>
+          <a:bodyPr rtlCol="0" anchor="ctr"/>
+          <a:lstStyle/>
+          <a:p>
+            <a:pPr algn="ctr"/>
+            <a:r>
+              <a:rPr kumimoji="1" lang="ko-KR" altLang="en-US" sz="1400">
+                <a:solidFill>
+                  <a:schemeClr val="bg1"/>
+                </a:solidFill>
+              </a:rPr>
+              <a:t>최종 컨텐츠  합성</a:t>
+            </a:r>
+            <a:endParaRPr kumimoji="1" lang="ko-KR" altLang="en-US" sz="1400" dirty="0">
+              <a:solidFill>
+                <a:schemeClr val="bg1"/>
+              </a:solidFill>
+            </a:endParaRPr>
+          </a:p>
+        </p:txBody>
+      </p:sp>
+      <p:sp>
+        <p:nvSpPr>
+          <p:cNvPr id="48" name="모서리가 둥근 직사각형 24"/>
+          <p:cNvSpPr/>
+          <p:nvPr/>
+        </p:nvSpPr>
+        <p:spPr>
+          <a:xfrm>
+            <a:off x="6240844" y="4120377"/>
+            <a:ext cx="878013" cy="563163"/>
+          </a:xfrm>
+          <a:prstGeom prst="roundRect">
+            <a:avLst/>
+          </a:prstGeom>
+          <a:solidFill>
+            <a:srgbClr val="00B0F0"/>
+          </a:solidFill>
+          <a:ln>
+            <a:noFill/>
+          </a:ln>
+        </p:spPr>
+        <p:style>
+          <a:lnRef idx="2">
+            <a:schemeClr val="accent1">
+              <a:shade val="50000"/>
+            </a:schemeClr>
+          </a:lnRef>
+          <a:fillRef idx="1">
+            <a:schemeClr val="accent1"/>
+          </a:fillRef>
+          <a:effectRef idx="0">
+            <a:schemeClr val="accent1"/>
+          </a:effectRef>
+          <a:fontRef idx="minor">
+            <a:schemeClr val="lt1"/>
+          </a:fontRef>
+        </p:style>
+        <p:txBody>
+          <a:bodyPr rtlCol="0" anchor="ctr"/>
+          <a:lstStyle/>
+          <a:p>
+            <a:pPr algn="ctr"/>
+            <a:r>
+              <a:rPr kumimoji="1" lang="ko-KR" altLang="en-US" sz="1400" dirty="0">
+                <a:solidFill>
+                  <a:schemeClr val="bg1"/>
+                </a:solidFill>
+              </a:rPr>
+              <a:t>아이템</a:t>
+            </a:r>
           </a:p>
         </p:txBody>
       </p:sp>
@@ -26069,13 +26542,6 @@
   <p:transition spd="slow">
     <p:push/>
   </p:transition>
-  <p:timing>
-    <p:tnLst>
-      <p:par>
-        <p:cTn id="1" dur="indefinite" restart="never" nodeType="tmRoot"/>
-      </p:par>
-    </p:tnLst>
-  </p:timing>
 </p:sld>
 </file>
 
@@ -26135,13 +26601,6 @@
   <p:clrMapOvr>
     <a:masterClrMapping/>
   </p:clrMapOvr>
-  <p:timing>
-    <p:tnLst>
-      <p:par>
-        <p:cTn id="1" dur="indefinite" restart="never" nodeType="tmRoot"/>
-      </p:par>
-    </p:tnLst>
-  </p:timing>
 </p:sld>
 </file>
 
@@ -26354,15 +26813,7 @@
                   <a:prstClr val="black"/>
                 </a:solidFill>
               </a:rPr>
-              <a:t>쉴 틈 없는 공격을 통한 액션의 </a:t>
-            </a:r>
-            <a:r>
-              <a:rPr kumimoji="1" lang="ko-KR" altLang="en-US" sz="2000" b="1" dirty="0" smtClean="0">
-                <a:solidFill>
-                  <a:prstClr val="black"/>
-                </a:solidFill>
-              </a:rPr>
-              <a:t>경험</a:t>
+              <a:t>쉴 틈 없는 공격을 통한 액션의 경험</a:t>
             </a:r>
             <a:endParaRPr kumimoji="1" lang="en-US" altLang="ko-KR" sz="2000" b="1" dirty="0">
               <a:solidFill>
@@ -31115,13 +31566,6 @@
   <p:clrMapOvr>
     <a:masterClrMapping/>
   </p:clrMapOvr>
-  <p:timing>
-    <p:tnLst>
-      <p:par>
-        <p:cTn id="1" dur="indefinite" restart="never" nodeType="tmRoot"/>
-      </p:par>
-    </p:tnLst>
-  </p:timing>
 </p:sld>
 </file>
 
@@ -31553,13 +31997,6 @@
   <p:clrMapOvr>
     <a:masterClrMapping/>
   </p:clrMapOvr>
-  <p:timing>
-    <p:tnLst>
-      <p:par>
-        <p:cTn id="1" dur="indefinite" restart="never" nodeType="tmRoot"/>
-      </p:par>
-    </p:tnLst>
-  </p:timing>
 </p:sld>
 </file>
 
@@ -32446,7 +32883,7 @@
           <a:p>
             <a:pPr lvl="0" algn="ctr"/>
             <a:r>
-              <a:rPr kumimoji="1" lang="ko-KR" altLang="en-US" sz="2800" b="1" dirty="0" smtClean="0">
+              <a:rPr kumimoji="1" lang="ko-KR" altLang="en-US" sz="2800" b="1" dirty="0">
                 <a:solidFill>
                   <a:prstClr val="black"/>
                 </a:solidFill>
@@ -32454,12 +32891,6 @@
               </a:rPr>
               <a:t>쉐이더</a:t>
             </a:r>
-            <a:endParaRPr kumimoji="1" lang="ko-KR" altLang="en-US" sz="2800" b="1" dirty="0">
-              <a:solidFill>
-                <a:prstClr val="black"/>
-              </a:solidFill>
-              <a:latin typeface="+mj-lt"/>
-            </a:endParaRPr>
           </a:p>
         </p:txBody>
       </p:sp>

--- a/documents/노루막이_김형준_신창섭_홍승필_허지훈.pptx
+++ b/documents/노루막이_김형준_신창섭_홍승필_허지훈.pptx
@@ -18134,7 +18134,9 @@
             <a:avLst/>
           </a:prstGeom>
           <a:solidFill>
-            <a:srgbClr val="00B0F0"/>
+            <a:schemeClr val="bg1">
+              <a:lumMod val="50000"/>
+            </a:schemeClr>
           </a:solidFill>
           <a:ln>
             <a:noFill/>
